--- a/socc12-bloom-tutorial/slides/bloom-tutorial.pptx
+++ b/socc12-bloom-tutorial/slides/bloom-tutorial.pptx
@@ -5,7 +5,7 @@
     <p:sldMasterId id="2147483648" r:id="rId1"/>
   </p:sldMasterIdLst>
   <p:notesMasterIdLst>
-    <p:notesMasterId r:id="rId52"/>
+    <p:notesMasterId r:id="rId57"/>
   </p:notesMasterIdLst>
   <p:sldIdLst>
     <p:sldId id="256" r:id="rId2"/>
@@ -25,39 +25,44 @@
     <p:sldId id="271" r:id="rId16"/>
     <p:sldId id="287" r:id="rId17"/>
     <p:sldId id="306" r:id="rId18"/>
-    <p:sldId id="273" r:id="rId19"/>
-    <p:sldId id="274" r:id="rId20"/>
-    <p:sldId id="275" r:id="rId21"/>
-    <p:sldId id="276" r:id="rId22"/>
-    <p:sldId id="307" r:id="rId23"/>
-    <p:sldId id="308" r:id="rId24"/>
-    <p:sldId id="288" r:id="rId25"/>
-    <p:sldId id="281" r:id="rId26"/>
-    <p:sldId id="282" r:id="rId27"/>
-    <p:sldId id="312" r:id="rId28"/>
-    <p:sldId id="309" r:id="rId29"/>
-    <p:sldId id="310" r:id="rId30"/>
-    <p:sldId id="313" r:id="rId31"/>
-    <p:sldId id="311" r:id="rId32"/>
-    <p:sldId id="284" r:id="rId33"/>
-    <p:sldId id="289" r:id="rId34"/>
-    <p:sldId id="290" r:id="rId35"/>
-    <p:sldId id="291" r:id="rId36"/>
-    <p:sldId id="292" r:id="rId37"/>
-    <p:sldId id="293" r:id="rId38"/>
-    <p:sldId id="294" r:id="rId39"/>
-    <p:sldId id="295" r:id="rId40"/>
-    <p:sldId id="296" r:id="rId41"/>
-    <p:sldId id="297" r:id="rId42"/>
-    <p:sldId id="298" r:id="rId43"/>
-    <p:sldId id="299" r:id="rId44"/>
-    <p:sldId id="300" r:id="rId45"/>
-    <p:sldId id="301" r:id="rId46"/>
-    <p:sldId id="302" r:id="rId47"/>
-    <p:sldId id="303" r:id="rId48"/>
-    <p:sldId id="304" r:id="rId49"/>
-    <p:sldId id="305" r:id="rId50"/>
-    <p:sldId id="286" r:id="rId51"/>
+    <p:sldId id="318" r:id="rId19"/>
+    <p:sldId id="273" r:id="rId20"/>
+    <p:sldId id="274" r:id="rId21"/>
+    <p:sldId id="275" r:id="rId22"/>
+    <p:sldId id="276" r:id="rId23"/>
+    <p:sldId id="307" r:id="rId24"/>
+    <p:sldId id="308" r:id="rId25"/>
+    <p:sldId id="288" r:id="rId26"/>
+    <p:sldId id="281" r:id="rId27"/>
+    <p:sldId id="282" r:id="rId28"/>
+    <p:sldId id="312" r:id="rId29"/>
+    <p:sldId id="309" r:id="rId30"/>
+    <p:sldId id="310" r:id="rId31"/>
+    <p:sldId id="313" r:id="rId32"/>
+    <p:sldId id="311" r:id="rId33"/>
+    <p:sldId id="284" r:id="rId34"/>
+    <p:sldId id="289" r:id="rId35"/>
+    <p:sldId id="290" r:id="rId36"/>
+    <p:sldId id="291" r:id="rId37"/>
+    <p:sldId id="292" r:id="rId38"/>
+    <p:sldId id="293" r:id="rId39"/>
+    <p:sldId id="294" r:id="rId40"/>
+    <p:sldId id="295" r:id="rId41"/>
+    <p:sldId id="296" r:id="rId42"/>
+    <p:sldId id="297" r:id="rId43"/>
+    <p:sldId id="298" r:id="rId44"/>
+    <p:sldId id="299" r:id="rId45"/>
+    <p:sldId id="300" r:id="rId46"/>
+    <p:sldId id="301" r:id="rId47"/>
+    <p:sldId id="302" r:id="rId48"/>
+    <p:sldId id="303" r:id="rId49"/>
+    <p:sldId id="304" r:id="rId50"/>
+    <p:sldId id="305" r:id="rId51"/>
+    <p:sldId id="286" r:id="rId52"/>
+    <p:sldId id="314" r:id="rId53"/>
+    <p:sldId id="317" r:id="rId54"/>
+    <p:sldId id="316" r:id="rId55"/>
+    <p:sldId id="315" r:id="rId56"/>
   </p:sldIdLst>
   <p:sldSz cx="9144000" cy="6858000" type="screen4x3"/>
   <p:notesSz cx="6858000" cy="9144000"/>
@@ -673,7 +678,7 @@
           <a:p>
             <a:fld id="{ACB9D95B-D351-D448-828A-55A5AC13575E}" type="slidenum">
               <a:rPr lang="en-US" smtClean="0"/>
-              <a:t>43</a:t>
+              <a:t>44</a:t>
             </a:fld>
             <a:endParaRPr lang="en-US"/>
           </a:p>
@@ -765,7 +770,7 @@
           <a:p>
             <a:fld id="{ACB9D95B-D351-D448-828A-55A5AC13575E}" type="slidenum">
               <a:rPr lang="en-US" smtClean="0"/>
-              <a:t>44</a:t>
+              <a:t>45</a:t>
             </a:fld>
             <a:endParaRPr lang="en-US"/>
           </a:p>
@@ -853,7 +858,7 @@
           <a:p>
             <a:fld id="{ACB9D95B-D351-D448-828A-55A5AC13575E}" type="slidenum">
               <a:rPr lang="en-US" smtClean="0"/>
-              <a:t>47</a:t>
+              <a:t>48</a:t>
             </a:fld>
             <a:endParaRPr lang="en-US"/>
           </a:p>
@@ -941,7 +946,7 @@
           <a:p>
             <a:fld id="{ACB9D95B-D351-D448-828A-55A5AC13575E}" type="slidenum">
               <a:rPr lang="en-US" smtClean="0"/>
-              <a:t>48</a:t>
+              <a:t>49</a:t>
             </a:fld>
             <a:endParaRPr lang="en-US"/>
           </a:p>
@@ -1029,7 +1034,7 @@
           <a:p>
             <a:fld id="{ACB9D95B-D351-D448-828A-55A5AC13575E}" type="slidenum">
               <a:rPr lang="en-US" smtClean="0"/>
-              <a:t>49</a:t>
+              <a:t>50</a:t>
             </a:fld>
             <a:endParaRPr lang="en-US"/>
           </a:p>
@@ -1121,7 +1126,7 @@
           <a:p>
             <a:fld id="{A32864C9-CCE7-B240-96BF-80B66869E1E9}" type="slidenum">
               <a:rPr lang="en-US" smtClean="0"/>
-              <a:t>50</a:t>
+              <a:t>51</a:t>
             </a:fld>
             <a:endParaRPr lang="en-US"/>
           </a:p>
@@ -1217,7 +1222,7 @@
           <a:p>
             <a:fld id="{ACB9D95B-D351-D448-828A-55A5AC13575E}" type="slidenum">
               <a:rPr lang="en-US" smtClean="0"/>
-              <a:t>33</a:t>
+              <a:t>34</a:t>
             </a:fld>
             <a:endParaRPr lang="en-US"/>
           </a:p>
@@ -1315,7 +1320,7 @@
           <a:p>
             <a:fld id="{ACB9D95B-D351-D448-828A-55A5AC13575E}" type="slidenum">
               <a:rPr lang="en-US" smtClean="0"/>
-              <a:t>34</a:t>
+              <a:t>35</a:t>
             </a:fld>
             <a:endParaRPr lang="en-US"/>
           </a:p>
@@ -1415,7 +1420,7 @@
           <a:p>
             <a:fld id="{ACB9D95B-D351-D448-828A-55A5AC13575E}" type="slidenum">
               <a:rPr lang="en-US" smtClean="0"/>
-              <a:t>36</a:t>
+              <a:t>37</a:t>
             </a:fld>
             <a:endParaRPr lang="en-US"/>
           </a:p>
@@ -1506,7 +1511,7 @@
           <a:p>
             <a:fld id="{ACB9D95B-D351-D448-828A-55A5AC13575E}" type="slidenum">
               <a:rPr lang="en-US" smtClean="0"/>
-              <a:t>37</a:t>
+              <a:t>38</a:t>
             </a:fld>
             <a:endParaRPr lang="en-US"/>
           </a:p>
@@ -1605,7 +1610,7 @@
           <a:p>
             <a:fld id="{ACB9D95B-D351-D448-828A-55A5AC13575E}" type="slidenum">
               <a:rPr lang="en-US" smtClean="0"/>
-              <a:t>38</a:t>
+              <a:t>39</a:t>
             </a:fld>
             <a:endParaRPr lang="en-US"/>
           </a:p>
@@ -1693,7 +1698,7 @@
           <a:p>
             <a:fld id="{ACB9D95B-D351-D448-828A-55A5AC13575E}" type="slidenum">
               <a:rPr lang="en-US" smtClean="0"/>
-              <a:t>39</a:t>
+              <a:t>40</a:t>
             </a:fld>
             <a:endParaRPr lang="en-US"/>
           </a:p>
@@ -1781,7 +1786,7 @@
           <a:p>
             <a:fld id="{ACB9D95B-D351-D448-828A-55A5AC13575E}" type="slidenum">
               <a:rPr lang="en-US" smtClean="0"/>
-              <a:t>40</a:t>
+              <a:t>41</a:t>
             </a:fld>
             <a:endParaRPr lang="en-US"/>
           </a:p>
@@ -1895,7 +1900,7 @@
           <a:p>
             <a:fld id="{ACB9D95B-D351-D448-828A-55A5AC13575E}" type="slidenum">
               <a:rPr lang="en-US" smtClean="0"/>
-              <a:t>42</a:t>
+              <a:t>43</a:t>
             </a:fld>
             <a:endParaRPr lang="en-US"/>
           </a:p>
@@ -5988,21 +5993,12 @@
         </p:nvSpPr>
         <p:spPr/>
         <p:txBody>
-          <a:bodyPr>
-            <a:normAutofit fontScale="90000"/>
-          </a:bodyPr>
+          <a:bodyPr/>
           <a:lstStyle/>
           <a:p>
             <a:r>
               <a:rPr lang="en-US" dirty="0" smtClean="0"/>
-              <a:t>Distributed design patterns</a:t>
-            </a:r>
-            <a:br>
-              <a:rPr lang="en-US" dirty="0" smtClean="0"/>
-            </a:br>
-            <a:r>
-              <a:rPr lang="en-US" dirty="0" smtClean="0"/>
-              <a:t>for eventual consistency</a:t>
+              <a:t>There’s stuff you can do in</a:t>
             </a:r>
             <a:endParaRPr lang="en-US" dirty="0"/>
           </a:p>
@@ -6020,9 +6016,60 @@
         </p:nvSpPr>
         <p:spPr/>
         <p:txBody>
-          <a:bodyPr/>
-          <a:lstStyle/>
-          <a:p>
+          <a:bodyPr>
+            <a:normAutofit fontScale="92500" lnSpcReduction="10000"/>
+          </a:bodyPr>
+          <a:lstStyle/>
+          <a:p>
+            <a:r>
+              <a:rPr lang="en-US" dirty="0" smtClean="0"/>
+              <a:t>The storage layer…. Or you can pop up.</a:t>
+            </a:r>
+          </a:p>
+          <a:p>
+            <a:endParaRPr lang="en-US" dirty="0"/>
+          </a:p>
+          <a:p>
+            <a:r>
+              <a:rPr lang="en-US" dirty="0" smtClean="0"/>
+              <a:t>Layer </a:t>
+            </a:r>
+            <a:r>
+              <a:rPr lang="en-US" dirty="0" err="1" smtClean="0"/>
+              <a:t>vs</a:t>
+            </a:r>
+            <a:r>
+              <a:rPr lang="en-US" dirty="0" smtClean="0"/>
+              <a:t> language</a:t>
+            </a:r>
+          </a:p>
+          <a:p>
+            <a:r>
+              <a:rPr lang="en-US" dirty="0" smtClean="0"/>
+              <a:t>Sequential emulation at the storage layer</a:t>
+            </a:r>
+          </a:p>
+          <a:p>
+            <a:r>
+              <a:rPr lang="en-US" dirty="0" err="1" smtClean="0"/>
+              <a:t>Crdts</a:t>
+            </a:r>
+            <a:r>
+              <a:rPr lang="en-US" dirty="0" smtClean="0"/>
+              <a:t> – state-centric attempt to achieve relaxed ordering (object-by-object)</a:t>
+            </a:r>
+          </a:p>
+          <a:p>
+            <a:r>
+              <a:rPr lang="en-US" dirty="0" smtClean="0"/>
+              <a:t>Then bloom </a:t>
+            </a:r>
+          </a:p>
+          <a:p>
+            <a:r>
+              <a:rPr lang="en-US" dirty="0" smtClean="0"/>
+              <a:t>The programming model should match the computation model </a:t>
+            </a:r>
             <a:endParaRPr lang="en-US" dirty="0"/>
           </a:p>
         </p:txBody>
@@ -6030,7 +6077,7 @@
     </p:spTree>
     <p:extLst>
       <p:ext uri="{BB962C8B-B14F-4D97-AF65-F5344CB8AC3E}">
-        <p14:creationId xmlns:p14="http://schemas.microsoft.com/office/powerpoint/2010/main" val="1464956512"/>
+        <p14:creationId xmlns:p14="http://schemas.microsoft.com/office/powerpoint/2010/main" val="4178425094"/>
       </p:ext>
     </p:extLst>
   </p:cSld>
@@ -6069,12 +6116,21 @@
         </p:nvSpPr>
         <p:spPr/>
         <p:txBody>
-          <a:bodyPr/>
+          <a:bodyPr>
+            <a:normAutofit fontScale="90000"/>
+          </a:bodyPr>
           <a:lstStyle/>
           <a:p>
             <a:r>
               <a:rPr lang="en-US" dirty="0" smtClean="0"/>
-              <a:t>ACID 2.0</a:t>
+              <a:t>Distributed design patterns</a:t>
+            </a:r>
+            <a:br>
+              <a:rPr lang="en-US" dirty="0" smtClean="0"/>
+            </a:br>
+            <a:r>
+              <a:rPr lang="en-US" dirty="0" smtClean="0"/>
+              <a:t>for eventual consistency</a:t>
             </a:r>
             <a:endParaRPr lang="en-US" dirty="0"/>
           </a:p>
@@ -6092,168 +6148,17 @@
         </p:nvSpPr>
         <p:spPr/>
         <p:txBody>
-          <a:bodyPr>
-            <a:normAutofit fontScale="70000" lnSpcReduction="20000"/>
-          </a:bodyPr>
-          <a:lstStyle/>
-          <a:p>
-            <a:pPr marL="0" indent="0">
-              <a:buNone/>
-            </a:pPr>
-            <a:r>
-              <a:rPr lang="en-US" dirty="0"/>
-              <a:t>The classic ACID has the goal to make the application </a:t>
-            </a:r>
-            <a:r>
-              <a:rPr lang="en-US" dirty="0" smtClean="0"/>
-              <a:t>perceive </a:t>
-            </a:r>
-            <a:r>
-              <a:rPr lang="en-US" dirty="0"/>
-              <a:t>that there is exactly one computer and it is doing nothing </a:t>
-            </a:r>
-            <a:r>
-              <a:rPr lang="en-US" dirty="0" smtClean="0"/>
-              <a:t>else </a:t>
-            </a:r>
-            <a:r>
-              <a:rPr lang="en-US" dirty="0"/>
-              <a:t>while this transaction is being processed.</a:t>
-            </a:r>
-          </a:p>
-          <a:p>
-            <a:pPr marL="0" indent="0">
-              <a:buNone/>
-            </a:pPr>
+          <a:bodyPr/>
+          <a:lstStyle/>
+          <a:p>
             <a:endParaRPr lang="en-US" dirty="0"/>
-          </a:p>
-          <a:p>
-            <a:pPr marL="0" indent="0">
-              <a:buNone/>
-            </a:pPr>
-            <a:r>
-              <a:rPr lang="en-US" dirty="0"/>
-              <a:t>Consider the new ACID (or ACID2.0).  The letters stand for: </a:t>
-            </a:r>
-            <a:r>
-              <a:rPr lang="en-US" dirty="0" smtClean="0"/>
-              <a:t>Associative</a:t>
-            </a:r>
-            <a:r>
-              <a:rPr lang="en-US" dirty="0"/>
-              <a:t>, Commutative, Idempotent, and </a:t>
-            </a:r>
-            <a:r>
-              <a:rPr lang="en-US" dirty="0" smtClean="0"/>
-              <a:t>Distributed.  The goal </a:t>
-            </a:r>
-            <a:r>
-              <a:rPr lang="en-US" dirty="0"/>
-              <a:t>for ACID2.0 is to succeed if the pieces of the </a:t>
-            </a:r>
-            <a:r>
-              <a:rPr lang="en-US" dirty="0" smtClean="0"/>
-              <a:t>work happen</a:t>
-            </a:r>
-            <a:r>
-              <a:rPr lang="en-US" dirty="0"/>
-              <a:t>:</a:t>
-            </a:r>
-          </a:p>
-          <a:p>
-            <a:pPr marL="0" indent="0">
-              <a:buNone/>
-            </a:pPr>
-            <a:endParaRPr lang="en-US" dirty="0"/>
-          </a:p>
-          <a:p>
-            <a:pPr marL="0" indent="0">
-              <a:buNone/>
-            </a:pPr>
-            <a:r>
-              <a:rPr lang="en-US" dirty="0"/>
-              <a:t> At least once</a:t>
-            </a:r>
-            <a:r>
-              <a:rPr lang="en-US" dirty="0" smtClean="0"/>
-              <a:t>,</a:t>
-            </a:r>
-            <a:endParaRPr lang="en-US" dirty="0"/>
-          </a:p>
-          <a:p>
-            <a:pPr marL="0" indent="0">
-              <a:buNone/>
-            </a:pPr>
-            <a:r>
-              <a:rPr lang="en-US" dirty="0"/>
-              <a:t> Anywhere in the system</a:t>
-            </a:r>
-            <a:r>
-              <a:rPr lang="en-US" dirty="0" smtClean="0"/>
-              <a:t>,</a:t>
-            </a:r>
-            <a:endParaRPr lang="en-US" dirty="0"/>
-          </a:p>
-          <a:p>
-            <a:pPr marL="0" indent="0">
-              <a:buNone/>
-            </a:pPr>
-            <a:r>
-              <a:rPr lang="en-US" dirty="0"/>
-              <a:t> In any order</a:t>
-            </a:r>
-            <a:r>
-              <a:rPr lang="en-US" dirty="0" smtClean="0"/>
-              <a:t>.</a:t>
-            </a:r>
-          </a:p>
-          <a:p>
-            <a:pPr marL="0" indent="0">
-              <a:buNone/>
-            </a:pPr>
-            <a:endParaRPr lang="en-US" dirty="0"/>
-          </a:p>
-          <a:p>
-            <a:pPr marL="0" indent="0">
-              <a:buNone/>
-            </a:pPr>
-            <a:r>
-              <a:rPr lang="en-US" dirty="0" smtClean="0"/>
-              <a:t>										- Pat </a:t>
-            </a:r>
-            <a:r>
-              <a:rPr lang="en-US" dirty="0" err="1" smtClean="0"/>
-              <a:t>Helland</a:t>
-            </a:r>
-            <a:r>
-              <a:rPr lang="en-US" dirty="0" smtClean="0"/>
-              <a:t>,</a:t>
-            </a:r>
-          </a:p>
-          <a:p>
-            <a:pPr marL="0" indent="0">
-              <a:buNone/>
-            </a:pPr>
-            <a:r>
-              <a:rPr lang="en-US" dirty="0"/>
-              <a:t>	</a:t>
-            </a:r>
-            <a:r>
-              <a:rPr lang="en-US" dirty="0" smtClean="0"/>
-              <a:t>									</a:t>
-            </a:r>
-            <a:r>
-              <a:rPr lang="en-US" i="1" dirty="0" smtClean="0"/>
-              <a:t>Building on quicksand</a:t>
-            </a:r>
-            <a:endParaRPr lang="en-US" i="1" dirty="0"/>
           </a:p>
         </p:txBody>
       </p:sp>
     </p:spTree>
     <p:extLst>
       <p:ext uri="{BB962C8B-B14F-4D97-AF65-F5344CB8AC3E}">
-        <p14:creationId xmlns:p14="http://schemas.microsoft.com/office/powerpoint/2010/main" val="2522880521"/>
+        <p14:creationId xmlns:p14="http://schemas.microsoft.com/office/powerpoint/2010/main" val="1464956512"/>
       </p:ext>
     </p:extLst>
   </p:cSld>
@@ -6368,45 +6273,168 @@
         </p:nvSpPr>
         <p:spPr/>
         <p:txBody>
-          <a:bodyPr/>
-          <a:lstStyle/>
-          <a:p>
+          <a:bodyPr>
+            <a:normAutofit fontScale="70000" lnSpcReduction="20000"/>
+          </a:bodyPr>
+          <a:lstStyle/>
+          <a:p>
+            <a:pPr marL="0" indent="0">
+              <a:buNone/>
+            </a:pPr>
+            <a:r>
+              <a:rPr lang="en-US" dirty="0"/>
+              <a:t>The classic ACID has the goal to make the application </a:t>
+            </a:r>
             <a:r>
               <a:rPr lang="en-US" dirty="0" smtClean="0"/>
-              <a:t>Associative --  operations can be ``eagerly’’ processed</a:t>
-            </a:r>
-          </a:p>
-          <a:p>
+              <a:t>perceive </a:t>
+            </a:r>
+            <a:r>
+              <a:rPr lang="en-US" dirty="0"/>
+              <a:t>that there is exactly one computer and it is doing nothing </a:t>
+            </a:r>
             <a:r>
               <a:rPr lang="en-US" dirty="0" smtClean="0"/>
-              <a:t>Commutative – operations can be reordered</a:t>
-            </a:r>
-          </a:p>
-          <a:p>
+              <a:t>else </a:t>
+            </a:r>
+            <a:r>
+              <a:rPr lang="en-US" dirty="0"/>
+              <a:t>while this transaction is being processed.</a:t>
+            </a:r>
+          </a:p>
+          <a:p>
+            <a:pPr marL="0" indent="0">
+              <a:buNone/>
+            </a:pPr>
+            <a:endParaRPr lang="en-US" dirty="0"/>
+          </a:p>
+          <a:p>
+            <a:pPr marL="0" indent="0">
+              <a:buNone/>
+            </a:pPr>
+            <a:r>
+              <a:rPr lang="en-US" dirty="0"/>
+              <a:t>Consider the new ACID (or ACID2.0).  The letters stand for: </a:t>
+            </a:r>
             <a:r>
               <a:rPr lang="en-US" dirty="0" smtClean="0"/>
-              <a:t>Idempotent – retry is always an option</a:t>
-            </a:r>
-          </a:p>
-          <a:p>
+              <a:t>Associative</a:t>
+            </a:r>
+            <a:r>
+              <a:rPr lang="en-US" dirty="0"/>
+              <a:t>, Commutative, Idempotent, and </a:t>
+            </a:r>
             <a:r>
               <a:rPr lang="en-US" dirty="0" smtClean="0"/>
-              <a:t>Distributed – </a:t>
-            </a:r>
-            <a:r>
-              <a:rPr lang="en-US" smtClean="0"/>
-              <a:t>(needed a ``D’’)</a:t>
-            </a:r>
-          </a:p>
-          <a:p>
+              <a:t>Distributed.  The goal </a:t>
+            </a:r>
+            <a:r>
+              <a:rPr lang="en-US" dirty="0"/>
+              <a:t>for ACID2.0 is to succeed if the pieces of the </a:t>
+            </a:r>
+            <a:r>
+              <a:rPr lang="en-US" dirty="0" smtClean="0"/>
+              <a:t>work happen</a:t>
+            </a:r>
+            <a:r>
+              <a:rPr lang="en-US" dirty="0"/>
+              <a:t>:</a:t>
+            </a:r>
+          </a:p>
+          <a:p>
+            <a:pPr marL="0" indent="0">
+              <a:buNone/>
+            </a:pPr>
             <a:endParaRPr lang="en-US" dirty="0"/>
+          </a:p>
+          <a:p>
+            <a:pPr marL="0" indent="0">
+              <a:buNone/>
+            </a:pPr>
+            <a:r>
+              <a:rPr lang="en-US" dirty="0"/>
+              <a:t> At least once</a:t>
+            </a:r>
+            <a:r>
+              <a:rPr lang="en-US" dirty="0" smtClean="0"/>
+              <a:t>,</a:t>
+            </a:r>
+            <a:endParaRPr lang="en-US" dirty="0"/>
+          </a:p>
+          <a:p>
+            <a:pPr marL="0" indent="0">
+              <a:buNone/>
+            </a:pPr>
+            <a:r>
+              <a:rPr lang="en-US" dirty="0"/>
+              <a:t> Anywhere in the system</a:t>
+            </a:r>
+            <a:r>
+              <a:rPr lang="en-US" dirty="0" smtClean="0"/>
+              <a:t>,</a:t>
+            </a:r>
+            <a:endParaRPr lang="en-US" dirty="0"/>
+          </a:p>
+          <a:p>
+            <a:pPr marL="0" indent="0">
+              <a:buNone/>
+            </a:pPr>
+            <a:r>
+              <a:rPr lang="en-US" dirty="0"/>
+              <a:t> In any order</a:t>
+            </a:r>
+            <a:r>
+              <a:rPr lang="en-US" dirty="0" smtClean="0"/>
+              <a:t>.</a:t>
+            </a:r>
+          </a:p>
+          <a:p>
+            <a:pPr marL="0" indent="0">
+              <a:buNone/>
+            </a:pPr>
+            <a:endParaRPr lang="en-US" dirty="0"/>
+          </a:p>
+          <a:p>
+            <a:pPr marL="0" indent="0">
+              <a:buNone/>
+            </a:pPr>
+            <a:r>
+              <a:rPr lang="en-US" dirty="0" smtClean="0"/>
+              <a:t>										- Pat </a:t>
+            </a:r>
+            <a:r>
+              <a:rPr lang="en-US" dirty="0" err="1" smtClean="0"/>
+              <a:t>Helland</a:t>
+            </a:r>
+            <a:r>
+              <a:rPr lang="en-US" dirty="0" smtClean="0"/>
+              <a:t>,</a:t>
+            </a:r>
+          </a:p>
+          <a:p>
+            <a:pPr marL="0" indent="0">
+              <a:buNone/>
+            </a:pPr>
+            <a:r>
+              <a:rPr lang="en-US" dirty="0"/>
+              <a:t>	</a:t>
+            </a:r>
+            <a:r>
+              <a:rPr lang="en-US" dirty="0" smtClean="0"/>
+              <a:t>									</a:t>
+            </a:r>
+            <a:r>
+              <a:rPr lang="en-US" i="1" dirty="0" smtClean="0"/>
+              <a:t>Building on quicksand</a:t>
+            </a:r>
+            <a:endParaRPr lang="en-US" i="1" dirty="0"/>
           </a:p>
         </p:txBody>
       </p:sp>
     </p:spTree>
     <p:extLst>
       <p:ext uri="{BB962C8B-B14F-4D97-AF65-F5344CB8AC3E}">
-        <p14:creationId xmlns:p14="http://schemas.microsoft.com/office/powerpoint/2010/main" val="1789692968"/>
+        <p14:creationId xmlns:p14="http://schemas.microsoft.com/office/powerpoint/2010/main" val="2522880521"/>
       </p:ext>
     </p:extLst>
   </p:cSld>
@@ -6471,46 +6499,34 @@
           <a:bodyPr/>
           <a:lstStyle/>
           <a:p>
-            <a:pPr marL="0" indent="0">
-              <a:buNone/>
-            </a:pPr>
             <a:r>
               <a:rPr lang="en-US" dirty="0" smtClean="0"/>
-              <a:t>Instead of low-level reads and writes programmers use an abstract vocabulary of </a:t>
-            </a:r>
-            <a:r>
-              <a:rPr lang="en-US" dirty="0" err="1" smtClean="0"/>
-              <a:t>reorderable</a:t>
-            </a:r>
+              <a:t>Associative --  operations can be ``eagerly’’ processed</a:t>
+            </a:r>
+          </a:p>
+          <a:p>
             <a:r>
               <a:rPr lang="en-US" dirty="0" smtClean="0"/>
-              <a:t>, </a:t>
-            </a:r>
-            <a:r>
-              <a:rPr lang="en-US" dirty="0" err="1" smtClean="0"/>
-              <a:t>retryable</a:t>
-            </a:r>
+              <a:t>Commutative – operations can be reordered</a:t>
+            </a:r>
+          </a:p>
+          <a:p>
             <a:r>
               <a:rPr lang="en-US" dirty="0" smtClean="0"/>
-              <a:t> actions:</a:t>
-            </a:r>
-            <a:endParaRPr lang="en-US" dirty="0"/>
+              <a:t>Idempotent – retry is always an option</a:t>
+            </a:r>
           </a:p>
           <a:p>
             <a:r>
               <a:rPr lang="en-US" dirty="0" smtClean="0"/>
-              <a:t>Retry – a mechanism to ensure that all messages are delivered</a:t>
-            </a:r>
-          </a:p>
-          <a:p>
-            <a:r>
-              <a:rPr lang="en-US" dirty="0" err="1" smtClean="0"/>
-              <a:t>Reorderability</a:t>
-            </a:r>
-            <a:r>
-              <a:rPr lang="en-US" dirty="0" smtClean="0"/>
-              <a:t> -- ensures that all replicas converge</a:t>
-            </a:r>
+              <a:t>Distributed – </a:t>
+            </a:r>
+            <a:r>
+              <a:rPr lang="en-US" smtClean="0"/>
+              <a:t>(needed a ``D’’)</a:t>
+            </a:r>
+          </a:p>
+          <a:p>
             <a:endParaRPr lang="en-US" dirty="0"/>
           </a:p>
         </p:txBody>
@@ -6518,7 +6534,7 @@
     </p:spTree>
     <p:extLst>
       <p:ext uri="{BB962C8B-B14F-4D97-AF65-F5344CB8AC3E}">
-        <p14:creationId xmlns:p14="http://schemas.microsoft.com/office/powerpoint/2010/main" val="2937378636"/>
+        <p14:creationId xmlns:p14="http://schemas.microsoft.com/office/powerpoint/2010/main" val="1789692968"/>
       </p:ext>
     </p:extLst>
   </p:cSld>
@@ -6562,7 +6578,7 @@
           <a:p>
             <a:r>
               <a:rPr lang="en-US" dirty="0" smtClean="0"/>
-              <a:t>Putting ACID 2.0 into practice</a:t>
+              <a:t>ACID 2.0</a:t>
             </a:r>
             <a:endParaRPr lang="en-US" dirty="0"/>
           </a:p>
@@ -6583,14 +6599,54 @@
           <a:bodyPr/>
           <a:lstStyle/>
           <a:p>
-            <a:endParaRPr lang="en-US"/>
+            <a:pPr marL="0" indent="0">
+              <a:buNone/>
+            </a:pPr>
+            <a:r>
+              <a:rPr lang="en-US" dirty="0" smtClean="0"/>
+              <a:t>Instead of low-level reads and writes programmers use an abstract vocabulary of </a:t>
+            </a:r>
+            <a:r>
+              <a:rPr lang="en-US" dirty="0" err="1" smtClean="0"/>
+              <a:t>reorderable</a:t>
+            </a:r>
+            <a:r>
+              <a:rPr lang="en-US" dirty="0" smtClean="0"/>
+              <a:t>, </a:t>
+            </a:r>
+            <a:r>
+              <a:rPr lang="en-US" dirty="0" err="1" smtClean="0"/>
+              <a:t>retryable</a:t>
+            </a:r>
+            <a:r>
+              <a:rPr lang="en-US" dirty="0" smtClean="0"/>
+              <a:t> actions:</a:t>
+            </a:r>
+            <a:endParaRPr lang="en-US" dirty="0"/>
+          </a:p>
+          <a:p>
+            <a:r>
+              <a:rPr lang="en-US" dirty="0" smtClean="0"/>
+              <a:t>Retry – a mechanism to ensure that all messages are delivered</a:t>
+            </a:r>
+          </a:p>
+          <a:p>
+            <a:r>
+              <a:rPr lang="en-US" dirty="0" err="1" smtClean="0"/>
+              <a:t>Reorderability</a:t>
+            </a:r>
+            <a:r>
+              <a:rPr lang="en-US" dirty="0" smtClean="0"/>
+              <a:t> -- ensures that all replicas converge</a:t>
+            </a:r>
+            <a:endParaRPr lang="en-US" dirty="0"/>
           </a:p>
         </p:txBody>
       </p:sp>
     </p:spTree>
     <p:extLst>
       <p:ext uri="{BB962C8B-B14F-4D97-AF65-F5344CB8AC3E}">
-        <p14:creationId xmlns:p14="http://schemas.microsoft.com/office/powerpoint/2010/main" val="2440150099"/>
+        <p14:creationId xmlns:p14="http://schemas.microsoft.com/office/powerpoint/2010/main" val="2937378636"/>
       </p:ext>
     </p:extLst>
   </p:cSld>
@@ -6655,6 +6711,78 @@
           <a:bodyPr/>
           <a:lstStyle/>
           <a:p>
+            <a:endParaRPr lang="en-US"/>
+          </a:p>
+        </p:txBody>
+      </p:sp>
+    </p:spTree>
+    <p:extLst>
+      <p:ext uri="{BB962C8B-B14F-4D97-AF65-F5344CB8AC3E}">
+        <p14:creationId xmlns:p14="http://schemas.microsoft.com/office/powerpoint/2010/main" val="2440150099"/>
+      </p:ext>
+    </p:extLst>
+  </p:cSld>
+  <p:clrMapOvr>
+    <a:masterClrMapping/>
+  </p:clrMapOvr>
+</p:sld>
+</file>
+
+<file path=ppt/slides/slide24.xml><?xml version="1.0" encoding="utf-8"?>
+<p:sld xmlns:a="http://schemas.openxmlformats.org/drawingml/2006/main" xmlns:r="http://schemas.openxmlformats.org/officeDocument/2006/relationships" xmlns:p="http://schemas.openxmlformats.org/presentationml/2006/main">
+  <p:cSld>
+    <p:spTree>
+      <p:nvGrpSpPr>
+        <p:cNvPr id="1" name=""/>
+        <p:cNvGrpSpPr/>
+        <p:nvPr/>
+      </p:nvGrpSpPr>
+      <p:grpSpPr>
+        <a:xfrm>
+          <a:off x="0" y="0"/>
+          <a:ext cx="0" cy="0"/>
+          <a:chOff x="0" y="0"/>
+          <a:chExt cx="0" cy="0"/>
+        </a:xfrm>
+      </p:grpSpPr>
+      <p:sp>
+        <p:nvSpPr>
+          <p:cNvPr id="2" name="Title 1"/>
+          <p:cNvSpPr>
+            <a:spLocks noGrp="1"/>
+          </p:cNvSpPr>
+          <p:nvPr>
+            <p:ph type="title"/>
+          </p:nvPr>
+        </p:nvSpPr>
+        <p:spPr/>
+        <p:txBody>
+          <a:bodyPr/>
+          <a:lstStyle/>
+          <a:p>
+            <a:r>
+              <a:rPr lang="en-US" dirty="0" smtClean="0"/>
+              <a:t>Putting ACID 2.0 into practice</a:t>
+            </a:r>
+            <a:endParaRPr lang="en-US" dirty="0"/>
+          </a:p>
+        </p:txBody>
+      </p:sp>
+      <p:sp>
+        <p:nvSpPr>
+          <p:cNvPr id="3" name="Content Placeholder 2"/>
+          <p:cNvSpPr>
+            <a:spLocks noGrp="1"/>
+          </p:cNvSpPr>
+          <p:nvPr>
+            <p:ph idx="1"/>
+          </p:nvPr>
+        </p:nvSpPr>
+        <p:spPr/>
+        <p:txBody>
+          <a:bodyPr/>
+          <a:lstStyle/>
+          <a:p>
             <a:pPr marL="514350" indent="-514350">
               <a:buFont typeface="+mj-lt"/>
               <a:buAutoNum type="arabicPeriod"/>
@@ -6726,7 +6854,7 @@
 </p:sld>
 </file>
 
-<file path=ppt/slides/slide24.xml><?xml version="1.0" encoding="utf-8"?>
+<file path=ppt/slides/slide25.xml><?xml version="1.0" encoding="utf-8"?>
 <p:sld xmlns:a="http://schemas.openxmlformats.org/drawingml/2006/main" xmlns:r="http://schemas.openxmlformats.org/officeDocument/2006/relationships" xmlns:p="http://schemas.openxmlformats.org/presentationml/2006/main">
   <p:cSld>
     <p:spTree>
@@ -6865,138 +6993,6 @@
 </p:sld>
 </file>
 
-<file path=ppt/slides/slide25.xml><?xml version="1.0" encoding="utf-8"?>
-<p:sld xmlns:a="http://schemas.openxmlformats.org/drawingml/2006/main" xmlns:r="http://schemas.openxmlformats.org/officeDocument/2006/relationships" xmlns:p="http://schemas.openxmlformats.org/presentationml/2006/main">
-  <p:cSld>
-    <p:spTree>
-      <p:nvGrpSpPr>
-        <p:cNvPr id="1" name=""/>
-        <p:cNvGrpSpPr/>
-        <p:nvPr/>
-      </p:nvGrpSpPr>
-      <p:grpSpPr>
-        <a:xfrm>
-          <a:off x="0" y="0"/>
-          <a:ext cx="0" cy="0"/>
-          <a:chOff x="0" y="0"/>
-          <a:chExt cx="0" cy="0"/>
-        </a:xfrm>
-      </p:grpSpPr>
-      <p:sp>
-        <p:nvSpPr>
-          <p:cNvPr id="2" name="Title 1"/>
-          <p:cNvSpPr>
-            <a:spLocks noGrp="1"/>
-          </p:cNvSpPr>
-          <p:nvPr>
-            <p:ph type="title"/>
-          </p:nvPr>
-        </p:nvSpPr>
-        <p:spPr/>
-        <p:txBody>
-          <a:bodyPr/>
-          <a:lstStyle/>
-          <a:p>
-            <a:r>
-              <a:rPr lang="en-US" dirty="0" smtClean="0"/>
-              <a:t>C(v)RDTs</a:t>
-            </a:r>
-            <a:endParaRPr lang="en-US" dirty="0"/>
-          </a:p>
-        </p:txBody>
-      </p:sp>
-      <p:sp>
-        <p:nvSpPr>
-          <p:cNvPr id="3" name="Content Placeholder 2"/>
-          <p:cNvSpPr>
-            <a:spLocks noGrp="1"/>
-          </p:cNvSpPr>
-          <p:nvPr>
-            <p:ph idx="1"/>
-          </p:nvPr>
-        </p:nvSpPr>
-        <p:spPr/>
-        <p:txBody>
-          <a:bodyPr/>
-          <a:lstStyle/>
-          <a:p>
-            <a:pPr marL="0" indent="0">
-              <a:buNone/>
-            </a:pPr>
-            <a:r>
-              <a:rPr lang="en-US" dirty="0" smtClean="0"/>
-              <a:t>Convergent</a:t>
-            </a:r>
-            <a:r>
-              <a:rPr lang="en-US" dirty="0"/>
-              <a:t> </a:t>
-            </a:r>
-            <a:r>
-              <a:rPr lang="en-US" dirty="0" smtClean="0"/>
-              <a:t>Replicated </a:t>
-            </a:r>
-            <a:r>
-              <a:rPr lang="en-US" dirty="0" err="1" smtClean="0"/>
-              <a:t>Datatypes</a:t>
-            </a:r>
-            <a:endParaRPr lang="en-US" dirty="0" smtClean="0"/>
-          </a:p>
-          <a:p>
-            <a:pPr marL="0" indent="0">
-              <a:buNone/>
-            </a:pPr>
-            <a:endParaRPr lang="en-US" dirty="0"/>
-          </a:p>
-          <a:p>
-            <a:pPr marL="0" indent="0">
-              <a:buNone/>
-            </a:pPr>
-            <a:r>
-              <a:rPr lang="en-US" dirty="0" smtClean="0"/>
-              <a:t>Idea: </a:t>
-            </a:r>
-            <a:endParaRPr lang="en-US" dirty="0" smtClean="0"/>
-          </a:p>
-          <a:p>
-            <a:r>
-              <a:rPr lang="en-US" dirty="0" smtClean="0"/>
-              <a:t>represent state as a join </a:t>
-            </a:r>
-            <a:r>
-              <a:rPr lang="en-US" dirty="0" err="1" smtClean="0"/>
-              <a:t>semilattice</a:t>
-            </a:r>
-            <a:r>
-              <a:rPr lang="en-US" dirty="0" smtClean="0"/>
-              <a:t>. </a:t>
-            </a:r>
-          </a:p>
-          <a:p>
-            <a:r>
-              <a:rPr lang="en-US" dirty="0" smtClean="0"/>
-              <a:t>Provide a ACI merge function</a:t>
-            </a:r>
-            <a:r>
-              <a:rPr lang="en-US" dirty="0" smtClean="0"/>
-              <a:t> </a:t>
-            </a:r>
-            <a:endParaRPr lang="en-US" dirty="0" smtClean="0"/>
-          </a:p>
-        </p:txBody>
-      </p:sp>
-    </p:spTree>
-    <p:extLst>
-      <p:ext uri="{BB962C8B-B14F-4D97-AF65-F5344CB8AC3E}">
-        <p14:creationId xmlns:p14="http://schemas.microsoft.com/office/powerpoint/2010/main" val="321358899"/>
-      </p:ext>
-    </p:extLst>
-  </p:cSld>
-  <p:clrMapOvr>
-    <a:masterClrMapping/>
-  </p:clrMapOvr>
-</p:sld>
-</file>
-
 <file path=ppt/slides/slide26.xml><?xml version="1.0" encoding="utf-8"?>
 <p:sld xmlns:a="http://schemas.openxmlformats.org/drawingml/2006/main" xmlns:r="http://schemas.openxmlformats.org/officeDocument/2006/relationships" xmlns:p="http://schemas.openxmlformats.org/presentationml/2006/main">
   <p:cSld>
@@ -7031,7 +7027,7 @@
           <a:p>
             <a:r>
               <a:rPr lang="en-US" dirty="0" smtClean="0"/>
-              <a:t>CRDTs</a:t>
+              <a:t>C(v)RDTs</a:t>
             </a:r>
             <a:endParaRPr lang="en-US" dirty="0"/>
           </a:p>
@@ -7049,9 +7045,7 @@
         </p:nvSpPr>
         <p:spPr/>
         <p:txBody>
-          <a:bodyPr>
-            <a:normAutofit fontScale="85000" lnSpcReduction="20000"/>
-          </a:bodyPr>
+          <a:bodyPr/>
           <a:lstStyle/>
           <a:p>
             <a:pPr marL="0" indent="0">
@@ -7059,8 +7053,21 @@
             </a:pPr>
             <a:r>
               <a:rPr lang="en-US" dirty="0" smtClean="0"/>
-              <a:t>Data structures:</a:t>
-            </a:r>
+              <a:t>Convergent</a:t>
+            </a:r>
+            <a:r>
+              <a:rPr lang="en-US" dirty="0"/>
+              <a:t> </a:t>
+            </a:r>
+            <a:r>
+              <a:rPr lang="en-US" dirty="0" smtClean="0"/>
+              <a:t>Replicated </a:t>
+            </a:r>
+            <a:r>
+              <a:rPr lang="en-US" dirty="0" err="1" smtClean="0"/>
+              <a:t>Datatypes</a:t>
+            </a:r>
+            <a:endParaRPr lang="en-US" dirty="0" smtClean="0"/>
           </a:p>
           <a:p>
             <a:pPr marL="0" indent="0">
@@ -7069,123 +7076,46 @@
             <a:endParaRPr lang="en-US" dirty="0"/>
           </a:p>
           <a:p>
-            <a:pPr marL="514350" indent="-514350">
-              <a:buFont typeface="+mj-lt"/>
-              <a:buAutoNum type="arabicPeriod"/>
+            <a:pPr marL="0" indent="0">
+              <a:buNone/>
             </a:pPr>
             <a:r>
               <a:rPr lang="en-US" dirty="0" smtClean="0"/>
-              <a:t>Grow-only set (</a:t>
+              <a:t>Idea: </a:t>
+            </a:r>
+            <a:endParaRPr lang="en-US" dirty="0" smtClean="0"/>
+          </a:p>
+          <a:p>
+            <a:r>
+              <a:rPr lang="en-US" dirty="0" smtClean="0"/>
+              <a:t>represent state as a join </a:t>
             </a:r>
             <a:r>
               <a:rPr lang="en-US" dirty="0" err="1" smtClean="0"/>
-              <a:t>Gset</a:t>
+              <a:t>semilattice</a:t>
             </a:r>
             <a:r>
               <a:rPr lang="en-US" dirty="0" smtClean="0"/>
-              <a:t>)</a:t>
-            </a:r>
-          </a:p>
-          <a:p>
-            <a:pPr marL="914400" lvl="1" indent="-514350"/>
+              <a:t>. </a:t>
+            </a:r>
+          </a:p>
+          <a:p>
             <a:r>
               <a:rPr lang="en-US" dirty="0" smtClean="0"/>
-              <a:t>Trivial – merg</a:t>
+              <a:t>Provide a ACI merge function</a:t>
             </a:r>
             <a:r>
               <a:rPr lang="en-US" dirty="0" smtClean="0"/>
-              <a:t>e is union and union is commutative</a:t>
+              <a:t> </a:t>
             </a:r>
             <a:endParaRPr lang="en-US" dirty="0" smtClean="0"/>
-          </a:p>
-          <a:p>
-            <a:pPr marL="514350" indent="-514350">
-              <a:buFont typeface="+mj-lt"/>
-              <a:buAutoNum type="arabicPeriod"/>
-            </a:pPr>
-            <a:r>
-              <a:rPr lang="en-US" dirty="0" smtClean="0"/>
-              <a:t>2PSet</a:t>
-            </a:r>
-          </a:p>
-          <a:p>
-            <a:pPr marL="914400" lvl="1" indent="-514350"/>
-            <a:r>
-              <a:rPr lang="en-US" dirty="0" smtClean="0"/>
-              <a:t>Two </a:t>
-            </a:r>
-            <a:r>
-              <a:rPr lang="en-US" dirty="0" err="1" smtClean="0"/>
-              <a:t>Gsets</a:t>
-            </a:r>
-            <a:r>
-              <a:rPr lang="en-US" dirty="0" smtClean="0"/>
-              <a:t> – one for adds, the other for tombstones</a:t>
-            </a:r>
-          </a:p>
-          <a:p>
-            <a:pPr marL="914400" lvl="1" indent="-514350"/>
-            <a:r>
-              <a:rPr lang="en-US" dirty="0" smtClean="0"/>
-              <a:t>Idiosyncrasy: you can only add/delete once.</a:t>
-            </a:r>
-            <a:endParaRPr lang="en-US" dirty="0" smtClean="0"/>
-          </a:p>
-          <a:p>
-            <a:pPr marL="514350" indent="-514350">
-              <a:buFont typeface="+mj-lt"/>
-              <a:buAutoNum type="arabicPeriod"/>
-            </a:pPr>
-            <a:r>
-              <a:rPr lang="en-US" dirty="0" smtClean="0"/>
-              <a:t>Counters</a:t>
-            </a:r>
-          </a:p>
-          <a:p>
-            <a:pPr marL="914400" lvl="1" indent="-514350">
-              <a:buFont typeface="+mj-lt"/>
-              <a:buAutoNum type="arabicPeriod"/>
-            </a:pPr>
-            <a:r>
-              <a:rPr lang="en-US" dirty="0" smtClean="0"/>
-              <a:t>Tricky!  Vector clock with an entry for each replica</a:t>
-            </a:r>
-          </a:p>
-          <a:p>
-            <a:pPr marL="914400" lvl="1" indent="-514350">
-              <a:buFont typeface="+mj-lt"/>
-              <a:buAutoNum type="arabicPeriod"/>
-            </a:pPr>
-            <a:r>
-              <a:rPr lang="en-US" dirty="0" smtClean="0"/>
-              <a:t>Increment @ replica I =&gt; VC[</a:t>
-            </a:r>
-            <a:r>
-              <a:rPr lang="en-US" dirty="0" err="1" smtClean="0"/>
-              <a:t>i</a:t>
-            </a:r>
-            <a:r>
-              <a:rPr lang="en-US" dirty="0" smtClean="0"/>
-              <a:t>] += 1</a:t>
-            </a:r>
-          </a:p>
-          <a:p>
-            <a:pPr marL="914400" lvl="1" indent="-514350">
-              <a:buFont typeface="+mj-lt"/>
-              <a:buAutoNum type="arabicPeriod"/>
-            </a:pPr>
-            <a:r>
-              <a:rPr lang="en-US" dirty="0" smtClean="0"/>
-              <a:t>Value: sum of all VC values</a:t>
-            </a:r>
-            <a:endParaRPr lang="en-US" dirty="0"/>
           </a:p>
         </p:txBody>
       </p:sp>
     </p:spTree>
     <p:extLst>
       <p:ext uri="{BB962C8B-B14F-4D97-AF65-F5344CB8AC3E}">
-        <p14:creationId xmlns:p14="http://schemas.microsoft.com/office/powerpoint/2010/main" val="4279908520"/>
+        <p14:creationId xmlns:p14="http://schemas.microsoft.com/office/powerpoint/2010/main" val="321358899"/>
       </p:ext>
     </p:extLst>
   </p:cSld>
@@ -7247,7 +7177,9 @@
         </p:nvSpPr>
         <p:spPr/>
         <p:txBody>
-          <a:bodyPr/>
+          <a:bodyPr>
+            <a:normAutofit fontScale="85000" lnSpcReduction="20000"/>
+          </a:bodyPr>
           <a:lstStyle/>
           <a:p>
             <a:pPr marL="0" indent="0">
@@ -7255,7 +7187,124 @@
             </a:pPr>
             <a:r>
               <a:rPr lang="en-US" dirty="0" smtClean="0"/>
-              <a:t>Difficulties</a:t>
+              <a:t>Data structures:</a:t>
+            </a:r>
+          </a:p>
+          <a:p>
+            <a:pPr marL="0" indent="0">
+              <a:buNone/>
+            </a:pPr>
+            <a:endParaRPr lang="en-US" dirty="0"/>
+          </a:p>
+          <a:p>
+            <a:pPr marL="514350" indent="-514350">
+              <a:buFont typeface="+mj-lt"/>
+              <a:buAutoNum type="arabicPeriod"/>
+            </a:pPr>
+            <a:r>
+              <a:rPr lang="en-US" dirty="0" smtClean="0"/>
+              <a:t>Grow-only set (</a:t>
+            </a:r>
+            <a:r>
+              <a:rPr lang="en-US" dirty="0" err="1" smtClean="0"/>
+              <a:t>Gset</a:t>
+            </a:r>
+            <a:r>
+              <a:rPr lang="en-US" dirty="0" smtClean="0"/>
+              <a:t>)</a:t>
+            </a:r>
+          </a:p>
+          <a:p>
+            <a:pPr marL="914400" lvl="1" indent="-514350"/>
+            <a:r>
+              <a:rPr lang="en-US" dirty="0" smtClean="0"/>
+              <a:t>Trivial – merg</a:t>
+            </a:r>
+            <a:r>
+              <a:rPr lang="en-US" dirty="0" smtClean="0"/>
+              <a:t>e is union and union is commutative</a:t>
+            </a:r>
+            <a:endParaRPr lang="en-US" dirty="0" smtClean="0"/>
+          </a:p>
+          <a:p>
+            <a:pPr marL="514350" indent="-514350">
+              <a:buFont typeface="+mj-lt"/>
+              <a:buAutoNum type="arabicPeriod"/>
+            </a:pPr>
+            <a:r>
+              <a:rPr lang="en-US" dirty="0" smtClean="0"/>
+              <a:t>2PSet</a:t>
+            </a:r>
+          </a:p>
+          <a:p>
+            <a:pPr marL="914400" lvl="1" indent="-514350"/>
+            <a:r>
+              <a:rPr lang="en-US" dirty="0" smtClean="0"/>
+              <a:t>Two </a:t>
+            </a:r>
+            <a:r>
+              <a:rPr lang="en-US" dirty="0" err="1" smtClean="0"/>
+              <a:t>Gsets</a:t>
+            </a:r>
+            <a:r>
+              <a:rPr lang="en-US" dirty="0" smtClean="0"/>
+              <a:t> – one for adds, the other for tombstones</a:t>
+            </a:r>
+          </a:p>
+          <a:p>
+            <a:pPr marL="914400" lvl="1" indent="-514350"/>
+            <a:r>
+              <a:rPr lang="en-US" dirty="0" smtClean="0"/>
+              <a:t>Idiosyncrasy: you can only add/delete once.</a:t>
+            </a:r>
+            <a:endParaRPr lang="en-US" dirty="0" smtClean="0"/>
+          </a:p>
+          <a:p>
+            <a:pPr marL="514350" indent="-514350">
+              <a:buFont typeface="+mj-lt"/>
+              <a:buAutoNum type="arabicPeriod"/>
+            </a:pPr>
+            <a:r>
+              <a:rPr lang="en-US" dirty="0" smtClean="0"/>
+              <a:t>Counters</a:t>
+            </a:r>
+          </a:p>
+          <a:p>
+            <a:pPr marL="914400" lvl="1" indent="-514350">
+              <a:buFont typeface="+mj-lt"/>
+              <a:buAutoNum type="arabicPeriod"/>
+            </a:pPr>
+            <a:r>
+              <a:rPr lang="en-US" dirty="0" smtClean="0"/>
+              <a:t>Tricky!  Vector clock with an entry for each replica</a:t>
+            </a:r>
+          </a:p>
+          <a:p>
+            <a:pPr marL="914400" lvl="1" indent="-514350">
+              <a:buFont typeface="+mj-lt"/>
+              <a:buAutoNum type="arabicPeriod"/>
+            </a:pPr>
+            <a:r>
+              <a:rPr lang="en-US" dirty="0" smtClean="0"/>
+              <a:t>Increment @ replica I =&gt; VC[</a:t>
+            </a:r>
+            <a:r>
+              <a:rPr lang="en-US" dirty="0" err="1" smtClean="0"/>
+              <a:t>i</a:t>
+            </a:r>
+            <a:r>
+              <a:rPr lang="en-US" dirty="0" smtClean="0"/>
+              <a:t>] += 1</a:t>
+            </a:r>
+          </a:p>
+          <a:p>
+            <a:pPr marL="914400" lvl="1" indent="-514350">
+              <a:buFont typeface="+mj-lt"/>
+              <a:buAutoNum type="arabicPeriod"/>
+            </a:pPr>
+            <a:r>
+              <a:rPr lang="en-US" dirty="0" smtClean="0"/>
+              <a:t>Value: sum of all VC values</a:t>
             </a:r>
             <a:endParaRPr lang="en-US" dirty="0"/>
           </a:p>
@@ -7264,7 +7313,7 @@
     </p:spTree>
     <p:extLst>
       <p:ext uri="{BB962C8B-B14F-4D97-AF65-F5344CB8AC3E}">
-        <p14:creationId xmlns:p14="http://schemas.microsoft.com/office/powerpoint/2010/main" val="2947354244"/>
+        <p14:creationId xmlns:p14="http://schemas.microsoft.com/office/powerpoint/2010/main" val="4279908520"/>
       </p:ext>
     </p:extLst>
   </p:cSld>
@@ -7308,7 +7357,7 @@
           <a:p>
             <a:r>
               <a:rPr lang="en-US" dirty="0" smtClean="0"/>
-              <a:t>Disorderly programming</a:t>
+              <a:t>CRDTs</a:t>
             </a:r>
             <a:endParaRPr lang="en-US" dirty="0"/>
           </a:p>
@@ -7334,9 +7383,8 @@
             </a:pPr>
             <a:r>
               <a:rPr lang="en-US" dirty="0" smtClean="0"/>
-              <a:t>An aside about logic programming:</a:t>
-            </a:r>
-            <a:endParaRPr lang="en-US" dirty="0" smtClean="0"/>
+              <a:t>Difficulties</a:t>
+            </a:r>
           </a:p>
           <a:p>
             <a:pPr marL="0" indent="0">
@@ -7350,43 +7398,8 @@
             </a:pPr>
             <a:r>
               <a:rPr lang="en-US" dirty="0" smtClean="0"/>
-              <a:t>In (classical) logic, theories are </a:t>
-            </a:r>
-          </a:p>
-          <a:p>
-            <a:r>
-              <a:rPr lang="en-US" dirty="0" smtClean="0"/>
-              <a:t>Associative and commutative</a:t>
-            </a:r>
-          </a:p>
-          <a:p>
-            <a:pPr lvl="1"/>
-            <a:r>
-              <a:rPr lang="en-US" dirty="0" smtClean="0"/>
-              <a:t>Consequences are the same regardless of the order in which we make deductions</a:t>
-            </a:r>
-          </a:p>
-          <a:p>
-            <a:r>
-              <a:rPr lang="en-US" dirty="0" smtClean="0"/>
-              <a:t>Idempotent</a:t>
-            </a:r>
-          </a:p>
-          <a:p>
-            <a:pPr lvl="1"/>
-            <a:r>
-              <a:rPr lang="en-US" dirty="0" smtClean="0"/>
-              <a:t>Axioms can be reiterated freely</a:t>
-            </a:r>
-          </a:p>
-          <a:p>
-            <a:pPr marL="457200" lvl="1" indent="0">
-              <a:buNone/>
-            </a:pPr>
-            <a:endParaRPr lang="en-US" dirty="0" smtClean="0"/>
-          </a:p>
-          <a:p>
-            <a:pPr lvl="1"/>
+              <a:t>(scoping difficulty)</a:t>
+            </a:r>
             <a:endParaRPr lang="en-US" dirty="0"/>
           </a:p>
         </p:txBody>
@@ -7394,7 +7407,7 @@
     </p:spTree>
     <p:extLst>
       <p:ext uri="{BB962C8B-B14F-4D97-AF65-F5344CB8AC3E}">
-        <p14:creationId xmlns:p14="http://schemas.microsoft.com/office/powerpoint/2010/main" val="3275455917"/>
+        <p14:creationId xmlns:p14="http://schemas.microsoft.com/office/powerpoint/2010/main" val="2947354244"/>
       </p:ext>
     </p:extLst>
   </p:cSld>
@@ -7456,24 +7469,23 @@
         </p:nvSpPr>
         <p:spPr/>
         <p:txBody>
-          <a:bodyPr>
-            <a:normAutofit lnSpcReduction="10000"/>
-          </a:bodyPr>
+          <a:bodyPr/>
           <a:lstStyle/>
           <a:p>
             <a:pPr marL="0" indent="0">
               <a:buNone/>
             </a:pPr>
             <a:r>
-              <a:rPr lang="en-US" dirty="0"/>
+              <a:rPr lang="en-US" dirty="0" smtClean="0"/>
               <a:t>An aside about logic programming:</a:t>
             </a:r>
+            <a:endParaRPr lang="en-US" dirty="0" smtClean="0"/>
           </a:p>
           <a:p>
             <a:pPr marL="0" indent="0">
               <a:buNone/>
             </a:pPr>
-            <a:endParaRPr lang="en-US" dirty="0" smtClean="0"/>
+            <a:endParaRPr lang="en-US" dirty="0"/>
           </a:p>
           <a:p>
             <a:pPr marL="0" indent="0">
@@ -7481,58 +7493,51 @@
             </a:pPr>
             <a:r>
               <a:rPr lang="en-US" dirty="0" smtClean="0"/>
-              <a:t>In </a:t>
-            </a:r>
+              <a:t>In (classical) logic, theories are </a:t>
+            </a:r>
+          </a:p>
+          <a:p>
             <a:r>
               <a:rPr lang="en-US" dirty="0" smtClean="0"/>
-              <a:t>(classical) logic, theories are Associative, Commutative, and Idempotent </a:t>
-            </a:r>
-            <a:r>
-              <a:rPr lang="en-US" i="1" dirty="0" smtClean="0"/>
-              <a:t>because</a:t>
-            </a:r>
-            <a:endParaRPr lang="en-US" dirty="0"/>
-          </a:p>
-          <a:p>
-            <a:pPr marL="0" indent="0">
+              <a:t>Associative and commutative</a:t>
+            </a:r>
+          </a:p>
+          <a:p>
+            <a:pPr lvl="1"/>
+            <a:r>
+              <a:rPr lang="en-US" dirty="0" smtClean="0"/>
+              <a:t>Consequences are the same regardless of the order in which we make deductions</a:t>
+            </a:r>
+          </a:p>
+          <a:p>
+            <a:r>
+              <a:rPr lang="en-US" dirty="0" smtClean="0"/>
+              <a:t>Idempotent</a:t>
+            </a:r>
+          </a:p>
+          <a:p>
+            <a:pPr lvl="1"/>
+            <a:r>
+              <a:rPr lang="en-US" dirty="0" smtClean="0"/>
+              <a:t>Axioms can be reiterated freely</a:t>
+            </a:r>
+          </a:p>
+          <a:p>
+            <a:pPr marL="457200" lvl="1" indent="0">
               <a:buNone/>
             </a:pPr>
             <a:endParaRPr lang="en-US" dirty="0" smtClean="0"/>
           </a:p>
           <a:p>
-            <a:pPr marL="0" indent="0">
-              <a:buNone/>
-            </a:pPr>
-            <a:r>
-              <a:rPr lang="en-US" dirty="0" smtClean="0"/>
-              <a:t>Knowledge is </a:t>
-            </a:r>
-            <a:r>
-              <a:rPr lang="en-US" i="1" dirty="0" smtClean="0"/>
-              <a:t>monotonic:</a:t>
-            </a:r>
-          </a:p>
-          <a:p>
-            <a:pPr marL="0" indent="0">
-              <a:buNone/>
-            </a:pPr>
-            <a:endParaRPr lang="en-US" i="1" dirty="0"/>
-          </a:p>
-          <a:p>
-            <a:pPr marL="0" indent="0">
-              <a:buNone/>
-            </a:pPr>
-            <a:r>
-              <a:rPr lang="en-US" i="1" dirty="0" smtClean="0"/>
-              <a:t>The more you know, the more you know</a:t>
-            </a:r>
+            <a:pPr lvl="1"/>
+            <a:endParaRPr lang="en-US" dirty="0"/>
           </a:p>
         </p:txBody>
       </p:sp>
     </p:spTree>
     <p:extLst>
       <p:ext uri="{BB962C8B-B14F-4D97-AF65-F5344CB8AC3E}">
-        <p14:creationId xmlns:p14="http://schemas.microsoft.com/office/powerpoint/2010/main" val="23523355"/>
+        <p14:creationId xmlns:p14="http://schemas.microsoft.com/office/powerpoint/2010/main" val="3275455917"/>
       </p:ext>
     </p:extLst>
   </p:cSld>
@@ -7648,7 +7653,7 @@
         <p:spPr/>
         <p:txBody>
           <a:bodyPr>
-            <a:normAutofit/>
+            <a:normAutofit lnSpcReduction="10000"/>
           </a:bodyPr>
           <a:lstStyle/>
           <a:p>
@@ -7672,30 +7677,23 @@
             </a:pPr>
             <a:r>
               <a:rPr lang="en-US" dirty="0" smtClean="0"/>
-              <a:t>It is challenging to even </a:t>
+              <a:t>In </a:t>
+            </a:r>
+            <a:r>
+              <a:rPr lang="en-US" dirty="0" smtClean="0"/>
+              <a:t>(classical) logic, theories are Associative, Commutative, and Idempotent </a:t>
             </a:r>
             <a:r>
               <a:rPr lang="en-US" i="1" dirty="0" smtClean="0"/>
-              <a:t>talk</a:t>
-            </a:r>
-            <a:r>
-              <a:rPr lang="en-US" dirty="0" smtClean="0"/>
-              <a:t> about order in logic programming languages [</a:t>
-            </a:r>
-            <a:r>
-              <a:rPr lang="en-US" dirty="0" err="1" smtClean="0"/>
-              <a:t>dedalus</a:t>
-            </a:r>
-            <a:r>
-              <a:rPr lang="en-US" dirty="0" smtClean="0"/>
-              <a:t>].</a:t>
-            </a:r>
+              <a:t>because</a:t>
+            </a:r>
+            <a:endParaRPr lang="en-US" dirty="0"/>
           </a:p>
           <a:p>
             <a:pPr marL="0" indent="0">
               <a:buNone/>
             </a:pPr>
-            <a:endParaRPr lang="en-US" dirty="0"/>
+            <a:endParaRPr lang="en-US" dirty="0" smtClean="0"/>
           </a:p>
           <a:p>
             <a:pPr marL="0" indent="0">
@@ -7703,16 +7701,34 @@
             </a:pPr>
             <a:r>
               <a:rPr lang="en-US" dirty="0" smtClean="0"/>
-              <a:t>Yet we can build … </a:t>
-            </a:r>
-            <a:endParaRPr lang="en-US" i="1" dirty="0" smtClean="0"/>
+              <a:t>Knowledge is </a:t>
+            </a:r>
+            <a:r>
+              <a:rPr lang="en-US" i="1" dirty="0" smtClean="0"/>
+              <a:t>monotonic:</a:t>
+            </a:r>
+          </a:p>
+          <a:p>
+            <a:pPr marL="0" indent="0">
+              <a:buNone/>
+            </a:pPr>
+            <a:endParaRPr lang="en-US" i="1" dirty="0"/>
+          </a:p>
+          <a:p>
+            <a:pPr marL="0" indent="0">
+              <a:buNone/>
+            </a:pPr>
+            <a:r>
+              <a:rPr lang="en-US" i="1" dirty="0" smtClean="0"/>
+              <a:t>The more you know, the more you know</a:t>
+            </a:r>
           </a:p>
         </p:txBody>
       </p:sp>
     </p:spTree>
     <p:extLst>
       <p:ext uri="{BB962C8B-B14F-4D97-AF65-F5344CB8AC3E}">
-        <p14:creationId xmlns:p14="http://schemas.microsoft.com/office/powerpoint/2010/main" val="1794628599"/>
+        <p14:creationId xmlns:p14="http://schemas.microsoft.com/office/powerpoint/2010/main" val="23523355"/>
       </p:ext>
     </p:extLst>
   </p:cSld>
@@ -7756,15 +7772,7 @@
           <a:p>
             <a:r>
               <a:rPr lang="en-US" dirty="0" smtClean="0"/>
-              <a:t>Disorderly </a:t>
-            </a:r>
-            <a:r>
-              <a:rPr lang="en-US" dirty="0"/>
-              <a:t>p</a:t>
-            </a:r>
-            <a:r>
-              <a:rPr lang="en-US" dirty="0" smtClean="0"/>
-              <a:t>rogramming</a:t>
+              <a:t>Disorderly programming</a:t>
             </a:r>
             <a:endParaRPr lang="en-US" dirty="0"/>
           </a:p>
@@ -7782,15 +7790,48 @@
         </p:nvSpPr>
         <p:spPr/>
         <p:txBody>
-          <a:bodyPr/>
+          <a:bodyPr>
+            <a:normAutofit/>
+          </a:bodyPr>
           <a:lstStyle/>
           <a:p>
             <a:pPr marL="0" indent="0">
               <a:buNone/>
             </a:pPr>
             <a:r>
+              <a:rPr lang="en-US" dirty="0"/>
+              <a:t>An aside about logic programming:</a:t>
+            </a:r>
+          </a:p>
+          <a:p>
+            <a:pPr marL="0" indent="0">
+              <a:buNone/>
+            </a:pPr>
+            <a:endParaRPr lang="en-US" dirty="0" smtClean="0"/>
+          </a:p>
+          <a:p>
+            <a:pPr marL="0" indent="0">
+              <a:buNone/>
+            </a:pPr>
+            <a:r>
               <a:rPr lang="en-US" dirty="0" smtClean="0"/>
-              <a:t>Idea: embody the ACID 2.0  design patterns in how we structure distributed programs.</a:t>
+              <a:t>It is challenging to even </a:t>
+            </a:r>
+            <a:r>
+              <a:rPr lang="en-US" i="1" dirty="0" smtClean="0"/>
+              <a:t>talk</a:t>
+            </a:r>
+            <a:r>
+              <a:rPr lang="en-US" dirty="0" smtClean="0"/>
+              <a:t> about order in logic programming languages [</a:t>
+            </a:r>
+            <a:r>
+              <a:rPr lang="en-US" dirty="0" err="1" smtClean="0"/>
+              <a:t>dedalus</a:t>
+            </a:r>
+            <a:r>
+              <a:rPr lang="en-US" dirty="0" smtClean="0"/>
+              <a:t>].</a:t>
             </a:r>
           </a:p>
           <a:p>
@@ -7805,29 +7846,16 @@
             </a:pPr>
             <a:r>
               <a:rPr lang="en-US" dirty="0" smtClean="0"/>
-              <a:t>Disorderly data: unordered relations</a:t>
-            </a:r>
-          </a:p>
-          <a:p>
-            <a:pPr marL="0" indent="0">
-              <a:buNone/>
-            </a:pPr>
-            <a:r>
-              <a:rPr lang="en-US" dirty="0" smtClean="0"/>
-              <a:t>Disorderly code: </a:t>
-            </a:r>
-            <a:r>
-              <a:rPr lang="en-US" dirty="0" smtClean="0"/>
-              <a:t>specify how data changes over time</a:t>
-            </a:r>
-            <a:endParaRPr lang="en-US" dirty="0"/>
+              <a:t>Yet we can build … </a:t>
+            </a:r>
+            <a:endParaRPr lang="en-US" i="1" dirty="0" smtClean="0"/>
           </a:p>
         </p:txBody>
       </p:sp>
     </p:spTree>
     <p:extLst>
       <p:ext uri="{BB962C8B-B14F-4D97-AF65-F5344CB8AC3E}">
-        <p14:creationId xmlns:p14="http://schemas.microsoft.com/office/powerpoint/2010/main" val="4171936338"/>
+        <p14:creationId xmlns:p14="http://schemas.microsoft.com/office/powerpoint/2010/main" val="1794628599"/>
       </p:ext>
     </p:extLst>
   </p:cSld>
@@ -7871,6 +7899,121 @@
           <a:p>
             <a:r>
               <a:rPr lang="en-US" dirty="0" smtClean="0"/>
+              <a:t>Disorderly </a:t>
+            </a:r>
+            <a:r>
+              <a:rPr lang="en-US" dirty="0"/>
+              <a:t>p</a:t>
+            </a:r>
+            <a:r>
+              <a:rPr lang="en-US" dirty="0" smtClean="0"/>
+              <a:t>rogramming</a:t>
+            </a:r>
+            <a:endParaRPr lang="en-US" dirty="0"/>
+          </a:p>
+        </p:txBody>
+      </p:sp>
+      <p:sp>
+        <p:nvSpPr>
+          <p:cNvPr id="3" name="Content Placeholder 2"/>
+          <p:cNvSpPr>
+            <a:spLocks noGrp="1"/>
+          </p:cNvSpPr>
+          <p:nvPr>
+            <p:ph idx="1"/>
+          </p:nvPr>
+        </p:nvSpPr>
+        <p:spPr/>
+        <p:txBody>
+          <a:bodyPr/>
+          <a:lstStyle/>
+          <a:p>
+            <a:pPr marL="0" indent="0">
+              <a:buNone/>
+            </a:pPr>
+            <a:r>
+              <a:rPr lang="en-US" dirty="0" smtClean="0"/>
+              <a:t>Idea: embody the ACID 2.0  design patterns in how we structure distributed programs.</a:t>
+            </a:r>
+          </a:p>
+          <a:p>
+            <a:pPr marL="0" indent="0">
+              <a:buNone/>
+            </a:pPr>
+            <a:endParaRPr lang="en-US" dirty="0"/>
+          </a:p>
+          <a:p>
+            <a:pPr marL="0" indent="0">
+              <a:buNone/>
+            </a:pPr>
+            <a:r>
+              <a:rPr lang="en-US" dirty="0" smtClean="0"/>
+              <a:t>Disorderly data: unordered relations</a:t>
+            </a:r>
+          </a:p>
+          <a:p>
+            <a:pPr marL="0" indent="0">
+              <a:buNone/>
+            </a:pPr>
+            <a:r>
+              <a:rPr lang="en-US" dirty="0" smtClean="0"/>
+              <a:t>Disorderly code: </a:t>
+            </a:r>
+            <a:r>
+              <a:rPr lang="en-US" dirty="0" smtClean="0"/>
+              <a:t>specify how data changes over time</a:t>
+            </a:r>
+            <a:endParaRPr lang="en-US" dirty="0"/>
+          </a:p>
+        </p:txBody>
+      </p:sp>
+    </p:spTree>
+    <p:extLst>
+      <p:ext uri="{BB962C8B-B14F-4D97-AF65-F5344CB8AC3E}">
+        <p14:creationId xmlns:p14="http://schemas.microsoft.com/office/powerpoint/2010/main" val="4171936338"/>
+      </p:ext>
+    </p:extLst>
+  </p:cSld>
+  <p:clrMapOvr>
+    <a:masterClrMapping/>
+  </p:clrMapOvr>
+</p:sld>
+</file>
+
+<file path=ppt/slides/slide33.xml><?xml version="1.0" encoding="utf-8"?>
+<p:sld xmlns:a="http://schemas.openxmlformats.org/drawingml/2006/main" xmlns:r="http://schemas.openxmlformats.org/officeDocument/2006/relationships" xmlns:p="http://schemas.openxmlformats.org/presentationml/2006/main">
+  <p:cSld>
+    <p:spTree>
+      <p:nvGrpSpPr>
+        <p:cNvPr id="1" name=""/>
+        <p:cNvGrpSpPr/>
+        <p:nvPr/>
+      </p:nvGrpSpPr>
+      <p:grpSpPr>
+        <a:xfrm>
+          <a:off x="0" y="0"/>
+          <a:ext cx="0" cy="0"/>
+          <a:chOff x="0" y="0"/>
+          <a:chExt cx="0" cy="0"/>
+        </a:xfrm>
+      </p:grpSpPr>
+      <p:sp>
+        <p:nvSpPr>
+          <p:cNvPr id="2" name="Title 1"/>
+          <p:cNvSpPr>
+            <a:spLocks noGrp="1"/>
+          </p:cNvSpPr>
+          <p:nvPr>
+            <p:ph type="title"/>
+          </p:nvPr>
+        </p:nvSpPr>
+        <p:spPr/>
+        <p:txBody>
+          <a:bodyPr/>
+          <a:lstStyle/>
+          <a:p>
+            <a:r>
+              <a:rPr lang="en-US" dirty="0" smtClean="0"/>
               <a:t>Bloom</a:t>
             </a:r>
             <a:endParaRPr lang="en-US" dirty="0"/>
@@ -7909,7 +8052,7 @@
 </p:sld>
 </file>
 
-<file path=ppt/slides/slide33.xml><?xml version="1.0" encoding="utf-8"?>
+<file path=ppt/slides/slide34.xml><?xml version="1.0" encoding="utf-8"?>
 <p:sld xmlns:a="http://schemas.openxmlformats.org/drawingml/2006/main" xmlns:r="http://schemas.openxmlformats.org/officeDocument/2006/relationships" xmlns:p="http://schemas.openxmlformats.org/presentationml/2006/main">
   <p:cSld>
     <p:spTree>
@@ -8885,7 +9028,7 @@
 </p:sld>
 </file>
 
-<file path=ppt/slides/slide34.xml><?xml version="1.0" encoding="utf-8"?>
+<file path=ppt/slides/slide35.xml><?xml version="1.0" encoding="utf-8"?>
 <p:sld xmlns:a="http://schemas.openxmlformats.org/drawingml/2006/main" xmlns:r="http://schemas.openxmlformats.org/officeDocument/2006/relationships" xmlns:p="http://schemas.openxmlformats.org/presentationml/2006/main">
   <p:cSld>
     <p:spTree>
@@ -8975,7 +9118,7 @@
 </p:sld>
 </file>
 
-<file path=ppt/slides/slide35.xml><?xml version="1.0" encoding="utf-8"?>
+<file path=ppt/slides/slide36.xml><?xml version="1.0" encoding="utf-8"?>
 <p:sld xmlns:a="http://schemas.openxmlformats.org/drawingml/2006/main" xmlns:r="http://schemas.openxmlformats.org/officeDocument/2006/relationships" xmlns:p="http://schemas.openxmlformats.org/presentationml/2006/main">
   <p:cSld>
     <p:spTree>
@@ -9153,7 +9296,7 @@
 </p:sld>
 </file>
 
-<file path=ppt/slides/slide36.xml><?xml version="1.0" encoding="utf-8"?>
+<file path=ppt/slides/slide37.xml><?xml version="1.0" encoding="utf-8"?>
 <p:sld xmlns:a="http://schemas.openxmlformats.org/drawingml/2006/main" xmlns:r="http://schemas.openxmlformats.org/officeDocument/2006/relationships" xmlns:p="http://schemas.openxmlformats.org/presentationml/2006/main">
   <p:cSld>
     <p:spTree>
@@ -10067,7 +10210,7 @@
 </p:sld>
 </file>
 
-<file path=ppt/slides/slide37.xml><?xml version="1.0" encoding="utf-8"?>
+<file path=ppt/slides/slide38.xml><?xml version="1.0" encoding="utf-8"?>
 <p:sld xmlns:a="http://schemas.openxmlformats.org/drawingml/2006/main" xmlns:r="http://schemas.openxmlformats.org/officeDocument/2006/relationships" xmlns:p="http://schemas.openxmlformats.org/presentationml/2006/main">
   <p:cSld>
     <p:spTree>
@@ -10254,7 +10397,7 @@
 </p:sld>
 </file>
 
-<file path=ppt/slides/slide38.xml><?xml version="1.0" encoding="utf-8"?>
+<file path=ppt/slides/slide39.xml><?xml version="1.0" encoding="utf-8"?>
 <p:sld xmlns:a="http://schemas.openxmlformats.org/drawingml/2006/main" xmlns:r="http://schemas.openxmlformats.org/officeDocument/2006/relationships" xmlns:p="http://schemas.openxmlformats.org/presentationml/2006/main">
   <p:cSld>
     <p:spTree>
@@ -11348,7 +11491,109 @@
 </p:sld>
 </file>
 
-<file path=ppt/slides/slide39.xml><?xml version="1.0" encoding="utf-8"?>
+<file path=ppt/slides/slide4.xml><?xml version="1.0" encoding="utf-8"?>
+<p:sld xmlns:a="http://schemas.openxmlformats.org/drawingml/2006/main" xmlns:r="http://schemas.openxmlformats.org/officeDocument/2006/relationships" xmlns:p="http://schemas.openxmlformats.org/presentationml/2006/main">
+  <p:cSld>
+    <p:spTree>
+      <p:nvGrpSpPr>
+        <p:cNvPr id="1" name=""/>
+        <p:cNvGrpSpPr/>
+        <p:nvPr/>
+      </p:nvGrpSpPr>
+      <p:grpSpPr>
+        <a:xfrm>
+          <a:off x="0" y="0"/>
+          <a:ext cx="0" cy="0"/>
+          <a:chOff x="0" y="0"/>
+          <a:chExt cx="0" cy="0"/>
+        </a:xfrm>
+      </p:grpSpPr>
+      <p:sp>
+        <p:nvSpPr>
+          <p:cNvPr id="2" name="Title 1"/>
+          <p:cNvSpPr>
+            <a:spLocks noGrp="1"/>
+          </p:cNvSpPr>
+          <p:nvPr>
+            <p:ph type="title"/>
+          </p:nvPr>
+        </p:nvSpPr>
+        <p:spPr/>
+        <p:txBody>
+          <a:bodyPr>
+            <a:normAutofit fontScale="90000"/>
+          </a:bodyPr>
+          <a:lstStyle/>
+          <a:p>
+            <a:r>
+              <a:rPr lang="en-US" dirty="0" smtClean="0"/>
+              <a:t>Context: replicated distributed systems </a:t>
+            </a:r>
+            <a:endParaRPr lang="en-US" dirty="0"/>
+          </a:p>
+        </p:txBody>
+      </p:sp>
+      <p:sp>
+        <p:nvSpPr>
+          <p:cNvPr id="3" name="Content Placeholder 2"/>
+          <p:cNvSpPr>
+            <a:spLocks noGrp="1"/>
+          </p:cNvSpPr>
+          <p:nvPr>
+            <p:ph idx="1"/>
+          </p:nvPr>
+        </p:nvSpPr>
+        <p:spPr/>
+        <p:txBody>
+          <a:bodyPr/>
+          <a:lstStyle/>
+          <a:p>
+            <a:pPr marL="0" indent="0">
+              <a:buNone/>
+            </a:pPr>
+            <a:endParaRPr lang="en-US" dirty="0"/>
+          </a:p>
+          <a:p>
+            <a:pPr marL="0" indent="0">
+              <a:buNone/>
+            </a:pPr>
+            <a:r>
+              <a:rPr lang="en-US" dirty="0" smtClean="0"/>
+              <a:t>Distributed: connected (but not always, or well)</a:t>
+            </a:r>
+          </a:p>
+          <a:p>
+            <a:pPr marL="0" indent="0">
+              <a:buNone/>
+            </a:pPr>
+            <a:endParaRPr lang="en-US" dirty="0"/>
+          </a:p>
+          <a:p>
+            <a:pPr marL="0" indent="0">
+              <a:buNone/>
+            </a:pPr>
+            <a:r>
+              <a:rPr lang="en-US" dirty="0" smtClean="0"/>
+              <a:t>Replicated: redundant data</a:t>
+            </a:r>
+            <a:endParaRPr lang="en-US" dirty="0"/>
+          </a:p>
+        </p:txBody>
+      </p:sp>
+    </p:spTree>
+    <p:extLst>
+      <p:ext uri="{BB962C8B-B14F-4D97-AF65-F5344CB8AC3E}">
+        <p14:creationId xmlns:p14="http://schemas.microsoft.com/office/powerpoint/2010/main" val="3795045071"/>
+      </p:ext>
+    </p:extLst>
+  </p:cSld>
+  <p:clrMapOvr>
+    <a:masterClrMapping/>
+  </p:clrMapOvr>
+</p:sld>
+</file>
+
+<file path=ppt/slides/slide40.xml><?xml version="1.0" encoding="utf-8"?>
 <p:sld xmlns:a="http://schemas.openxmlformats.org/drawingml/2006/main" xmlns:r="http://schemas.openxmlformats.org/officeDocument/2006/relationships" xmlns:p="http://schemas.openxmlformats.org/presentationml/2006/main">
   <p:cSld>
     <p:spTree>
@@ -12205,109 +12450,7 @@
 </p:sld>
 </file>
 
-<file path=ppt/slides/slide4.xml><?xml version="1.0" encoding="utf-8"?>
-<p:sld xmlns:a="http://schemas.openxmlformats.org/drawingml/2006/main" xmlns:r="http://schemas.openxmlformats.org/officeDocument/2006/relationships" xmlns:p="http://schemas.openxmlformats.org/presentationml/2006/main">
-  <p:cSld>
-    <p:spTree>
-      <p:nvGrpSpPr>
-        <p:cNvPr id="1" name=""/>
-        <p:cNvGrpSpPr/>
-        <p:nvPr/>
-      </p:nvGrpSpPr>
-      <p:grpSpPr>
-        <a:xfrm>
-          <a:off x="0" y="0"/>
-          <a:ext cx="0" cy="0"/>
-          <a:chOff x="0" y="0"/>
-          <a:chExt cx="0" cy="0"/>
-        </a:xfrm>
-      </p:grpSpPr>
-      <p:sp>
-        <p:nvSpPr>
-          <p:cNvPr id="2" name="Title 1"/>
-          <p:cNvSpPr>
-            <a:spLocks noGrp="1"/>
-          </p:cNvSpPr>
-          <p:nvPr>
-            <p:ph type="title"/>
-          </p:nvPr>
-        </p:nvSpPr>
-        <p:spPr/>
-        <p:txBody>
-          <a:bodyPr>
-            <a:normAutofit fontScale="90000"/>
-          </a:bodyPr>
-          <a:lstStyle/>
-          <a:p>
-            <a:r>
-              <a:rPr lang="en-US" dirty="0" smtClean="0"/>
-              <a:t>Context: replicated distributed systems </a:t>
-            </a:r>
-            <a:endParaRPr lang="en-US" dirty="0"/>
-          </a:p>
-        </p:txBody>
-      </p:sp>
-      <p:sp>
-        <p:nvSpPr>
-          <p:cNvPr id="3" name="Content Placeholder 2"/>
-          <p:cNvSpPr>
-            <a:spLocks noGrp="1"/>
-          </p:cNvSpPr>
-          <p:nvPr>
-            <p:ph idx="1"/>
-          </p:nvPr>
-        </p:nvSpPr>
-        <p:spPr/>
-        <p:txBody>
-          <a:bodyPr/>
-          <a:lstStyle/>
-          <a:p>
-            <a:pPr marL="0" indent="0">
-              <a:buNone/>
-            </a:pPr>
-            <a:endParaRPr lang="en-US" dirty="0"/>
-          </a:p>
-          <a:p>
-            <a:pPr marL="0" indent="0">
-              <a:buNone/>
-            </a:pPr>
-            <a:r>
-              <a:rPr lang="en-US" dirty="0" smtClean="0"/>
-              <a:t>Distributed: connected (but not always, or well)</a:t>
-            </a:r>
-          </a:p>
-          <a:p>
-            <a:pPr marL="0" indent="0">
-              <a:buNone/>
-            </a:pPr>
-            <a:endParaRPr lang="en-US" dirty="0"/>
-          </a:p>
-          <a:p>
-            <a:pPr marL="0" indent="0">
-              <a:buNone/>
-            </a:pPr>
-            <a:r>
-              <a:rPr lang="en-US" dirty="0" smtClean="0"/>
-              <a:t>Replicated: redundant data</a:t>
-            </a:r>
-            <a:endParaRPr lang="en-US" dirty="0"/>
-          </a:p>
-        </p:txBody>
-      </p:sp>
-    </p:spTree>
-    <p:extLst>
-      <p:ext uri="{BB962C8B-B14F-4D97-AF65-F5344CB8AC3E}">
-        <p14:creationId xmlns:p14="http://schemas.microsoft.com/office/powerpoint/2010/main" val="3795045071"/>
-      </p:ext>
-    </p:extLst>
-  </p:cSld>
-  <p:clrMapOvr>
-    <a:masterClrMapping/>
-  </p:clrMapOvr>
-</p:sld>
-</file>
-
-<file path=ppt/slides/slide40.xml><?xml version="1.0" encoding="utf-8"?>
+<file path=ppt/slides/slide41.xml><?xml version="1.0" encoding="utf-8"?>
 <p:sld xmlns:a="http://schemas.openxmlformats.org/drawingml/2006/main" xmlns:r="http://schemas.openxmlformats.org/officeDocument/2006/relationships" xmlns:p="http://schemas.openxmlformats.org/presentationml/2006/main">
   <p:cSld>
     <p:spTree>
@@ -13804,7 +13947,7 @@
 </p:sld>
 </file>
 
-<file path=ppt/slides/slide41.xml><?xml version="1.0" encoding="utf-8"?>
+<file path=ppt/slides/slide42.xml><?xml version="1.0" encoding="utf-8"?>
 <p:sld xmlns:a="http://schemas.openxmlformats.org/drawingml/2006/main" xmlns:r="http://schemas.openxmlformats.org/officeDocument/2006/relationships" xmlns:p="http://schemas.openxmlformats.org/presentationml/2006/main">
   <p:cSld>
     <p:spTree>
@@ -14865,7 +15008,7 @@
 </p:sld>
 </file>
 
-<file path=ppt/slides/slide42.xml><?xml version="1.0" encoding="utf-8"?>
+<file path=ppt/slides/slide43.xml><?xml version="1.0" encoding="utf-8"?>
 <p:sld xmlns:a="http://schemas.openxmlformats.org/drawingml/2006/main" xmlns:r="http://schemas.openxmlformats.org/officeDocument/2006/relationships" xmlns:p="http://schemas.openxmlformats.org/presentationml/2006/main">
   <p:cSld>
     <p:spTree>
@@ -16368,7 +16511,7 @@
 </p:sld>
 </file>
 
-<file path=ppt/slides/slide43.xml><?xml version="1.0" encoding="utf-8"?>
+<file path=ppt/slides/slide44.xml><?xml version="1.0" encoding="utf-8"?>
 <p:sld xmlns:a="http://schemas.openxmlformats.org/drawingml/2006/main" xmlns:r="http://schemas.openxmlformats.org/officeDocument/2006/relationships" xmlns:p="http://schemas.openxmlformats.org/presentationml/2006/main">
   <p:cSld>
     <p:spTree>
@@ -16485,7 +16628,7 @@
 </p:sld>
 </file>
 
-<file path=ppt/slides/slide44.xml><?xml version="1.0" encoding="utf-8"?>
+<file path=ppt/slides/slide45.xml><?xml version="1.0" encoding="utf-8"?>
 <p:sld xmlns:a="http://schemas.openxmlformats.org/drawingml/2006/main" xmlns:r="http://schemas.openxmlformats.org/officeDocument/2006/relationships" xmlns:p="http://schemas.openxmlformats.org/presentationml/2006/main">
   <p:cSld>
     <p:spTree>
@@ -18668,7 +18811,7 @@
 </p:sld>
 </file>
 
-<file path=ppt/slides/slide45.xml><?xml version="1.0" encoding="utf-8"?>
+<file path=ppt/slides/slide46.xml><?xml version="1.0" encoding="utf-8"?>
 <p:sld xmlns:a="http://schemas.openxmlformats.org/drawingml/2006/main" xmlns:r="http://schemas.openxmlformats.org/officeDocument/2006/relationships" xmlns:p="http://schemas.openxmlformats.org/presentationml/2006/main">
   <p:cSld>
     <p:spTree>
@@ -20115,7 +20258,7 @@
 </p:sld>
 </file>
 
-<file path=ppt/slides/slide46.xml><?xml version="1.0" encoding="utf-8"?>
+<file path=ppt/slides/slide47.xml><?xml version="1.0" encoding="utf-8"?>
 <p:sld xmlns:a="http://schemas.openxmlformats.org/drawingml/2006/main" xmlns:r="http://schemas.openxmlformats.org/officeDocument/2006/relationships" xmlns:p="http://schemas.openxmlformats.org/presentationml/2006/main">
   <p:cSld>
     <p:spTree>
@@ -21202,7 +21345,7 @@
 </p:sld>
 </file>
 
-<file path=ppt/slides/slide47.xml><?xml version="1.0" encoding="utf-8"?>
+<file path=ppt/slides/slide48.xml><?xml version="1.0" encoding="utf-8"?>
 <p:sld xmlns:a="http://schemas.openxmlformats.org/drawingml/2006/main" xmlns:r="http://schemas.openxmlformats.org/officeDocument/2006/relationships" xmlns:p="http://schemas.openxmlformats.org/presentationml/2006/main">
   <p:cSld>
     <p:spTree>
@@ -22111,7 +22254,7 @@
 </p:sld>
 </file>
 
-<file path=ppt/slides/slide48.xml><?xml version="1.0" encoding="utf-8"?>
+<file path=ppt/slides/slide49.xml><?xml version="1.0" encoding="utf-8"?>
 <p:sld xmlns:a="http://schemas.openxmlformats.org/drawingml/2006/main" xmlns:r="http://schemas.openxmlformats.org/officeDocument/2006/relationships" xmlns:p="http://schemas.openxmlformats.org/presentationml/2006/main">
   <p:cSld>
     <p:spTree>
@@ -23290,7 +23433,113 @@
 </p:sld>
 </file>
 
-<file path=ppt/slides/slide49.xml><?xml version="1.0" encoding="utf-8"?>
+<file path=ppt/slides/slide5.xml><?xml version="1.0" encoding="utf-8"?>
+<p:sld xmlns:a="http://schemas.openxmlformats.org/drawingml/2006/main" xmlns:r="http://schemas.openxmlformats.org/officeDocument/2006/relationships" xmlns:p="http://schemas.openxmlformats.org/presentationml/2006/main">
+  <p:cSld>
+    <p:spTree>
+      <p:nvGrpSpPr>
+        <p:cNvPr id="1" name=""/>
+        <p:cNvGrpSpPr/>
+        <p:nvPr/>
+      </p:nvGrpSpPr>
+      <p:grpSpPr>
+        <a:xfrm>
+          <a:off x="0" y="0"/>
+          <a:ext cx="0" cy="0"/>
+          <a:chOff x="0" y="0"/>
+          <a:chExt cx="0" cy="0"/>
+        </a:xfrm>
+      </p:grpSpPr>
+      <p:sp>
+        <p:nvSpPr>
+          <p:cNvPr id="2" name="Title 1"/>
+          <p:cNvSpPr>
+            <a:spLocks noGrp="1"/>
+          </p:cNvSpPr>
+          <p:nvPr>
+            <p:ph type="title"/>
+          </p:nvPr>
+        </p:nvSpPr>
+        <p:spPr/>
+        <p:txBody>
+          <a:bodyPr>
+            <a:normAutofit fontScale="90000"/>
+          </a:bodyPr>
+          <a:lstStyle/>
+          <a:p>
+            <a:r>
+              <a:rPr lang="en-US" dirty="0"/>
+              <a:t>Context: replicated distributed systems </a:t>
+            </a:r>
+          </a:p>
+        </p:txBody>
+      </p:sp>
+      <p:sp>
+        <p:nvSpPr>
+          <p:cNvPr id="3" name="Content Placeholder 2"/>
+          <p:cNvSpPr>
+            <a:spLocks noGrp="1"/>
+          </p:cNvSpPr>
+          <p:nvPr>
+            <p:ph idx="1"/>
+          </p:nvPr>
+        </p:nvSpPr>
+        <p:spPr/>
+        <p:txBody>
+          <a:bodyPr/>
+          <a:lstStyle/>
+          <a:p>
+            <a:pPr marL="0" indent="0">
+              <a:buNone/>
+            </a:pPr>
+            <a:r>
+              <a:rPr lang="en-US" dirty="0" smtClean="0"/>
+              <a:t>Running example: a key-value store</a:t>
+            </a:r>
+          </a:p>
+          <a:p>
+            <a:pPr marL="0" indent="0">
+              <a:buNone/>
+            </a:pPr>
+            <a:endParaRPr lang="en-US" dirty="0"/>
+          </a:p>
+          <a:p>
+            <a:pPr marL="0" indent="0">
+              <a:buNone/>
+            </a:pPr>
+            <a:endParaRPr lang="en-US" dirty="0" smtClean="0"/>
+          </a:p>
+          <a:p>
+            <a:pPr marL="0" indent="0">
+              <a:buNone/>
+            </a:pPr>
+            <a:r>
+              <a:rPr lang="en-US" dirty="0" smtClean="0"/>
+              <a:t>(picture)</a:t>
+            </a:r>
+          </a:p>
+          <a:p>
+            <a:pPr marL="0" indent="0">
+              <a:buNone/>
+            </a:pPr>
+            <a:endParaRPr lang="en-US" dirty="0"/>
+          </a:p>
+        </p:txBody>
+      </p:sp>
+    </p:spTree>
+    <p:extLst>
+      <p:ext uri="{BB962C8B-B14F-4D97-AF65-F5344CB8AC3E}">
+        <p14:creationId xmlns:p14="http://schemas.microsoft.com/office/powerpoint/2010/main" val="2278119010"/>
+      </p:ext>
+    </p:extLst>
+  </p:cSld>
+  <p:clrMapOvr>
+    <a:masterClrMapping/>
+  </p:clrMapOvr>
+</p:sld>
+</file>
+
+<file path=ppt/slides/slide50.xml><?xml version="1.0" encoding="utf-8"?>
 <p:sld xmlns:a="http://schemas.openxmlformats.org/drawingml/2006/main" xmlns:r="http://schemas.openxmlformats.org/officeDocument/2006/relationships" xmlns:p="http://schemas.openxmlformats.org/presentationml/2006/main">
   <p:cSld>
     <p:spTree>
@@ -24080,113 +24329,7 @@
 </p:sld>
 </file>
 
-<file path=ppt/slides/slide5.xml><?xml version="1.0" encoding="utf-8"?>
-<p:sld xmlns:a="http://schemas.openxmlformats.org/drawingml/2006/main" xmlns:r="http://schemas.openxmlformats.org/officeDocument/2006/relationships" xmlns:p="http://schemas.openxmlformats.org/presentationml/2006/main">
-  <p:cSld>
-    <p:spTree>
-      <p:nvGrpSpPr>
-        <p:cNvPr id="1" name=""/>
-        <p:cNvGrpSpPr/>
-        <p:nvPr/>
-      </p:nvGrpSpPr>
-      <p:grpSpPr>
-        <a:xfrm>
-          <a:off x="0" y="0"/>
-          <a:ext cx="0" cy="0"/>
-          <a:chOff x="0" y="0"/>
-          <a:chExt cx="0" cy="0"/>
-        </a:xfrm>
-      </p:grpSpPr>
-      <p:sp>
-        <p:nvSpPr>
-          <p:cNvPr id="2" name="Title 1"/>
-          <p:cNvSpPr>
-            <a:spLocks noGrp="1"/>
-          </p:cNvSpPr>
-          <p:nvPr>
-            <p:ph type="title"/>
-          </p:nvPr>
-        </p:nvSpPr>
-        <p:spPr/>
-        <p:txBody>
-          <a:bodyPr>
-            <a:normAutofit fontScale="90000"/>
-          </a:bodyPr>
-          <a:lstStyle/>
-          <a:p>
-            <a:r>
-              <a:rPr lang="en-US" dirty="0"/>
-              <a:t>Context: replicated distributed systems </a:t>
-            </a:r>
-          </a:p>
-        </p:txBody>
-      </p:sp>
-      <p:sp>
-        <p:nvSpPr>
-          <p:cNvPr id="3" name="Content Placeholder 2"/>
-          <p:cNvSpPr>
-            <a:spLocks noGrp="1"/>
-          </p:cNvSpPr>
-          <p:nvPr>
-            <p:ph idx="1"/>
-          </p:nvPr>
-        </p:nvSpPr>
-        <p:spPr/>
-        <p:txBody>
-          <a:bodyPr/>
-          <a:lstStyle/>
-          <a:p>
-            <a:pPr marL="0" indent="0">
-              <a:buNone/>
-            </a:pPr>
-            <a:r>
-              <a:rPr lang="en-US" dirty="0" smtClean="0"/>
-              <a:t>Running example: a key-value store</a:t>
-            </a:r>
-          </a:p>
-          <a:p>
-            <a:pPr marL="0" indent="0">
-              <a:buNone/>
-            </a:pPr>
-            <a:endParaRPr lang="en-US" dirty="0"/>
-          </a:p>
-          <a:p>
-            <a:pPr marL="0" indent="0">
-              <a:buNone/>
-            </a:pPr>
-            <a:endParaRPr lang="en-US" dirty="0" smtClean="0"/>
-          </a:p>
-          <a:p>
-            <a:pPr marL="0" indent="0">
-              <a:buNone/>
-            </a:pPr>
-            <a:r>
-              <a:rPr lang="en-US" dirty="0" smtClean="0"/>
-              <a:t>(picture)</a:t>
-            </a:r>
-          </a:p>
-          <a:p>
-            <a:pPr marL="0" indent="0">
-              <a:buNone/>
-            </a:pPr>
-            <a:endParaRPr lang="en-US" dirty="0"/>
-          </a:p>
-        </p:txBody>
-      </p:sp>
-    </p:spTree>
-    <p:extLst>
-      <p:ext uri="{BB962C8B-B14F-4D97-AF65-F5344CB8AC3E}">
-        <p14:creationId xmlns:p14="http://schemas.microsoft.com/office/powerpoint/2010/main" val="2278119010"/>
-      </p:ext>
-    </p:extLst>
-  </p:cSld>
-  <p:clrMapOvr>
-    <a:masterClrMapping/>
-  </p:clrMapOvr>
-</p:sld>
-</file>
-
-<file path=ppt/slides/slide50.xml><?xml version="1.0" encoding="utf-8"?>
+<file path=ppt/slides/slide51.xml><?xml version="1.0" encoding="utf-8"?>
 <p:sld xmlns:a="http://schemas.openxmlformats.org/drawingml/2006/main" xmlns:r="http://schemas.openxmlformats.org/officeDocument/2006/relationships" xmlns:p="http://schemas.openxmlformats.org/presentationml/2006/main">
   <p:cSld>
     <p:spTree>
@@ -24987,6 +25130,6061 @@
       <p:bldP spid="15" grpId="0"/>
       <p:bldP spid="17" grpId="0"/>
     </p:bldLst>
+  </p:timing>
+</p:sld>
+</file>
+
+<file path=ppt/slides/slide52.xml><?xml version="1.0" encoding="utf-8"?>
+<p:sld xmlns:a="http://schemas.openxmlformats.org/drawingml/2006/main" xmlns:r="http://schemas.openxmlformats.org/officeDocument/2006/relationships" xmlns:p="http://schemas.openxmlformats.org/presentationml/2006/main">
+  <p:cSld>
+    <p:spTree>
+      <p:nvGrpSpPr>
+        <p:cNvPr id="1" name=""/>
+        <p:cNvGrpSpPr/>
+        <p:nvPr/>
+      </p:nvGrpSpPr>
+      <p:grpSpPr>
+        <a:xfrm>
+          <a:off x="0" y="0"/>
+          <a:ext cx="0" cy="0"/>
+          <a:chOff x="0" y="0"/>
+          <a:chExt cx="0" cy="0"/>
+        </a:xfrm>
+      </p:grpSpPr>
+      <p:cxnSp>
+        <p:nvCxnSpPr>
+          <p:cNvPr id="7" name="Straight Arrow Connector 6"/>
+          <p:cNvCxnSpPr/>
+          <p:nvPr/>
+        </p:nvCxnSpPr>
+        <p:spPr>
+          <a:xfrm flipV="1">
+            <a:off x="796471" y="1417640"/>
+            <a:ext cx="13512" cy="4284660"/>
+          </a:xfrm>
+          <a:prstGeom prst="straightConnector1">
+            <a:avLst/>
+          </a:prstGeom>
+          <a:ln>
+            <a:tailEnd type="arrow"/>
+          </a:ln>
+        </p:spPr>
+        <p:style>
+          <a:lnRef idx="2">
+            <a:schemeClr val="accent1"/>
+          </a:lnRef>
+          <a:fillRef idx="0">
+            <a:schemeClr val="accent1"/>
+          </a:fillRef>
+          <a:effectRef idx="1">
+            <a:schemeClr val="accent1"/>
+          </a:effectRef>
+          <a:fontRef idx="minor">
+            <a:schemeClr val="tx1"/>
+          </a:fontRef>
+        </p:style>
+      </p:cxnSp>
+      <p:sp>
+        <p:nvSpPr>
+          <p:cNvPr id="8" name="TextBox 7"/>
+          <p:cNvSpPr txBox="1"/>
+          <p:nvPr/>
+        </p:nvSpPr>
+        <p:spPr>
+          <a:xfrm>
+            <a:off x="335463" y="540474"/>
+            <a:ext cx="1148609" cy="584776"/>
+          </a:xfrm>
+          <a:prstGeom prst="rect">
+            <a:avLst/>
+          </a:prstGeom>
+          <a:noFill/>
+        </p:spPr>
+        <p:txBody>
+          <a:bodyPr wrap="none" rtlCol="0">
+            <a:spAutoFit/>
+          </a:bodyPr>
+          <a:lstStyle/>
+          <a:p>
+            <a:r>
+              <a:rPr lang="en-US" sz="3200" b="1" dirty="0" smtClean="0">
+                <a:latin typeface="Helvetica Neue"/>
+                <a:cs typeface="Helvetica Neue"/>
+              </a:rPr>
+              <a:t>Time</a:t>
+            </a:r>
+            <a:endParaRPr lang="en-US" sz="3200" b="1" dirty="0">
+              <a:latin typeface="Helvetica Neue"/>
+              <a:cs typeface="Helvetica Neue"/>
+            </a:endParaRPr>
+          </a:p>
+        </p:txBody>
+      </p:sp>
+      <p:sp>
+        <p:nvSpPr>
+          <p:cNvPr id="9" name="TextBox 8"/>
+          <p:cNvSpPr txBox="1"/>
+          <p:nvPr/>
+        </p:nvSpPr>
+        <p:spPr>
+          <a:xfrm>
+            <a:off x="1098602" y="5830124"/>
+            <a:ext cx="2514499" cy="830997"/>
+          </a:xfrm>
+          <a:prstGeom prst="rect">
+            <a:avLst/>
+          </a:prstGeom>
+          <a:noFill/>
+        </p:spPr>
+        <p:txBody>
+          <a:bodyPr wrap="none" rtlCol="0">
+            <a:spAutoFit/>
+          </a:bodyPr>
+          <a:lstStyle/>
+          <a:p>
+            <a:pPr algn="ctr"/>
+            <a:r>
+              <a:rPr lang="en-US" sz="2400" b="1" dirty="0" smtClean="0">
+                <a:latin typeface="Helvetica Neue"/>
+                <a:cs typeface="Helvetica Neue"/>
+              </a:rPr>
+              <a:t>Set</a:t>
+            </a:r>
+            <a:br>
+              <a:rPr lang="en-US" sz="2400" b="1" dirty="0" smtClean="0">
+                <a:latin typeface="Helvetica Neue"/>
+                <a:cs typeface="Helvetica Neue"/>
+              </a:rPr>
+            </a:br>
+            <a:r>
+              <a:rPr lang="en-US" sz="2400" b="1" dirty="0" smtClean="0">
+                <a:latin typeface="Helvetica Neue"/>
+                <a:cs typeface="Helvetica Neue"/>
+              </a:rPr>
+              <a:t>(merge = Union)</a:t>
+            </a:r>
+          </a:p>
+        </p:txBody>
+      </p:sp>
+      <p:sp>
+        <p:nvSpPr>
+          <p:cNvPr id="11" name="TextBox 10"/>
+          <p:cNvSpPr txBox="1"/>
+          <p:nvPr/>
+        </p:nvSpPr>
+        <p:spPr>
+          <a:xfrm>
+            <a:off x="4129071" y="5830124"/>
+            <a:ext cx="2275054" cy="830997"/>
+          </a:xfrm>
+          <a:prstGeom prst="rect">
+            <a:avLst/>
+          </a:prstGeom>
+          <a:noFill/>
+        </p:spPr>
+        <p:txBody>
+          <a:bodyPr wrap="none" rtlCol="0">
+            <a:spAutoFit/>
+          </a:bodyPr>
+          <a:lstStyle/>
+          <a:p>
+            <a:pPr algn="ctr"/>
+            <a:r>
+              <a:rPr lang="en-US" sz="2400" b="1" dirty="0" smtClean="0">
+                <a:latin typeface="Helvetica Neue"/>
+                <a:cs typeface="Helvetica Neue"/>
+              </a:rPr>
+              <a:t>Integer</a:t>
+            </a:r>
+            <a:br>
+              <a:rPr lang="en-US" sz="2400" b="1" dirty="0" smtClean="0">
+                <a:latin typeface="Helvetica Neue"/>
+                <a:cs typeface="Helvetica Neue"/>
+              </a:rPr>
+            </a:br>
+            <a:r>
+              <a:rPr lang="en-US" sz="2400" b="1" dirty="0" smtClean="0">
+                <a:latin typeface="Helvetica Neue"/>
+                <a:cs typeface="Helvetica Neue"/>
+              </a:rPr>
+              <a:t>(merge = Max)</a:t>
+            </a:r>
+            <a:endParaRPr lang="en-US" sz="2400" b="1" dirty="0">
+              <a:latin typeface="Helvetica Neue"/>
+              <a:cs typeface="Helvetica Neue"/>
+            </a:endParaRPr>
+          </a:p>
+        </p:txBody>
+      </p:sp>
+      <p:sp>
+        <p:nvSpPr>
+          <p:cNvPr id="12" name="TextBox 11"/>
+          <p:cNvSpPr txBox="1"/>
+          <p:nvPr/>
+        </p:nvSpPr>
+        <p:spPr>
+          <a:xfrm>
+            <a:off x="6631806" y="5830124"/>
+            <a:ext cx="2013141" cy="830997"/>
+          </a:xfrm>
+          <a:prstGeom prst="rect">
+            <a:avLst/>
+          </a:prstGeom>
+          <a:noFill/>
+        </p:spPr>
+        <p:txBody>
+          <a:bodyPr wrap="none" rtlCol="0">
+            <a:spAutoFit/>
+          </a:bodyPr>
+          <a:lstStyle/>
+          <a:p>
+            <a:pPr algn="ctr"/>
+            <a:r>
+              <a:rPr lang="en-US" sz="2400" b="1" dirty="0" smtClean="0">
+                <a:latin typeface="Helvetica Neue"/>
+                <a:cs typeface="Helvetica Neue"/>
+              </a:rPr>
+              <a:t>Boolean</a:t>
+            </a:r>
+            <a:br>
+              <a:rPr lang="en-US" sz="2400" b="1" dirty="0" smtClean="0">
+                <a:latin typeface="Helvetica Neue"/>
+                <a:cs typeface="Helvetica Neue"/>
+              </a:rPr>
+            </a:br>
+            <a:r>
+              <a:rPr lang="en-US" sz="2400" b="1" dirty="0" smtClean="0">
+                <a:latin typeface="Helvetica Neue"/>
+                <a:cs typeface="Helvetica Neue"/>
+              </a:rPr>
+              <a:t>(merge = Or)</a:t>
+            </a:r>
+            <a:endParaRPr lang="en-US" sz="2400" b="1" dirty="0">
+              <a:latin typeface="Helvetica Neue"/>
+              <a:cs typeface="Helvetica Neue"/>
+            </a:endParaRPr>
+          </a:p>
+        </p:txBody>
+      </p:sp>
+      <p:pic>
+        <p:nvPicPr>
+          <p:cNvPr id="41" name="Picture 40"/>
+          <p:cNvPicPr>
+            <a:picLocks noChangeAspect="1"/>
+          </p:cNvPicPr>
+          <p:nvPr/>
+        </p:nvPicPr>
+        <p:blipFill>
+          <a:blip r:embed="rId2">
+            <a:extLst>
+              <a:ext uri="{28A0092B-C50C-407E-A947-70E740481C1C}">
+                <a14:useLocalDpi xmlns:a14="http://schemas.microsoft.com/office/drawing/2010/main" val="0"/>
+              </a:ext>
+            </a:extLst>
+          </a:blip>
+          <a:stretch>
+            <a:fillRect/>
+          </a:stretch>
+        </p:blipFill>
+        <p:spPr>
+          <a:xfrm>
+            <a:off x="1231900" y="2895600"/>
+            <a:ext cx="2247900" cy="1816100"/>
+          </a:xfrm>
+          <a:prstGeom prst="rect">
+            <a:avLst/>
+          </a:prstGeom>
+        </p:spPr>
+      </p:pic>
+      <p:pic>
+        <p:nvPicPr>
+          <p:cNvPr id="42" name="Picture 41" descr="monotone_max.pdf"/>
+          <p:cNvPicPr>
+            <a:picLocks noChangeAspect="1"/>
+          </p:cNvPicPr>
+          <p:nvPr/>
+        </p:nvPicPr>
+        <p:blipFill>
+          <a:blip r:embed="rId3">
+            <a:extLst>
+              <a:ext uri="{28A0092B-C50C-407E-A947-70E740481C1C}">
+                <a14:useLocalDpi xmlns:a14="http://schemas.microsoft.com/office/drawing/2010/main" val="0"/>
+              </a:ext>
+            </a:extLst>
+          </a:blip>
+          <a:stretch>
+            <a:fillRect/>
+          </a:stretch>
+        </p:blipFill>
+        <p:spPr>
+          <a:xfrm>
+            <a:off x="4885598" y="2895600"/>
+            <a:ext cx="762000" cy="1816100"/>
+          </a:xfrm>
+          <a:prstGeom prst="rect">
+            <a:avLst/>
+          </a:prstGeom>
+        </p:spPr>
+      </p:pic>
+      <p:pic>
+        <p:nvPicPr>
+          <p:cNvPr id="43" name="Picture 42" descr="monotone_bool.pdf"/>
+          <p:cNvPicPr>
+            <a:picLocks noChangeAspect="1"/>
+          </p:cNvPicPr>
+          <p:nvPr/>
+        </p:nvPicPr>
+        <p:blipFill>
+          <a:blip r:embed="rId4">
+            <a:extLst>
+              <a:ext uri="{28A0092B-C50C-407E-A947-70E740481C1C}">
+                <a14:useLocalDpi xmlns:a14="http://schemas.microsoft.com/office/drawing/2010/main" val="0"/>
+              </a:ext>
+            </a:extLst>
+          </a:blip>
+          <a:stretch>
+            <a:fillRect/>
+          </a:stretch>
+        </p:blipFill>
+        <p:spPr>
+          <a:xfrm>
+            <a:off x="6876376" y="2895600"/>
+            <a:ext cx="1524000" cy="1816100"/>
+          </a:xfrm>
+          <a:prstGeom prst="rect">
+            <a:avLst/>
+          </a:prstGeom>
+        </p:spPr>
+      </p:pic>
+      <p:cxnSp>
+        <p:nvCxnSpPr>
+          <p:cNvPr id="46" name="Straight Arrow Connector 45"/>
+          <p:cNvCxnSpPr/>
+          <p:nvPr/>
+        </p:nvCxnSpPr>
+        <p:spPr>
+          <a:xfrm>
+            <a:off x="3632200" y="3822700"/>
+            <a:ext cx="1020698" cy="0"/>
+          </a:xfrm>
+          <a:prstGeom prst="straightConnector1">
+            <a:avLst/>
+          </a:prstGeom>
+          <a:ln>
+            <a:tailEnd type="arrow"/>
+          </a:ln>
+        </p:spPr>
+        <p:style>
+          <a:lnRef idx="2">
+            <a:schemeClr val="accent1"/>
+          </a:lnRef>
+          <a:fillRef idx="0">
+            <a:schemeClr val="accent1"/>
+          </a:fillRef>
+          <a:effectRef idx="1">
+            <a:schemeClr val="accent1"/>
+          </a:effectRef>
+          <a:fontRef idx="minor">
+            <a:schemeClr val="tx1"/>
+          </a:fontRef>
+        </p:style>
+      </p:cxnSp>
+      <p:cxnSp>
+        <p:nvCxnSpPr>
+          <p:cNvPr id="48" name="Straight Arrow Connector 47"/>
+          <p:cNvCxnSpPr/>
+          <p:nvPr/>
+        </p:nvCxnSpPr>
+        <p:spPr>
+          <a:xfrm>
+            <a:off x="5774987" y="3822700"/>
+            <a:ext cx="1020698" cy="0"/>
+          </a:xfrm>
+          <a:prstGeom prst="straightConnector1">
+            <a:avLst/>
+          </a:prstGeom>
+          <a:ln>
+            <a:tailEnd type="arrow"/>
+          </a:ln>
+        </p:spPr>
+        <p:style>
+          <a:lnRef idx="2">
+            <a:schemeClr val="accent1"/>
+          </a:lnRef>
+          <a:fillRef idx="0">
+            <a:schemeClr val="accent1"/>
+          </a:fillRef>
+          <a:effectRef idx="1">
+            <a:schemeClr val="accent1"/>
+          </a:effectRef>
+          <a:fontRef idx="minor">
+            <a:schemeClr val="tx1"/>
+          </a:fontRef>
+        </p:style>
+      </p:cxnSp>
+      <p:sp>
+        <p:nvSpPr>
+          <p:cNvPr id="49" name="TextBox 48"/>
+          <p:cNvSpPr txBox="1"/>
+          <p:nvPr/>
+        </p:nvSpPr>
+        <p:spPr>
+          <a:xfrm>
+            <a:off x="3733800" y="3213100"/>
+            <a:ext cx="757119" cy="369332"/>
+          </a:xfrm>
+          <a:prstGeom prst="rect">
+            <a:avLst/>
+          </a:prstGeom>
+          <a:noFill/>
+        </p:spPr>
+        <p:txBody>
+          <a:bodyPr wrap="none" rtlCol="0">
+            <a:spAutoFit/>
+          </a:bodyPr>
+          <a:lstStyle/>
+          <a:p>
+            <a:r>
+              <a:rPr lang="en-US" b="1" dirty="0" smtClean="0">
+                <a:latin typeface="Helvetica Neue"/>
+                <a:cs typeface="Helvetica Neue"/>
+              </a:rPr>
+              <a:t>size()</a:t>
+            </a:r>
+            <a:endParaRPr lang="en-US" b="1" dirty="0">
+              <a:latin typeface="Helvetica Neue"/>
+              <a:cs typeface="Helvetica Neue"/>
+            </a:endParaRPr>
+          </a:p>
+        </p:txBody>
+      </p:sp>
+      <p:sp>
+        <p:nvSpPr>
+          <p:cNvPr id="50" name="TextBox 49"/>
+          <p:cNvSpPr txBox="1"/>
+          <p:nvPr/>
+        </p:nvSpPr>
+        <p:spPr>
+          <a:xfrm>
+            <a:off x="5951611" y="3225800"/>
+            <a:ext cx="659155" cy="369332"/>
+          </a:xfrm>
+          <a:prstGeom prst="rect">
+            <a:avLst/>
+          </a:prstGeom>
+          <a:noFill/>
+        </p:spPr>
+        <p:txBody>
+          <a:bodyPr wrap="none" rtlCol="0">
+            <a:spAutoFit/>
+          </a:bodyPr>
+          <a:lstStyle/>
+          <a:p>
+            <a:r>
+              <a:rPr lang="en-US" b="1" dirty="0" smtClean="0">
+                <a:latin typeface="Helvetica Neue"/>
+                <a:cs typeface="Helvetica Neue"/>
+              </a:rPr>
+              <a:t>&gt;= 5</a:t>
+            </a:r>
+            <a:endParaRPr lang="en-US" b="1" dirty="0">
+              <a:latin typeface="Helvetica Neue"/>
+              <a:cs typeface="Helvetica Neue"/>
+            </a:endParaRPr>
+          </a:p>
+        </p:txBody>
+      </p:sp>
+      <p:sp>
+        <p:nvSpPr>
+          <p:cNvPr id="51" name="TextBox 50"/>
+          <p:cNvSpPr txBox="1"/>
+          <p:nvPr/>
+        </p:nvSpPr>
+        <p:spPr>
+          <a:xfrm>
+            <a:off x="2932964" y="1659108"/>
+            <a:ext cx="2283487" cy="646331"/>
+          </a:xfrm>
+          <a:prstGeom prst="rect">
+            <a:avLst/>
+          </a:prstGeom>
+          <a:noFill/>
+        </p:spPr>
+        <p:txBody>
+          <a:bodyPr wrap="none" rtlCol="0">
+            <a:spAutoFit/>
+          </a:bodyPr>
+          <a:lstStyle/>
+          <a:p>
+            <a:r>
+              <a:rPr lang="en-US" b="1" dirty="0" smtClean="0">
+                <a:solidFill>
+                  <a:schemeClr val="accent6"/>
+                </a:solidFill>
+                <a:latin typeface="Helvetica Neue"/>
+                <a:cs typeface="Helvetica Neue"/>
+              </a:rPr>
+              <a:t>Monotone function</a:t>
+            </a:r>
+            <a:br>
+              <a:rPr lang="en-US" b="1" dirty="0" smtClean="0">
+                <a:solidFill>
+                  <a:schemeClr val="accent6"/>
+                </a:solidFill>
+                <a:latin typeface="Helvetica Neue"/>
+                <a:cs typeface="Helvetica Neue"/>
+              </a:rPr>
+            </a:br>
+            <a:r>
+              <a:rPr lang="en-US" b="1" dirty="0" smtClean="0">
+                <a:solidFill>
+                  <a:schemeClr val="accent6"/>
+                </a:solidFill>
+                <a:latin typeface="Helvetica Neue"/>
+                <a:cs typeface="Helvetica Neue"/>
+              </a:rPr>
+              <a:t>from set </a:t>
+            </a:r>
+            <a:r>
+              <a:rPr lang="en-US" b="1" dirty="0" smtClean="0">
+                <a:solidFill>
+                  <a:schemeClr val="accent6"/>
+                </a:solidFill>
+                <a:latin typeface="Symbol"/>
+                <a:cs typeface="Helvetica Neue"/>
+                <a:sym typeface="Symbol"/>
+              </a:rPr>
+              <a:t></a:t>
+            </a:r>
+            <a:r>
+              <a:rPr lang="en-US" b="1" dirty="0" smtClean="0">
+                <a:solidFill>
+                  <a:schemeClr val="accent6"/>
+                </a:solidFill>
+                <a:latin typeface="Helvetica Neue"/>
+                <a:cs typeface="Helvetica Neue"/>
+              </a:rPr>
+              <a:t> max</a:t>
+            </a:r>
+            <a:endParaRPr lang="en-US" b="1" dirty="0">
+              <a:solidFill>
+                <a:schemeClr val="accent6"/>
+              </a:solidFill>
+              <a:latin typeface="Helvetica Neue"/>
+              <a:cs typeface="Helvetica Neue"/>
+            </a:endParaRPr>
+          </a:p>
+        </p:txBody>
+      </p:sp>
+      <p:sp>
+        <p:nvSpPr>
+          <p:cNvPr id="52" name="TextBox 51"/>
+          <p:cNvSpPr txBox="1"/>
+          <p:nvPr/>
+        </p:nvSpPr>
+        <p:spPr>
+          <a:xfrm>
+            <a:off x="5584095" y="1659108"/>
+            <a:ext cx="2480582" cy="646331"/>
+          </a:xfrm>
+          <a:prstGeom prst="rect">
+            <a:avLst/>
+          </a:prstGeom>
+          <a:noFill/>
+        </p:spPr>
+        <p:txBody>
+          <a:bodyPr wrap="none" rtlCol="0">
+            <a:spAutoFit/>
+          </a:bodyPr>
+          <a:lstStyle/>
+          <a:p>
+            <a:r>
+              <a:rPr lang="en-US" b="1" dirty="0" smtClean="0">
+                <a:solidFill>
+                  <a:schemeClr val="accent6"/>
+                </a:solidFill>
+                <a:latin typeface="Helvetica Neue"/>
+                <a:cs typeface="Helvetica Neue"/>
+              </a:rPr>
+              <a:t>Monotone function</a:t>
+            </a:r>
+            <a:br>
+              <a:rPr lang="en-US" b="1" dirty="0" smtClean="0">
+                <a:solidFill>
+                  <a:schemeClr val="accent6"/>
+                </a:solidFill>
+                <a:latin typeface="Helvetica Neue"/>
+                <a:cs typeface="Helvetica Neue"/>
+              </a:rPr>
+            </a:br>
+            <a:r>
+              <a:rPr lang="en-US" b="1" dirty="0" smtClean="0">
+                <a:solidFill>
+                  <a:schemeClr val="accent6"/>
+                </a:solidFill>
+                <a:latin typeface="Helvetica Neue"/>
+                <a:cs typeface="Helvetica Neue"/>
+              </a:rPr>
+              <a:t>from max </a:t>
+            </a:r>
+            <a:r>
+              <a:rPr lang="en-US" b="1" dirty="0" smtClean="0">
+                <a:solidFill>
+                  <a:schemeClr val="accent6"/>
+                </a:solidFill>
+                <a:latin typeface="Symbol"/>
+                <a:cs typeface="Helvetica Neue"/>
+                <a:sym typeface="Symbol"/>
+              </a:rPr>
+              <a:t></a:t>
+            </a:r>
+            <a:r>
+              <a:rPr lang="en-US" b="1" dirty="0" smtClean="0">
+                <a:solidFill>
+                  <a:schemeClr val="accent6"/>
+                </a:solidFill>
+                <a:latin typeface="Helvetica Neue"/>
+                <a:cs typeface="Helvetica Neue"/>
+              </a:rPr>
+              <a:t> </a:t>
+            </a:r>
+            <a:r>
+              <a:rPr lang="en-US" b="1" dirty="0" err="1" smtClean="0">
+                <a:solidFill>
+                  <a:schemeClr val="accent6"/>
+                </a:solidFill>
+                <a:latin typeface="Helvetica Neue"/>
+                <a:cs typeface="Helvetica Neue"/>
+              </a:rPr>
+              <a:t>boolean</a:t>
+            </a:r>
+            <a:endParaRPr lang="en-US" b="1" dirty="0">
+              <a:solidFill>
+                <a:schemeClr val="accent6"/>
+              </a:solidFill>
+              <a:latin typeface="Helvetica Neue"/>
+              <a:cs typeface="Helvetica Neue"/>
+            </a:endParaRPr>
+          </a:p>
+        </p:txBody>
+      </p:sp>
+    </p:spTree>
+    <p:extLst>
+      <p:ext uri="{BB962C8B-B14F-4D97-AF65-F5344CB8AC3E}">
+        <p14:creationId xmlns:p14="http://schemas.microsoft.com/office/powerpoint/2010/main" val="4091359321"/>
+      </p:ext>
+    </p:extLst>
+  </p:cSld>
+  <p:clrMapOvr>
+    <a:masterClrMapping/>
+  </p:clrMapOvr>
+  <p:timing>
+    <p:tnLst>
+      <p:par>
+        <p:cTn xmlns:p14="http://schemas.microsoft.com/office/powerpoint/2010/main" id="1" dur="indefinite" restart="never" nodeType="tmRoot">
+          <p:childTnLst>
+            <p:seq concurrent="1" nextAc="seek">
+              <p:cTn id="2" dur="indefinite" nodeType="mainSeq">
+                <p:childTnLst>
+                  <p:par>
+                    <p:cTn id="3" fill="hold">
+                      <p:stCondLst>
+                        <p:cond delay="indefinite"/>
+                      </p:stCondLst>
+                      <p:childTnLst>
+                        <p:par>
+                          <p:cTn id="4" fill="hold">
+                            <p:stCondLst>
+                              <p:cond delay="0"/>
+                            </p:stCondLst>
+                            <p:childTnLst>
+                              <p:par>
+                                <p:cTn id="5" presetID="1" presetClass="entr" presetSubtype="0" fill="hold" nodeType="clickEffect">
+                                  <p:stCondLst>
+                                    <p:cond delay="0"/>
+                                  </p:stCondLst>
+                                  <p:childTnLst>
+                                    <p:set>
+                                      <p:cBhvr>
+                                        <p:cTn id="6" dur="1" fill="hold">
+                                          <p:stCondLst>
+                                            <p:cond delay="0"/>
+                                          </p:stCondLst>
+                                        </p:cTn>
+                                        <p:tgtEl>
+                                          <p:spTgt spid="46"/>
+                                        </p:tgtEl>
+                                        <p:attrNameLst>
+                                          <p:attrName>style.visibility</p:attrName>
+                                        </p:attrNameLst>
+                                      </p:cBhvr>
+                                      <p:to>
+                                        <p:strVal val="visible"/>
+                                      </p:to>
+                                    </p:set>
+                                  </p:childTnLst>
+                                </p:cTn>
+                              </p:par>
+                              <p:par>
+                                <p:cTn id="7" presetID="1" presetClass="entr" presetSubtype="0" fill="hold" grpId="0" nodeType="withEffect">
+                                  <p:stCondLst>
+                                    <p:cond delay="0"/>
+                                  </p:stCondLst>
+                                  <p:childTnLst>
+                                    <p:set>
+                                      <p:cBhvr>
+                                        <p:cTn id="8" dur="1" fill="hold">
+                                          <p:stCondLst>
+                                            <p:cond delay="0"/>
+                                          </p:stCondLst>
+                                        </p:cTn>
+                                        <p:tgtEl>
+                                          <p:spTgt spid="49"/>
+                                        </p:tgtEl>
+                                        <p:attrNameLst>
+                                          <p:attrName>style.visibility</p:attrName>
+                                        </p:attrNameLst>
+                                      </p:cBhvr>
+                                      <p:to>
+                                        <p:strVal val="visible"/>
+                                      </p:to>
+                                    </p:set>
+                                  </p:childTnLst>
+                                </p:cTn>
+                              </p:par>
+                              <p:par>
+                                <p:cTn id="9" presetID="1" presetClass="entr" presetSubtype="0" fill="hold" nodeType="withEffect">
+                                  <p:stCondLst>
+                                    <p:cond delay="0"/>
+                                  </p:stCondLst>
+                                  <p:childTnLst>
+                                    <p:set>
+                                      <p:cBhvr>
+                                        <p:cTn id="10" dur="1" fill="hold">
+                                          <p:stCondLst>
+                                            <p:cond delay="0"/>
+                                          </p:stCondLst>
+                                        </p:cTn>
+                                        <p:tgtEl>
+                                          <p:spTgt spid="42"/>
+                                        </p:tgtEl>
+                                        <p:attrNameLst>
+                                          <p:attrName>style.visibility</p:attrName>
+                                        </p:attrNameLst>
+                                      </p:cBhvr>
+                                      <p:to>
+                                        <p:strVal val="visible"/>
+                                      </p:to>
+                                    </p:set>
+                                  </p:childTnLst>
+                                </p:cTn>
+                              </p:par>
+                              <p:par>
+                                <p:cTn id="11" presetID="1" presetClass="entr" presetSubtype="0" fill="hold" grpId="0" nodeType="withEffect">
+                                  <p:stCondLst>
+                                    <p:cond delay="0"/>
+                                  </p:stCondLst>
+                                  <p:childTnLst>
+                                    <p:set>
+                                      <p:cBhvr>
+                                        <p:cTn id="12" dur="1" fill="hold">
+                                          <p:stCondLst>
+                                            <p:cond delay="0"/>
+                                          </p:stCondLst>
+                                        </p:cTn>
+                                        <p:tgtEl>
+                                          <p:spTgt spid="51"/>
+                                        </p:tgtEl>
+                                        <p:attrNameLst>
+                                          <p:attrName>style.visibility</p:attrName>
+                                        </p:attrNameLst>
+                                      </p:cBhvr>
+                                      <p:to>
+                                        <p:strVal val="visible"/>
+                                      </p:to>
+                                    </p:set>
+                                  </p:childTnLst>
+                                </p:cTn>
+                              </p:par>
+                            </p:childTnLst>
+                          </p:cTn>
+                        </p:par>
+                      </p:childTnLst>
+                    </p:cTn>
+                  </p:par>
+                  <p:par>
+                    <p:cTn id="13" fill="hold">
+                      <p:stCondLst>
+                        <p:cond delay="indefinite"/>
+                      </p:stCondLst>
+                      <p:childTnLst>
+                        <p:par>
+                          <p:cTn id="14" fill="hold">
+                            <p:stCondLst>
+                              <p:cond delay="0"/>
+                            </p:stCondLst>
+                            <p:childTnLst>
+                              <p:par>
+                                <p:cTn id="15" presetID="1" presetClass="entr" presetSubtype="0" fill="hold" grpId="0" nodeType="clickEffect">
+                                  <p:stCondLst>
+                                    <p:cond delay="0"/>
+                                  </p:stCondLst>
+                                  <p:childTnLst>
+                                    <p:set>
+                                      <p:cBhvr>
+                                        <p:cTn id="16" dur="1" fill="hold">
+                                          <p:stCondLst>
+                                            <p:cond delay="0"/>
+                                          </p:stCondLst>
+                                        </p:cTn>
+                                        <p:tgtEl>
+                                          <p:spTgt spid="50"/>
+                                        </p:tgtEl>
+                                        <p:attrNameLst>
+                                          <p:attrName>style.visibility</p:attrName>
+                                        </p:attrNameLst>
+                                      </p:cBhvr>
+                                      <p:to>
+                                        <p:strVal val="visible"/>
+                                      </p:to>
+                                    </p:set>
+                                  </p:childTnLst>
+                                </p:cTn>
+                              </p:par>
+                              <p:par>
+                                <p:cTn id="17" presetID="1" presetClass="entr" presetSubtype="0" fill="hold" nodeType="withEffect">
+                                  <p:stCondLst>
+                                    <p:cond delay="0"/>
+                                  </p:stCondLst>
+                                  <p:childTnLst>
+                                    <p:set>
+                                      <p:cBhvr>
+                                        <p:cTn id="18" dur="1" fill="hold">
+                                          <p:stCondLst>
+                                            <p:cond delay="0"/>
+                                          </p:stCondLst>
+                                        </p:cTn>
+                                        <p:tgtEl>
+                                          <p:spTgt spid="48"/>
+                                        </p:tgtEl>
+                                        <p:attrNameLst>
+                                          <p:attrName>style.visibility</p:attrName>
+                                        </p:attrNameLst>
+                                      </p:cBhvr>
+                                      <p:to>
+                                        <p:strVal val="visible"/>
+                                      </p:to>
+                                    </p:set>
+                                  </p:childTnLst>
+                                </p:cTn>
+                              </p:par>
+                              <p:par>
+                                <p:cTn id="19" presetID="1" presetClass="entr" presetSubtype="0" fill="hold" nodeType="withEffect">
+                                  <p:stCondLst>
+                                    <p:cond delay="0"/>
+                                  </p:stCondLst>
+                                  <p:childTnLst>
+                                    <p:set>
+                                      <p:cBhvr>
+                                        <p:cTn id="20" dur="1" fill="hold">
+                                          <p:stCondLst>
+                                            <p:cond delay="0"/>
+                                          </p:stCondLst>
+                                        </p:cTn>
+                                        <p:tgtEl>
+                                          <p:spTgt spid="43"/>
+                                        </p:tgtEl>
+                                        <p:attrNameLst>
+                                          <p:attrName>style.visibility</p:attrName>
+                                        </p:attrNameLst>
+                                      </p:cBhvr>
+                                      <p:to>
+                                        <p:strVal val="visible"/>
+                                      </p:to>
+                                    </p:set>
+                                  </p:childTnLst>
+                                </p:cTn>
+                              </p:par>
+                              <p:par>
+                                <p:cTn id="21" presetID="1" presetClass="entr" presetSubtype="0" fill="hold" grpId="0" nodeType="withEffect">
+                                  <p:stCondLst>
+                                    <p:cond delay="0"/>
+                                  </p:stCondLst>
+                                  <p:childTnLst>
+                                    <p:set>
+                                      <p:cBhvr>
+                                        <p:cTn id="22" dur="1" fill="hold">
+                                          <p:stCondLst>
+                                            <p:cond delay="0"/>
+                                          </p:stCondLst>
+                                        </p:cTn>
+                                        <p:tgtEl>
+                                          <p:spTgt spid="12"/>
+                                        </p:tgtEl>
+                                        <p:attrNameLst>
+                                          <p:attrName>style.visibility</p:attrName>
+                                        </p:attrNameLst>
+                                      </p:cBhvr>
+                                      <p:to>
+                                        <p:strVal val="visible"/>
+                                      </p:to>
+                                    </p:set>
+                                  </p:childTnLst>
+                                </p:cTn>
+                              </p:par>
+                              <p:par>
+                                <p:cTn id="23" presetID="1" presetClass="entr" presetSubtype="0" fill="hold" grpId="0" nodeType="withEffect">
+                                  <p:stCondLst>
+                                    <p:cond delay="0"/>
+                                  </p:stCondLst>
+                                  <p:childTnLst>
+                                    <p:set>
+                                      <p:cBhvr>
+                                        <p:cTn id="24" dur="1" fill="hold">
+                                          <p:stCondLst>
+                                            <p:cond delay="0"/>
+                                          </p:stCondLst>
+                                        </p:cTn>
+                                        <p:tgtEl>
+                                          <p:spTgt spid="52"/>
+                                        </p:tgtEl>
+                                        <p:attrNameLst>
+                                          <p:attrName>style.visibility</p:attrName>
+                                        </p:attrNameLst>
+                                      </p:cBhvr>
+                                      <p:to>
+                                        <p:strVal val="visible"/>
+                                      </p:to>
+                                    </p:set>
+                                  </p:childTnLst>
+                                </p:cTn>
+                              </p:par>
+                            </p:childTnLst>
+                          </p:cTn>
+                        </p:par>
+                      </p:childTnLst>
+                    </p:cTn>
+                  </p:par>
+                </p:childTnLst>
+              </p:cTn>
+              <p:prevCondLst>
+                <p:cond evt="onPrev" delay="0">
+                  <p:tgtEl>
+                    <p:sldTgt/>
+                  </p:tgtEl>
+                </p:cond>
+              </p:prevCondLst>
+              <p:nextCondLst>
+                <p:cond evt="onNext" delay="0">
+                  <p:tgtEl>
+                    <p:sldTgt/>
+                  </p:tgtEl>
+                </p:cond>
+              </p:nextCondLst>
+            </p:seq>
+          </p:childTnLst>
+        </p:cTn>
+      </p:par>
+    </p:tnLst>
+    <p:bldLst>
+      <p:bldP spid="12" grpId="0"/>
+      <p:bldP spid="49" grpId="0"/>
+      <p:bldP spid="50" grpId="0"/>
+      <p:bldP spid="51" grpId="0"/>
+      <p:bldP spid="52" grpId="0"/>
+    </p:bldLst>
+  </p:timing>
+</p:sld>
+</file>
+
+<file path=ppt/slides/slide53.xml><?xml version="1.0" encoding="utf-8"?>
+<p:sld xmlns:a="http://schemas.openxmlformats.org/drawingml/2006/main" xmlns:r="http://schemas.openxmlformats.org/officeDocument/2006/relationships" xmlns:p="http://schemas.openxmlformats.org/presentationml/2006/main">
+  <p:cSld>
+    <p:spTree>
+      <p:nvGrpSpPr>
+        <p:cNvPr id="1" name=""/>
+        <p:cNvGrpSpPr/>
+        <p:nvPr/>
+      </p:nvGrpSpPr>
+      <p:grpSpPr>
+        <a:xfrm>
+          <a:off x="0" y="0"/>
+          <a:ext cx="0" cy="0"/>
+          <a:chOff x="0" y="0"/>
+          <a:chExt cx="0" cy="0"/>
+        </a:xfrm>
+      </p:grpSpPr>
+      <p:sp>
+        <p:nvSpPr>
+          <p:cNvPr id="2" name="Title 1"/>
+          <p:cNvSpPr>
+            <a:spLocks noGrp="1"/>
+          </p:cNvSpPr>
+          <p:nvPr>
+            <p:ph type="title"/>
+          </p:nvPr>
+        </p:nvSpPr>
+        <p:spPr/>
+        <p:txBody>
+          <a:bodyPr/>
+          <a:lstStyle/>
+          <a:p>
+            <a:r>
+              <a:rPr lang="en-US" dirty="0" err="1" smtClean="0"/>
+              <a:t>Builtin</a:t>
+            </a:r>
+            <a:r>
+              <a:rPr lang="en-US" dirty="0" smtClean="0"/>
+              <a:t> Lattices</a:t>
+            </a:r>
+            <a:endParaRPr lang="en-US" dirty="0"/>
+          </a:p>
+        </p:txBody>
+      </p:sp>
+      <p:graphicFrame>
+        <p:nvGraphicFramePr>
+          <p:cNvPr id="4" name="Table 3"/>
+          <p:cNvGraphicFramePr>
+            <a:graphicFrameLocks noGrp="1"/>
+          </p:cNvGraphicFramePr>
+          <p:nvPr>
+            <p:extLst>
+              <p:ext uri="{D42A27DB-BD31-4B8C-83A1-F6EECF244321}">
+                <p14:modId xmlns:p14="http://schemas.microsoft.com/office/powerpoint/2010/main" val="1053199019"/>
+              </p:ext>
+            </p:extLst>
+          </p:nvPr>
+        </p:nvGraphicFramePr>
+        <p:xfrm>
+          <a:off x="473077" y="1470748"/>
+          <a:ext cx="8197846" cy="5231932"/>
+        </p:xfrm>
+        <a:graphic>
+          <a:graphicData uri="http://schemas.openxmlformats.org/drawingml/2006/table">
+            <a:tbl>
+              <a:tblPr firstRow="1" bandRow="1">
+                <a:tableStyleId>{5C22544A-7EE6-4342-B048-85BDC9FD1C3A}</a:tableStyleId>
+              </a:tblPr>
+              <a:tblGrid>
+                <a:gridCol w="948402"/>
+                <a:gridCol w="2039719"/>
+                <a:gridCol w="831478"/>
+                <a:gridCol w="1055489"/>
+                <a:gridCol w="3322758"/>
+              </a:tblGrid>
+              <a:tr h="373224">
+                <a:tc>
+                  <a:txBody>
+                    <a:bodyPr/>
+                    <a:lstStyle/>
+                    <a:p>
+                      <a:r>
+                        <a:rPr lang="en-US" dirty="0" smtClean="0">
+                          <a:latin typeface="Helvetica Neue"/>
+                        </a:rPr>
+                        <a:t>Name</a:t>
+                      </a:r>
+                      <a:endParaRPr lang="en-US" dirty="0">
+                        <a:latin typeface="Helvetica Neue"/>
+                      </a:endParaRPr>
+                    </a:p>
+                  </a:txBody>
+                  <a:tcPr/>
+                </a:tc>
+                <a:tc>
+                  <a:txBody>
+                    <a:bodyPr/>
+                    <a:lstStyle/>
+                    <a:p>
+                      <a:r>
+                        <a:rPr lang="en-US" dirty="0" smtClean="0">
+                          <a:latin typeface="Helvetica Neue"/>
+                        </a:rPr>
+                        <a:t>Description</a:t>
+                      </a:r>
+                      <a:endParaRPr lang="en-US" dirty="0">
+                        <a:latin typeface="Helvetica Neue"/>
+                      </a:endParaRPr>
+                    </a:p>
+                  </a:txBody>
+                  <a:tcPr/>
+                </a:tc>
+                <a:tc>
+                  <a:txBody>
+                    <a:bodyPr/>
+                    <a:lstStyle/>
+                    <a:p>
+                      <a:pPr algn="ctr"/>
+                      <a:r>
+                        <a:rPr lang="en-US" baseline="0" dirty="0" smtClean="0">
+                          <a:latin typeface="cmsy10"/>
+                          <a:ea typeface="cmsy10"/>
+                          <a:cs typeface="cmsy10"/>
+                        </a:rPr>
+                        <a:t>?</a:t>
+                      </a:r>
+                      <a:endParaRPr lang="en-US" baseline="0" dirty="0">
+                        <a:latin typeface="cmsy10"/>
+                      </a:endParaRPr>
+                    </a:p>
+                  </a:txBody>
+                  <a:tcPr/>
+                </a:tc>
+                <a:tc>
+                  <a:txBody>
+                    <a:bodyPr/>
+                    <a:lstStyle/>
+                    <a:p>
+                      <a:pPr algn="ctr"/>
+                      <a:r>
+                        <a:rPr lang="en-US" dirty="0" smtClean="0">
+                          <a:latin typeface="Helvetica Neue"/>
+                        </a:rPr>
+                        <a:t>a</a:t>
+                      </a:r>
+                      <a:r>
+                        <a:rPr lang="en-US" baseline="0" dirty="0" smtClean="0">
+                          <a:latin typeface="Helvetica Neue"/>
+                        </a:rPr>
+                        <a:t> </a:t>
+                      </a:r>
+                      <a:r>
+                        <a:rPr lang="en-US" baseline="0" dirty="0" smtClean="0">
+                          <a:latin typeface="cmsy10"/>
+                          <a:ea typeface="cmsy10"/>
+                          <a:cs typeface="cmsy10"/>
+                        </a:rPr>
+                        <a:t>t</a:t>
+                      </a:r>
+                      <a:r>
+                        <a:rPr lang="en-US" baseline="0" dirty="0" smtClean="0">
+                          <a:latin typeface="Helvetica Neue"/>
+                        </a:rPr>
+                        <a:t> b</a:t>
+                      </a:r>
+                      <a:endParaRPr lang="en-US" dirty="0">
+                        <a:latin typeface="Helvetica Neue"/>
+                      </a:endParaRPr>
+                    </a:p>
+                  </a:txBody>
+                  <a:tcPr/>
+                </a:tc>
+                <a:tc>
+                  <a:txBody>
+                    <a:bodyPr/>
+                    <a:lstStyle/>
+                    <a:p>
+                      <a:pPr algn="r"/>
+                      <a:r>
+                        <a:rPr lang="en-US" dirty="0" smtClean="0">
+                          <a:latin typeface="Helvetica Neue"/>
+                        </a:rPr>
+                        <a:t>Sample</a:t>
+                      </a:r>
+                      <a:r>
+                        <a:rPr lang="en-US" baseline="0" dirty="0" smtClean="0">
+                          <a:latin typeface="Helvetica Neue"/>
+                        </a:rPr>
+                        <a:t> </a:t>
+                      </a:r>
+                      <a:r>
+                        <a:rPr lang="en-US" dirty="0" smtClean="0">
+                          <a:latin typeface="Helvetica Neue"/>
+                        </a:rPr>
+                        <a:t>Monotone</a:t>
+                      </a:r>
+                      <a:r>
+                        <a:rPr lang="en-US" baseline="0" dirty="0" smtClean="0">
+                          <a:latin typeface="Helvetica Neue"/>
+                        </a:rPr>
+                        <a:t> Functions</a:t>
+                      </a:r>
+                      <a:endParaRPr lang="en-US" dirty="0">
+                        <a:latin typeface="Helvetica Neue"/>
+                      </a:endParaRPr>
+                    </a:p>
+                  </a:txBody>
+                  <a:tcPr/>
+                </a:tc>
+              </a:tr>
+              <a:tr h="410482">
+                <a:tc>
+                  <a:txBody>
+                    <a:bodyPr/>
+                    <a:lstStyle/>
+                    <a:p>
+                      <a:r>
+                        <a:rPr lang="en-US" b="1" dirty="0" err="1" smtClean="0">
+                          <a:latin typeface="Inconsolata-dz"/>
+                          <a:cs typeface="Inconsolata-dz"/>
+                        </a:rPr>
+                        <a:t>lbool</a:t>
+                      </a:r>
+                      <a:endParaRPr lang="en-US" b="1" dirty="0">
+                        <a:latin typeface="Inconsolata-dz"/>
+                        <a:cs typeface="Inconsolata-dz"/>
+                      </a:endParaRPr>
+                    </a:p>
+                  </a:txBody>
+                  <a:tcPr/>
+                </a:tc>
+                <a:tc>
+                  <a:txBody>
+                    <a:bodyPr/>
+                    <a:lstStyle/>
+                    <a:p>
+                      <a:r>
+                        <a:rPr lang="en-US" dirty="0" smtClean="0">
+                          <a:latin typeface="Helvetica Neue"/>
+                        </a:rPr>
+                        <a:t>Threshold</a:t>
+                      </a:r>
+                      <a:r>
+                        <a:rPr lang="en-US" baseline="0" dirty="0" smtClean="0">
+                          <a:latin typeface="Helvetica Neue"/>
+                        </a:rPr>
+                        <a:t> test</a:t>
+                      </a:r>
+                      <a:endParaRPr lang="en-US" dirty="0">
+                        <a:latin typeface="Helvetica Neue"/>
+                      </a:endParaRPr>
+                    </a:p>
+                  </a:txBody>
+                  <a:tcPr/>
+                </a:tc>
+                <a:tc>
+                  <a:txBody>
+                    <a:bodyPr/>
+                    <a:lstStyle/>
+                    <a:p>
+                      <a:pPr algn="ctr"/>
+                      <a:r>
+                        <a:rPr lang="en-US" dirty="0" smtClean="0">
+                          <a:latin typeface="Helvetica Neue"/>
+                        </a:rPr>
+                        <a:t>false</a:t>
+                      </a:r>
+                      <a:endParaRPr lang="en-US" dirty="0">
+                        <a:latin typeface="Helvetica Neue"/>
+                      </a:endParaRPr>
+                    </a:p>
+                  </a:txBody>
+                  <a:tcPr/>
+                </a:tc>
+                <a:tc>
+                  <a:txBody>
+                    <a:bodyPr/>
+                    <a:lstStyle/>
+                    <a:p>
+                      <a:pPr algn="ctr"/>
+                      <a:r>
+                        <a:rPr lang="en-US" dirty="0" smtClean="0">
+                          <a:latin typeface="Helvetica Neue"/>
+                        </a:rPr>
+                        <a:t>a </a:t>
+                      </a:r>
+                      <a:r>
+                        <a:rPr lang="en-US" dirty="0" smtClean="0">
+                          <a:latin typeface="ＭＳ ゴシック"/>
+                          <a:ea typeface="ＭＳ ゴシック"/>
+                          <a:cs typeface="ＭＳ ゴシック"/>
+                        </a:rPr>
+                        <a:t>∨</a:t>
+                      </a:r>
+                      <a:r>
+                        <a:rPr lang="en-US" baseline="0" dirty="0" smtClean="0">
+                          <a:latin typeface="ＭＳ ゴシック"/>
+                          <a:ea typeface="ＭＳ ゴシック"/>
+                          <a:cs typeface="ＭＳ ゴシック"/>
+                        </a:rPr>
+                        <a:t> b</a:t>
+                      </a:r>
+                      <a:endParaRPr lang="en-US" dirty="0">
+                        <a:latin typeface="Helvetica Neue"/>
+                      </a:endParaRPr>
+                    </a:p>
+                  </a:txBody>
+                  <a:tcPr/>
+                </a:tc>
+                <a:tc>
+                  <a:txBody>
+                    <a:bodyPr/>
+                    <a:lstStyle/>
+                    <a:p>
+                      <a:pPr algn="r"/>
+                      <a:r>
+                        <a:rPr lang="en-US" b="0" i="0" u="none" baseline="0" dirty="0" err="1" smtClean="0">
+                          <a:latin typeface="Inconsolata-dz"/>
+                          <a:cs typeface="Inconsolata-dz"/>
+                        </a:rPr>
+                        <a:t>when_true</a:t>
+                      </a:r>
+                      <a:r>
+                        <a:rPr lang="en-US" b="0" i="0" u="none" baseline="0" dirty="0" smtClean="0">
+                          <a:latin typeface="Inconsolata-dz"/>
+                          <a:cs typeface="Inconsolata-dz"/>
+                        </a:rPr>
+                        <a:t>() </a:t>
+                      </a:r>
+                      <a:r>
+                        <a:rPr lang="en-US" b="0" i="0" u="none" baseline="0" dirty="0" smtClean="0">
+                          <a:latin typeface="cmsy10"/>
+                          <a:ea typeface="cmsy10"/>
+                          <a:cs typeface="cmsy10"/>
+                        </a:rPr>
+                        <a:t>!</a:t>
+                      </a:r>
+                      <a:r>
+                        <a:rPr lang="en-US" b="0" i="0" u="none" baseline="0" dirty="0" smtClean="0">
+                          <a:latin typeface="Inconsolata-dz"/>
+                          <a:cs typeface="Inconsolata-dz"/>
+                        </a:rPr>
+                        <a:t> v</a:t>
+                      </a:r>
+                      <a:endParaRPr lang="en-US" b="0" i="0" u="none" baseline="0" dirty="0">
+                        <a:latin typeface="Inconsolata-dz"/>
+                        <a:cs typeface="Inconsolata-dz"/>
+                      </a:endParaRPr>
+                    </a:p>
+                  </a:txBody>
+                  <a:tcPr/>
+                </a:tc>
+              </a:tr>
+              <a:tr h="674245">
+                <a:tc>
+                  <a:txBody>
+                    <a:bodyPr/>
+                    <a:lstStyle/>
+                    <a:p>
+                      <a:r>
+                        <a:rPr lang="en-US" b="1" dirty="0" err="1" smtClean="0">
+                          <a:latin typeface="Inconsolata-dz"/>
+                          <a:cs typeface="Inconsolata-dz"/>
+                        </a:rPr>
+                        <a:t>lmax</a:t>
+                      </a:r>
+                      <a:endParaRPr lang="en-US" b="1" dirty="0">
+                        <a:latin typeface="Inconsolata-dz"/>
+                        <a:cs typeface="Inconsolata-dz"/>
+                      </a:endParaRPr>
+                    </a:p>
+                  </a:txBody>
+                  <a:tcPr/>
+                </a:tc>
+                <a:tc>
+                  <a:txBody>
+                    <a:bodyPr/>
+                    <a:lstStyle/>
+                    <a:p>
+                      <a:r>
+                        <a:rPr lang="en-US" dirty="0" smtClean="0">
+                          <a:latin typeface="Helvetica Neue"/>
+                        </a:rPr>
+                        <a:t>Increasing</a:t>
+                      </a:r>
+                      <a:r>
+                        <a:rPr lang="en-US" baseline="0" dirty="0" smtClean="0">
+                          <a:latin typeface="Helvetica Neue"/>
+                        </a:rPr>
+                        <a:t> number</a:t>
+                      </a:r>
+                      <a:endParaRPr lang="en-US" dirty="0">
+                        <a:latin typeface="Helvetica Neue"/>
+                      </a:endParaRPr>
+                    </a:p>
+                  </a:txBody>
+                  <a:tcPr/>
+                </a:tc>
+                <a:tc>
+                  <a:txBody>
+                    <a:bodyPr/>
+                    <a:lstStyle/>
+                    <a:p>
+                      <a:pPr algn="ctr"/>
+                      <a:r>
+                        <a:rPr lang="en-US" baseline="0" dirty="0" smtClean="0">
+                          <a:latin typeface="cmsy10"/>
+                          <a:ea typeface="cmsy10"/>
+                          <a:cs typeface="cmsy10"/>
+                        </a:rPr>
+                        <a:t>1</a:t>
+                      </a:r>
+                      <a:endParaRPr lang="en-US" baseline="0" dirty="0">
+                        <a:latin typeface="cmsy10"/>
+                      </a:endParaRPr>
+                    </a:p>
+                  </a:txBody>
+                  <a:tcPr/>
+                </a:tc>
+                <a:tc>
+                  <a:txBody>
+                    <a:bodyPr/>
+                    <a:lstStyle/>
+                    <a:p>
+                      <a:pPr algn="ctr"/>
+                      <a:r>
+                        <a:rPr lang="en-US" dirty="0" smtClean="0">
+                          <a:latin typeface="Helvetica Neue"/>
+                        </a:rPr>
+                        <a:t>max(</a:t>
+                      </a:r>
+                      <a:r>
+                        <a:rPr lang="en-US" dirty="0" err="1" smtClean="0">
+                          <a:latin typeface="Helvetica Neue"/>
+                        </a:rPr>
+                        <a:t>a,b</a:t>
+                      </a:r>
+                      <a:r>
+                        <a:rPr lang="en-US" dirty="0" smtClean="0">
+                          <a:latin typeface="Helvetica Neue"/>
+                        </a:rPr>
+                        <a:t>)</a:t>
+                      </a:r>
+                      <a:endParaRPr lang="en-US" dirty="0">
+                        <a:latin typeface="Helvetica Neue"/>
+                      </a:endParaRPr>
+                    </a:p>
+                  </a:txBody>
+                  <a:tcPr/>
+                </a:tc>
+                <a:tc>
+                  <a:txBody>
+                    <a:bodyPr/>
+                    <a:lstStyle/>
+                    <a:p>
+                      <a:pPr algn="r"/>
+                      <a:r>
+                        <a:rPr lang="en-US" dirty="0" err="1" smtClean="0">
+                          <a:latin typeface="Inconsolata-dz"/>
+                          <a:cs typeface="Inconsolata-dz"/>
+                        </a:rPr>
+                        <a:t>gt</a:t>
+                      </a:r>
+                      <a:r>
+                        <a:rPr lang="en-US" dirty="0" smtClean="0">
+                          <a:latin typeface="Inconsolata-dz"/>
+                          <a:cs typeface="Inconsolata-dz"/>
+                        </a:rPr>
+                        <a:t>(n) </a:t>
+                      </a:r>
+                      <a:r>
+                        <a:rPr lang="en-US" baseline="0" dirty="0" smtClean="0">
+                          <a:latin typeface="cmsy10"/>
+                          <a:ea typeface="cmsy10"/>
+                          <a:cs typeface="cmsy10"/>
+                        </a:rPr>
+                        <a:t>!</a:t>
+                      </a:r>
+                      <a:r>
+                        <a:rPr lang="en-US" dirty="0" smtClean="0">
+                          <a:latin typeface="Inconsolata-dz"/>
+                          <a:cs typeface="Inconsolata-dz"/>
+                        </a:rPr>
+                        <a:t> </a:t>
+                      </a:r>
+                      <a:r>
+                        <a:rPr lang="en-US" baseline="0" dirty="0" err="1" smtClean="0">
+                          <a:latin typeface="Inconsolata-dz"/>
+                          <a:cs typeface="Inconsolata-dz"/>
+                        </a:rPr>
+                        <a:t>lbool</a:t>
+                      </a:r>
+                      <a:r>
+                        <a:rPr lang="en-US" baseline="0" dirty="0" smtClean="0">
+                          <a:latin typeface="Inconsolata-dz"/>
+                          <a:cs typeface="Inconsolata-dz"/>
+                        </a:rPr>
+                        <a:t/>
+                      </a:r>
+                      <a:br>
+                        <a:rPr lang="en-US" baseline="0" dirty="0" smtClean="0">
+                          <a:latin typeface="Inconsolata-dz"/>
+                          <a:cs typeface="Inconsolata-dz"/>
+                        </a:rPr>
+                      </a:br>
+                      <a:r>
+                        <a:rPr lang="en-US" baseline="0" dirty="0" smtClean="0">
+                          <a:latin typeface="Inconsolata-dz"/>
+                          <a:cs typeface="Inconsolata-dz"/>
+                        </a:rPr>
+                        <a:t>+(n) </a:t>
+                      </a:r>
+                      <a:r>
+                        <a:rPr lang="en-US" baseline="0" dirty="0" smtClean="0">
+                          <a:latin typeface="cmsy10"/>
+                          <a:ea typeface="cmsy10"/>
+                          <a:cs typeface="cmsy10"/>
+                        </a:rPr>
+                        <a:t>!</a:t>
+                      </a:r>
+                      <a:r>
+                        <a:rPr lang="en-US" baseline="0" dirty="0" smtClean="0">
+                          <a:latin typeface="Inconsolata-dz"/>
+                          <a:cs typeface="Inconsolata-dz"/>
+                        </a:rPr>
+                        <a:t> </a:t>
+                      </a:r>
+                      <a:r>
+                        <a:rPr lang="en-US" baseline="0" dirty="0" err="1" smtClean="0">
+                          <a:latin typeface="Inconsolata-dz"/>
+                          <a:cs typeface="Inconsolata-dz"/>
+                        </a:rPr>
+                        <a:t>lmax</a:t>
+                      </a:r>
+                      <a:r>
+                        <a:rPr lang="en-US" baseline="0" dirty="0" smtClean="0">
+                          <a:latin typeface="Inconsolata-dz"/>
+                          <a:cs typeface="Inconsolata-dz"/>
+                        </a:rPr>
+                        <a:t/>
+                      </a:r>
+                      <a:br>
+                        <a:rPr lang="en-US" baseline="0" dirty="0" smtClean="0">
+                          <a:latin typeface="Inconsolata-dz"/>
+                          <a:cs typeface="Inconsolata-dz"/>
+                        </a:rPr>
+                      </a:br>
+                      <a:r>
+                        <a:rPr lang="en-US" baseline="0" dirty="0" smtClean="0">
+                          <a:latin typeface="Inconsolata-dz"/>
+                          <a:cs typeface="Inconsolata-dz"/>
+                        </a:rPr>
+                        <a:t>-(n) </a:t>
+                      </a:r>
+                      <a:r>
+                        <a:rPr lang="en-US" baseline="0" dirty="0" smtClean="0">
+                          <a:latin typeface="cmsy10"/>
+                          <a:ea typeface="cmsy10"/>
+                          <a:cs typeface="cmsy10"/>
+                        </a:rPr>
+                        <a:t>!</a:t>
+                      </a:r>
+                      <a:r>
+                        <a:rPr lang="en-US" baseline="0" dirty="0" smtClean="0">
+                          <a:latin typeface="Inconsolata-dz"/>
+                          <a:cs typeface="Inconsolata-dz"/>
+                        </a:rPr>
+                        <a:t> </a:t>
+                      </a:r>
+                      <a:r>
+                        <a:rPr lang="en-US" baseline="0" dirty="0" err="1" smtClean="0">
+                          <a:latin typeface="Inconsolata-dz"/>
+                          <a:cs typeface="Inconsolata-dz"/>
+                        </a:rPr>
+                        <a:t>lmax</a:t>
+                      </a:r>
+                      <a:endParaRPr lang="en-US" dirty="0">
+                        <a:latin typeface="Inconsolata-dz"/>
+                        <a:cs typeface="Inconsolata-dz"/>
+                      </a:endParaRPr>
+                    </a:p>
+                  </a:txBody>
+                  <a:tcPr/>
+                </a:tc>
+              </a:tr>
+              <a:tr h="406851">
+                <a:tc>
+                  <a:txBody>
+                    <a:bodyPr/>
+                    <a:lstStyle/>
+                    <a:p>
+                      <a:r>
+                        <a:rPr lang="en-US" b="1" dirty="0" err="1" smtClean="0">
+                          <a:latin typeface="Inconsolata-dz"/>
+                          <a:cs typeface="Inconsolata-dz"/>
+                        </a:rPr>
+                        <a:t>lmin</a:t>
+                      </a:r>
+                      <a:endParaRPr lang="en-US" b="1" dirty="0">
+                        <a:latin typeface="Inconsolata-dz"/>
+                        <a:cs typeface="Inconsolata-dz"/>
+                      </a:endParaRPr>
+                    </a:p>
+                  </a:txBody>
+                  <a:tcPr/>
+                </a:tc>
+                <a:tc>
+                  <a:txBody>
+                    <a:bodyPr/>
+                    <a:lstStyle/>
+                    <a:p>
+                      <a:r>
+                        <a:rPr lang="en-US" dirty="0" smtClean="0">
+                          <a:latin typeface="Helvetica Neue"/>
+                        </a:rPr>
+                        <a:t>Decreasing number</a:t>
+                      </a:r>
+                      <a:endParaRPr lang="en-US" dirty="0">
+                        <a:latin typeface="Helvetica Neue"/>
+                      </a:endParaRPr>
+                    </a:p>
+                  </a:txBody>
+                  <a:tcPr/>
+                </a:tc>
+                <a:tc>
+                  <a:txBody>
+                    <a:bodyPr/>
+                    <a:lstStyle/>
+                    <a:p>
+                      <a:pPr algn="ctr"/>
+                      <a:r>
+                        <a:rPr lang="en-US" dirty="0" smtClean="0">
+                          <a:latin typeface="Helvetica Neue"/>
+                        </a:rPr>
+                        <a:t>−</a:t>
+                      </a:r>
+                      <a:r>
+                        <a:rPr lang="en-US" baseline="0" dirty="0" smtClean="0">
+                          <a:latin typeface="cmsy10"/>
+                          <a:ea typeface="cmsy10"/>
+                          <a:cs typeface="cmsy10"/>
+                        </a:rPr>
+                        <a:t>1</a:t>
+                      </a:r>
+                      <a:endParaRPr lang="en-US" baseline="0" dirty="0">
+                        <a:latin typeface="cmsy10"/>
+                      </a:endParaRPr>
+                    </a:p>
+                  </a:txBody>
+                  <a:tcPr/>
+                </a:tc>
+                <a:tc>
+                  <a:txBody>
+                    <a:bodyPr/>
+                    <a:lstStyle/>
+                    <a:p>
+                      <a:pPr algn="ctr"/>
+                      <a:r>
+                        <a:rPr lang="en-US" dirty="0" smtClean="0">
+                          <a:latin typeface="Helvetica Neue"/>
+                        </a:rPr>
+                        <a:t>min(</a:t>
+                      </a:r>
+                      <a:r>
+                        <a:rPr lang="en-US" dirty="0" err="1" smtClean="0">
+                          <a:latin typeface="Helvetica Neue"/>
+                        </a:rPr>
+                        <a:t>a,b</a:t>
+                      </a:r>
+                      <a:r>
+                        <a:rPr lang="en-US" dirty="0" smtClean="0">
+                          <a:latin typeface="Helvetica Neue"/>
+                        </a:rPr>
+                        <a:t>)</a:t>
+                      </a:r>
+                      <a:endParaRPr lang="en-US" dirty="0">
+                        <a:latin typeface="Helvetica Neue"/>
+                      </a:endParaRPr>
+                    </a:p>
+                  </a:txBody>
+                  <a:tcPr/>
+                </a:tc>
+                <a:tc>
+                  <a:txBody>
+                    <a:bodyPr/>
+                    <a:lstStyle/>
+                    <a:p>
+                      <a:pPr algn="r"/>
+                      <a:r>
+                        <a:rPr lang="en-US" dirty="0" err="1" smtClean="0">
+                          <a:latin typeface="Inconsolata-dz"/>
+                          <a:cs typeface="Inconsolata-dz"/>
+                        </a:rPr>
+                        <a:t>lt</a:t>
+                      </a:r>
+                      <a:r>
+                        <a:rPr lang="en-US" dirty="0" smtClean="0">
+                          <a:latin typeface="Inconsolata-dz"/>
+                          <a:cs typeface="Inconsolata-dz"/>
+                        </a:rPr>
+                        <a:t>(n) </a:t>
+                      </a:r>
+                      <a:r>
+                        <a:rPr lang="en-US" baseline="0" dirty="0" smtClean="0">
+                          <a:latin typeface="cmsy10"/>
+                          <a:ea typeface="cmsy10"/>
+                          <a:cs typeface="cmsy10"/>
+                        </a:rPr>
+                        <a:t>!</a:t>
+                      </a:r>
+                      <a:r>
+                        <a:rPr lang="en-US" dirty="0" smtClean="0">
+                          <a:latin typeface="Inconsolata-dz"/>
+                          <a:cs typeface="Inconsolata-dz"/>
+                        </a:rPr>
+                        <a:t> </a:t>
+                      </a:r>
+                      <a:r>
+                        <a:rPr lang="en-US" dirty="0" err="1" smtClean="0">
+                          <a:latin typeface="Inconsolata-dz"/>
+                          <a:cs typeface="Inconsolata-dz"/>
+                        </a:rPr>
+                        <a:t>lbool</a:t>
+                      </a:r>
+                      <a:endParaRPr lang="en-US" dirty="0">
+                        <a:latin typeface="Inconsolata-dz"/>
+                        <a:cs typeface="Inconsolata-dz"/>
+                      </a:endParaRPr>
+                    </a:p>
+                  </a:txBody>
+                  <a:tcPr/>
+                </a:tc>
+              </a:tr>
+              <a:tr h="674245">
+                <a:tc>
+                  <a:txBody>
+                    <a:bodyPr/>
+                    <a:lstStyle/>
+                    <a:p>
+                      <a:r>
+                        <a:rPr lang="en-US" b="1" dirty="0" err="1" smtClean="0">
+                          <a:latin typeface="Inconsolata-dz"/>
+                          <a:cs typeface="Inconsolata-dz"/>
+                        </a:rPr>
+                        <a:t>lset</a:t>
+                      </a:r>
+                      <a:endParaRPr lang="en-US" b="1" dirty="0">
+                        <a:latin typeface="Inconsolata-dz"/>
+                        <a:cs typeface="Inconsolata-dz"/>
+                      </a:endParaRPr>
+                    </a:p>
+                  </a:txBody>
+                  <a:tcPr/>
+                </a:tc>
+                <a:tc>
+                  <a:txBody>
+                    <a:bodyPr/>
+                    <a:lstStyle/>
+                    <a:p>
+                      <a:r>
+                        <a:rPr lang="en-US" dirty="0" smtClean="0">
+                          <a:latin typeface="Helvetica Neue"/>
+                        </a:rPr>
+                        <a:t>Set of values</a:t>
+                      </a:r>
+                      <a:endParaRPr lang="en-US" dirty="0">
+                        <a:latin typeface="Helvetica Neue"/>
+                      </a:endParaRPr>
+                    </a:p>
+                  </a:txBody>
+                  <a:tcPr/>
+                </a:tc>
+                <a:tc>
+                  <a:txBody>
+                    <a:bodyPr/>
+                    <a:lstStyle/>
+                    <a:p>
+                      <a:pPr algn="ctr"/>
+                      <a:r>
+                        <a:rPr lang="en-US" baseline="0" dirty="0" smtClean="0">
+                          <a:latin typeface="cmsy10"/>
+                          <a:ea typeface="cmsy10"/>
+                          <a:cs typeface="cmsy10"/>
+                        </a:rPr>
+                        <a:t>;</a:t>
+                      </a:r>
+                      <a:endParaRPr lang="en-US" baseline="0" dirty="0">
+                        <a:latin typeface="cmsy10"/>
+                      </a:endParaRPr>
+                    </a:p>
+                  </a:txBody>
+                  <a:tcPr/>
+                </a:tc>
+                <a:tc>
+                  <a:txBody>
+                    <a:bodyPr/>
+                    <a:lstStyle/>
+                    <a:p>
+                      <a:pPr algn="ctr"/>
+                      <a:r>
+                        <a:rPr lang="en-US" dirty="0" smtClean="0">
+                          <a:latin typeface="Helvetica Neue"/>
+                        </a:rPr>
+                        <a:t>a </a:t>
+                      </a:r>
+                      <a:r>
+                        <a:rPr lang="en-US" baseline="0" dirty="0" smtClean="0">
+                          <a:latin typeface="cmsy10"/>
+                          <a:ea typeface="cmsy10"/>
+                          <a:cs typeface="cmsy10"/>
+                        </a:rPr>
+                        <a:t>[</a:t>
+                      </a:r>
+                      <a:r>
+                        <a:rPr lang="en-US" dirty="0" smtClean="0">
+                          <a:latin typeface="Helvetica Neue"/>
+                        </a:rPr>
+                        <a:t> b</a:t>
+                      </a:r>
+                      <a:endParaRPr lang="en-US" dirty="0">
+                        <a:latin typeface="Helvetica Neue"/>
+                      </a:endParaRPr>
+                    </a:p>
+                  </a:txBody>
+                  <a:tcPr/>
+                </a:tc>
+                <a:tc>
+                  <a:txBody>
+                    <a:bodyPr/>
+                    <a:lstStyle/>
+                    <a:p>
+                      <a:pPr algn="r"/>
+                      <a:r>
+                        <a:rPr lang="en-US" dirty="0" smtClean="0">
+                          <a:latin typeface="Inconsolata-dz"/>
+                          <a:cs typeface="Inconsolata-dz"/>
+                        </a:rPr>
+                        <a:t>intersect(</a:t>
+                      </a:r>
+                      <a:r>
+                        <a:rPr lang="en-US" dirty="0" err="1" smtClean="0">
+                          <a:latin typeface="Inconsolata-dz"/>
+                          <a:cs typeface="Inconsolata-dz"/>
+                        </a:rPr>
+                        <a:t>lset</a:t>
+                      </a:r>
+                      <a:r>
+                        <a:rPr lang="en-US" dirty="0" smtClean="0">
+                          <a:latin typeface="Inconsolata-dz"/>
+                          <a:cs typeface="Inconsolata-dz"/>
+                        </a:rPr>
+                        <a:t>) </a:t>
+                      </a:r>
+                      <a:r>
+                        <a:rPr lang="en-US" baseline="0" dirty="0" smtClean="0">
+                          <a:latin typeface="cmsy10"/>
+                          <a:ea typeface="cmsy10"/>
+                          <a:cs typeface="cmsy10"/>
+                        </a:rPr>
+                        <a:t>!</a:t>
+                      </a:r>
+                      <a:r>
+                        <a:rPr lang="en-US" dirty="0" smtClean="0">
+                          <a:latin typeface="Inconsolata-dz"/>
+                          <a:cs typeface="Inconsolata-dz"/>
+                        </a:rPr>
+                        <a:t> </a:t>
+                      </a:r>
+                      <a:r>
+                        <a:rPr lang="en-US" dirty="0" err="1" smtClean="0">
+                          <a:latin typeface="Inconsolata-dz"/>
+                          <a:cs typeface="Inconsolata-dz"/>
+                        </a:rPr>
+                        <a:t>lset</a:t>
+                      </a:r>
+                      <a:r>
+                        <a:rPr lang="en-US" dirty="0" smtClean="0">
+                          <a:latin typeface="Inconsolata-dz"/>
+                          <a:cs typeface="Inconsolata-dz"/>
+                        </a:rPr>
+                        <a:t/>
+                      </a:r>
+                      <a:br>
+                        <a:rPr lang="en-US" dirty="0" smtClean="0">
+                          <a:latin typeface="Inconsolata-dz"/>
+                          <a:cs typeface="Inconsolata-dz"/>
+                        </a:rPr>
+                      </a:br>
+                      <a:r>
+                        <a:rPr lang="en-US" dirty="0" smtClean="0">
+                          <a:latin typeface="Inconsolata-dz"/>
+                          <a:cs typeface="Inconsolata-dz"/>
+                        </a:rPr>
+                        <a:t>product(</a:t>
+                      </a:r>
+                      <a:r>
+                        <a:rPr lang="en-US" dirty="0" err="1" smtClean="0">
+                          <a:latin typeface="Inconsolata-dz"/>
+                          <a:cs typeface="Inconsolata-dz"/>
+                        </a:rPr>
+                        <a:t>lset</a:t>
+                      </a:r>
+                      <a:r>
+                        <a:rPr lang="en-US" dirty="0" smtClean="0">
+                          <a:latin typeface="Inconsolata-dz"/>
+                          <a:cs typeface="Inconsolata-dz"/>
+                        </a:rPr>
+                        <a:t>)</a:t>
+                      </a:r>
+                      <a:r>
+                        <a:rPr lang="en-US" baseline="0" dirty="0" smtClean="0">
+                          <a:latin typeface="Inconsolata-dz"/>
+                          <a:cs typeface="Inconsolata-dz"/>
+                        </a:rPr>
+                        <a:t> </a:t>
+                      </a:r>
+                      <a:r>
+                        <a:rPr lang="en-US" baseline="0" dirty="0" smtClean="0">
+                          <a:latin typeface="cmsy10"/>
+                          <a:ea typeface="cmsy10"/>
+                          <a:cs typeface="cmsy10"/>
+                        </a:rPr>
+                        <a:t>!</a:t>
+                      </a:r>
+                      <a:r>
+                        <a:rPr lang="en-US" baseline="0" dirty="0" smtClean="0">
+                          <a:latin typeface="Inconsolata-dz"/>
+                          <a:cs typeface="Inconsolata-dz"/>
+                        </a:rPr>
+                        <a:t> </a:t>
+                      </a:r>
+                      <a:r>
+                        <a:rPr lang="en-US" baseline="0" dirty="0" err="1" smtClean="0">
+                          <a:latin typeface="Inconsolata-dz"/>
+                          <a:cs typeface="Inconsolata-dz"/>
+                        </a:rPr>
+                        <a:t>lset</a:t>
+                      </a:r>
+                      <a:endParaRPr lang="en-US" baseline="0" dirty="0" smtClean="0">
+                        <a:latin typeface="Inconsolata-dz"/>
+                        <a:cs typeface="Inconsolata-dz"/>
+                      </a:endParaRPr>
+                    </a:p>
+                    <a:p>
+                      <a:pPr algn="r"/>
+                      <a:r>
+                        <a:rPr lang="en-US" baseline="0" dirty="0" smtClean="0">
+                          <a:latin typeface="Inconsolata-dz"/>
+                          <a:cs typeface="Inconsolata-dz"/>
+                        </a:rPr>
+                        <a:t>contains?(v) </a:t>
+                      </a:r>
+                      <a:r>
+                        <a:rPr lang="en-US" baseline="0" dirty="0" smtClean="0">
+                          <a:latin typeface="cmsy10"/>
+                          <a:ea typeface="cmsy10"/>
+                          <a:cs typeface="cmsy10"/>
+                        </a:rPr>
+                        <a:t>!</a:t>
+                      </a:r>
+                      <a:r>
+                        <a:rPr lang="en-US" baseline="0" dirty="0" smtClean="0">
+                          <a:latin typeface="Inconsolata-dz"/>
+                          <a:cs typeface="Inconsolata-dz"/>
+                        </a:rPr>
+                        <a:t> </a:t>
+                      </a:r>
+                      <a:r>
+                        <a:rPr lang="en-US" baseline="0" dirty="0" err="1" smtClean="0">
+                          <a:latin typeface="Inconsolata-dz"/>
+                          <a:cs typeface="Inconsolata-dz"/>
+                        </a:rPr>
+                        <a:t>lbool</a:t>
+                      </a:r>
+                      <a:r>
+                        <a:rPr lang="en-US" baseline="0" dirty="0" smtClean="0">
+                          <a:latin typeface="Inconsolata-dz"/>
+                          <a:cs typeface="Inconsolata-dz"/>
+                        </a:rPr>
+                        <a:t/>
+                      </a:r>
+                      <a:br>
+                        <a:rPr lang="en-US" baseline="0" dirty="0" smtClean="0">
+                          <a:latin typeface="Inconsolata-dz"/>
+                          <a:cs typeface="Inconsolata-dz"/>
+                        </a:rPr>
+                      </a:br>
+                      <a:r>
+                        <a:rPr lang="en-US" baseline="0" dirty="0" smtClean="0">
+                          <a:latin typeface="Inconsolata-dz"/>
+                          <a:cs typeface="Inconsolata-dz"/>
+                        </a:rPr>
+                        <a:t>size() </a:t>
+                      </a:r>
+                      <a:r>
+                        <a:rPr lang="en-US" baseline="0" dirty="0" smtClean="0">
+                          <a:latin typeface="cmsy10"/>
+                          <a:ea typeface="cmsy10"/>
+                          <a:cs typeface="cmsy10"/>
+                        </a:rPr>
+                        <a:t>!</a:t>
+                      </a:r>
+                      <a:r>
+                        <a:rPr lang="en-US" baseline="0" dirty="0" smtClean="0">
+                          <a:latin typeface="Inconsolata-dz"/>
+                          <a:cs typeface="Inconsolata-dz"/>
+                        </a:rPr>
+                        <a:t> </a:t>
+                      </a:r>
+                      <a:r>
+                        <a:rPr lang="en-US" baseline="0" dirty="0" err="1" smtClean="0">
+                          <a:latin typeface="Inconsolata-dz"/>
+                          <a:cs typeface="Inconsolata-dz"/>
+                        </a:rPr>
+                        <a:t>lmax</a:t>
+                      </a:r>
+                      <a:endParaRPr lang="en-US" dirty="0">
+                        <a:latin typeface="Inconsolata-dz"/>
+                        <a:cs typeface="Inconsolata-dz"/>
+                      </a:endParaRPr>
+                    </a:p>
+                  </a:txBody>
+                  <a:tcPr/>
+                </a:tc>
+              </a:tr>
+              <a:tr h="390702">
+                <a:tc>
+                  <a:txBody>
+                    <a:bodyPr/>
+                    <a:lstStyle/>
+                    <a:p>
+                      <a:r>
+                        <a:rPr lang="en-US" b="1" dirty="0" err="1" smtClean="0">
+                          <a:latin typeface="Inconsolata-dz"/>
+                          <a:cs typeface="Inconsolata-dz"/>
+                        </a:rPr>
+                        <a:t>lpset</a:t>
+                      </a:r>
+                      <a:endParaRPr lang="en-US" b="1" dirty="0">
+                        <a:latin typeface="Inconsolata-dz"/>
+                        <a:cs typeface="Inconsolata-dz"/>
+                      </a:endParaRPr>
+                    </a:p>
+                  </a:txBody>
+                  <a:tcPr/>
+                </a:tc>
+                <a:tc>
+                  <a:txBody>
+                    <a:bodyPr/>
+                    <a:lstStyle/>
+                    <a:p>
+                      <a:r>
+                        <a:rPr lang="en-US" dirty="0" smtClean="0">
+                          <a:latin typeface="Helvetica Neue"/>
+                        </a:rPr>
+                        <a:t>Non-negative set</a:t>
+                      </a:r>
+                      <a:endParaRPr lang="en-US" dirty="0">
+                        <a:latin typeface="Helvetica Neue"/>
+                      </a:endParaRPr>
+                    </a:p>
+                  </a:txBody>
+                  <a:tcPr/>
+                </a:tc>
+                <a:tc>
+                  <a:txBody>
+                    <a:bodyPr/>
+                    <a:lstStyle/>
+                    <a:p>
+                      <a:pPr algn="ctr"/>
+                      <a:r>
+                        <a:rPr lang="en-US" baseline="0" dirty="0" smtClean="0">
+                          <a:latin typeface="cmsy10"/>
+                          <a:ea typeface="cmsy10"/>
+                          <a:cs typeface="cmsy10"/>
+                        </a:rPr>
+                        <a:t>;</a:t>
+                      </a:r>
+                      <a:endParaRPr lang="en-US" baseline="0" dirty="0">
+                        <a:latin typeface="cmsy10"/>
+                      </a:endParaRPr>
+                    </a:p>
+                  </a:txBody>
+                  <a:tcPr/>
+                </a:tc>
+                <a:tc>
+                  <a:txBody>
+                    <a:bodyPr/>
+                    <a:lstStyle/>
+                    <a:p>
+                      <a:pPr algn="ctr"/>
+                      <a:r>
+                        <a:rPr lang="en-US" dirty="0" smtClean="0">
+                          <a:latin typeface="Helvetica Neue"/>
+                        </a:rPr>
+                        <a:t>a </a:t>
+                      </a:r>
+                      <a:r>
+                        <a:rPr lang="en-US" baseline="0" dirty="0" smtClean="0">
+                          <a:latin typeface="cmsy10"/>
+                          <a:ea typeface="cmsy10"/>
+                          <a:cs typeface="cmsy10"/>
+                        </a:rPr>
+                        <a:t>[</a:t>
+                      </a:r>
+                      <a:r>
+                        <a:rPr lang="en-US" dirty="0" smtClean="0">
+                          <a:latin typeface="Helvetica Neue"/>
+                        </a:rPr>
+                        <a:t> b</a:t>
+                      </a:r>
+                      <a:endParaRPr lang="en-US" dirty="0">
+                        <a:latin typeface="Helvetica Neue"/>
+                      </a:endParaRPr>
+                    </a:p>
+                  </a:txBody>
+                  <a:tcPr/>
+                </a:tc>
+                <a:tc>
+                  <a:txBody>
+                    <a:bodyPr/>
+                    <a:lstStyle/>
+                    <a:p>
+                      <a:pPr algn="r"/>
+                      <a:r>
+                        <a:rPr lang="en-US" dirty="0" smtClean="0">
+                          <a:latin typeface="Inconsolata-dz"/>
+                          <a:cs typeface="Inconsolata-dz"/>
+                        </a:rPr>
+                        <a:t>sum()</a:t>
+                      </a:r>
+                      <a:r>
+                        <a:rPr lang="en-US" baseline="0" dirty="0" smtClean="0">
+                          <a:latin typeface="Inconsolata-dz"/>
+                          <a:cs typeface="Inconsolata-dz"/>
+                        </a:rPr>
+                        <a:t> </a:t>
+                      </a:r>
+                      <a:r>
+                        <a:rPr lang="en-US" baseline="0" dirty="0" smtClean="0">
+                          <a:latin typeface="cmsy10"/>
+                          <a:ea typeface="cmsy10"/>
+                          <a:cs typeface="cmsy10"/>
+                        </a:rPr>
+                        <a:t>!</a:t>
+                      </a:r>
+                      <a:r>
+                        <a:rPr lang="en-US" baseline="0" dirty="0" smtClean="0">
+                          <a:latin typeface="Inconsolata-dz"/>
+                          <a:cs typeface="Inconsolata-dz"/>
+                        </a:rPr>
+                        <a:t> </a:t>
+                      </a:r>
+                      <a:r>
+                        <a:rPr lang="en-US" baseline="0" dirty="0" err="1" smtClean="0">
+                          <a:latin typeface="Inconsolata-dz"/>
+                          <a:cs typeface="Inconsolata-dz"/>
+                        </a:rPr>
+                        <a:t>lmax</a:t>
+                      </a:r>
+                      <a:endParaRPr lang="en-US" dirty="0">
+                        <a:latin typeface="Inconsolata-dz"/>
+                        <a:cs typeface="Inconsolata-dz"/>
+                      </a:endParaRPr>
+                    </a:p>
+                  </a:txBody>
+                  <a:tcPr/>
+                </a:tc>
+              </a:tr>
+              <a:tr h="621101">
+                <a:tc>
+                  <a:txBody>
+                    <a:bodyPr/>
+                    <a:lstStyle/>
+                    <a:p>
+                      <a:r>
+                        <a:rPr lang="en-US" b="1" dirty="0" err="1" smtClean="0">
+                          <a:latin typeface="Inconsolata-dz"/>
+                          <a:cs typeface="Inconsolata-dz"/>
+                        </a:rPr>
+                        <a:t>lbag</a:t>
+                      </a:r>
+                      <a:endParaRPr lang="en-US" b="1" dirty="0">
+                        <a:latin typeface="Inconsolata-dz"/>
+                        <a:cs typeface="Inconsolata-dz"/>
+                      </a:endParaRPr>
+                    </a:p>
+                  </a:txBody>
+                  <a:tcPr/>
+                </a:tc>
+                <a:tc>
+                  <a:txBody>
+                    <a:bodyPr/>
+                    <a:lstStyle/>
+                    <a:p>
+                      <a:r>
+                        <a:rPr lang="en-US" dirty="0" err="1" smtClean="0">
+                          <a:latin typeface="Helvetica Neue"/>
+                        </a:rPr>
+                        <a:t>Multiset</a:t>
+                      </a:r>
+                      <a:r>
+                        <a:rPr lang="en-US" dirty="0" smtClean="0">
+                          <a:latin typeface="Helvetica Neue"/>
+                        </a:rPr>
+                        <a:t> of values</a:t>
+                      </a:r>
+                      <a:endParaRPr lang="en-US" dirty="0">
+                        <a:latin typeface="Helvetica Neue"/>
+                      </a:endParaRPr>
+                    </a:p>
+                  </a:txBody>
+                  <a:tcPr/>
+                </a:tc>
+                <a:tc>
+                  <a:txBody>
+                    <a:bodyPr/>
+                    <a:lstStyle/>
+                    <a:p>
+                      <a:pPr algn="ctr"/>
+                      <a:r>
+                        <a:rPr lang="en-US" baseline="0" dirty="0" smtClean="0">
+                          <a:latin typeface="cmsy10"/>
+                          <a:ea typeface="cmsy10"/>
+                          <a:cs typeface="cmsy10"/>
+                        </a:rPr>
+                        <a:t>;</a:t>
+                      </a:r>
+                      <a:endParaRPr lang="en-US" baseline="0" dirty="0">
+                        <a:latin typeface="cmsy10"/>
+                      </a:endParaRPr>
+                    </a:p>
+                  </a:txBody>
+                  <a:tcPr/>
+                </a:tc>
+                <a:tc>
+                  <a:txBody>
+                    <a:bodyPr/>
+                    <a:lstStyle/>
+                    <a:p>
+                      <a:pPr algn="ctr"/>
+                      <a:r>
+                        <a:rPr lang="en-US" dirty="0" smtClean="0">
+                          <a:latin typeface="Helvetica Neue"/>
+                        </a:rPr>
+                        <a:t>a </a:t>
+                      </a:r>
+                      <a:r>
+                        <a:rPr lang="en-US" baseline="0" dirty="0" smtClean="0">
+                          <a:latin typeface="cmsy10"/>
+                          <a:ea typeface="cmsy10"/>
+                          <a:cs typeface="cmsy10"/>
+                        </a:rPr>
+                        <a:t>[</a:t>
+                      </a:r>
+                      <a:r>
+                        <a:rPr lang="en-US" dirty="0" smtClean="0">
+                          <a:latin typeface="Helvetica Neue"/>
+                        </a:rPr>
+                        <a:t> b</a:t>
+                      </a:r>
+                      <a:endParaRPr lang="en-US" dirty="0">
+                        <a:latin typeface="Helvetica Neue"/>
+                      </a:endParaRPr>
+                    </a:p>
+                  </a:txBody>
+                  <a:tcPr/>
+                </a:tc>
+                <a:tc>
+                  <a:txBody>
+                    <a:bodyPr/>
+                    <a:lstStyle/>
+                    <a:p>
+                      <a:pPr algn="r"/>
+                      <a:r>
+                        <a:rPr lang="en-US" dirty="0" err="1" smtClean="0">
+                          <a:latin typeface="Inconsolata-dz"/>
+                          <a:cs typeface="Inconsolata-dz"/>
+                        </a:rPr>
+                        <a:t>mult</a:t>
+                      </a:r>
+                      <a:r>
+                        <a:rPr lang="en-US" dirty="0" smtClean="0">
+                          <a:latin typeface="Inconsolata-dz"/>
+                          <a:cs typeface="Inconsolata-dz"/>
+                        </a:rPr>
+                        <a:t>(v) </a:t>
+                      </a:r>
+                      <a:r>
+                        <a:rPr lang="en-US" baseline="0" dirty="0" smtClean="0">
+                          <a:latin typeface="cmsy10"/>
+                          <a:ea typeface="cmsy10"/>
+                          <a:cs typeface="cmsy10"/>
+                        </a:rPr>
+                        <a:t>!</a:t>
+                      </a:r>
+                      <a:r>
+                        <a:rPr lang="en-US" dirty="0" smtClean="0">
+                          <a:latin typeface="Inconsolata-dz"/>
+                          <a:cs typeface="Inconsolata-dz"/>
+                        </a:rPr>
+                        <a:t> </a:t>
+                      </a:r>
+                      <a:r>
+                        <a:rPr lang="en-US" dirty="0" err="1" smtClean="0">
+                          <a:latin typeface="Inconsolata-dz"/>
+                          <a:cs typeface="Inconsolata-dz"/>
+                        </a:rPr>
+                        <a:t>lmax</a:t>
+                      </a:r>
+                      <a:r>
+                        <a:rPr lang="en-US" dirty="0" smtClean="0">
+                          <a:latin typeface="Inconsolata-dz"/>
+                          <a:cs typeface="Inconsolata-dz"/>
+                        </a:rPr>
+                        <a:t/>
+                      </a:r>
+                      <a:br>
+                        <a:rPr lang="en-US" dirty="0" smtClean="0">
+                          <a:latin typeface="Inconsolata-dz"/>
+                          <a:cs typeface="Inconsolata-dz"/>
+                        </a:rPr>
+                      </a:br>
+                      <a:r>
+                        <a:rPr lang="en-US" dirty="0" smtClean="0">
+                          <a:latin typeface="Inconsolata-dz"/>
+                          <a:cs typeface="Inconsolata-dz"/>
+                        </a:rPr>
+                        <a:t>+(</a:t>
+                      </a:r>
+                      <a:r>
+                        <a:rPr lang="en-US" dirty="0" err="1" smtClean="0">
+                          <a:latin typeface="Inconsolata-dz"/>
+                          <a:cs typeface="Inconsolata-dz"/>
+                        </a:rPr>
+                        <a:t>lbag</a:t>
+                      </a:r>
+                      <a:r>
+                        <a:rPr lang="en-US" dirty="0" smtClean="0">
+                          <a:latin typeface="Inconsolata-dz"/>
+                          <a:cs typeface="Inconsolata-dz"/>
+                        </a:rPr>
+                        <a:t>) </a:t>
+                      </a:r>
+                      <a:r>
+                        <a:rPr lang="en-US" baseline="0" dirty="0" smtClean="0">
+                          <a:latin typeface="cmsy10"/>
+                          <a:ea typeface="cmsy10"/>
+                          <a:cs typeface="cmsy10"/>
+                        </a:rPr>
+                        <a:t>!</a:t>
+                      </a:r>
+                      <a:r>
+                        <a:rPr lang="en-US" baseline="0" dirty="0" smtClean="0">
+                          <a:latin typeface="Inconsolata-dz"/>
+                          <a:cs typeface="Inconsolata-dz"/>
+                        </a:rPr>
+                        <a:t> </a:t>
+                      </a:r>
+                      <a:r>
+                        <a:rPr lang="en-US" baseline="0" dirty="0" err="1" smtClean="0">
+                          <a:latin typeface="Inconsolata-dz"/>
+                          <a:cs typeface="Inconsolata-dz"/>
+                        </a:rPr>
+                        <a:t>lbag</a:t>
+                      </a:r>
+                      <a:endParaRPr lang="en-US" dirty="0">
+                        <a:latin typeface="Inconsolata-dz"/>
+                        <a:cs typeface="Inconsolata-dz"/>
+                      </a:endParaRPr>
+                    </a:p>
+                  </a:txBody>
+                  <a:tcPr/>
+                </a:tc>
+              </a:tr>
+              <a:tr h="674245">
+                <a:tc>
+                  <a:txBody>
+                    <a:bodyPr/>
+                    <a:lstStyle/>
+                    <a:p>
+                      <a:r>
+                        <a:rPr lang="en-US" b="1" dirty="0" err="1" smtClean="0">
+                          <a:latin typeface="Inconsolata-dz"/>
+                          <a:cs typeface="Inconsolata-dz"/>
+                        </a:rPr>
+                        <a:t>lmap</a:t>
+                      </a:r>
+                      <a:endParaRPr lang="en-US" b="1" dirty="0">
+                        <a:latin typeface="Inconsolata-dz"/>
+                        <a:cs typeface="Inconsolata-dz"/>
+                      </a:endParaRPr>
+                    </a:p>
+                  </a:txBody>
+                  <a:tcPr/>
+                </a:tc>
+                <a:tc>
+                  <a:txBody>
+                    <a:bodyPr/>
+                    <a:lstStyle/>
+                    <a:p>
+                      <a:r>
+                        <a:rPr lang="en-US" dirty="0" smtClean="0">
+                          <a:latin typeface="Helvetica Neue"/>
+                        </a:rPr>
+                        <a:t>Map from keys to lattice values</a:t>
+                      </a:r>
+                      <a:endParaRPr lang="en-US" dirty="0">
+                        <a:latin typeface="Helvetica Neue"/>
+                      </a:endParaRPr>
+                    </a:p>
+                  </a:txBody>
+                  <a:tcPr/>
+                </a:tc>
+                <a:tc>
+                  <a:txBody>
+                    <a:bodyPr/>
+                    <a:lstStyle/>
+                    <a:p>
+                      <a:pPr algn="ctr"/>
+                      <a:r>
+                        <a:rPr lang="en-US" dirty="0" smtClean="0">
+                          <a:latin typeface="Helvetica Neue"/>
+                        </a:rPr>
+                        <a:t>empty map</a:t>
+                      </a:r>
+                      <a:endParaRPr lang="en-US" dirty="0">
+                        <a:latin typeface="Helvetica Neue"/>
+                      </a:endParaRPr>
+                    </a:p>
+                  </a:txBody>
+                  <a:tcPr/>
+                </a:tc>
+                <a:tc>
+                  <a:txBody>
+                    <a:bodyPr/>
+                    <a:lstStyle/>
+                    <a:p>
+                      <a:pPr algn="ctr"/>
+                      <a:endParaRPr lang="en-US" dirty="0">
+                        <a:latin typeface="Helvetica Neue"/>
+                      </a:endParaRPr>
+                    </a:p>
+                  </a:txBody>
+                  <a:tcPr/>
+                </a:tc>
+                <a:tc>
+                  <a:txBody>
+                    <a:bodyPr/>
+                    <a:lstStyle/>
+                    <a:p>
+                      <a:pPr algn="r"/>
+                      <a:r>
+                        <a:rPr lang="en-US" dirty="0" smtClean="0">
+                          <a:latin typeface="Inconsolata-dz"/>
+                          <a:cs typeface="Inconsolata-dz"/>
+                        </a:rPr>
+                        <a:t>at(v) </a:t>
+                      </a:r>
+                      <a:r>
+                        <a:rPr lang="en-US" baseline="0" dirty="0" smtClean="0">
+                          <a:latin typeface="cmsy10"/>
+                          <a:ea typeface="cmsy10"/>
+                          <a:cs typeface="cmsy10"/>
+                        </a:rPr>
+                        <a:t>!</a:t>
+                      </a:r>
+                      <a:r>
+                        <a:rPr lang="en-US" dirty="0" smtClean="0">
+                          <a:latin typeface="Inconsolata-dz"/>
+                          <a:cs typeface="Inconsolata-dz"/>
+                        </a:rPr>
+                        <a:t> any-</a:t>
+                      </a:r>
+                      <a:r>
+                        <a:rPr lang="en-US" dirty="0" err="1" smtClean="0">
+                          <a:latin typeface="Inconsolata-dz"/>
+                          <a:cs typeface="Inconsolata-dz"/>
+                        </a:rPr>
+                        <a:t>lat</a:t>
+                      </a:r>
+                      <a:endParaRPr lang="en-US" dirty="0" smtClean="0">
+                        <a:latin typeface="Inconsolata-dz"/>
+                        <a:cs typeface="Inconsolata-dz"/>
+                      </a:endParaRPr>
+                    </a:p>
+                    <a:p>
+                      <a:pPr algn="r"/>
+                      <a:r>
+                        <a:rPr lang="en-US" dirty="0" smtClean="0">
+                          <a:latin typeface="Inconsolata-dz"/>
+                          <a:cs typeface="Inconsolata-dz"/>
+                        </a:rPr>
+                        <a:t>intersect(</a:t>
+                      </a:r>
+                      <a:r>
+                        <a:rPr lang="en-US" dirty="0" err="1" smtClean="0">
+                          <a:latin typeface="Inconsolata-dz"/>
+                          <a:cs typeface="Inconsolata-dz"/>
+                        </a:rPr>
+                        <a:t>lmap</a:t>
+                      </a:r>
+                      <a:r>
+                        <a:rPr lang="en-US" dirty="0" smtClean="0">
+                          <a:latin typeface="Inconsolata-dz"/>
+                          <a:cs typeface="Inconsolata-dz"/>
+                        </a:rPr>
+                        <a:t>)</a:t>
+                      </a:r>
+                      <a:r>
+                        <a:rPr lang="en-US" baseline="0" dirty="0" smtClean="0">
+                          <a:latin typeface="Inconsolata-dz"/>
+                          <a:cs typeface="Inconsolata-dz"/>
+                        </a:rPr>
+                        <a:t> </a:t>
+                      </a:r>
+                      <a:r>
+                        <a:rPr lang="en-US" baseline="0" dirty="0" smtClean="0">
+                          <a:latin typeface="cmsy10"/>
+                          <a:ea typeface="cmsy10"/>
+                          <a:cs typeface="cmsy10"/>
+                        </a:rPr>
+                        <a:t>!</a:t>
+                      </a:r>
+                      <a:r>
+                        <a:rPr lang="en-US" baseline="0" dirty="0" smtClean="0">
+                          <a:latin typeface="Inconsolata-dz"/>
+                          <a:cs typeface="Inconsolata-dz"/>
+                        </a:rPr>
+                        <a:t> </a:t>
+                      </a:r>
+                      <a:r>
+                        <a:rPr lang="en-US" baseline="0" dirty="0" err="1" smtClean="0">
+                          <a:latin typeface="Inconsolata-dz"/>
+                          <a:cs typeface="Inconsolata-dz"/>
+                        </a:rPr>
+                        <a:t>lmap</a:t>
+                      </a:r>
+                      <a:endParaRPr lang="en-US" dirty="0">
+                        <a:latin typeface="Inconsolata-dz"/>
+                        <a:cs typeface="Inconsolata-dz"/>
+                      </a:endParaRPr>
+                    </a:p>
+                  </a:txBody>
+                  <a:tcPr/>
+                </a:tc>
+              </a:tr>
+            </a:tbl>
+          </a:graphicData>
+        </a:graphic>
+      </p:graphicFrame>
+      <p:sp>
+        <p:nvSpPr>
+          <p:cNvPr id="3" name="Slide Number Placeholder 2"/>
+          <p:cNvSpPr>
+            <a:spLocks noGrp="1"/>
+          </p:cNvSpPr>
+          <p:nvPr>
+            <p:ph type="sldNum" sz="quarter" idx="12"/>
+          </p:nvPr>
+        </p:nvSpPr>
+        <p:spPr/>
+        <p:txBody>
+          <a:bodyPr/>
+          <a:lstStyle/>
+          <a:p>
+            <a:fld id="{9FB96E3B-B03F-FB46-80E6-92BF4A93D60F}" type="slidenum">
+              <a:rPr lang="en-US" smtClean="0"/>
+              <a:t>53</a:t>
+            </a:fld>
+            <a:endParaRPr lang="en-US"/>
+          </a:p>
+        </p:txBody>
+      </p:sp>
+    </p:spTree>
+    <p:extLst>
+      <p:ext uri="{BB962C8B-B14F-4D97-AF65-F5344CB8AC3E}">
+        <p14:creationId xmlns:p14="http://schemas.microsoft.com/office/powerpoint/2010/main" val="3321176394"/>
+      </p:ext>
+    </p:extLst>
+  </p:cSld>
+  <p:clrMapOvr>
+    <a:masterClrMapping/>
+  </p:clrMapOvr>
+  <p:timing>
+    <p:tnLst>
+      <p:par>
+        <p:cTn xmlns:p14="http://schemas.microsoft.com/office/powerpoint/2010/main" id="1" dur="indefinite" restart="never" nodeType="tmRoot"/>
+      </p:par>
+    </p:tnLst>
+  </p:timing>
+</p:sld>
+</file>
+
+<file path=ppt/slides/slide54.xml><?xml version="1.0" encoding="utf-8"?>
+<p:sld xmlns:a="http://schemas.openxmlformats.org/drawingml/2006/main" xmlns:r="http://schemas.openxmlformats.org/officeDocument/2006/relationships" xmlns:p="http://schemas.openxmlformats.org/presentationml/2006/main">
+  <p:cSld>
+    <p:spTree>
+      <p:nvGrpSpPr>
+        <p:cNvPr id="1" name=""/>
+        <p:cNvGrpSpPr/>
+        <p:nvPr/>
+      </p:nvGrpSpPr>
+      <p:grpSpPr>
+        <a:xfrm>
+          <a:off x="0" y="0"/>
+          <a:ext cx="0" cy="0"/>
+          <a:chOff x="0" y="0"/>
+          <a:chExt cx="0" cy="0"/>
+        </a:xfrm>
+      </p:grpSpPr>
+      <p:sp>
+        <p:nvSpPr>
+          <p:cNvPr id="2" name="Title 1"/>
+          <p:cNvSpPr>
+            <a:spLocks noGrp="1"/>
+          </p:cNvSpPr>
+          <p:nvPr>
+            <p:ph type="title"/>
+          </p:nvPr>
+        </p:nvSpPr>
+        <p:spPr/>
+        <p:txBody>
+          <a:bodyPr/>
+          <a:lstStyle/>
+          <a:p>
+            <a:r>
+              <a:rPr lang="en-US" dirty="0" smtClean="0"/>
+              <a:t>Quorum Vote in </a:t>
+            </a:r>
+            <a:r>
+              <a:rPr lang="en-US" dirty="0" err="1" smtClean="0"/>
+              <a:t>Bloom</a:t>
+            </a:r>
+            <a:r>
+              <a:rPr lang="en-US" i="1" baseline="30000" dirty="0" err="1" smtClean="0"/>
+              <a:t>L</a:t>
+            </a:r>
+            <a:endParaRPr lang="en-US" i="1" baseline="30000" dirty="0"/>
+          </a:p>
+        </p:txBody>
+      </p:sp>
+      <p:sp>
+        <p:nvSpPr>
+          <p:cNvPr id="4" name="TextBox 3"/>
+          <p:cNvSpPr txBox="1"/>
+          <p:nvPr/>
+        </p:nvSpPr>
+        <p:spPr>
+          <a:xfrm>
+            <a:off x="485906" y="1449523"/>
+            <a:ext cx="8172189" cy="5262980"/>
+          </a:xfrm>
+          <a:prstGeom prst="rect">
+            <a:avLst/>
+          </a:prstGeom>
+          <a:noFill/>
+          <a:ln>
+            <a:solidFill>
+              <a:schemeClr val="tx1"/>
+            </a:solidFill>
+          </a:ln>
+        </p:spPr>
+        <p:txBody>
+          <a:bodyPr wrap="square" rtlCol="0">
+            <a:spAutoFit/>
+          </a:bodyPr>
+          <a:lstStyle/>
+          <a:p>
+            <a:r>
+              <a:rPr lang="en-US" sz="1600" b="1" dirty="0">
+                <a:solidFill>
+                  <a:srgbClr val="880000"/>
+                </a:solidFill>
+                <a:latin typeface="Inconsolata-dz"/>
+                <a:cs typeface="Inconsolata-dz"/>
+              </a:rPr>
+              <a:t>QUORUM_SIZE</a:t>
+            </a:r>
+            <a:r>
+              <a:rPr lang="en-US" sz="1600" b="1" dirty="0">
+                <a:solidFill>
+                  <a:prstClr val="black"/>
+                </a:solidFill>
+                <a:latin typeface="Inconsolata-dz"/>
+                <a:cs typeface="Inconsolata-dz"/>
+              </a:rPr>
+              <a:t> </a:t>
+            </a:r>
+            <a:r>
+              <a:rPr lang="en-US" sz="1600" b="1" dirty="0">
+                <a:solidFill>
+                  <a:srgbClr val="666666"/>
+                </a:solidFill>
+                <a:latin typeface="Inconsolata-dz"/>
+                <a:cs typeface="Inconsolata-dz"/>
+              </a:rPr>
+              <a:t>=</a:t>
+            </a:r>
+            <a:r>
+              <a:rPr lang="en-US" sz="1600" b="1" dirty="0">
+                <a:solidFill>
+                  <a:prstClr val="black"/>
+                </a:solidFill>
+                <a:latin typeface="Inconsolata-dz"/>
+                <a:cs typeface="Inconsolata-dz"/>
+              </a:rPr>
+              <a:t> </a:t>
+            </a:r>
+            <a:r>
+              <a:rPr lang="en-US" sz="1600" b="1" dirty="0">
+                <a:solidFill>
+                  <a:srgbClr val="666666"/>
+                </a:solidFill>
+                <a:latin typeface="Inconsolata-dz"/>
+                <a:cs typeface="Inconsolata-dz"/>
+              </a:rPr>
+              <a:t>5</a:t>
+            </a:r>
+            <a:endParaRPr lang="en-US" sz="1600" b="1" dirty="0">
+              <a:solidFill>
+                <a:prstClr val="black"/>
+              </a:solidFill>
+              <a:latin typeface="Inconsolata-dz"/>
+              <a:cs typeface="Inconsolata-dz"/>
+            </a:endParaRPr>
+          </a:p>
+          <a:p>
+            <a:r>
+              <a:rPr lang="en-US" sz="1600" b="1" dirty="0">
+                <a:solidFill>
+                  <a:srgbClr val="880000"/>
+                </a:solidFill>
+                <a:latin typeface="Inconsolata-dz"/>
+                <a:cs typeface="Inconsolata-dz"/>
+              </a:rPr>
+              <a:t>RESULT_ADDR</a:t>
+            </a:r>
+            <a:r>
+              <a:rPr lang="en-US" sz="1600" b="1" dirty="0">
+                <a:solidFill>
+                  <a:prstClr val="black"/>
+                </a:solidFill>
+                <a:latin typeface="Inconsolata-dz"/>
+                <a:cs typeface="Inconsolata-dz"/>
+              </a:rPr>
+              <a:t> </a:t>
+            </a:r>
+            <a:r>
+              <a:rPr lang="en-US" sz="1600" b="1" dirty="0">
+                <a:solidFill>
+                  <a:srgbClr val="666666"/>
+                </a:solidFill>
+                <a:latin typeface="Inconsolata-dz"/>
+                <a:cs typeface="Inconsolata-dz"/>
+              </a:rPr>
+              <a:t>=</a:t>
+            </a:r>
+            <a:r>
+              <a:rPr lang="en-US" sz="1600" b="1" dirty="0">
+                <a:solidFill>
+                  <a:prstClr val="black"/>
+                </a:solidFill>
+                <a:latin typeface="Inconsolata-dz"/>
+                <a:cs typeface="Inconsolata-dz"/>
+              </a:rPr>
+              <a:t> </a:t>
+            </a:r>
+            <a:r>
+              <a:rPr lang="en-US" sz="1600" b="1" dirty="0">
+                <a:solidFill>
+                  <a:srgbClr val="BA2121"/>
+                </a:solidFill>
+                <a:latin typeface="Inconsolata-dz"/>
+                <a:cs typeface="Inconsolata-dz"/>
+              </a:rPr>
+              <a:t>"</a:t>
+            </a:r>
+            <a:r>
+              <a:rPr lang="en-US" sz="1600" b="1" dirty="0" err="1">
+                <a:solidFill>
+                  <a:srgbClr val="BA2121"/>
+                </a:solidFill>
+                <a:latin typeface="Inconsolata-dz"/>
+                <a:cs typeface="Inconsolata-dz"/>
+              </a:rPr>
+              <a:t>example.org</a:t>
+            </a:r>
+            <a:r>
+              <a:rPr lang="en-US" sz="1600" b="1" dirty="0">
+                <a:solidFill>
+                  <a:srgbClr val="BA2121"/>
+                </a:solidFill>
+                <a:latin typeface="Inconsolata-dz"/>
+                <a:cs typeface="Inconsolata-dz"/>
+              </a:rPr>
+              <a:t>"</a:t>
+            </a:r>
+            <a:endParaRPr lang="en-US" sz="1600" b="1" dirty="0" smtClean="0">
+              <a:solidFill>
+                <a:srgbClr val="008000"/>
+              </a:solidFill>
+              <a:latin typeface="Inconsolata-dz"/>
+              <a:cs typeface="Inconsolata-dz"/>
+            </a:endParaRPr>
+          </a:p>
+          <a:p>
+            <a:endParaRPr lang="en-US" sz="1600" b="1" dirty="0">
+              <a:solidFill>
+                <a:srgbClr val="008000"/>
+              </a:solidFill>
+              <a:latin typeface="Inconsolata-dz"/>
+              <a:cs typeface="Inconsolata-dz"/>
+            </a:endParaRPr>
+          </a:p>
+          <a:p>
+            <a:r>
+              <a:rPr lang="en-US" sz="1600" b="1" dirty="0" smtClean="0">
+                <a:solidFill>
+                  <a:srgbClr val="008000"/>
+                </a:solidFill>
+                <a:latin typeface="Inconsolata-dz"/>
+                <a:cs typeface="Inconsolata-dz"/>
+              </a:rPr>
+              <a:t>class</a:t>
+            </a:r>
+            <a:r>
+              <a:rPr lang="en-US" sz="1600" b="1" dirty="0" smtClean="0">
+                <a:solidFill>
+                  <a:prstClr val="black"/>
+                </a:solidFill>
+                <a:latin typeface="Inconsolata-dz"/>
+                <a:cs typeface="Inconsolata-dz"/>
+              </a:rPr>
+              <a:t> </a:t>
+            </a:r>
+            <a:r>
+              <a:rPr lang="en-US" sz="1600" b="1" dirty="0" err="1" smtClean="0">
+                <a:solidFill>
+                  <a:srgbClr val="0000FF"/>
+                </a:solidFill>
+                <a:latin typeface="Inconsolata-dz"/>
+                <a:cs typeface="Inconsolata-dz"/>
+              </a:rPr>
+              <a:t>QuorumVote</a:t>
+            </a:r>
+            <a:endParaRPr lang="en-US" sz="1600" b="1" dirty="0">
+              <a:solidFill>
+                <a:prstClr val="black"/>
+              </a:solidFill>
+              <a:latin typeface="Inconsolata-dz"/>
+              <a:cs typeface="Inconsolata-dz"/>
+            </a:endParaRPr>
+          </a:p>
+          <a:p>
+            <a:r>
+              <a:rPr lang="en-US" sz="1600" b="1" dirty="0" smtClean="0">
+                <a:solidFill>
+                  <a:prstClr val="black"/>
+                </a:solidFill>
+                <a:latin typeface="Inconsolata-dz"/>
+                <a:cs typeface="Inconsolata-dz"/>
+              </a:rPr>
+              <a:t>  </a:t>
+            </a:r>
+            <a:r>
+              <a:rPr lang="en-US" sz="1600" b="1" dirty="0" smtClean="0">
+                <a:solidFill>
+                  <a:srgbClr val="008000"/>
+                </a:solidFill>
+                <a:latin typeface="Inconsolata-dz"/>
+                <a:cs typeface="Inconsolata-dz"/>
+              </a:rPr>
+              <a:t>include</a:t>
+            </a:r>
+            <a:r>
+              <a:rPr lang="en-US" sz="1600" b="1" dirty="0" smtClean="0">
+                <a:solidFill>
+                  <a:prstClr val="black"/>
+                </a:solidFill>
+                <a:latin typeface="Inconsolata-dz"/>
+                <a:cs typeface="Inconsolata-dz"/>
+              </a:rPr>
+              <a:t> </a:t>
+            </a:r>
+            <a:r>
+              <a:rPr lang="en-US" sz="1600" b="1" dirty="0" smtClean="0">
+                <a:solidFill>
+                  <a:srgbClr val="880000"/>
+                </a:solidFill>
+                <a:latin typeface="Inconsolata-dz"/>
+                <a:cs typeface="Inconsolata-dz"/>
+              </a:rPr>
+              <a:t>Bud</a:t>
+            </a:r>
+            <a:endParaRPr lang="en-US" sz="1600" b="1" dirty="0" smtClean="0">
+              <a:solidFill>
+                <a:prstClr val="black"/>
+              </a:solidFill>
+              <a:latin typeface="Inconsolata-dz"/>
+              <a:cs typeface="Inconsolata-dz"/>
+            </a:endParaRPr>
+          </a:p>
+          <a:p>
+            <a:endParaRPr lang="en-US" sz="1600" b="1" dirty="0" smtClean="0">
+              <a:solidFill>
+                <a:prstClr val="black"/>
+              </a:solidFill>
+              <a:latin typeface="Inconsolata-dz"/>
+              <a:cs typeface="Inconsolata-dz"/>
+            </a:endParaRPr>
+          </a:p>
+          <a:p>
+            <a:r>
+              <a:rPr lang="en-US" sz="1600" b="1" dirty="0" smtClean="0">
+                <a:solidFill>
+                  <a:prstClr val="black"/>
+                </a:solidFill>
+                <a:latin typeface="Inconsolata-dz"/>
+                <a:cs typeface="Inconsolata-dz"/>
+              </a:rPr>
+              <a:t>  state </a:t>
+            </a:r>
+            <a:r>
+              <a:rPr lang="en-US" sz="1600" b="1" dirty="0" smtClean="0">
+                <a:solidFill>
+                  <a:srgbClr val="008000"/>
+                </a:solidFill>
+                <a:latin typeface="Inconsolata-dz"/>
+                <a:cs typeface="Inconsolata-dz"/>
+              </a:rPr>
+              <a:t>do</a:t>
+            </a:r>
+            <a:endParaRPr lang="en-US" sz="1600" b="1" dirty="0" smtClean="0">
+              <a:solidFill>
+                <a:prstClr val="black"/>
+              </a:solidFill>
+              <a:latin typeface="Inconsolata-dz"/>
+              <a:cs typeface="Inconsolata-dz"/>
+            </a:endParaRPr>
+          </a:p>
+          <a:p>
+            <a:r>
+              <a:rPr lang="en-US" sz="1600" b="1" dirty="0" smtClean="0">
+                <a:solidFill>
+                  <a:prstClr val="black"/>
+                </a:solidFill>
+                <a:latin typeface="Inconsolata-dz"/>
+                <a:cs typeface="Inconsolata-dz"/>
+              </a:rPr>
+              <a:t>    </a:t>
+            </a:r>
+            <a:r>
+              <a:rPr lang="en-US" sz="1600" b="1" dirty="0">
+                <a:solidFill>
+                  <a:prstClr val="black"/>
+                </a:solidFill>
+                <a:latin typeface="Inconsolata-dz"/>
+                <a:cs typeface="Inconsolata-dz"/>
+              </a:rPr>
+              <a:t>channel </a:t>
+            </a:r>
+            <a:r>
+              <a:rPr lang="en-US" sz="1600" b="1" dirty="0">
+                <a:solidFill>
+                  <a:srgbClr val="19177C"/>
+                </a:solidFill>
+                <a:latin typeface="Inconsolata-dz"/>
+                <a:cs typeface="Inconsolata-dz"/>
+              </a:rPr>
+              <a:t>:</a:t>
+            </a:r>
+            <a:r>
+              <a:rPr lang="en-US" sz="1600" b="1" dirty="0" err="1">
+                <a:solidFill>
+                  <a:srgbClr val="19177C"/>
+                </a:solidFill>
+                <a:latin typeface="Inconsolata-dz"/>
+                <a:cs typeface="Inconsolata-dz"/>
+              </a:rPr>
+              <a:t>vote_chn</a:t>
+            </a:r>
+            <a:r>
+              <a:rPr lang="en-US" sz="1600" b="1" dirty="0">
+                <a:solidFill>
+                  <a:prstClr val="black"/>
+                </a:solidFill>
+                <a:latin typeface="Inconsolata-dz"/>
+                <a:cs typeface="Inconsolata-dz"/>
+              </a:rPr>
+              <a:t>, </a:t>
+            </a:r>
+            <a:r>
+              <a:rPr lang="en-US" sz="1600" b="1" dirty="0">
+                <a:solidFill>
+                  <a:srgbClr val="666666"/>
+                </a:solidFill>
+                <a:latin typeface="Inconsolata-dz"/>
+                <a:cs typeface="Inconsolata-dz"/>
+              </a:rPr>
+              <a:t>[</a:t>
+            </a:r>
+            <a:r>
+              <a:rPr lang="en-US" sz="1600" b="1" dirty="0">
+                <a:solidFill>
+                  <a:prstClr val="black"/>
+                </a:solidFill>
+                <a:latin typeface="Inconsolata-dz"/>
+                <a:cs typeface="Inconsolata-dz"/>
+              </a:rPr>
+              <a:t>:</a:t>
+            </a:r>
+            <a:r>
+              <a:rPr lang="en-US" sz="1600" b="1" dirty="0">
+                <a:solidFill>
+                  <a:srgbClr val="19177C"/>
+                </a:solidFill>
+                <a:latin typeface="Inconsolata-dz"/>
+                <a:cs typeface="Inconsolata-dz"/>
+              </a:rPr>
+              <a:t>@</a:t>
+            </a:r>
+            <a:r>
+              <a:rPr lang="en-US" sz="1600" b="1" dirty="0" err="1">
+                <a:solidFill>
+                  <a:srgbClr val="19177C"/>
+                </a:solidFill>
+                <a:latin typeface="Inconsolata-dz"/>
+                <a:cs typeface="Inconsolata-dz"/>
+              </a:rPr>
+              <a:t>addr</a:t>
+            </a:r>
+            <a:r>
+              <a:rPr lang="en-US" sz="1600" b="1" dirty="0">
+                <a:solidFill>
+                  <a:prstClr val="black"/>
+                </a:solidFill>
+                <a:latin typeface="Inconsolata-dz"/>
+                <a:cs typeface="Inconsolata-dz"/>
+              </a:rPr>
+              <a:t>, </a:t>
+            </a:r>
+            <a:r>
+              <a:rPr lang="en-US" sz="1600" b="1" dirty="0">
+                <a:solidFill>
+                  <a:srgbClr val="19177C"/>
+                </a:solidFill>
+                <a:latin typeface="Inconsolata-dz"/>
+                <a:cs typeface="Inconsolata-dz"/>
+              </a:rPr>
+              <a:t>:</a:t>
+            </a:r>
+            <a:r>
+              <a:rPr lang="en-US" sz="1600" b="1" dirty="0" err="1">
+                <a:solidFill>
+                  <a:srgbClr val="19177C"/>
+                </a:solidFill>
+                <a:latin typeface="Inconsolata-dz"/>
+                <a:cs typeface="Inconsolata-dz"/>
+              </a:rPr>
+              <a:t>voter_id</a:t>
+            </a:r>
+            <a:r>
+              <a:rPr lang="en-US" sz="1600" b="1" dirty="0">
+                <a:solidFill>
+                  <a:srgbClr val="666666"/>
+                </a:solidFill>
+                <a:latin typeface="Inconsolata-dz"/>
+                <a:cs typeface="Inconsolata-dz"/>
+              </a:rPr>
+              <a:t>]</a:t>
+            </a:r>
+            <a:endParaRPr lang="en-US" sz="1600" b="1" dirty="0">
+              <a:solidFill>
+                <a:prstClr val="black"/>
+              </a:solidFill>
+              <a:latin typeface="Inconsolata-dz"/>
+              <a:cs typeface="Inconsolata-dz"/>
+            </a:endParaRPr>
+          </a:p>
+          <a:p>
+            <a:r>
+              <a:rPr lang="en-US" sz="1600" b="1" dirty="0">
+                <a:solidFill>
+                  <a:prstClr val="black"/>
+                </a:solidFill>
+                <a:latin typeface="Inconsolata-dz"/>
+                <a:cs typeface="Inconsolata-dz"/>
+              </a:rPr>
+              <a:t>    channel </a:t>
+            </a:r>
+            <a:r>
+              <a:rPr lang="en-US" sz="1600" b="1" dirty="0">
+                <a:solidFill>
+                  <a:srgbClr val="19177C"/>
+                </a:solidFill>
+                <a:latin typeface="Inconsolata-dz"/>
+                <a:cs typeface="Inconsolata-dz"/>
+              </a:rPr>
+              <a:t>:</a:t>
+            </a:r>
+            <a:r>
+              <a:rPr lang="en-US" sz="1600" b="1" dirty="0" err="1">
+                <a:solidFill>
+                  <a:srgbClr val="19177C"/>
+                </a:solidFill>
+                <a:latin typeface="Inconsolata-dz"/>
+                <a:cs typeface="Inconsolata-dz"/>
+              </a:rPr>
+              <a:t>result_chn</a:t>
+            </a:r>
+            <a:r>
+              <a:rPr lang="en-US" sz="1600" b="1" dirty="0">
+                <a:solidFill>
+                  <a:prstClr val="black"/>
+                </a:solidFill>
+                <a:latin typeface="Inconsolata-dz"/>
+                <a:cs typeface="Inconsolata-dz"/>
+              </a:rPr>
+              <a:t>, </a:t>
+            </a:r>
+            <a:r>
+              <a:rPr lang="en-US" sz="1600" b="1" dirty="0">
+                <a:solidFill>
+                  <a:srgbClr val="666666"/>
+                </a:solidFill>
+                <a:latin typeface="Inconsolata-dz"/>
+                <a:cs typeface="Inconsolata-dz"/>
+              </a:rPr>
+              <a:t>[</a:t>
+            </a:r>
+            <a:r>
+              <a:rPr lang="en-US" sz="1600" b="1" dirty="0">
+                <a:solidFill>
+                  <a:prstClr val="black"/>
+                </a:solidFill>
+                <a:latin typeface="Inconsolata-dz"/>
+                <a:cs typeface="Inconsolata-dz"/>
+              </a:rPr>
+              <a:t>:</a:t>
+            </a:r>
+            <a:r>
+              <a:rPr lang="en-US" sz="1600" b="1" dirty="0">
+                <a:solidFill>
+                  <a:srgbClr val="19177C"/>
+                </a:solidFill>
+                <a:latin typeface="Inconsolata-dz"/>
+                <a:cs typeface="Inconsolata-dz"/>
+              </a:rPr>
+              <a:t>@</a:t>
+            </a:r>
+            <a:r>
+              <a:rPr lang="en-US" sz="1600" b="1" dirty="0" err="1">
+                <a:solidFill>
+                  <a:srgbClr val="19177C"/>
+                </a:solidFill>
+                <a:latin typeface="Inconsolata-dz"/>
+                <a:cs typeface="Inconsolata-dz"/>
+              </a:rPr>
+              <a:t>addr</a:t>
+            </a:r>
+            <a:r>
+              <a:rPr lang="en-US" sz="1600" b="1" dirty="0">
+                <a:solidFill>
+                  <a:srgbClr val="666666"/>
+                </a:solidFill>
+                <a:latin typeface="Inconsolata-dz"/>
+                <a:cs typeface="Inconsolata-dz"/>
+              </a:rPr>
+              <a:t>]</a:t>
+            </a:r>
+            <a:endParaRPr lang="en-US" sz="1600" b="1" dirty="0">
+              <a:solidFill>
+                <a:prstClr val="black"/>
+              </a:solidFill>
+              <a:latin typeface="Inconsolata-dz"/>
+              <a:cs typeface="Inconsolata-dz"/>
+            </a:endParaRPr>
+          </a:p>
+          <a:p>
+            <a:r>
+              <a:rPr lang="da-DK" sz="1600" b="1" dirty="0">
+                <a:solidFill>
+                  <a:prstClr val="black"/>
+                </a:solidFill>
+                <a:latin typeface="Inconsolata-dz"/>
+                <a:cs typeface="Inconsolata-dz"/>
+              </a:rPr>
+              <a:t>    </a:t>
+            </a:r>
+            <a:r>
+              <a:rPr lang="da-DK" sz="1600" b="1" dirty="0" err="1">
+                <a:solidFill>
+                  <a:prstClr val="black"/>
+                </a:solidFill>
+                <a:latin typeface="Inconsolata-dz"/>
+                <a:cs typeface="Inconsolata-dz"/>
+              </a:rPr>
+              <a:t>lset</a:t>
+            </a:r>
+            <a:r>
+              <a:rPr lang="da-DK" sz="1600" b="1" dirty="0">
+                <a:solidFill>
+                  <a:prstClr val="black"/>
+                </a:solidFill>
+                <a:latin typeface="Inconsolata-dz"/>
+                <a:cs typeface="Inconsolata-dz"/>
+              </a:rPr>
+              <a:t>    </a:t>
+            </a:r>
+            <a:r>
+              <a:rPr lang="da-DK" sz="1600" b="1" dirty="0">
+                <a:solidFill>
+                  <a:srgbClr val="19177C"/>
+                </a:solidFill>
+                <a:latin typeface="Inconsolata-dz"/>
+                <a:cs typeface="Inconsolata-dz"/>
+              </a:rPr>
+              <a:t>:</a:t>
+            </a:r>
+            <a:r>
+              <a:rPr lang="da-DK" sz="1600" b="1" dirty="0" err="1">
+                <a:solidFill>
+                  <a:srgbClr val="19177C"/>
+                </a:solidFill>
+                <a:latin typeface="Inconsolata-dz"/>
+                <a:cs typeface="Inconsolata-dz"/>
+              </a:rPr>
+              <a:t>votes</a:t>
+            </a:r>
+            <a:endParaRPr lang="da-DK" sz="1600" b="1" dirty="0">
+              <a:solidFill>
+                <a:prstClr val="black"/>
+              </a:solidFill>
+              <a:latin typeface="Inconsolata-dz"/>
+              <a:cs typeface="Inconsolata-dz"/>
+            </a:endParaRPr>
+          </a:p>
+          <a:p>
+            <a:r>
+              <a:rPr lang="fr-FR" sz="1600" b="1" dirty="0">
+                <a:solidFill>
+                  <a:prstClr val="black"/>
+                </a:solidFill>
+                <a:latin typeface="Inconsolata-dz"/>
+                <a:cs typeface="Inconsolata-dz"/>
+              </a:rPr>
+              <a:t>    </a:t>
+            </a:r>
+            <a:r>
+              <a:rPr lang="fr-FR" sz="1600" b="1" dirty="0" err="1">
+                <a:solidFill>
+                  <a:prstClr val="black"/>
+                </a:solidFill>
+                <a:latin typeface="Inconsolata-dz"/>
+                <a:cs typeface="Inconsolata-dz"/>
+              </a:rPr>
+              <a:t>lmax</a:t>
+            </a:r>
+            <a:r>
+              <a:rPr lang="fr-FR" sz="1600" b="1" dirty="0">
+                <a:solidFill>
+                  <a:prstClr val="black"/>
+                </a:solidFill>
+                <a:latin typeface="Inconsolata-dz"/>
+                <a:cs typeface="Inconsolata-dz"/>
+              </a:rPr>
+              <a:t>    </a:t>
+            </a:r>
+            <a:r>
+              <a:rPr lang="fr-FR" sz="1600" b="1" dirty="0">
+                <a:solidFill>
+                  <a:srgbClr val="19177C"/>
+                </a:solidFill>
+                <a:latin typeface="Inconsolata-dz"/>
+                <a:cs typeface="Inconsolata-dz"/>
+              </a:rPr>
+              <a:t>:</a:t>
+            </a:r>
+            <a:r>
+              <a:rPr lang="fr-FR" sz="1600" b="1" dirty="0" err="1">
+                <a:solidFill>
+                  <a:srgbClr val="19177C"/>
+                </a:solidFill>
+                <a:latin typeface="Inconsolata-dz"/>
+                <a:cs typeface="Inconsolata-dz"/>
+              </a:rPr>
+              <a:t>vote_cnt</a:t>
+            </a:r>
+            <a:endParaRPr lang="fr-FR" sz="1600" b="1" dirty="0">
+              <a:solidFill>
+                <a:prstClr val="black"/>
+              </a:solidFill>
+              <a:latin typeface="Inconsolata-dz"/>
+              <a:cs typeface="Inconsolata-dz"/>
+            </a:endParaRPr>
+          </a:p>
+          <a:p>
+            <a:r>
+              <a:rPr lang="fr-FR" sz="1600" b="1" dirty="0">
+                <a:solidFill>
+                  <a:prstClr val="black"/>
+                </a:solidFill>
+                <a:latin typeface="Inconsolata-dz"/>
+                <a:cs typeface="Inconsolata-dz"/>
+              </a:rPr>
+              <a:t>    </a:t>
+            </a:r>
+            <a:r>
+              <a:rPr lang="fr-FR" sz="1600" b="1" dirty="0" err="1">
+                <a:solidFill>
+                  <a:prstClr val="black"/>
+                </a:solidFill>
+                <a:latin typeface="Inconsolata-dz"/>
+                <a:cs typeface="Inconsolata-dz"/>
+              </a:rPr>
+              <a:t>lbool</a:t>
+            </a:r>
+            <a:r>
+              <a:rPr lang="fr-FR" sz="1600" b="1" dirty="0">
+                <a:solidFill>
+                  <a:prstClr val="black"/>
+                </a:solidFill>
+                <a:latin typeface="Inconsolata-dz"/>
+                <a:cs typeface="Inconsolata-dz"/>
+              </a:rPr>
+              <a:t>   </a:t>
+            </a:r>
+            <a:r>
+              <a:rPr lang="fr-FR" sz="1600" b="1" dirty="0" smtClean="0">
+                <a:solidFill>
+                  <a:srgbClr val="19177C"/>
+                </a:solidFill>
+                <a:latin typeface="Inconsolata-dz"/>
+                <a:cs typeface="Inconsolata-dz"/>
+              </a:rPr>
+              <a:t>:</a:t>
+            </a:r>
+            <a:r>
+              <a:rPr lang="fr-FR" sz="1600" b="1" dirty="0" err="1" smtClean="0">
+                <a:solidFill>
+                  <a:srgbClr val="19177C"/>
+                </a:solidFill>
+                <a:latin typeface="Inconsolata-dz"/>
+                <a:cs typeface="Inconsolata-dz"/>
+              </a:rPr>
+              <a:t>got_quorum</a:t>
+            </a:r>
+            <a:endParaRPr lang="fr-FR" sz="1600" b="1" dirty="0">
+              <a:solidFill>
+                <a:prstClr val="black"/>
+              </a:solidFill>
+              <a:latin typeface="Inconsolata-dz"/>
+              <a:cs typeface="Inconsolata-dz"/>
+            </a:endParaRPr>
+          </a:p>
+          <a:p>
+            <a:r>
+              <a:rPr lang="fr-FR" sz="1600" b="1" dirty="0">
+                <a:solidFill>
+                  <a:prstClr val="black"/>
+                </a:solidFill>
+                <a:latin typeface="Inconsolata-dz"/>
+                <a:cs typeface="Inconsolata-dz"/>
+              </a:rPr>
+              <a:t>  </a:t>
+            </a:r>
+            <a:r>
+              <a:rPr lang="fr-FR" sz="1600" b="1" dirty="0">
+                <a:solidFill>
+                  <a:srgbClr val="008000"/>
+                </a:solidFill>
+                <a:latin typeface="Inconsolata-dz"/>
+                <a:cs typeface="Inconsolata-dz"/>
+              </a:rPr>
+              <a:t>end</a:t>
+            </a:r>
+            <a:endParaRPr lang="fr-FR" sz="1600" b="1" dirty="0">
+              <a:solidFill>
+                <a:prstClr val="black"/>
+              </a:solidFill>
+              <a:latin typeface="Inconsolata-dz"/>
+              <a:cs typeface="Inconsolata-dz"/>
+            </a:endParaRPr>
+          </a:p>
+          <a:p>
+            <a:endParaRPr lang="fr-FR" sz="1600" b="1" dirty="0">
+              <a:solidFill>
+                <a:prstClr val="black"/>
+              </a:solidFill>
+              <a:latin typeface="Inconsolata-dz"/>
+              <a:cs typeface="Inconsolata-dz"/>
+            </a:endParaRPr>
+          </a:p>
+          <a:p>
+            <a:r>
+              <a:rPr lang="fr-FR" sz="1600" b="1" dirty="0">
+                <a:solidFill>
+                  <a:prstClr val="black"/>
+                </a:solidFill>
+                <a:latin typeface="Inconsolata-dz"/>
+                <a:cs typeface="Inconsolata-dz"/>
+              </a:rPr>
+              <a:t>  bloom </a:t>
+            </a:r>
+            <a:r>
+              <a:rPr lang="fr-FR" sz="1600" b="1" dirty="0">
+                <a:solidFill>
+                  <a:srgbClr val="008000"/>
+                </a:solidFill>
+                <a:latin typeface="Inconsolata-dz"/>
+                <a:cs typeface="Inconsolata-dz"/>
+              </a:rPr>
+              <a:t>do</a:t>
+            </a:r>
+            <a:endParaRPr lang="fr-FR" sz="1600" b="1" dirty="0">
+              <a:solidFill>
+                <a:prstClr val="black"/>
+              </a:solidFill>
+              <a:latin typeface="Inconsolata-dz"/>
+              <a:cs typeface="Inconsolata-dz"/>
+            </a:endParaRPr>
+          </a:p>
+          <a:p>
+            <a:r>
+              <a:rPr lang="en-US" sz="1600" b="1" dirty="0">
+                <a:solidFill>
+                  <a:prstClr val="black"/>
+                </a:solidFill>
+                <a:latin typeface="Inconsolata-dz"/>
+                <a:cs typeface="Inconsolata-dz"/>
+              </a:rPr>
+              <a:t>    votes      </a:t>
+            </a:r>
+            <a:r>
+              <a:rPr lang="en-US" sz="1600" b="1" dirty="0">
+                <a:solidFill>
+                  <a:srgbClr val="666666"/>
+                </a:solidFill>
+                <a:latin typeface="Inconsolata-dz"/>
+                <a:cs typeface="Inconsolata-dz"/>
+              </a:rPr>
+              <a:t>&lt;=</a:t>
+            </a:r>
+            <a:r>
+              <a:rPr lang="en-US" sz="1600" b="1" dirty="0">
+                <a:solidFill>
+                  <a:prstClr val="black"/>
+                </a:solidFill>
+                <a:latin typeface="Inconsolata-dz"/>
+                <a:cs typeface="Inconsolata-dz"/>
+              </a:rPr>
+              <a:t> </a:t>
+            </a:r>
+            <a:r>
+              <a:rPr lang="en-US" sz="1600" b="1" dirty="0" err="1">
+                <a:solidFill>
+                  <a:prstClr val="black"/>
+                </a:solidFill>
+                <a:latin typeface="Inconsolata-dz"/>
+                <a:cs typeface="Inconsolata-dz"/>
+              </a:rPr>
+              <a:t>vote_chn</a:t>
+            </a:r>
+            <a:r>
+              <a:rPr lang="en-US" sz="1600" b="1" dirty="0">
+                <a:solidFill>
+                  <a:prstClr val="black"/>
+                </a:solidFill>
+                <a:latin typeface="Inconsolata-dz"/>
+                <a:cs typeface="Inconsolata-dz"/>
+              </a:rPr>
+              <a:t> {</a:t>
+            </a:r>
+            <a:r>
+              <a:rPr lang="en-US" sz="1600" b="1" dirty="0">
+                <a:solidFill>
+                  <a:srgbClr val="666666"/>
+                </a:solidFill>
+                <a:latin typeface="Inconsolata-dz"/>
+                <a:cs typeface="Inconsolata-dz"/>
+              </a:rPr>
+              <a:t>|</a:t>
+            </a:r>
+            <a:r>
+              <a:rPr lang="en-US" sz="1600" b="1" dirty="0">
+                <a:solidFill>
+                  <a:prstClr val="black"/>
+                </a:solidFill>
+                <a:latin typeface="Inconsolata-dz"/>
+                <a:cs typeface="Inconsolata-dz"/>
+              </a:rPr>
+              <a:t>v</a:t>
+            </a:r>
+            <a:r>
+              <a:rPr lang="en-US" sz="1600" b="1" dirty="0">
+                <a:solidFill>
+                  <a:srgbClr val="666666"/>
+                </a:solidFill>
+                <a:latin typeface="Inconsolata-dz"/>
+                <a:cs typeface="Inconsolata-dz"/>
+              </a:rPr>
+              <a:t>|</a:t>
+            </a:r>
+            <a:r>
+              <a:rPr lang="en-US" sz="1600" b="1" dirty="0">
+                <a:solidFill>
+                  <a:prstClr val="black"/>
+                </a:solidFill>
+                <a:latin typeface="Inconsolata-dz"/>
+                <a:cs typeface="Inconsolata-dz"/>
+              </a:rPr>
+              <a:t> </a:t>
+            </a:r>
+            <a:r>
+              <a:rPr lang="en-US" sz="1600" b="1" dirty="0" err="1">
+                <a:solidFill>
+                  <a:prstClr val="black"/>
+                </a:solidFill>
+                <a:latin typeface="Inconsolata-dz"/>
+                <a:cs typeface="Inconsolata-dz"/>
+              </a:rPr>
+              <a:t>v</a:t>
+            </a:r>
+            <a:r>
+              <a:rPr lang="en-US" sz="1600" b="1" dirty="0" err="1">
+                <a:solidFill>
+                  <a:srgbClr val="666666"/>
+                </a:solidFill>
+                <a:latin typeface="Inconsolata-dz"/>
+                <a:cs typeface="Inconsolata-dz"/>
+              </a:rPr>
+              <a:t>.</a:t>
+            </a:r>
+            <a:r>
+              <a:rPr lang="en-US" sz="1600" b="1" dirty="0" err="1">
+                <a:solidFill>
+                  <a:prstClr val="black"/>
+                </a:solidFill>
+                <a:latin typeface="Inconsolata-dz"/>
+                <a:cs typeface="Inconsolata-dz"/>
+              </a:rPr>
+              <a:t>voter_id</a:t>
+            </a:r>
+            <a:r>
+              <a:rPr lang="en-US" sz="1600" b="1" dirty="0">
+                <a:solidFill>
+                  <a:prstClr val="black"/>
+                </a:solidFill>
+                <a:latin typeface="Inconsolata-dz"/>
+                <a:cs typeface="Inconsolata-dz"/>
+              </a:rPr>
+              <a:t>}</a:t>
+            </a:r>
+          </a:p>
+          <a:p>
+            <a:r>
+              <a:rPr lang="en-US" sz="1600" b="1" dirty="0">
+                <a:solidFill>
+                  <a:prstClr val="black"/>
+                </a:solidFill>
+                <a:latin typeface="Inconsolata-dz"/>
+                <a:cs typeface="Inconsolata-dz"/>
+              </a:rPr>
+              <a:t>    </a:t>
+            </a:r>
+            <a:r>
+              <a:rPr lang="en-US" sz="1600" b="1" dirty="0" err="1">
+                <a:solidFill>
+                  <a:prstClr val="black"/>
+                </a:solidFill>
+                <a:latin typeface="Inconsolata-dz"/>
+                <a:cs typeface="Inconsolata-dz"/>
+              </a:rPr>
+              <a:t>vote_cnt</a:t>
+            </a:r>
+            <a:r>
+              <a:rPr lang="en-US" sz="1600" b="1" dirty="0">
+                <a:solidFill>
+                  <a:prstClr val="black"/>
+                </a:solidFill>
+                <a:latin typeface="Inconsolata-dz"/>
+                <a:cs typeface="Inconsolata-dz"/>
+              </a:rPr>
+              <a:t>   </a:t>
+            </a:r>
+            <a:r>
+              <a:rPr lang="en-US" sz="1600" b="1" dirty="0">
+                <a:solidFill>
+                  <a:srgbClr val="666666"/>
+                </a:solidFill>
+                <a:latin typeface="Inconsolata-dz"/>
+                <a:cs typeface="Inconsolata-dz"/>
+              </a:rPr>
+              <a:t>&lt;=</a:t>
+            </a:r>
+            <a:r>
+              <a:rPr lang="en-US" sz="1600" b="1" dirty="0">
+                <a:solidFill>
+                  <a:prstClr val="black"/>
+                </a:solidFill>
+                <a:latin typeface="Inconsolata-dz"/>
+                <a:cs typeface="Inconsolata-dz"/>
+              </a:rPr>
+              <a:t> </a:t>
+            </a:r>
+            <a:r>
+              <a:rPr lang="en-US" sz="1600" b="1" dirty="0" err="1">
+                <a:solidFill>
+                  <a:prstClr val="black"/>
+                </a:solidFill>
+                <a:latin typeface="Inconsolata-dz"/>
+                <a:cs typeface="Inconsolata-dz"/>
+              </a:rPr>
+              <a:t>votes</a:t>
+            </a:r>
+            <a:r>
+              <a:rPr lang="en-US" sz="1600" b="1" dirty="0" err="1">
+                <a:solidFill>
+                  <a:srgbClr val="666666"/>
+                </a:solidFill>
+                <a:latin typeface="Inconsolata-dz"/>
+                <a:cs typeface="Inconsolata-dz"/>
+              </a:rPr>
+              <a:t>.</a:t>
+            </a:r>
+            <a:r>
+              <a:rPr lang="en-US" sz="1600" b="1" dirty="0" err="1">
+                <a:solidFill>
+                  <a:prstClr val="black"/>
+                </a:solidFill>
+                <a:latin typeface="Inconsolata-dz"/>
+                <a:cs typeface="Inconsolata-dz"/>
+              </a:rPr>
+              <a:t>size</a:t>
+            </a:r>
+            <a:endParaRPr lang="en-US" sz="1600" b="1" dirty="0">
+              <a:solidFill>
+                <a:prstClr val="black"/>
+              </a:solidFill>
+              <a:latin typeface="Inconsolata-dz"/>
+              <a:cs typeface="Inconsolata-dz"/>
+            </a:endParaRPr>
+          </a:p>
+          <a:p>
+            <a:r>
+              <a:rPr lang="en-US" sz="1600" b="1" dirty="0">
+                <a:solidFill>
+                  <a:prstClr val="black"/>
+                </a:solidFill>
+                <a:latin typeface="Inconsolata-dz"/>
+                <a:cs typeface="Inconsolata-dz"/>
+              </a:rPr>
+              <a:t>    </a:t>
+            </a:r>
+            <a:r>
+              <a:rPr lang="en-US" sz="1600" b="1" dirty="0" err="1">
+                <a:solidFill>
+                  <a:prstClr val="black"/>
+                </a:solidFill>
+                <a:latin typeface="Inconsolata-dz"/>
+                <a:cs typeface="Inconsolata-dz"/>
+              </a:rPr>
+              <a:t>got_quorum</a:t>
+            </a:r>
+            <a:r>
+              <a:rPr lang="en-US" sz="1600" b="1" dirty="0">
+                <a:solidFill>
+                  <a:prstClr val="black"/>
+                </a:solidFill>
+                <a:latin typeface="Inconsolata-dz"/>
+                <a:cs typeface="Inconsolata-dz"/>
+              </a:rPr>
+              <a:t> </a:t>
+            </a:r>
+            <a:r>
+              <a:rPr lang="en-US" sz="1600" b="1" dirty="0">
+                <a:solidFill>
+                  <a:srgbClr val="666666"/>
+                </a:solidFill>
+                <a:latin typeface="Inconsolata-dz"/>
+                <a:cs typeface="Inconsolata-dz"/>
+              </a:rPr>
+              <a:t>&lt;=</a:t>
+            </a:r>
+            <a:r>
+              <a:rPr lang="en-US" sz="1600" b="1" dirty="0">
+                <a:solidFill>
+                  <a:prstClr val="black"/>
+                </a:solidFill>
+                <a:latin typeface="Inconsolata-dz"/>
+                <a:cs typeface="Inconsolata-dz"/>
+              </a:rPr>
+              <a:t> </a:t>
+            </a:r>
+            <a:r>
+              <a:rPr lang="en-US" sz="1600" b="1" dirty="0" err="1" smtClean="0">
+                <a:solidFill>
+                  <a:prstClr val="black"/>
+                </a:solidFill>
+                <a:latin typeface="Inconsolata-dz"/>
+                <a:cs typeface="Inconsolata-dz"/>
+              </a:rPr>
+              <a:t>vote_cnt</a:t>
+            </a:r>
+            <a:r>
+              <a:rPr lang="en-US" sz="1600" b="1" dirty="0" err="1" smtClean="0">
+                <a:solidFill>
+                  <a:srgbClr val="666666"/>
+                </a:solidFill>
+                <a:latin typeface="Inconsolata-dz"/>
+                <a:cs typeface="Inconsolata-dz"/>
+              </a:rPr>
+              <a:t>.</a:t>
+            </a:r>
+            <a:r>
+              <a:rPr lang="en-US" sz="1600" b="1" dirty="0" err="1" smtClean="0">
+                <a:solidFill>
+                  <a:prstClr val="black"/>
+                </a:solidFill>
+                <a:latin typeface="Inconsolata-dz"/>
+                <a:cs typeface="Inconsolata-dz"/>
+              </a:rPr>
+              <a:t>gt_eq</a:t>
+            </a:r>
+            <a:r>
+              <a:rPr lang="en-US" sz="1600" b="1" dirty="0">
+                <a:solidFill>
+                  <a:prstClr val="black"/>
+                </a:solidFill>
+                <a:latin typeface="Inconsolata-dz"/>
+                <a:cs typeface="Inconsolata-dz"/>
+              </a:rPr>
+              <a:t>(</a:t>
+            </a:r>
+            <a:r>
+              <a:rPr lang="en-US" sz="1600" b="1" dirty="0">
+                <a:solidFill>
+                  <a:srgbClr val="880000"/>
+                </a:solidFill>
+                <a:latin typeface="Inconsolata-dz"/>
+                <a:cs typeface="Inconsolata-dz"/>
+              </a:rPr>
+              <a:t>QUORUM_SIZE</a:t>
+            </a:r>
+            <a:r>
+              <a:rPr lang="en-US" sz="1600" b="1" dirty="0">
+                <a:solidFill>
+                  <a:prstClr val="black"/>
+                </a:solidFill>
+                <a:latin typeface="Inconsolata-dz"/>
+                <a:cs typeface="Inconsolata-dz"/>
+              </a:rPr>
+              <a:t>)</a:t>
+            </a:r>
+          </a:p>
+          <a:p>
+            <a:r>
+              <a:rPr lang="en-US" sz="1600" b="1" dirty="0">
+                <a:solidFill>
+                  <a:prstClr val="black"/>
+                </a:solidFill>
+                <a:latin typeface="Inconsolata-dz"/>
+                <a:cs typeface="Inconsolata-dz"/>
+              </a:rPr>
+              <a:t>    </a:t>
+            </a:r>
+            <a:r>
+              <a:rPr lang="en-US" sz="1600" b="1" dirty="0" err="1">
+                <a:solidFill>
+                  <a:prstClr val="black"/>
+                </a:solidFill>
+                <a:latin typeface="Inconsolata-dz"/>
+                <a:cs typeface="Inconsolata-dz"/>
+              </a:rPr>
+              <a:t>result_chn</a:t>
+            </a:r>
+            <a:r>
+              <a:rPr lang="en-US" sz="1600" b="1" dirty="0">
+                <a:solidFill>
+                  <a:prstClr val="black"/>
+                </a:solidFill>
+                <a:latin typeface="Inconsolata-dz"/>
+                <a:cs typeface="Inconsolata-dz"/>
+              </a:rPr>
+              <a:t> </a:t>
+            </a:r>
+            <a:r>
+              <a:rPr lang="en-US" sz="1600" b="1" dirty="0">
+                <a:solidFill>
+                  <a:srgbClr val="666666"/>
+                </a:solidFill>
+                <a:latin typeface="Inconsolata-dz"/>
+                <a:cs typeface="Inconsolata-dz"/>
+              </a:rPr>
+              <a:t>&lt;~</a:t>
+            </a:r>
+            <a:r>
+              <a:rPr lang="en-US" sz="1600" b="1" dirty="0">
+                <a:solidFill>
+                  <a:prstClr val="black"/>
+                </a:solidFill>
+                <a:latin typeface="Inconsolata-dz"/>
+                <a:cs typeface="Inconsolata-dz"/>
+              </a:rPr>
+              <a:t> </a:t>
+            </a:r>
+            <a:r>
+              <a:rPr lang="en-US" sz="1600" b="1" dirty="0" err="1">
+                <a:solidFill>
+                  <a:prstClr val="black"/>
+                </a:solidFill>
+                <a:latin typeface="Inconsolata-dz"/>
+                <a:cs typeface="Inconsolata-dz"/>
+              </a:rPr>
+              <a:t>got_quorum</a:t>
+            </a:r>
+            <a:r>
+              <a:rPr lang="en-US" sz="1600" b="1" dirty="0" err="1">
+                <a:solidFill>
+                  <a:srgbClr val="666666"/>
+                </a:solidFill>
+                <a:latin typeface="Inconsolata-dz"/>
+                <a:cs typeface="Inconsolata-dz"/>
+              </a:rPr>
+              <a:t>.</a:t>
+            </a:r>
+            <a:r>
+              <a:rPr lang="en-US" sz="1600" b="1" dirty="0" err="1">
+                <a:solidFill>
+                  <a:prstClr val="black"/>
+                </a:solidFill>
+                <a:latin typeface="Inconsolata-dz"/>
+                <a:cs typeface="Inconsolata-dz"/>
+              </a:rPr>
+              <a:t>when_true</a:t>
+            </a:r>
+            <a:r>
+              <a:rPr lang="en-US" sz="1600" b="1" dirty="0">
+                <a:solidFill>
+                  <a:prstClr val="black"/>
+                </a:solidFill>
+                <a:latin typeface="Inconsolata-dz"/>
+                <a:cs typeface="Inconsolata-dz"/>
+              </a:rPr>
+              <a:t> { </a:t>
+            </a:r>
+            <a:r>
+              <a:rPr lang="en-US" sz="1600" b="1" dirty="0">
+                <a:solidFill>
+                  <a:srgbClr val="666666"/>
+                </a:solidFill>
+                <a:latin typeface="Inconsolata-dz"/>
+                <a:cs typeface="Inconsolata-dz"/>
+              </a:rPr>
+              <a:t>[</a:t>
+            </a:r>
+            <a:r>
+              <a:rPr lang="en-US" sz="1600" b="1" dirty="0">
+                <a:solidFill>
+                  <a:srgbClr val="880000"/>
+                </a:solidFill>
+                <a:latin typeface="Inconsolata-dz"/>
+                <a:cs typeface="Inconsolata-dz"/>
+              </a:rPr>
+              <a:t>RESULT_ADDR</a:t>
+            </a:r>
+            <a:r>
+              <a:rPr lang="en-US" sz="1600" b="1" dirty="0">
+                <a:solidFill>
+                  <a:srgbClr val="666666"/>
+                </a:solidFill>
+                <a:latin typeface="Inconsolata-dz"/>
+                <a:cs typeface="Inconsolata-dz"/>
+              </a:rPr>
+              <a:t>]</a:t>
+            </a:r>
+            <a:r>
+              <a:rPr lang="en-US" sz="1600" b="1" dirty="0">
+                <a:solidFill>
+                  <a:prstClr val="black"/>
+                </a:solidFill>
+                <a:latin typeface="Inconsolata-dz"/>
+                <a:cs typeface="Inconsolata-dz"/>
+              </a:rPr>
+              <a:t> }</a:t>
+            </a:r>
+          </a:p>
+          <a:p>
+            <a:r>
+              <a:rPr lang="en-US" sz="1600" b="1" dirty="0">
+                <a:solidFill>
+                  <a:prstClr val="black"/>
+                </a:solidFill>
+                <a:latin typeface="Inconsolata-dz"/>
+                <a:cs typeface="Inconsolata-dz"/>
+              </a:rPr>
+              <a:t>  </a:t>
+            </a:r>
+            <a:r>
+              <a:rPr lang="en-US" sz="1600" b="1" dirty="0">
+                <a:solidFill>
+                  <a:srgbClr val="008000"/>
+                </a:solidFill>
+                <a:latin typeface="Inconsolata-dz"/>
+                <a:cs typeface="Inconsolata-dz"/>
+              </a:rPr>
+              <a:t>end</a:t>
+            </a:r>
+            <a:endParaRPr lang="en-US" sz="1600" b="1" dirty="0">
+              <a:solidFill>
+                <a:prstClr val="black"/>
+              </a:solidFill>
+              <a:latin typeface="Inconsolata-dz"/>
+              <a:cs typeface="Inconsolata-dz"/>
+            </a:endParaRPr>
+          </a:p>
+          <a:p>
+            <a:r>
+              <a:rPr lang="en-US" sz="1600" b="1" dirty="0">
+                <a:solidFill>
+                  <a:srgbClr val="008000"/>
+                </a:solidFill>
+                <a:latin typeface="Inconsolata-dz"/>
+                <a:cs typeface="Inconsolata-dz"/>
+              </a:rPr>
+              <a:t>end</a:t>
+            </a:r>
+            <a:endParaRPr lang="en-US" sz="1600" b="1" dirty="0">
+              <a:latin typeface="Inconsolata-dz"/>
+              <a:cs typeface="Inconsolata-dz"/>
+            </a:endParaRPr>
+          </a:p>
+        </p:txBody>
+      </p:sp>
+      <p:cxnSp>
+        <p:nvCxnSpPr>
+          <p:cNvPr id="7" name="Straight Arrow Connector 6"/>
+          <p:cNvCxnSpPr/>
+          <p:nvPr/>
+        </p:nvCxnSpPr>
+        <p:spPr>
+          <a:xfrm flipH="1">
+            <a:off x="3998055" y="4648700"/>
+            <a:ext cx="853346" cy="875800"/>
+          </a:xfrm>
+          <a:prstGeom prst="straightConnector1">
+            <a:avLst/>
+          </a:prstGeom>
+          <a:ln>
+            <a:solidFill>
+              <a:srgbClr val="FF6600"/>
+            </a:solidFill>
+            <a:tailEnd type="arrow"/>
+          </a:ln>
+        </p:spPr>
+        <p:style>
+          <a:lnRef idx="2">
+            <a:schemeClr val="accent1"/>
+          </a:lnRef>
+          <a:fillRef idx="0">
+            <a:schemeClr val="accent1"/>
+          </a:fillRef>
+          <a:effectRef idx="1">
+            <a:schemeClr val="accent1"/>
+          </a:effectRef>
+          <a:fontRef idx="minor">
+            <a:schemeClr val="tx1"/>
+          </a:fontRef>
+        </p:style>
+      </p:cxnSp>
+      <p:sp>
+        <p:nvSpPr>
+          <p:cNvPr id="8" name="TextBox 7"/>
+          <p:cNvSpPr txBox="1"/>
+          <p:nvPr/>
+        </p:nvSpPr>
+        <p:spPr>
+          <a:xfrm>
+            <a:off x="4697926" y="4279368"/>
+            <a:ext cx="1855274" cy="369332"/>
+          </a:xfrm>
+          <a:prstGeom prst="rect">
+            <a:avLst/>
+          </a:prstGeom>
+          <a:noFill/>
+        </p:spPr>
+        <p:txBody>
+          <a:bodyPr wrap="none" rtlCol="0">
+            <a:spAutoFit/>
+          </a:bodyPr>
+          <a:lstStyle/>
+          <a:p>
+            <a:r>
+              <a:rPr lang="en-US" i="1" dirty="0" smtClean="0">
+                <a:solidFill>
+                  <a:srgbClr val="FF6600"/>
+                </a:solidFill>
+                <a:latin typeface="Helvetica Neue"/>
+              </a:rPr>
+              <a:t>Map set </a:t>
+            </a:r>
+            <a:r>
+              <a:rPr lang="en-US" i="1" dirty="0" smtClean="0">
+                <a:solidFill>
+                  <a:srgbClr val="FF6600"/>
+                </a:solidFill>
+                <a:latin typeface="cmsy10"/>
+                <a:ea typeface="cmsy10"/>
+                <a:cs typeface="cmsy10"/>
+              </a:rPr>
+              <a:t>!</a:t>
+            </a:r>
+            <a:r>
+              <a:rPr lang="en-US" i="1" dirty="0" smtClean="0">
+                <a:solidFill>
+                  <a:srgbClr val="FF6600"/>
+                </a:solidFill>
+                <a:latin typeface="Helvetica Neue"/>
+              </a:rPr>
+              <a:t> max</a:t>
+            </a:r>
+            <a:endParaRPr lang="en-US" i="1" dirty="0">
+              <a:solidFill>
+                <a:srgbClr val="FF6600"/>
+              </a:solidFill>
+              <a:latin typeface="Helvetica Neue"/>
+            </a:endParaRPr>
+          </a:p>
+        </p:txBody>
+      </p:sp>
+      <p:cxnSp>
+        <p:nvCxnSpPr>
+          <p:cNvPr id="10" name="Straight Arrow Connector 9"/>
+          <p:cNvCxnSpPr/>
+          <p:nvPr/>
+        </p:nvCxnSpPr>
+        <p:spPr>
+          <a:xfrm flipH="1">
+            <a:off x="4143827" y="5055345"/>
+            <a:ext cx="1180284" cy="646955"/>
+          </a:xfrm>
+          <a:prstGeom prst="straightConnector1">
+            <a:avLst/>
+          </a:prstGeom>
+          <a:ln>
+            <a:solidFill>
+              <a:srgbClr val="FF6600"/>
+            </a:solidFill>
+            <a:tailEnd type="arrow"/>
+          </a:ln>
+        </p:spPr>
+        <p:style>
+          <a:lnRef idx="2">
+            <a:schemeClr val="accent1"/>
+          </a:lnRef>
+          <a:fillRef idx="0">
+            <a:schemeClr val="accent1"/>
+          </a:fillRef>
+          <a:effectRef idx="1">
+            <a:schemeClr val="accent1"/>
+          </a:effectRef>
+          <a:fontRef idx="minor">
+            <a:schemeClr val="tx1"/>
+          </a:fontRef>
+        </p:style>
+      </p:cxnSp>
+      <p:sp>
+        <p:nvSpPr>
+          <p:cNvPr id="12" name="TextBox 11"/>
+          <p:cNvSpPr txBox="1"/>
+          <p:nvPr/>
+        </p:nvSpPr>
+        <p:spPr>
+          <a:xfrm>
+            <a:off x="5324111" y="4686013"/>
+            <a:ext cx="2000696" cy="369332"/>
+          </a:xfrm>
+          <a:prstGeom prst="rect">
+            <a:avLst/>
+          </a:prstGeom>
+          <a:noFill/>
+        </p:spPr>
+        <p:txBody>
+          <a:bodyPr wrap="none" rtlCol="0">
+            <a:spAutoFit/>
+          </a:bodyPr>
+          <a:lstStyle/>
+          <a:p>
+            <a:r>
+              <a:rPr lang="en-US" i="1" dirty="0" smtClean="0">
+                <a:solidFill>
+                  <a:srgbClr val="FF6600"/>
+                </a:solidFill>
+                <a:latin typeface="Helvetica Neue"/>
+              </a:rPr>
+              <a:t>Map max </a:t>
+            </a:r>
+            <a:r>
+              <a:rPr lang="en-US" i="1" dirty="0" smtClean="0">
+                <a:solidFill>
+                  <a:srgbClr val="FF6600"/>
+                </a:solidFill>
+                <a:latin typeface="cmsy10"/>
+                <a:ea typeface="cmsy10"/>
+                <a:cs typeface="cmsy10"/>
+              </a:rPr>
+              <a:t>!</a:t>
+            </a:r>
+            <a:r>
+              <a:rPr lang="en-US" i="1" dirty="0" smtClean="0">
+                <a:solidFill>
+                  <a:srgbClr val="FF6600"/>
+                </a:solidFill>
+                <a:latin typeface="Helvetica Neue"/>
+              </a:rPr>
+              <a:t> </a:t>
+            </a:r>
+            <a:r>
+              <a:rPr lang="en-US" i="1" dirty="0" err="1" smtClean="0">
+                <a:solidFill>
+                  <a:srgbClr val="FF6600"/>
+                </a:solidFill>
+                <a:latin typeface="Helvetica Neue"/>
+              </a:rPr>
+              <a:t>bool</a:t>
+            </a:r>
+            <a:endParaRPr lang="en-US" i="1" dirty="0">
+              <a:solidFill>
+                <a:srgbClr val="FF6600"/>
+              </a:solidFill>
+              <a:latin typeface="Helvetica Neue"/>
+            </a:endParaRPr>
+          </a:p>
+        </p:txBody>
+      </p:sp>
+      <p:cxnSp>
+        <p:nvCxnSpPr>
+          <p:cNvPr id="13" name="Straight Arrow Connector 12"/>
+          <p:cNvCxnSpPr>
+            <a:stCxn id="17" idx="3"/>
+          </p:cNvCxnSpPr>
+          <p:nvPr/>
+        </p:nvCxnSpPr>
+        <p:spPr>
+          <a:xfrm flipV="1">
+            <a:off x="4562749" y="6108700"/>
+            <a:ext cx="288652" cy="321218"/>
+          </a:xfrm>
+          <a:prstGeom prst="straightConnector1">
+            <a:avLst/>
+          </a:prstGeom>
+          <a:ln>
+            <a:solidFill>
+              <a:srgbClr val="FF6600"/>
+            </a:solidFill>
+            <a:tailEnd type="arrow"/>
+          </a:ln>
+        </p:spPr>
+        <p:style>
+          <a:lnRef idx="2">
+            <a:schemeClr val="accent1"/>
+          </a:lnRef>
+          <a:fillRef idx="0">
+            <a:schemeClr val="accent1"/>
+          </a:fillRef>
+          <a:effectRef idx="1">
+            <a:schemeClr val="accent1"/>
+          </a:effectRef>
+          <a:fontRef idx="minor">
+            <a:schemeClr val="tx1"/>
+          </a:fontRef>
+        </p:style>
+      </p:cxnSp>
+      <p:sp>
+        <p:nvSpPr>
+          <p:cNvPr id="17" name="TextBox 16"/>
+          <p:cNvSpPr txBox="1"/>
+          <p:nvPr/>
+        </p:nvSpPr>
+        <p:spPr>
+          <a:xfrm>
+            <a:off x="2016367" y="6245252"/>
+            <a:ext cx="2546382" cy="369332"/>
+          </a:xfrm>
+          <a:prstGeom prst="rect">
+            <a:avLst/>
+          </a:prstGeom>
+          <a:noFill/>
+        </p:spPr>
+        <p:txBody>
+          <a:bodyPr wrap="none" rtlCol="0">
+            <a:spAutoFit/>
+          </a:bodyPr>
+          <a:lstStyle/>
+          <a:p>
+            <a:r>
+              <a:rPr lang="en-US" i="1" dirty="0" smtClean="0">
+                <a:solidFill>
+                  <a:srgbClr val="FF6600"/>
+                </a:solidFill>
+                <a:latin typeface="Helvetica Neue"/>
+              </a:rPr>
+              <a:t>Threshold test on </a:t>
+            </a:r>
+            <a:r>
+              <a:rPr lang="en-US" i="1" dirty="0" err="1" smtClean="0">
+                <a:solidFill>
+                  <a:srgbClr val="FF6600"/>
+                </a:solidFill>
+                <a:latin typeface="Helvetica Neue"/>
+              </a:rPr>
+              <a:t>bool</a:t>
+            </a:r>
+            <a:endParaRPr lang="en-US" i="1" dirty="0">
+              <a:solidFill>
+                <a:srgbClr val="FF6600"/>
+              </a:solidFill>
+              <a:latin typeface="Helvetica Neue"/>
+            </a:endParaRPr>
+          </a:p>
+        </p:txBody>
+      </p:sp>
+      <p:sp>
+        <p:nvSpPr>
+          <p:cNvPr id="11" name="TextBox 10"/>
+          <p:cNvSpPr txBox="1"/>
+          <p:nvPr/>
+        </p:nvSpPr>
+        <p:spPr>
+          <a:xfrm>
+            <a:off x="4716489" y="3548190"/>
+            <a:ext cx="2808805" cy="369332"/>
+          </a:xfrm>
+          <a:prstGeom prst="rect">
+            <a:avLst/>
+          </a:prstGeom>
+          <a:noFill/>
+        </p:spPr>
+        <p:txBody>
+          <a:bodyPr wrap="none" rtlCol="0">
+            <a:spAutoFit/>
+          </a:bodyPr>
+          <a:lstStyle/>
+          <a:p>
+            <a:r>
+              <a:rPr lang="en-US" i="1" dirty="0" smtClean="0">
+                <a:solidFill>
+                  <a:srgbClr val="FF6600"/>
+                </a:solidFill>
+                <a:latin typeface="Helvetica Neue"/>
+              </a:rPr>
+              <a:t>Lattice state declarations</a:t>
+            </a:r>
+            <a:endParaRPr lang="en-US" i="1" dirty="0">
+              <a:solidFill>
+                <a:srgbClr val="FF6600"/>
+              </a:solidFill>
+              <a:latin typeface="Helvetica Neue"/>
+            </a:endParaRPr>
+          </a:p>
+        </p:txBody>
+      </p:sp>
+      <p:cxnSp>
+        <p:nvCxnSpPr>
+          <p:cNvPr id="14" name="Straight Arrow Connector 13"/>
+          <p:cNvCxnSpPr/>
+          <p:nvPr/>
+        </p:nvCxnSpPr>
+        <p:spPr>
+          <a:xfrm flipH="1">
+            <a:off x="3998055" y="3732856"/>
+            <a:ext cx="718434" cy="192416"/>
+          </a:xfrm>
+          <a:prstGeom prst="straightConnector1">
+            <a:avLst/>
+          </a:prstGeom>
+          <a:ln>
+            <a:solidFill>
+              <a:srgbClr val="FF6600"/>
+            </a:solidFill>
+            <a:tailEnd type="arrow"/>
+          </a:ln>
+        </p:spPr>
+        <p:style>
+          <a:lnRef idx="2">
+            <a:schemeClr val="accent1"/>
+          </a:lnRef>
+          <a:fillRef idx="0">
+            <a:schemeClr val="accent1"/>
+          </a:fillRef>
+          <a:effectRef idx="1">
+            <a:schemeClr val="accent1"/>
+          </a:effectRef>
+          <a:fontRef idx="minor">
+            <a:schemeClr val="tx1"/>
+          </a:fontRef>
+        </p:style>
+      </p:cxnSp>
+      <p:sp>
+        <p:nvSpPr>
+          <p:cNvPr id="3" name="Slide Number Placeholder 2"/>
+          <p:cNvSpPr>
+            <a:spLocks noGrp="1"/>
+          </p:cNvSpPr>
+          <p:nvPr>
+            <p:ph type="sldNum" sz="quarter" idx="12"/>
+          </p:nvPr>
+        </p:nvSpPr>
+        <p:spPr/>
+        <p:txBody>
+          <a:bodyPr/>
+          <a:lstStyle/>
+          <a:p>
+            <a:fld id="{9FB96E3B-B03F-FB46-80E6-92BF4A93D60F}" type="slidenum">
+              <a:rPr lang="en-US" smtClean="0"/>
+              <a:t>54</a:t>
+            </a:fld>
+            <a:endParaRPr lang="en-US" dirty="0"/>
+          </a:p>
+        </p:txBody>
+      </p:sp>
+      <p:sp>
+        <p:nvSpPr>
+          <p:cNvPr id="19" name="TextBox 18"/>
+          <p:cNvSpPr txBox="1"/>
+          <p:nvPr/>
+        </p:nvSpPr>
+        <p:spPr>
+          <a:xfrm>
+            <a:off x="2913089" y="2532190"/>
+            <a:ext cx="2935329" cy="369332"/>
+          </a:xfrm>
+          <a:prstGeom prst="rect">
+            <a:avLst/>
+          </a:prstGeom>
+          <a:noFill/>
+        </p:spPr>
+        <p:txBody>
+          <a:bodyPr wrap="none" rtlCol="0">
+            <a:spAutoFit/>
+          </a:bodyPr>
+          <a:lstStyle/>
+          <a:p>
+            <a:r>
+              <a:rPr lang="en-US" i="1" dirty="0" smtClean="0">
+                <a:solidFill>
+                  <a:srgbClr val="FF6600"/>
+                </a:solidFill>
+                <a:latin typeface="Helvetica Neue"/>
+              </a:rPr>
+              <a:t>Communication interfaces</a:t>
+            </a:r>
+            <a:endParaRPr lang="en-US" i="1" dirty="0">
+              <a:solidFill>
+                <a:srgbClr val="FF6600"/>
+              </a:solidFill>
+              <a:latin typeface="Helvetica Neue"/>
+            </a:endParaRPr>
+          </a:p>
+        </p:txBody>
+      </p:sp>
+      <p:cxnSp>
+        <p:nvCxnSpPr>
+          <p:cNvPr id="20" name="Straight Arrow Connector 19"/>
+          <p:cNvCxnSpPr/>
+          <p:nvPr/>
+        </p:nvCxnSpPr>
+        <p:spPr>
+          <a:xfrm flipH="1">
+            <a:off x="2273300" y="2901522"/>
+            <a:ext cx="1104901" cy="324278"/>
+          </a:xfrm>
+          <a:prstGeom prst="straightConnector1">
+            <a:avLst/>
+          </a:prstGeom>
+          <a:ln>
+            <a:solidFill>
+              <a:srgbClr val="FF6600"/>
+            </a:solidFill>
+            <a:tailEnd type="arrow"/>
+          </a:ln>
+        </p:spPr>
+        <p:style>
+          <a:lnRef idx="2">
+            <a:schemeClr val="accent1"/>
+          </a:lnRef>
+          <a:fillRef idx="0">
+            <a:schemeClr val="accent1"/>
+          </a:fillRef>
+          <a:effectRef idx="1">
+            <a:schemeClr val="accent1"/>
+          </a:effectRef>
+          <a:fontRef idx="minor">
+            <a:schemeClr val="tx1"/>
+          </a:fontRef>
+        </p:style>
+      </p:cxnSp>
+      <p:sp>
+        <p:nvSpPr>
+          <p:cNvPr id="26" name="TextBox 25"/>
+          <p:cNvSpPr txBox="1"/>
+          <p:nvPr/>
+        </p:nvSpPr>
+        <p:spPr>
+          <a:xfrm>
+            <a:off x="3521629" y="4279368"/>
+            <a:ext cx="2082239" cy="646331"/>
+          </a:xfrm>
+          <a:prstGeom prst="rect">
+            <a:avLst/>
+          </a:prstGeom>
+          <a:noFill/>
+        </p:spPr>
+        <p:txBody>
+          <a:bodyPr wrap="none" rtlCol="0">
+            <a:spAutoFit/>
+          </a:bodyPr>
+          <a:lstStyle/>
+          <a:p>
+            <a:r>
+              <a:rPr lang="en-US" i="1" dirty="0" smtClean="0">
+                <a:solidFill>
+                  <a:srgbClr val="FF6600"/>
+                </a:solidFill>
+                <a:latin typeface="Helvetica Neue"/>
+              </a:rPr>
+              <a:t>Accumulate votes</a:t>
+            </a:r>
+            <a:br>
+              <a:rPr lang="en-US" i="1" dirty="0" smtClean="0">
+                <a:solidFill>
+                  <a:srgbClr val="FF6600"/>
+                </a:solidFill>
+                <a:latin typeface="Helvetica Neue"/>
+              </a:rPr>
+            </a:br>
+            <a:r>
+              <a:rPr lang="en-US" i="1" dirty="0" smtClean="0">
+                <a:solidFill>
+                  <a:srgbClr val="FF6600"/>
+                </a:solidFill>
+                <a:latin typeface="Helvetica Neue"/>
+              </a:rPr>
+              <a:t>into set</a:t>
+            </a:r>
+            <a:endParaRPr lang="en-US" i="1" dirty="0">
+              <a:solidFill>
+                <a:srgbClr val="FF6600"/>
+              </a:solidFill>
+              <a:latin typeface="Helvetica Neue"/>
+            </a:endParaRPr>
+          </a:p>
+        </p:txBody>
+      </p:sp>
+      <p:cxnSp>
+        <p:nvCxnSpPr>
+          <p:cNvPr id="27" name="Straight Arrow Connector 26"/>
+          <p:cNvCxnSpPr/>
+          <p:nvPr/>
+        </p:nvCxnSpPr>
+        <p:spPr>
+          <a:xfrm flipH="1">
+            <a:off x="3048000" y="4801100"/>
+            <a:ext cx="473629" cy="380500"/>
+          </a:xfrm>
+          <a:prstGeom prst="straightConnector1">
+            <a:avLst/>
+          </a:prstGeom>
+          <a:ln>
+            <a:solidFill>
+              <a:srgbClr val="FF6600"/>
+            </a:solidFill>
+            <a:tailEnd type="arrow"/>
+          </a:ln>
+        </p:spPr>
+        <p:style>
+          <a:lnRef idx="2">
+            <a:schemeClr val="accent1"/>
+          </a:lnRef>
+          <a:fillRef idx="0">
+            <a:schemeClr val="accent1"/>
+          </a:fillRef>
+          <a:effectRef idx="1">
+            <a:schemeClr val="accent1"/>
+          </a:effectRef>
+          <a:fontRef idx="minor">
+            <a:schemeClr val="tx1"/>
+          </a:fontRef>
+        </p:style>
+      </p:cxnSp>
+      <p:sp>
+        <p:nvSpPr>
+          <p:cNvPr id="31" name="TextBox 30"/>
+          <p:cNvSpPr txBox="1"/>
+          <p:nvPr/>
+        </p:nvSpPr>
+        <p:spPr>
+          <a:xfrm>
+            <a:off x="4283349" y="1552057"/>
+            <a:ext cx="3487824" cy="461665"/>
+          </a:xfrm>
+          <a:prstGeom prst="rect">
+            <a:avLst/>
+          </a:prstGeom>
+          <a:noFill/>
+        </p:spPr>
+        <p:txBody>
+          <a:bodyPr wrap="none" rtlCol="0">
+            <a:spAutoFit/>
+          </a:bodyPr>
+          <a:lstStyle/>
+          <a:p>
+            <a:r>
+              <a:rPr lang="en-US" sz="2400" b="1" i="1" dirty="0" smtClean="0">
+                <a:solidFill>
+                  <a:srgbClr val="FF6600"/>
+                </a:solidFill>
+                <a:latin typeface="Helvetica Neue"/>
+              </a:rPr>
+              <a:t>Annotated Ruby class</a:t>
+            </a:r>
+            <a:endParaRPr lang="en-US" sz="2400" b="1" i="1" dirty="0">
+              <a:solidFill>
+                <a:srgbClr val="FF6600"/>
+              </a:solidFill>
+              <a:latin typeface="Helvetica Neue"/>
+            </a:endParaRPr>
+          </a:p>
+        </p:txBody>
+      </p:sp>
+      <p:sp>
+        <p:nvSpPr>
+          <p:cNvPr id="32" name="TextBox 31"/>
+          <p:cNvSpPr txBox="1"/>
+          <p:nvPr/>
+        </p:nvSpPr>
+        <p:spPr>
+          <a:xfrm>
+            <a:off x="5848418" y="3115614"/>
+            <a:ext cx="2355809" cy="461665"/>
+          </a:xfrm>
+          <a:prstGeom prst="rect">
+            <a:avLst/>
+          </a:prstGeom>
+          <a:noFill/>
+        </p:spPr>
+        <p:txBody>
+          <a:bodyPr wrap="none" rtlCol="0">
+            <a:spAutoFit/>
+          </a:bodyPr>
+          <a:lstStyle/>
+          <a:p>
+            <a:r>
+              <a:rPr lang="en-US" sz="2400" b="1" i="1" dirty="0" smtClean="0">
+                <a:solidFill>
+                  <a:srgbClr val="FF6600"/>
+                </a:solidFill>
+                <a:latin typeface="Helvetica Neue"/>
+              </a:rPr>
+              <a:t>Program state</a:t>
+            </a:r>
+            <a:endParaRPr lang="en-US" sz="2400" b="1" i="1" dirty="0">
+              <a:solidFill>
+                <a:srgbClr val="FF6600"/>
+              </a:solidFill>
+              <a:latin typeface="Helvetica Neue"/>
+            </a:endParaRPr>
+          </a:p>
+        </p:txBody>
+      </p:sp>
+      <p:sp>
+        <p:nvSpPr>
+          <p:cNvPr id="33" name="TextBox 32"/>
+          <p:cNvSpPr txBox="1"/>
+          <p:nvPr/>
+        </p:nvSpPr>
+        <p:spPr>
+          <a:xfrm>
+            <a:off x="6000818" y="5062835"/>
+            <a:ext cx="2316102" cy="461665"/>
+          </a:xfrm>
+          <a:prstGeom prst="rect">
+            <a:avLst/>
+          </a:prstGeom>
+          <a:noFill/>
+        </p:spPr>
+        <p:txBody>
+          <a:bodyPr wrap="none" rtlCol="0">
+            <a:spAutoFit/>
+          </a:bodyPr>
+          <a:lstStyle/>
+          <a:p>
+            <a:r>
+              <a:rPr lang="en-US" sz="2400" b="1" i="1" dirty="0" smtClean="0">
+                <a:solidFill>
+                  <a:srgbClr val="FF6600"/>
+                </a:solidFill>
+                <a:latin typeface="Helvetica Neue"/>
+              </a:rPr>
+              <a:t>Program logic</a:t>
+            </a:r>
+            <a:endParaRPr lang="en-US" sz="2400" b="1" i="1" dirty="0">
+              <a:solidFill>
+                <a:srgbClr val="FF6600"/>
+              </a:solidFill>
+              <a:latin typeface="Helvetica Neue"/>
+            </a:endParaRPr>
+          </a:p>
+        </p:txBody>
+      </p:sp>
+      <p:cxnSp>
+        <p:nvCxnSpPr>
+          <p:cNvPr id="34" name="Straight Arrow Connector 33"/>
+          <p:cNvCxnSpPr/>
+          <p:nvPr/>
+        </p:nvCxnSpPr>
+        <p:spPr>
+          <a:xfrm flipH="1">
+            <a:off x="2578100" y="1851583"/>
+            <a:ext cx="1705250" cy="472517"/>
+          </a:xfrm>
+          <a:prstGeom prst="straightConnector1">
+            <a:avLst/>
+          </a:prstGeom>
+          <a:ln>
+            <a:solidFill>
+              <a:srgbClr val="FF6600"/>
+            </a:solidFill>
+            <a:tailEnd type="arrow"/>
+          </a:ln>
+        </p:spPr>
+        <p:style>
+          <a:lnRef idx="2">
+            <a:schemeClr val="accent1"/>
+          </a:lnRef>
+          <a:fillRef idx="0">
+            <a:schemeClr val="accent1"/>
+          </a:fillRef>
+          <a:effectRef idx="1">
+            <a:schemeClr val="accent1"/>
+          </a:effectRef>
+          <a:fontRef idx="minor">
+            <a:schemeClr val="tx1"/>
+          </a:fontRef>
+        </p:style>
+      </p:cxnSp>
+      <p:sp>
+        <p:nvSpPr>
+          <p:cNvPr id="21" name="TextBox 20"/>
+          <p:cNvSpPr txBox="1"/>
+          <p:nvPr/>
+        </p:nvSpPr>
+        <p:spPr>
+          <a:xfrm>
+            <a:off x="985560" y="5875920"/>
+            <a:ext cx="3185079" cy="369332"/>
+          </a:xfrm>
+          <a:prstGeom prst="rect">
+            <a:avLst/>
+          </a:prstGeom>
+          <a:noFill/>
+        </p:spPr>
+        <p:txBody>
+          <a:bodyPr wrap="none" rtlCol="0">
+            <a:spAutoFit/>
+          </a:bodyPr>
+          <a:lstStyle/>
+          <a:p>
+            <a:r>
+              <a:rPr lang="en-US" i="1" dirty="0" smtClean="0">
+                <a:solidFill>
+                  <a:srgbClr val="FF6600"/>
+                </a:solidFill>
+                <a:latin typeface="Helvetica Neue"/>
+              </a:rPr>
+              <a:t>Merge function for set lattice</a:t>
+            </a:r>
+            <a:endParaRPr lang="en-US" i="1" dirty="0">
+              <a:solidFill>
+                <a:srgbClr val="FF6600"/>
+              </a:solidFill>
+              <a:latin typeface="Helvetica Neue"/>
+            </a:endParaRPr>
+          </a:p>
+        </p:txBody>
+      </p:sp>
+      <p:cxnSp>
+        <p:nvCxnSpPr>
+          <p:cNvPr id="6" name="Straight Arrow Connector 5"/>
+          <p:cNvCxnSpPr/>
+          <p:nvPr/>
+        </p:nvCxnSpPr>
+        <p:spPr>
+          <a:xfrm flipV="1">
+            <a:off x="2400920" y="5362876"/>
+            <a:ext cx="66141" cy="513044"/>
+          </a:xfrm>
+          <a:prstGeom prst="straightConnector1">
+            <a:avLst/>
+          </a:prstGeom>
+          <a:ln>
+            <a:solidFill>
+              <a:schemeClr val="accent6"/>
+            </a:solidFill>
+            <a:tailEnd type="arrow"/>
+          </a:ln>
+        </p:spPr>
+        <p:style>
+          <a:lnRef idx="2">
+            <a:schemeClr val="accent1"/>
+          </a:lnRef>
+          <a:fillRef idx="0">
+            <a:schemeClr val="accent1"/>
+          </a:fillRef>
+          <a:effectRef idx="1">
+            <a:schemeClr val="accent1"/>
+          </a:effectRef>
+          <a:fontRef idx="minor">
+            <a:schemeClr val="tx1"/>
+          </a:fontRef>
+        </p:style>
+      </p:cxnSp>
+    </p:spTree>
+    <p:extLst>
+      <p:ext uri="{BB962C8B-B14F-4D97-AF65-F5344CB8AC3E}">
+        <p14:creationId xmlns:p14="http://schemas.microsoft.com/office/powerpoint/2010/main" val="3825935985"/>
+      </p:ext>
+    </p:extLst>
+  </p:cSld>
+  <p:clrMapOvr>
+    <a:masterClrMapping/>
+  </p:clrMapOvr>
+  <p:timing>
+    <p:tnLst>
+      <p:par>
+        <p:cTn xmlns:p14="http://schemas.microsoft.com/office/powerpoint/2010/main" id="1" dur="indefinite" restart="never" nodeType="tmRoot">
+          <p:childTnLst>
+            <p:seq concurrent="1" nextAc="seek">
+              <p:cTn id="2" dur="indefinite" nodeType="mainSeq">
+                <p:childTnLst>
+                  <p:par>
+                    <p:cTn id="3" fill="hold">
+                      <p:stCondLst>
+                        <p:cond delay="indefinite"/>
+                      </p:stCondLst>
+                      <p:childTnLst>
+                        <p:par>
+                          <p:cTn id="4" fill="hold">
+                            <p:stCondLst>
+                              <p:cond delay="0"/>
+                            </p:stCondLst>
+                            <p:childTnLst>
+                              <p:par>
+                                <p:cTn id="5" presetID="1" presetClass="entr" presetSubtype="0" fill="hold" grpId="0" nodeType="clickEffect">
+                                  <p:stCondLst>
+                                    <p:cond delay="0"/>
+                                  </p:stCondLst>
+                                  <p:childTnLst>
+                                    <p:set>
+                                      <p:cBhvr>
+                                        <p:cTn id="6" dur="1" fill="hold">
+                                          <p:stCondLst>
+                                            <p:cond delay="0"/>
+                                          </p:stCondLst>
+                                        </p:cTn>
+                                        <p:tgtEl>
+                                          <p:spTgt spid="19"/>
+                                        </p:tgtEl>
+                                        <p:attrNameLst>
+                                          <p:attrName>style.visibility</p:attrName>
+                                        </p:attrNameLst>
+                                      </p:cBhvr>
+                                      <p:to>
+                                        <p:strVal val="visible"/>
+                                      </p:to>
+                                    </p:set>
+                                  </p:childTnLst>
+                                </p:cTn>
+                              </p:par>
+                              <p:par>
+                                <p:cTn id="7" presetID="1" presetClass="entr" presetSubtype="0" fill="hold" nodeType="withEffect">
+                                  <p:stCondLst>
+                                    <p:cond delay="0"/>
+                                  </p:stCondLst>
+                                  <p:childTnLst>
+                                    <p:set>
+                                      <p:cBhvr>
+                                        <p:cTn id="8" dur="1" fill="hold">
+                                          <p:stCondLst>
+                                            <p:cond delay="0"/>
+                                          </p:stCondLst>
+                                        </p:cTn>
+                                        <p:tgtEl>
+                                          <p:spTgt spid="20"/>
+                                        </p:tgtEl>
+                                        <p:attrNameLst>
+                                          <p:attrName>style.visibility</p:attrName>
+                                        </p:attrNameLst>
+                                      </p:cBhvr>
+                                      <p:to>
+                                        <p:strVal val="visible"/>
+                                      </p:to>
+                                    </p:set>
+                                  </p:childTnLst>
+                                </p:cTn>
+                              </p:par>
+                              <p:par>
+                                <p:cTn id="9" presetID="1" presetClass="entr" presetSubtype="0" fill="hold" nodeType="withEffect">
+                                  <p:stCondLst>
+                                    <p:cond delay="0"/>
+                                  </p:stCondLst>
+                                  <p:childTnLst>
+                                    <p:set>
+                                      <p:cBhvr>
+                                        <p:cTn id="10" dur="1" fill="hold">
+                                          <p:stCondLst>
+                                            <p:cond delay="0"/>
+                                          </p:stCondLst>
+                                        </p:cTn>
+                                        <p:tgtEl>
+                                          <p:spTgt spid="4">
+                                            <p:txEl>
+                                              <p:pRg st="7" end="7"/>
+                                            </p:txEl>
+                                          </p:spTgt>
+                                        </p:tgtEl>
+                                        <p:attrNameLst>
+                                          <p:attrName>style.visibility</p:attrName>
+                                        </p:attrNameLst>
+                                      </p:cBhvr>
+                                      <p:to>
+                                        <p:strVal val="visible"/>
+                                      </p:to>
+                                    </p:set>
+                                  </p:childTnLst>
+                                </p:cTn>
+                              </p:par>
+                              <p:par>
+                                <p:cTn id="11" presetID="1" presetClass="entr" presetSubtype="0" fill="hold" nodeType="withEffect">
+                                  <p:stCondLst>
+                                    <p:cond delay="0"/>
+                                  </p:stCondLst>
+                                  <p:childTnLst>
+                                    <p:set>
+                                      <p:cBhvr>
+                                        <p:cTn id="12" dur="1" fill="hold">
+                                          <p:stCondLst>
+                                            <p:cond delay="0"/>
+                                          </p:stCondLst>
+                                        </p:cTn>
+                                        <p:tgtEl>
+                                          <p:spTgt spid="4">
+                                            <p:txEl>
+                                              <p:pRg st="8" end="8"/>
+                                            </p:txEl>
+                                          </p:spTgt>
+                                        </p:tgtEl>
+                                        <p:attrNameLst>
+                                          <p:attrName>style.visibility</p:attrName>
+                                        </p:attrNameLst>
+                                      </p:cBhvr>
+                                      <p:to>
+                                        <p:strVal val="visible"/>
+                                      </p:to>
+                                    </p:set>
+                                  </p:childTnLst>
+                                </p:cTn>
+                              </p:par>
+                              <p:par>
+                                <p:cTn id="13" presetID="1" presetClass="exit" presetSubtype="0" fill="hold" nodeType="withEffect">
+                                  <p:stCondLst>
+                                    <p:cond delay="0"/>
+                                  </p:stCondLst>
+                                  <p:childTnLst>
+                                    <p:set>
+                                      <p:cBhvr>
+                                        <p:cTn id="14" dur="1" fill="hold">
+                                          <p:stCondLst>
+                                            <p:cond delay="0"/>
+                                          </p:stCondLst>
+                                        </p:cTn>
+                                        <p:tgtEl>
+                                          <p:spTgt spid="34"/>
+                                        </p:tgtEl>
+                                        <p:attrNameLst>
+                                          <p:attrName>style.visibility</p:attrName>
+                                        </p:attrNameLst>
+                                      </p:cBhvr>
+                                      <p:to>
+                                        <p:strVal val="hidden"/>
+                                      </p:to>
+                                    </p:set>
+                                  </p:childTnLst>
+                                </p:cTn>
+                              </p:par>
+                              <p:par>
+                                <p:cTn id="15" presetID="1" presetClass="exit" presetSubtype="0" fill="hold" grpId="0" nodeType="withEffect">
+                                  <p:stCondLst>
+                                    <p:cond delay="0"/>
+                                  </p:stCondLst>
+                                  <p:childTnLst>
+                                    <p:set>
+                                      <p:cBhvr>
+                                        <p:cTn id="16" dur="1" fill="hold">
+                                          <p:stCondLst>
+                                            <p:cond delay="0"/>
+                                          </p:stCondLst>
+                                        </p:cTn>
+                                        <p:tgtEl>
+                                          <p:spTgt spid="31"/>
+                                        </p:tgtEl>
+                                        <p:attrNameLst>
+                                          <p:attrName>style.visibility</p:attrName>
+                                        </p:attrNameLst>
+                                      </p:cBhvr>
+                                      <p:to>
+                                        <p:strVal val="hidden"/>
+                                      </p:to>
+                                    </p:set>
+                                  </p:childTnLst>
+                                </p:cTn>
+                              </p:par>
+                              <p:par>
+                                <p:cTn id="17" presetID="1" presetClass="exit" presetSubtype="0" fill="hold" grpId="0" nodeType="withEffect">
+                                  <p:stCondLst>
+                                    <p:cond delay="0"/>
+                                  </p:stCondLst>
+                                  <p:childTnLst>
+                                    <p:set>
+                                      <p:cBhvr>
+                                        <p:cTn id="18" dur="1" fill="hold">
+                                          <p:stCondLst>
+                                            <p:cond delay="0"/>
+                                          </p:stCondLst>
+                                        </p:cTn>
+                                        <p:tgtEl>
+                                          <p:spTgt spid="32"/>
+                                        </p:tgtEl>
+                                        <p:attrNameLst>
+                                          <p:attrName>style.visibility</p:attrName>
+                                        </p:attrNameLst>
+                                      </p:cBhvr>
+                                      <p:to>
+                                        <p:strVal val="hidden"/>
+                                      </p:to>
+                                    </p:set>
+                                  </p:childTnLst>
+                                </p:cTn>
+                              </p:par>
+                              <p:par>
+                                <p:cTn id="19" presetID="1" presetClass="exit" presetSubtype="0" fill="hold" grpId="0" nodeType="withEffect">
+                                  <p:stCondLst>
+                                    <p:cond delay="0"/>
+                                  </p:stCondLst>
+                                  <p:childTnLst>
+                                    <p:set>
+                                      <p:cBhvr>
+                                        <p:cTn id="20" dur="1" fill="hold">
+                                          <p:stCondLst>
+                                            <p:cond delay="0"/>
+                                          </p:stCondLst>
+                                        </p:cTn>
+                                        <p:tgtEl>
+                                          <p:spTgt spid="33"/>
+                                        </p:tgtEl>
+                                        <p:attrNameLst>
+                                          <p:attrName>style.visibility</p:attrName>
+                                        </p:attrNameLst>
+                                      </p:cBhvr>
+                                      <p:to>
+                                        <p:strVal val="hidden"/>
+                                      </p:to>
+                                    </p:set>
+                                  </p:childTnLst>
+                                </p:cTn>
+                              </p:par>
+                            </p:childTnLst>
+                          </p:cTn>
+                        </p:par>
+                      </p:childTnLst>
+                    </p:cTn>
+                  </p:par>
+                  <p:par>
+                    <p:cTn id="21" fill="hold">
+                      <p:stCondLst>
+                        <p:cond delay="indefinite"/>
+                      </p:stCondLst>
+                      <p:childTnLst>
+                        <p:par>
+                          <p:cTn id="22" fill="hold">
+                            <p:stCondLst>
+                              <p:cond delay="0"/>
+                            </p:stCondLst>
+                            <p:childTnLst>
+                              <p:par>
+                                <p:cTn id="23" presetID="1" presetClass="entr" presetSubtype="0" fill="hold" nodeType="clickEffect">
+                                  <p:stCondLst>
+                                    <p:cond delay="0"/>
+                                  </p:stCondLst>
+                                  <p:childTnLst>
+                                    <p:set>
+                                      <p:cBhvr>
+                                        <p:cTn id="24" dur="1" fill="hold">
+                                          <p:stCondLst>
+                                            <p:cond delay="0"/>
+                                          </p:stCondLst>
+                                        </p:cTn>
+                                        <p:tgtEl>
+                                          <p:spTgt spid="4">
+                                            <p:txEl>
+                                              <p:pRg st="9" end="9"/>
+                                            </p:txEl>
+                                          </p:spTgt>
+                                        </p:tgtEl>
+                                        <p:attrNameLst>
+                                          <p:attrName>style.visibility</p:attrName>
+                                        </p:attrNameLst>
+                                      </p:cBhvr>
+                                      <p:to>
+                                        <p:strVal val="visible"/>
+                                      </p:to>
+                                    </p:set>
+                                  </p:childTnLst>
+                                </p:cTn>
+                              </p:par>
+                              <p:par>
+                                <p:cTn id="25" presetID="1" presetClass="entr" presetSubtype="0" fill="hold" nodeType="withEffect">
+                                  <p:stCondLst>
+                                    <p:cond delay="0"/>
+                                  </p:stCondLst>
+                                  <p:childTnLst>
+                                    <p:set>
+                                      <p:cBhvr>
+                                        <p:cTn id="26" dur="1" fill="hold">
+                                          <p:stCondLst>
+                                            <p:cond delay="0"/>
+                                          </p:stCondLst>
+                                        </p:cTn>
+                                        <p:tgtEl>
+                                          <p:spTgt spid="4">
+                                            <p:txEl>
+                                              <p:pRg st="10" end="10"/>
+                                            </p:txEl>
+                                          </p:spTgt>
+                                        </p:tgtEl>
+                                        <p:attrNameLst>
+                                          <p:attrName>style.visibility</p:attrName>
+                                        </p:attrNameLst>
+                                      </p:cBhvr>
+                                      <p:to>
+                                        <p:strVal val="visible"/>
+                                      </p:to>
+                                    </p:set>
+                                  </p:childTnLst>
+                                </p:cTn>
+                              </p:par>
+                              <p:par>
+                                <p:cTn id="27" presetID="1" presetClass="entr" presetSubtype="0" fill="hold" nodeType="withEffect">
+                                  <p:stCondLst>
+                                    <p:cond delay="0"/>
+                                  </p:stCondLst>
+                                  <p:childTnLst>
+                                    <p:set>
+                                      <p:cBhvr>
+                                        <p:cTn id="28" dur="1" fill="hold">
+                                          <p:stCondLst>
+                                            <p:cond delay="0"/>
+                                          </p:stCondLst>
+                                        </p:cTn>
+                                        <p:tgtEl>
+                                          <p:spTgt spid="4">
+                                            <p:txEl>
+                                              <p:pRg st="11" end="11"/>
+                                            </p:txEl>
+                                          </p:spTgt>
+                                        </p:tgtEl>
+                                        <p:attrNameLst>
+                                          <p:attrName>style.visibility</p:attrName>
+                                        </p:attrNameLst>
+                                      </p:cBhvr>
+                                      <p:to>
+                                        <p:strVal val="visible"/>
+                                      </p:to>
+                                    </p:set>
+                                  </p:childTnLst>
+                                </p:cTn>
+                              </p:par>
+                              <p:par>
+                                <p:cTn id="29" presetID="1" presetClass="entr" presetSubtype="0" fill="hold" nodeType="withEffect">
+                                  <p:stCondLst>
+                                    <p:cond delay="0"/>
+                                  </p:stCondLst>
+                                  <p:childTnLst>
+                                    <p:set>
+                                      <p:cBhvr>
+                                        <p:cTn id="30" dur="1" fill="hold">
+                                          <p:stCondLst>
+                                            <p:cond delay="0"/>
+                                          </p:stCondLst>
+                                        </p:cTn>
+                                        <p:tgtEl>
+                                          <p:spTgt spid="14"/>
+                                        </p:tgtEl>
+                                        <p:attrNameLst>
+                                          <p:attrName>style.visibility</p:attrName>
+                                        </p:attrNameLst>
+                                      </p:cBhvr>
+                                      <p:to>
+                                        <p:strVal val="visible"/>
+                                      </p:to>
+                                    </p:set>
+                                  </p:childTnLst>
+                                </p:cTn>
+                              </p:par>
+                              <p:par>
+                                <p:cTn id="31" presetID="1" presetClass="entr" presetSubtype="0" fill="hold" grpId="0" nodeType="withEffect">
+                                  <p:stCondLst>
+                                    <p:cond delay="0"/>
+                                  </p:stCondLst>
+                                  <p:childTnLst>
+                                    <p:set>
+                                      <p:cBhvr>
+                                        <p:cTn id="32" dur="1" fill="hold">
+                                          <p:stCondLst>
+                                            <p:cond delay="0"/>
+                                          </p:stCondLst>
+                                        </p:cTn>
+                                        <p:tgtEl>
+                                          <p:spTgt spid="11"/>
+                                        </p:tgtEl>
+                                        <p:attrNameLst>
+                                          <p:attrName>style.visibility</p:attrName>
+                                        </p:attrNameLst>
+                                      </p:cBhvr>
+                                      <p:to>
+                                        <p:strVal val="visible"/>
+                                      </p:to>
+                                    </p:set>
+                                  </p:childTnLst>
+                                </p:cTn>
+                              </p:par>
+                              <p:par>
+                                <p:cTn id="33" presetID="1" presetClass="exit" presetSubtype="0" fill="hold" grpId="1" nodeType="withEffect">
+                                  <p:stCondLst>
+                                    <p:cond delay="0"/>
+                                  </p:stCondLst>
+                                  <p:childTnLst>
+                                    <p:set>
+                                      <p:cBhvr>
+                                        <p:cTn id="34" dur="1" fill="hold">
+                                          <p:stCondLst>
+                                            <p:cond delay="0"/>
+                                          </p:stCondLst>
+                                        </p:cTn>
+                                        <p:tgtEl>
+                                          <p:spTgt spid="19"/>
+                                        </p:tgtEl>
+                                        <p:attrNameLst>
+                                          <p:attrName>style.visibility</p:attrName>
+                                        </p:attrNameLst>
+                                      </p:cBhvr>
+                                      <p:to>
+                                        <p:strVal val="hidden"/>
+                                      </p:to>
+                                    </p:set>
+                                  </p:childTnLst>
+                                </p:cTn>
+                              </p:par>
+                              <p:par>
+                                <p:cTn id="35" presetID="1" presetClass="exit" presetSubtype="0" fill="hold" nodeType="withEffect">
+                                  <p:stCondLst>
+                                    <p:cond delay="0"/>
+                                  </p:stCondLst>
+                                  <p:childTnLst>
+                                    <p:set>
+                                      <p:cBhvr>
+                                        <p:cTn id="36" dur="1" fill="hold">
+                                          <p:stCondLst>
+                                            <p:cond delay="0"/>
+                                          </p:stCondLst>
+                                        </p:cTn>
+                                        <p:tgtEl>
+                                          <p:spTgt spid="20"/>
+                                        </p:tgtEl>
+                                        <p:attrNameLst>
+                                          <p:attrName>style.visibility</p:attrName>
+                                        </p:attrNameLst>
+                                      </p:cBhvr>
+                                      <p:to>
+                                        <p:strVal val="hidden"/>
+                                      </p:to>
+                                    </p:set>
+                                  </p:childTnLst>
+                                </p:cTn>
+                              </p:par>
+                            </p:childTnLst>
+                          </p:cTn>
+                        </p:par>
+                      </p:childTnLst>
+                    </p:cTn>
+                  </p:par>
+                  <p:par>
+                    <p:cTn id="37" fill="hold">
+                      <p:stCondLst>
+                        <p:cond delay="indefinite"/>
+                      </p:stCondLst>
+                      <p:childTnLst>
+                        <p:par>
+                          <p:cTn id="38" fill="hold">
+                            <p:stCondLst>
+                              <p:cond delay="0"/>
+                            </p:stCondLst>
+                            <p:childTnLst>
+                              <p:par>
+                                <p:cTn id="39" presetID="1" presetClass="entr" presetSubtype="0" fill="hold" nodeType="clickEffect">
+                                  <p:stCondLst>
+                                    <p:cond delay="0"/>
+                                  </p:stCondLst>
+                                  <p:childTnLst>
+                                    <p:set>
+                                      <p:cBhvr>
+                                        <p:cTn id="40" dur="1" fill="hold">
+                                          <p:stCondLst>
+                                            <p:cond delay="0"/>
+                                          </p:stCondLst>
+                                        </p:cTn>
+                                        <p:tgtEl>
+                                          <p:spTgt spid="4">
+                                            <p:txEl>
+                                              <p:pRg st="15" end="15"/>
+                                            </p:txEl>
+                                          </p:spTgt>
+                                        </p:tgtEl>
+                                        <p:attrNameLst>
+                                          <p:attrName>style.visibility</p:attrName>
+                                        </p:attrNameLst>
+                                      </p:cBhvr>
+                                      <p:to>
+                                        <p:strVal val="visible"/>
+                                      </p:to>
+                                    </p:set>
+                                  </p:childTnLst>
+                                </p:cTn>
+                              </p:par>
+                              <p:par>
+                                <p:cTn id="41" presetID="1" presetClass="exit" presetSubtype="0" fill="hold" grpId="1" nodeType="withEffect">
+                                  <p:stCondLst>
+                                    <p:cond delay="0"/>
+                                  </p:stCondLst>
+                                  <p:childTnLst>
+                                    <p:set>
+                                      <p:cBhvr>
+                                        <p:cTn id="42" dur="1" fill="hold">
+                                          <p:stCondLst>
+                                            <p:cond delay="0"/>
+                                          </p:stCondLst>
+                                        </p:cTn>
+                                        <p:tgtEl>
+                                          <p:spTgt spid="11"/>
+                                        </p:tgtEl>
+                                        <p:attrNameLst>
+                                          <p:attrName>style.visibility</p:attrName>
+                                        </p:attrNameLst>
+                                      </p:cBhvr>
+                                      <p:to>
+                                        <p:strVal val="hidden"/>
+                                      </p:to>
+                                    </p:set>
+                                  </p:childTnLst>
+                                </p:cTn>
+                              </p:par>
+                              <p:par>
+                                <p:cTn id="43" presetID="1" presetClass="exit" presetSubtype="0" fill="hold" nodeType="withEffect">
+                                  <p:stCondLst>
+                                    <p:cond delay="0"/>
+                                  </p:stCondLst>
+                                  <p:childTnLst>
+                                    <p:set>
+                                      <p:cBhvr>
+                                        <p:cTn id="44" dur="1" fill="hold">
+                                          <p:stCondLst>
+                                            <p:cond delay="0"/>
+                                          </p:stCondLst>
+                                        </p:cTn>
+                                        <p:tgtEl>
+                                          <p:spTgt spid="14"/>
+                                        </p:tgtEl>
+                                        <p:attrNameLst>
+                                          <p:attrName>style.visibility</p:attrName>
+                                        </p:attrNameLst>
+                                      </p:cBhvr>
+                                      <p:to>
+                                        <p:strVal val="hidden"/>
+                                      </p:to>
+                                    </p:set>
+                                  </p:childTnLst>
+                                </p:cTn>
+                              </p:par>
+                              <p:par>
+                                <p:cTn id="45" presetID="1" presetClass="entr" presetSubtype="0" fill="hold" nodeType="withEffect">
+                                  <p:stCondLst>
+                                    <p:cond delay="0"/>
+                                  </p:stCondLst>
+                                  <p:childTnLst>
+                                    <p:set>
+                                      <p:cBhvr>
+                                        <p:cTn id="46" dur="1" fill="hold">
+                                          <p:stCondLst>
+                                            <p:cond delay="0"/>
+                                          </p:stCondLst>
+                                        </p:cTn>
+                                        <p:tgtEl>
+                                          <p:spTgt spid="27"/>
+                                        </p:tgtEl>
+                                        <p:attrNameLst>
+                                          <p:attrName>style.visibility</p:attrName>
+                                        </p:attrNameLst>
+                                      </p:cBhvr>
+                                      <p:to>
+                                        <p:strVal val="visible"/>
+                                      </p:to>
+                                    </p:set>
+                                  </p:childTnLst>
+                                </p:cTn>
+                              </p:par>
+                              <p:par>
+                                <p:cTn id="47" presetID="1" presetClass="entr" presetSubtype="0" fill="hold" grpId="0" nodeType="withEffect">
+                                  <p:stCondLst>
+                                    <p:cond delay="0"/>
+                                  </p:stCondLst>
+                                  <p:childTnLst>
+                                    <p:set>
+                                      <p:cBhvr>
+                                        <p:cTn id="48" dur="1" fill="hold">
+                                          <p:stCondLst>
+                                            <p:cond delay="0"/>
+                                          </p:stCondLst>
+                                        </p:cTn>
+                                        <p:tgtEl>
+                                          <p:spTgt spid="26"/>
+                                        </p:tgtEl>
+                                        <p:attrNameLst>
+                                          <p:attrName>style.visibility</p:attrName>
+                                        </p:attrNameLst>
+                                      </p:cBhvr>
+                                      <p:to>
+                                        <p:strVal val="visible"/>
+                                      </p:to>
+                                    </p:set>
+                                  </p:childTnLst>
+                                </p:cTn>
+                              </p:par>
+                              <p:par>
+                                <p:cTn id="49" presetID="1" presetClass="entr" presetSubtype="0" fill="hold" grpId="0" nodeType="withEffect">
+                                  <p:stCondLst>
+                                    <p:cond delay="0"/>
+                                  </p:stCondLst>
+                                  <p:childTnLst>
+                                    <p:set>
+                                      <p:cBhvr>
+                                        <p:cTn id="50" dur="1" fill="hold">
+                                          <p:stCondLst>
+                                            <p:cond delay="0"/>
+                                          </p:stCondLst>
+                                        </p:cTn>
+                                        <p:tgtEl>
+                                          <p:spTgt spid="21"/>
+                                        </p:tgtEl>
+                                        <p:attrNameLst>
+                                          <p:attrName>style.visibility</p:attrName>
+                                        </p:attrNameLst>
+                                      </p:cBhvr>
+                                      <p:to>
+                                        <p:strVal val="visible"/>
+                                      </p:to>
+                                    </p:set>
+                                  </p:childTnLst>
+                                </p:cTn>
+                              </p:par>
+                              <p:par>
+                                <p:cTn id="51" presetID="1" presetClass="entr" presetSubtype="0" fill="hold" nodeType="withEffect">
+                                  <p:stCondLst>
+                                    <p:cond delay="0"/>
+                                  </p:stCondLst>
+                                  <p:childTnLst>
+                                    <p:set>
+                                      <p:cBhvr>
+                                        <p:cTn id="52" dur="1" fill="hold">
+                                          <p:stCondLst>
+                                            <p:cond delay="0"/>
+                                          </p:stCondLst>
+                                        </p:cTn>
+                                        <p:tgtEl>
+                                          <p:spTgt spid="6"/>
+                                        </p:tgtEl>
+                                        <p:attrNameLst>
+                                          <p:attrName>style.visibility</p:attrName>
+                                        </p:attrNameLst>
+                                      </p:cBhvr>
+                                      <p:to>
+                                        <p:strVal val="visible"/>
+                                      </p:to>
+                                    </p:set>
+                                  </p:childTnLst>
+                                </p:cTn>
+                              </p:par>
+                            </p:childTnLst>
+                          </p:cTn>
+                        </p:par>
+                      </p:childTnLst>
+                    </p:cTn>
+                  </p:par>
+                  <p:par>
+                    <p:cTn id="53" fill="hold">
+                      <p:stCondLst>
+                        <p:cond delay="indefinite"/>
+                      </p:stCondLst>
+                      <p:childTnLst>
+                        <p:par>
+                          <p:cTn id="54" fill="hold">
+                            <p:stCondLst>
+                              <p:cond delay="0"/>
+                            </p:stCondLst>
+                            <p:childTnLst>
+                              <p:par>
+                                <p:cTn id="55" presetID="1" presetClass="exit" presetSubtype="0" fill="hold" grpId="1" nodeType="clickEffect">
+                                  <p:stCondLst>
+                                    <p:cond delay="0"/>
+                                  </p:stCondLst>
+                                  <p:childTnLst>
+                                    <p:set>
+                                      <p:cBhvr>
+                                        <p:cTn id="56" dur="1" fill="hold">
+                                          <p:stCondLst>
+                                            <p:cond delay="0"/>
+                                          </p:stCondLst>
+                                        </p:cTn>
+                                        <p:tgtEl>
+                                          <p:spTgt spid="21"/>
+                                        </p:tgtEl>
+                                        <p:attrNameLst>
+                                          <p:attrName>style.visibility</p:attrName>
+                                        </p:attrNameLst>
+                                      </p:cBhvr>
+                                      <p:to>
+                                        <p:strVal val="hidden"/>
+                                      </p:to>
+                                    </p:set>
+                                  </p:childTnLst>
+                                </p:cTn>
+                              </p:par>
+                              <p:par>
+                                <p:cTn id="57" presetID="1" presetClass="exit" presetSubtype="0" fill="hold" grpId="1" nodeType="withEffect">
+                                  <p:stCondLst>
+                                    <p:cond delay="0"/>
+                                  </p:stCondLst>
+                                  <p:childTnLst>
+                                    <p:set>
+                                      <p:cBhvr>
+                                        <p:cTn id="58" dur="1" fill="hold">
+                                          <p:stCondLst>
+                                            <p:cond delay="0"/>
+                                          </p:stCondLst>
+                                        </p:cTn>
+                                        <p:tgtEl>
+                                          <p:spTgt spid="26"/>
+                                        </p:tgtEl>
+                                        <p:attrNameLst>
+                                          <p:attrName>style.visibility</p:attrName>
+                                        </p:attrNameLst>
+                                      </p:cBhvr>
+                                      <p:to>
+                                        <p:strVal val="hidden"/>
+                                      </p:to>
+                                    </p:set>
+                                  </p:childTnLst>
+                                </p:cTn>
+                              </p:par>
+                              <p:par>
+                                <p:cTn id="59" presetID="1" presetClass="exit" presetSubtype="0" fill="hold" nodeType="withEffect">
+                                  <p:stCondLst>
+                                    <p:cond delay="0"/>
+                                  </p:stCondLst>
+                                  <p:childTnLst>
+                                    <p:set>
+                                      <p:cBhvr>
+                                        <p:cTn id="60" dur="1" fill="hold">
+                                          <p:stCondLst>
+                                            <p:cond delay="0"/>
+                                          </p:stCondLst>
+                                        </p:cTn>
+                                        <p:tgtEl>
+                                          <p:spTgt spid="27"/>
+                                        </p:tgtEl>
+                                        <p:attrNameLst>
+                                          <p:attrName>style.visibility</p:attrName>
+                                        </p:attrNameLst>
+                                      </p:cBhvr>
+                                      <p:to>
+                                        <p:strVal val="hidden"/>
+                                      </p:to>
+                                    </p:set>
+                                  </p:childTnLst>
+                                </p:cTn>
+                              </p:par>
+                              <p:par>
+                                <p:cTn id="61" presetID="1" presetClass="entr" presetSubtype="0" fill="hold" nodeType="withEffect">
+                                  <p:stCondLst>
+                                    <p:cond delay="0"/>
+                                  </p:stCondLst>
+                                  <p:childTnLst>
+                                    <p:set>
+                                      <p:cBhvr>
+                                        <p:cTn id="62" dur="1" fill="hold">
+                                          <p:stCondLst>
+                                            <p:cond delay="0"/>
+                                          </p:stCondLst>
+                                        </p:cTn>
+                                        <p:tgtEl>
+                                          <p:spTgt spid="4">
+                                            <p:txEl>
+                                              <p:pRg st="16" end="16"/>
+                                            </p:txEl>
+                                          </p:spTgt>
+                                        </p:tgtEl>
+                                        <p:attrNameLst>
+                                          <p:attrName>style.visibility</p:attrName>
+                                        </p:attrNameLst>
+                                      </p:cBhvr>
+                                      <p:to>
+                                        <p:strVal val="visible"/>
+                                      </p:to>
+                                    </p:set>
+                                  </p:childTnLst>
+                                </p:cTn>
+                              </p:par>
+                              <p:par>
+                                <p:cTn id="63" presetID="1" presetClass="entr" presetSubtype="0" fill="hold" nodeType="withEffect">
+                                  <p:stCondLst>
+                                    <p:cond delay="0"/>
+                                  </p:stCondLst>
+                                  <p:childTnLst>
+                                    <p:set>
+                                      <p:cBhvr>
+                                        <p:cTn id="64" dur="1" fill="hold">
+                                          <p:stCondLst>
+                                            <p:cond delay="0"/>
+                                          </p:stCondLst>
+                                        </p:cTn>
+                                        <p:tgtEl>
+                                          <p:spTgt spid="7"/>
+                                        </p:tgtEl>
+                                        <p:attrNameLst>
+                                          <p:attrName>style.visibility</p:attrName>
+                                        </p:attrNameLst>
+                                      </p:cBhvr>
+                                      <p:to>
+                                        <p:strVal val="visible"/>
+                                      </p:to>
+                                    </p:set>
+                                  </p:childTnLst>
+                                </p:cTn>
+                              </p:par>
+                              <p:par>
+                                <p:cTn id="65" presetID="1" presetClass="exit" presetSubtype="0" fill="hold" nodeType="withEffect">
+                                  <p:stCondLst>
+                                    <p:cond delay="0"/>
+                                  </p:stCondLst>
+                                  <p:childTnLst>
+                                    <p:set>
+                                      <p:cBhvr>
+                                        <p:cTn id="66" dur="1" fill="hold">
+                                          <p:stCondLst>
+                                            <p:cond delay="0"/>
+                                          </p:stCondLst>
+                                        </p:cTn>
+                                        <p:tgtEl>
+                                          <p:spTgt spid="6"/>
+                                        </p:tgtEl>
+                                        <p:attrNameLst>
+                                          <p:attrName>style.visibility</p:attrName>
+                                        </p:attrNameLst>
+                                      </p:cBhvr>
+                                      <p:to>
+                                        <p:strVal val="hidden"/>
+                                      </p:to>
+                                    </p:set>
+                                  </p:childTnLst>
+                                </p:cTn>
+                              </p:par>
+                              <p:par>
+                                <p:cTn id="67" presetID="1" presetClass="entr" presetSubtype="0" fill="hold" grpId="0" nodeType="withEffect">
+                                  <p:stCondLst>
+                                    <p:cond delay="0"/>
+                                  </p:stCondLst>
+                                  <p:childTnLst>
+                                    <p:set>
+                                      <p:cBhvr>
+                                        <p:cTn id="68" dur="1" fill="hold">
+                                          <p:stCondLst>
+                                            <p:cond delay="0"/>
+                                          </p:stCondLst>
+                                        </p:cTn>
+                                        <p:tgtEl>
+                                          <p:spTgt spid="8"/>
+                                        </p:tgtEl>
+                                        <p:attrNameLst>
+                                          <p:attrName>style.visibility</p:attrName>
+                                        </p:attrNameLst>
+                                      </p:cBhvr>
+                                      <p:to>
+                                        <p:strVal val="visible"/>
+                                      </p:to>
+                                    </p:set>
+                                  </p:childTnLst>
+                                </p:cTn>
+                              </p:par>
+                            </p:childTnLst>
+                          </p:cTn>
+                        </p:par>
+                      </p:childTnLst>
+                    </p:cTn>
+                  </p:par>
+                  <p:par>
+                    <p:cTn id="69" fill="hold">
+                      <p:stCondLst>
+                        <p:cond delay="indefinite"/>
+                      </p:stCondLst>
+                      <p:childTnLst>
+                        <p:par>
+                          <p:cTn id="70" fill="hold">
+                            <p:stCondLst>
+                              <p:cond delay="0"/>
+                            </p:stCondLst>
+                            <p:childTnLst>
+                              <p:par>
+                                <p:cTn id="71" presetID="1" presetClass="entr" presetSubtype="0" fill="hold" nodeType="clickEffect">
+                                  <p:stCondLst>
+                                    <p:cond delay="0"/>
+                                  </p:stCondLst>
+                                  <p:childTnLst>
+                                    <p:set>
+                                      <p:cBhvr>
+                                        <p:cTn id="72" dur="1" fill="hold">
+                                          <p:stCondLst>
+                                            <p:cond delay="0"/>
+                                          </p:stCondLst>
+                                        </p:cTn>
+                                        <p:tgtEl>
+                                          <p:spTgt spid="4">
+                                            <p:txEl>
+                                              <p:pRg st="17" end="17"/>
+                                            </p:txEl>
+                                          </p:spTgt>
+                                        </p:tgtEl>
+                                        <p:attrNameLst>
+                                          <p:attrName>style.visibility</p:attrName>
+                                        </p:attrNameLst>
+                                      </p:cBhvr>
+                                      <p:to>
+                                        <p:strVal val="visible"/>
+                                      </p:to>
+                                    </p:set>
+                                  </p:childTnLst>
+                                </p:cTn>
+                              </p:par>
+                              <p:par>
+                                <p:cTn id="73" presetID="1" presetClass="exit" presetSubtype="0" fill="hold" grpId="1" nodeType="withEffect">
+                                  <p:stCondLst>
+                                    <p:cond delay="0"/>
+                                  </p:stCondLst>
+                                  <p:childTnLst>
+                                    <p:set>
+                                      <p:cBhvr>
+                                        <p:cTn id="74" dur="1" fill="hold">
+                                          <p:stCondLst>
+                                            <p:cond delay="0"/>
+                                          </p:stCondLst>
+                                        </p:cTn>
+                                        <p:tgtEl>
+                                          <p:spTgt spid="8"/>
+                                        </p:tgtEl>
+                                        <p:attrNameLst>
+                                          <p:attrName>style.visibility</p:attrName>
+                                        </p:attrNameLst>
+                                      </p:cBhvr>
+                                      <p:to>
+                                        <p:strVal val="hidden"/>
+                                      </p:to>
+                                    </p:set>
+                                  </p:childTnLst>
+                                </p:cTn>
+                              </p:par>
+                              <p:par>
+                                <p:cTn id="75" presetID="1" presetClass="exit" presetSubtype="0" fill="hold" nodeType="withEffect">
+                                  <p:stCondLst>
+                                    <p:cond delay="0"/>
+                                  </p:stCondLst>
+                                  <p:childTnLst>
+                                    <p:set>
+                                      <p:cBhvr>
+                                        <p:cTn id="76" dur="1" fill="hold">
+                                          <p:stCondLst>
+                                            <p:cond delay="0"/>
+                                          </p:stCondLst>
+                                        </p:cTn>
+                                        <p:tgtEl>
+                                          <p:spTgt spid="7"/>
+                                        </p:tgtEl>
+                                        <p:attrNameLst>
+                                          <p:attrName>style.visibility</p:attrName>
+                                        </p:attrNameLst>
+                                      </p:cBhvr>
+                                      <p:to>
+                                        <p:strVal val="hidden"/>
+                                      </p:to>
+                                    </p:set>
+                                  </p:childTnLst>
+                                </p:cTn>
+                              </p:par>
+                              <p:par>
+                                <p:cTn id="77" presetID="1" presetClass="entr" presetSubtype="0" fill="hold" nodeType="withEffect">
+                                  <p:stCondLst>
+                                    <p:cond delay="0"/>
+                                  </p:stCondLst>
+                                  <p:childTnLst>
+                                    <p:set>
+                                      <p:cBhvr>
+                                        <p:cTn id="78" dur="1" fill="hold">
+                                          <p:stCondLst>
+                                            <p:cond delay="0"/>
+                                          </p:stCondLst>
+                                        </p:cTn>
+                                        <p:tgtEl>
+                                          <p:spTgt spid="10"/>
+                                        </p:tgtEl>
+                                        <p:attrNameLst>
+                                          <p:attrName>style.visibility</p:attrName>
+                                        </p:attrNameLst>
+                                      </p:cBhvr>
+                                      <p:to>
+                                        <p:strVal val="visible"/>
+                                      </p:to>
+                                    </p:set>
+                                  </p:childTnLst>
+                                </p:cTn>
+                              </p:par>
+                              <p:par>
+                                <p:cTn id="79" presetID="1" presetClass="entr" presetSubtype="0" fill="hold" grpId="0" nodeType="withEffect">
+                                  <p:stCondLst>
+                                    <p:cond delay="0"/>
+                                  </p:stCondLst>
+                                  <p:childTnLst>
+                                    <p:set>
+                                      <p:cBhvr>
+                                        <p:cTn id="80" dur="1" fill="hold">
+                                          <p:stCondLst>
+                                            <p:cond delay="0"/>
+                                          </p:stCondLst>
+                                        </p:cTn>
+                                        <p:tgtEl>
+                                          <p:spTgt spid="12"/>
+                                        </p:tgtEl>
+                                        <p:attrNameLst>
+                                          <p:attrName>style.visibility</p:attrName>
+                                        </p:attrNameLst>
+                                      </p:cBhvr>
+                                      <p:to>
+                                        <p:strVal val="visible"/>
+                                      </p:to>
+                                    </p:set>
+                                  </p:childTnLst>
+                                </p:cTn>
+                              </p:par>
+                            </p:childTnLst>
+                          </p:cTn>
+                        </p:par>
+                      </p:childTnLst>
+                    </p:cTn>
+                  </p:par>
+                  <p:par>
+                    <p:cTn id="81" fill="hold">
+                      <p:stCondLst>
+                        <p:cond delay="indefinite"/>
+                      </p:stCondLst>
+                      <p:childTnLst>
+                        <p:par>
+                          <p:cTn id="82" fill="hold">
+                            <p:stCondLst>
+                              <p:cond delay="0"/>
+                            </p:stCondLst>
+                            <p:childTnLst>
+                              <p:par>
+                                <p:cTn id="83" presetID="1" presetClass="entr" presetSubtype="0" fill="hold" nodeType="clickEffect">
+                                  <p:stCondLst>
+                                    <p:cond delay="0"/>
+                                  </p:stCondLst>
+                                  <p:childTnLst>
+                                    <p:set>
+                                      <p:cBhvr>
+                                        <p:cTn id="84" dur="1" fill="hold">
+                                          <p:stCondLst>
+                                            <p:cond delay="0"/>
+                                          </p:stCondLst>
+                                        </p:cTn>
+                                        <p:tgtEl>
+                                          <p:spTgt spid="4">
+                                            <p:txEl>
+                                              <p:pRg st="18" end="18"/>
+                                            </p:txEl>
+                                          </p:spTgt>
+                                        </p:tgtEl>
+                                        <p:attrNameLst>
+                                          <p:attrName>style.visibility</p:attrName>
+                                        </p:attrNameLst>
+                                      </p:cBhvr>
+                                      <p:to>
+                                        <p:strVal val="visible"/>
+                                      </p:to>
+                                    </p:set>
+                                  </p:childTnLst>
+                                </p:cTn>
+                              </p:par>
+                            </p:childTnLst>
+                          </p:cTn>
+                        </p:par>
+                        <p:par>
+                          <p:cTn id="85" fill="hold">
+                            <p:stCondLst>
+                              <p:cond delay="0"/>
+                            </p:stCondLst>
+                            <p:childTnLst>
+                              <p:par>
+                                <p:cTn id="86" presetID="1" presetClass="exit" presetSubtype="0" fill="hold" nodeType="afterEffect">
+                                  <p:stCondLst>
+                                    <p:cond delay="0"/>
+                                  </p:stCondLst>
+                                  <p:childTnLst>
+                                    <p:set>
+                                      <p:cBhvr>
+                                        <p:cTn id="87" dur="1" fill="hold">
+                                          <p:stCondLst>
+                                            <p:cond delay="0"/>
+                                          </p:stCondLst>
+                                        </p:cTn>
+                                        <p:tgtEl>
+                                          <p:spTgt spid="10"/>
+                                        </p:tgtEl>
+                                        <p:attrNameLst>
+                                          <p:attrName>style.visibility</p:attrName>
+                                        </p:attrNameLst>
+                                      </p:cBhvr>
+                                      <p:to>
+                                        <p:strVal val="hidden"/>
+                                      </p:to>
+                                    </p:set>
+                                  </p:childTnLst>
+                                </p:cTn>
+                              </p:par>
+                            </p:childTnLst>
+                          </p:cTn>
+                        </p:par>
+                        <p:par>
+                          <p:cTn id="88" fill="hold">
+                            <p:stCondLst>
+                              <p:cond delay="0"/>
+                            </p:stCondLst>
+                            <p:childTnLst>
+                              <p:par>
+                                <p:cTn id="89" presetID="1" presetClass="exit" presetSubtype="0" fill="hold" grpId="1" nodeType="afterEffect">
+                                  <p:stCondLst>
+                                    <p:cond delay="0"/>
+                                  </p:stCondLst>
+                                  <p:childTnLst>
+                                    <p:set>
+                                      <p:cBhvr>
+                                        <p:cTn id="90" dur="1" fill="hold">
+                                          <p:stCondLst>
+                                            <p:cond delay="0"/>
+                                          </p:stCondLst>
+                                        </p:cTn>
+                                        <p:tgtEl>
+                                          <p:spTgt spid="12"/>
+                                        </p:tgtEl>
+                                        <p:attrNameLst>
+                                          <p:attrName>style.visibility</p:attrName>
+                                        </p:attrNameLst>
+                                      </p:cBhvr>
+                                      <p:to>
+                                        <p:strVal val="hidden"/>
+                                      </p:to>
+                                    </p:set>
+                                  </p:childTnLst>
+                                </p:cTn>
+                              </p:par>
+                            </p:childTnLst>
+                          </p:cTn>
+                        </p:par>
+                        <p:par>
+                          <p:cTn id="91" fill="hold">
+                            <p:stCondLst>
+                              <p:cond delay="0"/>
+                            </p:stCondLst>
+                            <p:childTnLst>
+                              <p:par>
+                                <p:cTn id="92" presetID="1" presetClass="entr" presetSubtype="0" fill="hold" nodeType="afterEffect">
+                                  <p:stCondLst>
+                                    <p:cond delay="0"/>
+                                  </p:stCondLst>
+                                  <p:childTnLst>
+                                    <p:set>
+                                      <p:cBhvr>
+                                        <p:cTn id="93" dur="1" fill="hold">
+                                          <p:stCondLst>
+                                            <p:cond delay="0"/>
+                                          </p:stCondLst>
+                                        </p:cTn>
+                                        <p:tgtEl>
+                                          <p:spTgt spid="13"/>
+                                        </p:tgtEl>
+                                        <p:attrNameLst>
+                                          <p:attrName>style.visibility</p:attrName>
+                                        </p:attrNameLst>
+                                      </p:cBhvr>
+                                      <p:to>
+                                        <p:strVal val="visible"/>
+                                      </p:to>
+                                    </p:set>
+                                  </p:childTnLst>
+                                </p:cTn>
+                              </p:par>
+                            </p:childTnLst>
+                          </p:cTn>
+                        </p:par>
+                        <p:par>
+                          <p:cTn id="94" fill="hold">
+                            <p:stCondLst>
+                              <p:cond delay="0"/>
+                            </p:stCondLst>
+                            <p:childTnLst>
+                              <p:par>
+                                <p:cTn id="95" presetID="1" presetClass="entr" presetSubtype="0" fill="hold" grpId="0" nodeType="afterEffect">
+                                  <p:stCondLst>
+                                    <p:cond delay="0"/>
+                                  </p:stCondLst>
+                                  <p:childTnLst>
+                                    <p:set>
+                                      <p:cBhvr>
+                                        <p:cTn id="96" dur="1" fill="hold">
+                                          <p:stCondLst>
+                                            <p:cond delay="0"/>
+                                          </p:stCondLst>
+                                        </p:cTn>
+                                        <p:tgtEl>
+                                          <p:spTgt spid="17"/>
+                                        </p:tgtEl>
+                                        <p:attrNameLst>
+                                          <p:attrName>style.visibility</p:attrName>
+                                        </p:attrNameLst>
+                                      </p:cBhvr>
+                                      <p:to>
+                                        <p:strVal val="visible"/>
+                                      </p:to>
+                                    </p:set>
+                                  </p:childTnLst>
+                                </p:cTn>
+                              </p:par>
+                            </p:childTnLst>
+                          </p:cTn>
+                        </p:par>
+                      </p:childTnLst>
+                    </p:cTn>
+                  </p:par>
+                </p:childTnLst>
+              </p:cTn>
+              <p:prevCondLst>
+                <p:cond evt="onPrev" delay="0">
+                  <p:tgtEl>
+                    <p:sldTgt/>
+                  </p:tgtEl>
+                </p:cond>
+              </p:prevCondLst>
+              <p:nextCondLst>
+                <p:cond evt="onNext" delay="0">
+                  <p:tgtEl>
+                    <p:sldTgt/>
+                  </p:tgtEl>
+                </p:cond>
+              </p:nextCondLst>
+            </p:seq>
+          </p:childTnLst>
+        </p:cTn>
+      </p:par>
+    </p:tnLst>
+    <p:bldLst>
+      <p:bldP spid="8" grpId="0"/>
+      <p:bldP spid="8" grpId="1"/>
+      <p:bldP spid="12" grpId="0"/>
+      <p:bldP spid="12" grpId="1"/>
+      <p:bldP spid="17" grpId="0"/>
+      <p:bldP spid="11" grpId="0"/>
+      <p:bldP spid="11" grpId="1"/>
+      <p:bldP spid="19" grpId="0"/>
+      <p:bldP spid="19" grpId="1"/>
+      <p:bldP spid="26" grpId="0"/>
+      <p:bldP spid="26" grpId="1"/>
+      <p:bldP spid="31" grpId="0"/>
+      <p:bldP spid="32" grpId="0"/>
+      <p:bldP spid="33" grpId="0"/>
+      <p:bldP spid="21" grpId="0"/>
+      <p:bldP spid="21" grpId="1"/>
+    </p:bldLst>
+  </p:timing>
+</p:sld>
+</file>
+
+<file path=ppt/slides/slide55.xml><?xml version="1.0" encoding="utf-8"?>
+<p:sld xmlns:a="http://schemas.openxmlformats.org/drawingml/2006/main" xmlns:r="http://schemas.openxmlformats.org/officeDocument/2006/relationships" xmlns:p="http://schemas.openxmlformats.org/presentationml/2006/main">
+  <p:cSld>
+    <p:spTree>
+      <p:nvGrpSpPr>
+        <p:cNvPr id="1" name=""/>
+        <p:cNvGrpSpPr/>
+        <p:nvPr/>
+      </p:nvGrpSpPr>
+      <p:grpSpPr>
+        <a:xfrm>
+          <a:off x="0" y="0"/>
+          <a:ext cx="0" cy="0"/>
+          <a:chOff x="0" y="0"/>
+          <a:chExt cx="0" cy="0"/>
+        </a:xfrm>
+      </p:grpSpPr>
+      <p:sp>
+        <p:nvSpPr>
+          <p:cNvPr id="2" name="Title 1"/>
+          <p:cNvSpPr>
+            <a:spLocks noGrp="1"/>
+          </p:cNvSpPr>
+          <p:nvPr>
+            <p:ph type="title"/>
+          </p:nvPr>
+        </p:nvSpPr>
+        <p:spPr/>
+        <p:txBody>
+          <a:bodyPr/>
+          <a:lstStyle/>
+          <a:p>
+            <a:endParaRPr lang="en-US"/>
+          </a:p>
+        </p:txBody>
+      </p:sp>
+      <p:sp>
+        <p:nvSpPr>
+          <p:cNvPr id="3" name="Content Placeholder 2"/>
+          <p:cNvSpPr>
+            <a:spLocks noGrp="1"/>
+          </p:cNvSpPr>
+          <p:nvPr>
+            <p:ph idx="1"/>
+          </p:nvPr>
+        </p:nvSpPr>
+        <p:spPr/>
+        <p:txBody>
+          <a:bodyPr/>
+          <a:lstStyle/>
+          <a:p>
+            <a:endParaRPr lang="en-US"/>
+          </a:p>
+        </p:txBody>
+      </p:sp>
+    </p:spTree>
+    <p:extLst>
+      <p:ext uri="{BB962C8B-B14F-4D97-AF65-F5344CB8AC3E}">
+        <p14:creationId xmlns:p14="http://schemas.microsoft.com/office/powerpoint/2010/main" val="3259471508"/>
+      </p:ext>
+    </p:extLst>
+  </p:cSld>
+  <p:clrMapOvr>
+    <a:masterClrMapping/>
+  </p:clrMapOvr>
+  <p:timing>
+    <p:tnLst>
+      <p:par>
+        <p:cTn xmlns:p14="http://schemas.microsoft.com/office/powerpoint/2010/main" id="1" dur="indefinite" restart="never" nodeType="tmRoot"/>
+      </p:par>
+    </p:tnLst>
   </p:timing>
 </p:sld>
 </file>

--- a/socc12-bloom-tutorial/slides/bloom-tutorial.pptx
+++ b/socc12-bloom-tutorial/slides/bloom-tutorial.pptx
@@ -5,64 +5,69 @@
     <p:sldMasterId id="2147483648" r:id="rId1"/>
   </p:sldMasterIdLst>
   <p:notesMasterIdLst>
-    <p:notesMasterId r:id="rId57"/>
+    <p:notesMasterId r:id="rId62"/>
   </p:notesMasterIdLst>
   <p:sldIdLst>
     <p:sldId id="256" r:id="rId2"/>
     <p:sldId id="257" r:id="rId3"/>
     <p:sldId id="259" r:id="rId4"/>
     <p:sldId id="258" r:id="rId5"/>
-    <p:sldId id="264" r:id="rId6"/>
-    <p:sldId id="261" r:id="rId7"/>
-    <p:sldId id="260" r:id="rId8"/>
-    <p:sldId id="262" r:id="rId9"/>
-    <p:sldId id="263" r:id="rId10"/>
-    <p:sldId id="266" r:id="rId11"/>
-    <p:sldId id="267" r:id="rId12"/>
-    <p:sldId id="268" r:id="rId13"/>
-    <p:sldId id="269" r:id="rId14"/>
-    <p:sldId id="270" r:id="rId15"/>
-    <p:sldId id="271" r:id="rId16"/>
-    <p:sldId id="287" r:id="rId17"/>
-    <p:sldId id="306" r:id="rId18"/>
-    <p:sldId id="318" r:id="rId19"/>
-    <p:sldId id="273" r:id="rId20"/>
-    <p:sldId id="274" r:id="rId21"/>
-    <p:sldId id="275" r:id="rId22"/>
-    <p:sldId id="276" r:id="rId23"/>
-    <p:sldId id="307" r:id="rId24"/>
-    <p:sldId id="308" r:id="rId25"/>
-    <p:sldId id="288" r:id="rId26"/>
-    <p:sldId id="281" r:id="rId27"/>
-    <p:sldId id="282" r:id="rId28"/>
-    <p:sldId id="312" r:id="rId29"/>
-    <p:sldId id="309" r:id="rId30"/>
-    <p:sldId id="310" r:id="rId31"/>
-    <p:sldId id="313" r:id="rId32"/>
-    <p:sldId id="311" r:id="rId33"/>
-    <p:sldId id="284" r:id="rId34"/>
-    <p:sldId id="289" r:id="rId35"/>
-    <p:sldId id="290" r:id="rId36"/>
-    <p:sldId id="291" r:id="rId37"/>
-    <p:sldId id="292" r:id="rId38"/>
-    <p:sldId id="293" r:id="rId39"/>
-    <p:sldId id="294" r:id="rId40"/>
-    <p:sldId id="295" r:id="rId41"/>
-    <p:sldId id="296" r:id="rId42"/>
-    <p:sldId id="297" r:id="rId43"/>
-    <p:sldId id="298" r:id="rId44"/>
-    <p:sldId id="299" r:id="rId45"/>
-    <p:sldId id="300" r:id="rId46"/>
-    <p:sldId id="301" r:id="rId47"/>
-    <p:sldId id="302" r:id="rId48"/>
-    <p:sldId id="303" r:id="rId49"/>
-    <p:sldId id="304" r:id="rId50"/>
-    <p:sldId id="305" r:id="rId51"/>
-    <p:sldId id="286" r:id="rId52"/>
-    <p:sldId id="314" r:id="rId53"/>
-    <p:sldId id="317" r:id="rId54"/>
-    <p:sldId id="316" r:id="rId55"/>
-    <p:sldId id="315" r:id="rId56"/>
+    <p:sldId id="322" r:id="rId6"/>
+    <p:sldId id="264" r:id="rId7"/>
+    <p:sldId id="261" r:id="rId8"/>
+    <p:sldId id="320" r:id="rId9"/>
+    <p:sldId id="260" r:id="rId10"/>
+    <p:sldId id="324" r:id="rId11"/>
+    <p:sldId id="325" r:id="rId12"/>
+    <p:sldId id="326" r:id="rId13"/>
+    <p:sldId id="262" r:id="rId14"/>
+    <p:sldId id="263" r:id="rId15"/>
+    <p:sldId id="266" r:id="rId16"/>
+    <p:sldId id="267" r:id="rId17"/>
+    <p:sldId id="268" r:id="rId18"/>
+    <p:sldId id="269" r:id="rId19"/>
+    <p:sldId id="270" r:id="rId20"/>
+    <p:sldId id="271" r:id="rId21"/>
+    <p:sldId id="287" r:id="rId22"/>
+    <p:sldId id="306" r:id="rId23"/>
+    <p:sldId id="318" r:id="rId24"/>
+    <p:sldId id="273" r:id="rId25"/>
+    <p:sldId id="274" r:id="rId26"/>
+    <p:sldId id="275" r:id="rId27"/>
+    <p:sldId id="276" r:id="rId28"/>
+    <p:sldId id="307" r:id="rId29"/>
+    <p:sldId id="308" r:id="rId30"/>
+    <p:sldId id="288" r:id="rId31"/>
+    <p:sldId id="281" r:id="rId32"/>
+    <p:sldId id="282" r:id="rId33"/>
+    <p:sldId id="312" r:id="rId34"/>
+    <p:sldId id="309" r:id="rId35"/>
+    <p:sldId id="310" r:id="rId36"/>
+    <p:sldId id="313" r:id="rId37"/>
+    <p:sldId id="311" r:id="rId38"/>
+    <p:sldId id="284" r:id="rId39"/>
+    <p:sldId id="289" r:id="rId40"/>
+    <p:sldId id="290" r:id="rId41"/>
+    <p:sldId id="291" r:id="rId42"/>
+    <p:sldId id="292" r:id="rId43"/>
+    <p:sldId id="293" r:id="rId44"/>
+    <p:sldId id="294" r:id="rId45"/>
+    <p:sldId id="295" r:id="rId46"/>
+    <p:sldId id="296" r:id="rId47"/>
+    <p:sldId id="297" r:id="rId48"/>
+    <p:sldId id="298" r:id="rId49"/>
+    <p:sldId id="299" r:id="rId50"/>
+    <p:sldId id="300" r:id="rId51"/>
+    <p:sldId id="301" r:id="rId52"/>
+    <p:sldId id="302" r:id="rId53"/>
+    <p:sldId id="303" r:id="rId54"/>
+    <p:sldId id="304" r:id="rId55"/>
+    <p:sldId id="305" r:id="rId56"/>
+    <p:sldId id="286" r:id="rId57"/>
+    <p:sldId id="314" r:id="rId58"/>
+    <p:sldId id="317" r:id="rId59"/>
+    <p:sldId id="316" r:id="rId60"/>
+    <p:sldId id="315" r:id="rId61"/>
   </p:sldIdLst>
   <p:sldSz cx="9144000" cy="6858000" type="screen4x3"/>
   <p:notesSz cx="6858000" cy="9144000"/>
@@ -246,7 +251,7 @@
           <a:p>
             <a:fld id="{BFEDCB8C-FB56-DE43-982A-7C4B50E01967}" type="datetimeFigureOut">
               <a:rPr lang="en-US" smtClean="0"/>
-              <a:t>9/9/12</a:t>
+              <a:t>9/30/12</a:t>
             </a:fld>
             <a:endParaRPr lang="en-US"/>
           </a:p>
@@ -587,7 +592,7 @@
           <a:p>
             <a:fld id="{B725E4AE-5682-8840-8073-D67EC27A52B4}" type="slidenum">
               <a:rPr lang="en-US" smtClean="0"/>
-              <a:t>12</a:t>
+              <a:t>17</a:t>
             </a:fld>
             <a:endParaRPr lang="en-US"/>
           </a:p>
@@ -678,7 +683,7 @@
           <a:p>
             <a:fld id="{ACB9D95B-D351-D448-828A-55A5AC13575E}" type="slidenum">
               <a:rPr lang="en-US" smtClean="0"/>
-              <a:t>44</a:t>
+              <a:t>49</a:t>
             </a:fld>
             <a:endParaRPr lang="en-US"/>
           </a:p>
@@ -770,7 +775,7 @@
           <a:p>
             <a:fld id="{ACB9D95B-D351-D448-828A-55A5AC13575E}" type="slidenum">
               <a:rPr lang="en-US" smtClean="0"/>
-              <a:t>45</a:t>
+              <a:t>50</a:t>
             </a:fld>
             <a:endParaRPr lang="en-US"/>
           </a:p>
@@ -858,7 +863,7 @@
           <a:p>
             <a:fld id="{ACB9D95B-D351-D448-828A-55A5AC13575E}" type="slidenum">
               <a:rPr lang="en-US" smtClean="0"/>
-              <a:t>48</a:t>
+              <a:t>53</a:t>
             </a:fld>
             <a:endParaRPr lang="en-US"/>
           </a:p>
@@ -946,7 +951,7 @@
           <a:p>
             <a:fld id="{ACB9D95B-D351-D448-828A-55A5AC13575E}" type="slidenum">
               <a:rPr lang="en-US" smtClean="0"/>
-              <a:t>49</a:t>
+              <a:t>54</a:t>
             </a:fld>
             <a:endParaRPr lang="en-US"/>
           </a:p>
@@ -1034,7 +1039,7 @@
           <a:p>
             <a:fld id="{ACB9D95B-D351-D448-828A-55A5AC13575E}" type="slidenum">
               <a:rPr lang="en-US" smtClean="0"/>
-              <a:t>50</a:t>
+              <a:t>55</a:t>
             </a:fld>
             <a:endParaRPr lang="en-US"/>
           </a:p>
@@ -1126,7 +1131,7 @@
           <a:p>
             <a:fld id="{A32864C9-CCE7-B240-96BF-80B66869E1E9}" type="slidenum">
               <a:rPr lang="en-US" smtClean="0"/>
-              <a:t>51</a:t>
+              <a:t>56</a:t>
             </a:fld>
             <a:endParaRPr lang="en-US"/>
           </a:p>
@@ -1222,7 +1227,7 @@
           <a:p>
             <a:fld id="{ACB9D95B-D351-D448-828A-55A5AC13575E}" type="slidenum">
               <a:rPr lang="en-US" smtClean="0"/>
-              <a:t>34</a:t>
+              <a:t>39</a:t>
             </a:fld>
             <a:endParaRPr lang="en-US"/>
           </a:p>
@@ -1320,7 +1325,7 @@
           <a:p>
             <a:fld id="{ACB9D95B-D351-D448-828A-55A5AC13575E}" type="slidenum">
               <a:rPr lang="en-US" smtClean="0"/>
-              <a:t>35</a:t>
+              <a:t>40</a:t>
             </a:fld>
             <a:endParaRPr lang="en-US"/>
           </a:p>
@@ -1420,7 +1425,7 @@
           <a:p>
             <a:fld id="{ACB9D95B-D351-D448-828A-55A5AC13575E}" type="slidenum">
               <a:rPr lang="en-US" smtClean="0"/>
-              <a:t>37</a:t>
+              <a:t>42</a:t>
             </a:fld>
             <a:endParaRPr lang="en-US"/>
           </a:p>
@@ -1511,7 +1516,7 @@
           <a:p>
             <a:fld id="{ACB9D95B-D351-D448-828A-55A5AC13575E}" type="slidenum">
               <a:rPr lang="en-US" smtClean="0"/>
-              <a:t>38</a:t>
+              <a:t>43</a:t>
             </a:fld>
             <a:endParaRPr lang="en-US"/>
           </a:p>
@@ -1610,7 +1615,7 @@
           <a:p>
             <a:fld id="{ACB9D95B-D351-D448-828A-55A5AC13575E}" type="slidenum">
               <a:rPr lang="en-US" smtClean="0"/>
-              <a:t>39</a:t>
+              <a:t>44</a:t>
             </a:fld>
             <a:endParaRPr lang="en-US"/>
           </a:p>
@@ -1698,7 +1703,7 @@
           <a:p>
             <a:fld id="{ACB9D95B-D351-D448-828A-55A5AC13575E}" type="slidenum">
               <a:rPr lang="en-US" smtClean="0"/>
-              <a:t>40</a:t>
+              <a:t>45</a:t>
             </a:fld>
             <a:endParaRPr lang="en-US"/>
           </a:p>
@@ -1786,7 +1791,7 @@
           <a:p>
             <a:fld id="{ACB9D95B-D351-D448-828A-55A5AC13575E}" type="slidenum">
               <a:rPr lang="en-US" smtClean="0"/>
-              <a:t>41</a:t>
+              <a:t>46</a:t>
             </a:fld>
             <a:endParaRPr lang="en-US"/>
           </a:p>
@@ -1900,7 +1905,7 @@
           <a:p>
             <a:fld id="{ACB9D95B-D351-D448-828A-55A5AC13575E}" type="slidenum">
               <a:rPr lang="en-US" smtClean="0"/>
-              <a:t>43</a:t>
+              <a:t>48</a:t>
             </a:fld>
             <a:endParaRPr lang="en-US"/>
           </a:p>
@@ -2100,7 +2105,7 @@
           <a:p>
             <a:fld id="{571FDF53-B6EF-134A-BB44-DD74DDE8C8BD}" type="datetimeFigureOut">
               <a:rPr lang="en-US" smtClean="0"/>
-              <a:t>9/9/12</a:t>
+              <a:t>9/30/12</a:t>
             </a:fld>
             <a:endParaRPr lang="en-US"/>
           </a:p>
@@ -2270,7 +2275,7 @@
           <a:p>
             <a:fld id="{571FDF53-B6EF-134A-BB44-DD74DDE8C8BD}" type="datetimeFigureOut">
               <a:rPr lang="en-US" smtClean="0"/>
-              <a:t>9/9/12</a:t>
+              <a:t>9/30/12</a:t>
             </a:fld>
             <a:endParaRPr lang="en-US"/>
           </a:p>
@@ -2450,7 +2455,7 @@
           <a:p>
             <a:fld id="{571FDF53-B6EF-134A-BB44-DD74DDE8C8BD}" type="datetimeFigureOut">
               <a:rPr lang="en-US" smtClean="0"/>
-              <a:t>9/9/12</a:t>
+              <a:t>9/30/12</a:t>
             </a:fld>
             <a:endParaRPr lang="en-US"/>
           </a:p>
@@ -2620,7 +2625,7 @@
           <a:p>
             <a:fld id="{571FDF53-B6EF-134A-BB44-DD74DDE8C8BD}" type="datetimeFigureOut">
               <a:rPr lang="en-US" smtClean="0"/>
-              <a:t>9/9/12</a:t>
+              <a:t>9/30/12</a:t>
             </a:fld>
             <a:endParaRPr lang="en-US"/>
           </a:p>
@@ -2866,7 +2871,7 @@
           <a:p>
             <a:fld id="{571FDF53-B6EF-134A-BB44-DD74DDE8C8BD}" type="datetimeFigureOut">
               <a:rPr lang="en-US" smtClean="0"/>
-              <a:t>9/9/12</a:t>
+              <a:t>9/30/12</a:t>
             </a:fld>
             <a:endParaRPr lang="en-US"/>
           </a:p>
@@ -3154,7 +3159,7 @@
           <a:p>
             <a:fld id="{571FDF53-B6EF-134A-BB44-DD74DDE8C8BD}" type="datetimeFigureOut">
               <a:rPr lang="en-US" smtClean="0"/>
-              <a:t>9/9/12</a:t>
+              <a:t>9/30/12</a:t>
             </a:fld>
             <a:endParaRPr lang="en-US"/>
           </a:p>
@@ -3576,7 +3581,7 @@
           <a:p>
             <a:fld id="{571FDF53-B6EF-134A-BB44-DD74DDE8C8BD}" type="datetimeFigureOut">
               <a:rPr lang="en-US" smtClean="0"/>
-              <a:t>9/9/12</a:t>
+              <a:t>9/30/12</a:t>
             </a:fld>
             <a:endParaRPr lang="en-US"/>
           </a:p>
@@ -3694,7 +3699,7 @@
           <a:p>
             <a:fld id="{571FDF53-B6EF-134A-BB44-DD74DDE8C8BD}" type="datetimeFigureOut">
               <a:rPr lang="en-US" smtClean="0"/>
-              <a:t>9/9/12</a:t>
+              <a:t>9/30/12</a:t>
             </a:fld>
             <a:endParaRPr lang="en-US"/>
           </a:p>
@@ -3789,7 +3794,7 @@
           <a:p>
             <a:fld id="{571FDF53-B6EF-134A-BB44-DD74DDE8C8BD}" type="datetimeFigureOut">
               <a:rPr lang="en-US" smtClean="0"/>
-              <a:t>9/9/12</a:t>
+              <a:t>9/30/12</a:t>
             </a:fld>
             <a:endParaRPr lang="en-US"/>
           </a:p>
@@ -4066,7 +4071,7 @@
           <a:p>
             <a:fld id="{571FDF53-B6EF-134A-BB44-DD74DDE8C8BD}" type="datetimeFigureOut">
               <a:rPr lang="en-US" smtClean="0"/>
-              <a:t>9/9/12</a:t>
+              <a:t>9/30/12</a:t>
             </a:fld>
             <a:endParaRPr lang="en-US"/>
           </a:p>
@@ -4319,7 +4324,7 @@
           <a:p>
             <a:fld id="{571FDF53-B6EF-134A-BB44-DD74DDE8C8BD}" type="datetimeFigureOut">
               <a:rPr lang="en-US" smtClean="0"/>
-              <a:t>9/9/12</a:t>
+              <a:t>9/30/12</a:t>
             </a:fld>
             <a:endParaRPr lang="en-US"/>
           </a:p>
@@ -4532,7 +4537,7 @@
           <a:p>
             <a:fld id="{571FDF53-B6EF-134A-BB44-DD74DDE8C8BD}" type="datetimeFigureOut">
               <a:rPr lang="en-US" smtClean="0"/>
-              <a:t>9/9/12</a:t>
+              <a:t>9/30/12</a:t>
             </a:fld>
             <a:endParaRPr lang="en-US"/>
           </a:p>
@@ -5019,13 +5024,16 @@
         </p:nvSpPr>
         <p:spPr/>
         <p:txBody>
-          <a:bodyPr/>
-          <a:lstStyle/>
-          <a:p>
-            <a:r>
-              <a:rPr lang="en-US" dirty="0"/>
-              <a:t>Strong consistency</a:t>
-            </a:r>
+          <a:bodyPr>
+            <a:normAutofit/>
+          </a:bodyPr>
+          <a:lstStyle/>
+          <a:p>
+            <a:r>
+              <a:rPr lang="en-US" dirty="0" smtClean="0"/>
+              <a:t>Anomalies</a:t>
+            </a:r>
+            <a:endParaRPr lang="en-US" dirty="0"/>
           </a:p>
         </p:txBody>
       </p:sp>
@@ -5039,43 +5047,1598 @@
             <p:ph idx="1"/>
           </p:nvPr>
         </p:nvSpPr>
-        <p:spPr/>
+        <p:spPr>
+          <a:xfrm>
+            <a:off x="457200" y="1600201"/>
+            <a:ext cx="8229600" cy="717444"/>
+          </a:xfrm>
+        </p:spPr>
         <p:txBody>
           <a:bodyPr/>
           <a:lstStyle/>
           <a:p>
+            <a:pPr marL="0" indent="0">
+              <a:buNone/>
+            </a:pPr>
             <a:r>
               <a:rPr lang="en-US" dirty="0" smtClean="0"/>
-              <a:t>Reads that could witness replication </a:t>
-            </a:r>
-            <a:r>
-              <a:rPr lang="en-US" i="1" dirty="0" smtClean="0"/>
-              <a:t>block</a:t>
-            </a:r>
-          </a:p>
-          <a:p>
-            <a:r>
-              <a:rPr lang="en-US" dirty="0" smtClean="0"/>
-              <a:t>Concurrent writes </a:t>
-            </a:r>
-            <a:r>
-              <a:rPr lang="en-US" i="1" dirty="0" smtClean="0"/>
-              <a:t>take turns</a:t>
-            </a:r>
-            <a:endParaRPr lang="en-US" i="1" dirty="0"/>
+              <a:t>Stale reads</a:t>
+            </a:r>
+            <a:endParaRPr lang="en-US" dirty="0" smtClean="0"/>
+          </a:p>
+          <a:p>
+            <a:pPr marL="0" indent="0">
+              <a:buNone/>
+            </a:pPr>
+            <a:endParaRPr lang="en-US" dirty="0"/>
+          </a:p>
+          <a:p>
+            <a:pPr marL="0" indent="0">
+              <a:buNone/>
+            </a:pPr>
+            <a:endParaRPr lang="en-US" dirty="0" smtClean="0"/>
+          </a:p>
+          <a:p>
+            <a:pPr marL="0" indent="0">
+              <a:buNone/>
+            </a:pPr>
+            <a:endParaRPr lang="en-US" dirty="0"/>
+          </a:p>
+        </p:txBody>
+      </p:sp>
+      <p:sp>
+        <p:nvSpPr>
+          <p:cNvPr id="4" name="Can 3"/>
+          <p:cNvSpPr/>
+          <p:nvPr/>
+        </p:nvSpPr>
+        <p:spPr>
+          <a:xfrm>
+            <a:off x="3997096" y="2579524"/>
+            <a:ext cx="1492631" cy="1780789"/>
+          </a:xfrm>
+          <a:prstGeom prst="can">
+            <a:avLst/>
+          </a:prstGeom>
+          <a:solidFill>
+            <a:schemeClr val="bg1"/>
+          </a:solidFill>
+          <a:ln>
+            <a:solidFill>
+              <a:schemeClr val="accent2">
+                <a:lumMod val="75000"/>
+              </a:schemeClr>
+            </a:solidFill>
+          </a:ln>
+        </p:spPr>
+        <p:style>
+          <a:lnRef idx="1">
+            <a:schemeClr val="accent1"/>
+          </a:lnRef>
+          <a:fillRef idx="3">
+            <a:schemeClr val="accent1"/>
+          </a:fillRef>
+          <a:effectRef idx="2">
+            <a:schemeClr val="accent1"/>
+          </a:effectRef>
+          <a:fontRef idx="minor">
+            <a:schemeClr val="lt1"/>
+          </a:fontRef>
+        </p:style>
+        <p:txBody>
+          <a:bodyPr rtlCol="0" anchor="ctr"/>
+          <a:lstStyle/>
+          <a:p>
+            <a:pPr algn="ctr"/>
+            <a:endParaRPr lang="en-US" dirty="0"/>
+          </a:p>
+        </p:txBody>
+      </p:sp>
+      <p:sp>
+        <p:nvSpPr>
+          <p:cNvPr id="5" name="Can 4"/>
+          <p:cNvSpPr/>
+          <p:nvPr/>
+        </p:nvSpPr>
+        <p:spPr>
+          <a:xfrm>
+            <a:off x="5489727" y="4761500"/>
+            <a:ext cx="1492631" cy="1780789"/>
+          </a:xfrm>
+          <a:prstGeom prst="can">
+            <a:avLst/>
+          </a:prstGeom>
+          <a:solidFill>
+            <a:schemeClr val="bg1"/>
+          </a:solidFill>
+          <a:ln>
+            <a:solidFill>
+              <a:schemeClr val="accent2">
+                <a:lumMod val="75000"/>
+              </a:schemeClr>
+            </a:solidFill>
+          </a:ln>
+        </p:spPr>
+        <p:style>
+          <a:lnRef idx="1">
+            <a:schemeClr val="accent1"/>
+          </a:lnRef>
+          <a:fillRef idx="3">
+            <a:schemeClr val="accent1"/>
+          </a:fillRef>
+          <a:effectRef idx="2">
+            <a:schemeClr val="accent1"/>
+          </a:effectRef>
+          <a:fontRef idx="minor">
+            <a:schemeClr val="lt1"/>
+          </a:fontRef>
+        </p:style>
+        <p:txBody>
+          <a:bodyPr rtlCol="0" anchor="ctr"/>
+          <a:lstStyle/>
+          <a:p>
+            <a:pPr algn="ctr"/>
+            <a:endParaRPr lang="en-US"/>
+          </a:p>
+        </p:txBody>
+      </p:sp>
+      <p:sp>
+        <p:nvSpPr>
+          <p:cNvPr id="6" name="Can 5"/>
+          <p:cNvSpPr/>
+          <p:nvPr/>
+        </p:nvSpPr>
+        <p:spPr>
+          <a:xfrm>
+            <a:off x="6982358" y="2579524"/>
+            <a:ext cx="1492631" cy="1780789"/>
+          </a:xfrm>
+          <a:prstGeom prst="can">
+            <a:avLst/>
+          </a:prstGeom>
+          <a:solidFill>
+            <a:schemeClr val="bg1"/>
+          </a:solidFill>
+          <a:ln>
+            <a:solidFill>
+              <a:schemeClr val="accent2">
+                <a:lumMod val="75000"/>
+              </a:schemeClr>
+            </a:solidFill>
+          </a:ln>
+        </p:spPr>
+        <p:style>
+          <a:lnRef idx="1">
+            <a:schemeClr val="accent1"/>
+          </a:lnRef>
+          <a:fillRef idx="3">
+            <a:schemeClr val="accent1"/>
+          </a:fillRef>
+          <a:effectRef idx="2">
+            <a:schemeClr val="accent1"/>
+          </a:effectRef>
+          <a:fontRef idx="minor">
+            <a:schemeClr val="lt1"/>
+          </a:fontRef>
+        </p:style>
+        <p:txBody>
+          <a:bodyPr rtlCol="0" anchor="ctr"/>
+          <a:lstStyle/>
+          <a:p>
+            <a:pPr algn="ctr"/>
+            <a:endParaRPr lang="en-US"/>
+          </a:p>
+        </p:txBody>
+      </p:sp>
+      <p:pic>
+        <p:nvPicPr>
+          <p:cNvPr id="9" name="Picture 8" descr="clipart_computer.gif"/>
+          <p:cNvPicPr>
+            <a:picLocks noChangeAspect="1"/>
+          </p:cNvPicPr>
+          <p:nvPr/>
+        </p:nvPicPr>
+        <p:blipFill>
+          <a:blip r:embed="rId2">
+            <a:extLst>
+              <a:ext uri="{28A0092B-C50C-407E-A947-70E740481C1C}">
+                <a14:useLocalDpi xmlns:a14="http://schemas.microsoft.com/office/drawing/2010/main" val="0"/>
+              </a:ext>
+            </a:extLst>
+          </a:blip>
+          <a:stretch>
+            <a:fillRect/>
+          </a:stretch>
+        </p:blipFill>
+        <p:spPr>
+          <a:xfrm>
+            <a:off x="653599" y="2963903"/>
+            <a:ext cx="1271109" cy="951213"/>
+          </a:xfrm>
+          <a:prstGeom prst="rect">
+            <a:avLst/>
+          </a:prstGeom>
+        </p:spPr>
+      </p:pic>
+      <p:grpSp>
+        <p:nvGrpSpPr>
+          <p:cNvPr id="28" name="Group 27"/>
+          <p:cNvGrpSpPr/>
+          <p:nvPr/>
+        </p:nvGrpSpPr>
+        <p:grpSpPr>
+          <a:xfrm>
+            <a:off x="5547351" y="3352072"/>
+            <a:ext cx="1305670" cy="1270122"/>
+            <a:chOff x="5489727" y="3352072"/>
+            <a:chExt cx="1305670" cy="1270122"/>
+          </a:xfrm>
+        </p:grpSpPr>
+        <p:cxnSp>
+          <p:nvCxnSpPr>
+            <p:cNvPr id="22" name="Straight Arrow Connector 21"/>
+            <p:cNvCxnSpPr/>
+            <p:nvPr/>
+          </p:nvCxnSpPr>
+          <p:spPr>
+            <a:xfrm>
+              <a:off x="5489727" y="3352072"/>
+              <a:ext cx="1305670" cy="0"/>
+            </a:xfrm>
+            <a:prstGeom prst="straightConnector1">
+              <a:avLst/>
+            </a:prstGeom>
+            <a:ln>
+              <a:solidFill>
+                <a:schemeClr val="bg1">
+                  <a:lumMod val="50000"/>
+                </a:schemeClr>
+              </a:solidFill>
+              <a:headEnd type="arrow"/>
+              <a:tailEnd type="arrow"/>
+            </a:ln>
+          </p:spPr>
+          <p:style>
+            <a:lnRef idx="2">
+              <a:schemeClr val="accent1"/>
+            </a:lnRef>
+            <a:fillRef idx="0">
+              <a:schemeClr val="accent1"/>
+            </a:fillRef>
+            <a:effectRef idx="1">
+              <a:schemeClr val="accent1"/>
+            </a:effectRef>
+            <a:fontRef idx="minor">
+              <a:schemeClr val="tx1"/>
+            </a:fontRef>
+          </p:style>
+        </p:cxnSp>
+        <p:cxnSp>
+          <p:nvCxnSpPr>
+            <p:cNvPr id="24" name="Straight Arrow Connector 23"/>
+            <p:cNvCxnSpPr/>
+            <p:nvPr/>
+          </p:nvCxnSpPr>
+          <p:spPr>
+            <a:xfrm>
+              <a:off x="5489727" y="3504472"/>
+              <a:ext cx="616448" cy="1117722"/>
+            </a:xfrm>
+            <a:prstGeom prst="straightConnector1">
+              <a:avLst/>
+            </a:prstGeom>
+            <a:ln>
+              <a:solidFill>
+                <a:schemeClr val="bg1">
+                  <a:lumMod val="50000"/>
+                </a:schemeClr>
+              </a:solidFill>
+              <a:headEnd type="arrow"/>
+              <a:tailEnd type="arrow"/>
+            </a:ln>
+          </p:spPr>
+          <p:style>
+            <a:lnRef idx="2">
+              <a:schemeClr val="accent1"/>
+            </a:lnRef>
+            <a:fillRef idx="0">
+              <a:schemeClr val="accent1"/>
+            </a:fillRef>
+            <a:effectRef idx="1">
+              <a:schemeClr val="accent1"/>
+            </a:effectRef>
+            <a:fontRef idx="minor">
+              <a:schemeClr val="tx1"/>
+            </a:fontRef>
+          </p:style>
+        </p:cxnSp>
+        <p:cxnSp>
+          <p:nvCxnSpPr>
+            <p:cNvPr id="26" name="Straight Arrow Connector 25"/>
+            <p:cNvCxnSpPr/>
+            <p:nvPr/>
+          </p:nvCxnSpPr>
+          <p:spPr>
+            <a:xfrm flipH="1">
+              <a:off x="6200186" y="3500289"/>
+              <a:ext cx="595211" cy="1121905"/>
+            </a:xfrm>
+            <a:prstGeom prst="straightConnector1">
+              <a:avLst/>
+            </a:prstGeom>
+            <a:ln>
+              <a:solidFill>
+                <a:schemeClr val="bg1">
+                  <a:lumMod val="50000"/>
+                </a:schemeClr>
+              </a:solidFill>
+              <a:headEnd type="arrow"/>
+              <a:tailEnd type="arrow"/>
+            </a:ln>
+          </p:spPr>
+          <p:style>
+            <a:lnRef idx="2">
+              <a:schemeClr val="accent1"/>
+            </a:lnRef>
+            <a:fillRef idx="0">
+              <a:schemeClr val="accent1"/>
+            </a:fillRef>
+            <a:effectRef idx="1">
+              <a:schemeClr val="accent1"/>
+            </a:effectRef>
+            <a:fontRef idx="minor">
+              <a:schemeClr val="tx1"/>
+            </a:fontRef>
+          </p:style>
+        </p:cxnSp>
+      </p:grpSp>
+      <p:grpSp>
+        <p:nvGrpSpPr>
+          <p:cNvPr id="33" name="Group 32"/>
+          <p:cNvGrpSpPr/>
+          <p:nvPr/>
+        </p:nvGrpSpPr>
+        <p:grpSpPr>
+          <a:xfrm>
+            <a:off x="2029454" y="3191162"/>
+            <a:ext cx="1866368" cy="313310"/>
+            <a:chOff x="2029454" y="3191162"/>
+            <a:chExt cx="1866368" cy="313310"/>
+          </a:xfrm>
+        </p:grpSpPr>
+        <p:cxnSp>
+          <p:nvCxnSpPr>
+            <p:cNvPr id="31" name="Straight Arrow Connector 30"/>
+            <p:cNvCxnSpPr/>
+            <p:nvPr/>
+          </p:nvCxnSpPr>
+          <p:spPr>
+            <a:xfrm>
+              <a:off x="2029454" y="3500289"/>
+              <a:ext cx="1833055" cy="4183"/>
+            </a:xfrm>
+            <a:prstGeom prst="straightConnector1">
+              <a:avLst/>
+            </a:prstGeom>
+            <a:ln>
+              <a:solidFill>
+                <a:schemeClr val="tx1"/>
+              </a:solidFill>
+              <a:tailEnd type="arrow"/>
+            </a:ln>
+          </p:spPr>
+          <p:style>
+            <a:lnRef idx="2">
+              <a:schemeClr val="accent1"/>
+            </a:lnRef>
+            <a:fillRef idx="0">
+              <a:schemeClr val="accent1"/>
+            </a:fillRef>
+            <a:effectRef idx="1">
+              <a:schemeClr val="accent1"/>
+            </a:effectRef>
+            <a:fontRef idx="minor">
+              <a:schemeClr val="tx1"/>
+            </a:fontRef>
+          </p:style>
+        </p:cxnSp>
+        <p:sp>
+          <p:nvSpPr>
+            <p:cNvPr id="32" name="TextBox 31"/>
+            <p:cNvSpPr txBox="1"/>
+            <p:nvPr/>
+          </p:nvSpPr>
+          <p:spPr>
+            <a:xfrm>
+              <a:off x="2094803" y="3191162"/>
+              <a:ext cx="1801019" cy="307777"/>
+            </a:xfrm>
+            <a:prstGeom prst="rect">
+              <a:avLst/>
+            </a:prstGeom>
+            <a:noFill/>
+          </p:spPr>
+          <p:txBody>
+            <a:bodyPr wrap="none" rtlCol="0">
+              <a:spAutoFit/>
+            </a:bodyPr>
+            <a:lstStyle/>
+            <a:p>
+              <a:r>
+                <a:rPr lang="en-US" sz="1400" dirty="0" smtClean="0"/>
+                <a:t>put(“dinner”, “pasta”)</a:t>
+              </a:r>
+              <a:endParaRPr lang="en-US" sz="1400" dirty="0"/>
+            </a:p>
+          </p:txBody>
+        </p:sp>
+      </p:grpSp>
+      <p:sp>
+        <p:nvSpPr>
+          <p:cNvPr id="34" name="TextBox 33"/>
+          <p:cNvSpPr txBox="1"/>
+          <p:nvPr/>
+        </p:nvSpPr>
+        <p:spPr>
+          <a:xfrm>
+            <a:off x="4176747" y="3352072"/>
+            <a:ext cx="1210863" cy="307777"/>
+          </a:xfrm>
+          <a:prstGeom prst="rect">
+            <a:avLst/>
+          </a:prstGeom>
+          <a:noFill/>
+        </p:spPr>
+        <p:txBody>
+          <a:bodyPr wrap="none" rtlCol="0">
+            <a:spAutoFit/>
+          </a:bodyPr>
+          <a:lstStyle/>
+          <a:p>
+            <a:r>
+              <a:rPr lang="en-US" sz="1400" dirty="0"/>
+              <a:t>Dinner = pizza</a:t>
+            </a:r>
+            <a:endParaRPr lang="en-US" sz="1400" dirty="0"/>
+          </a:p>
+        </p:txBody>
+      </p:sp>
+      <p:sp>
+        <p:nvSpPr>
+          <p:cNvPr id="35" name="TextBox 34"/>
+          <p:cNvSpPr txBox="1"/>
+          <p:nvPr/>
+        </p:nvSpPr>
+        <p:spPr>
+          <a:xfrm>
+            <a:off x="5652378" y="5583107"/>
+            <a:ext cx="1210863" cy="307777"/>
+          </a:xfrm>
+          <a:prstGeom prst="rect">
+            <a:avLst/>
+          </a:prstGeom>
+          <a:noFill/>
+        </p:spPr>
+        <p:txBody>
+          <a:bodyPr wrap="none" rtlCol="0">
+            <a:spAutoFit/>
+          </a:bodyPr>
+          <a:lstStyle/>
+          <a:p>
+            <a:r>
+              <a:rPr lang="en-US" sz="1400" dirty="0"/>
+              <a:t>Dinner = pizza</a:t>
+            </a:r>
+            <a:endParaRPr lang="en-US" sz="1400" dirty="0"/>
+          </a:p>
+        </p:txBody>
+      </p:sp>
+      <p:sp>
+        <p:nvSpPr>
+          <p:cNvPr id="36" name="TextBox 35"/>
+          <p:cNvSpPr txBox="1"/>
+          <p:nvPr/>
+        </p:nvSpPr>
+        <p:spPr>
+          <a:xfrm>
+            <a:off x="7165665" y="3394186"/>
+            <a:ext cx="1210863" cy="307777"/>
+          </a:xfrm>
+          <a:prstGeom prst="rect">
+            <a:avLst/>
+          </a:prstGeom>
+          <a:noFill/>
+        </p:spPr>
+        <p:txBody>
+          <a:bodyPr wrap="none" rtlCol="0">
+            <a:spAutoFit/>
+          </a:bodyPr>
+          <a:lstStyle/>
+          <a:p>
+            <a:r>
+              <a:rPr lang="en-US" sz="1400" dirty="0"/>
+              <a:t>Dinner = pizza</a:t>
+            </a:r>
+            <a:endParaRPr lang="en-US" sz="1400" dirty="0"/>
+          </a:p>
+        </p:txBody>
+      </p:sp>
+      <p:cxnSp>
+        <p:nvCxnSpPr>
+          <p:cNvPr id="38" name="Straight Arrow Connector 37"/>
+          <p:cNvCxnSpPr/>
+          <p:nvPr/>
+        </p:nvCxnSpPr>
+        <p:spPr>
+          <a:xfrm>
+            <a:off x="2016243" y="3626639"/>
+            <a:ext cx="3328502" cy="1548714"/>
+          </a:xfrm>
+          <a:prstGeom prst="straightConnector1">
+            <a:avLst/>
+          </a:prstGeom>
+          <a:ln>
+            <a:solidFill>
+              <a:schemeClr val="tx1"/>
+            </a:solidFill>
+            <a:tailEnd type="arrow"/>
+          </a:ln>
+        </p:spPr>
+        <p:style>
+          <a:lnRef idx="2">
+            <a:schemeClr val="accent1"/>
+          </a:lnRef>
+          <a:fillRef idx="0">
+            <a:schemeClr val="accent1"/>
+          </a:fillRef>
+          <a:effectRef idx="1">
+            <a:schemeClr val="accent1"/>
+          </a:effectRef>
+          <a:fontRef idx="minor">
+            <a:schemeClr val="tx1"/>
+          </a:fontRef>
+        </p:style>
+      </p:cxnSp>
+      <p:sp>
+        <p:nvSpPr>
+          <p:cNvPr id="39" name="TextBox 38"/>
+          <p:cNvSpPr txBox="1"/>
+          <p:nvPr/>
+        </p:nvSpPr>
+        <p:spPr>
+          <a:xfrm>
+            <a:off x="2675297" y="4360313"/>
+            <a:ext cx="1153882" cy="307777"/>
+          </a:xfrm>
+          <a:prstGeom prst="rect">
+            <a:avLst/>
+          </a:prstGeom>
+          <a:noFill/>
+        </p:spPr>
+        <p:txBody>
+          <a:bodyPr wrap="none" rtlCol="0">
+            <a:spAutoFit/>
+          </a:bodyPr>
+          <a:lstStyle/>
+          <a:p>
+            <a:r>
+              <a:rPr lang="en-US" sz="1400" dirty="0" smtClean="0"/>
+              <a:t>get(“dinner”)</a:t>
+            </a:r>
+            <a:endParaRPr lang="en-US" sz="1400" dirty="0"/>
+          </a:p>
+        </p:txBody>
+      </p:sp>
+      <p:cxnSp>
+        <p:nvCxnSpPr>
+          <p:cNvPr id="41" name="Straight Arrow Connector 40"/>
+          <p:cNvCxnSpPr/>
+          <p:nvPr/>
+        </p:nvCxnSpPr>
+        <p:spPr>
+          <a:xfrm flipH="1" flipV="1">
+            <a:off x="1414071" y="4163903"/>
+            <a:ext cx="3839142" cy="1920096"/>
+          </a:xfrm>
+          <a:prstGeom prst="straightConnector1">
+            <a:avLst/>
+          </a:prstGeom>
+          <a:ln>
+            <a:solidFill>
+              <a:schemeClr val="tx1"/>
+            </a:solidFill>
+            <a:tailEnd type="arrow"/>
+          </a:ln>
+        </p:spPr>
+        <p:style>
+          <a:lnRef idx="2">
+            <a:schemeClr val="accent1"/>
+          </a:lnRef>
+          <a:fillRef idx="0">
+            <a:schemeClr val="accent1"/>
+          </a:fillRef>
+          <a:effectRef idx="1">
+            <a:schemeClr val="accent1"/>
+          </a:effectRef>
+          <a:fontRef idx="minor">
+            <a:schemeClr val="tx1"/>
+          </a:fontRef>
+        </p:style>
+      </p:cxnSp>
+      <p:sp>
+        <p:nvSpPr>
+          <p:cNvPr id="45" name="TextBox 44"/>
+          <p:cNvSpPr txBox="1"/>
+          <p:nvPr/>
+        </p:nvSpPr>
+        <p:spPr>
+          <a:xfrm>
+            <a:off x="2807905" y="5164011"/>
+            <a:ext cx="695135" cy="307777"/>
+          </a:xfrm>
+          <a:prstGeom prst="rect">
+            <a:avLst/>
+          </a:prstGeom>
+          <a:noFill/>
+        </p:spPr>
+        <p:txBody>
+          <a:bodyPr wrap="none" rtlCol="0">
+            <a:spAutoFit/>
+          </a:bodyPr>
+          <a:lstStyle/>
+          <a:p>
+            <a:r>
+              <a:rPr lang="en-US" sz="1400" dirty="0" smtClean="0"/>
+              <a:t>“pizza”</a:t>
+            </a:r>
+            <a:endParaRPr lang="en-US" sz="1400" dirty="0"/>
+          </a:p>
+        </p:txBody>
+      </p:sp>
+      <p:sp>
+        <p:nvSpPr>
+          <p:cNvPr id="23" name="TextBox 22"/>
+          <p:cNvSpPr txBox="1"/>
+          <p:nvPr/>
+        </p:nvSpPr>
+        <p:spPr>
+          <a:xfrm>
+            <a:off x="4176747" y="3345050"/>
+            <a:ext cx="1244176" cy="307777"/>
+          </a:xfrm>
+          <a:prstGeom prst="rect">
+            <a:avLst/>
+          </a:prstGeom>
+          <a:noFill/>
+        </p:spPr>
+        <p:txBody>
+          <a:bodyPr wrap="none" rtlCol="0">
+            <a:spAutoFit/>
+          </a:bodyPr>
+          <a:lstStyle/>
+          <a:p>
+            <a:r>
+              <a:rPr lang="en-US" sz="1400" dirty="0"/>
+              <a:t>Dinner = </a:t>
+            </a:r>
+            <a:r>
+              <a:rPr lang="en-US" sz="1400" dirty="0" smtClean="0"/>
+              <a:t>pasta</a:t>
+            </a:r>
+            <a:endParaRPr lang="en-US" sz="1400" dirty="0"/>
+          </a:p>
+        </p:txBody>
+      </p:sp>
+      <p:sp>
+        <p:nvSpPr>
+          <p:cNvPr id="37" name="TextBox 36"/>
+          <p:cNvSpPr txBox="1"/>
+          <p:nvPr/>
+        </p:nvSpPr>
+        <p:spPr>
+          <a:xfrm>
+            <a:off x="7132352" y="3394186"/>
+            <a:ext cx="1244176" cy="307777"/>
+          </a:xfrm>
+          <a:prstGeom prst="rect">
+            <a:avLst/>
+          </a:prstGeom>
+          <a:noFill/>
+        </p:spPr>
+        <p:txBody>
+          <a:bodyPr wrap="none" rtlCol="0">
+            <a:spAutoFit/>
+          </a:bodyPr>
+          <a:lstStyle/>
+          <a:p>
+            <a:r>
+              <a:rPr lang="en-US" sz="1400" dirty="0"/>
+              <a:t>Dinner = </a:t>
+            </a:r>
+            <a:r>
+              <a:rPr lang="en-US" sz="1400" dirty="0" smtClean="0"/>
+              <a:t>pasta</a:t>
+            </a:r>
+            <a:endParaRPr lang="en-US" sz="1400" dirty="0"/>
+          </a:p>
+        </p:txBody>
+      </p:sp>
+      <p:sp>
+        <p:nvSpPr>
+          <p:cNvPr id="40" name="TextBox 39"/>
+          <p:cNvSpPr txBox="1"/>
+          <p:nvPr/>
+        </p:nvSpPr>
+        <p:spPr>
+          <a:xfrm>
+            <a:off x="5619065" y="5583107"/>
+            <a:ext cx="1244176" cy="307777"/>
+          </a:xfrm>
+          <a:prstGeom prst="rect">
+            <a:avLst/>
+          </a:prstGeom>
+          <a:noFill/>
+        </p:spPr>
+        <p:txBody>
+          <a:bodyPr wrap="none" rtlCol="0">
+            <a:spAutoFit/>
+          </a:bodyPr>
+          <a:lstStyle/>
+          <a:p>
+            <a:r>
+              <a:rPr lang="en-US" sz="1400" dirty="0"/>
+              <a:t>Dinner = </a:t>
+            </a:r>
+            <a:r>
+              <a:rPr lang="en-US" sz="1400" dirty="0" smtClean="0"/>
+              <a:t>pasta</a:t>
+            </a:r>
+            <a:endParaRPr lang="en-US" sz="1400" dirty="0"/>
+          </a:p>
+        </p:txBody>
+      </p:sp>
+      <p:sp>
+        <p:nvSpPr>
+          <p:cNvPr id="13" name="TextBox 12"/>
+          <p:cNvSpPr txBox="1"/>
+          <p:nvPr/>
+        </p:nvSpPr>
+        <p:spPr>
+          <a:xfrm>
+            <a:off x="1073647" y="2197944"/>
+            <a:ext cx="446131" cy="769441"/>
+          </a:xfrm>
+          <a:prstGeom prst="rect">
+            <a:avLst/>
+          </a:prstGeom>
+          <a:noFill/>
+        </p:spPr>
+        <p:txBody>
+          <a:bodyPr wrap="none" rtlCol="0">
+            <a:spAutoFit/>
+          </a:bodyPr>
+          <a:lstStyle/>
+          <a:p>
+            <a:r>
+              <a:rPr lang="en-US" sz="4400" dirty="0" smtClean="0"/>
+              <a:t>?</a:t>
+            </a:r>
+            <a:endParaRPr lang="en-US" sz="4400" dirty="0"/>
           </a:p>
         </p:txBody>
       </p:sp>
     </p:spTree>
     <p:extLst>
       <p:ext uri="{BB962C8B-B14F-4D97-AF65-F5344CB8AC3E}">
-        <p14:creationId xmlns:p14="http://schemas.microsoft.com/office/powerpoint/2010/main" val="2217378949"/>
+        <p14:creationId xmlns:p14="http://schemas.microsoft.com/office/powerpoint/2010/main" val="288813263"/>
       </p:ext>
     </p:extLst>
   </p:cSld>
   <p:clrMapOvr>
     <a:masterClrMapping/>
   </p:clrMapOvr>
+  <p:timing>
+    <p:tnLst>
+      <p:par>
+        <p:cTn xmlns:p14="http://schemas.microsoft.com/office/powerpoint/2010/main" id="1" dur="indefinite" restart="never" nodeType="tmRoot">
+          <p:childTnLst>
+            <p:seq concurrent="1" nextAc="seek">
+              <p:cTn id="2" dur="indefinite" nodeType="mainSeq">
+                <p:childTnLst>
+                  <p:par>
+                    <p:cTn id="3" fill="hold">
+                      <p:stCondLst>
+                        <p:cond delay="indefinite"/>
+                      </p:stCondLst>
+                      <p:childTnLst>
+                        <p:par>
+                          <p:cTn id="4" fill="hold">
+                            <p:stCondLst>
+                              <p:cond delay="0"/>
+                            </p:stCondLst>
+                            <p:childTnLst>
+                              <p:par>
+                                <p:cTn id="5" presetID="9" presetClass="entr" presetSubtype="0" fill="hold" nodeType="clickEffect">
+                                  <p:stCondLst>
+                                    <p:cond delay="0"/>
+                                  </p:stCondLst>
+                                  <p:childTnLst>
+                                    <p:set>
+                                      <p:cBhvr>
+                                        <p:cTn id="6" dur="1" fill="hold">
+                                          <p:stCondLst>
+                                            <p:cond delay="0"/>
+                                          </p:stCondLst>
+                                        </p:cTn>
+                                        <p:tgtEl>
+                                          <p:spTgt spid="9"/>
+                                        </p:tgtEl>
+                                        <p:attrNameLst>
+                                          <p:attrName>style.visibility</p:attrName>
+                                        </p:attrNameLst>
+                                      </p:cBhvr>
+                                      <p:to>
+                                        <p:strVal val="visible"/>
+                                      </p:to>
+                                    </p:set>
+                                    <p:animEffect transition="in" filter="dissolve">
+                                      <p:cBhvr>
+                                        <p:cTn id="7" dur="500"/>
+                                        <p:tgtEl>
+                                          <p:spTgt spid="9"/>
+                                        </p:tgtEl>
+                                      </p:cBhvr>
+                                    </p:animEffect>
+                                  </p:childTnLst>
+                                </p:cTn>
+                              </p:par>
+                            </p:childTnLst>
+                          </p:cTn>
+                        </p:par>
+                      </p:childTnLst>
+                    </p:cTn>
+                  </p:par>
+                  <p:par>
+                    <p:cTn id="8" fill="hold">
+                      <p:stCondLst>
+                        <p:cond delay="indefinite"/>
+                      </p:stCondLst>
+                      <p:childTnLst>
+                        <p:par>
+                          <p:cTn id="9" fill="hold">
+                            <p:stCondLst>
+                              <p:cond delay="0"/>
+                            </p:stCondLst>
+                            <p:childTnLst>
+                              <p:par>
+                                <p:cTn id="10" presetID="9" presetClass="entr" presetSubtype="0" fill="hold" nodeType="clickEffect">
+                                  <p:stCondLst>
+                                    <p:cond delay="0"/>
+                                  </p:stCondLst>
+                                  <p:childTnLst>
+                                    <p:set>
+                                      <p:cBhvr>
+                                        <p:cTn id="11" dur="1" fill="hold">
+                                          <p:stCondLst>
+                                            <p:cond delay="0"/>
+                                          </p:stCondLst>
+                                        </p:cTn>
+                                        <p:tgtEl>
+                                          <p:spTgt spid="33"/>
+                                        </p:tgtEl>
+                                        <p:attrNameLst>
+                                          <p:attrName>style.visibility</p:attrName>
+                                        </p:attrNameLst>
+                                      </p:cBhvr>
+                                      <p:to>
+                                        <p:strVal val="visible"/>
+                                      </p:to>
+                                    </p:set>
+                                    <p:animEffect transition="in" filter="dissolve">
+                                      <p:cBhvr>
+                                        <p:cTn id="12" dur="500"/>
+                                        <p:tgtEl>
+                                          <p:spTgt spid="33"/>
+                                        </p:tgtEl>
+                                      </p:cBhvr>
+                                    </p:animEffect>
+                                  </p:childTnLst>
+                                </p:cTn>
+                              </p:par>
+                            </p:childTnLst>
+                          </p:cTn>
+                        </p:par>
+                      </p:childTnLst>
+                    </p:cTn>
+                  </p:par>
+                  <p:par>
+                    <p:cTn id="13" fill="hold">
+                      <p:stCondLst>
+                        <p:cond delay="indefinite"/>
+                      </p:stCondLst>
+                      <p:childTnLst>
+                        <p:par>
+                          <p:cTn id="14" fill="hold">
+                            <p:stCondLst>
+                              <p:cond delay="0"/>
+                            </p:stCondLst>
+                            <p:childTnLst>
+                              <p:par>
+                                <p:cTn id="15" presetID="9" presetClass="exit" presetSubtype="0" fill="hold" grpId="0" nodeType="clickEffect">
+                                  <p:stCondLst>
+                                    <p:cond delay="0"/>
+                                  </p:stCondLst>
+                                  <p:childTnLst>
+                                    <p:animEffect transition="out" filter="dissolve">
+                                      <p:cBhvr>
+                                        <p:cTn id="16" dur="500"/>
+                                        <p:tgtEl>
+                                          <p:spTgt spid="34"/>
+                                        </p:tgtEl>
+                                      </p:cBhvr>
+                                    </p:animEffect>
+                                    <p:set>
+                                      <p:cBhvr>
+                                        <p:cTn id="17" dur="1" fill="hold">
+                                          <p:stCondLst>
+                                            <p:cond delay="499"/>
+                                          </p:stCondLst>
+                                        </p:cTn>
+                                        <p:tgtEl>
+                                          <p:spTgt spid="34"/>
+                                        </p:tgtEl>
+                                        <p:attrNameLst>
+                                          <p:attrName>style.visibility</p:attrName>
+                                        </p:attrNameLst>
+                                      </p:cBhvr>
+                                      <p:to>
+                                        <p:strVal val="hidden"/>
+                                      </p:to>
+                                    </p:set>
+                                  </p:childTnLst>
+                                </p:cTn>
+                              </p:par>
+                            </p:childTnLst>
+                          </p:cTn>
+                        </p:par>
+                      </p:childTnLst>
+                    </p:cTn>
+                  </p:par>
+                  <p:par>
+                    <p:cTn id="18" fill="hold">
+                      <p:stCondLst>
+                        <p:cond delay="indefinite"/>
+                      </p:stCondLst>
+                      <p:childTnLst>
+                        <p:par>
+                          <p:cTn id="19" fill="hold">
+                            <p:stCondLst>
+                              <p:cond delay="0"/>
+                            </p:stCondLst>
+                            <p:childTnLst>
+                              <p:par>
+                                <p:cTn id="20" presetID="9" presetClass="entr" presetSubtype="0" fill="hold" grpId="0" nodeType="clickEffect">
+                                  <p:stCondLst>
+                                    <p:cond delay="0"/>
+                                  </p:stCondLst>
+                                  <p:childTnLst>
+                                    <p:set>
+                                      <p:cBhvr>
+                                        <p:cTn id="21" dur="1" fill="hold">
+                                          <p:stCondLst>
+                                            <p:cond delay="0"/>
+                                          </p:stCondLst>
+                                        </p:cTn>
+                                        <p:tgtEl>
+                                          <p:spTgt spid="23"/>
+                                        </p:tgtEl>
+                                        <p:attrNameLst>
+                                          <p:attrName>style.visibility</p:attrName>
+                                        </p:attrNameLst>
+                                      </p:cBhvr>
+                                      <p:to>
+                                        <p:strVal val="visible"/>
+                                      </p:to>
+                                    </p:set>
+                                    <p:animEffect transition="in" filter="dissolve">
+                                      <p:cBhvr>
+                                        <p:cTn id="22" dur="500"/>
+                                        <p:tgtEl>
+                                          <p:spTgt spid="23"/>
+                                        </p:tgtEl>
+                                      </p:cBhvr>
+                                    </p:animEffect>
+                                  </p:childTnLst>
+                                </p:cTn>
+                              </p:par>
+                            </p:childTnLst>
+                          </p:cTn>
+                        </p:par>
+                      </p:childTnLst>
+                    </p:cTn>
+                  </p:par>
+                  <p:par>
+                    <p:cTn id="23" fill="hold">
+                      <p:stCondLst>
+                        <p:cond delay="indefinite"/>
+                      </p:stCondLst>
+                      <p:childTnLst>
+                        <p:par>
+                          <p:cTn id="24" fill="hold">
+                            <p:stCondLst>
+                              <p:cond delay="0"/>
+                            </p:stCondLst>
+                            <p:childTnLst>
+                              <p:par>
+                                <p:cTn id="25" presetID="9" presetClass="exit" presetSubtype="0" fill="hold" nodeType="clickEffect">
+                                  <p:stCondLst>
+                                    <p:cond delay="0"/>
+                                  </p:stCondLst>
+                                  <p:childTnLst>
+                                    <p:animEffect transition="out" filter="dissolve">
+                                      <p:cBhvr>
+                                        <p:cTn id="26" dur="500"/>
+                                        <p:tgtEl>
+                                          <p:spTgt spid="33"/>
+                                        </p:tgtEl>
+                                      </p:cBhvr>
+                                    </p:animEffect>
+                                    <p:set>
+                                      <p:cBhvr>
+                                        <p:cTn id="27" dur="1" fill="hold">
+                                          <p:stCondLst>
+                                            <p:cond delay="499"/>
+                                          </p:stCondLst>
+                                        </p:cTn>
+                                        <p:tgtEl>
+                                          <p:spTgt spid="33"/>
+                                        </p:tgtEl>
+                                        <p:attrNameLst>
+                                          <p:attrName>style.visibility</p:attrName>
+                                        </p:attrNameLst>
+                                      </p:cBhvr>
+                                      <p:to>
+                                        <p:strVal val="hidden"/>
+                                      </p:to>
+                                    </p:set>
+                                  </p:childTnLst>
+                                </p:cTn>
+                              </p:par>
+                            </p:childTnLst>
+                          </p:cTn>
+                        </p:par>
+                      </p:childTnLst>
+                    </p:cTn>
+                  </p:par>
+                  <p:par>
+                    <p:cTn id="28" fill="hold">
+                      <p:stCondLst>
+                        <p:cond delay="indefinite"/>
+                      </p:stCondLst>
+                      <p:childTnLst>
+                        <p:par>
+                          <p:cTn id="29" fill="hold">
+                            <p:stCondLst>
+                              <p:cond delay="0"/>
+                            </p:stCondLst>
+                            <p:childTnLst>
+                              <p:par>
+                                <p:cTn id="30" presetID="9" presetClass="entr" presetSubtype="0" fill="hold" nodeType="clickEffect">
+                                  <p:stCondLst>
+                                    <p:cond delay="0"/>
+                                  </p:stCondLst>
+                                  <p:childTnLst>
+                                    <p:set>
+                                      <p:cBhvr>
+                                        <p:cTn id="31" dur="1" fill="hold">
+                                          <p:stCondLst>
+                                            <p:cond delay="0"/>
+                                          </p:stCondLst>
+                                        </p:cTn>
+                                        <p:tgtEl>
+                                          <p:spTgt spid="38"/>
+                                        </p:tgtEl>
+                                        <p:attrNameLst>
+                                          <p:attrName>style.visibility</p:attrName>
+                                        </p:attrNameLst>
+                                      </p:cBhvr>
+                                      <p:to>
+                                        <p:strVal val="visible"/>
+                                      </p:to>
+                                    </p:set>
+                                    <p:animEffect transition="in" filter="dissolve">
+                                      <p:cBhvr>
+                                        <p:cTn id="32" dur="500"/>
+                                        <p:tgtEl>
+                                          <p:spTgt spid="38"/>
+                                        </p:tgtEl>
+                                      </p:cBhvr>
+                                    </p:animEffect>
+                                  </p:childTnLst>
+                                </p:cTn>
+                              </p:par>
+                              <p:par>
+                                <p:cTn id="33" presetID="9" presetClass="entr" presetSubtype="0" fill="hold" grpId="0" nodeType="withEffect">
+                                  <p:stCondLst>
+                                    <p:cond delay="0"/>
+                                  </p:stCondLst>
+                                  <p:childTnLst>
+                                    <p:set>
+                                      <p:cBhvr>
+                                        <p:cTn id="34" dur="1" fill="hold">
+                                          <p:stCondLst>
+                                            <p:cond delay="0"/>
+                                          </p:stCondLst>
+                                        </p:cTn>
+                                        <p:tgtEl>
+                                          <p:spTgt spid="39"/>
+                                        </p:tgtEl>
+                                        <p:attrNameLst>
+                                          <p:attrName>style.visibility</p:attrName>
+                                        </p:attrNameLst>
+                                      </p:cBhvr>
+                                      <p:to>
+                                        <p:strVal val="visible"/>
+                                      </p:to>
+                                    </p:set>
+                                    <p:animEffect transition="in" filter="dissolve">
+                                      <p:cBhvr>
+                                        <p:cTn id="35" dur="500"/>
+                                        <p:tgtEl>
+                                          <p:spTgt spid="39"/>
+                                        </p:tgtEl>
+                                      </p:cBhvr>
+                                    </p:animEffect>
+                                  </p:childTnLst>
+                                </p:cTn>
+                              </p:par>
+                            </p:childTnLst>
+                          </p:cTn>
+                        </p:par>
+                      </p:childTnLst>
+                    </p:cTn>
+                  </p:par>
+                  <p:par>
+                    <p:cTn id="36" fill="hold">
+                      <p:stCondLst>
+                        <p:cond delay="indefinite"/>
+                      </p:stCondLst>
+                      <p:childTnLst>
+                        <p:par>
+                          <p:cTn id="37" fill="hold">
+                            <p:stCondLst>
+                              <p:cond delay="0"/>
+                            </p:stCondLst>
+                            <p:childTnLst>
+                              <p:par>
+                                <p:cTn id="38" presetID="9" presetClass="entr" presetSubtype="0" fill="hold" nodeType="clickEffect">
+                                  <p:stCondLst>
+                                    <p:cond delay="0"/>
+                                  </p:stCondLst>
+                                  <p:childTnLst>
+                                    <p:set>
+                                      <p:cBhvr>
+                                        <p:cTn id="39" dur="1" fill="hold">
+                                          <p:stCondLst>
+                                            <p:cond delay="0"/>
+                                          </p:stCondLst>
+                                        </p:cTn>
+                                        <p:tgtEl>
+                                          <p:spTgt spid="41"/>
+                                        </p:tgtEl>
+                                        <p:attrNameLst>
+                                          <p:attrName>style.visibility</p:attrName>
+                                        </p:attrNameLst>
+                                      </p:cBhvr>
+                                      <p:to>
+                                        <p:strVal val="visible"/>
+                                      </p:to>
+                                    </p:set>
+                                    <p:animEffect transition="in" filter="dissolve">
+                                      <p:cBhvr>
+                                        <p:cTn id="40" dur="500"/>
+                                        <p:tgtEl>
+                                          <p:spTgt spid="41"/>
+                                        </p:tgtEl>
+                                      </p:cBhvr>
+                                    </p:animEffect>
+                                  </p:childTnLst>
+                                </p:cTn>
+                              </p:par>
+                              <p:par>
+                                <p:cTn id="41" presetID="9" presetClass="entr" presetSubtype="0" fill="hold" grpId="0" nodeType="withEffect">
+                                  <p:stCondLst>
+                                    <p:cond delay="0"/>
+                                  </p:stCondLst>
+                                  <p:childTnLst>
+                                    <p:set>
+                                      <p:cBhvr>
+                                        <p:cTn id="42" dur="1" fill="hold">
+                                          <p:stCondLst>
+                                            <p:cond delay="0"/>
+                                          </p:stCondLst>
+                                        </p:cTn>
+                                        <p:tgtEl>
+                                          <p:spTgt spid="45"/>
+                                        </p:tgtEl>
+                                        <p:attrNameLst>
+                                          <p:attrName>style.visibility</p:attrName>
+                                        </p:attrNameLst>
+                                      </p:cBhvr>
+                                      <p:to>
+                                        <p:strVal val="visible"/>
+                                      </p:to>
+                                    </p:set>
+                                    <p:animEffect transition="in" filter="dissolve">
+                                      <p:cBhvr>
+                                        <p:cTn id="43" dur="500"/>
+                                        <p:tgtEl>
+                                          <p:spTgt spid="45"/>
+                                        </p:tgtEl>
+                                      </p:cBhvr>
+                                    </p:animEffect>
+                                  </p:childTnLst>
+                                </p:cTn>
+                              </p:par>
+                            </p:childTnLst>
+                          </p:cTn>
+                        </p:par>
+                      </p:childTnLst>
+                    </p:cTn>
+                  </p:par>
+                  <p:par>
+                    <p:cTn id="44" fill="hold">
+                      <p:stCondLst>
+                        <p:cond delay="indefinite"/>
+                      </p:stCondLst>
+                      <p:childTnLst>
+                        <p:par>
+                          <p:cTn id="45" fill="hold">
+                            <p:stCondLst>
+                              <p:cond delay="0"/>
+                            </p:stCondLst>
+                            <p:childTnLst>
+                              <p:par>
+                                <p:cTn id="46" presetID="23" presetClass="entr" presetSubtype="16" fill="hold" nodeType="clickEffect">
+                                  <p:stCondLst>
+                                    <p:cond delay="0"/>
+                                  </p:stCondLst>
+                                  <p:childTnLst>
+                                    <p:set>
+                                      <p:cBhvr>
+                                        <p:cTn id="47" dur="1" fill="hold">
+                                          <p:stCondLst>
+                                            <p:cond delay="0"/>
+                                          </p:stCondLst>
+                                        </p:cTn>
+                                        <p:tgtEl>
+                                          <p:spTgt spid="28"/>
+                                        </p:tgtEl>
+                                        <p:attrNameLst>
+                                          <p:attrName>style.visibility</p:attrName>
+                                        </p:attrNameLst>
+                                      </p:cBhvr>
+                                      <p:to>
+                                        <p:strVal val="visible"/>
+                                      </p:to>
+                                    </p:set>
+                                    <p:anim calcmode="lin" valueType="num">
+                                      <p:cBhvr>
+                                        <p:cTn id="48" dur="500" fill="hold"/>
+                                        <p:tgtEl>
+                                          <p:spTgt spid="28"/>
+                                        </p:tgtEl>
+                                        <p:attrNameLst>
+                                          <p:attrName>ppt_w</p:attrName>
+                                        </p:attrNameLst>
+                                      </p:cBhvr>
+                                      <p:tavLst>
+                                        <p:tav tm="0">
+                                          <p:val>
+                                            <p:fltVal val="0"/>
+                                          </p:val>
+                                        </p:tav>
+                                        <p:tav tm="100000">
+                                          <p:val>
+                                            <p:strVal val="#ppt_w"/>
+                                          </p:val>
+                                        </p:tav>
+                                      </p:tavLst>
+                                    </p:anim>
+                                    <p:anim calcmode="lin" valueType="num">
+                                      <p:cBhvr>
+                                        <p:cTn id="49" dur="500" fill="hold"/>
+                                        <p:tgtEl>
+                                          <p:spTgt spid="28"/>
+                                        </p:tgtEl>
+                                        <p:attrNameLst>
+                                          <p:attrName>ppt_h</p:attrName>
+                                        </p:attrNameLst>
+                                      </p:cBhvr>
+                                      <p:tavLst>
+                                        <p:tav tm="0">
+                                          <p:val>
+                                            <p:fltVal val="0"/>
+                                          </p:val>
+                                        </p:tav>
+                                        <p:tav tm="100000">
+                                          <p:val>
+                                            <p:strVal val="#ppt_h"/>
+                                          </p:val>
+                                        </p:tav>
+                                      </p:tavLst>
+                                    </p:anim>
+                                  </p:childTnLst>
+                                </p:cTn>
+                              </p:par>
+                            </p:childTnLst>
+                          </p:cTn>
+                        </p:par>
+                      </p:childTnLst>
+                    </p:cTn>
+                  </p:par>
+                  <p:par>
+                    <p:cTn id="50" fill="hold">
+                      <p:stCondLst>
+                        <p:cond delay="indefinite"/>
+                      </p:stCondLst>
+                      <p:childTnLst>
+                        <p:par>
+                          <p:cTn id="51" fill="hold">
+                            <p:stCondLst>
+                              <p:cond delay="0"/>
+                            </p:stCondLst>
+                            <p:childTnLst>
+                              <p:par>
+                                <p:cTn id="52" presetID="9" presetClass="exit" presetSubtype="0" fill="hold" grpId="0" nodeType="clickEffect">
+                                  <p:stCondLst>
+                                    <p:cond delay="0"/>
+                                  </p:stCondLst>
+                                  <p:childTnLst>
+                                    <p:animEffect transition="out" filter="dissolve">
+                                      <p:cBhvr>
+                                        <p:cTn id="53" dur="500"/>
+                                        <p:tgtEl>
+                                          <p:spTgt spid="36"/>
+                                        </p:tgtEl>
+                                      </p:cBhvr>
+                                    </p:animEffect>
+                                    <p:set>
+                                      <p:cBhvr>
+                                        <p:cTn id="54" dur="1" fill="hold">
+                                          <p:stCondLst>
+                                            <p:cond delay="499"/>
+                                          </p:stCondLst>
+                                        </p:cTn>
+                                        <p:tgtEl>
+                                          <p:spTgt spid="36"/>
+                                        </p:tgtEl>
+                                        <p:attrNameLst>
+                                          <p:attrName>style.visibility</p:attrName>
+                                        </p:attrNameLst>
+                                      </p:cBhvr>
+                                      <p:to>
+                                        <p:strVal val="hidden"/>
+                                      </p:to>
+                                    </p:set>
+                                  </p:childTnLst>
+                                </p:cTn>
+                              </p:par>
+                              <p:par>
+                                <p:cTn id="55" presetID="9" presetClass="exit" presetSubtype="0" fill="hold" grpId="0" nodeType="withEffect">
+                                  <p:stCondLst>
+                                    <p:cond delay="0"/>
+                                  </p:stCondLst>
+                                  <p:childTnLst>
+                                    <p:animEffect transition="out" filter="dissolve">
+                                      <p:cBhvr>
+                                        <p:cTn id="56" dur="500"/>
+                                        <p:tgtEl>
+                                          <p:spTgt spid="35"/>
+                                        </p:tgtEl>
+                                      </p:cBhvr>
+                                    </p:animEffect>
+                                    <p:set>
+                                      <p:cBhvr>
+                                        <p:cTn id="57" dur="1" fill="hold">
+                                          <p:stCondLst>
+                                            <p:cond delay="499"/>
+                                          </p:stCondLst>
+                                        </p:cTn>
+                                        <p:tgtEl>
+                                          <p:spTgt spid="35"/>
+                                        </p:tgtEl>
+                                        <p:attrNameLst>
+                                          <p:attrName>style.visibility</p:attrName>
+                                        </p:attrNameLst>
+                                      </p:cBhvr>
+                                      <p:to>
+                                        <p:strVal val="hidden"/>
+                                      </p:to>
+                                    </p:set>
+                                  </p:childTnLst>
+                                </p:cTn>
+                              </p:par>
+                            </p:childTnLst>
+                          </p:cTn>
+                        </p:par>
+                      </p:childTnLst>
+                    </p:cTn>
+                  </p:par>
+                  <p:par>
+                    <p:cTn id="58" fill="hold">
+                      <p:stCondLst>
+                        <p:cond delay="indefinite"/>
+                      </p:stCondLst>
+                      <p:childTnLst>
+                        <p:par>
+                          <p:cTn id="59" fill="hold">
+                            <p:stCondLst>
+                              <p:cond delay="0"/>
+                            </p:stCondLst>
+                            <p:childTnLst>
+                              <p:par>
+                                <p:cTn id="60" presetID="9" presetClass="entr" presetSubtype="0" fill="hold" grpId="0" nodeType="clickEffect">
+                                  <p:stCondLst>
+                                    <p:cond delay="0"/>
+                                  </p:stCondLst>
+                                  <p:childTnLst>
+                                    <p:set>
+                                      <p:cBhvr>
+                                        <p:cTn id="61" dur="1" fill="hold">
+                                          <p:stCondLst>
+                                            <p:cond delay="0"/>
+                                          </p:stCondLst>
+                                        </p:cTn>
+                                        <p:tgtEl>
+                                          <p:spTgt spid="40"/>
+                                        </p:tgtEl>
+                                        <p:attrNameLst>
+                                          <p:attrName>style.visibility</p:attrName>
+                                        </p:attrNameLst>
+                                      </p:cBhvr>
+                                      <p:to>
+                                        <p:strVal val="visible"/>
+                                      </p:to>
+                                    </p:set>
+                                    <p:animEffect transition="in" filter="dissolve">
+                                      <p:cBhvr>
+                                        <p:cTn id="62" dur="500"/>
+                                        <p:tgtEl>
+                                          <p:spTgt spid="40"/>
+                                        </p:tgtEl>
+                                      </p:cBhvr>
+                                    </p:animEffect>
+                                  </p:childTnLst>
+                                </p:cTn>
+                              </p:par>
+                              <p:par>
+                                <p:cTn id="63" presetID="9" presetClass="entr" presetSubtype="0" fill="hold" grpId="0" nodeType="withEffect">
+                                  <p:stCondLst>
+                                    <p:cond delay="0"/>
+                                  </p:stCondLst>
+                                  <p:childTnLst>
+                                    <p:set>
+                                      <p:cBhvr>
+                                        <p:cTn id="64" dur="1" fill="hold">
+                                          <p:stCondLst>
+                                            <p:cond delay="0"/>
+                                          </p:stCondLst>
+                                        </p:cTn>
+                                        <p:tgtEl>
+                                          <p:spTgt spid="37"/>
+                                        </p:tgtEl>
+                                        <p:attrNameLst>
+                                          <p:attrName>style.visibility</p:attrName>
+                                        </p:attrNameLst>
+                                      </p:cBhvr>
+                                      <p:to>
+                                        <p:strVal val="visible"/>
+                                      </p:to>
+                                    </p:set>
+                                    <p:animEffect transition="in" filter="dissolve">
+                                      <p:cBhvr>
+                                        <p:cTn id="65" dur="500"/>
+                                        <p:tgtEl>
+                                          <p:spTgt spid="37"/>
+                                        </p:tgtEl>
+                                      </p:cBhvr>
+                                    </p:animEffect>
+                                  </p:childTnLst>
+                                </p:cTn>
+                              </p:par>
+                            </p:childTnLst>
+                          </p:cTn>
+                        </p:par>
+                      </p:childTnLst>
+                    </p:cTn>
+                  </p:par>
+                  <p:par>
+                    <p:cTn id="66" fill="hold">
+                      <p:stCondLst>
+                        <p:cond delay="indefinite"/>
+                      </p:stCondLst>
+                      <p:childTnLst>
+                        <p:par>
+                          <p:cTn id="67" fill="hold">
+                            <p:stCondLst>
+                              <p:cond delay="0"/>
+                            </p:stCondLst>
+                            <p:childTnLst>
+                              <p:par>
+                                <p:cTn id="68" presetID="9" presetClass="entr" presetSubtype="0" fill="hold" grpId="0" nodeType="clickEffect">
+                                  <p:stCondLst>
+                                    <p:cond delay="0"/>
+                                  </p:stCondLst>
+                                  <p:childTnLst>
+                                    <p:set>
+                                      <p:cBhvr>
+                                        <p:cTn id="69" dur="1" fill="hold">
+                                          <p:stCondLst>
+                                            <p:cond delay="0"/>
+                                          </p:stCondLst>
+                                        </p:cTn>
+                                        <p:tgtEl>
+                                          <p:spTgt spid="13"/>
+                                        </p:tgtEl>
+                                        <p:attrNameLst>
+                                          <p:attrName>style.visibility</p:attrName>
+                                        </p:attrNameLst>
+                                      </p:cBhvr>
+                                      <p:to>
+                                        <p:strVal val="visible"/>
+                                      </p:to>
+                                    </p:set>
+                                    <p:animEffect transition="in" filter="dissolve">
+                                      <p:cBhvr>
+                                        <p:cTn id="70" dur="500"/>
+                                        <p:tgtEl>
+                                          <p:spTgt spid="13"/>
+                                        </p:tgtEl>
+                                      </p:cBhvr>
+                                    </p:animEffect>
+                                  </p:childTnLst>
+                                </p:cTn>
+                              </p:par>
+                            </p:childTnLst>
+                          </p:cTn>
+                        </p:par>
+                      </p:childTnLst>
+                    </p:cTn>
+                  </p:par>
+                </p:childTnLst>
+              </p:cTn>
+              <p:prevCondLst>
+                <p:cond evt="onPrev" delay="0">
+                  <p:tgtEl>
+                    <p:sldTgt/>
+                  </p:tgtEl>
+                </p:cond>
+              </p:prevCondLst>
+              <p:nextCondLst>
+                <p:cond evt="onNext" delay="0">
+                  <p:tgtEl>
+                    <p:sldTgt/>
+                  </p:tgtEl>
+                </p:cond>
+              </p:nextCondLst>
+            </p:seq>
+          </p:childTnLst>
+        </p:cTn>
+      </p:par>
+    </p:tnLst>
+    <p:bldLst>
+      <p:bldP spid="34" grpId="0"/>
+      <p:bldP spid="35" grpId="0"/>
+      <p:bldP spid="36" grpId="0"/>
+      <p:bldP spid="39" grpId="0"/>
+      <p:bldP spid="45" grpId="0"/>
+      <p:bldP spid="23" grpId="0"/>
+      <p:bldP spid="37" grpId="0"/>
+      <p:bldP spid="40" grpId="0"/>
+      <p:bldP spid="13" grpId="0"/>
+    </p:bldLst>
+  </p:timing>
 </p:sld>
 </file>
 
@@ -5108,13 +6671,16 @@
         </p:nvSpPr>
         <p:spPr/>
         <p:txBody>
-          <a:bodyPr/>
-          <a:lstStyle/>
-          <a:p>
-            <a:r>
-              <a:rPr lang="en-US" dirty="0"/>
-              <a:t>Strong consistency</a:t>
-            </a:r>
+          <a:bodyPr>
+            <a:normAutofit/>
+          </a:bodyPr>
+          <a:lstStyle/>
+          <a:p>
+            <a:r>
+              <a:rPr lang="en-US" dirty="0" smtClean="0"/>
+              <a:t>Anomalies</a:t>
+            </a:r>
+            <a:endParaRPr lang="en-US" dirty="0"/>
           </a:p>
         </p:txBody>
       </p:sp>
@@ -5128,11 +6694,14 @@
             <p:ph idx="1"/>
           </p:nvPr>
         </p:nvSpPr>
-        <p:spPr/>
-        <p:txBody>
-          <a:bodyPr>
-            <a:normAutofit lnSpcReduction="10000"/>
-          </a:bodyPr>
+        <p:spPr>
+          <a:xfrm>
+            <a:off x="457200" y="1600201"/>
+            <a:ext cx="8229600" cy="717444"/>
+          </a:xfrm>
+        </p:spPr>
+        <p:txBody>
+          <a:bodyPr/>
           <a:lstStyle/>
           <a:p>
             <a:pPr marL="0" indent="0">
@@ -5140,8 +6709,9 @@
             </a:pPr>
             <a:r>
               <a:rPr lang="en-US" dirty="0" smtClean="0"/>
-              <a:t>Some strategies:</a:t>
-            </a:r>
+              <a:t>Write conflicts</a:t>
+            </a:r>
+            <a:endParaRPr lang="en-US" dirty="0" smtClean="0"/>
           </a:p>
           <a:p>
             <a:pPr marL="0" indent="0">
@@ -5150,71 +6720,1103 @@
             <a:endParaRPr lang="en-US" dirty="0"/>
           </a:p>
           <a:p>
-            <a:r>
-              <a:rPr lang="en-US" dirty="0" smtClean="0"/>
-              <a:t>Single master with synchronous replication</a:t>
-            </a:r>
-          </a:p>
-          <a:p>
-            <a:pPr lvl="1"/>
-            <a:r>
-              <a:rPr lang="en-US" dirty="0" smtClean="0"/>
-              <a:t>Writes are totally ordered, reads see latest values</a:t>
-            </a:r>
-          </a:p>
-          <a:p>
-            <a:r>
-              <a:rPr lang="en-US" dirty="0" smtClean="0"/>
-              <a:t>Quorum systems</a:t>
-            </a:r>
-          </a:p>
-          <a:p>
-            <a:pPr lvl="1"/>
-            <a:r>
-              <a:rPr lang="en-US" dirty="0" smtClean="0"/>
-              <a:t>A (majority) ensemble simulates a single master</a:t>
-            </a:r>
-          </a:p>
-          <a:p>
-            <a:r>
-              <a:rPr lang="en-US" dirty="0" smtClean="0"/>
-              <a:t>``State machine replication’’</a:t>
-            </a:r>
-          </a:p>
-          <a:p>
-            <a:pPr lvl="1"/>
-            <a:r>
-              <a:rPr lang="en-US" dirty="0" smtClean="0"/>
-              <a:t>Use consensus to establish a total order over reads and writes </a:t>
-            </a:r>
-            <a:r>
-              <a:rPr lang="en-US" dirty="0" err="1" smtClean="0"/>
-              <a:t>systemwide</a:t>
-            </a:r>
+            <a:pPr marL="0" indent="0">
+              <a:buNone/>
+            </a:pPr>
             <a:endParaRPr lang="en-US" dirty="0" smtClean="0"/>
           </a:p>
           <a:p>
-            <a:endParaRPr lang="en-US" dirty="0" smtClean="0"/>
-          </a:p>
-          <a:p>
-            <a:endParaRPr lang="en-US" dirty="0" smtClean="0"/>
-          </a:p>
-          <a:p>
-            <a:pPr lvl="1"/>
-            <a:endParaRPr lang="en-US" dirty="0" smtClean="0"/>
+            <a:pPr marL="0" indent="0">
+              <a:buNone/>
+            </a:pPr>
+            <a:endParaRPr lang="en-US" dirty="0"/>
+          </a:p>
+        </p:txBody>
+      </p:sp>
+      <p:sp>
+        <p:nvSpPr>
+          <p:cNvPr id="4" name="Can 3"/>
+          <p:cNvSpPr/>
+          <p:nvPr/>
+        </p:nvSpPr>
+        <p:spPr>
+          <a:xfrm>
+            <a:off x="3997096" y="2579524"/>
+            <a:ext cx="1492631" cy="1780789"/>
+          </a:xfrm>
+          <a:prstGeom prst="can">
+            <a:avLst/>
+          </a:prstGeom>
+          <a:solidFill>
+            <a:schemeClr val="bg1"/>
+          </a:solidFill>
+          <a:ln>
+            <a:solidFill>
+              <a:schemeClr val="accent2">
+                <a:lumMod val="75000"/>
+              </a:schemeClr>
+            </a:solidFill>
+          </a:ln>
+        </p:spPr>
+        <p:style>
+          <a:lnRef idx="1">
+            <a:schemeClr val="accent1"/>
+          </a:lnRef>
+          <a:fillRef idx="3">
+            <a:schemeClr val="accent1"/>
+          </a:fillRef>
+          <a:effectRef idx="2">
+            <a:schemeClr val="accent1"/>
+          </a:effectRef>
+          <a:fontRef idx="minor">
+            <a:schemeClr val="lt1"/>
+          </a:fontRef>
+        </p:style>
+        <p:txBody>
+          <a:bodyPr rtlCol="0" anchor="ctr"/>
+          <a:lstStyle/>
+          <a:p>
+            <a:pPr algn="ctr"/>
+            <a:endParaRPr lang="en-US" dirty="0"/>
+          </a:p>
+        </p:txBody>
+      </p:sp>
+      <p:sp>
+        <p:nvSpPr>
+          <p:cNvPr id="5" name="Can 4"/>
+          <p:cNvSpPr/>
+          <p:nvPr/>
+        </p:nvSpPr>
+        <p:spPr>
+          <a:xfrm>
+            <a:off x="5489727" y="4761500"/>
+            <a:ext cx="1492631" cy="1780789"/>
+          </a:xfrm>
+          <a:prstGeom prst="can">
+            <a:avLst/>
+          </a:prstGeom>
+          <a:solidFill>
+            <a:schemeClr val="bg1"/>
+          </a:solidFill>
+          <a:ln>
+            <a:solidFill>
+              <a:schemeClr val="accent2">
+                <a:lumMod val="75000"/>
+              </a:schemeClr>
+            </a:solidFill>
+          </a:ln>
+        </p:spPr>
+        <p:style>
+          <a:lnRef idx="1">
+            <a:schemeClr val="accent1"/>
+          </a:lnRef>
+          <a:fillRef idx="3">
+            <a:schemeClr val="accent1"/>
+          </a:fillRef>
+          <a:effectRef idx="2">
+            <a:schemeClr val="accent1"/>
+          </a:effectRef>
+          <a:fontRef idx="minor">
+            <a:schemeClr val="lt1"/>
+          </a:fontRef>
+        </p:style>
+        <p:txBody>
+          <a:bodyPr rtlCol="0" anchor="ctr"/>
+          <a:lstStyle/>
+          <a:p>
+            <a:pPr algn="ctr"/>
+            <a:endParaRPr lang="en-US"/>
+          </a:p>
+        </p:txBody>
+      </p:sp>
+      <p:sp>
+        <p:nvSpPr>
+          <p:cNvPr id="6" name="Can 5"/>
+          <p:cNvSpPr/>
+          <p:nvPr/>
+        </p:nvSpPr>
+        <p:spPr>
+          <a:xfrm>
+            <a:off x="6982358" y="2579524"/>
+            <a:ext cx="1492631" cy="1780789"/>
+          </a:xfrm>
+          <a:prstGeom prst="can">
+            <a:avLst/>
+          </a:prstGeom>
+          <a:solidFill>
+            <a:schemeClr val="bg1"/>
+          </a:solidFill>
+          <a:ln>
+            <a:solidFill>
+              <a:schemeClr val="accent2">
+                <a:lumMod val="75000"/>
+              </a:schemeClr>
+            </a:solidFill>
+          </a:ln>
+        </p:spPr>
+        <p:style>
+          <a:lnRef idx="1">
+            <a:schemeClr val="accent1"/>
+          </a:lnRef>
+          <a:fillRef idx="3">
+            <a:schemeClr val="accent1"/>
+          </a:fillRef>
+          <a:effectRef idx="2">
+            <a:schemeClr val="accent1"/>
+          </a:effectRef>
+          <a:fontRef idx="minor">
+            <a:schemeClr val="lt1"/>
+          </a:fontRef>
+        </p:style>
+        <p:txBody>
+          <a:bodyPr rtlCol="0" anchor="ctr"/>
+          <a:lstStyle/>
+          <a:p>
+            <a:pPr algn="ctr"/>
+            <a:endParaRPr lang="en-US"/>
+          </a:p>
+        </p:txBody>
+      </p:sp>
+      <p:pic>
+        <p:nvPicPr>
+          <p:cNvPr id="9" name="Picture 8" descr="clipart_computer.gif"/>
+          <p:cNvPicPr>
+            <a:picLocks noChangeAspect="1"/>
+          </p:cNvPicPr>
+          <p:nvPr/>
+        </p:nvPicPr>
+        <p:blipFill>
+          <a:blip r:embed="rId2">
+            <a:extLst>
+              <a:ext uri="{28A0092B-C50C-407E-A947-70E740481C1C}">
+                <a14:useLocalDpi xmlns:a14="http://schemas.microsoft.com/office/drawing/2010/main" val="0"/>
+              </a:ext>
+            </a:extLst>
+          </a:blip>
+          <a:stretch>
+            <a:fillRect/>
+          </a:stretch>
+        </p:blipFill>
+        <p:spPr>
+          <a:xfrm>
+            <a:off x="653599" y="2963903"/>
+            <a:ext cx="1271109" cy="951213"/>
+          </a:xfrm>
+          <a:prstGeom prst="rect">
+            <a:avLst/>
+          </a:prstGeom>
+        </p:spPr>
+      </p:pic>
+      <p:grpSp>
+        <p:nvGrpSpPr>
+          <p:cNvPr id="28" name="Group 27"/>
+          <p:cNvGrpSpPr/>
+          <p:nvPr/>
+        </p:nvGrpSpPr>
+        <p:grpSpPr>
+          <a:xfrm>
+            <a:off x="5547351" y="3352072"/>
+            <a:ext cx="1305670" cy="1270122"/>
+            <a:chOff x="5489727" y="3352072"/>
+            <a:chExt cx="1305670" cy="1270122"/>
+          </a:xfrm>
+        </p:grpSpPr>
+        <p:cxnSp>
+          <p:nvCxnSpPr>
+            <p:cNvPr id="22" name="Straight Arrow Connector 21"/>
+            <p:cNvCxnSpPr/>
+            <p:nvPr/>
+          </p:nvCxnSpPr>
+          <p:spPr>
+            <a:xfrm>
+              <a:off x="5489727" y="3352072"/>
+              <a:ext cx="1305670" cy="0"/>
+            </a:xfrm>
+            <a:prstGeom prst="straightConnector1">
+              <a:avLst/>
+            </a:prstGeom>
+            <a:ln>
+              <a:solidFill>
+                <a:schemeClr val="bg1">
+                  <a:lumMod val="50000"/>
+                </a:schemeClr>
+              </a:solidFill>
+              <a:headEnd type="arrow"/>
+              <a:tailEnd type="arrow"/>
+            </a:ln>
+          </p:spPr>
+          <p:style>
+            <a:lnRef idx="2">
+              <a:schemeClr val="accent1"/>
+            </a:lnRef>
+            <a:fillRef idx="0">
+              <a:schemeClr val="accent1"/>
+            </a:fillRef>
+            <a:effectRef idx="1">
+              <a:schemeClr val="accent1"/>
+            </a:effectRef>
+            <a:fontRef idx="minor">
+              <a:schemeClr val="tx1"/>
+            </a:fontRef>
+          </p:style>
+        </p:cxnSp>
+        <p:cxnSp>
+          <p:nvCxnSpPr>
+            <p:cNvPr id="24" name="Straight Arrow Connector 23"/>
+            <p:cNvCxnSpPr/>
+            <p:nvPr/>
+          </p:nvCxnSpPr>
+          <p:spPr>
+            <a:xfrm>
+              <a:off x="5489727" y="3504472"/>
+              <a:ext cx="616448" cy="1117722"/>
+            </a:xfrm>
+            <a:prstGeom prst="straightConnector1">
+              <a:avLst/>
+            </a:prstGeom>
+            <a:ln>
+              <a:solidFill>
+                <a:schemeClr val="bg1">
+                  <a:lumMod val="50000"/>
+                </a:schemeClr>
+              </a:solidFill>
+              <a:headEnd type="arrow"/>
+              <a:tailEnd type="arrow"/>
+            </a:ln>
+          </p:spPr>
+          <p:style>
+            <a:lnRef idx="2">
+              <a:schemeClr val="accent1"/>
+            </a:lnRef>
+            <a:fillRef idx="0">
+              <a:schemeClr val="accent1"/>
+            </a:fillRef>
+            <a:effectRef idx="1">
+              <a:schemeClr val="accent1"/>
+            </a:effectRef>
+            <a:fontRef idx="minor">
+              <a:schemeClr val="tx1"/>
+            </a:fontRef>
+          </p:style>
+        </p:cxnSp>
+        <p:cxnSp>
+          <p:nvCxnSpPr>
+            <p:cNvPr id="26" name="Straight Arrow Connector 25"/>
+            <p:cNvCxnSpPr/>
+            <p:nvPr/>
+          </p:nvCxnSpPr>
+          <p:spPr>
+            <a:xfrm flipH="1">
+              <a:off x="6200186" y="3500289"/>
+              <a:ext cx="595211" cy="1121905"/>
+            </a:xfrm>
+            <a:prstGeom prst="straightConnector1">
+              <a:avLst/>
+            </a:prstGeom>
+            <a:ln>
+              <a:solidFill>
+                <a:schemeClr val="bg1">
+                  <a:lumMod val="50000"/>
+                </a:schemeClr>
+              </a:solidFill>
+              <a:headEnd type="arrow"/>
+              <a:tailEnd type="arrow"/>
+            </a:ln>
+          </p:spPr>
+          <p:style>
+            <a:lnRef idx="2">
+              <a:schemeClr val="accent1"/>
+            </a:lnRef>
+            <a:fillRef idx="0">
+              <a:schemeClr val="accent1"/>
+            </a:fillRef>
+            <a:effectRef idx="1">
+              <a:schemeClr val="accent1"/>
+            </a:effectRef>
+            <a:fontRef idx="minor">
+              <a:schemeClr val="tx1"/>
+            </a:fontRef>
+          </p:style>
+        </p:cxnSp>
+      </p:grpSp>
+      <p:pic>
+        <p:nvPicPr>
+          <p:cNvPr id="29" name="Picture 28" descr="clipart_computer.gif"/>
+          <p:cNvPicPr>
+            <a:picLocks noChangeAspect="1"/>
+          </p:cNvPicPr>
+          <p:nvPr/>
+        </p:nvPicPr>
+        <p:blipFill>
+          <a:blip r:embed="rId2">
+            <a:extLst>
+              <a:ext uri="{28A0092B-C50C-407E-A947-70E740481C1C}">
+                <a14:useLocalDpi xmlns:a14="http://schemas.microsoft.com/office/drawing/2010/main" val="0"/>
+              </a:ext>
+            </a:extLst>
+          </a:blip>
+          <a:stretch>
+            <a:fillRect/>
+          </a:stretch>
+        </p:blipFill>
+        <p:spPr>
+          <a:xfrm>
+            <a:off x="1657060" y="5276819"/>
+            <a:ext cx="1271109" cy="951213"/>
+          </a:xfrm>
+          <a:prstGeom prst="rect">
+            <a:avLst/>
+          </a:prstGeom>
+        </p:spPr>
+      </p:pic>
+      <p:grpSp>
+        <p:nvGrpSpPr>
+          <p:cNvPr id="33" name="Group 32"/>
+          <p:cNvGrpSpPr/>
+          <p:nvPr/>
+        </p:nvGrpSpPr>
+        <p:grpSpPr>
+          <a:xfrm>
+            <a:off x="2029454" y="3191162"/>
+            <a:ext cx="1862598" cy="313310"/>
+            <a:chOff x="2029454" y="3191162"/>
+            <a:chExt cx="1862598" cy="313310"/>
+          </a:xfrm>
+        </p:grpSpPr>
+        <p:cxnSp>
+          <p:nvCxnSpPr>
+            <p:cNvPr id="31" name="Straight Arrow Connector 30"/>
+            <p:cNvCxnSpPr/>
+            <p:nvPr/>
+          </p:nvCxnSpPr>
+          <p:spPr>
+            <a:xfrm>
+              <a:off x="2029454" y="3500289"/>
+              <a:ext cx="1833055" cy="4183"/>
+            </a:xfrm>
+            <a:prstGeom prst="straightConnector1">
+              <a:avLst/>
+            </a:prstGeom>
+            <a:ln>
+              <a:solidFill>
+                <a:schemeClr val="tx1"/>
+              </a:solidFill>
+              <a:tailEnd type="arrow"/>
+            </a:ln>
+          </p:spPr>
+          <p:style>
+            <a:lnRef idx="2">
+              <a:schemeClr val="accent1"/>
+            </a:lnRef>
+            <a:fillRef idx="0">
+              <a:schemeClr val="accent1"/>
+            </a:fillRef>
+            <a:effectRef idx="1">
+              <a:schemeClr val="accent1"/>
+            </a:effectRef>
+            <a:fontRef idx="minor">
+              <a:schemeClr val="tx1"/>
+            </a:fontRef>
+          </p:style>
+        </p:cxnSp>
+        <p:sp>
+          <p:nvSpPr>
+            <p:cNvPr id="32" name="TextBox 31"/>
+            <p:cNvSpPr txBox="1"/>
+            <p:nvPr/>
+          </p:nvSpPr>
+          <p:spPr>
+            <a:xfrm>
+              <a:off x="2094803" y="3191162"/>
+              <a:ext cx="1797249" cy="307777"/>
+            </a:xfrm>
+            <a:prstGeom prst="rect">
+              <a:avLst/>
+            </a:prstGeom>
+            <a:noFill/>
+          </p:spPr>
+          <p:txBody>
+            <a:bodyPr wrap="none" rtlCol="0">
+              <a:spAutoFit/>
+            </a:bodyPr>
+            <a:lstStyle/>
+            <a:p>
+              <a:r>
+                <a:rPr lang="en-US" sz="1400" dirty="0" smtClean="0"/>
+                <a:t>put(“dessert”, “cake”)</a:t>
+              </a:r>
+              <a:endParaRPr lang="en-US" sz="1400" dirty="0"/>
+            </a:p>
+          </p:txBody>
+        </p:sp>
+      </p:grpSp>
+      <p:sp>
+        <p:nvSpPr>
+          <p:cNvPr id="34" name="TextBox 33"/>
+          <p:cNvSpPr txBox="1"/>
+          <p:nvPr/>
+        </p:nvSpPr>
+        <p:spPr>
+          <a:xfrm>
+            <a:off x="4176747" y="3352072"/>
+            <a:ext cx="1240406" cy="307777"/>
+          </a:xfrm>
+          <a:prstGeom prst="rect">
+            <a:avLst/>
+          </a:prstGeom>
+          <a:noFill/>
+        </p:spPr>
+        <p:txBody>
+          <a:bodyPr wrap="none" rtlCol="0">
+            <a:spAutoFit/>
+          </a:bodyPr>
+          <a:lstStyle/>
+          <a:p>
+            <a:r>
+              <a:rPr lang="en-US" sz="1400" dirty="0" smtClean="0"/>
+              <a:t>Dessert = cake</a:t>
+            </a:r>
+            <a:endParaRPr lang="en-US" sz="1400" dirty="0"/>
+          </a:p>
+        </p:txBody>
+      </p:sp>
+      <p:sp>
+        <p:nvSpPr>
+          <p:cNvPr id="35" name="TextBox 34"/>
+          <p:cNvSpPr txBox="1"/>
+          <p:nvPr/>
+        </p:nvSpPr>
+        <p:spPr>
+          <a:xfrm>
+            <a:off x="5652378" y="5583107"/>
+            <a:ext cx="1220594" cy="307777"/>
+          </a:xfrm>
+          <a:prstGeom prst="rect">
+            <a:avLst/>
+          </a:prstGeom>
+          <a:noFill/>
+        </p:spPr>
+        <p:txBody>
+          <a:bodyPr wrap="none" rtlCol="0">
+            <a:spAutoFit/>
+          </a:bodyPr>
+          <a:lstStyle/>
+          <a:p>
+            <a:r>
+              <a:rPr lang="en-US" sz="1400" dirty="0" smtClean="0"/>
+              <a:t>Dessert = fruit</a:t>
+            </a:r>
+            <a:endParaRPr lang="en-US" sz="1400" dirty="0"/>
+          </a:p>
+        </p:txBody>
+      </p:sp>
+      <p:cxnSp>
+        <p:nvCxnSpPr>
+          <p:cNvPr id="38" name="Straight Arrow Connector 37"/>
+          <p:cNvCxnSpPr/>
+          <p:nvPr/>
+        </p:nvCxnSpPr>
+        <p:spPr>
+          <a:xfrm>
+            <a:off x="3114785" y="5736995"/>
+            <a:ext cx="2123923" cy="4183"/>
+          </a:xfrm>
+          <a:prstGeom prst="straightConnector1">
+            <a:avLst/>
+          </a:prstGeom>
+          <a:ln>
+            <a:solidFill>
+              <a:schemeClr val="tx1"/>
+            </a:solidFill>
+            <a:tailEnd type="arrow"/>
+          </a:ln>
+        </p:spPr>
+        <p:style>
+          <a:lnRef idx="2">
+            <a:schemeClr val="accent1"/>
+          </a:lnRef>
+          <a:fillRef idx="0">
+            <a:schemeClr val="accent1"/>
+          </a:fillRef>
+          <a:effectRef idx="1">
+            <a:schemeClr val="accent1"/>
+          </a:effectRef>
+          <a:fontRef idx="minor">
+            <a:schemeClr val="tx1"/>
+          </a:fontRef>
+        </p:style>
+      </p:cxnSp>
+      <p:sp>
+        <p:nvSpPr>
+          <p:cNvPr id="39" name="TextBox 38"/>
+          <p:cNvSpPr txBox="1"/>
+          <p:nvPr/>
+        </p:nvSpPr>
+        <p:spPr>
+          <a:xfrm>
+            <a:off x="3288028" y="5429218"/>
+            <a:ext cx="1777437" cy="307777"/>
+          </a:xfrm>
+          <a:prstGeom prst="rect">
+            <a:avLst/>
+          </a:prstGeom>
+          <a:noFill/>
+        </p:spPr>
+        <p:txBody>
+          <a:bodyPr wrap="none" rtlCol="0">
+            <a:spAutoFit/>
+          </a:bodyPr>
+          <a:lstStyle/>
+          <a:p>
+            <a:r>
+              <a:rPr lang="en-US" sz="1400" dirty="0"/>
+              <a:t>p</a:t>
+            </a:r>
+            <a:r>
+              <a:rPr lang="en-US" sz="1400" dirty="0" smtClean="0"/>
+              <a:t>ut(“dessert”, “fruit”)</a:t>
+            </a:r>
+            <a:endParaRPr lang="en-US" sz="1400" dirty="0"/>
+          </a:p>
+        </p:txBody>
+      </p:sp>
+      <p:sp>
+        <p:nvSpPr>
+          <p:cNvPr id="25" name="TextBox 24"/>
+          <p:cNvSpPr txBox="1"/>
+          <p:nvPr/>
+        </p:nvSpPr>
+        <p:spPr>
+          <a:xfrm>
+            <a:off x="7555287" y="3145675"/>
+            <a:ext cx="446131" cy="769441"/>
+          </a:xfrm>
+          <a:prstGeom prst="rect">
+            <a:avLst/>
+          </a:prstGeom>
+          <a:noFill/>
+        </p:spPr>
+        <p:txBody>
+          <a:bodyPr wrap="none" rtlCol="0">
+            <a:spAutoFit/>
+          </a:bodyPr>
+          <a:lstStyle/>
+          <a:p>
+            <a:r>
+              <a:rPr lang="en-US" sz="4400" dirty="0" smtClean="0"/>
+              <a:t>?</a:t>
+            </a:r>
+            <a:endParaRPr lang="en-US" sz="4400" dirty="0"/>
           </a:p>
         </p:txBody>
       </p:sp>
     </p:spTree>
     <p:extLst>
       <p:ext uri="{BB962C8B-B14F-4D97-AF65-F5344CB8AC3E}">
-        <p14:creationId xmlns:p14="http://schemas.microsoft.com/office/powerpoint/2010/main" val="2847300755"/>
+        <p14:creationId xmlns:p14="http://schemas.microsoft.com/office/powerpoint/2010/main" val="314990382"/>
       </p:ext>
     </p:extLst>
   </p:cSld>
   <p:clrMapOvr>
     <a:masterClrMapping/>
   </p:clrMapOvr>
+  <p:timing>
+    <p:tnLst>
+      <p:par>
+        <p:cTn xmlns:p14="http://schemas.microsoft.com/office/powerpoint/2010/main" id="1" dur="indefinite" restart="never" nodeType="tmRoot">
+          <p:childTnLst>
+            <p:seq concurrent="1" nextAc="seek">
+              <p:cTn id="2" dur="indefinite" nodeType="mainSeq">
+                <p:childTnLst>
+                  <p:par>
+                    <p:cTn id="3" fill="hold">
+                      <p:stCondLst>
+                        <p:cond delay="indefinite"/>
+                      </p:stCondLst>
+                      <p:childTnLst>
+                        <p:par>
+                          <p:cTn id="4" fill="hold">
+                            <p:stCondLst>
+                              <p:cond delay="0"/>
+                            </p:stCondLst>
+                            <p:childTnLst>
+                              <p:par>
+                                <p:cTn id="5" presetID="9" presetClass="entr" presetSubtype="0" fill="hold" nodeType="clickEffect">
+                                  <p:stCondLst>
+                                    <p:cond delay="0"/>
+                                  </p:stCondLst>
+                                  <p:childTnLst>
+                                    <p:set>
+                                      <p:cBhvr>
+                                        <p:cTn id="6" dur="1" fill="hold">
+                                          <p:stCondLst>
+                                            <p:cond delay="0"/>
+                                          </p:stCondLst>
+                                        </p:cTn>
+                                        <p:tgtEl>
+                                          <p:spTgt spid="9"/>
+                                        </p:tgtEl>
+                                        <p:attrNameLst>
+                                          <p:attrName>style.visibility</p:attrName>
+                                        </p:attrNameLst>
+                                      </p:cBhvr>
+                                      <p:to>
+                                        <p:strVal val="visible"/>
+                                      </p:to>
+                                    </p:set>
+                                    <p:animEffect transition="in" filter="dissolve">
+                                      <p:cBhvr>
+                                        <p:cTn id="7" dur="500"/>
+                                        <p:tgtEl>
+                                          <p:spTgt spid="9"/>
+                                        </p:tgtEl>
+                                      </p:cBhvr>
+                                    </p:animEffect>
+                                  </p:childTnLst>
+                                </p:cTn>
+                              </p:par>
+                            </p:childTnLst>
+                          </p:cTn>
+                        </p:par>
+                      </p:childTnLst>
+                    </p:cTn>
+                  </p:par>
+                  <p:par>
+                    <p:cTn id="8" fill="hold">
+                      <p:stCondLst>
+                        <p:cond delay="indefinite"/>
+                      </p:stCondLst>
+                      <p:childTnLst>
+                        <p:par>
+                          <p:cTn id="9" fill="hold">
+                            <p:stCondLst>
+                              <p:cond delay="0"/>
+                            </p:stCondLst>
+                            <p:childTnLst>
+                              <p:par>
+                                <p:cTn id="10" presetID="9" presetClass="entr" presetSubtype="0" fill="hold" nodeType="clickEffect">
+                                  <p:stCondLst>
+                                    <p:cond delay="0"/>
+                                  </p:stCondLst>
+                                  <p:childTnLst>
+                                    <p:set>
+                                      <p:cBhvr>
+                                        <p:cTn id="11" dur="1" fill="hold">
+                                          <p:stCondLst>
+                                            <p:cond delay="0"/>
+                                          </p:stCondLst>
+                                        </p:cTn>
+                                        <p:tgtEl>
+                                          <p:spTgt spid="29"/>
+                                        </p:tgtEl>
+                                        <p:attrNameLst>
+                                          <p:attrName>style.visibility</p:attrName>
+                                        </p:attrNameLst>
+                                      </p:cBhvr>
+                                      <p:to>
+                                        <p:strVal val="visible"/>
+                                      </p:to>
+                                    </p:set>
+                                    <p:animEffect transition="in" filter="dissolve">
+                                      <p:cBhvr>
+                                        <p:cTn id="12" dur="500"/>
+                                        <p:tgtEl>
+                                          <p:spTgt spid="29"/>
+                                        </p:tgtEl>
+                                      </p:cBhvr>
+                                    </p:animEffect>
+                                  </p:childTnLst>
+                                </p:cTn>
+                              </p:par>
+                            </p:childTnLst>
+                          </p:cTn>
+                        </p:par>
+                      </p:childTnLst>
+                    </p:cTn>
+                  </p:par>
+                  <p:par>
+                    <p:cTn id="13" fill="hold">
+                      <p:stCondLst>
+                        <p:cond delay="indefinite"/>
+                      </p:stCondLst>
+                      <p:childTnLst>
+                        <p:par>
+                          <p:cTn id="14" fill="hold">
+                            <p:stCondLst>
+                              <p:cond delay="0"/>
+                            </p:stCondLst>
+                            <p:childTnLst>
+                              <p:par>
+                                <p:cTn id="15" presetID="9" presetClass="entr" presetSubtype="0" fill="hold" nodeType="clickEffect">
+                                  <p:stCondLst>
+                                    <p:cond delay="0"/>
+                                  </p:stCondLst>
+                                  <p:childTnLst>
+                                    <p:set>
+                                      <p:cBhvr>
+                                        <p:cTn id="16" dur="1" fill="hold">
+                                          <p:stCondLst>
+                                            <p:cond delay="0"/>
+                                          </p:stCondLst>
+                                        </p:cTn>
+                                        <p:tgtEl>
+                                          <p:spTgt spid="33"/>
+                                        </p:tgtEl>
+                                        <p:attrNameLst>
+                                          <p:attrName>style.visibility</p:attrName>
+                                        </p:attrNameLst>
+                                      </p:cBhvr>
+                                      <p:to>
+                                        <p:strVal val="visible"/>
+                                      </p:to>
+                                    </p:set>
+                                    <p:animEffect transition="in" filter="dissolve">
+                                      <p:cBhvr>
+                                        <p:cTn id="17" dur="500"/>
+                                        <p:tgtEl>
+                                          <p:spTgt spid="33"/>
+                                        </p:tgtEl>
+                                      </p:cBhvr>
+                                    </p:animEffect>
+                                  </p:childTnLst>
+                                </p:cTn>
+                              </p:par>
+                              <p:par>
+                                <p:cTn id="18" presetID="9" presetClass="entr" presetSubtype="0" fill="hold" grpId="0" nodeType="withEffect">
+                                  <p:stCondLst>
+                                    <p:cond delay="0"/>
+                                  </p:stCondLst>
+                                  <p:childTnLst>
+                                    <p:set>
+                                      <p:cBhvr>
+                                        <p:cTn id="19" dur="1" fill="hold">
+                                          <p:stCondLst>
+                                            <p:cond delay="0"/>
+                                          </p:stCondLst>
+                                        </p:cTn>
+                                        <p:tgtEl>
+                                          <p:spTgt spid="39"/>
+                                        </p:tgtEl>
+                                        <p:attrNameLst>
+                                          <p:attrName>style.visibility</p:attrName>
+                                        </p:attrNameLst>
+                                      </p:cBhvr>
+                                      <p:to>
+                                        <p:strVal val="visible"/>
+                                      </p:to>
+                                    </p:set>
+                                    <p:animEffect transition="in" filter="dissolve">
+                                      <p:cBhvr>
+                                        <p:cTn id="20" dur="500"/>
+                                        <p:tgtEl>
+                                          <p:spTgt spid="39"/>
+                                        </p:tgtEl>
+                                      </p:cBhvr>
+                                    </p:animEffect>
+                                  </p:childTnLst>
+                                </p:cTn>
+                              </p:par>
+                              <p:par>
+                                <p:cTn id="21" presetID="9" presetClass="entr" presetSubtype="0" fill="hold" nodeType="withEffect">
+                                  <p:stCondLst>
+                                    <p:cond delay="0"/>
+                                  </p:stCondLst>
+                                  <p:childTnLst>
+                                    <p:set>
+                                      <p:cBhvr>
+                                        <p:cTn id="22" dur="1" fill="hold">
+                                          <p:stCondLst>
+                                            <p:cond delay="0"/>
+                                          </p:stCondLst>
+                                        </p:cTn>
+                                        <p:tgtEl>
+                                          <p:spTgt spid="38"/>
+                                        </p:tgtEl>
+                                        <p:attrNameLst>
+                                          <p:attrName>style.visibility</p:attrName>
+                                        </p:attrNameLst>
+                                      </p:cBhvr>
+                                      <p:to>
+                                        <p:strVal val="visible"/>
+                                      </p:to>
+                                    </p:set>
+                                    <p:animEffect transition="in" filter="dissolve">
+                                      <p:cBhvr>
+                                        <p:cTn id="23" dur="500"/>
+                                        <p:tgtEl>
+                                          <p:spTgt spid="38"/>
+                                        </p:tgtEl>
+                                      </p:cBhvr>
+                                    </p:animEffect>
+                                  </p:childTnLst>
+                                </p:cTn>
+                              </p:par>
+                            </p:childTnLst>
+                          </p:cTn>
+                        </p:par>
+                      </p:childTnLst>
+                    </p:cTn>
+                  </p:par>
+                  <p:par>
+                    <p:cTn id="24" fill="hold">
+                      <p:stCondLst>
+                        <p:cond delay="indefinite"/>
+                      </p:stCondLst>
+                      <p:childTnLst>
+                        <p:par>
+                          <p:cTn id="25" fill="hold">
+                            <p:stCondLst>
+                              <p:cond delay="0"/>
+                            </p:stCondLst>
+                            <p:childTnLst>
+                              <p:par>
+                                <p:cTn id="26" presetID="9" presetClass="entr" presetSubtype="0" fill="hold" grpId="0" nodeType="clickEffect">
+                                  <p:stCondLst>
+                                    <p:cond delay="0"/>
+                                  </p:stCondLst>
+                                  <p:childTnLst>
+                                    <p:set>
+                                      <p:cBhvr>
+                                        <p:cTn id="27" dur="1" fill="hold">
+                                          <p:stCondLst>
+                                            <p:cond delay="0"/>
+                                          </p:stCondLst>
+                                        </p:cTn>
+                                        <p:tgtEl>
+                                          <p:spTgt spid="34"/>
+                                        </p:tgtEl>
+                                        <p:attrNameLst>
+                                          <p:attrName>style.visibility</p:attrName>
+                                        </p:attrNameLst>
+                                      </p:cBhvr>
+                                      <p:to>
+                                        <p:strVal val="visible"/>
+                                      </p:to>
+                                    </p:set>
+                                    <p:animEffect transition="in" filter="dissolve">
+                                      <p:cBhvr>
+                                        <p:cTn id="28" dur="500"/>
+                                        <p:tgtEl>
+                                          <p:spTgt spid="34"/>
+                                        </p:tgtEl>
+                                      </p:cBhvr>
+                                    </p:animEffect>
+                                  </p:childTnLst>
+                                </p:cTn>
+                              </p:par>
+                              <p:par>
+                                <p:cTn id="29" presetID="9" presetClass="entr" presetSubtype="0" fill="hold" grpId="0" nodeType="withEffect">
+                                  <p:stCondLst>
+                                    <p:cond delay="0"/>
+                                  </p:stCondLst>
+                                  <p:childTnLst>
+                                    <p:set>
+                                      <p:cBhvr>
+                                        <p:cTn id="30" dur="1" fill="hold">
+                                          <p:stCondLst>
+                                            <p:cond delay="0"/>
+                                          </p:stCondLst>
+                                        </p:cTn>
+                                        <p:tgtEl>
+                                          <p:spTgt spid="35"/>
+                                        </p:tgtEl>
+                                        <p:attrNameLst>
+                                          <p:attrName>style.visibility</p:attrName>
+                                        </p:attrNameLst>
+                                      </p:cBhvr>
+                                      <p:to>
+                                        <p:strVal val="visible"/>
+                                      </p:to>
+                                    </p:set>
+                                    <p:animEffect transition="in" filter="dissolve">
+                                      <p:cBhvr>
+                                        <p:cTn id="31" dur="500"/>
+                                        <p:tgtEl>
+                                          <p:spTgt spid="35"/>
+                                        </p:tgtEl>
+                                      </p:cBhvr>
+                                    </p:animEffect>
+                                  </p:childTnLst>
+                                </p:cTn>
+                              </p:par>
+                            </p:childTnLst>
+                          </p:cTn>
+                        </p:par>
+                      </p:childTnLst>
+                    </p:cTn>
+                  </p:par>
+                  <p:par>
+                    <p:cTn id="32" fill="hold">
+                      <p:stCondLst>
+                        <p:cond delay="indefinite"/>
+                      </p:stCondLst>
+                      <p:childTnLst>
+                        <p:par>
+                          <p:cTn id="33" fill="hold">
+                            <p:stCondLst>
+                              <p:cond delay="0"/>
+                            </p:stCondLst>
+                            <p:childTnLst>
+                              <p:par>
+                                <p:cTn id="34" presetID="23" presetClass="entr" presetSubtype="16" fill="hold" nodeType="clickEffect">
+                                  <p:stCondLst>
+                                    <p:cond delay="0"/>
+                                  </p:stCondLst>
+                                  <p:childTnLst>
+                                    <p:set>
+                                      <p:cBhvr>
+                                        <p:cTn id="35" dur="1" fill="hold">
+                                          <p:stCondLst>
+                                            <p:cond delay="0"/>
+                                          </p:stCondLst>
+                                        </p:cTn>
+                                        <p:tgtEl>
+                                          <p:spTgt spid="28"/>
+                                        </p:tgtEl>
+                                        <p:attrNameLst>
+                                          <p:attrName>style.visibility</p:attrName>
+                                        </p:attrNameLst>
+                                      </p:cBhvr>
+                                      <p:to>
+                                        <p:strVal val="visible"/>
+                                      </p:to>
+                                    </p:set>
+                                    <p:anim calcmode="lin" valueType="num">
+                                      <p:cBhvr>
+                                        <p:cTn id="36" dur="500" fill="hold"/>
+                                        <p:tgtEl>
+                                          <p:spTgt spid="28"/>
+                                        </p:tgtEl>
+                                        <p:attrNameLst>
+                                          <p:attrName>ppt_w</p:attrName>
+                                        </p:attrNameLst>
+                                      </p:cBhvr>
+                                      <p:tavLst>
+                                        <p:tav tm="0">
+                                          <p:val>
+                                            <p:fltVal val="0"/>
+                                          </p:val>
+                                        </p:tav>
+                                        <p:tav tm="100000">
+                                          <p:val>
+                                            <p:strVal val="#ppt_w"/>
+                                          </p:val>
+                                        </p:tav>
+                                      </p:tavLst>
+                                    </p:anim>
+                                    <p:anim calcmode="lin" valueType="num">
+                                      <p:cBhvr>
+                                        <p:cTn id="37" dur="500" fill="hold"/>
+                                        <p:tgtEl>
+                                          <p:spTgt spid="28"/>
+                                        </p:tgtEl>
+                                        <p:attrNameLst>
+                                          <p:attrName>ppt_h</p:attrName>
+                                        </p:attrNameLst>
+                                      </p:cBhvr>
+                                      <p:tavLst>
+                                        <p:tav tm="0">
+                                          <p:val>
+                                            <p:fltVal val="0"/>
+                                          </p:val>
+                                        </p:tav>
+                                        <p:tav tm="100000">
+                                          <p:val>
+                                            <p:strVal val="#ppt_h"/>
+                                          </p:val>
+                                        </p:tav>
+                                      </p:tavLst>
+                                    </p:anim>
+                                  </p:childTnLst>
+                                </p:cTn>
+                              </p:par>
+                            </p:childTnLst>
+                          </p:cTn>
+                        </p:par>
+                      </p:childTnLst>
+                    </p:cTn>
+                  </p:par>
+                  <p:par>
+                    <p:cTn id="38" fill="hold">
+                      <p:stCondLst>
+                        <p:cond delay="indefinite"/>
+                      </p:stCondLst>
+                      <p:childTnLst>
+                        <p:par>
+                          <p:cTn id="39" fill="hold">
+                            <p:stCondLst>
+                              <p:cond delay="0"/>
+                            </p:stCondLst>
+                            <p:childTnLst>
+                              <p:par>
+                                <p:cTn id="40" presetID="9" presetClass="entr" presetSubtype="0" fill="hold" grpId="0" nodeType="clickEffect">
+                                  <p:stCondLst>
+                                    <p:cond delay="0"/>
+                                  </p:stCondLst>
+                                  <p:childTnLst>
+                                    <p:set>
+                                      <p:cBhvr>
+                                        <p:cTn id="41" dur="1" fill="hold">
+                                          <p:stCondLst>
+                                            <p:cond delay="0"/>
+                                          </p:stCondLst>
+                                        </p:cTn>
+                                        <p:tgtEl>
+                                          <p:spTgt spid="25"/>
+                                        </p:tgtEl>
+                                        <p:attrNameLst>
+                                          <p:attrName>style.visibility</p:attrName>
+                                        </p:attrNameLst>
+                                      </p:cBhvr>
+                                      <p:to>
+                                        <p:strVal val="visible"/>
+                                      </p:to>
+                                    </p:set>
+                                    <p:animEffect transition="in" filter="dissolve">
+                                      <p:cBhvr>
+                                        <p:cTn id="42" dur="500"/>
+                                        <p:tgtEl>
+                                          <p:spTgt spid="25"/>
+                                        </p:tgtEl>
+                                      </p:cBhvr>
+                                    </p:animEffect>
+                                  </p:childTnLst>
+                                </p:cTn>
+                              </p:par>
+                            </p:childTnLst>
+                          </p:cTn>
+                        </p:par>
+                      </p:childTnLst>
+                    </p:cTn>
+                  </p:par>
+                </p:childTnLst>
+              </p:cTn>
+              <p:prevCondLst>
+                <p:cond evt="onPrev" delay="0">
+                  <p:tgtEl>
+                    <p:sldTgt/>
+                  </p:tgtEl>
+                </p:cond>
+              </p:prevCondLst>
+              <p:nextCondLst>
+                <p:cond evt="onNext" delay="0">
+                  <p:tgtEl>
+                    <p:sldTgt/>
+                  </p:tgtEl>
+                </p:cond>
+              </p:nextCondLst>
+            </p:seq>
+          </p:childTnLst>
+        </p:cTn>
+      </p:par>
+    </p:tnLst>
+    <p:bldLst>
+      <p:bldP spid="34" grpId="0"/>
+      <p:bldP spid="35" grpId="0"/>
+      <p:bldP spid="39" grpId="0"/>
+      <p:bldP spid="25" grpId="0"/>
+    </p:bldLst>
+  </p:timing>
 </p:sld>
 </file>
 
@@ -5251,9 +7853,10 @@
           <a:lstStyle/>
           <a:p>
             <a:r>
-              <a:rPr lang="en-US" dirty="0"/>
-              <a:t>Strong consistency</a:t>
-            </a:r>
+              <a:rPr lang="en-US" dirty="0" smtClean="0"/>
+              <a:t>Consistency	</a:t>
+            </a:r>
+            <a:endParaRPr lang="en-US" dirty="0"/>
           </a:p>
         </p:txBody>
       </p:sp>
@@ -5277,22 +7880,23 @@
             </a:pPr>
             <a:r>
               <a:rPr lang="en-US" dirty="0" smtClean="0"/>
-              <a:t>Drawbacks:</a:t>
-            </a:r>
-          </a:p>
-          <a:p>
-            <a:pPr marL="0" indent="0">
-              <a:buNone/>
-            </a:pPr>
-            <a:endParaRPr lang="en-US" dirty="0"/>
-          </a:p>
-          <a:p>
-            <a:pPr marL="0" indent="0">
-              <a:buNone/>
-            </a:pPr>
+              <a:t>A </a:t>
+            </a:r>
+            <a:r>
+              <a:rPr lang="en-US" i="1" dirty="0" smtClean="0"/>
+              <a:t>consistent</a:t>
+            </a:r>
             <a:r>
               <a:rPr lang="en-US" dirty="0" smtClean="0"/>
-              <a:t>Latency, availability, partition tolerance</a:t>
+              <a:t> replicated </a:t>
+            </a:r>
+            <a:r>
+              <a:rPr lang="en-US" dirty="0" err="1" smtClean="0"/>
+              <a:t>datastore</a:t>
+            </a:r>
+            <a:r>
+              <a:rPr lang="en-US" dirty="0" smtClean="0"/>
+              <a:t> rules out (some) replication anomalies.</a:t>
             </a:r>
             <a:endParaRPr lang="en-US" dirty="0"/>
           </a:p>
@@ -5301,13 +7905,20 @@
     </p:spTree>
     <p:extLst>
       <p:ext uri="{BB962C8B-B14F-4D97-AF65-F5344CB8AC3E}">
-        <p14:creationId xmlns:p14="http://schemas.microsoft.com/office/powerpoint/2010/main" val="966367386"/>
+        <p14:creationId xmlns:p14="http://schemas.microsoft.com/office/powerpoint/2010/main" val="1604088342"/>
       </p:ext>
     </p:extLst>
   </p:cSld>
   <p:clrMapOvr>
     <a:masterClrMapping/>
   </p:clrMapOvr>
+  <p:timing>
+    <p:tnLst>
+      <p:par>
+        <p:cTn xmlns:p14="http://schemas.microsoft.com/office/powerpoint/2010/main" id="1" dur="indefinite" restart="never" nodeType="tmRoot"/>
+      </p:par>
+    </p:tnLst>
+  </p:timing>
 </p:sld>
 </file>
 
@@ -5345,7 +7956,7 @@
           <a:p>
             <a:r>
               <a:rPr lang="en-US" dirty="0" smtClean="0"/>
-              <a:t>Eventual Consistency</a:t>
+              <a:t>Consistency models</a:t>
             </a:r>
             <a:endParaRPr lang="en-US" dirty="0"/>
           </a:p>
@@ -5366,20 +7977,43 @@
           <a:bodyPr/>
           <a:lstStyle/>
           <a:p>
-            <a:endParaRPr lang="en-US"/>
+            <a:r>
+              <a:rPr lang="en-US" dirty="0" smtClean="0"/>
+              <a:t>Strong consistency</a:t>
+            </a:r>
+          </a:p>
+          <a:p>
+            <a:r>
+              <a:rPr lang="en-US" dirty="0" smtClean="0"/>
+              <a:t>Eventual consistency</a:t>
+            </a:r>
+          </a:p>
+          <a:p>
+            <a:r>
+              <a:rPr lang="en-US" dirty="0" smtClean="0"/>
+              <a:t>Weaker models</a:t>
+            </a:r>
+            <a:endParaRPr lang="en-US" dirty="0"/>
           </a:p>
         </p:txBody>
       </p:sp>
     </p:spTree>
     <p:extLst>
       <p:ext uri="{BB962C8B-B14F-4D97-AF65-F5344CB8AC3E}">
-        <p14:creationId xmlns:p14="http://schemas.microsoft.com/office/powerpoint/2010/main" val="1485274014"/>
+        <p14:creationId xmlns:p14="http://schemas.microsoft.com/office/powerpoint/2010/main" val="59354301"/>
       </p:ext>
     </p:extLst>
   </p:cSld>
   <p:clrMapOvr>
     <a:masterClrMapping/>
   </p:clrMapOvr>
+  <p:timing>
+    <p:tnLst>
+      <p:par>
+        <p:cTn xmlns:p14="http://schemas.microsoft.com/office/powerpoint/2010/main" id="1" dur="indefinite" restart="never" nodeType="tmRoot"/>
+      </p:par>
+    </p:tnLst>
+  </p:timing>
 </p:sld>
 </file>
 
@@ -5417,7 +8051,7 @@
           <a:p>
             <a:r>
               <a:rPr lang="en-US" dirty="0" smtClean="0"/>
-              <a:t>Eventual Consistency</a:t>
+              <a:t>Strong consistency</a:t>
             </a:r>
             <a:endParaRPr lang="en-US" dirty="0"/>
           </a:p>
@@ -5438,45 +8072,80 @@
           <a:bodyPr/>
           <a:lstStyle/>
           <a:p>
-            <a:r>
-              <a:rPr lang="en-US" dirty="0" smtClean="0"/>
-              <a:t>Tolerate stale reads and concurrent writes</a:t>
-            </a:r>
-          </a:p>
-          <a:p>
-            <a:r>
-              <a:rPr lang="en-US" dirty="0" smtClean="0"/>
-              <a:t>Ensure that eventually* all replicas converge</a:t>
-            </a:r>
-          </a:p>
-          <a:p>
-            <a:endParaRPr lang="en-US" dirty="0"/>
-          </a:p>
-          <a:p>
-            <a:endParaRPr lang="en-US" sz="2800" dirty="0" smtClean="0"/>
-          </a:p>
-          <a:p>
             <a:pPr marL="0" indent="0">
               <a:buNone/>
             </a:pPr>
             <a:r>
-              <a:rPr lang="en-US" sz="2800" dirty="0" smtClean="0"/>
-              <a:t>* When activity has ceased and all messages are delivered to all replicas</a:t>
-            </a:r>
-            <a:endParaRPr lang="en-US" sz="2800" dirty="0"/>
+              <a:rPr lang="en-US" dirty="0" smtClean="0"/>
+              <a:t>``single copy’’ consistency</a:t>
+            </a:r>
+          </a:p>
+          <a:p>
+            <a:pPr marL="0" indent="0">
+              <a:buNone/>
+            </a:pPr>
+            <a:endParaRPr lang="en-US" dirty="0"/>
+          </a:p>
+          <a:p>
+            <a:pPr marL="0" indent="0">
+              <a:buNone/>
+            </a:pPr>
+            <a:r>
+              <a:rPr lang="en-US" dirty="0" smtClean="0"/>
+              <a:t>Replication is</a:t>
+            </a:r>
+            <a:r>
+              <a:rPr lang="en-US" i="1" dirty="0" smtClean="0"/>
+              <a:t> transparent; </a:t>
+            </a:r>
+            <a:r>
+              <a:rPr lang="en-US" dirty="0" smtClean="0"/>
+              <a:t>no witnesses of replication</a:t>
+            </a:r>
+          </a:p>
+          <a:p>
+            <a:pPr marL="0" indent="0">
+              <a:buNone/>
+            </a:pPr>
+            <a:endParaRPr lang="en-US" dirty="0"/>
+          </a:p>
+          <a:p>
+            <a:pPr marL="0" indent="0">
+              <a:buNone/>
+            </a:pPr>
+            <a:endParaRPr lang="en-US" dirty="0" smtClean="0"/>
+          </a:p>
+          <a:p>
+            <a:pPr marL="0" indent="0">
+              <a:buNone/>
+            </a:pPr>
+            <a:endParaRPr lang="en-US" dirty="0"/>
+          </a:p>
+          <a:p>
+            <a:pPr marL="0" indent="0">
+              <a:buNone/>
+            </a:pPr>
+            <a:endParaRPr lang="en-US" dirty="0"/>
           </a:p>
         </p:txBody>
       </p:sp>
     </p:spTree>
     <p:extLst>
       <p:ext uri="{BB962C8B-B14F-4D97-AF65-F5344CB8AC3E}">
-        <p14:creationId xmlns:p14="http://schemas.microsoft.com/office/powerpoint/2010/main" val="764692233"/>
+        <p14:creationId xmlns:p14="http://schemas.microsoft.com/office/powerpoint/2010/main" val="1656636592"/>
       </p:ext>
     </p:extLst>
   </p:cSld>
   <p:clrMapOvr>
     <a:masterClrMapping/>
   </p:clrMapOvr>
+  <p:timing>
+    <p:tnLst>
+      <p:par>
+        <p:cTn xmlns:p14="http://schemas.microsoft.com/office/powerpoint/2010/main" id="1" dur="indefinite" restart="never" nodeType="tmRoot"/>
+      </p:par>
+    </p:tnLst>
+  </p:timing>
 </p:sld>
 </file>
 
@@ -5514,6 +8183,584 @@
           <a:p>
             <a:r>
               <a:rPr lang="en-US" dirty="0"/>
+              <a:t>Strong consistency</a:t>
+            </a:r>
+          </a:p>
+        </p:txBody>
+      </p:sp>
+      <p:sp>
+        <p:nvSpPr>
+          <p:cNvPr id="3" name="Content Placeholder 2"/>
+          <p:cNvSpPr>
+            <a:spLocks noGrp="1"/>
+          </p:cNvSpPr>
+          <p:nvPr>
+            <p:ph idx="1"/>
+          </p:nvPr>
+        </p:nvSpPr>
+        <p:spPr/>
+        <p:txBody>
+          <a:bodyPr/>
+          <a:lstStyle/>
+          <a:p>
+            <a:r>
+              <a:rPr lang="en-US" dirty="0" smtClean="0"/>
+              <a:t>Reads that could witness replication </a:t>
+            </a:r>
+            <a:r>
+              <a:rPr lang="en-US" i="1" dirty="0" smtClean="0"/>
+              <a:t>block</a:t>
+            </a:r>
+          </a:p>
+          <a:p>
+            <a:r>
+              <a:rPr lang="en-US" dirty="0" smtClean="0"/>
+              <a:t>Concurrent writes </a:t>
+            </a:r>
+            <a:r>
+              <a:rPr lang="en-US" i="1" dirty="0" smtClean="0"/>
+              <a:t>take turns</a:t>
+            </a:r>
+            <a:endParaRPr lang="en-US" i="1" dirty="0"/>
+          </a:p>
+        </p:txBody>
+      </p:sp>
+    </p:spTree>
+    <p:extLst>
+      <p:ext uri="{BB962C8B-B14F-4D97-AF65-F5344CB8AC3E}">
+        <p14:creationId xmlns:p14="http://schemas.microsoft.com/office/powerpoint/2010/main" val="2217378949"/>
+      </p:ext>
+    </p:extLst>
+  </p:cSld>
+  <p:clrMapOvr>
+    <a:masterClrMapping/>
+  </p:clrMapOvr>
+  <p:timing>
+    <p:tnLst>
+      <p:par>
+        <p:cTn xmlns:p14="http://schemas.microsoft.com/office/powerpoint/2010/main" id="1" dur="indefinite" restart="never" nodeType="tmRoot"/>
+      </p:par>
+    </p:tnLst>
+  </p:timing>
+</p:sld>
+</file>
+
+<file path=ppt/slides/slide16.xml><?xml version="1.0" encoding="utf-8"?>
+<p:sld xmlns:a="http://schemas.openxmlformats.org/drawingml/2006/main" xmlns:r="http://schemas.openxmlformats.org/officeDocument/2006/relationships" xmlns:p="http://schemas.openxmlformats.org/presentationml/2006/main">
+  <p:cSld>
+    <p:spTree>
+      <p:nvGrpSpPr>
+        <p:cNvPr id="1" name=""/>
+        <p:cNvGrpSpPr/>
+        <p:nvPr/>
+      </p:nvGrpSpPr>
+      <p:grpSpPr>
+        <a:xfrm>
+          <a:off x="0" y="0"/>
+          <a:ext cx="0" cy="0"/>
+          <a:chOff x="0" y="0"/>
+          <a:chExt cx="0" cy="0"/>
+        </a:xfrm>
+      </p:grpSpPr>
+      <p:sp>
+        <p:nvSpPr>
+          <p:cNvPr id="2" name="Title 1"/>
+          <p:cNvSpPr>
+            <a:spLocks noGrp="1"/>
+          </p:cNvSpPr>
+          <p:nvPr>
+            <p:ph type="title"/>
+          </p:nvPr>
+        </p:nvSpPr>
+        <p:spPr/>
+        <p:txBody>
+          <a:bodyPr/>
+          <a:lstStyle/>
+          <a:p>
+            <a:r>
+              <a:rPr lang="en-US" dirty="0"/>
+              <a:t>Strong consistency</a:t>
+            </a:r>
+          </a:p>
+        </p:txBody>
+      </p:sp>
+      <p:sp>
+        <p:nvSpPr>
+          <p:cNvPr id="3" name="Content Placeholder 2"/>
+          <p:cNvSpPr>
+            <a:spLocks noGrp="1"/>
+          </p:cNvSpPr>
+          <p:nvPr>
+            <p:ph idx="1"/>
+          </p:nvPr>
+        </p:nvSpPr>
+        <p:spPr/>
+        <p:txBody>
+          <a:bodyPr>
+            <a:normAutofit lnSpcReduction="10000"/>
+          </a:bodyPr>
+          <a:lstStyle/>
+          <a:p>
+            <a:pPr marL="0" indent="0">
+              <a:buNone/>
+            </a:pPr>
+            <a:r>
+              <a:rPr lang="en-US" dirty="0" smtClean="0"/>
+              <a:t>Some strategies:</a:t>
+            </a:r>
+          </a:p>
+          <a:p>
+            <a:pPr marL="0" indent="0">
+              <a:buNone/>
+            </a:pPr>
+            <a:endParaRPr lang="en-US" dirty="0"/>
+          </a:p>
+          <a:p>
+            <a:r>
+              <a:rPr lang="en-US" dirty="0" smtClean="0"/>
+              <a:t>Single master with synchronous replication</a:t>
+            </a:r>
+          </a:p>
+          <a:p>
+            <a:pPr lvl="1"/>
+            <a:r>
+              <a:rPr lang="en-US" dirty="0" smtClean="0"/>
+              <a:t>Writes are totally ordered, reads see latest values</a:t>
+            </a:r>
+          </a:p>
+          <a:p>
+            <a:r>
+              <a:rPr lang="en-US" dirty="0" smtClean="0"/>
+              <a:t>Quorum systems</a:t>
+            </a:r>
+          </a:p>
+          <a:p>
+            <a:pPr lvl="1"/>
+            <a:r>
+              <a:rPr lang="en-US" dirty="0" smtClean="0"/>
+              <a:t>A (majority) ensemble simulates a single master</a:t>
+            </a:r>
+          </a:p>
+          <a:p>
+            <a:r>
+              <a:rPr lang="en-US" dirty="0" smtClean="0"/>
+              <a:t>``State machine replication’’</a:t>
+            </a:r>
+          </a:p>
+          <a:p>
+            <a:pPr lvl="1"/>
+            <a:r>
+              <a:rPr lang="en-US" dirty="0" smtClean="0"/>
+              <a:t>Use consensus to establish a total order over reads and writes </a:t>
+            </a:r>
+            <a:r>
+              <a:rPr lang="en-US" dirty="0" err="1" smtClean="0"/>
+              <a:t>systemwide</a:t>
+            </a:r>
+            <a:endParaRPr lang="en-US" dirty="0" smtClean="0"/>
+          </a:p>
+          <a:p>
+            <a:endParaRPr lang="en-US" dirty="0" smtClean="0"/>
+          </a:p>
+          <a:p>
+            <a:endParaRPr lang="en-US" dirty="0" smtClean="0"/>
+          </a:p>
+          <a:p>
+            <a:pPr lvl="1"/>
+            <a:endParaRPr lang="en-US" dirty="0" smtClean="0"/>
+          </a:p>
+        </p:txBody>
+      </p:sp>
+    </p:spTree>
+    <p:extLst>
+      <p:ext uri="{BB962C8B-B14F-4D97-AF65-F5344CB8AC3E}">
+        <p14:creationId xmlns:p14="http://schemas.microsoft.com/office/powerpoint/2010/main" val="2847300755"/>
+      </p:ext>
+    </p:extLst>
+  </p:cSld>
+  <p:clrMapOvr>
+    <a:masterClrMapping/>
+  </p:clrMapOvr>
+  <p:timing>
+    <p:tnLst>
+      <p:par>
+        <p:cTn xmlns:p14="http://schemas.microsoft.com/office/powerpoint/2010/main" id="1" dur="indefinite" restart="never" nodeType="tmRoot"/>
+      </p:par>
+    </p:tnLst>
+  </p:timing>
+</p:sld>
+</file>
+
+<file path=ppt/slides/slide17.xml><?xml version="1.0" encoding="utf-8"?>
+<p:sld xmlns:a="http://schemas.openxmlformats.org/drawingml/2006/main" xmlns:r="http://schemas.openxmlformats.org/officeDocument/2006/relationships" xmlns:p="http://schemas.openxmlformats.org/presentationml/2006/main">
+  <p:cSld>
+    <p:spTree>
+      <p:nvGrpSpPr>
+        <p:cNvPr id="1" name=""/>
+        <p:cNvGrpSpPr/>
+        <p:nvPr/>
+      </p:nvGrpSpPr>
+      <p:grpSpPr>
+        <a:xfrm>
+          <a:off x="0" y="0"/>
+          <a:ext cx="0" cy="0"/>
+          <a:chOff x="0" y="0"/>
+          <a:chExt cx="0" cy="0"/>
+        </a:xfrm>
+      </p:grpSpPr>
+      <p:sp>
+        <p:nvSpPr>
+          <p:cNvPr id="2" name="Title 1"/>
+          <p:cNvSpPr>
+            <a:spLocks noGrp="1"/>
+          </p:cNvSpPr>
+          <p:nvPr>
+            <p:ph type="title"/>
+          </p:nvPr>
+        </p:nvSpPr>
+        <p:spPr/>
+        <p:txBody>
+          <a:bodyPr/>
+          <a:lstStyle/>
+          <a:p>
+            <a:r>
+              <a:rPr lang="en-US" dirty="0"/>
+              <a:t>Strong consistency</a:t>
+            </a:r>
+          </a:p>
+        </p:txBody>
+      </p:sp>
+      <p:sp>
+        <p:nvSpPr>
+          <p:cNvPr id="3" name="Content Placeholder 2"/>
+          <p:cNvSpPr>
+            <a:spLocks noGrp="1"/>
+          </p:cNvSpPr>
+          <p:nvPr>
+            <p:ph idx="1"/>
+          </p:nvPr>
+        </p:nvSpPr>
+        <p:spPr/>
+        <p:txBody>
+          <a:bodyPr/>
+          <a:lstStyle/>
+          <a:p>
+            <a:pPr marL="0" indent="0">
+              <a:buNone/>
+            </a:pPr>
+            <a:r>
+              <a:rPr lang="en-US" dirty="0" smtClean="0"/>
+              <a:t>Drawbacks:</a:t>
+            </a:r>
+          </a:p>
+          <a:p>
+            <a:pPr marL="0" indent="0">
+              <a:buNone/>
+            </a:pPr>
+            <a:endParaRPr lang="en-US" dirty="0"/>
+          </a:p>
+          <a:p>
+            <a:pPr marL="0" indent="0">
+              <a:buNone/>
+            </a:pPr>
+            <a:r>
+              <a:rPr lang="en-US" dirty="0" smtClean="0"/>
+              <a:t>Latency, availability, partition tolerance</a:t>
+            </a:r>
+            <a:endParaRPr lang="en-US" dirty="0"/>
+          </a:p>
+        </p:txBody>
+      </p:sp>
+    </p:spTree>
+    <p:extLst>
+      <p:ext uri="{BB962C8B-B14F-4D97-AF65-F5344CB8AC3E}">
+        <p14:creationId xmlns:p14="http://schemas.microsoft.com/office/powerpoint/2010/main" val="966367386"/>
+      </p:ext>
+    </p:extLst>
+  </p:cSld>
+  <p:clrMapOvr>
+    <a:masterClrMapping/>
+  </p:clrMapOvr>
+  <p:timing>
+    <p:tnLst>
+      <p:par>
+        <p:cTn xmlns:p14="http://schemas.microsoft.com/office/powerpoint/2010/main" id="1" dur="indefinite" restart="never" nodeType="tmRoot"/>
+      </p:par>
+    </p:tnLst>
+  </p:timing>
+</p:sld>
+</file>
+
+<file path=ppt/slides/slide18.xml><?xml version="1.0" encoding="utf-8"?>
+<p:sld xmlns:a="http://schemas.openxmlformats.org/drawingml/2006/main" xmlns:r="http://schemas.openxmlformats.org/officeDocument/2006/relationships" xmlns:p="http://schemas.openxmlformats.org/presentationml/2006/main">
+  <p:cSld>
+    <p:spTree>
+      <p:nvGrpSpPr>
+        <p:cNvPr id="1" name=""/>
+        <p:cNvGrpSpPr/>
+        <p:nvPr/>
+      </p:nvGrpSpPr>
+      <p:grpSpPr>
+        <a:xfrm>
+          <a:off x="0" y="0"/>
+          <a:ext cx="0" cy="0"/>
+          <a:chOff x="0" y="0"/>
+          <a:chExt cx="0" cy="0"/>
+        </a:xfrm>
+      </p:grpSpPr>
+      <p:sp>
+        <p:nvSpPr>
+          <p:cNvPr id="2" name="Title 1"/>
+          <p:cNvSpPr>
+            <a:spLocks noGrp="1"/>
+          </p:cNvSpPr>
+          <p:nvPr>
+            <p:ph type="title"/>
+          </p:nvPr>
+        </p:nvSpPr>
+        <p:spPr/>
+        <p:txBody>
+          <a:bodyPr/>
+          <a:lstStyle/>
+          <a:p>
+            <a:r>
+              <a:rPr lang="en-US" dirty="0" smtClean="0"/>
+              <a:t>Eventual Consistency</a:t>
+            </a:r>
+            <a:endParaRPr lang="en-US" dirty="0"/>
+          </a:p>
+        </p:txBody>
+      </p:sp>
+      <p:sp>
+        <p:nvSpPr>
+          <p:cNvPr id="3" name="Content Placeholder 2"/>
+          <p:cNvSpPr>
+            <a:spLocks noGrp="1"/>
+          </p:cNvSpPr>
+          <p:nvPr>
+            <p:ph idx="1"/>
+          </p:nvPr>
+        </p:nvSpPr>
+        <p:spPr/>
+        <p:txBody>
+          <a:bodyPr/>
+          <a:lstStyle/>
+          <a:p>
+            <a:endParaRPr lang="en-US"/>
+          </a:p>
+        </p:txBody>
+      </p:sp>
+    </p:spTree>
+    <p:extLst>
+      <p:ext uri="{BB962C8B-B14F-4D97-AF65-F5344CB8AC3E}">
+        <p14:creationId xmlns:p14="http://schemas.microsoft.com/office/powerpoint/2010/main" val="1485274014"/>
+      </p:ext>
+    </p:extLst>
+  </p:cSld>
+  <p:clrMapOvr>
+    <a:masterClrMapping/>
+  </p:clrMapOvr>
+  <p:timing>
+    <p:tnLst>
+      <p:par>
+        <p:cTn xmlns:p14="http://schemas.microsoft.com/office/powerpoint/2010/main" id="1" dur="indefinite" restart="never" nodeType="tmRoot"/>
+      </p:par>
+    </p:tnLst>
+  </p:timing>
+</p:sld>
+</file>
+
+<file path=ppt/slides/slide19.xml><?xml version="1.0" encoding="utf-8"?>
+<p:sld xmlns:a="http://schemas.openxmlformats.org/drawingml/2006/main" xmlns:r="http://schemas.openxmlformats.org/officeDocument/2006/relationships" xmlns:p="http://schemas.openxmlformats.org/presentationml/2006/main">
+  <p:cSld>
+    <p:spTree>
+      <p:nvGrpSpPr>
+        <p:cNvPr id="1" name=""/>
+        <p:cNvGrpSpPr/>
+        <p:nvPr/>
+      </p:nvGrpSpPr>
+      <p:grpSpPr>
+        <a:xfrm>
+          <a:off x="0" y="0"/>
+          <a:ext cx="0" cy="0"/>
+          <a:chOff x="0" y="0"/>
+          <a:chExt cx="0" cy="0"/>
+        </a:xfrm>
+      </p:grpSpPr>
+      <p:sp>
+        <p:nvSpPr>
+          <p:cNvPr id="2" name="Title 1"/>
+          <p:cNvSpPr>
+            <a:spLocks noGrp="1"/>
+          </p:cNvSpPr>
+          <p:nvPr>
+            <p:ph type="title"/>
+          </p:nvPr>
+        </p:nvSpPr>
+        <p:spPr/>
+        <p:txBody>
+          <a:bodyPr/>
+          <a:lstStyle/>
+          <a:p>
+            <a:r>
+              <a:rPr lang="en-US" dirty="0" smtClean="0"/>
+              <a:t>Eventual Consistency</a:t>
+            </a:r>
+            <a:endParaRPr lang="en-US" dirty="0"/>
+          </a:p>
+        </p:txBody>
+      </p:sp>
+      <p:sp>
+        <p:nvSpPr>
+          <p:cNvPr id="3" name="Content Placeholder 2"/>
+          <p:cNvSpPr>
+            <a:spLocks noGrp="1"/>
+          </p:cNvSpPr>
+          <p:nvPr>
+            <p:ph idx="1"/>
+          </p:nvPr>
+        </p:nvSpPr>
+        <p:spPr/>
+        <p:txBody>
+          <a:bodyPr/>
+          <a:lstStyle/>
+          <a:p>
+            <a:r>
+              <a:rPr lang="en-US" dirty="0" smtClean="0"/>
+              <a:t>Tolerate stale reads and concurrent writes</a:t>
+            </a:r>
+          </a:p>
+          <a:p>
+            <a:r>
+              <a:rPr lang="en-US" dirty="0" smtClean="0"/>
+              <a:t>Ensure that eventually* all replicas converge</a:t>
+            </a:r>
+          </a:p>
+          <a:p>
+            <a:endParaRPr lang="en-US" dirty="0"/>
+          </a:p>
+          <a:p>
+            <a:endParaRPr lang="en-US" sz="2800" dirty="0" smtClean="0"/>
+          </a:p>
+          <a:p>
+            <a:pPr marL="0" indent="0">
+              <a:buNone/>
+            </a:pPr>
+            <a:r>
+              <a:rPr lang="en-US" sz="2800" dirty="0" smtClean="0"/>
+              <a:t>* When activity has ceased and all messages are delivered to all replicas</a:t>
+            </a:r>
+            <a:endParaRPr lang="en-US" sz="2800" dirty="0"/>
+          </a:p>
+        </p:txBody>
+      </p:sp>
+    </p:spTree>
+    <p:extLst>
+      <p:ext uri="{BB962C8B-B14F-4D97-AF65-F5344CB8AC3E}">
+        <p14:creationId xmlns:p14="http://schemas.microsoft.com/office/powerpoint/2010/main" val="764692233"/>
+      </p:ext>
+    </p:extLst>
+  </p:cSld>
+  <p:clrMapOvr>
+    <a:masterClrMapping/>
+  </p:clrMapOvr>
+  <p:timing>
+    <p:tnLst>
+      <p:par>
+        <p:cTn xmlns:p14="http://schemas.microsoft.com/office/powerpoint/2010/main" id="1" dur="indefinite" restart="never" nodeType="tmRoot"/>
+      </p:par>
+    </p:tnLst>
+  </p:timing>
+</p:sld>
+</file>
+
+<file path=ppt/slides/slide2.xml><?xml version="1.0" encoding="utf-8"?>
+<p:sld xmlns:a="http://schemas.openxmlformats.org/drawingml/2006/main" xmlns:r="http://schemas.openxmlformats.org/officeDocument/2006/relationships" xmlns:p="http://schemas.openxmlformats.org/presentationml/2006/main">
+  <p:cSld>
+    <p:spTree>
+      <p:nvGrpSpPr>
+        <p:cNvPr id="1" name=""/>
+        <p:cNvGrpSpPr/>
+        <p:nvPr/>
+      </p:nvGrpSpPr>
+      <p:grpSpPr>
+        <a:xfrm>
+          <a:off x="0" y="0"/>
+          <a:ext cx="0" cy="0"/>
+          <a:chOff x="0" y="0"/>
+          <a:chExt cx="0" cy="0"/>
+        </a:xfrm>
+      </p:grpSpPr>
+      <p:sp>
+        <p:nvSpPr>
+          <p:cNvPr id="2" name="Title 1"/>
+          <p:cNvSpPr>
+            <a:spLocks noGrp="1"/>
+          </p:cNvSpPr>
+          <p:nvPr>
+            <p:ph type="title"/>
+          </p:nvPr>
+        </p:nvSpPr>
+        <p:spPr/>
+        <p:txBody>
+          <a:bodyPr/>
+          <a:lstStyle/>
+          <a:p>
+            <a:r>
+              <a:rPr lang="en-US" dirty="0" smtClean="0"/>
+              <a:t>Part I: Principles</a:t>
+            </a:r>
+            <a:endParaRPr lang="en-US" dirty="0"/>
+          </a:p>
+        </p:txBody>
+      </p:sp>
+    </p:spTree>
+    <p:extLst>
+      <p:ext uri="{BB962C8B-B14F-4D97-AF65-F5344CB8AC3E}">
+        <p14:creationId xmlns:p14="http://schemas.microsoft.com/office/powerpoint/2010/main" val="6984852"/>
+      </p:ext>
+    </p:extLst>
+  </p:cSld>
+  <p:clrMapOvr>
+    <a:masterClrMapping/>
+  </p:clrMapOvr>
+</p:sld>
+</file>
+
+<file path=ppt/slides/slide20.xml><?xml version="1.0" encoding="utf-8"?>
+<p:sld xmlns:a="http://schemas.openxmlformats.org/drawingml/2006/main" xmlns:r="http://schemas.openxmlformats.org/officeDocument/2006/relationships" xmlns:p="http://schemas.openxmlformats.org/presentationml/2006/main">
+  <p:cSld>
+    <p:spTree>
+      <p:nvGrpSpPr>
+        <p:cNvPr id="1" name=""/>
+        <p:cNvGrpSpPr/>
+        <p:nvPr/>
+      </p:nvGrpSpPr>
+      <p:grpSpPr>
+        <a:xfrm>
+          <a:off x="0" y="0"/>
+          <a:ext cx="0" cy="0"/>
+          <a:chOff x="0" y="0"/>
+          <a:chExt cx="0" cy="0"/>
+        </a:xfrm>
+      </p:grpSpPr>
+      <p:sp>
+        <p:nvSpPr>
+          <p:cNvPr id="2" name="Title 1"/>
+          <p:cNvSpPr>
+            <a:spLocks noGrp="1"/>
+          </p:cNvSpPr>
+          <p:nvPr>
+            <p:ph type="title"/>
+          </p:nvPr>
+        </p:nvSpPr>
+        <p:spPr/>
+        <p:txBody>
+          <a:bodyPr/>
+          <a:lstStyle/>
+          <a:p>
+            <a:r>
+              <a:rPr lang="en-US" dirty="0"/>
               <a:t>Eventual Consistency</a:t>
             </a:r>
           </a:p>
@@ -5608,10 +8855,17 @@
   <p:clrMapOvr>
     <a:masterClrMapping/>
   </p:clrMapOvr>
+  <p:timing>
+    <p:tnLst>
+      <p:par>
+        <p:cTn xmlns:p14="http://schemas.microsoft.com/office/powerpoint/2010/main" id="1" dur="indefinite" restart="never" nodeType="tmRoot"/>
+      </p:par>
+    </p:tnLst>
+  </p:timing>
 </p:sld>
 </file>
 
-<file path=ppt/slides/slide16.xml><?xml version="1.0" encoding="utf-8"?>
+<file path=ppt/slides/slide21.xml><?xml version="1.0" encoding="utf-8"?>
 <p:sld xmlns:a="http://schemas.openxmlformats.org/drawingml/2006/main" xmlns:r="http://schemas.openxmlformats.org/officeDocument/2006/relationships" xmlns:p="http://schemas.openxmlformats.org/presentationml/2006/main">
   <p:cSld>
     <p:spTree>
@@ -5784,10 +9038,17 @@
   <p:clrMapOvr>
     <a:masterClrMapping/>
   </p:clrMapOvr>
+  <p:timing>
+    <p:tnLst>
+      <p:par>
+        <p:cTn xmlns:p14="http://schemas.microsoft.com/office/powerpoint/2010/main" id="1" dur="indefinite" restart="never" nodeType="tmRoot"/>
+      </p:par>
+    </p:tnLst>
+  </p:timing>
 </p:sld>
 </file>
 
-<file path=ppt/slides/slide17.xml><?xml version="1.0" encoding="utf-8"?>
+<file path=ppt/slides/slide22.xml><?xml version="1.0" encoding="utf-8"?>
 <p:sld xmlns:a="http://schemas.openxmlformats.org/drawingml/2006/main" xmlns:r="http://schemas.openxmlformats.org/officeDocument/2006/relationships" xmlns:p="http://schemas.openxmlformats.org/presentationml/2006/main">
   <p:cSld>
     <p:spTree>
@@ -5964,698 +9225,6 @@
 </p:sld>
 </file>
 
-<file path=ppt/slides/slide18.xml><?xml version="1.0" encoding="utf-8"?>
-<p:sld xmlns:a="http://schemas.openxmlformats.org/drawingml/2006/main" xmlns:r="http://schemas.openxmlformats.org/officeDocument/2006/relationships" xmlns:p="http://schemas.openxmlformats.org/presentationml/2006/main">
-  <p:cSld>
-    <p:spTree>
-      <p:nvGrpSpPr>
-        <p:cNvPr id="1" name=""/>
-        <p:cNvGrpSpPr/>
-        <p:nvPr/>
-      </p:nvGrpSpPr>
-      <p:grpSpPr>
-        <a:xfrm>
-          <a:off x="0" y="0"/>
-          <a:ext cx="0" cy="0"/>
-          <a:chOff x="0" y="0"/>
-          <a:chExt cx="0" cy="0"/>
-        </a:xfrm>
-      </p:grpSpPr>
-      <p:sp>
-        <p:nvSpPr>
-          <p:cNvPr id="2" name="Title 1"/>
-          <p:cNvSpPr>
-            <a:spLocks noGrp="1"/>
-          </p:cNvSpPr>
-          <p:nvPr>
-            <p:ph type="title"/>
-          </p:nvPr>
-        </p:nvSpPr>
-        <p:spPr/>
-        <p:txBody>
-          <a:bodyPr/>
-          <a:lstStyle/>
-          <a:p>
-            <a:r>
-              <a:rPr lang="en-US" dirty="0" smtClean="0"/>
-              <a:t>There’s stuff you can do in</a:t>
-            </a:r>
-            <a:endParaRPr lang="en-US" dirty="0"/>
-          </a:p>
-        </p:txBody>
-      </p:sp>
-      <p:sp>
-        <p:nvSpPr>
-          <p:cNvPr id="3" name="Content Placeholder 2"/>
-          <p:cNvSpPr>
-            <a:spLocks noGrp="1"/>
-          </p:cNvSpPr>
-          <p:nvPr>
-            <p:ph idx="1"/>
-          </p:nvPr>
-        </p:nvSpPr>
-        <p:spPr/>
-        <p:txBody>
-          <a:bodyPr>
-            <a:normAutofit fontScale="92500" lnSpcReduction="10000"/>
-          </a:bodyPr>
-          <a:lstStyle/>
-          <a:p>
-            <a:r>
-              <a:rPr lang="en-US" dirty="0" smtClean="0"/>
-              <a:t>The storage layer…. Or you can pop up.</a:t>
-            </a:r>
-          </a:p>
-          <a:p>
-            <a:endParaRPr lang="en-US" dirty="0"/>
-          </a:p>
-          <a:p>
-            <a:r>
-              <a:rPr lang="en-US" dirty="0" smtClean="0"/>
-              <a:t>Layer </a:t>
-            </a:r>
-            <a:r>
-              <a:rPr lang="en-US" dirty="0" err="1" smtClean="0"/>
-              <a:t>vs</a:t>
-            </a:r>
-            <a:r>
-              <a:rPr lang="en-US" dirty="0" smtClean="0"/>
-              <a:t> language</a:t>
-            </a:r>
-          </a:p>
-          <a:p>
-            <a:r>
-              <a:rPr lang="en-US" dirty="0" smtClean="0"/>
-              <a:t>Sequential emulation at the storage layer</a:t>
-            </a:r>
-          </a:p>
-          <a:p>
-            <a:r>
-              <a:rPr lang="en-US" dirty="0" err="1" smtClean="0"/>
-              <a:t>Crdts</a:t>
-            </a:r>
-            <a:r>
-              <a:rPr lang="en-US" dirty="0" smtClean="0"/>
-              <a:t> – state-centric attempt to achieve relaxed ordering (object-by-object)</a:t>
-            </a:r>
-          </a:p>
-          <a:p>
-            <a:r>
-              <a:rPr lang="en-US" dirty="0" smtClean="0"/>
-              <a:t>Then bloom </a:t>
-            </a:r>
-          </a:p>
-          <a:p>
-            <a:r>
-              <a:rPr lang="en-US" dirty="0" smtClean="0"/>
-              <a:t>The programming model should match the computation model </a:t>
-            </a:r>
-            <a:endParaRPr lang="en-US" dirty="0"/>
-          </a:p>
-        </p:txBody>
-      </p:sp>
-    </p:spTree>
-    <p:extLst>
-      <p:ext uri="{BB962C8B-B14F-4D97-AF65-F5344CB8AC3E}">
-        <p14:creationId xmlns:p14="http://schemas.microsoft.com/office/powerpoint/2010/main" val="4178425094"/>
-      </p:ext>
-    </p:extLst>
-  </p:cSld>
-  <p:clrMapOvr>
-    <a:masterClrMapping/>
-  </p:clrMapOvr>
-</p:sld>
-</file>
-
-<file path=ppt/slides/slide19.xml><?xml version="1.0" encoding="utf-8"?>
-<p:sld xmlns:a="http://schemas.openxmlformats.org/drawingml/2006/main" xmlns:r="http://schemas.openxmlformats.org/officeDocument/2006/relationships" xmlns:p="http://schemas.openxmlformats.org/presentationml/2006/main">
-  <p:cSld>
-    <p:spTree>
-      <p:nvGrpSpPr>
-        <p:cNvPr id="1" name=""/>
-        <p:cNvGrpSpPr/>
-        <p:nvPr/>
-      </p:nvGrpSpPr>
-      <p:grpSpPr>
-        <a:xfrm>
-          <a:off x="0" y="0"/>
-          <a:ext cx="0" cy="0"/>
-          <a:chOff x="0" y="0"/>
-          <a:chExt cx="0" cy="0"/>
-        </a:xfrm>
-      </p:grpSpPr>
-      <p:sp>
-        <p:nvSpPr>
-          <p:cNvPr id="2" name="Title 1"/>
-          <p:cNvSpPr>
-            <a:spLocks noGrp="1"/>
-          </p:cNvSpPr>
-          <p:nvPr>
-            <p:ph type="title"/>
-          </p:nvPr>
-        </p:nvSpPr>
-        <p:spPr/>
-        <p:txBody>
-          <a:bodyPr>
-            <a:normAutofit fontScale="90000"/>
-          </a:bodyPr>
-          <a:lstStyle/>
-          <a:p>
-            <a:r>
-              <a:rPr lang="en-US" dirty="0" smtClean="0"/>
-              <a:t>Distributed design patterns</a:t>
-            </a:r>
-            <a:br>
-              <a:rPr lang="en-US" dirty="0" smtClean="0"/>
-            </a:br>
-            <a:r>
-              <a:rPr lang="en-US" dirty="0" smtClean="0"/>
-              <a:t>for eventual consistency</a:t>
-            </a:r>
-            <a:endParaRPr lang="en-US" dirty="0"/>
-          </a:p>
-        </p:txBody>
-      </p:sp>
-      <p:sp>
-        <p:nvSpPr>
-          <p:cNvPr id="3" name="Content Placeholder 2"/>
-          <p:cNvSpPr>
-            <a:spLocks noGrp="1"/>
-          </p:cNvSpPr>
-          <p:nvPr>
-            <p:ph idx="1"/>
-          </p:nvPr>
-        </p:nvSpPr>
-        <p:spPr/>
-        <p:txBody>
-          <a:bodyPr/>
-          <a:lstStyle/>
-          <a:p>
-            <a:endParaRPr lang="en-US" dirty="0"/>
-          </a:p>
-        </p:txBody>
-      </p:sp>
-    </p:spTree>
-    <p:extLst>
-      <p:ext uri="{BB962C8B-B14F-4D97-AF65-F5344CB8AC3E}">
-        <p14:creationId xmlns:p14="http://schemas.microsoft.com/office/powerpoint/2010/main" val="1464956512"/>
-      </p:ext>
-    </p:extLst>
-  </p:cSld>
-  <p:clrMapOvr>
-    <a:masterClrMapping/>
-  </p:clrMapOvr>
-</p:sld>
-</file>
-
-<file path=ppt/slides/slide2.xml><?xml version="1.0" encoding="utf-8"?>
-<p:sld xmlns:a="http://schemas.openxmlformats.org/drawingml/2006/main" xmlns:r="http://schemas.openxmlformats.org/officeDocument/2006/relationships" xmlns:p="http://schemas.openxmlformats.org/presentationml/2006/main">
-  <p:cSld>
-    <p:spTree>
-      <p:nvGrpSpPr>
-        <p:cNvPr id="1" name=""/>
-        <p:cNvGrpSpPr/>
-        <p:nvPr/>
-      </p:nvGrpSpPr>
-      <p:grpSpPr>
-        <a:xfrm>
-          <a:off x="0" y="0"/>
-          <a:ext cx="0" cy="0"/>
-          <a:chOff x="0" y="0"/>
-          <a:chExt cx="0" cy="0"/>
-        </a:xfrm>
-      </p:grpSpPr>
-      <p:sp>
-        <p:nvSpPr>
-          <p:cNvPr id="2" name="Title 1"/>
-          <p:cNvSpPr>
-            <a:spLocks noGrp="1"/>
-          </p:cNvSpPr>
-          <p:nvPr>
-            <p:ph type="title"/>
-          </p:nvPr>
-        </p:nvSpPr>
-        <p:spPr/>
-        <p:txBody>
-          <a:bodyPr/>
-          <a:lstStyle/>
-          <a:p>
-            <a:r>
-              <a:rPr lang="en-US" dirty="0" smtClean="0"/>
-              <a:t>Part I: Principles</a:t>
-            </a:r>
-            <a:endParaRPr lang="en-US" dirty="0"/>
-          </a:p>
-        </p:txBody>
-      </p:sp>
-    </p:spTree>
-    <p:extLst>
-      <p:ext uri="{BB962C8B-B14F-4D97-AF65-F5344CB8AC3E}">
-        <p14:creationId xmlns:p14="http://schemas.microsoft.com/office/powerpoint/2010/main" val="6984852"/>
-      </p:ext>
-    </p:extLst>
-  </p:cSld>
-  <p:clrMapOvr>
-    <a:masterClrMapping/>
-  </p:clrMapOvr>
-</p:sld>
-</file>
-
-<file path=ppt/slides/slide20.xml><?xml version="1.0" encoding="utf-8"?>
-<p:sld xmlns:a="http://schemas.openxmlformats.org/drawingml/2006/main" xmlns:r="http://schemas.openxmlformats.org/officeDocument/2006/relationships" xmlns:p="http://schemas.openxmlformats.org/presentationml/2006/main">
-  <p:cSld>
-    <p:spTree>
-      <p:nvGrpSpPr>
-        <p:cNvPr id="1" name=""/>
-        <p:cNvGrpSpPr/>
-        <p:nvPr/>
-      </p:nvGrpSpPr>
-      <p:grpSpPr>
-        <a:xfrm>
-          <a:off x="0" y="0"/>
-          <a:ext cx="0" cy="0"/>
-          <a:chOff x="0" y="0"/>
-          <a:chExt cx="0" cy="0"/>
-        </a:xfrm>
-      </p:grpSpPr>
-      <p:sp>
-        <p:nvSpPr>
-          <p:cNvPr id="2" name="Title 1"/>
-          <p:cNvSpPr>
-            <a:spLocks noGrp="1"/>
-          </p:cNvSpPr>
-          <p:nvPr>
-            <p:ph type="title"/>
-          </p:nvPr>
-        </p:nvSpPr>
-        <p:spPr/>
-        <p:txBody>
-          <a:bodyPr/>
-          <a:lstStyle/>
-          <a:p>
-            <a:r>
-              <a:rPr lang="en-US" dirty="0" smtClean="0"/>
-              <a:t>ACID 2.0</a:t>
-            </a:r>
-            <a:endParaRPr lang="en-US" dirty="0"/>
-          </a:p>
-        </p:txBody>
-      </p:sp>
-      <p:sp>
-        <p:nvSpPr>
-          <p:cNvPr id="3" name="Content Placeholder 2"/>
-          <p:cNvSpPr>
-            <a:spLocks noGrp="1"/>
-          </p:cNvSpPr>
-          <p:nvPr>
-            <p:ph idx="1"/>
-          </p:nvPr>
-        </p:nvSpPr>
-        <p:spPr/>
-        <p:txBody>
-          <a:bodyPr>
-            <a:normAutofit fontScale="70000" lnSpcReduction="20000"/>
-          </a:bodyPr>
-          <a:lstStyle/>
-          <a:p>
-            <a:pPr marL="0" indent="0">
-              <a:buNone/>
-            </a:pPr>
-            <a:r>
-              <a:rPr lang="en-US" dirty="0"/>
-              <a:t>The classic ACID has the goal to make the application </a:t>
-            </a:r>
-            <a:r>
-              <a:rPr lang="en-US" dirty="0" smtClean="0"/>
-              <a:t>perceive </a:t>
-            </a:r>
-            <a:r>
-              <a:rPr lang="en-US" dirty="0"/>
-              <a:t>that there is exactly one computer and it is doing nothing </a:t>
-            </a:r>
-            <a:r>
-              <a:rPr lang="en-US" dirty="0" smtClean="0"/>
-              <a:t>else </a:t>
-            </a:r>
-            <a:r>
-              <a:rPr lang="en-US" dirty="0"/>
-              <a:t>while this transaction is being processed.</a:t>
-            </a:r>
-          </a:p>
-          <a:p>
-            <a:pPr marL="0" indent="0">
-              <a:buNone/>
-            </a:pPr>
-            <a:endParaRPr lang="en-US" dirty="0"/>
-          </a:p>
-          <a:p>
-            <a:pPr marL="0" indent="0">
-              <a:buNone/>
-            </a:pPr>
-            <a:r>
-              <a:rPr lang="en-US" dirty="0"/>
-              <a:t>Consider the new ACID (or ACID2.0).  The letters stand for: </a:t>
-            </a:r>
-            <a:r>
-              <a:rPr lang="en-US" dirty="0" smtClean="0"/>
-              <a:t>Associative</a:t>
-            </a:r>
-            <a:r>
-              <a:rPr lang="en-US" dirty="0"/>
-              <a:t>, Commutative, Idempotent, and </a:t>
-            </a:r>
-            <a:r>
-              <a:rPr lang="en-US" dirty="0" smtClean="0"/>
-              <a:t>Distributed.  The goal </a:t>
-            </a:r>
-            <a:r>
-              <a:rPr lang="en-US" dirty="0"/>
-              <a:t>for ACID2.0 is to succeed if the pieces of the </a:t>
-            </a:r>
-            <a:r>
-              <a:rPr lang="en-US" dirty="0" smtClean="0"/>
-              <a:t>work happen</a:t>
-            </a:r>
-            <a:r>
-              <a:rPr lang="en-US" dirty="0"/>
-              <a:t>:</a:t>
-            </a:r>
-          </a:p>
-          <a:p>
-            <a:pPr marL="0" indent="0">
-              <a:buNone/>
-            </a:pPr>
-            <a:endParaRPr lang="en-US" dirty="0"/>
-          </a:p>
-          <a:p>
-            <a:pPr marL="0" indent="0">
-              <a:buNone/>
-            </a:pPr>
-            <a:r>
-              <a:rPr lang="en-US" dirty="0"/>
-              <a:t> At least once</a:t>
-            </a:r>
-            <a:r>
-              <a:rPr lang="en-US" dirty="0" smtClean="0"/>
-              <a:t>,</a:t>
-            </a:r>
-            <a:endParaRPr lang="en-US" dirty="0"/>
-          </a:p>
-          <a:p>
-            <a:pPr marL="0" indent="0">
-              <a:buNone/>
-            </a:pPr>
-            <a:r>
-              <a:rPr lang="en-US" dirty="0"/>
-              <a:t> Anywhere in the system</a:t>
-            </a:r>
-            <a:r>
-              <a:rPr lang="en-US" dirty="0" smtClean="0"/>
-              <a:t>,</a:t>
-            </a:r>
-            <a:endParaRPr lang="en-US" dirty="0"/>
-          </a:p>
-          <a:p>
-            <a:pPr marL="0" indent="0">
-              <a:buNone/>
-            </a:pPr>
-            <a:r>
-              <a:rPr lang="en-US" dirty="0"/>
-              <a:t> In any order</a:t>
-            </a:r>
-            <a:r>
-              <a:rPr lang="en-US" dirty="0" smtClean="0"/>
-              <a:t>.</a:t>
-            </a:r>
-          </a:p>
-          <a:p>
-            <a:pPr marL="0" indent="0">
-              <a:buNone/>
-            </a:pPr>
-            <a:endParaRPr lang="en-US" dirty="0"/>
-          </a:p>
-          <a:p>
-            <a:pPr marL="0" indent="0">
-              <a:buNone/>
-            </a:pPr>
-            <a:r>
-              <a:rPr lang="en-US" dirty="0" smtClean="0"/>
-              <a:t>										- Pat </a:t>
-            </a:r>
-            <a:r>
-              <a:rPr lang="en-US" dirty="0" err="1" smtClean="0"/>
-              <a:t>Helland</a:t>
-            </a:r>
-            <a:r>
-              <a:rPr lang="en-US" dirty="0" smtClean="0"/>
-              <a:t>,</a:t>
-            </a:r>
-          </a:p>
-          <a:p>
-            <a:pPr marL="0" indent="0">
-              <a:buNone/>
-            </a:pPr>
-            <a:r>
-              <a:rPr lang="en-US" dirty="0"/>
-              <a:t>	</a:t>
-            </a:r>
-            <a:r>
-              <a:rPr lang="en-US" dirty="0" smtClean="0"/>
-              <a:t>									</a:t>
-            </a:r>
-            <a:r>
-              <a:rPr lang="en-US" i="1" dirty="0" smtClean="0"/>
-              <a:t>Building on quicksand</a:t>
-            </a:r>
-            <a:endParaRPr lang="en-US" i="1" dirty="0"/>
-          </a:p>
-        </p:txBody>
-      </p:sp>
-    </p:spTree>
-    <p:extLst>
-      <p:ext uri="{BB962C8B-B14F-4D97-AF65-F5344CB8AC3E}">
-        <p14:creationId xmlns:p14="http://schemas.microsoft.com/office/powerpoint/2010/main" val="2522880521"/>
-      </p:ext>
-    </p:extLst>
-  </p:cSld>
-  <p:clrMapOvr>
-    <a:masterClrMapping/>
-  </p:clrMapOvr>
-</p:sld>
-</file>
-
-<file path=ppt/slides/slide21.xml><?xml version="1.0" encoding="utf-8"?>
-<p:sld xmlns:a="http://schemas.openxmlformats.org/drawingml/2006/main" xmlns:r="http://schemas.openxmlformats.org/officeDocument/2006/relationships" xmlns:p="http://schemas.openxmlformats.org/presentationml/2006/main">
-  <p:cSld>
-    <p:spTree>
-      <p:nvGrpSpPr>
-        <p:cNvPr id="1" name=""/>
-        <p:cNvGrpSpPr/>
-        <p:nvPr/>
-      </p:nvGrpSpPr>
-      <p:grpSpPr>
-        <a:xfrm>
-          <a:off x="0" y="0"/>
-          <a:ext cx="0" cy="0"/>
-          <a:chOff x="0" y="0"/>
-          <a:chExt cx="0" cy="0"/>
-        </a:xfrm>
-      </p:grpSpPr>
-      <p:sp>
-        <p:nvSpPr>
-          <p:cNvPr id="2" name="Title 1"/>
-          <p:cNvSpPr>
-            <a:spLocks noGrp="1"/>
-          </p:cNvSpPr>
-          <p:nvPr>
-            <p:ph type="title"/>
-          </p:nvPr>
-        </p:nvSpPr>
-        <p:spPr/>
-        <p:txBody>
-          <a:bodyPr/>
-          <a:lstStyle/>
-          <a:p>
-            <a:r>
-              <a:rPr lang="en-US" dirty="0" smtClean="0"/>
-              <a:t>ACID 2.0</a:t>
-            </a:r>
-            <a:endParaRPr lang="en-US" dirty="0"/>
-          </a:p>
-        </p:txBody>
-      </p:sp>
-      <p:sp>
-        <p:nvSpPr>
-          <p:cNvPr id="3" name="Content Placeholder 2"/>
-          <p:cNvSpPr>
-            <a:spLocks noGrp="1"/>
-          </p:cNvSpPr>
-          <p:nvPr>
-            <p:ph idx="1"/>
-          </p:nvPr>
-        </p:nvSpPr>
-        <p:spPr/>
-        <p:txBody>
-          <a:bodyPr/>
-          <a:lstStyle/>
-          <a:p>
-            <a:r>
-              <a:rPr lang="en-US" dirty="0" smtClean="0"/>
-              <a:t>Associative --  operations can be ``eagerly’’ processed</a:t>
-            </a:r>
-          </a:p>
-          <a:p>
-            <a:r>
-              <a:rPr lang="en-US" dirty="0" smtClean="0"/>
-              <a:t>Commutative – operations can be reordered</a:t>
-            </a:r>
-          </a:p>
-          <a:p>
-            <a:r>
-              <a:rPr lang="en-US" dirty="0" smtClean="0"/>
-              <a:t>Idempotent – retry is always an option</a:t>
-            </a:r>
-          </a:p>
-          <a:p>
-            <a:r>
-              <a:rPr lang="en-US" dirty="0" smtClean="0"/>
-              <a:t>Distributed – </a:t>
-            </a:r>
-            <a:r>
-              <a:rPr lang="en-US" smtClean="0"/>
-              <a:t>(needed a ``D’’)</a:t>
-            </a:r>
-          </a:p>
-          <a:p>
-            <a:endParaRPr lang="en-US" dirty="0"/>
-          </a:p>
-        </p:txBody>
-      </p:sp>
-    </p:spTree>
-    <p:extLst>
-      <p:ext uri="{BB962C8B-B14F-4D97-AF65-F5344CB8AC3E}">
-        <p14:creationId xmlns:p14="http://schemas.microsoft.com/office/powerpoint/2010/main" val="1789692968"/>
-      </p:ext>
-    </p:extLst>
-  </p:cSld>
-  <p:clrMapOvr>
-    <a:masterClrMapping/>
-  </p:clrMapOvr>
-</p:sld>
-</file>
-
-<file path=ppt/slides/slide22.xml><?xml version="1.0" encoding="utf-8"?>
-<p:sld xmlns:a="http://schemas.openxmlformats.org/drawingml/2006/main" xmlns:r="http://schemas.openxmlformats.org/officeDocument/2006/relationships" xmlns:p="http://schemas.openxmlformats.org/presentationml/2006/main">
-  <p:cSld>
-    <p:spTree>
-      <p:nvGrpSpPr>
-        <p:cNvPr id="1" name=""/>
-        <p:cNvGrpSpPr/>
-        <p:nvPr/>
-      </p:nvGrpSpPr>
-      <p:grpSpPr>
-        <a:xfrm>
-          <a:off x="0" y="0"/>
-          <a:ext cx="0" cy="0"/>
-          <a:chOff x="0" y="0"/>
-          <a:chExt cx="0" cy="0"/>
-        </a:xfrm>
-      </p:grpSpPr>
-      <p:sp>
-        <p:nvSpPr>
-          <p:cNvPr id="2" name="Title 1"/>
-          <p:cNvSpPr>
-            <a:spLocks noGrp="1"/>
-          </p:cNvSpPr>
-          <p:nvPr>
-            <p:ph type="title"/>
-          </p:nvPr>
-        </p:nvSpPr>
-        <p:spPr/>
-        <p:txBody>
-          <a:bodyPr/>
-          <a:lstStyle/>
-          <a:p>
-            <a:r>
-              <a:rPr lang="en-US" dirty="0" smtClean="0"/>
-              <a:t>ACID 2.0</a:t>
-            </a:r>
-            <a:endParaRPr lang="en-US" dirty="0"/>
-          </a:p>
-        </p:txBody>
-      </p:sp>
-      <p:sp>
-        <p:nvSpPr>
-          <p:cNvPr id="3" name="Content Placeholder 2"/>
-          <p:cNvSpPr>
-            <a:spLocks noGrp="1"/>
-          </p:cNvSpPr>
-          <p:nvPr>
-            <p:ph idx="1"/>
-          </p:nvPr>
-        </p:nvSpPr>
-        <p:spPr/>
-        <p:txBody>
-          <a:bodyPr/>
-          <a:lstStyle/>
-          <a:p>
-            <a:pPr marL="0" indent="0">
-              <a:buNone/>
-            </a:pPr>
-            <a:r>
-              <a:rPr lang="en-US" dirty="0" smtClean="0"/>
-              <a:t>Instead of low-level reads and writes programmers use an abstract vocabulary of </a:t>
-            </a:r>
-            <a:r>
-              <a:rPr lang="en-US" dirty="0" err="1" smtClean="0"/>
-              <a:t>reorderable</a:t>
-            </a:r>
-            <a:r>
-              <a:rPr lang="en-US" dirty="0" smtClean="0"/>
-              <a:t>, </a:t>
-            </a:r>
-            <a:r>
-              <a:rPr lang="en-US" dirty="0" err="1" smtClean="0"/>
-              <a:t>retryable</a:t>
-            </a:r>
-            <a:r>
-              <a:rPr lang="en-US" dirty="0" smtClean="0"/>
-              <a:t> actions:</a:t>
-            </a:r>
-            <a:endParaRPr lang="en-US" dirty="0"/>
-          </a:p>
-          <a:p>
-            <a:r>
-              <a:rPr lang="en-US" dirty="0" smtClean="0"/>
-              <a:t>Retry – a mechanism to ensure that all messages are delivered</a:t>
-            </a:r>
-          </a:p>
-          <a:p>
-            <a:r>
-              <a:rPr lang="en-US" dirty="0" err="1" smtClean="0"/>
-              <a:t>Reorderability</a:t>
-            </a:r>
-            <a:r>
-              <a:rPr lang="en-US" dirty="0" smtClean="0"/>
-              <a:t> -- ensures that all replicas converge</a:t>
-            </a:r>
-            <a:endParaRPr lang="en-US" dirty="0"/>
-          </a:p>
-        </p:txBody>
-      </p:sp>
-    </p:spTree>
-    <p:extLst>
-      <p:ext uri="{BB962C8B-B14F-4D97-AF65-F5344CB8AC3E}">
-        <p14:creationId xmlns:p14="http://schemas.microsoft.com/office/powerpoint/2010/main" val="2937378636"/>
-      </p:ext>
-    </p:extLst>
-  </p:cSld>
-  <p:clrMapOvr>
-    <a:masterClrMapping/>
-  </p:clrMapOvr>
-</p:sld>
-</file>
-
 <file path=ppt/slides/slide23.xml><?xml version="1.0" encoding="utf-8"?>
 <p:sld xmlns:a="http://schemas.openxmlformats.org/drawingml/2006/main" xmlns:r="http://schemas.openxmlformats.org/officeDocument/2006/relationships" xmlns:p="http://schemas.openxmlformats.org/presentationml/2006/main">
   <p:cSld>
@@ -6690,7 +9259,7 @@
           <a:p>
             <a:r>
               <a:rPr lang="en-US" dirty="0" smtClean="0"/>
-              <a:t>Putting ACID 2.0 into practice</a:t>
+              <a:t>There’s stuff you can do in</a:t>
             </a:r>
             <a:endParaRPr lang="en-US" dirty="0"/>
           </a:p>
@@ -6708,17 +9277,68 @@
         </p:nvSpPr>
         <p:spPr/>
         <p:txBody>
-          <a:bodyPr/>
-          <a:lstStyle/>
-          <a:p>
-            <a:endParaRPr lang="en-US"/>
+          <a:bodyPr>
+            <a:normAutofit fontScale="92500" lnSpcReduction="10000"/>
+          </a:bodyPr>
+          <a:lstStyle/>
+          <a:p>
+            <a:r>
+              <a:rPr lang="en-US" dirty="0" smtClean="0"/>
+              <a:t>The storage layer…. Or you can pop up.</a:t>
+            </a:r>
+          </a:p>
+          <a:p>
+            <a:endParaRPr lang="en-US" dirty="0"/>
+          </a:p>
+          <a:p>
+            <a:r>
+              <a:rPr lang="en-US" dirty="0" smtClean="0"/>
+              <a:t>Layer </a:t>
+            </a:r>
+            <a:r>
+              <a:rPr lang="en-US" dirty="0" err="1" smtClean="0"/>
+              <a:t>vs</a:t>
+            </a:r>
+            <a:r>
+              <a:rPr lang="en-US" dirty="0" smtClean="0"/>
+              <a:t> language</a:t>
+            </a:r>
+          </a:p>
+          <a:p>
+            <a:r>
+              <a:rPr lang="en-US" dirty="0" smtClean="0"/>
+              <a:t>Sequential emulation at the storage layer</a:t>
+            </a:r>
+          </a:p>
+          <a:p>
+            <a:r>
+              <a:rPr lang="en-US" dirty="0" err="1" smtClean="0"/>
+              <a:t>Crdts</a:t>
+            </a:r>
+            <a:r>
+              <a:rPr lang="en-US" dirty="0" smtClean="0"/>
+              <a:t> – state-centric attempt to achieve relaxed ordering (object-by-object)</a:t>
+            </a:r>
+          </a:p>
+          <a:p>
+            <a:r>
+              <a:rPr lang="en-US" dirty="0" smtClean="0"/>
+              <a:t>Then bloom </a:t>
+            </a:r>
+          </a:p>
+          <a:p>
+            <a:r>
+              <a:rPr lang="en-US" dirty="0" smtClean="0"/>
+              <a:t>The programming model should match the computation model </a:t>
+            </a:r>
+            <a:endParaRPr lang="en-US" dirty="0"/>
           </a:p>
         </p:txBody>
       </p:sp>
     </p:spTree>
     <p:extLst>
       <p:ext uri="{BB962C8B-B14F-4D97-AF65-F5344CB8AC3E}">
-        <p14:creationId xmlns:p14="http://schemas.microsoft.com/office/powerpoint/2010/main" val="2440150099"/>
+        <p14:creationId xmlns:p14="http://schemas.microsoft.com/office/powerpoint/2010/main" val="4178425094"/>
       </p:ext>
     </p:extLst>
   </p:cSld>
@@ -6757,6 +9377,594 @@
         </p:nvSpPr>
         <p:spPr/>
         <p:txBody>
+          <a:bodyPr>
+            <a:normAutofit fontScale="90000"/>
+          </a:bodyPr>
+          <a:lstStyle/>
+          <a:p>
+            <a:r>
+              <a:rPr lang="en-US" dirty="0" smtClean="0"/>
+              <a:t>Distributed design patterns</a:t>
+            </a:r>
+            <a:br>
+              <a:rPr lang="en-US" dirty="0" smtClean="0"/>
+            </a:br>
+            <a:r>
+              <a:rPr lang="en-US" dirty="0" smtClean="0"/>
+              <a:t>for eventual consistency</a:t>
+            </a:r>
+            <a:endParaRPr lang="en-US" dirty="0"/>
+          </a:p>
+        </p:txBody>
+      </p:sp>
+      <p:sp>
+        <p:nvSpPr>
+          <p:cNvPr id="3" name="Content Placeholder 2"/>
+          <p:cNvSpPr>
+            <a:spLocks noGrp="1"/>
+          </p:cNvSpPr>
+          <p:nvPr>
+            <p:ph idx="1"/>
+          </p:nvPr>
+        </p:nvSpPr>
+        <p:spPr/>
+        <p:txBody>
+          <a:bodyPr/>
+          <a:lstStyle/>
+          <a:p>
+            <a:endParaRPr lang="en-US" dirty="0"/>
+          </a:p>
+        </p:txBody>
+      </p:sp>
+    </p:spTree>
+    <p:extLst>
+      <p:ext uri="{BB962C8B-B14F-4D97-AF65-F5344CB8AC3E}">
+        <p14:creationId xmlns:p14="http://schemas.microsoft.com/office/powerpoint/2010/main" val="1464956512"/>
+      </p:ext>
+    </p:extLst>
+  </p:cSld>
+  <p:clrMapOvr>
+    <a:masterClrMapping/>
+  </p:clrMapOvr>
+</p:sld>
+</file>
+
+<file path=ppt/slides/slide25.xml><?xml version="1.0" encoding="utf-8"?>
+<p:sld xmlns:a="http://schemas.openxmlformats.org/drawingml/2006/main" xmlns:r="http://schemas.openxmlformats.org/officeDocument/2006/relationships" xmlns:p="http://schemas.openxmlformats.org/presentationml/2006/main">
+  <p:cSld>
+    <p:spTree>
+      <p:nvGrpSpPr>
+        <p:cNvPr id="1" name=""/>
+        <p:cNvGrpSpPr/>
+        <p:nvPr/>
+      </p:nvGrpSpPr>
+      <p:grpSpPr>
+        <a:xfrm>
+          <a:off x="0" y="0"/>
+          <a:ext cx="0" cy="0"/>
+          <a:chOff x="0" y="0"/>
+          <a:chExt cx="0" cy="0"/>
+        </a:xfrm>
+      </p:grpSpPr>
+      <p:sp>
+        <p:nvSpPr>
+          <p:cNvPr id="2" name="Title 1"/>
+          <p:cNvSpPr>
+            <a:spLocks noGrp="1"/>
+          </p:cNvSpPr>
+          <p:nvPr>
+            <p:ph type="title"/>
+          </p:nvPr>
+        </p:nvSpPr>
+        <p:spPr/>
+        <p:txBody>
+          <a:bodyPr/>
+          <a:lstStyle/>
+          <a:p>
+            <a:r>
+              <a:rPr lang="en-US" dirty="0" smtClean="0"/>
+              <a:t>ACID 2.0</a:t>
+            </a:r>
+            <a:endParaRPr lang="en-US" dirty="0"/>
+          </a:p>
+        </p:txBody>
+      </p:sp>
+      <p:sp>
+        <p:nvSpPr>
+          <p:cNvPr id="3" name="Content Placeholder 2"/>
+          <p:cNvSpPr>
+            <a:spLocks noGrp="1"/>
+          </p:cNvSpPr>
+          <p:nvPr>
+            <p:ph idx="1"/>
+          </p:nvPr>
+        </p:nvSpPr>
+        <p:spPr/>
+        <p:txBody>
+          <a:bodyPr>
+            <a:normAutofit fontScale="70000" lnSpcReduction="20000"/>
+          </a:bodyPr>
+          <a:lstStyle/>
+          <a:p>
+            <a:pPr marL="0" indent="0">
+              <a:buNone/>
+            </a:pPr>
+            <a:r>
+              <a:rPr lang="en-US" dirty="0"/>
+              <a:t>The classic ACID has the goal to make the application </a:t>
+            </a:r>
+            <a:r>
+              <a:rPr lang="en-US" dirty="0" smtClean="0"/>
+              <a:t>perceive </a:t>
+            </a:r>
+            <a:r>
+              <a:rPr lang="en-US" dirty="0"/>
+              <a:t>that there is exactly one computer and it is doing nothing </a:t>
+            </a:r>
+            <a:r>
+              <a:rPr lang="en-US" dirty="0" smtClean="0"/>
+              <a:t>else </a:t>
+            </a:r>
+            <a:r>
+              <a:rPr lang="en-US" dirty="0"/>
+              <a:t>while this transaction is being processed.</a:t>
+            </a:r>
+          </a:p>
+          <a:p>
+            <a:pPr marL="0" indent="0">
+              <a:buNone/>
+            </a:pPr>
+            <a:endParaRPr lang="en-US" dirty="0"/>
+          </a:p>
+          <a:p>
+            <a:pPr marL="0" indent="0">
+              <a:buNone/>
+            </a:pPr>
+            <a:r>
+              <a:rPr lang="en-US" dirty="0"/>
+              <a:t>Consider the new ACID (or ACID2.0).  The letters stand for: </a:t>
+            </a:r>
+            <a:r>
+              <a:rPr lang="en-US" dirty="0" smtClean="0"/>
+              <a:t>Associative</a:t>
+            </a:r>
+            <a:r>
+              <a:rPr lang="en-US" dirty="0"/>
+              <a:t>, Commutative, Idempotent, and </a:t>
+            </a:r>
+            <a:r>
+              <a:rPr lang="en-US" dirty="0" smtClean="0"/>
+              <a:t>Distributed.  The goal </a:t>
+            </a:r>
+            <a:r>
+              <a:rPr lang="en-US" dirty="0"/>
+              <a:t>for ACID2.0 is to succeed if the pieces of the </a:t>
+            </a:r>
+            <a:r>
+              <a:rPr lang="en-US" dirty="0" smtClean="0"/>
+              <a:t>work happen</a:t>
+            </a:r>
+            <a:r>
+              <a:rPr lang="en-US" dirty="0"/>
+              <a:t>:</a:t>
+            </a:r>
+          </a:p>
+          <a:p>
+            <a:pPr marL="0" indent="0">
+              <a:buNone/>
+            </a:pPr>
+            <a:endParaRPr lang="en-US" dirty="0"/>
+          </a:p>
+          <a:p>
+            <a:pPr marL="0" indent="0">
+              <a:buNone/>
+            </a:pPr>
+            <a:r>
+              <a:rPr lang="en-US" dirty="0"/>
+              <a:t> At least once</a:t>
+            </a:r>
+            <a:r>
+              <a:rPr lang="en-US" dirty="0" smtClean="0"/>
+              <a:t>,</a:t>
+            </a:r>
+            <a:endParaRPr lang="en-US" dirty="0"/>
+          </a:p>
+          <a:p>
+            <a:pPr marL="0" indent="0">
+              <a:buNone/>
+            </a:pPr>
+            <a:r>
+              <a:rPr lang="en-US" dirty="0"/>
+              <a:t> Anywhere in the system</a:t>
+            </a:r>
+            <a:r>
+              <a:rPr lang="en-US" dirty="0" smtClean="0"/>
+              <a:t>,</a:t>
+            </a:r>
+            <a:endParaRPr lang="en-US" dirty="0"/>
+          </a:p>
+          <a:p>
+            <a:pPr marL="0" indent="0">
+              <a:buNone/>
+            </a:pPr>
+            <a:r>
+              <a:rPr lang="en-US" dirty="0"/>
+              <a:t> In any order</a:t>
+            </a:r>
+            <a:r>
+              <a:rPr lang="en-US" dirty="0" smtClean="0"/>
+              <a:t>.</a:t>
+            </a:r>
+          </a:p>
+          <a:p>
+            <a:pPr marL="0" indent="0">
+              <a:buNone/>
+            </a:pPr>
+            <a:endParaRPr lang="en-US" dirty="0"/>
+          </a:p>
+          <a:p>
+            <a:pPr marL="0" indent="0">
+              <a:buNone/>
+            </a:pPr>
+            <a:r>
+              <a:rPr lang="en-US" dirty="0" smtClean="0"/>
+              <a:t>										- Pat </a:t>
+            </a:r>
+            <a:r>
+              <a:rPr lang="en-US" dirty="0" err="1" smtClean="0"/>
+              <a:t>Helland</a:t>
+            </a:r>
+            <a:r>
+              <a:rPr lang="en-US" dirty="0" smtClean="0"/>
+              <a:t>,</a:t>
+            </a:r>
+          </a:p>
+          <a:p>
+            <a:pPr marL="0" indent="0">
+              <a:buNone/>
+            </a:pPr>
+            <a:r>
+              <a:rPr lang="en-US" dirty="0"/>
+              <a:t>	</a:t>
+            </a:r>
+            <a:r>
+              <a:rPr lang="en-US" dirty="0" smtClean="0"/>
+              <a:t>									</a:t>
+            </a:r>
+            <a:r>
+              <a:rPr lang="en-US" i="1" dirty="0" smtClean="0"/>
+              <a:t>Building on quicksand</a:t>
+            </a:r>
+            <a:endParaRPr lang="en-US" i="1" dirty="0"/>
+          </a:p>
+        </p:txBody>
+      </p:sp>
+    </p:spTree>
+    <p:extLst>
+      <p:ext uri="{BB962C8B-B14F-4D97-AF65-F5344CB8AC3E}">
+        <p14:creationId xmlns:p14="http://schemas.microsoft.com/office/powerpoint/2010/main" val="2522880521"/>
+      </p:ext>
+    </p:extLst>
+  </p:cSld>
+  <p:clrMapOvr>
+    <a:masterClrMapping/>
+  </p:clrMapOvr>
+</p:sld>
+</file>
+
+<file path=ppt/slides/slide26.xml><?xml version="1.0" encoding="utf-8"?>
+<p:sld xmlns:a="http://schemas.openxmlformats.org/drawingml/2006/main" xmlns:r="http://schemas.openxmlformats.org/officeDocument/2006/relationships" xmlns:p="http://schemas.openxmlformats.org/presentationml/2006/main">
+  <p:cSld>
+    <p:spTree>
+      <p:nvGrpSpPr>
+        <p:cNvPr id="1" name=""/>
+        <p:cNvGrpSpPr/>
+        <p:nvPr/>
+      </p:nvGrpSpPr>
+      <p:grpSpPr>
+        <a:xfrm>
+          <a:off x="0" y="0"/>
+          <a:ext cx="0" cy="0"/>
+          <a:chOff x="0" y="0"/>
+          <a:chExt cx="0" cy="0"/>
+        </a:xfrm>
+      </p:grpSpPr>
+      <p:sp>
+        <p:nvSpPr>
+          <p:cNvPr id="2" name="Title 1"/>
+          <p:cNvSpPr>
+            <a:spLocks noGrp="1"/>
+          </p:cNvSpPr>
+          <p:nvPr>
+            <p:ph type="title"/>
+          </p:nvPr>
+        </p:nvSpPr>
+        <p:spPr/>
+        <p:txBody>
+          <a:bodyPr/>
+          <a:lstStyle/>
+          <a:p>
+            <a:r>
+              <a:rPr lang="en-US" dirty="0" smtClean="0"/>
+              <a:t>ACID 2.0</a:t>
+            </a:r>
+            <a:endParaRPr lang="en-US" dirty="0"/>
+          </a:p>
+        </p:txBody>
+      </p:sp>
+      <p:sp>
+        <p:nvSpPr>
+          <p:cNvPr id="3" name="Content Placeholder 2"/>
+          <p:cNvSpPr>
+            <a:spLocks noGrp="1"/>
+          </p:cNvSpPr>
+          <p:nvPr>
+            <p:ph idx="1"/>
+          </p:nvPr>
+        </p:nvSpPr>
+        <p:spPr/>
+        <p:txBody>
+          <a:bodyPr/>
+          <a:lstStyle/>
+          <a:p>
+            <a:r>
+              <a:rPr lang="en-US" dirty="0" smtClean="0"/>
+              <a:t>Associative --  operations can be ``eagerly’’ processed</a:t>
+            </a:r>
+          </a:p>
+          <a:p>
+            <a:r>
+              <a:rPr lang="en-US" dirty="0" smtClean="0"/>
+              <a:t>Commutative – operations can be reordered</a:t>
+            </a:r>
+          </a:p>
+          <a:p>
+            <a:r>
+              <a:rPr lang="en-US" dirty="0" smtClean="0"/>
+              <a:t>Idempotent – retry is always an option</a:t>
+            </a:r>
+          </a:p>
+          <a:p>
+            <a:r>
+              <a:rPr lang="en-US" dirty="0" smtClean="0"/>
+              <a:t>Distributed – </a:t>
+            </a:r>
+            <a:r>
+              <a:rPr lang="en-US" smtClean="0"/>
+              <a:t>(needed a ``D’’)</a:t>
+            </a:r>
+          </a:p>
+          <a:p>
+            <a:endParaRPr lang="en-US" dirty="0"/>
+          </a:p>
+        </p:txBody>
+      </p:sp>
+    </p:spTree>
+    <p:extLst>
+      <p:ext uri="{BB962C8B-B14F-4D97-AF65-F5344CB8AC3E}">
+        <p14:creationId xmlns:p14="http://schemas.microsoft.com/office/powerpoint/2010/main" val="1789692968"/>
+      </p:ext>
+    </p:extLst>
+  </p:cSld>
+  <p:clrMapOvr>
+    <a:masterClrMapping/>
+  </p:clrMapOvr>
+</p:sld>
+</file>
+
+<file path=ppt/slides/slide27.xml><?xml version="1.0" encoding="utf-8"?>
+<p:sld xmlns:a="http://schemas.openxmlformats.org/drawingml/2006/main" xmlns:r="http://schemas.openxmlformats.org/officeDocument/2006/relationships" xmlns:p="http://schemas.openxmlformats.org/presentationml/2006/main">
+  <p:cSld>
+    <p:spTree>
+      <p:nvGrpSpPr>
+        <p:cNvPr id="1" name=""/>
+        <p:cNvGrpSpPr/>
+        <p:nvPr/>
+      </p:nvGrpSpPr>
+      <p:grpSpPr>
+        <a:xfrm>
+          <a:off x="0" y="0"/>
+          <a:ext cx="0" cy="0"/>
+          <a:chOff x="0" y="0"/>
+          <a:chExt cx="0" cy="0"/>
+        </a:xfrm>
+      </p:grpSpPr>
+      <p:sp>
+        <p:nvSpPr>
+          <p:cNvPr id="2" name="Title 1"/>
+          <p:cNvSpPr>
+            <a:spLocks noGrp="1"/>
+          </p:cNvSpPr>
+          <p:nvPr>
+            <p:ph type="title"/>
+          </p:nvPr>
+        </p:nvSpPr>
+        <p:spPr/>
+        <p:txBody>
+          <a:bodyPr/>
+          <a:lstStyle/>
+          <a:p>
+            <a:r>
+              <a:rPr lang="en-US" dirty="0" smtClean="0"/>
+              <a:t>ACID 2.0</a:t>
+            </a:r>
+            <a:endParaRPr lang="en-US" dirty="0"/>
+          </a:p>
+        </p:txBody>
+      </p:sp>
+      <p:sp>
+        <p:nvSpPr>
+          <p:cNvPr id="3" name="Content Placeholder 2"/>
+          <p:cNvSpPr>
+            <a:spLocks noGrp="1"/>
+          </p:cNvSpPr>
+          <p:nvPr>
+            <p:ph idx="1"/>
+          </p:nvPr>
+        </p:nvSpPr>
+        <p:spPr/>
+        <p:txBody>
+          <a:bodyPr/>
+          <a:lstStyle/>
+          <a:p>
+            <a:pPr marL="0" indent="0">
+              <a:buNone/>
+            </a:pPr>
+            <a:r>
+              <a:rPr lang="en-US" dirty="0" smtClean="0"/>
+              <a:t>Instead of low-level reads and writes programmers use an abstract vocabulary of </a:t>
+            </a:r>
+            <a:r>
+              <a:rPr lang="en-US" dirty="0" err="1" smtClean="0"/>
+              <a:t>reorderable</a:t>
+            </a:r>
+            <a:r>
+              <a:rPr lang="en-US" dirty="0" smtClean="0"/>
+              <a:t>, </a:t>
+            </a:r>
+            <a:r>
+              <a:rPr lang="en-US" dirty="0" err="1" smtClean="0"/>
+              <a:t>retryable</a:t>
+            </a:r>
+            <a:r>
+              <a:rPr lang="en-US" dirty="0" smtClean="0"/>
+              <a:t> actions:</a:t>
+            </a:r>
+            <a:endParaRPr lang="en-US" dirty="0"/>
+          </a:p>
+          <a:p>
+            <a:r>
+              <a:rPr lang="en-US" dirty="0" smtClean="0"/>
+              <a:t>Retry – a mechanism to ensure that all messages are delivered</a:t>
+            </a:r>
+          </a:p>
+          <a:p>
+            <a:r>
+              <a:rPr lang="en-US" dirty="0" err="1" smtClean="0"/>
+              <a:t>Reorderability</a:t>
+            </a:r>
+            <a:r>
+              <a:rPr lang="en-US" dirty="0" smtClean="0"/>
+              <a:t> -- ensures that all replicas converge</a:t>
+            </a:r>
+            <a:endParaRPr lang="en-US" dirty="0"/>
+          </a:p>
+        </p:txBody>
+      </p:sp>
+    </p:spTree>
+    <p:extLst>
+      <p:ext uri="{BB962C8B-B14F-4D97-AF65-F5344CB8AC3E}">
+        <p14:creationId xmlns:p14="http://schemas.microsoft.com/office/powerpoint/2010/main" val="2937378636"/>
+      </p:ext>
+    </p:extLst>
+  </p:cSld>
+  <p:clrMapOvr>
+    <a:masterClrMapping/>
+  </p:clrMapOvr>
+</p:sld>
+</file>
+
+<file path=ppt/slides/slide28.xml><?xml version="1.0" encoding="utf-8"?>
+<p:sld xmlns:a="http://schemas.openxmlformats.org/drawingml/2006/main" xmlns:r="http://schemas.openxmlformats.org/officeDocument/2006/relationships" xmlns:p="http://schemas.openxmlformats.org/presentationml/2006/main">
+  <p:cSld>
+    <p:spTree>
+      <p:nvGrpSpPr>
+        <p:cNvPr id="1" name=""/>
+        <p:cNvGrpSpPr/>
+        <p:nvPr/>
+      </p:nvGrpSpPr>
+      <p:grpSpPr>
+        <a:xfrm>
+          <a:off x="0" y="0"/>
+          <a:ext cx="0" cy="0"/>
+          <a:chOff x="0" y="0"/>
+          <a:chExt cx="0" cy="0"/>
+        </a:xfrm>
+      </p:grpSpPr>
+      <p:sp>
+        <p:nvSpPr>
+          <p:cNvPr id="2" name="Title 1"/>
+          <p:cNvSpPr>
+            <a:spLocks noGrp="1"/>
+          </p:cNvSpPr>
+          <p:nvPr>
+            <p:ph type="title"/>
+          </p:nvPr>
+        </p:nvSpPr>
+        <p:spPr/>
+        <p:txBody>
+          <a:bodyPr/>
+          <a:lstStyle/>
+          <a:p>
+            <a:r>
+              <a:rPr lang="en-US" dirty="0" smtClean="0"/>
+              <a:t>Putting ACID 2.0 into practice</a:t>
+            </a:r>
+            <a:endParaRPr lang="en-US" dirty="0"/>
+          </a:p>
+        </p:txBody>
+      </p:sp>
+      <p:sp>
+        <p:nvSpPr>
+          <p:cNvPr id="3" name="Content Placeholder 2"/>
+          <p:cNvSpPr>
+            <a:spLocks noGrp="1"/>
+          </p:cNvSpPr>
+          <p:nvPr>
+            <p:ph idx="1"/>
+          </p:nvPr>
+        </p:nvSpPr>
+        <p:spPr/>
+        <p:txBody>
+          <a:bodyPr/>
+          <a:lstStyle/>
+          <a:p>
+            <a:endParaRPr lang="en-US"/>
+          </a:p>
+        </p:txBody>
+      </p:sp>
+    </p:spTree>
+    <p:extLst>
+      <p:ext uri="{BB962C8B-B14F-4D97-AF65-F5344CB8AC3E}">
+        <p14:creationId xmlns:p14="http://schemas.microsoft.com/office/powerpoint/2010/main" val="2440150099"/>
+      </p:ext>
+    </p:extLst>
+  </p:cSld>
+  <p:clrMapOvr>
+    <a:masterClrMapping/>
+  </p:clrMapOvr>
+</p:sld>
+</file>
+
+<file path=ppt/slides/slide29.xml><?xml version="1.0" encoding="utf-8"?>
+<p:sld xmlns:a="http://schemas.openxmlformats.org/drawingml/2006/main" xmlns:r="http://schemas.openxmlformats.org/officeDocument/2006/relationships" xmlns:p="http://schemas.openxmlformats.org/presentationml/2006/main">
+  <p:cSld>
+    <p:spTree>
+      <p:nvGrpSpPr>
+        <p:cNvPr id="1" name=""/>
+        <p:cNvGrpSpPr/>
+        <p:nvPr/>
+      </p:nvGrpSpPr>
+      <p:grpSpPr>
+        <a:xfrm>
+          <a:off x="0" y="0"/>
+          <a:ext cx="0" cy="0"/>
+          <a:chOff x="0" y="0"/>
+          <a:chExt cx="0" cy="0"/>
+        </a:xfrm>
+      </p:grpSpPr>
+      <p:sp>
+        <p:nvSpPr>
+          <p:cNvPr id="2" name="Title 1"/>
+          <p:cNvSpPr>
+            <a:spLocks noGrp="1"/>
+          </p:cNvSpPr>
+          <p:nvPr>
+            <p:ph type="title"/>
+          </p:nvPr>
+        </p:nvSpPr>
+        <p:spPr/>
+        <p:txBody>
           <a:bodyPr/>
           <a:lstStyle/>
           <a:p>
@@ -6854,7 +10062,60 @@
 </p:sld>
 </file>
 
-<file path=ppt/slides/slide25.xml><?xml version="1.0" encoding="utf-8"?>
+<file path=ppt/slides/slide3.xml><?xml version="1.0" encoding="utf-8"?>
+<p:sld xmlns:a="http://schemas.openxmlformats.org/drawingml/2006/main" xmlns:r="http://schemas.openxmlformats.org/officeDocument/2006/relationships" xmlns:p="http://schemas.openxmlformats.org/presentationml/2006/main">
+  <p:cSld>
+    <p:spTree>
+      <p:nvGrpSpPr>
+        <p:cNvPr id="1" name=""/>
+        <p:cNvGrpSpPr/>
+        <p:nvPr/>
+      </p:nvGrpSpPr>
+      <p:grpSpPr>
+        <a:xfrm>
+          <a:off x="0" y="0"/>
+          <a:ext cx="0" cy="0"/>
+          <a:chOff x="0" y="0"/>
+          <a:chExt cx="0" cy="0"/>
+        </a:xfrm>
+      </p:grpSpPr>
+      <p:sp>
+        <p:nvSpPr>
+          <p:cNvPr id="2" name="Title 1"/>
+          <p:cNvSpPr>
+            <a:spLocks noGrp="1"/>
+          </p:cNvSpPr>
+          <p:nvPr>
+            <p:ph type="title"/>
+          </p:nvPr>
+        </p:nvSpPr>
+        <p:spPr/>
+        <p:txBody>
+          <a:bodyPr/>
+          <a:lstStyle/>
+          <a:p>
+            <a:r>
+              <a:rPr lang="en-US" dirty="0" smtClean="0"/>
+              <a:t>Motivation</a:t>
+            </a:r>
+            <a:endParaRPr lang="en-US" dirty="0"/>
+          </a:p>
+        </p:txBody>
+      </p:sp>
+    </p:spTree>
+    <p:extLst>
+      <p:ext uri="{BB962C8B-B14F-4D97-AF65-F5344CB8AC3E}">
+        <p14:creationId xmlns:p14="http://schemas.microsoft.com/office/powerpoint/2010/main" val="1274045797"/>
+      </p:ext>
+    </p:extLst>
+  </p:cSld>
+  <p:clrMapOvr>
+    <a:masterClrMapping/>
+  </p:clrMapOvr>
+</p:sld>
+</file>
+
+<file path=ppt/slides/slide30.xml><?xml version="1.0" encoding="utf-8"?>
 <p:sld xmlns:a="http://schemas.openxmlformats.org/drawingml/2006/main" xmlns:r="http://schemas.openxmlformats.org/officeDocument/2006/relationships" xmlns:p="http://schemas.openxmlformats.org/presentationml/2006/main">
   <p:cSld>
     <p:spTree>
@@ -6993,751 +10254,6 @@
 </p:sld>
 </file>
 
-<file path=ppt/slides/slide26.xml><?xml version="1.0" encoding="utf-8"?>
-<p:sld xmlns:a="http://schemas.openxmlformats.org/drawingml/2006/main" xmlns:r="http://schemas.openxmlformats.org/officeDocument/2006/relationships" xmlns:p="http://schemas.openxmlformats.org/presentationml/2006/main">
-  <p:cSld>
-    <p:spTree>
-      <p:nvGrpSpPr>
-        <p:cNvPr id="1" name=""/>
-        <p:cNvGrpSpPr/>
-        <p:nvPr/>
-      </p:nvGrpSpPr>
-      <p:grpSpPr>
-        <a:xfrm>
-          <a:off x="0" y="0"/>
-          <a:ext cx="0" cy="0"/>
-          <a:chOff x="0" y="0"/>
-          <a:chExt cx="0" cy="0"/>
-        </a:xfrm>
-      </p:grpSpPr>
-      <p:sp>
-        <p:nvSpPr>
-          <p:cNvPr id="2" name="Title 1"/>
-          <p:cNvSpPr>
-            <a:spLocks noGrp="1"/>
-          </p:cNvSpPr>
-          <p:nvPr>
-            <p:ph type="title"/>
-          </p:nvPr>
-        </p:nvSpPr>
-        <p:spPr/>
-        <p:txBody>
-          <a:bodyPr/>
-          <a:lstStyle/>
-          <a:p>
-            <a:r>
-              <a:rPr lang="en-US" dirty="0" smtClean="0"/>
-              <a:t>C(v)RDTs</a:t>
-            </a:r>
-            <a:endParaRPr lang="en-US" dirty="0"/>
-          </a:p>
-        </p:txBody>
-      </p:sp>
-      <p:sp>
-        <p:nvSpPr>
-          <p:cNvPr id="3" name="Content Placeholder 2"/>
-          <p:cNvSpPr>
-            <a:spLocks noGrp="1"/>
-          </p:cNvSpPr>
-          <p:nvPr>
-            <p:ph idx="1"/>
-          </p:nvPr>
-        </p:nvSpPr>
-        <p:spPr/>
-        <p:txBody>
-          <a:bodyPr/>
-          <a:lstStyle/>
-          <a:p>
-            <a:pPr marL="0" indent="0">
-              <a:buNone/>
-            </a:pPr>
-            <a:r>
-              <a:rPr lang="en-US" dirty="0" smtClean="0"/>
-              <a:t>Convergent</a:t>
-            </a:r>
-            <a:r>
-              <a:rPr lang="en-US" dirty="0"/>
-              <a:t> </a:t>
-            </a:r>
-            <a:r>
-              <a:rPr lang="en-US" dirty="0" smtClean="0"/>
-              <a:t>Replicated </a:t>
-            </a:r>
-            <a:r>
-              <a:rPr lang="en-US" dirty="0" err="1" smtClean="0"/>
-              <a:t>Datatypes</a:t>
-            </a:r>
-            <a:endParaRPr lang="en-US" dirty="0" smtClean="0"/>
-          </a:p>
-          <a:p>
-            <a:pPr marL="0" indent="0">
-              <a:buNone/>
-            </a:pPr>
-            <a:endParaRPr lang="en-US" dirty="0"/>
-          </a:p>
-          <a:p>
-            <a:pPr marL="0" indent="0">
-              <a:buNone/>
-            </a:pPr>
-            <a:r>
-              <a:rPr lang="en-US" dirty="0" smtClean="0"/>
-              <a:t>Idea: </a:t>
-            </a:r>
-            <a:endParaRPr lang="en-US" dirty="0" smtClean="0"/>
-          </a:p>
-          <a:p>
-            <a:r>
-              <a:rPr lang="en-US" dirty="0" smtClean="0"/>
-              <a:t>represent state as a join </a:t>
-            </a:r>
-            <a:r>
-              <a:rPr lang="en-US" dirty="0" err="1" smtClean="0"/>
-              <a:t>semilattice</a:t>
-            </a:r>
-            <a:r>
-              <a:rPr lang="en-US" dirty="0" smtClean="0"/>
-              <a:t>. </a:t>
-            </a:r>
-          </a:p>
-          <a:p>
-            <a:r>
-              <a:rPr lang="en-US" dirty="0" smtClean="0"/>
-              <a:t>Provide a ACI merge function</a:t>
-            </a:r>
-            <a:r>
-              <a:rPr lang="en-US" dirty="0" smtClean="0"/>
-              <a:t> </a:t>
-            </a:r>
-            <a:endParaRPr lang="en-US" dirty="0" smtClean="0"/>
-          </a:p>
-        </p:txBody>
-      </p:sp>
-    </p:spTree>
-    <p:extLst>
-      <p:ext uri="{BB962C8B-B14F-4D97-AF65-F5344CB8AC3E}">
-        <p14:creationId xmlns:p14="http://schemas.microsoft.com/office/powerpoint/2010/main" val="321358899"/>
-      </p:ext>
-    </p:extLst>
-  </p:cSld>
-  <p:clrMapOvr>
-    <a:masterClrMapping/>
-  </p:clrMapOvr>
-</p:sld>
-</file>
-
-<file path=ppt/slides/slide27.xml><?xml version="1.0" encoding="utf-8"?>
-<p:sld xmlns:a="http://schemas.openxmlformats.org/drawingml/2006/main" xmlns:r="http://schemas.openxmlformats.org/officeDocument/2006/relationships" xmlns:p="http://schemas.openxmlformats.org/presentationml/2006/main">
-  <p:cSld>
-    <p:spTree>
-      <p:nvGrpSpPr>
-        <p:cNvPr id="1" name=""/>
-        <p:cNvGrpSpPr/>
-        <p:nvPr/>
-      </p:nvGrpSpPr>
-      <p:grpSpPr>
-        <a:xfrm>
-          <a:off x="0" y="0"/>
-          <a:ext cx="0" cy="0"/>
-          <a:chOff x="0" y="0"/>
-          <a:chExt cx="0" cy="0"/>
-        </a:xfrm>
-      </p:grpSpPr>
-      <p:sp>
-        <p:nvSpPr>
-          <p:cNvPr id="2" name="Title 1"/>
-          <p:cNvSpPr>
-            <a:spLocks noGrp="1"/>
-          </p:cNvSpPr>
-          <p:nvPr>
-            <p:ph type="title"/>
-          </p:nvPr>
-        </p:nvSpPr>
-        <p:spPr/>
-        <p:txBody>
-          <a:bodyPr/>
-          <a:lstStyle/>
-          <a:p>
-            <a:r>
-              <a:rPr lang="en-US" dirty="0" smtClean="0"/>
-              <a:t>CRDTs</a:t>
-            </a:r>
-            <a:endParaRPr lang="en-US" dirty="0"/>
-          </a:p>
-        </p:txBody>
-      </p:sp>
-      <p:sp>
-        <p:nvSpPr>
-          <p:cNvPr id="3" name="Content Placeholder 2"/>
-          <p:cNvSpPr>
-            <a:spLocks noGrp="1"/>
-          </p:cNvSpPr>
-          <p:nvPr>
-            <p:ph idx="1"/>
-          </p:nvPr>
-        </p:nvSpPr>
-        <p:spPr/>
-        <p:txBody>
-          <a:bodyPr>
-            <a:normAutofit fontScale="85000" lnSpcReduction="20000"/>
-          </a:bodyPr>
-          <a:lstStyle/>
-          <a:p>
-            <a:pPr marL="0" indent="0">
-              <a:buNone/>
-            </a:pPr>
-            <a:r>
-              <a:rPr lang="en-US" dirty="0" smtClean="0"/>
-              <a:t>Data structures:</a:t>
-            </a:r>
-          </a:p>
-          <a:p>
-            <a:pPr marL="0" indent="0">
-              <a:buNone/>
-            </a:pPr>
-            <a:endParaRPr lang="en-US" dirty="0"/>
-          </a:p>
-          <a:p>
-            <a:pPr marL="514350" indent="-514350">
-              <a:buFont typeface="+mj-lt"/>
-              <a:buAutoNum type="arabicPeriod"/>
-            </a:pPr>
-            <a:r>
-              <a:rPr lang="en-US" dirty="0" smtClean="0"/>
-              <a:t>Grow-only set (</a:t>
-            </a:r>
-            <a:r>
-              <a:rPr lang="en-US" dirty="0" err="1" smtClean="0"/>
-              <a:t>Gset</a:t>
-            </a:r>
-            <a:r>
-              <a:rPr lang="en-US" dirty="0" smtClean="0"/>
-              <a:t>)</a:t>
-            </a:r>
-          </a:p>
-          <a:p>
-            <a:pPr marL="914400" lvl="1" indent="-514350"/>
-            <a:r>
-              <a:rPr lang="en-US" dirty="0" smtClean="0"/>
-              <a:t>Trivial – merg</a:t>
-            </a:r>
-            <a:r>
-              <a:rPr lang="en-US" dirty="0" smtClean="0"/>
-              <a:t>e is union and union is commutative</a:t>
-            </a:r>
-            <a:endParaRPr lang="en-US" dirty="0" smtClean="0"/>
-          </a:p>
-          <a:p>
-            <a:pPr marL="514350" indent="-514350">
-              <a:buFont typeface="+mj-lt"/>
-              <a:buAutoNum type="arabicPeriod"/>
-            </a:pPr>
-            <a:r>
-              <a:rPr lang="en-US" dirty="0" smtClean="0"/>
-              <a:t>2PSet</a:t>
-            </a:r>
-          </a:p>
-          <a:p>
-            <a:pPr marL="914400" lvl="1" indent="-514350"/>
-            <a:r>
-              <a:rPr lang="en-US" dirty="0" smtClean="0"/>
-              <a:t>Two </a:t>
-            </a:r>
-            <a:r>
-              <a:rPr lang="en-US" dirty="0" err="1" smtClean="0"/>
-              <a:t>Gsets</a:t>
-            </a:r>
-            <a:r>
-              <a:rPr lang="en-US" dirty="0" smtClean="0"/>
-              <a:t> – one for adds, the other for tombstones</a:t>
-            </a:r>
-          </a:p>
-          <a:p>
-            <a:pPr marL="914400" lvl="1" indent="-514350"/>
-            <a:r>
-              <a:rPr lang="en-US" dirty="0" smtClean="0"/>
-              <a:t>Idiosyncrasy: you can only add/delete once.</a:t>
-            </a:r>
-            <a:endParaRPr lang="en-US" dirty="0" smtClean="0"/>
-          </a:p>
-          <a:p>
-            <a:pPr marL="514350" indent="-514350">
-              <a:buFont typeface="+mj-lt"/>
-              <a:buAutoNum type="arabicPeriod"/>
-            </a:pPr>
-            <a:r>
-              <a:rPr lang="en-US" dirty="0" smtClean="0"/>
-              <a:t>Counters</a:t>
-            </a:r>
-          </a:p>
-          <a:p>
-            <a:pPr marL="914400" lvl="1" indent="-514350">
-              <a:buFont typeface="+mj-lt"/>
-              <a:buAutoNum type="arabicPeriod"/>
-            </a:pPr>
-            <a:r>
-              <a:rPr lang="en-US" dirty="0" smtClean="0"/>
-              <a:t>Tricky!  Vector clock with an entry for each replica</a:t>
-            </a:r>
-          </a:p>
-          <a:p>
-            <a:pPr marL="914400" lvl="1" indent="-514350">
-              <a:buFont typeface="+mj-lt"/>
-              <a:buAutoNum type="arabicPeriod"/>
-            </a:pPr>
-            <a:r>
-              <a:rPr lang="en-US" dirty="0" smtClean="0"/>
-              <a:t>Increment @ replica I =&gt; VC[</a:t>
-            </a:r>
-            <a:r>
-              <a:rPr lang="en-US" dirty="0" err="1" smtClean="0"/>
-              <a:t>i</a:t>
-            </a:r>
-            <a:r>
-              <a:rPr lang="en-US" dirty="0" smtClean="0"/>
-              <a:t>] += 1</a:t>
-            </a:r>
-          </a:p>
-          <a:p>
-            <a:pPr marL="914400" lvl="1" indent="-514350">
-              <a:buFont typeface="+mj-lt"/>
-              <a:buAutoNum type="arabicPeriod"/>
-            </a:pPr>
-            <a:r>
-              <a:rPr lang="en-US" dirty="0" smtClean="0"/>
-              <a:t>Value: sum of all VC values</a:t>
-            </a:r>
-            <a:endParaRPr lang="en-US" dirty="0"/>
-          </a:p>
-        </p:txBody>
-      </p:sp>
-    </p:spTree>
-    <p:extLst>
-      <p:ext uri="{BB962C8B-B14F-4D97-AF65-F5344CB8AC3E}">
-        <p14:creationId xmlns:p14="http://schemas.microsoft.com/office/powerpoint/2010/main" val="4279908520"/>
-      </p:ext>
-    </p:extLst>
-  </p:cSld>
-  <p:clrMapOvr>
-    <a:masterClrMapping/>
-  </p:clrMapOvr>
-</p:sld>
-</file>
-
-<file path=ppt/slides/slide28.xml><?xml version="1.0" encoding="utf-8"?>
-<p:sld xmlns:a="http://schemas.openxmlformats.org/drawingml/2006/main" xmlns:r="http://schemas.openxmlformats.org/officeDocument/2006/relationships" xmlns:p="http://schemas.openxmlformats.org/presentationml/2006/main">
-  <p:cSld>
-    <p:spTree>
-      <p:nvGrpSpPr>
-        <p:cNvPr id="1" name=""/>
-        <p:cNvGrpSpPr/>
-        <p:nvPr/>
-      </p:nvGrpSpPr>
-      <p:grpSpPr>
-        <a:xfrm>
-          <a:off x="0" y="0"/>
-          <a:ext cx="0" cy="0"/>
-          <a:chOff x="0" y="0"/>
-          <a:chExt cx="0" cy="0"/>
-        </a:xfrm>
-      </p:grpSpPr>
-      <p:sp>
-        <p:nvSpPr>
-          <p:cNvPr id="2" name="Title 1"/>
-          <p:cNvSpPr>
-            <a:spLocks noGrp="1"/>
-          </p:cNvSpPr>
-          <p:nvPr>
-            <p:ph type="title"/>
-          </p:nvPr>
-        </p:nvSpPr>
-        <p:spPr/>
-        <p:txBody>
-          <a:bodyPr/>
-          <a:lstStyle/>
-          <a:p>
-            <a:r>
-              <a:rPr lang="en-US" dirty="0" smtClean="0"/>
-              <a:t>CRDTs</a:t>
-            </a:r>
-            <a:endParaRPr lang="en-US" dirty="0"/>
-          </a:p>
-        </p:txBody>
-      </p:sp>
-      <p:sp>
-        <p:nvSpPr>
-          <p:cNvPr id="3" name="Content Placeholder 2"/>
-          <p:cNvSpPr>
-            <a:spLocks noGrp="1"/>
-          </p:cNvSpPr>
-          <p:nvPr>
-            <p:ph idx="1"/>
-          </p:nvPr>
-        </p:nvSpPr>
-        <p:spPr/>
-        <p:txBody>
-          <a:bodyPr/>
-          <a:lstStyle/>
-          <a:p>
-            <a:pPr marL="0" indent="0">
-              <a:buNone/>
-            </a:pPr>
-            <a:r>
-              <a:rPr lang="en-US" dirty="0" smtClean="0"/>
-              <a:t>Difficulties</a:t>
-            </a:r>
-          </a:p>
-          <a:p>
-            <a:pPr marL="0" indent="0">
-              <a:buNone/>
-            </a:pPr>
-            <a:endParaRPr lang="en-US" dirty="0"/>
-          </a:p>
-          <a:p>
-            <a:pPr marL="0" indent="0">
-              <a:buNone/>
-            </a:pPr>
-            <a:r>
-              <a:rPr lang="en-US" dirty="0" smtClean="0"/>
-              <a:t>(scoping difficulty)</a:t>
-            </a:r>
-            <a:endParaRPr lang="en-US" dirty="0"/>
-          </a:p>
-        </p:txBody>
-      </p:sp>
-    </p:spTree>
-    <p:extLst>
-      <p:ext uri="{BB962C8B-B14F-4D97-AF65-F5344CB8AC3E}">
-        <p14:creationId xmlns:p14="http://schemas.microsoft.com/office/powerpoint/2010/main" val="2947354244"/>
-      </p:ext>
-    </p:extLst>
-  </p:cSld>
-  <p:clrMapOvr>
-    <a:masterClrMapping/>
-  </p:clrMapOvr>
-</p:sld>
-</file>
-
-<file path=ppt/slides/slide29.xml><?xml version="1.0" encoding="utf-8"?>
-<p:sld xmlns:a="http://schemas.openxmlformats.org/drawingml/2006/main" xmlns:r="http://schemas.openxmlformats.org/officeDocument/2006/relationships" xmlns:p="http://schemas.openxmlformats.org/presentationml/2006/main">
-  <p:cSld>
-    <p:spTree>
-      <p:nvGrpSpPr>
-        <p:cNvPr id="1" name=""/>
-        <p:cNvGrpSpPr/>
-        <p:nvPr/>
-      </p:nvGrpSpPr>
-      <p:grpSpPr>
-        <a:xfrm>
-          <a:off x="0" y="0"/>
-          <a:ext cx="0" cy="0"/>
-          <a:chOff x="0" y="0"/>
-          <a:chExt cx="0" cy="0"/>
-        </a:xfrm>
-      </p:grpSpPr>
-      <p:sp>
-        <p:nvSpPr>
-          <p:cNvPr id="2" name="Title 1"/>
-          <p:cNvSpPr>
-            <a:spLocks noGrp="1"/>
-          </p:cNvSpPr>
-          <p:nvPr>
-            <p:ph type="title"/>
-          </p:nvPr>
-        </p:nvSpPr>
-        <p:spPr/>
-        <p:txBody>
-          <a:bodyPr/>
-          <a:lstStyle/>
-          <a:p>
-            <a:r>
-              <a:rPr lang="en-US" dirty="0" smtClean="0"/>
-              <a:t>Disorderly programming</a:t>
-            </a:r>
-            <a:endParaRPr lang="en-US" dirty="0"/>
-          </a:p>
-        </p:txBody>
-      </p:sp>
-      <p:sp>
-        <p:nvSpPr>
-          <p:cNvPr id="3" name="Content Placeholder 2"/>
-          <p:cNvSpPr>
-            <a:spLocks noGrp="1"/>
-          </p:cNvSpPr>
-          <p:nvPr>
-            <p:ph idx="1"/>
-          </p:nvPr>
-        </p:nvSpPr>
-        <p:spPr/>
-        <p:txBody>
-          <a:bodyPr/>
-          <a:lstStyle/>
-          <a:p>
-            <a:pPr marL="0" indent="0">
-              <a:buNone/>
-            </a:pPr>
-            <a:r>
-              <a:rPr lang="en-US" dirty="0" smtClean="0"/>
-              <a:t>An aside about logic programming:</a:t>
-            </a:r>
-            <a:endParaRPr lang="en-US" dirty="0" smtClean="0"/>
-          </a:p>
-          <a:p>
-            <a:pPr marL="0" indent="0">
-              <a:buNone/>
-            </a:pPr>
-            <a:endParaRPr lang="en-US" dirty="0"/>
-          </a:p>
-          <a:p>
-            <a:pPr marL="0" indent="0">
-              <a:buNone/>
-            </a:pPr>
-            <a:r>
-              <a:rPr lang="en-US" dirty="0" smtClean="0"/>
-              <a:t>In (classical) logic, theories are </a:t>
-            </a:r>
-          </a:p>
-          <a:p>
-            <a:r>
-              <a:rPr lang="en-US" dirty="0" smtClean="0"/>
-              <a:t>Associative and commutative</a:t>
-            </a:r>
-          </a:p>
-          <a:p>
-            <a:pPr lvl="1"/>
-            <a:r>
-              <a:rPr lang="en-US" dirty="0" smtClean="0"/>
-              <a:t>Consequences are the same regardless of the order in which we make deductions</a:t>
-            </a:r>
-          </a:p>
-          <a:p>
-            <a:r>
-              <a:rPr lang="en-US" dirty="0" smtClean="0"/>
-              <a:t>Idempotent</a:t>
-            </a:r>
-          </a:p>
-          <a:p>
-            <a:pPr lvl="1"/>
-            <a:r>
-              <a:rPr lang="en-US" dirty="0" smtClean="0"/>
-              <a:t>Axioms can be reiterated freely</a:t>
-            </a:r>
-          </a:p>
-          <a:p>
-            <a:pPr marL="457200" lvl="1" indent="0">
-              <a:buNone/>
-            </a:pPr>
-            <a:endParaRPr lang="en-US" dirty="0" smtClean="0"/>
-          </a:p>
-          <a:p>
-            <a:pPr lvl="1"/>
-            <a:endParaRPr lang="en-US" dirty="0"/>
-          </a:p>
-        </p:txBody>
-      </p:sp>
-    </p:spTree>
-    <p:extLst>
-      <p:ext uri="{BB962C8B-B14F-4D97-AF65-F5344CB8AC3E}">
-        <p14:creationId xmlns:p14="http://schemas.microsoft.com/office/powerpoint/2010/main" val="3275455917"/>
-      </p:ext>
-    </p:extLst>
-  </p:cSld>
-  <p:clrMapOvr>
-    <a:masterClrMapping/>
-  </p:clrMapOvr>
-</p:sld>
-</file>
-
-<file path=ppt/slides/slide3.xml><?xml version="1.0" encoding="utf-8"?>
-<p:sld xmlns:a="http://schemas.openxmlformats.org/drawingml/2006/main" xmlns:r="http://schemas.openxmlformats.org/officeDocument/2006/relationships" xmlns:p="http://schemas.openxmlformats.org/presentationml/2006/main">
-  <p:cSld>
-    <p:spTree>
-      <p:nvGrpSpPr>
-        <p:cNvPr id="1" name=""/>
-        <p:cNvGrpSpPr/>
-        <p:nvPr/>
-      </p:nvGrpSpPr>
-      <p:grpSpPr>
-        <a:xfrm>
-          <a:off x="0" y="0"/>
-          <a:ext cx="0" cy="0"/>
-          <a:chOff x="0" y="0"/>
-          <a:chExt cx="0" cy="0"/>
-        </a:xfrm>
-      </p:grpSpPr>
-      <p:sp>
-        <p:nvSpPr>
-          <p:cNvPr id="2" name="Title 1"/>
-          <p:cNvSpPr>
-            <a:spLocks noGrp="1"/>
-          </p:cNvSpPr>
-          <p:nvPr>
-            <p:ph type="title"/>
-          </p:nvPr>
-        </p:nvSpPr>
-        <p:spPr/>
-        <p:txBody>
-          <a:bodyPr/>
-          <a:lstStyle/>
-          <a:p>
-            <a:r>
-              <a:rPr lang="en-US" dirty="0" smtClean="0"/>
-              <a:t>Motivation</a:t>
-            </a:r>
-            <a:endParaRPr lang="en-US" dirty="0"/>
-          </a:p>
-        </p:txBody>
-      </p:sp>
-    </p:spTree>
-    <p:extLst>
-      <p:ext uri="{BB962C8B-B14F-4D97-AF65-F5344CB8AC3E}">
-        <p14:creationId xmlns:p14="http://schemas.microsoft.com/office/powerpoint/2010/main" val="1274045797"/>
-      </p:ext>
-    </p:extLst>
-  </p:cSld>
-  <p:clrMapOvr>
-    <a:masterClrMapping/>
-  </p:clrMapOvr>
-</p:sld>
-</file>
-
-<file path=ppt/slides/slide30.xml><?xml version="1.0" encoding="utf-8"?>
-<p:sld xmlns:a="http://schemas.openxmlformats.org/drawingml/2006/main" xmlns:r="http://schemas.openxmlformats.org/officeDocument/2006/relationships" xmlns:p="http://schemas.openxmlformats.org/presentationml/2006/main">
-  <p:cSld>
-    <p:spTree>
-      <p:nvGrpSpPr>
-        <p:cNvPr id="1" name=""/>
-        <p:cNvGrpSpPr/>
-        <p:nvPr/>
-      </p:nvGrpSpPr>
-      <p:grpSpPr>
-        <a:xfrm>
-          <a:off x="0" y="0"/>
-          <a:ext cx="0" cy="0"/>
-          <a:chOff x="0" y="0"/>
-          <a:chExt cx="0" cy="0"/>
-        </a:xfrm>
-      </p:grpSpPr>
-      <p:sp>
-        <p:nvSpPr>
-          <p:cNvPr id="2" name="Title 1"/>
-          <p:cNvSpPr>
-            <a:spLocks noGrp="1"/>
-          </p:cNvSpPr>
-          <p:nvPr>
-            <p:ph type="title"/>
-          </p:nvPr>
-        </p:nvSpPr>
-        <p:spPr/>
-        <p:txBody>
-          <a:bodyPr/>
-          <a:lstStyle/>
-          <a:p>
-            <a:r>
-              <a:rPr lang="en-US" dirty="0" smtClean="0"/>
-              <a:t>Disorderly programming</a:t>
-            </a:r>
-            <a:endParaRPr lang="en-US" dirty="0"/>
-          </a:p>
-        </p:txBody>
-      </p:sp>
-      <p:sp>
-        <p:nvSpPr>
-          <p:cNvPr id="3" name="Content Placeholder 2"/>
-          <p:cNvSpPr>
-            <a:spLocks noGrp="1"/>
-          </p:cNvSpPr>
-          <p:nvPr>
-            <p:ph idx="1"/>
-          </p:nvPr>
-        </p:nvSpPr>
-        <p:spPr/>
-        <p:txBody>
-          <a:bodyPr>
-            <a:normAutofit lnSpcReduction="10000"/>
-          </a:bodyPr>
-          <a:lstStyle/>
-          <a:p>
-            <a:pPr marL="0" indent="0">
-              <a:buNone/>
-            </a:pPr>
-            <a:r>
-              <a:rPr lang="en-US" dirty="0"/>
-              <a:t>An aside about logic programming:</a:t>
-            </a:r>
-          </a:p>
-          <a:p>
-            <a:pPr marL="0" indent="0">
-              <a:buNone/>
-            </a:pPr>
-            <a:endParaRPr lang="en-US" dirty="0" smtClean="0"/>
-          </a:p>
-          <a:p>
-            <a:pPr marL="0" indent="0">
-              <a:buNone/>
-            </a:pPr>
-            <a:r>
-              <a:rPr lang="en-US" dirty="0" smtClean="0"/>
-              <a:t>In </a:t>
-            </a:r>
-            <a:r>
-              <a:rPr lang="en-US" dirty="0" smtClean="0"/>
-              <a:t>(classical) logic, theories are Associative, Commutative, and Idempotent </a:t>
-            </a:r>
-            <a:r>
-              <a:rPr lang="en-US" i="1" dirty="0" smtClean="0"/>
-              <a:t>because</a:t>
-            </a:r>
-            <a:endParaRPr lang="en-US" dirty="0"/>
-          </a:p>
-          <a:p>
-            <a:pPr marL="0" indent="0">
-              <a:buNone/>
-            </a:pPr>
-            <a:endParaRPr lang="en-US" dirty="0" smtClean="0"/>
-          </a:p>
-          <a:p>
-            <a:pPr marL="0" indent="0">
-              <a:buNone/>
-            </a:pPr>
-            <a:r>
-              <a:rPr lang="en-US" dirty="0" smtClean="0"/>
-              <a:t>Knowledge is </a:t>
-            </a:r>
-            <a:r>
-              <a:rPr lang="en-US" i="1" dirty="0" smtClean="0"/>
-              <a:t>monotonic:</a:t>
-            </a:r>
-          </a:p>
-          <a:p>
-            <a:pPr marL="0" indent="0">
-              <a:buNone/>
-            </a:pPr>
-            <a:endParaRPr lang="en-US" i="1" dirty="0"/>
-          </a:p>
-          <a:p>
-            <a:pPr marL="0" indent="0">
-              <a:buNone/>
-            </a:pPr>
-            <a:r>
-              <a:rPr lang="en-US" i="1" dirty="0" smtClean="0"/>
-              <a:t>The more you know, the more you know</a:t>
-            </a:r>
-          </a:p>
-        </p:txBody>
-      </p:sp>
-    </p:spTree>
-    <p:extLst>
-      <p:ext uri="{BB962C8B-B14F-4D97-AF65-F5344CB8AC3E}">
-        <p14:creationId xmlns:p14="http://schemas.microsoft.com/office/powerpoint/2010/main" val="23523355"/>
-      </p:ext>
-    </p:extLst>
-  </p:cSld>
-  <p:clrMapOvr>
-    <a:masterClrMapping/>
-  </p:clrMapOvr>
-</p:sld>
-</file>
-
 <file path=ppt/slides/slide31.xml><?xml version="1.0" encoding="utf-8"?>
 <p:sld xmlns:a="http://schemas.openxmlformats.org/drawingml/2006/main" xmlns:r="http://schemas.openxmlformats.org/officeDocument/2006/relationships" xmlns:p="http://schemas.openxmlformats.org/presentationml/2006/main">
   <p:cSld>
@@ -7772,7 +10288,7 @@
           <a:p>
             <a:r>
               <a:rPr lang="en-US" dirty="0" smtClean="0"/>
-              <a:t>Disorderly programming</a:t>
+              <a:t>C(v)RDTs</a:t>
             </a:r>
             <a:endParaRPr lang="en-US" dirty="0"/>
           </a:p>
@@ -7790,49 +10306,29 @@
         </p:nvSpPr>
         <p:spPr/>
         <p:txBody>
-          <a:bodyPr>
-            <a:normAutofit/>
-          </a:bodyPr>
+          <a:bodyPr/>
           <a:lstStyle/>
           <a:p>
             <a:pPr marL="0" indent="0">
               <a:buNone/>
             </a:pPr>
             <a:r>
+              <a:rPr lang="en-US" dirty="0" smtClean="0"/>
+              <a:t>Convergent</a:t>
+            </a:r>
+            <a:r>
               <a:rPr lang="en-US" dirty="0"/>
-              <a:t>An aside about logic programming:</a:t>
-            </a:r>
-          </a:p>
-          <a:p>
-            <a:pPr marL="0" indent="0">
-              <a:buNone/>
-            </a:pPr>
+              <a:t> </a:t>
+            </a:r>
+            <a:r>
+              <a:rPr lang="en-US" dirty="0" smtClean="0"/>
+              <a:t>Replicated </a:t>
+            </a:r>
+            <a:r>
+              <a:rPr lang="en-US" dirty="0" err="1" smtClean="0"/>
+              <a:t>Datatypes</a:t>
+            </a:r>
             <a:endParaRPr lang="en-US" dirty="0" smtClean="0"/>
-          </a:p>
-          <a:p>
-            <a:pPr marL="0" indent="0">
-              <a:buNone/>
-            </a:pPr>
-            <a:r>
-              <a:rPr lang="en-US" dirty="0" smtClean="0"/>
-              <a:t>It is challenging to even </a:t>
-            </a:r>
-            <a:r>
-              <a:rPr lang="en-US" i="1" dirty="0" smtClean="0"/>
-              <a:t>talk</a:t>
-            </a:r>
-            <a:r>
-              <a:rPr lang="en-US" dirty="0" smtClean="0"/>
-              <a:t> about order in logic programming languages [</a:t>
-            </a:r>
-            <a:r>
-              <a:rPr lang="en-US" dirty="0" err="1" smtClean="0"/>
-              <a:t>dedalus</a:t>
-            </a:r>
-            <a:r>
-              <a:rPr lang="en-US" dirty="0" smtClean="0"/>
-              <a:t>].</a:t>
-            </a:r>
           </a:p>
           <a:p>
             <a:pPr marL="0" indent="0">
@@ -7846,16 +10342,35 @@
             </a:pPr>
             <a:r>
               <a:rPr lang="en-US" dirty="0" smtClean="0"/>
-              <a:t>Yet we can build … </a:t>
-            </a:r>
-            <a:endParaRPr lang="en-US" i="1" dirty="0" smtClean="0"/>
+              <a:t>Idea: </a:t>
+            </a:r>
+          </a:p>
+          <a:p>
+            <a:r>
+              <a:rPr lang="en-US" dirty="0" smtClean="0"/>
+              <a:t>represent state as a join </a:t>
+            </a:r>
+            <a:r>
+              <a:rPr lang="en-US" dirty="0" err="1" smtClean="0"/>
+              <a:t>semilattice</a:t>
+            </a:r>
+            <a:r>
+              <a:rPr lang="en-US" dirty="0" smtClean="0"/>
+              <a:t>. </a:t>
+            </a:r>
+          </a:p>
+          <a:p>
+            <a:r>
+              <a:rPr lang="en-US" dirty="0" smtClean="0"/>
+              <a:t>Provide a ACI merge function </a:t>
+            </a:r>
           </a:p>
         </p:txBody>
       </p:sp>
     </p:spTree>
     <p:extLst>
       <p:ext uri="{BB962C8B-B14F-4D97-AF65-F5344CB8AC3E}">
-        <p14:creationId xmlns:p14="http://schemas.microsoft.com/office/powerpoint/2010/main" val="1794628599"/>
+        <p14:creationId xmlns:p14="http://schemas.microsoft.com/office/powerpoint/2010/main" val="321358899"/>
       </p:ext>
     </p:extLst>
   </p:cSld>
@@ -7899,15 +10414,7 @@
           <a:p>
             <a:r>
               <a:rPr lang="en-US" dirty="0" smtClean="0"/>
-              <a:t>Disorderly </a:t>
-            </a:r>
-            <a:r>
-              <a:rPr lang="en-US" dirty="0"/>
-              <a:t>p</a:t>
-            </a:r>
-            <a:r>
-              <a:rPr lang="en-US" dirty="0" smtClean="0"/>
-              <a:t>rogramming</a:t>
+              <a:t>CRDTs</a:t>
             </a:r>
             <a:endParaRPr lang="en-US" dirty="0"/>
           </a:p>
@@ -7925,7 +10432,9 @@
         </p:nvSpPr>
         <p:spPr/>
         <p:txBody>
-          <a:bodyPr/>
+          <a:bodyPr>
+            <a:normAutofit fontScale="85000" lnSpcReduction="20000"/>
+          </a:bodyPr>
           <a:lstStyle/>
           <a:p>
             <a:pPr marL="0" indent="0">
@@ -7933,7 +10442,7 @@
             </a:pPr>
             <a:r>
               <a:rPr lang="en-US" dirty="0" smtClean="0"/>
-              <a:t>Idea: embody the ACID 2.0  design patterns in how we structure distributed programs.</a:t>
+              <a:t>Data structures:</a:t>
             </a:r>
           </a:p>
           <a:p>
@@ -7943,25 +10452,108 @@
             <a:endParaRPr lang="en-US" dirty="0"/>
           </a:p>
           <a:p>
-            <a:pPr marL="0" indent="0">
-              <a:buNone/>
+            <a:pPr marL="514350" indent="-514350">
+              <a:buFont typeface="+mj-lt"/>
+              <a:buAutoNum type="arabicPeriod"/>
             </a:pPr>
             <a:r>
               <a:rPr lang="en-US" dirty="0" smtClean="0"/>
-              <a:t>Disorderly data: unordered relations</a:t>
-            </a:r>
-          </a:p>
-          <a:p>
-            <a:pPr marL="0" indent="0">
-              <a:buNone/>
+              <a:t>Grow-only set (</a:t>
+            </a:r>
+            <a:r>
+              <a:rPr lang="en-US" dirty="0" err="1" smtClean="0"/>
+              <a:t>Gset</a:t>
+            </a:r>
+            <a:r>
+              <a:rPr lang="en-US" dirty="0" smtClean="0"/>
+              <a:t>)</a:t>
+            </a:r>
+          </a:p>
+          <a:p>
+            <a:pPr marL="914400" lvl="1" indent="-514350"/>
+            <a:r>
+              <a:rPr lang="en-US" dirty="0" smtClean="0"/>
+              <a:t>Trivial – merge is union and union is commutative</a:t>
+            </a:r>
+          </a:p>
+          <a:p>
+            <a:pPr marL="514350" indent="-514350">
+              <a:buFont typeface="+mj-lt"/>
+              <a:buAutoNum type="arabicPeriod"/>
             </a:pPr>
             <a:r>
               <a:rPr lang="en-US" dirty="0" smtClean="0"/>
-              <a:t>Disorderly code: </a:t>
-            </a:r>
+              <a:t>2PSet</a:t>
+            </a:r>
+          </a:p>
+          <a:p>
+            <a:pPr marL="914400" lvl="1" indent="-514350"/>
             <a:r>
               <a:rPr lang="en-US" dirty="0" smtClean="0"/>
-              <a:t>specify how data changes over time</a:t>
+              <a:t>Two </a:t>
+            </a:r>
+            <a:r>
+              <a:rPr lang="en-US" dirty="0" err="1" smtClean="0"/>
+              <a:t>Gsets</a:t>
+            </a:r>
+            <a:r>
+              <a:rPr lang="en-US" dirty="0" smtClean="0"/>
+              <a:t> – one for adds, the other for tombstones</a:t>
+            </a:r>
+          </a:p>
+          <a:p>
+            <a:pPr marL="914400" lvl="1" indent="-514350"/>
+            <a:r>
+              <a:rPr lang="en-US" dirty="0" smtClean="0"/>
+              <a:t>Idiosyncrasy: you can only add/delete once.</a:t>
+            </a:r>
+          </a:p>
+          <a:p>
+            <a:pPr marL="514350" indent="-514350">
+              <a:buFont typeface="+mj-lt"/>
+              <a:buAutoNum type="arabicPeriod"/>
+            </a:pPr>
+            <a:r>
+              <a:rPr lang="en-US" dirty="0" smtClean="0"/>
+              <a:t>Counters</a:t>
+            </a:r>
+          </a:p>
+          <a:p>
+            <a:pPr marL="914400" lvl="1" indent="-514350">
+              <a:buFont typeface="+mj-lt"/>
+              <a:buAutoNum type="arabicPeriod"/>
+            </a:pPr>
+            <a:r>
+              <a:rPr lang="en-US" dirty="0" smtClean="0"/>
+              <a:t>Tricky!  Vector clock with an entry for each replica</a:t>
+            </a:r>
+          </a:p>
+          <a:p>
+            <a:pPr marL="914400" lvl="1" indent="-514350">
+              <a:buFont typeface="+mj-lt"/>
+              <a:buAutoNum type="arabicPeriod"/>
+            </a:pPr>
+            <a:r>
+              <a:rPr lang="en-US" dirty="0" smtClean="0"/>
+              <a:t>Increment @ replica I =&gt; VC[</a:t>
+            </a:r>
+            <a:r>
+              <a:rPr lang="en-US" dirty="0" err="1" smtClean="0"/>
+              <a:t>i</a:t>
+            </a:r>
+            <a:r>
+              <a:rPr lang="en-US" dirty="0" smtClean="0"/>
+              <a:t>] += 1</a:t>
+            </a:r>
+          </a:p>
+          <a:p>
+            <a:pPr marL="914400" lvl="1" indent="-514350">
+              <a:buFont typeface="+mj-lt"/>
+              <a:buAutoNum type="arabicPeriod"/>
+            </a:pPr>
+            <a:r>
+              <a:rPr lang="en-US" dirty="0" smtClean="0"/>
+              <a:t>Value: sum of all VC values</a:t>
             </a:r>
             <a:endParaRPr lang="en-US" dirty="0"/>
           </a:p>
@@ -7970,7 +10562,7 @@
     </p:spTree>
     <p:extLst>
       <p:ext uri="{BB962C8B-B14F-4D97-AF65-F5344CB8AC3E}">
-        <p14:creationId xmlns:p14="http://schemas.microsoft.com/office/powerpoint/2010/main" val="4171936338"/>
+        <p14:creationId xmlns:p14="http://schemas.microsoft.com/office/powerpoint/2010/main" val="4279908520"/>
       </p:ext>
     </p:extLst>
   </p:cSld>
@@ -8014,6 +10606,601 @@
           <a:p>
             <a:r>
               <a:rPr lang="en-US" dirty="0" smtClean="0"/>
+              <a:t>CRDTs</a:t>
+            </a:r>
+            <a:endParaRPr lang="en-US" dirty="0"/>
+          </a:p>
+        </p:txBody>
+      </p:sp>
+      <p:sp>
+        <p:nvSpPr>
+          <p:cNvPr id="3" name="Content Placeholder 2"/>
+          <p:cNvSpPr>
+            <a:spLocks noGrp="1"/>
+          </p:cNvSpPr>
+          <p:nvPr>
+            <p:ph idx="1"/>
+          </p:nvPr>
+        </p:nvSpPr>
+        <p:spPr/>
+        <p:txBody>
+          <a:bodyPr/>
+          <a:lstStyle/>
+          <a:p>
+            <a:pPr marL="0" indent="0">
+              <a:buNone/>
+            </a:pPr>
+            <a:r>
+              <a:rPr lang="en-US" dirty="0" smtClean="0"/>
+              <a:t>Difficulties</a:t>
+            </a:r>
+          </a:p>
+          <a:p>
+            <a:pPr marL="0" indent="0">
+              <a:buNone/>
+            </a:pPr>
+            <a:endParaRPr lang="en-US" dirty="0"/>
+          </a:p>
+          <a:p>
+            <a:pPr marL="0" indent="0">
+              <a:buNone/>
+            </a:pPr>
+            <a:r>
+              <a:rPr lang="en-US" dirty="0" smtClean="0"/>
+              <a:t>(scoping difficulty)</a:t>
+            </a:r>
+            <a:endParaRPr lang="en-US" dirty="0"/>
+          </a:p>
+        </p:txBody>
+      </p:sp>
+    </p:spTree>
+    <p:extLst>
+      <p:ext uri="{BB962C8B-B14F-4D97-AF65-F5344CB8AC3E}">
+        <p14:creationId xmlns:p14="http://schemas.microsoft.com/office/powerpoint/2010/main" val="2947354244"/>
+      </p:ext>
+    </p:extLst>
+  </p:cSld>
+  <p:clrMapOvr>
+    <a:masterClrMapping/>
+  </p:clrMapOvr>
+</p:sld>
+</file>
+
+<file path=ppt/slides/slide34.xml><?xml version="1.0" encoding="utf-8"?>
+<p:sld xmlns:a="http://schemas.openxmlformats.org/drawingml/2006/main" xmlns:r="http://schemas.openxmlformats.org/officeDocument/2006/relationships" xmlns:p="http://schemas.openxmlformats.org/presentationml/2006/main">
+  <p:cSld>
+    <p:spTree>
+      <p:nvGrpSpPr>
+        <p:cNvPr id="1" name=""/>
+        <p:cNvGrpSpPr/>
+        <p:nvPr/>
+      </p:nvGrpSpPr>
+      <p:grpSpPr>
+        <a:xfrm>
+          <a:off x="0" y="0"/>
+          <a:ext cx="0" cy="0"/>
+          <a:chOff x="0" y="0"/>
+          <a:chExt cx="0" cy="0"/>
+        </a:xfrm>
+      </p:grpSpPr>
+      <p:sp>
+        <p:nvSpPr>
+          <p:cNvPr id="2" name="Title 1"/>
+          <p:cNvSpPr>
+            <a:spLocks noGrp="1"/>
+          </p:cNvSpPr>
+          <p:nvPr>
+            <p:ph type="title"/>
+          </p:nvPr>
+        </p:nvSpPr>
+        <p:spPr/>
+        <p:txBody>
+          <a:bodyPr/>
+          <a:lstStyle/>
+          <a:p>
+            <a:r>
+              <a:rPr lang="en-US" dirty="0" smtClean="0"/>
+              <a:t>Disorderly programming</a:t>
+            </a:r>
+            <a:endParaRPr lang="en-US" dirty="0"/>
+          </a:p>
+        </p:txBody>
+      </p:sp>
+      <p:sp>
+        <p:nvSpPr>
+          <p:cNvPr id="3" name="Content Placeholder 2"/>
+          <p:cNvSpPr>
+            <a:spLocks noGrp="1"/>
+          </p:cNvSpPr>
+          <p:nvPr>
+            <p:ph idx="1"/>
+          </p:nvPr>
+        </p:nvSpPr>
+        <p:spPr/>
+        <p:txBody>
+          <a:bodyPr/>
+          <a:lstStyle/>
+          <a:p>
+            <a:pPr marL="0" indent="0">
+              <a:buNone/>
+            </a:pPr>
+            <a:r>
+              <a:rPr lang="en-US" dirty="0" smtClean="0"/>
+              <a:t>An aside about logic programming:</a:t>
+            </a:r>
+          </a:p>
+          <a:p>
+            <a:pPr marL="0" indent="0">
+              <a:buNone/>
+            </a:pPr>
+            <a:endParaRPr lang="en-US" dirty="0"/>
+          </a:p>
+          <a:p>
+            <a:pPr marL="0" indent="0">
+              <a:buNone/>
+            </a:pPr>
+            <a:r>
+              <a:rPr lang="en-US" dirty="0" smtClean="0"/>
+              <a:t>In (classical) logic, theories are </a:t>
+            </a:r>
+          </a:p>
+          <a:p>
+            <a:r>
+              <a:rPr lang="en-US" dirty="0" smtClean="0"/>
+              <a:t>Associative and commutative</a:t>
+            </a:r>
+          </a:p>
+          <a:p>
+            <a:pPr lvl="1"/>
+            <a:r>
+              <a:rPr lang="en-US" dirty="0" smtClean="0"/>
+              <a:t>Consequences are the same regardless of the order in which we make deductions</a:t>
+            </a:r>
+          </a:p>
+          <a:p>
+            <a:r>
+              <a:rPr lang="en-US" dirty="0" smtClean="0"/>
+              <a:t>Idempotent</a:t>
+            </a:r>
+          </a:p>
+          <a:p>
+            <a:pPr lvl="1"/>
+            <a:r>
+              <a:rPr lang="en-US" dirty="0" smtClean="0"/>
+              <a:t>Axioms can be reiterated freely</a:t>
+            </a:r>
+          </a:p>
+          <a:p>
+            <a:pPr marL="457200" lvl="1" indent="0">
+              <a:buNone/>
+            </a:pPr>
+            <a:endParaRPr lang="en-US" dirty="0" smtClean="0"/>
+          </a:p>
+          <a:p>
+            <a:pPr lvl="1"/>
+            <a:endParaRPr lang="en-US" dirty="0"/>
+          </a:p>
+        </p:txBody>
+      </p:sp>
+    </p:spTree>
+    <p:extLst>
+      <p:ext uri="{BB962C8B-B14F-4D97-AF65-F5344CB8AC3E}">
+        <p14:creationId xmlns:p14="http://schemas.microsoft.com/office/powerpoint/2010/main" val="3275455917"/>
+      </p:ext>
+    </p:extLst>
+  </p:cSld>
+  <p:clrMapOvr>
+    <a:masterClrMapping/>
+  </p:clrMapOvr>
+</p:sld>
+</file>
+
+<file path=ppt/slides/slide35.xml><?xml version="1.0" encoding="utf-8"?>
+<p:sld xmlns:a="http://schemas.openxmlformats.org/drawingml/2006/main" xmlns:r="http://schemas.openxmlformats.org/officeDocument/2006/relationships" xmlns:p="http://schemas.openxmlformats.org/presentationml/2006/main">
+  <p:cSld>
+    <p:spTree>
+      <p:nvGrpSpPr>
+        <p:cNvPr id="1" name=""/>
+        <p:cNvGrpSpPr/>
+        <p:nvPr/>
+      </p:nvGrpSpPr>
+      <p:grpSpPr>
+        <a:xfrm>
+          <a:off x="0" y="0"/>
+          <a:ext cx="0" cy="0"/>
+          <a:chOff x="0" y="0"/>
+          <a:chExt cx="0" cy="0"/>
+        </a:xfrm>
+      </p:grpSpPr>
+      <p:sp>
+        <p:nvSpPr>
+          <p:cNvPr id="2" name="Title 1"/>
+          <p:cNvSpPr>
+            <a:spLocks noGrp="1"/>
+          </p:cNvSpPr>
+          <p:nvPr>
+            <p:ph type="title"/>
+          </p:nvPr>
+        </p:nvSpPr>
+        <p:spPr/>
+        <p:txBody>
+          <a:bodyPr/>
+          <a:lstStyle/>
+          <a:p>
+            <a:r>
+              <a:rPr lang="en-US" dirty="0" smtClean="0"/>
+              <a:t>Disorderly programming</a:t>
+            </a:r>
+            <a:endParaRPr lang="en-US" dirty="0"/>
+          </a:p>
+        </p:txBody>
+      </p:sp>
+      <p:sp>
+        <p:nvSpPr>
+          <p:cNvPr id="3" name="Content Placeholder 2"/>
+          <p:cNvSpPr>
+            <a:spLocks noGrp="1"/>
+          </p:cNvSpPr>
+          <p:nvPr>
+            <p:ph idx="1"/>
+          </p:nvPr>
+        </p:nvSpPr>
+        <p:spPr/>
+        <p:txBody>
+          <a:bodyPr>
+            <a:normAutofit lnSpcReduction="10000"/>
+          </a:bodyPr>
+          <a:lstStyle/>
+          <a:p>
+            <a:pPr marL="0" indent="0">
+              <a:buNone/>
+            </a:pPr>
+            <a:r>
+              <a:rPr lang="en-US" dirty="0"/>
+              <a:t>An aside about logic programming:</a:t>
+            </a:r>
+          </a:p>
+          <a:p>
+            <a:pPr marL="0" indent="0">
+              <a:buNone/>
+            </a:pPr>
+            <a:endParaRPr lang="en-US" dirty="0" smtClean="0"/>
+          </a:p>
+          <a:p>
+            <a:pPr marL="0" indent="0">
+              <a:buNone/>
+            </a:pPr>
+            <a:r>
+              <a:rPr lang="en-US" dirty="0" smtClean="0"/>
+              <a:t>In (classical) logic, theories are Associative, Commutative, and Idempotent </a:t>
+            </a:r>
+            <a:r>
+              <a:rPr lang="en-US" i="1" dirty="0" smtClean="0"/>
+              <a:t>because</a:t>
+            </a:r>
+            <a:endParaRPr lang="en-US" dirty="0"/>
+          </a:p>
+          <a:p>
+            <a:pPr marL="0" indent="0">
+              <a:buNone/>
+            </a:pPr>
+            <a:endParaRPr lang="en-US" dirty="0" smtClean="0"/>
+          </a:p>
+          <a:p>
+            <a:pPr marL="0" indent="0">
+              <a:buNone/>
+            </a:pPr>
+            <a:r>
+              <a:rPr lang="en-US" dirty="0" smtClean="0"/>
+              <a:t>Knowledge is </a:t>
+            </a:r>
+            <a:r>
+              <a:rPr lang="en-US" i="1" dirty="0" smtClean="0"/>
+              <a:t>monotonic:</a:t>
+            </a:r>
+          </a:p>
+          <a:p>
+            <a:pPr marL="0" indent="0">
+              <a:buNone/>
+            </a:pPr>
+            <a:endParaRPr lang="en-US" i="1" dirty="0"/>
+          </a:p>
+          <a:p>
+            <a:pPr marL="0" indent="0">
+              <a:buNone/>
+            </a:pPr>
+            <a:r>
+              <a:rPr lang="en-US" i="1" dirty="0" smtClean="0"/>
+              <a:t>The more you know, the more you know</a:t>
+            </a:r>
+          </a:p>
+        </p:txBody>
+      </p:sp>
+    </p:spTree>
+    <p:extLst>
+      <p:ext uri="{BB962C8B-B14F-4D97-AF65-F5344CB8AC3E}">
+        <p14:creationId xmlns:p14="http://schemas.microsoft.com/office/powerpoint/2010/main" val="23523355"/>
+      </p:ext>
+    </p:extLst>
+  </p:cSld>
+  <p:clrMapOvr>
+    <a:masterClrMapping/>
+  </p:clrMapOvr>
+</p:sld>
+</file>
+
+<file path=ppt/slides/slide36.xml><?xml version="1.0" encoding="utf-8"?>
+<p:sld xmlns:a="http://schemas.openxmlformats.org/drawingml/2006/main" xmlns:r="http://schemas.openxmlformats.org/officeDocument/2006/relationships" xmlns:p="http://schemas.openxmlformats.org/presentationml/2006/main">
+  <p:cSld>
+    <p:spTree>
+      <p:nvGrpSpPr>
+        <p:cNvPr id="1" name=""/>
+        <p:cNvGrpSpPr/>
+        <p:nvPr/>
+      </p:nvGrpSpPr>
+      <p:grpSpPr>
+        <a:xfrm>
+          <a:off x="0" y="0"/>
+          <a:ext cx="0" cy="0"/>
+          <a:chOff x="0" y="0"/>
+          <a:chExt cx="0" cy="0"/>
+        </a:xfrm>
+      </p:grpSpPr>
+      <p:sp>
+        <p:nvSpPr>
+          <p:cNvPr id="2" name="Title 1"/>
+          <p:cNvSpPr>
+            <a:spLocks noGrp="1"/>
+          </p:cNvSpPr>
+          <p:nvPr>
+            <p:ph type="title"/>
+          </p:nvPr>
+        </p:nvSpPr>
+        <p:spPr/>
+        <p:txBody>
+          <a:bodyPr/>
+          <a:lstStyle/>
+          <a:p>
+            <a:r>
+              <a:rPr lang="en-US" dirty="0" smtClean="0"/>
+              <a:t>Disorderly programming</a:t>
+            </a:r>
+            <a:endParaRPr lang="en-US" dirty="0"/>
+          </a:p>
+        </p:txBody>
+      </p:sp>
+      <p:sp>
+        <p:nvSpPr>
+          <p:cNvPr id="3" name="Content Placeholder 2"/>
+          <p:cNvSpPr>
+            <a:spLocks noGrp="1"/>
+          </p:cNvSpPr>
+          <p:nvPr>
+            <p:ph idx="1"/>
+          </p:nvPr>
+        </p:nvSpPr>
+        <p:spPr/>
+        <p:txBody>
+          <a:bodyPr>
+            <a:normAutofit/>
+          </a:bodyPr>
+          <a:lstStyle/>
+          <a:p>
+            <a:pPr marL="0" indent="0">
+              <a:buNone/>
+            </a:pPr>
+            <a:r>
+              <a:rPr lang="en-US" dirty="0"/>
+              <a:t>An aside about logic programming:</a:t>
+            </a:r>
+          </a:p>
+          <a:p>
+            <a:pPr marL="0" indent="0">
+              <a:buNone/>
+            </a:pPr>
+            <a:endParaRPr lang="en-US" dirty="0" smtClean="0"/>
+          </a:p>
+          <a:p>
+            <a:pPr marL="0" indent="0">
+              <a:buNone/>
+            </a:pPr>
+            <a:r>
+              <a:rPr lang="en-US" dirty="0" smtClean="0"/>
+              <a:t>It is challenging to even </a:t>
+            </a:r>
+            <a:r>
+              <a:rPr lang="en-US" i="1" dirty="0" smtClean="0"/>
+              <a:t>talk</a:t>
+            </a:r>
+            <a:r>
+              <a:rPr lang="en-US" dirty="0" smtClean="0"/>
+              <a:t> about order in logic programming languages [</a:t>
+            </a:r>
+            <a:r>
+              <a:rPr lang="en-US" dirty="0" err="1" smtClean="0"/>
+              <a:t>dedalus</a:t>
+            </a:r>
+            <a:r>
+              <a:rPr lang="en-US" dirty="0" smtClean="0"/>
+              <a:t>].</a:t>
+            </a:r>
+          </a:p>
+          <a:p>
+            <a:pPr marL="0" indent="0">
+              <a:buNone/>
+            </a:pPr>
+            <a:endParaRPr lang="en-US" dirty="0"/>
+          </a:p>
+          <a:p>
+            <a:pPr marL="0" indent="0">
+              <a:buNone/>
+            </a:pPr>
+            <a:r>
+              <a:rPr lang="en-US" dirty="0" smtClean="0"/>
+              <a:t>Yet we can build … </a:t>
+            </a:r>
+            <a:endParaRPr lang="en-US" i="1" dirty="0" smtClean="0"/>
+          </a:p>
+        </p:txBody>
+      </p:sp>
+    </p:spTree>
+    <p:extLst>
+      <p:ext uri="{BB962C8B-B14F-4D97-AF65-F5344CB8AC3E}">
+        <p14:creationId xmlns:p14="http://schemas.microsoft.com/office/powerpoint/2010/main" val="1794628599"/>
+      </p:ext>
+    </p:extLst>
+  </p:cSld>
+  <p:clrMapOvr>
+    <a:masterClrMapping/>
+  </p:clrMapOvr>
+</p:sld>
+</file>
+
+<file path=ppt/slides/slide37.xml><?xml version="1.0" encoding="utf-8"?>
+<p:sld xmlns:a="http://schemas.openxmlformats.org/drawingml/2006/main" xmlns:r="http://schemas.openxmlformats.org/officeDocument/2006/relationships" xmlns:p="http://schemas.openxmlformats.org/presentationml/2006/main">
+  <p:cSld>
+    <p:spTree>
+      <p:nvGrpSpPr>
+        <p:cNvPr id="1" name=""/>
+        <p:cNvGrpSpPr/>
+        <p:nvPr/>
+      </p:nvGrpSpPr>
+      <p:grpSpPr>
+        <a:xfrm>
+          <a:off x="0" y="0"/>
+          <a:ext cx="0" cy="0"/>
+          <a:chOff x="0" y="0"/>
+          <a:chExt cx="0" cy="0"/>
+        </a:xfrm>
+      </p:grpSpPr>
+      <p:sp>
+        <p:nvSpPr>
+          <p:cNvPr id="2" name="Title 1"/>
+          <p:cNvSpPr>
+            <a:spLocks noGrp="1"/>
+          </p:cNvSpPr>
+          <p:nvPr>
+            <p:ph type="title"/>
+          </p:nvPr>
+        </p:nvSpPr>
+        <p:spPr/>
+        <p:txBody>
+          <a:bodyPr/>
+          <a:lstStyle/>
+          <a:p>
+            <a:r>
+              <a:rPr lang="en-US" dirty="0" smtClean="0"/>
+              <a:t>Disorderly </a:t>
+            </a:r>
+            <a:r>
+              <a:rPr lang="en-US" dirty="0"/>
+              <a:t>p</a:t>
+            </a:r>
+            <a:r>
+              <a:rPr lang="en-US" dirty="0" smtClean="0"/>
+              <a:t>rogramming</a:t>
+            </a:r>
+            <a:endParaRPr lang="en-US" dirty="0"/>
+          </a:p>
+        </p:txBody>
+      </p:sp>
+      <p:sp>
+        <p:nvSpPr>
+          <p:cNvPr id="3" name="Content Placeholder 2"/>
+          <p:cNvSpPr>
+            <a:spLocks noGrp="1"/>
+          </p:cNvSpPr>
+          <p:nvPr>
+            <p:ph idx="1"/>
+          </p:nvPr>
+        </p:nvSpPr>
+        <p:spPr/>
+        <p:txBody>
+          <a:bodyPr/>
+          <a:lstStyle/>
+          <a:p>
+            <a:pPr marL="0" indent="0">
+              <a:buNone/>
+            </a:pPr>
+            <a:r>
+              <a:rPr lang="en-US" dirty="0" smtClean="0"/>
+              <a:t>Idea: embody the ACID 2.0  design patterns in how we structure distributed programs.</a:t>
+            </a:r>
+          </a:p>
+          <a:p>
+            <a:pPr marL="0" indent="0">
+              <a:buNone/>
+            </a:pPr>
+            <a:endParaRPr lang="en-US" dirty="0"/>
+          </a:p>
+          <a:p>
+            <a:pPr marL="0" indent="0">
+              <a:buNone/>
+            </a:pPr>
+            <a:r>
+              <a:rPr lang="en-US" dirty="0" smtClean="0"/>
+              <a:t>Disorderly data: unordered relations</a:t>
+            </a:r>
+          </a:p>
+          <a:p>
+            <a:pPr marL="0" indent="0">
+              <a:buNone/>
+            </a:pPr>
+            <a:r>
+              <a:rPr lang="en-US" dirty="0" smtClean="0"/>
+              <a:t>Disorderly code: specify how data changes over time</a:t>
+            </a:r>
+            <a:endParaRPr lang="en-US" dirty="0"/>
+          </a:p>
+        </p:txBody>
+      </p:sp>
+    </p:spTree>
+    <p:extLst>
+      <p:ext uri="{BB962C8B-B14F-4D97-AF65-F5344CB8AC3E}">
+        <p14:creationId xmlns:p14="http://schemas.microsoft.com/office/powerpoint/2010/main" val="4171936338"/>
+      </p:ext>
+    </p:extLst>
+  </p:cSld>
+  <p:clrMapOvr>
+    <a:masterClrMapping/>
+  </p:clrMapOvr>
+</p:sld>
+</file>
+
+<file path=ppt/slides/slide38.xml><?xml version="1.0" encoding="utf-8"?>
+<p:sld xmlns:a="http://schemas.openxmlformats.org/drawingml/2006/main" xmlns:r="http://schemas.openxmlformats.org/officeDocument/2006/relationships" xmlns:p="http://schemas.openxmlformats.org/presentationml/2006/main">
+  <p:cSld>
+    <p:spTree>
+      <p:nvGrpSpPr>
+        <p:cNvPr id="1" name=""/>
+        <p:cNvGrpSpPr/>
+        <p:nvPr/>
+      </p:nvGrpSpPr>
+      <p:grpSpPr>
+        <a:xfrm>
+          <a:off x="0" y="0"/>
+          <a:ext cx="0" cy="0"/>
+          <a:chOff x="0" y="0"/>
+          <a:chExt cx="0" cy="0"/>
+        </a:xfrm>
+      </p:grpSpPr>
+      <p:sp>
+        <p:nvSpPr>
+          <p:cNvPr id="2" name="Title 1"/>
+          <p:cNvSpPr>
+            <a:spLocks noGrp="1"/>
+          </p:cNvSpPr>
+          <p:nvPr>
+            <p:ph type="title"/>
+          </p:nvPr>
+        </p:nvSpPr>
+        <p:spPr/>
+        <p:txBody>
+          <a:bodyPr/>
+          <a:lstStyle/>
+          <a:p>
+            <a:r>
+              <a:rPr lang="en-US" dirty="0" smtClean="0"/>
               <a:t>Bloom</a:t>
             </a:r>
             <a:endParaRPr lang="en-US" dirty="0"/>
@@ -8052,7 +11239,7 @@
 </p:sld>
 </file>
 
-<file path=ppt/slides/slide34.xml><?xml version="1.0" encoding="utf-8"?>
+<file path=ppt/slides/slide39.xml><?xml version="1.0" encoding="utf-8"?>
 <p:sld xmlns:a="http://schemas.openxmlformats.org/drawingml/2006/main" xmlns:r="http://schemas.openxmlformats.org/officeDocument/2006/relationships" xmlns:p="http://schemas.openxmlformats.org/presentationml/2006/main">
   <p:cSld>
     <p:spTree>
@@ -9028,7 +12215,116 @@
 </p:sld>
 </file>
 
-<file path=ppt/slides/slide35.xml><?xml version="1.0" encoding="utf-8"?>
+<file path=ppt/slides/slide4.xml><?xml version="1.0" encoding="utf-8"?>
+<p:sld xmlns:a="http://schemas.openxmlformats.org/drawingml/2006/main" xmlns:r="http://schemas.openxmlformats.org/officeDocument/2006/relationships" xmlns:p="http://schemas.openxmlformats.org/presentationml/2006/main">
+  <p:cSld>
+    <p:spTree>
+      <p:nvGrpSpPr>
+        <p:cNvPr id="1" name=""/>
+        <p:cNvGrpSpPr/>
+        <p:nvPr/>
+      </p:nvGrpSpPr>
+      <p:grpSpPr>
+        <a:xfrm>
+          <a:off x="0" y="0"/>
+          <a:ext cx="0" cy="0"/>
+          <a:chOff x="0" y="0"/>
+          <a:chExt cx="0" cy="0"/>
+        </a:xfrm>
+      </p:grpSpPr>
+      <p:sp>
+        <p:nvSpPr>
+          <p:cNvPr id="2" name="Title 1"/>
+          <p:cNvSpPr>
+            <a:spLocks noGrp="1"/>
+          </p:cNvSpPr>
+          <p:nvPr>
+            <p:ph type="title"/>
+          </p:nvPr>
+        </p:nvSpPr>
+        <p:spPr/>
+        <p:txBody>
+          <a:bodyPr>
+            <a:normAutofit fontScale="90000"/>
+          </a:bodyPr>
+          <a:lstStyle/>
+          <a:p>
+            <a:r>
+              <a:rPr lang="en-US" dirty="0" smtClean="0"/>
+              <a:t>Context: replicated distributed systems </a:t>
+            </a:r>
+            <a:endParaRPr lang="en-US" dirty="0"/>
+          </a:p>
+        </p:txBody>
+      </p:sp>
+      <p:sp>
+        <p:nvSpPr>
+          <p:cNvPr id="3" name="Content Placeholder 2"/>
+          <p:cNvSpPr>
+            <a:spLocks noGrp="1"/>
+          </p:cNvSpPr>
+          <p:nvPr>
+            <p:ph idx="1"/>
+          </p:nvPr>
+        </p:nvSpPr>
+        <p:spPr/>
+        <p:txBody>
+          <a:bodyPr/>
+          <a:lstStyle/>
+          <a:p>
+            <a:pPr marL="0" indent="0">
+              <a:buNone/>
+            </a:pPr>
+            <a:endParaRPr lang="en-US" dirty="0"/>
+          </a:p>
+          <a:p>
+            <a:pPr marL="0" indent="0">
+              <a:buNone/>
+            </a:pPr>
+            <a:r>
+              <a:rPr lang="en-US" dirty="0" smtClean="0"/>
+              <a:t>Distributed: connected (but not always, or well)</a:t>
+            </a:r>
+          </a:p>
+          <a:p>
+            <a:pPr marL="0" indent="0">
+              <a:buNone/>
+            </a:pPr>
+            <a:endParaRPr lang="en-US" dirty="0"/>
+          </a:p>
+          <a:p>
+            <a:pPr marL="0" indent="0">
+              <a:buNone/>
+            </a:pPr>
+            <a:r>
+              <a:rPr lang="en-US" dirty="0" smtClean="0"/>
+              <a:t>Replicated: redundant data</a:t>
+            </a:r>
+            <a:endParaRPr lang="en-US" dirty="0"/>
+          </a:p>
+        </p:txBody>
+      </p:sp>
+    </p:spTree>
+    <p:extLst>
+      <p:ext uri="{BB962C8B-B14F-4D97-AF65-F5344CB8AC3E}">
+        <p14:creationId xmlns:p14="http://schemas.microsoft.com/office/powerpoint/2010/main" val="3795045071"/>
+      </p:ext>
+    </p:extLst>
+  </p:cSld>
+  <p:clrMapOvr>
+    <a:masterClrMapping/>
+  </p:clrMapOvr>
+  <p:timing>
+    <p:tnLst>
+      <p:par>
+        <p:cTn xmlns:p14="http://schemas.microsoft.com/office/powerpoint/2010/main" id="1" dur="indefinite" restart="never" nodeType="tmRoot"/>
+      </p:par>
+    </p:tnLst>
+  </p:timing>
+</p:sld>
+</file>
+
+<file path=ppt/slides/slide40.xml><?xml version="1.0" encoding="utf-8"?>
 <p:sld xmlns:a="http://schemas.openxmlformats.org/drawingml/2006/main" xmlns:r="http://schemas.openxmlformats.org/officeDocument/2006/relationships" xmlns:p="http://schemas.openxmlformats.org/presentationml/2006/main">
   <p:cSld>
     <p:spTree>
@@ -9118,7 +12414,7 @@
 </p:sld>
 </file>
 
-<file path=ppt/slides/slide36.xml><?xml version="1.0" encoding="utf-8"?>
+<file path=ppt/slides/slide41.xml><?xml version="1.0" encoding="utf-8"?>
 <p:sld xmlns:a="http://schemas.openxmlformats.org/drawingml/2006/main" xmlns:r="http://schemas.openxmlformats.org/officeDocument/2006/relationships" xmlns:p="http://schemas.openxmlformats.org/presentationml/2006/main">
   <p:cSld>
     <p:spTree>
@@ -9296,7 +12592,7 @@
 </p:sld>
 </file>
 
-<file path=ppt/slides/slide37.xml><?xml version="1.0" encoding="utf-8"?>
+<file path=ppt/slides/slide42.xml><?xml version="1.0" encoding="utf-8"?>
 <p:sld xmlns:a="http://schemas.openxmlformats.org/drawingml/2006/main" xmlns:r="http://schemas.openxmlformats.org/officeDocument/2006/relationships" xmlns:p="http://schemas.openxmlformats.org/presentationml/2006/main">
   <p:cSld>
     <p:spTree>
@@ -10210,7 +13506,7 @@
 </p:sld>
 </file>
 
-<file path=ppt/slides/slide38.xml><?xml version="1.0" encoding="utf-8"?>
+<file path=ppt/slides/slide43.xml><?xml version="1.0" encoding="utf-8"?>
 <p:sld xmlns:a="http://schemas.openxmlformats.org/drawingml/2006/main" xmlns:r="http://schemas.openxmlformats.org/officeDocument/2006/relationships" xmlns:p="http://schemas.openxmlformats.org/presentationml/2006/main">
   <p:cSld>
     <p:spTree>
@@ -10397,7 +13693,7 @@
 </p:sld>
 </file>
 
-<file path=ppt/slides/slide39.xml><?xml version="1.0" encoding="utf-8"?>
+<file path=ppt/slides/slide44.xml><?xml version="1.0" encoding="utf-8"?>
 <p:sld xmlns:a="http://schemas.openxmlformats.org/drawingml/2006/main" xmlns:r="http://schemas.openxmlformats.org/officeDocument/2006/relationships" xmlns:p="http://schemas.openxmlformats.org/presentationml/2006/main">
   <p:cSld>
     <p:spTree>
@@ -11491,109 +14787,7 @@
 </p:sld>
 </file>
 
-<file path=ppt/slides/slide4.xml><?xml version="1.0" encoding="utf-8"?>
-<p:sld xmlns:a="http://schemas.openxmlformats.org/drawingml/2006/main" xmlns:r="http://schemas.openxmlformats.org/officeDocument/2006/relationships" xmlns:p="http://schemas.openxmlformats.org/presentationml/2006/main">
-  <p:cSld>
-    <p:spTree>
-      <p:nvGrpSpPr>
-        <p:cNvPr id="1" name=""/>
-        <p:cNvGrpSpPr/>
-        <p:nvPr/>
-      </p:nvGrpSpPr>
-      <p:grpSpPr>
-        <a:xfrm>
-          <a:off x="0" y="0"/>
-          <a:ext cx="0" cy="0"/>
-          <a:chOff x="0" y="0"/>
-          <a:chExt cx="0" cy="0"/>
-        </a:xfrm>
-      </p:grpSpPr>
-      <p:sp>
-        <p:nvSpPr>
-          <p:cNvPr id="2" name="Title 1"/>
-          <p:cNvSpPr>
-            <a:spLocks noGrp="1"/>
-          </p:cNvSpPr>
-          <p:nvPr>
-            <p:ph type="title"/>
-          </p:nvPr>
-        </p:nvSpPr>
-        <p:spPr/>
-        <p:txBody>
-          <a:bodyPr>
-            <a:normAutofit fontScale="90000"/>
-          </a:bodyPr>
-          <a:lstStyle/>
-          <a:p>
-            <a:r>
-              <a:rPr lang="en-US" dirty="0" smtClean="0"/>
-              <a:t>Context: replicated distributed systems </a:t>
-            </a:r>
-            <a:endParaRPr lang="en-US" dirty="0"/>
-          </a:p>
-        </p:txBody>
-      </p:sp>
-      <p:sp>
-        <p:nvSpPr>
-          <p:cNvPr id="3" name="Content Placeholder 2"/>
-          <p:cNvSpPr>
-            <a:spLocks noGrp="1"/>
-          </p:cNvSpPr>
-          <p:nvPr>
-            <p:ph idx="1"/>
-          </p:nvPr>
-        </p:nvSpPr>
-        <p:spPr/>
-        <p:txBody>
-          <a:bodyPr/>
-          <a:lstStyle/>
-          <a:p>
-            <a:pPr marL="0" indent="0">
-              <a:buNone/>
-            </a:pPr>
-            <a:endParaRPr lang="en-US" dirty="0"/>
-          </a:p>
-          <a:p>
-            <a:pPr marL="0" indent="0">
-              <a:buNone/>
-            </a:pPr>
-            <a:r>
-              <a:rPr lang="en-US" dirty="0" smtClean="0"/>
-              <a:t>Distributed: connected (but not always, or well)</a:t>
-            </a:r>
-          </a:p>
-          <a:p>
-            <a:pPr marL="0" indent="0">
-              <a:buNone/>
-            </a:pPr>
-            <a:endParaRPr lang="en-US" dirty="0"/>
-          </a:p>
-          <a:p>
-            <a:pPr marL="0" indent="0">
-              <a:buNone/>
-            </a:pPr>
-            <a:r>
-              <a:rPr lang="en-US" dirty="0" smtClean="0"/>
-              <a:t>Replicated: redundant data</a:t>
-            </a:r>
-            <a:endParaRPr lang="en-US" dirty="0"/>
-          </a:p>
-        </p:txBody>
-      </p:sp>
-    </p:spTree>
-    <p:extLst>
-      <p:ext uri="{BB962C8B-B14F-4D97-AF65-F5344CB8AC3E}">
-        <p14:creationId xmlns:p14="http://schemas.microsoft.com/office/powerpoint/2010/main" val="3795045071"/>
-      </p:ext>
-    </p:extLst>
-  </p:cSld>
-  <p:clrMapOvr>
-    <a:masterClrMapping/>
-  </p:clrMapOvr>
-</p:sld>
-</file>
-
-<file path=ppt/slides/slide40.xml><?xml version="1.0" encoding="utf-8"?>
+<file path=ppt/slides/slide45.xml><?xml version="1.0" encoding="utf-8"?>
 <p:sld xmlns:a="http://schemas.openxmlformats.org/drawingml/2006/main" xmlns:r="http://schemas.openxmlformats.org/officeDocument/2006/relationships" xmlns:p="http://schemas.openxmlformats.org/presentationml/2006/main">
   <p:cSld>
     <p:spTree>
@@ -12450,7 +15644,7 @@
 </p:sld>
 </file>
 
-<file path=ppt/slides/slide41.xml><?xml version="1.0" encoding="utf-8"?>
+<file path=ppt/slides/slide46.xml><?xml version="1.0" encoding="utf-8"?>
 <p:sld xmlns:a="http://schemas.openxmlformats.org/drawingml/2006/main" xmlns:r="http://schemas.openxmlformats.org/officeDocument/2006/relationships" xmlns:p="http://schemas.openxmlformats.org/presentationml/2006/main">
   <p:cSld>
     <p:spTree>
@@ -13947,7 +17141,7 @@
 </p:sld>
 </file>
 
-<file path=ppt/slides/slide42.xml><?xml version="1.0" encoding="utf-8"?>
+<file path=ppt/slides/slide47.xml><?xml version="1.0" encoding="utf-8"?>
 <p:sld xmlns:a="http://schemas.openxmlformats.org/drawingml/2006/main" xmlns:r="http://schemas.openxmlformats.org/officeDocument/2006/relationships" xmlns:p="http://schemas.openxmlformats.org/presentationml/2006/main">
   <p:cSld>
     <p:spTree>
@@ -15008,7 +18202,7 @@
 </p:sld>
 </file>
 
-<file path=ppt/slides/slide43.xml><?xml version="1.0" encoding="utf-8"?>
+<file path=ppt/slides/slide48.xml><?xml version="1.0" encoding="utf-8"?>
 <p:sld xmlns:a="http://schemas.openxmlformats.org/drawingml/2006/main" xmlns:r="http://schemas.openxmlformats.org/officeDocument/2006/relationships" xmlns:p="http://schemas.openxmlformats.org/presentationml/2006/main">
   <p:cSld>
     <p:spTree>
@@ -16511,7 +19705,7 @@
 </p:sld>
 </file>
 
-<file path=ppt/slides/slide44.xml><?xml version="1.0" encoding="utf-8"?>
+<file path=ppt/slides/slide49.xml><?xml version="1.0" encoding="utf-8"?>
 <p:sld xmlns:a="http://schemas.openxmlformats.org/drawingml/2006/main" xmlns:r="http://schemas.openxmlformats.org/officeDocument/2006/relationships" xmlns:p="http://schemas.openxmlformats.org/presentationml/2006/main">
   <p:cSld>
     <p:spTree>
@@ -16628,7 +19822,82 @@
 </p:sld>
 </file>
 
-<file path=ppt/slides/slide45.xml><?xml version="1.0" encoding="utf-8"?>
+<file path=ppt/slides/slide5.xml><?xml version="1.0" encoding="utf-8"?>
+<p:sld xmlns:a="http://schemas.openxmlformats.org/drawingml/2006/main" xmlns:r="http://schemas.openxmlformats.org/officeDocument/2006/relationships" xmlns:p="http://schemas.openxmlformats.org/presentationml/2006/main">
+  <p:cSld>
+    <p:spTree>
+      <p:nvGrpSpPr>
+        <p:cNvPr id="1" name=""/>
+        <p:cNvGrpSpPr/>
+        <p:nvPr/>
+      </p:nvGrpSpPr>
+      <p:grpSpPr>
+        <a:xfrm>
+          <a:off x="0" y="0"/>
+          <a:ext cx="0" cy="0"/>
+          <a:chOff x="0" y="0"/>
+          <a:chExt cx="0" cy="0"/>
+        </a:xfrm>
+      </p:grpSpPr>
+      <p:sp>
+        <p:nvSpPr>
+          <p:cNvPr id="2" name="Title 1"/>
+          <p:cNvSpPr>
+            <a:spLocks noGrp="1"/>
+          </p:cNvSpPr>
+          <p:nvPr>
+            <p:ph type="title"/>
+          </p:nvPr>
+        </p:nvSpPr>
+        <p:spPr/>
+        <p:txBody>
+          <a:bodyPr/>
+          <a:lstStyle/>
+          <a:p>
+            <a:endParaRPr lang="en-US"/>
+          </a:p>
+        </p:txBody>
+      </p:sp>
+      <p:sp>
+        <p:nvSpPr>
+          <p:cNvPr id="3" name="Content Placeholder 2"/>
+          <p:cNvSpPr>
+            <a:spLocks noGrp="1"/>
+          </p:cNvSpPr>
+          <p:nvPr>
+            <p:ph idx="1"/>
+          </p:nvPr>
+        </p:nvSpPr>
+        <p:spPr/>
+        <p:txBody>
+          <a:bodyPr/>
+          <a:lstStyle/>
+          <a:p>
+            <a:endParaRPr lang="en-US"/>
+          </a:p>
+        </p:txBody>
+      </p:sp>
+    </p:spTree>
+    <p:extLst>
+      <p:ext uri="{BB962C8B-B14F-4D97-AF65-F5344CB8AC3E}">
+        <p14:creationId xmlns:p14="http://schemas.microsoft.com/office/powerpoint/2010/main" val="1309378901"/>
+      </p:ext>
+    </p:extLst>
+  </p:cSld>
+  <p:clrMapOvr>
+    <a:masterClrMapping/>
+  </p:clrMapOvr>
+  <p:timing>
+    <p:tnLst>
+      <p:par>
+        <p:cTn xmlns:p14="http://schemas.microsoft.com/office/powerpoint/2010/main" id="1" dur="indefinite" restart="never" nodeType="tmRoot"/>
+      </p:par>
+    </p:tnLst>
+  </p:timing>
+</p:sld>
+</file>
+
+<file path=ppt/slides/slide50.xml><?xml version="1.0" encoding="utf-8"?>
 <p:sld xmlns:a="http://schemas.openxmlformats.org/drawingml/2006/main" xmlns:r="http://schemas.openxmlformats.org/officeDocument/2006/relationships" xmlns:p="http://schemas.openxmlformats.org/presentationml/2006/main">
   <p:cSld>
     <p:spTree>
@@ -18811,7 +22080,7 @@
 </p:sld>
 </file>
 
-<file path=ppt/slides/slide46.xml><?xml version="1.0" encoding="utf-8"?>
+<file path=ppt/slides/slide51.xml><?xml version="1.0" encoding="utf-8"?>
 <p:sld xmlns:a="http://schemas.openxmlformats.org/drawingml/2006/main" xmlns:r="http://schemas.openxmlformats.org/officeDocument/2006/relationships" xmlns:p="http://schemas.openxmlformats.org/presentationml/2006/main">
   <p:cSld>
     <p:spTree>
@@ -20258,7 +23527,7 @@
 </p:sld>
 </file>
 
-<file path=ppt/slides/slide47.xml><?xml version="1.0" encoding="utf-8"?>
+<file path=ppt/slides/slide52.xml><?xml version="1.0" encoding="utf-8"?>
 <p:sld xmlns:a="http://schemas.openxmlformats.org/drawingml/2006/main" xmlns:r="http://schemas.openxmlformats.org/officeDocument/2006/relationships" xmlns:p="http://schemas.openxmlformats.org/presentationml/2006/main">
   <p:cSld>
     <p:spTree>
@@ -21345,7 +24614,7 @@
 </p:sld>
 </file>
 
-<file path=ppt/slides/slide48.xml><?xml version="1.0" encoding="utf-8"?>
+<file path=ppt/slides/slide53.xml><?xml version="1.0" encoding="utf-8"?>
 <p:sld xmlns:a="http://schemas.openxmlformats.org/drawingml/2006/main" xmlns:r="http://schemas.openxmlformats.org/officeDocument/2006/relationships" xmlns:p="http://schemas.openxmlformats.org/presentationml/2006/main">
   <p:cSld>
     <p:spTree>
@@ -22254,7 +25523,7 @@
 </p:sld>
 </file>
 
-<file path=ppt/slides/slide49.xml><?xml version="1.0" encoding="utf-8"?>
+<file path=ppt/slides/slide54.xml><?xml version="1.0" encoding="utf-8"?>
 <p:sld xmlns:a="http://schemas.openxmlformats.org/drawingml/2006/main" xmlns:r="http://schemas.openxmlformats.org/officeDocument/2006/relationships" xmlns:p="http://schemas.openxmlformats.org/presentationml/2006/main">
   <p:cSld>
     <p:spTree>
@@ -23433,113 +26702,7 @@
 </p:sld>
 </file>
 
-<file path=ppt/slides/slide5.xml><?xml version="1.0" encoding="utf-8"?>
-<p:sld xmlns:a="http://schemas.openxmlformats.org/drawingml/2006/main" xmlns:r="http://schemas.openxmlformats.org/officeDocument/2006/relationships" xmlns:p="http://schemas.openxmlformats.org/presentationml/2006/main">
-  <p:cSld>
-    <p:spTree>
-      <p:nvGrpSpPr>
-        <p:cNvPr id="1" name=""/>
-        <p:cNvGrpSpPr/>
-        <p:nvPr/>
-      </p:nvGrpSpPr>
-      <p:grpSpPr>
-        <a:xfrm>
-          <a:off x="0" y="0"/>
-          <a:ext cx="0" cy="0"/>
-          <a:chOff x="0" y="0"/>
-          <a:chExt cx="0" cy="0"/>
-        </a:xfrm>
-      </p:grpSpPr>
-      <p:sp>
-        <p:nvSpPr>
-          <p:cNvPr id="2" name="Title 1"/>
-          <p:cNvSpPr>
-            <a:spLocks noGrp="1"/>
-          </p:cNvSpPr>
-          <p:nvPr>
-            <p:ph type="title"/>
-          </p:nvPr>
-        </p:nvSpPr>
-        <p:spPr/>
-        <p:txBody>
-          <a:bodyPr>
-            <a:normAutofit fontScale="90000"/>
-          </a:bodyPr>
-          <a:lstStyle/>
-          <a:p>
-            <a:r>
-              <a:rPr lang="en-US" dirty="0"/>
-              <a:t>Context: replicated distributed systems </a:t>
-            </a:r>
-          </a:p>
-        </p:txBody>
-      </p:sp>
-      <p:sp>
-        <p:nvSpPr>
-          <p:cNvPr id="3" name="Content Placeholder 2"/>
-          <p:cNvSpPr>
-            <a:spLocks noGrp="1"/>
-          </p:cNvSpPr>
-          <p:nvPr>
-            <p:ph idx="1"/>
-          </p:nvPr>
-        </p:nvSpPr>
-        <p:spPr/>
-        <p:txBody>
-          <a:bodyPr/>
-          <a:lstStyle/>
-          <a:p>
-            <a:pPr marL="0" indent="0">
-              <a:buNone/>
-            </a:pPr>
-            <a:r>
-              <a:rPr lang="en-US" dirty="0" smtClean="0"/>
-              <a:t>Running example: a key-value store</a:t>
-            </a:r>
-          </a:p>
-          <a:p>
-            <a:pPr marL="0" indent="0">
-              <a:buNone/>
-            </a:pPr>
-            <a:endParaRPr lang="en-US" dirty="0"/>
-          </a:p>
-          <a:p>
-            <a:pPr marL="0" indent="0">
-              <a:buNone/>
-            </a:pPr>
-            <a:endParaRPr lang="en-US" dirty="0" smtClean="0"/>
-          </a:p>
-          <a:p>
-            <a:pPr marL="0" indent="0">
-              <a:buNone/>
-            </a:pPr>
-            <a:r>
-              <a:rPr lang="en-US" dirty="0" smtClean="0"/>
-              <a:t>(picture)</a:t>
-            </a:r>
-          </a:p>
-          <a:p>
-            <a:pPr marL="0" indent="0">
-              <a:buNone/>
-            </a:pPr>
-            <a:endParaRPr lang="en-US" dirty="0"/>
-          </a:p>
-        </p:txBody>
-      </p:sp>
-    </p:spTree>
-    <p:extLst>
-      <p:ext uri="{BB962C8B-B14F-4D97-AF65-F5344CB8AC3E}">
-        <p14:creationId xmlns:p14="http://schemas.microsoft.com/office/powerpoint/2010/main" val="2278119010"/>
-      </p:ext>
-    </p:extLst>
-  </p:cSld>
-  <p:clrMapOvr>
-    <a:masterClrMapping/>
-  </p:clrMapOvr>
-</p:sld>
-</file>
-
-<file path=ppt/slides/slide50.xml><?xml version="1.0" encoding="utf-8"?>
+<file path=ppt/slides/slide55.xml><?xml version="1.0" encoding="utf-8"?>
 <p:sld xmlns:a="http://schemas.openxmlformats.org/drawingml/2006/main" xmlns:r="http://schemas.openxmlformats.org/officeDocument/2006/relationships" xmlns:p="http://schemas.openxmlformats.org/presentationml/2006/main">
   <p:cSld>
     <p:spTree>
@@ -24329,7 +27492,7 @@
 </p:sld>
 </file>
 
-<file path=ppt/slides/slide51.xml><?xml version="1.0" encoding="utf-8"?>
+<file path=ppt/slides/slide56.xml><?xml version="1.0" encoding="utf-8"?>
 <p:sld xmlns:a="http://schemas.openxmlformats.org/drawingml/2006/main" xmlns:r="http://schemas.openxmlformats.org/officeDocument/2006/relationships" xmlns:p="http://schemas.openxmlformats.org/presentationml/2006/main">
   <p:cSld>
     <p:spTree>
@@ -25134,7 +28297,7 @@
 </p:sld>
 </file>
 
-<file path=ppt/slides/slide52.xml><?xml version="1.0" encoding="utf-8"?>
+<file path=ppt/slides/slide57.xml><?xml version="1.0" encoding="utf-8"?>
 <p:sld xmlns:a="http://schemas.openxmlformats.org/drawingml/2006/main" xmlns:r="http://schemas.openxmlformats.org/officeDocument/2006/relationships" xmlns:p="http://schemas.openxmlformats.org/presentationml/2006/main">
   <p:cSld>
     <p:spTree>
@@ -26097,7 +29260,7 @@
 </p:sld>
 </file>
 
-<file path=ppt/slides/slide53.xml><?xml version="1.0" encoding="utf-8"?>
+<file path=ppt/slides/slide58.xml><?xml version="1.0" encoding="utf-8"?>
 <p:sld xmlns:a="http://schemas.openxmlformats.org/drawingml/2006/main" xmlns:r="http://schemas.openxmlformats.org/officeDocument/2006/relationships" xmlns:p="http://schemas.openxmlformats.org/presentationml/2006/main">
   <p:cSld>
     <p:spTree>
@@ -27665,7 +30828,7 @@
           <a:p>
             <a:fld id="{9FB96E3B-B03F-FB46-80E6-92BF4A93D60F}" type="slidenum">
               <a:rPr lang="en-US" smtClean="0"/>
-              <a:t>53</a:t>
+              <a:t>58</a:t>
             </a:fld>
             <a:endParaRPr lang="en-US"/>
           </a:p>
@@ -27691,7 +30854,7 @@
 </p:sld>
 </file>
 
-<file path=ppt/slides/slide54.xml><?xml version="1.0" encoding="utf-8"?>
+<file path=ppt/slides/slide59.xml><?xml version="1.0" encoding="utf-8"?>
 <p:sld xmlns:a="http://schemas.openxmlformats.org/drawingml/2006/main" xmlns:r="http://schemas.openxmlformats.org/officeDocument/2006/relationships" xmlns:p="http://schemas.openxmlformats.org/presentationml/2006/main">
   <p:cSld>
     <p:spTree>
@@ -29413,7 +32576,7 @@
           <a:p>
             <a:fld id="{9FB96E3B-B03F-FB46-80E6-92BF4A93D60F}" type="slidenum">
               <a:rPr lang="en-US" smtClean="0"/>
-              <a:t>54</a:t>
+              <a:t>59</a:t>
             </a:fld>
             <a:endParaRPr lang="en-US" dirty="0"/>
           </a:p>
@@ -31114,7 +34277,1472 @@
 </p:sld>
 </file>
 
-<file path=ppt/slides/slide55.xml><?xml version="1.0" encoding="utf-8"?>
+<file path=ppt/slides/slide6.xml><?xml version="1.0" encoding="utf-8"?>
+<p:sld xmlns:a="http://schemas.openxmlformats.org/drawingml/2006/main" xmlns:r="http://schemas.openxmlformats.org/officeDocument/2006/relationships" xmlns:p="http://schemas.openxmlformats.org/presentationml/2006/main">
+  <p:cSld>
+    <p:spTree>
+      <p:nvGrpSpPr>
+        <p:cNvPr id="1" name=""/>
+        <p:cNvGrpSpPr/>
+        <p:nvPr/>
+      </p:nvGrpSpPr>
+      <p:grpSpPr>
+        <a:xfrm>
+          <a:off x="0" y="0"/>
+          <a:ext cx="0" cy="0"/>
+          <a:chOff x="0" y="0"/>
+          <a:chExt cx="0" cy="0"/>
+        </a:xfrm>
+      </p:grpSpPr>
+      <p:sp>
+        <p:nvSpPr>
+          <p:cNvPr id="2" name="Title 1"/>
+          <p:cNvSpPr>
+            <a:spLocks noGrp="1"/>
+          </p:cNvSpPr>
+          <p:nvPr>
+            <p:ph type="title"/>
+          </p:nvPr>
+        </p:nvSpPr>
+        <p:spPr/>
+        <p:txBody>
+          <a:bodyPr>
+            <a:normAutofit fontScale="90000"/>
+          </a:bodyPr>
+          <a:lstStyle/>
+          <a:p>
+            <a:r>
+              <a:rPr lang="en-US" dirty="0"/>
+              <a:t>Context: replicated distributed systems </a:t>
+            </a:r>
+          </a:p>
+        </p:txBody>
+      </p:sp>
+      <p:sp>
+        <p:nvSpPr>
+          <p:cNvPr id="3" name="Content Placeholder 2"/>
+          <p:cNvSpPr>
+            <a:spLocks noGrp="1"/>
+          </p:cNvSpPr>
+          <p:nvPr>
+            <p:ph idx="1"/>
+          </p:nvPr>
+        </p:nvSpPr>
+        <p:spPr>
+          <a:xfrm>
+            <a:off x="457200" y="1600201"/>
+            <a:ext cx="8229600" cy="717444"/>
+          </a:xfrm>
+        </p:spPr>
+        <p:txBody>
+          <a:bodyPr/>
+          <a:lstStyle/>
+          <a:p>
+            <a:pPr marL="0" indent="0">
+              <a:buNone/>
+            </a:pPr>
+            <a:r>
+              <a:rPr lang="en-US" dirty="0" smtClean="0"/>
+              <a:t>Running example: a key-value store</a:t>
+            </a:r>
+          </a:p>
+          <a:p>
+            <a:pPr marL="0" indent="0">
+              <a:buNone/>
+            </a:pPr>
+            <a:endParaRPr lang="en-US" dirty="0"/>
+          </a:p>
+          <a:p>
+            <a:pPr marL="0" indent="0">
+              <a:buNone/>
+            </a:pPr>
+            <a:endParaRPr lang="en-US" dirty="0" smtClean="0"/>
+          </a:p>
+          <a:p>
+            <a:pPr marL="0" indent="0">
+              <a:buNone/>
+            </a:pPr>
+            <a:endParaRPr lang="en-US" dirty="0"/>
+          </a:p>
+        </p:txBody>
+      </p:sp>
+      <p:sp>
+        <p:nvSpPr>
+          <p:cNvPr id="4" name="Can 3"/>
+          <p:cNvSpPr/>
+          <p:nvPr/>
+        </p:nvSpPr>
+        <p:spPr>
+          <a:xfrm>
+            <a:off x="3997096" y="2579524"/>
+            <a:ext cx="1492631" cy="1780789"/>
+          </a:xfrm>
+          <a:prstGeom prst="can">
+            <a:avLst/>
+          </a:prstGeom>
+          <a:solidFill>
+            <a:schemeClr val="bg1"/>
+          </a:solidFill>
+          <a:ln>
+            <a:solidFill>
+              <a:schemeClr val="accent2">
+                <a:lumMod val="75000"/>
+              </a:schemeClr>
+            </a:solidFill>
+          </a:ln>
+        </p:spPr>
+        <p:style>
+          <a:lnRef idx="1">
+            <a:schemeClr val="accent1"/>
+          </a:lnRef>
+          <a:fillRef idx="3">
+            <a:schemeClr val="accent1"/>
+          </a:fillRef>
+          <a:effectRef idx="2">
+            <a:schemeClr val="accent1"/>
+          </a:effectRef>
+          <a:fontRef idx="minor">
+            <a:schemeClr val="lt1"/>
+          </a:fontRef>
+        </p:style>
+        <p:txBody>
+          <a:bodyPr rtlCol="0" anchor="ctr"/>
+          <a:lstStyle/>
+          <a:p>
+            <a:pPr algn="ctr"/>
+            <a:endParaRPr lang="en-US" dirty="0"/>
+          </a:p>
+        </p:txBody>
+      </p:sp>
+      <p:sp>
+        <p:nvSpPr>
+          <p:cNvPr id="5" name="Can 4"/>
+          <p:cNvSpPr/>
+          <p:nvPr/>
+        </p:nvSpPr>
+        <p:spPr>
+          <a:xfrm>
+            <a:off x="5489727" y="4761500"/>
+            <a:ext cx="1492631" cy="1780789"/>
+          </a:xfrm>
+          <a:prstGeom prst="can">
+            <a:avLst/>
+          </a:prstGeom>
+          <a:solidFill>
+            <a:schemeClr val="bg1"/>
+          </a:solidFill>
+          <a:ln>
+            <a:solidFill>
+              <a:schemeClr val="accent2">
+                <a:lumMod val="75000"/>
+              </a:schemeClr>
+            </a:solidFill>
+          </a:ln>
+        </p:spPr>
+        <p:style>
+          <a:lnRef idx="1">
+            <a:schemeClr val="accent1"/>
+          </a:lnRef>
+          <a:fillRef idx="3">
+            <a:schemeClr val="accent1"/>
+          </a:fillRef>
+          <a:effectRef idx="2">
+            <a:schemeClr val="accent1"/>
+          </a:effectRef>
+          <a:fontRef idx="minor">
+            <a:schemeClr val="lt1"/>
+          </a:fontRef>
+        </p:style>
+        <p:txBody>
+          <a:bodyPr rtlCol="0" anchor="ctr"/>
+          <a:lstStyle/>
+          <a:p>
+            <a:pPr algn="ctr"/>
+            <a:endParaRPr lang="en-US"/>
+          </a:p>
+        </p:txBody>
+      </p:sp>
+      <p:sp>
+        <p:nvSpPr>
+          <p:cNvPr id="6" name="Can 5"/>
+          <p:cNvSpPr/>
+          <p:nvPr/>
+        </p:nvSpPr>
+        <p:spPr>
+          <a:xfrm>
+            <a:off x="6982358" y="2579524"/>
+            <a:ext cx="1492631" cy="1780789"/>
+          </a:xfrm>
+          <a:prstGeom prst="can">
+            <a:avLst/>
+          </a:prstGeom>
+          <a:solidFill>
+            <a:schemeClr val="bg1"/>
+          </a:solidFill>
+          <a:ln>
+            <a:solidFill>
+              <a:schemeClr val="accent2">
+                <a:lumMod val="75000"/>
+              </a:schemeClr>
+            </a:solidFill>
+          </a:ln>
+        </p:spPr>
+        <p:style>
+          <a:lnRef idx="1">
+            <a:schemeClr val="accent1"/>
+          </a:lnRef>
+          <a:fillRef idx="3">
+            <a:schemeClr val="accent1"/>
+          </a:fillRef>
+          <a:effectRef idx="2">
+            <a:schemeClr val="accent1"/>
+          </a:effectRef>
+          <a:fontRef idx="minor">
+            <a:schemeClr val="lt1"/>
+          </a:fontRef>
+        </p:style>
+        <p:txBody>
+          <a:bodyPr rtlCol="0" anchor="ctr"/>
+          <a:lstStyle/>
+          <a:p>
+            <a:pPr algn="ctr"/>
+            <a:endParaRPr lang="en-US"/>
+          </a:p>
+        </p:txBody>
+      </p:sp>
+      <p:pic>
+        <p:nvPicPr>
+          <p:cNvPr id="9" name="Picture 8" descr="clipart_computer.gif"/>
+          <p:cNvPicPr>
+            <a:picLocks noChangeAspect="1"/>
+          </p:cNvPicPr>
+          <p:nvPr/>
+        </p:nvPicPr>
+        <p:blipFill>
+          <a:blip r:embed="rId2">
+            <a:extLst>
+              <a:ext uri="{28A0092B-C50C-407E-A947-70E740481C1C}">
+                <a14:useLocalDpi xmlns:a14="http://schemas.microsoft.com/office/drawing/2010/main" val="0"/>
+              </a:ext>
+            </a:extLst>
+          </a:blip>
+          <a:stretch>
+            <a:fillRect/>
+          </a:stretch>
+        </p:blipFill>
+        <p:spPr>
+          <a:xfrm>
+            <a:off x="653599" y="2963903"/>
+            <a:ext cx="1271109" cy="951213"/>
+          </a:xfrm>
+          <a:prstGeom prst="rect">
+            <a:avLst/>
+          </a:prstGeom>
+        </p:spPr>
+      </p:pic>
+      <p:grpSp>
+        <p:nvGrpSpPr>
+          <p:cNvPr id="28" name="Group 27"/>
+          <p:cNvGrpSpPr/>
+          <p:nvPr/>
+        </p:nvGrpSpPr>
+        <p:grpSpPr>
+          <a:xfrm>
+            <a:off x="5547351" y="3352072"/>
+            <a:ext cx="1305670" cy="1270122"/>
+            <a:chOff x="5489727" y="3352072"/>
+            <a:chExt cx="1305670" cy="1270122"/>
+          </a:xfrm>
+        </p:grpSpPr>
+        <p:cxnSp>
+          <p:nvCxnSpPr>
+            <p:cNvPr id="22" name="Straight Arrow Connector 21"/>
+            <p:cNvCxnSpPr/>
+            <p:nvPr/>
+          </p:nvCxnSpPr>
+          <p:spPr>
+            <a:xfrm>
+              <a:off x="5489727" y="3352072"/>
+              <a:ext cx="1305670" cy="0"/>
+            </a:xfrm>
+            <a:prstGeom prst="straightConnector1">
+              <a:avLst/>
+            </a:prstGeom>
+            <a:ln>
+              <a:solidFill>
+                <a:schemeClr val="bg1">
+                  <a:lumMod val="50000"/>
+                </a:schemeClr>
+              </a:solidFill>
+              <a:headEnd type="arrow"/>
+              <a:tailEnd type="arrow"/>
+            </a:ln>
+          </p:spPr>
+          <p:style>
+            <a:lnRef idx="2">
+              <a:schemeClr val="accent1"/>
+            </a:lnRef>
+            <a:fillRef idx="0">
+              <a:schemeClr val="accent1"/>
+            </a:fillRef>
+            <a:effectRef idx="1">
+              <a:schemeClr val="accent1"/>
+            </a:effectRef>
+            <a:fontRef idx="minor">
+              <a:schemeClr val="tx1"/>
+            </a:fontRef>
+          </p:style>
+        </p:cxnSp>
+        <p:cxnSp>
+          <p:nvCxnSpPr>
+            <p:cNvPr id="24" name="Straight Arrow Connector 23"/>
+            <p:cNvCxnSpPr/>
+            <p:nvPr/>
+          </p:nvCxnSpPr>
+          <p:spPr>
+            <a:xfrm>
+              <a:off x="5489727" y="3504472"/>
+              <a:ext cx="616448" cy="1117722"/>
+            </a:xfrm>
+            <a:prstGeom prst="straightConnector1">
+              <a:avLst/>
+            </a:prstGeom>
+            <a:ln>
+              <a:solidFill>
+                <a:schemeClr val="bg1">
+                  <a:lumMod val="50000"/>
+                </a:schemeClr>
+              </a:solidFill>
+              <a:headEnd type="arrow"/>
+              <a:tailEnd type="arrow"/>
+            </a:ln>
+          </p:spPr>
+          <p:style>
+            <a:lnRef idx="2">
+              <a:schemeClr val="accent1"/>
+            </a:lnRef>
+            <a:fillRef idx="0">
+              <a:schemeClr val="accent1"/>
+            </a:fillRef>
+            <a:effectRef idx="1">
+              <a:schemeClr val="accent1"/>
+            </a:effectRef>
+            <a:fontRef idx="minor">
+              <a:schemeClr val="tx1"/>
+            </a:fontRef>
+          </p:style>
+        </p:cxnSp>
+        <p:cxnSp>
+          <p:nvCxnSpPr>
+            <p:cNvPr id="26" name="Straight Arrow Connector 25"/>
+            <p:cNvCxnSpPr/>
+            <p:nvPr/>
+          </p:nvCxnSpPr>
+          <p:spPr>
+            <a:xfrm flipH="1">
+              <a:off x="6200186" y="3500289"/>
+              <a:ext cx="595211" cy="1121905"/>
+            </a:xfrm>
+            <a:prstGeom prst="straightConnector1">
+              <a:avLst/>
+            </a:prstGeom>
+            <a:ln>
+              <a:solidFill>
+                <a:schemeClr val="bg1">
+                  <a:lumMod val="50000"/>
+                </a:schemeClr>
+              </a:solidFill>
+              <a:headEnd type="arrow"/>
+              <a:tailEnd type="arrow"/>
+            </a:ln>
+          </p:spPr>
+          <p:style>
+            <a:lnRef idx="2">
+              <a:schemeClr val="accent1"/>
+            </a:lnRef>
+            <a:fillRef idx="0">
+              <a:schemeClr val="accent1"/>
+            </a:fillRef>
+            <a:effectRef idx="1">
+              <a:schemeClr val="accent1"/>
+            </a:effectRef>
+            <a:fontRef idx="minor">
+              <a:schemeClr val="tx1"/>
+            </a:fontRef>
+          </p:style>
+        </p:cxnSp>
+      </p:grpSp>
+      <p:pic>
+        <p:nvPicPr>
+          <p:cNvPr id="29" name="Picture 28" descr="clipart_computer.gif"/>
+          <p:cNvPicPr>
+            <a:picLocks noChangeAspect="1"/>
+          </p:cNvPicPr>
+          <p:nvPr/>
+        </p:nvPicPr>
+        <p:blipFill>
+          <a:blip r:embed="rId2">
+            <a:extLst>
+              <a:ext uri="{28A0092B-C50C-407E-A947-70E740481C1C}">
+                <a14:useLocalDpi xmlns:a14="http://schemas.microsoft.com/office/drawing/2010/main" val="0"/>
+              </a:ext>
+            </a:extLst>
+          </a:blip>
+          <a:stretch>
+            <a:fillRect/>
+          </a:stretch>
+        </p:blipFill>
+        <p:spPr>
+          <a:xfrm>
+            <a:off x="1657060" y="5276819"/>
+            <a:ext cx="1271109" cy="951213"/>
+          </a:xfrm>
+          <a:prstGeom prst="rect">
+            <a:avLst/>
+          </a:prstGeom>
+        </p:spPr>
+      </p:pic>
+      <p:grpSp>
+        <p:nvGrpSpPr>
+          <p:cNvPr id="33" name="Group 32"/>
+          <p:cNvGrpSpPr/>
+          <p:nvPr/>
+        </p:nvGrpSpPr>
+        <p:grpSpPr>
+          <a:xfrm>
+            <a:off x="2029454" y="3191162"/>
+            <a:ext cx="1833055" cy="313310"/>
+            <a:chOff x="2029454" y="3191162"/>
+            <a:chExt cx="1833055" cy="313310"/>
+          </a:xfrm>
+        </p:grpSpPr>
+        <p:cxnSp>
+          <p:nvCxnSpPr>
+            <p:cNvPr id="31" name="Straight Arrow Connector 30"/>
+            <p:cNvCxnSpPr/>
+            <p:nvPr/>
+          </p:nvCxnSpPr>
+          <p:spPr>
+            <a:xfrm>
+              <a:off x="2029454" y="3500289"/>
+              <a:ext cx="1833055" cy="4183"/>
+            </a:xfrm>
+            <a:prstGeom prst="straightConnector1">
+              <a:avLst/>
+            </a:prstGeom>
+            <a:ln>
+              <a:solidFill>
+                <a:schemeClr val="tx1"/>
+              </a:solidFill>
+              <a:tailEnd type="arrow"/>
+            </a:ln>
+          </p:spPr>
+          <p:style>
+            <a:lnRef idx="2">
+              <a:schemeClr val="accent1"/>
+            </a:lnRef>
+            <a:fillRef idx="0">
+              <a:schemeClr val="accent1"/>
+            </a:fillRef>
+            <a:effectRef idx="1">
+              <a:schemeClr val="accent1"/>
+            </a:effectRef>
+            <a:fontRef idx="minor">
+              <a:schemeClr val="tx1"/>
+            </a:fontRef>
+          </p:style>
+        </p:cxnSp>
+        <p:sp>
+          <p:nvSpPr>
+            <p:cNvPr id="32" name="TextBox 31"/>
+            <p:cNvSpPr txBox="1"/>
+            <p:nvPr/>
+          </p:nvSpPr>
+          <p:spPr>
+            <a:xfrm>
+              <a:off x="2094803" y="3191162"/>
+              <a:ext cx="1767706" cy="307777"/>
+            </a:xfrm>
+            <a:prstGeom prst="rect">
+              <a:avLst/>
+            </a:prstGeom>
+            <a:noFill/>
+          </p:spPr>
+          <p:txBody>
+            <a:bodyPr wrap="none" rtlCol="0">
+              <a:spAutoFit/>
+            </a:bodyPr>
+            <a:lstStyle/>
+            <a:p>
+              <a:r>
+                <a:rPr lang="en-US" sz="1400" dirty="0" smtClean="0"/>
+                <a:t>put(“dinner”, “pizza”)</a:t>
+              </a:r>
+              <a:endParaRPr lang="en-US" sz="1400" dirty="0"/>
+            </a:p>
+          </p:txBody>
+        </p:sp>
+      </p:grpSp>
+      <p:sp>
+        <p:nvSpPr>
+          <p:cNvPr id="34" name="TextBox 33"/>
+          <p:cNvSpPr txBox="1"/>
+          <p:nvPr/>
+        </p:nvSpPr>
+        <p:spPr>
+          <a:xfrm>
+            <a:off x="4176747" y="3352072"/>
+            <a:ext cx="1210863" cy="307777"/>
+          </a:xfrm>
+          <a:prstGeom prst="rect">
+            <a:avLst/>
+          </a:prstGeom>
+          <a:noFill/>
+        </p:spPr>
+        <p:txBody>
+          <a:bodyPr wrap="none" rtlCol="0">
+            <a:spAutoFit/>
+          </a:bodyPr>
+          <a:lstStyle/>
+          <a:p>
+            <a:r>
+              <a:rPr lang="en-US" sz="1400" dirty="0"/>
+              <a:t>Dinner = pizza</a:t>
+            </a:r>
+            <a:endParaRPr lang="en-US" sz="1400" dirty="0"/>
+          </a:p>
+        </p:txBody>
+      </p:sp>
+      <p:sp>
+        <p:nvSpPr>
+          <p:cNvPr id="35" name="TextBox 34"/>
+          <p:cNvSpPr txBox="1"/>
+          <p:nvPr/>
+        </p:nvSpPr>
+        <p:spPr>
+          <a:xfrm>
+            <a:off x="5652378" y="5583107"/>
+            <a:ext cx="1210863" cy="307777"/>
+          </a:xfrm>
+          <a:prstGeom prst="rect">
+            <a:avLst/>
+          </a:prstGeom>
+          <a:noFill/>
+        </p:spPr>
+        <p:txBody>
+          <a:bodyPr wrap="none" rtlCol="0">
+            <a:spAutoFit/>
+          </a:bodyPr>
+          <a:lstStyle/>
+          <a:p>
+            <a:r>
+              <a:rPr lang="en-US" sz="1400" dirty="0"/>
+              <a:t>Dinner = pizza</a:t>
+            </a:r>
+            <a:endParaRPr lang="en-US" sz="1400" dirty="0"/>
+          </a:p>
+        </p:txBody>
+      </p:sp>
+      <p:sp>
+        <p:nvSpPr>
+          <p:cNvPr id="36" name="TextBox 35"/>
+          <p:cNvSpPr txBox="1"/>
+          <p:nvPr/>
+        </p:nvSpPr>
+        <p:spPr>
+          <a:xfrm>
+            <a:off x="7165665" y="3394186"/>
+            <a:ext cx="1210863" cy="307777"/>
+          </a:xfrm>
+          <a:prstGeom prst="rect">
+            <a:avLst/>
+          </a:prstGeom>
+          <a:noFill/>
+        </p:spPr>
+        <p:txBody>
+          <a:bodyPr wrap="none" rtlCol="0">
+            <a:spAutoFit/>
+          </a:bodyPr>
+          <a:lstStyle/>
+          <a:p>
+            <a:r>
+              <a:rPr lang="en-US" sz="1400" dirty="0"/>
+              <a:t>Dinner = pizza</a:t>
+            </a:r>
+            <a:endParaRPr lang="en-US" sz="1400" dirty="0"/>
+          </a:p>
+        </p:txBody>
+      </p:sp>
+      <p:cxnSp>
+        <p:nvCxnSpPr>
+          <p:cNvPr id="38" name="Straight Arrow Connector 37"/>
+          <p:cNvCxnSpPr/>
+          <p:nvPr/>
+        </p:nvCxnSpPr>
+        <p:spPr>
+          <a:xfrm>
+            <a:off x="3129287" y="5564399"/>
+            <a:ext cx="2123923" cy="4183"/>
+          </a:xfrm>
+          <a:prstGeom prst="straightConnector1">
+            <a:avLst/>
+          </a:prstGeom>
+          <a:ln>
+            <a:solidFill>
+              <a:schemeClr val="tx1"/>
+            </a:solidFill>
+            <a:tailEnd type="arrow"/>
+          </a:ln>
+        </p:spPr>
+        <p:style>
+          <a:lnRef idx="2">
+            <a:schemeClr val="accent1"/>
+          </a:lnRef>
+          <a:fillRef idx="0">
+            <a:schemeClr val="accent1"/>
+          </a:fillRef>
+          <a:effectRef idx="1">
+            <a:schemeClr val="accent1"/>
+          </a:effectRef>
+          <a:fontRef idx="minor">
+            <a:schemeClr val="tx1"/>
+          </a:fontRef>
+        </p:style>
+      </p:cxnSp>
+      <p:sp>
+        <p:nvSpPr>
+          <p:cNvPr id="39" name="TextBox 38"/>
+          <p:cNvSpPr txBox="1"/>
+          <p:nvPr/>
+        </p:nvSpPr>
+        <p:spPr>
+          <a:xfrm>
+            <a:off x="3599806" y="5256622"/>
+            <a:ext cx="1153882" cy="307777"/>
+          </a:xfrm>
+          <a:prstGeom prst="rect">
+            <a:avLst/>
+          </a:prstGeom>
+          <a:noFill/>
+        </p:spPr>
+        <p:txBody>
+          <a:bodyPr wrap="none" rtlCol="0">
+            <a:spAutoFit/>
+          </a:bodyPr>
+          <a:lstStyle/>
+          <a:p>
+            <a:r>
+              <a:rPr lang="en-US" sz="1400" dirty="0" smtClean="0"/>
+              <a:t>get(“dinner”)</a:t>
+            </a:r>
+            <a:endParaRPr lang="en-US" sz="1400" dirty="0"/>
+          </a:p>
+        </p:txBody>
+      </p:sp>
+      <p:cxnSp>
+        <p:nvCxnSpPr>
+          <p:cNvPr id="41" name="Straight Arrow Connector 40"/>
+          <p:cNvCxnSpPr/>
+          <p:nvPr/>
+        </p:nvCxnSpPr>
+        <p:spPr>
+          <a:xfrm flipH="1">
+            <a:off x="3129287" y="6083998"/>
+            <a:ext cx="2123924" cy="0"/>
+          </a:xfrm>
+          <a:prstGeom prst="straightConnector1">
+            <a:avLst/>
+          </a:prstGeom>
+          <a:ln>
+            <a:solidFill>
+              <a:schemeClr val="tx1"/>
+            </a:solidFill>
+            <a:tailEnd type="arrow"/>
+          </a:ln>
+        </p:spPr>
+        <p:style>
+          <a:lnRef idx="2">
+            <a:schemeClr val="accent1"/>
+          </a:lnRef>
+          <a:fillRef idx="0">
+            <a:schemeClr val="accent1"/>
+          </a:fillRef>
+          <a:effectRef idx="1">
+            <a:schemeClr val="accent1"/>
+          </a:effectRef>
+          <a:fontRef idx="minor">
+            <a:schemeClr val="tx1"/>
+          </a:fontRef>
+        </p:style>
+      </p:cxnSp>
+      <p:sp>
+        <p:nvSpPr>
+          <p:cNvPr id="45" name="TextBox 44"/>
+          <p:cNvSpPr txBox="1"/>
+          <p:nvPr/>
+        </p:nvSpPr>
+        <p:spPr>
+          <a:xfrm>
+            <a:off x="3829179" y="5776221"/>
+            <a:ext cx="695135" cy="307777"/>
+          </a:xfrm>
+          <a:prstGeom prst="rect">
+            <a:avLst/>
+          </a:prstGeom>
+          <a:noFill/>
+        </p:spPr>
+        <p:txBody>
+          <a:bodyPr wrap="none" rtlCol="0">
+            <a:spAutoFit/>
+          </a:bodyPr>
+          <a:lstStyle/>
+          <a:p>
+            <a:r>
+              <a:rPr lang="en-US" sz="1400" dirty="0" smtClean="0"/>
+              <a:t>“pizza”</a:t>
+            </a:r>
+            <a:endParaRPr lang="en-US" sz="1400" dirty="0"/>
+          </a:p>
+        </p:txBody>
+      </p:sp>
+    </p:spTree>
+    <p:extLst>
+      <p:ext uri="{BB962C8B-B14F-4D97-AF65-F5344CB8AC3E}">
+        <p14:creationId xmlns:p14="http://schemas.microsoft.com/office/powerpoint/2010/main" val="2278119010"/>
+      </p:ext>
+    </p:extLst>
+  </p:cSld>
+  <p:clrMapOvr>
+    <a:masterClrMapping/>
+  </p:clrMapOvr>
+  <p:timing>
+    <p:tnLst>
+      <p:par>
+        <p:cTn xmlns:p14="http://schemas.microsoft.com/office/powerpoint/2010/main" id="1" dur="indefinite" restart="never" nodeType="tmRoot">
+          <p:childTnLst>
+            <p:seq concurrent="1" nextAc="seek">
+              <p:cTn id="2" dur="indefinite" nodeType="mainSeq">
+                <p:childTnLst>
+                  <p:par>
+                    <p:cTn id="3" fill="hold">
+                      <p:stCondLst>
+                        <p:cond delay="indefinite"/>
+                      </p:stCondLst>
+                      <p:childTnLst>
+                        <p:par>
+                          <p:cTn id="4" fill="hold">
+                            <p:stCondLst>
+                              <p:cond delay="0"/>
+                            </p:stCondLst>
+                            <p:childTnLst>
+                              <p:par>
+                                <p:cTn id="5" presetID="1" presetClass="entr" presetSubtype="0" fill="hold" grpId="0" nodeType="clickEffect">
+                                  <p:stCondLst>
+                                    <p:cond delay="0"/>
+                                  </p:stCondLst>
+                                  <p:childTnLst>
+                                    <p:set>
+                                      <p:cBhvr>
+                                        <p:cTn id="6" dur="1" fill="hold">
+                                          <p:stCondLst>
+                                            <p:cond delay="0"/>
+                                          </p:stCondLst>
+                                        </p:cTn>
+                                        <p:tgtEl>
+                                          <p:spTgt spid="4"/>
+                                        </p:tgtEl>
+                                        <p:attrNameLst>
+                                          <p:attrName>style.visibility</p:attrName>
+                                        </p:attrNameLst>
+                                      </p:cBhvr>
+                                      <p:to>
+                                        <p:strVal val="visible"/>
+                                      </p:to>
+                                    </p:set>
+                                  </p:childTnLst>
+                                </p:cTn>
+                              </p:par>
+                            </p:childTnLst>
+                          </p:cTn>
+                        </p:par>
+                      </p:childTnLst>
+                    </p:cTn>
+                  </p:par>
+                  <p:par>
+                    <p:cTn id="7" fill="hold">
+                      <p:stCondLst>
+                        <p:cond delay="indefinite"/>
+                      </p:stCondLst>
+                      <p:childTnLst>
+                        <p:par>
+                          <p:cTn id="8" fill="hold">
+                            <p:stCondLst>
+                              <p:cond delay="0"/>
+                            </p:stCondLst>
+                            <p:childTnLst>
+                              <p:par>
+                                <p:cTn id="9" presetID="1" presetClass="entr" presetSubtype="0" fill="hold" grpId="0" nodeType="clickEffect">
+                                  <p:stCondLst>
+                                    <p:cond delay="0"/>
+                                  </p:stCondLst>
+                                  <p:childTnLst>
+                                    <p:set>
+                                      <p:cBhvr>
+                                        <p:cTn id="10" dur="1" fill="hold">
+                                          <p:stCondLst>
+                                            <p:cond delay="0"/>
+                                          </p:stCondLst>
+                                        </p:cTn>
+                                        <p:tgtEl>
+                                          <p:spTgt spid="6"/>
+                                        </p:tgtEl>
+                                        <p:attrNameLst>
+                                          <p:attrName>style.visibility</p:attrName>
+                                        </p:attrNameLst>
+                                      </p:cBhvr>
+                                      <p:to>
+                                        <p:strVal val="visible"/>
+                                      </p:to>
+                                    </p:set>
+                                  </p:childTnLst>
+                                </p:cTn>
+                              </p:par>
+                              <p:par>
+                                <p:cTn id="11" presetID="1" presetClass="entr" presetSubtype="0" fill="hold" grpId="0" nodeType="withEffect">
+                                  <p:stCondLst>
+                                    <p:cond delay="0"/>
+                                  </p:stCondLst>
+                                  <p:childTnLst>
+                                    <p:set>
+                                      <p:cBhvr>
+                                        <p:cTn id="12" dur="1" fill="hold">
+                                          <p:stCondLst>
+                                            <p:cond delay="0"/>
+                                          </p:stCondLst>
+                                        </p:cTn>
+                                        <p:tgtEl>
+                                          <p:spTgt spid="5"/>
+                                        </p:tgtEl>
+                                        <p:attrNameLst>
+                                          <p:attrName>style.visibility</p:attrName>
+                                        </p:attrNameLst>
+                                      </p:cBhvr>
+                                      <p:to>
+                                        <p:strVal val="visible"/>
+                                      </p:to>
+                                    </p:set>
+                                  </p:childTnLst>
+                                </p:cTn>
+                              </p:par>
+                            </p:childTnLst>
+                          </p:cTn>
+                        </p:par>
+                      </p:childTnLst>
+                    </p:cTn>
+                  </p:par>
+                  <p:par>
+                    <p:cTn id="13" fill="hold">
+                      <p:stCondLst>
+                        <p:cond delay="indefinite"/>
+                      </p:stCondLst>
+                      <p:childTnLst>
+                        <p:par>
+                          <p:cTn id="14" fill="hold">
+                            <p:stCondLst>
+                              <p:cond delay="0"/>
+                            </p:stCondLst>
+                            <p:childTnLst>
+                              <p:par>
+                                <p:cTn id="15" presetID="9" presetClass="entr" presetSubtype="0" fill="hold" nodeType="clickEffect">
+                                  <p:stCondLst>
+                                    <p:cond delay="0"/>
+                                  </p:stCondLst>
+                                  <p:childTnLst>
+                                    <p:set>
+                                      <p:cBhvr>
+                                        <p:cTn id="16" dur="1" fill="hold">
+                                          <p:stCondLst>
+                                            <p:cond delay="0"/>
+                                          </p:stCondLst>
+                                        </p:cTn>
+                                        <p:tgtEl>
+                                          <p:spTgt spid="9"/>
+                                        </p:tgtEl>
+                                        <p:attrNameLst>
+                                          <p:attrName>style.visibility</p:attrName>
+                                        </p:attrNameLst>
+                                      </p:cBhvr>
+                                      <p:to>
+                                        <p:strVal val="visible"/>
+                                      </p:to>
+                                    </p:set>
+                                    <p:animEffect transition="in" filter="dissolve">
+                                      <p:cBhvr>
+                                        <p:cTn id="17" dur="500"/>
+                                        <p:tgtEl>
+                                          <p:spTgt spid="9"/>
+                                        </p:tgtEl>
+                                      </p:cBhvr>
+                                    </p:animEffect>
+                                  </p:childTnLst>
+                                </p:cTn>
+                              </p:par>
+                            </p:childTnLst>
+                          </p:cTn>
+                        </p:par>
+                      </p:childTnLst>
+                    </p:cTn>
+                  </p:par>
+                  <p:par>
+                    <p:cTn id="18" fill="hold">
+                      <p:stCondLst>
+                        <p:cond delay="indefinite"/>
+                      </p:stCondLst>
+                      <p:childTnLst>
+                        <p:par>
+                          <p:cTn id="19" fill="hold">
+                            <p:stCondLst>
+                              <p:cond delay="0"/>
+                            </p:stCondLst>
+                            <p:childTnLst>
+                              <p:par>
+                                <p:cTn id="20" presetID="9" presetClass="entr" presetSubtype="0" fill="hold" nodeType="clickEffect">
+                                  <p:stCondLst>
+                                    <p:cond delay="0"/>
+                                  </p:stCondLst>
+                                  <p:childTnLst>
+                                    <p:set>
+                                      <p:cBhvr>
+                                        <p:cTn id="21" dur="1" fill="hold">
+                                          <p:stCondLst>
+                                            <p:cond delay="0"/>
+                                          </p:stCondLst>
+                                        </p:cTn>
+                                        <p:tgtEl>
+                                          <p:spTgt spid="33"/>
+                                        </p:tgtEl>
+                                        <p:attrNameLst>
+                                          <p:attrName>style.visibility</p:attrName>
+                                        </p:attrNameLst>
+                                      </p:cBhvr>
+                                      <p:to>
+                                        <p:strVal val="visible"/>
+                                      </p:to>
+                                    </p:set>
+                                    <p:animEffect transition="in" filter="dissolve">
+                                      <p:cBhvr>
+                                        <p:cTn id="22" dur="500"/>
+                                        <p:tgtEl>
+                                          <p:spTgt spid="33"/>
+                                        </p:tgtEl>
+                                      </p:cBhvr>
+                                    </p:animEffect>
+                                  </p:childTnLst>
+                                </p:cTn>
+                              </p:par>
+                            </p:childTnLst>
+                          </p:cTn>
+                        </p:par>
+                      </p:childTnLst>
+                    </p:cTn>
+                  </p:par>
+                  <p:par>
+                    <p:cTn id="23" fill="hold">
+                      <p:stCondLst>
+                        <p:cond delay="indefinite"/>
+                      </p:stCondLst>
+                      <p:childTnLst>
+                        <p:par>
+                          <p:cTn id="24" fill="hold">
+                            <p:stCondLst>
+                              <p:cond delay="0"/>
+                            </p:stCondLst>
+                            <p:childTnLst>
+                              <p:par>
+                                <p:cTn id="25" presetID="9" presetClass="entr" presetSubtype="0" fill="hold" grpId="0" nodeType="clickEffect">
+                                  <p:stCondLst>
+                                    <p:cond delay="0"/>
+                                  </p:stCondLst>
+                                  <p:childTnLst>
+                                    <p:set>
+                                      <p:cBhvr>
+                                        <p:cTn id="26" dur="1" fill="hold">
+                                          <p:stCondLst>
+                                            <p:cond delay="0"/>
+                                          </p:stCondLst>
+                                        </p:cTn>
+                                        <p:tgtEl>
+                                          <p:spTgt spid="34"/>
+                                        </p:tgtEl>
+                                        <p:attrNameLst>
+                                          <p:attrName>style.visibility</p:attrName>
+                                        </p:attrNameLst>
+                                      </p:cBhvr>
+                                      <p:to>
+                                        <p:strVal val="visible"/>
+                                      </p:to>
+                                    </p:set>
+                                    <p:animEffect transition="in" filter="dissolve">
+                                      <p:cBhvr>
+                                        <p:cTn id="27" dur="500"/>
+                                        <p:tgtEl>
+                                          <p:spTgt spid="34"/>
+                                        </p:tgtEl>
+                                      </p:cBhvr>
+                                    </p:animEffect>
+                                  </p:childTnLst>
+                                </p:cTn>
+                              </p:par>
+                            </p:childTnLst>
+                          </p:cTn>
+                        </p:par>
+                      </p:childTnLst>
+                    </p:cTn>
+                  </p:par>
+                  <p:par>
+                    <p:cTn id="28" fill="hold">
+                      <p:stCondLst>
+                        <p:cond delay="indefinite"/>
+                      </p:stCondLst>
+                      <p:childTnLst>
+                        <p:par>
+                          <p:cTn id="29" fill="hold">
+                            <p:stCondLst>
+                              <p:cond delay="0"/>
+                            </p:stCondLst>
+                            <p:childTnLst>
+                              <p:par>
+                                <p:cTn id="30" presetID="23" presetClass="entr" presetSubtype="16" fill="hold" nodeType="clickEffect">
+                                  <p:stCondLst>
+                                    <p:cond delay="0"/>
+                                  </p:stCondLst>
+                                  <p:childTnLst>
+                                    <p:set>
+                                      <p:cBhvr>
+                                        <p:cTn id="31" dur="1" fill="hold">
+                                          <p:stCondLst>
+                                            <p:cond delay="0"/>
+                                          </p:stCondLst>
+                                        </p:cTn>
+                                        <p:tgtEl>
+                                          <p:spTgt spid="28"/>
+                                        </p:tgtEl>
+                                        <p:attrNameLst>
+                                          <p:attrName>style.visibility</p:attrName>
+                                        </p:attrNameLst>
+                                      </p:cBhvr>
+                                      <p:to>
+                                        <p:strVal val="visible"/>
+                                      </p:to>
+                                    </p:set>
+                                    <p:anim calcmode="lin" valueType="num">
+                                      <p:cBhvr>
+                                        <p:cTn id="32" dur="500" fill="hold"/>
+                                        <p:tgtEl>
+                                          <p:spTgt spid="28"/>
+                                        </p:tgtEl>
+                                        <p:attrNameLst>
+                                          <p:attrName>ppt_w</p:attrName>
+                                        </p:attrNameLst>
+                                      </p:cBhvr>
+                                      <p:tavLst>
+                                        <p:tav tm="0">
+                                          <p:val>
+                                            <p:fltVal val="0"/>
+                                          </p:val>
+                                        </p:tav>
+                                        <p:tav tm="100000">
+                                          <p:val>
+                                            <p:strVal val="#ppt_w"/>
+                                          </p:val>
+                                        </p:tav>
+                                      </p:tavLst>
+                                    </p:anim>
+                                    <p:anim calcmode="lin" valueType="num">
+                                      <p:cBhvr>
+                                        <p:cTn id="33" dur="500" fill="hold"/>
+                                        <p:tgtEl>
+                                          <p:spTgt spid="28"/>
+                                        </p:tgtEl>
+                                        <p:attrNameLst>
+                                          <p:attrName>ppt_h</p:attrName>
+                                        </p:attrNameLst>
+                                      </p:cBhvr>
+                                      <p:tavLst>
+                                        <p:tav tm="0">
+                                          <p:val>
+                                            <p:fltVal val="0"/>
+                                          </p:val>
+                                        </p:tav>
+                                        <p:tav tm="100000">
+                                          <p:val>
+                                            <p:strVal val="#ppt_h"/>
+                                          </p:val>
+                                        </p:tav>
+                                      </p:tavLst>
+                                    </p:anim>
+                                  </p:childTnLst>
+                                </p:cTn>
+                              </p:par>
+                            </p:childTnLst>
+                          </p:cTn>
+                        </p:par>
+                      </p:childTnLst>
+                    </p:cTn>
+                  </p:par>
+                  <p:par>
+                    <p:cTn id="34" fill="hold">
+                      <p:stCondLst>
+                        <p:cond delay="indefinite"/>
+                      </p:stCondLst>
+                      <p:childTnLst>
+                        <p:par>
+                          <p:cTn id="35" fill="hold">
+                            <p:stCondLst>
+                              <p:cond delay="0"/>
+                            </p:stCondLst>
+                            <p:childTnLst>
+                              <p:par>
+                                <p:cTn id="36" presetID="9" presetClass="entr" presetSubtype="0" fill="hold" grpId="0" nodeType="clickEffect">
+                                  <p:stCondLst>
+                                    <p:cond delay="0"/>
+                                  </p:stCondLst>
+                                  <p:childTnLst>
+                                    <p:set>
+                                      <p:cBhvr>
+                                        <p:cTn id="37" dur="1" fill="hold">
+                                          <p:stCondLst>
+                                            <p:cond delay="0"/>
+                                          </p:stCondLst>
+                                        </p:cTn>
+                                        <p:tgtEl>
+                                          <p:spTgt spid="36"/>
+                                        </p:tgtEl>
+                                        <p:attrNameLst>
+                                          <p:attrName>style.visibility</p:attrName>
+                                        </p:attrNameLst>
+                                      </p:cBhvr>
+                                      <p:to>
+                                        <p:strVal val="visible"/>
+                                      </p:to>
+                                    </p:set>
+                                    <p:animEffect transition="in" filter="dissolve">
+                                      <p:cBhvr>
+                                        <p:cTn id="38" dur="500"/>
+                                        <p:tgtEl>
+                                          <p:spTgt spid="36"/>
+                                        </p:tgtEl>
+                                      </p:cBhvr>
+                                    </p:animEffect>
+                                  </p:childTnLst>
+                                </p:cTn>
+                              </p:par>
+                              <p:par>
+                                <p:cTn id="39" presetID="9" presetClass="entr" presetSubtype="0" fill="hold" grpId="0" nodeType="withEffect">
+                                  <p:stCondLst>
+                                    <p:cond delay="0"/>
+                                  </p:stCondLst>
+                                  <p:childTnLst>
+                                    <p:set>
+                                      <p:cBhvr>
+                                        <p:cTn id="40" dur="1" fill="hold">
+                                          <p:stCondLst>
+                                            <p:cond delay="0"/>
+                                          </p:stCondLst>
+                                        </p:cTn>
+                                        <p:tgtEl>
+                                          <p:spTgt spid="35"/>
+                                        </p:tgtEl>
+                                        <p:attrNameLst>
+                                          <p:attrName>style.visibility</p:attrName>
+                                        </p:attrNameLst>
+                                      </p:cBhvr>
+                                      <p:to>
+                                        <p:strVal val="visible"/>
+                                      </p:to>
+                                    </p:set>
+                                    <p:animEffect transition="in" filter="dissolve">
+                                      <p:cBhvr>
+                                        <p:cTn id="41" dur="500"/>
+                                        <p:tgtEl>
+                                          <p:spTgt spid="35"/>
+                                        </p:tgtEl>
+                                      </p:cBhvr>
+                                    </p:animEffect>
+                                  </p:childTnLst>
+                                </p:cTn>
+                              </p:par>
+                            </p:childTnLst>
+                          </p:cTn>
+                        </p:par>
+                      </p:childTnLst>
+                    </p:cTn>
+                  </p:par>
+                  <p:par>
+                    <p:cTn id="42" fill="hold">
+                      <p:stCondLst>
+                        <p:cond delay="indefinite"/>
+                      </p:stCondLst>
+                      <p:childTnLst>
+                        <p:par>
+                          <p:cTn id="43" fill="hold">
+                            <p:stCondLst>
+                              <p:cond delay="0"/>
+                            </p:stCondLst>
+                            <p:childTnLst>
+                              <p:par>
+                                <p:cTn id="44" presetID="9" presetClass="entr" presetSubtype="0" fill="hold" nodeType="clickEffect">
+                                  <p:stCondLst>
+                                    <p:cond delay="0"/>
+                                  </p:stCondLst>
+                                  <p:childTnLst>
+                                    <p:set>
+                                      <p:cBhvr>
+                                        <p:cTn id="45" dur="1" fill="hold">
+                                          <p:stCondLst>
+                                            <p:cond delay="0"/>
+                                          </p:stCondLst>
+                                        </p:cTn>
+                                        <p:tgtEl>
+                                          <p:spTgt spid="29"/>
+                                        </p:tgtEl>
+                                        <p:attrNameLst>
+                                          <p:attrName>style.visibility</p:attrName>
+                                        </p:attrNameLst>
+                                      </p:cBhvr>
+                                      <p:to>
+                                        <p:strVal val="visible"/>
+                                      </p:to>
+                                    </p:set>
+                                    <p:animEffect transition="in" filter="dissolve">
+                                      <p:cBhvr>
+                                        <p:cTn id="46" dur="500"/>
+                                        <p:tgtEl>
+                                          <p:spTgt spid="29"/>
+                                        </p:tgtEl>
+                                      </p:cBhvr>
+                                    </p:animEffect>
+                                  </p:childTnLst>
+                                </p:cTn>
+                              </p:par>
+                            </p:childTnLst>
+                          </p:cTn>
+                        </p:par>
+                      </p:childTnLst>
+                    </p:cTn>
+                  </p:par>
+                  <p:par>
+                    <p:cTn id="47" fill="hold">
+                      <p:stCondLst>
+                        <p:cond delay="indefinite"/>
+                      </p:stCondLst>
+                      <p:childTnLst>
+                        <p:par>
+                          <p:cTn id="48" fill="hold">
+                            <p:stCondLst>
+                              <p:cond delay="0"/>
+                            </p:stCondLst>
+                            <p:childTnLst>
+                              <p:par>
+                                <p:cTn id="49" presetID="9" presetClass="entr" presetSubtype="0" fill="hold" grpId="0" nodeType="clickEffect">
+                                  <p:stCondLst>
+                                    <p:cond delay="0"/>
+                                  </p:stCondLst>
+                                  <p:childTnLst>
+                                    <p:set>
+                                      <p:cBhvr>
+                                        <p:cTn id="50" dur="1" fill="hold">
+                                          <p:stCondLst>
+                                            <p:cond delay="0"/>
+                                          </p:stCondLst>
+                                        </p:cTn>
+                                        <p:tgtEl>
+                                          <p:spTgt spid="39"/>
+                                        </p:tgtEl>
+                                        <p:attrNameLst>
+                                          <p:attrName>style.visibility</p:attrName>
+                                        </p:attrNameLst>
+                                      </p:cBhvr>
+                                      <p:to>
+                                        <p:strVal val="visible"/>
+                                      </p:to>
+                                    </p:set>
+                                    <p:animEffect transition="in" filter="dissolve">
+                                      <p:cBhvr>
+                                        <p:cTn id="51" dur="500"/>
+                                        <p:tgtEl>
+                                          <p:spTgt spid="39"/>
+                                        </p:tgtEl>
+                                      </p:cBhvr>
+                                    </p:animEffect>
+                                  </p:childTnLst>
+                                </p:cTn>
+                              </p:par>
+                              <p:par>
+                                <p:cTn id="52" presetID="9" presetClass="entr" presetSubtype="0" fill="hold" nodeType="withEffect">
+                                  <p:stCondLst>
+                                    <p:cond delay="0"/>
+                                  </p:stCondLst>
+                                  <p:childTnLst>
+                                    <p:set>
+                                      <p:cBhvr>
+                                        <p:cTn id="53" dur="1" fill="hold">
+                                          <p:stCondLst>
+                                            <p:cond delay="0"/>
+                                          </p:stCondLst>
+                                        </p:cTn>
+                                        <p:tgtEl>
+                                          <p:spTgt spid="38"/>
+                                        </p:tgtEl>
+                                        <p:attrNameLst>
+                                          <p:attrName>style.visibility</p:attrName>
+                                        </p:attrNameLst>
+                                      </p:cBhvr>
+                                      <p:to>
+                                        <p:strVal val="visible"/>
+                                      </p:to>
+                                    </p:set>
+                                    <p:animEffect transition="in" filter="dissolve">
+                                      <p:cBhvr>
+                                        <p:cTn id="54" dur="500"/>
+                                        <p:tgtEl>
+                                          <p:spTgt spid="38"/>
+                                        </p:tgtEl>
+                                      </p:cBhvr>
+                                    </p:animEffect>
+                                  </p:childTnLst>
+                                </p:cTn>
+                              </p:par>
+                            </p:childTnLst>
+                          </p:cTn>
+                        </p:par>
+                      </p:childTnLst>
+                    </p:cTn>
+                  </p:par>
+                  <p:par>
+                    <p:cTn id="55" fill="hold">
+                      <p:stCondLst>
+                        <p:cond delay="indefinite"/>
+                      </p:stCondLst>
+                      <p:childTnLst>
+                        <p:par>
+                          <p:cTn id="56" fill="hold">
+                            <p:stCondLst>
+                              <p:cond delay="0"/>
+                            </p:stCondLst>
+                            <p:childTnLst>
+                              <p:par>
+                                <p:cTn id="57" presetID="9" presetClass="entr" presetSubtype="0" fill="hold" nodeType="clickEffect">
+                                  <p:stCondLst>
+                                    <p:cond delay="0"/>
+                                  </p:stCondLst>
+                                  <p:childTnLst>
+                                    <p:set>
+                                      <p:cBhvr>
+                                        <p:cTn id="58" dur="1" fill="hold">
+                                          <p:stCondLst>
+                                            <p:cond delay="0"/>
+                                          </p:stCondLst>
+                                        </p:cTn>
+                                        <p:tgtEl>
+                                          <p:spTgt spid="41"/>
+                                        </p:tgtEl>
+                                        <p:attrNameLst>
+                                          <p:attrName>style.visibility</p:attrName>
+                                        </p:attrNameLst>
+                                      </p:cBhvr>
+                                      <p:to>
+                                        <p:strVal val="visible"/>
+                                      </p:to>
+                                    </p:set>
+                                    <p:animEffect transition="in" filter="dissolve">
+                                      <p:cBhvr>
+                                        <p:cTn id="59" dur="500"/>
+                                        <p:tgtEl>
+                                          <p:spTgt spid="41"/>
+                                        </p:tgtEl>
+                                      </p:cBhvr>
+                                    </p:animEffect>
+                                  </p:childTnLst>
+                                </p:cTn>
+                              </p:par>
+                              <p:par>
+                                <p:cTn id="60" presetID="9" presetClass="entr" presetSubtype="0" fill="hold" grpId="0" nodeType="withEffect">
+                                  <p:stCondLst>
+                                    <p:cond delay="0"/>
+                                  </p:stCondLst>
+                                  <p:childTnLst>
+                                    <p:set>
+                                      <p:cBhvr>
+                                        <p:cTn id="61" dur="1" fill="hold">
+                                          <p:stCondLst>
+                                            <p:cond delay="0"/>
+                                          </p:stCondLst>
+                                        </p:cTn>
+                                        <p:tgtEl>
+                                          <p:spTgt spid="45"/>
+                                        </p:tgtEl>
+                                        <p:attrNameLst>
+                                          <p:attrName>style.visibility</p:attrName>
+                                        </p:attrNameLst>
+                                      </p:cBhvr>
+                                      <p:to>
+                                        <p:strVal val="visible"/>
+                                      </p:to>
+                                    </p:set>
+                                    <p:animEffect transition="in" filter="dissolve">
+                                      <p:cBhvr>
+                                        <p:cTn id="62" dur="500"/>
+                                        <p:tgtEl>
+                                          <p:spTgt spid="45"/>
+                                        </p:tgtEl>
+                                      </p:cBhvr>
+                                    </p:animEffect>
+                                  </p:childTnLst>
+                                </p:cTn>
+                              </p:par>
+                            </p:childTnLst>
+                          </p:cTn>
+                        </p:par>
+                      </p:childTnLst>
+                    </p:cTn>
+                  </p:par>
+                </p:childTnLst>
+              </p:cTn>
+              <p:prevCondLst>
+                <p:cond evt="onPrev" delay="0">
+                  <p:tgtEl>
+                    <p:sldTgt/>
+                  </p:tgtEl>
+                </p:cond>
+              </p:prevCondLst>
+              <p:nextCondLst>
+                <p:cond evt="onNext" delay="0">
+                  <p:tgtEl>
+                    <p:sldTgt/>
+                  </p:tgtEl>
+                </p:cond>
+              </p:nextCondLst>
+            </p:seq>
+          </p:childTnLst>
+        </p:cTn>
+      </p:par>
+    </p:tnLst>
+    <p:bldLst>
+      <p:bldP spid="4" grpId="0" animBg="1"/>
+      <p:bldP spid="5" grpId="0" animBg="1"/>
+      <p:bldP spid="6" grpId="0" animBg="1"/>
+      <p:bldP spid="34" grpId="0"/>
+      <p:bldP spid="35" grpId="0"/>
+      <p:bldP spid="36" grpId="0"/>
+      <p:bldP spid="39" grpId="0"/>
+      <p:bldP spid="45" grpId="0"/>
+    </p:bldLst>
+  </p:timing>
+</p:sld>
+</file>
+
+<file path=ppt/slides/slide60.xml><?xml version="1.0" encoding="utf-8"?>
 <p:sld xmlns:a="http://schemas.openxmlformats.org/drawingml/2006/main" xmlns:r="http://schemas.openxmlformats.org/officeDocument/2006/relationships" xmlns:p="http://schemas.openxmlformats.org/presentationml/2006/main">
   <p:cSld>
     <p:spTree>
@@ -31189,115 +35817,6 @@
 </p:sld>
 </file>
 
-<file path=ppt/slides/slide6.xml><?xml version="1.0" encoding="utf-8"?>
-<p:sld xmlns:a="http://schemas.openxmlformats.org/drawingml/2006/main" xmlns:r="http://schemas.openxmlformats.org/officeDocument/2006/relationships" xmlns:p="http://schemas.openxmlformats.org/presentationml/2006/main">
-  <p:cSld>
-    <p:spTree>
-      <p:nvGrpSpPr>
-        <p:cNvPr id="1" name=""/>
-        <p:cNvGrpSpPr/>
-        <p:nvPr/>
-      </p:nvGrpSpPr>
-      <p:grpSpPr>
-        <a:xfrm>
-          <a:off x="0" y="0"/>
-          <a:ext cx="0" cy="0"/>
-          <a:chOff x="0" y="0"/>
-          <a:chExt cx="0" cy="0"/>
-        </a:xfrm>
-      </p:grpSpPr>
-      <p:sp>
-        <p:nvSpPr>
-          <p:cNvPr id="2" name="Title 1"/>
-          <p:cNvSpPr>
-            <a:spLocks noGrp="1"/>
-          </p:cNvSpPr>
-          <p:nvPr>
-            <p:ph type="title"/>
-          </p:nvPr>
-        </p:nvSpPr>
-        <p:spPr/>
-        <p:txBody>
-          <a:bodyPr>
-            <a:normAutofit fontScale="90000"/>
-          </a:bodyPr>
-          <a:lstStyle/>
-          <a:p>
-            <a:r>
-              <a:rPr lang="en-US" dirty="0" smtClean="0"/>
-              <a:t>Context: replicated distributed systems </a:t>
-            </a:r>
-            <a:endParaRPr lang="en-US" dirty="0"/>
-          </a:p>
-        </p:txBody>
-      </p:sp>
-      <p:sp>
-        <p:nvSpPr>
-          <p:cNvPr id="3" name="Content Placeholder 2"/>
-          <p:cNvSpPr>
-            <a:spLocks noGrp="1"/>
-          </p:cNvSpPr>
-          <p:nvPr>
-            <p:ph idx="1"/>
-          </p:nvPr>
-        </p:nvSpPr>
-        <p:spPr/>
-        <p:txBody>
-          <a:bodyPr/>
-          <a:lstStyle/>
-          <a:p>
-            <a:pPr marL="0" indent="0">
-              <a:buNone/>
-            </a:pPr>
-            <a:endParaRPr lang="en-US" dirty="0"/>
-          </a:p>
-          <a:p>
-            <a:pPr marL="0" indent="0">
-              <a:buNone/>
-            </a:pPr>
-            <a:r>
-              <a:rPr lang="en-US" dirty="0" smtClean="0"/>
-              <a:t>Distributed </a:t>
-            </a:r>
-            <a:r>
-              <a:rPr lang="en-US" dirty="0" smtClean="0">
-                <a:sym typeface="Wingdings"/>
-              </a:rPr>
-              <a:t> replication is desirable</a:t>
-            </a:r>
-            <a:endParaRPr lang="en-US" dirty="0"/>
-          </a:p>
-          <a:p>
-            <a:pPr marL="0" indent="0">
-              <a:buNone/>
-            </a:pPr>
-            <a:r>
-              <a:rPr lang="en-US" dirty="0" smtClean="0"/>
-              <a:t>Distributed </a:t>
-            </a:r>
-            <a:r>
-              <a:rPr lang="en-US" dirty="0" smtClean="0">
-                <a:sym typeface="Wingdings"/>
-              </a:rPr>
-              <a:t> consistency is expensive</a:t>
-            </a:r>
-            <a:endParaRPr lang="en-US" dirty="0"/>
-          </a:p>
-        </p:txBody>
-      </p:sp>
-    </p:spTree>
-    <p:extLst>
-      <p:ext uri="{BB962C8B-B14F-4D97-AF65-F5344CB8AC3E}">
-        <p14:creationId xmlns:p14="http://schemas.microsoft.com/office/powerpoint/2010/main" val="1761016920"/>
-      </p:ext>
-    </p:extLst>
-  </p:cSld>
-  <p:clrMapOvr>
-    <a:masterClrMapping/>
-  </p:clrMapOvr>
-</p:sld>
-</file>
-
 <file path=ppt/slides/slide7.xml><?xml version="1.0" encoding="utf-8"?>
 <p:sld xmlns:a="http://schemas.openxmlformats.org/drawingml/2006/main" xmlns:r="http://schemas.openxmlformats.org/officeDocument/2006/relationships" xmlns:p="http://schemas.openxmlformats.org/presentationml/2006/main">
   <p:cSld>
@@ -31333,9 +35852,10 @@
           <a:lstStyle/>
           <a:p>
             <a:r>
-              <a:rPr lang="en-US" dirty="0"/>
-              <a:t>Context: replicated distributed systems</a:t>
-            </a:r>
+              <a:rPr lang="en-US" dirty="0" smtClean="0"/>
+              <a:t>Context: replicated distributed systems </a:t>
+            </a:r>
+            <a:endParaRPr lang="en-US" dirty="0"/>
           </a:p>
         </p:txBody>
       </p:sp>
@@ -31357,39 +35877,6 @@
             <a:pPr marL="0" indent="0">
               <a:buNone/>
             </a:pPr>
-            <a:r>
-              <a:rPr lang="en-US" dirty="0" smtClean="0"/>
-              <a:t>Replication anomalies:</a:t>
-            </a:r>
-          </a:p>
-          <a:p>
-            <a:endParaRPr lang="en-US" dirty="0"/>
-          </a:p>
-          <a:p>
-            <a:r>
-              <a:rPr lang="en-US" dirty="0" smtClean="0"/>
-              <a:t>Read anomalies (staleness)</a:t>
-            </a:r>
-          </a:p>
-          <a:p>
-            <a:pPr lvl="1"/>
-            <a:r>
-              <a:rPr lang="en-US" dirty="0" err="1" smtClean="0"/>
-              <a:t>Eg</a:t>
-            </a:r>
-            <a:r>
-              <a:rPr lang="en-US" dirty="0" smtClean="0"/>
-              <a:t> not RYW.  </a:t>
-            </a:r>
-            <a:endParaRPr lang="en-US" dirty="0"/>
-          </a:p>
-          <a:p>
-            <a:r>
-              <a:rPr lang="en-US" dirty="0" smtClean="0"/>
-              <a:t>Write divergence (concurrent updates)</a:t>
-            </a:r>
-          </a:p>
-          <a:p>
             <a:endParaRPr lang="en-US" dirty="0"/>
           </a:p>
           <a:p>
@@ -31398,7 +35885,29 @@
             </a:pPr>
             <a:r>
               <a:rPr lang="en-US" dirty="0" smtClean="0"/>
-              <a:t>We’ll focus on the latter class.</a:t>
+              <a:t>Distributed </a:t>
+            </a:r>
+            <a:r>
+              <a:rPr lang="en-US" dirty="0" smtClean="0">
+                <a:sym typeface="Wingdings"/>
+              </a:rPr>
+              <a:t> replication is desirable</a:t>
+            </a:r>
+            <a:endParaRPr lang="en-US" dirty="0"/>
+          </a:p>
+          <a:p>
+            <a:pPr marL="0" indent="0">
+              <a:buNone/>
+            </a:pPr>
+            <a:r>
+              <a:rPr lang="en-US" dirty="0" smtClean="0"/>
+              <a:t>Distributed </a:t>
+            </a:r>
+            <a:r>
+              <a:rPr lang="en-US" dirty="0" smtClean="0">
+                <a:sym typeface="Wingdings"/>
+              </a:rPr>
+              <a:t> consistency is expensive</a:t>
             </a:r>
             <a:endParaRPr lang="en-US" dirty="0"/>
           </a:p>
@@ -31407,13 +35916,20 @@
     </p:spTree>
     <p:extLst>
       <p:ext uri="{BB962C8B-B14F-4D97-AF65-F5344CB8AC3E}">
-        <p14:creationId xmlns:p14="http://schemas.microsoft.com/office/powerpoint/2010/main" val="2896397281"/>
+        <p14:creationId xmlns:p14="http://schemas.microsoft.com/office/powerpoint/2010/main" val="1761016920"/>
       </p:ext>
     </p:extLst>
   </p:cSld>
   <p:clrMapOvr>
     <a:masterClrMapping/>
   </p:clrMapOvr>
+  <p:timing>
+    <p:tnLst>
+      <p:par>
+        <p:cTn xmlns:p14="http://schemas.microsoft.com/office/powerpoint/2010/main" id="1" dur="indefinite" restart="never" nodeType="tmRoot"/>
+      </p:par>
+    </p:tnLst>
+  </p:timing>
 </p:sld>
 </file>
 
@@ -31451,7 +35967,7 @@
           <a:p>
             <a:r>
               <a:rPr lang="en-US" dirty="0" smtClean="0"/>
-              <a:t>Consistency models</a:t>
+              <a:t>Consistency?</a:t>
             </a:r>
             <a:endParaRPr lang="en-US" dirty="0"/>
           </a:p>
@@ -31469,39 +35985,43 @@
         </p:nvSpPr>
         <p:spPr/>
         <p:txBody>
-          <a:bodyPr/>
-          <a:lstStyle/>
-          <a:p>
-            <a:r>
-              <a:rPr lang="en-US" dirty="0" smtClean="0"/>
-              <a:t>Strong consistency</a:t>
-            </a:r>
-          </a:p>
-          <a:p>
-            <a:r>
-              <a:rPr lang="en-US" dirty="0" smtClean="0"/>
-              <a:t>Eventual consistency</a:t>
-            </a:r>
-          </a:p>
-          <a:p>
-            <a:r>
-              <a:rPr lang="en-US" dirty="0" smtClean="0"/>
-              <a:t>Weaker models</a:t>
-            </a:r>
-            <a:endParaRPr lang="en-US" dirty="0"/>
+          <a:bodyPr>
+            <a:normAutofit/>
+          </a:bodyPr>
+          <a:lstStyle/>
+          <a:p>
+            <a:pPr marL="0" indent="0">
+              <a:buNone/>
+            </a:pPr>
+            <a:r>
+              <a:rPr lang="en-US" sz="2800" dirty="0" smtClean="0"/>
+              <a:t>I don’t care if you’re wrong as long as you’re </a:t>
+            </a:r>
+            <a:r>
+              <a:rPr lang="en-US" sz="2800" i="1" dirty="0" smtClean="0"/>
+              <a:t>consistent</a:t>
+            </a:r>
+            <a:endParaRPr lang="en-US" sz="2800" dirty="0"/>
           </a:p>
         </p:txBody>
       </p:sp>
     </p:spTree>
     <p:extLst>
       <p:ext uri="{BB962C8B-B14F-4D97-AF65-F5344CB8AC3E}">
-        <p14:creationId xmlns:p14="http://schemas.microsoft.com/office/powerpoint/2010/main" val="59354301"/>
+        <p14:creationId xmlns:p14="http://schemas.microsoft.com/office/powerpoint/2010/main" val="1915758866"/>
       </p:ext>
     </p:extLst>
   </p:cSld>
   <p:clrMapOvr>
     <a:masterClrMapping/>
   </p:clrMapOvr>
+  <p:timing>
+    <p:tnLst>
+      <p:par>
+        <p:cTn xmlns:p14="http://schemas.microsoft.com/office/powerpoint/2010/main" id="1" dur="indefinite" restart="never" nodeType="tmRoot"/>
+      </p:par>
+    </p:tnLst>
+  </p:timing>
 </p:sld>
 </file>
 
@@ -31534,14 +36054,15 @@
         </p:nvSpPr>
         <p:spPr/>
         <p:txBody>
-          <a:bodyPr/>
-          <a:lstStyle/>
-          <a:p>
-            <a:r>
-              <a:rPr lang="en-US" dirty="0" smtClean="0"/>
-              <a:t>Strong consistency</a:t>
-            </a:r>
-            <a:endParaRPr lang="en-US" dirty="0"/>
+          <a:bodyPr>
+            <a:normAutofit fontScale="90000"/>
+          </a:bodyPr>
+          <a:lstStyle/>
+          <a:p>
+            <a:r>
+              <a:rPr lang="en-US" dirty="0"/>
+              <a:t>Context: replicated distributed systems</a:t>
+            </a:r>
           </a:p>
         </p:txBody>
       </p:sp>
@@ -31565,54 +36086,47 @@
             </a:pPr>
             <a:r>
               <a:rPr lang="en-US" dirty="0" smtClean="0"/>
-              <a:t>``single copy’’ consistency</a:t>
-            </a:r>
+              <a:t>Replication anomalies:</a:t>
+            </a:r>
+          </a:p>
+          <a:p>
+            <a:endParaRPr lang="en-US" dirty="0"/>
+          </a:p>
+          <a:p>
+            <a:r>
+              <a:rPr lang="en-US" dirty="0" smtClean="0"/>
+              <a:t>Read anomalies (staleness)</a:t>
+            </a:r>
+          </a:p>
+          <a:p>
+            <a:pPr lvl="1"/>
+            <a:r>
+              <a:rPr lang="en-US" dirty="0" err="1" smtClean="0"/>
+              <a:t>Eg</a:t>
+            </a:r>
+            <a:r>
+              <a:rPr lang="en-US" dirty="0" smtClean="0"/>
+              <a:t> not RYW.  </a:t>
+            </a:r>
+            <a:endParaRPr lang="en-US" dirty="0"/>
+          </a:p>
+          <a:p>
+            <a:r>
+              <a:rPr lang="en-US" dirty="0" smtClean="0"/>
+              <a:t>Write divergence (concurrent updates)</a:t>
+            </a:r>
+          </a:p>
+          <a:p>
+            <a:endParaRPr lang="en-US" dirty="0"/>
           </a:p>
           <a:p>
             <a:pPr marL="0" indent="0">
               <a:buNone/>
             </a:pPr>
-            <a:endParaRPr lang="en-US" dirty="0"/>
-          </a:p>
-          <a:p>
-            <a:pPr marL="0" indent="0">
-              <a:buNone/>
-            </a:pPr>
             <a:r>
               <a:rPr lang="en-US" dirty="0" smtClean="0"/>
-              <a:t>Replication is</a:t>
-            </a:r>
-            <a:r>
-              <a:rPr lang="en-US" i="1" dirty="0" smtClean="0"/>
-              <a:t> transparent; </a:t>
-            </a:r>
-            <a:r>
-              <a:rPr lang="en-US" dirty="0" smtClean="0"/>
-              <a:t>no witnesses of replication</a:t>
-            </a:r>
-          </a:p>
-          <a:p>
-            <a:pPr marL="0" indent="0">
-              <a:buNone/>
-            </a:pPr>
-            <a:endParaRPr lang="en-US" dirty="0"/>
-          </a:p>
-          <a:p>
-            <a:pPr marL="0" indent="0">
-              <a:buNone/>
-            </a:pPr>
-            <a:endParaRPr lang="en-US" dirty="0" smtClean="0"/>
-          </a:p>
-          <a:p>
-            <a:pPr marL="0" indent="0">
-              <a:buNone/>
-            </a:pPr>
-            <a:endParaRPr lang="en-US" dirty="0"/>
-          </a:p>
-          <a:p>
-            <a:pPr marL="0" indent="0">
-              <a:buNone/>
-            </a:pPr>
+              <a:t>We’ll focus on the latter class.</a:t>
+            </a:r>
             <a:endParaRPr lang="en-US" dirty="0"/>
           </a:p>
         </p:txBody>
@@ -31620,13 +36134,20 @@
     </p:spTree>
     <p:extLst>
       <p:ext uri="{BB962C8B-B14F-4D97-AF65-F5344CB8AC3E}">
-        <p14:creationId xmlns:p14="http://schemas.microsoft.com/office/powerpoint/2010/main" val="1656636592"/>
+        <p14:creationId xmlns:p14="http://schemas.microsoft.com/office/powerpoint/2010/main" val="2896397281"/>
       </p:ext>
     </p:extLst>
   </p:cSld>
   <p:clrMapOvr>
     <a:masterClrMapping/>
   </p:clrMapOvr>
+  <p:timing>
+    <p:tnLst>
+      <p:par>
+        <p:cTn xmlns:p14="http://schemas.microsoft.com/office/powerpoint/2010/main" id="1" dur="indefinite" restart="never" nodeType="tmRoot"/>
+      </p:par>
+    </p:tnLst>
+  </p:timing>
 </p:sld>
 </file>
 

--- a/socc12-bloom-tutorial/slides/bloom-tutorial.pptx
+++ b/socc12-bloom-tutorial/slides/bloom-tutorial.pptx
@@ -5,7 +5,7 @@
     <p:sldMasterId id="2147483648" r:id="rId1"/>
   </p:sldMasterIdLst>
   <p:notesMasterIdLst>
-    <p:notesMasterId r:id="rId62"/>
+    <p:notesMasterId r:id="rId64"/>
   </p:notesMasterIdLst>
   <p:sldIdLst>
     <p:sldId id="256" r:id="rId2"/>
@@ -30,44 +30,46 @@
     <p:sldId id="271" r:id="rId21"/>
     <p:sldId id="287" r:id="rId22"/>
     <p:sldId id="306" r:id="rId23"/>
-    <p:sldId id="318" r:id="rId24"/>
-    <p:sldId id="273" r:id="rId25"/>
-    <p:sldId id="274" r:id="rId26"/>
-    <p:sldId id="275" r:id="rId27"/>
-    <p:sldId id="276" r:id="rId28"/>
-    <p:sldId id="307" r:id="rId29"/>
-    <p:sldId id="308" r:id="rId30"/>
-    <p:sldId id="288" r:id="rId31"/>
-    <p:sldId id="281" r:id="rId32"/>
-    <p:sldId id="282" r:id="rId33"/>
-    <p:sldId id="312" r:id="rId34"/>
-    <p:sldId id="309" r:id="rId35"/>
-    <p:sldId id="310" r:id="rId36"/>
-    <p:sldId id="313" r:id="rId37"/>
-    <p:sldId id="311" r:id="rId38"/>
-    <p:sldId id="284" r:id="rId39"/>
-    <p:sldId id="289" r:id="rId40"/>
-    <p:sldId id="290" r:id="rId41"/>
-    <p:sldId id="291" r:id="rId42"/>
-    <p:sldId id="292" r:id="rId43"/>
-    <p:sldId id="293" r:id="rId44"/>
-    <p:sldId id="294" r:id="rId45"/>
-    <p:sldId id="295" r:id="rId46"/>
-    <p:sldId id="296" r:id="rId47"/>
-    <p:sldId id="297" r:id="rId48"/>
-    <p:sldId id="298" r:id="rId49"/>
-    <p:sldId id="299" r:id="rId50"/>
-    <p:sldId id="300" r:id="rId51"/>
-    <p:sldId id="301" r:id="rId52"/>
-    <p:sldId id="302" r:id="rId53"/>
-    <p:sldId id="303" r:id="rId54"/>
-    <p:sldId id="304" r:id="rId55"/>
-    <p:sldId id="305" r:id="rId56"/>
-    <p:sldId id="286" r:id="rId57"/>
-    <p:sldId id="314" r:id="rId58"/>
-    <p:sldId id="317" r:id="rId59"/>
-    <p:sldId id="316" r:id="rId60"/>
-    <p:sldId id="315" r:id="rId61"/>
+    <p:sldId id="327" r:id="rId24"/>
+    <p:sldId id="328" r:id="rId25"/>
+    <p:sldId id="318" r:id="rId26"/>
+    <p:sldId id="273" r:id="rId27"/>
+    <p:sldId id="274" r:id="rId28"/>
+    <p:sldId id="275" r:id="rId29"/>
+    <p:sldId id="276" r:id="rId30"/>
+    <p:sldId id="307" r:id="rId31"/>
+    <p:sldId id="308" r:id="rId32"/>
+    <p:sldId id="288" r:id="rId33"/>
+    <p:sldId id="281" r:id="rId34"/>
+    <p:sldId id="282" r:id="rId35"/>
+    <p:sldId id="312" r:id="rId36"/>
+    <p:sldId id="309" r:id="rId37"/>
+    <p:sldId id="310" r:id="rId38"/>
+    <p:sldId id="313" r:id="rId39"/>
+    <p:sldId id="311" r:id="rId40"/>
+    <p:sldId id="284" r:id="rId41"/>
+    <p:sldId id="289" r:id="rId42"/>
+    <p:sldId id="290" r:id="rId43"/>
+    <p:sldId id="291" r:id="rId44"/>
+    <p:sldId id="292" r:id="rId45"/>
+    <p:sldId id="293" r:id="rId46"/>
+    <p:sldId id="294" r:id="rId47"/>
+    <p:sldId id="295" r:id="rId48"/>
+    <p:sldId id="296" r:id="rId49"/>
+    <p:sldId id="297" r:id="rId50"/>
+    <p:sldId id="298" r:id="rId51"/>
+    <p:sldId id="299" r:id="rId52"/>
+    <p:sldId id="300" r:id="rId53"/>
+    <p:sldId id="301" r:id="rId54"/>
+    <p:sldId id="302" r:id="rId55"/>
+    <p:sldId id="303" r:id="rId56"/>
+    <p:sldId id="304" r:id="rId57"/>
+    <p:sldId id="305" r:id="rId58"/>
+    <p:sldId id="286" r:id="rId59"/>
+    <p:sldId id="314" r:id="rId60"/>
+    <p:sldId id="317" r:id="rId61"/>
+    <p:sldId id="316" r:id="rId62"/>
+    <p:sldId id="315" r:id="rId63"/>
   </p:sldIdLst>
   <p:sldSz cx="9144000" cy="6858000" type="screen4x3"/>
   <p:notesSz cx="6858000" cy="9144000"/>
@@ -683,7 +685,7 @@
           <a:p>
             <a:fld id="{ACB9D95B-D351-D448-828A-55A5AC13575E}" type="slidenum">
               <a:rPr lang="en-US" smtClean="0"/>
-              <a:t>49</a:t>
+              <a:t>51</a:t>
             </a:fld>
             <a:endParaRPr lang="en-US"/>
           </a:p>
@@ -775,7 +777,7 @@
           <a:p>
             <a:fld id="{ACB9D95B-D351-D448-828A-55A5AC13575E}" type="slidenum">
               <a:rPr lang="en-US" smtClean="0"/>
-              <a:t>50</a:t>
+              <a:t>52</a:t>
             </a:fld>
             <a:endParaRPr lang="en-US"/>
           </a:p>
@@ -863,7 +865,7 @@
           <a:p>
             <a:fld id="{ACB9D95B-D351-D448-828A-55A5AC13575E}" type="slidenum">
               <a:rPr lang="en-US" smtClean="0"/>
-              <a:t>53</a:t>
+              <a:t>55</a:t>
             </a:fld>
             <a:endParaRPr lang="en-US"/>
           </a:p>
@@ -951,7 +953,7 @@
           <a:p>
             <a:fld id="{ACB9D95B-D351-D448-828A-55A5AC13575E}" type="slidenum">
               <a:rPr lang="en-US" smtClean="0"/>
-              <a:t>54</a:t>
+              <a:t>56</a:t>
             </a:fld>
             <a:endParaRPr lang="en-US"/>
           </a:p>
@@ -1039,7 +1041,7 @@
           <a:p>
             <a:fld id="{ACB9D95B-D351-D448-828A-55A5AC13575E}" type="slidenum">
               <a:rPr lang="en-US" smtClean="0"/>
-              <a:t>55</a:t>
+              <a:t>57</a:t>
             </a:fld>
             <a:endParaRPr lang="en-US"/>
           </a:p>
@@ -1131,7 +1133,7 @@
           <a:p>
             <a:fld id="{A32864C9-CCE7-B240-96BF-80B66869E1E9}" type="slidenum">
               <a:rPr lang="en-US" smtClean="0"/>
-              <a:t>56</a:t>
+              <a:t>58</a:t>
             </a:fld>
             <a:endParaRPr lang="en-US"/>
           </a:p>
@@ -1227,7 +1229,7 @@
           <a:p>
             <a:fld id="{ACB9D95B-D351-D448-828A-55A5AC13575E}" type="slidenum">
               <a:rPr lang="en-US" smtClean="0"/>
-              <a:t>39</a:t>
+              <a:t>41</a:t>
             </a:fld>
             <a:endParaRPr lang="en-US"/>
           </a:p>
@@ -1325,7 +1327,7 @@
           <a:p>
             <a:fld id="{ACB9D95B-D351-D448-828A-55A5AC13575E}" type="slidenum">
               <a:rPr lang="en-US" smtClean="0"/>
-              <a:t>40</a:t>
+              <a:t>42</a:t>
             </a:fld>
             <a:endParaRPr lang="en-US"/>
           </a:p>
@@ -1425,7 +1427,7 @@
           <a:p>
             <a:fld id="{ACB9D95B-D351-D448-828A-55A5AC13575E}" type="slidenum">
               <a:rPr lang="en-US" smtClean="0"/>
-              <a:t>42</a:t>
+              <a:t>44</a:t>
             </a:fld>
             <a:endParaRPr lang="en-US"/>
           </a:p>
@@ -1516,7 +1518,7 @@
           <a:p>
             <a:fld id="{ACB9D95B-D351-D448-828A-55A5AC13575E}" type="slidenum">
               <a:rPr lang="en-US" smtClean="0"/>
-              <a:t>43</a:t>
+              <a:t>45</a:t>
             </a:fld>
             <a:endParaRPr lang="en-US"/>
           </a:p>
@@ -1615,7 +1617,7 @@
           <a:p>
             <a:fld id="{ACB9D95B-D351-D448-828A-55A5AC13575E}" type="slidenum">
               <a:rPr lang="en-US" smtClean="0"/>
-              <a:t>44</a:t>
+              <a:t>46</a:t>
             </a:fld>
             <a:endParaRPr lang="en-US"/>
           </a:p>
@@ -1703,7 +1705,7 @@
           <a:p>
             <a:fld id="{ACB9D95B-D351-D448-828A-55A5AC13575E}" type="slidenum">
               <a:rPr lang="en-US" smtClean="0"/>
-              <a:t>45</a:t>
+              <a:t>47</a:t>
             </a:fld>
             <a:endParaRPr lang="en-US"/>
           </a:p>
@@ -1791,7 +1793,7 @@
           <a:p>
             <a:fld id="{ACB9D95B-D351-D448-828A-55A5AC13575E}" type="slidenum">
               <a:rPr lang="en-US" smtClean="0"/>
-              <a:t>46</a:t>
+              <a:t>48</a:t>
             </a:fld>
             <a:endParaRPr lang="en-US"/>
           </a:p>
@@ -1905,7 +1907,7 @@
           <a:p>
             <a:fld id="{ACB9D95B-D351-D448-828A-55A5AC13575E}" type="slidenum">
               <a:rPr lang="en-US" smtClean="0"/>
-              <a:t>48</a:t>
+              <a:t>50</a:t>
             </a:fld>
             <a:endParaRPr lang="en-US"/>
           </a:p>
@@ -9222,6 +9224,13 @@
   <p:clrMapOvr>
     <a:masterClrMapping/>
   </p:clrMapOvr>
+  <p:timing>
+    <p:tnLst>
+      <p:par>
+        <p:cTn xmlns:p14="http://schemas.microsoft.com/office/powerpoint/2010/main" id="1" dur="indefinite" restart="never" nodeType="tmRoot"/>
+      </p:par>
+    </p:tnLst>
+  </p:timing>
 </p:sld>
 </file>
 
@@ -9259,7 +9268,7 @@
           <a:p>
             <a:r>
               <a:rPr lang="en-US" dirty="0" smtClean="0"/>
-              <a:t>There’s stuff you can do in</a:t>
+              <a:t>(peter notes)</a:t>
             </a:r>
             <a:endParaRPr lang="en-US" dirty="0"/>
           </a:p>
@@ -9278,59 +9287,64 @@
         <p:spPr/>
         <p:txBody>
           <a:bodyPr>
-            <a:normAutofit fontScale="92500" lnSpcReduction="10000"/>
+            <a:normAutofit fontScale="85000" lnSpcReduction="20000"/>
           </a:bodyPr>
           <a:lstStyle/>
           <a:p>
             <a:r>
               <a:rPr lang="en-US" dirty="0" smtClean="0"/>
-              <a:t>The storage layer…. Or you can pop up.</a:t>
-            </a:r>
-          </a:p>
-          <a:p>
-            <a:endParaRPr lang="en-US" dirty="0"/>
+              <a:t>EC systems focus only on controlling write anomalies (stale reads always fair game, though session guarantees may restrict which read anomalies can happen)</a:t>
+            </a:r>
           </a:p>
           <a:p>
             <a:r>
               <a:rPr lang="en-US" dirty="0" smtClean="0"/>
-              <a:t>Layer </a:t>
+              <a:t>EC systems are </a:t>
+            </a:r>
+            <a:r>
+              <a:rPr lang="en-US" i="1" dirty="0" smtClean="0"/>
+              <a:t>convergent</a:t>
+            </a:r>
+            <a:r>
+              <a:rPr lang="en-US" dirty="0" smtClean="0"/>
+              <a:t> – eventually there are no divergent states</a:t>
+            </a:r>
+          </a:p>
+          <a:p>
+            <a:r>
+              <a:rPr lang="en-US" dirty="0" smtClean="0"/>
+              <a:t>Deterministic =&gt; convergent (but not </a:t>
             </a:r>
             <a:r>
               <a:rPr lang="en-US" dirty="0" err="1" smtClean="0"/>
-              <a:t>vs</a:t>
+              <a:t>tother</a:t>
             </a:r>
             <a:r>
               <a:rPr lang="en-US" dirty="0" smtClean="0"/>
-              <a:t> language</a:t>
+              <a:t> way)</a:t>
             </a:r>
           </a:p>
           <a:p>
             <a:r>
               <a:rPr lang="en-US" dirty="0" smtClean="0"/>
-              <a:t>Sequential emulation at the storage layer</a:t>
-            </a:r>
-          </a:p>
-          <a:p>
+              <a:t>Determinism is compositional: two deterministic systems glued together make a deterministic system</a:t>
+            </a:r>
+          </a:p>
+          <a:p>
+            <a:r>
+              <a:rPr lang="en-US" dirty="0" smtClean="0"/>
+              <a:t>Convergence is not compositional: two convergent systems glued together do not necessarily make a convergent system (</a:t>
+            </a:r>
             <a:r>
               <a:rPr lang="en-US" dirty="0" err="1" smtClean="0"/>
-              <a:t>Crdts</a:t>
+              <a:t>eg</a:t>
             </a:r>
             <a:r>
               <a:rPr lang="en-US" dirty="0" smtClean="0"/>
-              <a:t> – state-centric attempt to achieve relaxed ordering (object-by-object)</a:t>
-            </a:r>
-          </a:p>
-          <a:p>
-            <a:r>
-              <a:rPr lang="en-US" dirty="0" smtClean="0"/>
-              <a:t>Then bloom </a:t>
-            </a:r>
-          </a:p>
-          <a:p>
-            <a:r>
-              <a:rPr lang="en-US" dirty="0" smtClean="0"/>
-              <a:t>The programming model should match the computation model </a:t>
-            </a:r>
+              <a:t> if the glue is NM)</a:t>
+            </a:r>
+          </a:p>
+          <a:p>
             <a:endParaRPr lang="en-US" dirty="0"/>
           </a:p>
         </p:txBody>
@@ -9338,13 +9352,20 @@
     </p:spTree>
     <p:extLst>
       <p:ext uri="{BB962C8B-B14F-4D97-AF65-F5344CB8AC3E}">
-        <p14:creationId xmlns:p14="http://schemas.microsoft.com/office/powerpoint/2010/main" val="4178425094"/>
+        <p14:creationId xmlns:p14="http://schemas.microsoft.com/office/powerpoint/2010/main" val="2086526355"/>
       </p:ext>
     </p:extLst>
   </p:cSld>
   <p:clrMapOvr>
     <a:masterClrMapping/>
   </p:clrMapOvr>
+  <p:timing>
+    <p:tnLst>
+      <p:par>
+        <p:cTn xmlns:p14="http://schemas.microsoft.com/office/powerpoint/2010/main" id="1" dur="indefinite" restart="never" nodeType="tmRoot"/>
+      </p:par>
+    </p:tnLst>
+  </p:timing>
 </p:sld>
 </file>
 
@@ -9377,21 +9398,12 @@
         </p:nvSpPr>
         <p:spPr/>
         <p:txBody>
-          <a:bodyPr>
-            <a:normAutofit fontScale="90000"/>
-          </a:bodyPr>
+          <a:bodyPr/>
           <a:lstStyle/>
           <a:p>
             <a:r>
               <a:rPr lang="en-US" dirty="0" smtClean="0"/>
-              <a:t>Distributed design patterns</a:t>
-            </a:r>
-            <a:br>
-              <a:rPr lang="en-US" dirty="0" smtClean="0"/>
-            </a:br>
-            <a:r>
-              <a:rPr lang="en-US" dirty="0" smtClean="0"/>
-              <a:t>for eventual consistency</a:t>
+              <a:t>(peter notes)</a:t>
             </a:r>
             <a:endParaRPr lang="en-US" dirty="0"/>
           </a:p>
@@ -9409,23 +9421,75 @@
         </p:nvSpPr>
         <p:spPr/>
         <p:txBody>
-          <a:bodyPr/>
-          <a:lstStyle/>
-          <a:p>
-            <a:endParaRPr lang="en-US" dirty="0"/>
+          <a:bodyPr>
+            <a:normAutofit lnSpcReduction="10000"/>
+          </a:bodyPr>
+          <a:lstStyle/>
+          <a:p>
+            <a:r>
+              <a:rPr lang="en-US" dirty="0" smtClean="0"/>
+              <a:t>Guarded asynchrony – need to carefully explain the significance of this</a:t>
+            </a:r>
+          </a:p>
+          <a:p>
+            <a:r>
+              <a:rPr lang="en-US" dirty="0" smtClean="0"/>
+              <a:t>Essentially, confluent programs cannot allow one-shot queries on changing state (even monotonically changing)</a:t>
+            </a:r>
+          </a:p>
+          <a:p>
+            <a:r>
+              <a:rPr lang="en-US" dirty="0" smtClean="0"/>
+              <a:t>One-shot queries must be converted into subscriptions to a stream of updates</a:t>
+            </a:r>
+          </a:p>
+          <a:p>
+            <a:pPr lvl="1"/>
+            <a:r>
+              <a:rPr lang="en-US" dirty="0" smtClean="0"/>
+              <a:t>That way, we are guaranteed to see</a:t>
+            </a:r>
+            <a:r>
+              <a:rPr lang="en-US" dirty="0"/>
+              <a:t> </a:t>
+            </a:r>
+            <a:r>
+              <a:rPr lang="en-US" dirty="0" smtClean="0"/>
+              <a:t>the </a:t>
+            </a:r>
+            <a:r>
+              <a:rPr lang="en-US" i="1" dirty="0" smtClean="0"/>
+              <a:t>last</a:t>
+            </a:r>
+            <a:r>
+              <a:rPr lang="en-US" dirty="0" smtClean="0"/>
+              <a:t> update to a </a:t>
+            </a:r>
+            <a:r>
+              <a:rPr lang="en-US" smtClean="0"/>
+              <a:t>given lattice</a:t>
+            </a:r>
+            <a:endParaRPr lang="en-US"/>
           </a:p>
         </p:txBody>
       </p:sp>
     </p:spTree>
     <p:extLst>
       <p:ext uri="{BB962C8B-B14F-4D97-AF65-F5344CB8AC3E}">
-        <p14:creationId xmlns:p14="http://schemas.microsoft.com/office/powerpoint/2010/main" val="1464956512"/>
+        <p14:creationId xmlns:p14="http://schemas.microsoft.com/office/powerpoint/2010/main" val="4034735068"/>
       </p:ext>
     </p:extLst>
   </p:cSld>
   <p:clrMapOvr>
     <a:masterClrMapping/>
   </p:clrMapOvr>
+  <p:timing>
+    <p:tnLst>
+      <p:par>
+        <p:cTn xmlns:p14="http://schemas.microsoft.com/office/powerpoint/2010/main" id="1" dur="indefinite" restart="never" nodeType="tmRoot"/>
+      </p:par>
+    </p:tnLst>
+  </p:timing>
 </p:sld>
 </file>
 
@@ -9463,7 +9527,15 @@
           <a:p>
             <a:r>
               <a:rPr lang="en-US" dirty="0" smtClean="0"/>
-              <a:t>ACID 2.0</a:t>
+              <a:t>(</a:t>
+            </a:r>
+            <a:r>
+              <a:rPr lang="en-US" dirty="0" err="1" smtClean="0"/>
+              <a:t>joe</a:t>
+            </a:r>
+            <a:r>
+              <a:rPr lang="en-US" dirty="0" smtClean="0"/>
+              <a:t> notes)</a:t>
             </a:r>
             <a:endParaRPr lang="en-US" dirty="0"/>
           </a:p>
@@ -9482,173 +9554,88 @@
         <p:spPr/>
         <p:txBody>
           <a:bodyPr>
-            <a:normAutofit fontScale="70000" lnSpcReduction="20000"/>
+            <a:normAutofit fontScale="92500" lnSpcReduction="20000"/>
           </a:bodyPr>
           <a:lstStyle/>
           <a:p>
-            <a:pPr marL="0" indent="0">
-              <a:buNone/>
-            </a:pPr>
             <a:r>
               <a:rPr lang="en-US" dirty="0"/>
-              <a:t>The classic ACID has the goal to make the application </a:t>
+              <a:t>There’s stuff you can do </a:t>
             </a:r>
             <a:r>
               <a:rPr lang="en-US" dirty="0" smtClean="0"/>
-              <a:t>perceive </a:t>
-            </a:r>
-            <a:r>
-              <a:rPr lang="en-US" dirty="0"/>
-              <a:t>that there is exactly one computer and it is doing nothing </a:t>
+              <a:t>in The </a:t>
             </a:r>
             <a:r>
               <a:rPr lang="en-US" dirty="0" smtClean="0"/>
-              <a:t>else </a:t>
-            </a:r>
-            <a:r>
-              <a:rPr lang="en-US" dirty="0"/>
-              <a:t>while this transaction is being processed.</a:t>
-            </a:r>
-          </a:p>
-          <a:p>
-            <a:pPr marL="0" indent="0">
-              <a:buNone/>
-            </a:pPr>
+              <a:t>storage layer…. Or you can pop up.</a:t>
+            </a:r>
+          </a:p>
+          <a:p>
             <a:endParaRPr lang="en-US" dirty="0"/>
           </a:p>
           <a:p>
-            <a:pPr marL="0" indent="0">
-              <a:buNone/>
-            </a:pPr>
-            <a:r>
-              <a:rPr lang="en-US" dirty="0"/>
-              <a:t>Consider the new ACID (or ACID2.0).  The letters stand for: </a:t>
-            </a:r>
             <a:r>
               <a:rPr lang="en-US" dirty="0" smtClean="0"/>
-              <a:t>Associative</a:t>
-            </a:r>
-            <a:r>
-              <a:rPr lang="en-US" dirty="0"/>
-              <a:t>, Commutative, Idempotent, and </a:t>
+              <a:t>Layer </a:t>
+            </a:r>
+            <a:r>
+              <a:rPr lang="en-US" dirty="0" err="1" smtClean="0"/>
+              <a:t>vs</a:t>
             </a:r>
             <a:r>
               <a:rPr lang="en-US" dirty="0" smtClean="0"/>
-              <a:t>Distributed.  The goal </a:t>
-            </a:r>
-            <a:r>
-              <a:rPr lang="en-US" dirty="0"/>
-              <a:t>for ACID2.0 is to succeed if the pieces of the </a:t>
-            </a:r>
+              <a:t> language</a:t>
+            </a:r>
+          </a:p>
+          <a:p>
             <a:r>
               <a:rPr lang="en-US" dirty="0" smtClean="0"/>
-              <a:t>work happen</a:t>
-            </a:r>
-            <a:r>
-              <a:rPr lang="en-US" dirty="0"/>
-              <a:t>:</a:t>
-            </a:r>
-          </a:p>
-          <a:p>
-            <a:pPr marL="0" indent="0">
-              <a:buNone/>
-            </a:pPr>
+              <a:t>Sequential emulation at the storage layer</a:t>
+            </a:r>
+          </a:p>
+          <a:p>
+            <a:r>
+              <a:rPr lang="en-US" dirty="0" err="1" smtClean="0"/>
+              <a:t>Crdts</a:t>
+            </a:r>
+            <a:r>
+              <a:rPr lang="en-US" dirty="0" smtClean="0"/>
+              <a:t> – state-centric attempt to achieve relaxed ordering (object-by-object)</a:t>
+            </a:r>
+          </a:p>
+          <a:p>
+            <a:r>
+              <a:rPr lang="en-US" dirty="0" smtClean="0"/>
+              <a:t>Then bloom </a:t>
+            </a:r>
+          </a:p>
+          <a:p>
+            <a:r>
+              <a:rPr lang="en-US" dirty="0" smtClean="0"/>
+              <a:t>The programming model should match the computation model </a:t>
+            </a:r>
             <a:endParaRPr lang="en-US" dirty="0"/>
-          </a:p>
-          <a:p>
-            <a:pPr marL="0" indent="0">
-              <a:buNone/>
-            </a:pPr>
-            <a:r>
-              <a:rPr lang="en-US" dirty="0"/>
-              <a:t> At least once</a:t>
-            </a:r>
-            <a:r>
-              <a:rPr lang="en-US" dirty="0" smtClean="0"/>
-              <a:t>,</a:t>
-            </a:r>
-            <a:endParaRPr lang="en-US" dirty="0"/>
-          </a:p>
-          <a:p>
-            <a:pPr marL="0" indent="0">
-              <a:buNone/>
-            </a:pPr>
-            <a:r>
-              <a:rPr lang="en-US" dirty="0"/>
-              <a:t> Anywhere in the system</a:t>
-            </a:r>
-            <a:r>
-              <a:rPr lang="en-US" dirty="0" smtClean="0"/>
-              <a:t>,</a:t>
-            </a:r>
-            <a:endParaRPr lang="en-US" dirty="0"/>
-          </a:p>
-          <a:p>
-            <a:pPr marL="0" indent="0">
-              <a:buNone/>
-            </a:pPr>
-            <a:r>
-              <a:rPr lang="en-US" dirty="0"/>
-              <a:t> In any order</a:t>
-            </a:r>
-            <a:r>
-              <a:rPr lang="en-US" dirty="0" smtClean="0"/>
-              <a:t>.</a:t>
-            </a:r>
-          </a:p>
-          <a:p>
-            <a:pPr marL="0" indent="0">
-              <a:buNone/>
-            </a:pPr>
-            <a:endParaRPr lang="en-US" dirty="0"/>
-          </a:p>
-          <a:p>
-            <a:pPr marL="0" indent="0">
-              <a:buNone/>
-            </a:pPr>
-            <a:r>
-              <a:rPr lang="en-US" dirty="0" smtClean="0"/>
-              <a:t>										- Pat </a:t>
-            </a:r>
-            <a:r>
-              <a:rPr lang="en-US" dirty="0" err="1" smtClean="0"/>
-              <a:t>Helland</a:t>
-            </a:r>
-            <a:r>
-              <a:rPr lang="en-US" dirty="0" smtClean="0"/>
-              <a:t>,</a:t>
-            </a:r>
-          </a:p>
-          <a:p>
-            <a:pPr marL="0" indent="0">
-              <a:buNone/>
-            </a:pPr>
-            <a:r>
-              <a:rPr lang="en-US" dirty="0"/>
-              <a:t>	</a:t>
-            </a:r>
-            <a:r>
-              <a:rPr lang="en-US" dirty="0" smtClean="0"/>
-              <a:t>									</a:t>
-            </a:r>
-            <a:r>
-              <a:rPr lang="en-US" i="1" dirty="0" smtClean="0"/>
-              <a:t>Building on quicksand</a:t>
-            </a:r>
-            <a:endParaRPr lang="en-US" i="1" dirty="0"/>
           </a:p>
         </p:txBody>
       </p:sp>
     </p:spTree>
     <p:extLst>
       <p:ext uri="{BB962C8B-B14F-4D97-AF65-F5344CB8AC3E}">
-        <p14:creationId xmlns:p14="http://schemas.microsoft.com/office/powerpoint/2010/main" val="2522880521"/>
+        <p14:creationId xmlns:p14="http://schemas.microsoft.com/office/powerpoint/2010/main" val="4178425094"/>
       </p:ext>
     </p:extLst>
   </p:cSld>
   <p:clrMapOvr>
     <a:masterClrMapping/>
   </p:clrMapOvr>
+  <p:timing>
+    <p:tnLst>
+      <p:par>
+        <p:cTn xmlns:p14="http://schemas.microsoft.com/office/powerpoint/2010/main" id="1" dur="indefinite" restart="never" nodeType="tmRoot"/>
+      </p:par>
+    </p:tnLst>
+  </p:timing>
 </p:sld>
 </file>
 
@@ -9681,12 +9668,21 @@
         </p:nvSpPr>
         <p:spPr/>
         <p:txBody>
-          <a:bodyPr/>
+          <a:bodyPr>
+            <a:normAutofit fontScale="90000"/>
+          </a:bodyPr>
           <a:lstStyle/>
           <a:p>
             <a:r>
               <a:rPr lang="en-US" dirty="0" smtClean="0"/>
-              <a:t>ACID 2.0</a:t>
+              <a:t>Distributed design patterns</a:t>
+            </a:r>
+            <a:br>
+              <a:rPr lang="en-US" dirty="0" smtClean="0"/>
+            </a:br>
+            <a:r>
+              <a:rPr lang="en-US" dirty="0" smtClean="0"/>
+              <a:t>for eventual consistency</a:t>
             </a:r>
             <a:endParaRPr lang="en-US" dirty="0"/>
           </a:p>
@@ -9707,34 +9703,6 @@
           <a:bodyPr/>
           <a:lstStyle/>
           <a:p>
-            <a:r>
-              <a:rPr lang="en-US" dirty="0" smtClean="0"/>
-              <a:t>Associative --  operations can be ``eagerly’’ processed</a:t>
-            </a:r>
-          </a:p>
-          <a:p>
-            <a:r>
-              <a:rPr lang="en-US" dirty="0" smtClean="0"/>
-              <a:t>Commutative – operations can be reordered</a:t>
-            </a:r>
-          </a:p>
-          <a:p>
-            <a:r>
-              <a:rPr lang="en-US" dirty="0" smtClean="0"/>
-              <a:t>Idempotent – retry is always an option</a:t>
-            </a:r>
-          </a:p>
-          <a:p>
-            <a:r>
-              <a:rPr lang="en-US" dirty="0" smtClean="0"/>
-              <a:t>Distributed – </a:t>
-            </a:r>
-            <a:r>
-              <a:rPr lang="en-US" smtClean="0"/>
-              <a:t>(needed a ``D’’)</a:t>
-            </a:r>
-          </a:p>
-          <a:p>
             <a:endParaRPr lang="en-US" dirty="0"/>
           </a:p>
         </p:txBody>
@@ -9742,13 +9710,20 @@
     </p:spTree>
     <p:extLst>
       <p:ext uri="{BB962C8B-B14F-4D97-AF65-F5344CB8AC3E}">
-        <p14:creationId xmlns:p14="http://schemas.microsoft.com/office/powerpoint/2010/main" val="1789692968"/>
+        <p14:creationId xmlns:p14="http://schemas.microsoft.com/office/powerpoint/2010/main" val="1464956512"/>
       </p:ext>
     </p:extLst>
   </p:cSld>
   <p:clrMapOvr>
     <a:masterClrMapping/>
   </p:clrMapOvr>
+  <p:timing>
+    <p:tnLst>
+      <p:par>
+        <p:cTn xmlns:p14="http://schemas.microsoft.com/office/powerpoint/2010/main" id="1" dur="indefinite" restart="never" nodeType="tmRoot"/>
+      </p:par>
+    </p:tnLst>
+  </p:timing>
 </p:sld>
 </file>
 
@@ -9804,63 +9779,181 @@
         </p:nvSpPr>
         <p:spPr/>
         <p:txBody>
-          <a:bodyPr/>
+          <a:bodyPr>
+            <a:normAutofit fontScale="70000" lnSpcReduction="20000"/>
+          </a:bodyPr>
           <a:lstStyle/>
           <a:p>
             <a:pPr marL="0" indent="0">
               <a:buNone/>
             </a:pPr>
             <a:r>
+              <a:rPr lang="en-US" dirty="0"/>
+              <a:t>The classic ACID has the goal to make the application </a:t>
+            </a:r>
+            <a:r>
               <a:rPr lang="en-US" dirty="0" smtClean="0"/>
-              <a:t>Instead of low-level reads and writes programmers use an abstract vocabulary of </a:t>
+              <a:t>perceive </a:t>
+            </a:r>
+            <a:r>
+              <a:rPr lang="en-US" dirty="0"/>
+              <a:t>that there is exactly one computer and it is doing nothing </a:t>
+            </a:r>
+            <a:r>
+              <a:rPr lang="en-US" dirty="0" smtClean="0"/>
+              <a:t>else </a:t>
+            </a:r>
+            <a:r>
+              <a:rPr lang="en-US" dirty="0"/>
+              <a:t>while this transaction is being processed.</a:t>
+            </a:r>
+          </a:p>
+          <a:p>
+            <a:pPr marL="0" indent="0">
+              <a:buNone/>
+            </a:pPr>
+            <a:endParaRPr lang="en-US" dirty="0"/>
+          </a:p>
+          <a:p>
+            <a:pPr marL="0" indent="0">
+              <a:buNone/>
+            </a:pPr>
+            <a:r>
+              <a:rPr lang="en-US" dirty="0"/>
+              <a:t>Consider the new ACID (or ACID2.0).  The letters stand for: </a:t>
+            </a:r>
+            <a:r>
+              <a:rPr lang="en-US" dirty="0" smtClean="0"/>
+              <a:t>Associative</a:t>
+            </a:r>
+            <a:r>
+              <a:rPr lang="en-US" dirty="0"/>
+              <a:t>, Commutative, Idempotent, and </a:t>
+            </a:r>
+            <a:r>
+              <a:rPr lang="en-US" dirty="0" smtClean="0"/>
+              <a:t>Distributed.  The goal </a:t>
+            </a:r>
+            <a:r>
+              <a:rPr lang="en-US" dirty="0"/>
+              <a:t>for ACID2.0 is to succeed if the pieces of the </a:t>
+            </a:r>
+            <a:r>
+              <a:rPr lang="en-US" dirty="0" smtClean="0"/>
+              <a:t>work happen</a:t>
+            </a:r>
+            <a:r>
+              <a:rPr lang="en-US" dirty="0"/>
+              <a:t>:</a:t>
+            </a:r>
+          </a:p>
+          <a:p>
+            <a:pPr marL="0" indent="0">
+              <a:buNone/>
+            </a:pPr>
+            <a:endParaRPr lang="en-US" dirty="0"/>
+          </a:p>
+          <a:p>
+            <a:pPr marL="0" indent="0">
+              <a:buNone/>
+            </a:pPr>
+            <a:r>
+              <a:rPr lang="en-US" dirty="0"/>
+              <a:t> At least once</a:t>
+            </a:r>
+            <a:r>
+              <a:rPr lang="en-US" dirty="0" smtClean="0"/>
+              <a:t>,</a:t>
+            </a:r>
+            <a:endParaRPr lang="en-US" dirty="0"/>
+          </a:p>
+          <a:p>
+            <a:pPr marL="0" indent="0">
+              <a:buNone/>
+            </a:pPr>
+            <a:r>
+              <a:rPr lang="en-US" dirty="0"/>
+              <a:t> Anywhere in the system</a:t>
+            </a:r>
+            <a:r>
+              <a:rPr lang="en-US" dirty="0" smtClean="0"/>
+              <a:t>,</a:t>
+            </a:r>
+            <a:endParaRPr lang="en-US" dirty="0"/>
+          </a:p>
+          <a:p>
+            <a:pPr marL="0" indent="0">
+              <a:buNone/>
+            </a:pPr>
+            <a:r>
+              <a:rPr lang="en-US" dirty="0"/>
+              <a:t> In any order</a:t>
+            </a:r>
+            <a:r>
+              <a:rPr lang="en-US" dirty="0" smtClean="0"/>
+              <a:t>.</a:t>
+            </a:r>
+          </a:p>
+          <a:p>
+            <a:pPr marL="0" indent="0">
+              <a:buNone/>
+            </a:pPr>
+            <a:endParaRPr lang="en-US" dirty="0"/>
+          </a:p>
+          <a:p>
+            <a:pPr marL="0" indent="0">
+              <a:buNone/>
+            </a:pPr>
+            <a:r>
+              <a:rPr lang="en-US" dirty="0" smtClean="0"/>
+              <a:t>										- Pat </a:t>
             </a:r>
             <a:r>
               <a:rPr lang="en-US" dirty="0" err="1" smtClean="0"/>
-              <a:t>reorderable</a:t>
+              <a:t>Helland</a:t>
             </a:r>
             <a:r>
               <a:rPr lang="en-US" dirty="0" smtClean="0"/>
-              <a:t>, </a:t>
-            </a:r>
-            <a:r>
-              <a:rPr lang="en-US" dirty="0" err="1" smtClean="0"/>
-              <a:t>retryable</a:t>
+              <a:t>,</a:t>
+            </a:r>
+          </a:p>
+          <a:p>
+            <a:pPr marL="0" indent="0">
+              <a:buNone/>
+            </a:pPr>
+            <a:r>
+              <a:rPr lang="en-US" dirty="0"/>
+              <a:t>	</a:t>
             </a:r>
             <a:r>
               <a:rPr lang="en-US" dirty="0" smtClean="0"/>
-              <a:t> actions:</a:t>
-            </a:r>
-            <a:endParaRPr lang="en-US" dirty="0"/>
-          </a:p>
-          <a:p>
-            <a:r>
-              <a:rPr lang="en-US" dirty="0" smtClean="0"/>
-              <a:t>Retry – a mechanism to ensure that all messages are delivered</a:t>
-            </a:r>
-          </a:p>
-          <a:p>
-            <a:r>
-              <a:rPr lang="en-US" dirty="0" err="1" smtClean="0"/>
-              <a:t>Reorderability</a:t>
-            </a:r>
-            <a:r>
-              <a:rPr lang="en-US" dirty="0" smtClean="0"/>
-              <a:t> -- ensures that all replicas converge</a:t>
-            </a:r>
-            <a:endParaRPr lang="en-US" dirty="0"/>
+              <a:t>									</a:t>
+            </a:r>
+            <a:r>
+              <a:rPr lang="en-US" i="1" dirty="0" smtClean="0"/>
+              <a:t>Building on quicksand</a:t>
+            </a:r>
+            <a:endParaRPr lang="en-US" i="1" dirty="0"/>
           </a:p>
         </p:txBody>
       </p:sp>
     </p:spTree>
     <p:extLst>
       <p:ext uri="{BB962C8B-B14F-4D97-AF65-F5344CB8AC3E}">
-        <p14:creationId xmlns:p14="http://schemas.microsoft.com/office/powerpoint/2010/main" val="2937378636"/>
+        <p14:creationId xmlns:p14="http://schemas.microsoft.com/office/powerpoint/2010/main" val="2522880521"/>
       </p:ext>
     </p:extLst>
   </p:cSld>
   <p:clrMapOvr>
     <a:masterClrMapping/>
   </p:clrMapOvr>
+  <p:timing>
+    <p:tnLst>
+      <p:par>
+        <p:cTn xmlns:p14="http://schemas.microsoft.com/office/powerpoint/2010/main" id="1" dur="indefinite" restart="never" nodeType="tmRoot"/>
+      </p:par>
+    </p:tnLst>
+  </p:timing>
 </p:sld>
 </file>
 
@@ -9898,7 +9991,7 @@
           <a:p>
             <a:r>
               <a:rPr lang="en-US" dirty="0" smtClean="0"/>
-              <a:t>Putting ACID 2.0 into practice</a:t>
+              <a:t>ACID 2.0</a:t>
             </a:r>
             <a:endParaRPr lang="en-US" dirty="0"/>
           </a:p>
@@ -9919,20 +10012,55 @@
           <a:bodyPr/>
           <a:lstStyle/>
           <a:p>
-            <a:endParaRPr lang="en-US"/>
+            <a:r>
+              <a:rPr lang="en-US" dirty="0" smtClean="0"/>
+              <a:t>Associative --  operations can be ``eagerly’’ processed</a:t>
+            </a:r>
+          </a:p>
+          <a:p>
+            <a:r>
+              <a:rPr lang="en-US" dirty="0" smtClean="0"/>
+              <a:t>Commutative – operations can be reordered</a:t>
+            </a:r>
+          </a:p>
+          <a:p>
+            <a:r>
+              <a:rPr lang="en-US" dirty="0" smtClean="0"/>
+              <a:t>Idempotent – retry is always an option</a:t>
+            </a:r>
+          </a:p>
+          <a:p>
+            <a:r>
+              <a:rPr lang="en-US" dirty="0" smtClean="0"/>
+              <a:t>Distributed – </a:t>
+            </a:r>
+            <a:r>
+              <a:rPr lang="en-US" smtClean="0"/>
+              <a:t>(needed a ``D’’)</a:t>
+            </a:r>
+          </a:p>
+          <a:p>
+            <a:endParaRPr lang="en-US" dirty="0"/>
           </a:p>
         </p:txBody>
       </p:sp>
     </p:spTree>
     <p:extLst>
       <p:ext uri="{BB962C8B-B14F-4D97-AF65-F5344CB8AC3E}">
-        <p14:creationId xmlns:p14="http://schemas.microsoft.com/office/powerpoint/2010/main" val="2440150099"/>
+        <p14:creationId xmlns:p14="http://schemas.microsoft.com/office/powerpoint/2010/main" val="1789692968"/>
       </p:ext>
     </p:extLst>
   </p:cSld>
   <p:clrMapOvr>
     <a:masterClrMapping/>
   </p:clrMapOvr>
+  <p:timing>
+    <p:tnLst>
+      <p:par>
+        <p:cTn xmlns:p14="http://schemas.microsoft.com/office/powerpoint/2010/main" id="1" dur="indefinite" restart="never" nodeType="tmRoot"/>
+      </p:par>
+    </p:tnLst>
+  </p:timing>
 </p:sld>
 </file>
 
@@ -9970,7 +10098,7 @@
           <a:p>
             <a:r>
               <a:rPr lang="en-US" dirty="0" smtClean="0"/>
-              <a:t>Putting ACID 2.0 into practice</a:t>
+              <a:t>ACID 2.0</a:t>
             </a:r>
             <a:endParaRPr lang="en-US" dirty="0"/>
           </a:p>
@@ -9991,52 +10119,12 @@
           <a:bodyPr/>
           <a:lstStyle/>
           <a:p>
-            <a:pPr marL="514350" indent="-514350">
-              <a:buFont typeface="+mj-lt"/>
-              <a:buAutoNum type="arabicPeriod"/>
+            <a:pPr marL="0" indent="0">
+              <a:buNone/>
             </a:pPr>
             <a:r>
               <a:rPr lang="en-US" dirty="0" smtClean="0"/>
-              <a:t>CRDTs</a:t>
-            </a:r>
-          </a:p>
-          <a:p>
-            <a:pPr marL="914400" lvl="1" indent="-514350"/>
-            <a:r>
-              <a:rPr lang="en-US" dirty="0" smtClean="0"/>
-              <a:t>A state-based approach</a:t>
-            </a:r>
-            <a:endParaRPr lang="en-US" dirty="0"/>
-          </a:p>
-          <a:p>
-            <a:pPr marL="914400" lvl="1" indent="-514350"/>
-            <a:r>
-              <a:rPr lang="en-US" dirty="0" smtClean="0"/>
-              <a:t>Keep distributed state in data structures providing only ACI methods</a:t>
-            </a:r>
-          </a:p>
-          <a:p>
-            <a:pPr marL="514350" indent="-514350">
-              <a:buFont typeface="+mj-lt"/>
-              <a:buAutoNum type="arabicPeriod"/>
-            </a:pPr>
-            <a:r>
-              <a:rPr lang="en-US" dirty="0" smtClean="0"/>
-              <a:t>Disorderly programming</a:t>
-            </a:r>
-          </a:p>
-          <a:p>
-            <a:pPr marL="914400" lvl="1" indent="-514350"/>
-            <a:r>
-              <a:rPr lang="en-US" dirty="0" smtClean="0"/>
-              <a:t>A language-based approach</a:t>
-            </a:r>
-          </a:p>
-          <a:p>
-            <a:pPr marL="914400" lvl="1" indent="-514350"/>
-            <a:r>
-              <a:rPr lang="en-US" dirty="0" smtClean="0"/>
-              <a:t>Encourage structuring computation using </a:t>
+              <a:t>Instead of low-level reads and writes programmers use an abstract vocabulary of </a:t>
             </a:r>
             <a:r>
               <a:rPr lang="en-US" dirty="0" err="1" smtClean="0"/>
@@ -10044,21 +10132,54 @@
             </a:r>
             <a:r>
               <a:rPr lang="en-US" dirty="0" smtClean="0"/>
-              <a:t> statements and data</a:t>
-            </a:r>
+              <a:t>, </a:t>
+            </a:r>
+            <a:r>
+              <a:rPr lang="en-US" dirty="0" err="1" smtClean="0"/>
+              <a:t>retryable</a:t>
+            </a:r>
+            <a:r>
+              <a:rPr lang="en-US" dirty="0" smtClean="0"/>
+              <a:t> actions:</a:t>
+            </a:r>
+            <a:endParaRPr lang="en-US" dirty="0"/>
+          </a:p>
+          <a:p>
+            <a:r>
+              <a:rPr lang="en-US" dirty="0" smtClean="0"/>
+              <a:t>Retry – a mechanism to ensure that all messages are delivered</a:t>
+            </a:r>
+          </a:p>
+          <a:p>
+            <a:r>
+              <a:rPr lang="en-US" dirty="0" err="1" smtClean="0"/>
+              <a:t>Reorderability</a:t>
+            </a:r>
+            <a:r>
+              <a:rPr lang="en-US" dirty="0" smtClean="0"/>
+              <a:t> -- ensures that all replicas converge</a:t>
+            </a:r>
+            <a:endParaRPr lang="en-US" dirty="0"/>
           </a:p>
         </p:txBody>
       </p:sp>
     </p:spTree>
     <p:extLst>
       <p:ext uri="{BB962C8B-B14F-4D97-AF65-F5344CB8AC3E}">
-        <p14:creationId xmlns:p14="http://schemas.microsoft.com/office/powerpoint/2010/main" val="829143467"/>
+        <p14:creationId xmlns:p14="http://schemas.microsoft.com/office/powerpoint/2010/main" val="2937378636"/>
       </p:ext>
     </p:extLst>
   </p:cSld>
   <p:clrMapOvr>
     <a:masterClrMapping/>
   </p:clrMapOvr>
+  <p:timing>
+    <p:tnLst>
+      <p:par>
+        <p:cTn xmlns:p14="http://schemas.microsoft.com/office/powerpoint/2010/main" id="1" dur="indefinite" restart="never" nodeType="tmRoot"/>
+      </p:par>
+    </p:tnLst>
+  </p:timing>
 </p:sld>
 </file>
 
@@ -10116,6 +10237,204 @@
 </file>
 
 <file path=ppt/slides/slide30.xml><?xml version="1.0" encoding="utf-8"?>
+<p:sld xmlns:a="http://schemas.openxmlformats.org/drawingml/2006/main" xmlns:r="http://schemas.openxmlformats.org/officeDocument/2006/relationships" xmlns:p="http://schemas.openxmlformats.org/presentationml/2006/main">
+  <p:cSld>
+    <p:spTree>
+      <p:nvGrpSpPr>
+        <p:cNvPr id="1" name=""/>
+        <p:cNvGrpSpPr/>
+        <p:nvPr/>
+      </p:nvGrpSpPr>
+      <p:grpSpPr>
+        <a:xfrm>
+          <a:off x="0" y="0"/>
+          <a:ext cx="0" cy="0"/>
+          <a:chOff x="0" y="0"/>
+          <a:chExt cx="0" cy="0"/>
+        </a:xfrm>
+      </p:grpSpPr>
+      <p:sp>
+        <p:nvSpPr>
+          <p:cNvPr id="2" name="Title 1"/>
+          <p:cNvSpPr>
+            <a:spLocks noGrp="1"/>
+          </p:cNvSpPr>
+          <p:nvPr>
+            <p:ph type="title"/>
+          </p:nvPr>
+        </p:nvSpPr>
+        <p:spPr/>
+        <p:txBody>
+          <a:bodyPr/>
+          <a:lstStyle/>
+          <a:p>
+            <a:r>
+              <a:rPr lang="en-US" dirty="0" smtClean="0"/>
+              <a:t>Putting ACID 2.0 into practice</a:t>
+            </a:r>
+            <a:endParaRPr lang="en-US" dirty="0"/>
+          </a:p>
+        </p:txBody>
+      </p:sp>
+      <p:sp>
+        <p:nvSpPr>
+          <p:cNvPr id="3" name="Content Placeholder 2"/>
+          <p:cNvSpPr>
+            <a:spLocks noGrp="1"/>
+          </p:cNvSpPr>
+          <p:nvPr>
+            <p:ph idx="1"/>
+          </p:nvPr>
+        </p:nvSpPr>
+        <p:spPr/>
+        <p:txBody>
+          <a:bodyPr/>
+          <a:lstStyle/>
+          <a:p>
+            <a:endParaRPr lang="en-US"/>
+          </a:p>
+        </p:txBody>
+      </p:sp>
+    </p:spTree>
+    <p:extLst>
+      <p:ext uri="{BB962C8B-B14F-4D97-AF65-F5344CB8AC3E}">
+        <p14:creationId xmlns:p14="http://schemas.microsoft.com/office/powerpoint/2010/main" val="2440150099"/>
+      </p:ext>
+    </p:extLst>
+  </p:cSld>
+  <p:clrMapOvr>
+    <a:masterClrMapping/>
+  </p:clrMapOvr>
+</p:sld>
+</file>
+
+<file path=ppt/slides/slide31.xml><?xml version="1.0" encoding="utf-8"?>
+<p:sld xmlns:a="http://schemas.openxmlformats.org/drawingml/2006/main" xmlns:r="http://schemas.openxmlformats.org/officeDocument/2006/relationships" xmlns:p="http://schemas.openxmlformats.org/presentationml/2006/main">
+  <p:cSld>
+    <p:spTree>
+      <p:nvGrpSpPr>
+        <p:cNvPr id="1" name=""/>
+        <p:cNvGrpSpPr/>
+        <p:nvPr/>
+      </p:nvGrpSpPr>
+      <p:grpSpPr>
+        <a:xfrm>
+          <a:off x="0" y="0"/>
+          <a:ext cx="0" cy="0"/>
+          <a:chOff x="0" y="0"/>
+          <a:chExt cx="0" cy="0"/>
+        </a:xfrm>
+      </p:grpSpPr>
+      <p:sp>
+        <p:nvSpPr>
+          <p:cNvPr id="2" name="Title 1"/>
+          <p:cNvSpPr>
+            <a:spLocks noGrp="1"/>
+          </p:cNvSpPr>
+          <p:nvPr>
+            <p:ph type="title"/>
+          </p:nvPr>
+        </p:nvSpPr>
+        <p:spPr/>
+        <p:txBody>
+          <a:bodyPr/>
+          <a:lstStyle/>
+          <a:p>
+            <a:r>
+              <a:rPr lang="en-US" dirty="0" smtClean="0"/>
+              <a:t>Putting ACID 2.0 into practice</a:t>
+            </a:r>
+            <a:endParaRPr lang="en-US" dirty="0"/>
+          </a:p>
+        </p:txBody>
+      </p:sp>
+      <p:sp>
+        <p:nvSpPr>
+          <p:cNvPr id="3" name="Content Placeholder 2"/>
+          <p:cNvSpPr>
+            <a:spLocks noGrp="1"/>
+          </p:cNvSpPr>
+          <p:nvPr>
+            <p:ph idx="1"/>
+          </p:nvPr>
+        </p:nvSpPr>
+        <p:spPr/>
+        <p:txBody>
+          <a:bodyPr/>
+          <a:lstStyle/>
+          <a:p>
+            <a:pPr marL="514350" indent="-514350">
+              <a:buFont typeface="+mj-lt"/>
+              <a:buAutoNum type="arabicPeriod"/>
+            </a:pPr>
+            <a:r>
+              <a:rPr lang="en-US" dirty="0" smtClean="0"/>
+              <a:t>CRDTs</a:t>
+            </a:r>
+          </a:p>
+          <a:p>
+            <a:pPr marL="914400" lvl="1" indent="-514350"/>
+            <a:r>
+              <a:rPr lang="en-US" dirty="0" smtClean="0"/>
+              <a:t>A state-based approach</a:t>
+            </a:r>
+            <a:endParaRPr lang="en-US" dirty="0"/>
+          </a:p>
+          <a:p>
+            <a:pPr marL="914400" lvl="1" indent="-514350"/>
+            <a:r>
+              <a:rPr lang="en-US" dirty="0" smtClean="0"/>
+              <a:t>Keep distributed state in data structures providing only ACI methods</a:t>
+            </a:r>
+          </a:p>
+          <a:p>
+            <a:pPr marL="514350" indent="-514350">
+              <a:buFont typeface="+mj-lt"/>
+              <a:buAutoNum type="arabicPeriod"/>
+            </a:pPr>
+            <a:r>
+              <a:rPr lang="en-US" dirty="0" smtClean="0"/>
+              <a:t>Disorderly programming</a:t>
+            </a:r>
+          </a:p>
+          <a:p>
+            <a:pPr marL="914400" lvl="1" indent="-514350"/>
+            <a:r>
+              <a:rPr lang="en-US" dirty="0" smtClean="0"/>
+              <a:t>A language-based approach</a:t>
+            </a:r>
+          </a:p>
+          <a:p>
+            <a:pPr marL="914400" lvl="1" indent="-514350"/>
+            <a:r>
+              <a:rPr lang="en-US" dirty="0" smtClean="0"/>
+              <a:t>Encourage structuring computation using </a:t>
+            </a:r>
+            <a:r>
+              <a:rPr lang="en-US" dirty="0" err="1" smtClean="0"/>
+              <a:t>reorderable</a:t>
+            </a:r>
+            <a:r>
+              <a:rPr lang="en-US" dirty="0" smtClean="0"/>
+              <a:t> statements and data</a:t>
+            </a:r>
+          </a:p>
+        </p:txBody>
+      </p:sp>
+    </p:spTree>
+    <p:extLst>
+      <p:ext uri="{BB962C8B-B14F-4D97-AF65-F5344CB8AC3E}">
+        <p14:creationId xmlns:p14="http://schemas.microsoft.com/office/powerpoint/2010/main" val="829143467"/>
+      </p:ext>
+    </p:extLst>
+  </p:cSld>
+  <p:clrMapOvr>
+    <a:masterClrMapping/>
+  </p:clrMapOvr>
+</p:sld>
+</file>
+
+<file path=ppt/slides/slide32.xml><?xml version="1.0" encoding="utf-8"?>
 <p:sld xmlns:a="http://schemas.openxmlformats.org/drawingml/2006/main" xmlns:r="http://schemas.openxmlformats.org/officeDocument/2006/relationships" xmlns:p="http://schemas.openxmlformats.org/presentationml/2006/main">
   <p:cSld>
     <p:spTree>
@@ -10254,324 +10573,6 @@
 </p:sld>
 </file>
 
-<file path=ppt/slides/slide31.xml><?xml version="1.0" encoding="utf-8"?>
-<p:sld xmlns:a="http://schemas.openxmlformats.org/drawingml/2006/main" xmlns:r="http://schemas.openxmlformats.org/officeDocument/2006/relationships" xmlns:p="http://schemas.openxmlformats.org/presentationml/2006/main">
-  <p:cSld>
-    <p:spTree>
-      <p:nvGrpSpPr>
-        <p:cNvPr id="1" name=""/>
-        <p:cNvGrpSpPr/>
-        <p:nvPr/>
-      </p:nvGrpSpPr>
-      <p:grpSpPr>
-        <a:xfrm>
-          <a:off x="0" y="0"/>
-          <a:ext cx="0" cy="0"/>
-          <a:chOff x="0" y="0"/>
-          <a:chExt cx="0" cy="0"/>
-        </a:xfrm>
-      </p:grpSpPr>
-      <p:sp>
-        <p:nvSpPr>
-          <p:cNvPr id="2" name="Title 1"/>
-          <p:cNvSpPr>
-            <a:spLocks noGrp="1"/>
-          </p:cNvSpPr>
-          <p:nvPr>
-            <p:ph type="title"/>
-          </p:nvPr>
-        </p:nvSpPr>
-        <p:spPr/>
-        <p:txBody>
-          <a:bodyPr/>
-          <a:lstStyle/>
-          <a:p>
-            <a:r>
-              <a:rPr lang="en-US" dirty="0" smtClean="0"/>
-              <a:t>C(v)RDTs</a:t>
-            </a:r>
-            <a:endParaRPr lang="en-US" dirty="0"/>
-          </a:p>
-        </p:txBody>
-      </p:sp>
-      <p:sp>
-        <p:nvSpPr>
-          <p:cNvPr id="3" name="Content Placeholder 2"/>
-          <p:cNvSpPr>
-            <a:spLocks noGrp="1"/>
-          </p:cNvSpPr>
-          <p:nvPr>
-            <p:ph idx="1"/>
-          </p:nvPr>
-        </p:nvSpPr>
-        <p:spPr/>
-        <p:txBody>
-          <a:bodyPr/>
-          <a:lstStyle/>
-          <a:p>
-            <a:pPr marL="0" indent="0">
-              <a:buNone/>
-            </a:pPr>
-            <a:r>
-              <a:rPr lang="en-US" dirty="0" smtClean="0"/>
-              <a:t>Convergent</a:t>
-            </a:r>
-            <a:r>
-              <a:rPr lang="en-US" dirty="0"/>
-              <a:t> </a:t>
-            </a:r>
-            <a:r>
-              <a:rPr lang="en-US" dirty="0" smtClean="0"/>
-              <a:t>Replicated </a:t>
-            </a:r>
-            <a:r>
-              <a:rPr lang="en-US" dirty="0" err="1" smtClean="0"/>
-              <a:t>Datatypes</a:t>
-            </a:r>
-            <a:endParaRPr lang="en-US" dirty="0" smtClean="0"/>
-          </a:p>
-          <a:p>
-            <a:pPr marL="0" indent="0">
-              <a:buNone/>
-            </a:pPr>
-            <a:endParaRPr lang="en-US" dirty="0"/>
-          </a:p>
-          <a:p>
-            <a:pPr marL="0" indent="0">
-              <a:buNone/>
-            </a:pPr>
-            <a:r>
-              <a:rPr lang="en-US" dirty="0" smtClean="0"/>
-              <a:t>Idea: </a:t>
-            </a:r>
-          </a:p>
-          <a:p>
-            <a:r>
-              <a:rPr lang="en-US" dirty="0" smtClean="0"/>
-              <a:t>represent state as a join </a:t>
-            </a:r>
-            <a:r>
-              <a:rPr lang="en-US" dirty="0" err="1" smtClean="0"/>
-              <a:t>semilattice</a:t>
-            </a:r>
-            <a:r>
-              <a:rPr lang="en-US" dirty="0" smtClean="0"/>
-              <a:t>. </a:t>
-            </a:r>
-          </a:p>
-          <a:p>
-            <a:r>
-              <a:rPr lang="en-US" dirty="0" smtClean="0"/>
-              <a:t>Provide a ACI merge function </a:t>
-            </a:r>
-          </a:p>
-        </p:txBody>
-      </p:sp>
-    </p:spTree>
-    <p:extLst>
-      <p:ext uri="{BB962C8B-B14F-4D97-AF65-F5344CB8AC3E}">
-        <p14:creationId xmlns:p14="http://schemas.microsoft.com/office/powerpoint/2010/main" val="321358899"/>
-      </p:ext>
-    </p:extLst>
-  </p:cSld>
-  <p:clrMapOvr>
-    <a:masterClrMapping/>
-  </p:clrMapOvr>
-</p:sld>
-</file>
-
-<file path=ppt/slides/slide32.xml><?xml version="1.0" encoding="utf-8"?>
-<p:sld xmlns:a="http://schemas.openxmlformats.org/drawingml/2006/main" xmlns:r="http://schemas.openxmlformats.org/officeDocument/2006/relationships" xmlns:p="http://schemas.openxmlformats.org/presentationml/2006/main">
-  <p:cSld>
-    <p:spTree>
-      <p:nvGrpSpPr>
-        <p:cNvPr id="1" name=""/>
-        <p:cNvGrpSpPr/>
-        <p:nvPr/>
-      </p:nvGrpSpPr>
-      <p:grpSpPr>
-        <a:xfrm>
-          <a:off x="0" y="0"/>
-          <a:ext cx="0" cy="0"/>
-          <a:chOff x="0" y="0"/>
-          <a:chExt cx="0" cy="0"/>
-        </a:xfrm>
-      </p:grpSpPr>
-      <p:sp>
-        <p:nvSpPr>
-          <p:cNvPr id="2" name="Title 1"/>
-          <p:cNvSpPr>
-            <a:spLocks noGrp="1"/>
-          </p:cNvSpPr>
-          <p:nvPr>
-            <p:ph type="title"/>
-          </p:nvPr>
-        </p:nvSpPr>
-        <p:spPr/>
-        <p:txBody>
-          <a:bodyPr/>
-          <a:lstStyle/>
-          <a:p>
-            <a:r>
-              <a:rPr lang="en-US" dirty="0" smtClean="0"/>
-              <a:t>CRDTs</a:t>
-            </a:r>
-            <a:endParaRPr lang="en-US" dirty="0"/>
-          </a:p>
-        </p:txBody>
-      </p:sp>
-      <p:sp>
-        <p:nvSpPr>
-          <p:cNvPr id="3" name="Content Placeholder 2"/>
-          <p:cNvSpPr>
-            <a:spLocks noGrp="1"/>
-          </p:cNvSpPr>
-          <p:nvPr>
-            <p:ph idx="1"/>
-          </p:nvPr>
-        </p:nvSpPr>
-        <p:spPr/>
-        <p:txBody>
-          <a:bodyPr>
-            <a:normAutofit fontScale="85000" lnSpcReduction="20000"/>
-          </a:bodyPr>
-          <a:lstStyle/>
-          <a:p>
-            <a:pPr marL="0" indent="0">
-              <a:buNone/>
-            </a:pPr>
-            <a:r>
-              <a:rPr lang="en-US" dirty="0" smtClean="0"/>
-              <a:t>Data structures:</a:t>
-            </a:r>
-          </a:p>
-          <a:p>
-            <a:pPr marL="0" indent="0">
-              <a:buNone/>
-            </a:pPr>
-            <a:endParaRPr lang="en-US" dirty="0"/>
-          </a:p>
-          <a:p>
-            <a:pPr marL="514350" indent="-514350">
-              <a:buFont typeface="+mj-lt"/>
-              <a:buAutoNum type="arabicPeriod"/>
-            </a:pPr>
-            <a:r>
-              <a:rPr lang="en-US" dirty="0" smtClean="0"/>
-              <a:t>Grow-only set (</a:t>
-            </a:r>
-            <a:r>
-              <a:rPr lang="en-US" dirty="0" err="1" smtClean="0"/>
-              <a:t>Gset</a:t>
-            </a:r>
-            <a:r>
-              <a:rPr lang="en-US" dirty="0" smtClean="0"/>
-              <a:t>)</a:t>
-            </a:r>
-          </a:p>
-          <a:p>
-            <a:pPr marL="914400" lvl="1" indent="-514350"/>
-            <a:r>
-              <a:rPr lang="en-US" dirty="0" smtClean="0"/>
-              <a:t>Trivial – merge is union and union is commutative</a:t>
-            </a:r>
-          </a:p>
-          <a:p>
-            <a:pPr marL="514350" indent="-514350">
-              <a:buFont typeface="+mj-lt"/>
-              <a:buAutoNum type="arabicPeriod"/>
-            </a:pPr>
-            <a:r>
-              <a:rPr lang="en-US" dirty="0" smtClean="0"/>
-              <a:t>2PSet</a:t>
-            </a:r>
-          </a:p>
-          <a:p>
-            <a:pPr marL="914400" lvl="1" indent="-514350"/>
-            <a:r>
-              <a:rPr lang="en-US" dirty="0" smtClean="0"/>
-              <a:t>Two </a:t>
-            </a:r>
-            <a:r>
-              <a:rPr lang="en-US" dirty="0" err="1" smtClean="0"/>
-              <a:t>Gsets</a:t>
-            </a:r>
-            <a:r>
-              <a:rPr lang="en-US" dirty="0" smtClean="0"/>
-              <a:t> – one for adds, the other for tombstones</a:t>
-            </a:r>
-          </a:p>
-          <a:p>
-            <a:pPr marL="914400" lvl="1" indent="-514350"/>
-            <a:r>
-              <a:rPr lang="en-US" dirty="0" smtClean="0"/>
-              <a:t>Idiosyncrasy: you can only add/delete once.</a:t>
-            </a:r>
-          </a:p>
-          <a:p>
-            <a:pPr marL="514350" indent="-514350">
-              <a:buFont typeface="+mj-lt"/>
-              <a:buAutoNum type="arabicPeriod"/>
-            </a:pPr>
-            <a:r>
-              <a:rPr lang="en-US" dirty="0" smtClean="0"/>
-              <a:t>Counters</a:t>
-            </a:r>
-          </a:p>
-          <a:p>
-            <a:pPr marL="914400" lvl="1" indent="-514350">
-              <a:buFont typeface="+mj-lt"/>
-              <a:buAutoNum type="arabicPeriod"/>
-            </a:pPr>
-            <a:r>
-              <a:rPr lang="en-US" dirty="0" smtClean="0"/>
-              <a:t>Tricky!  Vector clock with an entry for each replica</a:t>
-            </a:r>
-          </a:p>
-          <a:p>
-            <a:pPr marL="914400" lvl="1" indent="-514350">
-              <a:buFont typeface="+mj-lt"/>
-              <a:buAutoNum type="arabicPeriod"/>
-            </a:pPr>
-            <a:r>
-              <a:rPr lang="en-US" dirty="0" smtClean="0"/>
-              <a:t>Increment @ replica I =&gt; VC[</a:t>
-            </a:r>
-            <a:r>
-              <a:rPr lang="en-US" dirty="0" err="1" smtClean="0"/>
-              <a:t>i</a:t>
-            </a:r>
-            <a:r>
-              <a:rPr lang="en-US" dirty="0" smtClean="0"/>
-              <a:t>] += 1</a:t>
-            </a:r>
-          </a:p>
-          <a:p>
-            <a:pPr marL="914400" lvl="1" indent="-514350">
-              <a:buFont typeface="+mj-lt"/>
-              <a:buAutoNum type="arabicPeriod"/>
-            </a:pPr>
-            <a:r>
-              <a:rPr lang="en-US" dirty="0" smtClean="0"/>
-              <a:t>Value: sum of all VC values</a:t>
-            </a:r>
-            <a:endParaRPr lang="en-US" dirty="0"/>
-          </a:p>
-        </p:txBody>
-      </p:sp>
-    </p:spTree>
-    <p:extLst>
-      <p:ext uri="{BB962C8B-B14F-4D97-AF65-F5344CB8AC3E}">
-        <p14:creationId xmlns:p14="http://schemas.microsoft.com/office/powerpoint/2010/main" val="4279908520"/>
-      </p:ext>
-    </p:extLst>
-  </p:cSld>
-  <p:clrMapOvr>
-    <a:masterClrMapping/>
-  </p:clrMapOvr>
-</p:sld>
-</file>
-
 <file path=ppt/slides/slide33.xml><?xml version="1.0" encoding="utf-8"?>
 <p:sld xmlns:a="http://schemas.openxmlformats.org/drawingml/2006/main" xmlns:r="http://schemas.openxmlformats.org/officeDocument/2006/relationships" xmlns:p="http://schemas.openxmlformats.org/presentationml/2006/main">
   <p:cSld>
@@ -10606,7 +10607,7 @@
           <a:p>
             <a:r>
               <a:rPr lang="en-US" dirty="0" smtClean="0"/>
-              <a:t>CRDTs</a:t>
+              <a:t>C(v)RDTs</a:t>
             </a:r>
             <a:endParaRPr lang="en-US" dirty="0"/>
           </a:p>
@@ -10632,8 +10633,21 @@
             </a:pPr>
             <a:r>
               <a:rPr lang="en-US" dirty="0" smtClean="0"/>
-              <a:t>Difficulties</a:t>
-            </a:r>
+              <a:t>Convergent</a:t>
+            </a:r>
+            <a:r>
+              <a:rPr lang="en-US" dirty="0"/>
+              <a:t> </a:t>
+            </a:r>
+            <a:r>
+              <a:rPr lang="en-US" dirty="0" smtClean="0"/>
+              <a:t>Replicated </a:t>
+            </a:r>
+            <a:r>
+              <a:rPr lang="en-US" dirty="0" err="1" smtClean="0"/>
+              <a:t>Datatypes</a:t>
+            </a:r>
+            <a:endParaRPr lang="en-US" dirty="0" smtClean="0"/>
           </a:p>
           <a:p>
             <a:pPr marL="0" indent="0">
@@ -10647,16 +10661,35 @@
             </a:pPr>
             <a:r>
               <a:rPr lang="en-US" dirty="0" smtClean="0"/>
-              <a:t>(scoping difficulty)</a:t>
-            </a:r>
-            <a:endParaRPr lang="en-US" dirty="0"/>
+              <a:t>Idea: </a:t>
+            </a:r>
+          </a:p>
+          <a:p>
+            <a:r>
+              <a:rPr lang="en-US" dirty="0" smtClean="0"/>
+              <a:t>represent state as a join </a:t>
+            </a:r>
+            <a:r>
+              <a:rPr lang="en-US" dirty="0" err="1" smtClean="0"/>
+              <a:t>semilattice</a:t>
+            </a:r>
+            <a:r>
+              <a:rPr lang="en-US" dirty="0" smtClean="0"/>
+              <a:t>. </a:t>
+            </a:r>
+          </a:p>
+          <a:p>
+            <a:r>
+              <a:rPr lang="en-US" dirty="0" smtClean="0"/>
+              <a:t>Provide a ACI merge function </a:t>
+            </a:r>
           </a:p>
         </p:txBody>
       </p:sp>
     </p:spTree>
     <p:extLst>
       <p:ext uri="{BB962C8B-B14F-4D97-AF65-F5344CB8AC3E}">
-        <p14:creationId xmlns:p14="http://schemas.microsoft.com/office/powerpoint/2010/main" val="2947354244"/>
+        <p14:creationId xmlns:p14="http://schemas.microsoft.com/office/powerpoint/2010/main" val="321358899"/>
       </p:ext>
     </p:extLst>
   </p:cSld>
@@ -10700,7 +10733,7 @@
           <a:p>
             <a:r>
               <a:rPr lang="en-US" dirty="0" smtClean="0"/>
-              <a:t>Disorderly programming</a:t>
+              <a:t>CRDTs</a:t>
             </a:r>
             <a:endParaRPr lang="en-US" dirty="0"/>
           </a:p>
@@ -10718,7 +10751,9 @@
         </p:nvSpPr>
         <p:spPr/>
         <p:txBody>
-          <a:bodyPr/>
+          <a:bodyPr>
+            <a:normAutofit fontScale="85000" lnSpcReduction="20000"/>
+          </a:bodyPr>
           <a:lstStyle/>
           <a:p>
             <a:pPr marL="0" indent="0">
@@ -10726,7 +10761,7 @@
             </a:pPr>
             <a:r>
               <a:rPr lang="en-US" dirty="0" smtClean="0"/>
-              <a:t>An aside about logic programming:</a:t>
+              <a:t>Data structures:</a:t>
             </a:r>
           </a:p>
           <a:p>
@@ -10736,48 +10771,109 @@
             <a:endParaRPr lang="en-US" dirty="0"/>
           </a:p>
           <a:p>
-            <a:pPr marL="0" indent="0">
-              <a:buNone/>
+            <a:pPr marL="514350" indent="-514350">
+              <a:buFont typeface="+mj-lt"/>
+              <a:buAutoNum type="arabicPeriod"/>
             </a:pPr>
             <a:r>
               <a:rPr lang="en-US" dirty="0" smtClean="0"/>
-              <a:t>In (classical) logic, theories are </a:t>
-            </a:r>
-          </a:p>
-          <a:p>
+              <a:t>Grow-only set (</a:t>
+            </a:r>
+            <a:r>
+              <a:rPr lang="en-US" dirty="0" err="1" smtClean="0"/>
+              <a:t>Gset</a:t>
+            </a:r>
             <a:r>
               <a:rPr lang="en-US" dirty="0" smtClean="0"/>
-              <a:t>Associative and commutative</a:t>
-            </a:r>
-          </a:p>
-          <a:p>
-            <a:pPr lvl="1"/>
+              <a:t>)</a:t>
+            </a:r>
+          </a:p>
+          <a:p>
+            <a:pPr marL="914400" lvl="1" indent="-514350"/>
             <a:r>
               <a:rPr lang="en-US" dirty="0" smtClean="0"/>
-              <a:t>Consequences are the same regardless of the order in which we make deductions</a:t>
-            </a:r>
-          </a:p>
-          <a:p>
+              <a:t>Trivial – merge is union and union is commutative</a:t>
+            </a:r>
+          </a:p>
+          <a:p>
+            <a:pPr marL="514350" indent="-514350">
+              <a:buFont typeface="+mj-lt"/>
+              <a:buAutoNum type="arabicPeriod"/>
+            </a:pPr>
             <a:r>
               <a:rPr lang="en-US" dirty="0" smtClean="0"/>
-              <a:t>Idempotent</a:t>
-            </a:r>
-          </a:p>
-          <a:p>
-            <a:pPr lvl="1"/>
+              <a:t>2PSet</a:t>
+            </a:r>
+          </a:p>
+          <a:p>
+            <a:pPr marL="914400" lvl="1" indent="-514350"/>
             <a:r>
               <a:rPr lang="en-US" dirty="0" smtClean="0"/>
-              <a:t>Axioms can be reiterated freely</a:t>
-            </a:r>
-          </a:p>
-          <a:p>
-            <a:pPr marL="457200" lvl="1" indent="0">
-              <a:buNone/>
+              <a:t>Two </a:t>
+            </a:r>
+            <a:r>
+              <a:rPr lang="en-US" dirty="0" err="1" smtClean="0"/>
+              <a:t>Gsets</a:t>
+            </a:r>
+            <a:r>
+              <a:rPr lang="en-US" dirty="0" smtClean="0"/>
+              <a:t> – one for adds, the other for tombstones</a:t>
+            </a:r>
+          </a:p>
+          <a:p>
+            <a:pPr marL="914400" lvl="1" indent="-514350"/>
+            <a:r>
+              <a:rPr lang="en-US" dirty="0" smtClean="0"/>
+              <a:t>Idiosyncrasy: you can only add/delete once.</a:t>
+            </a:r>
+          </a:p>
+          <a:p>
+            <a:pPr marL="514350" indent="-514350">
+              <a:buFont typeface="+mj-lt"/>
+              <a:buAutoNum type="arabicPeriod"/>
             </a:pPr>
-            <a:endParaRPr lang="en-US" dirty="0" smtClean="0"/>
-          </a:p>
-          <a:p>
-            <a:pPr lvl="1"/>
+            <a:r>
+              <a:rPr lang="en-US" dirty="0" smtClean="0"/>
+              <a:t>Counters</a:t>
+            </a:r>
+          </a:p>
+          <a:p>
+            <a:pPr marL="914400" lvl="1" indent="-514350">
+              <a:buFont typeface="+mj-lt"/>
+              <a:buAutoNum type="arabicPeriod"/>
+            </a:pPr>
+            <a:r>
+              <a:rPr lang="en-US" dirty="0" smtClean="0"/>
+              <a:t>Tricky!  Vector clock with an entry for each replica</a:t>
+            </a:r>
+          </a:p>
+          <a:p>
+            <a:pPr marL="914400" lvl="1" indent="-514350">
+              <a:buFont typeface="+mj-lt"/>
+              <a:buAutoNum type="arabicPeriod"/>
+            </a:pPr>
+            <a:r>
+              <a:rPr lang="en-US" dirty="0" smtClean="0"/>
+              <a:t>Increment @ replica I =&gt; VC[</a:t>
+            </a:r>
+            <a:r>
+              <a:rPr lang="en-US" dirty="0" err="1" smtClean="0"/>
+              <a:t>i</a:t>
+            </a:r>
+            <a:r>
+              <a:rPr lang="en-US" dirty="0" smtClean="0"/>
+              <a:t>] += 1</a:t>
+            </a:r>
+          </a:p>
+          <a:p>
+            <a:pPr marL="914400" lvl="1" indent="-514350">
+              <a:buFont typeface="+mj-lt"/>
+              <a:buAutoNum type="arabicPeriod"/>
+            </a:pPr>
+            <a:r>
+              <a:rPr lang="en-US" dirty="0" smtClean="0"/>
+              <a:t>Value: sum of all VC values</a:t>
+            </a:r>
             <a:endParaRPr lang="en-US" dirty="0"/>
           </a:p>
         </p:txBody>
@@ -10785,7 +10881,7 @@
     </p:spTree>
     <p:extLst>
       <p:ext uri="{BB962C8B-B14F-4D97-AF65-F5344CB8AC3E}">
-        <p14:creationId xmlns:p14="http://schemas.microsoft.com/office/powerpoint/2010/main" val="3275455917"/>
+        <p14:creationId xmlns:p14="http://schemas.microsoft.com/office/powerpoint/2010/main" val="4279908520"/>
       </p:ext>
     </p:extLst>
   </p:cSld>
@@ -10829,7 +10925,7 @@
           <a:p>
             <a:r>
               <a:rPr lang="en-US" dirty="0" smtClean="0"/>
-              <a:t>Disorderly programming</a:t>
+              <a:t>CRDTs</a:t>
             </a:r>
             <a:endParaRPr lang="en-US" dirty="0"/>
           </a:p>
@@ -10847,24 +10943,22 @@
         </p:nvSpPr>
         <p:spPr/>
         <p:txBody>
-          <a:bodyPr>
-            <a:normAutofit lnSpcReduction="10000"/>
-          </a:bodyPr>
+          <a:bodyPr/>
           <a:lstStyle/>
           <a:p>
             <a:pPr marL="0" indent="0">
               <a:buNone/>
             </a:pPr>
             <a:r>
-              <a:rPr lang="en-US" dirty="0"/>
-              <a:t>An aside about logic programming:</a:t>
+              <a:rPr lang="en-US" dirty="0" smtClean="0"/>
+              <a:t>Difficulties</a:t>
             </a:r>
           </a:p>
           <a:p>
             <a:pPr marL="0" indent="0">
               <a:buNone/>
             </a:pPr>
-            <a:endParaRPr lang="en-US" dirty="0" smtClean="0"/>
+            <a:endParaRPr lang="en-US" dirty="0"/>
           </a:p>
           <a:p>
             <a:pPr marL="0" indent="0">
@@ -10872,54 +10966,16 @@
             </a:pPr>
             <a:r>
               <a:rPr lang="en-US" dirty="0" smtClean="0"/>
-              <a:t>In (classical) logic, theories are Associative, Commutative, and Idempotent </a:t>
-            </a:r>
-            <a:r>
-              <a:rPr lang="en-US" i="1" dirty="0" smtClean="0"/>
-              <a:t>because</a:t>
+              <a:t>(scoping difficulty)</a:t>
             </a:r>
             <a:endParaRPr lang="en-US" dirty="0"/>
-          </a:p>
-          <a:p>
-            <a:pPr marL="0" indent="0">
-              <a:buNone/>
-            </a:pPr>
-            <a:endParaRPr lang="en-US" dirty="0" smtClean="0"/>
-          </a:p>
-          <a:p>
-            <a:pPr marL="0" indent="0">
-              <a:buNone/>
-            </a:pPr>
-            <a:r>
-              <a:rPr lang="en-US" dirty="0" smtClean="0"/>
-              <a:t>Knowledge is </a:t>
-            </a:r>
-            <a:r>
-              <a:rPr lang="en-US" i="1" dirty="0" smtClean="0"/>
-              <a:t>monotonic:</a:t>
-            </a:r>
-          </a:p>
-          <a:p>
-            <a:pPr marL="0" indent="0">
-              <a:buNone/>
-            </a:pPr>
-            <a:endParaRPr lang="en-US" i="1" dirty="0"/>
-          </a:p>
-          <a:p>
-            <a:pPr marL="0" indent="0">
-              <a:buNone/>
-            </a:pPr>
-            <a:r>
-              <a:rPr lang="en-US" i="1" dirty="0" smtClean="0"/>
-              <a:t>The more you know, the more you know</a:t>
-            </a:r>
           </a:p>
         </p:txBody>
       </p:sp>
     </p:spTree>
     <p:extLst>
       <p:ext uri="{BB962C8B-B14F-4D97-AF65-F5344CB8AC3E}">
-        <p14:creationId xmlns:p14="http://schemas.microsoft.com/office/powerpoint/2010/main" val="23523355"/>
+        <p14:creationId xmlns:p14="http://schemas.microsoft.com/office/powerpoint/2010/main" val="2947354244"/>
       </p:ext>
     </p:extLst>
   </p:cSld>
@@ -10981,48 +11037,15 @@
         </p:nvSpPr>
         <p:spPr/>
         <p:txBody>
-          <a:bodyPr>
-            <a:normAutofit/>
-          </a:bodyPr>
+          <a:bodyPr/>
           <a:lstStyle/>
           <a:p>
             <a:pPr marL="0" indent="0">
               <a:buNone/>
             </a:pPr>
             <a:r>
-              <a:rPr lang="en-US" dirty="0"/>
+              <a:rPr lang="en-US" dirty="0" smtClean="0"/>
               <a:t>An aside about logic programming:</a:t>
-            </a:r>
-          </a:p>
-          <a:p>
-            <a:pPr marL="0" indent="0">
-              <a:buNone/>
-            </a:pPr>
-            <a:endParaRPr lang="en-US" dirty="0" smtClean="0"/>
-          </a:p>
-          <a:p>
-            <a:pPr marL="0" indent="0">
-              <a:buNone/>
-            </a:pPr>
-            <a:r>
-              <a:rPr lang="en-US" dirty="0" smtClean="0"/>
-              <a:t>It is challenging to even </a:t>
-            </a:r>
-            <a:r>
-              <a:rPr lang="en-US" i="1" dirty="0" smtClean="0"/>
-              <a:t>talk</a:t>
-            </a:r>
-            <a:r>
-              <a:rPr lang="en-US" dirty="0" smtClean="0"/>
-              <a:t> about order in logic programming languages [</a:t>
-            </a:r>
-            <a:r>
-              <a:rPr lang="en-US" dirty="0" err="1" smtClean="0"/>
-              <a:t>dedalus</a:t>
-            </a:r>
-            <a:r>
-              <a:rPr lang="en-US" dirty="0" smtClean="0"/>
-              <a:t>].</a:t>
             </a:r>
           </a:p>
           <a:p>
@@ -11037,16 +11060,51 @@
             </a:pPr>
             <a:r>
               <a:rPr lang="en-US" dirty="0" smtClean="0"/>
-              <a:t>Yet we can build … </a:t>
-            </a:r>
-            <a:endParaRPr lang="en-US" i="1" dirty="0" smtClean="0"/>
+              <a:t>In (classical) logic, theories are </a:t>
+            </a:r>
+          </a:p>
+          <a:p>
+            <a:r>
+              <a:rPr lang="en-US" dirty="0" smtClean="0"/>
+              <a:t>Associative and commutative</a:t>
+            </a:r>
+          </a:p>
+          <a:p>
+            <a:pPr lvl="1"/>
+            <a:r>
+              <a:rPr lang="en-US" dirty="0" smtClean="0"/>
+              <a:t>Consequences are the same regardless of the order in which we make deductions</a:t>
+            </a:r>
+          </a:p>
+          <a:p>
+            <a:r>
+              <a:rPr lang="en-US" dirty="0" smtClean="0"/>
+              <a:t>Idempotent</a:t>
+            </a:r>
+          </a:p>
+          <a:p>
+            <a:pPr lvl="1"/>
+            <a:r>
+              <a:rPr lang="en-US" dirty="0" smtClean="0"/>
+              <a:t>Axioms can be reiterated freely</a:t>
+            </a:r>
+          </a:p>
+          <a:p>
+            <a:pPr marL="457200" lvl="1" indent="0">
+              <a:buNone/>
+            </a:pPr>
+            <a:endParaRPr lang="en-US" dirty="0" smtClean="0"/>
+          </a:p>
+          <a:p>
+            <a:pPr lvl="1"/>
+            <a:endParaRPr lang="en-US" dirty="0"/>
           </a:p>
         </p:txBody>
       </p:sp>
     </p:spTree>
     <p:extLst>
       <p:ext uri="{BB962C8B-B14F-4D97-AF65-F5344CB8AC3E}">
-        <p14:creationId xmlns:p14="http://schemas.microsoft.com/office/powerpoint/2010/main" val="1794628599"/>
+        <p14:creationId xmlns:p14="http://schemas.microsoft.com/office/powerpoint/2010/main" val="3275455917"/>
       </p:ext>
     </p:extLst>
   </p:cSld>
@@ -11090,15 +11148,7 @@
           <a:p>
             <a:r>
               <a:rPr lang="en-US" dirty="0" smtClean="0"/>
-              <a:t>Disorderly </a:t>
-            </a:r>
-            <a:r>
-              <a:rPr lang="en-US" dirty="0"/>
-              <a:t>p</a:t>
-            </a:r>
-            <a:r>
-              <a:rPr lang="en-US" dirty="0" smtClean="0"/>
-              <a:t>rogramming</a:t>
+              <a:t>Disorderly programming</a:t>
             </a:r>
             <a:endParaRPr lang="en-US" dirty="0"/>
           </a:p>
@@ -11116,22 +11166,24 @@
         </p:nvSpPr>
         <p:spPr/>
         <p:txBody>
-          <a:bodyPr/>
+          <a:bodyPr>
+            <a:normAutofit lnSpcReduction="10000"/>
+          </a:bodyPr>
           <a:lstStyle/>
           <a:p>
             <a:pPr marL="0" indent="0">
               <a:buNone/>
             </a:pPr>
             <a:r>
-              <a:rPr lang="en-US" dirty="0" smtClean="0"/>
-              <a:t>Idea: embody the ACID 2.0  design patterns in how we structure distributed programs.</a:t>
+              <a:rPr lang="en-US" dirty="0"/>
+              <a:t>An aside about logic programming:</a:t>
             </a:r>
           </a:p>
           <a:p>
             <a:pPr marL="0" indent="0">
               <a:buNone/>
             </a:pPr>
-            <a:endParaRPr lang="en-US" dirty="0"/>
+            <a:endParaRPr lang="en-US" dirty="0" smtClean="0"/>
           </a:p>
           <a:p>
             <a:pPr marL="0" indent="0">
@@ -11139,25 +11191,54 @@
             </a:pPr>
             <a:r>
               <a:rPr lang="en-US" dirty="0" smtClean="0"/>
-              <a:t>Disorderly data: unordered relations</a:t>
-            </a:r>
+              <a:t>In (classical) logic, theories are Associative, Commutative, and Idempotent </a:t>
+            </a:r>
+            <a:r>
+              <a:rPr lang="en-US" i="1" dirty="0" smtClean="0"/>
+              <a:t>because</a:t>
+            </a:r>
+            <a:endParaRPr lang="en-US" dirty="0"/>
           </a:p>
           <a:p>
             <a:pPr marL="0" indent="0">
               <a:buNone/>
             </a:pPr>
+            <a:endParaRPr lang="en-US" dirty="0" smtClean="0"/>
+          </a:p>
+          <a:p>
+            <a:pPr marL="0" indent="0">
+              <a:buNone/>
+            </a:pPr>
             <a:r>
               <a:rPr lang="en-US" dirty="0" smtClean="0"/>
-              <a:t>Disorderly code: specify how data changes over time</a:t>
-            </a:r>
-            <a:endParaRPr lang="en-US" dirty="0"/>
+              <a:t>Knowledge is </a:t>
+            </a:r>
+            <a:r>
+              <a:rPr lang="en-US" i="1" dirty="0" smtClean="0"/>
+              <a:t>monotonic:</a:t>
+            </a:r>
+          </a:p>
+          <a:p>
+            <a:pPr marL="0" indent="0">
+              <a:buNone/>
+            </a:pPr>
+            <a:endParaRPr lang="en-US" i="1" dirty="0"/>
+          </a:p>
+          <a:p>
+            <a:pPr marL="0" indent="0">
+              <a:buNone/>
+            </a:pPr>
+            <a:r>
+              <a:rPr lang="en-US" i="1" dirty="0" smtClean="0"/>
+              <a:t>The more you know, the more you know</a:t>
+            </a:r>
           </a:p>
         </p:txBody>
       </p:sp>
     </p:spTree>
     <p:extLst>
       <p:ext uri="{BB962C8B-B14F-4D97-AF65-F5344CB8AC3E}">
-        <p14:creationId xmlns:p14="http://schemas.microsoft.com/office/powerpoint/2010/main" val="4171936338"/>
+        <p14:creationId xmlns:p14="http://schemas.microsoft.com/office/powerpoint/2010/main" val="23523355"/>
       </p:ext>
     </p:extLst>
   </p:cSld>
@@ -11201,6 +11282,353 @@
           <a:p>
             <a:r>
               <a:rPr lang="en-US" dirty="0" smtClean="0"/>
+              <a:t>Disorderly programming</a:t>
+            </a:r>
+            <a:endParaRPr lang="en-US" dirty="0"/>
+          </a:p>
+        </p:txBody>
+      </p:sp>
+      <p:sp>
+        <p:nvSpPr>
+          <p:cNvPr id="3" name="Content Placeholder 2"/>
+          <p:cNvSpPr>
+            <a:spLocks noGrp="1"/>
+          </p:cNvSpPr>
+          <p:nvPr>
+            <p:ph idx="1"/>
+          </p:nvPr>
+        </p:nvSpPr>
+        <p:spPr/>
+        <p:txBody>
+          <a:bodyPr>
+            <a:normAutofit/>
+          </a:bodyPr>
+          <a:lstStyle/>
+          <a:p>
+            <a:pPr marL="0" indent="0">
+              <a:buNone/>
+            </a:pPr>
+            <a:r>
+              <a:rPr lang="en-US" dirty="0"/>
+              <a:t>An aside about logic programming:</a:t>
+            </a:r>
+          </a:p>
+          <a:p>
+            <a:pPr marL="0" indent="0">
+              <a:buNone/>
+            </a:pPr>
+            <a:endParaRPr lang="en-US" dirty="0" smtClean="0"/>
+          </a:p>
+          <a:p>
+            <a:pPr marL="0" indent="0">
+              <a:buNone/>
+            </a:pPr>
+            <a:r>
+              <a:rPr lang="en-US" dirty="0" smtClean="0"/>
+              <a:t>It is challenging to even </a:t>
+            </a:r>
+            <a:r>
+              <a:rPr lang="en-US" i="1" dirty="0" smtClean="0"/>
+              <a:t>talk</a:t>
+            </a:r>
+            <a:r>
+              <a:rPr lang="en-US" dirty="0" smtClean="0"/>
+              <a:t> about order in logic programming languages [</a:t>
+            </a:r>
+            <a:r>
+              <a:rPr lang="en-US" dirty="0" err="1" smtClean="0"/>
+              <a:t>dedalus</a:t>
+            </a:r>
+            <a:r>
+              <a:rPr lang="en-US" dirty="0" smtClean="0"/>
+              <a:t>].</a:t>
+            </a:r>
+          </a:p>
+          <a:p>
+            <a:pPr marL="0" indent="0">
+              <a:buNone/>
+            </a:pPr>
+            <a:endParaRPr lang="en-US" dirty="0"/>
+          </a:p>
+          <a:p>
+            <a:pPr marL="0" indent="0">
+              <a:buNone/>
+            </a:pPr>
+            <a:r>
+              <a:rPr lang="en-US" dirty="0" smtClean="0"/>
+              <a:t>Yet we can build … </a:t>
+            </a:r>
+            <a:endParaRPr lang="en-US" i="1" dirty="0" smtClean="0"/>
+          </a:p>
+        </p:txBody>
+      </p:sp>
+    </p:spTree>
+    <p:extLst>
+      <p:ext uri="{BB962C8B-B14F-4D97-AF65-F5344CB8AC3E}">
+        <p14:creationId xmlns:p14="http://schemas.microsoft.com/office/powerpoint/2010/main" val="1794628599"/>
+      </p:ext>
+    </p:extLst>
+  </p:cSld>
+  <p:clrMapOvr>
+    <a:masterClrMapping/>
+  </p:clrMapOvr>
+</p:sld>
+</file>
+
+<file path=ppt/slides/slide39.xml><?xml version="1.0" encoding="utf-8"?>
+<p:sld xmlns:a="http://schemas.openxmlformats.org/drawingml/2006/main" xmlns:r="http://schemas.openxmlformats.org/officeDocument/2006/relationships" xmlns:p="http://schemas.openxmlformats.org/presentationml/2006/main">
+  <p:cSld>
+    <p:spTree>
+      <p:nvGrpSpPr>
+        <p:cNvPr id="1" name=""/>
+        <p:cNvGrpSpPr/>
+        <p:nvPr/>
+      </p:nvGrpSpPr>
+      <p:grpSpPr>
+        <a:xfrm>
+          <a:off x="0" y="0"/>
+          <a:ext cx="0" cy="0"/>
+          <a:chOff x="0" y="0"/>
+          <a:chExt cx="0" cy="0"/>
+        </a:xfrm>
+      </p:grpSpPr>
+      <p:sp>
+        <p:nvSpPr>
+          <p:cNvPr id="2" name="Title 1"/>
+          <p:cNvSpPr>
+            <a:spLocks noGrp="1"/>
+          </p:cNvSpPr>
+          <p:nvPr>
+            <p:ph type="title"/>
+          </p:nvPr>
+        </p:nvSpPr>
+        <p:spPr/>
+        <p:txBody>
+          <a:bodyPr/>
+          <a:lstStyle/>
+          <a:p>
+            <a:r>
+              <a:rPr lang="en-US" dirty="0" smtClean="0"/>
+              <a:t>Disorderly </a:t>
+            </a:r>
+            <a:r>
+              <a:rPr lang="en-US" dirty="0"/>
+              <a:t>p</a:t>
+            </a:r>
+            <a:r>
+              <a:rPr lang="en-US" dirty="0" smtClean="0"/>
+              <a:t>rogramming</a:t>
+            </a:r>
+            <a:endParaRPr lang="en-US" dirty="0"/>
+          </a:p>
+        </p:txBody>
+      </p:sp>
+      <p:sp>
+        <p:nvSpPr>
+          <p:cNvPr id="3" name="Content Placeholder 2"/>
+          <p:cNvSpPr>
+            <a:spLocks noGrp="1"/>
+          </p:cNvSpPr>
+          <p:nvPr>
+            <p:ph idx="1"/>
+          </p:nvPr>
+        </p:nvSpPr>
+        <p:spPr/>
+        <p:txBody>
+          <a:bodyPr/>
+          <a:lstStyle/>
+          <a:p>
+            <a:pPr marL="0" indent="0">
+              <a:buNone/>
+            </a:pPr>
+            <a:r>
+              <a:rPr lang="en-US" dirty="0" smtClean="0"/>
+              <a:t>Idea: embody the ACID 2.0  design patterns in how we structure distributed programs.</a:t>
+            </a:r>
+          </a:p>
+          <a:p>
+            <a:pPr marL="0" indent="0">
+              <a:buNone/>
+            </a:pPr>
+            <a:endParaRPr lang="en-US" dirty="0"/>
+          </a:p>
+          <a:p>
+            <a:pPr marL="0" indent="0">
+              <a:buNone/>
+            </a:pPr>
+            <a:r>
+              <a:rPr lang="en-US" dirty="0" smtClean="0"/>
+              <a:t>Disorderly data: unordered relations</a:t>
+            </a:r>
+          </a:p>
+          <a:p>
+            <a:pPr marL="0" indent="0">
+              <a:buNone/>
+            </a:pPr>
+            <a:r>
+              <a:rPr lang="en-US" dirty="0" smtClean="0"/>
+              <a:t>Disorderly code: specify how data changes over time</a:t>
+            </a:r>
+            <a:endParaRPr lang="en-US" dirty="0"/>
+          </a:p>
+        </p:txBody>
+      </p:sp>
+    </p:spTree>
+    <p:extLst>
+      <p:ext uri="{BB962C8B-B14F-4D97-AF65-F5344CB8AC3E}">
+        <p14:creationId xmlns:p14="http://schemas.microsoft.com/office/powerpoint/2010/main" val="4171936338"/>
+      </p:ext>
+    </p:extLst>
+  </p:cSld>
+  <p:clrMapOvr>
+    <a:masterClrMapping/>
+  </p:clrMapOvr>
+</p:sld>
+</file>
+
+<file path=ppt/slides/slide4.xml><?xml version="1.0" encoding="utf-8"?>
+<p:sld xmlns:a="http://schemas.openxmlformats.org/drawingml/2006/main" xmlns:r="http://schemas.openxmlformats.org/officeDocument/2006/relationships" xmlns:p="http://schemas.openxmlformats.org/presentationml/2006/main">
+  <p:cSld>
+    <p:spTree>
+      <p:nvGrpSpPr>
+        <p:cNvPr id="1" name=""/>
+        <p:cNvGrpSpPr/>
+        <p:nvPr/>
+      </p:nvGrpSpPr>
+      <p:grpSpPr>
+        <a:xfrm>
+          <a:off x="0" y="0"/>
+          <a:ext cx="0" cy="0"/>
+          <a:chOff x="0" y="0"/>
+          <a:chExt cx="0" cy="0"/>
+        </a:xfrm>
+      </p:grpSpPr>
+      <p:sp>
+        <p:nvSpPr>
+          <p:cNvPr id="2" name="Title 1"/>
+          <p:cNvSpPr>
+            <a:spLocks noGrp="1"/>
+          </p:cNvSpPr>
+          <p:nvPr>
+            <p:ph type="title"/>
+          </p:nvPr>
+        </p:nvSpPr>
+        <p:spPr/>
+        <p:txBody>
+          <a:bodyPr>
+            <a:normAutofit fontScale="90000"/>
+          </a:bodyPr>
+          <a:lstStyle/>
+          <a:p>
+            <a:r>
+              <a:rPr lang="en-US" dirty="0" smtClean="0"/>
+              <a:t>Context: replicated distributed systems </a:t>
+            </a:r>
+            <a:endParaRPr lang="en-US" dirty="0"/>
+          </a:p>
+        </p:txBody>
+      </p:sp>
+      <p:sp>
+        <p:nvSpPr>
+          <p:cNvPr id="3" name="Content Placeholder 2"/>
+          <p:cNvSpPr>
+            <a:spLocks noGrp="1"/>
+          </p:cNvSpPr>
+          <p:nvPr>
+            <p:ph idx="1"/>
+          </p:nvPr>
+        </p:nvSpPr>
+        <p:spPr/>
+        <p:txBody>
+          <a:bodyPr/>
+          <a:lstStyle/>
+          <a:p>
+            <a:pPr marL="0" indent="0">
+              <a:buNone/>
+            </a:pPr>
+            <a:endParaRPr lang="en-US" dirty="0"/>
+          </a:p>
+          <a:p>
+            <a:pPr marL="0" indent="0">
+              <a:buNone/>
+            </a:pPr>
+            <a:r>
+              <a:rPr lang="en-US" dirty="0" smtClean="0"/>
+              <a:t>Distributed: connected (but not always, or well)</a:t>
+            </a:r>
+          </a:p>
+          <a:p>
+            <a:pPr marL="0" indent="0">
+              <a:buNone/>
+            </a:pPr>
+            <a:endParaRPr lang="en-US" dirty="0"/>
+          </a:p>
+          <a:p>
+            <a:pPr marL="0" indent="0">
+              <a:buNone/>
+            </a:pPr>
+            <a:r>
+              <a:rPr lang="en-US" dirty="0" smtClean="0"/>
+              <a:t>Replicated: redundant data</a:t>
+            </a:r>
+            <a:endParaRPr lang="en-US" dirty="0"/>
+          </a:p>
+        </p:txBody>
+      </p:sp>
+    </p:spTree>
+    <p:extLst>
+      <p:ext uri="{BB962C8B-B14F-4D97-AF65-F5344CB8AC3E}">
+        <p14:creationId xmlns:p14="http://schemas.microsoft.com/office/powerpoint/2010/main" val="3795045071"/>
+      </p:ext>
+    </p:extLst>
+  </p:cSld>
+  <p:clrMapOvr>
+    <a:masterClrMapping/>
+  </p:clrMapOvr>
+  <p:timing>
+    <p:tnLst>
+      <p:par>
+        <p:cTn xmlns:p14="http://schemas.microsoft.com/office/powerpoint/2010/main" id="1" dur="indefinite" restart="never" nodeType="tmRoot"/>
+      </p:par>
+    </p:tnLst>
+  </p:timing>
+</p:sld>
+</file>
+
+<file path=ppt/slides/slide40.xml><?xml version="1.0" encoding="utf-8"?>
+<p:sld xmlns:a="http://schemas.openxmlformats.org/drawingml/2006/main" xmlns:r="http://schemas.openxmlformats.org/officeDocument/2006/relationships" xmlns:p="http://schemas.openxmlformats.org/presentationml/2006/main">
+  <p:cSld>
+    <p:spTree>
+      <p:nvGrpSpPr>
+        <p:cNvPr id="1" name=""/>
+        <p:cNvGrpSpPr/>
+        <p:nvPr/>
+      </p:nvGrpSpPr>
+      <p:grpSpPr>
+        <a:xfrm>
+          <a:off x="0" y="0"/>
+          <a:ext cx="0" cy="0"/>
+          <a:chOff x="0" y="0"/>
+          <a:chExt cx="0" cy="0"/>
+        </a:xfrm>
+      </p:grpSpPr>
+      <p:sp>
+        <p:nvSpPr>
+          <p:cNvPr id="2" name="Title 1"/>
+          <p:cNvSpPr>
+            <a:spLocks noGrp="1"/>
+          </p:cNvSpPr>
+          <p:nvPr>
+            <p:ph type="title"/>
+          </p:nvPr>
+        </p:nvSpPr>
+        <p:spPr/>
+        <p:txBody>
+          <a:bodyPr/>
+          <a:lstStyle/>
+          <a:p>
+            <a:r>
+              <a:rPr lang="en-US" dirty="0" smtClean="0"/>
               <a:t>Bloom</a:t>
             </a:r>
             <a:endParaRPr lang="en-US" dirty="0"/>
@@ -11239,7 +11667,7 @@
 </p:sld>
 </file>
 
-<file path=ppt/slides/slide39.xml><?xml version="1.0" encoding="utf-8"?>
+<file path=ppt/slides/slide41.xml><?xml version="1.0" encoding="utf-8"?>
 <p:sld xmlns:a="http://schemas.openxmlformats.org/drawingml/2006/main" xmlns:r="http://schemas.openxmlformats.org/officeDocument/2006/relationships" xmlns:p="http://schemas.openxmlformats.org/presentationml/2006/main">
   <p:cSld>
     <p:spTree>
@@ -12215,116 +12643,7 @@
 </p:sld>
 </file>
 
-<file path=ppt/slides/slide4.xml><?xml version="1.0" encoding="utf-8"?>
-<p:sld xmlns:a="http://schemas.openxmlformats.org/drawingml/2006/main" xmlns:r="http://schemas.openxmlformats.org/officeDocument/2006/relationships" xmlns:p="http://schemas.openxmlformats.org/presentationml/2006/main">
-  <p:cSld>
-    <p:spTree>
-      <p:nvGrpSpPr>
-        <p:cNvPr id="1" name=""/>
-        <p:cNvGrpSpPr/>
-        <p:nvPr/>
-      </p:nvGrpSpPr>
-      <p:grpSpPr>
-        <a:xfrm>
-          <a:off x="0" y="0"/>
-          <a:ext cx="0" cy="0"/>
-          <a:chOff x="0" y="0"/>
-          <a:chExt cx="0" cy="0"/>
-        </a:xfrm>
-      </p:grpSpPr>
-      <p:sp>
-        <p:nvSpPr>
-          <p:cNvPr id="2" name="Title 1"/>
-          <p:cNvSpPr>
-            <a:spLocks noGrp="1"/>
-          </p:cNvSpPr>
-          <p:nvPr>
-            <p:ph type="title"/>
-          </p:nvPr>
-        </p:nvSpPr>
-        <p:spPr/>
-        <p:txBody>
-          <a:bodyPr>
-            <a:normAutofit fontScale="90000"/>
-          </a:bodyPr>
-          <a:lstStyle/>
-          <a:p>
-            <a:r>
-              <a:rPr lang="en-US" dirty="0" smtClean="0"/>
-              <a:t>Context: replicated distributed systems </a:t>
-            </a:r>
-            <a:endParaRPr lang="en-US" dirty="0"/>
-          </a:p>
-        </p:txBody>
-      </p:sp>
-      <p:sp>
-        <p:nvSpPr>
-          <p:cNvPr id="3" name="Content Placeholder 2"/>
-          <p:cNvSpPr>
-            <a:spLocks noGrp="1"/>
-          </p:cNvSpPr>
-          <p:nvPr>
-            <p:ph idx="1"/>
-          </p:nvPr>
-        </p:nvSpPr>
-        <p:spPr/>
-        <p:txBody>
-          <a:bodyPr/>
-          <a:lstStyle/>
-          <a:p>
-            <a:pPr marL="0" indent="0">
-              <a:buNone/>
-            </a:pPr>
-            <a:endParaRPr lang="en-US" dirty="0"/>
-          </a:p>
-          <a:p>
-            <a:pPr marL="0" indent="0">
-              <a:buNone/>
-            </a:pPr>
-            <a:r>
-              <a:rPr lang="en-US" dirty="0" smtClean="0"/>
-              <a:t>Distributed: connected (but not always, or well)</a:t>
-            </a:r>
-          </a:p>
-          <a:p>
-            <a:pPr marL="0" indent="0">
-              <a:buNone/>
-            </a:pPr>
-            <a:endParaRPr lang="en-US" dirty="0"/>
-          </a:p>
-          <a:p>
-            <a:pPr marL="0" indent="0">
-              <a:buNone/>
-            </a:pPr>
-            <a:r>
-              <a:rPr lang="en-US" dirty="0" smtClean="0"/>
-              <a:t>Replicated: redundant data</a:t>
-            </a:r>
-            <a:endParaRPr lang="en-US" dirty="0"/>
-          </a:p>
-        </p:txBody>
-      </p:sp>
-    </p:spTree>
-    <p:extLst>
-      <p:ext uri="{BB962C8B-B14F-4D97-AF65-F5344CB8AC3E}">
-        <p14:creationId xmlns:p14="http://schemas.microsoft.com/office/powerpoint/2010/main" val="3795045071"/>
-      </p:ext>
-    </p:extLst>
-  </p:cSld>
-  <p:clrMapOvr>
-    <a:masterClrMapping/>
-  </p:clrMapOvr>
-  <p:timing>
-    <p:tnLst>
-      <p:par>
-        <p:cTn xmlns:p14="http://schemas.microsoft.com/office/powerpoint/2010/main" id="1" dur="indefinite" restart="never" nodeType="tmRoot"/>
-      </p:par>
-    </p:tnLst>
-  </p:timing>
-</p:sld>
-</file>
-
-<file path=ppt/slides/slide40.xml><?xml version="1.0" encoding="utf-8"?>
+<file path=ppt/slides/slide42.xml><?xml version="1.0" encoding="utf-8"?>
 <p:sld xmlns:a="http://schemas.openxmlformats.org/drawingml/2006/main" xmlns:r="http://schemas.openxmlformats.org/officeDocument/2006/relationships" xmlns:p="http://schemas.openxmlformats.org/presentationml/2006/main">
   <p:cSld>
     <p:spTree>
@@ -12414,7 +12733,7 @@
 </p:sld>
 </file>
 
-<file path=ppt/slides/slide41.xml><?xml version="1.0" encoding="utf-8"?>
+<file path=ppt/slides/slide43.xml><?xml version="1.0" encoding="utf-8"?>
 <p:sld xmlns:a="http://schemas.openxmlformats.org/drawingml/2006/main" xmlns:r="http://schemas.openxmlformats.org/officeDocument/2006/relationships" xmlns:p="http://schemas.openxmlformats.org/presentationml/2006/main">
   <p:cSld>
     <p:spTree>
@@ -12592,7 +12911,7 @@
 </p:sld>
 </file>
 
-<file path=ppt/slides/slide42.xml><?xml version="1.0" encoding="utf-8"?>
+<file path=ppt/slides/slide44.xml><?xml version="1.0" encoding="utf-8"?>
 <p:sld xmlns:a="http://schemas.openxmlformats.org/drawingml/2006/main" xmlns:r="http://schemas.openxmlformats.org/officeDocument/2006/relationships" xmlns:p="http://schemas.openxmlformats.org/presentationml/2006/main">
   <p:cSld>
     <p:spTree>
@@ -13506,7 +13825,7 @@
 </p:sld>
 </file>
 
-<file path=ppt/slides/slide43.xml><?xml version="1.0" encoding="utf-8"?>
+<file path=ppt/slides/slide45.xml><?xml version="1.0" encoding="utf-8"?>
 <p:sld xmlns:a="http://schemas.openxmlformats.org/drawingml/2006/main" xmlns:r="http://schemas.openxmlformats.org/officeDocument/2006/relationships" xmlns:p="http://schemas.openxmlformats.org/presentationml/2006/main">
   <p:cSld>
     <p:spTree>
@@ -13693,7 +14012,7 @@
 </p:sld>
 </file>
 
-<file path=ppt/slides/slide44.xml><?xml version="1.0" encoding="utf-8"?>
+<file path=ppt/slides/slide46.xml><?xml version="1.0" encoding="utf-8"?>
 <p:sld xmlns:a="http://schemas.openxmlformats.org/drawingml/2006/main" xmlns:r="http://schemas.openxmlformats.org/officeDocument/2006/relationships" xmlns:p="http://schemas.openxmlformats.org/presentationml/2006/main">
   <p:cSld>
     <p:spTree>
@@ -14787,7 +15106,7 @@
 </p:sld>
 </file>
 
-<file path=ppt/slides/slide45.xml><?xml version="1.0" encoding="utf-8"?>
+<file path=ppt/slides/slide47.xml><?xml version="1.0" encoding="utf-8"?>
 <p:sld xmlns:a="http://schemas.openxmlformats.org/drawingml/2006/main" xmlns:r="http://schemas.openxmlformats.org/officeDocument/2006/relationships" xmlns:p="http://schemas.openxmlformats.org/presentationml/2006/main">
   <p:cSld>
     <p:spTree>
@@ -15644,7 +15963,7 @@
 </p:sld>
 </file>
 
-<file path=ppt/slides/slide46.xml><?xml version="1.0" encoding="utf-8"?>
+<file path=ppt/slides/slide48.xml><?xml version="1.0" encoding="utf-8"?>
 <p:sld xmlns:a="http://schemas.openxmlformats.org/drawingml/2006/main" xmlns:r="http://schemas.openxmlformats.org/officeDocument/2006/relationships" xmlns:p="http://schemas.openxmlformats.org/presentationml/2006/main">
   <p:cSld>
     <p:spTree>
@@ -17141,7 +17460,7 @@
 </p:sld>
 </file>
 
-<file path=ppt/slides/slide47.xml><?xml version="1.0" encoding="utf-8"?>
+<file path=ppt/slides/slide49.xml><?xml version="1.0" encoding="utf-8"?>
 <p:sld xmlns:a="http://schemas.openxmlformats.org/drawingml/2006/main" xmlns:r="http://schemas.openxmlformats.org/officeDocument/2006/relationships" xmlns:p="http://schemas.openxmlformats.org/presentationml/2006/main">
   <p:cSld>
     <p:spTree>
@@ -18202,7 +18521,82 @@
 </p:sld>
 </file>
 
-<file path=ppt/slides/slide48.xml><?xml version="1.0" encoding="utf-8"?>
+<file path=ppt/slides/slide5.xml><?xml version="1.0" encoding="utf-8"?>
+<p:sld xmlns:a="http://schemas.openxmlformats.org/drawingml/2006/main" xmlns:r="http://schemas.openxmlformats.org/officeDocument/2006/relationships" xmlns:p="http://schemas.openxmlformats.org/presentationml/2006/main">
+  <p:cSld>
+    <p:spTree>
+      <p:nvGrpSpPr>
+        <p:cNvPr id="1" name=""/>
+        <p:cNvGrpSpPr/>
+        <p:nvPr/>
+      </p:nvGrpSpPr>
+      <p:grpSpPr>
+        <a:xfrm>
+          <a:off x="0" y="0"/>
+          <a:ext cx="0" cy="0"/>
+          <a:chOff x="0" y="0"/>
+          <a:chExt cx="0" cy="0"/>
+        </a:xfrm>
+      </p:grpSpPr>
+      <p:sp>
+        <p:nvSpPr>
+          <p:cNvPr id="2" name="Title 1"/>
+          <p:cNvSpPr>
+            <a:spLocks noGrp="1"/>
+          </p:cNvSpPr>
+          <p:nvPr>
+            <p:ph type="title"/>
+          </p:nvPr>
+        </p:nvSpPr>
+        <p:spPr/>
+        <p:txBody>
+          <a:bodyPr/>
+          <a:lstStyle/>
+          <a:p>
+            <a:endParaRPr lang="en-US"/>
+          </a:p>
+        </p:txBody>
+      </p:sp>
+      <p:sp>
+        <p:nvSpPr>
+          <p:cNvPr id="3" name="Content Placeholder 2"/>
+          <p:cNvSpPr>
+            <a:spLocks noGrp="1"/>
+          </p:cNvSpPr>
+          <p:nvPr>
+            <p:ph idx="1"/>
+          </p:nvPr>
+        </p:nvSpPr>
+        <p:spPr/>
+        <p:txBody>
+          <a:bodyPr/>
+          <a:lstStyle/>
+          <a:p>
+            <a:endParaRPr lang="en-US"/>
+          </a:p>
+        </p:txBody>
+      </p:sp>
+    </p:spTree>
+    <p:extLst>
+      <p:ext uri="{BB962C8B-B14F-4D97-AF65-F5344CB8AC3E}">
+        <p14:creationId xmlns:p14="http://schemas.microsoft.com/office/powerpoint/2010/main" val="1309378901"/>
+      </p:ext>
+    </p:extLst>
+  </p:cSld>
+  <p:clrMapOvr>
+    <a:masterClrMapping/>
+  </p:clrMapOvr>
+  <p:timing>
+    <p:tnLst>
+      <p:par>
+        <p:cTn xmlns:p14="http://schemas.microsoft.com/office/powerpoint/2010/main" id="1" dur="indefinite" restart="never" nodeType="tmRoot"/>
+      </p:par>
+    </p:tnLst>
+  </p:timing>
+</p:sld>
+</file>
+
+<file path=ppt/slides/slide50.xml><?xml version="1.0" encoding="utf-8"?>
 <p:sld xmlns:a="http://schemas.openxmlformats.org/drawingml/2006/main" xmlns:r="http://schemas.openxmlformats.org/officeDocument/2006/relationships" xmlns:p="http://schemas.openxmlformats.org/presentationml/2006/main">
   <p:cSld>
     <p:spTree>
@@ -19705,7 +20099,7 @@
 </p:sld>
 </file>
 
-<file path=ppt/slides/slide49.xml><?xml version="1.0" encoding="utf-8"?>
+<file path=ppt/slides/slide51.xml><?xml version="1.0" encoding="utf-8"?>
 <p:sld xmlns:a="http://schemas.openxmlformats.org/drawingml/2006/main" xmlns:r="http://schemas.openxmlformats.org/officeDocument/2006/relationships" xmlns:p="http://schemas.openxmlformats.org/presentationml/2006/main">
   <p:cSld>
     <p:spTree>
@@ -19822,82 +20216,7 @@
 </p:sld>
 </file>
 
-<file path=ppt/slides/slide5.xml><?xml version="1.0" encoding="utf-8"?>
-<p:sld xmlns:a="http://schemas.openxmlformats.org/drawingml/2006/main" xmlns:r="http://schemas.openxmlformats.org/officeDocument/2006/relationships" xmlns:p="http://schemas.openxmlformats.org/presentationml/2006/main">
-  <p:cSld>
-    <p:spTree>
-      <p:nvGrpSpPr>
-        <p:cNvPr id="1" name=""/>
-        <p:cNvGrpSpPr/>
-        <p:nvPr/>
-      </p:nvGrpSpPr>
-      <p:grpSpPr>
-        <a:xfrm>
-          <a:off x="0" y="0"/>
-          <a:ext cx="0" cy="0"/>
-          <a:chOff x="0" y="0"/>
-          <a:chExt cx="0" cy="0"/>
-        </a:xfrm>
-      </p:grpSpPr>
-      <p:sp>
-        <p:nvSpPr>
-          <p:cNvPr id="2" name="Title 1"/>
-          <p:cNvSpPr>
-            <a:spLocks noGrp="1"/>
-          </p:cNvSpPr>
-          <p:nvPr>
-            <p:ph type="title"/>
-          </p:nvPr>
-        </p:nvSpPr>
-        <p:spPr/>
-        <p:txBody>
-          <a:bodyPr/>
-          <a:lstStyle/>
-          <a:p>
-            <a:endParaRPr lang="en-US"/>
-          </a:p>
-        </p:txBody>
-      </p:sp>
-      <p:sp>
-        <p:nvSpPr>
-          <p:cNvPr id="3" name="Content Placeholder 2"/>
-          <p:cNvSpPr>
-            <a:spLocks noGrp="1"/>
-          </p:cNvSpPr>
-          <p:nvPr>
-            <p:ph idx="1"/>
-          </p:nvPr>
-        </p:nvSpPr>
-        <p:spPr/>
-        <p:txBody>
-          <a:bodyPr/>
-          <a:lstStyle/>
-          <a:p>
-            <a:endParaRPr lang="en-US"/>
-          </a:p>
-        </p:txBody>
-      </p:sp>
-    </p:spTree>
-    <p:extLst>
-      <p:ext uri="{BB962C8B-B14F-4D97-AF65-F5344CB8AC3E}">
-        <p14:creationId xmlns:p14="http://schemas.microsoft.com/office/powerpoint/2010/main" val="1309378901"/>
-      </p:ext>
-    </p:extLst>
-  </p:cSld>
-  <p:clrMapOvr>
-    <a:masterClrMapping/>
-  </p:clrMapOvr>
-  <p:timing>
-    <p:tnLst>
-      <p:par>
-        <p:cTn xmlns:p14="http://schemas.microsoft.com/office/powerpoint/2010/main" id="1" dur="indefinite" restart="never" nodeType="tmRoot"/>
-      </p:par>
-    </p:tnLst>
-  </p:timing>
-</p:sld>
-</file>
-
-<file path=ppt/slides/slide50.xml><?xml version="1.0" encoding="utf-8"?>
+<file path=ppt/slides/slide52.xml><?xml version="1.0" encoding="utf-8"?>
 <p:sld xmlns:a="http://schemas.openxmlformats.org/drawingml/2006/main" xmlns:r="http://schemas.openxmlformats.org/officeDocument/2006/relationships" xmlns:p="http://schemas.openxmlformats.org/presentationml/2006/main">
   <p:cSld>
     <p:spTree>
@@ -22080,7 +22399,7 @@
 </p:sld>
 </file>
 
-<file path=ppt/slides/slide51.xml><?xml version="1.0" encoding="utf-8"?>
+<file path=ppt/slides/slide53.xml><?xml version="1.0" encoding="utf-8"?>
 <p:sld xmlns:a="http://schemas.openxmlformats.org/drawingml/2006/main" xmlns:r="http://schemas.openxmlformats.org/officeDocument/2006/relationships" xmlns:p="http://schemas.openxmlformats.org/presentationml/2006/main">
   <p:cSld>
     <p:spTree>
@@ -23527,7 +23846,7 @@
 </p:sld>
 </file>
 
-<file path=ppt/slides/slide52.xml><?xml version="1.0" encoding="utf-8"?>
+<file path=ppt/slides/slide54.xml><?xml version="1.0" encoding="utf-8"?>
 <p:sld xmlns:a="http://schemas.openxmlformats.org/drawingml/2006/main" xmlns:r="http://schemas.openxmlformats.org/officeDocument/2006/relationships" xmlns:p="http://schemas.openxmlformats.org/presentationml/2006/main">
   <p:cSld>
     <p:spTree>
@@ -24614,7 +24933,7 @@
 </p:sld>
 </file>
 
-<file path=ppt/slides/slide53.xml><?xml version="1.0" encoding="utf-8"?>
+<file path=ppt/slides/slide55.xml><?xml version="1.0" encoding="utf-8"?>
 <p:sld xmlns:a="http://schemas.openxmlformats.org/drawingml/2006/main" xmlns:r="http://schemas.openxmlformats.org/officeDocument/2006/relationships" xmlns:p="http://schemas.openxmlformats.org/presentationml/2006/main">
   <p:cSld>
     <p:spTree>
@@ -25523,7 +25842,7 @@
 </p:sld>
 </file>
 
-<file path=ppt/slides/slide54.xml><?xml version="1.0" encoding="utf-8"?>
+<file path=ppt/slides/slide56.xml><?xml version="1.0" encoding="utf-8"?>
 <p:sld xmlns:a="http://schemas.openxmlformats.org/drawingml/2006/main" xmlns:r="http://schemas.openxmlformats.org/officeDocument/2006/relationships" xmlns:p="http://schemas.openxmlformats.org/presentationml/2006/main">
   <p:cSld>
     <p:spTree>
@@ -26702,7 +27021,7 @@
 </p:sld>
 </file>
 
-<file path=ppt/slides/slide55.xml><?xml version="1.0" encoding="utf-8"?>
+<file path=ppt/slides/slide57.xml><?xml version="1.0" encoding="utf-8"?>
 <p:sld xmlns:a="http://schemas.openxmlformats.org/drawingml/2006/main" xmlns:r="http://schemas.openxmlformats.org/officeDocument/2006/relationships" xmlns:p="http://schemas.openxmlformats.org/presentationml/2006/main">
   <p:cSld>
     <p:spTree>
@@ -27492,7 +27811,7 @@
 </p:sld>
 </file>
 
-<file path=ppt/slides/slide56.xml><?xml version="1.0" encoding="utf-8"?>
+<file path=ppt/slides/slide58.xml><?xml version="1.0" encoding="utf-8"?>
 <p:sld xmlns:a="http://schemas.openxmlformats.org/drawingml/2006/main" xmlns:r="http://schemas.openxmlformats.org/officeDocument/2006/relationships" xmlns:p="http://schemas.openxmlformats.org/presentationml/2006/main">
   <p:cSld>
     <p:spTree>
@@ -28297,7 +28616,7 @@
 </p:sld>
 </file>
 
-<file path=ppt/slides/slide57.xml><?xml version="1.0" encoding="utf-8"?>
+<file path=ppt/slides/slide59.xml><?xml version="1.0" encoding="utf-8"?>
 <p:sld xmlns:a="http://schemas.openxmlformats.org/drawingml/2006/main" xmlns:r="http://schemas.openxmlformats.org/officeDocument/2006/relationships" xmlns:p="http://schemas.openxmlformats.org/presentationml/2006/main">
   <p:cSld>
     <p:spTree>
@@ -29260,7 +29579,1472 @@
 </p:sld>
 </file>
 
-<file path=ppt/slides/slide58.xml><?xml version="1.0" encoding="utf-8"?>
+<file path=ppt/slides/slide6.xml><?xml version="1.0" encoding="utf-8"?>
+<p:sld xmlns:a="http://schemas.openxmlformats.org/drawingml/2006/main" xmlns:r="http://schemas.openxmlformats.org/officeDocument/2006/relationships" xmlns:p="http://schemas.openxmlformats.org/presentationml/2006/main">
+  <p:cSld>
+    <p:spTree>
+      <p:nvGrpSpPr>
+        <p:cNvPr id="1" name=""/>
+        <p:cNvGrpSpPr/>
+        <p:nvPr/>
+      </p:nvGrpSpPr>
+      <p:grpSpPr>
+        <a:xfrm>
+          <a:off x="0" y="0"/>
+          <a:ext cx="0" cy="0"/>
+          <a:chOff x="0" y="0"/>
+          <a:chExt cx="0" cy="0"/>
+        </a:xfrm>
+      </p:grpSpPr>
+      <p:sp>
+        <p:nvSpPr>
+          <p:cNvPr id="2" name="Title 1"/>
+          <p:cNvSpPr>
+            <a:spLocks noGrp="1"/>
+          </p:cNvSpPr>
+          <p:nvPr>
+            <p:ph type="title"/>
+          </p:nvPr>
+        </p:nvSpPr>
+        <p:spPr/>
+        <p:txBody>
+          <a:bodyPr>
+            <a:normAutofit fontScale="90000"/>
+          </a:bodyPr>
+          <a:lstStyle/>
+          <a:p>
+            <a:r>
+              <a:rPr lang="en-US" dirty="0"/>
+              <a:t>Context: replicated distributed systems </a:t>
+            </a:r>
+          </a:p>
+        </p:txBody>
+      </p:sp>
+      <p:sp>
+        <p:nvSpPr>
+          <p:cNvPr id="3" name="Content Placeholder 2"/>
+          <p:cNvSpPr>
+            <a:spLocks noGrp="1"/>
+          </p:cNvSpPr>
+          <p:nvPr>
+            <p:ph idx="1"/>
+          </p:nvPr>
+        </p:nvSpPr>
+        <p:spPr>
+          <a:xfrm>
+            <a:off x="457200" y="1600201"/>
+            <a:ext cx="8229600" cy="717444"/>
+          </a:xfrm>
+        </p:spPr>
+        <p:txBody>
+          <a:bodyPr/>
+          <a:lstStyle/>
+          <a:p>
+            <a:pPr marL="0" indent="0">
+              <a:buNone/>
+            </a:pPr>
+            <a:r>
+              <a:rPr lang="en-US" dirty="0" smtClean="0"/>
+              <a:t>Running example: a key-value store</a:t>
+            </a:r>
+          </a:p>
+          <a:p>
+            <a:pPr marL="0" indent="0">
+              <a:buNone/>
+            </a:pPr>
+            <a:endParaRPr lang="en-US" dirty="0"/>
+          </a:p>
+          <a:p>
+            <a:pPr marL="0" indent="0">
+              <a:buNone/>
+            </a:pPr>
+            <a:endParaRPr lang="en-US" dirty="0" smtClean="0"/>
+          </a:p>
+          <a:p>
+            <a:pPr marL="0" indent="0">
+              <a:buNone/>
+            </a:pPr>
+            <a:endParaRPr lang="en-US" dirty="0"/>
+          </a:p>
+        </p:txBody>
+      </p:sp>
+      <p:sp>
+        <p:nvSpPr>
+          <p:cNvPr id="4" name="Can 3"/>
+          <p:cNvSpPr/>
+          <p:nvPr/>
+        </p:nvSpPr>
+        <p:spPr>
+          <a:xfrm>
+            <a:off x="3997096" y="2579524"/>
+            <a:ext cx="1492631" cy="1780789"/>
+          </a:xfrm>
+          <a:prstGeom prst="can">
+            <a:avLst/>
+          </a:prstGeom>
+          <a:solidFill>
+            <a:schemeClr val="bg1"/>
+          </a:solidFill>
+          <a:ln>
+            <a:solidFill>
+              <a:schemeClr val="accent2">
+                <a:lumMod val="75000"/>
+              </a:schemeClr>
+            </a:solidFill>
+          </a:ln>
+        </p:spPr>
+        <p:style>
+          <a:lnRef idx="1">
+            <a:schemeClr val="accent1"/>
+          </a:lnRef>
+          <a:fillRef idx="3">
+            <a:schemeClr val="accent1"/>
+          </a:fillRef>
+          <a:effectRef idx="2">
+            <a:schemeClr val="accent1"/>
+          </a:effectRef>
+          <a:fontRef idx="minor">
+            <a:schemeClr val="lt1"/>
+          </a:fontRef>
+        </p:style>
+        <p:txBody>
+          <a:bodyPr rtlCol="0" anchor="ctr"/>
+          <a:lstStyle/>
+          <a:p>
+            <a:pPr algn="ctr"/>
+            <a:endParaRPr lang="en-US" dirty="0"/>
+          </a:p>
+        </p:txBody>
+      </p:sp>
+      <p:sp>
+        <p:nvSpPr>
+          <p:cNvPr id="5" name="Can 4"/>
+          <p:cNvSpPr/>
+          <p:nvPr/>
+        </p:nvSpPr>
+        <p:spPr>
+          <a:xfrm>
+            <a:off x="5489727" y="4761500"/>
+            <a:ext cx="1492631" cy="1780789"/>
+          </a:xfrm>
+          <a:prstGeom prst="can">
+            <a:avLst/>
+          </a:prstGeom>
+          <a:solidFill>
+            <a:schemeClr val="bg1"/>
+          </a:solidFill>
+          <a:ln>
+            <a:solidFill>
+              <a:schemeClr val="accent2">
+                <a:lumMod val="75000"/>
+              </a:schemeClr>
+            </a:solidFill>
+          </a:ln>
+        </p:spPr>
+        <p:style>
+          <a:lnRef idx="1">
+            <a:schemeClr val="accent1"/>
+          </a:lnRef>
+          <a:fillRef idx="3">
+            <a:schemeClr val="accent1"/>
+          </a:fillRef>
+          <a:effectRef idx="2">
+            <a:schemeClr val="accent1"/>
+          </a:effectRef>
+          <a:fontRef idx="minor">
+            <a:schemeClr val="lt1"/>
+          </a:fontRef>
+        </p:style>
+        <p:txBody>
+          <a:bodyPr rtlCol="0" anchor="ctr"/>
+          <a:lstStyle/>
+          <a:p>
+            <a:pPr algn="ctr"/>
+            <a:endParaRPr lang="en-US"/>
+          </a:p>
+        </p:txBody>
+      </p:sp>
+      <p:sp>
+        <p:nvSpPr>
+          <p:cNvPr id="6" name="Can 5"/>
+          <p:cNvSpPr/>
+          <p:nvPr/>
+        </p:nvSpPr>
+        <p:spPr>
+          <a:xfrm>
+            <a:off x="6982358" y="2579524"/>
+            <a:ext cx="1492631" cy="1780789"/>
+          </a:xfrm>
+          <a:prstGeom prst="can">
+            <a:avLst/>
+          </a:prstGeom>
+          <a:solidFill>
+            <a:schemeClr val="bg1"/>
+          </a:solidFill>
+          <a:ln>
+            <a:solidFill>
+              <a:schemeClr val="accent2">
+                <a:lumMod val="75000"/>
+              </a:schemeClr>
+            </a:solidFill>
+          </a:ln>
+        </p:spPr>
+        <p:style>
+          <a:lnRef idx="1">
+            <a:schemeClr val="accent1"/>
+          </a:lnRef>
+          <a:fillRef idx="3">
+            <a:schemeClr val="accent1"/>
+          </a:fillRef>
+          <a:effectRef idx="2">
+            <a:schemeClr val="accent1"/>
+          </a:effectRef>
+          <a:fontRef idx="minor">
+            <a:schemeClr val="lt1"/>
+          </a:fontRef>
+        </p:style>
+        <p:txBody>
+          <a:bodyPr rtlCol="0" anchor="ctr"/>
+          <a:lstStyle/>
+          <a:p>
+            <a:pPr algn="ctr"/>
+            <a:endParaRPr lang="en-US"/>
+          </a:p>
+        </p:txBody>
+      </p:sp>
+      <p:pic>
+        <p:nvPicPr>
+          <p:cNvPr id="9" name="Picture 8" descr="clipart_computer.gif"/>
+          <p:cNvPicPr>
+            <a:picLocks noChangeAspect="1"/>
+          </p:cNvPicPr>
+          <p:nvPr/>
+        </p:nvPicPr>
+        <p:blipFill>
+          <a:blip r:embed="rId2">
+            <a:extLst>
+              <a:ext uri="{28A0092B-C50C-407E-A947-70E740481C1C}">
+                <a14:useLocalDpi xmlns:a14="http://schemas.microsoft.com/office/drawing/2010/main" val="0"/>
+              </a:ext>
+            </a:extLst>
+          </a:blip>
+          <a:stretch>
+            <a:fillRect/>
+          </a:stretch>
+        </p:blipFill>
+        <p:spPr>
+          <a:xfrm>
+            <a:off x="653599" y="2963903"/>
+            <a:ext cx="1271109" cy="951213"/>
+          </a:xfrm>
+          <a:prstGeom prst="rect">
+            <a:avLst/>
+          </a:prstGeom>
+        </p:spPr>
+      </p:pic>
+      <p:grpSp>
+        <p:nvGrpSpPr>
+          <p:cNvPr id="28" name="Group 27"/>
+          <p:cNvGrpSpPr/>
+          <p:nvPr/>
+        </p:nvGrpSpPr>
+        <p:grpSpPr>
+          <a:xfrm>
+            <a:off x="5547351" y="3352072"/>
+            <a:ext cx="1305670" cy="1270122"/>
+            <a:chOff x="5489727" y="3352072"/>
+            <a:chExt cx="1305670" cy="1270122"/>
+          </a:xfrm>
+        </p:grpSpPr>
+        <p:cxnSp>
+          <p:nvCxnSpPr>
+            <p:cNvPr id="22" name="Straight Arrow Connector 21"/>
+            <p:cNvCxnSpPr/>
+            <p:nvPr/>
+          </p:nvCxnSpPr>
+          <p:spPr>
+            <a:xfrm>
+              <a:off x="5489727" y="3352072"/>
+              <a:ext cx="1305670" cy="0"/>
+            </a:xfrm>
+            <a:prstGeom prst="straightConnector1">
+              <a:avLst/>
+            </a:prstGeom>
+            <a:ln>
+              <a:solidFill>
+                <a:schemeClr val="bg1">
+                  <a:lumMod val="50000"/>
+                </a:schemeClr>
+              </a:solidFill>
+              <a:headEnd type="arrow"/>
+              <a:tailEnd type="arrow"/>
+            </a:ln>
+          </p:spPr>
+          <p:style>
+            <a:lnRef idx="2">
+              <a:schemeClr val="accent1"/>
+            </a:lnRef>
+            <a:fillRef idx="0">
+              <a:schemeClr val="accent1"/>
+            </a:fillRef>
+            <a:effectRef idx="1">
+              <a:schemeClr val="accent1"/>
+            </a:effectRef>
+            <a:fontRef idx="minor">
+              <a:schemeClr val="tx1"/>
+            </a:fontRef>
+          </p:style>
+        </p:cxnSp>
+        <p:cxnSp>
+          <p:nvCxnSpPr>
+            <p:cNvPr id="24" name="Straight Arrow Connector 23"/>
+            <p:cNvCxnSpPr/>
+            <p:nvPr/>
+          </p:nvCxnSpPr>
+          <p:spPr>
+            <a:xfrm>
+              <a:off x="5489727" y="3504472"/>
+              <a:ext cx="616448" cy="1117722"/>
+            </a:xfrm>
+            <a:prstGeom prst="straightConnector1">
+              <a:avLst/>
+            </a:prstGeom>
+            <a:ln>
+              <a:solidFill>
+                <a:schemeClr val="bg1">
+                  <a:lumMod val="50000"/>
+                </a:schemeClr>
+              </a:solidFill>
+              <a:headEnd type="arrow"/>
+              <a:tailEnd type="arrow"/>
+            </a:ln>
+          </p:spPr>
+          <p:style>
+            <a:lnRef idx="2">
+              <a:schemeClr val="accent1"/>
+            </a:lnRef>
+            <a:fillRef idx="0">
+              <a:schemeClr val="accent1"/>
+            </a:fillRef>
+            <a:effectRef idx="1">
+              <a:schemeClr val="accent1"/>
+            </a:effectRef>
+            <a:fontRef idx="minor">
+              <a:schemeClr val="tx1"/>
+            </a:fontRef>
+          </p:style>
+        </p:cxnSp>
+        <p:cxnSp>
+          <p:nvCxnSpPr>
+            <p:cNvPr id="26" name="Straight Arrow Connector 25"/>
+            <p:cNvCxnSpPr/>
+            <p:nvPr/>
+          </p:nvCxnSpPr>
+          <p:spPr>
+            <a:xfrm flipH="1">
+              <a:off x="6200186" y="3500289"/>
+              <a:ext cx="595211" cy="1121905"/>
+            </a:xfrm>
+            <a:prstGeom prst="straightConnector1">
+              <a:avLst/>
+            </a:prstGeom>
+            <a:ln>
+              <a:solidFill>
+                <a:schemeClr val="bg1">
+                  <a:lumMod val="50000"/>
+                </a:schemeClr>
+              </a:solidFill>
+              <a:headEnd type="arrow"/>
+              <a:tailEnd type="arrow"/>
+            </a:ln>
+          </p:spPr>
+          <p:style>
+            <a:lnRef idx="2">
+              <a:schemeClr val="accent1"/>
+            </a:lnRef>
+            <a:fillRef idx="0">
+              <a:schemeClr val="accent1"/>
+            </a:fillRef>
+            <a:effectRef idx="1">
+              <a:schemeClr val="accent1"/>
+            </a:effectRef>
+            <a:fontRef idx="minor">
+              <a:schemeClr val="tx1"/>
+            </a:fontRef>
+          </p:style>
+        </p:cxnSp>
+      </p:grpSp>
+      <p:pic>
+        <p:nvPicPr>
+          <p:cNvPr id="29" name="Picture 28" descr="clipart_computer.gif"/>
+          <p:cNvPicPr>
+            <a:picLocks noChangeAspect="1"/>
+          </p:cNvPicPr>
+          <p:nvPr/>
+        </p:nvPicPr>
+        <p:blipFill>
+          <a:blip r:embed="rId2">
+            <a:extLst>
+              <a:ext uri="{28A0092B-C50C-407E-A947-70E740481C1C}">
+                <a14:useLocalDpi xmlns:a14="http://schemas.microsoft.com/office/drawing/2010/main" val="0"/>
+              </a:ext>
+            </a:extLst>
+          </a:blip>
+          <a:stretch>
+            <a:fillRect/>
+          </a:stretch>
+        </p:blipFill>
+        <p:spPr>
+          <a:xfrm>
+            <a:off x="1657060" y="5276819"/>
+            <a:ext cx="1271109" cy="951213"/>
+          </a:xfrm>
+          <a:prstGeom prst="rect">
+            <a:avLst/>
+          </a:prstGeom>
+        </p:spPr>
+      </p:pic>
+      <p:grpSp>
+        <p:nvGrpSpPr>
+          <p:cNvPr id="33" name="Group 32"/>
+          <p:cNvGrpSpPr/>
+          <p:nvPr/>
+        </p:nvGrpSpPr>
+        <p:grpSpPr>
+          <a:xfrm>
+            <a:off x="2029454" y="3191162"/>
+            <a:ext cx="1833055" cy="313310"/>
+            <a:chOff x="2029454" y="3191162"/>
+            <a:chExt cx="1833055" cy="313310"/>
+          </a:xfrm>
+        </p:grpSpPr>
+        <p:cxnSp>
+          <p:nvCxnSpPr>
+            <p:cNvPr id="31" name="Straight Arrow Connector 30"/>
+            <p:cNvCxnSpPr/>
+            <p:nvPr/>
+          </p:nvCxnSpPr>
+          <p:spPr>
+            <a:xfrm>
+              <a:off x="2029454" y="3500289"/>
+              <a:ext cx="1833055" cy="4183"/>
+            </a:xfrm>
+            <a:prstGeom prst="straightConnector1">
+              <a:avLst/>
+            </a:prstGeom>
+            <a:ln>
+              <a:solidFill>
+                <a:schemeClr val="tx1"/>
+              </a:solidFill>
+              <a:tailEnd type="arrow"/>
+            </a:ln>
+          </p:spPr>
+          <p:style>
+            <a:lnRef idx="2">
+              <a:schemeClr val="accent1"/>
+            </a:lnRef>
+            <a:fillRef idx="0">
+              <a:schemeClr val="accent1"/>
+            </a:fillRef>
+            <a:effectRef idx="1">
+              <a:schemeClr val="accent1"/>
+            </a:effectRef>
+            <a:fontRef idx="minor">
+              <a:schemeClr val="tx1"/>
+            </a:fontRef>
+          </p:style>
+        </p:cxnSp>
+        <p:sp>
+          <p:nvSpPr>
+            <p:cNvPr id="32" name="TextBox 31"/>
+            <p:cNvSpPr txBox="1"/>
+            <p:nvPr/>
+          </p:nvSpPr>
+          <p:spPr>
+            <a:xfrm>
+              <a:off x="2094803" y="3191162"/>
+              <a:ext cx="1767706" cy="307777"/>
+            </a:xfrm>
+            <a:prstGeom prst="rect">
+              <a:avLst/>
+            </a:prstGeom>
+            <a:noFill/>
+          </p:spPr>
+          <p:txBody>
+            <a:bodyPr wrap="none" rtlCol="0">
+              <a:spAutoFit/>
+            </a:bodyPr>
+            <a:lstStyle/>
+            <a:p>
+              <a:r>
+                <a:rPr lang="en-US" sz="1400" dirty="0" smtClean="0"/>
+                <a:t>put(“dinner”, “pizza”)</a:t>
+              </a:r>
+              <a:endParaRPr lang="en-US" sz="1400" dirty="0"/>
+            </a:p>
+          </p:txBody>
+        </p:sp>
+      </p:grpSp>
+      <p:sp>
+        <p:nvSpPr>
+          <p:cNvPr id="34" name="TextBox 33"/>
+          <p:cNvSpPr txBox="1"/>
+          <p:nvPr/>
+        </p:nvSpPr>
+        <p:spPr>
+          <a:xfrm>
+            <a:off x="4176747" y="3352072"/>
+            <a:ext cx="1210863" cy="307777"/>
+          </a:xfrm>
+          <a:prstGeom prst="rect">
+            <a:avLst/>
+          </a:prstGeom>
+          <a:noFill/>
+        </p:spPr>
+        <p:txBody>
+          <a:bodyPr wrap="none" rtlCol="0">
+            <a:spAutoFit/>
+          </a:bodyPr>
+          <a:lstStyle/>
+          <a:p>
+            <a:r>
+              <a:rPr lang="en-US" sz="1400" dirty="0"/>
+              <a:t>Dinner = pizza</a:t>
+            </a:r>
+            <a:endParaRPr lang="en-US" sz="1400" dirty="0"/>
+          </a:p>
+        </p:txBody>
+      </p:sp>
+      <p:sp>
+        <p:nvSpPr>
+          <p:cNvPr id="35" name="TextBox 34"/>
+          <p:cNvSpPr txBox="1"/>
+          <p:nvPr/>
+        </p:nvSpPr>
+        <p:spPr>
+          <a:xfrm>
+            <a:off x="5652378" y="5583107"/>
+            <a:ext cx="1210863" cy="307777"/>
+          </a:xfrm>
+          <a:prstGeom prst="rect">
+            <a:avLst/>
+          </a:prstGeom>
+          <a:noFill/>
+        </p:spPr>
+        <p:txBody>
+          <a:bodyPr wrap="none" rtlCol="0">
+            <a:spAutoFit/>
+          </a:bodyPr>
+          <a:lstStyle/>
+          <a:p>
+            <a:r>
+              <a:rPr lang="en-US" sz="1400" dirty="0"/>
+              <a:t>Dinner = pizza</a:t>
+            </a:r>
+            <a:endParaRPr lang="en-US" sz="1400" dirty="0"/>
+          </a:p>
+        </p:txBody>
+      </p:sp>
+      <p:sp>
+        <p:nvSpPr>
+          <p:cNvPr id="36" name="TextBox 35"/>
+          <p:cNvSpPr txBox="1"/>
+          <p:nvPr/>
+        </p:nvSpPr>
+        <p:spPr>
+          <a:xfrm>
+            <a:off x="7165665" y="3394186"/>
+            <a:ext cx="1210863" cy="307777"/>
+          </a:xfrm>
+          <a:prstGeom prst="rect">
+            <a:avLst/>
+          </a:prstGeom>
+          <a:noFill/>
+        </p:spPr>
+        <p:txBody>
+          <a:bodyPr wrap="none" rtlCol="0">
+            <a:spAutoFit/>
+          </a:bodyPr>
+          <a:lstStyle/>
+          <a:p>
+            <a:r>
+              <a:rPr lang="en-US" sz="1400" dirty="0"/>
+              <a:t>Dinner = pizza</a:t>
+            </a:r>
+            <a:endParaRPr lang="en-US" sz="1400" dirty="0"/>
+          </a:p>
+        </p:txBody>
+      </p:sp>
+      <p:cxnSp>
+        <p:nvCxnSpPr>
+          <p:cNvPr id="38" name="Straight Arrow Connector 37"/>
+          <p:cNvCxnSpPr/>
+          <p:nvPr/>
+        </p:nvCxnSpPr>
+        <p:spPr>
+          <a:xfrm>
+            <a:off x="3129287" y="5564399"/>
+            <a:ext cx="2123923" cy="4183"/>
+          </a:xfrm>
+          <a:prstGeom prst="straightConnector1">
+            <a:avLst/>
+          </a:prstGeom>
+          <a:ln>
+            <a:solidFill>
+              <a:schemeClr val="tx1"/>
+            </a:solidFill>
+            <a:tailEnd type="arrow"/>
+          </a:ln>
+        </p:spPr>
+        <p:style>
+          <a:lnRef idx="2">
+            <a:schemeClr val="accent1"/>
+          </a:lnRef>
+          <a:fillRef idx="0">
+            <a:schemeClr val="accent1"/>
+          </a:fillRef>
+          <a:effectRef idx="1">
+            <a:schemeClr val="accent1"/>
+          </a:effectRef>
+          <a:fontRef idx="minor">
+            <a:schemeClr val="tx1"/>
+          </a:fontRef>
+        </p:style>
+      </p:cxnSp>
+      <p:sp>
+        <p:nvSpPr>
+          <p:cNvPr id="39" name="TextBox 38"/>
+          <p:cNvSpPr txBox="1"/>
+          <p:nvPr/>
+        </p:nvSpPr>
+        <p:spPr>
+          <a:xfrm>
+            <a:off x="3599806" y="5256622"/>
+            <a:ext cx="1153882" cy="307777"/>
+          </a:xfrm>
+          <a:prstGeom prst="rect">
+            <a:avLst/>
+          </a:prstGeom>
+          <a:noFill/>
+        </p:spPr>
+        <p:txBody>
+          <a:bodyPr wrap="none" rtlCol="0">
+            <a:spAutoFit/>
+          </a:bodyPr>
+          <a:lstStyle/>
+          <a:p>
+            <a:r>
+              <a:rPr lang="en-US" sz="1400" dirty="0" smtClean="0"/>
+              <a:t>get(“dinner”)</a:t>
+            </a:r>
+            <a:endParaRPr lang="en-US" sz="1400" dirty="0"/>
+          </a:p>
+        </p:txBody>
+      </p:sp>
+      <p:cxnSp>
+        <p:nvCxnSpPr>
+          <p:cNvPr id="41" name="Straight Arrow Connector 40"/>
+          <p:cNvCxnSpPr/>
+          <p:nvPr/>
+        </p:nvCxnSpPr>
+        <p:spPr>
+          <a:xfrm flipH="1">
+            <a:off x="3129287" y="6083998"/>
+            <a:ext cx="2123924" cy="0"/>
+          </a:xfrm>
+          <a:prstGeom prst="straightConnector1">
+            <a:avLst/>
+          </a:prstGeom>
+          <a:ln>
+            <a:solidFill>
+              <a:schemeClr val="tx1"/>
+            </a:solidFill>
+            <a:tailEnd type="arrow"/>
+          </a:ln>
+        </p:spPr>
+        <p:style>
+          <a:lnRef idx="2">
+            <a:schemeClr val="accent1"/>
+          </a:lnRef>
+          <a:fillRef idx="0">
+            <a:schemeClr val="accent1"/>
+          </a:fillRef>
+          <a:effectRef idx="1">
+            <a:schemeClr val="accent1"/>
+          </a:effectRef>
+          <a:fontRef idx="minor">
+            <a:schemeClr val="tx1"/>
+          </a:fontRef>
+        </p:style>
+      </p:cxnSp>
+      <p:sp>
+        <p:nvSpPr>
+          <p:cNvPr id="45" name="TextBox 44"/>
+          <p:cNvSpPr txBox="1"/>
+          <p:nvPr/>
+        </p:nvSpPr>
+        <p:spPr>
+          <a:xfrm>
+            <a:off x="3829179" y="5776221"/>
+            <a:ext cx="695135" cy="307777"/>
+          </a:xfrm>
+          <a:prstGeom prst="rect">
+            <a:avLst/>
+          </a:prstGeom>
+          <a:noFill/>
+        </p:spPr>
+        <p:txBody>
+          <a:bodyPr wrap="none" rtlCol="0">
+            <a:spAutoFit/>
+          </a:bodyPr>
+          <a:lstStyle/>
+          <a:p>
+            <a:r>
+              <a:rPr lang="en-US" sz="1400" dirty="0" smtClean="0"/>
+              <a:t>“pizza”</a:t>
+            </a:r>
+            <a:endParaRPr lang="en-US" sz="1400" dirty="0"/>
+          </a:p>
+        </p:txBody>
+      </p:sp>
+    </p:spTree>
+    <p:extLst>
+      <p:ext uri="{BB962C8B-B14F-4D97-AF65-F5344CB8AC3E}">
+        <p14:creationId xmlns:p14="http://schemas.microsoft.com/office/powerpoint/2010/main" val="2278119010"/>
+      </p:ext>
+    </p:extLst>
+  </p:cSld>
+  <p:clrMapOvr>
+    <a:masterClrMapping/>
+  </p:clrMapOvr>
+  <p:timing>
+    <p:tnLst>
+      <p:par>
+        <p:cTn xmlns:p14="http://schemas.microsoft.com/office/powerpoint/2010/main" id="1" dur="indefinite" restart="never" nodeType="tmRoot">
+          <p:childTnLst>
+            <p:seq concurrent="1" nextAc="seek">
+              <p:cTn id="2" dur="indefinite" nodeType="mainSeq">
+                <p:childTnLst>
+                  <p:par>
+                    <p:cTn id="3" fill="hold">
+                      <p:stCondLst>
+                        <p:cond delay="indefinite"/>
+                      </p:stCondLst>
+                      <p:childTnLst>
+                        <p:par>
+                          <p:cTn id="4" fill="hold">
+                            <p:stCondLst>
+                              <p:cond delay="0"/>
+                            </p:stCondLst>
+                            <p:childTnLst>
+                              <p:par>
+                                <p:cTn id="5" presetID="1" presetClass="entr" presetSubtype="0" fill="hold" grpId="0" nodeType="clickEffect">
+                                  <p:stCondLst>
+                                    <p:cond delay="0"/>
+                                  </p:stCondLst>
+                                  <p:childTnLst>
+                                    <p:set>
+                                      <p:cBhvr>
+                                        <p:cTn id="6" dur="1" fill="hold">
+                                          <p:stCondLst>
+                                            <p:cond delay="0"/>
+                                          </p:stCondLst>
+                                        </p:cTn>
+                                        <p:tgtEl>
+                                          <p:spTgt spid="4"/>
+                                        </p:tgtEl>
+                                        <p:attrNameLst>
+                                          <p:attrName>style.visibility</p:attrName>
+                                        </p:attrNameLst>
+                                      </p:cBhvr>
+                                      <p:to>
+                                        <p:strVal val="visible"/>
+                                      </p:to>
+                                    </p:set>
+                                  </p:childTnLst>
+                                </p:cTn>
+                              </p:par>
+                            </p:childTnLst>
+                          </p:cTn>
+                        </p:par>
+                      </p:childTnLst>
+                    </p:cTn>
+                  </p:par>
+                  <p:par>
+                    <p:cTn id="7" fill="hold">
+                      <p:stCondLst>
+                        <p:cond delay="indefinite"/>
+                      </p:stCondLst>
+                      <p:childTnLst>
+                        <p:par>
+                          <p:cTn id="8" fill="hold">
+                            <p:stCondLst>
+                              <p:cond delay="0"/>
+                            </p:stCondLst>
+                            <p:childTnLst>
+                              <p:par>
+                                <p:cTn id="9" presetID="1" presetClass="entr" presetSubtype="0" fill="hold" grpId="0" nodeType="clickEffect">
+                                  <p:stCondLst>
+                                    <p:cond delay="0"/>
+                                  </p:stCondLst>
+                                  <p:childTnLst>
+                                    <p:set>
+                                      <p:cBhvr>
+                                        <p:cTn id="10" dur="1" fill="hold">
+                                          <p:stCondLst>
+                                            <p:cond delay="0"/>
+                                          </p:stCondLst>
+                                        </p:cTn>
+                                        <p:tgtEl>
+                                          <p:spTgt spid="6"/>
+                                        </p:tgtEl>
+                                        <p:attrNameLst>
+                                          <p:attrName>style.visibility</p:attrName>
+                                        </p:attrNameLst>
+                                      </p:cBhvr>
+                                      <p:to>
+                                        <p:strVal val="visible"/>
+                                      </p:to>
+                                    </p:set>
+                                  </p:childTnLst>
+                                </p:cTn>
+                              </p:par>
+                              <p:par>
+                                <p:cTn id="11" presetID="1" presetClass="entr" presetSubtype="0" fill="hold" grpId="0" nodeType="withEffect">
+                                  <p:stCondLst>
+                                    <p:cond delay="0"/>
+                                  </p:stCondLst>
+                                  <p:childTnLst>
+                                    <p:set>
+                                      <p:cBhvr>
+                                        <p:cTn id="12" dur="1" fill="hold">
+                                          <p:stCondLst>
+                                            <p:cond delay="0"/>
+                                          </p:stCondLst>
+                                        </p:cTn>
+                                        <p:tgtEl>
+                                          <p:spTgt spid="5"/>
+                                        </p:tgtEl>
+                                        <p:attrNameLst>
+                                          <p:attrName>style.visibility</p:attrName>
+                                        </p:attrNameLst>
+                                      </p:cBhvr>
+                                      <p:to>
+                                        <p:strVal val="visible"/>
+                                      </p:to>
+                                    </p:set>
+                                  </p:childTnLst>
+                                </p:cTn>
+                              </p:par>
+                            </p:childTnLst>
+                          </p:cTn>
+                        </p:par>
+                      </p:childTnLst>
+                    </p:cTn>
+                  </p:par>
+                  <p:par>
+                    <p:cTn id="13" fill="hold">
+                      <p:stCondLst>
+                        <p:cond delay="indefinite"/>
+                      </p:stCondLst>
+                      <p:childTnLst>
+                        <p:par>
+                          <p:cTn id="14" fill="hold">
+                            <p:stCondLst>
+                              <p:cond delay="0"/>
+                            </p:stCondLst>
+                            <p:childTnLst>
+                              <p:par>
+                                <p:cTn id="15" presetID="9" presetClass="entr" presetSubtype="0" fill="hold" nodeType="clickEffect">
+                                  <p:stCondLst>
+                                    <p:cond delay="0"/>
+                                  </p:stCondLst>
+                                  <p:childTnLst>
+                                    <p:set>
+                                      <p:cBhvr>
+                                        <p:cTn id="16" dur="1" fill="hold">
+                                          <p:stCondLst>
+                                            <p:cond delay="0"/>
+                                          </p:stCondLst>
+                                        </p:cTn>
+                                        <p:tgtEl>
+                                          <p:spTgt spid="9"/>
+                                        </p:tgtEl>
+                                        <p:attrNameLst>
+                                          <p:attrName>style.visibility</p:attrName>
+                                        </p:attrNameLst>
+                                      </p:cBhvr>
+                                      <p:to>
+                                        <p:strVal val="visible"/>
+                                      </p:to>
+                                    </p:set>
+                                    <p:animEffect transition="in" filter="dissolve">
+                                      <p:cBhvr>
+                                        <p:cTn id="17" dur="500"/>
+                                        <p:tgtEl>
+                                          <p:spTgt spid="9"/>
+                                        </p:tgtEl>
+                                      </p:cBhvr>
+                                    </p:animEffect>
+                                  </p:childTnLst>
+                                </p:cTn>
+                              </p:par>
+                            </p:childTnLst>
+                          </p:cTn>
+                        </p:par>
+                      </p:childTnLst>
+                    </p:cTn>
+                  </p:par>
+                  <p:par>
+                    <p:cTn id="18" fill="hold">
+                      <p:stCondLst>
+                        <p:cond delay="indefinite"/>
+                      </p:stCondLst>
+                      <p:childTnLst>
+                        <p:par>
+                          <p:cTn id="19" fill="hold">
+                            <p:stCondLst>
+                              <p:cond delay="0"/>
+                            </p:stCondLst>
+                            <p:childTnLst>
+                              <p:par>
+                                <p:cTn id="20" presetID="9" presetClass="entr" presetSubtype="0" fill="hold" nodeType="clickEffect">
+                                  <p:stCondLst>
+                                    <p:cond delay="0"/>
+                                  </p:stCondLst>
+                                  <p:childTnLst>
+                                    <p:set>
+                                      <p:cBhvr>
+                                        <p:cTn id="21" dur="1" fill="hold">
+                                          <p:stCondLst>
+                                            <p:cond delay="0"/>
+                                          </p:stCondLst>
+                                        </p:cTn>
+                                        <p:tgtEl>
+                                          <p:spTgt spid="33"/>
+                                        </p:tgtEl>
+                                        <p:attrNameLst>
+                                          <p:attrName>style.visibility</p:attrName>
+                                        </p:attrNameLst>
+                                      </p:cBhvr>
+                                      <p:to>
+                                        <p:strVal val="visible"/>
+                                      </p:to>
+                                    </p:set>
+                                    <p:animEffect transition="in" filter="dissolve">
+                                      <p:cBhvr>
+                                        <p:cTn id="22" dur="500"/>
+                                        <p:tgtEl>
+                                          <p:spTgt spid="33"/>
+                                        </p:tgtEl>
+                                      </p:cBhvr>
+                                    </p:animEffect>
+                                  </p:childTnLst>
+                                </p:cTn>
+                              </p:par>
+                            </p:childTnLst>
+                          </p:cTn>
+                        </p:par>
+                      </p:childTnLst>
+                    </p:cTn>
+                  </p:par>
+                  <p:par>
+                    <p:cTn id="23" fill="hold">
+                      <p:stCondLst>
+                        <p:cond delay="indefinite"/>
+                      </p:stCondLst>
+                      <p:childTnLst>
+                        <p:par>
+                          <p:cTn id="24" fill="hold">
+                            <p:stCondLst>
+                              <p:cond delay="0"/>
+                            </p:stCondLst>
+                            <p:childTnLst>
+                              <p:par>
+                                <p:cTn id="25" presetID="9" presetClass="entr" presetSubtype="0" fill="hold" grpId="0" nodeType="clickEffect">
+                                  <p:stCondLst>
+                                    <p:cond delay="0"/>
+                                  </p:stCondLst>
+                                  <p:childTnLst>
+                                    <p:set>
+                                      <p:cBhvr>
+                                        <p:cTn id="26" dur="1" fill="hold">
+                                          <p:stCondLst>
+                                            <p:cond delay="0"/>
+                                          </p:stCondLst>
+                                        </p:cTn>
+                                        <p:tgtEl>
+                                          <p:spTgt spid="34"/>
+                                        </p:tgtEl>
+                                        <p:attrNameLst>
+                                          <p:attrName>style.visibility</p:attrName>
+                                        </p:attrNameLst>
+                                      </p:cBhvr>
+                                      <p:to>
+                                        <p:strVal val="visible"/>
+                                      </p:to>
+                                    </p:set>
+                                    <p:animEffect transition="in" filter="dissolve">
+                                      <p:cBhvr>
+                                        <p:cTn id="27" dur="500"/>
+                                        <p:tgtEl>
+                                          <p:spTgt spid="34"/>
+                                        </p:tgtEl>
+                                      </p:cBhvr>
+                                    </p:animEffect>
+                                  </p:childTnLst>
+                                </p:cTn>
+                              </p:par>
+                            </p:childTnLst>
+                          </p:cTn>
+                        </p:par>
+                      </p:childTnLst>
+                    </p:cTn>
+                  </p:par>
+                  <p:par>
+                    <p:cTn id="28" fill="hold">
+                      <p:stCondLst>
+                        <p:cond delay="indefinite"/>
+                      </p:stCondLst>
+                      <p:childTnLst>
+                        <p:par>
+                          <p:cTn id="29" fill="hold">
+                            <p:stCondLst>
+                              <p:cond delay="0"/>
+                            </p:stCondLst>
+                            <p:childTnLst>
+                              <p:par>
+                                <p:cTn id="30" presetID="23" presetClass="entr" presetSubtype="16" fill="hold" nodeType="clickEffect">
+                                  <p:stCondLst>
+                                    <p:cond delay="0"/>
+                                  </p:stCondLst>
+                                  <p:childTnLst>
+                                    <p:set>
+                                      <p:cBhvr>
+                                        <p:cTn id="31" dur="1" fill="hold">
+                                          <p:stCondLst>
+                                            <p:cond delay="0"/>
+                                          </p:stCondLst>
+                                        </p:cTn>
+                                        <p:tgtEl>
+                                          <p:spTgt spid="28"/>
+                                        </p:tgtEl>
+                                        <p:attrNameLst>
+                                          <p:attrName>style.visibility</p:attrName>
+                                        </p:attrNameLst>
+                                      </p:cBhvr>
+                                      <p:to>
+                                        <p:strVal val="visible"/>
+                                      </p:to>
+                                    </p:set>
+                                    <p:anim calcmode="lin" valueType="num">
+                                      <p:cBhvr>
+                                        <p:cTn id="32" dur="500" fill="hold"/>
+                                        <p:tgtEl>
+                                          <p:spTgt spid="28"/>
+                                        </p:tgtEl>
+                                        <p:attrNameLst>
+                                          <p:attrName>ppt_w</p:attrName>
+                                        </p:attrNameLst>
+                                      </p:cBhvr>
+                                      <p:tavLst>
+                                        <p:tav tm="0">
+                                          <p:val>
+                                            <p:fltVal val="0"/>
+                                          </p:val>
+                                        </p:tav>
+                                        <p:tav tm="100000">
+                                          <p:val>
+                                            <p:strVal val="#ppt_w"/>
+                                          </p:val>
+                                        </p:tav>
+                                      </p:tavLst>
+                                    </p:anim>
+                                    <p:anim calcmode="lin" valueType="num">
+                                      <p:cBhvr>
+                                        <p:cTn id="33" dur="500" fill="hold"/>
+                                        <p:tgtEl>
+                                          <p:spTgt spid="28"/>
+                                        </p:tgtEl>
+                                        <p:attrNameLst>
+                                          <p:attrName>ppt_h</p:attrName>
+                                        </p:attrNameLst>
+                                      </p:cBhvr>
+                                      <p:tavLst>
+                                        <p:tav tm="0">
+                                          <p:val>
+                                            <p:fltVal val="0"/>
+                                          </p:val>
+                                        </p:tav>
+                                        <p:tav tm="100000">
+                                          <p:val>
+                                            <p:strVal val="#ppt_h"/>
+                                          </p:val>
+                                        </p:tav>
+                                      </p:tavLst>
+                                    </p:anim>
+                                  </p:childTnLst>
+                                </p:cTn>
+                              </p:par>
+                            </p:childTnLst>
+                          </p:cTn>
+                        </p:par>
+                      </p:childTnLst>
+                    </p:cTn>
+                  </p:par>
+                  <p:par>
+                    <p:cTn id="34" fill="hold">
+                      <p:stCondLst>
+                        <p:cond delay="indefinite"/>
+                      </p:stCondLst>
+                      <p:childTnLst>
+                        <p:par>
+                          <p:cTn id="35" fill="hold">
+                            <p:stCondLst>
+                              <p:cond delay="0"/>
+                            </p:stCondLst>
+                            <p:childTnLst>
+                              <p:par>
+                                <p:cTn id="36" presetID="9" presetClass="entr" presetSubtype="0" fill="hold" grpId="0" nodeType="clickEffect">
+                                  <p:stCondLst>
+                                    <p:cond delay="0"/>
+                                  </p:stCondLst>
+                                  <p:childTnLst>
+                                    <p:set>
+                                      <p:cBhvr>
+                                        <p:cTn id="37" dur="1" fill="hold">
+                                          <p:stCondLst>
+                                            <p:cond delay="0"/>
+                                          </p:stCondLst>
+                                        </p:cTn>
+                                        <p:tgtEl>
+                                          <p:spTgt spid="36"/>
+                                        </p:tgtEl>
+                                        <p:attrNameLst>
+                                          <p:attrName>style.visibility</p:attrName>
+                                        </p:attrNameLst>
+                                      </p:cBhvr>
+                                      <p:to>
+                                        <p:strVal val="visible"/>
+                                      </p:to>
+                                    </p:set>
+                                    <p:animEffect transition="in" filter="dissolve">
+                                      <p:cBhvr>
+                                        <p:cTn id="38" dur="500"/>
+                                        <p:tgtEl>
+                                          <p:spTgt spid="36"/>
+                                        </p:tgtEl>
+                                      </p:cBhvr>
+                                    </p:animEffect>
+                                  </p:childTnLst>
+                                </p:cTn>
+                              </p:par>
+                              <p:par>
+                                <p:cTn id="39" presetID="9" presetClass="entr" presetSubtype="0" fill="hold" grpId="0" nodeType="withEffect">
+                                  <p:stCondLst>
+                                    <p:cond delay="0"/>
+                                  </p:stCondLst>
+                                  <p:childTnLst>
+                                    <p:set>
+                                      <p:cBhvr>
+                                        <p:cTn id="40" dur="1" fill="hold">
+                                          <p:stCondLst>
+                                            <p:cond delay="0"/>
+                                          </p:stCondLst>
+                                        </p:cTn>
+                                        <p:tgtEl>
+                                          <p:spTgt spid="35"/>
+                                        </p:tgtEl>
+                                        <p:attrNameLst>
+                                          <p:attrName>style.visibility</p:attrName>
+                                        </p:attrNameLst>
+                                      </p:cBhvr>
+                                      <p:to>
+                                        <p:strVal val="visible"/>
+                                      </p:to>
+                                    </p:set>
+                                    <p:animEffect transition="in" filter="dissolve">
+                                      <p:cBhvr>
+                                        <p:cTn id="41" dur="500"/>
+                                        <p:tgtEl>
+                                          <p:spTgt spid="35"/>
+                                        </p:tgtEl>
+                                      </p:cBhvr>
+                                    </p:animEffect>
+                                  </p:childTnLst>
+                                </p:cTn>
+                              </p:par>
+                            </p:childTnLst>
+                          </p:cTn>
+                        </p:par>
+                      </p:childTnLst>
+                    </p:cTn>
+                  </p:par>
+                  <p:par>
+                    <p:cTn id="42" fill="hold">
+                      <p:stCondLst>
+                        <p:cond delay="indefinite"/>
+                      </p:stCondLst>
+                      <p:childTnLst>
+                        <p:par>
+                          <p:cTn id="43" fill="hold">
+                            <p:stCondLst>
+                              <p:cond delay="0"/>
+                            </p:stCondLst>
+                            <p:childTnLst>
+                              <p:par>
+                                <p:cTn id="44" presetID="9" presetClass="entr" presetSubtype="0" fill="hold" nodeType="clickEffect">
+                                  <p:stCondLst>
+                                    <p:cond delay="0"/>
+                                  </p:stCondLst>
+                                  <p:childTnLst>
+                                    <p:set>
+                                      <p:cBhvr>
+                                        <p:cTn id="45" dur="1" fill="hold">
+                                          <p:stCondLst>
+                                            <p:cond delay="0"/>
+                                          </p:stCondLst>
+                                        </p:cTn>
+                                        <p:tgtEl>
+                                          <p:spTgt spid="29"/>
+                                        </p:tgtEl>
+                                        <p:attrNameLst>
+                                          <p:attrName>style.visibility</p:attrName>
+                                        </p:attrNameLst>
+                                      </p:cBhvr>
+                                      <p:to>
+                                        <p:strVal val="visible"/>
+                                      </p:to>
+                                    </p:set>
+                                    <p:animEffect transition="in" filter="dissolve">
+                                      <p:cBhvr>
+                                        <p:cTn id="46" dur="500"/>
+                                        <p:tgtEl>
+                                          <p:spTgt spid="29"/>
+                                        </p:tgtEl>
+                                      </p:cBhvr>
+                                    </p:animEffect>
+                                  </p:childTnLst>
+                                </p:cTn>
+                              </p:par>
+                            </p:childTnLst>
+                          </p:cTn>
+                        </p:par>
+                      </p:childTnLst>
+                    </p:cTn>
+                  </p:par>
+                  <p:par>
+                    <p:cTn id="47" fill="hold">
+                      <p:stCondLst>
+                        <p:cond delay="indefinite"/>
+                      </p:stCondLst>
+                      <p:childTnLst>
+                        <p:par>
+                          <p:cTn id="48" fill="hold">
+                            <p:stCondLst>
+                              <p:cond delay="0"/>
+                            </p:stCondLst>
+                            <p:childTnLst>
+                              <p:par>
+                                <p:cTn id="49" presetID="9" presetClass="entr" presetSubtype="0" fill="hold" grpId="0" nodeType="clickEffect">
+                                  <p:stCondLst>
+                                    <p:cond delay="0"/>
+                                  </p:stCondLst>
+                                  <p:childTnLst>
+                                    <p:set>
+                                      <p:cBhvr>
+                                        <p:cTn id="50" dur="1" fill="hold">
+                                          <p:stCondLst>
+                                            <p:cond delay="0"/>
+                                          </p:stCondLst>
+                                        </p:cTn>
+                                        <p:tgtEl>
+                                          <p:spTgt spid="39"/>
+                                        </p:tgtEl>
+                                        <p:attrNameLst>
+                                          <p:attrName>style.visibility</p:attrName>
+                                        </p:attrNameLst>
+                                      </p:cBhvr>
+                                      <p:to>
+                                        <p:strVal val="visible"/>
+                                      </p:to>
+                                    </p:set>
+                                    <p:animEffect transition="in" filter="dissolve">
+                                      <p:cBhvr>
+                                        <p:cTn id="51" dur="500"/>
+                                        <p:tgtEl>
+                                          <p:spTgt spid="39"/>
+                                        </p:tgtEl>
+                                      </p:cBhvr>
+                                    </p:animEffect>
+                                  </p:childTnLst>
+                                </p:cTn>
+                              </p:par>
+                              <p:par>
+                                <p:cTn id="52" presetID="9" presetClass="entr" presetSubtype="0" fill="hold" nodeType="withEffect">
+                                  <p:stCondLst>
+                                    <p:cond delay="0"/>
+                                  </p:stCondLst>
+                                  <p:childTnLst>
+                                    <p:set>
+                                      <p:cBhvr>
+                                        <p:cTn id="53" dur="1" fill="hold">
+                                          <p:stCondLst>
+                                            <p:cond delay="0"/>
+                                          </p:stCondLst>
+                                        </p:cTn>
+                                        <p:tgtEl>
+                                          <p:spTgt spid="38"/>
+                                        </p:tgtEl>
+                                        <p:attrNameLst>
+                                          <p:attrName>style.visibility</p:attrName>
+                                        </p:attrNameLst>
+                                      </p:cBhvr>
+                                      <p:to>
+                                        <p:strVal val="visible"/>
+                                      </p:to>
+                                    </p:set>
+                                    <p:animEffect transition="in" filter="dissolve">
+                                      <p:cBhvr>
+                                        <p:cTn id="54" dur="500"/>
+                                        <p:tgtEl>
+                                          <p:spTgt spid="38"/>
+                                        </p:tgtEl>
+                                      </p:cBhvr>
+                                    </p:animEffect>
+                                  </p:childTnLst>
+                                </p:cTn>
+                              </p:par>
+                            </p:childTnLst>
+                          </p:cTn>
+                        </p:par>
+                      </p:childTnLst>
+                    </p:cTn>
+                  </p:par>
+                  <p:par>
+                    <p:cTn id="55" fill="hold">
+                      <p:stCondLst>
+                        <p:cond delay="indefinite"/>
+                      </p:stCondLst>
+                      <p:childTnLst>
+                        <p:par>
+                          <p:cTn id="56" fill="hold">
+                            <p:stCondLst>
+                              <p:cond delay="0"/>
+                            </p:stCondLst>
+                            <p:childTnLst>
+                              <p:par>
+                                <p:cTn id="57" presetID="9" presetClass="entr" presetSubtype="0" fill="hold" nodeType="clickEffect">
+                                  <p:stCondLst>
+                                    <p:cond delay="0"/>
+                                  </p:stCondLst>
+                                  <p:childTnLst>
+                                    <p:set>
+                                      <p:cBhvr>
+                                        <p:cTn id="58" dur="1" fill="hold">
+                                          <p:stCondLst>
+                                            <p:cond delay="0"/>
+                                          </p:stCondLst>
+                                        </p:cTn>
+                                        <p:tgtEl>
+                                          <p:spTgt spid="41"/>
+                                        </p:tgtEl>
+                                        <p:attrNameLst>
+                                          <p:attrName>style.visibility</p:attrName>
+                                        </p:attrNameLst>
+                                      </p:cBhvr>
+                                      <p:to>
+                                        <p:strVal val="visible"/>
+                                      </p:to>
+                                    </p:set>
+                                    <p:animEffect transition="in" filter="dissolve">
+                                      <p:cBhvr>
+                                        <p:cTn id="59" dur="500"/>
+                                        <p:tgtEl>
+                                          <p:spTgt spid="41"/>
+                                        </p:tgtEl>
+                                      </p:cBhvr>
+                                    </p:animEffect>
+                                  </p:childTnLst>
+                                </p:cTn>
+                              </p:par>
+                              <p:par>
+                                <p:cTn id="60" presetID="9" presetClass="entr" presetSubtype="0" fill="hold" grpId="0" nodeType="withEffect">
+                                  <p:stCondLst>
+                                    <p:cond delay="0"/>
+                                  </p:stCondLst>
+                                  <p:childTnLst>
+                                    <p:set>
+                                      <p:cBhvr>
+                                        <p:cTn id="61" dur="1" fill="hold">
+                                          <p:stCondLst>
+                                            <p:cond delay="0"/>
+                                          </p:stCondLst>
+                                        </p:cTn>
+                                        <p:tgtEl>
+                                          <p:spTgt spid="45"/>
+                                        </p:tgtEl>
+                                        <p:attrNameLst>
+                                          <p:attrName>style.visibility</p:attrName>
+                                        </p:attrNameLst>
+                                      </p:cBhvr>
+                                      <p:to>
+                                        <p:strVal val="visible"/>
+                                      </p:to>
+                                    </p:set>
+                                    <p:animEffect transition="in" filter="dissolve">
+                                      <p:cBhvr>
+                                        <p:cTn id="62" dur="500"/>
+                                        <p:tgtEl>
+                                          <p:spTgt spid="45"/>
+                                        </p:tgtEl>
+                                      </p:cBhvr>
+                                    </p:animEffect>
+                                  </p:childTnLst>
+                                </p:cTn>
+                              </p:par>
+                            </p:childTnLst>
+                          </p:cTn>
+                        </p:par>
+                      </p:childTnLst>
+                    </p:cTn>
+                  </p:par>
+                </p:childTnLst>
+              </p:cTn>
+              <p:prevCondLst>
+                <p:cond evt="onPrev" delay="0">
+                  <p:tgtEl>
+                    <p:sldTgt/>
+                  </p:tgtEl>
+                </p:cond>
+              </p:prevCondLst>
+              <p:nextCondLst>
+                <p:cond evt="onNext" delay="0">
+                  <p:tgtEl>
+                    <p:sldTgt/>
+                  </p:tgtEl>
+                </p:cond>
+              </p:nextCondLst>
+            </p:seq>
+          </p:childTnLst>
+        </p:cTn>
+      </p:par>
+    </p:tnLst>
+    <p:bldLst>
+      <p:bldP spid="4" grpId="0" animBg="1"/>
+      <p:bldP spid="5" grpId="0" animBg="1"/>
+      <p:bldP spid="6" grpId="0" animBg="1"/>
+      <p:bldP spid="34" grpId="0"/>
+      <p:bldP spid="35" grpId="0"/>
+      <p:bldP spid="36" grpId="0"/>
+      <p:bldP spid="39" grpId="0"/>
+      <p:bldP spid="45" grpId="0"/>
+    </p:bldLst>
+  </p:timing>
+</p:sld>
+</file>
+
+<file path=ppt/slides/slide60.xml><?xml version="1.0" encoding="utf-8"?>
 <p:sld xmlns:a="http://schemas.openxmlformats.org/drawingml/2006/main" xmlns:r="http://schemas.openxmlformats.org/officeDocument/2006/relationships" xmlns:p="http://schemas.openxmlformats.org/presentationml/2006/main">
   <p:cSld>
     <p:spTree>
@@ -30828,7 +32612,7 @@
           <a:p>
             <a:fld id="{9FB96E3B-B03F-FB46-80E6-92BF4A93D60F}" type="slidenum">
               <a:rPr lang="en-US" smtClean="0"/>
-              <a:t>58</a:t>
+              <a:t>60</a:t>
             </a:fld>
             <a:endParaRPr lang="en-US"/>
           </a:p>
@@ -30854,7 +32638,7 @@
 </p:sld>
 </file>
 
-<file path=ppt/slides/slide59.xml><?xml version="1.0" encoding="utf-8"?>
+<file path=ppt/slides/slide61.xml><?xml version="1.0" encoding="utf-8"?>
 <p:sld xmlns:a="http://schemas.openxmlformats.org/drawingml/2006/main" xmlns:r="http://schemas.openxmlformats.org/officeDocument/2006/relationships" xmlns:p="http://schemas.openxmlformats.org/presentationml/2006/main">
   <p:cSld>
     <p:spTree>
@@ -32576,7 +34360,7 @@
           <a:p>
             <a:fld id="{9FB96E3B-B03F-FB46-80E6-92BF4A93D60F}" type="slidenum">
               <a:rPr lang="en-US" smtClean="0"/>
-              <a:t>59</a:t>
+              <a:t>61</a:t>
             </a:fld>
             <a:endParaRPr lang="en-US" dirty="0"/>
           </a:p>
@@ -34277,1472 +36061,7 @@
 </p:sld>
 </file>
 
-<file path=ppt/slides/slide6.xml><?xml version="1.0" encoding="utf-8"?>
-<p:sld xmlns:a="http://schemas.openxmlformats.org/drawingml/2006/main" xmlns:r="http://schemas.openxmlformats.org/officeDocument/2006/relationships" xmlns:p="http://schemas.openxmlformats.org/presentationml/2006/main">
-  <p:cSld>
-    <p:spTree>
-      <p:nvGrpSpPr>
-        <p:cNvPr id="1" name=""/>
-        <p:cNvGrpSpPr/>
-        <p:nvPr/>
-      </p:nvGrpSpPr>
-      <p:grpSpPr>
-        <a:xfrm>
-          <a:off x="0" y="0"/>
-          <a:ext cx="0" cy="0"/>
-          <a:chOff x="0" y="0"/>
-          <a:chExt cx="0" cy="0"/>
-        </a:xfrm>
-      </p:grpSpPr>
-      <p:sp>
-        <p:nvSpPr>
-          <p:cNvPr id="2" name="Title 1"/>
-          <p:cNvSpPr>
-            <a:spLocks noGrp="1"/>
-          </p:cNvSpPr>
-          <p:nvPr>
-            <p:ph type="title"/>
-          </p:nvPr>
-        </p:nvSpPr>
-        <p:spPr/>
-        <p:txBody>
-          <a:bodyPr>
-            <a:normAutofit fontScale="90000"/>
-          </a:bodyPr>
-          <a:lstStyle/>
-          <a:p>
-            <a:r>
-              <a:rPr lang="en-US" dirty="0"/>
-              <a:t>Context: replicated distributed systems </a:t>
-            </a:r>
-          </a:p>
-        </p:txBody>
-      </p:sp>
-      <p:sp>
-        <p:nvSpPr>
-          <p:cNvPr id="3" name="Content Placeholder 2"/>
-          <p:cNvSpPr>
-            <a:spLocks noGrp="1"/>
-          </p:cNvSpPr>
-          <p:nvPr>
-            <p:ph idx="1"/>
-          </p:nvPr>
-        </p:nvSpPr>
-        <p:spPr>
-          <a:xfrm>
-            <a:off x="457200" y="1600201"/>
-            <a:ext cx="8229600" cy="717444"/>
-          </a:xfrm>
-        </p:spPr>
-        <p:txBody>
-          <a:bodyPr/>
-          <a:lstStyle/>
-          <a:p>
-            <a:pPr marL="0" indent="0">
-              <a:buNone/>
-            </a:pPr>
-            <a:r>
-              <a:rPr lang="en-US" dirty="0" smtClean="0"/>
-              <a:t>Running example: a key-value store</a:t>
-            </a:r>
-          </a:p>
-          <a:p>
-            <a:pPr marL="0" indent="0">
-              <a:buNone/>
-            </a:pPr>
-            <a:endParaRPr lang="en-US" dirty="0"/>
-          </a:p>
-          <a:p>
-            <a:pPr marL="0" indent="0">
-              <a:buNone/>
-            </a:pPr>
-            <a:endParaRPr lang="en-US" dirty="0" smtClean="0"/>
-          </a:p>
-          <a:p>
-            <a:pPr marL="0" indent="0">
-              <a:buNone/>
-            </a:pPr>
-            <a:endParaRPr lang="en-US" dirty="0"/>
-          </a:p>
-        </p:txBody>
-      </p:sp>
-      <p:sp>
-        <p:nvSpPr>
-          <p:cNvPr id="4" name="Can 3"/>
-          <p:cNvSpPr/>
-          <p:nvPr/>
-        </p:nvSpPr>
-        <p:spPr>
-          <a:xfrm>
-            <a:off x="3997096" y="2579524"/>
-            <a:ext cx="1492631" cy="1780789"/>
-          </a:xfrm>
-          <a:prstGeom prst="can">
-            <a:avLst/>
-          </a:prstGeom>
-          <a:solidFill>
-            <a:schemeClr val="bg1"/>
-          </a:solidFill>
-          <a:ln>
-            <a:solidFill>
-              <a:schemeClr val="accent2">
-                <a:lumMod val="75000"/>
-              </a:schemeClr>
-            </a:solidFill>
-          </a:ln>
-        </p:spPr>
-        <p:style>
-          <a:lnRef idx="1">
-            <a:schemeClr val="accent1"/>
-          </a:lnRef>
-          <a:fillRef idx="3">
-            <a:schemeClr val="accent1"/>
-          </a:fillRef>
-          <a:effectRef idx="2">
-            <a:schemeClr val="accent1"/>
-          </a:effectRef>
-          <a:fontRef idx="minor">
-            <a:schemeClr val="lt1"/>
-          </a:fontRef>
-        </p:style>
-        <p:txBody>
-          <a:bodyPr rtlCol="0" anchor="ctr"/>
-          <a:lstStyle/>
-          <a:p>
-            <a:pPr algn="ctr"/>
-            <a:endParaRPr lang="en-US" dirty="0"/>
-          </a:p>
-        </p:txBody>
-      </p:sp>
-      <p:sp>
-        <p:nvSpPr>
-          <p:cNvPr id="5" name="Can 4"/>
-          <p:cNvSpPr/>
-          <p:nvPr/>
-        </p:nvSpPr>
-        <p:spPr>
-          <a:xfrm>
-            <a:off x="5489727" y="4761500"/>
-            <a:ext cx="1492631" cy="1780789"/>
-          </a:xfrm>
-          <a:prstGeom prst="can">
-            <a:avLst/>
-          </a:prstGeom>
-          <a:solidFill>
-            <a:schemeClr val="bg1"/>
-          </a:solidFill>
-          <a:ln>
-            <a:solidFill>
-              <a:schemeClr val="accent2">
-                <a:lumMod val="75000"/>
-              </a:schemeClr>
-            </a:solidFill>
-          </a:ln>
-        </p:spPr>
-        <p:style>
-          <a:lnRef idx="1">
-            <a:schemeClr val="accent1"/>
-          </a:lnRef>
-          <a:fillRef idx="3">
-            <a:schemeClr val="accent1"/>
-          </a:fillRef>
-          <a:effectRef idx="2">
-            <a:schemeClr val="accent1"/>
-          </a:effectRef>
-          <a:fontRef idx="minor">
-            <a:schemeClr val="lt1"/>
-          </a:fontRef>
-        </p:style>
-        <p:txBody>
-          <a:bodyPr rtlCol="0" anchor="ctr"/>
-          <a:lstStyle/>
-          <a:p>
-            <a:pPr algn="ctr"/>
-            <a:endParaRPr lang="en-US"/>
-          </a:p>
-        </p:txBody>
-      </p:sp>
-      <p:sp>
-        <p:nvSpPr>
-          <p:cNvPr id="6" name="Can 5"/>
-          <p:cNvSpPr/>
-          <p:nvPr/>
-        </p:nvSpPr>
-        <p:spPr>
-          <a:xfrm>
-            <a:off x="6982358" y="2579524"/>
-            <a:ext cx="1492631" cy="1780789"/>
-          </a:xfrm>
-          <a:prstGeom prst="can">
-            <a:avLst/>
-          </a:prstGeom>
-          <a:solidFill>
-            <a:schemeClr val="bg1"/>
-          </a:solidFill>
-          <a:ln>
-            <a:solidFill>
-              <a:schemeClr val="accent2">
-                <a:lumMod val="75000"/>
-              </a:schemeClr>
-            </a:solidFill>
-          </a:ln>
-        </p:spPr>
-        <p:style>
-          <a:lnRef idx="1">
-            <a:schemeClr val="accent1"/>
-          </a:lnRef>
-          <a:fillRef idx="3">
-            <a:schemeClr val="accent1"/>
-          </a:fillRef>
-          <a:effectRef idx="2">
-            <a:schemeClr val="accent1"/>
-          </a:effectRef>
-          <a:fontRef idx="minor">
-            <a:schemeClr val="lt1"/>
-          </a:fontRef>
-        </p:style>
-        <p:txBody>
-          <a:bodyPr rtlCol="0" anchor="ctr"/>
-          <a:lstStyle/>
-          <a:p>
-            <a:pPr algn="ctr"/>
-            <a:endParaRPr lang="en-US"/>
-          </a:p>
-        </p:txBody>
-      </p:sp>
-      <p:pic>
-        <p:nvPicPr>
-          <p:cNvPr id="9" name="Picture 8" descr="clipart_computer.gif"/>
-          <p:cNvPicPr>
-            <a:picLocks noChangeAspect="1"/>
-          </p:cNvPicPr>
-          <p:nvPr/>
-        </p:nvPicPr>
-        <p:blipFill>
-          <a:blip r:embed="rId2">
-            <a:extLst>
-              <a:ext uri="{28A0092B-C50C-407E-A947-70E740481C1C}">
-                <a14:useLocalDpi xmlns:a14="http://schemas.microsoft.com/office/drawing/2010/main" val="0"/>
-              </a:ext>
-            </a:extLst>
-          </a:blip>
-          <a:stretch>
-            <a:fillRect/>
-          </a:stretch>
-        </p:blipFill>
-        <p:spPr>
-          <a:xfrm>
-            <a:off x="653599" y="2963903"/>
-            <a:ext cx="1271109" cy="951213"/>
-          </a:xfrm>
-          <a:prstGeom prst="rect">
-            <a:avLst/>
-          </a:prstGeom>
-        </p:spPr>
-      </p:pic>
-      <p:grpSp>
-        <p:nvGrpSpPr>
-          <p:cNvPr id="28" name="Group 27"/>
-          <p:cNvGrpSpPr/>
-          <p:nvPr/>
-        </p:nvGrpSpPr>
-        <p:grpSpPr>
-          <a:xfrm>
-            <a:off x="5547351" y="3352072"/>
-            <a:ext cx="1305670" cy="1270122"/>
-            <a:chOff x="5489727" y="3352072"/>
-            <a:chExt cx="1305670" cy="1270122"/>
-          </a:xfrm>
-        </p:grpSpPr>
-        <p:cxnSp>
-          <p:nvCxnSpPr>
-            <p:cNvPr id="22" name="Straight Arrow Connector 21"/>
-            <p:cNvCxnSpPr/>
-            <p:nvPr/>
-          </p:nvCxnSpPr>
-          <p:spPr>
-            <a:xfrm>
-              <a:off x="5489727" y="3352072"/>
-              <a:ext cx="1305670" cy="0"/>
-            </a:xfrm>
-            <a:prstGeom prst="straightConnector1">
-              <a:avLst/>
-            </a:prstGeom>
-            <a:ln>
-              <a:solidFill>
-                <a:schemeClr val="bg1">
-                  <a:lumMod val="50000"/>
-                </a:schemeClr>
-              </a:solidFill>
-              <a:headEnd type="arrow"/>
-              <a:tailEnd type="arrow"/>
-            </a:ln>
-          </p:spPr>
-          <p:style>
-            <a:lnRef idx="2">
-              <a:schemeClr val="accent1"/>
-            </a:lnRef>
-            <a:fillRef idx="0">
-              <a:schemeClr val="accent1"/>
-            </a:fillRef>
-            <a:effectRef idx="1">
-              <a:schemeClr val="accent1"/>
-            </a:effectRef>
-            <a:fontRef idx="minor">
-              <a:schemeClr val="tx1"/>
-            </a:fontRef>
-          </p:style>
-        </p:cxnSp>
-        <p:cxnSp>
-          <p:nvCxnSpPr>
-            <p:cNvPr id="24" name="Straight Arrow Connector 23"/>
-            <p:cNvCxnSpPr/>
-            <p:nvPr/>
-          </p:nvCxnSpPr>
-          <p:spPr>
-            <a:xfrm>
-              <a:off x="5489727" y="3504472"/>
-              <a:ext cx="616448" cy="1117722"/>
-            </a:xfrm>
-            <a:prstGeom prst="straightConnector1">
-              <a:avLst/>
-            </a:prstGeom>
-            <a:ln>
-              <a:solidFill>
-                <a:schemeClr val="bg1">
-                  <a:lumMod val="50000"/>
-                </a:schemeClr>
-              </a:solidFill>
-              <a:headEnd type="arrow"/>
-              <a:tailEnd type="arrow"/>
-            </a:ln>
-          </p:spPr>
-          <p:style>
-            <a:lnRef idx="2">
-              <a:schemeClr val="accent1"/>
-            </a:lnRef>
-            <a:fillRef idx="0">
-              <a:schemeClr val="accent1"/>
-            </a:fillRef>
-            <a:effectRef idx="1">
-              <a:schemeClr val="accent1"/>
-            </a:effectRef>
-            <a:fontRef idx="minor">
-              <a:schemeClr val="tx1"/>
-            </a:fontRef>
-          </p:style>
-        </p:cxnSp>
-        <p:cxnSp>
-          <p:nvCxnSpPr>
-            <p:cNvPr id="26" name="Straight Arrow Connector 25"/>
-            <p:cNvCxnSpPr/>
-            <p:nvPr/>
-          </p:nvCxnSpPr>
-          <p:spPr>
-            <a:xfrm flipH="1">
-              <a:off x="6200186" y="3500289"/>
-              <a:ext cx="595211" cy="1121905"/>
-            </a:xfrm>
-            <a:prstGeom prst="straightConnector1">
-              <a:avLst/>
-            </a:prstGeom>
-            <a:ln>
-              <a:solidFill>
-                <a:schemeClr val="bg1">
-                  <a:lumMod val="50000"/>
-                </a:schemeClr>
-              </a:solidFill>
-              <a:headEnd type="arrow"/>
-              <a:tailEnd type="arrow"/>
-            </a:ln>
-          </p:spPr>
-          <p:style>
-            <a:lnRef idx="2">
-              <a:schemeClr val="accent1"/>
-            </a:lnRef>
-            <a:fillRef idx="0">
-              <a:schemeClr val="accent1"/>
-            </a:fillRef>
-            <a:effectRef idx="1">
-              <a:schemeClr val="accent1"/>
-            </a:effectRef>
-            <a:fontRef idx="minor">
-              <a:schemeClr val="tx1"/>
-            </a:fontRef>
-          </p:style>
-        </p:cxnSp>
-      </p:grpSp>
-      <p:pic>
-        <p:nvPicPr>
-          <p:cNvPr id="29" name="Picture 28" descr="clipart_computer.gif"/>
-          <p:cNvPicPr>
-            <a:picLocks noChangeAspect="1"/>
-          </p:cNvPicPr>
-          <p:nvPr/>
-        </p:nvPicPr>
-        <p:blipFill>
-          <a:blip r:embed="rId2">
-            <a:extLst>
-              <a:ext uri="{28A0092B-C50C-407E-A947-70E740481C1C}">
-                <a14:useLocalDpi xmlns:a14="http://schemas.microsoft.com/office/drawing/2010/main" val="0"/>
-              </a:ext>
-            </a:extLst>
-          </a:blip>
-          <a:stretch>
-            <a:fillRect/>
-          </a:stretch>
-        </p:blipFill>
-        <p:spPr>
-          <a:xfrm>
-            <a:off x="1657060" y="5276819"/>
-            <a:ext cx="1271109" cy="951213"/>
-          </a:xfrm>
-          <a:prstGeom prst="rect">
-            <a:avLst/>
-          </a:prstGeom>
-        </p:spPr>
-      </p:pic>
-      <p:grpSp>
-        <p:nvGrpSpPr>
-          <p:cNvPr id="33" name="Group 32"/>
-          <p:cNvGrpSpPr/>
-          <p:nvPr/>
-        </p:nvGrpSpPr>
-        <p:grpSpPr>
-          <a:xfrm>
-            <a:off x="2029454" y="3191162"/>
-            <a:ext cx="1833055" cy="313310"/>
-            <a:chOff x="2029454" y="3191162"/>
-            <a:chExt cx="1833055" cy="313310"/>
-          </a:xfrm>
-        </p:grpSpPr>
-        <p:cxnSp>
-          <p:nvCxnSpPr>
-            <p:cNvPr id="31" name="Straight Arrow Connector 30"/>
-            <p:cNvCxnSpPr/>
-            <p:nvPr/>
-          </p:nvCxnSpPr>
-          <p:spPr>
-            <a:xfrm>
-              <a:off x="2029454" y="3500289"/>
-              <a:ext cx="1833055" cy="4183"/>
-            </a:xfrm>
-            <a:prstGeom prst="straightConnector1">
-              <a:avLst/>
-            </a:prstGeom>
-            <a:ln>
-              <a:solidFill>
-                <a:schemeClr val="tx1"/>
-              </a:solidFill>
-              <a:tailEnd type="arrow"/>
-            </a:ln>
-          </p:spPr>
-          <p:style>
-            <a:lnRef idx="2">
-              <a:schemeClr val="accent1"/>
-            </a:lnRef>
-            <a:fillRef idx="0">
-              <a:schemeClr val="accent1"/>
-            </a:fillRef>
-            <a:effectRef idx="1">
-              <a:schemeClr val="accent1"/>
-            </a:effectRef>
-            <a:fontRef idx="minor">
-              <a:schemeClr val="tx1"/>
-            </a:fontRef>
-          </p:style>
-        </p:cxnSp>
-        <p:sp>
-          <p:nvSpPr>
-            <p:cNvPr id="32" name="TextBox 31"/>
-            <p:cNvSpPr txBox="1"/>
-            <p:nvPr/>
-          </p:nvSpPr>
-          <p:spPr>
-            <a:xfrm>
-              <a:off x="2094803" y="3191162"/>
-              <a:ext cx="1767706" cy="307777"/>
-            </a:xfrm>
-            <a:prstGeom prst="rect">
-              <a:avLst/>
-            </a:prstGeom>
-            <a:noFill/>
-          </p:spPr>
-          <p:txBody>
-            <a:bodyPr wrap="none" rtlCol="0">
-              <a:spAutoFit/>
-            </a:bodyPr>
-            <a:lstStyle/>
-            <a:p>
-              <a:r>
-                <a:rPr lang="en-US" sz="1400" dirty="0" smtClean="0"/>
-                <a:t>put(“dinner”, “pizza”)</a:t>
-              </a:r>
-              <a:endParaRPr lang="en-US" sz="1400" dirty="0"/>
-            </a:p>
-          </p:txBody>
-        </p:sp>
-      </p:grpSp>
-      <p:sp>
-        <p:nvSpPr>
-          <p:cNvPr id="34" name="TextBox 33"/>
-          <p:cNvSpPr txBox="1"/>
-          <p:nvPr/>
-        </p:nvSpPr>
-        <p:spPr>
-          <a:xfrm>
-            <a:off x="4176747" y="3352072"/>
-            <a:ext cx="1210863" cy="307777"/>
-          </a:xfrm>
-          <a:prstGeom prst="rect">
-            <a:avLst/>
-          </a:prstGeom>
-          <a:noFill/>
-        </p:spPr>
-        <p:txBody>
-          <a:bodyPr wrap="none" rtlCol="0">
-            <a:spAutoFit/>
-          </a:bodyPr>
-          <a:lstStyle/>
-          <a:p>
-            <a:r>
-              <a:rPr lang="en-US" sz="1400" dirty="0"/>
-              <a:t>Dinner = pizza</a:t>
-            </a:r>
-            <a:endParaRPr lang="en-US" sz="1400" dirty="0"/>
-          </a:p>
-        </p:txBody>
-      </p:sp>
-      <p:sp>
-        <p:nvSpPr>
-          <p:cNvPr id="35" name="TextBox 34"/>
-          <p:cNvSpPr txBox="1"/>
-          <p:nvPr/>
-        </p:nvSpPr>
-        <p:spPr>
-          <a:xfrm>
-            <a:off x="5652378" y="5583107"/>
-            <a:ext cx="1210863" cy="307777"/>
-          </a:xfrm>
-          <a:prstGeom prst="rect">
-            <a:avLst/>
-          </a:prstGeom>
-          <a:noFill/>
-        </p:spPr>
-        <p:txBody>
-          <a:bodyPr wrap="none" rtlCol="0">
-            <a:spAutoFit/>
-          </a:bodyPr>
-          <a:lstStyle/>
-          <a:p>
-            <a:r>
-              <a:rPr lang="en-US" sz="1400" dirty="0"/>
-              <a:t>Dinner = pizza</a:t>
-            </a:r>
-            <a:endParaRPr lang="en-US" sz="1400" dirty="0"/>
-          </a:p>
-        </p:txBody>
-      </p:sp>
-      <p:sp>
-        <p:nvSpPr>
-          <p:cNvPr id="36" name="TextBox 35"/>
-          <p:cNvSpPr txBox="1"/>
-          <p:nvPr/>
-        </p:nvSpPr>
-        <p:spPr>
-          <a:xfrm>
-            <a:off x="7165665" y="3394186"/>
-            <a:ext cx="1210863" cy="307777"/>
-          </a:xfrm>
-          <a:prstGeom prst="rect">
-            <a:avLst/>
-          </a:prstGeom>
-          <a:noFill/>
-        </p:spPr>
-        <p:txBody>
-          <a:bodyPr wrap="none" rtlCol="0">
-            <a:spAutoFit/>
-          </a:bodyPr>
-          <a:lstStyle/>
-          <a:p>
-            <a:r>
-              <a:rPr lang="en-US" sz="1400" dirty="0"/>
-              <a:t>Dinner = pizza</a:t>
-            </a:r>
-            <a:endParaRPr lang="en-US" sz="1400" dirty="0"/>
-          </a:p>
-        </p:txBody>
-      </p:sp>
-      <p:cxnSp>
-        <p:nvCxnSpPr>
-          <p:cNvPr id="38" name="Straight Arrow Connector 37"/>
-          <p:cNvCxnSpPr/>
-          <p:nvPr/>
-        </p:nvCxnSpPr>
-        <p:spPr>
-          <a:xfrm>
-            <a:off x="3129287" y="5564399"/>
-            <a:ext cx="2123923" cy="4183"/>
-          </a:xfrm>
-          <a:prstGeom prst="straightConnector1">
-            <a:avLst/>
-          </a:prstGeom>
-          <a:ln>
-            <a:solidFill>
-              <a:schemeClr val="tx1"/>
-            </a:solidFill>
-            <a:tailEnd type="arrow"/>
-          </a:ln>
-        </p:spPr>
-        <p:style>
-          <a:lnRef idx="2">
-            <a:schemeClr val="accent1"/>
-          </a:lnRef>
-          <a:fillRef idx="0">
-            <a:schemeClr val="accent1"/>
-          </a:fillRef>
-          <a:effectRef idx="1">
-            <a:schemeClr val="accent1"/>
-          </a:effectRef>
-          <a:fontRef idx="minor">
-            <a:schemeClr val="tx1"/>
-          </a:fontRef>
-        </p:style>
-      </p:cxnSp>
-      <p:sp>
-        <p:nvSpPr>
-          <p:cNvPr id="39" name="TextBox 38"/>
-          <p:cNvSpPr txBox="1"/>
-          <p:nvPr/>
-        </p:nvSpPr>
-        <p:spPr>
-          <a:xfrm>
-            <a:off x="3599806" y="5256622"/>
-            <a:ext cx="1153882" cy="307777"/>
-          </a:xfrm>
-          <a:prstGeom prst="rect">
-            <a:avLst/>
-          </a:prstGeom>
-          <a:noFill/>
-        </p:spPr>
-        <p:txBody>
-          <a:bodyPr wrap="none" rtlCol="0">
-            <a:spAutoFit/>
-          </a:bodyPr>
-          <a:lstStyle/>
-          <a:p>
-            <a:r>
-              <a:rPr lang="en-US" sz="1400" dirty="0" smtClean="0"/>
-              <a:t>get(“dinner”)</a:t>
-            </a:r>
-            <a:endParaRPr lang="en-US" sz="1400" dirty="0"/>
-          </a:p>
-        </p:txBody>
-      </p:sp>
-      <p:cxnSp>
-        <p:nvCxnSpPr>
-          <p:cNvPr id="41" name="Straight Arrow Connector 40"/>
-          <p:cNvCxnSpPr/>
-          <p:nvPr/>
-        </p:nvCxnSpPr>
-        <p:spPr>
-          <a:xfrm flipH="1">
-            <a:off x="3129287" y="6083998"/>
-            <a:ext cx="2123924" cy="0"/>
-          </a:xfrm>
-          <a:prstGeom prst="straightConnector1">
-            <a:avLst/>
-          </a:prstGeom>
-          <a:ln>
-            <a:solidFill>
-              <a:schemeClr val="tx1"/>
-            </a:solidFill>
-            <a:tailEnd type="arrow"/>
-          </a:ln>
-        </p:spPr>
-        <p:style>
-          <a:lnRef idx="2">
-            <a:schemeClr val="accent1"/>
-          </a:lnRef>
-          <a:fillRef idx="0">
-            <a:schemeClr val="accent1"/>
-          </a:fillRef>
-          <a:effectRef idx="1">
-            <a:schemeClr val="accent1"/>
-          </a:effectRef>
-          <a:fontRef idx="minor">
-            <a:schemeClr val="tx1"/>
-          </a:fontRef>
-        </p:style>
-      </p:cxnSp>
-      <p:sp>
-        <p:nvSpPr>
-          <p:cNvPr id="45" name="TextBox 44"/>
-          <p:cNvSpPr txBox="1"/>
-          <p:nvPr/>
-        </p:nvSpPr>
-        <p:spPr>
-          <a:xfrm>
-            <a:off x="3829179" y="5776221"/>
-            <a:ext cx="695135" cy="307777"/>
-          </a:xfrm>
-          <a:prstGeom prst="rect">
-            <a:avLst/>
-          </a:prstGeom>
-          <a:noFill/>
-        </p:spPr>
-        <p:txBody>
-          <a:bodyPr wrap="none" rtlCol="0">
-            <a:spAutoFit/>
-          </a:bodyPr>
-          <a:lstStyle/>
-          <a:p>
-            <a:r>
-              <a:rPr lang="en-US" sz="1400" dirty="0" smtClean="0"/>
-              <a:t>“pizza”</a:t>
-            </a:r>
-            <a:endParaRPr lang="en-US" sz="1400" dirty="0"/>
-          </a:p>
-        </p:txBody>
-      </p:sp>
-    </p:spTree>
-    <p:extLst>
-      <p:ext uri="{BB962C8B-B14F-4D97-AF65-F5344CB8AC3E}">
-        <p14:creationId xmlns:p14="http://schemas.microsoft.com/office/powerpoint/2010/main" val="2278119010"/>
-      </p:ext>
-    </p:extLst>
-  </p:cSld>
-  <p:clrMapOvr>
-    <a:masterClrMapping/>
-  </p:clrMapOvr>
-  <p:timing>
-    <p:tnLst>
-      <p:par>
-        <p:cTn xmlns:p14="http://schemas.microsoft.com/office/powerpoint/2010/main" id="1" dur="indefinite" restart="never" nodeType="tmRoot">
-          <p:childTnLst>
-            <p:seq concurrent="1" nextAc="seek">
-              <p:cTn id="2" dur="indefinite" nodeType="mainSeq">
-                <p:childTnLst>
-                  <p:par>
-                    <p:cTn id="3" fill="hold">
-                      <p:stCondLst>
-                        <p:cond delay="indefinite"/>
-                      </p:stCondLst>
-                      <p:childTnLst>
-                        <p:par>
-                          <p:cTn id="4" fill="hold">
-                            <p:stCondLst>
-                              <p:cond delay="0"/>
-                            </p:stCondLst>
-                            <p:childTnLst>
-                              <p:par>
-                                <p:cTn id="5" presetID="1" presetClass="entr" presetSubtype="0" fill="hold" grpId="0" nodeType="clickEffect">
-                                  <p:stCondLst>
-                                    <p:cond delay="0"/>
-                                  </p:stCondLst>
-                                  <p:childTnLst>
-                                    <p:set>
-                                      <p:cBhvr>
-                                        <p:cTn id="6" dur="1" fill="hold">
-                                          <p:stCondLst>
-                                            <p:cond delay="0"/>
-                                          </p:stCondLst>
-                                        </p:cTn>
-                                        <p:tgtEl>
-                                          <p:spTgt spid="4"/>
-                                        </p:tgtEl>
-                                        <p:attrNameLst>
-                                          <p:attrName>style.visibility</p:attrName>
-                                        </p:attrNameLst>
-                                      </p:cBhvr>
-                                      <p:to>
-                                        <p:strVal val="visible"/>
-                                      </p:to>
-                                    </p:set>
-                                  </p:childTnLst>
-                                </p:cTn>
-                              </p:par>
-                            </p:childTnLst>
-                          </p:cTn>
-                        </p:par>
-                      </p:childTnLst>
-                    </p:cTn>
-                  </p:par>
-                  <p:par>
-                    <p:cTn id="7" fill="hold">
-                      <p:stCondLst>
-                        <p:cond delay="indefinite"/>
-                      </p:stCondLst>
-                      <p:childTnLst>
-                        <p:par>
-                          <p:cTn id="8" fill="hold">
-                            <p:stCondLst>
-                              <p:cond delay="0"/>
-                            </p:stCondLst>
-                            <p:childTnLst>
-                              <p:par>
-                                <p:cTn id="9" presetID="1" presetClass="entr" presetSubtype="0" fill="hold" grpId="0" nodeType="clickEffect">
-                                  <p:stCondLst>
-                                    <p:cond delay="0"/>
-                                  </p:stCondLst>
-                                  <p:childTnLst>
-                                    <p:set>
-                                      <p:cBhvr>
-                                        <p:cTn id="10" dur="1" fill="hold">
-                                          <p:stCondLst>
-                                            <p:cond delay="0"/>
-                                          </p:stCondLst>
-                                        </p:cTn>
-                                        <p:tgtEl>
-                                          <p:spTgt spid="6"/>
-                                        </p:tgtEl>
-                                        <p:attrNameLst>
-                                          <p:attrName>style.visibility</p:attrName>
-                                        </p:attrNameLst>
-                                      </p:cBhvr>
-                                      <p:to>
-                                        <p:strVal val="visible"/>
-                                      </p:to>
-                                    </p:set>
-                                  </p:childTnLst>
-                                </p:cTn>
-                              </p:par>
-                              <p:par>
-                                <p:cTn id="11" presetID="1" presetClass="entr" presetSubtype="0" fill="hold" grpId="0" nodeType="withEffect">
-                                  <p:stCondLst>
-                                    <p:cond delay="0"/>
-                                  </p:stCondLst>
-                                  <p:childTnLst>
-                                    <p:set>
-                                      <p:cBhvr>
-                                        <p:cTn id="12" dur="1" fill="hold">
-                                          <p:stCondLst>
-                                            <p:cond delay="0"/>
-                                          </p:stCondLst>
-                                        </p:cTn>
-                                        <p:tgtEl>
-                                          <p:spTgt spid="5"/>
-                                        </p:tgtEl>
-                                        <p:attrNameLst>
-                                          <p:attrName>style.visibility</p:attrName>
-                                        </p:attrNameLst>
-                                      </p:cBhvr>
-                                      <p:to>
-                                        <p:strVal val="visible"/>
-                                      </p:to>
-                                    </p:set>
-                                  </p:childTnLst>
-                                </p:cTn>
-                              </p:par>
-                            </p:childTnLst>
-                          </p:cTn>
-                        </p:par>
-                      </p:childTnLst>
-                    </p:cTn>
-                  </p:par>
-                  <p:par>
-                    <p:cTn id="13" fill="hold">
-                      <p:stCondLst>
-                        <p:cond delay="indefinite"/>
-                      </p:stCondLst>
-                      <p:childTnLst>
-                        <p:par>
-                          <p:cTn id="14" fill="hold">
-                            <p:stCondLst>
-                              <p:cond delay="0"/>
-                            </p:stCondLst>
-                            <p:childTnLst>
-                              <p:par>
-                                <p:cTn id="15" presetID="9" presetClass="entr" presetSubtype="0" fill="hold" nodeType="clickEffect">
-                                  <p:stCondLst>
-                                    <p:cond delay="0"/>
-                                  </p:stCondLst>
-                                  <p:childTnLst>
-                                    <p:set>
-                                      <p:cBhvr>
-                                        <p:cTn id="16" dur="1" fill="hold">
-                                          <p:stCondLst>
-                                            <p:cond delay="0"/>
-                                          </p:stCondLst>
-                                        </p:cTn>
-                                        <p:tgtEl>
-                                          <p:spTgt spid="9"/>
-                                        </p:tgtEl>
-                                        <p:attrNameLst>
-                                          <p:attrName>style.visibility</p:attrName>
-                                        </p:attrNameLst>
-                                      </p:cBhvr>
-                                      <p:to>
-                                        <p:strVal val="visible"/>
-                                      </p:to>
-                                    </p:set>
-                                    <p:animEffect transition="in" filter="dissolve">
-                                      <p:cBhvr>
-                                        <p:cTn id="17" dur="500"/>
-                                        <p:tgtEl>
-                                          <p:spTgt spid="9"/>
-                                        </p:tgtEl>
-                                      </p:cBhvr>
-                                    </p:animEffect>
-                                  </p:childTnLst>
-                                </p:cTn>
-                              </p:par>
-                            </p:childTnLst>
-                          </p:cTn>
-                        </p:par>
-                      </p:childTnLst>
-                    </p:cTn>
-                  </p:par>
-                  <p:par>
-                    <p:cTn id="18" fill="hold">
-                      <p:stCondLst>
-                        <p:cond delay="indefinite"/>
-                      </p:stCondLst>
-                      <p:childTnLst>
-                        <p:par>
-                          <p:cTn id="19" fill="hold">
-                            <p:stCondLst>
-                              <p:cond delay="0"/>
-                            </p:stCondLst>
-                            <p:childTnLst>
-                              <p:par>
-                                <p:cTn id="20" presetID="9" presetClass="entr" presetSubtype="0" fill="hold" nodeType="clickEffect">
-                                  <p:stCondLst>
-                                    <p:cond delay="0"/>
-                                  </p:stCondLst>
-                                  <p:childTnLst>
-                                    <p:set>
-                                      <p:cBhvr>
-                                        <p:cTn id="21" dur="1" fill="hold">
-                                          <p:stCondLst>
-                                            <p:cond delay="0"/>
-                                          </p:stCondLst>
-                                        </p:cTn>
-                                        <p:tgtEl>
-                                          <p:spTgt spid="33"/>
-                                        </p:tgtEl>
-                                        <p:attrNameLst>
-                                          <p:attrName>style.visibility</p:attrName>
-                                        </p:attrNameLst>
-                                      </p:cBhvr>
-                                      <p:to>
-                                        <p:strVal val="visible"/>
-                                      </p:to>
-                                    </p:set>
-                                    <p:animEffect transition="in" filter="dissolve">
-                                      <p:cBhvr>
-                                        <p:cTn id="22" dur="500"/>
-                                        <p:tgtEl>
-                                          <p:spTgt spid="33"/>
-                                        </p:tgtEl>
-                                      </p:cBhvr>
-                                    </p:animEffect>
-                                  </p:childTnLst>
-                                </p:cTn>
-                              </p:par>
-                            </p:childTnLst>
-                          </p:cTn>
-                        </p:par>
-                      </p:childTnLst>
-                    </p:cTn>
-                  </p:par>
-                  <p:par>
-                    <p:cTn id="23" fill="hold">
-                      <p:stCondLst>
-                        <p:cond delay="indefinite"/>
-                      </p:stCondLst>
-                      <p:childTnLst>
-                        <p:par>
-                          <p:cTn id="24" fill="hold">
-                            <p:stCondLst>
-                              <p:cond delay="0"/>
-                            </p:stCondLst>
-                            <p:childTnLst>
-                              <p:par>
-                                <p:cTn id="25" presetID="9" presetClass="entr" presetSubtype="0" fill="hold" grpId="0" nodeType="clickEffect">
-                                  <p:stCondLst>
-                                    <p:cond delay="0"/>
-                                  </p:stCondLst>
-                                  <p:childTnLst>
-                                    <p:set>
-                                      <p:cBhvr>
-                                        <p:cTn id="26" dur="1" fill="hold">
-                                          <p:stCondLst>
-                                            <p:cond delay="0"/>
-                                          </p:stCondLst>
-                                        </p:cTn>
-                                        <p:tgtEl>
-                                          <p:spTgt spid="34"/>
-                                        </p:tgtEl>
-                                        <p:attrNameLst>
-                                          <p:attrName>style.visibility</p:attrName>
-                                        </p:attrNameLst>
-                                      </p:cBhvr>
-                                      <p:to>
-                                        <p:strVal val="visible"/>
-                                      </p:to>
-                                    </p:set>
-                                    <p:animEffect transition="in" filter="dissolve">
-                                      <p:cBhvr>
-                                        <p:cTn id="27" dur="500"/>
-                                        <p:tgtEl>
-                                          <p:spTgt spid="34"/>
-                                        </p:tgtEl>
-                                      </p:cBhvr>
-                                    </p:animEffect>
-                                  </p:childTnLst>
-                                </p:cTn>
-                              </p:par>
-                            </p:childTnLst>
-                          </p:cTn>
-                        </p:par>
-                      </p:childTnLst>
-                    </p:cTn>
-                  </p:par>
-                  <p:par>
-                    <p:cTn id="28" fill="hold">
-                      <p:stCondLst>
-                        <p:cond delay="indefinite"/>
-                      </p:stCondLst>
-                      <p:childTnLst>
-                        <p:par>
-                          <p:cTn id="29" fill="hold">
-                            <p:stCondLst>
-                              <p:cond delay="0"/>
-                            </p:stCondLst>
-                            <p:childTnLst>
-                              <p:par>
-                                <p:cTn id="30" presetID="23" presetClass="entr" presetSubtype="16" fill="hold" nodeType="clickEffect">
-                                  <p:stCondLst>
-                                    <p:cond delay="0"/>
-                                  </p:stCondLst>
-                                  <p:childTnLst>
-                                    <p:set>
-                                      <p:cBhvr>
-                                        <p:cTn id="31" dur="1" fill="hold">
-                                          <p:stCondLst>
-                                            <p:cond delay="0"/>
-                                          </p:stCondLst>
-                                        </p:cTn>
-                                        <p:tgtEl>
-                                          <p:spTgt spid="28"/>
-                                        </p:tgtEl>
-                                        <p:attrNameLst>
-                                          <p:attrName>style.visibility</p:attrName>
-                                        </p:attrNameLst>
-                                      </p:cBhvr>
-                                      <p:to>
-                                        <p:strVal val="visible"/>
-                                      </p:to>
-                                    </p:set>
-                                    <p:anim calcmode="lin" valueType="num">
-                                      <p:cBhvr>
-                                        <p:cTn id="32" dur="500" fill="hold"/>
-                                        <p:tgtEl>
-                                          <p:spTgt spid="28"/>
-                                        </p:tgtEl>
-                                        <p:attrNameLst>
-                                          <p:attrName>ppt_w</p:attrName>
-                                        </p:attrNameLst>
-                                      </p:cBhvr>
-                                      <p:tavLst>
-                                        <p:tav tm="0">
-                                          <p:val>
-                                            <p:fltVal val="0"/>
-                                          </p:val>
-                                        </p:tav>
-                                        <p:tav tm="100000">
-                                          <p:val>
-                                            <p:strVal val="#ppt_w"/>
-                                          </p:val>
-                                        </p:tav>
-                                      </p:tavLst>
-                                    </p:anim>
-                                    <p:anim calcmode="lin" valueType="num">
-                                      <p:cBhvr>
-                                        <p:cTn id="33" dur="500" fill="hold"/>
-                                        <p:tgtEl>
-                                          <p:spTgt spid="28"/>
-                                        </p:tgtEl>
-                                        <p:attrNameLst>
-                                          <p:attrName>ppt_h</p:attrName>
-                                        </p:attrNameLst>
-                                      </p:cBhvr>
-                                      <p:tavLst>
-                                        <p:tav tm="0">
-                                          <p:val>
-                                            <p:fltVal val="0"/>
-                                          </p:val>
-                                        </p:tav>
-                                        <p:tav tm="100000">
-                                          <p:val>
-                                            <p:strVal val="#ppt_h"/>
-                                          </p:val>
-                                        </p:tav>
-                                      </p:tavLst>
-                                    </p:anim>
-                                  </p:childTnLst>
-                                </p:cTn>
-                              </p:par>
-                            </p:childTnLst>
-                          </p:cTn>
-                        </p:par>
-                      </p:childTnLst>
-                    </p:cTn>
-                  </p:par>
-                  <p:par>
-                    <p:cTn id="34" fill="hold">
-                      <p:stCondLst>
-                        <p:cond delay="indefinite"/>
-                      </p:stCondLst>
-                      <p:childTnLst>
-                        <p:par>
-                          <p:cTn id="35" fill="hold">
-                            <p:stCondLst>
-                              <p:cond delay="0"/>
-                            </p:stCondLst>
-                            <p:childTnLst>
-                              <p:par>
-                                <p:cTn id="36" presetID="9" presetClass="entr" presetSubtype="0" fill="hold" grpId="0" nodeType="clickEffect">
-                                  <p:stCondLst>
-                                    <p:cond delay="0"/>
-                                  </p:stCondLst>
-                                  <p:childTnLst>
-                                    <p:set>
-                                      <p:cBhvr>
-                                        <p:cTn id="37" dur="1" fill="hold">
-                                          <p:stCondLst>
-                                            <p:cond delay="0"/>
-                                          </p:stCondLst>
-                                        </p:cTn>
-                                        <p:tgtEl>
-                                          <p:spTgt spid="36"/>
-                                        </p:tgtEl>
-                                        <p:attrNameLst>
-                                          <p:attrName>style.visibility</p:attrName>
-                                        </p:attrNameLst>
-                                      </p:cBhvr>
-                                      <p:to>
-                                        <p:strVal val="visible"/>
-                                      </p:to>
-                                    </p:set>
-                                    <p:animEffect transition="in" filter="dissolve">
-                                      <p:cBhvr>
-                                        <p:cTn id="38" dur="500"/>
-                                        <p:tgtEl>
-                                          <p:spTgt spid="36"/>
-                                        </p:tgtEl>
-                                      </p:cBhvr>
-                                    </p:animEffect>
-                                  </p:childTnLst>
-                                </p:cTn>
-                              </p:par>
-                              <p:par>
-                                <p:cTn id="39" presetID="9" presetClass="entr" presetSubtype="0" fill="hold" grpId="0" nodeType="withEffect">
-                                  <p:stCondLst>
-                                    <p:cond delay="0"/>
-                                  </p:stCondLst>
-                                  <p:childTnLst>
-                                    <p:set>
-                                      <p:cBhvr>
-                                        <p:cTn id="40" dur="1" fill="hold">
-                                          <p:stCondLst>
-                                            <p:cond delay="0"/>
-                                          </p:stCondLst>
-                                        </p:cTn>
-                                        <p:tgtEl>
-                                          <p:spTgt spid="35"/>
-                                        </p:tgtEl>
-                                        <p:attrNameLst>
-                                          <p:attrName>style.visibility</p:attrName>
-                                        </p:attrNameLst>
-                                      </p:cBhvr>
-                                      <p:to>
-                                        <p:strVal val="visible"/>
-                                      </p:to>
-                                    </p:set>
-                                    <p:animEffect transition="in" filter="dissolve">
-                                      <p:cBhvr>
-                                        <p:cTn id="41" dur="500"/>
-                                        <p:tgtEl>
-                                          <p:spTgt spid="35"/>
-                                        </p:tgtEl>
-                                      </p:cBhvr>
-                                    </p:animEffect>
-                                  </p:childTnLst>
-                                </p:cTn>
-                              </p:par>
-                            </p:childTnLst>
-                          </p:cTn>
-                        </p:par>
-                      </p:childTnLst>
-                    </p:cTn>
-                  </p:par>
-                  <p:par>
-                    <p:cTn id="42" fill="hold">
-                      <p:stCondLst>
-                        <p:cond delay="indefinite"/>
-                      </p:stCondLst>
-                      <p:childTnLst>
-                        <p:par>
-                          <p:cTn id="43" fill="hold">
-                            <p:stCondLst>
-                              <p:cond delay="0"/>
-                            </p:stCondLst>
-                            <p:childTnLst>
-                              <p:par>
-                                <p:cTn id="44" presetID="9" presetClass="entr" presetSubtype="0" fill="hold" nodeType="clickEffect">
-                                  <p:stCondLst>
-                                    <p:cond delay="0"/>
-                                  </p:stCondLst>
-                                  <p:childTnLst>
-                                    <p:set>
-                                      <p:cBhvr>
-                                        <p:cTn id="45" dur="1" fill="hold">
-                                          <p:stCondLst>
-                                            <p:cond delay="0"/>
-                                          </p:stCondLst>
-                                        </p:cTn>
-                                        <p:tgtEl>
-                                          <p:spTgt spid="29"/>
-                                        </p:tgtEl>
-                                        <p:attrNameLst>
-                                          <p:attrName>style.visibility</p:attrName>
-                                        </p:attrNameLst>
-                                      </p:cBhvr>
-                                      <p:to>
-                                        <p:strVal val="visible"/>
-                                      </p:to>
-                                    </p:set>
-                                    <p:animEffect transition="in" filter="dissolve">
-                                      <p:cBhvr>
-                                        <p:cTn id="46" dur="500"/>
-                                        <p:tgtEl>
-                                          <p:spTgt spid="29"/>
-                                        </p:tgtEl>
-                                      </p:cBhvr>
-                                    </p:animEffect>
-                                  </p:childTnLst>
-                                </p:cTn>
-                              </p:par>
-                            </p:childTnLst>
-                          </p:cTn>
-                        </p:par>
-                      </p:childTnLst>
-                    </p:cTn>
-                  </p:par>
-                  <p:par>
-                    <p:cTn id="47" fill="hold">
-                      <p:stCondLst>
-                        <p:cond delay="indefinite"/>
-                      </p:stCondLst>
-                      <p:childTnLst>
-                        <p:par>
-                          <p:cTn id="48" fill="hold">
-                            <p:stCondLst>
-                              <p:cond delay="0"/>
-                            </p:stCondLst>
-                            <p:childTnLst>
-                              <p:par>
-                                <p:cTn id="49" presetID="9" presetClass="entr" presetSubtype="0" fill="hold" grpId="0" nodeType="clickEffect">
-                                  <p:stCondLst>
-                                    <p:cond delay="0"/>
-                                  </p:stCondLst>
-                                  <p:childTnLst>
-                                    <p:set>
-                                      <p:cBhvr>
-                                        <p:cTn id="50" dur="1" fill="hold">
-                                          <p:stCondLst>
-                                            <p:cond delay="0"/>
-                                          </p:stCondLst>
-                                        </p:cTn>
-                                        <p:tgtEl>
-                                          <p:spTgt spid="39"/>
-                                        </p:tgtEl>
-                                        <p:attrNameLst>
-                                          <p:attrName>style.visibility</p:attrName>
-                                        </p:attrNameLst>
-                                      </p:cBhvr>
-                                      <p:to>
-                                        <p:strVal val="visible"/>
-                                      </p:to>
-                                    </p:set>
-                                    <p:animEffect transition="in" filter="dissolve">
-                                      <p:cBhvr>
-                                        <p:cTn id="51" dur="500"/>
-                                        <p:tgtEl>
-                                          <p:spTgt spid="39"/>
-                                        </p:tgtEl>
-                                      </p:cBhvr>
-                                    </p:animEffect>
-                                  </p:childTnLst>
-                                </p:cTn>
-                              </p:par>
-                              <p:par>
-                                <p:cTn id="52" presetID="9" presetClass="entr" presetSubtype="0" fill="hold" nodeType="withEffect">
-                                  <p:stCondLst>
-                                    <p:cond delay="0"/>
-                                  </p:stCondLst>
-                                  <p:childTnLst>
-                                    <p:set>
-                                      <p:cBhvr>
-                                        <p:cTn id="53" dur="1" fill="hold">
-                                          <p:stCondLst>
-                                            <p:cond delay="0"/>
-                                          </p:stCondLst>
-                                        </p:cTn>
-                                        <p:tgtEl>
-                                          <p:spTgt spid="38"/>
-                                        </p:tgtEl>
-                                        <p:attrNameLst>
-                                          <p:attrName>style.visibility</p:attrName>
-                                        </p:attrNameLst>
-                                      </p:cBhvr>
-                                      <p:to>
-                                        <p:strVal val="visible"/>
-                                      </p:to>
-                                    </p:set>
-                                    <p:animEffect transition="in" filter="dissolve">
-                                      <p:cBhvr>
-                                        <p:cTn id="54" dur="500"/>
-                                        <p:tgtEl>
-                                          <p:spTgt spid="38"/>
-                                        </p:tgtEl>
-                                      </p:cBhvr>
-                                    </p:animEffect>
-                                  </p:childTnLst>
-                                </p:cTn>
-                              </p:par>
-                            </p:childTnLst>
-                          </p:cTn>
-                        </p:par>
-                      </p:childTnLst>
-                    </p:cTn>
-                  </p:par>
-                  <p:par>
-                    <p:cTn id="55" fill="hold">
-                      <p:stCondLst>
-                        <p:cond delay="indefinite"/>
-                      </p:stCondLst>
-                      <p:childTnLst>
-                        <p:par>
-                          <p:cTn id="56" fill="hold">
-                            <p:stCondLst>
-                              <p:cond delay="0"/>
-                            </p:stCondLst>
-                            <p:childTnLst>
-                              <p:par>
-                                <p:cTn id="57" presetID="9" presetClass="entr" presetSubtype="0" fill="hold" nodeType="clickEffect">
-                                  <p:stCondLst>
-                                    <p:cond delay="0"/>
-                                  </p:stCondLst>
-                                  <p:childTnLst>
-                                    <p:set>
-                                      <p:cBhvr>
-                                        <p:cTn id="58" dur="1" fill="hold">
-                                          <p:stCondLst>
-                                            <p:cond delay="0"/>
-                                          </p:stCondLst>
-                                        </p:cTn>
-                                        <p:tgtEl>
-                                          <p:spTgt spid="41"/>
-                                        </p:tgtEl>
-                                        <p:attrNameLst>
-                                          <p:attrName>style.visibility</p:attrName>
-                                        </p:attrNameLst>
-                                      </p:cBhvr>
-                                      <p:to>
-                                        <p:strVal val="visible"/>
-                                      </p:to>
-                                    </p:set>
-                                    <p:animEffect transition="in" filter="dissolve">
-                                      <p:cBhvr>
-                                        <p:cTn id="59" dur="500"/>
-                                        <p:tgtEl>
-                                          <p:spTgt spid="41"/>
-                                        </p:tgtEl>
-                                      </p:cBhvr>
-                                    </p:animEffect>
-                                  </p:childTnLst>
-                                </p:cTn>
-                              </p:par>
-                              <p:par>
-                                <p:cTn id="60" presetID="9" presetClass="entr" presetSubtype="0" fill="hold" grpId="0" nodeType="withEffect">
-                                  <p:stCondLst>
-                                    <p:cond delay="0"/>
-                                  </p:stCondLst>
-                                  <p:childTnLst>
-                                    <p:set>
-                                      <p:cBhvr>
-                                        <p:cTn id="61" dur="1" fill="hold">
-                                          <p:stCondLst>
-                                            <p:cond delay="0"/>
-                                          </p:stCondLst>
-                                        </p:cTn>
-                                        <p:tgtEl>
-                                          <p:spTgt spid="45"/>
-                                        </p:tgtEl>
-                                        <p:attrNameLst>
-                                          <p:attrName>style.visibility</p:attrName>
-                                        </p:attrNameLst>
-                                      </p:cBhvr>
-                                      <p:to>
-                                        <p:strVal val="visible"/>
-                                      </p:to>
-                                    </p:set>
-                                    <p:animEffect transition="in" filter="dissolve">
-                                      <p:cBhvr>
-                                        <p:cTn id="62" dur="500"/>
-                                        <p:tgtEl>
-                                          <p:spTgt spid="45"/>
-                                        </p:tgtEl>
-                                      </p:cBhvr>
-                                    </p:animEffect>
-                                  </p:childTnLst>
-                                </p:cTn>
-                              </p:par>
-                            </p:childTnLst>
-                          </p:cTn>
-                        </p:par>
-                      </p:childTnLst>
-                    </p:cTn>
-                  </p:par>
-                </p:childTnLst>
-              </p:cTn>
-              <p:prevCondLst>
-                <p:cond evt="onPrev" delay="0">
-                  <p:tgtEl>
-                    <p:sldTgt/>
-                  </p:tgtEl>
-                </p:cond>
-              </p:prevCondLst>
-              <p:nextCondLst>
-                <p:cond evt="onNext" delay="0">
-                  <p:tgtEl>
-                    <p:sldTgt/>
-                  </p:tgtEl>
-                </p:cond>
-              </p:nextCondLst>
-            </p:seq>
-          </p:childTnLst>
-        </p:cTn>
-      </p:par>
-    </p:tnLst>
-    <p:bldLst>
-      <p:bldP spid="4" grpId="0" animBg="1"/>
-      <p:bldP spid="5" grpId="0" animBg="1"/>
-      <p:bldP spid="6" grpId="0" animBg="1"/>
-      <p:bldP spid="34" grpId="0"/>
-      <p:bldP spid="35" grpId="0"/>
-      <p:bldP spid="36" grpId="0"/>
-      <p:bldP spid="39" grpId="0"/>
-      <p:bldP spid="45" grpId="0"/>
-    </p:bldLst>
-  </p:timing>
-</p:sld>
-</file>
-
-<file path=ppt/slides/slide60.xml><?xml version="1.0" encoding="utf-8"?>
+<file path=ppt/slides/slide62.xml><?xml version="1.0" encoding="utf-8"?>
 <p:sld xmlns:a="http://schemas.openxmlformats.org/drawingml/2006/main" xmlns:r="http://schemas.openxmlformats.org/officeDocument/2006/relationships" xmlns:p="http://schemas.openxmlformats.org/presentationml/2006/main">
   <p:cSld>
     <p:spTree>

--- a/socc12-bloom-tutorial/slides/bloom-tutorial.pptx
+++ b/socc12-bloom-tutorial/slides/bloom-tutorial.pptx
@@ -5,7 +5,7 @@
     <p:sldMasterId id="2147483648" r:id="rId1"/>
   </p:sldMasterIdLst>
   <p:notesMasterIdLst>
-    <p:notesMasterId r:id="rId64"/>
+    <p:notesMasterId r:id="rId67"/>
   </p:notesMasterIdLst>
   <p:sldIdLst>
     <p:sldId id="256" r:id="rId2"/>
@@ -25,51 +25,54 @@
     <p:sldId id="266" r:id="rId16"/>
     <p:sldId id="267" r:id="rId17"/>
     <p:sldId id="268" r:id="rId18"/>
-    <p:sldId id="269" r:id="rId19"/>
-    <p:sldId id="270" r:id="rId20"/>
-    <p:sldId id="271" r:id="rId21"/>
-    <p:sldId id="287" r:id="rId22"/>
-    <p:sldId id="306" r:id="rId23"/>
-    <p:sldId id="327" r:id="rId24"/>
-    <p:sldId id="328" r:id="rId25"/>
-    <p:sldId id="318" r:id="rId26"/>
-    <p:sldId id="273" r:id="rId27"/>
-    <p:sldId id="274" r:id="rId28"/>
-    <p:sldId id="275" r:id="rId29"/>
-    <p:sldId id="276" r:id="rId30"/>
-    <p:sldId id="307" r:id="rId31"/>
-    <p:sldId id="308" r:id="rId32"/>
-    <p:sldId id="288" r:id="rId33"/>
-    <p:sldId id="281" r:id="rId34"/>
-    <p:sldId id="282" r:id="rId35"/>
-    <p:sldId id="312" r:id="rId36"/>
-    <p:sldId id="309" r:id="rId37"/>
-    <p:sldId id="310" r:id="rId38"/>
-    <p:sldId id="313" r:id="rId39"/>
-    <p:sldId id="311" r:id="rId40"/>
-    <p:sldId id="284" r:id="rId41"/>
-    <p:sldId id="289" r:id="rId42"/>
-    <p:sldId id="290" r:id="rId43"/>
-    <p:sldId id="291" r:id="rId44"/>
-    <p:sldId id="292" r:id="rId45"/>
-    <p:sldId id="293" r:id="rId46"/>
-    <p:sldId id="294" r:id="rId47"/>
-    <p:sldId id="295" r:id="rId48"/>
-    <p:sldId id="296" r:id="rId49"/>
-    <p:sldId id="297" r:id="rId50"/>
-    <p:sldId id="298" r:id="rId51"/>
-    <p:sldId id="299" r:id="rId52"/>
-    <p:sldId id="300" r:id="rId53"/>
-    <p:sldId id="301" r:id="rId54"/>
-    <p:sldId id="302" r:id="rId55"/>
-    <p:sldId id="303" r:id="rId56"/>
-    <p:sldId id="304" r:id="rId57"/>
-    <p:sldId id="305" r:id="rId58"/>
-    <p:sldId id="286" r:id="rId59"/>
-    <p:sldId id="314" r:id="rId60"/>
-    <p:sldId id="317" r:id="rId61"/>
-    <p:sldId id="316" r:id="rId62"/>
-    <p:sldId id="315" r:id="rId63"/>
+    <p:sldId id="270" r:id="rId19"/>
+    <p:sldId id="271" r:id="rId20"/>
+    <p:sldId id="287" r:id="rId21"/>
+    <p:sldId id="306" r:id="rId22"/>
+    <p:sldId id="329" r:id="rId23"/>
+    <p:sldId id="330" r:id="rId24"/>
+    <p:sldId id="331" r:id="rId25"/>
+    <p:sldId id="332" r:id="rId26"/>
+    <p:sldId id="327" r:id="rId27"/>
+    <p:sldId id="328" r:id="rId28"/>
+    <p:sldId id="318" r:id="rId29"/>
+    <p:sldId id="273" r:id="rId30"/>
+    <p:sldId id="274" r:id="rId31"/>
+    <p:sldId id="275" r:id="rId32"/>
+    <p:sldId id="276" r:id="rId33"/>
+    <p:sldId id="307" r:id="rId34"/>
+    <p:sldId id="308" r:id="rId35"/>
+    <p:sldId id="288" r:id="rId36"/>
+    <p:sldId id="281" r:id="rId37"/>
+    <p:sldId id="282" r:id="rId38"/>
+    <p:sldId id="312" r:id="rId39"/>
+    <p:sldId id="309" r:id="rId40"/>
+    <p:sldId id="310" r:id="rId41"/>
+    <p:sldId id="313" r:id="rId42"/>
+    <p:sldId id="311" r:id="rId43"/>
+    <p:sldId id="284" r:id="rId44"/>
+    <p:sldId id="289" r:id="rId45"/>
+    <p:sldId id="290" r:id="rId46"/>
+    <p:sldId id="291" r:id="rId47"/>
+    <p:sldId id="292" r:id="rId48"/>
+    <p:sldId id="293" r:id="rId49"/>
+    <p:sldId id="294" r:id="rId50"/>
+    <p:sldId id="295" r:id="rId51"/>
+    <p:sldId id="296" r:id="rId52"/>
+    <p:sldId id="297" r:id="rId53"/>
+    <p:sldId id="298" r:id="rId54"/>
+    <p:sldId id="299" r:id="rId55"/>
+    <p:sldId id="300" r:id="rId56"/>
+    <p:sldId id="301" r:id="rId57"/>
+    <p:sldId id="302" r:id="rId58"/>
+    <p:sldId id="303" r:id="rId59"/>
+    <p:sldId id="304" r:id="rId60"/>
+    <p:sldId id="305" r:id="rId61"/>
+    <p:sldId id="286" r:id="rId62"/>
+    <p:sldId id="314" r:id="rId63"/>
+    <p:sldId id="317" r:id="rId64"/>
+    <p:sldId id="316" r:id="rId65"/>
+    <p:sldId id="315" r:id="rId66"/>
   </p:sldIdLst>
   <p:sldSz cx="9144000" cy="6858000" type="screen4x3"/>
   <p:notesSz cx="6858000" cy="9144000"/>
@@ -253,7 +256,7 @@
           <a:p>
             <a:fld id="{BFEDCB8C-FB56-DE43-982A-7C4B50E01967}" type="datetimeFigureOut">
               <a:rPr lang="en-US" smtClean="0"/>
-              <a:t>9/30/12</a:t>
+              <a:t>10/2/12</a:t>
             </a:fld>
             <a:endParaRPr lang="en-US"/>
           </a:p>
@@ -685,7 +688,7 @@
           <a:p>
             <a:fld id="{ACB9D95B-D351-D448-828A-55A5AC13575E}" type="slidenum">
               <a:rPr lang="en-US" smtClean="0"/>
-              <a:t>51</a:t>
+              <a:t>54</a:t>
             </a:fld>
             <a:endParaRPr lang="en-US"/>
           </a:p>
@@ -777,7 +780,7 @@
           <a:p>
             <a:fld id="{ACB9D95B-D351-D448-828A-55A5AC13575E}" type="slidenum">
               <a:rPr lang="en-US" smtClean="0"/>
-              <a:t>52</a:t>
+              <a:t>55</a:t>
             </a:fld>
             <a:endParaRPr lang="en-US"/>
           </a:p>
@@ -865,7 +868,7 @@
           <a:p>
             <a:fld id="{ACB9D95B-D351-D448-828A-55A5AC13575E}" type="slidenum">
               <a:rPr lang="en-US" smtClean="0"/>
-              <a:t>55</a:t>
+              <a:t>58</a:t>
             </a:fld>
             <a:endParaRPr lang="en-US"/>
           </a:p>
@@ -953,7 +956,7 @@
           <a:p>
             <a:fld id="{ACB9D95B-D351-D448-828A-55A5AC13575E}" type="slidenum">
               <a:rPr lang="en-US" smtClean="0"/>
-              <a:t>56</a:t>
+              <a:t>59</a:t>
             </a:fld>
             <a:endParaRPr lang="en-US"/>
           </a:p>
@@ -1041,7 +1044,7 @@
           <a:p>
             <a:fld id="{ACB9D95B-D351-D448-828A-55A5AC13575E}" type="slidenum">
               <a:rPr lang="en-US" smtClean="0"/>
-              <a:t>57</a:t>
+              <a:t>60</a:t>
             </a:fld>
             <a:endParaRPr lang="en-US"/>
           </a:p>
@@ -1133,7 +1136,7 @@
           <a:p>
             <a:fld id="{A32864C9-CCE7-B240-96BF-80B66869E1E9}" type="slidenum">
               <a:rPr lang="en-US" smtClean="0"/>
-              <a:t>58</a:t>
+              <a:t>61</a:t>
             </a:fld>
             <a:endParaRPr lang="en-US"/>
           </a:p>
@@ -1229,7 +1232,7 @@
           <a:p>
             <a:fld id="{ACB9D95B-D351-D448-828A-55A5AC13575E}" type="slidenum">
               <a:rPr lang="en-US" smtClean="0"/>
-              <a:t>41</a:t>
+              <a:t>44</a:t>
             </a:fld>
             <a:endParaRPr lang="en-US"/>
           </a:p>
@@ -1327,7 +1330,7 @@
           <a:p>
             <a:fld id="{ACB9D95B-D351-D448-828A-55A5AC13575E}" type="slidenum">
               <a:rPr lang="en-US" smtClean="0"/>
-              <a:t>42</a:t>
+              <a:t>45</a:t>
             </a:fld>
             <a:endParaRPr lang="en-US"/>
           </a:p>
@@ -1427,7 +1430,7 @@
           <a:p>
             <a:fld id="{ACB9D95B-D351-D448-828A-55A5AC13575E}" type="slidenum">
               <a:rPr lang="en-US" smtClean="0"/>
-              <a:t>44</a:t>
+              <a:t>47</a:t>
             </a:fld>
             <a:endParaRPr lang="en-US"/>
           </a:p>
@@ -1518,7 +1521,7 @@
           <a:p>
             <a:fld id="{ACB9D95B-D351-D448-828A-55A5AC13575E}" type="slidenum">
               <a:rPr lang="en-US" smtClean="0"/>
-              <a:t>45</a:t>
+              <a:t>48</a:t>
             </a:fld>
             <a:endParaRPr lang="en-US"/>
           </a:p>
@@ -1617,7 +1620,7 @@
           <a:p>
             <a:fld id="{ACB9D95B-D351-D448-828A-55A5AC13575E}" type="slidenum">
               <a:rPr lang="en-US" smtClean="0"/>
-              <a:t>46</a:t>
+              <a:t>49</a:t>
             </a:fld>
             <a:endParaRPr lang="en-US"/>
           </a:p>
@@ -1705,7 +1708,7 @@
           <a:p>
             <a:fld id="{ACB9D95B-D351-D448-828A-55A5AC13575E}" type="slidenum">
               <a:rPr lang="en-US" smtClean="0"/>
-              <a:t>47</a:t>
+              <a:t>50</a:t>
             </a:fld>
             <a:endParaRPr lang="en-US"/>
           </a:p>
@@ -1793,7 +1796,7 @@
           <a:p>
             <a:fld id="{ACB9D95B-D351-D448-828A-55A5AC13575E}" type="slidenum">
               <a:rPr lang="en-US" smtClean="0"/>
-              <a:t>48</a:t>
+              <a:t>51</a:t>
             </a:fld>
             <a:endParaRPr lang="en-US"/>
           </a:p>
@@ -1907,7 +1910,7 @@
           <a:p>
             <a:fld id="{ACB9D95B-D351-D448-828A-55A5AC13575E}" type="slidenum">
               <a:rPr lang="en-US" smtClean="0"/>
-              <a:t>50</a:t>
+              <a:t>53</a:t>
             </a:fld>
             <a:endParaRPr lang="en-US"/>
           </a:p>
@@ -2107,7 +2110,7 @@
           <a:p>
             <a:fld id="{571FDF53-B6EF-134A-BB44-DD74DDE8C8BD}" type="datetimeFigureOut">
               <a:rPr lang="en-US" smtClean="0"/>
-              <a:t>9/30/12</a:t>
+              <a:t>10/2/12</a:t>
             </a:fld>
             <a:endParaRPr lang="en-US"/>
           </a:p>
@@ -2277,7 +2280,7 @@
           <a:p>
             <a:fld id="{571FDF53-B6EF-134A-BB44-DD74DDE8C8BD}" type="datetimeFigureOut">
               <a:rPr lang="en-US" smtClean="0"/>
-              <a:t>9/30/12</a:t>
+              <a:t>10/2/12</a:t>
             </a:fld>
             <a:endParaRPr lang="en-US"/>
           </a:p>
@@ -2457,7 +2460,7 @@
           <a:p>
             <a:fld id="{571FDF53-B6EF-134A-BB44-DD74DDE8C8BD}" type="datetimeFigureOut">
               <a:rPr lang="en-US" smtClean="0"/>
-              <a:t>9/30/12</a:t>
+              <a:t>10/2/12</a:t>
             </a:fld>
             <a:endParaRPr lang="en-US"/>
           </a:p>
@@ -2627,7 +2630,7 @@
           <a:p>
             <a:fld id="{571FDF53-B6EF-134A-BB44-DD74DDE8C8BD}" type="datetimeFigureOut">
               <a:rPr lang="en-US" smtClean="0"/>
-              <a:t>9/30/12</a:t>
+              <a:t>10/2/12</a:t>
             </a:fld>
             <a:endParaRPr lang="en-US"/>
           </a:p>
@@ -2873,7 +2876,7 @@
           <a:p>
             <a:fld id="{571FDF53-B6EF-134A-BB44-DD74DDE8C8BD}" type="datetimeFigureOut">
               <a:rPr lang="en-US" smtClean="0"/>
-              <a:t>9/30/12</a:t>
+              <a:t>10/2/12</a:t>
             </a:fld>
             <a:endParaRPr lang="en-US"/>
           </a:p>
@@ -3161,7 +3164,7 @@
           <a:p>
             <a:fld id="{571FDF53-B6EF-134A-BB44-DD74DDE8C8BD}" type="datetimeFigureOut">
               <a:rPr lang="en-US" smtClean="0"/>
-              <a:t>9/30/12</a:t>
+              <a:t>10/2/12</a:t>
             </a:fld>
             <a:endParaRPr lang="en-US"/>
           </a:p>
@@ -3583,7 +3586,7 @@
           <a:p>
             <a:fld id="{571FDF53-B6EF-134A-BB44-DD74DDE8C8BD}" type="datetimeFigureOut">
               <a:rPr lang="en-US" smtClean="0"/>
-              <a:t>9/30/12</a:t>
+              <a:t>10/2/12</a:t>
             </a:fld>
             <a:endParaRPr lang="en-US"/>
           </a:p>
@@ -3701,7 +3704,7 @@
           <a:p>
             <a:fld id="{571FDF53-B6EF-134A-BB44-DD74DDE8C8BD}" type="datetimeFigureOut">
               <a:rPr lang="en-US" smtClean="0"/>
-              <a:t>9/30/12</a:t>
+              <a:t>10/2/12</a:t>
             </a:fld>
             <a:endParaRPr lang="en-US"/>
           </a:p>
@@ -3796,7 +3799,7 @@
           <a:p>
             <a:fld id="{571FDF53-B6EF-134A-BB44-DD74DDE8C8BD}" type="datetimeFigureOut">
               <a:rPr lang="en-US" smtClean="0"/>
-              <a:t>9/30/12</a:t>
+              <a:t>10/2/12</a:t>
             </a:fld>
             <a:endParaRPr lang="en-US"/>
           </a:p>
@@ -4073,7 +4076,7 @@
           <a:p>
             <a:fld id="{571FDF53-B6EF-134A-BB44-DD74DDE8C8BD}" type="datetimeFigureOut">
               <a:rPr lang="en-US" smtClean="0"/>
-              <a:t>9/30/12</a:t>
+              <a:t>10/2/12</a:t>
             </a:fld>
             <a:endParaRPr lang="en-US"/>
           </a:p>
@@ -4326,7 +4329,7 @@
           <a:p>
             <a:fld id="{571FDF53-B6EF-134A-BB44-DD74DDE8C8BD}" type="datetimeFigureOut">
               <a:rPr lang="en-US" smtClean="0"/>
-              <a:t>9/30/12</a:t>
+              <a:t>10/2/12</a:t>
             </a:fld>
             <a:endParaRPr lang="en-US"/>
           </a:p>
@@ -4539,7 +4542,7 @@
           <a:p>
             <a:fld id="{571FDF53-B6EF-134A-BB44-DD74DDE8C8BD}" type="datetimeFigureOut">
               <a:rPr lang="en-US" smtClean="0"/>
-              <a:t>9/30/12</a:t>
+              <a:t>10/2/12</a:t>
             </a:fld>
             <a:endParaRPr lang="en-US"/>
           </a:p>
@@ -5066,7 +5069,6 @@
               <a:rPr lang="en-US" dirty="0" smtClean="0"/>
               <a:t>Stale reads</a:t>
             </a:r>
-            <a:endParaRPr lang="en-US" dirty="0" smtClean="0"/>
           </a:p>
           <a:p>
             <a:pPr marL="0" indent="0">
@@ -5501,7 +5503,6 @@
               <a:rPr lang="en-US" sz="1400" dirty="0"/>
               <a:t>Dinner = pizza</a:t>
             </a:r>
-            <a:endParaRPr lang="en-US" sz="1400" dirty="0"/>
           </a:p>
         </p:txBody>
       </p:sp>
@@ -5531,7 +5532,6 @@
               <a:rPr lang="en-US" sz="1400" dirty="0"/>
               <a:t>Dinner = pizza</a:t>
             </a:r>
-            <a:endParaRPr lang="en-US" sz="1400" dirty="0"/>
           </a:p>
         </p:txBody>
       </p:sp>
@@ -5561,7 +5561,6 @@
               <a:rPr lang="en-US" sz="1400" dirty="0"/>
               <a:t>Dinner = pizza</a:t>
             </a:r>
-            <a:endParaRPr lang="en-US" sz="1400" dirty="0"/>
           </a:p>
         </p:txBody>
       </p:sp>
@@ -6713,7 +6712,6 @@
               <a:rPr lang="en-US" dirty="0" smtClean="0"/>
               <a:t>Write conflicts</a:t>
             </a:r>
-            <a:endParaRPr lang="en-US" dirty="0" smtClean="0"/>
           </a:p>
           <a:p>
             <a:pPr marL="0" indent="0">
@@ -7882,6 +7880,29 @@
             </a:pPr>
             <a:r>
               <a:rPr lang="en-US" dirty="0" smtClean="0"/>
+              <a:t>Anomalies </a:t>
+            </a:r>
+            <a:r>
+              <a:rPr lang="en-US" i="1" dirty="0" smtClean="0"/>
+              <a:t>witness</a:t>
+            </a:r>
+            <a:r>
+              <a:rPr lang="en-US" dirty="0" smtClean="0"/>
+              <a:t> replication.</a:t>
+            </a:r>
+          </a:p>
+          <a:p>
+            <a:pPr marL="0" indent="0">
+              <a:buNone/>
+            </a:pPr>
+            <a:endParaRPr lang="en-US" dirty="0" smtClean="0"/>
+          </a:p>
+          <a:p>
+            <a:pPr marL="0" indent="0">
+              <a:buNone/>
+            </a:pPr>
+            <a:r>
+              <a:rPr lang="en-US" dirty="0" smtClean="0"/>
               <a:t>A </a:t>
             </a:r>
             <a:r>
@@ -8079,7 +8100,11 @@
             </a:pPr>
             <a:r>
               <a:rPr lang="en-US" dirty="0" smtClean="0"/>
-              <a:t>``single copy’’ consistency</a:t>
+              <a:t>AKA `</a:t>
+            </a:r>
+            <a:r>
+              <a:rPr lang="en-US" dirty="0" smtClean="0"/>
+              <a:t>`single copy’’ consistency</a:t>
             </a:r>
           </a:p>
           <a:p>
@@ -8548,14 +8573,39 @@
           <a:bodyPr/>
           <a:lstStyle/>
           <a:p>
-            <a:endParaRPr lang="en-US"/>
+            <a:r>
+              <a:rPr lang="en-US" dirty="0" smtClean="0"/>
+              <a:t>Tolerate stale reads and concurrent writes</a:t>
+            </a:r>
+          </a:p>
+          <a:p>
+            <a:r>
+              <a:rPr lang="en-US" dirty="0" smtClean="0"/>
+              <a:t>Ensure that eventually* all replicas converge</a:t>
+            </a:r>
+          </a:p>
+          <a:p>
+            <a:endParaRPr lang="en-US" dirty="0"/>
+          </a:p>
+          <a:p>
+            <a:endParaRPr lang="en-US" sz="2800" dirty="0" smtClean="0"/>
+          </a:p>
+          <a:p>
+            <a:pPr marL="0" indent="0">
+              <a:buNone/>
+            </a:pPr>
+            <a:r>
+              <a:rPr lang="en-US" sz="2800" dirty="0" smtClean="0"/>
+              <a:t>* When activity has ceased and all messages are delivered to all replicas</a:t>
+            </a:r>
+            <a:endParaRPr lang="en-US" sz="2800" dirty="0"/>
           </a:p>
         </p:txBody>
       </p:sp>
     </p:spTree>
     <p:extLst>
       <p:ext uri="{BB962C8B-B14F-4D97-AF65-F5344CB8AC3E}">
-        <p14:creationId xmlns:p14="http://schemas.microsoft.com/office/powerpoint/2010/main" val="1485274014"/>
+        <p14:creationId xmlns:p14="http://schemas.microsoft.com/office/powerpoint/2010/main" val="764692233"/>
       </p:ext>
     </p:extLst>
   </p:cSld>
@@ -8605,10 +8655,9 @@
           <a:lstStyle/>
           <a:p>
             <a:r>
-              <a:rPr lang="en-US" dirty="0" smtClean="0"/>
+              <a:rPr lang="en-US" dirty="0"/>
               <a:t>Eventual Consistency</a:t>
             </a:r>
-            <a:endParaRPr lang="en-US" dirty="0"/>
           </a:p>
         </p:txBody>
       </p:sp>
@@ -8624,42 +8673,77 @@
         </p:nvSpPr>
         <p:spPr/>
         <p:txBody>
-          <a:bodyPr/>
-          <a:lstStyle/>
-          <a:p>
-            <a:r>
-              <a:rPr lang="en-US" dirty="0" smtClean="0"/>
-              <a:t>Tolerate stale reads and concurrent writes</a:t>
-            </a:r>
-          </a:p>
-          <a:p>
-            <a:r>
-              <a:rPr lang="en-US" dirty="0" smtClean="0"/>
-              <a:t>Ensure that eventually* all replicas converge</a:t>
-            </a:r>
-          </a:p>
-          <a:p>
-            <a:endParaRPr lang="en-US" dirty="0"/>
-          </a:p>
-          <a:p>
-            <a:endParaRPr lang="en-US" sz="2800" dirty="0" smtClean="0"/>
-          </a:p>
+          <a:bodyPr>
+            <a:normAutofit/>
+          </a:bodyPr>
+          <a:lstStyle/>
           <a:p>
             <a:pPr marL="0" indent="0">
               <a:buNone/>
             </a:pPr>
             <a:r>
-              <a:rPr lang="en-US" sz="2800" dirty="0" smtClean="0"/>
-              <a:t>* When activity has ceased and all messages are delivered to all replicas</a:t>
-            </a:r>
-            <a:endParaRPr lang="en-US" sz="2800" dirty="0"/>
+              <a:rPr lang="en-US" dirty="0" smtClean="0"/>
+              <a:t>Strategies:</a:t>
+            </a:r>
+          </a:p>
+          <a:p>
+            <a:pPr marL="0" indent="0">
+              <a:buNone/>
+            </a:pPr>
+            <a:endParaRPr lang="en-US" dirty="0"/>
+          </a:p>
+          <a:p>
+            <a:r>
+              <a:rPr lang="en-US" dirty="0" smtClean="0"/>
+              <a:t>Establish a total update order off critical path (</a:t>
+            </a:r>
+            <a:r>
+              <a:rPr lang="en-US" dirty="0" err="1" smtClean="0"/>
+              <a:t>eg</a:t>
+            </a:r>
+            <a:r>
+              <a:rPr lang="en-US" dirty="0" smtClean="0"/>
+              <a:t> bayou).</a:t>
+            </a:r>
+          </a:p>
+          <a:p>
+            <a:pPr lvl="1"/>
+            <a:r>
+              <a:rPr lang="en-US" dirty="0" smtClean="0"/>
+              <a:t>Epidemic (gossip-based) replication</a:t>
+            </a:r>
+          </a:p>
+          <a:p>
+            <a:pPr lvl="1"/>
+            <a:r>
+              <a:rPr lang="en-US" dirty="0" smtClean="0"/>
+              <a:t>Tentatively apply, then possibly retract, updates as the order is learned</a:t>
+            </a:r>
+          </a:p>
+          <a:p>
+            <a:pPr marL="0" indent="0">
+              <a:buNone/>
+            </a:pPr>
+            <a:endParaRPr lang="en-US" dirty="0" smtClean="0"/>
+          </a:p>
+          <a:p>
+            <a:pPr marL="0" indent="0">
+              <a:buNone/>
+            </a:pPr>
+            <a:endParaRPr lang="en-US" dirty="0"/>
+          </a:p>
+          <a:p>
+            <a:pPr marL="0" indent="0">
+              <a:buNone/>
+            </a:pPr>
+            <a:endParaRPr lang="en-US" dirty="0"/>
           </a:p>
         </p:txBody>
       </p:sp>
     </p:spTree>
     <p:extLst>
       <p:ext uri="{BB962C8B-B14F-4D97-AF65-F5344CB8AC3E}">
-        <p14:creationId xmlns:p14="http://schemas.microsoft.com/office/powerpoint/2010/main" val="764692233"/>
+        <p14:creationId xmlns:p14="http://schemas.microsoft.com/office/powerpoint/2010/main" val="3388116785"/>
       </p:ext>
     </p:extLst>
   </p:cSld>
@@ -8802,35 +8886,17 @@
           <a:p>
             <a:r>
               <a:rPr lang="en-US" dirty="0" smtClean="0"/>
-              <a:t>Establish a total update order off critical path (</a:t>
-            </a:r>
-            <a:r>
-              <a:rPr lang="en-US" dirty="0" err="1" smtClean="0"/>
-              <a:t>eg</a:t>
-            </a:r>
+              <a:t>Deliver updates according to a ``cheap’’ order (e.g. causal).  </a:t>
+            </a:r>
+          </a:p>
+          <a:p>
+            <a:pPr lvl="1"/>
             <a:r>
               <a:rPr lang="en-US" dirty="0" smtClean="0"/>
-              <a:t> bayou).</a:t>
-            </a:r>
-          </a:p>
-          <a:p>
-            <a:pPr lvl="1"/>
-            <a:r>
-              <a:rPr lang="en-US" dirty="0" smtClean="0"/>
-              <a:t>Epidemic (gossip-based) replication</a:t>
-            </a:r>
-          </a:p>
-          <a:p>
-            <a:pPr lvl="1"/>
-            <a:r>
-              <a:rPr lang="en-US" dirty="0" smtClean="0"/>
-              <a:t>Tentatively apply, then possibly retract, updates as the order is learned</a:t>
-            </a:r>
-          </a:p>
-          <a:p>
-            <a:pPr marL="0" indent="0">
-              <a:buNone/>
-            </a:pPr>
+              <a:t>Break ties with timestamps, merge functions</a:t>
+            </a:r>
+          </a:p>
+          <a:p>
             <a:endParaRPr lang="en-US" dirty="0" smtClean="0"/>
           </a:p>
           <a:p>
@@ -8847,10 +8913,73 @@
           </a:p>
         </p:txBody>
       </p:sp>
+      <p:cxnSp>
+        <p:nvCxnSpPr>
+          <p:cNvPr id="5" name="Straight Arrow Connector 4"/>
+          <p:cNvCxnSpPr/>
+          <p:nvPr/>
+        </p:nvCxnSpPr>
+        <p:spPr>
+          <a:xfrm flipH="1" flipV="1">
+            <a:off x="6066706" y="4320625"/>
+            <a:ext cx="487604" cy="827836"/>
+          </a:xfrm>
+          <a:prstGeom prst="straightConnector1">
+            <a:avLst/>
+          </a:prstGeom>
+          <a:ln>
+            <a:tailEnd type="arrow"/>
+          </a:ln>
+        </p:spPr>
+        <p:style>
+          <a:lnRef idx="2">
+            <a:schemeClr val="accent1"/>
+          </a:lnRef>
+          <a:fillRef idx="0">
+            <a:schemeClr val="accent1"/>
+          </a:fillRef>
+          <a:effectRef idx="1">
+            <a:schemeClr val="accent1"/>
+          </a:effectRef>
+          <a:fontRef idx="minor">
+            <a:schemeClr val="tx1"/>
+          </a:fontRef>
+        </p:style>
+      </p:cxnSp>
+      <p:sp>
+        <p:nvSpPr>
+          <p:cNvPr id="6" name="TextBox 5"/>
+          <p:cNvSpPr txBox="1"/>
+          <p:nvPr/>
+        </p:nvSpPr>
+        <p:spPr>
+          <a:xfrm>
+            <a:off x="6384216" y="5239183"/>
+            <a:ext cx="1043525" cy="369332"/>
+          </a:xfrm>
+          <a:prstGeom prst="rect">
+            <a:avLst/>
+          </a:prstGeom>
+          <a:noFill/>
+        </p:spPr>
+        <p:txBody>
+          <a:bodyPr wrap="none" rtlCol="0">
+            <a:spAutoFit/>
+          </a:bodyPr>
+          <a:lstStyle/>
+          <a:p>
+            <a:r>
+              <a:rPr lang="en-US" dirty="0" err="1" smtClean="0"/>
+              <a:t>hmmmm</a:t>
+            </a:r>
+            <a:endParaRPr lang="en-US" dirty="0"/>
+          </a:p>
+        </p:txBody>
+      </p:sp>
     </p:spTree>
     <p:extLst>
       <p:ext uri="{BB962C8B-B14F-4D97-AF65-F5344CB8AC3E}">
-        <p14:creationId xmlns:p14="http://schemas.microsoft.com/office/powerpoint/2010/main" val="3388116785"/>
+        <p14:creationId xmlns:p14="http://schemas.microsoft.com/office/powerpoint/2010/main" val="486811616"/>
       </p:ext>
     </p:extLst>
   </p:cSld>
@@ -8940,17 +9069,12 @@
           <a:p>
             <a:r>
               <a:rPr lang="en-US" dirty="0" smtClean="0"/>
-              <a:t>Deliver updates according to a ``cheap’’ order (e.g. causal).  </a:t>
-            </a:r>
-          </a:p>
-          <a:p>
-            <a:pPr lvl="1"/>
-            <a:r>
-              <a:rPr lang="en-US" dirty="0" smtClean="0"/>
-              <a:t>Break ties with timestamps, merge functions</a:t>
-            </a:r>
-          </a:p>
-          <a:p>
+              <a:t>Constrain the application so that updates are </a:t>
+            </a:r>
+            <a:r>
+              <a:rPr lang="en-US" dirty="0" err="1" smtClean="0"/>
+              <a:t>reorderable</a:t>
+            </a:r>
             <a:endParaRPr lang="en-US" dirty="0" smtClean="0"/>
           </a:p>
           <a:p>
@@ -8975,8 +9099,8 @@
         </p:nvCxnSpPr>
         <p:spPr>
           <a:xfrm flipH="1" flipV="1">
-            <a:off x="6066706" y="4320625"/>
-            <a:ext cx="487604" cy="827836"/>
+            <a:off x="2148860" y="3844335"/>
+            <a:ext cx="238133" cy="759795"/>
           </a:xfrm>
           <a:prstGeom prst="straightConnector1">
             <a:avLst/>
@@ -9002,14 +9126,14 @@
       </p:cxnSp>
       <p:sp>
         <p:nvSpPr>
-          <p:cNvPr id="6" name="TextBox 5"/>
+          <p:cNvPr id="7" name="TextBox 6"/>
           <p:cNvSpPr txBox="1"/>
           <p:nvPr/>
         </p:nvSpPr>
         <p:spPr>
           <a:xfrm>
-            <a:off x="6384216" y="5239183"/>
-            <a:ext cx="1043525" cy="369332"/>
+            <a:off x="2267928" y="4717533"/>
+            <a:ext cx="2036623" cy="646331"/>
           </a:xfrm>
           <a:prstGeom prst="rect">
             <a:avLst/>
@@ -9023,8 +9147,14 @@
           <a:lstStyle/>
           <a:p>
             <a:r>
-              <a:rPr lang="en-US" dirty="0" err="1" smtClean="0"/>
-              <a:t>hmmmm</a:t>
+              <a:rPr lang="en-US" dirty="0" smtClean="0"/>
+              <a:t>Won’t always work.</a:t>
+            </a:r>
+          </a:p>
+          <a:p>
+            <a:r>
+              <a:rPr lang="en-US" dirty="0" smtClean="0"/>
+              <a:t>When will it  work?</a:t>
             </a:r>
             <a:endParaRPr lang="en-US" dirty="0"/>
           </a:p>
@@ -9033,7 +9163,7 @@
     </p:spTree>
     <p:extLst>
       <p:ext uri="{BB962C8B-B14F-4D97-AF65-F5344CB8AC3E}">
-        <p14:creationId xmlns:p14="http://schemas.microsoft.com/office/powerpoint/2010/main" val="486811616"/>
+        <p14:creationId xmlns:p14="http://schemas.microsoft.com/office/powerpoint/2010/main" val="3331637298"/>
       </p:ext>
     </p:extLst>
   </p:cSld>
@@ -9079,13 +9209,23 @@
         </p:nvSpPr>
         <p:spPr/>
         <p:txBody>
-          <a:bodyPr/>
-          <a:lstStyle/>
-          <a:p>
-            <a:r>
-              <a:rPr lang="en-US" dirty="0"/>
-              <a:t>Eventual Consistency</a:t>
-            </a:r>
+          <a:bodyPr>
+            <a:normAutofit fontScale="90000"/>
+          </a:bodyPr>
+          <a:lstStyle/>
+          <a:p>
+            <a:r>
+              <a:rPr lang="en-US" dirty="0" smtClean="0"/>
+              <a:t>Eventual consistency – </a:t>
+            </a:r>
+            <a:br>
+              <a:rPr lang="en-US" dirty="0" smtClean="0"/>
+            </a:br>
+            <a:r>
+              <a:rPr lang="en-US" dirty="0" smtClean="0"/>
+              <a:t>more definitions</a:t>
+            </a:r>
+            <a:endParaRPr lang="en-US" dirty="0"/>
           </a:p>
         </p:txBody>
       </p:sp>
@@ -9101,136 +9241,75 @@
         </p:nvSpPr>
         <p:spPr/>
         <p:txBody>
-          <a:bodyPr>
-            <a:normAutofit/>
-          </a:bodyPr>
-          <a:lstStyle/>
-          <a:p>
-            <a:pPr marL="0" indent="0">
-              <a:buNone/>
-            </a:pPr>
+          <a:bodyPr/>
+          <a:lstStyle/>
+          <a:p>
             <a:r>
               <a:rPr lang="en-US" dirty="0" smtClean="0"/>
-              <a:t>Strategies:</a:t>
-            </a:r>
-          </a:p>
-          <a:p>
-            <a:pPr marL="0" indent="0">
-              <a:buNone/>
-            </a:pPr>
-            <a:endParaRPr lang="en-US" dirty="0"/>
-          </a:p>
-          <a:p>
+              <a:t>Convergence</a:t>
+            </a:r>
+          </a:p>
+          <a:p>
+            <a:pPr lvl="1"/>
             <a:r>
               <a:rPr lang="en-US" dirty="0" smtClean="0"/>
-              <a:t>Constrain the application so that updates are </a:t>
-            </a:r>
-            <a:r>
-              <a:rPr lang="en-US" dirty="0" err="1" smtClean="0"/>
-              <a:t>reorderable</a:t>
-            </a:r>
-            <a:endParaRPr lang="en-US" dirty="0" smtClean="0"/>
-          </a:p>
-          <a:p>
-            <a:pPr marL="0" indent="0">
-              <a:buNone/>
-            </a:pPr>
-            <a:endParaRPr lang="en-US" dirty="0"/>
-          </a:p>
-          <a:p>
-            <a:pPr marL="0" indent="0">
-              <a:buNone/>
-            </a:pPr>
-            <a:endParaRPr lang="en-US" dirty="0"/>
-          </a:p>
-        </p:txBody>
-      </p:sp>
-      <p:cxnSp>
-        <p:nvCxnSpPr>
-          <p:cNvPr id="5" name="Straight Arrow Connector 4"/>
-          <p:cNvCxnSpPr/>
-          <p:nvPr/>
-        </p:nvCxnSpPr>
-        <p:spPr>
-          <a:xfrm flipH="1" flipV="1">
-            <a:off x="2148860" y="3844335"/>
-            <a:ext cx="238133" cy="759795"/>
-          </a:xfrm>
-          <a:prstGeom prst="straightConnector1">
-            <a:avLst/>
-          </a:prstGeom>
-          <a:ln>
-            <a:tailEnd type="arrow"/>
-          </a:ln>
-        </p:spPr>
-        <p:style>
-          <a:lnRef idx="2">
-            <a:schemeClr val="accent1"/>
-          </a:lnRef>
-          <a:fillRef idx="0">
-            <a:schemeClr val="accent1"/>
-          </a:fillRef>
-          <a:effectRef idx="1">
-            <a:schemeClr val="accent1"/>
-          </a:effectRef>
-          <a:fontRef idx="minor">
-            <a:schemeClr val="tx1"/>
-          </a:fontRef>
-        </p:style>
-      </p:cxnSp>
-      <p:sp>
-        <p:nvSpPr>
-          <p:cNvPr id="7" name="TextBox 6"/>
-          <p:cNvSpPr txBox="1"/>
-          <p:nvPr/>
-        </p:nvSpPr>
-        <p:spPr>
-          <a:xfrm>
-            <a:off x="2267928" y="4717533"/>
-            <a:ext cx="2036623" cy="646331"/>
-          </a:xfrm>
-          <a:prstGeom prst="rect">
-            <a:avLst/>
-          </a:prstGeom>
-          <a:noFill/>
-        </p:spPr>
-        <p:txBody>
-          <a:bodyPr wrap="none" rtlCol="0">
-            <a:spAutoFit/>
-          </a:bodyPr>
-          <a:lstStyle/>
-          <a:p>
+              <a:t>Conflicting writes are uniformly resolved</a:t>
+            </a:r>
+          </a:p>
+          <a:p>
+            <a:pPr lvl="1"/>
             <a:r>
               <a:rPr lang="en-US" dirty="0" smtClean="0"/>
-              <a:t>Won’t always work.</a:t>
+              <a:t>Reads eventually return current data</a:t>
+            </a:r>
+          </a:p>
+          <a:p>
+            <a:pPr lvl="1"/>
+            <a:r>
+              <a:rPr lang="en-US" i="1" dirty="0" smtClean="0"/>
+              <a:t>State-centric</a:t>
             </a:r>
           </a:p>
           <a:p>
             <a:r>
               <a:rPr lang="en-US" dirty="0" smtClean="0"/>
-              <a:t>When will it  work?</a:t>
-            </a:r>
-            <a:endParaRPr lang="en-US" dirty="0"/>
+              <a:t>Confluence</a:t>
+            </a:r>
+            <a:endParaRPr lang="en-US" i="1" dirty="0" smtClean="0"/>
+          </a:p>
+          <a:p>
+            <a:pPr lvl="1"/>
+            <a:r>
+              <a:rPr lang="en-US" dirty="0" smtClean="0"/>
+              <a:t>A program has deterministic executions</a:t>
+            </a:r>
+          </a:p>
+          <a:p>
+            <a:pPr lvl="2"/>
+            <a:r>
+              <a:rPr lang="en-US" dirty="0" smtClean="0"/>
+              <a:t>Output is a function of input</a:t>
+            </a:r>
+          </a:p>
+          <a:p>
+            <a:pPr lvl="1"/>
+            <a:r>
+              <a:rPr lang="en-US" i="1" dirty="0" smtClean="0"/>
+              <a:t>Program-centric</a:t>
+            </a:r>
           </a:p>
         </p:txBody>
       </p:sp>
     </p:spTree>
     <p:extLst>
       <p:ext uri="{BB962C8B-B14F-4D97-AF65-F5344CB8AC3E}">
-        <p14:creationId xmlns:p14="http://schemas.microsoft.com/office/powerpoint/2010/main" val="3331637298"/>
+        <p14:creationId xmlns:p14="http://schemas.microsoft.com/office/powerpoint/2010/main" val="2618700400"/>
       </p:ext>
     </p:extLst>
   </p:cSld>
   <p:clrMapOvr>
     <a:masterClrMapping/>
   </p:clrMapOvr>
-  <p:timing>
-    <p:tnLst>
-      <p:par>
-        <p:cTn xmlns:p14="http://schemas.microsoft.com/office/powerpoint/2010/main" id="1" dur="indefinite" restart="never" nodeType="tmRoot"/>
-      </p:par>
-    </p:tnLst>
-  </p:timing>
 </p:sld>
 </file>
 
@@ -9263,12 +9342,21 @@
         </p:nvSpPr>
         <p:spPr/>
         <p:txBody>
-          <a:bodyPr/>
+          <a:bodyPr>
+            <a:normAutofit fontScale="90000"/>
+          </a:bodyPr>
           <a:lstStyle/>
           <a:p>
             <a:r>
               <a:rPr lang="en-US" dirty="0" smtClean="0"/>
-              <a:t>(peter notes)</a:t>
+              <a:t>Eventual consistency – </a:t>
+            </a:r>
+            <a:br>
+              <a:rPr lang="en-US" dirty="0" smtClean="0"/>
+            </a:br>
+            <a:r>
+              <a:rPr lang="en-US" dirty="0" smtClean="0"/>
+              <a:t>more definitions</a:t>
             </a:r>
             <a:endParaRPr lang="en-US" dirty="0"/>
           </a:p>
@@ -9286,86 +9374,90 @@
         </p:nvSpPr>
         <p:spPr/>
         <p:txBody>
-          <a:bodyPr>
-            <a:normAutofit fontScale="85000" lnSpcReduction="20000"/>
-          </a:bodyPr>
+          <a:bodyPr/>
           <a:lstStyle/>
           <a:p>
             <a:r>
               <a:rPr lang="en-US" dirty="0" smtClean="0"/>
-              <a:t>EC systems focus only on controlling write anomalies (stale reads always fair game, though session guarantees may restrict which read anomalies can happen)</a:t>
-            </a:r>
-          </a:p>
-          <a:p>
+              <a:t>Confluence is a strong correctness criterion</a:t>
+            </a:r>
+          </a:p>
+          <a:p>
+            <a:pPr lvl="1"/>
             <a:r>
               <a:rPr lang="en-US" dirty="0" smtClean="0"/>
-              <a:t>EC systems are </a:t>
+              <a:t>Not all programs are </a:t>
             </a:r>
             <a:r>
               <a:rPr lang="en-US" i="1" dirty="0" smtClean="0"/>
-              <a:t>convergent</a:t>
+              <a:t>meant </a:t>
             </a:r>
             <a:r>
               <a:rPr lang="en-US" dirty="0" smtClean="0"/>
-              <a:t> – eventually there are no divergent states</a:t>
-            </a:r>
-          </a:p>
-          <a:p>
+              <a:t>to be deterministic</a:t>
+            </a:r>
+          </a:p>
+          <a:p>
+            <a:r>
+              <a:rPr lang="en-US" dirty="0"/>
+              <a:t>B</a:t>
+            </a:r>
             <a:r>
               <a:rPr lang="en-US" dirty="0" smtClean="0"/>
-              <a:t>Deterministic =&gt; convergent (but not </a:t>
-            </a:r>
-            <a:r>
-              <a:rPr lang="en-US" dirty="0" err="1" smtClean="0"/>
-              <a:t>tother</a:t>
-            </a:r>
+              <a:t>ut it’s a nice property</a:t>
+            </a:r>
+          </a:p>
+          <a:p>
+            <a:pPr lvl="1"/>
             <a:r>
               <a:rPr lang="en-US" dirty="0" smtClean="0"/>
-              <a:t> way)</a:t>
-            </a:r>
-          </a:p>
-          <a:p>
+              <a:t>E.g., for replay-based debugging</a:t>
+            </a:r>
+          </a:p>
+          <a:p>
+            <a:pPr lvl="1"/>
             <a:r>
               <a:rPr lang="en-US" dirty="0" smtClean="0"/>
-              <a:t>Determinism is compositional: two deterministic systems glued together make a deterministic system</a:t>
-            </a:r>
-          </a:p>
-          <a:p>
+              <a:t>E.g., because the </a:t>
+            </a:r>
+            <a:r>
+              <a:rPr lang="en-US" i="1" dirty="0" smtClean="0"/>
+              <a:t>meaning </a:t>
+            </a:r>
             <a:r>
               <a:rPr lang="en-US" dirty="0" smtClean="0"/>
-              <a:t>Convergence is not compositional: two convergent systems glued together do not necessarily make a convergent system (</a:t>
-            </a:r>
-            <a:r>
-              <a:rPr lang="en-US" dirty="0" err="1" smtClean="0"/>
-              <a:t>eg</a:t>
+              <a:t>of a program </a:t>
+            </a:r>
+            <a:r>
+              <a:rPr lang="en-US" i="1" dirty="0" smtClean="0"/>
+              <a:t>is</a:t>
             </a:r>
             <a:r>
               <a:rPr lang="en-US" dirty="0" smtClean="0"/>
-              <a:t> if the glue is NM)</a:t>
-            </a:r>
-          </a:p>
-          <a:p>
-            <a:endParaRPr lang="en-US" dirty="0"/>
+              <a:t> its output (not its ``traces’’)</a:t>
+            </a:r>
+          </a:p>
+          <a:p>
+            <a:r>
+              <a:rPr lang="en-US" dirty="0"/>
+              <a:t>Confluent =&gt; convergent</a:t>
+            </a:r>
+          </a:p>
+          <a:p>
+            <a:endParaRPr lang="en-US" dirty="0" smtClean="0"/>
           </a:p>
         </p:txBody>
       </p:sp>
     </p:spTree>
     <p:extLst>
       <p:ext uri="{BB962C8B-B14F-4D97-AF65-F5344CB8AC3E}">
-        <p14:creationId xmlns:p14="http://schemas.microsoft.com/office/powerpoint/2010/main" val="2086526355"/>
+        <p14:creationId xmlns:p14="http://schemas.microsoft.com/office/powerpoint/2010/main" val="2363421395"/>
       </p:ext>
     </p:extLst>
   </p:cSld>
   <p:clrMapOvr>
     <a:masterClrMapping/>
   </p:clrMapOvr>
-  <p:timing>
-    <p:tnLst>
-      <p:par>
-        <p:cTn xmlns:p14="http://schemas.microsoft.com/office/powerpoint/2010/main" id="1" dur="indefinite" restart="never" nodeType="tmRoot"/>
-      </p:par>
-    </p:tnLst>
-  </p:timing>
 </p:sld>
 </file>
 
@@ -9398,12 +9490,21 @@
         </p:nvSpPr>
         <p:spPr/>
         <p:txBody>
-          <a:bodyPr/>
+          <a:bodyPr>
+            <a:normAutofit fontScale="90000"/>
+          </a:bodyPr>
           <a:lstStyle/>
           <a:p>
             <a:r>
               <a:rPr lang="en-US" dirty="0" smtClean="0"/>
-              <a:t>(peter notes)</a:t>
+              <a:t>Eventual consistency – </a:t>
+            </a:r>
+            <a:br>
+              <a:rPr lang="en-US" dirty="0" smtClean="0"/>
+            </a:br>
+            <a:r>
+              <a:rPr lang="en-US" dirty="0" smtClean="0"/>
+              <a:t>more definitions</a:t>
             </a:r>
             <a:endParaRPr lang="en-US" dirty="0"/>
           </a:p>
@@ -9421,75 +9522,60 @@
         </p:nvSpPr>
         <p:spPr/>
         <p:txBody>
-          <a:bodyPr>
-            <a:normAutofit lnSpcReduction="10000"/>
-          </a:bodyPr>
-          <a:lstStyle/>
-          <a:p>
+          <a:bodyPr/>
+          <a:lstStyle/>
+          <a:p>
+            <a:pPr marL="0" indent="0">
+              <a:buNone/>
+            </a:pPr>
+            <a:endParaRPr lang="en-US" dirty="0" smtClean="0"/>
+          </a:p>
+          <a:p>
+            <a:pPr marL="0" indent="0">
+              <a:buNone/>
+            </a:pPr>
             <a:r>
               <a:rPr lang="en-US" dirty="0" smtClean="0"/>
-              <a:t>Guarded asynchrony – need to carefully explain the significance of this</a:t>
-            </a:r>
-          </a:p>
-          <a:p>
-            <a:r>
-              <a:rPr lang="en-US" dirty="0" smtClean="0"/>
-              <a:t>Essentially, confluent programs cannot allow one-shot queries on changing state (even monotonically changing)</a:t>
-            </a:r>
-          </a:p>
-          <a:p>
-            <a:r>
-              <a:rPr lang="en-US" dirty="0" smtClean="0"/>
-              <a:t>One-shot queries must be converted into subscriptions to a stream of updates</a:t>
-            </a:r>
-          </a:p>
-          <a:p>
-            <a:pPr lvl="1"/>
-            <a:r>
-              <a:rPr lang="en-US" dirty="0" smtClean="0"/>
-              <a:t>That way, we are guaranteed to see</a:t>
-            </a:r>
-            <a:r>
-              <a:rPr lang="en-US" dirty="0"/>
-              <a:t> </a:t>
-            </a:r>
-            <a:r>
-              <a:rPr lang="en-US" dirty="0" smtClean="0"/>
-              <a:t>the </a:t>
-            </a:r>
-            <a:r>
-              <a:rPr lang="en-US" i="1" dirty="0" smtClean="0"/>
-              <a:t>last</a:t>
-            </a:r>
-            <a:r>
-              <a:rPr lang="en-US" dirty="0" smtClean="0"/>
-              <a:t> update to a </a:t>
-            </a:r>
-            <a:r>
-              <a:rPr lang="en-US" smtClean="0"/>
-              <a:t>given lattice</a:t>
-            </a:r>
-            <a:endParaRPr lang="en-US"/>
+              <a:t>Confluent =&gt; convergent</a:t>
+            </a:r>
+          </a:p>
+          <a:p>
+            <a:pPr marL="0" indent="0">
+              <a:buNone/>
+            </a:pPr>
+            <a:endParaRPr lang="en-US" dirty="0" smtClean="0"/>
+          </a:p>
+          <a:p>
+            <a:pPr marL="0" indent="0">
+              <a:buNone/>
+            </a:pPr>
+            <a:r>
+              <a:rPr lang="en-US" sz="2800" dirty="0"/>
+              <a:t>D</a:t>
+            </a:r>
+            <a:r>
+              <a:rPr lang="en-US" sz="2800" dirty="0" smtClean="0"/>
+              <a:t>eterministic executions imply replica agreement</a:t>
+            </a:r>
+          </a:p>
+          <a:p>
+            <a:pPr marL="0" indent="0">
+              <a:buNone/>
+            </a:pPr>
+            <a:endParaRPr lang="en-US" sz="2800" i="1" dirty="0"/>
           </a:p>
         </p:txBody>
       </p:sp>
     </p:spTree>
     <p:extLst>
       <p:ext uri="{BB962C8B-B14F-4D97-AF65-F5344CB8AC3E}">
-        <p14:creationId xmlns:p14="http://schemas.microsoft.com/office/powerpoint/2010/main" val="4034735068"/>
+        <p14:creationId xmlns:p14="http://schemas.microsoft.com/office/powerpoint/2010/main" val="391187224"/>
       </p:ext>
     </p:extLst>
   </p:cSld>
   <p:clrMapOvr>
     <a:masterClrMapping/>
   </p:clrMapOvr>
-  <p:timing>
-    <p:tnLst>
-      <p:par>
-        <p:cTn xmlns:p14="http://schemas.microsoft.com/office/powerpoint/2010/main" id="1" dur="indefinite" restart="never" nodeType="tmRoot"/>
-      </p:par>
-    </p:tnLst>
-  </p:timing>
 </p:sld>
 </file>
 
@@ -9522,20 +9608,21 @@
         </p:nvSpPr>
         <p:spPr/>
         <p:txBody>
-          <a:bodyPr/>
+          <a:bodyPr>
+            <a:normAutofit fontScale="90000"/>
+          </a:bodyPr>
           <a:lstStyle/>
           <a:p>
             <a:r>
               <a:rPr lang="en-US" dirty="0" smtClean="0"/>
-              <a:t>(</a:t>
-            </a:r>
-            <a:r>
-              <a:rPr lang="en-US" dirty="0" err="1" smtClean="0"/>
-              <a:t>joe</a:t>
-            </a:r>
-            <a:r>
+              <a:t>Eventual consistency – </a:t>
+            </a:r>
+            <a:br>
               <a:rPr lang="en-US" dirty="0" smtClean="0"/>
-              <a:t> notes)</a:t>
+            </a:br>
+            <a:r>
+              <a:rPr lang="en-US" dirty="0" smtClean="0"/>
+              <a:t>more definitions</a:t>
             </a:r>
             <a:endParaRPr lang="en-US" dirty="0"/>
           </a:p>
@@ -9553,89 +9640,49 @@
         </p:nvSpPr>
         <p:spPr/>
         <p:txBody>
-          <a:bodyPr>
-            <a:normAutofit fontScale="92500" lnSpcReduction="20000"/>
-          </a:bodyPr>
-          <a:lstStyle/>
-          <a:p>
-            <a:r>
-              <a:rPr lang="en-US" dirty="0"/>
-              <a:t>There’s stuff you can do </a:t>
-            </a:r>
-            <a:r>
-              <a:rPr lang="en-US" dirty="0" smtClean="0"/>
-              <a:t>in The </a:t>
-            </a:r>
-            <a:r>
-              <a:rPr lang="en-US" dirty="0" smtClean="0"/>
-              <a:t>storage layer…. Or you can pop up.</a:t>
-            </a:r>
-          </a:p>
-          <a:p>
-            <a:endParaRPr lang="en-US" dirty="0"/>
-          </a:p>
-          <a:p>
-            <a:r>
-              <a:rPr lang="en-US" dirty="0" smtClean="0"/>
-              <a:t>Layer </a:t>
-            </a:r>
-            <a:r>
-              <a:rPr lang="en-US" dirty="0" err="1" smtClean="0"/>
-              <a:t>vs</a:t>
-            </a:r>
-            <a:r>
-              <a:rPr lang="en-US" dirty="0" smtClean="0"/>
-              <a:t> language</a:t>
-            </a:r>
-          </a:p>
-          <a:p>
-            <a:r>
-              <a:rPr lang="en-US" dirty="0" smtClean="0"/>
-              <a:t>Sequential emulation at the storage layer</a:t>
-            </a:r>
-          </a:p>
-          <a:p>
-            <a:r>
-              <a:rPr lang="en-US" dirty="0" err="1" smtClean="0"/>
-              <a:t>Crdts</a:t>
-            </a:r>
-            <a:r>
-              <a:rPr lang="en-US" dirty="0" smtClean="0"/>
-              <a:t> – state-centric attempt to achieve relaxed ordering (object-by-object)</a:t>
-            </a:r>
-          </a:p>
-          <a:p>
-            <a:r>
-              <a:rPr lang="en-US" dirty="0" smtClean="0"/>
-              <a:t>Then bloom </a:t>
-            </a:r>
-          </a:p>
-          <a:p>
-            <a:r>
-              <a:rPr lang="en-US" dirty="0" smtClean="0"/>
-              <a:t>The programming model should match the computation model </a:t>
-            </a:r>
-            <a:endParaRPr lang="en-US" dirty="0"/>
+          <a:bodyPr/>
+          <a:lstStyle/>
+          <a:p>
+            <a:pPr marL="0" indent="0">
+              <a:buNone/>
+            </a:pPr>
+            <a:r>
+              <a:rPr lang="en-US" sz="2800" dirty="0" smtClean="0"/>
+              <a:t>But convergent state does </a:t>
+            </a:r>
+            <a:r>
+              <a:rPr lang="en-US" sz="2800" i="1" dirty="0" smtClean="0"/>
+              <a:t>not</a:t>
+            </a:r>
+            <a:r>
+              <a:rPr lang="en-US" sz="2800" dirty="0" smtClean="0"/>
+              <a:t> imply deterministic executions</a:t>
+            </a:r>
+          </a:p>
+          <a:p>
+            <a:pPr marL="0" indent="0">
+              <a:buNone/>
+            </a:pPr>
+            <a:endParaRPr lang="en-US" sz="2800" dirty="0"/>
+          </a:p>
+          <a:p>
+            <a:pPr marL="0" indent="0">
+              <a:buNone/>
+            </a:pPr>
+            <a:endParaRPr lang="en-US" sz="2800" dirty="0"/>
           </a:p>
         </p:txBody>
       </p:sp>
     </p:spTree>
     <p:extLst>
       <p:ext uri="{BB962C8B-B14F-4D97-AF65-F5344CB8AC3E}">
-        <p14:creationId xmlns:p14="http://schemas.microsoft.com/office/powerpoint/2010/main" val="4178425094"/>
+        <p14:creationId xmlns:p14="http://schemas.microsoft.com/office/powerpoint/2010/main" val="4245313460"/>
       </p:ext>
     </p:extLst>
   </p:cSld>
   <p:clrMapOvr>
     <a:masterClrMapping/>
   </p:clrMapOvr>
-  <p:timing>
-    <p:tnLst>
-      <p:par>
-        <p:cTn xmlns:p14="http://schemas.microsoft.com/office/powerpoint/2010/main" id="1" dur="indefinite" restart="never" nodeType="tmRoot"/>
-      </p:par>
-    </p:tnLst>
-  </p:timing>
 </p:sld>
 </file>
 
@@ -9668,21 +9715,12 @@
         </p:nvSpPr>
         <p:spPr/>
         <p:txBody>
-          <a:bodyPr>
-            <a:normAutofit fontScale="90000"/>
-          </a:bodyPr>
+          <a:bodyPr/>
           <a:lstStyle/>
           <a:p>
             <a:r>
               <a:rPr lang="en-US" dirty="0" smtClean="0"/>
-              <a:t>Distributed design patterns</a:t>
-            </a:r>
-            <a:br>
-              <a:rPr lang="en-US" dirty="0" smtClean="0"/>
-            </a:br>
-            <a:r>
-              <a:rPr lang="en-US" dirty="0" smtClean="0"/>
-              <a:t>for eventual consistency</a:t>
+              <a:t>(peter notes)</a:t>
             </a:r>
             <a:endParaRPr lang="en-US" dirty="0"/>
           </a:p>
@@ -9700,8 +9738,64 @@
         </p:nvSpPr>
         <p:spPr/>
         <p:txBody>
-          <a:bodyPr/>
-          <a:lstStyle/>
+          <a:bodyPr>
+            <a:normAutofit fontScale="85000" lnSpcReduction="20000"/>
+          </a:bodyPr>
+          <a:lstStyle/>
+          <a:p>
+            <a:r>
+              <a:rPr lang="en-US" dirty="0" smtClean="0"/>
+              <a:t>EC systems focus only on controlling write anomalies (stale reads always fair game, though session guarantees may restrict which read anomalies can happen)</a:t>
+            </a:r>
+          </a:p>
+          <a:p>
+            <a:r>
+              <a:rPr lang="en-US" dirty="0" smtClean="0"/>
+              <a:t>EC systems are </a:t>
+            </a:r>
+            <a:r>
+              <a:rPr lang="en-US" i="1" dirty="0" smtClean="0"/>
+              <a:t>convergent</a:t>
+            </a:r>
+            <a:r>
+              <a:rPr lang="en-US" dirty="0" smtClean="0"/>
+              <a:t> – eventually there are no divergent states</a:t>
+            </a:r>
+          </a:p>
+          <a:p>
+            <a:r>
+              <a:rPr lang="en-US" dirty="0" smtClean="0"/>
+              <a:t>Deterministic =&gt; convergent (but not </a:t>
+            </a:r>
+            <a:r>
+              <a:rPr lang="en-US" dirty="0" err="1" smtClean="0"/>
+              <a:t>tother</a:t>
+            </a:r>
+            <a:r>
+              <a:rPr lang="en-US" dirty="0" smtClean="0"/>
+              <a:t> way)</a:t>
+            </a:r>
+          </a:p>
+          <a:p>
+            <a:r>
+              <a:rPr lang="en-US" dirty="0" smtClean="0"/>
+              <a:t>Determinism is compositional: two deterministic systems glued together make a deterministic system</a:t>
+            </a:r>
+          </a:p>
+          <a:p>
+            <a:r>
+              <a:rPr lang="en-US" dirty="0" smtClean="0"/>
+              <a:t>Convergence is not compositional: two convergent systems glued together do not necessarily make a convergent system (</a:t>
+            </a:r>
+            <a:r>
+              <a:rPr lang="en-US" dirty="0" err="1" smtClean="0"/>
+              <a:t>eg</a:t>
+            </a:r>
+            <a:r>
+              <a:rPr lang="en-US" dirty="0" smtClean="0"/>
+              <a:t> if the glue is NM)</a:t>
+            </a:r>
+          </a:p>
           <a:p>
             <a:endParaRPr lang="en-US" dirty="0"/>
           </a:p>
@@ -9710,7 +9804,7 @@
     </p:spTree>
     <p:extLst>
       <p:ext uri="{BB962C8B-B14F-4D97-AF65-F5344CB8AC3E}">
-        <p14:creationId xmlns:p14="http://schemas.microsoft.com/office/powerpoint/2010/main" val="1464956512"/>
+        <p14:creationId xmlns:p14="http://schemas.microsoft.com/office/powerpoint/2010/main" val="2086526355"/>
       </p:ext>
     </p:extLst>
   </p:cSld>
@@ -9761,7 +9855,7 @@
           <a:p>
             <a:r>
               <a:rPr lang="en-US" dirty="0" smtClean="0"/>
-              <a:t>ACID 2.0</a:t>
+              <a:t>(peter notes)</a:t>
             </a:r>
             <a:endParaRPr lang="en-US" dirty="0"/>
           </a:p>
@@ -9780,167 +9874,57 @@
         <p:spPr/>
         <p:txBody>
           <a:bodyPr>
-            <a:normAutofit fontScale="70000" lnSpcReduction="20000"/>
+            <a:normAutofit lnSpcReduction="10000"/>
           </a:bodyPr>
           <a:lstStyle/>
           <a:p>
-            <a:pPr marL="0" indent="0">
-              <a:buNone/>
-            </a:pPr>
+            <a:r>
+              <a:rPr lang="en-US" dirty="0" smtClean="0"/>
+              <a:t>Guarded asynchrony – need to carefully explain the significance of this</a:t>
+            </a:r>
+          </a:p>
+          <a:p>
+            <a:r>
+              <a:rPr lang="en-US" dirty="0" smtClean="0"/>
+              <a:t>Essentially, confluent programs cannot allow one-shot queries on changing state (even monotonically changing)</a:t>
+            </a:r>
+          </a:p>
+          <a:p>
+            <a:r>
+              <a:rPr lang="en-US" dirty="0" smtClean="0"/>
+              <a:t>One-shot queries must be converted into subscriptions to a stream of updates</a:t>
+            </a:r>
+          </a:p>
+          <a:p>
+            <a:pPr lvl="1"/>
+            <a:r>
+              <a:rPr lang="en-US" dirty="0" smtClean="0"/>
+              <a:t>That way, we are guaranteed to see</a:t>
+            </a:r>
             <a:r>
               <a:rPr lang="en-US" dirty="0"/>
-              <a:t>The classic ACID has the goal to make the application </a:t>
+              <a:t> </a:t>
             </a:r>
             <a:r>
               <a:rPr lang="en-US" dirty="0" smtClean="0"/>
-              <a:t>perceive </a:t>
-            </a:r>
-            <a:r>
-              <a:rPr lang="en-US" dirty="0"/>
-              <a:t>that there is exactly one computer and it is doing nothing </a:t>
+              <a:t>the </a:t>
+            </a:r>
+            <a:r>
+              <a:rPr lang="en-US" i="1" dirty="0" smtClean="0"/>
+              <a:t>last</a:t>
             </a:r>
             <a:r>
               <a:rPr lang="en-US" dirty="0" smtClean="0"/>
-              <a:t>else </a:t>
-            </a:r>
-            <a:r>
-              <a:rPr lang="en-US" dirty="0"/>
-              <a:t>while this transaction is being processed.</a:t>
-            </a:r>
-          </a:p>
-          <a:p>
-            <a:pPr marL="0" indent="0">
-              <a:buNone/>
-            </a:pPr>
+              <a:t> update to a given lattice</a:t>
+            </a:r>
             <a:endParaRPr lang="en-US" dirty="0"/>
-          </a:p>
-          <a:p>
-            <a:pPr marL="0" indent="0">
-              <a:buNone/>
-            </a:pPr>
-            <a:r>
-              <a:rPr lang="en-US" dirty="0"/>
-              <a:t>Consider the new ACID (or ACID2.0).  The letters stand for: </a:t>
-            </a:r>
-            <a:r>
-              <a:rPr lang="en-US" dirty="0" smtClean="0"/>
-              <a:t>Associative</a:t>
-            </a:r>
-            <a:r>
-              <a:rPr lang="en-US" dirty="0"/>
-              <a:t>, Commutative, Idempotent, and </a:t>
-            </a:r>
-            <a:r>
-              <a:rPr lang="en-US" dirty="0" smtClean="0"/>
-              <a:t>Distributed.  The goal </a:t>
-            </a:r>
-            <a:r>
-              <a:rPr lang="en-US" dirty="0"/>
-              <a:t>for ACID2.0 is to succeed if the pieces of the </a:t>
-            </a:r>
-            <a:r>
-              <a:rPr lang="en-US" dirty="0" smtClean="0"/>
-              <a:t>work happen</a:t>
-            </a:r>
-            <a:r>
-              <a:rPr lang="en-US" dirty="0"/>
-              <a:t>:</a:t>
-            </a:r>
-          </a:p>
-          <a:p>
-            <a:pPr marL="0" indent="0">
-              <a:buNone/>
-            </a:pPr>
-            <a:endParaRPr lang="en-US" dirty="0"/>
-          </a:p>
-          <a:p>
-            <a:pPr marL="0" indent="0">
-              <a:buNone/>
-            </a:pPr>
-            <a:r>
-              <a:rPr lang="en-US" dirty="0"/>
-              <a:t> At least once</a:t>
-            </a:r>
-            <a:r>
-              <a:rPr lang="en-US" dirty="0" smtClean="0"/>
-              <a:t>,</a:t>
-            </a:r>
-            <a:endParaRPr lang="en-US" dirty="0"/>
-          </a:p>
-          <a:p>
-            <a:pPr marL="0" indent="0">
-              <a:buNone/>
-            </a:pPr>
-            <a:r>
-              <a:rPr lang="en-US" dirty="0"/>
-              <a:t> Anywhere in the system</a:t>
-            </a:r>
-            <a:r>
-              <a:rPr lang="en-US" dirty="0" smtClean="0"/>
-              <a:t>,</a:t>
-            </a:r>
-            <a:endParaRPr lang="en-US" dirty="0"/>
-          </a:p>
-          <a:p>
-            <a:pPr marL="0" indent="0">
-              <a:buNone/>
-            </a:pPr>
-            <a:r>
-              <a:rPr lang="en-US" dirty="0"/>
-              <a:t> In any order</a:t>
-            </a:r>
-            <a:r>
-              <a:rPr lang="en-US" dirty="0" smtClean="0"/>
-              <a:t>.</a:t>
-            </a:r>
-          </a:p>
-          <a:p>
-            <a:pPr marL="0" indent="0">
-              <a:buNone/>
-            </a:pPr>
-            <a:endParaRPr lang="en-US" dirty="0"/>
-          </a:p>
-          <a:p>
-            <a:pPr marL="0" indent="0">
-              <a:buNone/>
-            </a:pPr>
-            <a:r>
-              <a:rPr lang="en-US" dirty="0" smtClean="0"/>
-              <a:t>										- Pat </a:t>
-            </a:r>
-            <a:r>
-              <a:rPr lang="en-US" dirty="0" err="1" smtClean="0"/>
-              <a:t>Helland</a:t>
-            </a:r>
-            <a:r>
-              <a:rPr lang="en-US" dirty="0" smtClean="0"/>
-              <a:t>,</a:t>
-            </a:r>
-          </a:p>
-          <a:p>
-            <a:pPr marL="0" indent="0">
-              <a:buNone/>
-            </a:pPr>
-            <a:r>
-              <a:rPr lang="en-US" dirty="0"/>
-              <a:t>	</a:t>
-            </a:r>
-            <a:r>
-              <a:rPr lang="en-US" dirty="0" smtClean="0"/>
-              <a:t>									</a:t>
-            </a:r>
-            <a:r>
-              <a:rPr lang="en-US" i="1" dirty="0" smtClean="0"/>
-              <a:t>Building on quicksand</a:t>
-            </a:r>
-            <a:endParaRPr lang="en-US" i="1" dirty="0"/>
           </a:p>
         </p:txBody>
       </p:sp>
     </p:spTree>
     <p:extLst>
       <p:ext uri="{BB962C8B-B14F-4D97-AF65-F5344CB8AC3E}">
-        <p14:creationId xmlns:p14="http://schemas.microsoft.com/office/powerpoint/2010/main" val="2522880521"/>
+        <p14:creationId xmlns:p14="http://schemas.microsoft.com/office/powerpoint/2010/main" val="4034735068"/>
       </p:ext>
     </p:extLst>
   </p:cSld>
@@ -9991,7 +9975,15 @@
           <a:p>
             <a:r>
               <a:rPr lang="en-US" dirty="0" smtClean="0"/>
-              <a:t>ACID 2.0</a:t>
+              <a:t>(</a:t>
+            </a:r>
+            <a:r>
+              <a:rPr lang="en-US" dirty="0" err="1" smtClean="0"/>
+              <a:t>joe</a:t>
+            </a:r>
+            <a:r>
+              <a:rPr lang="en-US" dirty="0" smtClean="0"/>
+              <a:t> notes)</a:t>
             </a:r>
             <a:endParaRPr lang="en-US" dirty="0"/>
           </a:p>
@@ -10009,37 +10001,64 @@
         </p:nvSpPr>
         <p:spPr/>
         <p:txBody>
-          <a:bodyPr/>
-          <a:lstStyle/>
-          <a:p>
+          <a:bodyPr>
+            <a:normAutofit fontScale="92500" lnSpcReduction="20000"/>
+          </a:bodyPr>
+          <a:lstStyle/>
+          <a:p>
+            <a:r>
+              <a:rPr lang="en-US" dirty="0"/>
+              <a:t>There’s stuff you can do </a:t>
+            </a:r>
             <a:r>
               <a:rPr lang="en-US" dirty="0" smtClean="0"/>
-              <a:t>Associative --  operations can be ``eagerly’’ processed</a:t>
-            </a:r>
+              <a:t>in The storage layer…. Or you can pop up.</a:t>
+            </a:r>
+          </a:p>
+          <a:p>
+            <a:endParaRPr lang="en-US" dirty="0"/>
           </a:p>
           <a:p>
             <a:r>
               <a:rPr lang="en-US" dirty="0" smtClean="0"/>
-              <a:t>Commutative – operations can be reordered</a:t>
-            </a:r>
-          </a:p>
-          <a:p>
+              <a:t>Layer </a:t>
+            </a:r>
+            <a:r>
+              <a:rPr lang="en-US" dirty="0" err="1" smtClean="0"/>
+              <a:t>vs</a:t>
+            </a:r>
             <a:r>
               <a:rPr lang="en-US" dirty="0" smtClean="0"/>
-              <a:t>Idempotent – retry is always an option</a:t>
+              <a:t> language</a:t>
             </a:r>
           </a:p>
           <a:p>
             <a:r>
               <a:rPr lang="en-US" dirty="0" smtClean="0"/>
-              <a:t>Distributed – </a:t>
-            </a:r>
-            <a:r>
-              <a:rPr lang="en-US" smtClean="0"/>
-              <a:t>(needed a ``D’’)</a:t>
-            </a:r>
-          </a:p>
-          <a:p>
+              <a:t>Sequential emulation at the storage layer</a:t>
+            </a:r>
+          </a:p>
+          <a:p>
+            <a:r>
+              <a:rPr lang="en-US" dirty="0" err="1" smtClean="0"/>
+              <a:t>Crdts</a:t>
+            </a:r>
+            <a:r>
+              <a:rPr lang="en-US" dirty="0" smtClean="0"/>
+              <a:t> – state-centric attempt to achieve relaxed ordering (object-by-object)</a:t>
+            </a:r>
+          </a:p>
+          <a:p>
+            <a:r>
+              <a:rPr lang="en-US" dirty="0" smtClean="0"/>
+              <a:t>Then bloom </a:t>
+            </a:r>
+          </a:p>
+          <a:p>
+            <a:r>
+              <a:rPr lang="en-US" dirty="0" smtClean="0"/>
+              <a:t>The programming model should match the computation model </a:t>
+            </a:r>
             <a:endParaRPr lang="en-US" dirty="0"/>
           </a:p>
         </p:txBody>
@@ -10047,7 +10066,7 @@
     </p:spTree>
     <p:extLst>
       <p:ext uri="{BB962C8B-B14F-4D97-AF65-F5344CB8AC3E}">
-        <p14:creationId xmlns:p14="http://schemas.microsoft.com/office/powerpoint/2010/main" val="1789692968"/>
+        <p14:creationId xmlns:p14="http://schemas.microsoft.com/office/powerpoint/2010/main" val="4178425094"/>
       </p:ext>
     </p:extLst>
   </p:cSld>
@@ -10093,12 +10112,21 @@
         </p:nvSpPr>
         <p:spPr/>
         <p:txBody>
-          <a:bodyPr/>
+          <a:bodyPr>
+            <a:normAutofit fontScale="90000"/>
+          </a:bodyPr>
           <a:lstStyle/>
           <a:p>
             <a:r>
               <a:rPr lang="en-US" dirty="0" smtClean="0"/>
-              <a:t>ACID 2.0</a:t>
+              <a:t>Distributed design patterns</a:t>
+            </a:r>
+            <a:br>
+              <a:rPr lang="en-US" dirty="0" smtClean="0"/>
+            </a:br>
+            <a:r>
+              <a:rPr lang="en-US" dirty="0" smtClean="0"/>
+              <a:t>for eventual consistency</a:t>
             </a:r>
             <a:endParaRPr lang="en-US" dirty="0"/>
           </a:p>
@@ -10119,46 +10147,6 @@
           <a:bodyPr/>
           <a:lstStyle/>
           <a:p>
-            <a:pPr marL="0" indent="0">
-              <a:buNone/>
-            </a:pPr>
-            <a:r>
-              <a:rPr lang="en-US" dirty="0" smtClean="0"/>
-              <a:t>Instead of low-level reads and writes programmers use an abstract vocabulary of </a:t>
-            </a:r>
-            <a:r>
-              <a:rPr lang="en-US" dirty="0" err="1" smtClean="0"/>
-              <a:t>reorderable</a:t>
-            </a:r>
-            <a:r>
-              <a:rPr lang="en-US" dirty="0" smtClean="0"/>
-              <a:t>, </a:t>
-            </a:r>
-            <a:r>
-              <a:rPr lang="en-US" dirty="0" err="1" smtClean="0"/>
-              <a:t>retryable</a:t>
-            </a:r>
-            <a:r>
-              <a:rPr lang="en-US" dirty="0" smtClean="0"/>
-              <a:t> actions:</a:t>
-            </a:r>
-            <a:endParaRPr lang="en-US" dirty="0"/>
-          </a:p>
-          <a:p>
-            <a:r>
-              <a:rPr lang="en-US" dirty="0" smtClean="0"/>
-              <a:t>Retry – a mechanism to ensure that all messages are delivered</a:t>
-            </a:r>
-          </a:p>
-          <a:p>
-            <a:r>
-              <a:rPr lang="en-US" dirty="0" err="1" smtClean="0"/>
-              <a:t>Reorderability</a:t>
-            </a:r>
-            <a:r>
-              <a:rPr lang="en-US" dirty="0" smtClean="0"/>
-              <a:t> -- ensures that all replicas converge</a:t>
-            </a:r>
             <a:endParaRPr lang="en-US" dirty="0"/>
           </a:p>
         </p:txBody>
@@ -10166,7 +10154,7 @@
     </p:spTree>
     <p:extLst>
       <p:ext uri="{BB962C8B-B14F-4D97-AF65-F5344CB8AC3E}">
-        <p14:creationId xmlns:p14="http://schemas.microsoft.com/office/powerpoint/2010/main" val="2937378636"/>
+        <p14:creationId xmlns:p14="http://schemas.microsoft.com/office/powerpoint/2010/main" val="1464956512"/>
       </p:ext>
     </p:extLst>
   </p:cSld>
@@ -10270,7 +10258,7 @@
           <a:p>
             <a:r>
               <a:rPr lang="en-US" dirty="0" smtClean="0"/>
-              <a:t>Putting ACID 2.0 into practice</a:t>
+              <a:t>ACID 2.0</a:t>
             </a:r>
             <a:endParaRPr lang="en-US" dirty="0"/>
           </a:p>
@@ -10288,23 +10276,181 @@
         </p:nvSpPr>
         <p:spPr/>
         <p:txBody>
-          <a:bodyPr/>
-          <a:lstStyle/>
-          <a:p>
-            <a:endParaRPr lang="en-US"/>
+          <a:bodyPr>
+            <a:normAutofit fontScale="70000" lnSpcReduction="20000"/>
+          </a:bodyPr>
+          <a:lstStyle/>
+          <a:p>
+            <a:pPr marL="0" indent="0">
+              <a:buNone/>
+            </a:pPr>
+            <a:r>
+              <a:rPr lang="en-US" dirty="0"/>
+              <a:t>The classic ACID has the goal to make the application </a:t>
+            </a:r>
+            <a:r>
+              <a:rPr lang="en-US" dirty="0" smtClean="0"/>
+              <a:t>perceive </a:t>
+            </a:r>
+            <a:r>
+              <a:rPr lang="en-US" dirty="0"/>
+              <a:t>that there is exactly one computer and it is doing nothing </a:t>
+            </a:r>
+            <a:r>
+              <a:rPr lang="en-US" dirty="0" smtClean="0"/>
+              <a:t>else </a:t>
+            </a:r>
+            <a:r>
+              <a:rPr lang="en-US" dirty="0"/>
+              <a:t>while this transaction is being processed.</a:t>
+            </a:r>
+          </a:p>
+          <a:p>
+            <a:pPr marL="0" indent="0">
+              <a:buNone/>
+            </a:pPr>
+            <a:endParaRPr lang="en-US" dirty="0"/>
+          </a:p>
+          <a:p>
+            <a:pPr marL="0" indent="0">
+              <a:buNone/>
+            </a:pPr>
+            <a:r>
+              <a:rPr lang="en-US" dirty="0"/>
+              <a:t>Consider the new ACID (or ACID2.0).  The letters stand for: </a:t>
+            </a:r>
+            <a:r>
+              <a:rPr lang="en-US" dirty="0" smtClean="0"/>
+              <a:t>Associative</a:t>
+            </a:r>
+            <a:r>
+              <a:rPr lang="en-US" dirty="0"/>
+              <a:t>, Commutative, Idempotent, and </a:t>
+            </a:r>
+            <a:r>
+              <a:rPr lang="en-US" dirty="0" smtClean="0"/>
+              <a:t>Distributed.  The goal </a:t>
+            </a:r>
+            <a:r>
+              <a:rPr lang="en-US" dirty="0"/>
+              <a:t>for ACID2.0 is to succeed if the pieces of the </a:t>
+            </a:r>
+            <a:r>
+              <a:rPr lang="en-US" dirty="0" smtClean="0"/>
+              <a:t>work happen</a:t>
+            </a:r>
+            <a:r>
+              <a:rPr lang="en-US" dirty="0"/>
+              <a:t>:</a:t>
+            </a:r>
+          </a:p>
+          <a:p>
+            <a:pPr marL="0" indent="0">
+              <a:buNone/>
+            </a:pPr>
+            <a:endParaRPr lang="en-US" dirty="0"/>
+          </a:p>
+          <a:p>
+            <a:pPr marL="0" indent="0">
+              <a:buNone/>
+            </a:pPr>
+            <a:r>
+              <a:rPr lang="en-US" dirty="0"/>
+              <a:t> At least once</a:t>
+            </a:r>
+            <a:r>
+              <a:rPr lang="en-US" dirty="0" smtClean="0"/>
+              <a:t>,</a:t>
+            </a:r>
+            <a:endParaRPr lang="en-US" dirty="0"/>
+          </a:p>
+          <a:p>
+            <a:pPr marL="0" indent="0">
+              <a:buNone/>
+            </a:pPr>
+            <a:r>
+              <a:rPr lang="en-US" dirty="0"/>
+              <a:t> Anywhere in the system</a:t>
+            </a:r>
+            <a:r>
+              <a:rPr lang="en-US" dirty="0" smtClean="0"/>
+              <a:t>,</a:t>
+            </a:r>
+            <a:endParaRPr lang="en-US" dirty="0"/>
+          </a:p>
+          <a:p>
+            <a:pPr marL="0" indent="0">
+              <a:buNone/>
+            </a:pPr>
+            <a:r>
+              <a:rPr lang="en-US" dirty="0"/>
+              <a:t> In any order</a:t>
+            </a:r>
+            <a:r>
+              <a:rPr lang="en-US" dirty="0" smtClean="0"/>
+              <a:t>.</a:t>
+            </a:r>
+          </a:p>
+          <a:p>
+            <a:pPr marL="0" indent="0">
+              <a:buNone/>
+            </a:pPr>
+            <a:endParaRPr lang="en-US" dirty="0"/>
+          </a:p>
+          <a:p>
+            <a:pPr marL="0" indent="0">
+              <a:buNone/>
+            </a:pPr>
+            <a:r>
+              <a:rPr lang="en-US" dirty="0" smtClean="0"/>
+              <a:t>										- Pat </a:t>
+            </a:r>
+            <a:r>
+              <a:rPr lang="en-US" dirty="0" err="1" smtClean="0"/>
+              <a:t>Helland</a:t>
+            </a:r>
+            <a:r>
+              <a:rPr lang="en-US" dirty="0" smtClean="0"/>
+              <a:t>,</a:t>
+            </a:r>
+          </a:p>
+          <a:p>
+            <a:pPr marL="0" indent="0">
+              <a:buNone/>
+            </a:pPr>
+            <a:r>
+              <a:rPr lang="en-US" dirty="0"/>
+              <a:t>	</a:t>
+            </a:r>
+            <a:r>
+              <a:rPr lang="en-US" dirty="0" smtClean="0"/>
+              <a:t>									</a:t>
+            </a:r>
+            <a:r>
+              <a:rPr lang="en-US" i="1" dirty="0" smtClean="0"/>
+              <a:t>Building on quicksand</a:t>
+            </a:r>
+            <a:endParaRPr lang="en-US" i="1" dirty="0"/>
           </a:p>
         </p:txBody>
       </p:sp>
     </p:spTree>
     <p:extLst>
       <p:ext uri="{BB962C8B-B14F-4D97-AF65-F5344CB8AC3E}">
-        <p14:creationId xmlns:p14="http://schemas.microsoft.com/office/powerpoint/2010/main" val="2440150099"/>
+        <p14:creationId xmlns:p14="http://schemas.microsoft.com/office/powerpoint/2010/main" val="2522880521"/>
       </p:ext>
     </p:extLst>
   </p:cSld>
   <p:clrMapOvr>
     <a:masterClrMapping/>
   </p:clrMapOvr>
+  <p:timing>
+    <p:tnLst>
+      <p:par>
+        <p:cTn xmlns:p14="http://schemas.microsoft.com/office/powerpoint/2010/main" id="1" dur="indefinite" restart="never" nodeType="tmRoot"/>
+      </p:par>
+    </p:tnLst>
+  </p:timing>
 </p:sld>
 </file>
 
@@ -10342,6 +10488,311 @@
           <a:p>
             <a:r>
               <a:rPr lang="en-US" dirty="0" smtClean="0"/>
+              <a:t>ACID 2.0</a:t>
+            </a:r>
+            <a:endParaRPr lang="en-US" dirty="0"/>
+          </a:p>
+        </p:txBody>
+      </p:sp>
+      <p:sp>
+        <p:nvSpPr>
+          <p:cNvPr id="3" name="Content Placeholder 2"/>
+          <p:cNvSpPr>
+            <a:spLocks noGrp="1"/>
+          </p:cNvSpPr>
+          <p:nvPr>
+            <p:ph idx="1"/>
+          </p:nvPr>
+        </p:nvSpPr>
+        <p:spPr/>
+        <p:txBody>
+          <a:bodyPr/>
+          <a:lstStyle/>
+          <a:p>
+            <a:r>
+              <a:rPr lang="en-US" dirty="0" smtClean="0"/>
+              <a:t>Associative --  operations can be ``eagerly’’ processed</a:t>
+            </a:r>
+          </a:p>
+          <a:p>
+            <a:r>
+              <a:rPr lang="en-US" dirty="0" smtClean="0"/>
+              <a:t>Commutative – operations can be reordered</a:t>
+            </a:r>
+          </a:p>
+          <a:p>
+            <a:r>
+              <a:rPr lang="en-US" dirty="0" smtClean="0"/>
+              <a:t>Idempotent – retry is always an option</a:t>
+            </a:r>
+          </a:p>
+          <a:p>
+            <a:r>
+              <a:rPr lang="en-US" dirty="0" smtClean="0"/>
+              <a:t>Distributed – </a:t>
+            </a:r>
+            <a:r>
+              <a:rPr lang="en-US" smtClean="0"/>
+              <a:t>(needed a ``D’’)</a:t>
+            </a:r>
+          </a:p>
+          <a:p>
+            <a:endParaRPr lang="en-US" dirty="0"/>
+          </a:p>
+        </p:txBody>
+      </p:sp>
+    </p:spTree>
+    <p:extLst>
+      <p:ext uri="{BB962C8B-B14F-4D97-AF65-F5344CB8AC3E}">
+        <p14:creationId xmlns:p14="http://schemas.microsoft.com/office/powerpoint/2010/main" val="1789692968"/>
+      </p:ext>
+    </p:extLst>
+  </p:cSld>
+  <p:clrMapOvr>
+    <a:masterClrMapping/>
+  </p:clrMapOvr>
+  <p:timing>
+    <p:tnLst>
+      <p:par>
+        <p:cTn xmlns:p14="http://schemas.microsoft.com/office/powerpoint/2010/main" id="1" dur="indefinite" restart="never" nodeType="tmRoot"/>
+      </p:par>
+    </p:tnLst>
+  </p:timing>
+</p:sld>
+</file>
+
+<file path=ppt/slides/slide32.xml><?xml version="1.0" encoding="utf-8"?>
+<p:sld xmlns:a="http://schemas.openxmlformats.org/drawingml/2006/main" xmlns:r="http://schemas.openxmlformats.org/officeDocument/2006/relationships" xmlns:p="http://schemas.openxmlformats.org/presentationml/2006/main">
+  <p:cSld>
+    <p:spTree>
+      <p:nvGrpSpPr>
+        <p:cNvPr id="1" name=""/>
+        <p:cNvGrpSpPr/>
+        <p:nvPr/>
+      </p:nvGrpSpPr>
+      <p:grpSpPr>
+        <a:xfrm>
+          <a:off x="0" y="0"/>
+          <a:ext cx="0" cy="0"/>
+          <a:chOff x="0" y="0"/>
+          <a:chExt cx="0" cy="0"/>
+        </a:xfrm>
+      </p:grpSpPr>
+      <p:sp>
+        <p:nvSpPr>
+          <p:cNvPr id="2" name="Title 1"/>
+          <p:cNvSpPr>
+            <a:spLocks noGrp="1"/>
+          </p:cNvSpPr>
+          <p:nvPr>
+            <p:ph type="title"/>
+          </p:nvPr>
+        </p:nvSpPr>
+        <p:spPr/>
+        <p:txBody>
+          <a:bodyPr/>
+          <a:lstStyle/>
+          <a:p>
+            <a:r>
+              <a:rPr lang="en-US" dirty="0" smtClean="0"/>
+              <a:t>ACID 2.0</a:t>
+            </a:r>
+            <a:endParaRPr lang="en-US" dirty="0"/>
+          </a:p>
+        </p:txBody>
+      </p:sp>
+      <p:sp>
+        <p:nvSpPr>
+          <p:cNvPr id="3" name="Content Placeholder 2"/>
+          <p:cNvSpPr>
+            <a:spLocks noGrp="1"/>
+          </p:cNvSpPr>
+          <p:nvPr>
+            <p:ph idx="1"/>
+          </p:nvPr>
+        </p:nvSpPr>
+        <p:spPr/>
+        <p:txBody>
+          <a:bodyPr/>
+          <a:lstStyle/>
+          <a:p>
+            <a:pPr marL="0" indent="0">
+              <a:buNone/>
+            </a:pPr>
+            <a:r>
+              <a:rPr lang="en-US" dirty="0" smtClean="0"/>
+              <a:t>Instead of low-level reads and writes programmers use an abstract vocabulary of </a:t>
+            </a:r>
+            <a:r>
+              <a:rPr lang="en-US" dirty="0" err="1" smtClean="0"/>
+              <a:t>reorderable</a:t>
+            </a:r>
+            <a:r>
+              <a:rPr lang="en-US" dirty="0" smtClean="0"/>
+              <a:t>, </a:t>
+            </a:r>
+            <a:r>
+              <a:rPr lang="en-US" dirty="0" err="1" smtClean="0"/>
+              <a:t>retryable</a:t>
+            </a:r>
+            <a:r>
+              <a:rPr lang="en-US" dirty="0" smtClean="0"/>
+              <a:t> actions:</a:t>
+            </a:r>
+            <a:endParaRPr lang="en-US" dirty="0"/>
+          </a:p>
+          <a:p>
+            <a:r>
+              <a:rPr lang="en-US" dirty="0" smtClean="0"/>
+              <a:t>Retry – a mechanism to ensure that all messages are delivered</a:t>
+            </a:r>
+          </a:p>
+          <a:p>
+            <a:r>
+              <a:rPr lang="en-US" dirty="0" err="1" smtClean="0"/>
+              <a:t>Reorderability</a:t>
+            </a:r>
+            <a:r>
+              <a:rPr lang="en-US" dirty="0" smtClean="0"/>
+              <a:t> -- ensures that all replicas converge</a:t>
+            </a:r>
+            <a:endParaRPr lang="en-US" dirty="0"/>
+          </a:p>
+        </p:txBody>
+      </p:sp>
+    </p:spTree>
+    <p:extLst>
+      <p:ext uri="{BB962C8B-B14F-4D97-AF65-F5344CB8AC3E}">
+        <p14:creationId xmlns:p14="http://schemas.microsoft.com/office/powerpoint/2010/main" val="2937378636"/>
+      </p:ext>
+    </p:extLst>
+  </p:cSld>
+  <p:clrMapOvr>
+    <a:masterClrMapping/>
+  </p:clrMapOvr>
+  <p:timing>
+    <p:tnLst>
+      <p:par>
+        <p:cTn xmlns:p14="http://schemas.microsoft.com/office/powerpoint/2010/main" id="1" dur="indefinite" restart="never" nodeType="tmRoot"/>
+      </p:par>
+    </p:tnLst>
+  </p:timing>
+</p:sld>
+</file>
+
+<file path=ppt/slides/slide33.xml><?xml version="1.0" encoding="utf-8"?>
+<p:sld xmlns:a="http://schemas.openxmlformats.org/drawingml/2006/main" xmlns:r="http://schemas.openxmlformats.org/officeDocument/2006/relationships" xmlns:p="http://schemas.openxmlformats.org/presentationml/2006/main">
+  <p:cSld>
+    <p:spTree>
+      <p:nvGrpSpPr>
+        <p:cNvPr id="1" name=""/>
+        <p:cNvGrpSpPr/>
+        <p:nvPr/>
+      </p:nvGrpSpPr>
+      <p:grpSpPr>
+        <a:xfrm>
+          <a:off x="0" y="0"/>
+          <a:ext cx="0" cy="0"/>
+          <a:chOff x="0" y="0"/>
+          <a:chExt cx="0" cy="0"/>
+        </a:xfrm>
+      </p:grpSpPr>
+      <p:sp>
+        <p:nvSpPr>
+          <p:cNvPr id="2" name="Title 1"/>
+          <p:cNvSpPr>
+            <a:spLocks noGrp="1"/>
+          </p:cNvSpPr>
+          <p:nvPr>
+            <p:ph type="title"/>
+          </p:nvPr>
+        </p:nvSpPr>
+        <p:spPr/>
+        <p:txBody>
+          <a:bodyPr/>
+          <a:lstStyle/>
+          <a:p>
+            <a:r>
+              <a:rPr lang="en-US" dirty="0" smtClean="0"/>
+              <a:t>Putting ACID 2.0 into practice</a:t>
+            </a:r>
+            <a:endParaRPr lang="en-US" dirty="0"/>
+          </a:p>
+        </p:txBody>
+      </p:sp>
+      <p:sp>
+        <p:nvSpPr>
+          <p:cNvPr id="3" name="Content Placeholder 2"/>
+          <p:cNvSpPr>
+            <a:spLocks noGrp="1"/>
+          </p:cNvSpPr>
+          <p:nvPr>
+            <p:ph idx="1"/>
+          </p:nvPr>
+        </p:nvSpPr>
+        <p:spPr/>
+        <p:txBody>
+          <a:bodyPr/>
+          <a:lstStyle/>
+          <a:p>
+            <a:endParaRPr lang="en-US"/>
+          </a:p>
+        </p:txBody>
+      </p:sp>
+    </p:spTree>
+    <p:extLst>
+      <p:ext uri="{BB962C8B-B14F-4D97-AF65-F5344CB8AC3E}">
+        <p14:creationId xmlns:p14="http://schemas.microsoft.com/office/powerpoint/2010/main" val="2440150099"/>
+      </p:ext>
+    </p:extLst>
+  </p:cSld>
+  <p:clrMapOvr>
+    <a:masterClrMapping/>
+  </p:clrMapOvr>
+  <p:timing>
+    <p:tnLst>
+      <p:par>
+        <p:cTn xmlns:p14="http://schemas.microsoft.com/office/powerpoint/2010/main" id="1" dur="indefinite" restart="never" nodeType="tmRoot"/>
+      </p:par>
+    </p:tnLst>
+  </p:timing>
+</p:sld>
+</file>
+
+<file path=ppt/slides/slide34.xml><?xml version="1.0" encoding="utf-8"?>
+<p:sld xmlns:a="http://schemas.openxmlformats.org/drawingml/2006/main" xmlns:r="http://schemas.openxmlformats.org/officeDocument/2006/relationships" xmlns:p="http://schemas.openxmlformats.org/presentationml/2006/main">
+  <p:cSld>
+    <p:spTree>
+      <p:nvGrpSpPr>
+        <p:cNvPr id="1" name=""/>
+        <p:cNvGrpSpPr/>
+        <p:nvPr/>
+      </p:nvGrpSpPr>
+      <p:grpSpPr>
+        <a:xfrm>
+          <a:off x="0" y="0"/>
+          <a:ext cx="0" cy="0"/>
+          <a:chOff x="0" y="0"/>
+          <a:chExt cx="0" cy="0"/>
+        </a:xfrm>
+      </p:grpSpPr>
+      <p:sp>
+        <p:nvSpPr>
+          <p:cNvPr id="2" name="Title 1"/>
+          <p:cNvSpPr>
+            <a:spLocks noGrp="1"/>
+          </p:cNvSpPr>
+          <p:nvPr>
+            <p:ph type="title"/>
+          </p:nvPr>
+        </p:nvSpPr>
+        <p:spPr/>
+        <p:txBody>
+          <a:bodyPr/>
+          <a:lstStyle/>
+          <a:p>
+            <a:r>
+              <a:rPr lang="en-US" dirty="0" smtClean="0"/>
               <a:t>Putting ACID 2.0 into practice</a:t>
             </a:r>
             <a:endParaRPr lang="en-US" dirty="0"/>
@@ -10431,10 +10882,17 @@
   <p:clrMapOvr>
     <a:masterClrMapping/>
   </p:clrMapOvr>
+  <p:timing>
+    <p:tnLst>
+      <p:par>
+        <p:cTn xmlns:p14="http://schemas.microsoft.com/office/powerpoint/2010/main" id="1" dur="indefinite" restart="never" nodeType="tmRoot"/>
+      </p:par>
+    </p:tnLst>
+  </p:timing>
 </p:sld>
 </file>
 
-<file path=ppt/slides/slide32.xml><?xml version="1.0" encoding="utf-8"?>
+<file path=ppt/slides/slide35.xml><?xml version="1.0" encoding="utf-8"?>
 <p:sld xmlns:a="http://schemas.openxmlformats.org/drawingml/2006/main" xmlns:r="http://schemas.openxmlformats.org/officeDocument/2006/relationships" xmlns:p="http://schemas.openxmlformats.org/presentationml/2006/main">
   <p:cSld>
     <p:spTree>
@@ -10570,418 +11028,13 @@
   <p:clrMapOvr>
     <a:masterClrMapping/>
   </p:clrMapOvr>
-</p:sld>
-</file>
-
-<file path=ppt/slides/slide33.xml><?xml version="1.0" encoding="utf-8"?>
-<p:sld xmlns:a="http://schemas.openxmlformats.org/drawingml/2006/main" xmlns:r="http://schemas.openxmlformats.org/officeDocument/2006/relationships" xmlns:p="http://schemas.openxmlformats.org/presentationml/2006/main">
-  <p:cSld>
-    <p:spTree>
-      <p:nvGrpSpPr>
-        <p:cNvPr id="1" name=""/>
-        <p:cNvGrpSpPr/>
-        <p:nvPr/>
-      </p:nvGrpSpPr>
-      <p:grpSpPr>
-        <a:xfrm>
-          <a:off x="0" y="0"/>
-          <a:ext cx="0" cy="0"/>
-          <a:chOff x="0" y="0"/>
-          <a:chExt cx="0" cy="0"/>
-        </a:xfrm>
-      </p:grpSpPr>
-      <p:sp>
-        <p:nvSpPr>
-          <p:cNvPr id="2" name="Title 1"/>
-          <p:cNvSpPr>
-            <a:spLocks noGrp="1"/>
-          </p:cNvSpPr>
-          <p:nvPr>
-            <p:ph type="title"/>
-          </p:nvPr>
-        </p:nvSpPr>
-        <p:spPr/>
-        <p:txBody>
-          <a:bodyPr/>
-          <a:lstStyle/>
-          <a:p>
-            <a:r>
-              <a:rPr lang="en-US" dirty="0" smtClean="0"/>
-              <a:t>C(v)RDTs</a:t>
-            </a:r>
-            <a:endParaRPr lang="en-US" dirty="0"/>
-          </a:p>
-        </p:txBody>
-      </p:sp>
-      <p:sp>
-        <p:nvSpPr>
-          <p:cNvPr id="3" name="Content Placeholder 2"/>
-          <p:cNvSpPr>
-            <a:spLocks noGrp="1"/>
-          </p:cNvSpPr>
-          <p:nvPr>
-            <p:ph idx="1"/>
-          </p:nvPr>
-        </p:nvSpPr>
-        <p:spPr/>
-        <p:txBody>
-          <a:bodyPr/>
-          <a:lstStyle/>
-          <a:p>
-            <a:pPr marL="0" indent="0">
-              <a:buNone/>
-            </a:pPr>
-            <a:r>
-              <a:rPr lang="en-US" dirty="0" smtClean="0"/>
-              <a:t>Convergent</a:t>
-            </a:r>
-            <a:r>
-              <a:rPr lang="en-US" dirty="0"/>
-              <a:t> </a:t>
-            </a:r>
-            <a:r>
-              <a:rPr lang="en-US" dirty="0" smtClean="0"/>
-              <a:t>Replicated </a:t>
-            </a:r>
-            <a:r>
-              <a:rPr lang="en-US" dirty="0" err="1" smtClean="0"/>
-              <a:t>Datatypes</a:t>
-            </a:r>
-            <a:endParaRPr lang="en-US" dirty="0" smtClean="0"/>
-          </a:p>
-          <a:p>
-            <a:pPr marL="0" indent="0">
-              <a:buNone/>
-            </a:pPr>
-            <a:endParaRPr lang="en-US" dirty="0"/>
-          </a:p>
-          <a:p>
-            <a:pPr marL="0" indent="0">
-              <a:buNone/>
-            </a:pPr>
-            <a:r>
-              <a:rPr lang="en-US" dirty="0" smtClean="0"/>
-              <a:t>Idea: </a:t>
-            </a:r>
-          </a:p>
-          <a:p>
-            <a:r>
-              <a:rPr lang="en-US" dirty="0" smtClean="0"/>
-              <a:t>represent state as a join </a:t>
-            </a:r>
-            <a:r>
-              <a:rPr lang="en-US" dirty="0" err="1" smtClean="0"/>
-              <a:t>semilattice</a:t>
-            </a:r>
-            <a:r>
-              <a:rPr lang="en-US" dirty="0" smtClean="0"/>
-              <a:t>. </a:t>
-            </a:r>
-          </a:p>
-          <a:p>
-            <a:r>
-              <a:rPr lang="en-US" dirty="0" smtClean="0"/>
-              <a:t>Provide a ACI merge function </a:t>
-            </a:r>
-          </a:p>
-        </p:txBody>
-      </p:sp>
-    </p:spTree>
-    <p:extLst>
-      <p:ext uri="{BB962C8B-B14F-4D97-AF65-F5344CB8AC3E}">
-        <p14:creationId xmlns:p14="http://schemas.microsoft.com/office/powerpoint/2010/main" val="321358899"/>
-      </p:ext>
-    </p:extLst>
-  </p:cSld>
-  <p:clrMapOvr>
-    <a:masterClrMapping/>
-  </p:clrMapOvr>
-</p:sld>
-</file>
-
-<file path=ppt/slides/slide34.xml><?xml version="1.0" encoding="utf-8"?>
-<p:sld xmlns:a="http://schemas.openxmlformats.org/drawingml/2006/main" xmlns:r="http://schemas.openxmlformats.org/officeDocument/2006/relationships" xmlns:p="http://schemas.openxmlformats.org/presentationml/2006/main">
-  <p:cSld>
-    <p:spTree>
-      <p:nvGrpSpPr>
-        <p:cNvPr id="1" name=""/>
-        <p:cNvGrpSpPr/>
-        <p:nvPr/>
-      </p:nvGrpSpPr>
-      <p:grpSpPr>
-        <a:xfrm>
-          <a:off x="0" y="0"/>
-          <a:ext cx="0" cy="0"/>
-          <a:chOff x="0" y="0"/>
-          <a:chExt cx="0" cy="0"/>
-        </a:xfrm>
-      </p:grpSpPr>
-      <p:sp>
-        <p:nvSpPr>
-          <p:cNvPr id="2" name="Title 1"/>
-          <p:cNvSpPr>
-            <a:spLocks noGrp="1"/>
-          </p:cNvSpPr>
-          <p:nvPr>
-            <p:ph type="title"/>
-          </p:nvPr>
-        </p:nvSpPr>
-        <p:spPr/>
-        <p:txBody>
-          <a:bodyPr/>
-          <a:lstStyle/>
-          <a:p>
-            <a:r>
-              <a:rPr lang="en-US" dirty="0" smtClean="0"/>
-              <a:t>CRDTs</a:t>
-            </a:r>
-            <a:endParaRPr lang="en-US" dirty="0"/>
-          </a:p>
-        </p:txBody>
-      </p:sp>
-      <p:sp>
-        <p:nvSpPr>
-          <p:cNvPr id="3" name="Content Placeholder 2"/>
-          <p:cNvSpPr>
-            <a:spLocks noGrp="1"/>
-          </p:cNvSpPr>
-          <p:nvPr>
-            <p:ph idx="1"/>
-          </p:nvPr>
-        </p:nvSpPr>
-        <p:spPr/>
-        <p:txBody>
-          <a:bodyPr>
-            <a:normAutofit fontScale="85000" lnSpcReduction="20000"/>
-          </a:bodyPr>
-          <a:lstStyle/>
-          <a:p>
-            <a:pPr marL="0" indent="0">
-              <a:buNone/>
-            </a:pPr>
-            <a:r>
-              <a:rPr lang="en-US" dirty="0" smtClean="0"/>
-              <a:t>Data structures:</a:t>
-            </a:r>
-          </a:p>
-          <a:p>
-            <a:pPr marL="0" indent="0">
-              <a:buNone/>
-            </a:pPr>
-            <a:endParaRPr lang="en-US" dirty="0"/>
-          </a:p>
-          <a:p>
-            <a:pPr marL="514350" indent="-514350">
-              <a:buFont typeface="+mj-lt"/>
-              <a:buAutoNum type="arabicPeriod"/>
-            </a:pPr>
-            <a:r>
-              <a:rPr lang="en-US" dirty="0" smtClean="0"/>
-              <a:t>Grow-only set (</a:t>
-            </a:r>
-            <a:r>
-              <a:rPr lang="en-US" dirty="0" err="1" smtClean="0"/>
-              <a:t>Gset</a:t>
-            </a:r>
-            <a:r>
-              <a:rPr lang="en-US" dirty="0" smtClean="0"/>
-              <a:t>)</a:t>
-            </a:r>
-          </a:p>
-          <a:p>
-            <a:pPr marL="914400" lvl="1" indent="-514350"/>
-            <a:r>
-              <a:rPr lang="en-US" dirty="0" smtClean="0"/>
-              <a:t>Trivial – merge is union and union is commutative</a:t>
-            </a:r>
-          </a:p>
-          <a:p>
-            <a:pPr marL="514350" indent="-514350">
-              <a:buFont typeface="+mj-lt"/>
-              <a:buAutoNum type="arabicPeriod"/>
-            </a:pPr>
-            <a:r>
-              <a:rPr lang="en-US" dirty="0" smtClean="0"/>
-              <a:t>2PSet</a:t>
-            </a:r>
-          </a:p>
-          <a:p>
-            <a:pPr marL="914400" lvl="1" indent="-514350"/>
-            <a:r>
-              <a:rPr lang="en-US" dirty="0" smtClean="0"/>
-              <a:t>Two </a:t>
-            </a:r>
-            <a:r>
-              <a:rPr lang="en-US" dirty="0" err="1" smtClean="0"/>
-              <a:t>Gsets</a:t>
-            </a:r>
-            <a:r>
-              <a:rPr lang="en-US" dirty="0" smtClean="0"/>
-              <a:t> – one for adds, the other for tombstones</a:t>
-            </a:r>
-          </a:p>
-          <a:p>
-            <a:pPr marL="914400" lvl="1" indent="-514350"/>
-            <a:r>
-              <a:rPr lang="en-US" dirty="0" smtClean="0"/>
-              <a:t>Idiosyncrasy: you can only add/delete once.</a:t>
-            </a:r>
-          </a:p>
-          <a:p>
-            <a:pPr marL="514350" indent="-514350">
-              <a:buFont typeface="+mj-lt"/>
-              <a:buAutoNum type="arabicPeriod"/>
-            </a:pPr>
-            <a:r>
-              <a:rPr lang="en-US" dirty="0" smtClean="0"/>
-              <a:t>Counters</a:t>
-            </a:r>
-          </a:p>
-          <a:p>
-            <a:pPr marL="914400" lvl="1" indent="-514350">
-              <a:buFont typeface="+mj-lt"/>
-              <a:buAutoNum type="arabicPeriod"/>
-            </a:pPr>
-            <a:r>
-              <a:rPr lang="en-US" dirty="0" smtClean="0"/>
-              <a:t>Tricky!  Vector clock with an entry for each replica</a:t>
-            </a:r>
-          </a:p>
-          <a:p>
-            <a:pPr marL="914400" lvl="1" indent="-514350">
-              <a:buFont typeface="+mj-lt"/>
-              <a:buAutoNum type="arabicPeriod"/>
-            </a:pPr>
-            <a:r>
-              <a:rPr lang="en-US" dirty="0" smtClean="0"/>
-              <a:t>Increment @ replica I =&gt; VC[</a:t>
-            </a:r>
-            <a:r>
-              <a:rPr lang="en-US" dirty="0" err="1" smtClean="0"/>
-              <a:t>i</a:t>
-            </a:r>
-            <a:r>
-              <a:rPr lang="en-US" dirty="0" smtClean="0"/>
-              <a:t>] += 1</a:t>
-            </a:r>
-          </a:p>
-          <a:p>
-            <a:pPr marL="914400" lvl="1" indent="-514350">
-              <a:buFont typeface="+mj-lt"/>
-              <a:buAutoNum type="arabicPeriod"/>
-            </a:pPr>
-            <a:r>
-              <a:rPr lang="en-US" dirty="0" smtClean="0"/>
-              <a:t>Value: sum of all VC values</a:t>
-            </a:r>
-            <a:endParaRPr lang="en-US" dirty="0"/>
-          </a:p>
-        </p:txBody>
-      </p:sp>
-    </p:spTree>
-    <p:extLst>
-      <p:ext uri="{BB962C8B-B14F-4D97-AF65-F5344CB8AC3E}">
-        <p14:creationId xmlns:p14="http://schemas.microsoft.com/office/powerpoint/2010/main" val="4279908520"/>
-      </p:ext>
-    </p:extLst>
-  </p:cSld>
-  <p:clrMapOvr>
-    <a:masterClrMapping/>
-  </p:clrMapOvr>
-</p:sld>
-</file>
-
-<file path=ppt/slides/slide35.xml><?xml version="1.0" encoding="utf-8"?>
-<p:sld xmlns:a="http://schemas.openxmlformats.org/drawingml/2006/main" xmlns:r="http://schemas.openxmlformats.org/officeDocument/2006/relationships" xmlns:p="http://schemas.openxmlformats.org/presentationml/2006/main">
-  <p:cSld>
-    <p:spTree>
-      <p:nvGrpSpPr>
-        <p:cNvPr id="1" name=""/>
-        <p:cNvGrpSpPr/>
-        <p:nvPr/>
-      </p:nvGrpSpPr>
-      <p:grpSpPr>
-        <a:xfrm>
-          <a:off x="0" y="0"/>
-          <a:ext cx="0" cy="0"/>
-          <a:chOff x="0" y="0"/>
-          <a:chExt cx="0" cy="0"/>
-        </a:xfrm>
-      </p:grpSpPr>
-      <p:sp>
-        <p:nvSpPr>
-          <p:cNvPr id="2" name="Title 1"/>
-          <p:cNvSpPr>
-            <a:spLocks noGrp="1"/>
-          </p:cNvSpPr>
-          <p:nvPr>
-            <p:ph type="title"/>
-          </p:nvPr>
-        </p:nvSpPr>
-        <p:spPr/>
-        <p:txBody>
-          <a:bodyPr/>
-          <a:lstStyle/>
-          <a:p>
-            <a:r>
-              <a:rPr lang="en-US" dirty="0" smtClean="0"/>
-              <a:t>CRDTs</a:t>
-            </a:r>
-            <a:endParaRPr lang="en-US" dirty="0"/>
-          </a:p>
-        </p:txBody>
-      </p:sp>
-      <p:sp>
-        <p:nvSpPr>
-          <p:cNvPr id="3" name="Content Placeholder 2"/>
-          <p:cNvSpPr>
-            <a:spLocks noGrp="1"/>
-          </p:cNvSpPr>
-          <p:nvPr>
-            <p:ph idx="1"/>
-          </p:nvPr>
-        </p:nvSpPr>
-        <p:spPr/>
-        <p:txBody>
-          <a:bodyPr/>
-          <a:lstStyle/>
-          <a:p>
-            <a:pPr marL="0" indent="0">
-              <a:buNone/>
-            </a:pPr>
-            <a:r>
-              <a:rPr lang="en-US" dirty="0" smtClean="0"/>
-              <a:t>Difficulties</a:t>
-            </a:r>
-          </a:p>
-          <a:p>
-            <a:pPr marL="0" indent="0">
-              <a:buNone/>
-            </a:pPr>
-            <a:endParaRPr lang="en-US" dirty="0"/>
-          </a:p>
-          <a:p>
-            <a:pPr marL="0" indent="0">
-              <a:buNone/>
-            </a:pPr>
-            <a:r>
-              <a:rPr lang="en-US" dirty="0" smtClean="0"/>
-              <a:t>(scoping difficulty)</a:t>
-            </a:r>
-            <a:endParaRPr lang="en-US" dirty="0"/>
-          </a:p>
-        </p:txBody>
-      </p:sp>
-    </p:spTree>
-    <p:extLst>
-      <p:ext uri="{BB962C8B-B14F-4D97-AF65-F5344CB8AC3E}">
-        <p14:creationId xmlns:p14="http://schemas.microsoft.com/office/powerpoint/2010/main" val="2947354244"/>
-      </p:ext>
-    </p:extLst>
-  </p:cSld>
-  <p:clrMapOvr>
-    <a:masterClrMapping/>
-  </p:clrMapOvr>
+  <p:timing>
+    <p:tnLst>
+      <p:par>
+        <p:cTn xmlns:p14="http://schemas.microsoft.com/office/powerpoint/2010/main" id="1" dur="indefinite" restart="never" nodeType="tmRoot"/>
+      </p:par>
+    </p:tnLst>
+  </p:timing>
 </p:sld>
 </file>
 
@@ -11019,7 +11072,7 @@
           <a:p>
             <a:r>
               <a:rPr lang="en-US" dirty="0" smtClean="0"/>
-              <a:t>Disorderly programming</a:t>
+              <a:t>C(v)RDTs</a:t>
             </a:r>
             <a:endParaRPr lang="en-US" dirty="0"/>
           </a:p>
@@ -11045,8 +11098,21 @@
             </a:pPr>
             <a:r>
               <a:rPr lang="en-US" dirty="0" smtClean="0"/>
-              <a:t>An aside about logic programming:</a:t>
-            </a:r>
+              <a:t>Convergent</a:t>
+            </a:r>
+            <a:r>
+              <a:rPr lang="en-US" dirty="0"/>
+              <a:t> </a:t>
+            </a:r>
+            <a:r>
+              <a:rPr lang="en-US" dirty="0" smtClean="0"/>
+              <a:t>Replicated </a:t>
+            </a:r>
+            <a:r>
+              <a:rPr lang="en-US" dirty="0" err="1" smtClean="0"/>
+              <a:t>Datatypes</a:t>
+            </a:r>
+            <a:endParaRPr lang="en-US" dirty="0" smtClean="0"/>
           </a:p>
           <a:p>
             <a:pPr marL="0" indent="0">
@@ -11060,57 +11126,48 @@
             </a:pPr>
             <a:r>
               <a:rPr lang="en-US" dirty="0" smtClean="0"/>
-              <a:t>In (classical) logic, theories are </a:t>
+              <a:t>Idea: </a:t>
             </a:r>
           </a:p>
           <a:p>
             <a:r>
               <a:rPr lang="en-US" dirty="0" smtClean="0"/>
-              <a:t>Associative and commutative</a:t>
-            </a:r>
-          </a:p>
-          <a:p>
-            <a:pPr lvl="1"/>
+              <a:t>represent state as a join </a:t>
+            </a:r>
+            <a:r>
+              <a:rPr lang="en-US" dirty="0" err="1" smtClean="0"/>
+              <a:t>semilattice</a:t>
+            </a:r>
             <a:r>
               <a:rPr lang="en-US" dirty="0" smtClean="0"/>
-              <a:t>Consequences are the same regardless of the order in which we make deductions</a:t>
+              <a:t>. </a:t>
             </a:r>
           </a:p>
           <a:p>
             <a:r>
               <a:rPr lang="en-US" dirty="0" smtClean="0"/>
-              <a:t>Idempotent</a:t>
-            </a:r>
-          </a:p>
-          <a:p>
-            <a:pPr lvl="1"/>
-            <a:r>
-              <a:rPr lang="en-US" dirty="0" smtClean="0"/>
-              <a:t>Axioms can be reiterated freely</a:t>
-            </a:r>
-          </a:p>
-          <a:p>
-            <a:pPr marL="457200" lvl="1" indent="0">
-              <a:buNone/>
-            </a:pPr>
-            <a:endParaRPr lang="en-US" dirty="0" smtClean="0"/>
-          </a:p>
-          <a:p>
-            <a:pPr lvl="1"/>
-            <a:endParaRPr lang="en-US" dirty="0"/>
+              <a:t>Provide a ACI merge function </a:t>
+            </a:r>
           </a:p>
         </p:txBody>
       </p:sp>
     </p:spTree>
     <p:extLst>
       <p:ext uri="{BB962C8B-B14F-4D97-AF65-F5344CB8AC3E}">
-        <p14:creationId xmlns:p14="http://schemas.microsoft.com/office/powerpoint/2010/main" val="3275455917"/>
+        <p14:creationId xmlns:p14="http://schemas.microsoft.com/office/powerpoint/2010/main" val="321358899"/>
       </p:ext>
     </p:extLst>
   </p:cSld>
   <p:clrMapOvr>
     <a:masterClrMapping/>
   </p:clrMapOvr>
+  <p:timing>
+    <p:tnLst>
+      <p:par>
+        <p:cTn xmlns:p14="http://schemas.microsoft.com/office/powerpoint/2010/main" id="1" dur="indefinite" restart="never" nodeType="tmRoot"/>
+      </p:par>
+    </p:tnLst>
+  </p:timing>
 </p:sld>
 </file>
 
@@ -11148,7 +11205,7 @@
           <a:p>
             <a:r>
               <a:rPr lang="en-US" dirty="0" smtClean="0"/>
-              <a:t>Disorderly programming</a:t>
+              <a:t>CRDTs</a:t>
             </a:r>
             <a:endParaRPr lang="en-US" dirty="0"/>
           </a:p>
@@ -11167,7 +11224,7 @@
         <p:spPr/>
         <p:txBody>
           <a:bodyPr>
-            <a:normAutofit lnSpcReduction="10000"/>
+            <a:normAutofit fontScale="85000" lnSpcReduction="20000"/>
           </a:bodyPr>
           <a:lstStyle/>
           <a:p>
@@ -11175,76 +11232,141 @@
               <a:buNone/>
             </a:pPr>
             <a:r>
-              <a:rPr lang="en-US" dirty="0"/>
-              <a:t>An aside about logic programming:</a:t>
+              <a:rPr lang="en-US" dirty="0" smtClean="0"/>
+              <a:t>Data structures:</a:t>
             </a:r>
           </a:p>
           <a:p>
             <a:pPr marL="0" indent="0">
               <a:buNone/>
             </a:pPr>
-            <a:endParaRPr lang="en-US" dirty="0" smtClean="0"/>
-          </a:p>
-          <a:p>
-            <a:pPr marL="0" indent="0">
-              <a:buNone/>
+            <a:endParaRPr lang="en-US" dirty="0"/>
+          </a:p>
+          <a:p>
+            <a:pPr marL="514350" indent="-514350">
+              <a:buFont typeface="+mj-lt"/>
+              <a:buAutoNum type="arabicPeriod"/>
             </a:pPr>
             <a:r>
               <a:rPr lang="en-US" dirty="0" smtClean="0"/>
-              <a:t>In (classical) logic, theories are Associative, Commutative, and Idempotent </a:t>
-            </a:r>
-            <a:r>
-              <a:rPr lang="en-US" i="1" dirty="0" smtClean="0"/>
-              <a:t>because</a:t>
+              <a:t>Grow-only set (</a:t>
+            </a:r>
+            <a:r>
+              <a:rPr lang="en-US" dirty="0" err="1" smtClean="0"/>
+              <a:t>Gset</a:t>
+            </a:r>
+            <a:r>
+              <a:rPr lang="en-US" dirty="0" smtClean="0"/>
+              <a:t>)</a:t>
+            </a:r>
+          </a:p>
+          <a:p>
+            <a:pPr marL="914400" lvl="1" indent="-514350"/>
+            <a:r>
+              <a:rPr lang="en-US" dirty="0" smtClean="0"/>
+              <a:t>Trivial – merge is union and union is commutative</a:t>
+            </a:r>
+          </a:p>
+          <a:p>
+            <a:pPr marL="514350" indent="-514350">
+              <a:buFont typeface="+mj-lt"/>
+              <a:buAutoNum type="arabicPeriod"/>
+            </a:pPr>
+            <a:r>
+              <a:rPr lang="en-US" dirty="0" smtClean="0"/>
+              <a:t>2PSet</a:t>
+            </a:r>
+          </a:p>
+          <a:p>
+            <a:pPr marL="914400" lvl="1" indent="-514350"/>
+            <a:r>
+              <a:rPr lang="en-US" dirty="0" smtClean="0"/>
+              <a:t>Two </a:t>
+            </a:r>
+            <a:r>
+              <a:rPr lang="en-US" dirty="0" err="1" smtClean="0"/>
+              <a:t>Gsets</a:t>
+            </a:r>
+            <a:r>
+              <a:rPr lang="en-US" dirty="0" smtClean="0"/>
+              <a:t> – one for adds, the other for tombstones</a:t>
+            </a:r>
+          </a:p>
+          <a:p>
+            <a:pPr marL="914400" lvl="1" indent="-514350"/>
+            <a:r>
+              <a:rPr lang="en-US" dirty="0" smtClean="0"/>
+              <a:t>Idiosyncrasy: you can only add/delete once.</a:t>
+            </a:r>
+          </a:p>
+          <a:p>
+            <a:pPr marL="514350" indent="-514350">
+              <a:buFont typeface="+mj-lt"/>
+              <a:buAutoNum type="arabicPeriod"/>
+            </a:pPr>
+            <a:r>
+              <a:rPr lang="en-US" dirty="0" smtClean="0"/>
+              <a:t>Counters</a:t>
+            </a:r>
+          </a:p>
+          <a:p>
+            <a:pPr marL="914400" lvl="1" indent="-514350">
+              <a:buFont typeface="+mj-lt"/>
+              <a:buAutoNum type="arabicPeriod"/>
+            </a:pPr>
+            <a:r>
+              <a:rPr lang="en-US" dirty="0" smtClean="0"/>
+              <a:t>Tricky!  Vector clock with an entry for each replica</a:t>
+            </a:r>
+          </a:p>
+          <a:p>
+            <a:pPr marL="914400" lvl="1" indent="-514350">
+              <a:buFont typeface="+mj-lt"/>
+              <a:buAutoNum type="arabicPeriod"/>
+            </a:pPr>
+            <a:r>
+              <a:rPr lang="en-US" dirty="0" smtClean="0"/>
+              <a:t>Increment @ replica I =&gt; VC[</a:t>
+            </a:r>
+            <a:r>
+              <a:rPr lang="en-US" dirty="0" err="1" smtClean="0"/>
+              <a:t>i</a:t>
+            </a:r>
+            <a:r>
+              <a:rPr lang="en-US" dirty="0" smtClean="0"/>
+              <a:t>] += 1</a:t>
+            </a:r>
+          </a:p>
+          <a:p>
+            <a:pPr marL="914400" lvl="1" indent="-514350">
+              <a:buFont typeface="+mj-lt"/>
+              <a:buAutoNum type="arabicPeriod"/>
+            </a:pPr>
+            <a:r>
+              <a:rPr lang="en-US" dirty="0" smtClean="0"/>
+              <a:t>Value: sum of all VC values</a:t>
             </a:r>
             <a:endParaRPr lang="en-US" dirty="0"/>
-          </a:p>
-          <a:p>
-            <a:pPr marL="0" indent="0">
-              <a:buNone/>
-            </a:pPr>
-            <a:endParaRPr lang="en-US" dirty="0" smtClean="0"/>
-          </a:p>
-          <a:p>
-            <a:pPr marL="0" indent="0">
-              <a:buNone/>
-            </a:pPr>
-            <a:r>
-              <a:rPr lang="en-US" dirty="0" smtClean="0"/>
-              <a:t>Knowledge is </a:t>
-            </a:r>
-            <a:r>
-              <a:rPr lang="en-US" i="1" dirty="0" smtClean="0"/>
-              <a:t>monotonic:</a:t>
-            </a:r>
-          </a:p>
-          <a:p>
-            <a:pPr marL="0" indent="0">
-              <a:buNone/>
-            </a:pPr>
-            <a:endParaRPr lang="en-US" i="1" dirty="0"/>
-          </a:p>
-          <a:p>
-            <a:pPr marL="0" indent="0">
-              <a:buNone/>
-            </a:pPr>
-            <a:r>
-              <a:rPr lang="en-US" i="1" dirty="0" smtClean="0"/>
-              <a:t>The more you know, the more you know</a:t>
-            </a:r>
           </a:p>
         </p:txBody>
       </p:sp>
     </p:spTree>
     <p:extLst>
       <p:ext uri="{BB962C8B-B14F-4D97-AF65-F5344CB8AC3E}">
-        <p14:creationId xmlns:p14="http://schemas.microsoft.com/office/powerpoint/2010/main" val="23523355"/>
+        <p14:creationId xmlns:p14="http://schemas.microsoft.com/office/powerpoint/2010/main" val="4279908520"/>
       </p:ext>
     </p:extLst>
   </p:cSld>
   <p:clrMapOvr>
     <a:masterClrMapping/>
   </p:clrMapOvr>
+  <p:timing>
+    <p:tnLst>
+      <p:par>
+        <p:cTn xmlns:p14="http://schemas.microsoft.com/office/powerpoint/2010/main" id="1" dur="indefinite" restart="never" nodeType="tmRoot"/>
+      </p:par>
+    </p:tnLst>
+  </p:timing>
 </p:sld>
 </file>
 
@@ -11282,7 +11404,7 @@
           <a:p>
             <a:r>
               <a:rPr lang="en-US" dirty="0" smtClean="0"/>
-              <a:t>Disorderly programming</a:t>
+              <a:t>CRDTs</a:t>
             </a:r>
             <a:endParaRPr lang="en-US" dirty="0"/>
           </a:p>
@@ -11300,48 +11422,15 @@
         </p:nvSpPr>
         <p:spPr/>
         <p:txBody>
-          <a:bodyPr>
-            <a:normAutofit/>
-          </a:bodyPr>
+          <a:bodyPr/>
           <a:lstStyle/>
           <a:p>
             <a:pPr marL="0" indent="0">
               <a:buNone/>
             </a:pPr>
             <a:r>
-              <a:rPr lang="en-US" dirty="0"/>
-              <a:t>An aside about logic programming:</a:t>
-            </a:r>
-          </a:p>
-          <a:p>
-            <a:pPr marL="0" indent="0">
-              <a:buNone/>
-            </a:pPr>
-            <a:endParaRPr lang="en-US" dirty="0" smtClean="0"/>
-          </a:p>
-          <a:p>
-            <a:pPr marL="0" indent="0">
-              <a:buNone/>
-            </a:pPr>
-            <a:r>
               <a:rPr lang="en-US" dirty="0" smtClean="0"/>
-              <a:t>It is challenging to even </a:t>
-            </a:r>
-            <a:r>
-              <a:rPr lang="en-US" i="1" dirty="0" smtClean="0"/>
-              <a:t>talk</a:t>
-            </a:r>
-            <a:r>
-              <a:rPr lang="en-US" dirty="0" smtClean="0"/>
-              <a:t> about order in logic programming languages [</a:t>
-            </a:r>
-            <a:r>
-              <a:rPr lang="en-US" dirty="0" err="1" smtClean="0"/>
-              <a:t>dedalus</a:t>
-            </a:r>
-            <a:r>
-              <a:rPr lang="en-US" dirty="0" smtClean="0"/>
-              <a:t>].</a:t>
+              <a:t>Difficulties</a:t>
             </a:r>
           </a:p>
           <a:p>
@@ -11356,22 +11445,29 @@
             </a:pPr>
             <a:r>
               <a:rPr lang="en-US" dirty="0" smtClean="0"/>
-              <a:t>Yet we can build … </a:t>
-            </a:r>
-            <a:endParaRPr lang="en-US" i="1" dirty="0" smtClean="0"/>
+              <a:t>(scoping difficulty)</a:t>
+            </a:r>
+            <a:endParaRPr lang="en-US" dirty="0"/>
           </a:p>
         </p:txBody>
       </p:sp>
     </p:spTree>
     <p:extLst>
       <p:ext uri="{BB962C8B-B14F-4D97-AF65-F5344CB8AC3E}">
-        <p14:creationId xmlns:p14="http://schemas.microsoft.com/office/powerpoint/2010/main" val="1794628599"/>
+        <p14:creationId xmlns:p14="http://schemas.microsoft.com/office/powerpoint/2010/main" val="2947354244"/>
       </p:ext>
     </p:extLst>
   </p:cSld>
   <p:clrMapOvr>
     <a:masterClrMapping/>
   </p:clrMapOvr>
+  <p:timing>
+    <p:tnLst>
+      <p:par>
+        <p:cTn xmlns:p14="http://schemas.microsoft.com/office/powerpoint/2010/main" id="1" dur="indefinite" restart="never" nodeType="tmRoot"/>
+      </p:par>
+    </p:tnLst>
+  </p:timing>
 </p:sld>
 </file>
 
@@ -11409,15 +11505,7 @@
           <a:p>
             <a:r>
               <a:rPr lang="en-US" dirty="0" smtClean="0"/>
-              <a:t>Disorderly </a:t>
-            </a:r>
-            <a:r>
-              <a:rPr lang="en-US" dirty="0"/>
-              <a:t>p</a:t>
-            </a:r>
-            <a:r>
-              <a:rPr lang="en-US" dirty="0" smtClean="0"/>
-              <a:t>rogramming</a:t>
+              <a:t>Disorderly programming</a:t>
             </a:r>
             <a:endParaRPr lang="en-US" dirty="0"/>
           </a:p>
@@ -11443,7 +11531,7 @@
             </a:pPr>
             <a:r>
               <a:rPr lang="en-US" dirty="0" smtClean="0"/>
-              <a:t>Idea: embody the ACID 2.0  design patterns in how we structure distributed programs.</a:t>
+              <a:t>An aside about logic programming:</a:t>
             </a:r>
           </a:p>
           <a:p>
@@ -11458,17 +11546,43 @@
             </a:pPr>
             <a:r>
               <a:rPr lang="en-US" dirty="0" smtClean="0"/>
-              <a:t>Disorderly data: unordered relations</a:t>
-            </a:r>
-          </a:p>
-          <a:p>
-            <a:pPr marL="0" indent="0">
+              <a:t>In (classical) logic, theories are </a:t>
+            </a:r>
+          </a:p>
+          <a:p>
+            <a:r>
+              <a:rPr lang="en-US" dirty="0" smtClean="0"/>
+              <a:t>Associative and commutative</a:t>
+            </a:r>
+          </a:p>
+          <a:p>
+            <a:pPr lvl="1"/>
+            <a:r>
+              <a:rPr lang="en-US" dirty="0" smtClean="0"/>
+              <a:t>Consequences are the same regardless of the order in which we make deductions</a:t>
+            </a:r>
+          </a:p>
+          <a:p>
+            <a:r>
+              <a:rPr lang="en-US" dirty="0" smtClean="0"/>
+              <a:t>Idempotent</a:t>
+            </a:r>
+          </a:p>
+          <a:p>
+            <a:pPr lvl="1"/>
+            <a:r>
+              <a:rPr lang="en-US" dirty="0" smtClean="0"/>
+              <a:t>Axioms can be reiterated freely</a:t>
+            </a:r>
+          </a:p>
+          <a:p>
+            <a:pPr marL="457200" lvl="1" indent="0">
               <a:buNone/>
             </a:pPr>
-            <a:r>
-              <a:rPr lang="en-US" dirty="0" smtClean="0"/>
-              <a:t>Disorderly code: specify how data changes over time</a:t>
-            </a:r>
+            <a:endParaRPr lang="en-US" dirty="0" smtClean="0"/>
+          </a:p>
+          <a:p>
+            <a:pPr lvl="1"/>
             <a:endParaRPr lang="en-US" dirty="0"/>
           </a:p>
         </p:txBody>
@@ -11476,13 +11590,20 @@
     </p:spTree>
     <p:extLst>
       <p:ext uri="{BB962C8B-B14F-4D97-AF65-F5344CB8AC3E}">
-        <p14:creationId xmlns:p14="http://schemas.microsoft.com/office/powerpoint/2010/main" val="4171936338"/>
+        <p14:creationId xmlns:p14="http://schemas.microsoft.com/office/powerpoint/2010/main" val="3275455917"/>
       </p:ext>
     </p:extLst>
   </p:cSld>
   <p:clrMapOvr>
     <a:masterClrMapping/>
   </p:clrMapOvr>
+  <p:timing>
+    <p:tnLst>
+      <p:par>
+        <p:cTn xmlns:p14="http://schemas.microsoft.com/office/powerpoint/2010/main" id="1" dur="indefinite" restart="never" nodeType="tmRoot"/>
+      </p:par>
+    </p:tnLst>
+  </p:timing>
 </p:sld>
 </file>
 
@@ -11629,6 +11750,392 @@
           <a:p>
             <a:r>
               <a:rPr lang="en-US" dirty="0" smtClean="0"/>
+              <a:t>Disorderly programming</a:t>
+            </a:r>
+            <a:endParaRPr lang="en-US" dirty="0"/>
+          </a:p>
+        </p:txBody>
+      </p:sp>
+      <p:sp>
+        <p:nvSpPr>
+          <p:cNvPr id="3" name="Content Placeholder 2"/>
+          <p:cNvSpPr>
+            <a:spLocks noGrp="1"/>
+          </p:cNvSpPr>
+          <p:nvPr>
+            <p:ph idx="1"/>
+          </p:nvPr>
+        </p:nvSpPr>
+        <p:spPr/>
+        <p:txBody>
+          <a:bodyPr>
+            <a:normAutofit lnSpcReduction="10000"/>
+          </a:bodyPr>
+          <a:lstStyle/>
+          <a:p>
+            <a:pPr marL="0" indent="0">
+              <a:buNone/>
+            </a:pPr>
+            <a:r>
+              <a:rPr lang="en-US" dirty="0"/>
+              <a:t>An aside about logic programming:</a:t>
+            </a:r>
+          </a:p>
+          <a:p>
+            <a:pPr marL="0" indent="0">
+              <a:buNone/>
+            </a:pPr>
+            <a:endParaRPr lang="en-US" dirty="0" smtClean="0"/>
+          </a:p>
+          <a:p>
+            <a:pPr marL="0" indent="0">
+              <a:buNone/>
+            </a:pPr>
+            <a:r>
+              <a:rPr lang="en-US" dirty="0" smtClean="0"/>
+              <a:t>In (classical) logic, theories are Associative, Commutative, and Idempotent </a:t>
+            </a:r>
+            <a:r>
+              <a:rPr lang="en-US" i="1" dirty="0" smtClean="0"/>
+              <a:t>because</a:t>
+            </a:r>
+            <a:endParaRPr lang="en-US" dirty="0"/>
+          </a:p>
+          <a:p>
+            <a:pPr marL="0" indent="0">
+              <a:buNone/>
+            </a:pPr>
+            <a:endParaRPr lang="en-US" dirty="0" smtClean="0"/>
+          </a:p>
+          <a:p>
+            <a:pPr marL="0" indent="0">
+              <a:buNone/>
+            </a:pPr>
+            <a:r>
+              <a:rPr lang="en-US" dirty="0" smtClean="0"/>
+              <a:t>Knowledge is </a:t>
+            </a:r>
+            <a:r>
+              <a:rPr lang="en-US" i="1" dirty="0" smtClean="0"/>
+              <a:t>monotonic:</a:t>
+            </a:r>
+          </a:p>
+          <a:p>
+            <a:pPr marL="0" indent="0">
+              <a:buNone/>
+            </a:pPr>
+            <a:endParaRPr lang="en-US" i="1" dirty="0"/>
+          </a:p>
+          <a:p>
+            <a:pPr marL="0" indent="0">
+              <a:buNone/>
+            </a:pPr>
+            <a:r>
+              <a:rPr lang="en-US" i="1" dirty="0" smtClean="0"/>
+              <a:t>The more you know, the more you know</a:t>
+            </a:r>
+          </a:p>
+        </p:txBody>
+      </p:sp>
+    </p:spTree>
+    <p:extLst>
+      <p:ext uri="{BB962C8B-B14F-4D97-AF65-F5344CB8AC3E}">
+        <p14:creationId xmlns:p14="http://schemas.microsoft.com/office/powerpoint/2010/main" val="23523355"/>
+      </p:ext>
+    </p:extLst>
+  </p:cSld>
+  <p:clrMapOvr>
+    <a:masterClrMapping/>
+  </p:clrMapOvr>
+</p:sld>
+</file>
+
+<file path=ppt/slides/slide41.xml><?xml version="1.0" encoding="utf-8"?>
+<p:sld xmlns:a="http://schemas.openxmlformats.org/drawingml/2006/main" xmlns:r="http://schemas.openxmlformats.org/officeDocument/2006/relationships" xmlns:p="http://schemas.openxmlformats.org/presentationml/2006/main">
+  <p:cSld>
+    <p:spTree>
+      <p:nvGrpSpPr>
+        <p:cNvPr id="1" name=""/>
+        <p:cNvGrpSpPr/>
+        <p:nvPr/>
+      </p:nvGrpSpPr>
+      <p:grpSpPr>
+        <a:xfrm>
+          <a:off x="0" y="0"/>
+          <a:ext cx="0" cy="0"/>
+          <a:chOff x="0" y="0"/>
+          <a:chExt cx="0" cy="0"/>
+        </a:xfrm>
+      </p:grpSpPr>
+      <p:sp>
+        <p:nvSpPr>
+          <p:cNvPr id="2" name="Title 1"/>
+          <p:cNvSpPr>
+            <a:spLocks noGrp="1"/>
+          </p:cNvSpPr>
+          <p:nvPr>
+            <p:ph type="title"/>
+          </p:nvPr>
+        </p:nvSpPr>
+        <p:spPr/>
+        <p:txBody>
+          <a:bodyPr/>
+          <a:lstStyle/>
+          <a:p>
+            <a:r>
+              <a:rPr lang="en-US" dirty="0" smtClean="0"/>
+              <a:t>Disorderly programming</a:t>
+            </a:r>
+            <a:endParaRPr lang="en-US" dirty="0"/>
+          </a:p>
+        </p:txBody>
+      </p:sp>
+      <p:sp>
+        <p:nvSpPr>
+          <p:cNvPr id="3" name="Content Placeholder 2"/>
+          <p:cNvSpPr>
+            <a:spLocks noGrp="1"/>
+          </p:cNvSpPr>
+          <p:nvPr>
+            <p:ph idx="1"/>
+          </p:nvPr>
+        </p:nvSpPr>
+        <p:spPr/>
+        <p:txBody>
+          <a:bodyPr>
+            <a:normAutofit/>
+          </a:bodyPr>
+          <a:lstStyle/>
+          <a:p>
+            <a:pPr marL="0" indent="0">
+              <a:buNone/>
+            </a:pPr>
+            <a:r>
+              <a:rPr lang="en-US" dirty="0"/>
+              <a:t>An aside about logic programming:</a:t>
+            </a:r>
+          </a:p>
+          <a:p>
+            <a:pPr marL="0" indent="0">
+              <a:buNone/>
+            </a:pPr>
+            <a:endParaRPr lang="en-US" dirty="0" smtClean="0"/>
+          </a:p>
+          <a:p>
+            <a:pPr marL="0" indent="0">
+              <a:buNone/>
+            </a:pPr>
+            <a:r>
+              <a:rPr lang="en-US" dirty="0" smtClean="0"/>
+              <a:t>It is challenging to even </a:t>
+            </a:r>
+            <a:r>
+              <a:rPr lang="en-US" i="1" dirty="0" smtClean="0"/>
+              <a:t>talk</a:t>
+            </a:r>
+            <a:r>
+              <a:rPr lang="en-US" dirty="0" smtClean="0"/>
+              <a:t> about order in logic programming languages [</a:t>
+            </a:r>
+            <a:r>
+              <a:rPr lang="en-US" dirty="0" err="1" smtClean="0"/>
+              <a:t>dedalus</a:t>
+            </a:r>
+            <a:r>
+              <a:rPr lang="en-US" dirty="0" smtClean="0"/>
+              <a:t>].</a:t>
+            </a:r>
+          </a:p>
+          <a:p>
+            <a:pPr marL="0" indent="0">
+              <a:buNone/>
+            </a:pPr>
+            <a:endParaRPr lang="en-US" dirty="0"/>
+          </a:p>
+          <a:p>
+            <a:pPr marL="0" indent="0">
+              <a:buNone/>
+            </a:pPr>
+            <a:r>
+              <a:rPr lang="en-US" dirty="0" smtClean="0"/>
+              <a:t>Yet we can build … </a:t>
+            </a:r>
+            <a:endParaRPr lang="en-US" i="1" dirty="0" smtClean="0"/>
+          </a:p>
+        </p:txBody>
+      </p:sp>
+    </p:spTree>
+    <p:extLst>
+      <p:ext uri="{BB962C8B-B14F-4D97-AF65-F5344CB8AC3E}">
+        <p14:creationId xmlns:p14="http://schemas.microsoft.com/office/powerpoint/2010/main" val="1794628599"/>
+      </p:ext>
+    </p:extLst>
+  </p:cSld>
+  <p:clrMapOvr>
+    <a:masterClrMapping/>
+  </p:clrMapOvr>
+  <p:timing>
+    <p:tnLst>
+      <p:par>
+        <p:cTn xmlns:p14="http://schemas.microsoft.com/office/powerpoint/2010/main" id="1" dur="indefinite" restart="never" nodeType="tmRoot"/>
+      </p:par>
+    </p:tnLst>
+  </p:timing>
+</p:sld>
+</file>
+
+<file path=ppt/slides/slide42.xml><?xml version="1.0" encoding="utf-8"?>
+<p:sld xmlns:a="http://schemas.openxmlformats.org/drawingml/2006/main" xmlns:r="http://schemas.openxmlformats.org/officeDocument/2006/relationships" xmlns:p="http://schemas.openxmlformats.org/presentationml/2006/main">
+  <p:cSld>
+    <p:spTree>
+      <p:nvGrpSpPr>
+        <p:cNvPr id="1" name=""/>
+        <p:cNvGrpSpPr/>
+        <p:nvPr/>
+      </p:nvGrpSpPr>
+      <p:grpSpPr>
+        <a:xfrm>
+          <a:off x="0" y="0"/>
+          <a:ext cx="0" cy="0"/>
+          <a:chOff x="0" y="0"/>
+          <a:chExt cx="0" cy="0"/>
+        </a:xfrm>
+      </p:grpSpPr>
+      <p:sp>
+        <p:nvSpPr>
+          <p:cNvPr id="2" name="Title 1"/>
+          <p:cNvSpPr>
+            <a:spLocks noGrp="1"/>
+          </p:cNvSpPr>
+          <p:nvPr>
+            <p:ph type="title"/>
+          </p:nvPr>
+        </p:nvSpPr>
+        <p:spPr/>
+        <p:txBody>
+          <a:bodyPr/>
+          <a:lstStyle/>
+          <a:p>
+            <a:r>
+              <a:rPr lang="en-US" dirty="0" smtClean="0"/>
+              <a:t>Disorderly </a:t>
+            </a:r>
+            <a:r>
+              <a:rPr lang="en-US" dirty="0"/>
+              <a:t>p</a:t>
+            </a:r>
+            <a:r>
+              <a:rPr lang="en-US" dirty="0" smtClean="0"/>
+              <a:t>rogramming</a:t>
+            </a:r>
+            <a:endParaRPr lang="en-US" dirty="0"/>
+          </a:p>
+        </p:txBody>
+      </p:sp>
+      <p:sp>
+        <p:nvSpPr>
+          <p:cNvPr id="3" name="Content Placeholder 2"/>
+          <p:cNvSpPr>
+            <a:spLocks noGrp="1"/>
+          </p:cNvSpPr>
+          <p:nvPr>
+            <p:ph idx="1"/>
+          </p:nvPr>
+        </p:nvSpPr>
+        <p:spPr/>
+        <p:txBody>
+          <a:bodyPr/>
+          <a:lstStyle/>
+          <a:p>
+            <a:pPr marL="0" indent="0">
+              <a:buNone/>
+            </a:pPr>
+            <a:r>
+              <a:rPr lang="en-US" dirty="0" smtClean="0"/>
+              <a:t>Idea: embody the ACID 2.0  design patterns in how we structure distributed programs.</a:t>
+            </a:r>
+          </a:p>
+          <a:p>
+            <a:pPr marL="0" indent="0">
+              <a:buNone/>
+            </a:pPr>
+            <a:endParaRPr lang="en-US" dirty="0"/>
+          </a:p>
+          <a:p>
+            <a:pPr marL="0" indent="0">
+              <a:buNone/>
+            </a:pPr>
+            <a:r>
+              <a:rPr lang="en-US" dirty="0" smtClean="0"/>
+              <a:t>Disorderly data: unordered relations</a:t>
+            </a:r>
+          </a:p>
+          <a:p>
+            <a:pPr marL="0" indent="0">
+              <a:buNone/>
+            </a:pPr>
+            <a:r>
+              <a:rPr lang="en-US" dirty="0" smtClean="0"/>
+              <a:t>Disorderly code: specify how data changes over time</a:t>
+            </a:r>
+            <a:endParaRPr lang="en-US" dirty="0"/>
+          </a:p>
+        </p:txBody>
+      </p:sp>
+    </p:spTree>
+    <p:extLst>
+      <p:ext uri="{BB962C8B-B14F-4D97-AF65-F5344CB8AC3E}">
+        <p14:creationId xmlns:p14="http://schemas.microsoft.com/office/powerpoint/2010/main" val="4171936338"/>
+      </p:ext>
+    </p:extLst>
+  </p:cSld>
+  <p:clrMapOvr>
+    <a:masterClrMapping/>
+  </p:clrMapOvr>
+  <p:timing>
+    <p:tnLst>
+      <p:par>
+        <p:cTn xmlns:p14="http://schemas.microsoft.com/office/powerpoint/2010/main" id="1" dur="indefinite" restart="never" nodeType="tmRoot"/>
+      </p:par>
+    </p:tnLst>
+  </p:timing>
+</p:sld>
+</file>
+
+<file path=ppt/slides/slide43.xml><?xml version="1.0" encoding="utf-8"?>
+<p:sld xmlns:a="http://schemas.openxmlformats.org/drawingml/2006/main" xmlns:r="http://schemas.openxmlformats.org/officeDocument/2006/relationships" xmlns:p="http://schemas.openxmlformats.org/presentationml/2006/main">
+  <p:cSld>
+    <p:spTree>
+      <p:nvGrpSpPr>
+        <p:cNvPr id="1" name=""/>
+        <p:cNvGrpSpPr/>
+        <p:nvPr/>
+      </p:nvGrpSpPr>
+      <p:grpSpPr>
+        <a:xfrm>
+          <a:off x="0" y="0"/>
+          <a:ext cx="0" cy="0"/>
+          <a:chOff x="0" y="0"/>
+          <a:chExt cx="0" cy="0"/>
+        </a:xfrm>
+      </p:grpSpPr>
+      <p:sp>
+        <p:nvSpPr>
+          <p:cNvPr id="2" name="Title 1"/>
+          <p:cNvSpPr>
+            <a:spLocks noGrp="1"/>
+          </p:cNvSpPr>
+          <p:nvPr>
+            <p:ph type="title"/>
+          </p:nvPr>
+        </p:nvSpPr>
+        <p:spPr/>
+        <p:txBody>
+          <a:bodyPr/>
+          <a:lstStyle/>
+          <a:p>
+            <a:r>
+              <a:rPr lang="en-US" dirty="0" smtClean="0"/>
               <a:t>Bloom</a:t>
             </a:r>
             <a:endParaRPr lang="en-US" dirty="0"/>
@@ -11664,10 +12171,17 @@
   <p:clrMapOvr>
     <a:masterClrMapping/>
   </p:clrMapOvr>
+  <p:timing>
+    <p:tnLst>
+      <p:par>
+        <p:cTn xmlns:p14="http://schemas.microsoft.com/office/powerpoint/2010/main" id="1" dur="indefinite" restart="never" nodeType="tmRoot"/>
+      </p:par>
+    </p:tnLst>
+  </p:timing>
 </p:sld>
 </file>
 
-<file path=ppt/slides/slide41.xml><?xml version="1.0" encoding="utf-8"?>
+<file path=ppt/slides/slide44.xml><?xml version="1.0" encoding="utf-8"?>
 <p:sld xmlns:a="http://schemas.openxmlformats.org/drawingml/2006/main" xmlns:r="http://schemas.openxmlformats.org/officeDocument/2006/relationships" xmlns:p="http://schemas.openxmlformats.org/presentationml/2006/main">
   <p:cSld>
     <p:spTree>
@@ -12643,7 +13157,7 @@
 </p:sld>
 </file>
 
-<file path=ppt/slides/slide42.xml><?xml version="1.0" encoding="utf-8"?>
+<file path=ppt/slides/slide45.xml><?xml version="1.0" encoding="utf-8"?>
 <p:sld xmlns:a="http://schemas.openxmlformats.org/drawingml/2006/main" xmlns:r="http://schemas.openxmlformats.org/officeDocument/2006/relationships" xmlns:p="http://schemas.openxmlformats.org/presentationml/2006/main">
   <p:cSld>
     <p:spTree>
@@ -12733,7 +13247,7 @@
 </p:sld>
 </file>
 
-<file path=ppt/slides/slide43.xml><?xml version="1.0" encoding="utf-8"?>
+<file path=ppt/slides/slide46.xml><?xml version="1.0" encoding="utf-8"?>
 <p:sld xmlns:a="http://schemas.openxmlformats.org/drawingml/2006/main" xmlns:r="http://schemas.openxmlformats.org/officeDocument/2006/relationships" xmlns:p="http://schemas.openxmlformats.org/presentationml/2006/main">
   <p:cSld>
     <p:spTree>
@@ -12911,7 +13425,7 @@
 </p:sld>
 </file>
 
-<file path=ppt/slides/slide44.xml><?xml version="1.0" encoding="utf-8"?>
+<file path=ppt/slides/slide47.xml><?xml version="1.0" encoding="utf-8"?>
 <p:sld xmlns:a="http://schemas.openxmlformats.org/drawingml/2006/main" xmlns:r="http://schemas.openxmlformats.org/officeDocument/2006/relationships" xmlns:p="http://schemas.openxmlformats.org/presentationml/2006/main">
   <p:cSld>
     <p:spTree>
@@ -13825,7 +14339,7 @@
 </p:sld>
 </file>
 
-<file path=ppt/slides/slide45.xml><?xml version="1.0" encoding="utf-8"?>
+<file path=ppt/slides/slide48.xml><?xml version="1.0" encoding="utf-8"?>
 <p:sld xmlns:a="http://schemas.openxmlformats.org/drawingml/2006/main" xmlns:r="http://schemas.openxmlformats.org/officeDocument/2006/relationships" xmlns:p="http://schemas.openxmlformats.org/presentationml/2006/main">
   <p:cSld>
     <p:spTree>
@@ -14012,7 +14526,7 @@
 </p:sld>
 </file>
 
-<file path=ppt/slides/slide46.xml><?xml version="1.0" encoding="utf-8"?>
+<file path=ppt/slides/slide49.xml><?xml version="1.0" encoding="utf-8"?>
 <p:sld xmlns:a="http://schemas.openxmlformats.org/drawingml/2006/main" xmlns:r="http://schemas.openxmlformats.org/officeDocument/2006/relationships" xmlns:p="http://schemas.openxmlformats.org/presentationml/2006/main">
   <p:cSld>
     <p:spTree>
@@ -15106,7 +15620,82 @@
 </p:sld>
 </file>
 
-<file path=ppt/slides/slide47.xml><?xml version="1.0" encoding="utf-8"?>
+<file path=ppt/slides/slide5.xml><?xml version="1.0" encoding="utf-8"?>
+<p:sld xmlns:a="http://schemas.openxmlformats.org/drawingml/2006/main" xmlns:r="http://schemas.openxmlformats.org/officeDocument/2006/relationships" xmlns:p="http://schemas.openxmlformats.org/presentationml/2006/main">
+  <p:cSld>
+    <p:spTree>
+      <p:nvGrpSpPr>
+        <p:cNvPr id="1" name=""/>
+        <p:cNvGrpSpPr/>
+        <p:nvPr/>
+      </p:nvGrpSpPr>
+      <p:grpSpPr>
+        <a:xfrm>
+          <a:off x="0" y="0"/>
+          <a:ext cx="0" cy="0"/>
+          <a:chOff x="0" y="0"/>
+          <a:chExt cx="0" cy="0"/>
+        </a:xfrm>
+      </p:grpSpPr>
+      <p:sp>
+        <p:nvSpPr>
+          <p:cNvPr id="2" name="Title 1"/>
+          <p:cNvSpPr>
+            <a:spLocks noGrp="1"/>
+          </p:cNvSpPr>
+          <p:nvPr>
+            <p:ph type="title"/>
+          </p:nvPr>
+        </p:nvSpPr>
+        <p:spPr/>
+        <p:txBody>
+          <a:bodyPr/>
+          <a:lstStyle/>
+          <a:p>
+            <a:endParaRPr lang="en-US"/>
+          </a:p>
+        </p:txBody>
+      </p:sp>
+      <p:sp>
+        <p:nvSpPr>
+          <p:cNvPr id="3" name="Content Placeholder 2"/>
+          <p:cNvSpPr>
+            <a:spLocks noGrp="1"/>
+          </p:cNvSpPr>
+          <p:nvPr>
+            <p:ph idx="1"/>
+          </p:nvPr>
+        </p:nvSpPr>
+        <p:spPr/>
+        <p:txBody>
+          <a:bodyPr/>
+          <a:lstStyle/>
+          <a:p>
+            <a:endParaRPr lang="en-US"/>
+          </a:p>
+        </p:txBody>
+      </p:sp>
+    </p:spTree>
+    <p:extLst>
+      <p:ext uri="{BB962C8B-B14F-4D97-AF65-F5344CB8AC3E}">
+        <p14:creationId xmlns:p14="http://schemas.microsoft.com/office/powerpoint/2010/main" val="1309378901"/>
+      </p:ext>
+    </p:extLst>
+  </p:cSld>
+  <p:clrMapOvr>
+    <a:masterClrMapping/>
+  </p:clrMapOvr>
+  <p:timing>
+    <p:tnLst>
+      <p:par>
+        <p:cTn xmlns:p14="http://schemas.microsoft.com/office/powerpoint/2010/main" id="1" dur="indefinite" restart="never" nodeType="tmRoot"/>
+      </p:par>
+    </p:tnLst>
+  </p:timing>
+</p:sld>
+</file>
+
+<file path=ppt/slides/slide50.xml><?xml version="1.0" encoding="utf-8"?>
 <p:sld xmlns:a="http://schemas.openxmlformats.org/drawingml/2006/main" xmlns:r="http://schemas.openxmlformats.org/officeDocument/2006/relationships" xmlns:p="http://schemas.openxmlformats.org/presentationml/2006/main">
   <p:cSld>
     <p:spTree>
@@ -15963,7 +16552,7 @@
 </p:sld>
 </file>
 
-<file path=ppt/slides/slide48.xml><?xml version="1.0" encoding="utf-8"?>
+<file path=ppt/slides/slide51.xml><?xml version="1.0" encoding="utf-8"?>
 <p:sld xmlns:a="http://schemas.openxmlformats.org/drawingml/2006/main" xmlns:r="http://schemas.openxmlformats.org/officeDocument/2006/relationships" xmlns:p="http://schemas.openxmlformats.org/presentationml/2006/main">
   <p:cSld>
     <p:spTree>
@@ -17460,7 +18049,7 @@
 </p:sld>
 </file>
 
-<file path=ppt/slides/slide49.xml><?xml version="1.0" encoding="utf-8"?>
+<file path=ppt/slides/slide52.xml><?xml version="1.0" encoding="utf-8"?>
 <p:sld xmlns:a="http://schemas.openxmlformats.org/drawingml/2006/main" xmlns:r="http://schemas.openxmlformats.org/officeDocument/2006/relationships" xmlns:p="http://schemas.openxmlformats.org/presentationml/2006/main">
   <p:cSld>
     <p:spTree>
@@ -18521,82 +19110,7 @@
 </p:sld>
 </file>
 
-<file path=ppt/slides/slide5.xml><?xml version="1.0" encoding="utf-8"?>
-<p:sld xmlns:a="http://schemas.openxmlformats.org/drawingml/2006/main" xmlns:r="http://schemas.openxmlformats.org/officeDocument/2006/relationships" xmlns:p="http://schemas.openxmlformats.org/presentationml/2006/main">
-  <p:cSld>
-    <p:spTree>
-      <p:nvGrpSpPr>
-        <p:cNvPr id="1" name=""/>
-        <p:cNvGrpSpPr/>
-        <p:nvPr/>
-      </p:nvGrpSpPr>
-      <p:grpSpPr>
-        <a:xfrm>
-          <a:off x="0" y="0"/>
-          <a:ext cx="0" cy="0"/>
-          <a:chOff x="0" y="0"/>
-          <a:chExt cx="0" cy="0"/>
-        </a:xfrm>
-      </p:grpSpPr>
-      <p:sp>
-        <p:nvSpPr>
-          <p:cNvPr id="2" name="Title 1"/>
-          <p:cNvSpPr>
-            <a:spLocks noGrp="1"/>
-          </p:cNvSpPr>
-          <p:nvPr>
-            <p:ph type="title"/>
-          </p:nvPr>
-        </p:nvSpPr>
-        <p:spPr/>
-        <p:txBody>
-          <a:bodyPr/>
-          <a:lstStyle/>
-          <a:p>
-            <a:endParaRPr lang="en-US"/>
-          </a:p>
-        </p:txBody>
-      </p:sp>
-      <p:sp>
-        <p:nvSpPr>
-          <p:cNvPr id="3" name="Content Placeholder 2"/>
-          <p:cNvSpPr>
-            <a:spLocks noGrp="1"/>
-          </p:cNvSpPr>
-          <p:nvPr>
-            <p:ph idx="1"/>
-          </p:nvPr>
-        </p:nvSpPr>
-        <p:spPr/>
-        <p:txBody>
-          <a:bodyPr/>
-          <a:lstStyle/>
-          <a:p>
-            <a:endParaRPr lang="en-US"/>
-          </a:p>
-        </p:txBody>
-      </p:sp>
-    </p:spTree>
-    <p:extLst>
-      <p:ext uri="{BB962C8B-B14F-4D97-AF65-F5344CB8AC3E}">
-        <p14:creationId xmlns:p14="http://schemas.microsoft.com/office/powerpoint/2010/main" val="1309378901"/>
-      </p:ext>
-    </p:extLst>
-  </p:cSld>
-  <p:clrMapOvr>
-    <a:masterClrMapping/>
-  </p:clrMapOvr>
-  <p:timing>
-    <p:tnLst>
-      <p:par>
-        <p:cTn xmlns:p14="http://schemas.microsoft.com/office/powerpoint/2010/main" id="1" dur="indefinite" restart="never" nodeType="tmRoot"/>
-      </p:par>
-    </p:tnLst>
-  </p:timing>
-</p:sld>
-</file>
-
-<file path=ppt/slides/slide50.xml><?xml version="1.0" encoding="utf-8"?>
+<file path=ppt/slides/slide53.xml><?xml version="1.0" encoding="utf-8"?>
 <p:sld xmlns:a="http://schemas.openxmlformats.org/drawingml/2006/main" xmlns:r="http://schemas.openxmlformats.org/officeDocument/2006/relationships" xmlns:p="http://schemas.openxmlformats.org/presentationml/2006/main">
   <p:cSld>
     <p:spTree>
@@ -20099,7 +20613,7 @@
 </p:sld>
 </file>
 
-<file path=ppt/slides/slide51.xml><?xml version="1.0" encoding="utf-8"?>
+<file path=ppt/slides/slide54.xml><?xml version="1.0" encoding="utf-8"?>
 <p:sld xmlns:a="http://schemas.openxmlformats.org/drawingml/2006/main" xmlns:r="http://schemas.openxmlformats.org/officeDocument/2006/relationships" xmlns:p="http://schemas.openxmlformats.org/presentationml/2006/main">
   <p:cSld>
     <p:spTree>
@@ -20216,7 +20730,7 @@
 </p:sld>
 </file>
 
-<file path=ppt/slides/slide52.xml><?xml version="1.0" encoding="utf-8"?>
+<file path=ppt/slides/slide55.xml><?xml version="1.0" encoding="utf-8"?>
 <p:sld xmlns:a="http://schemas.openxmlformats.org/drawingml/2006/main" xmlns:r="http://schemas.openxmlformats.org/officeDocument/2006/relationships" xmlns:p="http://schemas.openxmlformats.org/presentationml/2006/main">
   <p:cSld>
     <p:spTree>
@@ -22399,7 +22913,7 @@
 </p:sld>
 </file>
 
-<file path=ppt/slides/slide53.xml><?xml version="1.0" encoding="utf-8"?>
+<file path=ppt/slides/slide56.xml><?xml version="1.0" encoding="utf-8"?>
 <p:sld xmlns:a="http://schemas.openxmlformats.org/drawingml/2006/main" xmlns:r="http://schemas.openxmlformats.org/officeDocument/2006/relationships" xmlns:p="http://schemas.openxmlformats.org/presentationml/2006/main">
   <p:cSld>
     <p:spTree>
@@ -23846,7 +24360,7 @@
 </p:sld>
 </file>
 
-<file path=ppt/slides/slide54.xml><?xml version="1.0" encoding="utf-8"?>
+<file path=ppt/slides/slide57.xml><?xml version="1.0" encoding="utf-8"?>
 <p:sld xmlns:a="http://schemas.openxmlformats.org/drawingml/2006/main" xmlns:r="http://schemas.openxmlformats.org/officeDocument/2006/relationships" xmlns:p="http://schemas.openxmlformats.org/presentationml/2006/main">
   <p:cSld>
     <p:spTree>
@@ -24933,7 +25447,7 @@
 </p:sld>
 </file>
 
-<file path=ppt/slides/slide55.xml><?xml version="1.0" encoding="utf-8"?>
+<file path=ppt/slides/slide58.xml><?xml version="1.0" encoding="utf-8"?>
 <p:sld xmlns:a="http://schemas.openxmlformats.org/drawingml/2006/main" xmlns:r="http://schemas.openxmlformats.org/officeDocument/2006/relationships" xmlns:p="http://schemas.openxmlformats.org/presentationml/2006/main">
   <p:cSld>
     <p:spTree>
@@ -25842,7 +26356,7 @@
 </p:sld>
 </file>
 
-<file path=ppt/slides/slide56.xml><?xml version="1.0" encoding="utf-8"?>
+<file path=ppt/slides/slide59.xml><?xml version="1.0" encoding="utf-8"?>
 <p:sld xmlns:a="http://schemas.openxmlformats.org/drawingml/2006/main" xmlns:r="http://schemas.openxmlformats.org/officeDocument/2006/relationships" xmlns:p="http://schemas.openxmlformats.org/presentationml/2006/main">
   <p:cSld>
     <p:spTree>
@@ -27016,2564 +27530,6 @@
       <p:bldP spid="11" grpId="0" animBg="1"/>
       <p:bldP spid="22" grpId="0" animBg="1"/>
       <p:bldP spid="34" grpId="0"/>
-    </p:bldLst>
-  </p:timing>
-</p:sld>
-</file>
-
-<file path=ppt/slides/slide57.xml><?xml version="1.0" encoding="utf-8"?>
-<p:sld xmlns:a="http://schemas.openxmlformats.org/drawingml/2006/main" xmlns:r="http://schemas.openxmlformats.org/officeDocument/2006/relationships" xmlns:p="http://schemas.openxmlformats.org/presentationml/2006/main">
-  <p:cSld>
-    <p:spTree>
-      <p:nvGrpSpPr>
-        <p:cNvPr id="1" name=""/>
-        <p:cNvGrpSpPr/>
-        <p:nvPr/>
-      </p:nvGrpSpPr>
-      <p:grpSpPr>
-        <a:xfrm>
-          <a:off x="0" y="0"/>
-          <a:ext cx="0" cy="0"/>
-          <a:chOff x="0" y="0"/>
-          <a:chExt cx="0" cy="0"/>
-        </a:xfrm>
-      </p:grpSpPr>
-      <p:sp>
-        <p:nvSpPr>
-          <p:cNvPr id="2" name="Title 1"/>
-          <p:cNvSpPr>
-            <a:spLocks noGrp="1"/>
-          </p:cNvSpPr>
-          <p:nvPr>
-            <p:ph type="title"/>
-          </p:nvPr>
-        </p:nvSpPr>
-        <p:spPr/>
-        <p:txBody>
-          <a:bodyPr/>
-          <a:lstStyle/>
-          <a:p>
-            <a:r>
-              <a:rPr lang="en-US" dirty="0" smtClean="0"/>
-              <a:t>CALM Analysis</a:t>
-            </a:r>
-            <a:endParaRPr lang="en-US" dirty="0"/>
-          </a:p>
-        </p:txBody>
-      </p:sp>
-      <p:sp>
-        <p:nvSpPr>
-          <p:cNvPr id="3" name="Content Placeholder 2"/>
-          <p:cNvSpPr>
-            <a:spLocks noGrp="1"/>
-          </p:cNvSpPr>
-          <p:nvPr>
-            <p:ph idx="1"/>
-          </p:nvPr>
-        </p:nvSpPr>
-        <p:spPr>
-          <a:ln>
-            <a:noFill/>
-          </a:ln>
-        </p:spPr>
-        <p:txBody>
-          <a:bodyPr/>
-          <a:lstStyle/>
-          <a:p>
-            <a:r>
-              <a:rPr lang="en-US" dirty="0" smtClean="0"/>
-              <a:t>Asynchrony =&gt; loss of order</a:t>
-            </a:r>
-          </a:p>
-          <a:p>
-            <a:r>
-              <a:rPr lang="en-US" dirty="0" err="1" smtClean="0"/>
-              <a:t>Nonmonotonicity</a:t>
-            </a:r>
-            <a:r>
-              <a:rPr lang="en-US" dirty="0" smtClean="0"/>
-              <a:t> =&gt; order-sensitivity</a:t>
-            </a:r>
-          </a:p>
-          <a:p>
-            <a:r>
-              <a:rPr lang="en-US" dirty="0" smtClean="0"/>
-              <a:t>Asynchrony ; </a:t>
-            </a:r>
-            <a:r>
-              <a:rPr lang="en-US" dirty="0" err="1" smtClean="0"/>
-              <a:t>Nonmonotonicity</a:t>
-            </a:r>
-            <a:r>
-              <a:rPr lang="en-US" dirty="0" smtClean="0"/>
-              <a:t> =&gt; 					    Inconsistency</a:t>
-            </a:r>
-            <a:endParaRPr lang="en-US" dirty="0"/>
-          </a:p>
-        </p:txBody>
-      </p:sp>
-      <p:sp>
-        <p:nvSpPr>
-          <p:cNvPr id="4" name="Oval 3"/>
-          <p:cNvSpPr/>
-          <p:nvPr/>
-        </p:nvSpPr>
-        <p:spPr>
-          <a:xfrm>
-            <a:off x="252805" y="5418277"/>
-            <a:ext cx="1135149" cy="1091342"/>
-          </a:xfrm>
-          <a:prstGeom prst="ellipse">
-            <a:avLst/>
-          </a:prstGeom>
-          <a:noFill/>
-        </p:spPr>
-        <p:style>
-          <a:lnRef idx="1">
-            <a:schemeClr val="accent1"/>
-          </a:lnRef>
-          <a:fillRef idx="3">
-            <a:schemeClr val="accent1"/>
-          </a:fillRef>
-          <a:effectRef idx="2">
-            <a:schemeClr val="accent1"/>
-          </a:effectRef>
-          <a:fontRef idx="minor">
-            <a:schemeClr val="lt1"/>
-          </a:fontRef>
-        </p:style>
-        <p:txBody>
-          <a:bodyPr rtlCol="0" anchor="ctr"/>
-          <a:lstStyle/>
-          <a:p>
-            <a:pPr algn="ctr"/>
-            <a:endParaRPr lang="en-US" dirty="0"/>
-          </a:p>
-        </p:txBody>
-      </p:sp>
-      <p:sp>
-        <p:nvSpPr>
-          <p:cNvPr id="5" name="Oval 4"/>
-          <p:cNvSpPr/>
-          <p:nvPr/>
-        </p:nvSpPr>
-        <p:spPr>
-          <a:xfrm>
-            <a:off x="2220662" y="5418277"/>
-            <a:ext cx="1135149" cy="1091342"/>
-          </a:xfrm>
-          <a:prstGeom prst="ellipse">
-            <a:avLst/>
-          </a:prstGeom>
-          <a:noFill/>
-          <a:ln>
-            <a:solidFill>
-              <a:srgbClr val="FF6600"/>
-            </a:solidFill>
-          </a:ln>
-        </p:spPr>
-        <p:style>
-          <a:lnRef idx="1">
-            <a:schemeClr val="accent1"/>
-          </a:lnRef>
-          <a:fillRef idx="3">
-            <a:schemeClr val="accent1"/>
-          </a:fillRef>
-          <a:effectRef idx="2">
-            <a:schemeClr val="accent1"/>
-          </a:effectRef>
-          <a:fontRef idx="minor">
-            <a:schemeClr val="lt1"/>
-          </a:fontRef>
-        </p:style>
-        <p:txBody>
-          <a:bodyPr rtlCol="0" anchor="ctr"/>
-          <a:lstStyle/>
-          <a:p>
-            <a:pPr algn="ctr"/>
-            <a:endParaRPr lang="en-US" dirty="0">
-              <a:solidFill>
-                <a:srgbClr val="FFFF00"/>
-              </a:solidFill>
-            </a:endParaRPr>
-          </a:p>
-        </p:txBody>
-      </p:sp>
-      <p:sp>
-        <p:nvSpPr>
-          <p:cNvPr id="6" name="Oval 5"/>
-          <p:cNvSpPr/>
-          <p:nvPr/>
-        </p:nvSpPr>
-        <p:spPr>
-          <a:xfrm>
-            <a:off x="6705377" y="5418277"/>
-            <a:ext cx="1136500" cy="1119352"/>
-          </a:xfrm>
-          <a:prstGeom prst="ellipse">
-            <a:avLst/>
-          </a:prstGeom>
-          <a:noFill/>
-          <a:ln w="34925">
-            <a:solidFill>
-              <a:srgbClr val="FF0000"/>
-            </a:solidFill>
-          </a:ln>
-        </p:spPr>
-        <p:style>
-          <a:lnRef idx="1">
-            <a:schemeClr val="accent1"/>
-          </a:lnRef>
-          <a:fillRef idx="3">
-            <a:schemeClr val="accent1"/>
-          </a:fillRef>
-          <a:effectRef idx="2">
-            <a:schemeClr val="accent1"/>
-          </a:effectRef>
-          <a:fontRef idx="minor">
-            <a:schemeClr val="lt1"/>
-          </a:fontRef>
-        </p:style>
-        <p:txBody>
-          <a:bodyPr rtlCol="0" anchor="ctr"/>
-          <a:lstStyle/>
-          <a:p>
-            <a:pPr algn="ctr"/>
-            <a:endParaRPr lang="en-US" dirty="0"/>
-          </a:p>
-        </p:txBody>
-      </p:sp>
-      <p:cxnSp>
-        <p:nvCxnSpPr>
-          <p:cNvPr id="8" name="Straight Arrow Connector 7"/>
-          <p:cNvCxnSpPr>
-            <a:stCxn id="4" idx="6"/>
-            <a:endCxn id="5" idx="2"/>
-          </p:cNvCxnSpPr>
-          <p:nvPr/>
-        </p:nvCxnSpPr>
-        <p:spPr>
-          <a:xfrm>
-            <a:off x="1387954" y="5963948"/>
-            <a:ext cx="832708" cy="0"/>
-          </a:xfrm>
-          <a:prstGeom prst="straightConnector1">
-            <a:avLst/>
-          </a:prstGeom>
-          <a:ln>
-            <a:prstDash val="lgDash"/>
-            <a:tailEnd type="arrow"/>
-          </a:ln>
-        </p:spPr>
-        <p:style>
-          <a:lnRef idx="2">
-            <a:schemeClr val="accent1"/>
-          </a:lnRef>
-          <a:fillRef idx="0">
-            <a:schemeClr val="accent1"/>
-          </a:fillRef>
-          <a:effectRef idx="1">
-            <a:schemeClr val="accent1"/>
-          </a:effectRef>
-          <a:fontRef idx="minor">
-            <a:schemeClr val="tx1"/>
-          </a:fontRef>
-        </p:style>
-      </p:cxnSp>
-      <p:cxnSp>
-        <p:nvCxnSpPr>
-          <p:cNvPr id="9" name="Straight Arrow Connector 8"/>
-          <p:cNvCxnSpPr>
-            <a:stCxn id="22" idx="6"/>
-            <a:endCxn id="6" idx="2"/>
-          </p:cNvCxnSpPr>
-          <p:nvPr/>
-        </p:nvCxnSpPr>
-        <p:spPr>
-          <a:xfrm>
-            <a:off x="5611992" y="5963948"/>
-            <a:ext cx="1093385" cy="14005"/>
-          </a:xfrm>
-          <a:prstGeom prst="straightConnector1">
-            <a:avLst/>
-          </a:prstGeom>
-          <a:ln>
-            <a:solidFill>
-              <a:srgbClr val="FF6600"/>
-            </a:solidFill>
-            <a:tailEnd type="arrow"/>
-          </a:ln>
-        </p:spPr>
-        <p:style>
-          <a:lnRef idx="2">
-            <a:schemeClr val="accent1"/>
-          </a:lnRef>
-          <a:fillRef idx="0">
-            <a:schemeClr val="accent1"/>
-          </a:fillRef>
-          <a:effectRef idx="1">
-            <a:schemeClr val="accent1"/>
-          </a:effectRef>
-          <a:fontRef idx="minor">
-            <a:schemeClr val="tx1"/>
-          </a:fontRef>
-        </p:style>
-      </p:cxnSp>
-      <p:sp>
-        <p:nvSpPr>
-          <p:cNvPr id="10" name="TextBox 9"/>
-          <p:cNvSpPr txBox="1"/>
-          <p:nvPr/>
-        </p:nvSpPr>
-        <p:spPr>
-          <a:xfrm>
-            <a:off x="7113973" y="5597843"/>
-            <a:ext cx="269578" cy="707886"/>
-          </a:xfrm>
-          <a:prstGeom prst="rect">
-            <a:avLst/>
-          </a:prstGeom>
-          <a:noFill/>
-        </p:spPr>
-        <p:txBody>
-          <a:bodyPr wrap="square" rtlCol="0">
-            <a:spAutoFit/>
-          </a:bodyPr>
-          <a:lstStyle/>
-          <a:p>
-            <a:r>
-              <a:rPr lang="en-US" sz="4000" dirty="0" smtClean="0">
-                <a:solidFill>
-                  <a:srgbClr val="FF0000"/>
-                </a:solidFill>
-              </a:rPr>
-              <a:t>?</a:t>
-            </a:r>
-            <a:endParaRPr lang="en-US" sz="4000" dirty="0">
-              <a:solidFill>
-                <a:srgbClr val="FF0000"/>
-              </a:solidFill>
-            </a:endParaRPr>
-          </a:p>
-        </p:txBody>
-      </p:sp>
-      <p:sp>
-        <p:nvSpPr>
-          <p:cNvPr id="11" name="Oval 10"/>
-          <p:cNvSpPr/>
-          <p:nvPr/>
-        </p:nvSpPr>
-        <p:spPr>
-          <a:xfrm>
-            <a:off x="6346076" y="5860633"/>
-            <a:ext cx="193793" cy="206629"/>
-          </a:xfrm>
-          <a:prstGeom prst="ellipse">
-            <a:avLst/>
-          </a:prstGeom>
-          <a:solidFill>
-            <a:schemeClr val="bg1"/>
-          </a:solidFill>
-          <a:ln>
-            <a:solidFill>
-              <a:srgbClr val="FF6600"/>
-            </a:solidFill>
-          </a:ln>
-        </p:spPr>
-        <p:style>
-          <a:lnRef idx="1">
-            <a:schemeClr val="accent1"/>
-          </a:lnRef>
-          <a:fillRef idx="3">
-            <a:schemeClr val="accent1"/>
-          </a:fillRef>
-          <a:effectRef idx="2">
-            <a:schemeClr val="accent1"/>
-          </a:effectRef>
-          <a:fontRef idx="minor">
-            <a:schemeClr val="lt1"/>
-          </a:fontRef>
-        </p:style>
-        <p:txBody>
-          <a:bodyPr rtlCol="0" anchor="ctr"/>
-          <a:lstStyle/>
-          <a:p>
-            <a:pPr algn="ctr"/>
-            <a:endParaRPr lang="en-US" dirty="0"/>
-          </a:p>
-        </p:txBody>
-      </p:sp>
-      <p:sp>
-        <p:nvSpPr>
-          <p:cNvPr id="22" name="Oval 21"/>
-          <p:cNvSpPr/>
-          <p:nvPr/>
-        </p:nvSpPr>
-        <p:spPr>
-          <a:xfrm>
-            <a:off x="4476843" y="5418277"/>
-            <a:ext cx="1135149" cy="1091342"/>
-          </a:xfrm>
-          <a:prstGeom prst="ellipse">
-            <a:avLst/>
-          </a:prstGeom>
-          <a:noFill/>
-          <a:ln>
-            <a:solidFill>
-              <a:srgbClr val="FF6600"/>
-            </a:solidFill>
-          </a:ln>
-        </p:spPr>
-        <p:style>
-          <a:lnRef idx="1">
-            <a:schemeClr val="accent1"/>
-          </a:lnRef>
-          <a:fillRef idx="3">
-            <a:schemeClr val="accent1"/>
-          </a:fillRef>
-          <a:effectRef idx="2">
-            <a:schemeClr val="accent1"/>
-          </a:effectRef>
-          <a:fontRef idx="minor">
-            <a:schemeClr val="lt1"/>
-          </a:fontRef>
-        </p:style>
-        <p:txBody>
-          <a:bodyPr rtlCol="0" anchor="ctr"/>
-          <a:lstStyle/>
-          <a:p>
-            <a:pPr algn="ctr"/>
-            <a:endParaRPr lang="en-US" dirty="0"/>
-          </a:p>
-        </p:txBody>
-      </p:sp>
-      <p:sp>
-        <p:nvSpPr>
-          <p:cNvPr id="31" name="TextBox 30"/>
-          <p:cNvSpPr txBox="1"/>
-          <p:nvPr/>
-        </p:nvSpPr>
-        <p:spPr>
-          <a:xfrm>
-            <a:off x="5029880" y="4187038"/>
-            <a:ext cx="2302734" cy="461665"/>
-          </a:xfrm>
-          <a:prstGeom prst="rect">
-            <a:avLst/>
-          </a:prstGeom>
-          <a:noFill/>
-        </p:spPr>
-        <p:txBody>
-          <a:bodyPr wrap="none" rtlCol="0">
-            <a:spAutoFit/>
-          </a:bodyPr>
-          <a:lstStyle/>
-          <a:p>
-            <a:r>
-              <a:rPr lang="en-US" sz="2400" dirty="0" smtClean="0"/>
-              <a:t>``Point of Order’’</a:t>
-            </a:r>
-            <a:endParaRPr lang="en-US" sz="2400" dirty="0"/>
-          </a:p>
-        </p:txBody>
-      </p:sp>
-      <p:cxnSp>
-        <p:nvCxnSpPr>
-          <p:cNvPr id="33" name="Straight Arrow Connector 32"/>
-          <p:cNvCxnSpPr>
-            <a:stCxn id="31" idx="2"/>
-            <a:endCxn id="11" idx="0"/>
-          </p:cNvCxnSpPr>
-          <p:nvPr/>
-        </p:nvCxnSpPr>
-        <p:spPr>
-          <a:xfrm>
-            <a:off x="6181247" y="4648703"/>
-            <a:ext cx="261726" cy="1211930"/>
-          </a:xfrm>
-          <a:prstGeom prst="straightConnector1">
-            <a:avLst/>
-          </a:prstGeom>
-          <a:ln>
-            <a:tailEnd type="arrow"/>
-          </a:ln>
-        </p:spPr>
-        <p:style>
-          <a:lnRef idx="2">
-            <a:schemeClr val="accent1"/>
-          </a:lnRef>
-          <a:fillRef idx="0">
-            <a:schemeClr val="accent1"/>
-          </a:fillRef>
-          <a:effectRef idx="1">
-            <a:schemeClr val="accent1"/>
-          </a:effectRef>
-          <a:fontRef idx="minor">
-            <a:schemeClr val="tx1"/>
-          </a:fontRef>
-        </p:style>
-      </p:cxnSp>
-      <p:sp>
-        <p:nvSpPr>
-          <p:cNvPr id="18" name="TextBox 17"/>
-          <p:cNvSpPr txBox="1"/>
-          <p:nvPr/>
-        </p:nvSpPr>
-        <p:spPr>
-          <a:xfrm>
-            <a:off x="3495725" y="5506690"/>
-            <a:ext cx="853419" cy="707886"/>
-          </a:xfrm>
-          <a:prstGeom prst="rect">
-            <a:avLst/>
-          </a:prstGeom>
-          <a:noFill/>
-        </p:spPr>
-        <p:txBody>
-          <a:bodyPr wrap="none" rtlCol="0">
-            <a:spAutoFit/>
-          </a:bodyPr>
-          <a:lstStyle/>
-          <a:p>
-            <a:r>
-              <a:rPr lang="en-US" sz="4000" dirty="0" smtClean="0">
-                <a:solidFill>
-                  <a:srgbClr val="FF6600"/>
-                </a:solidFill>
-              </a:rPr>
-              <a:t>[…]</a:t>
-            </a:r>
-            <a:endParaRPr lang="en-US" sz="4000" dirty="0">
-              <a:solidFill>
-                <a:srgbClr val="FF6600"/>
-              </a:solidFill>
-            </a:endParaRPr>
-          </a:p>
-        </p:txBody>
-      </p:sp>
-      <p:cxnSp>
-        <p:nvCxnSpPr>
-          <p:cNvPr id="19" name="Straight Arrow Connector 18"/>
-          <p:cNvCxnSpPr/>
-          <p:nvPr/>
-        </p:nvCxnSpPr>
-        <p:spPr>
-          <a:xfrm>
-            <a:off x="3355811" y="5963948"/>
-            <a:ext cx="279650" cy="14005"/>
-          </a:xfrm>
-          <a:prstGeom prst="straightConnector1">
-            <a:avLst/>
-          </a:prstGeom>
-          <a:ln>
-            <a:solidFill>
-              <a:srgbClr val="FF6600"/>
-            </a:solidFill>
-            <a:tailEnd type="arrow"/>
-          </a:ln>
-        </p:spPr>
-        <p:style>
-          <a:lnRef idx="2">
-            <a:schemeClr val="accent1"/>
-          </a:lnRef>
-          <a:fillRef idx="0">
-            <a:schemeClr val="accent1"/>
-          </a:fillRef>
-          <a:effectRef idx="1">
-            <a:schemeClr val="accent1"/>
-          </a:effectRef>
-          <a:fontRef idx="minor">
-            <a:schemeClr val="tx1"/>
-          </a:fontRef>
-        </p:style>
-      </p:cxnSp>
-      <p:cxnSp>
-        <p:nvCxnSpPr>
-          <p:cNvPr id="20" name="Straight Arrow Connector 19"/>
-          <p:cNvCxnSpPr/>
-          <p:nvPr/>
-        </p:nvCxnSpPr>
-        <p:spPr>
-          <a:xfrm>
-            <a:off x="4229719" y="5963948"/>
-            <a:ext cx="247124" cy="0"/>
-          </a:xfrm>
-          <a:prstGeom prst="straightConnector1">
-            <a:avLst/>
-          </a:prstGeom>
-          <a:ln>
-            <a:solidFill>
-              <a:srgbClr val="FF6600"/>
-            </a:solidFill>
-            <a:tailEnd type="arrow"/>
-          </a:ln>
-        </p:spPr>
-        <p:style>
-          <a:lnRef idx="2">
-            <a:schemeClr val="accent1"/>
-          </a:lnRef>
-          <a:fillRef idx="0">
-            <a:schemeClr val="accent1"/>
-          </a:fillRef>
-          <a:effectRef idx="1">
-            <a:schemeClr val="accent1"/>
-          </a:effectRef>
-          <a:fontRef idx="minor">
-            <a:schemeClr val="tx1"/>
-          </a:fontRef>
-        </p:style>
-      </p:cxnSp>
-    </p:spTree>
-    <p:extLst>
-      <p:ext uri="{BB962C8B-B14F-4D97-AF65-F5344CB8AC3E}">
-        <p14:creationId xmlns:p14="http://schemas.microsoft.com/office/powerpoint/2010/main" val="2446607637"/>
-      </p:ext>
-    </p:extLst>
-  </p:cSld>
-  <p:clrMapOvr>
-    <a:masterClrMapping/>
-  </p:clrMapOvr>
-  <p:timing>
-    <p:tnLst>
-      <p:par>
-        <p:cTn xmlns:p14="http://schemas.microsoft.com/office/powerpoint/2010/main" id="1" dur="indefinite" restart="never" nodeType="tmRoot">
-          <p:childTnLst>
-            <p:seq concurrent="1" nextAc="seek">
-              <p:cTn id="2" dur="indefinite" nodeType="mainSeq">
-                <p:childTnLst>
-                  <p:par>
-                    <p:cTn id="3" fill="hold">
-                      <p:stCondLst>
-                        <p:cond delay="indefinite"/>
-                      </p:stCondLst>
-                      <p:childTnLst>
-                        <p:par>
-                          <p:cTn id="4" fill="hold">
-                            <p:stCondLst>
-                              <p:cond delay="0"/>
-                            </p:stCondLst>
-                            <p:childTnLst>
-                              <p:par>
-                                <p:cTn id="5" presetID="9" presetClass="entr" presetSubtype="0" fill="hold" grpId="0" nodeType="clickEffect">
-                                  <p:stCondLst>
-                                    <p:cond delay="0"/>
-                                  </p:stCondLst>
-                                  <p:childTnLst>
-                                    <p:set>
-                                      <p:cBhvr>
-                                        <p:cTn id="6" dur="1" fill="hold">
-                                          <p:stCondLst>
-                                            <p:cond delay="0"/>
-                                          </p:stCondLst>
-                                        </p:cTn>
-                                        <p:tgtEl>
-                                          <p:spTgt spid="10"/>
-                                        </p:tgtEl>
-                                        <p:attrNameLst>
-                                          <p:attrName>style.visibility</p:attrName>
-                                        </p:attrNameLst>
-                                      </p:cBhvr>
-                                      <p:to>
-                                        <p:strVal val="visible"/>
-                                      </p:to>
-                                    </p:set>
-                                    <p:animEffect transition="in" filter="dissolve">
-                                      <p:cBhvr>
-                                        <p:cTn id="7" dur="500"/>
-                                        <p:tgtEl>
-                                          <p:spTgt spid="10"/>
-                                        </p:tgtEl>
-                                      </p:cBhvr>
-                                    </p:animEffect>
-                                  </p:childTnLst>
-                                </p:cTn>
-                              </p:par>
-                            </p:childTnLst>
-                          </p:cTn>
-                        </p:par>
-                      </p:childTnLst>
-                    </p:cTn>
-                  </p:par>
-                  <p:par>
-                    <p:cTn id="8" fill="hold">
-                      <p:stCondLst>
-                        <p:cond delay="indefinite"/>
-                      </p:stCondLst>
-                      <p:childTnLst>
-                        <p:par>
-                          <p:cTn id="9" fill="hold">
-                            <p:stCondLst>
-                              <p:cond delay="0"/>
-                            </p:stCondLst>
-                            <p:childTnLst>
-                              <p:par>
-                                <p:cTn id="10" presetID="9" presetClass="entr" presetSubtype="0" fill="hold" grpId="0" nodeType="clickEffect">
-                                  <p:stCondLst>
-                                    <p:cond delay="0"/>
-                                  </p:stCondLst>
-                                  <p:childTnLst>
-                                    <p:set>
-                                      <p:cBhvr>
-                                        <p:cTn id="11" dur="1" fill="hold">
-                                          <p:stCondLst>
-                                            <p:cond delay="0"/>
-                                          </p:stCondLst>
-                                        </p:cTn>
-                                        <p:tgtEl>
-                                          <p:spTgt spid="31"/>
-                                        </p:tgtEl>
-                                        <p:attrNameLst>
-                                          <p:attrName>style.visibility</p:attrName>
-                                        </p:attrNameLst>
-                                      </p:cBhvr>
-                                      <p:to>
-                                        <p:strVal val="visible"/>
-                                      </p:to>
-                                    </p:set>
-                                    <p:animEffect transition="in" filter="dissolve">
-                                      <p:cBhvr>
-                                        <p:cTn id="12" dur="500"/>
-                                        <p:tgtEl>
-                                          <p:spTgt spid="31"/>
-                                        </p:tgtEl>
-                                      </p:cBhvr>
-                                    </p:animEffect>
-                                  </p:childTnLst>
-                                </p:cTn>
-                              </p:par>
-                              <p:par>
-                                <p:cTn id="13" presetID="9" presetClass="entr" presetSubtype="0" fill="hold" nodeType="withEffect">
-                                  <p:stCondLst>
-                                    <p:cond delay="0"/>
-                                  </p:stCondLst>
-                                  <p:childTnLst>
-                                    <p:set>
-                                      <p:cBhvr>
-                                        <p:cTn id="14" dur="1" fill="hold">
-                                          <p:stCondLst>
-                                            <p:cond delay="0"/>
-                                          </p:stCondLst>
-                                        </p:cTn>
-                                        <p:tgtEl>
-                                          <p:spTgt spid="33"/>
-                                        </p:tgtEl>
-                                        <p:attrNameLst>
-                                          <p:attrName>style.visibility</p:attrName>
-                                        </p:attrNameLst>
-                                      </p:cBhvr>
-                                      <p:to>
-                                        <p:strVal val="visible"/>
-                                      </p:to>
-                                    </p:set>
-                                    <p:animEffect transition="in" filter="dissolve">
-                                      <p:cBhvr>
-                                        <p:cTn id="15" dur="500"/>
-                                        <p:tgtEl>
-                                          <p:spTgt spid="33"/>
-                                        </p:tgtEl>
-                                      </p:cBhvr>
-                                    </p:animEffect>
-                                  </p:childTnLst>
-                                </p:cTn>
-                              </p:par>
-                            </p:childTnLst>
-                          </p:cTn>
-                        </p:par>
-                      </p:childTnLst>
-                    </p:cTn>
-                  </p:par>
-                </p:childTnLst>
-              </p:cTn>
-              <p:prevCondLst>
-                <p:cond evt="onPrev" delay="0">
-                  <p:tgtEl>
-                    <p:sldTgt/>
-                  </p:tgtEl>
-                </p:cond>
-              </p:prevCondLst>
-              <p:nextCondLst>
-                <p:cond evt="onNext" delay="0">
-                  <p:tgtEl>
-                    <p:sldTgt/>
-                  </p:tgtEl>
-                </p:cond>
-              </p:nextCondLst>
-            </p:seq>
-          </p:childTnLst>
-        </p:cTn>
-      </p:par>
-    </p:tnLst>
-    <p:bldLst>
-      <p:bldP spid="10" grpId="0"/>
-      <p:bldP spid="31" grpId="0"/>
-    </p:bldLst>
-  </p:timing>
-</p:sld>
-</file>
-
-<file path=ppt/slides/slide58.xml><?xml version="1.0" encoding="utf-8"?>
-<p:sld xmlns:a="http://schemas.openxmlformats.org/drawingml/2006/main" xmlns:r="http://schemas.openxmlformats.org/officeDocument/2006/relationships" xmlns:p="http://schemas.openxmlformats.org/presentationml/2006/main">
-  <p:cSld>
-    <p:spTree>
-      <p:nvGrpSpPr>
-        <p:cNvPr id="1" name=""/>
-        <p:cNvGrpSpPr/>
-        <p:nvPr/>
-      </p:nvGrpSpPr>
-      <p:grpSpPr>
-        <a:xfrm>
-          <a:off x="0" y="0"/>
-          <a:ext cx="0" cy="0"/>
-          <a:chOff x="0" y="0"/>
-          <a:chExt cx="0" cy="0"/>
-        </a:xfrm>
-      </p:grpSpPr>
-      <p:cxnSp>
-        <p:nvCxnSpPr>
-          <p:cNvPr id="7" name="Straight Arrow Connector 6"/>
-          <p:cNvCxnSpPr/>
-          <p:nvPr/>
-        </p:nvCxnSpPr>
-        <p:spPr>
-          <a:xfrm flipV="1">
-            <a:off x="796471" y="1417639"/>
-            <a:ext cx="13512" cy="4580789"/>
-          </a:xfrm>
-          <a:prstGeom prst="straightConnector1">
-            <a:avLst/>
-          </a:prstGeom>
-          <a:ln>
-            <a:tailEnd type="arrow"/>
-          </a:ln>
-        </p:spPr>
-        <p:style>
-          <a:lnRef idx="2">
-            <a:schemeClr val="accent1"/>
-          </a:lnRef>
-          <a:fillRef idx="0">
-            <a:schemeClr val="accent1"/>
-          </a:fillRef>
-          <a:effectRef idx="1">
-            <a:schemeClr val="accent1"/>
-          </a:effectRef>
-          <a:fontRef idx="minor">
-            <a:schemeClr val="tx1"/>
-          </a:fontRef>
-        </p:style>
-      </p:cxnSp>
-      <p:sp>
-        <p:nvSpPr>
-          <p:cNvPr id="8" name="TextBox 7"/>
-          <p:cNvSpPr txBox="1"/>
-          <p:nvPr/>
-        </p:nvSpPr>
-        <p:spPr>
-          <a:xfrm>
-            <a:off x="335463" y="540474"/>
-            <a:ext cx="1148609" cy="584776"/>
-          </a:xfrm>
-          <a:prstGeom prst="rect">
-            <a:avLst/>
-          </a:prstGeom>
-          <a:noFill/>
-        </p:spPr>
-        <p:txBody>
-          <a:bodyPr wrap="none" rtlCol="0">
-            <a:spAutoFit/>
-          </a:bodyPr>
-          <a:lstStyle/>
-          <a:p>
-            <a:r>
-              <a:rPr lang="en-US" sz="3200" b="1" dirty="0" smtClean="0">
-                <a:latin typeface="Helvetica Neue"/>
-                <a:cs typeface="Helvetica Neue"/>
-              </a:rPr>
-              <a:t>Time</a:t>
-            </a:r>
-            <a:endParaRPr lang="en-US" sz="3200" b="1" dirty="0">
-              <a:latin typeface="Helvetica Neue"/>
-              <a:cs typeface="Helvetica Neue"/>
-            </a:endParaRPr>
-          </a:p>
-        </p:txBody>
-      </p:sp>
-      <p:sp>
-        <p:nvSpPr>
-          <p:cNvPr id="9" name="TextBox 8"/>
-          <p:cNvSpPr txBox="1"/>
-          <p:nvPr/>
-        </p:nvSpPr>
-        <p:spPr>
-          <a:xfrm>
-            <a:off x="1868896" y="5957124"/>
-            <a:ext cx="1227394" cy="830997"/>
-          </a:xfrm>
-          <a:prstGeom prst="rect">
-            <a:avLst/>
-          </a:prstGeom>
-          <a:noFill/>
-        </p:spPr>
-        <p:txBody>
-          <a:bodyPr wrap="none" rtlCol="0">
-            <a:spAutoFit/>
-          </a:bodyPr>
-          <a:lstStyle/>
-          <a:p>
-            <a:pPr algn="ctr"/>
-            <a:r>
-              <a:rPr lang="en-US" sz="2400" b="1" dirty="0" smtClean="0">
-                <a:latin typeface="Helvetica Neue"/>
-                <a:cs typeface="Helvetica Neue"/>
-              </a:rPr>
-              <a:t>Set</a:t>
-            </a:r>
-          </a:p>
-          <a:p>
-            <a:pPr algn="ctr"/>
-            <a:r>
-              <a:rPr lang="en-US" sz="2400" b="1" dirty="0" smtClean="0">
-                <a:latin typeface="Helvetica Neue"/>
-                <a:cs typeface="Helvetica Neue"/>
-              </a:rPr>
-              <a:t>(Union)</a:t>
-            </a:r>
-            <a:endParaRPr lang="en-US" sz="2400" b="1" dirty="0">
-              <a:latin typeface="Helvetica Neue"/>
-              <a:cs typeface="Helvetica Neue"/>
-            </a:endParaRPr>
-          </a:p>
-        </p:txBody>
-      </p:sp>
-      <p:sp>
-        <p:nvSpPr>
-          <p:cNvPr id="11" name="TextBox 10"/>
-          <p:cNvSpPr txBox="1"/>
-          <p:nvPr/>
-        </p:nvSpPr>
-        <p:spPr>
-          <a:xfrm>
-            <a:off x="4348098" y="5957124"/>
-            <a:ext cx="1227394" cy="830997"/>
-          </a:xfrm>
-          <a:prstGeom prst="rect">
-            <a:avLst/>
-          </a:prstGeom>
-          <a:noFill/>
-        </p:spPr>
-        <p:txBody>
-          <a:bodyPr wrap="none" rtlCol="0">
-            <a:spAutoFit/>
-          </a:bodyPr>
-          <a:lstStyle/>
-          <a:p>
-            <a:pPr algn="ctr"/>
-            <a:r>
-              <a:rPr lang="en-US" sz="2400" b="1" dirty="0" smtClean="0">
-                <a:latin typeface="Helvetica Neue"/>
-                <a:cs typeface="Helvetica Neue"/>
-              </a:rPr>
-              <a:t>Integer</a:t>
-            </a:r>
-            <a:br>
-              <a:rPr lang="en-US" sz="2400" b="1" dirty="0" smtClean="0">
-                <a:latin typeface="Helvetica Neue"/>
-                <a:cs typeface="Helvetica Neue"/>
-              </a:rPr>
-            </a:br>
-            <a:r>
-              <a:rPr lang="en-US" sz="2400" b="1" dirty="0" smtClean="0">
-                <a:latin typeface="Helvetica Neue"/>
-                <a:cs typeface="Helvetica Neue"/>
-              </a:rPr>
-              <a:t>(Max)</a:t>
-            </a:r>
-            <a:endParaRPr lang="en-US" sz="2400" b="1" dirty="0">
-              <a:latin typeface="Helvetica Neue"/>
-              <a:cs typeface="Helvetica Neue"/>
-            </a:endParaRPr>
-          </a:p>
-        </p:txBody>
-      </p:sp>
-      <p:sp>
-        <p:nvSpPr>
-          <p:cNvPr id="12" name="TextBox 11"/>
-          <p:cNvSpPr txBox="1"/>
-          <p:nvPr/>
-        </p:nvSpPr>
-        <p:spPr>
-          <a:xfrm>
-            <a:off x="6876375" y="5957124"/>
-            <a:ext cx="1392671" cy="830997"/>
-          </a:xfrm>
-          <a:prstGeom prst="rect">
-            <a:avLst/>
-          </a:prstGeom>
-          <a:noFill/>
-        </p:spPr>
-        <p:txBody>
-          <a:bodyPr wrap="none" rtlCol="0">
-            <a:spAutoFit/>
-          </a:bodyPr>
-          <a:lstStyle/>
-          <a:p>
-            <a:pPr algn="ctr"/>
-            <a:r>
-              <a:rPr lang="en-US" sz="2400" b="1" dirty="0" smtClean="0">
-                <a:latin typeface="Helvetica Neue"/>
-                <a:cs typeface="Helvetica Neue"/>
-              </a:rPr>
-              <a:t>Boolean</a:t>
-            </a:r>
-            <a:br>
-              <a:rPr lang="en-US" sz="2400" b="1" dirty="0" smtClean="0">
-                <a:latin typeface="Helvetica Neue"/>
-                <a:cs typeface="Helvetica Neue"/>
-              </a:rPr>
-            </a:br>
-            <a:r>
-              <a:rPr lang="en-US" sz="2400" b="1" dirty="0" smtClean="0">
-                <a:latin typeface="Helvetica Neue"/>
-                <a:cs typeface="Helvetica Neue"/>
-              </a:rPr>
-              <a:t>(Or)</a:t>
-            </a:r>
-            <a:endParaRPr lang="en-US" sz="2400" b="1" dirty="0">
-              <a:latin typeface="Helvetica Neue"/>
-              <a:cs typeface="Helvetica Neue"/>
-            </a:endParaRPr>
-          </a:p>
-        </p:txBody>
-      </p:sp>
-      <p:pic>
-        <p:nvPicPr>
-          <p:cNvPr id="13" name="Picture 12"/>
-          <p:cNvPicPr>
-            <a:picLocks noChangeAspect="1"/>
-          </p:cNvPicPr>
-          <p:nvPr/>
-        </p:nvPicPr>
-        <p:blipFill>
-          <a:blip r:embed="rId3">
-            <a:extLst>
-              <a:ext uri="{28A0092B-C50C-407E-A947-70E740481C1C}">
-                <a14:useLocalDpi xmlns:a14="http://schemas.microsoft.com/office/drawing/2010/main" val="0"/>
-              </a:ext>
-            </a:extLst>
-          </a:blip>
-          <a:stretch>
-            <a:fillRect/>
-          </a:stretch>
-        </p:blipFill>
-        <p:spPr>
-          <a:xfrm>
-            <a:off x="1281088" y="2525255"/>
-            <a:ext cx="2403010" cy="2296425"/>
-          </a:xfrm>
-          <a:prstGeom prst="rect">
-            <a:avLst/>
-          </a:prstGeom>
-        </p:spPr>
-      </p:pic>
-      <p:pic>
-        <p:nvPicPr>
-          <p:cNvPr id="14" name="Picture 13"/>
-          <p:cNvPicPr>
-            <a:picLocks noChangeAspect="1"/>
-          </p:cNvPicPr>
-          <p:nvPr/>
-        </p:nvPicPr>
-        <p:blipFill>
-          <a:blip r:embed="rId4">
-            <a:extLst>
-              <a:ext uri="{28A0092B-C50C-407E-A947-70E740481C1C}">
-                <a14:useLocalDpi xmlns:a14="http://schemas.microsoft.com/office/drawing/2010/main" val="0"/>
-              </a:ext>
-            </a:extLst>
-          </a:blip>
-          <a:stretch>
-            <a:fillRect/>
-          </a:stretch>
-        </p:blipFill>
-        <p:spPr>
-          <a:xfrm>
-            <a:off x="4214360" y="2613872"/>
-            <a:ext cx="1494871" cy="2207808"/>
-          </a:xfrm>
-          <a:prstGeom prst="rect">
-            <a:avLst/>
-          </a:prstGeom>
-        </p:spPr>
-      </p:pic>
-      <p:pic>
-        <p:nvPicPr>
-          <p:cNvPr id="16" name="Picture 15"/>
-          <p:cNvPicPr>
-            <a:picLocks noChangeAspect="1"/>
-          </p:cNvPicPr>
-          <p:nvPr/>
-        </p:nvPicPr>
-        <p:blipFill>
-          <a:blip r:embed="rId5">
-            <a:extLst>
-              <a:ext uri="{28A0092B-C50C-407E-A947-70E740481C1C}">
-                <a14:useLocalDpi xmlns:a14="http://schemas.microsoft.com/office/drawing/2010/main" val="0"/>
-              </a:ext>
-            </a:extLst>
-          </a:blip>
-          <a:stretch>
-            <a:fillRect/>
-          </a:stretch>
-        </p:blipFill>
-        <p:spPr>
-          <a:xfrm>
-            <a:off x="6239493" y="2613872"/>
-            <a:ext cx="2666435" cy="2207808"/>
-          </a:xfrm>
-          <a:prstGeom prst="rect">
-            <a:avLst/>
-          </a:prstGeom>
-        </p:spPr>
-      </p:pic>
-      <p:sp>
-        <p:nvSpPr>
-          <p:cNvPr id="2" name="TextBox 1"/>
-          <p:cNvSpPr txBox="1"/>
-          <p:nvPr/>
-        </p:nvSpPr>
-        <p:spPr>
-          <a:xfrm>
-            <a:off x="1667681" y="1426005"/>
-            <a:ext cx="1454244" cy="646331"/>
-          </a:xfrm>
-          <a:prstGeom prst="rect">
-            <a:avLst/>
-          </a:prstGeom>
-          <a:noFill/>
-        </p:spPr>
-        <p:txBody>
-          <a:bodyPr wrap="none" rtlCol="0">
-            <a:spAutoFit/>
-          </a:bodyPr>
-          <a:lstStyle/>
-          <a:p>
-            <a:pPr algn="ctr"/>
-            <a:r>
-              <a:rPr lang="en-US" b="1" dirty="0" smtClean="0">
-                <a:solidFill>
-                  <a:srgbClr val="F79646"/>
-                </a:solidFill>
-                <a:latin typeface="Helvetica Neue"/>
-                <a:cs typeface="Helvetica Neue"/>
-              </a:rPr>
-              <a:t>“Growth”:</a:t>
-            </a:r>
-          </a:p>
-          <a:p>
-            <a:pPr algn="ctr"/>
-            <a:r>
-              <a:rPr lang="en-US" b="1" dirty="0" smtClean="0">
-                <a:solidFill>
-                  <a:srgbClr val="F79646"/>
-                </a:solidFill>
-                <a:latin typeface="Helvetica Neue"/>
-                <a:cs typeface="Helvetica Neue"/>
-              </a:rPr>
-              <a:t>Larger Sets</a:t>
-            </a:r>
-            <a:endParaRPr lang="en-US" b="1" dirty="0">
-              <a:solidFill>
-                <a:srgbClr val="F79646"/>
-              </a:solidFill>
-              <a:latin typeface="Helvetica Neue"/>
-              <a:cs typeface="Helvetica Neue"/>
-            </a:endParaRPr>
-          </a:p>
-        </p:txBody>
-      </p:sp>
-      <p:sp>
-        <p:nvSpPr>
-          <p:cNvPr id="15" name="TextBox 14"/>
-          <p:cNvSpPr txBox="1"/>
-          <p:nvPr/>
-        </p:nvSpPr>
-        <p:spPr>
-          <a:xfrm>
-            <a:off x="3907637" y="1426005"/>
-            <a:ext cx="1969203" cy="646331"/>
-          </a:xfrm>
-          <a:prstGeom prst="rect">
-            <a:avLst/>
-          </a:prstGeom>
-          <a:noFill/>
-        </p:spPr>
-        <p:txBody>
-          <a:bodyPr wrap="none" rtlCol="0">
-            <a:spAutoFit/>
-          </a:bodyPr>
-          <a:lstStyle/>
-          <a:p>
-            <a:pPr algn="ctr"/>
-            <a:r>
-              <a:rPr lang="en-US" b="1" dirty="0" smtClean="0">
-                <a:solidFill>
-                  <a:srgbClr val="F79646"/>
-                </a:solidFill>
-                <a:latin typeface="Helvetica Neue"/>
-                <a:cs typeface="Helvetica Neue"/>
-              </a:rPr>
-              <a:t>“Growth”:</a:t>
-            </a:r>
-          </a:p>
-          <a:p>
-            <a:pPr algn="ctr"/>
-            <a:r>
-              <a:rPr lang="en-US" b="1" dirty="0" smtClean="0">
-                <a:solidFill>
-                  <a:srgbClr val="F79646"/>
-                </a:solidFill>
-                <a:latin typeface="Helvetica Neue"/>
-                <a:cs typeface="Helvetica Neue"/>
-              </a:rPr>
-              <a:t>Larger Numbers</a:t>
-            </a:r>
-            <a:endParaRPr lang="en-US" b="1" dirty="0">
-              <a:solidFill>
-                <a:srgbClr val="F79646"/>
-              </a:solidFill>
-              <a:latin typeface="Helvetica Neue"/>
-              <a:cs typeface="Helvetica Neue"/>
-            </a:endParaRPr>
-          </a:p>
-        </p:txBody>
-      </p:sp>
-      <p:sp>
-        <p:nvSpPr>
-          <p:cNvPr id="17" name="TextBox 16"/>
-          <p:cNvSpPr txBox="1"/>
-          <p:nvPr/>
-        </p:nvSpPr>
-        <p:spPr>
-          <a:xfrm>
-            <a:off x="6799928" y="1426005"/>
-            <a:ext cx="1519404" cy="646331"/>
-          </a:xfrm>
-          <a:prstGeom prst="rect">
-            <a:avLst/>
-          </a:prstGeom>
-          <a:noFill/>
-        </p:spPr>
-        <p:txBody>
-          <a:bodyPr wrap="none" rtlCol="0">
-            <a:spAutoFit/>
-          </a:bodyPr>
-          <a:lstStyle/>
-          <a:p>
-            <a:pPr algn="ctr"/>
-            <a:r>
-              <a:rPr lang="en-US" b="1" dirty="0" smtClean="0">
-                <a:solidFill>
-                  <a:srgbClr val="F79646"/>
-                </a:solidFill>
-                <a:latin typeface="Helvetica Neue"/>
-                <a:cs typeface="Helvetica Neue"/>
-              </a:rPr>
-              <a:t>“Growth”:</a:t>
-            </a:r>
-          </a:p>
-          <a:p>
-            <a:pPr algn="ctr"/>
-            <a:r>
-              <a:rPr lang="en-US" b="1" dirty="0" smtClean="0">
-                <a:solidFill>
-                  <a:srgbClr val="F79646"/>
-                </a:solidFill>
-                <a:latin typeface="Helvetica Neue"/>
-                <a:cs typeface="Helvetica Neue"/>
-              </a:rPr>
-              <a:t>false </a:t>
-            </a:r>
-            <a:r>
-              <a:rPr lang="en-US" b="1" dirty="0" smtClean="0">
-                <a:solidFill>
-                  <a:srgbClr val="F79646"/>
-                </a:solidFill>
-                <a:latin typeface="Symbol"/>
-                <a:cs typeface="Helvetica Neue"/>
-                <a:sym typeface="Symbol"/>
-              </a:rPr>
-              <a:t></a:t>
-            </a:r>
-            <a:r>
-              <a:rPr lang="en-US" b="1" dirty="0" smtClean="0">
-                <a:solidFill>
-                  <a:srgbClr val="F79646"/>
-                </a:solidFill>
-                <a:latin typeface="Helvetica Neue"/>
-                <a:cs typeface="Helvetica Neue"/>
-              </a:rPr>
-              <a:t> true</a:t>
-            </a:r>
-            <a:endParaRPr lang="en-US" b="1" dirty="0">
-              <a:solidFill>
-                <a:srgbClr val="F79646"/>
-              </a:solidFill>
-              <a:latin typeface="Helvetica Neue"/>
-              <a:cs typeface="Helvetica Neue"/>
-            </a:endParaRPr>
-          </a:p>
-        </p:txBody>
-      </p:sp>
-    </p:spTree>
-    <p:extLst>
-      <p:ext uri="{BB962C8B-B14F-4D97-AF65-F5344CB8AC3E}">
-        <p14:creationId xmlns:p14="http://schemas.microsoft.com/office/powerpoint/2010/main" val="756821809"/>
-      </p:ext>
-    </p:extLst>
-  </p:cSld>
-  <p:clrMapOvr>
-    <a:masterClrMapping/>
-  </p:clrMapOvr>
-  <p:timing>
-    <p:tnLst>
-      <p:par>
-        <p:cTn xmlns:p14="http://schemas.microsoft.com/office/powerpoint/2010/main" id="1" dur="indefinite" restart="never" nodeType="tmRoot">
-          <p:childTnLst>
-            <p:seq concurrent="1" nextAc="seek">
-              <p:cTn id="2" dur="indefinite" nodeType="mainSeq">
-                <p:childTnLst>
-                  <p:par>
-                    <p:cTn id="3" fill="hold">
-                      <p:stCondLst>
-                        <p:cond delay="indefinite"/>
-                      </p:stCondLst>
-                      <p:childTnLst>
-                        <p:par>
-                          <p:cTn id="4" fill="hold">
-                            <p:stCondLst>
-                              <p:cond delay="0"/>
-                            </p:stCondLst>
-                            <p:childTnLst>
-                              <p:par>
-                                <p:cTn id="5" presetID="1" presetClass="entr" presetSubtype="0" fill="hold" nodeType="clickEffect">
-                                  <p:stCondLst>
-                                    <p:cond delay="0"/>
-                                  </p:stCondLst>
-                                  <p:childTnLst>
-                                    <p:set>
-                                      <p:cBhvr>
-                                        <p:cTn id="6" dur="1" fill="hold">
-                                          <p:stCondLst>
-                                            <p:cond delay="0"/>
-                                          </p:stCondLst>
-                                        </p:cTn>
-                                        <p:tgtEl>
-                                          <p:spTgt spid="14"/>
-                                        </p:tgtEl>
-                                        <p:attrNameLst>
-                                          <p:attrName>style.visibility</p:attrName>
-                                        </p:attrNameLst>
-                                      </p:cBhvr>
-                                      <p:to>
-                                        <p:strVal val="visible"/>
-                                      </p:to>
-                                    </p:set>
-                                  </p:childTnLst>
-                                </p:cTn>
-                              </p:par>
-                              <p:par>
-                                <p:cTn id="7" presetID="1" presetClass="entr" presetSubtype="0" fill="hold" grpId="0" nodeType="withEffect">
-                                  <p:stCondLst>
-                                    <p:cond delay="0"/>
-                                  </p:stCondLst>
-                                  <p:childTnLst>
-                                    <p:set>
-                                      <p:cBhvr>
-                                        <p:cTn id="8" dur="1" fill="hold">
-                                          <p:stCondLst>
-                                            <p:cond delay="0"/>
-                                          </p:stCondLst>
-                                        </p:cTn>
-                                        <p:tgtEl>
-                                          <p:spTgt spid="11"/>
-                                        </p:tgtEl>
-                                        <p:attrNameLst>
-                                          <p:attrName>style.visibility</p:attrName>
-                                        </p:attrNameLst>
-                                      </p:cBhvr>
-                                      <p:to>
-                                        <p:strVal val="visible"/>
-                                      </p:to>
-                                    </p:set>
-                                  </p:childTnLst>
-                                </p:cTn>
-                              </p:par>
-                            </p:childTnLst>
-                          </p:cTn>
-                        </p:par>
-                      </p:childTnLst>
-                    </p:cTn>
-                  </p:par>
-                  <p:par>
-                    <p:cTn id="9" fill="hold">
-                      <p:stCondLst>
-                        <p:cond delay="indefinite"/>
-                      </p:stCondLst>
-                      <p:childTnLst>
-                        <p:par>
-                          <p:cTn id="10" fill="hold">
-                            <p:stCondLst>
-                              <p:cond delay="0"/>
-                            </p:stCondLst>
-                            <p:childTnLst>
-                              <p:par>
-                                <p:cTn id="11" presetID="1" presetClass="entr" presetSubtype="0" fill="hold" nodeType="clickEffect">
-                                  <p:stCondLst>
-                                    <p:cond delay="0"/>
-                                  </p:stCondLst>
-                                  <p:childTnLst>
-                                    <p:set>
-                                      <p:cBhvr>
-                                        <p:cTn id="12" dur="1" fill="hold">
-                                          <p:stCondLst>
-                                            <p:cond delay="0"/>
-                                          </p:stCondLst>
-                                        </p:cTn>
-                                        <p:tgtEl>
-                                          <p:spTgt spid="16"/>
-                                        </p:tgtEl>
-                                        <p:attrNameLst>
-                                          <p:attrName>style.visibility</p:attrName>
-                                        </p:attrNameLst>
-                                      </p:cBhvr>
-                                      <p:to>
-                                        <p:strVal val="visible"/>
-                                      </p:to>
-                                    </p:set>
-                                  </p:childTnLst>
-                                </p:cTn>
-                              </p:par>
-                              <p:par>
-                                <p:cTn id="13" presetID="1" presetClass="entr" presetSubtype="0" fill="hold" grpId="0" nodeType="withEffect">
-                                  <p:stCondLst>
-                                    <p:cond delay="0"/>
-                                  </p:stCondLst>
-                                  <p:childTnLst>
-                                    <p:set>
-                                      <p:cBhvr>
-                                        <p:cTn id="14" dur="1" fill="hold">
-                                          <p:stCondLst>
-                                            <p:cond delay="0"/>
-                                          </p:stCondLst>
-                                        </p:cTn>
-                                        <p:tgtEl>
-                                          <p:spTgt spid="12"/>
-                                        </p:tgtEl>
-                                        <p:attrNameLst>
-                                          <p:attrName>style.visibility</p:attrName>
-                                        </p:attrNameLst>
-                                      </p:cBhvr>
-                                      <p:to>
-                                        <p:strVal val="visible"/>
-                                      </p:to>
-                                    </p:set>
-                                  </p:childTnLst>
-                                </p:cTn>
-                              </p:par>
-                            </p:childTnLst>
-                          </p:cTn>
-                        </p:par>
-                      </p:childTnLst>
-                    </p:cTn>
-                  </p:par>
-                  <p:par>
-                    <p:cTn id="15" fill="hold">
-                      <p:stCondLst>
-                        <p:cond delay="indefinite"/>
-                      </p:stCondLst>
-                      <p:childTnLst>
-                        <p:par>
-                          <p:cTn id="16" fill="hold">
-                            <p:stCondLst>
-                              <p:cond delay="0"/>
-                            </p:stCondLst>
-                            <p:childTnLst>
-                              <p:par>
-                                <p:cTn id="17" presetID="1" presetClass="entr" presetSubtype="0" fill="hold" grpId="0" nodeType="clickEffect">
-                                  <p:stCondLst>
-                                    <p:cond delay="0"/>
-                                  </p:stCondLst>
-                                  <p:childTnLst>
-                                    <p:set>
-                                      <p:cBhvr>
-                                        <p:cTn id="18" dur="1" fill="hold">
-                                          <p:stCondLst>
-                                            <p:cond delay="0"/>
-                                          </p:stCondLst>
-                                        </p:cTn>
-                                        <p:tgtEl>
-                                          <p:spTgt spid="2"/>
-                                        </p:tgtEl>
-                                        <p:attrNameLst>
-                                          <p:attrName>style.visibility</p:attrName>
-                                        </p:attrNameLst>
-                                      </p:cBhvr>
-                                      <p:to>
-                                        <p:strVal val="visible"/>
-                                      </p:to>
-                                    </p:set>
-                                  </p:childTnLst>
-                                </p:cTn>
-                              </p:par>
-                              <p:par>
-                                <p:cTn id="19" presetID="1" presetClass="entr" presetSubtype="0" fill="hold" grpId="0" nodeType="withEffect">
-                                  <p:stCondLst>
-                                    <p:cond delay="0"/>
-                                  </p:stCondLst>
-                                  <p:childTnLst>
-                                    <p:set>
-                                      <p:cBhvr>
-                                        <p:cTn id="20" dur="1" fill="hold">
-                                          <p:stCondLst>
-                                            <p:cond delay="0"/>
-                                          </p:stCondLst>
-                                        </p:cTn>
-                                        <p:tgtEl>
-                                          <p:spTgt spid="15"/>
-                                        </p:tgtEl>
-                                        <p:attrNameLst>
-                                          <p:attrName>style.visibility</p:attrName>
-                                        </p:attrNameLst>
-                                      </p:cBhvr>
-                                      <p:to>
-                                        <p:strVal val="visible"/>
-                                      </p:to>
-                                    </p:set>
-                                  </p:childTnLst>
-                                </p:cTn>
-                              </p:par>
-                              <p:par>
-                                <p:cTn id="21" presetID="1" presetClass="entr" presetSubtype="0" fill="hold" grpId="0" nodeType="withEffect">
-                                  <p:stCondLst>
-                                    <p:cond delay="0"/>
-                                  </p:stCondLst>
-                                  <p:childTnLst>
-                                    <p:set>
-                                      <p:cBhvr>
-                                        <p:cTn id="22" dur="1" fill="hold">
-                                          <p:stCondLst>
-                                            <p:cond delay="0"/>
-                                          </p:stCondLst>
-                                        </p:cTn>
-                                        <p:tgtEl>
-                                          <p:spTgt spid="17"/>
-                                        </p:tgtEl>
-                                        <p:attrNameLst>
-                                          <p:attrName>style.visibility</p:attrName>
-                                        </p:attrNameLst>
-                                      </p:cBhvr>
-                                      <p:to>
-                                        <p:strVal val="visible"/>
-                                      </p:to>
-                                    </p:set>
-                                  </p:childTnLst>
-                                </p:cTn>
-                              </p:par>
-                            </p:childTnLst>
-                          </p:cTn>
-                        </p:par>
-                      </p:childTnLst>
-                    </p:cTn>
-                  </p:par>
-                </p:childTnLst>
-              </p:cTn>
-              <p:prevCondLst>
-                <p:cond evt="onPrev" delay="0">
-                  <p:tgtEl>
-                    <p:sldTgt/>
-                  </p:tgtEl>
-                </p:cond>
-              </p:prevCondLst>
-              <p:nextCondLst>
-                <p:cond evt="onNext" delay="0">
-                  <p:tgtEl>
-                    <p:sldTgt/>
-                  </p:tgtEl>
-                </p:cond>
-              </p:nextCondLst>
-            </p:seq>
-          </p:childTnLst>
-        </p:cTn>
-      </p:par>
-    </p:tnLst>
-    <p:bldLst>
-      <p:bldP spid="11" grpId="0"/>
-      <p:bldP spid="12" grpId="0"/>
-      <p:bldP spid="2" grpId="0"/>
-      <p:bldP spid="15" grpId="0"/>
-      <p:bldP spid="17" grpId="0"/>
-    </p:bldLst>
-  </p:timing>
-</p:sld>
-</file>
-
-<file path=ppt/slides/slide59.xml><?xml version="1.0" encoding="utf-8"?>
-<p:sld xmlns:a="http://schemas.openxmlformats.org/drawingml/2006/main" xmlns:r="http://schemas.openxmlformats.org/officeDocument/2006/relationships" xmlns:p="http://schemas.openxmlformats.org/presentationml/2006/main">
-  <p:cSld>
-    <p:spTree>
-      <p:nvGrpSpPr>
-        <p:cNvPr id="1" name=""/>
-        <p:cNvGrpSpPr/>
-        <p:nvPr/>
-      </p:nvGrpSpPr>
-      <p:grpSpPr>
-        <a:xfrm>
-          <a:off x="0" y="0"/>
-          <a:ext cx="0" cy="0"/>
-          <a:chOff x="0" y="0"/>
-          <a:chExt cx="0" cy="0"/>
-        </a:xfrm>
-      </p:grpSpPr>
-      <p:cxnSp>
-        <p:nvCxnSpPr>
-          <p:cNvPr id="7" name="Straight Arrow Connector 6"/>
-          <p:cNvCxnSpPr/>
-          <p:nvPr/>
-        </p:nvCxnSpPr>
-        <p:spPr>
-          <a:xfrm flipV="1">
-            <a:off x="796471" y="1417640"/>
-            <a:ext cx="13512" cy="4284660"/>
-          </a:xfrm>
-          <a:prstGeom prst="straightConnector1">
-            <a:avLst/>
-          </a:prstGeom>
-          <a:ln>
-            <a:tailEnd type="arrow"/>
-          </a:ln>
-        </p:spPr>
-        <p:style>
-          <a:lnRef idx="2">
-            <a:schemeClr val="accent1"/>
-          </a:lnRef>
-          <a:fillRef idx="0">
-            <a:schemeClr val="accent1"/>
-          </a:fillRef>
-          <a:effectRef idx="1">
-            <a:schemeClr val="accent1"/>
-          </a:effectRef>
-          <a:fontRef idx="minor">
-            <a:schemeClr val="tx1"/>
-          </a:fontRef>
-        </p:style>
-      </p:cxnSp>
-      <p:sp>
-        <p:nvSpPr>
-          <p:cNvPr id="8" name="TextBox 7"/>
-          <p:cNvSpPr txBox="1"/>
-          <p:nvPr/>
-        </p:nvSpPr>
-        <p:spPr>
-          <a:xfrm>
-            <a:off x="335463" y="540474"/>
-            <a:ext cx="1148609" cy="584776"/>
-          </a:xfrm>
-          <a:prstGeom prst="rect">
-            <a:avLst/>
-          </a:prstGeom>
-          <a:noFill/>
-        </p:spPr>
-        <p:txBody>
-          <a:bodyPr wrap="none" rtlCol="0">
-            <a:spAutoFit/>
-          </a:bodyPr>
-          <a:lstStyle/>
-          <a:p>
-            <a:r>
-              <a:rPr lang="en-US" sz="3200" b="1" dirty="0" smtClean="0">
-                <a:latin typeface="Helvetica Neue"/>
-                <a:cs typeface="Helvetica Neue"/>
-              </a:rPr>
-              <a:t>Time</a:t>
-            </a:r>
-            <a:endParaRPr lang="en-US" sz="3200" b="1" dirty="0">
-              <a:latin typeface="Helvetica Neue"/>
-              <a:cs typeface="Helvetica Neue"/>
-            </a:endParaRPr>
-          </a:p>
-        </p:txBody>
-      </p:sp>
-      <p:sp>
-        <p:nvSpPr>
-          <p:cNvPr id="9" name="TextBox 8"/>
-          <p:cNvSpPr txBox="1"/>
-          <p:nvPr/>
-        </p:nvSpPr>
-        <p:spPr>
-          <a:xfrm>
-            <a:off x="1098602" y="5830124"/>
-            <a:ext cx="2514499" cy="830997"/>
-          </a:xfrm>
-          <a:prstGeom prst="rect">
-            <a:avLst/>
-          </a:prstGeom>
-          <a:noFill/>
-        </p:spPr>
-        <p:txBody>
-          <a:bodyPr wrap="none" rtlCol="0">
-            <a:spAutoFit/>
-          </a:bodyPr>
-          <a:lstStyle/>
-          <a:p>
-            <a:pPr algn="ctr"/>
-            <a:r>
-              <a:rPr lang="en-US" sz="2400" b="1" dirty="0" smtClean="0">
-                <a:latin typeface="Helvetica Neue"/>
-                <a:cs typeface="Helvetica Neue"/>
-              </a:rPr>
-              <a:t>Set</a:t>
-            </a:r>
-            <a:br>
-              <a:rPr lang="en-US" sz="2400" b="1" dirty="0" smtClean="0">
-                <a:latin typeface="Helvetica Neue"/>
-                <a:cs typeface="Helvetica Neue"/>
-              </a:rPr>
-            </a:br>
-            <a:r>
-              <a:rPr lang="en-US" sz="2400" b="1" dirty="0" smtClean="0">
-                <a:latin typeface="Helvetica Neue"/>
-                <a:cs typeface="Helvetica Neue"/>
-              </a:rPr>
-              <a:t>(merge = Union)</a:t>
-            </a:r>
-          </a:p>
-        </p:txBody>
-      </p:sp>
-      <p:sp>
-        <p:nvSpPr>
-          <p:cNvPr id="11" name="TextBox 10"/>
-          <p:cNvSpPr txBox="1"/>
-          <p:nvPr/>
-        </p:nvSpPr>
-        <p:spPr>
-          <a:xfrm>
-            <a:off x="4129071" y="5830124"/>
-            <a:ext cx="2275054" cy="830997"/>
-          </a:xfrm>
-          <a:prstGeom prst="rect">
-            <a:avLst/>
-          </a:prstGeom>
-          <a:noFill/>
-        </p:spPr>
-        <p:txBody>
-          <a:bodyPr wrap="none" rtlCol="0">
-            <a:spAutoFit/>
-          </a:bodyPr>
-          <a:lstStyle/>
-          <a:p>
-            <a:pPr algn="ctr"/>
-            <a:r>
-              <a:rPr lang="en-US" sz="2400" b="1" dirty="0" smtClean="0">
-                <a:latin typeface="Helvetica Neue"/>
-                <a:cs typeface="Helvetica Neue"/>
-              </a:rPr>
-              <a:t>Integer</a:t>
-            </a:r>
-            <a:br>
-              <a:rPr lang="en-US" sz="2400" b="1" dirty="0" smtClean="0">
-                <a:latin typeface="Helvetica Neue"/>
-                <a:cs typeface="Helvetica Neue"/>
-              </a:rPr>
-            </a:br>
-            <a:r>
-              <a:rPr lang="en-US" sz="2400" b="1" dirty="0" smtClean="0">
-                <a:latin typeface="Helvetica Neue"/>
-                <a:cs typeface="Helvetica Neue"/>
-              </a:rPr>
-              <a:t>(merge = Max)</a:t>
-            </a:r>
-            <a:endParaRPr lang="en-US" sz="2400" b="1" dirty="0">
-              <a:latin typeface="Helvetica Neue"/>
-              <a:cs typeface="Helvetica Neue"/>
-            </a:endParaRPr>
-          </a:p>
-        </p:txBody>
-      </p:sp>
-      <p:sp>
-        <p:nvSpPr>
-          <p:cNvPr id="12" name="TextBox 11"/>
-          <p:cNvSpPr txBox="1"/>
-          <p:nvPr/>
-        </p:nvSpPr>
-        <p:spPr>
-          <a:xfrm>
-            <a:off x="6631806" y="5830124"/>
-            <a:ext cx="2013141" cy="830997"/>
-          </a:xfrm>
-          <a:prstGeom prst="rect">
-            <a:avLst/>
-          </a:prstGeom>
-          <a:noFill/>
-        </p:spPr>
-        <p:txBody>
-          <a:bodyPr wrap="none" rtlCol="0">
-            <a:spAutoFit/>
-          </a:bodyPr>
-          <a:lstStyle/>
-          <a:p>
-            <a:pPr algn="ctr"/>
-            <a:r>
-              <a:rPr lang="en-US" sz="2400" b="1" dirty="0" smtClean="0">
-                <a:latin typeface="Helvetica Neue"/>
-                <a:cs typeface="Helvetica Neue"/>
-              </a:rPr>
-              <a:t>Boolean</a:t>
-            </a:r>
-            <a:br>
-              <a:rPr lang="en-US" sz="2400" b="1" dirty="0" smtClean="0">
-                <a:latin typeface="Helvetica Neue"/>
-                <a:cs typeface="Helvetica Neue"/>
-              </a:rPr>
-            </a:br>
-            <a:r>
-              <a:rPr lang="en-US" sz="2400" b="1" dirty="0" smtClean="0">
-                <a:latin typeface="Helvetica Neue"/>
-                <a:cs typeface="Helvetica Neue"/>
-              </a:rPr>
-              <a:t>(merge = Or)</a:t>
-            </a:r>
-            <a:endParaRPr lang="en-US" sz="2400" b="1" dirty="0">
-              <a:latin typeface="Helvetica Neue"/>
-              <a:cs typeface="Helvetica Neue"/>
-            </a:endParaRPr>
-          </a:p>
-        </p:txBody>
-      </p:sp>
-      <p:pic>
-        <p:nvPicPr>
-          <p:cNvPr id="41" name="Picture 40"/>
-          <p:cNvPicPr>
-            <a:picLocks noChangeAspect="1"/>
-          </p:cNvPicPr>
-          <p:nvPr/>
-        </p:nvPicPr>
-        <p:blipFill>
-          <a:blip r:embed="rId2">
-            <a:extLst>
-              <a:ext uri="{28A0092B-C50C-407E-A947-70E740481C1C}">
-                <a14:useLocalDpi xmlns:a14="http://schemas.microsoft.com/office/drawing/2010/main" val="0"/>
-              </a:ext>
-            </a:extLst>
-          </a:blip>
-          <a:stretch>
-            <a:fillRect/>
-          </a:stretch>
-        </p:blipFill>
-        <p:spPr>
-          <a:xfrm>
-            <a:off x="1231900" y="2895600"/>
-            <a:ext cx="2247900" cy="1816100"/>
-          </a:xfrm>
-          <a:prstGeom prst="rect">
-            <a:avLst/>
-          </a:prstGeom>
-        </p:spPr>
-      </p:pic>
-      <p:pic>
-        <p:nvPicPr>
-          <p:cNvPr id="42" name="Picture 41" descr="monotone_max.pdf"/>
-          <p:cNvPicPr>
-            <a:picLocks noChangeAspect="1"/>
-          </p:cNvPicPr>
-          <p:nvPr/>
-        </p:nvPicPr>
-        <p:blipFill>
-          <a:blip r:embed="rId3">
-            <a:extLst>
-              <a:ext uri="{28A0092B-C50C-407E-A947-70E740481C1C}">
-                <a14:useLocalDpi xmlns:a14="http://schemas.microsoft.com/office/drawing/2010/main" val="0"/>
-              </a:ext>
-            </a:extLst>
-          </a:blip>
-          <a:stretch>
-            <a:fillRect/>
-          </a:stretch>
-        </p:blipFill>
-        <p:spPr>
-          <a:xfrm>
-            <a:off x="4885598" y="2895600"/>
-            <a:ext cx="762000" cy="1816100"/>
-          </a:xfrm>
-          <a:prstGeom prst="rect">
-            <a:avLst/>
-          </a:prstGeom>
-        </p:spPr>
-      </p:pic>
-      <p:pic>
-        <p:nvPicPr>
-          <p:cNvPr id="43" name="Picture 42" descr="monotone_bool.pdf"/>
-          <p:cNvPicPr>
-            <a:picLocks noChangeAspect="1"/>
-          </p:cNvPicPr>
-          <p:nvPr/>
-        </p:nvPicPr>
-        <p:blipFill>
-          <a:blip r:embed="rId4">
-            <a:extLst>
-              <a:ext uri="{28A0092B-C50C-407E-A947-70E740481C1C}">
-                <a14:useLocalDpi xmlns:a14="http://schemas.microsoft.com/office/drawing/2010/main" val="0"/>
-              </a:ext>
-            </a:extLst>
-          </a:blip>
-          <a:stretch>
-            <a:fillRect/>
-          </a:stretch>
-        </p:blipFill>
-        <p:spPr>
-          <a:xfrm>
-            <a:off x="6876376" y="2895600"/>
-            <a:ext cx="1524000" cy="1816100"/>
-          </a:xfrm>
-          <a:prstGeom prst="rect">
-            <a:avLst/>
-          </a:prstGeom>
-        </p:spPr>
-      </p:pic>
-      <p:cxnSp>
-        <p:nvCxnSpPr>
-          <p:cNvPr id="46" name="Straight Arrow Connector 45"/>
-          <p:cNvCxnSpPr/>
-          <p:nvPr/>
-        </p:nvCxnSpPr>
-        <p:spPr>
-          <a:xfrm>
-            <a:off x="3632200" y="3822700"/>
-            <a:ext cx="1020698" cy="0"/>
-          </a:xfrm>
-          <a:prstGeom prst="straightConnector1">
-            <a:avLst/>
-          </a:prstGeom>
-          <a:ln>
-            <a:tailEnd type="arrow"/>
-          </a:ln>
-        </p:spPr>
-        <p:style>
-          <a:lnRef idx="2">
-            <a:schemeClr val="accent1"/>
-          </a:lnRef>
-          <a:fillRef idx="0">
-            <a:schemeClr val="accent1"/>
-          </a:fillRef>
-          <a:effectRef idx="1">
-            <a:schemeClr val="accent1"/>
-          </a:effectRef>
-          <a:fontRef idx="minor">
-            <a:schemeClr val="tx1"/>
-          </a:fontRef>
-        </p:style>
-      </p:cxnSp>
-      <p:cxnSp>
-        <p:nvCxnSpPr>
-          <p:cNvPr id="48" name="Straight Arrow Connector 47"/>
-          <p:cNvCxnSpPr/>
-          <p:nvPr/>
-        </p:nvCxnSpPr>
-        <p:spPr>
-          <a:xfrm>
-            <a:off x="5774987" y="3822700"/>
-            <a:ext cx="1020698" cy="0"/>
-          </a:xfrm>
-          <a:prstGeom prst="straightConnector1">
-            <a:avLst/>
-          </a:prstGeom>
-          <a:ln>
-            <a:tailEnd type="arrow"/>
-          </a:ln>
-        </p:spPr>
-        <p:style>
-          <a:lnRef idx="2">
-            <a:schemeClr val="accent1"/>
-          </a:lnRef>
-          <a:fillRef idx="0">
-            <a:schemeClr val="accent1"/>
-          </a:fillRef>
-          <a:effectRef idx="1">
-            <a:schemeClr val="accent1"/>
-          </a:effectRef>
-          <a:fontRef idx="minor">
-            <a:schemeClr val="tx1"/>
-          </a:fontRef>
-        </p:style>
-      </p:cxnSp>
-      <p:sp>
-        <p:nvSpPr>
-          <p:cNvPr id="49" name="TextBox 48"/>
-          <p:cNvSpPr txBox="1"/>
-          <p:nvPr/>
-        </p:nvSpPr>
-        <p:spPr>
-          <a:xfrm>
-            <a:off x="3733800" y="3213100"/>
-            <a:ext cx="757119" cy="369332"/>
-          </a:xfrm>
-          <a:prstGeom prst="rect">
-            <a:avLst/>
-          </a:prstGeom>
-          <a:noFill/>
-        </p:spPr>
-        <p:txBody>
-          <a:bodyPr wrap="none" rtlCol="0">
-            <a:spAutoFit/>
-          </a:bodyPr>
-          <a:lstStyle/>
-          <a:p>
-            <a:r>
-              <a:rPr lang="en-US" b="1" dirty="0" smtClean="0">
-                <a:latin typeface="Helvetica Neue"/>
-                <a:cs typeface="Helvetica Neue"/>
-              </a:rPr>
-              <a:t>size()</a:t>
-            </a:r>
-            <a:endParaRPr lang="en-US" b="1" dirty="0">
-              <a:latin typeface="Helvetica Neue"/>
-              <a:cs typeface="Helvetica Neue"/>
-            </a:endParaRPr>
-          </a:p>
-        </p:txBody>
-      </p:sp>
-      <p:sp>
-        <p:nvSpPr>
-          <p:cNvPr id="50" name="TextBox 49"/>
-          <p:cNvSpPr txBox="1"/>
-          <p:nvPr/>
-        </p:nvSpPr>
-        <p:spPr>
-          <a:xfrm>
-            <a:off x="5951611" y="3225800"/>
-            <a:ext cx="659155" cy="369332"/>
-          </a:xfrm>
-          <a:prstGeom prst="rect">
-            <a:avLst/>
-          </a:prstGeom>
-          <a:noFill/>
-        </p:spPr>
-        <p:txBody>
-          <a:bodyPr wrap="none" rtlCol="0">
-            <a:spAutoFit/>
-          </a:bodyPr>
-          <a:lstStyle/>
-          <a:p>
-            <a:r>
-              <a:rPr lang="en-US" b="1" dirty="0" smtClean="0">
-                <a:latin typeface="Helvetica Neue"/>
-                <a:cs typeface="Helvetica Neue"/>
-              </a:rPr>
-              <a:t>&gt;= 5</a:t>
-            </a:r>
-            <a:endParaRPr lang="en-US" b="1" dirty="0">
-              <a:latin typeface="Helvetica Neue"/>
-              <a:cs typeface="Helvetica Neue"/>
-            </a:endParaRPr>
-          </a:p>
-        </p:txBody>
-      </p:sp>
-      <p:sp>
-        <p:nvSpPr>
-          <p:cNvPr id="51" name="TextBox 50"/>
-          <p:cNvSpPr txBox="1"/>
-          <p:nvPr/>
-        </p:nvSpPr>
-        <p:spPr>
-          <a:xfrm>
-            <a:off x="2932964" y="1659108"/>
-            <a:ext cx="2283487" cy="646331"/>
-          </a:xfrm>
-          <a:prstGeom prst="rect">
-            <a:avLst/>
-          </a:prstGeom>
-          <a:noFill/>
-        </p:spPr>
-        <p:txBody>
-          <a:bodyPr wrap="none" rtlCol="0">
-            <a:spAutoFit/>
-          </a:bodyPr>
-          <a:lstStyle/>
-          <a:p>
-            <a:r>
-              <a:rPr lang="en-US" b="1" dirty="0" smtClean="0">
-                <a:solidFill>
-                  <a:schemeClr val="accent6"/>
-                </a:solidFill>
-                <a:latin typeface="Helvetica Neue"/>
-                <a:cs typeface="Helvetica Neue"/>
-              </a:rPr>
-              <a:t>Monotone function</a:t>
-            </a:r>
-            <a:br>
-              <a:rPr lang="en-US" b="1" dirty="0" smtClean="0">
-                <a:solidFill>
-                  <a:schemeClr val="accent6"/>
-                </a:solidFill>
-                <a:latin typeface="Helvetica Neue"/>
-                <a:cs typeface="Helvetica Neue"/>
-              </a:rPr>
-            </a:br>
-            <a:r>
-              <a:rPr lang="en-US" b="1" dirty="0" smtClean="0">
-                <a:solidFill>
-                  <a:schemeClr val="accent6"/>
-                </a:solidFill>
-                <a:latin typeface="Helvetica Neue"/>
-                <a:cs typeface="Helvetica Neue"/>
-              </a:rPr>
-              <a:t>from set </a:t>
-            </a:r>
-            <a:r>
-              <a:rPr lang="en-US" b="1" dirty="0" smtClean="0">
-                <a:solidFill>
-                  <a:schemeClr val="accent6"/>
-                </a:solidFill>
-                <a:latin typeface="Symbol"/>
-                <a:cs typeface="Helvetica Neue"/>
-                <a:sym typeface="Symbol"/>
-              </a:rPr>
-              <a:t></a:t>
-            </a:r>
-            <a:r>
-              <a:rPr lang="en-US" b="1" dirty="0" smtClean="0">
-                <a:solidFill>
-                  <a:schemeClr val="accent6"/>
-                </a:solidFill>
-                <a:latin typeface="Helvetica Neue"/>
-                <a:cs typeface="Helvetica Neue"/>
-              </a:rPr>
-              <a:t> max</a:t>
-            </a:r>
-            <a:endParaRPr lang="en-US" b="1" dirty="0">
-              <a:solidFill>
-                <a:schemeClr val="accent6"/>
-              </a:solidFill>
-              <a:latin typeface="Helvetica Neue"/>
-              <a:cs typeface="Helvetica Neue"/>
-            </a:endParaRPr>
-          </a:p>
-        </p:txBody>
-      </p:sp>
-      <p:sp>
-        <p:nvSpPr>
-          <p:cNvPr id="52" name="TextBox 51"/>
-          <p:cNvSpPr txBox="1"/>
-          <p:nvPr/>
-        </p:nvSpPr>
-        <p:spPr>
-          <a:xfrm>
-            <a:off x="5584095" y="1659108"/>
-            <a:ext cx="2480582" cy="646331"/>
-          </a:xfrm>
-          <a:prstGeom prst="rect">
-            <a:avLst/>
-          </a:prstGeom>
-          <a:noFill/>
-        </p:spPr>
-        <p:txBody>
-          <a:bodyPr wrap="none" rtlCol="0">
-            <a:spAutoFit/>
-          </a:bodyPr>
-          <a:lstStyle/>
-          <a:p>
-            <a:r>
-              <a:rPr lang="en-US" b="1" dirty="0" smtClean="0">
-                <a:solidFill>
-                  <a:schemeClr val="accent6"/>
-                </a:solidFill>
-                <a:latin typeface="Helvetica Neue"/>
-                <a:cs typeface="Helvetica Neue"/>
-              </a:rPr>
-              <a:t>Monotone function</a:t>
-            </a:r>
-            <a:br>
-              <a:rPr lang="en-US" b="1" dirty="0" smtClean="0">
-                <a:solidFill>
-                  <a:schemeClr val="accent6"/>
-                </a:solidFill>
-                <a:latin typeface="Helvetica Neue"/>
-                <a:cs typeface="Helvetica Neue"/>
-              </a:rPr>
-            </a:br>
-            <a:r>
-              <a:rPr lang="en-US" b="1" dirty="0" smtClean="0">
-                <a:solidFill>
-                  <a:schemeClr val="accent6"/>
-                </a:solidFill>
-                <a:latin typeface="Helvetica Neue"/>
-                <a:cs typeface="Helvetica Neue"/>
-              </a:rPr>
-              <a:t>from max </a:t>
-            </a:r>
-            <a:r>
-              <a:rPr lang="en-US" b="1" dirty="0" smtClean="0">
-                <a:solidFill>
-                  <a:schemeClr val="accent6"/>
-                </a:solidFill>
-                <a:latin typeface="Symbol"/>
-                <a:cs typeface="Helvetica Neue"/>
-                <a:sym typeface="Symbol"/>
-              </a:rPr>
-              <a:t></a:t>
-            </a:r>
-            <a:r>
-              <a:rPr lang="en-US" b="1" dirty="0" smtClean="0">
-                <a:solidFill>
-                  <a:schemeClr val="accent6"/>
-                </a:solidFill>
-                <a:latin typeface="Helvetica Neue"/>
-                <a:cs typeface="Helvetica Neue"/>
-              </a:rPr>
-              <a:t> </a:t>
-            </a:r>
-            <a:r>
-              <a:rPr lang="en-US" b="1" dirty="0" err="1" smtClean="0">
-                <a:solidFill>
-                  <a:schemeClr val="accent6"/>
-                </a:solidFill>
-                <a:latin typeface="Helvetica Neue"/>
-                <a:cs typeface="Helvetica Neue"/>
-              </a:rPr>
-              <a:t>boolean</a:t>
-            </a:r>
-            <a:endParaRPr lang="en-US" b="1" dirty="0">
-              <a:solidFill>
-                <a:schemeClr val="accent6"/>
-              </a:solidFill>
-              <a:latin typeface="Helvetica Neue"/>
-              <a:cs typeface="Helvetica Neue"/>
-            </a:endParaRPr>
-          </a:p>
-        </p:txBody>
-      </p:sp>
-    </p:spTree>
-    <p:extLst>
-      <p:ext uri="{BB962C8B-B14F-4D97-AF65-F5344CB8AC3E}">
-        <p14:creationId xmlns:p14="http://schemas.microsoft.com/office/powerpoint/2010/main" val="4091359321"/>
-      </p:ext>
-    </p:extLst>
-  </p:cSld>
-  <p:clrMapOvr>
-    <a:masterClrMapping/>
-  </p:clrMapOvr>
-  <p:timing>
-    <p:tnLst>
-      <p:par>
-        <p:cTn xmlns:p14="http://schemas.microsoft.com/office/powerpoint/2010/main" id="1" dur="indefinite" restart="never" nodeType="tmRoot">
-          <p:childTnLst>
-            <p:seq concurrent="1" nextAc="seek">
-              <p:cTn id="2" dur="indefinite" nodeType="mainSeq">
-                <p:childTnLst>
-                  <p:par>
-                    <p:cTn id="3" fill="hold">
-                      <p:stCondLst>
-                        <p:cond delay="indefinite"/>
-                      </p:stCondLst>
-                      <p:childTnLst>
-                        <p:par>
-                          <p:cTn id="4" fill="hold">
-                            <p:stCondLst>
-                              <p:cond delay="0"/>
-                            </p:stCondLst>
-                            <p:childTnLst>
-                              <p:par>
-                                <p:cTn id="5" presetID="1" presetClass="entr" presetSubtype="0" fill="hold" nodeType="clickEffect">
-                                  <p:stCondLst>
-                                    <p:cond delay="0"/>
-                                  </p:stCondLst>
-                                  <p:childTnLst>
-                                    <p:set>
-                                      <p:cBhvr>
-                                        <p:cTn id="6" dur="1" fill="hold">
-                                          <p:stCondLst>
-                                            <p:cond delay="0"/>
-                                          </p:stCondLst>
-                                        </p:cTn>
-                                        <p:tgtEl>
-                                          <p:spTgt spid="46"/>
-                                        </p:tgtEl>
-                                        <p:attrNameLst>
-                                          <p:attrName>style.visibility</p:attrName>
-                                        </p:attrNameLst>
-                                      </p:cBhvr>
-                                      <p:to>
-                                        <p:strVal val="visible"/>
-                                      </p:to>
-                                    </p:set>
-                                  </p:childTnLst>
-                                </p:cTn>
-                              </p:par>
-                              <p:par>
-                                <p:cTn id="7" presetID="1" presetClass="entr" presetSubtype="0" fill="hold" grpId="0" nodeType="withEffect">
-                                  <p:stCondLst>
-                                    <p:cond delay="0"/>
-                                  </p:stCondLst>
-                                  <p:childTnLst>
-                                    <p:set>
-                                      <p:cBhvr>
-                                        <p:cTn id="8" dur="1" fill="hold">
-                                          <p:stCondLst>
-                                            <p:cond delay="0"/>
-                                          </p:stCondLst>
-                                        </p:cTn>
-                                        <p:tgtEl>
-                                          <p:spTgt spid="49"/>
-                                        </p:tgtEl>
-                                        <p:attrNameLst>
-                                          <p:attrName>style.visibility</p:attrName>
-                                        </p:attrNameLst>
-                                      </p:cBhvr>
-                                      <p:to>
-                                        <p:strVal val="visible"/>
-                                      </p:to>
-                                    </p:set>
-                                  </p:childTnLst>
-                                </p:cTn>
-                              </p:par>
-                              <p:par>
-                                <p:cTn id="9" presetID="1" presetClass="entr" presetSubtype="0" fill="hold" nodeType="withEffect">
-                                  <p:stCondLst>
-                                    <p:cond delay="0"/>
-                                  </p:stCondLst>
-                                  <p:childTnLst>
-                                    <p:set>
-                                      <p:cBhvr>
-                                        <p:cTn id="10" dur="1" fill="hold">
-                                          <p:stCondLst>
-                                            <p:cond delay="0"/>
-                                          </p:stCondLst>
-                                        </p:cTn>
-                                        <p:tgtEl>
-                                          <p:spTgt spid="42"/>
-                                        </p:tgtEl>
-                                        <p:attrNameLst>
-                                          <p:attrName>style.visibility</p:attrName>
-                                        </p:attrNameLst>
-                                      </p:cBhvr>
-                                      <p:to>
-                                        <p:strVal val="visible"/>
-                                      </p:to>
-                                    </p:set>
-                                  </p:childTnLst>
-                                </p:cTn>
-                              </p:par>
-                              <p:par>
-                                <p:cTn id="11" presetID="1" presetClass="entr" presetSubtype="0" fill="hold" grpId="0" nodeType="withEffect">
-                                  <p:stCondLst>
-                                    <p:cond delay="0"/>
-                                  </p:stCondLst>
-                                  <p:childTnLst>
-                                    <p:set>
-                                      <p:cBhvr>
-                                        <p:cTn id="12" dur="1" fill="hold">
-                                          <p:stCondLst>
-                                            <p:cond delay="0"/>
-                                          </p:stCondLst>
-                                        </p:cTn>
-                                        <p:tgtEl>
-                                          <p:spTgt spid="51"/>
-                                        </p:tgtEl>
-                                        <p:attrNameLst>
-                                          <p:attrName>style.visibility</p:attrName>
-                                        </p:attrNameLst>
-                                      </p:cBhvr>
-                                      <p:to>
-                                        <p:strVal val="visible"/>
-                                      </p:to>
-                                    </p:set>
-                                  </p:childTnLst>
-                                </p:cTn>
-                              </p:par>
-                            </p:childTnLst>
-                          </p:cTn>
-                        </p:par>
-                      </p:childTnLst>
-                    </p:cTn>
-                  </p:par>
-                  <p:par>
-                    <p:cTn id="13" fill="hold">
-                      <p:stCondLst>
-                        <p:cond delay="indefinite"/>
-                      </p:stCondLst>
-                      <p:childTnLst>
-                        <p:par>
-                          <p:cTn id="14" fill="hold">
-                            <p:stCondLst>
-                              <p:cond delay="0"/>
-                            </p:stCondLst>
-                            <p:childTnLst>
-                              <p:par>
-                                <p:cTn id="15" presetID="1" presetClass="entr" presetSubtype="0" fill="hold" grpId="0" nodeType="clickEffect">
-                                  <p:stCondLst>
-                                    <p:cond delay="0"/>
-                                  </p:stCondLst>
-                                  <p:childTnLst>
-                                    <p:set>
-                                      <p:cBhvr>
-                                        <p:cTn id="16" dur="1" fill="hold">
-                                          <p:stCondLst>
-                                            <p:cond delay="0"/>
-                                          </p:stCondLst>
-                                        </p:cTn>
-                                        <p:tgtEl>
-                                          <p:spTgt spid="50"/>
-                                        </p:tgtEl>
-                                        <p:attrNameLst>
-                                          <p:attrName>style.visibility</p:attrName>
-                                        </p:attrNameLst>
-                                      </p:cBhvr>
-                                      <p:to>
-                                        <p:strVal val="visible"/>
-                                      </p:to>
-                                    </p:set>
-                                  </p:childTnLst>
-                                </p:cTn>
-                              </p:par>
-                              <p:par>
-                                <p:cTn id="17" presetID="1" presetClass="entr" presetSubtype="0" fill="hold" nodeType="withEffect">
-                                  <p:stCondLst>
-                                    <p:cond delay="0"/>
-                                  </p:stCondLst>
-                                  <p:childTnLst>
-                                    <p:set>
-                                      <p:cBhvr>
-                                        <p:cTn id="18" dur="1" fill="hold">
-                                          <p:stCondLst>
-                                            <p:cond delay="0"/>
-                                          </p:stCondLst>
-                                        </p:cTn>
-                                        <p:tgtEl>
-                                          <p:spTgt spid="48"/>
-                                        </p:tgtEl>
-                                        <p:attrNameLst>
-                                          <p:attrName>style.visibility</p:attrName>
-                                        </p:attrNameLst>
-                                      </p:cBhvr>
-                                      <p:to>
-                                        <p:strVal val="visible"/>
-                                      </p:to>
-                                    </p:set>
-                                  </p:childTnLst>
-                                </p:cTn>
-                              </p:par>
-                              <p:par>
-                                <p:cTn id="19" presetID="1" presetClass="entr" presetSubtype="0" fill="hold" nodeType="withEffect">
-                                  <p:stCondLst>
-                                    <p:cond delay="0"/>
-                                  </p:stCondLst>
-                                  <p:childTnLst>
-                                    <p:set>
-                                      <p:cBhvr>
-                                        <p:cTn id="20" dur="1" fill="hold">
-                                          <p:stCondLst>
-                                            <p:cond delay="0"/>
-                                          </p:stCondLst>
-                                        </p:cTn>
-                                        <p:tgtEl>
-                                          <p:spTgt spid="43"/>
-                                        </p:tgtEl>
-                                        <p:attrNameLst>
-                                          <p:attrName>style.visibility</p:attrName>
-                                        </p:attrNameLst>
-                                      </p:cBhvr>
-                                      <p:to>
-                                        <p:strVal val="visible"/>
-                                      </p:to>
-                                    </p:set>
-                                  </p:childTnLst>
-                                </p:cTn>
-                              </p:par>
-                              <p:par>
-                                <p:cTn id="21" presetID="1" presetClass="entr" presetSubtype="0" fill="hold" grpId="0" nodeType="withEffect">
-                                  <p:stCondLst>
-                                    <p:cond delay="0"/>
-                                  </p:stCondLst>
-                                  <p:childTnLst>
-                                    <p:set>
-                                      <p:cBhvr>
-                                        <p:cTn id="22" dur="1" fill="hold">
-                                          <p:stCondLst>
-                                            <p:cond delay="0"/>
-                                          </p:stCondLst>
-                                        </p:cTn>
-                                        <p:tgtEl>
-                                          <p:spTgt spid="12"/>
-                                        </p:tgtEl>
-                                        <p:attrNameLst>
-                                          <p:attrName>style.visibility</p:attrName>
-                                        </p:attrNameLst>
-                                      </p:cBhvr>
-                                      <p:to>
-                                        <p:strVal val="visible"/>
-                                      </p:to>
-                                    </p:set>
-                                  </p:childTnLst>
-                                </p:cTn>
-                              </p:par>
-                              <p:par>
-                                <p:cTn id="23" presetID="1" presetClass="entr" presetSubtype="0" fill="hold" grpId="0" nodeType="withEffect">
-                                  <p:stCondLst>
-                                    <p:cond delay="0"/>
-                                  </p:stCondLst>
-                                  <p:childTnLst>
-                                    <p:set>
-                                      <p:cBhvr>
-                                        <p:cTn id="24" dur="1" fill="hold">
-                                          <p:stCondLst>
-                                            <p:cond delay="0"/>
-                                          </p:stCondLst>
-                                        </p:cTn>
-                                        <p:tgtEl>
-                                          <p:spTgt spid="52"/>
-                                        </p:tgtEl>
-                                        <p:attrNameLst>
-                                          <p:attrName>style.visibility</p:attrName>
-                                        </p:attrNameLst>
-                                      </p:cBhvr>
-                                      <p:to>
-                                        <p:strVal val="visible"/>
-                                      </p:to>
-                                    </p:set>
-                                  </p:childTnLst>
-                                </p:cTn>
-                              </p:par>
-                            </p:childTnLst>
-                          </p:cTn>
-                        </p:par>
-                      </p:childTnLst>
-                    </p:cTn>
-                  </p:par>
-                </p:childTnLst>
-              </p:cTn>
-              <p:prevCondLst>
-                <p:cond evt="onPrev" delay="0">
-                  <p:tgtEl>
-                    <p:sldTgt/>
-                  </p:tgtEl>
-                </p:cond>
-              </p:prevCondLst>
-              <p:nextCondLst>
-                <p:cond evt="onNext" delay="0">
-                  <p:tgtEl>
-                    <p:sldTgt/>
-                  </p:tgtEl>
-                </p:cond>
-              </p:nextCondLst>
-            </p:seq>
-          </p:childTnLst>
-        </p:cTn>
-      </p:par>
-    </p:tnLst>
-    <p:bldLst>
-      <p:bldP spid="12" grpId="0"/>
-      <p:bldP spid="49" grpId="0"/>
-      <p:bldP spid="50" grpId="0"/>
-      <p:bldP spid="51" grpId="0"/>
-      <p:bldP spid="52" grpId="0"/>
     </p:bldLst>
   </p:timing>
 </p:sld>
@@ -30111,7 +28067,6 @@
               <a:rPr lang="en-US" sz="1400" dirty="0"/>
               <a:t>Dinner = pizza</a:t>
             </a:r>
-            <a:endParaRPr lang="en-US" sz="1400" dirty="0"/>
           </a:p>
         </p:txBody>
       </p:sp>
@@ -30141,7 +28096,6 @@
               <a:rPr lang="en-US" sz="1400" dirty="0"/>
               <a:t>Dinner = pizza</a:t>
             </a:r>
-            <a:endParaRPr lang="en-US" sz="1400" dirty="0"/>
           </a:p>
         </p:txBody>
       </p:sp>
@@ -30171,7 +28125,6 @@
               <a:rPr lang="en-US" sz="1400" dirty="0"/>
               <a:t>Dinner = pizza</a:t>
             </a:r>
-            <a:endParaRPr lang="en-US" sz="1400" dirty="0"/>
           </a:p>
         </p:txBody>
       </p:sp>
@@ -31045,6 +28998,2564 @@
 </file>
 
 <file path=ppt/slides/slide60.xml><?xml version="1.0" encoding="utf-8"?>
+<p:sld xmlns:a="http://schemas.openxmlformats.org/drawingml/2006/main" xmlns:r="http://schemas.openxmlformats.org/officeDocument/2006/relationships" xmlns:p="http://schemas.openxmlformats.org/presentationml/2006/main">
+  <p:cSld>
+    <p:spTree>
+      <p:nvGrpSpPr>
+        <p:cNvPr id="1" name=""/>
+        <p:cNvGrpSpPr/>
+        <p:nvPr/>
+      </p:nvGrpSpPr>
+      <p:grpSpPr>
+        <a:xfrm>
+          <a:off x="0" y="0"/>
+          <a:ext cx="0" cy="0"/>
+          <a:chOff x="0" y="0"/>
+          <a:chExt cx="0" cy="0"/>
+        </a:xfrm>
+      </p:grpSpPr>
+      <p:sp>
+        <p:nvSpPr>
+          <p:cNvPr id="2" name="Title 1"/>
+          <p:cNvSpPr>
+            <a:spLocks noGrp="1"/>
+          </p:cNvSpPr>
+          <p:nvPr>
+            <p:ph type="title"/>
+          </p:nvPr>
+        </p:nvSpPr>
+        <p:spPr/>
+        <p:txBody>
+          <a:bodyPr/>
+          <a:lstStyle/>
+          <a:p>
+            <a:r>
+              <a:rPr lang="en-US" dirty="0" smtClean="0"/>
+              <a:t>CALM Analysis</a:t>
+            </a:r>
+            <a:endParaRPr lang="en-US" dirty="0"/>
+          </a:p>
+        </p:txBody>
+      </p:sp>
+      <p:sp>
+        <p:nvSpPr>
+          <p:cNvPr id="3" name="Content Placeholder 2"/>
+          <p:cNvSpPr>
+            <a:spLocks noGrp="1"/>
+          </p:cNvSpPr>
+          <p:nvPr>
+            <p:ph idx="1"/>
+          </p:nvPr>
+        </p:nvSpPr>
+        <p:spPr>
+          <a:ln>
+            <a:noFill/>
+          </a:ln>
+        </p:spPr>
+        <p:txBody>
+          <a:bodyPr/>
+          <a:lstStyle/>
+          <a:p>
+            <a:r>
+              <a:rPr lang="en-US" dirty="0" smtClean="0"/>
+              <a:t>Asynchrony =&gt; loss of order</a:t>
+            </a:r>
+          </a:p>
+          <a:p>
+            <a:r>
+              <a:rPr lang="en-US" dirty="0" err="1" smtClean="0"/>
+              <a:t>Nonmonotonicity</a:t>
+            </a:r>
+            <a:r>
+              <a:rPr lang="en-US" dirty="0" smtClean="0"/>
+              <a:t> =&gt; order-sensitivity</a:t>
+            </a:r>
+          </a:p>
+          <a:p>
+            <a:r>
+              <a:rPr lang="en-US" dirty="0" smtClean="0"/>
+              <a:t>Asynchrony ; </a:t>
+            </a:r>
+            <a:r>
+              <a:rPr lang="en-US" dirty="0" err="1" smtClean="0"/>
+              <a:t>Nonmonotonicity</a:t>
+            </a:r>
+            <a:r>
+              <a:rPr lang="en-US" dirty="0" smtClean="0"/>
+              <a:t> =&gt; 					    Inconsistency</a:t>
+            </a:r>
+            <a:endParaRPr lang="en-US" dirty="0"/>
+          </a:p>
+        </p:txBody>
+      </p:sp>
+      <p:sp>
+        <p:nvSpPr>
+          <p:cNvPr id="4" name="Oval 3"/>
+          <p:cNvSpPr/>
+          <p:nvPr/>
+        </p:nvSpPr>
+        <p:spPr>
+          <a:xfrm>
+            <a:off x="252805" y="5418277"/>
+            <a:ext cx="1135149" cy="1091342"/>
+          </a:xfrm>
+          <a:prstGeom prst="ellipse">
+            <a:avLst/>
+          </a:prstGeom>
+          <a:noFill/>
+        </p:spPr>
+        <p:style>
+          <a:lnRef idx="1">
+            <a:schemeClr val="accent1"/>
+          </a:lnRef>
+          <a:fillRef idx="3">
+            <a:schemeClr val="accent1"/>
+          </a:fillRef>
+          <a:effectRef idx="2">
+            <a:schemeClr val="accent1"/>
+          </a:effectRef>
+          <a:fontRef idx="minor">
+            <a:schemeClr val="lt1"/>
+          </a:fontRef>
+        </p:style>
+        <p:txBody>
+          <a:bodyPr rtlCol="0" anchor="ctr"/>
+          <a:lstStyle/>
+          <a:p>
+            <a:pPr algn="ctr"/>
+            <a:endParaRPr lang="en-US" dirty="0"/>
+          </a:p>
+        </p:txBody>
+      </p:sp>
+      <p:sp>
+        <p:nvSpPr>
+          <p:cNvPr id="5" name="Oval 4"/>
+          <p:cNvSpPr/>
+          <p:nvPr/>
+        </p:nvSpPr>
+        <p:spPr>
+          <a:xfrm>
+            <a:off x="2220662" y="5418277"/>
+            <a:ext cx="1135149" cy="1091342"/>
+          </a:xfrm>
+          <a:prstGeom prst="ellipse">
+            <a:avLst/>
+          </a:prstGeom>
+          <a:noFill/>
+          <a:ln>
+            <a:solidFill>
+              <a:srgbClr val="FF6600"/>
+            </a:solidFill>
+          </a:ln>
+        </p:spPr>
+        <p:style>
+          <a:lnRef idx="1">
+            <a:schemeClr val="accent1"/>
+          </a:lnRef>
+          <a:fillRef idx="3">
+            <a:schemeClr val="accent1"/>
+          </a:fillRef>
+          <a:effectRef idx="2">
+            <a:schemeClr val="accent1"/>
+          </a:effectRef>
+          <a:fontRef idx="minor">
+            <a:schemeClr val="lt1"/>
+          </a:fontRef>
+        </p:style>
+        <p:txBody>
+          <a:bodyPr rtlCol="0" anchor="ctr"/>
+          <a:lstStyle/>
+          <a:p>
+            <a:pPr algn="ctr"/>
+            <a:endParaRPr lang="en-US" dirty="0">
+              <a:solidFill>
+                <a:srgbClr val="FFFF00"/>
+              </a:solidFill>
+            </a:endParaRPr>
+          </a:p>
+        </p:txBody>
+      </p:sp>
+      <p:sp>
+        <p:nvSpPr>
+          <p:cNvPr id="6" name="Oval 5"/>
+          <p:cNvSpPr/>
+          <p:nvPr/>
+        </p:nvSpPr>
+        <p:spPr>
+          <a:xfrm>
+            <a:off x="6705377" y="5418277"/>
+            <a:ext cx="1136500" cy="1119352"/>
+          </a:xfrm>
+          <a:prstGeom prst="ellipse">
+            <a:avLst/>
+          </a:prstGeom>
+          <a:noFill/>
+          <a:ln w="34925">
+            <a:solidFill>
+              <a:srgbClr val="FF0000"/>
+            </a:solidFill>
+          </a:ln>
+        </p:spPr>
+        <p:style>
+          <a:lnRef idx="1">
+            <a:schemeClr val="accent1"/>
+          </a:lnRef>
+          <a:fillRef idx="3">
+            <a:schemeClr val="accent1"/>
+          </a:fillRef>
+          <a:effectRef idx="2">
+            <a:schemeClr val="accent1"/>
+          </a:effectRef>
+          <a:fontRef idx="minor">
+            <a:schemeClr val="lt1"/>
+          </a:fontRef>
+        </p:style>
+        <p:txBody>
+          <a:bodyPr rtlCol="0" anchor="ctr"/>
+          <a:lstStyle/>
+          <a:p>
+            <a:pPr algn="ctr"/>
+            <a:endParaRPr lang="en-US" dirty="0"/>
+          </a:p>
+        </p:txBody>
+      </p:sp>
+      <p:cxnSp>
+        <p:nvCxnSpPr>
+          <p:cNvPr id="8" name="Straight Arrow Connector 7"/>
+          <p:cNvCxnSpPr>
+            <a:stCxn id="4" idx="6"/>
+            <a:endCxn id="5" idx="2"/>
+          </p:cNvCxnSpPr>
+          <p:nvPr/>
+        </p:nvCxnSpPr>
+        <p:spPr>
+          <a:xfrm>
+            <a:off x="1387954" y="5963948"/>
+            <a:ext cx="832708" cy="0"/>
+          </a:xfrm>
+          <a:prstGeom prst="straightConnector1">
+            <a:avLst/>
+          </a:prstGeom>
+          <a:ln>
+            <a:prstDash val="lgDash"/>
+            <a:tailEnd type="arrow"/>
+          </a:ln>
+        </p:spPr>
+        <p:style>
+          <a:lnRef idx="2">
+            <a:schemeClr val="accent1"/>
+          </a:lnRef>
+          <a:fillRef idx="0">
+            <a:schemeClr val="accent1"/>
+          </a:fillRef>
+          <a:effectRef idx="1">
+            <a:schemeClr val="accent1"/>
+          </a:effectRef>
+          <a:fontRef idx="minor">
+            <a:schemeClr val="tx1"/>
+          </a:fontRef>
+        </p:style>
+      </p:cxnSp>
+      <p:cxnSp>
+        <p:nvCxnSpPr>
+          <p:cNvPr id="9" name="Straight Arrow Connector 8"/>
+          <p:cNvCxnSpPr>
+            <a:stCxn id="22" idx="6"/>
+            <a:endCxn id="6" idx="2"/>
+          </p:cNvCxnSpPr>
+          <p:nvPr/>
+        </p:nvCxnSpPr>
+        <p:spPr>
+          <a:xfrm>
+            <a:off x="5611992" y="5963948"/>
+            <a:ext cx="1093385" cy="14005"/>
+          </a:xfrm>
+          <a:prstGeom prst="straightConnector1">
+            <a:avLst/>
+          </a:prstGeom>
+          <a:ln>
+            <a:solidFill>
+              <a:srgbClr val="FF6600"/>
+            </a:solidFill>
+            <a:tailEnd type="arrow"/>
+          </a:ln>
+        </p:spPr>
+        <p:style>
+          <a:lnRef idx="2">
+            <a:schemeClr val="accent1"/>
+          </a:lnRef>
+          <a:fillRef idx="0">
+            <a:schemeClr val="accent1"/>
+          </a:fillRef>
+          <a:effectRef idx="1">
+            <a:schemeClr val="accent1"/>
+          </a:effectRef>
+          <a:fontRef idx="minor">
+            <a:schemeClr val="tx1"/>
+          </a:fontRef>
+        </p:style>
+      </p:cxnSp>
+      <p:sp>
+        <p:nvSpPr>
+          <p:cNvPr id="10" name="TextBox 9"/>
+          <p:cNvSpPr txBox="1"/>
+          <p:nvPr/>
+        </p:nvSpPr>
+        <p:spPr>
+          <a:xfrm>
+            <a:off x="7113973" y="5597843"/>
+            <a:ext cx="269578" cy="707886"/>
+          </a:xfrm>
+          <a:prstGeom prst="rect">
+            <a:avLst/>
+          </a:prstGeom>
+          <a:noFill/>
+        </p:spPr>
+        <p:txBody>
+          <a:bodyPr wrap="square" rtlCol="0">
+            <a:spAutoFit/>
+          </a:bodyPr>
+          <a:lstStyle/>
+          <a:p>
+            <a:r>
+              <a:rPr lang="en-US" sz="4000" dirty="0" smtClean="0">
+                <a:solidFill>
+                  <a:srgbClr val="FF0000"/>
+                </a:solidFill>
+              </a:rPr>
+              <a:t>?</a:t>
+            </a:r>
+            <a:endParaRPr lang="en-US" sz="4000" dirty="0">
+              <a:solidFill>
+                <a:srgbClr val="FF0000"/>
+              </a:solidFill>
+            </a:endParaRPr>
+          </a:p>
+        </p:txBody>
+      </p:sp>
+      <p:sp>
+        <p:nvSpPr>
+          <p:cNvPr id="11" name="Oval 10"/>
+          <p:cNvSpPr/>
+          <p:nvPr/>
+        </p:nvSpPr>
+        <p:spPr>
+          <a:xfrm>
+            <a:off x="6346076" y="5860633"/>
+            <a:ext cx="193793" cy="206629"/>
+          </a:xfrm>
+          <a:prstGeom prst="ellipse">
+            <a:avLst/>
+          </a:prstGeom>
+          <a:solidFill>
+            <a:schemeClr val="bg1"/>
+          </a:solidFill>
+          <a:ln>
+            <a:solidFill>
+              <a:srgbClr val="FF6600"/>
+            </a:solidFill>
+          </a:ln>
+        </p:spPr>
+        <p:style>
+          <a:lnRef idx="1">
+            <a:schemeClr val="accent1"/>
+          </a:lnRef>
+          <a:fillRef idx="3">
+            <a:schemeClr val="accent1"/>
+          </a:fillRef>
+          <a:effectRef idx="2">
+            <a:schemeClr val="accent1"/>
+          </a:effectRef>
+          <a:fontRef idx="minor">
+            <a:schemeClr val="lt1"/>
+          </a:fontRef>
+        </p:style>
+        <p:txBody>
+          <a:bodyPr rtlCol="0" anchor="ctr"/>
+          <a:lstStyle/>
+          <a:p>
+            <a:pPr algn="ctr"/>
+            <a:endParaRPr lang="en-US" dirty="0"/>
+          </a:p>
+        </p:txBody>
+      </p:sp>
+      <p:sp>
+        <p:nvSpPr>
+          <p:cNvPr id="22" name="Oval 21"/>
+          <p:cNvSpPr/>
+          <p:nvPr/>
+        </p:nvSpPr>
+        <p:spPr>
+          <a:xfrm>
+            <a:off x="4476843" y="5418277"/>
+            <a:ext cx="1135149" cy="1091342"/>
+          </a:xfrm>
+          <a:prstGeom prst="ellipse">
+            <a:avLst/>
+          </a:prstGeom>
+          <a:noFill/>
+          <a:ln>
+            <a:solidFill>
+              <a:srgbClr val="FF6600"/>
+            </a:solidFill>
+          </a:ln>
+        </p:spPr>
+        <p:style>
+          <a:lnRef idx="1">
+            <a:schemeClr val="accent1"/>
+          </a:lnRef>
+          <a:fillRef idx="3">
+            <a:schemeClr val="accent1"/>
+          </a:fillRef>
+          <a:effectRef idx="2">
+            <a:schemeClr val="accent1"/>
+          </a:effectRef>
+          <a:fontRef idx="minor">
+            <a:schemeClr val="lt1"/>
+          </a:fontRef>
+        </p:style>
+        <p:txBody>
+          <a:bodyPr rtlCol="0" anchor="ctr"/>
+          <a:lstStyle/>
+          <a:p>
+            <a:pPr algn="ctr"/>
+            <a:endParaRPr lang="en-US" dirty="0"/>
+          </a:p>
+        </p:txBody>
+      </p:sp>
+      <p:sp>
+        <p:nvSpPr>
+          <p:cNvPr id="31" name="TextBox 30"/>
+          <p:cNvSpPr txBox="1"/>
+          <p:nvPr/>
+        </p:nvSpPr>
+        <p:spPr>
+          <a:xfrm>
+            <a:off x="5029880" y="4187038"/>
+            <a:ext cx="2302734" cy="461665"/>
+          </a:xfrm>
+          <a:prstGeom prst="rect">
+            <a:avLst/>
+          </a:prstGeom>
+          <a:noFill/>
+        </p:spPr>
+        <p:txBody>
+          <a:bodyPr wrap="none" rtlCol="0">
+            <a:spAutoFit/>
+          </a:bodyPr>
+          <a:lstStyle/>
+          <a:p>
+            <a:r>
+              <a:rPr lang="en-US" sz="2400" dirty="0" smtClean="0"/>
+              <a:t>``Point of Order’’</a:t>
+            </a:r>
+            <a:endParaRPr lang="en-US" sz="2400" dirty="0"/>
+          </a:p>
+        </p:txBody>
+      </p:sp>
+      <p:cxnSp>
+        <p:nvCxnSpPr>
+          <p:cNvPr id="33" name="Straight Arrow Connector 32"/>
+          <p:cNvCxnSpPr>
+            <a:stCxn id="31" idx="2"/>
+            <a:endCxn id="11" idx="0"/>
+          </p:cNvCxnSpPr>
+          <p:nvPr/>
+        </p:nvCxnSpPr>
+        <p:spPr>
+          <a:xfrm>
+            <a:off x="6181247" y="4648703"/>
+            <a:ext cx="261726" cy="1211930"/>
+          </a:xfrm>
+          <a:prstGeom prst="straightConnector1">
+            <a:avLst/>
+          </a:prstGeom>
+          <a:ln>
+            <a:tailEnd type="arrow"/>
+          </a:ln>
+        </p:spPr>
+        <p:style>
+          <a:lnRef idx="2">
+            <a:schemeClr val="accent1"/>
+          </a:lnRef>
+          <a:fillRef idx="0">
+            <a:schemeClr val="accent1"/>
+          </a:fillRef>
+          <a:effectRef idx="1">
+            <a:schemeClr val="accent1"/>
+          </a:effectRef>
+          <a:fontRef idx="minor">
+            <a:schemeClr val="tx1"/>
+          </a:fontRef>
+        </p:style>
+      </p:cxnSp>
+      <p:sp>
+        <p:nvSpPr>
+          <p:cNvPr id="18" name="TextBox 17"/>
+          <p:cNvSpPr txBox="1"/>
+          <p:nvPr/>
+        </p:nvSpPr>
+        <p:spPr>
+          <a:xfrm>
+            <a:off x="3495725" y="5506690"/>
+            <a:ext cx="853419" cy="707886"/>
+          </a:xfrm>
+          <a:prstGeom prst="rect">
+            <a:avLst/>
+          </a:prstGeom>
+          <a:noFill/>
+        </p:spPr>
+        <p:txBody>
+          <a:bodyPr wrap="none" rtlCol="0">
+            <a:spAutoFit/>
+          </a:bodyPr>
+          <a:lstStyle/>
+          <a:p>
+            <a:r>
+              <a:rPr lang="en-US" sz="4000" dirty="0" smtClean="0">
+                <a:solidFill>
+                  <a:srgbClr val="FF6600"/>
+                </a:solidFill>
+              </a:rPr>
+              <a:t>[…]</a:t>
+            </a:r>
+            <a:endParaRPr lang="en-US" sz="4000" dirty="0">
+              <a:solidFill>
+                <a:srgbClr val="FF6600"/>
+              </a:solidFill>
+            </a:endParaRPr>
+          </a:p>
+        </p:txBody>
+      </p:sp>
+      <p:cxnSp>
+        <p:nvCxnSpPr>
+          <p:cNvPr id="19" name="Straight Arrow Connector 18"/>
+          <p:cNvCxnSpPr/>
+          <p:nvPr/>
+        </p:nvCxnSpPr>
+        <p:spPr>
+          <a:xfrm>
+            <a:off x="3355811" y="5963948"/>
+            <a:ext cx="279650" cy="14005"/>
+          </a:xfrm>
+          <a:prstGeom prst="straightConnector1">
+            <a:avLst/>
+          </a:prstGeom>
+          <a:ln>
+            <a:solidFill>
+              <a:srgbClr val="FF6600"/>
+            </a:solidFill>
+            <a:tailEnd type="arrow"/>
+          </a:ln>
+        </p:spPr>
+        <p:style>
+          <a:lnRef idx="2">
+            <a:schemeClr val="accent1"/>
+          </a:lnRef>
+          <a:fillRef idx="0">
+            <a:schemeClr val="accent1"/>
+          </a:fillRef>
+          <a:effectRef idx="1">
+            <a:schemeClr val="accent1"/>
+          </a:effectRef>
+          <a:fontRef idx="minor">
+            <a:schemeClr val="tx1"/>
+          </a:fontRef>
+        </p:style>
+      </p:cxnSp>
+      <p:cxnSp>
+        <p:nvCxnSpPr>
+          <p:cNvPr id="20" name="Straight Arrow Connector 19"/>
+          <p:cNvCxnSpPr/>
+          <p:nvPr/>
+        </p:nvCxnSpPr>
+        <p:spPr>
+          <a:xfrm>
+            <a:off x="4229719" y="5963948"/>
+            <a:ext cx="247124" cy="0"/>
+          </a:xfrm>
+          <a:prstGeom prst="straightConnector1">
+            <a:avLst/>
+          </a:prstGeom>
+          <a:ln>
+            <a:solidFill>
+              <a:srgbClr val="FF6600"/>
+            </a:solidFill>
+            <a:tailEnd type="arrow"/>
+          </a:ln>
+        </p:spPr>
+        <p:style>
+          <a:lnRef idx="2">
+            <a:schemeClr val="accent1"/>
+          </a:lnRef>
+          <a:fillRef idx="0">
+            <a:schemeClr val="accent1"/>
+          </a:fillRef>
+          <a:effectRef idx="1">
+            <a:schemeClr val="accent1"/>
+          </a:effectRef>
+          <a:fontRef idx="minor">
+            <a:schemeClr val="tx1"/>
+          </a:fontRef>
+        </p:style>
+      </p:cxnSp>
+    </p:spTree>
+    <p:extLst>
+      <p:ext uri="{BB962C8B-B14F-4D97-AF65-F5344CB8AC3E}">
+        <p14:creationId xmlns:p14="http://schemas.microsoft.com/office/powerpoint/2010/main" val="2446607637"/>
+      </p:ext>
+    </p:extLst>
+  </p:cSld>
+  <p:clrMapOvr>
+    <a:masterClrMapping/>
+  </p:clrMapOvr>
+  <p:timing>
+    <p:tnLst>
+      <p:par>
+        <p:cTn xmlns:p14="http://schemas.microsoft.com/office/powerpoint/2010/main" id="1" dur="indefinite" restart="never" nodeType="tmRoot">
+          <p:childTnLst>
+            <p:seq concurrent="1" nextAc="seek">
+              <p:cTn id="2" dur="indefinite" nodeType="mainSeq">
+                <p:childTnLst>
+                  <p:par>
+                    <p:cTn id="3" fill="hold">
+                      <p:stCondLst>
+                        <p:cond delay="indefinite"/>
+                      </p:stCondLst>
+                      <p:childTnLst>
+                        <p:par>
+                          <p:cTn id="4" fill="hold">
+                            <p:stCondLst>
+                              <p:cond delay="0"/>
+                            </p:stCondLst>
+                            <p:childTnLst>
+                              <p:par>
+                                <p:cTn id="5" presetID="9" presetClass="entr" presetSubtype="0" fill="hold" grpId="0" nodeType="clickEffect">
+                                  <p:stCondLst>
+                                    <p:cond delay="0"/>
+                                  </p:stCondLst>
+                                  <p:childTnLst>
+                                    <p:set>
+                                      <p:cBhvr>
+                                        <p:cTn id="6" dur="1" fill="hold">
+                                          <p:stCondLst>
+                                            <p:cond delay="0"/>
+                                          </p:stCondLst>
+                                        </p:cTn>
+                                        <p:tgtEl>
+                                          <p:spTgt spid="10"/>
+                                        </p:tgtEl>
+                                        <p:attrNameLst>
+                                          <p:attrName>style.visibility</p:attrName>
+                                        </p:attrNameLst>
+                                      </p:cBhvr>
+                                      <p:to>
+                                        <p:strVal val="visible"/>
+                                      </p:to>
+                                    </p:set>
+                                    <p:animEffect transition="in" filter="dissolve">
+                                      <p:cBhvr>
+                                        <p:cTn id="7" dur="500"/>
+                                        <p:tgtEl>
+                                          <p:spTgt spid="10"/>
+                                        </p:tgtEl>
+                                      </p:cBhvr>
+                                    </p:animEffect>
+                                  </p:childTnLst>
+                                </p:cTn>
+                              </p:par>
+                            </p:childTnLst>
+                          </p:cTn>
+                        </p:par>
+                      </p:childTnLst>
+                    </p:cTn>
+                  </p:par>
+                  <p:par>
+                    <p:cTn id="8" fill="hold">
+                      <p:stCondLst>
+                        <p:cond delay="indefinite"/>
+                      </p:stCondLst>
+                      <p:childTnLst>
+                        <p:par>
+                          <p:cTn id="9" fill="hold">
+                            <p:stCondLst>
+                              <p:cond delay="0"/>
+                            </p:stCondLst>
+                            <p:childTnLst>
+                              <p:par>
+                                <p:cTn id="10" presetID="9" presetClass="entr" presetSubtype="0" fill="hold" grpId="0" nodeType="clickEffect">
+                                  <p:stCondLst>
+                                    <p:cond delay="0"/>
+                                  </p:stCondLst>
+                                  <p:childTnLst>
+                                    <p:set>
+                                      <p:cBhvr>
+                                        <p:cTn id="11" dur="1" fill="hold">
+                                          <p:stCondLst>
+                                            <p:cond delay="0"/>
+                                          </p:stCondLst>
+                                        </p:cTn>
+                                        <p:tgtEl>
+                                          <p:spTgt spid="31"/>
+                                        </p:tgtEl>
+                                        <p:attrNameLst>
+                                          <p:attrName>style.visibility</p:attrName>
+                                        </p:attrNameLst>
+                                      </p:cBhvr>
+                                      <p:to>
+                                        <p:strVal val="visible"/>
+                                      </p:to>
+                                    </p:set>
+                                    <p:animEffect transition="in" filter="dissolve">
+                                      <p:cBhvr>
+                                        <p:cTn id="12" dur="500"/>
+                                        <p:tgtEl>
+                                          <p:spTgt spid="31"/>
+                                        </p:tgtEl>
+                                      </p:cBhvr>
+                                    </p:animEffect>
+                                  </p:childTnLst>
+                                </p:cTn>
+                              </p:par>
+                              <p:par>
+                                <p:cTn id="13" presetID="9" presetClass="entr" presetSubtype="0" fill="hold" nodeType="withEffect">
+                                  <p:stCondLst>
+                                    <p:cond delay="0"/>
+                                  </p:stCondLst>
+                                  <p:childTnLst>
+                                    <p:set>
+                                      <p:cBhvr>
+                                        <p:cTn id="14" dur="1" fill="hold">
+                                          <p:stCondLst>
+                                            <p:cond delay="0"/>
+                                          </p:stCondLst>
+                                        </p:cTn>
+                                        <p:tgtEl>
+                                          <p:spTgt spid="33"/>
+                                        </p:tgtEl>
+                                        <p:attrNameLst>
+                                          <p:attrName>style.visibility</p:attrName>
+                                        </p:attrNameLst>
+                                      </p:cBhvr>
+                                      <p:to>
+                                        <p:strVal val="visible"/>
+                                      </p:to>
+                                    </p:set>
+                                    <p:animEffect transition="in" filter="dissolve">
+                                      <p:cBhvr>
+                                        <p:cTn id="15" dur="500"/>
+                                        <p:tgtEl>
+                                          <p:spTgt spid="33"/>
+                                        </p:tgtEl>
+                                      </p:cBhvr>
+                                    </p:animEffect>
+                                  </p:childTnLst>
+                                </p:cTn>
+                              </p:par>
+                            </p:childTnLst>
+                          </p:cTn>
+                        </p:par>
+                      </p:childTnLst>
+                    </p:cTn>
+                  </p:par>
+                </p:childTnLst>
+              </p:cTn>
+              <p:prevCondLst>
+                <p:cond evt="onPrev" delay="0">
+                  <p:tgtEl>
+                    <p:sldTgt/>
+                  </p:tgtEl>
+                </p:cond>
+              </p:prevCondLst>
+              <p:nextCondLst>
+                <p:cond evt="onNext" delay="0">
+                  <p:tgtEl>
+                    <p:sldTgt/>
+                  </p:tgtEl>
+                </p:cond>
+              </p:nextCondLst>
+            </p:seq>
+          </p:childTnLst>
+        </p:cTn>
+      </p:par>
+    </p:tnLst>
+    <p:bldLst>
+      <p:bldP spid="10" grpId="0"/>
+      <p:bldP spid="31" grpId="0"/>
+    </p:bldLst>
+  </p:timing>
+</p:sld>
+</file>
+
+<file path=ppt/slides/slide61.xml><?xml version="1.0" encoding="utf-8"?>
+<p:sld xmlns:a="http://schemas.openxmlformats.org/drawingml/2006/main" xmlns:r="http://schemas.openxmlformats.org/officeDocument/2006/relationships" xmlns:p="http://schemas.openxmlformats.org/presentationml/2006/main">
+  <p:cSld>
+    <p:spTree>
+      <p:nvGrpSpPr>
+        <p:cNvPr id="1" name=""/>
+        <p:cNvGrpSpPr/>
+        <p:nvPr/>
+      </p:nvGrpSpPr>
+      <p:grpSpPr>
+        <a:xfrm>
+          <a:off x="0" y="0"/>
+          <a:ext cx="0" cy="0"/>
+          <a:chOff x="0" y="0"/>
+          <a:chExt cx="0" cy="0"/>
+        </a:xfrm>
+      </p:grpSpPr>
+      <p:cxnSp>
+        <p:nvCxnSpPr>
+          <p:cNvPr id="7" name="Straight Arrow Connector 6"/>
+          <p:cNvCxnSpPr/>
+          <p:nvPr/>
+        </p:nvCxnSpPr>
+        <p:spPr>
+          <a:xfrm flipV="1">
+            <a:off x="796471" y="1417639"/>
+            <a:ext cx="13512" cy="4580789"/>
+          </a:xfrm>
+          <a:prstGeom prst="straightConnector1">
+            <a:avLst/>
+          </a:prstGeom>
+          <a:ln>
+            <a:tailEnd type="arrow"/>
+          </a:ln>
+        </p:spPr>
+        <p:style>
+          <a:lnRef idx="2">
+            <a:schemeClr val="accent1"/>
+          </a:lnRef>
+          <a:fillRef idx="0">
+            <a:schemeClr val="accent1"/>
+          </a:fillRef>
+          <a:effectRef idx="1">
+            <a:schemeClr val="accent1"/>
+          </a:effectRef>
+          <a:fontRef idx="minor">
+            <a:schemeClr val="tx1"/>
+          </a:fontRef>
+        </p:style>
+      </p:cxnSp>
+      <p:sp>
+        <p:nvSpPr>
+          <p:cNvPr id="8" name="TextBox 7"/>
+          <p:cNvSpPr txBox="1"/>
+          <p:nvPr/>
+        </p:nvSpPr>
+        <p:spPr>
+          <a:xfrm>
+            <a:off x="335463" y="540474"/>
+            <a:ext cx="1148609" cy="584776"/>
+          </a:xfrm>
+          <a:prstGeom prst="rect">
+            <a:avLst/>
+          </a:prstGeom>
+          <a:noFill/>
+        </p:spPr>
+        <p:txBody>
+          <a:bodyPr wrap="none" rtlCol="0">
+            <a:spAutoFit/>
+          </a:bodyPr>
+          <a:lstStyle/>
+          <a:p>
+            <a:r>
+              <a:rPr lang="en-US" sz="3200" b="1" dirty="0" smtClean="0">
+                <a:latin typeface="Helvetica Neue"/>
+                <a:cs typeface="Helvetica Neue"/>
+              </a:rPr>
+              <a:t>Time</a:t>
+            </a:r>
+            <a:endParaRPr lang="en-US" sz="3200" b="1" dirty="0">
+              <a:latin typeface="Helvetica Neue"/>
+              <a:cs typeface="Helvetica Neue"/>
+            </a:endParaRPr>
+          </a:p>
+        </p:txBody>
+      </p:sp>
+      <p:sp>
+        <p:nvSpPr>
+          <p:cNvPr id="9" name="TextBox 8"/>
+          <p:cNvSpPr txBox="1"/>
+          <p:nvPr/>
+        </p:nvSpPr>
+        <p:spPr>
+          <a:xfrm>
+            <a:off x="1868896" y="5957124"/>
+            <a:ext cx="1227394" cy="830997"/>
+          </a:xfrm>
+          <a:prstGeom prst="rect">
+            <a:avLst/>
+          </a:prstGeom>
+          <a:noFill/>
+        </p:spPr>
+        <p:txBody>
+          <a:bodyPr wrap="none" rtlCol="0">
+            <a:spAutoFit/>
+          </a:bodyPr>
+          <a:lstStyle/>
+          <a:p>
+            <a:pPr algn="ctr"/>
+            <a:r>
+              <a:rPr lang="en-US" sz="2400" b="1" dirty="0" smtClean="0">
+                <a:latin typeface="Helvetica Neue"/>
+                <a:cs typeface="Helvetica Neue"/>
+              </a:rPr>
+              <a:t>Set</a:t>
+            </a:r>
+          </a:p>
+          <a:p>
+            <a:pPr algn="ctr"/>
+            <a:r>
+              <a:rPr lang="en-US" sz="2400" b="1" dirty="0" smtClean="0">
+                <a:latin typeface="Helvetica Neue"/>
+                <a:cs typeface="Helvetica Neue"/>
+              </a:rPr>
+              <a:t>(Union)</a:t>
+            </a:r>
+            <a:endParaRPr lang="en-US" sz="2400" b="1" dirty="0">
+              <a:latin typeface="Helvetica Neue"/>
+              <a:cs typeface="Helvetica Neue"/>
+            </a:endParaRPr>
+          </a:p>
+        </p:txBody>
+      </p:sp>
+      <p:sp>
+        <p:nvSpPr>
+          <p:cNvPr id="11" name="TextBox 10"/>
+          <p:cNvSpPr txBox="1"/>
+          <p:nvPr/>
+        </p:nvSpPr>
+        <p:spPr>
+          <a:xfrm>
+            <a:off x="4348098" y="5957124"/>
+            <a:ext cx="1227394" cy="830997"/>
+          </a:xfrm>
+          <a:prstGeom prst="rect">
+            <a:avLst/>
+          </a:prstGeom>
+          <a:noFill/>
+        </p:spPr>
+        <p:txBody>
+          <a:bodyPr wrap="none" rtlCol="0">
+            <a:spAutoFit/>
+          </a:bodyPr>
+          <a:lstStyle/>
+          <a:p>
+            <a:pPr algn="ctr"/>
+            <a:r>
+              <a:rPr lang="en-US" sz="2400" b="1" dirty="0" smtClean="0">
+                <a:latin typeface="Helvetica Neue"/>
+                <a:cs typeface="Helvetica Neue"/>
+              </a:rPr>
+              <a:t>Integer</a:t>
+            </a:r>
+            <a:br>
+              <a:rPr lang="en-US" sz="2400" b="1" dirty="0" smtClean="0">
+                <a:latin typeface="Helvetica Neue"/>
+                <a:cs typeface="Helvetica Neue"/>
+              </a:rPr>
+            </a:br>
+            <a:r>
+              <a:rPr lang="en-US" sz="2400" b="1" dirty="0" smtClean="0">
+                <a:latin typeface="Helvetica Neue"/>
+                <a:cs typeface="Helvetica Neue"/>
+              </a:rPr>
+              <a:t>(Max)</a:t>
+            </a:r>
+            <a:endParaRPr lang="en-US" sz="2400" b="1" dirty="0">
+              <a:latin typeface="Helvetica Neue"/>
+              <a:cs typeface="Helvetica Neue"/>
+            </a:endParaRPr>
+          </a:p>
+        </p:txBody>
+      </p:sp>
+      <p:sp>
+        <p:nvSpPr>
+          <p:cNvPr id="12" name="TextBox 11"/>
+          <p:cNvSpPr txBox="1"/>
+          <p:nvPr/>
+        </p:nvSpPr>
+        <p:spPr>
+          <a:xfrm>
+            <a:off x="6876375" y="5957124"/>
+            <a:ext cx="1392671" cy="830997"/>
+          </a:xfrm>
+          <a:prstGeom prst="rect">
+            <a:avLst/>
+          </a:prstGeom>
+          <a:noFill/>
+        </p:spPr>
+        <p:txBody>
+          <a:bodyPr wrap="none" rtlCol="0">
+            <a:spAutoFit/>
+          </a:bodyPr>
+          <a:lstStyle/>
+          <a:p>
+            <a:pPr algn="ctr"/>
+            <a:r>
+              <a:rPr lang="en-US" sz="2400" b="1" dirty="0" smtClean="0">
+                <a:latin typeface="Helvetica Neue"/>
+                <a:cs typeface="Helvetica Neue"/>
+              </a:rPr>
+              <a:t>Boolean</a:t>
+            </a:r>
+            <a:br>
+              <a:rPr lang="en-US" sz="2400" b="1" dirty="0" smtClean="0">
+                <a:latin typeface="Helvetica Neue"/>
+                <a:cs typeface="Helvetica Neue"/>
+              </a:rPr>
+            </a:br>
+            <a:r>
+              <a:rPr lang="en-US" sz="2400" b="1" dirty="0" smtClean="0">
+                <a:latin typeface="Helvetica Neue"/>
+                <a:cs typeface="Helvetica Neue"/>
+              </a:rPr>
+              <a:t>(Or)</a:t>
+            </a:r>
+            <a:endParaRPr lang="en-US" sz="2400" b="1" dirty="0">
+              <a:latin typeface="Helvetica Neue"/>
+              <a:cs typeface="Helvetica Neue"/>
+            </a:endParaRPr>
+          </a:p>
+        </p:txBody>
+      </p:sp>
+      <p:pic>
+        <p:nvPicPr>
+          <p:cNvPr id="13" name="Picture 12"/>
+          <p:cNvPicPr>
+            <a:picLocks noChangeAspect="1"/>
+          </p:cNvPicPr>
+          <p:nvPr/>
+        </p:nvPicPr>
+        <p:blipFill>
+          <a:blip r:embed="rId3">
+            <a:extLst>
+              <a:ext uri="{28A0092B-C50C-407E-A947-70E740481C1C}">
+                <a14:useLocalDpi xmlns:a14="http://schemas.microsoft.com/office/drawing/2010/main" val="0"/>
+              </a:ext>
+            </a:extLst>
+          </a:blip>
+          <a:stretch>
+            <a:fillRect/>
+          </a:stretch>
+        </p:blipFill>
+        <p:spPr>
+          <a:xfrm>
+            <a:off x="1281088" y="2525255"/>
+            <a:ext cx="2403010" cy="2296425"/>
+          </a:xfrm>
+          <a:prstGeom prst="rect">
+            <a:avLst/>
+          </a:prstGeom>
+        </p:spPr>
+      </p:pic>
+      <p:pic>
+        <p:nvPicPr>
+          <p:cNvPr id="14" name="Picture 13"/>
+          <p:cNvPicPr>
+            <a:picLocks noChangeAspect="1"/>
+          </p:cNvPicPr>
+          <p:nvPr/>
+        </p:nvPicPr>
+        <p:blipFill>
+          <a:blip r:embed="rId4">
+            <a:extLst>
+              <a:ext uri="{28A0092B-C50C-407E-A947-70E740481C1C}">
+                <a14:useLocalDpi xmlns:a14="http://schemas.microsoft.com/office/drawing/2010/main" val="0"/>
+              </a:ext>
+            </a:extLst>
+          </a:blip>
+          <a:stretch>
+            <a:fillRect/>
+          </a:stretch>
+        </p:blipFill>
+        <p:spPr>
+          <a:xfrm>
+            <a:off x="4214360" y="2613872"/>
+            <a:ext cx="1494871" cy="2207808"/>
+          </a:xfrm>
+          <a:prstGeom prst="rect">
+            <a:avLst/>
+          </a:prstGeom>
+        </p:spPr>
+      </p:pic>
+      <p:pic>
+        <p:nvPicPr>
+          <p:cNvPr id="16" name="Picture 15"/>
+          <p:cNvPicPr>
+            <a:picLocks noChangeAspect="1"/>
+          </p:cNvPicPr>
+          <p:nvPr/>
+        </p:nvPicPr>
+        <p:blipFill>
+          <a:blip r:embed="rId5">
+            <a:extLst>
+              <a:ext uri="{28A0092B-C50C-407E-A947-70E740481C1C}">
+                <a14:useLocalDpi xmlns:a14="http://schemas.microsoft.com/office/drawing/2010/main" val="0"/>
+              </a:ext>
+            </a:extLst>
+          </a:blip>
+          <a:stretch>
+            <a:fillRect/>
+          </a:stretch>
+        </p:blipFill>
+        <p:spPr>
+          <a:xfrm>
+            <a:off x="6239493" y="2613872"/>
+            <a:ext cx="2666435" cy="2207808"/>
+          </a:xfrm>
+          <a:prstGeom prst="rect">
+            <a:avLst/>
+          </a:prstGeom>
+        </p:spPr>
+      </p:pic>
+      <p:sp>
+        <p:nvSpPr>
+          <p:cNvPr id="2" name="TextBox 1"/>
+          <p:cNvSpPr txBox="1"/>
+          <p:nvPr/>
+        </p:nvSpPr>
+        <p:spPr>
+          <a:xfrm>
+            <a:off x="1667681" y="1426005"/>
+            <a:ext cx="1454244" cy="646331"/>
+          </a:xfrm>
+          <a:prstGeom prst="rect">
+            <a:avLst/>
+          </a:prstGeom>
+          <a:noFill/>
+        </p:spPr>
+        <p:txBody>
+          <a:bodyPr wrap="none" rtlCol="0">
+            <a:spAutoFit/>
+          </a:bodyPr>
+          <a:lstStyle/>
+          <a:p>
+            <a:pPr algn="ctr"/>
+            <a:r>
+              <a:rPr lang="en-US" b="1" dirty="0" smtClean="0">
+                <a:solidFill>
+                  <a:srgbClr val="F79646"/>
+                </a:solidFill>
+                <a:latin typeface="Helvetica Neue"/>
+                <a:cs typeface="Helvetica Neue"/>
+              </a:rPr>
+              <a:t>“Growth”:</a:t>
+            </a:r>
+          </a:p>
+          <a:p>
+            <a:pPr algn="ctr"/>
+            <a:r>
+              <a:rPr lang="en-US" b="1" dirty="0" smtClean="0">
+                <a:solidFill>
+                  <a:srgbClr val="F79646"/>
+                </a:solidFill>
+                <a:latin typeface="Helvetica Neue"/>
+                <a:cs typeface="Helvetica Neue"/>
+              </a:rPr>
+              <a:t>Larger Sets</a:t>
+            </a:r>
+            <a:endParaRPr lang="en-US" b="1" dirty="0">
+              <a:solidFill>
+                <a:srgbClr val="F79646"/>
+              </a:solidFill>
+              <a:latin typeface="Helvetica Neue"/>
+              <a:cs typeface="Helvetica Neue"/>
+            </a:endParaRPr>
+          </a:p>
+        </p:txBody>
+      </p:sp>
+      <p:sp>
+        <p:nvSpPr>
+          <p:cNvPr id="15" name="TextBox 14"/>
+          <p:cNvSpPr txBox="1"/>
+          <p:nvPr/>
+        </p:nvSpPr>
+        <p:spPr>
+          <a:xfrm>
+            <a:off x="3907637" y="1426005"/>
+            <a:ext cx="1969203" cy="646331"/>
+          </a:xfrm>
+          <a:prstGeom prst="rect">
+            <a:avLst/>
+          </a:prstGeom>
+          <a:noFill/>
+        </p:spPr>
+        <p:txBody>
+          <a:bodyPr wrap="none" rtlCol="0">
+            <a:spAutoFit/>
+          </a:bodyPr>
+          <a:lstStyle/>
+          <a:p>
+            <a:pPr algn="ctr"/>
+            <a:r>
+              <a:rPr lang="en-US" b="1" dirty="0" smtClean="0">
+                <a:solidFill>
+                  <a:srgbClr val="F79646"/>
+                </a:solidFill>
+                <a:latin typeface="Helvetica Neue"/>
+                <a:cs typeface="Helvetica Neue"/>
+              </a:rPr>
+              <a:t>“Growth”:</a:t>
+            </a:r>
+          </a:p>
+          <a:p>
+            <a:pPr algn="ctr"/>
+            <a:r>
+              <a:rPr lang="en-US" b="1" dirty="0" smtClean="0">
+                <a:solidFill>
+                  <a:srgbClr val="F79646"/>
+                </a:solidFill>
+                <a:latin typeface="Helvetica Neue"/>
+                <a:cs typeface="Helvetica Neue"/>
+              </a:rPr>
+              <a:t>Larger Numbers</a:t>
+            </a:r>
+            <a:endParaRPr lang="en-US" b="1" dirty="0">
+              <a:solidFill>
+                <a:srgbClr val="F79646"/>
+              </a:solidFill>
+              <a:latin typeface="Helvetica Neue"/>
+              <a:cs typeface="Helvetica Neue"/>
+            </a:endParaRPr>
+          </a:p>
+        </p:txBody>
+      </p:sp>
+      <p:sp>
+        <p:nvSpPr>
+          <p:cNvPr id="17" name="TextBox 16"/>
+          <p:cNvSpPr txBox="1"/>
+          <p:nvPr/>
+        </p:nvSpPr>
+        <p:spPr>
+          <a:xfrm>
+            <a:off x="6799928" y="1426005"/>
+            <a:ext cx="1519404" cy="646331"/>
+          </a:xfrm>
+          <a:prstGeom prst="rect">
+            <a:avLst/>
+          </a:prstGeom>
+          <a:noFill/>
+        </p:spPr>
+        <p:txBody>
+          <a:bodyPr wrap="none" rtlCol="0">
+            <a:spAutoFit/>
+          </a:bodyPr>
+          <a:lstStyle/>
+          <a:p>
+            <a:pPr algn="ctr"/>
+            <a:r>
+              <a:rPr lang="en-US" b="1" dirty="0" smtClean="0">
+                <a:solidFill>
+                  <a:srgbClr val="F79646"/>
+                </a:solidFill>
+                <a:latin typeface="Helvetica Neue"/>
+                <a:cs typeface="Helvetica Neue"/>
+              </a:rPr>
+              <a:t>“Growth”:</a:t>
+            </a:r>
+          </a:p>
+          <a:p>
+            <a:pPr algn="ctr"/>
+            <a:r>
+              <a:rPr lang="en-US" b="1" dirty="0" smtClean="0">
+                <a:solidFill>
+                  <a:srgbClr val="F79646"/>
+                </a:solidFill>
+                <a:latin typeface="Helvetica Neue"/>
+                <a:cs typeface="Helvetica Neue"/>
+              </a:rPr>
+              <a:t>false </a:t>
+            </a:r>
+            <a:r>
+              <a:rPr lang="en-US" b="1" dirty="0" smtClean="0">
+                <a:solidFill>
+                  <a:srgbClr val="F79646"/>
+                </a:solidFill>
+                <a:latin typeface="Symbol"/>
+                <a:cs typeface="Helvetica Neue"/>
+                <a:sym typeface="Symbol"/>
+              </a:rPr>
+              <a:t></a:t>
+            </a:r>
+            <a:r>
+              <a:rPr lang="en-US" b="1" dirty="0" smtClean="0">
+                <a:solidFill>
+                  <a:srgbClr val="F79646"/>
+                </a:solidFill>
+                <a:latin typeface="Helvetica Neue"/>
+                <a:cs typeface="Helvetica Neue"/>
+              </a:rPr>
+              <a:t> true</a:t>
+            </a:r>
+            <a:endParaRPr lang="en-US" b="1" dirty="0">
+              <a:solidFill>
+                <a:srgbClr val="F79646"/>
+              </a:solidFill>
+              <a:latin typeface="Helvetica Neue"/>
+              <a:cs typeface="Helvetica Neue"/>
+            </a:endParaRPr>
+          </a:p>
+        </p:txBody>
+      </p:sp>
+    </p:spTree>
+    <p:extLst>
+      <p:ext uri="{BB962C8B-B14F-4D97-AF65-F5344CB8AC3E}">
+        <p14:creationId xmlns:p14="http://schemas.microsoft.com/office/powerpoint/2010/main" val="756821809"/>
+      </p:ext>
+    </p:extLst>
+  </p:cSld>
+  <p:clrMapOvr>
+    <a:masterClrMapping/>
+  </p:clrMapOvr>
+  <p:timing>
+    <p:tnLst>
+      <p:par>
+        <p:cTn xmlns:p14="http://schemas.microsoft.com/office/powerpoint/2010/main" id="1" dur="indefinite" restart="never" nodeType="tmRoot">
+          <p:childTnLst>
+            <p:seq concurrent="1" nextAc="seek">
+              <p:cTn id="2" dur="indefinite" nodeType="mainSeq">
+                <p:childTnLst>
+                  <p:par>
+                    <p:cTn id="3" fill="hold">
+                      <p:stCondLst>
+                        <p:cond delay="indefinite"/>
+                      </p:stCondLst>
+                      <p:childTnLst>
+                        <p:par>
+                          <p:cTn id="4" fill="hold">
+                            <p:stCondLst>
+                              <p:cond delay="0"/>
+                            </p:stCondLst>
+                            <p:childTnLst>
+                              <p:par>
+                                <p:cTn id="5" presetID="1" presetClass="entr" presetSubtype="0" fill="hold" nodeType="clickEffect">
+                                  <p:stCondLst>
+                                    <p:cond delay="0"/>
+                                  </p:stCondLst>
+                                  <p:childTnLst>
+                                    <p:set>
+                                      <p:cBhvr>
+                                        <p:cTn id="6" dur="1" fill="hold">
+                                          <p:stCondLst>
+                                            <p:cond delay="0"/>
+                                          </p:stCondLst>
+                                        </p:cTn>
+                                        <p:tgtEl>
+                                          <p:spTgt spid="14"/>
+                                        </p:tgtEl>
+                                        <p:attrNameLst>
+                                          <p:attrName>style.visibility</p:attrName>
+                                        </p:attrNameLst>
+                                      </p:cBhvr>
+                                      <p:to>
+                                        <p:strVal val="visible"/>
+                                      </p:to>
+                                    </p:set>
+                                  </p:childTnLst>
+                                </p:cTn>
+                              </p:par>
+                              <p:par>
+                                <p:cTn id="7" presetID="1" presetClass="entr" presetSubtype="0" fill="hold" grpId="0" nodeType="withEffect">
+                                  <p:stCondLst>
+                                    <p:cond delay="0"/>
+                                  </p:stCondLst>
+                                  <p:childTnLst>
+                                    <p:set>
+                                      <p:cBhvr>
+                                        <p:cTn id="8" dur="1" fill="hold">
+                                          <p:stCondLst>
+                                            <p:cond delay="0"/>
+                                          </p:stCondLst>
+                                        </p:cTn>
+                                        <p:tgtEl>
+                                          <p:spTgt spid="11"/>
+                                        </p:tgtEl>
+                                        <p:attrNameLst>
+                                          <p:attrName>style.visibility</p:attrName>
+                                        </p:attrNameLst>
+                                      </p:cBhvr>
+                                      <p:to>
+                                        <p:strVal val="visible"/>
+                                      </p:to>
+                                    </p:set>
+                                  </p:childTnLst>
+                                </p:cTn>
+                              </p:par>
+                            </p:childTnLst>
+                          </p:cTn>
+                        </p:par>
+                      </p:childTnLst>
+                    </p:cTn>
+                  </p:par>
+                  <p:par>
+                    <p:cTn id="9" fill="hold">
+                      <p:stCondLst>
+                        <p:cond delay="indefinite"/>
+                      </p:stCondLst>
+                      <p:childTnLst>
+                        <p:par>
+                          <p:cTn id="10" fill="hold">
+                            <p:stCondLst>
+                              <p:cond delay="0"/>
+                            </p:stCondLst>
+                            <p:childTnLst>
+                              <p:par>
+                                <p:cTn id="11" presetID="1" presetClass="entr" presetSubtype="0" fill="hold" nodeType="clickEffect">
+                                  <p:stCondLst>
+                                    <p:cond delay="0"/>
+                                  </p:stCondLst>
+                                  <p:childTnLst>
+                                    <p:set>
+                                      <p:cBhvr>
+                                        <p:cTn id="12" dur="1" fill="hold">
+                                          <p:stCondLst>
+                                            <p:cond delay="0"/>
+                                          </p:stCondLst>
+                                        </p:cTn>
+                                        <p:tgtEl>
+                                          <p:spTgt spid="16"/>
+                                        </p:tgtEl>
+                                        <p:attrNameLst>
+                                          <p:attrName>style.visibility</p:attrName>
+                                        </p:attrNameLst>
+                                      </p:cBhvr>
+                                      <p:to>
+                                        <p:strVal val="visible"/>
+                                      </p:to>
+                                    </p:set>
+                                  </p:childTnLst>
+                                </p:cTn>
+                              </p:par>
+                              <p:par>
+                                <p:cTn id="13" presetID="1" presetClass="entr" presetSubtype="0" fill="hold" grpId="0" nodeType="withEffect">
+                                  <p:stCondLst>
+                                    <p:cond delay="0"/>
+                                  </p:stCondLst>
+                                  <p:childTnLst>
+                                    <p:set>
+                                      <p:cBhvr>
+                                        <p:cTn id="14" dur="1" fill="hold">
+                                          <p:stCondLst>
+                                            <p:cond delay="0"/>
+                                          </p:stCondLst>
+                                        </p:cTn>
+                                        <p:tgtEl>
+                                          <p:spTgt spid="12"/>
+                                        </p:tgtEl>
+                                        <p:attrNameLst>
+                                          <p:attrName>style.visibility</p:attrName>
+                                        </p:attrNameLst>
+                                      </p:cBhvr>
+                                      <p:to>
+                                        <p:strVal val="visible"/>
+                                      </p:to>
+                                    </p:set>
+                                  </p:childTnLst>
+                                </p:cTn>
+                              </p:par>
+                            </p:childTnLst>
+                          </p:cTn>
+                        </p:par>
+                      </p:childTnLst>
+                    </p:cTn>
+                  </p:par>
+                  <p:par>
+                    <p:cTn id="15" fill="hold">
+                      <p:stCondLst>
+                        <p:cond delay="indefinite"/>
+                      </p:stCondLst>
+                      <p:childTnLst>
+                        <p:par>
+                          <p:cTn id="16" fill="hold">
+                            <p:stCondLst>
+                              <p:cond delay="0"/>
+                            </p:stCondLst>
+                            <p:childTnLst>
+                              <p:par>
+                                <p:cTn id="17" presetID="1" presetClass="entr" presetSubtype="0" fill="hold" grpId="0" nodeType="clickEffect">
+                                  <p:stCondLst>
+                                    <p:cond delay="0"/>
+                                  </p:stCondLst>
+                                  <p:childTnLst>
+                                    <p:set>
+                                      <p:cBhvr>
+                                        <p:cTn id="18" dur="1" fill="hold">
+                                          <p:stCondLst>
+                                            <p:cond delay="0"/>
+                                          </p:stCondLst>
+                                        </p:cTn>
+                                        <p:tgtEl>
+                                          <p:spTgt spid="2"/>
+                                        </p:tgtEl>
+                                        <p:attrNameLst>
+                                          <p:attrName>style.visibility</p:attrName>
+                                        </p:attrNameLst>
+                                      </p:cBhvr>
+                                      <p:to>
+                                        <p:strVal val="visible"/>
+                                      </p:to>
+                                    </p:set>
+                                  </p:childTnLst>
+                                </p:cTn>
+                              </p:par>
+                              <p:par>
+                                <p:cTn id="19" presetID="1" presetClass="entr" presetSubtype="0" fill="hold" grpId="0" nodeType="withEffect">
+                                  <p:stCondLst>
+                                    <p:cond delay="0"/>
+                                  </p:stCondLst>
+                                  <p:childTnLst>
+                                    <p:set>
+                                      <p:cBhvr>
+                                        <p:cTn id="20" dur="1" fill="hold">
+                                          <p:stCondLst>
+                                            <p:cond delay="0"/>
+                                          </p:stCondLst>
+                                        </p:cTn>
+                                        <p:tgtEl>
+                                          <p:spTgt spid="15"/>
+                                        </p:tgtEl>
+                                        <p:attrNameLst>
+                                          <p:attrName>style.visibility</p:attrName>
+                                        </p:attrNameLst>
+                                      </p:cBhvr>
+                                      <p:to>
+                                        <p:strVal val="visible"/>
+                                      </p:to>
+                                    </p:set>
+                                  </p:childTnLst>
+                                </p:cTn>
+                              </p:par>
+                              <p:par>
+                                <p:cTn id="21" presetID="1" presetClass="entr" presetSubtype="0" fill="hold" grpId="0" nodeType="withEffect">
+                                  <p:stCondLst>
+                                    <p:cond delay="0"/>
+                                  </p:stCondLst>
+                                  <p:childTnLst>
+                                    <p:set>
+                                      <p:cBhvr>
+                                        <p:cTn id="22" dur="1" fill="hold">
+                                          <p:stCondLst>
+                                            <p:cond delay="0"/>
+                                          </p:stCondLst>
+                                        </p:cTn>
+                                        <p:tgtEl>
+                                          <p:spTgt spid="17"/>
+                                        </p:tgtEl>
+                                        <p:attrNameLst>
+                                          <p:attrName>style.visibility</p:attrName>
+                                        </p:attrNameLst>
+                                      </p:cBhvr>
+                                      <p:to>
+                                        <p:strVal val="visible"/>
+                                      </p:to>
+                                    </p:set>
+                                  </p:childTnLst>
+                                </p:cTn>
+                              </p:par>
+                            </p:childTnLst>
+                          </p:cTn>
+                        </p:par>
+                      </p:childTnLst>
+                    </p:cTn>
+                  </p:par>
+                </p:childTnLst>
+              </p:cTn>
+              <p:prevCondLst>
+                <p:cond evt="onPrev" delay="0">
+                  <p:tgtEl>
+                    <p:sldTgt/>
+                  </p:tgtEl>
+                </p:cond>
+              </p:prevCondLst>
+              <p:nextCondLst>
+                <p:cond evt="onNext" delay="0">
+                  <p:tgtEl>
+                    <p:sldTgt/>
+                  </p:tgtEl>
+                </p:cond>
+              </p:nextCondLst>
+            </p:seq>
+          </p:childTnLst>
+        </p:cTn>
+      </p:par>
+    </p:tnLst>
+    <p:bldLst>
+      <p:bldP spid="11" grpId="0"/>
+      <p:bldP spid="12" grpId="0"/>
+      <p:bldP spid="2" grpId="0"/>
+      <p:bldP spid="15" grpId="0"/>
+      <p:bldP spid="17" grpId="0"/>
+    </p:bldLst>
+  </p:timing>
+</p:sld>
+</file>
+
+<file path=ppt/slides/slide62.xml><?xml version="1.0" encoding="utf-8"?>
+<p:sld xmlns:a="http://schemas.openxmlformats.org/drawingml/2006/main" xmlns:r="http://schemas.openxmlformats.org/officeDocument/2006/relationships" xmlns:p="http://schemas.openxmlformats.org/presentationml/2006/main">
+  <p:cSld>
+    <p:spTree>
+      <p:nvGrpSpPr>
+        <p:cNvPr id="1" name=""/>
+        <p:cNvGrpSpPr/>
+        <p:nvPr/>
+      </p:nvGrpSpPr>
+      <p:grpSpPr>
+        <a:xfrm>
+          <a:off x="0" y="0"/>
+          <a:ext cx="0" cy="0"/>
+          <a:chOff x="0" y="0"/>
+          <a:chExt cx="0" cy="0"/>
+        </a:xfrm>
+      </p:grpSpPr>
+      <p:cxnSp>
+        <p:nvCxnSpPr>
+          <p:cNvPr id="7" name="Straight Arrow Connector 6"/>
+          <p:cNvCxnSpPr/>
+          <p:nvPr/>
+        </p:nvCxnSpPr>
+        <p:spPr>
+          <a:xfrm flipV="1">
+            <a:off x="796471" y="1417640"/>
+            <a:ext cx="13512" cy="4284660"/>
+          </a:xfrm>
+          <a:prstGeom prst="straightConnector1">
+            <a:avLst/>
+          </a:prstGeom>
+          <a:ln>
+            <a:tailEnd type="arrow"/>
+          </a:ln>
+        </p:spPr>
+        <p:style>
+          <a:lnRef idx="2">
+            <a:schemeClr val="accent1"/>
+          </a:lnRef>
+          <a:fillRef idx="0">
+            <a:schemeClr val="accent1"/>
+          </a:fillRef>
+          <a:effectRef idx="1">
+            <a:schemeClr val="accent1"/>
+          </a:effectRef>
+          <a:fontRef idx="minor">
+            <a:schemeClr val="tx1"/>
+          </a:fontRef>
+        </p:style>
+      </p:cxnSp>
+      <p:sp>
+        <p:nvSpPr>
+          <p:cNvPr id="8" name="TextBox 7"/>
+          <p:cNvSpPr txBox="1"/>
+          <p:nvPr/>
+        </p:nvSpPr>
+        <p:spPr>
+          <a:xfrm>
+            <a:off x="335463" y="540474"/>
+            <a:ext cx="1148609" cy="584776"/>
+          </a:xfrm>
+          <a:prstGeom prst="rect">
+            <a:avLst/>
+          </a:prstGeom>
+          <a:noFill/>
+        </p:spPr>
+        <p:txBody>
+          <a:bodyPr wrap="none" rtlCol="0">
+            <a:spAutoFit/>
+          </a:bodyPr>
+          <a:lstStyle/>
+          <a:p>
+            <a:r>
+              <a:rPr lang="en-US" sz="3200" b="1" dirty="0" smtClean="0">
+                <a:latin typeface="Helvetica Neue"/>
+                <a:cs typeface="Helvetica Neue"/>
+              </a:rPr>
+              <a:t>Time</a:t>
+            </a:r>
+            <a:endParaRPr lang="en-US" sz="3200" b="1" dirty="0">
+              <a:latin typeface="Helvetica Neue"/>
+              <a:cs typeface="Helvetica Neue"/>
+            </a:endParaRPr>
+          </a:p>
+        </p:txBody>
+      </p:sp>
+      <p:sp>
+        <p:nvSpPr>
+          <p:cNvPr id="9" name="TextBox 8"/>
+          <p:cNvSpPr txBox="1"/>
+          <p:nvPr/>
+        </p:nvSpPr>
+        <p:spPr>
+          <a:xfrm>
+            <a:off x="1098602" y="5830124"/>
+            <a:ext cx="2514499" cy="830997"/>
+          </a:xfrm>
+          <a:prstGeom prst="rect">
+            <a:avLst/>
+          </a:prstGeom>
+          <a:noFill/>
+        </p:spPr>
+        <p:txBody>
+          <a:bodyPr wrap="none" rtlCol="0">
+            <a:spAutoFit/>
+          </a:bodyPr>
+          <a:lstStyle/>
+          <a:p>
+            <a:pPr algn="ctr"/>
+            <a:r>
+              <a:rPr lang="en-US" sz="2400" b="1" dirty="0" smtClean="0">
+                <a:latin typeface="Helvetica Neue"/>
+                <a:cs typeface="Helvetica Neue"/>
+              </a:rPr>
+              <a:t>Set</a:t>
+            </a:r>
+            <a:br>
+              <a:rPr lang="en-US" sz="2400" b="1" dirty="0" smtClean="0">
+                <a:latin typeface="Helvetica Neue"/>
+                <a:cs typeface="Helvetica Neue"/>
+              </a:rPr>
+            </a:br>
+            <a:r>
+              <a:rPr lang="en-US" sz="2400" b="1" dirty="0" smtClean="0">
+                <a:latin typeface="Helvetica Neue"/>
+                <a:cs typeface="Helvetica Neue"/>
+              </a:rPr>
+              <a:t>(merge = Union)</a:t>
+            </a:r>
+          </a:p>
+        </p:txBody>
+      </p:sp>
+      <p:sp>
+        <p:nvSpPr>
+          <p:cNvPr id="11" name="TextBox 10"/>
+          <p:cNvSpPr txBox="1"/>
+          <p:nvPr/>
+        </p:nvSpPr>
+        <p:spPr>
+          <a:xfrm>
+            <a:off x="4129071" y="5830124"/>
+            <a:ext cx="2275054" cy="830997"/>
+          </a:xfrm>
+          <a:prstGeom prst="rect">
+            <a:avLst/>
+          </a:prstGeom>
+          <a:noFill/>
+        </p:spPr>
+        <p:txBody>
+          <a:bodyPr wrap="none" rtlCol="0">
+            <a:spAutoFit/>
+          </a:bodyPr>
+          <a:lstStyle/>
+          <a:p>
+            <a:pPr algn="ctr"/>
+            <a:r>
+              <a:rPr lang="en-US" sz="2400" b="1" dirty="0" smtClean="0">
+                <a:latin typeface="Helvetica Neue"/>
+                <a:cs typeface="Helvetica Neue"/>
+              </a:rPr>
+              <a:t>Integer</a:t>
+            </a:r>
+            <a:br>
+              <a:rPr lang="en-US" sz="2400" b="1" dirty="0" smtClean="0">
+                <a:latin typeface="Helvetica Neue"/>
+                <a:cs typeface="Helvetica Neue"/>
+              </a:rPr>
+            </a:br>
+            <a:r>
+              <a:rPr lang="en-US" sz="2400" b="1" dirty="0" smtClean="0">
+                <a:latin typeface="Helvetica Neue"/>
+                <a:cs typeface="Helvetica Neue"/>
+              </a:rPr>
+              <a:t>(merge = Max)</a:t>
+            </a:r>
+            <a:endParaRPr lang="en-US" sz="2400" b="1" dirty="0">
+              <a:latin typeface="Helvetica Neue"/>
+              <a:cs typeface="Helvetica Neue"/>
+            </a:endParaRPr>
+          </a:p>
+        </p:txBody>
+      </p:sp>
+      <p:sp>
+        <p:nvSpPr>
+          <p:cNvPr id="12" name="TextBox 11"/>
+          <p:cNvSpPr txBox="1"/>
+          <p:nvPr/>
+        </p:nvSpPr>
+        <p:spPr>
+          <a:xfrm>
+            <a:off x="6631806" y="5830124"/>
+            <a:ext cx="2013141" cy="830997"/>
+          </a:xfrm>
+          <a:prstGeom prst="rect">
+            <a:avLst/>
+          </a:prstGeom>
+          <a:noFill/>
+        </p:spPr>
+        <p:txBody>
+          <a:bodyPr wrap="none" rtlCol="0">
+            <a:spAutoFit/>
+          </a:bodyPr>
+          <a:lstStyle/>
+          <a:p>
+            <a:pPr algn="ctr"/>
+            <a:r>
+              <a:rPr lang="en-US" sz="2400" b="1" dirty="0" smtClean="0">
+                <a:latin typeface="Helvetica Neue"/>
+                <a:cs typeface="Helvetica Neue"/>
+              </a:rPr>
+              <a:t>Boolean</a:t>
+            </a:r>
+            <a:br>
+              <a:rPr lang="en-US" sz="2400" b="1" dirty="0" smtClean="0">
+                <a:latin typeface="Helvetica Neue"/>
+                <a:cs typeface="Helvetica Neue"/>
+              </a:rPr>
+            </a:br>
+            <a:r>
+              <a:rPr lang="en-US" sz="2400" b="1" dirty="0" smtClean="0">
+                <a:latin typeface="Helvetica Neue"/>
+                <a:cs typeface="Helvetica Neue"/>
+              </a:rPr>
+              <a:t>(merge = Or)</a:t>
+            </a:r>
+            <a:endParaRPr lang="en-US" sz="2400" b="1" dirty="0">
+              <a:latin typeface="Helvetica Neue"/>
+              <a:cs typeface="Helvetica Neue"/>
+            </a:endParaRPr>
+          </a:p>
+        </p:txBody>
+      </p:sp>
+      <p:pic>
+        <p:nvPicPr>
+          <p:cNvPr id="41" name="Picture 40"/>
+          <p:cNvPicPr>
+            <a:picLocks noChangeAspect="1"/>
+          </p:cNvPicPr>
+          <p:nvPr/>
+        </p:nvPicPr>
+        <p:blipFill>
+          <a:blip r:embed="rId2">
+            <a:extLst>
+              <a:ext uri="{28A0092B-C50C-407E-A947-70E740481C1C}">
+                <a14:useLocalDpi xmlns:a14="http://schemas.microsoft.com/office/drawing/2010/main" val="0"/>
+              </a:ext>
+            </a:extLst>
+          </a:blip>
+          <a:stretch>
+            <a:fillRect/>
+          </a:stretch>
+        </p:blipFill>
+        <p:spPr>
+          <a:xfrm>
+            <a:off x="1231900" y="2895600"/>
+            <a:ext cx="2247900" cy="1816100"/>
+          </a:xfrm>
+          <a:prstGeom prst="rect">
+            <a:avLst/>
+          </a:prstGeom>
+        </p:spPr>
+      </p:pic>
+      <p:pic>
+        <p:nvPicPr>
+          <p:cNvPr id="42" name="Picture 41" descr="monotone_max.pdf"/>
+          <p:cNvPicPr>
+            <a:picLocks noChangeAspect="1"/>
+          </p:cNvPicPr>
+          <p:nvPr/>
+        </p:nvPicPr>
+        <p:blipFill>
+          <a:blip r:embed="rId3">
+            <a:extLst>
+              <a:ext uri="{28A0092B-C50C-407E-A947-70E740481C1C}">
+                <a14:useLocalDpi xmlns:a14="http://schemas.microsoft.com/office/drawing/2010/main" val="0"/>
+              </a:ext>
+            </a:extLst>
+          </a:blip>
+          <a:stretch>
+            <a:fillRect/>
+          </a:stretch>
+        </p:blipFill>
+        <p:spPr>
+          <a:xfrm>
+            <a:off x="4885598" y="2895600"/>
+            <a:ext cx="762000" cy="1816100"/>
+          </a:xfrm>
+          <a:prstGeom prst="rect">
+            <a:avLst/>
+          </a:prstGeom>
+        </p:spPr>
+      </p:pic>
+      <p:pic>
+        <p:nvPicPr>
+          <p:cNvPr id="43" name="Picture 42" descr="monotone_bool.pdf"/>
+          <p:cNvPicPr>
+            <a:picLocks noChangeAspect="1"/>
+          </p:cNvPicPr>
+          <p:nvPr/>
+        </p:nvPicPr>
+        <p:blipFill>
+          <a:blip r:embed="rId4">
+            <a:extLst>
+              <a:ext uri="{28A0092B-C50C-407E-A947-70E740481C1C}">
+                <a14:useLocalDpi xmlns:a14="http://schemas.microsoft.com/office/drawing/2010/main" val="0"/>
+              </a:ext>
+            </a:extLst>
+          </a:blip>
+          <a:stretch>
+            <a:fillRect/>
+          </a:stretch>
+        </p:blipFill>
+        <p:spPr>
+          <a:xfrm>
+            <a:off x="6876376" y="2895600"/>
+            <a:ext cx="1524000" cy="1816100"/>
+          </a:xfrm>
+          <a:prstGeom prst="rect">
+            <a:avLst/>
+          </a:prstGeom>
+        </p:spPr>
+      </p:pic>
+      <p:cxnSp>
+        <p:nvCxnSpPr>
+          <p:cNvPr id="46" name="Straight Arrow Connector 45"/>
+          <p:cNvCxnSpPr/>
+          <p:nvPr/>
+        </p:nvCxnSpPr>
+        <p:spPr>
+          <a:xfrm>
+            <a:off x="3632200" y="3822700"/>
+            <a:ext cx="1020698" cy="0"/>
+          </a:xfrm>
+          <a:prstGeom prst="straightConnector1">
+            <a:avLst/>
+          </a:prstGeom>
+          <a:ln>
+            <a:tailEnd type="arrow"/>
+          </a:ln>
+        </p:spPr>
+        <p:style>
+          <a:lnRef idx="2">
+            <a:schemeClr val="accent1"/>
+          </a:lnRef>
+          <a:fillRef idx="0">
+            <a:schemeClr val="accent1"/>
+          </a:fillRef>
+          <a:effectRef idx="1">
+            <a:schemeClr val="accent1"/>
+          </a:effectRef>
+          <a:fontRef idx="minor">
+            <a:schemeClr val="tx1"/>
+          </a:fontRef>
+        </p:style>
+      </p:cxnSp>
+      <p:cxnSp>
+        <p:nvCxnSpPr>
+          <p:cNvPr id="48" name="Straight Arrow Connector 47"/>
+          <p:cNvCxnSpPr/>
+          <p:nvPr/>
+        </p:nvCxnSpPr>
+        <p:spPr>
+          <a:xfrm>
+            <a:off x="5774987" y="3822700"/>
+            <a:ext cx="1020698" cy="0"/>
+          </a:xfrm>
+          <a:prstGeom prst="straightConnector1">
+            <a:avLst/>
+          </a:prstGeom>
+          <a:ln>
+            <a:tailEnd type="arrow"/>
+          </a:ln>
+        </p:spPr>
+        <p:style>
+          <a:lnRef idx="2">
+            <a:schemeClr val="accent1"/>
+          </a:lnRef>
+          <a:fillRef idx="0">
+            <a:schemeClr val="accent1"/>
+          </a:fillRef>
+          <a:effectRef idx="1">
+            <a:schemeClr val="accent1"/>
+          </a:effectRef>
+          <a:fontRef idx="minor">
+            <a:schemeClr val="tx1"/>
+          </a:fontRef>
+        </p:style>
+      </p:cxnSp>
+      <p:sp>
+        <p:nvSpPr>
+          <p:cNvPr id="49" name="TextBox 48"/>
+          <p:cNvSpPr txBox="1"/>
+          <p:nvPr/>
+        </p:nvSpPr>
+        <p:spPr>
+          <a:xfrm>
+            <a:off x="3733800" y="3213100"/>
+            <a:ext cx="757119" cy="369332"/>
+          </a:xfrm>
+          <a:prstGeom prst="rect">
+            <a:avLst/>
+          </a:prstGeom>
+          <a:noFill/>
+        </p:spPr>
+        <p:txBody>
+          <a:bodyPr wrap="none" rtlCol="0">
+            <a:spAutoFit/>
+          </a:bodyPr>
+          <a:lstStyle/>
+          <a:p>
+            <a:r>
+              <a:rPr lang="en-US" b="1" dirty="0" smtClean="0">
+                <a:latin typeface="Helvetica Neue"/>
+                <a:cs typeface="Helvetica Neue"/>
+              </a:rPr>
+              <a:t>size()</a:t>
+            </a:r>
+            <a:endParaRPr lang="en-US" b="1" dirty="0">
+              <a:latin typeface="Helvetica Neue"/>
+              <a:cs typeface="Helvetica Neue"/>
+            </a:endParaRPr>
+          </a:p>
+        </p:txBody>
+      </p:sp>
+      <p:sp>
+        <p:nvSpPr>
+          <p:cNvPr id="50" name="TextBox 49"/>
+          <p:cNvSpPr txBox="1"/>
+          <p:nvPr/>
+        </p:nvSpPr>
+        <p:spPr>
+          <a:xfrm>
+            <a:off x="5951611" y="3225800"/>
+            <a:ext cx="659155" cy="369332"/>
+          </a:xfrm>
+          <a:prstGeom prst="rect">
+            <a:avLst/>
+          </a:prstGeom>
+          <a:noFill/>
+        </p:spPr>
+        <p:txBody>
+          <a:bodyPr wrap="none" rtlCol="0">
+            <a:spAutoFit/>
+          </a:bodyPr>
+          <a:lstStyle/>
+          <a:p>
+            <a:r>
+              <a:rPr lang="en-US" b="1" dirty="0" smtClean="0">
+                <a:latin typeface="Helvetica Neue"/>
+                <a:cs typeface="Helvetica Neue"/>
+              </a:rPr>
+              <a:t>&gt;= 5</a:t>
+            </a:r>
+            <a:endParaRPr lang="en-US" b="1" dirty="0">
+              <a:latin typeface="Helvetica Neue"/>
+              <a:cs typeface="Helvetica Neue"/>
+            </a:endParaRPr>
+          </a:p>
+        </p:txBody>
+      </p:sp>
+      <p:sp>
+        <p:nvSpPr>
+          <p:cNvPr id="51" name="TextBox 50"/>
+          <p:cNvSpPr txBox="1"/>
+          <p:nvPr/>
+        </p:nvSpPr>
+        <p:spPr>
+          <a:xfrm>
+            <a:off x="2932964" y="1659108"/>
+            <a:ext cx="2283487" cy="646331"/>
+          </a:xfrm>
+          <a:prstGeom prst="rect">
+            <a:avLst/>
+          </a:prstGeom>
+          <a:noFill/>
+        </p:spPr>
+        <p:txBody>
+          <a:bodyPr wrap="none" rtlCol="0">
+            <a:spAutoFit/>
+          </a:bodyPr>
+          <a:lstStyle/>
+          <a:p>
+            <a:r>
+              <a:rPr lang="en-US" b="1" dirty="0" smtClean="0">
+                <a:solidFill>
+                  <a:schemeClr val="accent6"/>
+                </a:solidFill>
+                <a:latin typeface="Helvetica Neue"/>
+                <a:cs typeface="Helvetica Neue"/>
+              </a:rPr>
+              <a:t>Monotone function</a:t>
+            </a:r>
+            <a:br>
+              <a:rPr lang="en-US" b="1" dirty="0" smtClean="0">
+                <a:solidFill>
+                  <a:schemeClr val="accent6"/>
+                </a:solidFill>
+                <a:latin typeface="Helvetica Neue"/>
+                <a:cs typeface="Helvetica Neue"/>
+              </a:rPr>
+            </a:br>
+            <a:r>
+              <a:rPr lang="en-US" b="1" dirty="0" smtClean="0">
+                <a:solidFill>
+                  <a:schemeClr val="accent6"/>
+                </a:solidFill>
+                <a:latin typeface="Helvetica Neue"/>
+                <a:cs typeface="Helvetica Neue"/>
+              </a:rPr>
+              <a:t>from set </a:t>
+            </a:r>
+            <a:r>
+              <a:rPr lang="en-US" b="1" dirty="0" smtClean="0">
+                <a:solidFill>
+                  <a:schemeClr val="accent6"/>
+                </a:solidFill>
+                <a:latin typeface="Symbol"/>
+                <a:cs typeface="Helvetica Neue"/>
+                <a:sym typeface="Symbol"/>
+              </a:rPr>
+              <a:t></a:t>
+            </a:r>
+            <a:r>
+              <a:rPr lang="en-US" b="1" dirty="0" smtClean="0">
+                <a:solidFill>
+                  <a:schemeClr val="accent6"/>
+                </a:solidFill>
+                <a:latin typeface="Helvetica Neue"/>
+                <a:cs typeface="Helvetica Neue"/>
+              </a:rPr>
+              <a:t> max</a:t>
+            </a:r>
+            <a:endParaRPr lang="en-US" b="1" dirty="0">
+              <a:solidFill>
+                <a:schemeClr val="accent6"/>
+              </a:solidFill>
+              <a:latin typeface="Helvetica Neue"/>
+              <a:cs typeface="Helvetica Neue"/>
+            </a:endParaRPr>
+          </a:p>
+        </p:txBody>
+      </p:sp>
+      <p:sp>
+        <p:nvSpPr>
+          <p:cNvPr id="52" name="TextBox 51"/>
+          <p:cNvSpPr txBox="1"/>
+          <p:nvPr/>
+        </p:nvSpPr>
+        <p:spPr>
+          <a:xfrm>
+            <a:off x="5584095" y="1659108"/>
+            <a:ext cx="2480582" cy="646331"/>
+          </a:xfrm>
+          <a:prstGeom prst="rect">
+            <a:avLst/>
+          </a:prstGeom>
+          <a:noFill/>
+        </p:spPr>
+        <p:txBody>
+          <a:bodyPr wrap="none" rtlCol="0">
+            <a:spAutoFit/>
+          </a:bodyPr>
+          <a:lstStyle/>
+          <a:p>
+            <a:r>
+              <a:rPr lang="en-US" b="1" dirty="0" smtClean="0">
+                <a:solidFill>
+                  <a:schemeClr val="accent6"/>
+                </a:solidFill>
+                <a:latin typeface="Helvetica Neue"/>
+                <a:cs typeface="Helvetica Neue"/>
+              </a:rPr>
+              <a:t>Monotone function</a:t>
+            </a:r>
+            <a:br>
+              <a:rPr lang="en-US" b="1" dirty="0" smtClean="0">
+                <a:solidFill>
+                  <a:schemeClr val="accent6"/>
+                </a:solidFill>
+                <a:latin typeface="Helvetica Neue"/>
+                <a:cs typeface="Helvetica Neue"/>
+              </a:rPr>
+            </a:br>
+            <a:r>
+              <a:rPr lang="en-US" b="1" dirty="0" smtClean="0">
+                <a:solidFill>
+                  <a:schemeClr val="accent6"/>
+                </a:solidFill>
+                <a:latin typeface="Helvetica Neue"/>
+                <a:cs typeface="Helvetica Neue"/>
+              </a:rPr>
+              <a:t>from max </a:t>
+            </a:r>
+            <a:r>
+              <a:rPr lang="en-US" b="1" dirty="0" smtClean="0">
+                <a:solidFill>
+                  <a:schemeClr val="accent6"/>
+                </a:solidFill>
+                <a:latin typeface="Symbol"/>
+                <a:cs typeface="Helvetica Neue"/>
+                <a:sym typeface="Symbol"/>
+              </a:rPr>
+              <a:t></a:t>
+            </a:r>
+            <a:r>
+              <a:rPr lang="en-US" b="1" dirty="0" smtClean="0">
+                <a:solidFill>
+                  <a:schemeClr val="accent6"/>
+                </a:solidFill>
+                <a:latin typeface="Helvetica Neue"/>
+                <a:cs typeface="Helvetica Neue"/>
+              </a:rPr>
+              <a:t> </a:t>
+            </a:r>
+            <a:r>
+              <a:rPr lang="en-US" b="1" dirty="0" err="1" smtClean="0">
+                <a:solidFill>
+                  <a:schemeClr val="accent6"/>
+                </a:solidFill>
+                <a:latin typeface="Helvetica Neue"/>
+                <a:cs typeface="Helvetica Neue"/>
+              </a:rPr>
+              <a:t>boolean</a:t>
+            </a:r>
+            <a:endParaRPr lang="en-US" b="1" dirty="0">
+              <a:solidFill>
+                <a:schemeClr val="accent6"/>
+              </a:solidFill>
+              <a:latin typeface="Helvetica Neue"/>
+              <a:cs typeface="Helvetica Neue"/>
+            </a:endParaRPr>
+          </a:p>
+        </p:txBody>
+      </p:sp>
+    </p:spTree>
+    <p:extLst>
+      <p:ext uri="{BB962C8B-B14F-4D97-AF65-F5344CB8AC3E}">
+        <p14:creationId xmlns:p14="http://schemas.microsoft.com/office/powerpoint/2010/main" val="4091359321"/>
+      </p:ext>
+    </p:extLst>
+  </p:cSld>
+  <p:clrMapOvr>
+    <a:masterClrMapping/>
+  </p:clrMapOvr>
+  <p:timing>
+    <p:tnLst>
+      <p:par>
+        <p:cTn xmlns:p14="http://schemas.microsoft.com/office/powerpoint/2010/main" id="1" dur="indefinite" restart="never" nodeType="tmRoot">
+          <p:childTnLst>
+            <p:seq concurrent="1" nextAc="seek">
+              <p:cTn id="2" dur="indefinite" nodeType="mainSeq">
+                <p:childTnLst>
+                  <p:par>
+                    <p:cTn id="3" fill="hold">
+                      <p:stCondLst>
+                        <p:cond delay="indefinite"/>
+                      </p:stCondLst>
+                      <p:childTnLst>
+                        <p:par>
+                          <p:cTn id="4" fill="hold">
+                            <p:stCondLst>
+                              <p:cond delay="0"/>
+                            </p:stCondLst>
+                            <p:childTnLst>
+                              <p:par>
+                                <p:cTn id="5" presetID="1" presetClass="entr" presetSubtype="0" fill="hold" nodeType="clickEffect">
+                                  <p:stCondLst>
+                                    <p:cond delay="0"/>
+                                  </p:stCondLst>
+                                  <p:childTnLst>
+                                    <p:set>
+                                      <p:cBhvr>
+                                        <p:cTn id="6" dur="1" fill="hold">
+                                          <p:stCondLst>
+                                            <p:cond delay="0"/>
+                                          </p:stCondLst>
+                                        </p:cTn>
+                                        <p:tgtEl>
+                                          <p:spTgt spid="46"/>
+                                        </p:tgtEl>
+                                        <p:attrNameLst>
+                                          <p:attrName>style.visibility</p:attrName>
+                                        </p:attrNameLst>
+                                      </p:cBhvr>
+                                      <p:to>
+                                        <p:strVal val="visible"/>
+                                      </p:to>
+                                    </p:set>
+                                  </p:childTnLst>
+                                </p:cTn>
+                              </p:par>
+                              <p:par>
+                                <p:cTn id="7" presetID="1" presetClass="entr" presetSubtype="0" fill="hold" grpId="0" nodeType="withEffect">
+                                  <p:stCondLst>
+                                    <p:cond delay="0"/>
+                                  </p:stCondLst>
+                                  <p:childTnLst>
+                                    <p:set>
+                                      <p:cBhvr>
+                                        <p:cTn id="8" dur="1" fill="hold">
+                                          <p:stCondLst>
+                                            <p:cond delay="0"/>
+                                          </p:stCondLst>
+                                        </p:cTn>
+                                        <p:tgtEl>
+                                          <p:spTgt spid="49"/>
+                                        </p:tgtEl>
+                                        <p:attrNameLst>
+                                          <p:attrName>style.visibility</p:attrName>
+                                        </p:attrNameLst>
+                                      </p:cBhvr>
+                                      <p:to>
+                                        <p:strVal val="visible"/>
+                                      </p:to>
+                                    </p:set>
+                                  </p:childTnLst>
+                                </p:cTn>
+                              </p:par>
+                              <p:par>
+                                <p:cTn id="9" presetID="1" presetClass="entr" presetSubtype="0" fill="hold" nodeType="withEffect">
+                                  <p:stCondLst>
+                                    <p:cond delay="0"/>
+                                  </p:stCondLst>
+                                  <p:childTnLst>
+                                    <p:set>
+                                      <p:cBhvr>
+                                        <p:cTn id="10" dur="1" fill="hold">
+                                          <p:stCondLst>
+                                            <p:cond delay="0"/>
+                                          </p:stCondLst>
+                                        </p:cTn>
+                                        <p:tgtEl>
+                                          <p:spTgt spid="42"/>
+                                        </p:tgtEl>
+                                        <p:attrNameLst>
+                                          <p:attrName>style.visibility</p:attrName>
+                                        </p:attrNameLst>
+                                      </p:cBhvr>
+                                      <p:to>
+                                        <p:strVal val="visible"/>
+                                      </p:to>
+                                    </p:set>
+                                  </p:childTnLst>
+                                </p:cTn>
+                              </p:par>
+                              <p:par>
+                                <p:cTn id="11" presetID="1" presetClass="entr" presetSubtype="0" fill="hold" grpId="0" nodeType="withEffect">
+                                  <p:stCondLst>
+                                    <p:cond delay="0"/>
+                                  </p:stCondLst>
+                                  <p:childTnLst>
+                                    <p:set>
+                                      <p:cBhvr>
+                                        <p:cTn id="12" dur="1" fill="hold">
+                                          <p:stCondLst>
+                                            <p:cond delay="0"/>
+                                          </p:stCondLst>
+                                        </p:cTn>
+                                        <p:tgtEl>
+                                          <p:spTgt spid="51"/>
+                                        </p:tgtEl>
+                                        <p:attrNameLst>
+                                          <p:attrName>style.visibility</p:attrName>
+                                        </p:attrNameLst>
+                                      </p:cBhvr>
+                                      <p:to>
+                                        <p:strVal val="visible"/>
+                                      </p:to>
+                                    </p:set>
+                                  </p:childTnLst>
+                                </p:cTn>
+                              </p:par>
+                            </p:childTnLst>
+                          </p:cTn>
+                        </p:par>
+                      </p:childTnLst>
+                    </p:cTn>
+                  </p:par>
+                  <p:par>
+                    <p:cTn id="13" fill="hold">
+                      <p:stCondLst>
+                        <p:cond delay="indefinite"/>
+                      </p:stCondLst>
+                      <p:childTnLst>
+                        <p:par>
+                          <p:cTn id="14" fill="hold">
+                            <p:stCondLst>
+                              <p:cond delay="0"/>
+                            </p:stCondLst>
+                            <p:childTnLst>
+                              <p:par>
+                                <p:cTn id="15" presetID="1" presetClass="entr" presetSubtype="0" fill="hold" grpId="0" nodeType="clickEffect">
+                                  <p:stCondLst>
+                                    <p:cond delay="0"/>
+                                  </p:stCondLst>
+                                  <p:childTnLst>
+                                    <p:set>
+                                      <p:cBhvr>
+                                        <p:cTn id="16" dur="1" fill="hold">
+                                          <p:stCondLst>
+                                            <p:cond delay="0"/>
+                                          </p:stCondLst>
+                                        </p:cTn>
+                                        <p:tgtEl>
+                                          <p:spTgt spid="50"/>
+                                        </p:tgtEl>
+                                        <p:attrNameLst>
+                                          <p:attrName>style.visibility</p:attrName>
+                                        </p:attrNameLst>
+                                      </p:cBhvr>
+                                      <p:to>
+                                        <p:strVal val="visible"/>
+                                      </p:to>
+                                    </p:set>
+                                  </p:childTnLst>
+                                </p:cTn>
+                              </p:par>
+                              <p:par>
+                                <p:cTn id="17" presetID="1" presetClass="entr" presetSubtype="0" fill="hold" nodeType="withEffect">
+                                  <p:stCondLst>
+                                    <p:cond delay="0"/>
+                                  </p:stCondLst>
+                                  <p:childTnLst>
+                                    <p:set>
+                                      <p:cBhvr>
+                                        <p:cTn id="18" dur="1" fill="hold">
+                                          <p:stCondLst>
+                                            <p:cond delay="0"/>
+                                          </p:stCondLst>
+                                        </p:cTn>
+                                        <p:tgtEl>
+                                          <p:spTgt spid="48"/>
+                                        </p:tgtEl>
+                                        <p:attrNameLst>
+                                          <p:attrName>style.visibility</p:attrName>
+                                        </p:attrNameLst>
+                                      </p:cBhvr>
+                                      <p:to>
+                                        <p:strVal val="visible"/>
+                                      </p:to>
+                                    </p:set>
+                                  </p:childTnLst>
+                                </p:cTn>
+                              </p:par>
+                              <p:par>
+                                <p:cTn id="19" presetID="1" presetClass="entr" presetSubtype="0" fill="hold" nodeType="withEffect">
+                                  <p:stCondLst>
+                                    <p:cond delay="0"/>
+                                  </p:stCondLst>
+                                  <p:childTnLst>
+                                    <p:set>
+                                      <p:cBhvr>
+                                        <p:cTn id="20" dur="1" fill="hold">
+                                          <p:stCondLst>
+                                            <p:cond delay="0"/>
+                                          </p:stCondLst>
+                                        </p:cTn>
+                                        <p:tgtEl>
+                                          <p:spTgt spid="43"/>
+                                        </p:tgtEl>
+                                        <p:attrNameLst>
+                                          <p:attrName>style.visibility</p:attrName>
+                                        </p:attrNameLst>
+                                      </p:cBhvr>
+                                      <p:to>
+                                        <p:strVal val="visible"/>
+                                      </p:to>
+                                    </p:set>
+                                  </p:childTnLst>
+                                </p:cTn>
+                              </p:par>
+                              <p:par>
+                                <p:cTn id="21" presetID="1" presetClass="entr" presetSubtype="0" fill="hold" grpId="0" nodeType="withEffect">
+                                  <p:stCondLst>
+                                    <p:cond delay="0"/>
+                                  </p:stCondLst>
+                                  <p:childTnLst>
+                                    <p:set>
+                                      <p:cBhvr>
+                                        <p:cTn id="22" dur="1" fill="hold">
+                                          <p:stCondLst>
+                                            <p:cond delay="0"/>
+                                          </p:stCondLst>
+                                        </p:cTn>
+                                        <p:tgtEl>
+                                          <p:spTgt spid="12"/>
+                                        </p:tgtEl>
+                                        <p:attrNameLst>
+                                          <p:attrName>style.visibility</p:attrName>
+                                        </p:attrNameLst>
+                                      </p:cBhvr>
+                                      <p:to>
+                                        <p:strVal val="visible"/>
+                                      </p:to>
+                                    </p:set>
+                                  </p:childTnLst>
+                                </p:cTn>
+                              </p:par>
+                              <p:par>
+                                <p:cTn id="23" presetID="1" presetClass="entr" presetSubtype="0" fill="hold" grpId="0" nodeType="withEffect">
+                                  <p:stCondLst>
+                                    <p:cond delay="0"/>
+                                  </p:stCondLst>
+                                  <p:childTnLst>
+                                    <p:set>
+                                      <p:cBhvr>
+                                        <p:cTn id="24" dur="1" fill="hold">
+                                          <p:stCondLst>
+                                            <p:cond delay="0"/>
+                                          </p:stCondLst>
+                                        </p:cTn>
+                                        <p:tgtEl>
+                                          <p:spTgt spid="52"/>
+                                        </p:tgtEl>
+                                        <p:attrNameLst>
+                                          <p:attrName>style.visibility</p:attrName>
+                                        </p:attrNameLst>
+                                      </p:cBhvr>
+                                      <p:to>
+                                        <p:strVal val="visible"/>
+                                      </p:to>
+                                    </p:set>
+                                  </p:childTnLst>
+                                </p:cTn>
+                              </p:par>
+                            </p:childTnLst>
+                          </p:cTn>
+                        </p:par>
+                      </p:childTnLst>
+                    </p:cTn>
+                  </p:par>
+                </p:childTnLst>
+              </p:cTn>
+              <p:prevCondLst>
+                <p:cond evt="onPrev" delay="0">
+                  <p:tgtEl>
+                    <p:sldTgt/>
+                  </p:tgtEl>
+                </p:cond>
+              </p:prevCondLst>
+              <p:nextCondLst>
+                <p:cond evt="onNext" delay="0">
+                  <p:tgtEl>
+                    <p:sldTgt/>
+                  </p:tgtEl>
+                </p:cond>
+              </p:nextCondLst>
+            </p:seq>
+          </p:childTnLst>
+        </p:cTn>
+      </p:par>
+    </p:tnLst>
+    <p:bldLst>
+      <p:bldP spid="12" grpId="0"/>
+      <p:bldP spid="49" grpId="0"/>
+      <p:bldP spid="50" grpId="0"/>
+      <p:bldP spid="51" grpId="0"/>
+      <p:bldP spid="52" grpId="0"/>
+    </p:bldLst>
+  </p:timing>
+</p:sld>
+</file>
+
+<file path=ppt/slides/slide63.xml><?xml version="1.0" encoding="utf-8"?>
 <p:sld xmlns:a="http://schemas.openxmlformats.org/drawingml/2006/main" xmlns:r="http://schemas.openxmlformats.org/officeDocument/2006/relationships" xmlns:p="http://schemas.openxmlformats.org/presentationml/2006/main">
   <p:cSld>
     <p:spTree>
@@ -32612,7 +33123,7 @@
           <a:p>
             <a:fld id="{9FB96E3B-B03F-FB46-80E6-92BF4A93D60F}" type="slidenum">
               <a:rPr lang="en-US" smtClean="0"/>
-              <a:t>60</a:t>
+              <a:t>63</a:t>
             </a:fld>
             <a:endParaRPr lang="en-US"/>
           </a:p>
@@ -32638,7 +33149,7 @@
 </p:sld>
 </file>
 
-<file path=ppt/slides/slide61.xml><?xml version="1.0" encoding="utf-8"?>
+<file path=ppt/slides/slide64.xml><?xml version="1.0" encoding="utf-8"?>
 <p:sld xmlns:a="http://schemas.openxmlformats.org/drawingml/2006/main" xmlns:r="http://schemas.openxmlformats.org/officeDocument/2006/relationships" xmlns:p="http://schemas.openxmlformats.org/presentationml/2006/main">
   <p:cSld>
     <p:spTree>
@@ -34360,7 +34871,7 @@
           <a:p>
             <a:fld id="{9FB96E3B-B03F-FB46-80E6-92BF4A93D60F}" type="slidenum">
               <a:rPr lang="en-US" smtClean="0"/>
-              <a:t>61</a:t>
+              <a:t>64</a:t>
             </a:fld>
             <a:endParaRPr lang="en-US" dirty="0"/>
           </a:p>
@@ -36061,7 +36572,7 @@
 </p:sld>
 </file>
 
-<file path=ppt/slides/slide62.xml><?xml version="1.0" encoding="utf-8"?>
+<file path=ppt/slides/slide65.xml><?xml version="1.0" encoding="utf-8"?>
 <p:sld xmlns:a="http://schemas.openxmlformats.org/drawingml/2006/main" xmlns:r="http://schemas.openxmlformats.org/officeDocument/2006/relationships" xmlns:p="http://schemas.openxmlformats.org/presentationml/2006/main">
   <p:cSld>
     <p:spTree>
@@ -36313,14 +36824,33 @@
               <a:buNone/>
             </a:pPr>
             <a:r>
-              <a:rPr lang="en-US" sz="2800" dirty="0" smtClean="0"/>
-              <a:t>I don’t care if you’re wrong as long as you’re </a:t>
-            </a:r>
-            <a:r>
-              <a:rPr lang="en-US" sz="2800" i="1" dirty="0" smtClean="0"/>
-              <a:t>consistent</a:t>
-            </a:r>
-            <a:endParaRPr lang="en-US" sz="2800" dirty="0"/>
+              <a:rPr lang="en-US" dirty="0" smtClean="0"/>
+              <a:t>Definitions abound: pick one.</a:t>
+            </a:r>
+          </a:p>
+          <a:p>
+            <a:pPr marL="0" indent="0">
+              <a:buNone/>
+            </a:pPr>
+            <a:endParaRPr lang="en-US" dirty="0"/>
+          </a:p>
+          <a:p>
+            <a:pPr marL="0" indent="0">
+              <a:buNone/>
+            </a:pPr>
+            <a:r>
+              <a:rPr lang="en-US" dirty="0"/>
+              <a:t>b</a:t>
+            </a:r>
+            <a:r>
+              <a:rPr lang="en-US" dirty="0" smtClean="0"/>
+              <a:t>ut try to be </a:t>
+            </a:r>
+            <a:r>
+              <a:rPr lang="en-US" i="1" dirty="0" smtClean="0"/>
+              <a:t>consistent…</a:t>
+            </a:r>
+            <a:endParaRPr lang="en-US" dirty="0"/>
           </a:p>
         </p:txBody>
       </p:sp>
@@ -36374,14 +36904,27 @@
         <p:spPr/>
         <p:txBody>
           <a:bodyPr>
-            <a:normAutofit fontScale="90000"/>
+            <a:normAutofit/>
           </a:bodyPr>
           <a:lstStyle/>
           <a:p>
             <a:r>
-              <a:rPr lang="en-US" dirty="0"/>
-              <a:t>Context: replicated distributed systems</a:t>
-            </a:r>
+              <a:rPr lang="en-US" dirty="0" smtClean="0"/>
+              <a:t>What </a:t>
+            </a:r>
+            <a:r>
+              <a:rPr lang="en-US" i="1" dirty="0" smtClean="0"/>
+              <a:t>isn’t </a:t>
+            </a:r>
+            <a:r>
+              <a:rPr lang="en-US" dirty="0" smtClean="0"/>
+              <a:t>consistent</a:t>
+            </a:r>
+            <a:r>
+              <a:rPr lang="en-US" dirty="0" smtClean="0"/>
+              <a:t>?</a:t>
+            </a:r>
+            <a:endParaRPr lang="en-US" dirty="0"/>
           </a:p>
         </p:txBody>
       </p:sp>
@@ -36418,34 +36961,19 @@
             </a:r>
           </a:p>
           <a:p>
-            <a:pPr lvl="1"/>
-            <a:r>
-              <a:rPr lang="en-US" dirty="0" err="1" smtClean="0"/>
-              <a:t>Eg</a:t>
-            </a:r>
             <a:r>
               <a:rPr lang="en-US" dirty="0" smtClean="0"/>
-              <a:t> not RYW.  </a:t>
-            </a:r>
-            <a:endParaRPr lang="en-US" dirty="0"/>
-          </a:p>
-          <a:p>
+              <a:t>Write </a:t>
+            </a:r>
             <a:r>
               <a:rPr lang="en-US" dirty="0" smtClean="0"/>
-              <a:t>Write divergence (concurrent updates)</a:t>
-            </a:r>
-          </a:p>
-          <a:p>
-            <a:endParaRPr lang="en-US" dirty="0"/>
+              <a:t>divergence (concurrent updates)</a:t>
+            </a:r>
           </a:p>
           <a:p>
             <a:pPr marL="0" indent="0">
               <a:buNone/>
             </a:pPr>
-            <a:r>
-              <a:rPr lang="en-US" dirty="0" smtClean="0"/>
-              <a:t>We’ll focus on the latter class.</a:t>
-            </a:r>
             <a:endParaRPr lang="en-US" dirty="0"/>
           </a:p>
         </p:txBody>

--- a/socc12-bloom-tutorial/slides/bloom-tutorial.pptx
+++ b/socc12-bloom-tutorial/slides/bloom-tutorial.pptx
@@ -5,7 +5,7 @@
     <p:sldMasterId id="2147483648" r:id="rId1"/>
   </p:sldMasterIdLst>
   <p:notesMasterIdLst>
-    <p:notesMasterId r:id="rId67"/>
+    <p:notesMasterId r:id="rId74"/>
   </p:notesMasterIdLst>
   <p:sldIdLst>
     <p:sldId id="256" r:id="rId2"/>
@@ -72,7 +72,14 @@
     <p:sldId id="314" r:id="rId63"/>
     <p:sldId id="317" r:id="rId64"/>
     <p:sldId id="316" r:id="rId65"/>
-    <p:sldId id="315" r:id="rId66"/>
+    <p:sldId id="334" r:id="rId66"/>
+    <p:sldId id="335" r:id="rId67"/>
+    <p:sldId id="336" r:id="rId68"/>
+    <p:sldId id="337" r:id="rId69"/>
+    <p:sldId id="338" r:id="rId70"/>
+    <p:sldId id="339" r:id="rId71"/>
+    <p:sldId id="340" r:id="rId72"/>
+    <p:sldId id="333" r:id="rId73"/>
   </p:sldIdLst>
   <p:sldSz cx="9144000" cy="6858000" type="screen4x3"/>
   <p:notesSz cx="6858000" cy="9144000"/>
@@ -256,7 +263,7 @@
           <a:p>
             <a:fld id="{BFEDCB8C-FB56-DE43-982A-7C4B50E01967}" type="datetimeFigureOut">
               <a:rPr lang="en-US" smtClean="0"/>
-              <a:t>10/2/12</a:t>
+              <a:t>10/4/12</a:t>
             </a:fld>
             <a:endParaRPr lang="en-US"/>
           </a:p>
@@ -2110,7 +2117,7 @@
           <a:p>
             <a:fld id="{571FDF53-B6EF-134A-BB44-DD74DDE8C8BD}" type="datetimeFigureOut">
               <a:rPr lang="en-US" smtClean="0"/>
-              <a:t>10/2/12</a:t>
+              <a:t>10/4/12</a:t>
             </a:fld>
             <a:endParaRPr lang="en-US"/>
           </a:p>
@@ -2280,7 +2287,7 @@
           <a:p>
             <a:fld id="{571FDF53-B6EF-134A-BB44-DD74DDE8C8BD}" type="datetimeFigureOut">
               <a:rPr lang="en-US" smtClean="0"/>
-              <a:t>10/2/12</a:t>
+              <a:t>10/4/12</a:t>
             </a:fld>
             <a:endParaRPr lang="en-US"/>
           </a:p>
@@ -2460,7 +2467,7 @@
           <a:p>
             <a:fld id="{571FDF53-B6EF-134A-BB44-DD74DDE8C8BD}" type="datetimeFigureOut">
               <a:rPr lang="en-US" smtClean="0"/>
-              <a:t>10/2/12</a:t>
+              <a:t>10/4/12</a:t>
             </a:fld>
             <a:endParaRPr lang="en-US"/>
           </a:p>
@@ -2630,7 +2637,7 @@
           <a:p>
             <a:fld id="{571FDF53-B6EF-134A-BB44-DD74DDE8C8BD}" type="datetimeFigureOut">
               <a:rPr lang="en-US" smtClean="0"/>
-              <a:t>10/2/12</a:t>
+              <a:t>10/4/12</a:t>
             </a:fld>
             <a:endParaRPr lang="en-US"/>
           </a:p>
@@ -2876,7 +2883,7 @@
           <a:p>
             <a:fld id="{571FDF53-B6EF-134A-BB44-DD74DDE8C8BD}" type="datetimeFigureOut">
               <a:rPr lang="en-US" smtClean="0"/>
-              <a:t>10/2/12</a:t>
+              <a:t>10/4/12</a:t>
             </a:fld>
             <a:endParaRPr lang="en-US"/>
           </a:p>
@@ -3164,7 +3171,7 @@
           <a:p>
             <a:fld id="{571FDF53-B6EF-134A-BB44-DD74DDE8C8BD}" type="datetimeFigureOut">
               <a:rPr lang="en-US" smtClean="0"/>
-              <a:t>10/2/12</a:t>
+              <a:t>10/4/12</a:t>
             </a:fld>
             <a:endParaRPr lang="en-US"/>
           </a:p>
@@ -3586,7 +3593,7 @@
           <a:p>
             <a:fld id="{571FDF53-B6EF-134A-BB44-DD74DDE8C8BD}" type="datetimeFigureOut">
               <a:rPr lang="en-US" smtClean="0"/>
-              <a:t>10/2/12</a:t>
+              <a:t>10/4/12</a:t>
             </a:fld>
             <a:endParaRPr lang="en-US"/>
           </a:p>
@@ -3704,7 +3711,7 @@
           <a:p>
             <a:fld id="{571FDF53-B6EF-134A-BB44-DD74DDE8C8BD}" type="datetimeFigureOut">
               <a:rPr lang="en-US" smtClean="0"/>
-              <a:t>10/2/12</a:t>
+              <a:t>10/4/12</a:t>
             </a:fld>
             <a:endParaRPr lang="en-US"/>
           </a:p>
@@ -3799,7 +3806,7 @@
           <a:p>
             <a:fld id="{571FDF53-B6EF-134A-BB44-DD74DDE8C8BD}" type="datetimeFigureOut">
               <a:rPr lang="en-US" smtClean="0"/>
-              <a:t>10/2/12</a:t>
+              <a:t>10/4/12</a:t>
             </a:fld>
             <a:endParaRPr lang="en-US"/>
           </a:p>
@@ -4076,7 +4083,7 @@
           <a:p>
             <a:fld id="{571FDF53-B6EF-134A-BB44-DD74DDE8C8BD}" type="datetimeFigureOut">
               <a:rPr lang="en-US" smtClean="0"/>
-              <a:t>10/2/12</a:t>
+              <a:t>10/4/12</a:t>
             </a:fld>
             <a:endParaRPr lang="en-US"/>
           </a:p>
@@ -4329,7 +4336,7 @@
           <a:p>
             <a:fld id="{571FDF53-B6EF-134A-BB44-DD74DDE8C8BD}" type="datetimeFigureOut">
               <a:rPr lang="en-US" smtClean="0"/>
-              <a:t>10/2/12</a:t>
+              <a:t>10/4/12</a:t>
             </a:fld>
             <a:endParaRPr lang="en-US"/>
           </a:p>
@@ -4542,7 +4549,7 @@
           <a:p>
             <a:fld id="{571FDF53-B6EF-134A-BB44-DD74DDE8C8BD}" type="datetimeFigureOut">
               <a:rPr lang="en-US" smtClean="0"/>
-              <a:t>10/2/12</a:t>
+              <a:t>10/4/12</a:t>
             </a:fld>
             <a:endParaRPr lang="en-US"/>
           </a:p>
@@ -8100,11 +8107,7 @@
             </a:pPr>
             <a:r>
               <a:rPr lang="en-US" dirty="0" smtClean="0"/>
-              <a:t>AKA `</a:t>
-            </a:r>
-            <a:r>
-              <a:rPr lang="en-US" dirty="0" smtClean="0"/>
-              <a:t>`single copy’’ consistency</a:t>
+              <a:t>AKA ``single copy’’ consistency</a:t>
             </a:r>
           </a:p>
           <a:p>
@@ -36589,6 +36592,66 @@
           <a:chExt cx="0" cy="0"/>
         </a:xfrm>
       </p:grpSpPr>
+      <p:pic>
+        <p:nvPicPr>
+          <p:cNvPr id="17" name="Picture 16" descr="images (10).jpeg"/>
+          <p:cNvPicPr>
+            <a:picLocks noChangeAspect="1"/>
+          </p:cNvPicPr>
+          <p:nvPr/>
+        </p:nvPicPr>
+        <p:blipFill>
+          <a:blip r:embed="rId2">
+            <a:extLst>
+              <a:ext uri="{28A0092B-C50C-407E-A947-70E740481C1C}">
+                <a14:useLocalDpi xmlns:a14="http://schemas.microsoft.com/office/drawing/2010/main" val="0"/>
+              </a:ext>
+            </a:extLst>
+          </a:blip>
+          <a:stretch>
+            <a:fillRect/>
+          </a:stretch>
+        </p:blipFill>
+        <p:spPr>
+          <a:xfrm>
+            <a:off x="6352727" y="1582236"/>
+            <a:ext cx="1463945" cy="1463945"/>
+          </a:xfrm>
+          <a:prstGeom prst="rect">
+            <a:avLst/>
+          </a:prstGeom>
+        </p:spPr>
+      </p:pic>
+      <p:pic>
+        <p:nvPicPr>
+          <p:cNvPr id="18" name="Picture 17" descr="images (10).jpeg"/>
+          <p:cNvPicPr>
+            <a:picLocks noChangeAspect="1"/>
+          </p:cNvPicPr>
+          <p:nvPr/>
+        </p:nvPicPr>
+        <p:blipFill>
+          <a:blip r:embed="rId2">
+            <a:extLst>
+              <a:ext uri="{28A0092B-C50C-407E-A947-70E740481C1C}">
+                <a14:useLocalDpi xmlns:a14="http://schemas.microsoft.com/office/drawing/2010/main" val="0"/>
+              </a:ext>
+            </a:extLst>
+          </a:blip>
+          <a:stretch>
+            <a:fillRect/>
+          </a:stretch>
+        </p:blipFill>
+        <p:spPr>
+          <a:xfrm>
+            <a:off x="704816" y="1686988"/>
+            <a:ext cx="1463945" cy="1463945"/>
+          </a:xfrm>
+          <a:prstGeom prst="rect">
+            <a:avLst/>
+          </a:prstGeom>
+        </p:spPr>
+      </p:pic>
       <p:sp>
         <p:nvSpPr>
           <p:cNvPr id="2" name="Title 1"/>
@@ -36604,18 +36667,787 @@
           <a:bodyPr/>
           <a:lstStyle/>
           <a:p>
-            <a:endParaRPr lang="en-US"/>
-          </a:p>
-        </p:txBody>
-      </p:sp>
-      <p:sp>
-        <p:nvSpPr>
-          <p:cNvPr id="3" name="Content Placeholder 2"/>
+            <a:r>
+              <a:rPr lang="en-US" dirty="0" smtClean="0"/>
+              <a:t>Why are distributed systems hard?</a:t>
+            </a:r>
+            <a:endParaRPr lang="en-US" dirty="0"/>
+          </a:p>
+        </p:txBody>
+      </p:sp>
+      <p:pic>
+        <p:nvPicPr>
+          <p:cNvPr id="4" name="Picture 3" descr="landscape-mountain-trees-clip-art_423631.jpg"/>
+          <p:cNvPicPr>
+            <a:picLocks noChangeAspect="1"/>
+          </p:cNvPicPr>
+          <p:nvPr/>
+        </p:nvPicPr>
+        <p:blipFill>
+          <a:blip r:embed="rId3">
+            <a:extLst>
+              <a:ext uri="{28A0092B-C50C-407E-A947-70E740481C1C}">
+                <a14:useLocalDpi xmlns:a14="http://schemas.microsoft.com/office/drawing/2010/main" val="0"/>
+              </a:ext>
+            </a:extLst>
+          </a:blip>
+          <a:stretch>
+            <a:fillRect/>
+          </a:stretch>
+        </p:blipFill>
+        <p:spPr>
+          <a:xfrm>
+            <a:off x="3397310" y="4569833"/>
+            <a:ext cx="1944737" cy="1180510"/>
+          </a:xfrm>
+          <a:prstGeom prst="rect">
+            <a:avLst/>
+          </a:prstGeom>
+        </p:spPr>
+      </p:pic>
+      <p:pic>
+        <p:nvPicPr>
+          <p:cNvPr id="12" name="Picture 11" descr="images (9).jpeg"/>
+          <p:cNvPicPr>
+            <a:picLocks noChangeAspect="1"/>
+          </p:cNvPicPr>
+          <p:nvPr/>
+        </p:nvPicPr>
+        <p:blipFill>
+          <a:blip r:embed="rId4">
+            <a:extLst>
+              <a:ext uri="{28A0092B-C50C-407E-A947-70E740481C1C}">
+                <a14:useLocalDpi xmlns:a14="http://schemas.microsoft.com/office/drawing/2010/main" val="0"/>
+              </a:ext>
+            </a:extLst>
+          </a:blip>
+          <a:stretch>
+            <a:fillRect/>
+          </a:stretch>
+        </p:blipFill>
+        <p:spPr>
+          <a:xfrm>
+            <a:off x="-402719" y="3046181"/>
+            <a:ext cx="4109170" cy="2856561"/>
+          </a:xfrm>
+          <a:prstGeom prst="rect">
+            <a:avLst/>
+          </a:prstGeom>
+        </p:spPr>
+      </p:pic>
+      <p:pic>
+        <p:nvPicPr>
+          <p:cNvPr id="13" name="Picture 12" descr="images (9).jpeg"/>
+          <p:cNvPicPr>
+            <a:picLocks noChangeAspect="1"/>
+          </p:cNvPicPr>
+          <p:nvPr/>
+        </p:nvPicPr>
+        <p:blipFill>
+          <a:blip r:embed="rId4">
+            <a:extLst>
+              <a:ext uri="{28A0092B-C50C-407E-A947-70E740481C1C}">
+                <a14:useLocalDpi xmlns:a14="http://schemas.microsoft.com/office/drawing/2010/main" val="0"/>
+              </a:ext>
+            </a:extLst>
+          </a:blip>
+          <a:stretch>
+            <a:fillRect/>
+          </a:stretch>
+        </p:blipFill>
+        <p:spPr>
+          <a:xfrm>
+            <a:off x="5209567" y="2893781"/>
+            <a:ext cx="4109170" cy="2856561"/>
+          </a:xfrm>
+          <a:prstGeom prst="rect">
+            <a:avLst/>
+          </a:prstGeom>
+        </p:spPr>
+      </p:pic>
+      <p:pic>
+        <p:nvPicPr>
+          <p:cNvPr id="20" name="Picture 19" descr="images (14).jpeg"/>
+          <p:cNvPicPr>
+            <a:picLocks noChangeAspect="1"/>
+          </p:cNvPicPr>
+          <p:nvPr/>
+        </p:nvPicPr>
+        <p:blipFill>
+          <a:blip r:embed="rId5">
+            <a:extLst>
+              <a:ext uri="{28A0092B-C50C-407E-A947-70E740481C1C}">
+                <a14:useLocalDpi xmlns:a14="http://schemas.microsoft.com/office/drawing/2010/main" val="0"/>
+              </a:ext>
+            </a:extLst>
+          </a:blip>
+          <a:stretch>
+            <a:fillRect/>
+          </a:stretch>
+        </p:blipFill>
+        <p:spPr>
+          <a:xfrm>
+            <a:off x="1668722" y="2375475"/>
+            <a:ext cx="612803" cy="1036611"/>
+          </a:xfrm>
+          <a:prstGeom prst="rect">
+            <a:avLst/>
+          </a:prstGeom>
+        </p:spPr>
+      </p:pic>
+      <p:sp>
+        <p:nvSpPr>
+          <p:cNvPr id="5" name="TextBox 4"/>
+          <p:cNvSpPr txBox="1"/>
+          <p:nvPr/>
+        </p:nvSpPr>
+        <p:spPr>
+          <a:xfrm>
+            <a:off x="1668722" y="1857211"/>
+            <a:ext cx="1937550" cy="369332"/>
+          </a:xfrm>
+          <a:prstGeom prst="rect">
+            <a:avLst/>
+          </a:prstGeom>
+          <a:noFill/>
+        </p:spPr>
+        <p:txBody>
+          <a:bodyPr wrap="none" rtlCol="0">
+            <a:spAutoFit/>
+          </a:bodyPr>
+          <a:lstStyle/>
+          <a:p>
+            <a:r>
+              <a:rPr lang="en-US" dirty="0" smtClean="0"/>
+              <a:t>We attack at dawn</a:t>
+            </a:r>
+            <a:endParaRPr lang="en-US" dirty="0"/>
+          </a:p>
+        </p:txBody>
+      </p:sp>
+      <p:sp>
+        <p:nvSpPr>
+          <p:cNvPr id="6" name="TextBox 5"/>
+          <p:cNvSpPr txBox="1"/>
+          <p:nvPr/>
+        </p:nvSpPr>
+        <p:spPr>
+          <a:xfrm>
+            <a:off x="6911448" y="1229480"/>
+            <a:ext cx="291629" cy="369332"/>
+          </a:xfrm>
+          <a:prstGeom prst="rect">
+            <a:avLst/>
+          </a:prstGeom>
+          <a:noFill/>
+        </p:spPr>
+        <p:txBody>
+          <a:bodyPr wrap="none" rtlCol="0">
+            <a:spAutoFit/>
+          </a:bodyPr>
+          <a:lstStyle/>
+          <a:p>
+            <a:r>
+              <a:rPr lang="en-US" dirty="0" smtClean="0"/>
+              <a:t>?</a:t>
+            </a:r>
+            <a:endParaRPr lang="en-US" dirty="0"/>
+          </a:p>
+        </p:txBody>
+      </p:sp>
+      <p:sp>
+        <p:nvSpPr>
+          <p:cNvPr id="14" name="TextBox 13"/>
+          <p:cNvSpPr txBox="1"/>
+          <p:nvPr/>
+        </p:nvSpPr>
+        <p:spPr>
+          <a:xfrm>
+            <a:off x="1237351" y="1339003"/>
+            <a:ext cx="291629" cy="369332"/>
+          </a:xfrm>
+          <a:prstGeom prst="rect">
+            <a:avLst/>
+          </a:prstGeom>
+          <a:noFill/>
+        </p:spPr>
+        <p:txBody>
+          <a:bodyPr wrap="none" rtlCol="0">
+            <a:spAutoFit/>
+          </a:bodyPr>
+          <a:lstStyle/>
+          <a:p>
+            <a:r>
+              <a:rPr lang="en-US" dirty="0" smtClean="0"/>
+              <a:t>?</a:t>
+            </a:r>
+            <a:endParaRPr lang="en-US" dirty="0"/>
+          </a:p>
+        </p:txBody>
+      </p:sp>
+    </p:spTree>
+    <p:extLst>
+      <p:ext uri="{BB962C8B-B14F-4D97-AF65-F5344CB8AC3E}">
+        <p14:creationId xmlns:p14="http://schemas.microsoft.com/office/powerpoint/2010/main" val="224358188"/>
+      </p:ext>
+    </p:extLst>
+  </p:cSld>
+  <p:clrMapOvr>
+    <a:masterClrMapping/>
+  </p:clrMapOvr>
+  <p:timing>
+    <p:tnLst>
+      <p:par>
+        <p:cTn xmlns:p14="http://schemas.microsoft.com/office/powerpoint/2010/main" id="1" dur="indefinite" restart="never" nodeType="tmRoot">
+          <p:childTnLst>
+            <p:seq concurrent="1" nextAc="seek">
+              <p:cTn id="2" dur="indefinite" nodeType="mainSeq">
+                <p:childTnLst>
+                  <p:par>
+                    <p:cTn id="3" fill="hold">
+                      <p:stCondLst>
+                        <p:cond delay="indefinite"/>
+                      </p:stCondLst>
+                      <p:childTnLst>
+                        <p:par>
+                          <p:cTn id="4" fill="hold">
+                            <p:stCondLst>
+                              <p:cond delay="0"/>
+                            </p:stCondLst>
+                            <p:childTnLst>
+                              <p:par>
+                                <p:cTn id="5" presetID="1" presetClass="entr" presetSubtype="0" fill="hold" nodeType="clickEffect">
+                                  <p:stCondLst>
+                                    <p:cond delay="0"/>
+                                  </p:stCondLst>
+                                  <p:childTnLst>
+                                    <p:set>
+                                      <p:cBhvr>
+                                        <p:cTn id="6" dur="1" fill="hold">
+                                          <p:stCondLst>
+                                            <p:cond delay="0"/>
+                                          </p:stCondLst>
+                                        </p:cTn>
+                                        <p:tgtEl>
+                                          <p:spTgt spid="18"/>
+                                        </p:tgtEl>
+                                        <p:attrNameLst>
+                                          <p:attrName>style.visibility</p:attrName>
+                                        </p:attrNameLst>
+                                      </p:cBhvr>
+                                      <p:to>
+                                        <p:strVal val="visible"/>
+                                      </p:to>
+                                    </p:set>
+                                  </p:childTnLst>
+                                </p:cTn>
+                              </p:par>
+                            </p:childTnLst>
+                          </p:cTn>
+                        </p:par>
+                      </p:childTnLst>
+                    </p:cTn>
+                  </p:par>
+                  <p:par>
+                    <p:cTn id="7" fill="hold">
+                      <p:stCondLst>
+                        <p:cond delay="indefinite"/>
+                      </p:stCondLst>
+                      <p:childTnLst>
+                        <p:par>
+                          <p:cTn id="8" fill="hold">
+                            <p:stCondLst>
+                              <p:cond delay="0"/>
+                            </p:stCondLst>
+                            <p:childTnLst>
+                              <p:par>
+                                <p:cTn id="9" presetID="1" presetClass="entr" presetSubtype="0" fill="hold" nodeType="clickEffect">
+                                  <p:stCondLst>
+                                    <p:cond delay="0"/>
+                                  </p:stCondLst>
+                                  <p:childTnLst>
+                                    <p:set>
+                                      <p:cBhvr>
+                                        <p:cTn id="10" dur="1" fill="hold">
+                                          <p:stCondLst>
+                                            <p:cond delay="0"/>
+                                          </p:stCondLst>
+                                        </p:cTn>
+                                        <p:tgtEl>
+                                          <p:spTgt spid="17"/>
+                                        </p:tgtEl>
+                                        <p:attrNameLst>
+                                          <p:attrName>style.visibility</p:attrName>
+                                        </p:attrNameLst>
+                                      </p:cBhvr>
+                                      <p:to>
+                                        <p:strVal val="visible"/>
+                                      </p:to>
+                                    </p:set>
+                                  </p:childTnLst>
+                                </p:cTn>
+                              </p:par>
+                            </p:childTnLst>
+                          </p:cTn>
+                        </p:par>
+                      </p:childTnLst>
+                    </p:cTn>
+                  </p:par>
+                  <p:par>
+                    <p:cTn id="11" fill="hold">
+                      <p:stCondLst>
+                        <p:cond delay="indefinite"/>
+                      </p:stCondLst>
+                      <p:childTnLst>
+                        <p:par>
+                          <p:cTn id="12" fill="hold">
+                            <p:stCondLst>
+                              <p:cond delay="0"/>
+                            </p:stCondLst>
+                            <p:childTnLst>
+                              <p:par>
+                                <p:cTn id="13" presetID="9" presetClass="entr" presetSubtype="0" fill="hold" nodeType="clickEffect">
+                                  <p:stCondLst>
+                                    <p:cond delay="0"/>
+                                  </p:stCondLst>
+                                  <p:childTnLst>
+                                    <p:set>
+                                      <p:cBhvr>
+                                        <p:cTn id="14" dur="1" fill="hold">
+                                          <p:stCondLst>
+                                            <p:cond delay="0"/>
+                                          </p:stCondLst>
+                                        </p:cTn>
+                                        <p:tgtEl>
+                                          <p:spTgt spid="20"/>
+                                        </p:tgtEl>
+                                        <p:attrNameLst>
+                                          <p:attrName>style.visibility</p:attrName>
+                                        </p:attrNameLst>
+                                      </p:cBhvr>
+                                      <p:to>
+                                        <p:strVal val="visible"/>
+                                      </p:to>
+                                    </p:set>
+                                    <p:animEffect transition="in" filter="dissolve">
+                                      <p:cBhvr>
+                                        <p:cTn id="15" dur="500"/>
+                                        <p:tgtEl>
+                                          <p:spTgt spid="20"/>
+                                        </p:tgtEl>
+                                      </p:cBhvr>
+                                    </p:animEffect>
+                                  </p:childTnLst>
+                                </p:cTn>
+                              </p:par>
+                            </p:childTnLst>
+                          </p:cTn>
+                        </p:par>
+                      </p:childTnLst>
+                    </p:cTn>
+                  </p:par>
+                  <p:par>
+                    <p:cTn id="16" fill="hold">
+                      <p:stCondLst>
+                        <p:cond delay="indefinite"/>
+                      </p:stCondLst>
+                      <p:childTnLst>
+                        <p:par>
+                          <p:cTn id="17" fill="hold">
+                            <p:stCondLst>
+                              <p:cond delay="0"/>
+                            </p:stCondLst>
+                            <p:childTnLst>
+                              <p:par>
+                                <p:cTn id="18" presetID="9" presetClass="entr" presetSubtype="0" fill="hold" grpId="0" nodeType="clickEffect">
+                                  <p:stCondLst>
+                                    <p:cond delay="0"/>
+                                  </p:stCondLst>
+                                  <p:childTnLst>
+                                    <p:set>
+                                      <p:cBhvr>
+                                        <p:cTn id="19" dur="1" fill="hold">
+                                          <p:stCondLst>
+                                            <p:cond delay="0"/>
+                                          </p:stCondLst>
+                                        </p:cTn>
+                                        <p:tgtEl>
+                                          <p:spTgt spid="5"/>
+                                        </p:tgtEl>
+                                        <p:attrNameLst>
+                                          <p:attrName>style.visibility</p:attrName>
+                                        </p:attrNameLst>
+                                      </p:cBhvr>
+                                      <p:to>
+                                        <p:strVal val="visible"/>
+                                      </p:to>
+                                    </p:set>
+                                    <p:animEffect transition="in" filter="dissolve">
+                                      <p:cBhvr>
+                                        <p:cTn id="20" dur="500"/>
+                                        <p:tgtEl>
+                                          <p:spTgt spid="5"/>
+                                        </p:tgtEl>
+                                      </p:cBhvr>
+                                    </p:animEffect>
+                                  </p:childTnLst>
+                                </p:cTn>
+                              </p:par>
+                            </p:childTnLst>
+                          </p:cTn>
+                        </p:par>
+                      </p:childTnLst>
+                    </p:cTn>
+                  </p:par>
+                  <p:par>
+                    <p:cTn id="21" fill="hold">
+                      <p:stCondLst>
+                        <p:cond delay="indefinite"/>
+                      </p:stCondLst>
+                      <p:childTnLst>
+                        <p:par>
+                          <p:cTn id="22" fill="hold">
+                            <p:stCondLst>
+                              <p:cond delay="0"/>
+                            </p:stCondLst>
+                            <p:childTnLst>
+                              <p:par>
+                                <p:cTn id="23" presetID="0" presetClass="path" presetSubtype="0" accel="50000" decel="50000" fill="hold" nodeType="clickEffect">
+                                  <p:stCondLst>
+                                    <p:cond delay="0"/>
+                                  </p:stCondLst>
+                                  <p:childTnLst>
+                                    <p:animMotion origin="layout" path="M 2.98419E-6 2.27672E-6 C 0.00747 0.0155 0.01094 0.03725 0.01425 0.0553 C 0.01529 0.06108 0.01633 0.06895 0.01859 0.0745 C 0.02015 0.07844 0.02432 0.08584 0.02432 0.08584 C 0.02467 0.08769 0.02484 0.08978 0.02571 0.09163 C 0.0264 0.09301 0.02797 0.09371 0.02866 0.09556 C 0.03318 0.10759 0.0271 0.09834 0.03144 0.10875 C 0.03596 0.11985 0.04221 0.12934 0.05159 0.1335 C 0.0575 0.14183 0.06097 0.13883 0.07018 0.13744 C 0.07226 0.13443 0.07539 0.13281 0.0773 0.1298 C 0.08286 0.12032 0.0733 0.1261 0.08303 0.12217 C 0.08963 0.11592 0.08564 0.1187 0.09589 0.11453 C 0.09727 0.11384 0.10023 0.11268 0.10023 0.11268 C 0.10214 0.12055 0.10631 0.12124 0.1103 0.12795 C 0.11273 0.13212 0.11742 0.14114 0.11742 0.14114 C 0.11777 0.14299 0.11795 0.14507 0.11881 0.14692 C 0.11951 0.14831 0.12107 0.14901 0.12177 0.15086 C 0.12437 0.1578 0.12298 0.16196 0.1275 0.16798 C 0.12958 0.177 0.13254 0.18209 0.1374 0.18903 C 0.14087 0.20153 0.14192 0.21148 0.14886 0.22143 C 0.15095 0.22999 0.15147 0.23624 0.15616 0.24248 C 0.15842 0.25174 0.16311 0.25937 0.16762 0.26724 C 0.16919 0.27372 0.1711 0.27765 0.17475 0.28251 C 0.17857 0.29894 0.17301 0.27881 0.17909 0.292 C 0.17978 0.29362 0.17944 0.29616 0.18048 0.29778 C 0.18743 0.30981 0.19576 0.31351 0.20619 0.31884 C 0.20914 0.32254 0.21174 0.32624 0.21487 0.33017 C 0.21522 0.33202 0.21504 0.33434 0.21626 0.33596 C 0.2173 0.33735 0.21921 0.33665 0.2206 0.33781 C 0.23033 0.34568 0.21522 0.33827 0.22772 0.34359 C 0.23554 0.35331 0.22581 0.34105 0.23346 0.35123 C 0.23433 0.35238 0.23641 0.35493 0.23641 0.35493 " pathEditMode="relative" ptsTypes="fffffffffffffffffffffffffffffffA">
+                                      <p:cBhvr>
+                                        <p:cTn id="24" dur="2000" fill="hold"/>
+                                        <p:tgtEl>
+                                          <p:spTgt spid="20"/>
+                                        </p:tgtEl>
+                                        <p:attrNameLst>
+                                          <p:attrName>ppt_x</p:attrName>
+                                          <p:attrName>ppt_y</p:attrName>
+                                        </p:attrNameLst>
+                                      </p:cBhvr>
+                                    </p:animMotion>
+                                  </p:childTnLst>
+                                </p:cTn>
+                              </p:par>
+                            </p:childTnLst>
+                          </p:cTn>
+                        </p:par>
+                      </p:childTnLst>
+                    </p:cTn>
+                  </p:par>
+                  <p:par>
+                    <p:cTn id="25" fill="hold">
+                      <p:stCondLst>
+                        <p:cond delay="indefinite"/>
+                      </p:stCondLst>
+                      <p:childTnLst>
+                        <p:par>
+                          <p:cTn id="26" fill="hold">
+                            <p:stCondLst>
+                              <p:cond delay="0"/>
+                            </p:stCondLst>
+                            <p:childTnLst>
+                              <p:par>
+                                <p:cTn id="27" presetID="9" presetClass="exit" presetSubtype="0" fill="hold" grpId="1" nodeType="clickEffect">
+                                  <p:stCondLst>
+                                    <p:cond delay="0"/>
+                                  </p:stCondLst>
+                                  <p:childTnLst>
+                                    <p:animEffect transition="out" filter="dissolve">
+                                      <p:cBhvr>
+                                        <p:cTn id="28" dur="500"/>
+                                        <p:tgtEl>
+                                          <p:spTgt spid="5"/>
+                                        </p:tgtEl>
+                                      </p:cBhvr>
+                                    </p:animEffect>
+                                    <p:set>
+                                      <p:cBhvr>
+                                        <p:cTn id="29" dur="1" fill="hold">
+                                          <p:stCondLst>
+                                            <p:cond delay="499"/>
+                                          </p:stCondLst>
+                                        </p:cTn>
+                                        <p:tgtEl>
+                                          <p:spTgt spid="5"/>
+                                        </p:tgtEl>
+                                        <p:attrNameLst>
+                                          <p:attrName>style.visibility</p:attrName>
+                                        </p:attrNameLst>
+                                      </p:cBhvr>
+                                      <p:to>
+                                        <p:strVal val="hidden"/>
+                                      </p:to>
+                                    </p:set>
+                                  </p:childTnLst>
+                                </p:cTn>
+                              </p:par>
+                            </p:childTnLst>
+                          </p:cTn>
+                        </p:par>
+                      </p:childTnLst>
+                    </p:cTn>
+                  </p:par>
+                  <p:par>
+                    <p:cTn id="30" fill="hold">
+                      <p:stCondLst>
+                        <p:cond delay="indefinite"/>
+                      </p:stCondLst>
+                      <p:childTnLst>
+                        <p:par>
+                          <p:cTn id="31" fill="hold">
+                            <p:stCondLst>
+                              <p:cond delay="0"/>
+                            </p:stCondLst>
+                            <p:childTnLst>
+                              <p:par>
+                                <p:cTn id="32" presetID="9" presetClass="exit" presetSubtype="0" fill="hold" nodeType="clickEffect">
+                                  <p:stCondLst>
+                                    <p:cond delay="0"/>
+                                  </p:stCondLst>
+                                  <p:childTnLst>
+                                    <p:animEffect transition="out" filter="dissolve">
+                                      <p:cBhvr>
+                                        <p:cTn id="33" dur="500"/>
+                                        <p:tgtEl>
+                                          <p:spTgt spid="20"/>
+                                        </p:tgtEl>
+                                      </p:cBhvr>
+                                    </p:animEffect>
+                                    <p:set>
+                                      <p:cBhvr>
+                                        <p:cTn id="34" dur="1" fill="hold">
+                                          <p:stCondLst>
+                                            <p:cond delay="499"/>
+                                          </p:stCondLst>
+                                        </p:cTn>
+                                        <p:tgtEl>
+                                          <p:spTgt spid="20"/>
+                                        </p:tgtEl>
+                                        <p:attrNameLst>
+                                          <p:attrName>style.visibility</p:attrName>
+                                        </p:attrNameLst>
+                                      </p:cBhvr>
+                                      <p:to>
+                                        <p:strVal val="hidden"/>
+                                      </p:to>
+                                    </p:set>
+                                  </p:childTnLst>
+                                </p:cTn>
+                              </p:par>
+                            </p:childTnLst>
+                          </p:cTn>
+                        </p:par>
+                      </p:childTnLst>
+                    </p:cTn>
+                  </p:par>
+                  <p:par>
+                    <p:cTn id="35" fill="hold">
+                      <p:stCondLst>
+                        <p:cond delay="indefinite"/>
+                      </p:stCondLst>
+                      <p:childTnLst>
+                        <p:par>
+                          <p:cTn id="36" fill="hold">
+                            <p:stCondLst>
+                              <p:cond delay="0"/>
+                            </p:stCondLst>
+                            <p:childTnLst>
+                              <p:par>
+                                <p:cTn id="37" presetID="9" presetClass="entr" presetSubtype="0" fill="hold" grpId="0" nodeType="clickEffect">
+                                  <p:stCondLst>
+                                    <p:cond delay="0"/>
+                                  </p:stCondLst>
+                                  <p:childTnLst>
+                                    <p:set>
+                                      <p:cBhvr>
+                                        <p:cTn id="38" dur="1" fill="hold">
+                                          <p:stCondLst>
+                                            <p:cond delay="0"/>
+                                          </p:stCondLst>
+                                        </p:cTn>
+                                        <p:tgtEl>
+                                          <p:spTgt spid="14"/>
+                                        </p:tgtEl>
+                                        <p:attrNameLst>
+                                          <p:attrName>style.visibility</p:attrName>
+                                        </p:attrNameLst>
+                                      </p:cBhvr>
+                                      <p:to>
+                                        <p:strVal val="visible"/>
+                                      </p:to>
+                                    </p:set>
+                                    <p:animEffect transition="in" filter="dissolve">
+                                      <p:cBhvr>
+                                        <p:cTn id="39" dur="500"/>
+                                        <p:tgtEl>
+                                          <p:spTgt spid="14"/>
+                                        </p:tgtEl>
+                                      </p:cBhvr>
+                                    </p:animEffect>
+                                  </p:childTnLst>
+                                </p:cTn>
+                              </p:par>
+                              <p:par>
+                                <p:cTn id="40" presetID="9" presetClass="entr" presetSubtype="0" fill="hold" grpId="0" nodeType="withEffect">
+                                  <p:stCondLst>
+                                    <p:cond delay="0"/>
+                                  </p:stCondLst>
+                                  <p:childTnLst>
+                                    <p:set>
+                                      <p:cBhvr>
+                                        <p:cTn id="41" dur="1" fill="hold">
+                                          <p:stCondLst>
+                                            <p:cond delay="0"/>
+                                          </p:stCondLst>
+                                        </p:cTn>
+                                        <p:tgtEl>
+                                          <p:spTgt spid="6"/>
+                                        </p:tgtEl>
+                                        <p:attrNameLst>
+                                          <p:attrName>style.visibility</p:attrName>
+                                        </p:attrNameLst>
+                                      </p:cBhvr>
+                                      <p:to>
+                                        <p:strVal val="visible"/>
+                                      </p:to>
+                                    </p:set>
+                                    <p:animEffect transition="in" filter="dissolve">
+                                      <p:cBhvr>
+                                        <p:cTn id="42" dur="500"/>
+                                        <p:tgtEl>
+                                          <p:spTgt spid="6"/>
+                                        </p:tgtEl>
+                                      </p:cBhvr>
+                                    </p:animEffect>
+                                  </p:childTnLst>
+                                </p:cTn>
+                              </p:par>
+                            </p:childTnLst>
+                          </p:cTn>
+                        </p:par>
+                      </p:childTnLst>
+                    </p:cTn>
+                  </p:par>
+                </p:childTnLst>
+              </p:cTn>
+              <p:prevCondLst>
+                <p:cond evt="onPrev" delay="0">
+                  <p:tgtEl>
+                    <p:sldTgt/>
+                  </p:tgtEl>
+                </p:cond>
+              </p:prevCondLst>
+              <p:nextCondLst>
+                <p:cond evt="onNext" delay="0">
+                  <p:tgtEl>
+                    <p:sldTgt/>
+                  </p:tgtEl>
+                </p:cond>
+              </p:nextCondLst>
+            </p:seq>
+          </p:childTnLst>
+        </p:cTn>
+      </p:par>
+    </p:tnLst>
+    <p:bldLst>
+      <p:bldP spid="5" grpId="0"/>
+      <p:bldP spid="5" grpId="1"/>
+      <p:bldP spid="6" grpId="0"/>
+      <p:bldP spid="14" grpId="0"/>
+    </p:bldLst>
+  </p:timing>
+</p:sld>
+</file>
+
+<file path=ppt/slides/slide66.xml><?xml version="1.0" encoding="utf-8"?>
+<p:sld xmlns:a="http://schemas.openxmlformats.org/drawingml/2006/main" xmlns:r="http://schemas.openxmlformats.org/officeDocument/2006/relationships" xmlns:p="http://schemas.openxmlformats.org/presentationml/2006/main">
+  <p:cSld>
+    <p:spTree>
+      <p:nvGrpSpPr>
+        <p:cNvPr id="1" name=""/>
+        <p:cNvGrpSpPr/>
+        <p:nvPr/>
+      </p:nvGrpSpPr>
+      <p:grpSpPr>
+        <a:xfrm>
+          <a:off x="0" y="0"/>
+          <a:ext cx="0" cy="0"/>
+          <a:chOff x="0" y="0"/>
+          <a:chExt cx="0" cy="0"/>
+        </a:xfrm>
+      </p:grpSpPr>
+      <p:pic>
+        <p:nvPicPr>
+          <p:cNvPr id="17" name="Picture 16" descr="images (10).jpeg"/>
+          <p:cNvPicPr>
+            <a:picLocks noChangeAspect="1"/>
+          </p:cNvPicPr>
+          <p:nvPr/>
+        </p:nvPicPr>
+        <p:blipFill>
+          <a:blip r:embed="rId2">
+            <a:extLst>
+              <a:ext uri="{28A0092B-C50C-407E-A947-70E740481C1C}">
+                <a14:useLocalDpi xmlns:a14="http://schemas.microsoft.com/office/drawing/2010/main" val="0"/>
+              </a:ext>
+            </a:extLst>
+          </a:blip>
+          <a:stretch>
+            <a:fillRect/>
+          </a:stretch>
+        </p:blipFill>
+        <p:spPr>
+          <a:xfrm>
+            <a:off x="6352727" y="1582236"/>
+            <a:ext cx="1463945" cy="1463945"/>
+          </a:xfrm>
+          <a:prstGeom prst="rect">
+            <a:avLst/>
+          </a:prstGeom>
+        </p:spPr>
+      </p:pic>
+      <p:pic>
+        <p:nvPicPr>
+          <p:cNvPr id="18" name="Picture 17" descr="images (10).jpeg"/>
+          <p:cNvPicPr>
+            <a:picLocks noChangeAspect="1"/>
+          </p:cNvPicPr>
+          <p:nvPr/>
+        </p:nvPicPr>
+        <p:blipFill>
+          <a:blip r:embed="rId2">
+            <a:extLst>
+              <a:ext uri="{28A0092B-C50C-407E-A947-70E740481C1C}">
+                <a14:useLocalDpi xmlns:a14="http://schemas.microsoft.com/office/drawing/2010/main" val="0"/>
+              </a:ext>
+            </a:extLst>
+          </a:blip>
+          <a:stretch>
+            <a:fillRect/>
+          </a:stretch>
+        </p:blipFill>
+        <p:spPr>
+          <a:xfrm>
+            <a:off x="704816" y="1686988"/>
+            <a:ext cx="1463945" cy="1463945"/>
+          </a:xfrm>
+          <a:prstGeom prst="rect">
+            <a:avLst/>
+          </a:prstGeom>
+        </p:spPr>
+      </p:pic>
+      <p:sp>
+        <p:nvSpPr>
+          <p:cNvPr id="2" name="Title 1"/>
           <p:cNvSpPr>
             <a:spLocks noGrp="1"/>
           </p:cNvSpPr>
           <p:nvPr>
-            <p:ph idx="1"/>
+            <p:ph type="title"/>
           </p:nvPr>
         </p:nvSpPr>
         <p:spPr/>
@@ -36623,14 +37455,2213 @@
           <a:bodyPr/>
           <a:lstStyle/>
           <a:p>
-            <a:endParaRPr lang="en-US"/>
+            <a:r>
+              <a:rPr lang="en-US" dirty="0" smtClean="0"/>
+              <a:t>Why are distributed systems hard?</a:t>
+            </a:r>
+            <a:endParaRPr lang="en-US" dirty="0"/>
+          </a:p>
+        </p:txBody>
+      </p:sp>
+      <p:pic>
+        <p:nvPicPr>
+          <p:cNvPr id="4" name="Picture 3" descr="landscape-mountain-trees-clip-art_423631.jpg"/>
+          <p:cNvPicPr>
+            <a:picLocks noChangeAspect="1"/>
+          </p:cNvPicPr>
+          <p:nvPr/>
+        </p:nvPicPr>
+        <p:blipFill>
+          <a:blip r:embed="rId3">
+            <a:extLst>
+              <a:ext uri="{28A0092B-C50C-407E-A947-70E740481C1C}">
+                <a14:useLocalDpi xmlns:a14="http://schemas.microsoft.com/office/drawing/2010/main" val="0"/>
+              </a:ext>
+            </a:extLst>
+          </a:blip>
+          <a:stretch>
+            <a:fillRect/>
+          </a:stretch>
+        </p:blipFill>
+        <p:spPr>
+          <a:xfrm>
+            <a:off x="3397310" y="4569833"/>
+            <a:ext cx="1944737" cy="1180510"/>
+          </a:xfrm>
+          <a:prstGeom prst="rect">
+            <a:avLst/>
+          </a:prstGeom>
+        </p:spPr>
+      </p:pic>
+      <p:pic>
+        <p:nvPicPr>
+          <p:cNvPr id="12" name="Picture 11" descr="images (9).jpeg"/>
+          <p:cNvPicPr>
+            <a:picLocks noChangeAspect="1"/>
+          </p:cNvPicPr>
+          <p:nvPr/>
+        </p:nvPicPr>
+        <p:blipFill>
+          <a:blip r:embed="rId4">
+            <a:extLst>
+              <a:ext uri="{28A0092B-C50C-407E-A947-70E740481C1C}">
+                <a14:useLocalDpi xmlns:a14="http://schemas.microsoft.com/office/drawing/2010/main" val="0"/>
+              </a:ext>
+            </a:extLst>
+          </a:blip>
+          <a:stretch>
+            <a:fillRect/>
+          </a:stretch>
+        </p:blipFill>
+        <p:spPr>
+          <a:xfrm>
+            <a:off x="-402719" y="3046181"/>
+            <a:ext cx="4109170" cy="2856561"/>
+          </a:xfrm>
+          <a:prstGeom prst="rect">
+            <a:avLst/>
+          </a:prstGeom>
+        </p:spPr>
+      </p:pic>
+      <p:pic>
+        <p:nvPicPr>
+          <p:cNvPr id="13" name="Picture 12" descr="images (9).jpeg"/>
+          <p:cNvPicPr>
+            <a:picLocks noChangeAspect="1"/>
+          </p:cNvPicPr>
+          <p:nvPr/>
+        </p:nvPicPr>
+        <p:blipFill>
+          <a:blip r:embed="rId4">
+            <a:extLst>
+              <a:ext uri="{28A0092B-C50C-407E-A947-70E740481C1C}">
+                <a14:useLocalDpi xmlns:a14="http://schemas.microsoft.com/office/drawing/2010/main" val="0"/>
+              </a:ext>
+            </a:extLst>
+          </a:blip>
+          <a:stretch>
+            <a:fillRect/>
+          </a:stretch>
+        </p:blipFill>
+        <p:spPr>
+          <a:xfrm>
+            <a:off x="5209567" y="2893781"/>
+            <a:ext cx="4109170" cy="2856561"/>
+          </a:xfrm>
+          <a:prstGeom prst="rect">
+            <a:avLst/>
+          </a:prstGeom>
+        </p:spPr>
+      </p:pic>
+      <p:sp>
+        <p:nvSpPr>
+          <p:cNvPr id="3" name="TextBox 2"/>
+          <p:cNvSpPr txBox="1"/>
+          <p:nvPr/>
+        </p:nvSpPr>
+        <p:spPr>
+          <a:xfrm>
+            <a:off x="0" y="1799549"/>
+            <a:ext cx="1062460" cy="646331"/>
+          </a:xfrm>
+          <a:prstGeom prst="rect">
+            <a:avLst/>
+          </a:prstGeom>
+          <a:noFill/>
+        </p:spPr>
+        <p:txBody>
+          <a:bodyPr wrap="none" rtlCol="0">
+            <a:spAutoFit/>
+          </a:bodyPr>
+          <a:lstStyle/>
+          <a:p>
+            <a:r>
+              <a:rPr lang="en-US" dirty="0" smtClean="0"/>
+              <a:t>Wait for </a:t>
+            </a:r>
+          </a:p>
+          <a:p>
+            <a:r>
+              <a:rPr lang="en-US" dirty="0" smtClean="0"/>
+              <a:t>my signal</a:t>
+            </a:r>
+            <a:endParaRPr lang="en-US" dirty="0"/>
+          </a:p>
+        </p:txBody>
+      </p:sp>
+      <p:sp>
+        <p:nvSpPr>
+          <p:cNvPr id="11" name="TextBox 10"/>
+          <p:cNvSpPr txBox="1"/>
+          <p:nvPr/>
+        </p:nvSpPr>
+        <p:spPr>
+          <a:xfrm>
+            <a:off x="1821122" y="1984215"/>
+            <a:ext cx="1352015" cy="369332"/>
+          </a:xfrm>
+          <a:prstGeom prst="rect">
+            <a:avLst/>
+          </a:prstGeom>
+          <a:noFill/>
+        </p:spPr>
+        <p:txBody>
+          <a:bodyPr wrap="none" rtlCol="0">
+            <a:spAutoFit/>
+          </a:bodyPr>
+          <a:lstStyle/>
+          <a:p>
+            <a:r>
+              <a:rPr lang="en-US" dirty="0" smtClean="0"/>
+              <a:t>Then attack!</a:t>
+            </a:r>
+            <a:endParaRPr lang="en-US" dirty="0"/>
+          </a:p>
+        </p:txBody>
+      </p:sp>
+      <p:pic>
+        <p:nvPicPr>
+          <p:cNvPr id="14" name="Picture 13" descr="images (14).jpeg"/>
+          <p:cNvPicPr>
+            <a:picLocks noChangeAspect="1"/>
+          </p:cNvPicPr>
+          <p:nvPr/>
+        </p:nvPicPr>
+        <p:blipFill>
+          <a:blip r:embed="rId5">
+            <a:extLst>
+              <a:ext uri="{28A0092B-C50C-407E-A947-70E740481C1C}">
+                <a14:useLocalDpi xmlns:a14="http://schemas.microsoft.com/office/drawing/2010/main" val="0"/>
+              </a:ext>
+            </a:extLst>
+          </a:blip>
+          <a:stretch>
+            <a:fillRect/>
+          </a:stretch>
+        </p:blipFill>
+        <p:spPr>
+          <a:xfrm>
+            <a:off x="1796095" y="2375475"/>
+            <a:ext cx="612803" cy="1036611"/>
+          </a:xfrm>
+          <a:prstGeom prst="rect">
+            <a:avLst/>
+          </a:prstGeom>
+        </p:spPr>
+      </p:pic>
+      <p:pic>
+        <p:nvPicPr>
+          <p:cNvPr id="15" name="Picture 14" descr="images (14).jpeg"/>
+          <p:cNvPicPr>
+            <a:picLocks noChangeAspect="1"/>
+          </p:cNvPicPr>
+          <p:nvPr/>
+        </p:nvPicPr>
+        <p:blipFill>
+          <a:blip r:embed="rId5">
+            <a:extLst>
+              <a:ext uri="{28A0092B-C50C-407E-A947-70E740481C1C}">
+                <a14:useLocalDpi xmlns:a14="http://schemas.microsoft.com/office/drawing/2010/main" val="0"/>
+              </a:ext>
+            </a:extLst>
+          </a:blip>
+          <a:stretch>
+            <a:fillRect/>
+          </a:stretch>
+        </p:blipFill>
+        <p:spPr>
+          <a:xfrm>
+            <a:off x="389514" y="3046181"/>
+            <a:ext cx="612803" cy="1036611"/>
+          </a:xfrm>
+          <a:prstGeom prst="rect">
+            <a:avLst/>
+          </a:prstGeom>
+        </p:spPr>
+      </p:pic>
+      <p:pic>
+        <p:nvPicPr>
+          <p:cNvPr id="19" name="Picture 18" descr="images (14).jpeg"/>
+          <p:cNvPicPr>
+            <a:picLocks noChangeAspect="1"/>
+          </p:cNvPicPr>
+          <p:nvPr/>
+        </p:nvPicPr>
+        <p:blipFill>
+          <a:blip r:embed="rId5">
+            <a:extLst>
+              <a:ext uri="{28A0092B-C50C-407E-A947-70E740481C1C}">
+                <a14:useLocalDpi xmlns:a14="http://schemas.microsoft.com/office/drawing/2010/main" val="0"/>
+              </a:ext>
+            </a:extLst>
+          </a:blip>
+          <a:stretch>
+            <a:fillRect/>
+          </a:stretch>
+        </p:blipFill>
+        <p:spPr>
+          <a:xfrm>
+            <a:off x="4903165" y="4371950"/>
+            <a:ext cx="612803" cy="1036611"/>
+          </a:xfrm>
+          <a:prstGeom prst="rect">
+            <a:avLst/>
+          </a:prstGeom>
+        </p:spPr>
+      </p:pic>
+      <p:sp>
+        <p:nvSpPr>
+          <p:cNvPr id="5" name="TextBox 4"/>
+          <p:cNvSpPr txBox="1"/>
+          <p:nvPr/>
+        </p:nvSpPr>
+        <p:spPr>
+          <a:xfrm>
+            <a:off x="5209567" y="1799549"/>
+            <a:ext cx="1352015" cy="369332"/>
+          </a:xfrm>
+          <a:prstGeom prst="rect">
+            <a:avLst/>
+          </a:prstGeom>
+          <a:noFill/>
+        </p:spPr>
+        <p:txBody>
+          <a:bodyPr wrap="none" rtlCol="0">
+            <a:spAutoFit/>
+          </a:bodyPr>
+          <a:lstStyle/>
+          <a:p>
+            <a:r>
+              <a:rPr lang="en-US" dirty="0" smtClean="0"/>
+              <a:t>Then attack!</a:t>
+            </a:r>
+            <a:endParaRPr lang="en-US" dirty="0"/>
           </a:p>
         </p:txBody>
       </p:sp>
     </p:spTree>
     <p:extLst>
       <p:ext uri="{BB962C8B-B14F-4D97-AF65-F5344CB8AC3E}">
-        <p14:creationId xmlns:p14="http://schemas.microsoft.com/office/powerpoint/2010/main" val="3259471508"/>
+        <p14:creationId xmlns:p14="http://schemas.microsoft.com/office/powerpoint/2010/main" val="3452173068"/>
+      </p:ext>
+    </p:extLst>
+  </p:cSld>
+  <p:clrMapOvr>
+    <a:masterClrMapping/>
+  </p:clrMapOvr>
+  <p:timing>
+    <p:tnLst>
+      <p:par>
+        <p:cTn xmlns:p14="http://schemas.microsoft.com/office/powerpoint/2010/main" id="1" dur="indefinite" restart="never" nodeType="tmRoot">
+          <p:childTnLst>
+            <p:seq concurrent="1" nextAc="seek">
+              <p:cTn id="2" dur="indefinite" nodeType="mainSeq">
+                <p:childTnLst>
+                  <p:par>
+                    <p:cTn id="3" fill="hold">
+                      <p:stCondLst>
+                        <p:cond delay="indefinite"/>
+                      </p:stCondLst>
+                      <p:childTnLst>
+                        <p:par>
+                          <p:cTn id="4" fill="hold">
+                            <p:stCondLst>
+                              <p:cond delay="0"/>
+                            </p:stCondLst>
+                            <p:childTnLst>
+                              <p:par>
+                                <p:cTn id="5" presetID="9" presetClass="entr" presetSubtype="0" fill="hold" nodeType="clickEffect">
+                                  <p:stCondLst>
+                                    <p:cond delay="0"/>
+                                  </p:stCondLst>
+                                  <p:childTnLst>
+                                    <p:set>
+                                      <p:cBhvr>
+                                        <p:cTn id="6" dur="1" fill="hold">
+                                          <p:stCondLst>
+                                            <p:cond delay="0"/>
+                                          </p:stCondLst>
+                                        </p:cTn>
+                                        <p:tgtEl>
+                                          <p:spTgt spid="15"/>
+                                        </p:tgtEl>
+                                        <p:attrNameLst>
+                                          <p:attrName>style.visibility</p:attrName>
+                                        </p:attrNameLst>
+                                      </p:cBhvr>
+                                      <p:to>
+                                        <p:strVal val="visible"/>
+                                      </p:to>
+                                    </p:set>
+                                    <p:animEffect transition="in" filter="dissolve">
+                                      <p:cBhvr>
+                                        <p:cTn id="7" dur="500"/>
+                                        <p:tgtEl>
+                                          <p:spTgt spid="15"/>
+                                        </p:tgtEl>
+                                      </p:cBhvr>
+                                    </p:animEffect>
+                                  </p:childTnLst>
+                                </p:cTn>
+                              </p:par>
+                              <p:par>
+                                <p:cTn id="8" presetID="9" presetClass="entr" presetSubtype="0" fill="hold" nodeType="withEffect">
+                                  <p:stCondLst>
+                                    <p:cond delay="0"/>
+                                  </p:stCondLst>
+                                  <p:childTnLst>
+                                    <p:set>
+                                      <p:cBhvr>
+                                        <p:cTn id="9" dur="1" fill="hold">
+                                          <p:stCondLst>
+                                            <p:cond delay="0"/>
+                                          </p:stCondLst>
+                                        </p:cTn>
+                                        <p:tgtEl>
+                                          <p:spTgt spid="14"/>
+                                        </p:tgtEl>
+                                        <p:attrNameLst>
+                                          <p:attrName>style.visibility</p:attrName>
+                                        </p:attrNameLst>
+                                      </p:cBhvr>
+                                      <p:to>
+                                        <p:strVal val="visible"/>
+                                      </p:to>
+                                    </p:set>
+                                    <p:animEffect transition="in" filter="dissolve">
+                                      <p:cBhvr>
+                                        <p:cTn id="10" dur="500"/>
+                                        <p:tgtEl>
+                                          <p:spTgt spid="14"/>
+                                        </p:tgtEl>
+                                      </p:cBhvr>
+                                    </p:animEffect>
+                                  </p:childTnLst>
+                                </p:cTn>
+                              </p:par>
+                            </p:childTnLst>
+                          </p:cTn>
+                        </p:par>
+                      </p:childTnLst>
+                    </p:cTn>
+                  </p:par>
+                  <p:par>
+                    <p:cTn id="11" fill="hold">
+                      <p:stCondLst>
+                        <p:cond delay="indefinite"/>
+                      </p:stCondLst>
+                      <p:childTnLst>
+                        <p:par>
+                          <p:cTn id="12" fill="hold">
+                            <p:stCondLst>
+                              <p:cond delay="0"/>
+                            </p:stCondLst>
+                            <p:childTnLst>
+                              <p:par>
+                                <p:cTn id="13" presetID="9" presetClass="entr" presetSubtype="0" fill="hold" grpId="0" nodeType="clickEffect">
+                                  <p:stCondLst>
+                                    <p:cond delay="0"/>
+                                  </p:stCondLst>
+                                  <p:childTnLst>
+                                    <p:set>
+                                      <p:cBhvr>
+                                        <p:cTn id="14" dur="1" fill="hold">
+                                          <p:stCondLst>
+                                            <p:cond delay="0"/>
+                                          </p:stCondLst>
+                                        </p:cTn>
+                                        <p:tgtEl>
+                                          <p:spTgt spid="3"/>
+                                        </p:tgtEl>
+                                        <p:attrNameLst>
+                                          <p:attrName>style.visibility</p:attrName>
+                                        </p:attrNameLst>
+                                      </p:cBhvr>
+                                      <p:to>
+                                        <p:strVal val="visible"/>
+                                      </p:to>
+                                    </p:set>
+                                    <p:animEffect transition="in" filter="dissolve">
+                                      <p:cBhvr>
+                                        <p:cTn id="15" dur="500"/>
+                                        <p:tgtEl>
+                                          <p:spTgt spid="3"/>
+                                        </p:tgtEl>
+                                      </p:cBhvr>
+                                    </p:animEffect>
+                                  </p:childTnLst>
+                                </p:cTn>
+                              </p:par>
+                            </p:childTnLst>
+                          </p:cTn>
+                        </p:par>
+                      </p:childTnLst>
+                    </p:cTn>
+                  </p:par>
+                  <p:par>
+                    <p:cTn id="16" fill="hold">
+                      <p:stCondLst>
+                        <p:cond delay="indefinite"/>
+                      </p:stCondLst>
+                      <p:childTnLst>
+                        <p:par>
+                          <p:cTn id="17" fill="hold">
+                            <p:stCondLst>
+                              <p:cond delay="0"/>
+                            </p:stCondLst>
+                            <p:childTnLst>
+                              <p:par>
+                                <p:cTn id="18" presetID="0" presetClass="path" presetSubtype="0" accel="50000" decel="50000" fill="hold" nodeType="clickEffect">
+                                  <p:stCondLst>
+                                    <p:cond delay="0"/>
+                                  </p:stCondLst>
+                                  <p:childTnLst>
+                                    <p:animMotion origin="layout" path="M 4.08894E-6 -7.67237E-6 C 0.00052 -0.0051 -0.00035 -0.01088 0.00156 -0.01528 C 0.00243 -0.01782 0.00556 -0.01736 0.00729 -0.01898 C 0.01094 -0.02338 0.01077 -0.02985 0.01441 -0.03425 C 0.01476 -0.03633 0.01511 -0.03842 0.0158 -0.04003 C 0.0165 -0.04235 0.01806 -0.04374 0.01876 -0.04582 C 0.0224 -0.05947 0.02188 -0.07173 0.03022 -0.08191 C 0.03265 -0.09533 0.03995 -0.10852 0.04742 -0.11824 C 0.0495 -0.12125 0.05054 -0.12564 0.05315 -0.12773 C 0.05471 -0.12935 0.05697 -0.12911 0.05888 -0.12981 C 0.06618 -0.13652 0.07191 -0.14068 0.08025 -0.14508 C 0.08285 -0.14438 0.08945 -0.14369 0.09171 -0.13929 C 0.09362 -0.13559 0.09241 -0.12981 0.09466 -0.12587 C 0.09762 -0.11986 0.10752 -0.11245 0.10752 -0.11245 C 0.10908 -0.10922 0.11169 -0.10667 0.11325 -0.10297 C 0.11395 -0.10135 0.11342 -0.0988 0.11464 -0.09718 C 0.11568 -0.0958 0.11742 -0.09603 0.11898 -0.09533 C 0.12385 -0.08654 0.12854 -0.07798 0.13323 -0.06873 C 0.13514 -0.06502 0.13635 -0.0604 0.13896 -0.05716 C 0.14278 -0.05253 0.14712 -0.04744 0.15042 -0.04189 C 0.15424 -0.03541 0.15494 -0.02962 0.1605 -0.02476 C 0.16345 -0.01898 0.16675 -0.0088 0.17057 -0.00371 C 0.17353 0.00809 0.16936 -0.00348 0.1763 0.00393 C 0.1803 0.00832 0.17874 0.01665 0.18204 0.02105 C 0.18308 0.02244 0.18482 0.02221 0.18621 0.0229 C 0.18951 0.03655 0.18725 0.031 0.19211 0.04002 C 0.19333 0.04742 0.19298 0.05552 0.19923 0.04766 C 0.20149 0.04118 0.20566 0.03053 0.2107 0.02683 C 0.21382 0.02429 0.21747 0.02336 0.2206 0.02105 C 0.22199 0.01989 0.22338 0.01781 0.22477 0.01711 C 0.22737 0.01526 0.23363 0.01341 0.23363 0.01341 C 0.25013 0.01688 0.24943 0.01295 0.25638 0.02683 C 0.26072 0.04442 0.26454 0.06316 0.27497 0.07635 C 0.27809 0.08953 0.27566 0.08514 0.28087 0.09162 C 0.28261 0.09879 0.28539 0.10712 0.28938 0.11267 C 0.29129 0.11985 0.29512 0.12308 0.29807 0.12979 C 0.30536 0.14668 0.29651 0.12887 0.3038 0.14321 C 0.30658 0.15918 0.30241 0.14391 0.30953 0.15455 C 0.31283 0.15964 0.31422 0.16705 0.31804 0.1719 C 0.32256 0.17769 0.32881 0.18139 0.33246 0.18903 C 0.33854 0.20152 0.34497 0.22396 0.35678 0.22905 C 0.35713 0.2309 0.3573 0.23299 0.35817 0.23484 C 0.36147 0.24201 0.36112 0.23553 0.36112 0.24062 " pathEditMode="relative" ptsTypes="ffffffffffffffffffffffffffffffffffffffffffA">
+                                      <p:cBhvr>
+                                        <p:cTn id="19" dur="2000" fill="hold"/>
+                                        <p:tgtEl>
+                                          <p:spTgt spid="15"/>
+                                        </p:tgtEl>
+                                        <p:attrNameLst>
+                                          <p:attrName>ppt_x</p:attrName>
+                                          <p:attrName>ppt_y</p:attrName>
+                                        </p:attrNameLst>
+                                      </p:cBhvr>
+                                    </p:animMotion>
+                                  </p:childTnLst>
+                                </p:cTn>
+                              </p:par>
+                            </p:childTnLst>
+                          </p:cTn>
+                        </p:par>
+                      </p:childTnLst>
+                    </p:cTn>
+                  </p:par>
+                  <p:par>
+                    <p:cTn id="20" fill="hold">
+                      <p:stCondLst>
+                        <p:cond delay="indefinite"/>
+                      </p:stCondLst>
+                      <p:childTnLst>
+                        <p:par>
+                          <p:cTn id="21" fill="hold">
+                            <p:stCondLst>
+                              <p:cond delay="0"/>
+                            </p:stCondLst>
+                            <p:childTnLst>
+                              <p:par>
+                                <p:cTn id="22" presetID="9" presetClass="exit" presetSubtype="0" fill="hold" grpId="1" nodeType="clickEffect">
+                                  <p:stCondLst>
+                                    <p:cond delay="0"/>
+                                  </p:stCondLst>
+                                  <p:childTnLst>
+                                    <p:animEffect transition="out" filter="dissolve">
+                                      <p:cBhvr>
+                                        <p:cTn id="23" dur="500"/>
+                                        <p:tgtEl>
+                                          <p:spTgt spid="3"/>
+                                        </p:tgtEl>
+                                      </p:cBhvr>
+                                    </p:animEffect>
+                                    <p:set>
+                                      <p:cBhvr>
+                                        <p:cTn id="24" dur="1" fill="hold">
+                                          <p:stCondLst>
+                                            <p:cond delay="499"/>
+                                          </p:stCondLst>
+                                        </p:cTn>
+                                        <p:tgtEl>
+                                          <p:spTgt spid="3"/>
+                                        </p:tgtEl>
+                                        <p:attrNameLst>
+                                          <p:attrName>style.visibility</p:attrName>
+                                        </p:attrNameLst>
+                                      </p:cBhvr>
+                                      <p:to>
+                                        <p:strVal val="hidden"/>
+                                      </p:to>
+                                    </p:set>
+                                  </p:childTnLst>
+                                </p:cTn>
+                              </p:par>
+                            </p:childTnLst>
+                          </p:cTn>
+                        </p:par>
+                      </p:childTnLst>
+                    </p:cTn>
+                  </p:par>
+                  <p:par>
+                    <p:cTn id="25" fill="hold">
+                      <p:stCondLst>
+                        <p:cond delay="indefinite"/>
+                      </p:stCondLst>
+                      <p:childTnLst>
+                        <p:par>
+                          <p:cTn id="26" fill="hold">
+                            <p:stCondLst>
+                              <p:cond delay="0"/>
+                            </p:stCondLst>
+                            <p:childTnLst>
+                              <p:par>
+                                <p:cTn id="27" presetID="9" presetClass="exit" presetSubtype="0" fill="hold" nodeType="clickEffect">
+                                  <p:stCondLst>
+                                    <p:cond delay="0"/>
+                                  </p:stCondLst>
+                                  <p:childTnLst>
+                                    <p:animEffect transition="out" filter="dissolve">
+                                      <p:cBhvr>
+                                        <p:cTn id="28" dur="500"/>
+                                        <p:tgtEl>
+                                          <p:spTgt spid="15"/>
+                                        </p:tgtEl>
+                                      </p:cBhvr>
+                                    </p:animEffect>
+                                    <p:set>
+                                      <p:cBhvr>
+                                        <p:cTn id="29" dur="1" fill="hold">
+                                          <p:stCondLst>
+                                            <p:cond delay="499"/>
+                                          </p:stCondLst>
+                                        </p:cTn>
+                                        <p:tgtEl>
+                                          <p:spTgt spid="15"/>
+                                        </p:tgtEl>
+                                        <p:attrNameLst>
+                                          <p:attrName>style.visibility</p:attrName>
+                                        </p:attrNameLst>
+                                      </p:cBhvr>
+                                      <p:to>
+                                        <p:strVal val="hidden"/>
+                                      </p:to>
+                                    </p:set>
+                                  </p:childTnLst>
+                                </p:cTn>
+                              </p:par>
+                            </p:childTnLst>
+                          </p:cTn>
+                        </p:par>
+                      </p:childTnLst>
+                    </p:cTn>
+                  </p:par>
+                  <p:par>
+                    <p:cTn id="30" fill="hold">
+                      <p:stCondLst>
+                        <p:cond delay="indefinite"/>
+                      </p:stCondLst>
+                      <p:childTnLst>
+                        <p:par>
+                          <p:cTn id="31" fill="hold">
+                            <p:stCondLst>
+                              <p:cond delay="0"/>
+                            </p:stCondLst>
+                            <p:childTnLst>
+                              <p:par>
+                                <p:cTn id="32" presetID="9" presetClass="entr" presetSubtype="0" fill="hold" grpId="0" nodeType="clickEffect">
+                                  <p:stCondLst>
+                                    <p:cond delay="0"/>
+                                  </p:stCondLst>
+                                  <p:childTnLst>
+                                    <p:set>
+                                      <p:cBhvr>
+                                        <p:cTn id="33" dur="1" fill="hold">
+                                          <p:stCondLst>
+                                            <p:cond delay="0"/>
+                                          </p:stCondLst>
+                                        </p:cTn>
+                                        <p:tgtEl>
+                                          <p:spTgt spid="11"/>
+                                        </p:tgtEl>
+                                        <p:attrNameLst>
+                                          <p:attrName>style.visibility</p:attrName>
+                                        </p:attrNameLst>
+                                      </p:cBhvr>
+                                      <p:to>
+                                        <p:strVal val="visible"/>
+                                      </p:to>
+                                    </p:set>
+                                    <p:animEffect transition="in" filter="dissolve">
+                                      <p:cBhvr>
+                                        <p:cTn id="34" dur="500"/>
+                                        <p:tgtEl>
+                                          <p:spTgt spid="11"/>
+                                        </p:tgtEl>
+                                      </p:cBhvr>
+                                    </p:animEffect>
+                                  </p:childTnLst>
+                                </p:cTn>
+                              </p:par>
+                            </p:childTnLst>
+                          </p:cTn>
+                        </p:par>
+                      </p:childTnLst>
+                    </p:cTn>
+                  </p:par>
+                  <p:par>
+                    <p:cTn id="35" fill="hold">
+                      <p:stCondLst>
+                        <p:cond delay="indefinite"/>
+                      </p:stCondLst>
+                      <p:childTnLst>
+                        <p:par>
+                          <p:cTn id="36" fill="hold">
+                            <p:stCondLst>
+                              <p:cond delay="0"/>
+                            </p:stCondLst>
+                            <p:childTnLst>
+                              <p:par>
+                                <p:cTn id="37" presetID="0" presetClass="path" presetSubtype="0" accel="50000" decel="50000" fill="hold" nodeType="clickEffect">
+                                  <p:stCondLst>
+                                    <p:cond delay="0"/>
+                                  </p:stCondLst>
+                                  <p:childTnLst>
+                                    <p:animMotion origin="layout" path="M 2.72711E-7 8.91254E-6 C 0.00226 0.02476 0.00938 0.05901 0.02293 0.07821 C 0.02345 0.08006 0.02345 0.08237 0.02449 0.08399 C 0.02553 0.08561 0.02762 0.08561 0.02866 0.0877 C 0.03387 0.0988 0.03214 0.11037 0.04447 0.11639 C 0.04968 0.12286 0.04568 0.11893 0.05593 0.12402 C 0.05819 0.12518 0.06305 0.12772 0.06305 0.12772 C 0.06497 0.12703 0.06705 0.12726 0.06879 0.12587 C 0.07018 0.12448 0.07035 0.12171 0.07174 0.12009 C 0.07556 0.11477 0.08234 0.10898 0.08755 0.10667 C 0.09519 0.1106 0.1037 0.11662 0.11186 0.12009 C 0.11273 0.12125 0.11395 0.1224 0.11464 0.12402 C 0.11586 0.12749 0.11551 0.13235 0.1176 0.13536 C 0.12142 0.14091 0.11951 0.13767 0.12333 0.14485 C 0.12454 0.15364 0.12541 0.15942 0.13045 0.1659 C 0.13358 0.17909 0.13097 0.17469 0.13618 0.18117 C 0.13879 0.19205 0.14504 0.20292 0.14904 0.21356 C 0.15234 0.22236 0.15373 0.23323 0.15911 0.2404 C 0.16067 0.24711 0.16085 0.25243 0.16484 0.25752 C 0.1671 0.27025 0.17179 0.26932 0.17631 0.27858 C 0.1843 0.29547 0.19906 0.30334 0.20775 0.32046 C 0.21174 0.32833 0.21695 0.33457 0.22216 0.34151 C 0.22408 0.34406 0.22599 0.3466 0.2279 0.34915 C 0.22877 0.35031 0.23068 0.35308 0.23068 0.35308 " pathEditMode="relative" ptsTypes="fffffffffffffffffffffffA">
+                                      <p:cBhvr>
+                                        <p:cTn id="38" dur="2000" fill="hold"/>
+                                        <p:tgtEl>
+                                          <p:spTgt spid="14"/>
+                                        </p:tgtEl>
+                                        <p:attrNameLst>
+                                          <p:attrName>ppt_x</p:attrName>
+                                          <p:attrName>ppt_y</p:attrName>
+                                        </p:attrNameLst>
+                                      </p:cBhvr>
+                                    </p:animMotion>
+                                  </p:childTnLst>
+                                </p:cTn>
+                              </p:par>
+                            </p:childTnLst>
+                          </p:cTn>
+                        </p:par>
+                      </p:childTnLst>
+                    </p:cTn>
+                  </p:par>
+                  <p:par>
+                    <p:cTn id="39" fill="hold">
+                      <p:stCondLst>
+                        <p:cond delay="indefinite"/>
+                      </p:stCondLst>
+                      <p:childTnLst>
+                        <p:par>
+                          <p:cTn id="40" fill="hold">
+                            <p:stCondLst>
+                              <p:cond delay="0"/>
+                            </p:stCondLst>
+                            <p:childTnLst>
+                              <p:par>
+                                <p:cTn id="41" presetID="9" presetClass="exit" presetSubtype="0" fill="hold" nodeType="clickEffect">
+                                  <p:stCondLst>
+                                    <p:cond delay="0"/>
+                                  </p:stCondLst>
+                                  <p:childTnLst>
+                                    <p:animEffect transition="out" filter="dissolve">
+                                      <p:cBhvr>
+                                        <p:cTn id="42" dur="500"/>
+                                        <p:tgtEl>
+                                          <p:spTgt spid="14"/>
+                                        </p:tgtEl>
+                                      </p:cBhvr>
+                                    </p:animEffect>
+                                    <p:set>
+                                      <p:cBhvr>
+                                        <p:cTn id="43" dur="1" fill="hold">
+                                          <p:stCondLst>
+                                            <p:cond delay="499"/>
+                                          </p:stCondLst>
+                                        </p:cTn>
+                                        <p:tgtEl>
+                                          <p:spTgt spid="14"/>
+                                        </p:tgtEl>
+                                        <p:attrNameLst>
+                                          <p:attrName>style.visibility</p:attrName>
+                                        </p:attrNameLst>
+                                      </p:cBhvr>
+                                      <p:to>
+                                        <p:strVal val="hidden"/>
+                                      </p:to>
+                                    </p:set>
+                                  </p:childTnLst>
+                                </p:cTn>
+                              </p:par>
+                            </p:childTnLst>
+                          </p:cTn>
+                        </p:par>
+                      </p:childTnLst>
+                    </p:cTn>
+                  </p:par>
+                  <p:par>
+                    <p:cTn id="44" fill="hold">
+                      <p:stCondLst>
+                        <p:cond delay="indefinite"/>
+                      </p:stCondLst>
+                      <p:childTnLst>
+                        <p:par>
+                          <p:cTn id="45" fill="hold">
+                            <p:stCondLst>
+                              <p:cond delay="0"/>
+                            </p:stCondLst>
+                            <p:childTnLst>
+                              <p:par>
+                                <p:cTn id="46" presetID="9" presetClass="exit" presetSubtype="0" fill="hold" grpId="1" nodeType="clickEffect">
+                                  <p:stCondLst>
+                                    <p:cond delay="0"/>
+                                  </p:stCondLst>
+                                  <p:childTnLst>
+                                    <p:animEffect transition="out" filter="dissolve">
+                                      <p:cBhvr>
+                                        <p:cTn id="47" dur="500"/>
+                                        <p:tgtEl>
+                                          <p:spTgt spid="11"/>
+                                        </p:tgtEl>
+                                      </p:cBhvr>
+                                    </p:animEffect>
+                                    <p:set>
+                                      <p:cBhvr>
+                                        <p:cTn id="48" dur="1" fill="hold">
+                                          <p:stCondLst>
+                                            <p:cond delay="499"/>
+                                          </p:stCondLst>
+                                        </p:cTn>
+                                        <p:tgtEl>
+                                          <p:spTgt spid="11"/>
+                                        </p:tgtEl>
+                                        <p:attrNameLst>
+                                          <p:attrName>style.visibility</p:attrName>
+                                        </p:attrNameLst>
+                                      </p:cBhvr>
+                                      <p:to>
+                                        <p:strVal val="hidden"/>
+                                      </p:to>
+                                    </p:set>
+                                  </p:childTnLst>
+                                </p:cTn>
+                              </p:par>
+                            </p:childTnLst>
+                          </p:cTn>
+                        </p:par>
+                      </p:childTnLst>
+                    </p:cTn>
+                  </p:par>
+                  <p:par>
+                    <p:cTn id="49" fill="hold">
+                      <p:stCondLst>
+                        <p:cond delay="indefinite"/>
+                      </p:stCondLst>
+                      <p:childTnLst>
+                        <p:par>
+                          <p:cTn id="50" fill="hold">
+                            <p:stCondLst>
+                              <p:cond delay="0"/>
+                            </p:stCondLst>
+                            <p:childTnLst>
+                              <p:par>
+                                <p:cTn id="51" presetID="9" presetClass="entr" presetSubtype="0" fill="hold" nodeType="clickEffect">
+                                  <p:stCondLst>
+                                    <p:cond delay="0"/>
+                                  </p:stCondLst>
+                                  <p:childTnLst>
+                                    <p:set>
+                                      <p:cBhvr>
+                                        <p:cTn id="52" dur="1" fill="hold">
+                                          <p:stCondLst>
+                                            <p:cond delay="0"/>
+                                          </p:stCondLst>
+                                        </p:cTn>
+                                        <p:tgtEl>
+                                          <p:spTgt spid="19"/>
+                                        </p:tgtEl>
+                                        <p:attrNameLst>
+                                          <p:attrName>style.visibility</p:attrName>
+                                        </p:attrNameLst>
+                                      </p:cBhvr>
+                                      <p:to>
+                                        <p:strVal val="visible"/>
+                                      </p:to>
+                                    </p:set>
+                                    <p:animEffect transition="in" filter="dissolve">
+                                      <p:cBhvr>
+                                        <p:cTn id="53" dur="500"/>
+                                        <p:tgtEl>
+                                          <p:spTgt spid="19"/>
+                                        </p:tgtEl>
+                                      </p:cBhvr>
+                                    </p:animEffect>
+                                  </p:childTnLst>
+                                </p:cTn>
+                              </p:par>
+                            </p:childTnLst>
+                          </p:cTn>
+                        </p:par>
+                      </p:childTnLst>
+                    </p:cTn>
+                  </p:par>
+                  <p:par>
+                    <p:cTn id="54" fill="hold">
+                      <p:stCondLst>
+                        <p:cond delay="indefinite"/>
+                      </p:stCondLst>
+                      <p:childTnLst>
+                        <p:par>
+                          <p:cTn id="55" fill="hold">
+                            <p:stCondLst>
+                              <p:cond delay="0"/>
+                            </p:stCondLst>
+                            <p:childTnLst>
+                              <p:par>
+                                <p:cTn id="56" presetID="0" presetClass="path" presetSubtype="0" accel="50000" decel="50000" fill="hold" nodeType="clickEffect">
+                                  <p:stCondLst>
+                                    <p:cond delay="0"/>
+                                  </p:stCondLst>
+                                  <p:childTnLst>
+                                    <p:animMotion origin="layout" path="M -2.92687E-6 2.13327E-6 C 0.00104 -0.01805 0.00018 -0.03656 0.00434 -0.05345 C 0.00834 -0.07057 0.0139 -0.08908 0.02015 -0.10504 C 0.02189 -0.11545 0.02467 -0.12055 0.03005 -0.12795 C 0.03318 -0.13952 0.02901 -0.12887 0.03578 -0.13558 C 0.03839 -0.13836 0.0476 -0.14854 0.0502 -0.15271 C 0.05124 -0.15479 0.05732 -0.16705 0.05871 -0.16798 C 0.06253 -0.17122 0.06722 -0.17168 0.07157 -0.17376 C 0.07626 -0.17307 0.08112 -0.1733 0.08598 -0.17168 C 0.09154 -0.17006 0.0945 -0.16104 0.10023 -0.15849 C 0.10353 -0.14623 0.11048 -0.14993 0.11325 -0.16034 C 0.11621 -0.17237 0.11951 -0.1844 0.12177 -0.19644 C 0.12316 -0.20546 0.12333 -0.21495 0.12611 -0.22328 C 0.12663 -0.22559 0.12732 -0.2279 0.12889 -0.22906 C 0.13132 -0.23137 0.13757 -0.23276 0.13757 -0.23276 C 0.13983 -0.23623 0.14331 -0.2397 0.14331 -0.24433 " pathEditMode="relative" ptsTypes="fffffffffffffffA">
+                                      <p:cBhvr>
+                                        <p:cTn id="57" dur="2000" fill="hold"/>
+                                        <p:tgtEl>
+                                          <p:spTgt spid="19"/>
+                                        </p:tgtEl>
+                                        <p:attrNameLst>
+                                          <p:attrName>ppt_x</p:attrName>
+                                          <p:attrName>ppt_y</p:attrName>
+                                        </p:attrNameLst>
+                                      </p:cBhvr>
+                                    </p:animMotion>
+                                  </p:childTnLst>
+                                </p:cTn>
+                              </p:par>
+                            </p:childTnLst>
+                          </p:cTn>
+                        </p:par>
+                      </p:childTnLst>
+                    </p:cTn>
+                  </p:par>
+                  <p:par>
+                    <p:cTn id="58" fill="hold">
+                      <p:stCondLst>
+                        <p:cond delay="indefinite"/>
+                      </p:stCondLst>
+                      <p:childTnLst>
+                        <p:par>
+                          <p:cTn id="59" fill="hold">
+                            <p:stCondLst>
+                              <p:cond delay="0"/>
+                            </p:stCondLst>
+                            <p:childTnLst>
+                              <p:par>
+                                <p:cTn id="60" presetID="9" presetClass="entr" presetSubtype="0" fill="hold" grpId="0" nodeType="clickEffect">
+                                  <p:stCondLst>
+                                    <p:cond delay="0"/>
+                                  </p:stCondLst>
+                                  <p:childTnLst>
+                                    <p:set>
+                                      <p:cBhvr>
+                                        <p:cTn id="61" dur="1" fill="hold">
+                                          <p:stCondLst>
+                                            <p:cond delay="0"/>
+                                          </p:stCondLst>
+                                        </p:cTn>
+                                        <p:tgtEl>
+                                          <p:spTgt spid="5"/>
+                                        </p:tgtEl>
+                                        <p:attrNameLst>
+                                          <p:attrName>style.visibility</p:attrName>
+                                        </p:attrNameLst>
+                                      </p:cBhvr>
+                                      <p:to>
+                                        <p:strVal val="visible"/>
+                                      </p:to>
+                                    </p:set>
+                                    <p:animEffect transition="in" filter="dissolve">
+                                      <p:cBhvr>
+                                        <p:cTn id="62" dur="500"/>
+                                        <p:tgtEl>
+                                          <p:spTgt spid="5"/>
+                                        </p:tgtEl>
+                                      </p:cBhvr>
+                                    </p:animEffect>
+                                  </p:childTnLst>
+                                </p:cTn>
+                              </p:par>
+                            </p:childTnLst>
+                          </p:cTn>
+                        </p:par>
+                      </p:childTnLst>
+                    </p:cTn>
+                  </p:par>
+                </p:childTnLst>
+              </p:cTn>
+              <p:prevCondLst>
+                <p:cond evt="onPrev" delay="0">
+                  <p:tgtEl>
+                    <p:sldTgt/>
+                  </p:tgtEl>
+                </p:cond>
+              </p:prevCondLst>
+              <p:nextCondLst>
+                <p:cond evt="onNext" delay="0">
+                  <p:tgtEl>
+                    <p:sldTgt/>
+                  </p:tgtEl>
+                </p:cond>
+              </p:nextCondLst>
+            </p:seq>
+          </p:childTnLst>
+        </p:cTn>
+      </p:par>
+    </p:tnLst>
+    <p:bldLst>
+      <p:bldP spid="3" grpId="0"/>
+      <p:bldP spid="3" grpId="1"/>
+      <p:bldP spid="11" grpId="0"/>
+      <p:bldP spid="11" grpId="1"/>
+      <p:bldP spid="5" grpId="0"/>
+    </p:bldLst>
+  </p:timing>
+</p:sld>
+</file>
+
+<file path=ppt/slides/slide67.xml><?xml version="1.0" encoding="utf-8"?>
+<p:sld xmlns:a="http://schemas.openxmlformats.org/drawingml/2006/main" xmlns:r="http://schemas.openxmlformats.org/officeDocument/2006/relationships" xmlns:p="http://schemas.openxmlformats.org/presentationml/2006/main">
+  <p:cSld>
+    <p:spTree>
+      <p:nvGrpSpPr>
+        <p:cNvPr id="1" name=""/>
+        <p:cNvGrpSpPr/>
+        <p:nvPr/>
+      </p:nvGrpSpPr>
+      <p:grpSpPr>
+        <a:xfrm>
+          <a:off x="0" y="0"/>
+          <a:ext cx="0" cy="0"/>
+          <a:chOff x="0" y="0"/>
+          <a:chExt cx="0" cy="0"/>
+        </a:xfrm>
+      </p:grpSpPr>
+      <p:pic>
+        <p:nvPicPr>
+          <p:cNvPr id="17" name="Picture 16" descr="images (10).jpeg"/>
+          <p:cNvPicPr>
+            <a:picLocks noChangeAspect="1"/>
+          </p:cNvPicPr>
+          <p:nvPr/>
+        </p:nvPicPr>
+        <p:blipFill>
+          <a:blip r:embed="rId2">
+            <a:extLst>
+              <a:ext uri="{28A0092B-C50C-407E-A947-70E740481C1C}">
+                <a14:useLocalDpi xmlns:a14="http://schemas.microsoft.com/office/drawing/2010/main" val="0"/>
+              </a:ext>
+            </a:extLst>
+          </a:blip>
+          <a:stretch>
+            <a:fillRect/>
+          </a:stretch>
+        </p:blipFill>
+        <p:spPr>
+          <a:xfrm>
+            <a:off x="6352727" y="1582236"/>
+            <a:ext cx="1463945" cy="1463945"/>
+          </a:xfrm>
+          <a:prstGeom prst="rect">
+            <a:avLst/>
+          </a:prstGeom>
+        </p:spPr>
+      </p:pic>
+      <p:pic>
+        <p:nvPicPr>
+          <p:cNvPr id="18" name="Picture 17" descr="images (10).jpeg"/>
+          <p:cNvPicPr>
+            <a:picLocks noChangeAspect="1"/>
+          </p:cNvPicPr>
+          <p:nvPr/>
+        </p:nvPicPr>
+        <p:blipFill>
+          <a:blip r:embed="rId2">
+            <a:extLst>
+              <a:ext uri="{28A0092B-C50C-407E-A947-70E740481C1C}">
+                <a14:useLocalDpi xmlns:a14="http://schemas.microsoft.com/office/drawing/2010/main" val="0"/>
+              </a:ext>
+            </a:extLst>
+          </a:blip>
+          <a:stretch>
+            <a:fillRect/>
+          </a:stretch>
+        </p:blipFill>
+        <p:spPr>
+          <a:xfrm>
+            <a:off x="704816" y="1686988"/>
+            <a:ext cx="1463945" cy="1463945"/>
+          </a:xfrm>
+          <a:prstGeom prst="rect">
+            <a:avLst/>
+          </a:prstGeom>
+        </p:spPr>
+      </p:pic>
+      <p:sp>
+        <p:nvSpPr>
+          <p:cNvPr id="2" name="Title 1"/>
+          <p:cNvSpPr>
+            <a:spLocks noGrp="1"/>
+          </p:cNvSpPr>
+          <p:nvPr>
+            <p:ph type="title"/>
+          </p:nvPr>
+        </p:nvSpPr>
+        <p:spPr/>
+        <p:txBody>
+          <a:bodyPr>
+            <a:normAutofit/>
+          </a:bodyPr>
+          <a:lstStyle/>
+          <a:p>
+            <a:r>
+              <a:rPr lang="en-US" dirty="0"/>
+              <a:t>Why are distributed systems hard?</a:t>
+            </a:r>
+            <a:endParaRPr lang="en-US" dirty="0"/>
+          </a:p>
+        </p:txBody>
+      </p:sp>
+      <p:pic>
+        <p:nvPicPr>
+          <p:cNvPr id="4" name="Picture 3" descr="landscape-mountain-trees-clip-art_423631.jpg"/>
+          <p:cNvPicPr>
+            <a:picLocks noChangeAspect="1"/>
+          </p:cNvPicPr>
+          <p:nvPr/>
+        </p:nvPicPr>
+        <p:blipFill>
+          <a:blip r:embed="rId3">
+            <a:extLst>
+              <a:ext uri="{28A0092B-C50C-407E-A947-70E740481C1C}">
+                <a14:useLocalDpi xmlns:a14="http://schemas.microsoft.com/office/drawing/2010/main" val="0"/>
+              </a:ext>
+            </a:extLst>
+          </a:blip>
+          <a:stretch>
+            <a:fillRect/>
+          </a:stretch>
+        </p:blipFill>
+        <p:spPr>
+          <a:xfrm>
+            <a:off x="3397310" y="4569833"/>
+            <a:ext cx="1944737" cy="1180510"/>
+          </a:xfrm>
+          <a:prstGeom prst="rect">
+            <a:avLst/>
+          </a:prstGeom>
+        </p:spPr>
+      </p:pic>
+      <p:pic>
+        <p:nvPicPr>
+          <p:cNvPr id="12" name="Picture 11" descr="images (9).jpeg"/>
+          <p:cNvPicPr>
+            <a:picLocks noChangeAspect="1"/>
+          </p:cNvPicPr>
+          <p:nvPr/>
+        </p:nvPicPr>
+        <p:blipFill>
+          <a:blip r:embed="rId4">
+            <a:extLst>
+              <a:ext uri="{28A0092B-C50C-407E-A947-70E740481C1C}">
+                <a14:useLocalDpi xmlns:a14="http://schemas.microsoft.com/office/drawing/2010/main" val="0"/>
+              </a:ext>
+            </a:extLst>
+          </a:blip>
+          <a:stretch>
+            <a:fillRect/>
+          </a:stretch>
+        </p:blipFill>
+        <p:spPr>
+          <a:xfrm>
+            <a:off x="-402719" y="3046181"/>
+            <a:ext cx="4109170" cy="2856561"/>
+          </a:xfrm>
+          <a:prstGeom prst="rect">
+            <a:avLst/>
+          </a:prstGeom>
+        </p:spPr>
+      </p:pic>
+      <p:pic>
+        <p:nvPicPr>
+          <p:cNvPr id="13" name="Picture 12" descr="images (9).jpeg"/>
+          <p:cNvPicPr>
+            <a:picLocks noChangeAspect="1"/>
+          </p:cNvPicPr>
+          <p:nvPr/>
+        </p:nvPicPr>
+        <p:blipFill>
+          <a:blip r:embed="rId4">
+            <a:extLst>
+              <a:ext uri="{28A0092B-C50C-407E-A947-70E740481C1C}">
+                <a14:useLocalDpi xmlns:a14="http://schemas.microsoft.com/office/drawing/2010/main" val="0"/>
+              </a:ext>
+            </a:extLst>
+          </a:blip>
+          <a:stretch>
+            <a:fillRect/>
+          </a:stretch>
+        </p:blipFill>
+        <p:spPr>
+          <a:xfrm>
+            <a:off x="5209567" y="2893781"/>
+            <a:ext cx="4109170" cy="2856561"/>
+          </a:xfrm>
+          <a:prstGeom prst="rect">
+            <a:avLst/>
+          </a:prstGeom>
+        </p:spPr>
+      </p:pic>
+      <p:pic>
+        <p:nvPicPr>
+          <p:cNvPr id="20" name="Picture 19" descr="images (14).jpeg"/>
+          <p:cNvPicPr>
+            <a:picLocks noChangeAspect="1"/>
+          </p:cNvPicPr>
+          <p:nvPr/>
+        </p:nvPicPr>
+        <p:blipFill>
+          <a:blip r:embed="rId5">
+            <a:extLst>
+              <a:ext uri="{28A0092B-C50C-407E-A947-70E740481C1C}">
+                <a14:useLocalDpi xmlns:a14="http://schemas.microsoft.com/office/drawing/2010/main" val="0"/>
+              </a:ext>
+            </a:extLst>
+          </a:blip>
+          <a:stretch>
+            <a:fillRect/>
+          </a:stretch>
+        </p:blipFill>
+        <p:spPr>
+          <a:xfrm>
+            <a:off x="1668722" y="2375475"/>
+            <a:ext cx="612803" cy="1036611"/>
+          </a:xfrm>
+          <a:prstGeom prst="rect">
+            <a:avLst/>
+          </a:prstGeom>
+        </p:spPr>
+      </p:pic>
+      <p:sp>
+        <p:nvSpPr>
+          <p:cNvPr id="3" name="TextBox 2"/>
+          <p:cNvSpPr txBox="1"/>
+          <p:nvPr/>
+        </p:nvSpPr>
+        <p:spPr>
+          <a:xfrm>
+            <a:off x="1892649" y="1937917"/>
+            <a:ext cx="852930" cy="369332"/>
+          </a:xfrm>
+          <a:prstGeom prst="rect">
+            <a:avLst/>
+          </a:prstGeom>
+          <a:noFill/>
+        </p:spPr>
+        <p:txBody>
+          <a:bodyPr wrap="none" rtlCol="0">
+            <a:spAutoFit/>
+          </a:bodyPr>
+          <a:lstStyle/>
+          <a:p>
+            <a:r>
+              <a:rPr lang="en-US" dirty="0" smtClean="0"/>
+              <a:t>Attack!</a:t>
+            </a:r>
+            <a:endParaRPr lang="en-US" dirty="0"/>
+          </a:p>
+        </p:txBody>
+      </p:sp>
+      <p:sp>
+        <p:nvSpPr>
+          <p:cNvPr id="5" name="TextBox 4"/>
+          <p:cNvSpPr txBox="1"/>
+          <p:nvPr/>
+        </p:nvSpPr>
+        <p:spPr>
+          <a:xfrm>
+            <a:off x="1892649" y="1605725"/>
+            <a:ext cx="1149924" cy="369332"/>
+          </a:xfrm>
+          <a:prstGeom prst="rect">
+            <a:avLst/>
+          </a:prstGeom>
+          <a:noFill/>
+        </p:spPr>
+        <p:txBody>
+          <a:bodyPr wrap="none" rtlCol="0">
+            <a:spAutoFit/>
+          </a:bodyPr>
+          <a:lstStyle/>
+          <a:p>
+            <a:r>
+              <a:rPr lang="en-US" dirty="0" smtClean="0"/>
+              <a:t>No, WAIT!</a:t>
+            </a:r>
+            <a:endParaRPr lang="en-US" dirty="0"/>
+          </a:p>
+        </p:txBody>
+      </p:sp>
+      <p:sp>
+        <p:nvSpPr>
+          <p:cNvPr id="6" name="TextBox 5"/>
+          <p:cNvSpPr txBox="1"/>
+          <p:nvPr/>
+        </p:nvSpPr>
+        <p:spPr>
+          <a:xfrm>
+            <a:off x="1228976" y="1329321"/>
+            <a:ext cx="291629" cy="369332"/>
+          </a:xfrm>
+          <a:prstGeom prst="rect">
+            <a:avLst/>
+          </a:prstGeom>
+          <a:noFill/>
+        </p:spPr>
+        <p:txBody>
+          <a:bodyPr wrap="none" rtlCol="0">
+            <a:spAutoFit/>
+          </a:bodyPr>
+          <a:lstStyle/>
+          <a:p>
+            <a:r>
+              <a:rPr lang="en-US" dirty="0" smtClean="0"/>
+              <a:t>?</a:t>
+            </a:r>
+            <a:endParaRPr lang="en-US" dirty="0"/>
+          </a:p>
+        </p:txBody>
+      </p:sp>
+    </p:spTree>
+    <p:extLst>
+      <p:ext uri="{BB962C8B-B14F-4D97-AF65-F5344CB8AC3E}">
+        <p14:creationId xmlns:p14="http://schemas.microsoft.com/office/powerpoint/2010/main" val="1810304175"/>
+      </p:ext>
+    </p:extLst>
+  </p:cSld>
+  <p:clrMapOvr>
+    <a:masterClrMapping/>
+  </p:clrMapOvr>
+  <p:timing>
+    <p:tnLst>
+      <p:par>
+        <p:cTn xmlns:p14="http://schemas.microsoft.com/office/powerpoint/2010/main" id="1" dur="indefinite" restart="never" nodeType="tmRoot">
+          <p:childTnLst>
+            <p:seq concurrent="1" nextAc="seek">
+              <p:cTn id="2" dur="indefinite" nodeType="mainSeq">
+                <p:childTnLst>
+                  <p:par>
+                    <p:cTn id="3" fill="hold">
+                      <p:stCondLst>
+                        <p:cond delay="indefinite"/>
+                      </p:stCondLst>
+                      <p:childTnLst>
+                        <p:par>
+                          <p:cTn id="4" fill="hold">
+                            <p:stCondLst>
+                              <p:cond delay="0"/>
+                            </p:stCondLst>
+                            <p:childTnLst>
+                              <p:par>
+                                <p:cTn id="5" presetID="9" presetClass="entr" presetSubtype="0" fill="hold" nodeType="clickEffect">
+                                  <p:stCondLst>
+                                    <p:cond delay="0"/>
+                                  </p:stCondLst>
+                                  <p:childTnLst>
+                                    <p:set>
+                                      <p:cBhvr>
+                                        <p:cTn id="6" dur="1" fill="hold">
+                                          <p:stCondLst>
+                                            <p:cond delay="0"/>
+                                          </p:stCondLst>
+                                        </p:cTn>
+                                        <p:tgtEl>
+                                          <p:spTgt spid="20"/>
+                                        </p:tgtEl>
+                                        <p:attrNameLst>
+                                          <p:attrName>style.visibility</p:attrName>
+                                        </p:attrNameLst>
+                                      </p:cBhvr>
+                                      <p:to>
+                                        <p:strVal val="visible"/>
+                                      </p:to>
+                                    </p:set>
+                                    <p:animEffect transition="in" filter="dissolve">
+                                      <p:cBhvr>
+                                        <p:cTn id="7" dur="500"/>
+                                        <p:tgtEl>
+                                          <p:spTgt spid="20"/>
+                                        </p:tgtEl>
+                                      </p:cBhvr>
+                                    </p:animEffect>
+                                  </p:childTnLst>
+                                </p:cTn>
+                              </p:par>
+                            </p:childTnLst>
+                          </p:cTn>
+                        </p:par>
+                      </p:childTnLst>
+                    </p:cTn>
+                  </p:par>
+                  <p:par>
+                    <p:cTn id="8" fill="hold">
+                      <p:stCondLst>
+                        <p:cond delay="indefinite"/>
+                      </p:stCondLst>
+                      <p:childTnLst>
+                        <p:par>
+                          <p:cTn id="9" fill="hold">
+                            <p:stCondLst>
+                              <p:cond delay="0"/>
+                            </p:stCondLst>
+                            <p:childTnLst>
+                              <p:par>
+                                <p:cTn id="10" presetID="9" presetClass="entr" presetSubtype="0" fill="hold" grpId="0" nodeType="clickEffect">
+                                  <p:stCondLst>
+                                    <p:cond delay="0"/>
+                                  </p:stCondLst>
+                                  <p:childTnLst>
+                                    <p:set>
+                                      <p:cBhvr>
+                                        <p:cTn id="11" dur="1" fill="hold">
+                                          <p:stCondLst>
+                                            <p:cond delay="0"/>
+                                          </p:stCondLst>
+                                        </p:cTn>
+                                        <p:tgtEl>
+                                          <p:spTgt spid="3"/>
+                                        </p:tgtEl>
+                                        <p:attrNameLst>
+                                          <p:attrName>style.visibility</p:attrName>
+                                        </p:attrNameLst>
+                                      </p:cBhvr>
+                                      <p:to>
+                                        <p:strVal val="visible"/>
+                                      </p:to>
+                                    </p:set>
+                                    <p:animEffect transition="in" filter="dissolve">
+                                      <p:cBhvr>
+                                        <p:cTn id="12" dur="500"/>
+                                        <p:tgtEl>
+                                          <p:spTgt spid="3"/>
+                                        </p:tgtEl>
+                                      </p:cBhvr>
+                                    </p:animEffect>
+                                  </p:childTnLst>
+                                </p:cTn>
+                              </p:par>
+                            </p:childTnLst>
+                          </p:cTn>
+                        </p:par>
+                      </p:childTnLst>
+                    </p:cTn>
+                  </p:par>
+                  <p:par>
+                    <p:cTn id="13" fill="hold">
+                      <p:stCondLst>
+                        <p:cond delay="indefinite"/>
+                      </p:stCondLst>
+                      <p:childTnLst>
+                        <p:par>
+                          <p:cTn id="14" fill="hold">
+                            <p:stCondLst>
+                              <p:cond delay="0"/>
+                            </p:stCondLst>
+                            <p:childTnLst>
+                              <p:par>
+                                <p:cTn id="15" presetID="0" presetClass="path" presetSubtype="0" accel="50000" decel="50000" fill="hold" nodeType="clickEffect">
+                                  <p:stCondLst>
+                                    <p:cond delay="0"/>
+                                  </p:stCondLst>
+                                  <p:childTnLst>
+                                    <p:animMotion origin="layout" path="M 5.13636E-6 2.56363E-6 C 0.00435 0.00903 0.00956 0.01735 0.01425 0.02661 C 0.01616 0.03517 0.01755 0.03586 0.02433 0.03818 C 0.02606 0.04581 0.03075 0.05021 0.0344 0.05715 C 0.03649 0.06594 0.03822 0.07497 0.04013 0.08399 C 0.04378 0.10157 0.03979 0.09533 0.04587 0.10296 C 0.04743 0.10967 0.04899 0.11499 0.05299 0.12008 C 0.05507 0.12888 0.05907 0.13235 0.06584 0.13536 C 0.06723 0.13466 0.06897 0.13489 0.07019 0.1335 C 0.07123 0.13188 0.07071 0.12934 0.07157 0.12772 C 0.07314 0.12425 0.0754 0.12124 0.07731 0.11823 C 0.08095 0.11199 0.08894 0.10852 0.0945 0.1069 C 0.09867 0.10736 0.10319 0.10713 0.10736 0.10875 C 0.11066 0.1099 0.11066 0.11499 0.1117 0.11823 C 0.115 0.12911 0.11761 0.13998 0.12177 0.15063 C 0.12664 0.16358 0.13567 0.17284 0.14314 0.18325 C 0.14818 0.20153 0.14071 0.17723 0.14748 0.19274 C 0.14818 0.19436 0.14818 0.19667 0.14887 0.19852 C 0.14957 0.20037 0.15078 0.20222 0.15182 0.20407 C 0.15217 0.20731 0.15217 0.21055 0.15321 0.21379 C 0.15443 0.21772 0.15808 0.21981 0.16034 0.22328 C 0.16503 0.23068 0.16867 0.23878 0.17475 0.24433 C 0.18118 0.25729 0.17719 0.25405 0.18483 0.25752 C 0.19039 0.26539 0.1916 0.2758 0.19907 0.28251 C 0.20116 0.29107 0.20567 0.29847 0.21054 0.30542 C 0.21088 0.30727 0.21088 0.30958 0.21193 0.31097 C 0.21297 0.31236 0.21523 0.31143 0.21627 0.31305 C 0.21731 0.3149 0.21662 0.31814 0.21766 0.32069 C 0.21818 0.32207 0.21957 0.323 0.22061 0.32439 C 0.22096 0.32624 0.22113 0.32832 0.222 0.33017 C 0.22356 0.33364 0.22773 0.3348 0.22773 0.33966 " pathEditMode="relative" ptsTypes="ffffffffffffffffffffffffffffffA">
+                                      <p:cBhvr>
+                                        <p:cTn id="16" dur="2000" fill="hold"/>
+                                        <p:tgtEl>
+                                          <p:spTgt spid="20"/>
+                                        </p:tgtEl>
+                                        <p:attrNameLst>
+                                          <p:attrName>ppt_x</p:attrName>
+                                          <p:attrName>ppt_y</p:attrName>
+                                        </p:attrNameLst>
+                                      </p:cBhvr>
+                                    </p:animMotion>
+                                  </p:childTnLst>
+                                </p:cTn>
+                              </p:par>
+                            </p:childTnLst>
+                          </p:cTn>
+                        </p:par>
+                      </p:childTnLst>
+                    </p:cTn>
+                  </p:par>
+                  <p:par>
+                    <p:cTn id="17" fill="hold">
+                      <p:stCondLst>
+                        <p:cond delay="indefinite"/>
+                      </p:stCondLst>
+                      <p:childTnLst>
+                        <p:par>
+                          <p:cTn id="18" fill="hold">
+                            <p:stCondLst>
+                              <p:cond delay="0"/>
+                            </p:stCondLst>
+                            <p:childTnLst>
+                              <p:par>
+                                <p:cTn id="19" presetID="1" presetClass="exit" presetSubtype="0" fill="hold" nodeType="clickEffect">
+                                  <p:stCondLst>
+                                    <p:cond delay="0"/>
+                                  </p:stCondLst>
+                                  <p:childTnLst>
+                                    <p:set>
+                                      <p:cBhvr>
+                                        <p:cTn id="20" dur="1" fill="hold">
+                                          <p:stCondLst>
+                                            <p:cond delay="0"/>
+                                          </p:stCondLst>
+                                        </p:cTn>
+                                        <p:tgtEl>
+                                          <p:spTgt spid="20"/>
+                                        </p:tgtEl>
+                                        <p:attrNameLst>
+                                          <p:attrName>style.visibility</p:attrName>
+                                        </p:attrNameLst>
+                                      </p:cBhvr>
+                                      <p:to>
+                                        <p:strVal val="hidden"/>
+                                      </p:to>
+                                    </p:set>
+                                  </p:childTnLst>
+                                </p:cTn>
+                              </p:par>
+                            </p:childTnLst>
+                          </p:cTn>
+                        </p:par>
+                      </p:childTnLst>
+                    </p:cTn>
+                  </p:par>
+                  <p:par>
+                    <p:cTn id="21" fill="hold">
+                      <p:stCondLst>
+                        <p:cond delay="indefinite"/>
+                      </p:stCondLst>
+                      <p:childTnLst>
+                        <p:par>
+                          <p:cTn id="22" fill="hold">
+                            <p:stCondLst>
+                              <p:cond delay="0"/>
+                            </p:stCondLst>
+                            <p:childTnLst>
+                              <p:par>
+                                <p:cTn id="23" presetID="9" presetClass="exit" presetSubtype="0" fill="hold" grpId="1" nodeType="clickEffect">
+                                  <p:stCondLst>
+                                    <p:cond delay="0"/>
+                                  </p:stCondLst>
+                                  <p:childTnLst>
+                                    <p:animEffect transition="out" filter="dissolve">
+                                      <p:cBhvr>
+                                        <p:cTn id="24" dur="500"/>
+                                        <p:tgtEl>
+                                          <p:spTgt spid="3"/>
+                                        </p:tgtEl>
+                                      </p:cBhvr>
+                                    </p:animEffect>
+                                    <p:set>
+                                      <p:cBhvr>
+                                        <p:cTn id="25" dur="1" fill="hold">
+                                          <p:stCondLst>
+                                            <p:cond delay="499"/>
+                                          </p:stCondLst>
+                                        </p:cTn>
+                                        <p:tgtEl>
+                                          <p:spTgt spid="3"/>
+                                        </p:tgtEl>
+                                        <p:attrNameLst>
+                                          <p:attrName>style.visibility</p:attrName>
+                                        </p:attrNameLst>
+                                      </p:cBhvr>
+                                      <p:to>
+                                        <p:strVal val="hidden"/>
+                                      </p:to>
+                                    </p:set>
+                                  </p:childTnLst>
+                                </p:cTn>
+                              </p:par>
+                            </p:childTnLst>
+                          </p:cTn>
+                        </p:par>
+                      </p:childTnLst>
+                    </p:cTn>
+                  </p:par>
+                  <p:par>
+                    <p:cTn id="26" fill="hold">
+                      <p:stCondLst>
+                        <p:cond delay="indefinite"/>
+                      </p:stCondLst>
+                      <p:childTnLst>
+                        <p:par>
+                          <p:cTn id="27" fill="hold">
+                            <p:stCondLst>
+                              <p:cond delay="0"/>
+                            </p:stCondLst>
+                            <p:childTnLst>
+                              <p:par>
+                                <p:cTn id="28" presetID="2" presetClass="entr" presetSubtype="4" fill="hold" grpId="0" nodeType="clickEffect">
+                                  <p:stCondLst>
+                                    <p:cond delay="0"/>
+                                  </p:stCondLst>
+                                  <p:childTnLst>
+                                    <p:set>
+                                      <p:cBhvr>
+                                        <p:cTn id="29" dur="1" fill="hold">
+                                          <p:stCondLst>
+                                            <p:cond delay="0"/>
+                                          </p:stCondLst>
+                                        </p:cTn>
+                                        <p:tgtEl>
+                                          <p:spTgt spid="5"/>
+                                        </p:tgtEl>
+                                        <p:attrNameLst>
+                                          <p:attrName>style.visibility</p:attrName>
+                                        </p:attrNameLst>
+                                      </p:cBhvr>
+                                      <p:to>
+                                        <p:strVal val="visible"/>
+                                      </p:to>
+                                    </p:set>
+                                    <p:anim calcmode="lin" valueType="num">
+                                      <p:cBhvr additive="base">
+                                        <p:cTn id="30" dur="500" fill="hold"/>
+                                        <p:tgtEl>
+                                          <p:spTgt spid="5"/>
+                                        </p:tgtEl>
+                                        <p:attrNameLst>
+                                          <p:attrName>ppt_x</p:attrName>
+                                        </p:attrNameLst>
+                                      </p:cBhvr>
+                                      <p:tavLst>
+                                        <p:tav tm="0">
+                                          <p:val>
+                                            <p:strVal val="#ppt_x"/>
+                                          </p:val>
+                                        </p:tav>
+                                        <p:tav tm="100000">
+                                          <p:val>
+                                            <p:strVal val="#ppt_x"/>
+                                          </p:val>
+                                        </p:tav>
+                                      </p:tavLst>
+                                    </p:anim>
+                                    <p:anim calcmode="lin" valueType="num">
+                                      <p:cBhvr additive="base">
+                                        <p:cTn id="31" dur="500" fill="hold"/>
+                                        <p:tgtEl>
+                                          <p:spTgt spid="5"/>
+                                        </p:tgtEl>
+                                        <p:attrNameLst>
+                                          <p:attrName>ppt_y</p:attrName>
+                                        </p:attrNameLst>
+                                      </p:cBhvr>
+                                      <p:tavLst>
+                                        <p:tav tm="0">
+                                          <p:val>
+                                            <p:strVal val="1+#ppt_h/2"/>
+                                          </p:val>
+                                        </p:tav>
+                                        <p:tav tm="100000">
+                                          <p:val>
+                                            <p:strVal val="#ppt_y"/>
+                                          </p:val>
+                                        </p:tav>
+                                      </p:tavLst>
+                                    </p:anim>
+                                  </p:childTnLst>
+                                </p:cTn>
+                              </p:par>
+                            </p:childTnLst>
+                          </p:cTn>
+                        </p:par>
+                      </p:childTnLst>
+                    </p:cTn>
+                  </p:par>
+                  <p:par>
+                    <p:cTn id="32" fill="hold">
+                      <p:stCondLst>
+                        <p:cond delay="indefinite"/>
+                      </p:stCondLst>
+                      <p:childTnLst>
+                        <p:par>
+                          <p:cTn id="33" fill="hold">
+                            <p:stCondLst>
+                              <p:cond delay="0"/>
+                            </p:stCondLst>
+                            <p:childTnLst>
+                              <p:par>
+                                <p:cTn id="34" presetID="9" presetClass="exit" presetSubtype="0" fill="hold" grpId="1" nodeType="clickEffect">
+                                  <p:stCondLst>
+                                    <p:cond delay="0"/>
+                                  </p:stCondLst>
+                                  <p:childTnLst>
+                                    <p:animEffect transition="out" filter="dissolve">
+                                      <p:cBhvr>
+                                        <p:cTn id="35" dur="500"/>
+                                        <p:tgtEl>
+                                          <p:spTgt spid="5"/>
+                                        </p:tgtEl>
+                                      </p:cBhvr>
+                                    </p:animEffect>
+                                    <p:set>
+                                      <p:cBhvr>
+                                        <p:cTn id="36" dur="1" fill="hold">
+                                          <p:stCondLst>
+                                            <p:cond delay="499"/>
+                                          </p:stCondLst>
+                                        </p:cTn>
+                                        <p:tgtEl>
+                                          <p:spTgt spid="5"/>
+                                        </p:tgtEl>
+                                        <p:attrNameLst>
+                                          <p:attrName>style.visibility</p:attrName>
+                                        </p:attrNameLst>
+                                      </p:cBhvr>
+                                      <p:to>
+                                        <p:strVal val="hidden"/>
+                                      </p:to>
+                                    </p:set>
+                                  </p:childTnLst>
+                                </p:cTn>
+                              </p:par>
+                            </p:childTnLst>
+                          </p:cTn>
+                        </p:par>
+                      </p:childTnLst>
+                    </p:cTn>
+                  </p:par>
+                  <p:par>
+                    <p:cTn id="37" fill="hold">
+                      <p:stCondLst>
+                        <p:cond delay="indefinite"/>
+                      </p:stCondLst>
+                      <p:childTnLst>
+                        <p:par>
+                          <p:cTn id="38" fill="hold">
+                            <p:stCondLst>
+                              <p:cond delay="0"/>
+                            </p:stCondLst>
+                            <p:childTnLst>
+                              <p:par>
+                                <p:cTn id="39" presetID="9" presetClass="entr" presetSubtype="0" fill="hold" grpId="0" nodeType="clickEffect">
+                                  <p:stCondLst>
+                                    <p:cond delay="0"/>
+                                  </p:stCondLst>
+                                  <p:childTnLst>
+                                    <p:set>
+                                      <p:cBhvr>
+                                        <p:cTn id="40" dur="1" fill="hold">
+                                          <p:stCondLst>
+                                            <p:cond delay="0"/>
+                                          </p:stCondLst>
+                                        </p:cTn>
+                                        <p:tgtEl>
+                                          <p:spTgt spid="6"/>
+                                        </p:tgtEl>
+                                        <p:attrNameLst>
+                                          <p:attrName>style.visibility</p:attrName>
+                                        </p:attrNameLst>
+                                      </p:cBhvr>
+                                      <p:to>
+                                        <p:strVal val="visible"/>
+                                      </p:to>
+                                    </p:set>
+                                    <p:animEffect transition="in" filter="dissolve">
+                                      <p:cBhvr>
+                                        <p:cTn id="41" dur="500"/>
+                                        <p:tgtEl>
+                                          <p:spTgt spid="6"/>
+                                        </p:tgtEl>
+                                      </p:cBhvr>
+                                    </p:animEffect>
+                                  </p:childTnLst>
+                                </p:cTn>
+                              </p:par>
+                            </p:childTnLst>
+                          </p:cTn>
+                        </p:par>
+                      </p:childTnLst>
+                    </p:cTn>
+                  </p:par>
+                </p:childTnLst>
+              </p:cTn>
+              <p:prevCondLst>
+                <p:cond evt="onPrev" delay="0">
+                  <p:tgtEl>
+                    <p:sldTgt/>
+                  </p:tgtEl>
+                </p:cond>
+              </p:prevCondLst>
+              <p:nextCondLst>
+                <p:cond evt="onNext" delay="0">
+                  <p:tgtEl>
+                    <p:sldTgt/>
+                  </p:tgtEl>
+                </p:cond>
+              </p:nextCondLst>
+            </p:seq>
+          </p:childTnLst>
+        </p:cTn>
+      </p:par>
+    </p:tnLst>
+    <p:bldLst>
+      <p:bldP spid="3" grpId="0"/>
+      <p:bldP spid="3" grpId="1"/>
+      <p:bldP spid="5" grpId="0"/>
+      <p:bldP spid="5" grpId="1"/>
+      <p:bldP spid="6" grpId="0"/>
+    </p:bldLst>
+  </p:timing>
+</p:sld>
+</file>
+
+<file path=ppt/slides/slide68.xml><?xml version="1.0" encoding="utf-8"?>
+<p:sld xmlns:a="http://schemas.openxmlformats.org/drawingml/2006/main" xmlns:r="http://schemas.openxmlformats.org/officeDocument/2006/relationships" xmlns:p="http://schemas.openxmlformats.org/presentationml/2006/main">
+  <p:cSld>
+    <p:spTree>
+      <p:nvGrpSpPr>
+        <p:cNvPr id="1" name=""/>
+        <p:cNvGrpSpPr/>
+        <p:nvPr/>
+      </p:nvGrpSpPr>
+      <p:grpSpPr>
+        <a:xfrm>
+          <a:off x="0" y="0"/>
+          <a:ext cx="0" cy="0"/>
+          <a:chOff x="0" y="0"/>
+          <a:chExt cx="0" cy="0"/>
+        </a:xfrm>
+      </p:grpSpPr>
+      <p:pic>
+        <p:nvPicPr>
+          <p:cNvPr id="17" name="Picture 16" descr="images (10).jpeg"/>
+          <p:cNvPicPr>
+            <a:picLocks noChangeAspect="1"/>
+          </p:cNvPicPr>
+          <p:nvPr/>
+        </p:nvPicPr>
+        <p:blipFill>
+          <a:blip r:embed="rId2">
+            <a:extLst>
+              <a:ext uri="{28A0092B-C50C-407E-A947-70E740481C1C}">
+                <a14:useLocalDpi xmlns:a14="http://schemas.microsoft.com/office/drawing/2010/main" val="0"/>
+              </a:ext>
+            </a:extLst>
+          </a:blip>
+          <a:stretch>
+            <a:fillRect/>
+          </a:stretch>
+        </p:blipFill>
+        <p:spPr>
+          <a:xfrm>
+            <a:off x="6352727" y="1582236"/>
+            <a:ext cx="1463945" cy="1463945"/>
+          </a:xfrm>
+          <a:prstGeom prst="rect">
+            <a:avLst/>
+          </a:prstGeom>
+        </p:spPr>
+      </p:pic>
+      <p:pic>
+        <p:nvPicPr>
+          <p:cNvPr id="18" name="Picture 17" descr="images (10).jpeg"/>
+          <p:cNvPicPr>
+            <a:picLocks noChangeAspect="1"/>
+          </p:cNvPicPr>
+          <p:nvPr/>
+        </p:nvPicPr>
+        <p:blipFill>
+          <a:blip r:embed="rId2">
+            <a:extLst>
+              <a:ext uri="{28A0092B-C50C-407E-A947-70E740481C1C}">
+                <a14:useLocalDpi xmlns:a14="http://schemas.microsoft.com/office/drawing/2010/main" val="0"/>
+              </a:ext>
+            </a:extLst>
+          </a:blip>
+          <a:stretch>
+            <a:fillRect/>
+          </a:stretch>
+        </p:blipFill>
+        <p:spPr>
+          <a:xfrm>
+            <a:off x="704816" y="1686988"/>
+            <a:ext cx="1463945" cy="1463945"/>
+          </a:xfrm>
+          <a:prstGeom prst="rect">
+            <a:avLst/>
+          </a:prstGeom>
+        </p:spPr>
+      </p:pic>
+      <p:sp>
+        <p:nvSpPr>
+          <p:cNvPr id="2" name="Title 1"/>
+          <p:cNvSpPr>
+            <a:spLocks noGrp="1"/>
+          </p:cNvSpPr>
+          <p:nvPr>
+            <p:ph type="title"/>
+          </p:nvPr>
+        </p:nvSpPr>
+        <p:spPr/>
+        <p:txBody>
+          <a:bodyPr>
+            <a:normAutofit fontScale="90000"/>
+          </a:bodyPr>
+          <a:lstStyle/>
+          <a:p>
+            <a:r>
+              <a:rPr lang="en-US" dirty="0" smtClean="0"/>
+              <a:t>Distributed systems are easier when messages are</a:t>
+            </a:r>
+            <a:endParaRPr lang="en-US" dirty="0"/>
+          </a:p>
+        </p:txBody>
+      </p:sp>
+      <p:pic>
+        <p:nvPicPr>
+          <p:cNvPr id="4" name="Picture 3" descr="landscape-mountain-trees-clip-art_423631.jpg"/>
+          <p:cNvPicPr>
+            <a:picLocks noChangeAspect="1"/>
+          </p:cNvPicPr>
+          <p:nvPr/>
+        </p:nvPicPr>
+        <p:blipFill>
+          <a:blip r:embed="rId3">
+            <a:extLst>
+              <a:ext uri="{28A0092B-C50C-407E-A947-70E740481C1C}">
+                <a14:useLocalDpi xmlns:a14="http://schemas.microsoft.com/office/drawing/2010/main" val="0"/>
+              </a:ext>
+            </a:extLst>
+          </a:blip>
+          <a:stretch>
+            <a:fillRect/>
+          </a:stretch>
+        </p:blipFill>
+        <p:spPr>
+          <a:xfrm>
+            <a:off x="3397310" y="4569833"/>
+            <a:ext cx="1944737" cy="1180510"/>
+          </a:xfrm>
+          <a:prstGeom prst="rect">
+            <a:avLst/>
+          </a:prstGeom>
+        </p:spPr>
+      </p:pic>
+      <p:pic>
+        <p:nvPicPr>
+          <p:cNvPr id="12" name="Picture 11" descr="images (9).jpeg"/>
+          <p:cNvPicPr>
+            <a:picLocks noChangeAspect="1"/>
+          </p:cNvPicPr>
+          <p:nvPr/>
+        </p:nvPicPr>
+        <p:blipFill>
+          <a:blip r:embed="rId4">
+            <a:extLst>
+              <a:ext uri="{28A0092B-C50C-407E-A947-70E740481C1C}">
+                <a14:useLocalDpi xmlns:a14="http://schemas.microsoft.com/office/drawing/2010/main" val="0"/>
+              </a:ext>
+            </a:extLst>
+          </a:blip>
+          <a:stretch>
+            <a:fillRect/>
+          </a:stretch>
+        </p:blipFill>
+        <p:spPr>
+          <a:xfrm>
+            <a:off x="-402719" y="3046181"/>
+            <a:ext cx="4109170" cy="2856561"/>
+          </a:xfrm>
+          <a:prstGeom prst="rect">
+            <a:avLst/>
+          </a:prstGeom>
+        </p:spPr>
+      </p:pic>
+      <p:pic>
+        <p:nvPicPr>
+          <p:cNvPr id="13" name="Picture 12" descr="images (9).jpeg"/>
+          <p:cNvPicPr>
+            <a:picLocks noChangeAspect="1"/>
+          </p:cNvPicPr>
+          <p:nvPr/>
+        </p:nvPicPr>
+        <p:blipFill>
+          <a:blip r:embed="rId4">
+            <a:extLst>
+              <a:ext uri="{28A0092B-C50C-407E-A947-70E740481C1C}">
+                <a14:useLocalDpi xmlns:a14="http://schemas.microsoft.com/office/drawing/2010/main" val="0"/>
+              </a:ext>
+            </a:extLst>
+          </a:blip>
+          <a:stretch>
+            <a:fillRect/>
+          </a:stretch>
+        </p:blipFill>
+        <p:spPr>
+          <a:xfrm>
+            <a:off x="5209567" y="2893781"/>
+            <a:ext cx="4109170" cy="2856561"/>
+          </a:xfrm>
+          <a:prstGeom prst="rect">
+            <a:avLst/>
+          </a:prstGeom>
+        </p:spPr>
+      </p:pic>
+    </p:spTree>
+    <p:extLst>
+      <p:ext uri="{BB962C8B-B14F-4D97-AF65-F5344CB8AC3E}">
+        <p14:creationId xmlns:p14="http://schemas.microsoft.com/office/powerpoint/2010/main" val="1364777097"/>
+      </p:ext>
+    </p:extLst>
+  </p:cSld>
+  <p:clrMapOvr>
+    <a:masterClrMapping/>
+  </p:clrMapOvr>
+  <p:timing>
+    <p:tnLst>
+      <p:par>
+        <p:cTn xmlns:p14="http://schemas.microsoft.com/office/powerpoint/2010/main" id="1" dur="indefinite" restart="never" nodeType="tmRoot"/>
+      </p:par>
+    </p:tnLst>
+  </p:timing>
+</p:sld>
+</file>
+
+<file path=ppt/slides/slide69.xml><?xml version="1.0" encoding="utf-8"?>
+<p:sld xmlns:a="http://schemas.openxmlformats.org/drawingml/2006/main" xmlns:r="http://schemas.openxmlformats.org/officeDocument/2006/relationships" xmlns:p="http://schemas.openxmlformats.org/presentationml/2006/main">
+  <p:cSld>
+    <p:spTree>
+      <p:nvGrpSpPr>
+        <p:cNvPr id="1" name=""/>
+        <p:cNvGrpSpPr/>
+        <p:nvPr/>
+      </p:nvGrpSpPr>
+      <p:grpSpPr>
+        <a:xfrm>
+          <a:off x="0" y="0"/>
+          <a:ext cx="0" cy="0"/>
+          <a:chOff x="0" y="0"/>
+          <a:chExt cx="0" cy="0"/>
+        </a:xfrm>
+      </p:grpSpPr>
+      <p:pic>
+        <p:nvPicPr>
+          <p:cNvPr id="17" name="Picture 16" descr="images (10).jpeg"/>
+          <p:cNvPicPr>
+            <a:picLocks noChangeAspect="1"/>
+          </p:cNvPicPr>
+          <p:nvPr/>
+        </p:nvPicPr>
+        <p:blipFill>
+          <a:blip r:embed="rId2">
+            <a:extLst>
+              <a:ext uri="{28A0092B-C50C-407E-A947-70E740481C1C}">
+                <a14:useLocalDpi xmlns:a14="http://schemas.microsoft.com/office/drawing/2010/main" val="0"/>
+              </a:ext>
+            </a:extLst>
+          </a:blip>
+          <a:stretch>
+            <a:fillRect/>
+          </a:stretch>
+        </p:blipFill>
+        <p:spPr>
+          <a:xfrm>
+            <a:off x="6352727" y="1582236"/>
+            <a:ext cx="1463945" cy="1463945"/>
+          </a:xfrm>
+          <a:prstGeom prst="rect">
+            <a:avLst/>
+          </a:prstGeom>
+        </p:spPr>
+      </p:pic>
+      <p:pic>
+        <p:nvPicPr>
+          <p:cNvPr id="18" name="Picture 17" descr="images (10).jpeg"/>
+          <p:cNvPicPr>
+            <a:picLocks noChangeAspect="1"/>
+          </p:cNvPicPr>
+          <p:nvPr/>
+        </p:nvPicPr>
+        <p:blipFill>
+          <a:blip r:embed="rId2">
+            <a:extLst>
+              <a:ext uri="{28A0092B-C50C-407E-A947-70E740481C1C}">
+                <a14:useLocalDpi xmlns:a14="http://schemas.microsoft.com/office/drawing/2010/main" val="0"/>
+              </a:ext>
+            </a:extLst>
+          </a:blip>
+          <a:stretch>
+            <a:fillRect/>
+          </a:stretch>
+        </p:blipFill>
+        <p:spPr>
+          <a:xfrm>
+            <a:off x="704816" y="1686988"/>
+            <a:ext cx="1463945" cy="1463945"/>
+          </a:xfrm>
+          <a:prstGeom prst="rect">
+            <a:avLst/>
+          </a:prstGeom>
+        </p:spPr>
+      </p:pic>
+      <p:sp>
+        <p:nvSpPr>
+          <p:cNvPr id="2" name="Title 1"/>
+          <p:cNvSpPr>
+            <a:spLocks noGrp="1"/>
+          </p:cNvSpPr>
+          <p:nvPr>
+            <p:ph type="title"/>
+          </p:nvPr>
+        </p:nvSpPr>
+        <p:spPr/>
+        <p:txBody>
+          <a:bodyPr>
+            <a:normAutofit fontScale="90000"/>
+          </a:bodyPr>
+          <a:lstStyle/>
+          <a:p>
+            <a:r>
+              <a:rPr lang="en-US" dirty="0" smtClean="0"/>
+              <a:t>Distributed systems are easier when messages are</a:t>
+            </a:r>
+            <a:endParaRPr lang="en-US" dirty="0"/>
+          </a:p>
+        </p:txBody>
+      </p:sp>
+      <p:pic>
+        <p:nvPicPr>
+          <p:cNvPr id="4" name="Picture 3" descr="landscape-mountain-trees-clip-art_423631.jpg"/>
+          <p:cNvPicPr>
+            <a:picLocks noChangeAspect="1"/>
+          </p:cNvPicPr>
+          <p:nvPr/>
+        </p:nvPicPr>
+        <p:blipFill>
+          <a:blip r:embed="rId3">
+            <a:extLst>
+              <a:ext uri="{28A0092B-C50C-407E-A947-70E740481C1C}">
+                <a14:useLocalDpi xmlns:a14="http://schemas.microsoft.com/office/drawing/2010/main" val="0"/>
+              </a:ext>
+            </a:extLst>
+          </a:blip>
+          <a:stretch>
+            <a:fillRect/>
+          </a:stretch>
+        </p:blipFill>
+        <p:spPr>
+          <a:xfrm>
+            <a:off x="3397310" y="4569833"/>
+            <a:ext cx="1944737" cy="1180510"/>
+          </a:xfrm>
+          <a:prstGeom prst="rect">
+            <a:avLst/>
+          </a:prstGeom>
+        </p:spPr>
+      </p:pic>
+      <p:pic>
+        <p:nvPicPr>
+          <p:cNvPr id="12" name="Picture 11" descr="images (9).jpeg"/>
+          <p:cNvPicPr>
+            <a:picLocks noChangeAspect="1"/>
+          </p:cNvPicPr>
+          <p:nvPr/>
+        </p:nvPicPr>
+        <p:blipFill>
+          <a:blip r:embed="rId4">
+            <a:extLst>
+              <a:ext uri="{28A0092B-C50C-407E-A947-70E740481C1C}">
+                <a14:useLocalDpi xmlns:a14="http://schemas.microsoft.com/office/drawing/2010/main" val="0"/>
+              </a:ext>
+            </a:extLst>
+          </a:blip>
+          <a:stretch>
+            <a:fillRect/>
+          </a:stretch>
+        </p:blipFill>
+        <p:spPr>
+          <a:xfrm>
+            <a:off x="-402719" y="3046181"/>
+            <a:ext cx="4109170" cy="2856561"/>
+          </a:xfrm>
+          <a:prstGeom prst="rect">
+            <a:avLst/>
+          </a:prstGeom>
+        </p:spPr>
+      </p:pic>
+      <p:pic>
+        <p:nvPicPr>
+          <p:cNvPr id="13" name="Picture 12" descr="images (9).jpeg"/>
+          <p:cNvPicPr>
+            <a:picLocks noChangeAspect="1"/>
+          </p:cNvPicPr>
+          <p:nvPr/>
+        </p:nvPicPr>
+        <p:blipFill>
+          <a:blip r:embed="rId4">
+            <a:extLst>
+              <a:ext uri="{28A0092B-C50C-407E-A947-70E740481C1C}">
+                <a14:useLocalDpi xmlns:a14="http://schemas.microsoft.com/office/drawing/2010/main" val="0"/>
+              </a:ext>
+            </a:extLst>
+          </a:blip>
+          <a:stretch>
+            <a:fillRect/>
+          </a:stretch>
+        </p:blipFill>
+        <p:spPr>
+          <a:xfrm>
+            <a:off x="5209567" y="2893781"/>
+            <a:ext cx="4109170" cy="2856561"/>
+          </a:xfrm>
+          <a:prstGeom prst="rect">
+            <a:avLst/>
+          </a:prstGeom>
+        </p:spPr>
+      </p:pic>
+      <p:sp>
+        <p:nvSpPr>
+          <p:cNvPr id="3" name="TextBox 2"/>
+          <p:cNvSpPr txBox="1"/>
+          <p:nvPr/>
+        </p:nvSpPr>
+        <p:spPr>
+          <a:xfrm>
+            <a:off x="2885157" y="1872041"/>
+            <a:ext cx="2505814" cy="584776"/>
+          </a:xfrm>
+          <a:prstGeom prst="rect">
+            <a:avLst/>
+          </a:prstGeom>
+          <a:noFill/>
+        </p:spPr>
+        <p:txBody>
+          <a:bodyPr wrap="none" rtlCol="0">
+            <a:spAutoFit/>
+          </a:bodyPr>
+          <a:lstStyle/>
+          <a:p>
+            <a:pPr marL="285750" indent="-285750">
+              <a:buFont typeface="Arial"/>
+              <a:buChar char="•"/>
+            </a:pPr>
+            <a:r>
+              <a:rPr lang="en-US" sz="3200" dirty="0" err="1" smtClean="0"/>
+              <a:t>Reorderable</a:t>
+            </a:r>
+            <a:endParaRPr lang="en-US" sz="3200" dirty="0" smtClean="0"/>
+          </a:p>
+        </p:txBody>
+      </p:sp>
+    </p:spTree>
+    <p:extLst>
+      <p:ext uri="{BB962C8B-B14F-4D97-AF65-F5344CB8AC3E}">
+        <p14:creationId xmlns:p14="http://schemas.microsoft.com/office/powerpoint/2010/main" val="2710438584"/>
       </p:ext>
     </p:extLst>
   </p:cSld>
@@ -36747,6 +39778,729 @@
     <p:extLst>
       <p:ext uri="{BB962C8B-B14F-4D97-AF65-F5344CB8AC3E}">
         <p14:creationId xmlns:p14="http://schemas.microsoft.com/office/powerpoint/2010/main" val="1761016920"/>
+      </p:ext>
+    </p:extLst>
+  </p:cSld>
+  <p:clrMapOvr>
+    <a:masterClrMapping/>
+  </p:clrMapOvr>
+  <p:timing>
+    <p:tnLst>
+      <p:par>
+        <p:cTn xmlns:p14="http://schemas.microsoft.com/office/powerpoint/2010/main" id="1" dur="indefinite" restart="never" nodeType="tmRoot"/>
+      </p:par>
+    </p:tnLst>
+  </p:timing>
+</p:sld>
+</file>
+
+<file path=ppt/slides/slide70.xml><?xml version="1.0" encoding="utf-8"?>
+<p:sld xmlns:a="http://schemas.openxmlformats.org/drawingml/2006/main" xmlns:r="http://schemas.openxmlformats.org/officeDocument/2006/relationships" xmlns:p="http://schemas.openxmlformats.org/presentationml/2006/main">
+  <p:cSld>
+    <p:spTree>
+      <p:nvGrpSpPr>
+        <p:cNvPr id="1" name=""/>
+        <p:cNvGrpSpPr/>
+        <p:nvPr/>
+      </p:nvGrpSpPr>
+      <p:grpSpPr>
+        <a:xfrm>
+          <a:off x="0" y="0"/>
+          <a:ext cx="0" cy="0"/>
+          <a:chOff x="0" y="0"/>
+          <a:chExt cx="0" cy="0"/>
+        </a:xfrm>
+      </p:grpSpPr>
+      <p:pic>
+        <p:nvPicPr>
+          <p:cNvPr id="17" name="Picture 16" descr="images (10).jpeg"/>
+          <p:cNvPicPr>
+            <a:picLocks noChangeAspect="1"/>
+          </p:cNvPicPr>
+          <p:nvPr/>
+        </p:nvPicPr>
+        <p:blipFill>
+          <a:blip r:embed="rId2">
+            <a:extLst>
+              <a:ext uri="{28A0092B-C50C-407E-A947-70E740481C1C}">
+                <a14:useLocalDpi xmlns:a14="http://schemas.microsoft.com/office/drawing/2010/main" val="0"/>
+              </a:ext>
+            </a:extLst>
+          </a:blip>
+          <a:stretch>
+            <a:fillRect/>
+          </a:stretch>
+        </p:blipFill>
+        <p:spPr>
+          <a:xfrm>
+            <a:off x="6352727" y="1582236"/>
+            <a:ext cx="1463945" cy="1463945"/>
+          </a:xfrm>
+          <a:prstGeom prst="rect">
+            <a:avLst/>
+          </a:prstGeom>
+        </p:spPr>
+      </p:pic>
+      <p:pic>
+        <p:nvPicPr>
+          <p:cNvPr id="18" name="Picture 17" descr="images (10).jpeg"/>
+          <p:cNvPicPr>
+            <a:picLocks noChangeAspect="1"/>
+          </p:cNvPicPr>
+          <p:nvPr/>
+        </p:nvPicPr>
+        <p:blipFill>
+          <a:blip r:embed="rId2">
+            <a:extLst>
+              <a:ext uri="{28A0092B-C50C-407E-A947-70E740481C1C}">
+                <a14:useLocalDpi xmlns:a14="http://schemas.microsoft.com/office/drawing/2010/main" val="0"/>
+              </a:ext>
+            </a:extLst>
+          </a:blip>
+          <a:stretch>
+            <a:fillRect/>
+          </a:stretch>
+        </p:blipFill>
+        <p:spPr>
+          <a:xfrm>
+            <a:off x="704816" y="1686988"/>
+            <a:ext cx="1463945" cy="1463945"/>
+          </a:xfrm>
+          <a:prstGeom prst="rect">
+            <a:avLst/>
+          </a:prstGeom>
+        </p:spPr>
+      </p:pic>
+      <p:sp>
+        <p:nvSpPr>
+          <p:cNvPr id="2" name="Title 1"/>
+          <p:cNvSpPr>
+            <a:spLocks noGrp="1"/>
+          </p:cNvSpPr>
+          <p:nvPr>
+            <p:ph type="title"/>
+          </p:nvPr>
+        </p:nvSpPr>
+        <p:spPr/>
+        <p:txBody>
+          <a:bodyPr>
+            <a:normAutofit fontScale="90000"/>
+          </a:bodyPr>
+          <a:lstStyle/>
+          <a:p>
+            <a:r>
+              <a:rPr lang="en-US" dirty="0" smtClean="0"/>
+              <a:t>Distributed systems are easier when messages are</a:t>
+            </a:r>
+            <a:endParaRPr lang="en-US" dirty="0"/>
+          </a:p>
+        </p:txBody>
+      </p:sp>
+      <p:pic>
+        <p:nvPicPr>
+          <p:cNvPr id="4" name="Picture 3" descr="landscape-mountain-trees-clip-art_423631.jpg"/>
+          <p:cNvPicPr>
+            <a:picLocks noChangeAspect="1"/>
+          </p:cNvPicPr>
+          <p:nvPr/>
+        </p:nvPicPr>
+        <p:blipFill>
+          <a:blip r:embed="rId3">
+            <a:extLst>
+              <a:ext uri="{28A0092B-C50C-407E-A947-70E740481C1C}">
+                <a14:useLocalDpi xmlns:a14="http://schemas.microsoft.com/office/drawing/2010/main" val="0"/>
+              </a:ext>
+            </a:extLst>
+          </a:blip>
+          <a:stretch>
+            <a:fillRect/>
+          </a:stretch>
+        </p:blipFill>
+        <p:spPr>
+          <a:xfrm>
+            <a:off x="3397310" y="4569833"/>
+            <a:ext cx="1944737" cy="1180510"/>
+          </a:xfrm>
+          <a:prstGeom prst="rect">
+            <a:avLst/>
+          </a:prstGeom>
+        </p:spPr>
+      </p:pic>
+      <p:pic>
+        <p:nvPicPr>
+          <p:cNvPr id="12" name="Picture 11" descr="images (9).jpeg"/>
+          <p:cNvPicPr>
+            <a:picLocks noChangeAspect="1"/>
+          </p:cNvPicPr>
+          <p:nvPr/>
+        </p:nvPicPr>
+        <p:blipFill>
+          <a:blip r:embed="rId4">
+            <a:extLst>
+              <a:ext uri="{28A0092B-C50C-407E-A947-70E740481C1C}">
+                <a14:useLocalDpi xmlns:a14="http://schemas.microsoft.com/office/drawing/2010/main" val="0"/>
+              </a:ext>
+            </a:extLst>
+          </a:blip>
+          <a:stretch>
+            <a:fillRect/>
+          </a:stretch>
+        </p:blipFill>
+        <p:spPr>
+          <a:xfrm>
+            <a:off x="-402719" y="3046181"/>
+            <a:ext cx="4109170" cy="2856561"/>
+          </a:xfrm>
+          <a:prstGeom prst="rect">
+            <a:avLst/>
+          </a:prstGeom>
+        </p:spPr>
+      </p:pic>
+      <p:pic>
+        <p:nvPicPr>
+          <p:cNvPr id="13" name="Picture 12" descr="images (9).jpeg"/>
+          <p:cNvPicPr>
+            <a:picLocks noChangeAspect="1"/>
+          </p:cNvPicPr>
+          <p:nvPr/>
+        </p:nvPicPr>
+        <p:blipFill>
+          <a:blip r:embed="rId4">
+            <a:extLst>
+              <a:ext uri="{28A0092B-C50C-407E-A947-70E740481C1C}">
+                <a14:useLocalDpi xmlns:a14="http://schemas.microsoft.com/office/drawing/2010/main" val="0"/>
+              </a:ext>
+            </a:extLst>
+          </a:blip>
+          <a:stretch>
+            <a:fillRect/>
+          </a:stretch>
+        </p:blipFill>
+        <p:spPr>
+          <a:xfrm>
+            <a:off x="5209567" y="2893781"/>
+            <a:ext cx="4109170" cy="2856561"/>
+          </a:xfrm>
+          <a:prstGeom prst="rect">
+            <a:avLst/>
+          </a:prstGeom>
+        </p:spPr>
+      </p:pic>
+      <p:sp>
+        <p:nvSpPr>
+          <p:cNvPr id="3" name="TextBox 2"/>
+          <p:cNvSpPr txBox="1"/>
+          <p:nvPr/>
+        </p:nvSpPr>
+        <p:spPr>
+          <a:xfrm>
+            <a:off x="2885157" y="1872041"/>
+            <a:ext cx="2505814" cy="1077218"/>
+          </a:xfrm>
+          <a:prstGeom prst="rect">
+            <a:avLst/>
+          </a:prstGeom>
+          <a:noFill/>
+        </p:spPr>
+        <p:txBody>
+          <a:bodyPr wrap="none" rtlCol="0">
+            <a:spAutoFit/>
+          </a:bodyPr>
+          <a:lstStyle/>
+          <a:p>
+            <a:pPr marL="285750" indent="-285750">
+              <a:buFont typeface="Arial"/>
+              <a:buChar char="•"/>
+            </a:pPr>
+            <a:r>
+              <a:rPr lang="en-US" sz="3200" dirty="0" err="1" smtClean="0"/>
+              <a:t>Reorderable</a:t>
+            </a:r>
+            <a:endParaRPr lang="en-US" sz="3200" dirty="0" smtClean="0"/>
+          </a:p>
+          <a:p>
+            <a:pPr marL="285750" indent="-285750">
+              <a:buFont typeface="Arial"/>
+              <a:buChar char="•"/>
+            </a:pPr>
+            <a:r>
+              <a:rPr lang="en-US" sz="3200" dirty="0" err="1" smtClean="0"/>
+              <a:t>Retryable</a:t>
+            </a:r>
+            <a:endParaRPr lang="en-US" sz="3200" dirty="0" smtClean="0"/>
+          </a:p>
+        </p:txBody>
+      </p:sp>
+    </p:spTree>
+    <p:extLst>
+      <p:ext uri="{BB962C8B-B14F-4D97-AF65-F5344CB8AC3E}">
+        <p14:creationId xmlns:p14="http://schemas.microsoft.com/office/powerpoint/2010/main" val="2710438584"/>
+      </p:ext>
+    </p:extLst>
+  </p:cSld>
+  <p:clrMapOvr>
+    <a:masterClrMapping/>
+  </p:clrMapOvr>
+  <p:timing>
+    <p:tnLst>
+      <p:par>
+        <p:cTn xmlns:p14="http://schemas.microsoft.com/office/powerpoint/2010/main" id="1" dur="indefinite" restart="never" nodeType="tmRoot"/>
+      </p:par>
+    </p:tnLst>
+  </p:timing>
+</p:sld>
+</file>
+
+<file path=ppt/slides/slide71.xml><?xml version="1.0" encoding="utf-8"?>
+<p:sld xmlns:a="http://schemas.openxmlformats.org/drawingml/2006/main" xmlns:r="http://schemas.openxmlformats.org/officeDocument/2006/relationships" xmlns:p="http://schemas.openxmlformats.org/presentationml/2006/main">
+  <p:cSld>
+    <p:spTree>
+      <p:nvGrpSpPr>
+        <p:cNvPr id="1" name=""/>
+        <p:cNvGrpSpPr/>
+        <p:nvPr/>
+      </p:nvGrpSpPr>
+      <p:grpSpPr>
+        <a:xfrm>
+          <a:off x="0" y="0"/>
+          <a:ext cx="0" cy="0"/>
+          <a:chOff x="0" y="0"/>
+          <a:chExt cx="0" cy="0"/>
+        </a:xfrm>
+      </p:grpSpPr>
+      <p:pic>
+        <p:nvPicPr>
+          <p:cNvPr id="17" name="Picture 16" descr="images (10).jpeg"/>
+          <p:cNvPicPr>
+            <a:picLocks noChangeAspect="1"/>
+          </p:cNvPicPr>
+          <p:nvPr/>
+        </p:nvPicPr>
+        <p:blipFill>
+          <a:blip r:embed="rId2">
+            <a:extLst>
+              <a:ext uri="{28A0092B-C50C-407E-A947-70E740481C1C}">
+                <a14:useLocalDpi xmlns:a14="http://schemas.microsoft.com/office/drawing/2010/main" val="0"/>
+              </a:ext>
+            </a:extLst>
+          </a:blip>
+          <a:stretch>
+            <a:fillRect/>
+          </a:stretch>
+        </p:blipFill>
+        <p:spPr>
+          <a:xfrm>
+            <a:off x="6352727" y="1582236"/>
+            <a:ext cx="1463945" cy="1463945"/>
+          </a:xfrm>
+          <a:prstGeom prst="rect">
+            <a:avLst/>
+          </a:prstGeom>
+        </p:spPr>
+      </p:pic>
+      <p:pic>
+        <p:nvPicPr>
+          <p:cNvPr id="18" name="Picture 17" descr="images (10).jpeg"/>
+          <p:cNvPicPr>
+            <a:picLocks noChangeAspect="1"/>
+          </p:cNvPicPr>
+          <p:nvPr/>
+        </p:nvPicPr>
+        <p:blipFill>
+          <a:blip r:embed="rId2">
+            <a:extLst>
+              <a:ext uri="{28A0092B-C50C-407E-A947-70E740481C1C}">
+                <a14:useLocalDpi xmlns:a14="http://schemas.microsoft.com/office/drawing/2010/main" val="0"/>
+              </a:ext>
+            </a:extLst>
+          </a:blip>
+          <a:stretch>
+            <a:fillRect/>
+          </a:stretch>
+        </p:blipFill>
+        <p:spPr>
+          <a:xfrm>
+            <a:off x="704816" y="1686988"/>
+            <a:ext cx="1463945" cy="1463945"/>
+          </a:xfrm>
+          <a:prstGeom prst="rect">
+            <a:avLst/>
+          </a:prstGeom>
+        </p:spPr>
+      </p:pic>
+      <p:sp>
+        <p:nvSpPr>
+          <p:cNvPr id="2" name="Title 1"/>
+          <p:cNvSpPr>
+            <a:spLocks noGrp="1"/>
+          </p:cNvSpPr>
+          <p:nvPr>
+            <p:ph type="title"/>
+          </p:nvPr>
+        </p:nvSpPr>
+        <p:spPr/>
+        <p:txBody>
+          <a:bodyPr>
+            <a:normAutofit fontScale="90000"/>
+          </a:bodyPr>
+          <a:lstStyle/>
+          <a:p>
+            <a:r>
+              <a:rPr lang="en-US" dirty="0" smtClean="0"/>
+              <a:t>Distributed systems are easier when messages are</a:t>
+            </a:r>
+            <a:endParaRPr lang="en-US" dirty="0"/>
+          </a:p>
+        </p:txBody>
+      </p:sp>
+      <p:pic>
+        <p:nvPicPr>
+          <p:cNvPr id="4" name="Picture 3" descr="landscape-mountain-trees-clip-art_423631.jpg"/>
+          <p:cNvPicPr>
+            <a:picLocks noChangeAspect="1"/>
+          </p:cNvPicPr>
+          <p:nvPr/>
+        </p:nvPicPr>
+        <p:blipFill>
+          <a:blip r:embed="rId3">
+            <a:extLst>
+              <a:ext uri="{28A0092B-C50C-407E-A947-70E740481C1C}">
+                <a14:useLocalDpi xmlns:a14="http://schemas.microsoft.com/office/drawing/2010/main" val="0"/>
+              </a:ext>
+            </a:extLst>
+          </a:blip>
+          <a:stretch>
+            <a:fillRect/>
+          </a:stretch>
+        </p:blipFill>
+        <p:spPr>
+          <a:xfrm>
+            <a:off x="3397310" y="4569833"/>
+            <a:ext cx="1944737" cy="1180510"/>
+          </a:xfrm>
+          <a:prstGeom prst="rect">
+            <a:avLst/>
+          </a:prstGeom>
+        </p:spPr>
+      </p:pic>
+      <p:pic>
+        <p:nvPicPr>
+          <p:cNvPr id="12" name="Picture 11" descr="images (9).jpeg"/>
+          <p:cNvPicPr>
+            <a:picLocks noChangeAspect="1"/>
+          </p:cNvPicPr>
+          <p:nvPr/>
+        </p:nvPicPr>
+        <p:blipFill>
+          <a:blip r:embed="rId4">
+            <a:extLst>
+              <a:ext uri="{28A0092B-C50C-407E-A947-70E740481C1C}">
+                <a14:useLocalDpi xmlns:a14="http://schemas.microsoft.com/office/drawing/2010/main" val="0"/>
+              </a:ext>
+            </a:extLst>
+          </a:blip>
+          <a:stretch>
+            <a:fillRect/>
+          </a:stretch>
+        </p:blipFill>
+        <p:spPr>
+          <a:xfrm>
+            <a:off x="-402719" y="3046181"/>
+            <a:ext cx="4109170" cy="2856561"/>
+          </a:xfrm>
+          <a:prstGeom prst="rect">
+            <a:avLst/>
+          </a:prstGeom>
+        </p:spPr>
+      </p:pic>
+      <p:pic>
+        <p:nvPicPr>
+          <p:cNvPr id="13" name="Picture 12" descr="images (9).jpeg"/>
+          <p:cNvPicPr>
+            <a:picLocks noChangeAspect="1"/>
+          </p:cNvPicPr>
+          <p:nvPr/>
+        </p:nvPicPr>
+        <p:blipFill>
+          <a:blip r:embed="rId4">
+            <a:extLst>
+              <a:ext uri="{28A0092B-C50C-407E-A947-70E740481C1C}">
+                <a14:useLocalDpi xmlns:a14="http://schemas.microsoft.com/office/drawing/2010/main" val="0"/>
+              </a:ext>
+            </a:extLst>
+          </a:blip>
+          <a:stretch>
+            <a:fillRect/>
+          </a:stretch>
+        </p:blipFill>
+        <p:spPr>
+          <a:xfrm>
+            <a:off x="5209567" y="2893781"/>
+            <a:ext cx="4109170" cy="2856561"/>
+          </a:xfrm>
+          <a:prstGeom prst="rect">
+            <a:avLst/>
+          </a:prstGeom>
+        </p:spPr>
+      </p:pic>
+      <p:sp>
+        <p:nvSpPr>
+          <p:cNvPr id="3" name="TextBox 2"/>
+          <p:cNvSpPr txBox="1"/>
+          <p:nvPr/>
+        </p:nvSpPr>
+        <p:spPr>
+          <a:xfrm>
+            <a:off x="2885157" y="1872041"/>
+            <a:ext cx="2993127" cy="1569660"/>
+          </a:xfrm>
+          <a:prstGeom prst="rect">
+            <a:avLst/>
+          </a:prstGeom>
+          <a:noFill/>
+        </p:spPr>
+        <p:txBody>
+          <a:bodyPr wrap="none" rtlCol="0">
+            <a:spAutoFit/>
+          </a:bodyPr>
+          <a:lstStyle/>
+          <a:p>
+            <a:pPr marL="285750" indent="-285750">
+              <a:buFont typeface="Arial"/>
+              <a:buChar char="•"/>
+            </a:pPr>
+            <a:r>
+              <a:rPr lang="en-US" sz="3200" dirty="0" err="1" smtClean="0"/>
+              <a:t>Reorderable</a:t>
+            </a:r>
+            <a:endParaRPr lang="en-US" sz="3200" dirty="0" smtClean="0"/>
+          </a:p>
+          <a:p>
+            <a:pPr marL="285750" indent="-285750">
+              <a:buFont typeface="Arial"/>
+              <a:buChar char="•"/>
+            </a:pPr>
+            <a:r>
+              <a:rPr lang="en-US" sz="3200" dirty="0" err="1" smtClean="0"/>
+              <a:t>Retryable</a:t>
+            </a:r>
+            <a:endParaRPr lang="en-US" sz="3200" dirty="0" smtClean="0"/>
+          </a:p>
+          <a:p>
+            <a:pPr marL="285750" indent="-285750">
+              <a:buFont typeface="Arial"/>
+              <a:buChar char="•"/>
+            </a:pPr>
+            <a:r>
+              <a:rPr lang="en-US" sz="3200" dirty="0" smtClean="0"/>
+              <a:t>Retraction-free</a:t>
+            </a:r>
+            <a:endParaRPr lang="en-US" sz="3200" dirty="0"/>
+          </a:p>
+        </p:txBody>
+      </p:sp>
+    </p:spTree>
+    <p:extLst>
+      <p:ext uri="{BB962C8B-B14F-4D97-AF65-F5344CB8AC3E}">
+        <p14:creationId xmlns:p14="http://schemas.microsoft.com/office/powerpoint/2010/main" val="2710438584"/>
+      </p:ext>
+    </p:extLst>
+  </p:cSld>
+  <p:clrMapOvr>
+    <a:masterClrMapping/>
+  </p:clrMapOvr>
+  <p:timing>
+    <p:tnLst>
+      <p:par>
+        <p:cTn xmlns:p14="http://schemas.microsoft.com/office/powerpoint/2010/main" id="1" dur="indefinite" restart="never" nodeType="tmRoot"/>
+      </p:par>
+    </p:tnLst>
+  </p:timing>
+</p:sld>
+</file>
+
+<file path=ppt/slides/slide72.xml><?xml version="1.0" encoding="utf-8"?>
+<p:sld xmlns:a="http://schemas.openxmlformats.org/drawingml/2006/main" xmlns:r="http://schemas.openxmlformats.org/officeDocument/2006/relationships" xmlns:p="http://schemas.openxmlformats.org/presentationml/2006/main">
+  <p:cSld>
+    <p:spTree>
+      <p:nvGrpSpPr>
+        <p:cNvPr id="1" name=""/>
+        <p:cNvGrpSpPr/>
+        <p:nvPr/>
+      </p:nvGrpSpPr>
+      <p:grpSpPr>
+        <a:xfrm>
+          <a:off x="0" y="0"/>
+          <a:ext cx="0" cy="0"/>
+          <a:chOff x="0" y="0"/>
+          <a:chExt cx="0" cy="0"/>
+        </a:xfrm>
+      </p:grpSpPr>
+      <p:sp>
+        <p:nvSpPr>
+          <p:cNvPr id="2" name="Title 1"/>
+          <p:cNvSpPr>
+            <a:spLocks noGrp="1"/>
+          </p:cNvSpPr>
+          <p:nvPr>
+            <p:ph type="title"/>
+          </p:nvPr>
+        </p:nvSpPr>
+        <p:spPr/>
+        <p:txBody>
+          <a:bodyPr/>
+          <a:lstStyle/>
+          <a:p>
+            <a:r>
+              <a:rPr lang="en-US" dirty="0" smtClean="0"/>
+              <a:t>Convergence – a 2PSet</a:t>
+            </a:r>
+            <a:endParaRPr lang="en-US" dirty="0"/>
+          </a:p>
+        </p:txBody>
+      </p:sp>
+      <p:sp>
+        <p:nvSpPr>
+          <p:cNvPr id="4" name="Oval 3"/>
+          <p:cNvSpPr/>
+          <p:nvPr/>
+        </p:nvSpPr>
+        <p:spPr>
+          <a:xfrm>
+            <a:off x="2448440" y="2893780"/>
+            <a:ext cx="1230764" cy="1191557"/>
+          </a:xfrm>
+          <a:prstGeom prst="ellipse">
+            <a:avLst/>
+          </a:prstGeom>
+          <a:noFill/>
+          <a:ln>
+            <a:solidFill>
+              <a:schemeClr val="bg2">
+                <a:lumMod val="50000"/>
+              </a:schemeClr>
+            </a:solidFill>
+          </a:ln>
+        </p:spPr>
+        <p:style>
+          <a:lnRef idx="1">
+            <a:schemeClr val="accent1"/>
+          </a:lnRef>
+          <a:fillRef idx="3">
+            <a:schemeClr val="accent1"/>
+          </a:fillRef>
+          <a:effectRef idx="2">
+            <a:schemeClr val="accent1"/>
+          </a:effectRef>
+          <a:fontRef idx="minor">
+            <a:schemeClr val="lt1"/>
+          </a:fontRef>
+        </p:style>
+        <p:txBody>
+          <a:bodyPr rtlCol="0" anchor="ctr"/>
+          <a:lstStyle/>
+          <a:p>
+            <a:pPr algn="ctr"/>
+            <a:endParaRPr lang="en-US"/>
+          </a:p>
+        </p:txBody>
+      </p:sp>
+      <p:sp>
+        <p:nvSpPr>
+          <p:cNvPr id="7" name="Oval 6"/>
+          <p:cNvSpPr/>
+          <p:nvPr/>
+        </p:nvSpPr>
+        <p:spPr>
+          <a:xfrm>
+            <a:off x="4080378" y="2893780"/>
+            <a:ext cx="1230764" cy="1191557"/>
+          </a:xfrm>
+          <a:prstGeom prst="ellipse">
+            <a:avLst/>
+          </a:prstGeom>
+          <a:noFill/>
+          <a:ln>
+            <a:solidFill>
+              <a:schemeClr val="bg2">
+                <a:lumMod val="50000"/>
+              </a:schemeClr>
+            </a:solidFill>
+          </a:ln>
+        </p:spPr>
+        <p:style>
+          <a:lnRef idx="1">
+            <a:schemeClr val="accent1"/>
+          </a:lnRef>
+          <a:fillRef idx="3">
+            <a:schemeClr val="accent1"/>
+          </a:fillRef>
+          <a:effectRef idx="2">
+            <a:schemeClr val="accent1"/>
+          </a:effectRef>
+          <a:fontRef idx="minor">
+            <a:schemeClr val="lt1"/>
+          </a:fontRef>
+        </p:style>
+        <p:txBody>
+          <a:bodyPr rtlCol="0" anchor="ctr"/>
+          <a:lstStyle/>
+          <a:p>
+            <a:pPr algn="ctr"/>
+            <a:endParaRPr lang="en-US"/>
+          </a:p>
+        </p:txBody>
+      </p:sp>
+      <p:sp>
+        <p:nvSpPr>
+          <p:cNvPr id="8" name="Oval 7"/>
+          <p:cNvSpPr/>
+          <p:nvPr/>
+        </p:nvSpPr>
+        <p:spPr>
+          <a:xfrm>
+            <a:off x="1972364" y="1741507"/>
+            <a:ext cx="3631548" cy="3483013"/>
+          </a:xfrm>
+          <a:prstGeom prst="ellipse">
+            <a:avLst/>
+          </a:prstGeom>
+          <a:noFill/>
+          <a:ln>
+            <a:solidFill>
+              <a:schemeClr val="bg2">
+                <a:lumMod val="50000"/>
+              </a:schemeClr>
+            </a:solidFill>
+          </a:ln>
+        </p:spPr>
+        <p:style>
+          <a:lnRef idx="1">
+            <a:schemeClr val="accent1"/>
+          </a:lnRef>
+          <a:fillRef idx="3">
+            <a:schemeClr val="accent1"/>
+          </a:fillRef>
+          <a:effectRef idx="2">
+            <a:schemeClr val="accent1"/>
+          </a:effectRef>
+          <a:fontRef idx="minor">
+            <a:schemeClr val="lt1"/>
+          </a:fontRef>
+        </p:style>
+        <p:txBody>
+          <a:bodyPr rtlCol="0" anchor="ctr"/>
+          <a:lstStyle/>
+          <a:p>
+            <a:pPr algn="ctr"/>
+            <a:endParaRPr lang="en-US"/>
+          </a:p>
+        </p:txBody>
+      </p:sp>
+    </p:spTree>
+    <p:extLst>
+      <p:ext uri="{BB962C8B-B14F-4D97-AF65-F5344CB8AC3E}">
+        <p14:creationId xmlns:p14="http://schemas.microsoft.com/office/powerpoint/2010/main" val="2767900261"/>
       </p:ext>
     </p:extLst>
   </p:cSld>
@@ -36918,11 +40672,7 @@
             </a:r>
             <a:r>
               <a:rPr lang="en-US" dirty="0" smtClean="0"/>
-              <a:t>consistent</a:t>
-            </a:r>
-            <a:r>
-              <a:rPr lang="en-US" dirty="0" smtClean="0"/>
-              <a:t>?</a:t>
+              <a:t>consistent?</a:t>
             </a:r>
             <a:endParaRPr lang="en-US" dirty="0"/>
           </a:p>
@@ -36963,11 +40713,7 @@
           <a:p>
             <a:r>
               <a:rPr lang="en-US" dirty="0" smtClean="0"/>
-              <a:t>Write </a:t>
-            </a:r>
-            <a:r>
-              <a:rPr lang="en-US" dirty="0" smtClean="0"/>
-              <a:t>divergence (concurrent updates)</a:t>
+              <a:t>Write divergence (concurrent updates)</a:t>
             </a:r>
           </a:p>
           <a:p>

--- a/socc12-bloom-tutorial/slides/bloom-tutorial.pptx
+++ b/socc12-bloom-tutorial/slides/bloom-tutorial.pptx
@@ -5,7 +5,7 @@
     <p:sldMasterId id="2147483648" r:id="rId1"/>
   </p:sldMasterIdLst>
   <p:notesMasterIdLst>
-    <p:notesMasterId r:id="rId74"/>
+    <p:notesMasterId r:id="rId75"/>
   </p:notesMasterIdLst>
   <p:sldIdLst>
     <p:sldId id="256" r:id="rId2"/>
@@ -79,7 +79,8 @@
     <p:sldId id="338" r:id="rId70"/>
     <p:sldId id="339" r:id="rId71"/>
     <p:sldId id="340" r:id="rId72"/>
-    <p:sldId id="333" r:id="rId73"/>
+    <p:sldId id="341" r:id="rId73"/>
+    <p:sldId id="333" r:id="rId74"/>
   </p:sldIdLst>
   <p:sldSz cx="9144000" cy="6858000" type="screen4x3"/>
   <p:notesSz cx="6858000" cy="9144000"/>
@@ -40353,6 +40354,86 @@
           <a:p>
             <a:r>
               <a:rPr lang="en-US" dirty="0" smtClean="0"/>
+              <a:t>(notes)</a:t>
+            </a:r>
+            <a:endParaRPr lang="en-US" dirty="0"/>
+          </a:p>
+        </p:txBody>
+      </p:sp>
+      <p:sp>
+        <p:nvSpPr>
+          <p:cNvPr id="3" name="Content Placeholder 2"/>
+          <p:cNvSpPr>
+            <a:spLocks noGrp="1"/>
+          </p:cNvSpPr>
+          <p:nvPr>
+            <p:ph idx="1"/>
+          </p:nvPr>
+        </p:nvSpPr>
+        <p:spPr/>
+        <p:txBody>
+          <a:bodyPr/>
+          <a:lstStyle/>
+          <a:p>
+            <a:r>
+              <a:rPr lang="en-US" dirty="0" smtClean="0"/>
+              <a:t>Point to make: convergent objects are NOT retraction</a:t>
+            </a:r>
+            <a:r>
+              <a:rPr lang="en-US" smtClean="0"/>
+              <a:t>-free.</a:t>
+            </a:r>
+            <a:endParaRPr lang="en-US"/>
+          </a:p>
+        </p:txBody>
+      </p:sp>
+    </p:spTree>
+    <p:extLst>
+      <p:ext uri="{BB962C8B-B14F-4D97-AF65-F5344CB8AC3E}">
+        <p14:creationId xmlns:p14="http://schemas.microsoft.com/office/powerpoint/2010/main" val="1934780487"/>
+      </p:ext>
+    </p:extLst>
+  </p:cSld>
+  <p:clrMapOvr>
+    <a:masterClrMapping/>
+  </p:clrMapOvr>
+</p:sld>
+</file>
+
+<file path=ppt/slides/slide73.xml><?xml version="1.0" encoding="utf-8"?>
+<p:sld xmlns:a="http://schemas.openxmlformats.org/drawingml/2006/main" xmlns:r="http://schemas.openxmlformats.org/officeDocument/2006/relationships" xmlns:p="http://schemas.openxmlformats.org/presentationml/2006/main">
+  <p:cSld>
+    <p:spTree>
+      <p:nvGrpSpPr>
+        <p:cNvPr id="1" name=""/>
+        <p:cNvGrpSpPr/>
+        <p:nvPr/>
+      </p:nvGrpSpPr>
+      <p:grpSpPr>
+        <a:xfrm>
+          <a:off x="0" y="0"/>
+          <a:ext cx="0" cy="0"/>
+          <a:chOff x="0" y="0"/>
+          <a:chExt cx="0" cy="0"/>
+        </a:xfrm>
+      </p:grpSpPr>
+      <p:sp>
+        <p:nvSpPr>
+          <p:cNvPr id="2" name="Title 1"/>
+          <p:cNvSpPr>
+            <a:spLocks noGrp="1"/>
+          </p:cNvSpPr>
+          <p:nvPr>
+            <p:ph type="title"/>
+          </p:nvPr>
+        </p:nvSpPr>
+        <p:spPr/>
+        <p:txBody>
+          <a:bodyPr/>
+          <a:lstStyle/>
+          <a:p>
+            <a:r>
+              <a:rPr lang="en-US" dirty="0" smtClean="0"/>
               <a:t>Convergence – a 2PSet</a:t>
             </a:r>
             <a:endParaRPr lang="en-US" dirty="0"/>

--- a/socc12-bloom-tutorial/slides/bloom-tutorial.pptx
+++ b/socc12-bloom-tutorial/slides/bloom-tutorial.pptx
@@ -55,28 +55,28 @@
     <p:sldId id="281" r:id="rId46"/>
     <p:sldId id="282" r:id="rId47"/>
     <p:sldId id="312" r:id="rId48"/>
-    <p:sldId id="309" r:id="rId49"/>
-    <p:sldId id="310" r:id="rId50"/>
-    <p:sldId id="313" r:id="rId51"/>
-    <p:sldId id="311" r:id="rId52"/>
-    <p:sldId id="284" r:id="rId53"/>
-    <p:sldId id="289" r:id="rId54"/>
-    <p:sldId id="290" r:id="rId55"/>
-    <p:sldId id="291" r:id="rId56"/>
-    <p:sldId id="292" r:id="rId57"/>
-    <p:sldId id="293" r:id="rId58"/>
-    <p:sldId id="294" r:id="rId59"/>
-    <p:sldId id="295" r:id="rId60"/>
-    <p:sldId id="296" r:id="rId61"/>
-    <p:sldId id="297" r:id="rId62"/>
-    <p:sldId id="298" r:id="rId63"/>
-    <p:sldId id="299" r:id="rId64"/>
-    <p:sldId id="300" r:id="rId65"/>
-    <p:sldId id="301" r:id="rId66"/>
-    <p:sldId id="302" r:id="rId67"/>
-    <p:sldId id="303" r:id="rId68"/>
-    <p:sldId id="304" r:id="rId69"/>
-    <p:sldId id="305" r:id="rId70"/>
+    <p:sldId id="344" r:id="rId49"/>
+    <p:sldId id="345" r:id="rId50"/>
+    <p:sldId id="346" r:id="rId51"/>
+    <p:sldId id="347" r:id="rId52"/>
+    <p:sldId id="348" r:id="rId53"/>
+    <p:sldId id="349" r:id="rId54"/>
+    <p:sldId id="350" r:id="rId55"/>
+    <p:sldId id="351" r:id="rId56"/>
+    <p:sldId id="352" r:id="rId57"/>
+    <p:sldId id="353" r:id="rId58"/>
+    <p:sldId id="354" r:id="rId59"/>
+    <p:sldId id="355" r:id="rId60"/>
+    <p:sldId id="356" r:id="rId61"/>
+    <p:sldId id="357" r:id="rId62"/>
+    <p:sldId id="358" r:id="rId63"/>
+    <p:sldId id="309" r:id="rId64"/>
+    <p:sldId id="310" r:id="rId65"/>
+    <p:sldId id="313" r:id="rId66"/>
+    <p:sldId id="311" r:id="rId67"/>
+    <p:sldId id="284" r:id="rId68"/>
+    <p:sldId id="289" r:id="rId69"/>
+    <p:sldId id="290" r:id="rId70"/>
     <p:sldId id="286" r:id="rId71"/>
     <p:sldId id="314" r:id="rId72"/>
     <p:sldId id="317" r:id="rId73"/>
@@ -671,12 +671,9 @@
           <a:lstStyle/>
           <a:p>
             <a:r>
-              <a:rPr lang="en-US" baseline="0" dirty="0" smtClean="0"/>
-              <a:t>Belief revision, retraction</a:t>
-            </a:r>
-            <a:endParaRPr lang="en-US" dirty="0" smtClean="0"/>
-          </a:p>
-          <a:p>
+              <a:rPr lang="en-US" dirty="0" smtClean="0"/>
+              <a:t>CWA</a:t>
+            </a:r>
             <a:endParaRPr lang="en-US" dirty="0"/>
           </a:p>
         </p:txBody>
@@ -698,7 +695,7 @@
           <a:p>
             <a:fld id="{ACB9D95B-D351-D448-828A-55A5AC13575E}" type="slidenum">
               <a:rPr lang="en-US" smtClean="0"/>
-              <a:t>63</a:t>
+              <a:t>60</a:t>
             </a:fld>
             <a:endParaRPr lang="en-US"/>
           </a:p>
@@ -707,7 +704,7 @@
     </p:spTree>
     <p:extLst>
       <p:ext uri="{BB962C8B-B14F-4D97-AF65-F5344CB8AC3E}">
-        <p14:creationId xmlns:p14="http://schemas.microsoft.com/office/powerpoint/2010/main" val="810622538"/>
+        <p14:creationId xmlns:p14="http://schemas.microsoft.com/office/powerpoint/2010/main" val="3194001866"/>
       </p:ext>
     </p:extLst>
   </p:cSld>
@@ -763,11 +760,7 @@
           <a:p>
             <a:r>
               <a:rPr lang="en-US" dirty="0" smtClean="0"/>
-              <a:t>Employees</a:t>
-            </a:r>
-            <a:r>
-              <a:rPr lang="en-US" baseline="0" dirty="0" smtClean="0"/>
-              <a:t> ???</a:t>
+              <a:t>This is fundamental.</a:t>
             </a:r>
             <a:endParaRPr lang="en-US" dirty="0"/>
           </a:p>
@@ -790,7 +783,7 @@
           <a:p>
             <a:fld id="{ACB9D95B-D351-D448-828A-55A5AC13575E}" type="slidenum">
               <a:rPr lang="en-US" smtClean="0"/>
-              <a:t>64</a:t>
+              <a:t>61</a:t>
             </a:fld>
             <a:endParaRPr lang="en-US"/>
           </a:p>
@@ -799,7 +792,7 @@
     </p:spTree>
     <p:extLst>
       <p:ext uri="{BB962C8B-B14F-4D97-AF65-F5344CB8AC3E}">
-        <p14:creationId xmlns:p14="http://schemas.microsoft.com/office/powerpoint/2010/main" val="2614172733"/>
+        <p14:creationId xmlns:p14="http://schemas.microsoft.com/office/powerpoint/2010/main" val="2762611917"/>
       </p:ext>
     </p:extLst>
   </p:cSld>
@@ -855,7 +848,7 @@
           <a:p>
             <a:r>
               <a:rPr lang="en-US" dirty="0" smtClean="0"/>
-              <a:t>CWA</a:t>
+              <a:t>This is fundamental.</a:t>
             </a:r>
             <a:endParaRPr lang="en-US" dirty="0"/>
           </a:p>
@@ -878,7 +871,7 @@
           <a:p>
             <a:fld id="{ACB9D95B-D351-D448-828A-55A5AC13575E}" type="slidenum">
               <a:rPr lang="en-US" smtClean="0"/>
-              <a:t>67</a:t>
+              <a:t>62</a:t>
             </a:fld>
             <a:endParaRPr lang="en-US"/>
           </a:p>
@@ -887,7 +880,7 @@
     </p:spTree>
     <p:extLst>
       <p:ext uri="{BB962C8B-B14F-4D97-AF65-F5344CB8AC3E}">
-        <p14:creationId xmlns:p14="http://schemas.microsoft.com/office/powerpoint/2010/main" val="3194001866"/>
+        <p14:creationId xmlns:p14="http://schemas.microsoft.com/office/powerpoint/2010/main" val="2762611917"/>
       </p:ext>
     </p:extLst>
   </p:cSld>
@@ -942,8 +935,16 @@
           <a:lstStyle/>
           <a:p>
             <a:r>
+              <a:rPr lang="en-US" dirty="0" err="1" smtClean="0"/>
+              <a:t>Accum</a:t>
+            </a:r>
+            <a:r>
               <a:rPr lang="en-US" dirty="0" smtClean="0"/>
-              <a:t>This is fundamental.</a:t>
+              <a:t>: WHEN the conclusions drawn by evaluating the RHS ‘appear’ in </a:t>
+            </a:r>
+            <a:r>
+              <a:rPr lang="en-US" smtClean="0"/>
+              <a:t>the lhs.  </a:t>
             </a:r>
             <a:endParaRPr lang="en-US" dirty="0"/>
           </a:p>
@@ -975,7 +976,7 @@
     </p:spTree>
     <p:extLst>
       <p:ext uri="{BB962C8B-B14F-4D97-AF65-F5344CB8AC3E}">
-        <p14:creationId xmlns:p14="http://schemas.microsoft.com/office/powerpoint/2010/main" val="2762611917"/>
+        <p14:creationId xmlns:p14="http://schemas.microsoft.com/office/powerpoint/2010/main" val="2217190692"/>
       </p:ext>
     </p:extLst>
   </p:cSld>
@@ -1031,7 +1032,17 @@
           <a:p>
             <a:r>
               <a:rPr lang="en-US" dirty="0" smtClean="0"/>
-              <a:t>This is fundamental.</a:t>
+              <a:t>Local clock, local data, local computation.</a:t>
+            </a:r>
+            <a:r>
+              <a:rPr lang="en-US" baseline="0" dirty="0" smtClean="0"/>
+              <a:t>    Observe, think, act</a:t>
+            </a:r>
+          </a:p>
+          <a:p>
+            <a:r>
+              <a:rPr lang="en-US" baseline="0" dirty="0" smtClean="0"/>
+              <a:t>system proceeds through logical (big) timesteps</a:t>
             </a:r>
             <a:endParaRPr lang="en-US" dirty="0"/>
           </a:p>
@@ -1063,7 +1074,7 @@
     </p:spTree>
     <p:extLst>
       <p:ext uri="{BB962C8B-B14F-4D97-AF65-F5344CB8AC3E}">
-        <p14:creationId xmlns:p14="http://schemas.microsoft.com/office/powerpoint/2010/main" val="2762611917"/>
+        <p14:creationId xmlns:p14="http://schemas.microsoft.com/office/powerpoint/2010/main" val="2561592109"/>
       </p:ext>
     </p:extLst>
   </p:cSld>
@@ -1210,16 +1221,20 @@
           <a:lstStyle/>
           <a:p>
             <a:r>
-              <a:rPr lang="en-US" dirty="0" err="1" smtClean="0"/>
-              <a:t>Accum</a:t>
-            </a:r>
-            <a:r>
               <a:rPr lang="en-US" dirty="0" smtClean="0"/>
-              <a:t>: WHEN the conclusions drawn by evaluating the RHS ‘appear’ in </a:t>
-            </a:r>
-            <a:r>
-              <a:rPr lang="en-US" smtClean="0"/>
-              <a:t>the lhs.  </a:t>
+              <a:t>Asynchrony</a:t>
+            </a:r>
+            <a:r>
+              <a:rPr lang="en-US" baseline="0" dirty="0" smtClean="0"/>
+              <a:t> is WHAT’S HARD about DS.  What I want you to take away is: </a:t>
+            </a:r>
+            <a:r>
+              <a:rPr lang="en-US" baseline="0" dirty="0" err="1" smtClean="0"/>
+              <a:t>async</a:t>
+            </a:r>
+            <a:r>
+              <a:rPr lang="en-US" baseline="0" dirty="0" smtClean="0"/>
+              <a:t> isn’t always hard!  Consider your downstream logic.</a:t>
             </a:r>
             <a:endParaRPr lang="en-US" dirty="0"/>
           </a:p>
@@ -1242,7 +1257,7 @@
           <a:p>
             <a:fld id="{ACB9D95B-D351-D448-828A-55A5AC13575E}" type="slidenum">
               <a:rPr lang="en-US" smtClean="0"/>
-              <a:t>53</a:t>
+              <a:t>49</a:t>
             </a:fld>
             <a:endParaRPr lang="en-US"/>
           </a:p>
@@ -1251,7 +1266,7 @@
     </p:spTree>
     <p:extLst>
       <p:ext uri="{BB962C8B-B14F-4D97-AF65-F5344CB8AC3E}">
-        <p14:creationId xmlns:p14="http://schemas.microsoft.com/office/powerpoint/2010/main" val="2217190692"/>
+        <p14:creationId xmlns:p14="http://schemas.microsoft.com/office/powerpoint/2010/main" val="2396825140"/>
       </p:ext>
     </p:extLst>
   </p:cSld>
@@ -1307,19 +1322,12 @@
           <a:p>
             <a:r>
               <a:rPr lang="en-US" dirty="0" smtClean="0"/>
-              <a:t>Local clock, local data, local computation.</a:t>
+              <a:t>A op</a:t>
             </a:r>
             <a:r>
               <a:rPr lang="en-US" baseline="0" dirty="0" smtClean="0"/>
-              <a:t>    Observe, think, act</a:t>
-            </a:r>
-          </a:p>
-          <a:p>
-            <a:r>
-              <a:rPr lang="en-US" baseline="0" dirty="0" smtClean="0"/>
-              <a:t>system proceeds through logical (big) timesteps</a:t>
-            </a:r>
-            <a:endParaRPr lang="en-US" dirty="0"/>
+              <a:t> B.   A = allies.  Filter: B = (allies beginning with S) or Union: B = (allies and neutral countries)</a:t>
+            </a:r>
           </a:p>
         </p:txBody>
       </p:sp>
@@ -1340,7 +1348,7 @@
           <a:p>
             <a:fld id="{ACB9D95B-D351-D448-828A-55A5AC13575E}" type="slidenum">
               <a:rPr lang="en-US" smtClean="0"/>
-              <a:t>54</a:t>
+              <a:t>50</a:t>
             </a:fld>
             <a:endParaRPr lang="en-US"/>
           </a:p>
@@ -1349,7 +1357,7 @@
     </p:spTree>
     <p:extLst>
       <p:ext uri="{BB962C8B-B14F-4D97-AF65-F5344CB8AC3E}">
-        <p14:creationId xmlns:p14="http://schemas.microsoft.com/office/powerpoint/2010/main" val="2561592109"/>
+        <p14:creationId xmlns:p14="http://schemas.microsoft.com/office/powerpoint/2010/main" val="3071947859"/>
       </p:ext>
     </p:extLst>
   </p:cSld>
@@ -1405,21 +1413,20 @@
           <a:p>
             <a:r>
               <a:rPr lang="en-US" dirty="0" smtClean="0"/>
-              <a:t>Asynchrony</a:t>
+              <a:t>Employees, </a:t>
             </a:r>
             <a:r>
               <a:rPr lang="en-US" baseline="0" dirty="0" smtClean="0"/>
-              <a:t> is WHAT’S HARD about DS.  What I want you to take away is: </a:t>
-            </a:r>
-            <a:r>
-              <a:rPr lang="en-US" baseline="0" dirty="0" err="1" smtClean="0"/>
-              <a:t>async</a:t>
+              <a:t>employees on the 4</a:t>
+            </a:r>
+            <a:r>
+              <a:rPr lang="en-US" baseline="30000" dirty="0" smtClean="0"/>
+              <a:t>th</a:t>
             </a:r>
             <a:r>
               <a:rPr lang="en-US" baseline="0" dirty="0" smtClean="0"/>
-              <a:t> isn’t always hard!  Consider your downstream logic.</a:t>
-            </a:r>
-            <a:endParaRPr lang="en-US" dirty="0"/>
+              <a:t> floor</a:t>
+            </a:r>
           </a:p>
         </p:txBody>
       </p:sp>
@@ -1440,7 +1447,7 @@
           <a:p>
             <a:fld id="{ACB9D95B-D351-D448-828A-55A5AC13575E}" type="slidenum">
               <a:rPr lang="en-US" smtClean="0"/>
-              <a:t>56</a:t>
+              <a:t>51</a:t>
             </a:fld>
             <a:endParaRPr lang="en-US"/>
           </a:p>
@@ -1449,7 +1456,7 @@
     </p:spTree>
     <p:extLst>
       <p:ext uri="{BB962C8B-B14F-4D97-AF65-F5344CB8AC3E}">
-        <p14:creationId xmlns:p14="http://schemas.microsoft.com/office/powerpoint/2010/main" val="2396825140"/>
+        <p14:creationId xmlns:p14="http://schemas.microsoft.com/office/powerpoint/2010/main" val="553911560"/>
       </p:ext>
     </p:extLst>
   </p:cSld>
@@ -1505,12 +1512,9 @@
           <a:p>
             <a:r>
               <a:rPr lang="en-US" dirty="0" smtClean="0"/>
-              <a:t>A op</a:t>
-            </a:r>
-            <a:r>
-              <a:rPr lang="en-US" baseline="0" dirty="0" smtClean="0"/>
-              <a:t> B.   A = allies.  Filter: B = (allies beginning with S) or Union: B = (allies and neutral countries)</a:t>
-            </a:r>
+              <a:t>Employee records to email addresses</a:t>
+            </a:r>
+            <a:endParaRPr lang="en-US" dirty="0"/>
           </a:p>
         </p:txBody>
       </p:sp>
@@ -1531,7 +1535,7 @@
           <a:p>
             <a:fld id="{ACB9D95B-D351-D448-828A-55A5AC13575E}" type="slidenum">
               <a:rPr lang="en-US" smtClean="0"/>
-              <a:t>57</a:t>
+              <a:t>52</a:t>
             </a:fld>
             <a:endParaRPr lang="en-US"/>
           </a:p>
@@ -1540,7 +1544,7 @@
     </p:spTree>
     <p:extLst>
       <p:ext uri="{BB962C8B-B14F-4D97-AF65-F5344CB8AC3E}">
-        <p14:creationId xmlns:p14="http://schemas.microsoft.com/office/powerpoint/2010/main" val="3071947859"/>
+        <p14:creationId xmlns:p14="http://schemas.microsoft.com/office/powerpoint/2010/main" val="2814665949"/>
       </p:ext>
     </p:extLst>
   </p:cSld>
@@ -1596,20 +1600,9 @@
           <a:p>
             <a:r>
               <a:rPr lang="en-US" dirty="0" smtClean="0"/>
-              <a:t>Employees, </a:t>
-            </a:r>
-            <a:r>
-              <a:rPr lang="en-US" baseline="0" dirty="0" smtClean="0"/>
-              <a:t>employees on the 4</a:t>
-            </a:r>
-            <a:r>
-              <a:rPr lang="en-US" baseline="30000" dirty="0" smtClean="0"/>
-              <a:t>th</a:t>
-            </a:r>
-            <a:r>
-              <a:rPr lang="en-US" baseline="0" dirty="0" smtClean="0"/>
-              <a:t> floor</a:t>
-            </a:r>
+              <a:t>Company officers</a:t>
+            </a:r>
+            <a:endParaRPr lang="en-US" dirty="0"/>
           </a:p>
         </p:txBody>
       </p:sp>
@@ -1630,7 +1623,7 @@
           <a:p>
             <a:fld id="{ACB9D95B-D351-D448-828A-55A5AC13575E}" type="slidenum">
               <a:rPr lang="en-US" smtClean="0"/>
-              <a:t>58</a:t>
+              <a:t>53</a:t>
             </a:fld>
             <a:endParaRPr lang="en-US"/>
           </a:p>
@@ -1639,7 +1632,7 @@
     </p:spTree>
     <p:extLst>
       <p:ext uri="{BB962C8B-B14F-4D97-AF65-F5344CB8AC3E}">
-        <p14:creationId xmlns:p14="http://schemas.microsoft.com/office/powerpoint/2010/main" val="553911560"/>
+        <p14:creationId xmlns:p14="http://schemas.microsoft.com/office/powerpoint/2010/main" val="2590052013"/>
       </p:ext>
     </p:extLst>
   </p:cSld>
@@ -1695,7 +1688,33 @@
           <a:p>
             <a:r>
               <a:rPr lang="en-US" dirty="0" smtClean="0"/>
-              <a:t>Employee records to email addresses</a:t>
+              <a:t>An important</a:t>
+            </a:r>
+            <a:r>
+              <a:rPr lang="en-US" baseline="0" dirty="0" smtClean="0"/>
+              <a:t> (practical, systems) </a:t>
+            </a:r>
+            <a:r>
+              <a:rPr lang="en-US" baseline="0" dirty="0" err="1" smtClean="0"/>
+              <a:t>correlary</a:t>
+            </a:r>
+            <a:r>
+              <a:rPr lang="en-US" baseline="0" dirty="0" smtClean="0"/>
+              <a:t> is that I can eagerly process outputs.</a:t>
+            </a:r>
+          </a:p>
+          <a:p>
+            <a:r>
+              <a:rPr lang="en-US" baseline="0" dirty="0" smtClean="0"/>
+              <a:t>As I learn of 4</a:t>
+            </a:r>
+            <a:r>
+              <a:rPr lang="en-US" baseline="30000" dirty="0" smtClean="0"/>
+              <a:t>th</a:t>
+            </a:r>
+            <a:r>
+              <a:rPr lang="en-US" baseline="0" dirty="0" smtClean="0"/>
+              <a:t> floor employees, I can send them parachutes</a:t>
             </a:r>
             <a:endParaRPr lang="en-US" dirty="0"/>
           </a:p>
@@ -1718,7 +1737,7 @@
           <a:p>
             <a:fld id="{ACB9D95B-D351-D448-828A-55A5AC13575E}" type="slidenum">
               <a:rPr lang="en-US" smtClean="0"/>
-              <a:t>59</a:t>
+              <a:t>55</a:t>
             </a:fld>
             <a:endParaRPr lang="en-US"/>
           </a:p>
@@ -1727,7 +1746,7 @@
     </p:spTree>
     <p:extLst>
       <p:ext uri="{BB962C8B-B14F-4D97-AF65-F5344CB8AC3E}">
-        <p14:creationId xmlns:p14="http://schemas.microsoft.com/office/powerpoint/2010/main" val="2814665949"/>
+        <p14:creationId xmlns:p14="http://schemas.microsoft.com/office/powerpoint/2010/main" val="1335750606"/>
       </p:ext>
     </p:extLst>
   </p:cSld>
@@ -1782,9 +1801,12 @@
           <a:lstStyle/>
           <a:p>
             <a:r>
-              <a:rPr lang="en-US" dirty="0" smtClean="0"/>
-              <a:t>Company officers</a:t>
-            </a:r>
+              <a:rPr lang="en-US" baseline="0" dirty="0" smtClean="0"/>
+              <a:t>Belief revision, retraction</a:t>
+            </a:r>
+            <a:endParaRPr lang="en-US" dirty="0" smtClean="0"/>
+          </a:p>
+          <a:p>
             <a:endParaRPr lang="en-US" dirty="0"/>
           </a:p>
         </p:txBody>
@@ -1806,7 +1828,7 @@
           <a:p>
             <a:fld id="{ACB9D95B-D351-D448-828A-55A5AC13575E}" type="slidenum">
               <a:rPr lang="en-US" smtClean="0"/>
-              <a:t>60</a:t>
+              <a:t>56</a:t>
             </a:fld>
             <a:endParaRPr lang="en-US"/>
           </a:p>
@@ -1815,7 +1837,7 @@
     </p:spTree>
     <p:extLst>
       <p:ext uri="{BB962C8B-B14F-4D97-AF65-F5344CB8AC3E}">
-        <p14:creationId xmlns:p14="http://schemas.microsoft.com/office/powerpoint/2010/main" val="2590052013"/>
+        <p14:creationId xmlns:p14="http://schemas.microsoft.com/office/powerpoint/2010/main" val="810622538"/>
       </p:ext>
     </p:extLst>
   </p:cSld>
@@ -1871,33 +1893,11 @@
           <a:p>
             <a:r>
               <a:rPr lang="en-US" dirty="0" smtClean="0"/>
-              <a:t>An important</a:t>
+              <a:t>Employees</a:t>
             </a:r>
             <a:r>
               <a:rPr lang="en-US" baseline="0" dirty="0" smtClean="0"/>
-              <a:t> (practical, systems) </a:t>
-            </a:r>
-            <a:r>
-              <a:rPr lang="en-US" baseline="0" dirty="0" err="1" smtClean="0"/>
-              <a:t>correlary</a:t>
-            </a:r>
-            <a:r>
-              <a:rPr lang="en-US" baseline="0" dirty="0" smtClean="0"/>
-              <a:t> is that I can eagerly process outputs.</a:t>
-            </a:r>
-          </a:p>
-          <a:p>
-            <a:r>
-              <a:rPr lang="en-US" baseline="0" dirty="0" smtClean="0"/>
-              <a:t>As I learn of 4</a:t>
-            </a:r>
-            <a:r>
-              <a:rPr lang="en-US" baseline="30000" dirty="0" smtClean="0"/>
-              <a:t>th</a:t>
-            </a:r>
-            <a:r>
-              <a:rPr lang="en-US" baseline="0" dirty="0" smtClean="0"/>
-              <a:t> floor employees, I can send them parachutes</a:t>
+              <a:t> ???</a:t>
             </a:r>
             <a:endParaRPr lang="en-US" dirty="0"/>
           </a:p>
@@ -1920,7 +1920,7 @@
           <a:p>
             <a:fld id="{ACB9D95B-D351-D448-828A-55A5AC13575E}" type="slidenum">
               <a:rPr lang="en-US" smtClean="0"/>
-              <a:t>62</a:t>
+              <a:t>57</a:t>
             </a:fld>
             <a:endParaRPr lang="en-US"/>
           </a:p>
@@ -1929,7 +1929,7 @@
     </p:spTree>
     <p:extLst>
       <p:ext uri="{BB962C8B-B14F-4D97-AF65-F5344CB8AC3E}">
-        <p14:creationId xmlns:p14="http://schemas.microsoft.com/office/powerpoint/2010/main" val="1335750606"/>
+        <p14:creationId xmlns:p14="http://schemas.microsoft.com/office/powerpoint/2010/main" val="2614172733"/>
       </p:ext>
     </p:extLst>
   </p:cSld>
@@ -14659,8 +14659,9 @@
             </a:pPr>
             <a:r>
               <a:rPr lang="en-US" dirty="0" smtClean="0"/>
-              <a:t>Difficulties</a:t>
-            </a:r>
+              <a:t>Difficulties:</a:t>
+            </a:r>
+            <a:endParaRPr lang="en-US" dirty="0" smtClean="0"/>
           </a:p>
           <a:p>
             <a:pPr marL="0" indent="0">
@@ -14674,8 +14675,19 @@
             </a:pPr>
             <a:r>
               <a:rPr lang="en-US" dirty="0" smtClean="0"/>
-              <a:t>(scoping difficulty)</a:t>
-            </a:r>
+              <a:t>Convergent objects alone are not strong enough to build confluent systems.</a:t>
+            </a:r>
+          </a:p>
+          <a:p>
+            <a:pPr marL="0" indent="0">
+              <a:buNone/>
+            </a:pPr>
+            <a:endParaRPr lang="en-US"/>
+          </a:p>
+          <a:p>
+            <a:pPr marL="0" indent="0">
+              <a:buNone/>
+            </a:pPr>
             <a:endParaRPr lang="en-US" dirty="0"/>
           </a:p>
         </p:txBody>
@@ -14733,10 +14745,9 @@
           <a:lstStyle/>
           <a:p>
             <a:r>
-              <a:rPr lang="en-US" dirty="0" smtClean="0"/>
-              <a:t>Disorderly programming</a:t>
-            </a:r>
-            <a:endParaRPr lang="en-US" dirty="0"/>
+              <a:rPr lang="en-US" dirty="0"/>
+              <a:t>Asynchronous messaging</a:t>
+            </a:r>
           </a:p>
         </p:txBody>
       </p:sp>
@@ -14755,13 +14766,7 @@
           <a:bodyPr/>
           <a:lstStyle/>
           <a:p>
-            <a:pPr marL="0" indent="0">
-              <a:buNone/>
-            </a:pPr>
-            <a:r>
-              <a:rPr lang="en-US" dirty="0" smtClean="0"/>
-              <a:t>An aside about logic programming:</a:t>
-            </a:r>
+            <a:endParaRPr lang="en-US" dirty="0" smtClean="0"/>
           </a:p>
           <a:p>
             <a:pPr marL="0" indent="0">
@@ -14775,43 +14780,8 @@
             </a:pPr>
             <a:r>
               <a:rPr lang="en-US" dirty="0" smtClean="0"/>
-              <a:t>In (classical) logic, theories are </a:t>
-            </a:r>
-          </a:p>
-          <a:p>
-            <a:r>
-              <a:rPr lang="en-US" dirty="0" smtClean="0"/>
-              <a:t>Associative and commutative</a:t>
-            </a:r>
-          </a:p>
-          <a:p>
-            <a:pPr lvl="1"/>
-            <a:r>
-              <a:rPr lang="en-US" dirty="0" smtClean="0"/>
-              <a:t>Consequences are the same regardless of the order in which we make deductions</a:t>
-            </a:r>
-          </a:p>
-          <a:p>
-            <a:r>
-              <a:rPr lang="en-US" dirty="0" smtClean="0"/>
-              <a:t>Idempotent</a:t>
-            </a:r>
-          </a:p>
-          <a:p>
-            <a:pPr lvl="1"/>
-            <a:r>
-              <a:rPr lang="en-US" dirty="0" smtClean="0"/>
-              <a:t>Axioms can be reiterated freely</a:t>
-            </a:r>
-          </a:p>
-          <a:p>
-            <a:pPr marL="457200" lvl="1" indent="0">
-              <a:buNone/>
-            </a:pPr>
-            <a:endParaRPr lang="en-US" dirty="0" smtClean="0"/>
-          </a:p>
-          <a:p>
-            <a:pPr lvl="1"/>
+              <a:t>You never really know</a:t>
+            </a:r>
             <a:endParaRPr lang="en-US" dirty="0"/>
           </a:p>
         </p:txBody>
@@ -14819,7 +14789,7 @@
     </p:spTree>
     <p:extLst>
       <p:ext uri="{BB962C8B-B14F-4D97-AF65-F5344CB8AC3E}">
-        <p14:creationId xmlns:p14="http://schemas.microsoft.com/office/powerpoint/2010/main" val="3275455917"/>
+        <p14:creationId xmlns:p14="http://schemas.microsoft.com/office/powerpoint/2010/main" val="873006937"/>
       </p:ext>
     </p:extLst>
   </p:cSld>
@@ -14829,7 +14799,91 @@
   <p:timing>
     <p:tnLst>
       <p:par>
-        <p:cTn xmlns:p14="http://schemas.microsoft.com/office/powerpoint/2010/main" id="1" dur="indefinite" restart="never" nodeType="tmRoot"/>
+        <p:cTn xmlns:p14="http://schemas.microsoft.com/office/powerpoint/2010/main" id="1" dur="indefinite" restart="never" nodeType="tmRoot">
+          <p:childTnLst>
+            <p:seq concurrent="1" nextAc="seek">
+              <p:cTn id="2" dur="indefinite" nodeType="mainSeq">
+                <p:childTnLst>
+                  <p:par>
+                    <p:cTn id="3" fill="hold">
+                      <p:stCondLst>
+                        <p:cond delay="indefinite"/>
+                      </p:stCondLst>
+                      <p:childTnLst>
+                        <p:par>
+                          <p:cTn id="4" fill="hold">
+                            <p:stCondLst>
+                              <p:cond delay="0"/>
+                            </p:stCondLst>
+                            <p:childTnLst>
+                              <p:par>
+                                <p:cTn id="5" presetID="9" presetClass="entr" presetSubtype="0" fill="hold" nodeType="clickEffect">
+                                  <p:stCondLst>
+                                    <p:cond delay="0"/>
+                                  </p:stCondLst>
+                                  <p:childTnLst>
+                                    <p:set>
+                                      <p:cBhvr>
+                                        <p:cTn id="6" dur="1" fill="hold">
+                                          <p:stCondLst>
+                                            <p:cond delay="0"/>
+                                          </p:stCondLst>
+                                        </p:cTn>
+                                        <p:tgtEl>
+                                          <p:spTgt spid="3">
+                                            <p:txEl>
+                                              <p:pRg st="2" end="2"/>
+                                            </p:txEl>
+                                          </p:spTgt>
+                                        </p:tgtEl>
+                                        <p:attrNameLst>
+                                          <p:attrName>style.visibility</p:attrName>
+                                        </p:attrNameLst>
+                                      </p:cBhvr>
+                                      <p:to>
+                                        <p:strVal val="visible"/>
+                                      </p:to>
+                                    </p:set>
+                                    <p:animEffect transition="in" filter="dissolve">
+                                      <p:cBhvr>
+                                        <p:cTn id="7" dur="500"/>
+                                        <p:tgtEl>
+                                          <p:spTgt spid="3">
+                                            <p:txEl>
+                                              <p:pRg st="2" end="2"/>
+                                            </p:txEl>
+                                          </p:spTgt>
+                                        </p:tgtEl>
+                                      </p:cBhvr>
+                                    </p:animEffect>
+                                  </p:childTnLst>
+                                </p:cTn>
+                              </p:par>
+                            </p:childTnLst>
+                          </p:cTn>
+                        </p:par>
+                      </p:childTnLst>
+                    </p:cTn>
+                  </p:par>
+                </p:childTnLst>
+              </p:cTn>
+              <p:prevCondLst>
+                <p:cond evt="onPrev" delay="0">
+                  <p:tgtEl>
+                    <p:sldTgt/>
+                  </p:tgtEl>
+                </p:cond>
+              </p:prevCondLst>
+              <p:nextCondLst>
+                <p:cond evt="onNext" delay="0">
+                  <p:tgtEl>
+                    <p:sldTgt/>
+                  </p:tgtEl>
+                </p:cond>
+              </p:nextCondLst>
+            </p:seq>
+          </p:childTnLst>
+        </p:cTn>
       </p:par>
     </p:tnLst>
   </p:timing>
@@ -14870,7 +14924,7 @@
           <a:p>
             <a:r>
               <a:rPr lang="en-US" dirty="0" smtClean="0"/>
-              <a:t>Disorderly programming</a:t>
+              <a:t>Asynchronous messaging</a:t>
             </a:r>
             <a:endParaRPr lang="en-US" dirty="0"/>
           </a:p>
@@ -14878,89 +14932,330 @@
       </p:sp>
       <p:sp>
         <p:nvSpPr>
-          <p:cNvPr id="3" name="Content Placeholder 2"/>
-          <p:cNvSpPr>
-            <a:spLocks noGrp="1"/>
-          </p:cNvSpPr>
-          <p:nvPr>
-            <p:ph idx="1"/>
-          </p:nvPr>
-        </p:nvSpPr>
-        <p:spPr/>
-        <p:txBody>
-          <a:bodyPr>
-            <a:normAutofit lnSpcReduction="10000"/>
+          <p:cNvPr id="4" name="Oval 3"/>
+          <p:cNvSpPr/>
+          <p:nvPr/>
+        </p:nvSpPr>
+        <p:spPr>
+          <a:xfrm>
+            <a:off x="865692" y="2570316"/>
+            <a:ext cx="2983610" cy="2922204"/>
+          </a:xfrm>
+          <a:prstGeom prst="ellipse">
+            <a:avLst/>
+          </a:prstGeom>
+          <a:noFill/>
+        </p:spPr>
+        <p:style>
+          <a:lnRef idx="1">
+            <a:schemeClr val="accent1"/>
+          </a:lnRef>
+          <a:fillRef idx="3">
+            <a:schemeClr val="accent1"/>
+          </a:fillRef>
+          <a:effectRef idx="2">
+            <a:schemeClr val="accent1"/>
+          </a:effectRef>
+          <a:fontRef idx="minor">
+            <a:schemeClr val="lt1"/>
+          </a:fontRef>
+        </p:style>
+        <p:txBody>
+          <a:bodyPr rtlCol="0" anchor="ctr"/>
+          <a:lstStyle/>
+          <a:p>
+            <a:pPr algn="ctr"/>
+            <a:endParaRPr lang="en-US" dirty="0"/>
+          </a:p>
+        </p:txBody>
+      </p:sp>
+      <p:sp>
+        <p:nvSpPr>
+          <p:cNvPr id="5" name="TextBox 4"/>
+          <p:cNvSpPr txBox="1"/>
+          <p:nvPr/>
+        </p:nvSpPr>
+        <p:spPr>
+          <a:xfrm>
+            <a:off x="1836068" y="3166996"/>
+            <a:ext cx="364202" cy="461665"/>
+          </a:xfrm>
+          <a:prstGeom prst="rect">
+            <a:avLst/>
+          </a:prstGeom>
+          <a:noFill/>
+        </p:spPr>
+        <p:txBody>
+          <a:bodyPr wrap="none" rtlCol="0">
+            <a:spAutoFit/>
           </a:bodyPr>
           <a:lstStyle/>
           <a:p>
-            <a:pPr marL="0" indent="0">
-              <a:buNone/>
-            </a:pPr>
-            <a:r>
-              <a:rPr lang="en-US" dirty="0"/>
-              <a:t>An aside about logic programming:</a:t>
-            </a:r>
-          </a:p>
-          <a:p>
-            <a:pPr marL="0" indent="0">
-              <a:buNone/>
-            </a:pPr>
-            <a:endParaRPr lang="en-US" dirty="0" smtClean="0"/>
-          </a:p>
-          <a:p>
-            <a:pPr marL="0" indent="0">
-              <a:buNone/>
-            </a:pPr>
-            <a:r>
-              <a:rPr lang="en-US" dirty="0" smtClean="0"/>
-              <a:t>In (classical) logic, theories are Associative, Commutative, and Idempotent </a:t>
-            </a:r>
-            <a:r>
-              <a:rPr lang="en-US" i="1" dirty="0" smtClean="0"/>
-              <a:t>because</a:t>
-            </a:r>
+            <a:r>
+              <a:rPr lang="en-US" sz="2400" dirty="0" smtClean="0"/>
+              <a:t>A</a:t>
+            </a:r>
+            <a:endParaRPr lang="en-US" sz="2400" dirty="0"/>
+          </a:p>
+        </p:txBody>
+      </p:sp>
+      <p:sp>
+        <p:nvSpPr>
+          <p:cNvPr id="6" name="TextBox 5"/>
+          <p:cNvSpPr txBox="1"/>
+          <p:nvPr/>
+        </p:nvSpPr>
+        <p:spPr>
+          <a:xfrm>
+            <a:off x="2618317" y="3166996"/>
+            <a:ext cx="352080" cy="461665"/>
+          </a:xfrm>
+          <a:prstGeom prst="rect">
+            <a:avLst/>
+          </a:prstGeom>
+          <a:noFill/>
+        </p:spPr>
+        <p:txBody>
+          <a:bodyPr wrap="none" rtlCol="0">
+            <a:spAutoFit/>
+          </a:bodyPr>
+          <a:lstStyle/>
+          <a:p>
+            <a:r>
+              <a:rPr lang="en-US" sz="2400" dirty="0" smtClean="0"/>
+              <a:t>B</a:t>
+            </a:r>
+            <a:endParaRPr lang="en-US" sz="2400" dirty="0"/>
+          </a:p>
+        </p:txBody>
+      </p:sp>
+      <p:sp>
+        <p:nvSpPr>
+          <p:cNvPr id="7" name="TextBox 6"/>
+          <p:cNvSpPr txBox="1"/>
+          <p:nvPr/>
+        </p:nvSpPr>
+        <p:spPr>
+          <a:xfrm>
+            <a:off x="1836067" y="3883810"/>
+            <a:ext cx="348773" cy="461665"/>
+          </a:xfrm>
+          <a:prstGeom prst="rect">
+            <a:avLst/>
+          </a:prstGeom>
+          <a:noFill/>
+        </p:spPr>
+        <p:txBody>
+          <a:bodyPr wrap="none" rtlCol="0">
+            <a:spAutoFit/>
+          </a:bodyPr>
+          <a:lstStyle/>
+          <a:p>
+            <a:r>
+              <a:rPr lang="en-US" sz="2400" dirty="0" smtClean="0"/>
+              <a:t>C</a:t>
+            </a:r>
+            <a:endParaRPr lang="en-US" sz="2400" dirty="0"/>
+          </a:p>
+        </p:txBody>
+      </p:sp>
+      <p:sp>
+        <p:nvSpPr>
+          <p:cNvPr id="10" name="Oval 9"/>
+          <p:cNvSpPr/>
+          <p:nvPr/>
+        </p:nvSpPr>
+        <p:spPr>
+          <a:xfrm>
+            <a:off x="5547059" y="2570316"/>
+            <a:ext cx="2983610" cy="2922204"/>
+          </a:xfrm>
+          <a:prstGeom prst="ellipse">
+            <a:avLst/>
+          </a:prstGeom>
+          <a:noFill/>
+        </p:spPr>
+        <p:style>
+          <a:lnRef idx="1">
+            <a:schemeClr val="accent1"/>
+          </a:lnRef>
+          <a:fillRef idx="3">
+            <a:schemeClr val="accent1"/>
+          </a:fillRef>
+          <a:effectRef idx="2">
+            <a:schemeClr val="accent1"/>
+          </a:effectRef>
+          <a:fontRef idx="minor">
+            <a:schemeClr val="lt1"/>
+          </a:fontRef>
+        </p:style>
+        <p:txBody>
+          <a:bodyPr rtlCol="0" anchor="ctr"/>
+          <a:lstStyle/>
+          <a:p>
+            <a:pPr algn="ctr"/>
             <a:endParaRPr lang="en-US" dirty="0"/>
           </a:p>
-          <a:p>
-            <a:pPr marL="0" indent="0">
-              <a:buNone/>
-            </a:pPr>
-            <a:endParaRPr lang="en-US" dirty="0" smtClean="0"/>
-          </a:p>
-          <a:p>
-            <a:pPr marL="0" indent="0">
-              <a:buNone/>
-            </a:pPr>
-            <a:r>
-              <a:rPr lang="en-US" dirty="0" smtClean="0"/>
-              <a:t>Knowledge is </a:t>
-            </a:r>
-            <a:r>
-              <a:rPr lang="en-US" i="1" dirty="0" smtClean="0"/>
-              <a:t>monotonic:</a:t>
-            </a:r>
-          </a:p>
-          <a:p>
-            <a:pPr marL="0" indent="0">
-              <a:buNone/>
-            </a:pPr>
-            <a:endParaRPr lang="en-US" i="1" dirty="0"/>
-          </a:p>
-          <a:p>
-            <a:pPr marL="0" indent="0">
-              <a:buNone/>
-            </a:pPr>
-            <a:r>
-              <a:rPr lang="en-US" i="1" dirty="0" smtClean="0"/>
-              <a:t>The more you know, the more you know</a:t>
-            </a:r>
+        </p:txBody>
+      </p:sp>
+      <p:cxnSp>
+        <p:nvCxnSpPr>
+          <p:cNvPr id="14" name="Straight Arrow Connector 13"/>
+          <p:cNvCxnSpPr/>
+          <p:nvPr/>
+        </p:nvCxnSpPr>
+        <p:spPr>
+          <a:xfrm>
+            <a:off x="4033968" y="4218018"/>
+            <a:ext cx="1367131" cy="0"/>
+          </a:xfrm>
+          <a:prstGeom prst="straightConnector1">
+            <a:avLst/>
+          </a:prstGeom>
+          <a:ln>
+            <a:prstDash val="dash"/>
+            <a:tailEnd type="arrow"/>
+          </a:ln>
+        </p:spPr>
+        <p:style>
+          <a:lnRef idx="2">
+            <a:schemeClr val="accent1"/>
+          </a:lnRef>
+          <a:fillRef idx="0">
+            <a:schemeClr val="accent1"/>
+          </a:fillRef>
+          <a:effectRef idx="1">
+            <a:schemeClr val="accent1"/>
+          </a:effectRef>
+          <a:fontRef idx="minor">
+            <a:schemeClr val="tx1"/>
+          </a:fontRef>
+        </p:style>
+      </p:cxnSp>
+      <p:sp>
+        <p:nvSpPr>
+          <p:cNvPr id="15" name="TextBox 14"/>
+          <p:cNvSpPr txBox="1"/>
+          <p:nvPr/>
+        </p:nvSpPr>
+        <p:spPr>
+          <a:xfrm>
+            <a:off x="4346518" y="3802519"/>
+            <a:ext cx="781584" cy="461665"/>
+          </a:xfrm>
+          <a:prstGeom prst="rect">
+            <a:avLst/>
+          </a:prstGeom>
+          <a:noFill/>
+        </p:spPr>
+        <p:txBody>
+          <a:bodyPr wrap="none" rtlCol="0">
+            <a:spAutoFit/>
+          </a:bodyPr>
+          <a:lstStyle/>
+          <a:p>
+            <a:r>
+              <a:rPr lang="en-US" sz="2400" dirty="0" smtClean="0"/>
+              <a:t>send</a:t>
+            </a:r>
+            <a:endParaRPr lang="en-US" sz="2400" dirty="0"/>
+          </a:p>
+        </p:txBody>
+      </p:sp>
+      <p:sp>
+        <p:nvSpPr>
+          <p:cNvPr id="16" name="TextBox 15"/>
+          <p:cNvSpPr txBox="1"/>
+          <p:nvPr/>
+        </p:nvSpPr>
+        <p:spPr>
+          <a:xfrm>
+            <a:off x="6502135" y="3422145"/>
+            <a:ext cx="364202" cy="461665"/>
+          </a:xfrm>
+          <a:prstGeom prst="rect">
+            <a:avLst/>
+          </a:prstGeom>
+          <a:noFill/>
+        </p:spPr>
+        <p:txBody>
+          <a:bodyPr wrap="none" rtlCol="0">
+            <a:spAutoFit/>
+          </a:bodyPr>
+          <a:lstStyle/>
+          <a:p>
+            <a:r>
+              <a:rPr lang="en-US" sz="2400" dirty="0" smtClean="0"/>
+              <a:t>A</a:t>
+            </a:r>
+            <a:endParaRPr lang="en-US" sz="2400" dirty="0"/>
+          </a:p>
+        </p:txBody>
+      </p:sp>
+      <p:sp>
+        <p:nvSpPr>
+          <p:cNvPr id="17" name="TextBox 16"/>
+          <p:cNvSpPr txBox="1"/>
+          <p:nvPr/>
+        </p:nvSpPr>
+        <p:spPr>
+          <a:xfrm>
+            <a:off x="7284384" y="3422145"/>
+            <a:ext cx="352080" cy="461665"/>
+          </a:xfrm>
+          <a:prstGeom prst="rect">
+            <a:avLst/>
+          </a:prstGeom>
+          <a:noFill/>
+        </p:spPr>
+        <p:txBody>
+          <a:bodyPr wrap="none" rtlCol="0">
+            <a:spAutoFit/>
+          </a:bodyPr>
+          <a:lstStyle/>
+          <a:p>
+            <a:r>
+              <a:rPr lang="en-US" sz="2400" dirty="0" smtClean="0"/>
+              <a:t>B</a:t>
+            </a:r>
+            <a:endParaRPr lang="en-US" sz="2400" dirty="0"/>
+          </a:p>
+        </p:txBody>
+      </p:sp>
+      <p:sp>
+        <p:nvSpPr>
+          <p:cNvPr id="18" name="TextBox 17"/>
+          <p:cNvSpPr txBox="1"/>
+          <p:nvPr/>
+        </p:nvSpPr>
+        <p:spPr>
+          <a:xfrm>
+            <a:off x="6502134" y="4138959"/>
+            <a:ext cx="348773" cy="461665"/>
+          </a:xfrm>
+          <a:prstGeom prst="rect">
+            <a:avLst/>
+          </a:prstGeom>
+          <a:noFill/>
+        </p:spPr>
+        <p:txBody>
+          <a:bodyPr wrap="none" rtlCol="0">
+            <a:spAutoFit/>
+          </a:bodyPr>
+          <a:lstStyle/>
+          <a:p>
+            <a:r>
+              <a:rPr lang="en-US" sz="2400" dirty="0" smtClean="0"/>
+              <a:t>C</a:t>
+            </a:r>
+            <a:endParaRPr lang="en-US" sz="2400" dirty="0"/>
           </a:p>
         </p:txBody>
       </p:sp>
     </p:spTree>
     <p:extLst>
       <p:ext uri="{BB962C8B-B14F-4D97-AF65-F5344CB8AC3E}">
-        <p14:creationId xmlns:p14="http://schemas.microsoft.com/office/powerpoint/2010/main" val="23523355"/>
+        <p14:creationId xmlns:p14="http://schemas.microsoft.com/office/powerpoint/2010/main" val="325165708"/>
       </p:ext>
     </p:extLst>
   </p:cSld>
@@ -14970,9 +15265,541 @@
   <p:timing>
     <p:tnLst>
       <p:par>
-        <p:cTn xmlns:p14="http://schemas.microsoft.com/office/powerpoint/2010/main" id="1" dur="indefinite" restart="never" nodeType="tmRoot"/>
+        <p:cTn xmlns:p14="http://schemas.microsoft.com/office/powerpoint/2010/main" id="1" dur="indefinite" restart="never" nodeType="tmRoot">
+          <p:childTnLst>
+            <p:seq concurrent="1" nextAc="seek">
+              <p:cTn id="2" dur="indefinite" nodeType="mainSeq">
+                <p:childTnLst>
+                  <p:par>
+                    <p:cTn id="3" fill="hold">
+                      <p:stCondLst>
+                        <p:cond delay="indefinite"/>
+                      </p:stCondLst>
+                      <p:childTnLst>
+                        <p:par>
+                          <p:cTn id="4" fill="hold">
+                            <p:stCondLst>
+                              <p:cond delay="0"/>
+                            </p:stCondLst>
+                            <p:childTnLst>
+                              <p:par>
+                                <p:cTn id="5" presetID="12" presetClass="entr" presetSubtype="4" fill="hold" grpId="0" nodeType="clickEffect">
+                                  <p:stCondLst>
+                                    <p:cond delay="0"/>
+                                  </p:stCondLst>
+                                  <p:childTnLst>
+                                    <p:set>
+                                      <p:cBhvr>
+                                        <p:cTn id="6" dur="1" fill="hold">
+                                          <p:stCondLst>
+                                            <p:cond delay="0"/>
+                                          </p:stCondLst>
+                                        </p:cTn>
+                                        <p:tgtEl>
+                                          <p:spTgt spid="5"/>
+                                        </p:tgtEl>
+                                        <p:attrNameLst>
+                                          <p:attrName>style.visibility</p:attrName>
+                                        </p:attrNameLst>
+                                      </p:cBhvr>
+                                      <p:to>
+                                        <p:strVal val="visible"/>
+                                      </p:to>
+                                    </p:set>
+                                    <p:anim calcmode="lin" valueType="num">
+                                      <p:cBhvr additive="base">
+                                        <p:cTn id="7" dur="500"/>
+                                        <p:tgtEl>
+                                          <p:spTgt spid="5"/>
+                                        </p:tgtEl>
+                                        <p:attrNameLst>
+                                          <p:attrName>ppt_y</p:attrName>
+                                        </p:attrNameLst>
+                                      </p:cBhvr>
+                                      <p:tavLst>
+                                        <p:tav tm="0">
+                                          <p:val>
+                                            <p:strVal val="#ppt_y+#ppt_h*1.125000"/>
+                                          </p:val>
+                                        </p:tav>
+                                        <p:tav tm="100000">
+                                          <p:val>
+                                            <p:strVal val="#ppt_y"/>
+                                          </p:val>
+                                        </p:tav>
+                                      </p:tavLst>
+                                    </p:anim>
+                                    <p:animEffect transition="in" filter="wipe(up)">
+                                      <p:cBhvr>
+                                        <p:cTn id="8" dur="500"/>
+                                        <p:tgtEl>
+                                          <p:spTgt spid="5"/>
+                                        </p:tgtEl>
+                                      </p:cBhvr>
+                                    </p:animEffect>
+                                  </p:childTnLst>
+                                </p:cTn>
+                              </p:par>
+                            </p:childTnLst>
+                          </p:cTn>
+                        </p:par>
+                      </p:childTnLst>
+                    </p:cTn>
+                  </p:par>
+                  <p:par>
+                    <p:cTn id="9" fill="hold">
+                      <p:stCondLst>
+                        <p:cond delay="indefinite"/>
+                      </p:stCondLst>
+                      <p:childTnLst>
+                        <p:par>
+                          <p:cTn id="10" fill="hold">
+                            <p:stCondLst>
+                              <p:cond delay="0"/>
+                            </p:stCondLst>
+                            <p:childTnLst>
+                              <p:par>
+                                <p:cTn id="11" presetID="12" presetClass="entr" presetSubtype="4" fill="hold" grpId="0" nodeType="clickEffect">
+                                  <p:stCondLst>
+                                    <p:cond delay="0"/>
+                                  </p:stCondLst>
+                                  <p:childTnLst>
+                                    <p:set>
+                                      <p:cBhvr>
+                                        <p:cTn id="12" dur="1" fill="hold">
+                                          <p:stCondLst>
+                                            <p:cond delay="0"/>
+                                          </p:stCondLst>
+                                        </p:cTn>
+                                        <p:tgtEl>
+                                          <p:spTgt spid="6"/>
+                                        </p:tgtEl>
+                                        <p:attrNameLst>
+                                          <p:attrName>style.visibility</p:attrName>
+                                        </p:attrNameLst>
+                                      </p:cBhvr>
+                                      <p:to>
+                                        <p:strVal val="visible"/>
+                                      </p:to>
+                                    </p:set>
+                                    <p:anim calcmode="lin" valueType="num">
+                                      <p:cBhvr additive="base">
+                                        <p:cTn id="13" dur="500"/>
+                                        <p:tgtEl>
+                                          <p:spTgt spid="6"/>
+                                        </p:tgtEl>
+                                        <p:attrNameLst>
+                                          <p:attrName>ppt_y</p:attrName>
+                                        </p:attrNameLst>
+                                      </p:cBhvr>
+                                      <p:tavLst>
+                                        <p:tav tm="0">
+                                          <p:val>
+                                            <p:strVal val="#ppt_y+#ppt_h*1.125000"/>
+                                          </p:val>
+                                        </p:tav>
+                                        <p:tav tm="100000">
+                                          <p:val>
+                                            <p:strVal val="#ppt_y"/>
+                                          </p:val>
+                                        </p:tav>
+                                      </p:tavLst>
+                                    </p:anim>
+                                    <p:animEffect transition="in" filter="wipe(up)">
+                                      <p:cBhvr>
+                                        <p:cTn id="14" dur="500"/>
+                                        <p:tgtEl>
+                                          <p:spTgt spid="6"/>
+                                        </p:tgtEl>
+                                      </p:cBhvr>
+                                    </p:animEffect>
+                                  </p:childTnLst>
+                                </p:cTn>
+                              </p:par>
+                            </p:childTnLst>
+                          </p:cTn>
+                        </p:par>
+                      </p:childTnLst>
+                    </p:cTn>
+                  </p:par>
+                  <p:par>
+                    <p:cTn id="15" fill="hold">
+                      <p:stCondLst>
+                        <p:cond delay="indefinite"/>
+                      </p:stCondLst>
+                      <p:childTnLst>
+                        <p:par>
+                          <p:cTn id="16" fill="hold">
+                            <p:stCondLst>
+                              <p:cond delay="0"/>
+                            </p:stCondLst>
+                            <p:childTnLst>
+                              <p:par>
+                                <p:cTn id="17" presetID="12" presetClass="entr" presetSubtype="4" fill="hold" grpId="0" nodeType="clickEffect">
+                                  <p:stCondLst>
+                                    <p:cond delay="0"/>
+                                  </p:stCondLst>
+                                  <p:childTnLst>
+                                    <p:set>
+                                      <p:cBhvr>
+                                        <p:cTn id="18" dur="1" fill="hold">
+                                          <p:stCondLst>
+                                            <p:cond delay="0"/>
+                                          </p:stCondLst>
+                                        </p:cTn>
+                                        <p:tgtEl>
+                                          <p:spTgt spid="7"/>
+                                        </p:tgtEl>
+                                        <p:attrNameLst>
+                                          <p:attrName>style.visibility</p:attrName>
+                                        </p:attrNameLst>
+                                      </p:cBhvr>
+                                      <p:to>
+                                        <p:strVal val="visible"/>
+                                      </p:to>
+                                    </p:set>
+                                    <p:anim calcmode="lin" valueType="num">
+                                      <p:cBhvr additive="base">
+                                        <p:cTn id="19" dur="500"/>
+                                        <p:tgtEl>
+                                          <p:spTgt spid="7"/>
+                                        </p:tgtEl>
+                                        <p:attrNameLst>
+                                          <p:attrName>ppt_y</p:attrName>
+                                        </p:attrNameLst>
+                                      </p:cBhvr>
+                                      <p:tavLst>
+                                        <p:tav tm="0">
+                                          <p:val>
+                                            <p:strVal val="#ppt_y+#ppt_h*1.125000"/>
+                                          </p:val>
+                                        </p:tav>
+                                        <p:tav tm="100000">
+                                          <p:val>
+                                            <p:strVal val="#ppt_y"/>
+                                          </p:val>
+                                        </p:tav>
+                                      </p:tavLst>
+                                    </p:anim>
+                                    <p:animEffect transition="in" filter="wipe(up)">
+                                      <p:cBhvr>
+                                        <p:cTn id="20" dur="500"/>
+                                        <p:tgtEl>
+                                          <p:spTgt spid="7"/>
+                                        </p:tgtEl>
+                                      </p:cBhvr>
+                                    </p:animEffect>
+                                  </p:childTnLst>
+                                </p:cTn>
+                              </p:par>
+                            </p:childTnLst>
+                          </p:cTn>
+                        </p:par>
+                      </p:childTnLst>
+                    </p:cTn>
+                  </p:par>
+                  <p:par>
+                    <p:cTn id="21" fill="hold">
+                      <p:stCondLst>
+                        <p:cond delay="indefinite"/>
+                      </p:stCondLst>
+                      <p:childTnLst>
+                        <p:par>
+                          <p:cTn id="22" fill="hold">
+                            <p:stCondLst>
+                              <p:cond delay="0"/>
+                            </p:stCondLst>
+                            <p:childTnLst>
+                              <p:par>
+                                <p:cTn id="23" presetID="2" presetClass="entr" presetSubtype="4" fill="hold" grpId="0" nodeType="clickEffect">
+                                  <p:stCondLst>
+                                    <p:cond delay="0"/>
+                                  </p:stCondLst>
+                                  <p:childTnLst>
+                                    <p:set>
+                                      <p:cBhvr>
+                                        <p:cTn id="24" dur="1" fill="hold">
+                                          <p:stCondLst>
+                                            <p:cond delay="0"/>
+                                          </p:stCondLst>
+                                        </p:cTn>
+                                        <p:tgtEl>
+                                          <p:spTgt spid="17"/>
+                                        </p:tgtEl>
+                                        <p:attrNameLst>
+                                          <p:attrName>style.visibility</p:attrName>
+                                        </p:attrNameLst>
+                                      </p:cBhvr>
+                                      <p:to>
+                                        <p:strVal val="visible"/>
+                                      </p:to>
+                                    </p:set>
+                                    <p:anim calcmode="lin" valueType="num">
+                                      <p:cBhvr additive="base">
+                                        <p:cTn id="25" dur="500" fill="hold"/>
+                                        <p:tgtEl>
+                                          <p:spTgt spid="17"/>
+                                        </p:tgtEl>
+                                        <p:attrNameLst>
+                                          <p:attrName>ppt_x</p:attrName>
+                                        </p:attrNameLst>
+                                      </p:cBhvr>
+                                      <p:tavLst>
+                                        <p:tav tm="0">
+                                          <p:val>
+                                            <p:strVal val="#ppt_x"/>
+                                          </p:val>
+                                        </p:tav>
+                                        <p:tav tm="100000">
+                                          <p:val>
+                                            <p:strVal val="#ppt_x"/>
+                                          </p:val>
+                                        </p:tav>
+                                      </p:tavLst>
+                                    </p:anim>
+                                    <p:anim calcmode="lin" valueType="num">
+                                      <p:cBhvr additive="base">
+                                        <p:cTn id="26" dur="500" fill="hold"/>
+                                        <p:tgtEl>
+                                          <p:spTgt spid="17"/>
+                                        </p:tgtEl>
+                                        <p:attrNameLst>
+                                          <p:attrName>ppt_y</p:attrName>
+                                        </p:attrNameLst>
+                                      </p:cBhvr>
+                                      <p:tavLst>
+                                        <p:tav tm="0">
+                                          <p:val>
+                                            <p:strVal val="1+#ppt_h/2"/>
+                                          </p:val>
+                                        </p:tav>
+                                        <p:tav tm="100000">
+                                          <p:val>
+                                            <p:strVal val="#ppt_y"/>
+                                          </p:val>
+                                        </p:tav>
+                                      </p:tavLst>
+                                    </p:anim>
+                                  </p:childTnLst>
+                                </p:cTn>
+                              </p:par>
+                            </p:childTnLst>
+                          </p:cTn>
+                        </p:par>
+                      </p:childTnLst>
+                    </p:cTn>
+                  </p:par>
+                  <p:par>
+                    <p:cTn id="27" fill="hold">
+                      <p:stCondLst>
+                        <p:cond delay="indefinite"/>
+                      </p:stCondLst>
+                      <p:childTnLst>
+                        <p:par>
+                          <p:cTn id="28" fill="hold">
+                            <p:stCondLst>
+                              <p:cond delay="0"/>
+                            </p:stCondLst>
+                            <p:childTnLst>
+                              <p:par>
+                                <p:cTn id="29" presetID="2" presetClass="entr" presetSubtype="4" fill="hold" grpId="0" nodeType="clickEffect">
+                                  <p:stCondLst>
+                                    <p:cond delay="0"/>
+                                  </p:stCondLst>
+                                  <p:childTnLst>
+                                    <p:set>
+                                      <p:cBhvr>
+                                        <p:cTn id="30" dur="1" fill="hold">
+                                          <p:stCondLst>
+                                            <p:cond delay="0"/>
+                                          </p:stCondLst>
+                                        </p:cTn>
+                                        <p:tgtEl>
+                                          <p:spTgt spid="18"/>
+                                        </p:tgtEl>
+                                        <p:attrNameLst>
+                                          <p:attrName>style.visibility</p:attrName>
+                                        </p:attrNameLst>
+                                      </p:cBhvr>
+                                      <p:to>
+                                        <p:strVal val="visible"/>
+                                      </p:to>
+                                    </p:set>
+                                    <p:anim calcmode="lin" valueType="num">
+                                      <p:cBhvr additive="base">
+                                        <p:cTn id="31" dur="500" fill="hold"/>
+                                        <p:tgtEl>
+                                          <p:spTgt spid="18"/>
+                                        </p:tgtEl>
+                                        <p:attrNameLst>
+                                          <p:attrName>ppt_x</p:attrName>
+                                        </p:attrNameLst>
+                                      </p:cBhvr>
+                                      <p:tavLst>
+                                        <p:tav tm="0">
+                                          <p:val>
+                                            <p:strVal val="#ppt_x"/>
+                                          </p:val>
+                                        </p:tav>
+                                        <p:tav tm="100000">
+                                          <p:val>
+                                            <p:strVal val="#ppt_x"/>
+                                          </p:val>
+                                        </p:tav>
+                                      </p:tavLst>
+                                    </p:anim>
+                                    <p:anim calcmode="lin" valueType="num">
+                                      <p:cBhvr additive="base">
+                                        <p:cTn id="32" dur="500" fill="hold"/>
+                                        <p:tgtEl>
+                                          <p:spTgt spid="18"/>
+                                        </p:tgtEl>
+                                        <p:attrNameLst>
+                                          <p:attrName>ppt_y</p:attrName>
+                                        </p:attrNameLst>
+                                      </p:cBhvr>
+                                      <p:tavLst>
+                                        <p:tav tm="0">
+                                          <p:val>
+                                            <p:strVal val="1+#ppt_h/2"/>
+                                          </p:val>
+                                        </p:tav>
+                                        <p:tav tm="100000">
+                                          <p:val>
+                                            <p:strVal val="#ppt_y"/>
+                                          </p:val>
+                                        </p:tav>
+                                      </p:tavLst>
+                                    </p:anim>
+                                  </p:childTnLst>
+                                </p:cTn>
+                              </p:par>
+                            </p:childTnLst>
+                          </p:cTn>
+                        </p:par>
+                      </p:childTnLst>
+                    </p:cTn>
+                  </p:par>
+                  <p:par>
+                    <p:cTn id="33" fill="hold">
+                      <p:stCondLst>
+                        <p:cond delay="indefinite"/>
+                      </p:stCondLst>
+                      <p:childTnLst>
+                        <p:par>
+                          <p:cTn id="34" fill="hold">
+                            <p:stCondLst>
+                              <p:cond delay="0"/>
+                            </p:stCondLst>
+                            <p:childTnLst>
+                              <p:par>
+                                <p:cTn id="35" presetID="2" presetClass="entr" presetSubtype="4" fill="hold" grpId="0" nodeType="clickEffect">
+                                  <p:stCondLst>
+                                    <p:cond delay="0"/>
+                                  </p:stCondLst>
+                                  <p:childTnLst>
+                                    <p:set>
+                                      <p:cBhvr>
+                                        <p:cTn id="36" dur="1" fill="hold">
+                                          <p:stCondLst>
+                                            <p:cond delay="0"/>
+                                          </p:stCondLst>
+                                        </p:cTn>
+                                        <p:tgtEl>
+                                          <p:spTgt spid="16"/>
+                                        </p:tgtEl>
+                                        <p:attrNameLst>
+                                          <p:attrName>style.visibility</p:attrName>
+                                        </p:attrNameLst>
+                                      </p:cBhvr>
+                                      <p:to>
+                                        <p:strVal val="visible"/>
+                                      </p:to>
+                                    </p:set>
+                                    <p:anim calcmode="lin" valueType="num">
+                                      <p:cBhvr additive="base">
+                                        <p:cTn id="37" dur="500" fill="hold"/>
+                                        <p:tgtEl>
+                                          <p:spTgt spid="16"/>
+                                        </p:tgtEl>
+                                        <p:attrNameLst>
+                                          <p:attrName>ppt_x</p:attrName>
+                                        </p:attrNameLst>
+                                      </p:cBhvr>
+                                      <p:tavLst>
+                                        <p:tav tm="0">
+                                          <p:val>
+                                            <p:strVal val="#ppt_x"/>
+                                          </p:val>
+                                        </p:tav>
+                                        <p:tav tm="100000">
+                                          <p:val>
+                                            <p:strVal val="#ppt_x"/>
+                                          </p:val>
+                                        </p:tav>
+                                      </p:tavLst>
+                                    </p:anim>
+                                    <p:anim calcmode="lin" valueType="num">
+                                      <p:cBhvr additive="base">
+                                        <p:cTn id="38" dur="500" fill="hold"/>
+                                        <p:tgtEl>
+                                          <p:spTgt spid="16"/>
+                                        </p:tgtEl>
+                                        <p:attrNameLst>
+                                          <p:attrName>ppt_y</p:attrName>
+                                        </p:attrNameLst>
+                                      </p:cBhvr>
+                                      <p:tavLst>
+                                        <p:tav tm="0">
+                                          <p:val>
+                                            <p:strVal val="1+#ppt_h/2"/>
+                                          </p:val>
+                                        </p:tav>
+                                        <p:tav tm="100000">
+                                          <p:val>
+                                            <p:strVal val="#ppt_y"/>
+                                          </p:val>
+                                        </p:tav>
+                                      </p:tavLst>
+                                    </p:anim>
+                                  </p:childTnLst>
+                                </p:cTn>
+                              </p:par>
+                            </p:childTnLst>
+                          </p:cTn>
+                        </p:par>
+                      </p:childTnLst>
+                    </p:cTn>
+                  </p:par>
+                </p:childTnLst>
+              </p:cTn>
+              <p:prevCondLst>
+                <p:cond evt="onPrev" delay="0">
+                  <p:tgtEl>
+                    <p:sldTgt/>
+                  </p:tgtEl>
+                </p:cond>
+              </p:prevCondLst>
+              <p:nextCondLst>
+                <p:cond evt="onNext" delay="0">
+                  <p:tgtEl>
+                    <p:sldTgt/>
+                  </p:tgtEl>
+                </p:cond>
+              </p:nextCondLst>
+            </p:seq>
+          </p:childTnLst>
+        </p:cTn>
       </p:par>
     </p:tnLst>
+    <p:bldLst>
+      <p:bldP spid="5" grpId="0"/>
+      <p:bldP spid="6" grpId="0"/>
+      <p:bldP spid="7" grpId="0"/>
+      <p:bldP spid="16" grpId="0"/>
+      <p:bldP spid="17" grpId="0"/>
+      <p:bldP spid="18" grpId="0"/>
+    </p:bldLst>
   </p:timing>
 </p:sld>
 </file>
@@ -15709,7 +16536,7 @@
           <a:p>
             <a:r>
               <a:rPr lang="en-US" dirty="0" smtClean="0"/>
-              <a:t>Disorderly programming</a:t>
+              <a:t>Monotonic Logic</a:t>
             </a:r>
             <a:endParaRPr lang="en-US" dirty="0"/>
           </a:p>
@@ -15727,19 +16554,8 @@
         </p:nvSpPr>
         <p:spPr/>
         <p:txBody>
-          <a:bodyPr>
-            <a:normAutofit/>
-          </a:bodyPr>
+          <a:bodyPr/>
           <a:lstStyle/>
-          <a:p>
-            <a:pPr marL="0" indent="0">
-              <a:buNone/>
-            </a:pPr>
-            <a:r>
-              <a:rPr lang="en-US" dirty="0"/>
-              <a:t>An aside about logic programming:</a:t>
-            </a:r>
-          </a:p>
           <a:p>
             <a:pPr marL="0" indent="0">
               <a:buNone/>
@@ -15750,780 +16566,29 @@
             <a:pPr marL="0" indent="0">
               <a:buNone/>
             </a:pPr>
-            <a:r>
-              <a:rPr lang="en-US" dirty="0" smtClean="0"/>
-              <a:t>It is challenging to even </a:t>
-            </a:r>
-            <a:r>
-              <a:rPr lang="en-US" i="1" dirty="0" smtClean="0"/>
-              <a:t>talk</a:t>
-            </a:r>
-            <a:r>
-              <a:rPr lang="en-US" dirty="0" smtClean="0"/>
-              <a:t> about order in logic programming languages [</a:t>
-            </a:r>
-            <a:r>
-              <a:rPr lang="en-US" dirty="0" err="1" smtClean="0"/>
-              <a:t>dedalus</a:t>
-            </a:r>
-            <a:r>
-              <a:rPr lang="en-US" dirty="0" smtClean="0"/>
-              <a:t>].</a:t>
-            </a:r>
+            <a:endParaRPr lang="en-US" dirty="0"/>
           </a:p>
           <a:p>
             <a:pPr marL="0" indent="0">
               <a:buNone/>
             </a:pPr>
-            <a:endParaRPr lang="en-US" dirty="0"/>
+            <a:r>
+              <a:rPr lang="en-US" dirty="0" smtClean="0"/>
+              <a:t>The more you know, the more you know.</a:t>
+            </a:r>
           </a:p>
           <a:p>
             <a:pPr marL="0" indent="0">
               <a:buNone/>
             </a:pPr>
-            <a:r>
-              <a:rPr lang="en-US" dirty="0" smtClean="0"/>
-              <a:t>Yet we can build … </a:t>
-            </a:r>
-            <a:endParaRPr lang="en-US" i="1" dirty="0" smtClean="0"/>
+            <a:endParaRPr lang="en-US" dirty="0" smtClean="0"/>
           </a:p>
         </p:txBody>
       </p:sp>
     </p:spTree>
     <p:extLst>
       <p:ext uri="{BB962C8B-B14F-4D97-AF65-F5344CB8AC3E}">
-        <p14:creationId xmlns:p14="http://schemas.microsoft.com/office/powerpoint/2010/main" val="1794628599"/>
-      </p:ext>
-    </p:extLst>
-  </p:cSld>
-  <p:clrMapOvr>
-    <a:masterClrMapping/>
-  </p:clrMapOvr>
-  <p:timing>
-    <p:tnLst>
-      <p:par>
-        <p:cTn xmlns:p14="http://schemas.microsoft.com/office/powerpoint/2010/main" id="1" dur="indefinite" restart="never" nodeType="tmRoot"/>
-      </p:par>
-    </p:tnLst>
-  </p:timing>
-</p:sld>
-</file>
-
-<file path=ppt/slides/slide51.xml><?xml version="1.0" encoding="utf-8"?>
-<p:sld xmlns:a="http://schemas.openxmlformats.org/drawingml/2006/main" xmlns:r="http://schemas.openxmlformats.org/officeDocument/2006/relationships" xmlns:p="http://schemas.openxmlformats.org/presentationml/2006/main">
-  <p:cSld>
-    <p:spTree>
-      <p:nvGrpSpPr>
-        <p:cNvPr id="1" name=""/>
-        <p:cNvGrpSpPr/>
-        <p:nvPr/>
-      </p:nvGrpSpPr>
-      <p:grpSpPr>
-        <a:xfrm>
-          <a:off x="0" y="0"/>
-          <a:ext cx="0" cy="0"/>
-          <a:chOff x="0" y="0"/>
-          <a:chExt cx="0" cy="0"/>
-        </a:xfrm>
-      </p:grpSpPr>
-      <p:sp>
-        <p:nvSpPr>
-          <p:cNvPr id="2" name="Title 1"/>
-          <p:cNvSpPr>
-            <a:spLocks noGrp="1"/>
-          </p:cNvSpPr>
-          <p:nvPr>
-            <p:ph type="title"/>
-          </p:nvPr>
-        </p:nvSpPr>
-        <p:spPr/>
-        <p:txBody>
-          <a:bodyPr/>
-          <a:lstStyle/>
-          <a:p>
-            <a:r>
-              <a:rPr lang="en-US" dirty="0" smtClean="0"/>
-              <a:t>Disorderly </a:t>
-            </a:r>
-            <a:r>
-              <a:rPr lang="en-US" dirty="0"/>
-              <a:t>p</a:t>
-            </a:r>
-            <a:r>
-              <a:rPr lang="en-US" dirty="0" smtClean="0"/>
-              <a:t>rogramming</a:t>
-            </a:r>
-            <a:endParaRPr lang="en-US" dirty="0"/>
-          </a:p>
-        </p:txBody>
-      </p:sp>
-      <p:sp>
-        <p:nvSpPr>
-          <p:cNvPr id="3" name="Content Placeholder 2"/>
-          <p:cNvSpPr>
-            <a:spLocks noGrp="1"/>
-          </p:cNvSpPr>
-          <p:nvPr>
-            <p:ph idx="1"/>
-          </p:nvPr>
-        </p:nvSpPr>
-        <p:spPr/>
-        <p:txBody>
-          <a:bodyPr/>
-          <a:lstStyle/>
-          <a:p>
-            <a:pPr marL="0" indent="0">
-              <a:buNone/>
-            </a:pPr>
-            <a:r>
-              <a:rPr lang="en-US" dirty="0" smtClean="0"/>
-              <a:t>Idea: embody the ACID 2.0  design patterns in how we structure distributed programs.</a:t>
-            </a:r>
-          </a:p>
-          <a:p>
-            <a:pPr marL="0" indent="0">
-              <a:buNone/>
-            </a:pPr>
-            <a:endParaRPr lang="en-US" dirty="0"/>
-          </a:p>
-          <a:p>
-            <a:pPr marL="0" indent="0">
-              <a:buNone/>
-            </a:pPr>
-            <a:r>
-              <a:rPr lang="en-US" dirty="0" smtClean="0"/>
-              <a:t>Disorderly data: unordered relations</a:t>
-            </a:r>
-          </a:p>
-          <a:p>
-            <a:pPr marL="0" indent="0">
-              <a:buNone/>
-            </a:pPr>
-            <a:r>
-              <a:rPr lang="en-US" dirty="0" smtClean="0"/>
-              <a:t>Disorderly code: specify how data changes over time</a:t>
-            </a:r>
-            <a:endParaRPr lang="en-US" dirty="0"/>
-          </a:p>
-        </p:txBody>
-      </p:sp>
-    </p:spTree>
-    <p:extLst>
-      <p:ext uri="{BB962C8B-B14F-4D97-AF65-F5344CB8AC3E}">
-        <p14:creationId xmlns:p14="http://schemas.microsoft.com/office/powerpoint/2010/main" val="4171936338"/>
-      </p:ext>
-    </p:extLst>
-  </p:cSld>
-  <p:clrMapOvr>
-    <a:masterClrMapping/>
-  </p:clrMapOvr>
-  <p:timing>
-    <p:tnLst>
-      <p:par>
-        <p:cTn xmlns:p14="http://schemas.microsoft.com/office/powerpoint/2010/main" id="1" dur="indefinite" restart="never" nodeType="tmRoot"/>
-      </p:par>
-    </p:tnLst>
-  </p:timing>
-</p:sld>
-</file>
-
-<file path=ppt/slides/slide52.xml><?xml version="1.0" encoding="utf-8"?>
-<p:sld xmlns:a="http://schemas.openxmlformats.org/drawingml/2006/main" xmlns:r="http://schemas.openxmlformats.org/officeDocument/2006/relationships" xmlns:p="http://schemas.openxmlformats.org/presentationml/2006/main">
-  <p:cSld>
-    <p:spTree>
-      <p:nvGrpSpPr>
-        <p:cNvPr id="1" name=""/>
-        <p:cNvGrpSpPr/>
-        <p:nvPr/>
-      </p:nvGrpSpPr>
-      <p:grpSpPr>
-        <a:xfrm>
-          <a:off x="0" y="0"/>
-          <a:ext cx="0" cy="0"/>
-          <a:chOff x="0" y="0"/>
-          <a:chExt cx="0" cy="0"/>
-        </a:xfrm>
-      </p:grpSpPr>
-      <p:sp>
-        <p:nvSpPr>
-          <p:cNvPr id="2" name="Title 1"/>
-          <p:cNvSpPr>
-            <a:spLocks noGrp="1"/>
-          </p:cNvSpPr>
-          <p:nvPr>
-            <p:ph type="title"/>
-          </p:nvPr>
-        </p:nvSpPr>
-        <p:spPr/>
-        <p:txBody>
-          <a:bodyPr/>
-          <a:lstStyle/>
-          <a:p>
-            <a:r>
-              <a:rPr lang="en-US" dirty="0" smtClean="0"/>
-              <a:t>Bloom</a:t>
-            </a:r>
-            <a:endParaRPr lang="en-US" dirty="0"/>
-          </a:p>
-        </p:txBody>
-      </p:sp>
-      <p:sp>
-        <p:nvSpPr>
-          <p:cNvPr id="3" name="Content Placeholder 2"/>
-          <p:cNvSpPr>
-            <a:spLocks noGrp="1"/>
-          </p:cNvSpPr>
-          <p:nvPr>
-            <p:ph idx="1"/>
-          </p:nvPr>
-        </p:nvSpPr>
-        <p:spPr/>
-        <p:txBody>
-          <a:bodyPr/>
-          <a:lstStyle/>
-          <a:p>
-            <a:endParaRPr lang="en-US" dirty="0"/>
-          </a:p>
-        </p:txBody>
-      </p:sp>
-    </p:spTree>
-    <p:extLst>
-      <p:ext uri="{BB962C8B-B14F-4D97-AF65-F5344CB8AC3E}">
-        <p14:creationId xmlns:p14="http://schemas.microsoft.com/office/powerpoint/2010/main" val="2873972462"/>
-      </p:ext>
-    </p:extLst>
-  </p:cSld>
-  <p:clrMapOvr>
-    <a:masterClrMapping/>
-  </p:clrMapOvr>
-  <p:timing>
-    <p:tnLst>
-      <p:par>
-        <p:cTn xmlns:p14="http://schemas.microsoft.com/office/powerpoint/2010/main" id="1" dur="indefinite" restart="never" nodeType="tmRoot"/>
-      </p:par>
-    </p:tnLst>
-  </p:timing>
-</p:sld>
-</file>
-
-<file path=ppt/slides/slide53.xml><?xml version="1.0" encoding="utf-8"?>
-<p:sld xmlns:a="http://schemas.openxmlformats.org/drawingml/2006/main" xmlns:r="http://schemas.openxmlformats.org/officeDocument/2006/relationships" xmlns:p="http://schemas.openxmlformats.org/presentationml/2006/main">
-  <p:cSld>
-    <p:spTree>
-      <p:nvGrpSpPr>
-        <p:cNvPr id="1" name=""/>
-        <p:cNvGrpSpPr/>
-        <p:nvPr/>
-      </p:nvGrpSpPr>
-      <p:grpSpPr>
-        <a:xfrm>
-          <a:off x="0" y="0"/>
-          <a:ext cx="0" cy="0"/>
-          <a:chOff x="0" y="0"/>
-          <a:chExt cx="0" cy="0"/>
-        </a:xfrm>
-      </p:grpSpPr>
-      <p:sp>
-        <p:nvSpPr>
-          <p:cNvPr id="2" name="Title 1"/>
-          <p:cNvSpPr>
-            <a:spLocks noGrp="1"/>
-          </p:cNvSpPr>
-          <p:nvPr>
-            <p:ph type="title"/>
-          </p:nvPr>
-        </p:nvSpPr>
-        <p:spPr/>
-        <p:txBody>
-          <a:bodyPr/>
-          <a:lstStyle/>
-          <a:p>
-            <a:r>
-              <a:rPr lang="en-US" dirty="0" smtClean="0"/>
-              <a:t>Bloom Rules</a:t>
-            </a:r>
-            <a:endParaRPr lang="en-US" dirty="0"/>
-          </a:p>
-        </p:txBody>
-      </p:sp>
-      <p:sp>
-        <p:nvSpPr>
-          <p:cNvPr id="3" name="Content Placeholder 2"/>
-          <p:cNvSpPr>
-            <a:spLocks noGrp="1"/>
-          </p:cNvSpPr>
-          <p:nvPr>
-            <p:ph idx="1"/>
-          </p:nvPr>
-        </p:nvSpPr>
-        <p:spPr>
-          <a:xfrm>
-            <a:off x="457200" y="1600200"/>
-            <a:ext cx="7269585" cy="1046613"/>
-          </a:xfrm>
-        </p:spPr>
-        <p:txBody>
-          <a:bodyPr/>
-          <a:lstStyle/>
-          <a:p>
-            <a:pPr marL="0" indent="0">
-              <a:buNone/>
-            </a:pPr>
-            <a:r>
-              <a:rPr lang="en-US" sz="1800" b="1" dirty="0" smtClean="0">
-                <a:solidFill>
-                  <a:srgbClr val="008000"/>
-                </a:solidFill>
-                <a:latin typeface="Courier-Bold"/>
-              </a:rPr>
-              <a:t>                                    do</a:t>
-            </a:r>
-            <a:r>
-              <a:rPr lang="en-US" sz="1800" dirty="0" smtClean="0">
-                <a:solidFill>
-                  <a:prstClr val="black"/>
-                </a:solidFill>
-                <a:latin typeface="Courier"/>
-              </a:rPr>
-              <a:t> </a:t>
-            </a:r>
-            <a:r>
-              <a:rPr lang="en-US" sz="1800" dirty="0" smtClean="0">
-                <a:solidFill>
-                  <a:srgbClr val="666666"/>
-                </a:solidFill>
-                <a:latin typeface="Courier"/>
-              </a:rPr>
-              <a:t>|</a:t>
-            </a:r>
-            <a:r>
-              <a:rPr lang="en-US" sz="1800" dirty="0" err="1" smtClean="0">
-                <a:solidFill>
-                  <a:prstClr val="black"/>
-                </a:solidFill>
-                <a:latin typeface="Courier"/>
-              </a:rPr>
-              <a:t>mes</a:t>
-            </a:r>
-            <a:r>
-              <a:rPr lang="en-US" sz="1800" dirty="0" smtClean="0">
-                <a:solidFill>
-                  <a:prstClr val="black"/>
-                </a:solidFill>
-                <a:latin typeface="Courier"/>
-              </a:rPr>
-              <a:t>, </a:t>
-            </a:r>
-            <a:r>
-              <a:rPr lang="en-US" sz="1800" dirty="0" err="1" smtClean="0">
-                <a:solidFill>
-                  <a:prstClr val="black"/>
-                </a:solidFill>
-                <a:latin typeface="Courier"/>
-              </a:rPr>
-              <a:t>mem</a:t>
-            </a:r>
-            <a:r>
-              <a:rPr lang="en-US" sz="1800" dirty="0" smtClean="0">
-                <a:solidFill>
-                  <a:srgbClr val="666666"/>
-                </a:solidFill>
-                <a:latin typeface="Courier"/>
-              </a:rPr>
-              <a:t>|</a:t>
-            </a:r>
-            <a:r>
-              <a:rPr lang="en-US" sz="1800" dirty="0" smtClean="0">
-                <a:solidFill>
-                  <a:prstClr val="black"/>
-                </a:solidFill>
-                <a:latin typeface="Courier"/>
-              </a:rPr>
-              <a:t> </a:t>
-            </a:r>
-          </a:p>
-          <a:p>
-            <a:pPr marL="0" indent="0">
-              <a:buNone/>
-            </a:pPr>
-            <a:r>
-              <a:rPr lang="en-US" sz="1800" dirty="0" smtClean="0">
-                <a:solidFill>
-                  <a:srgbClr val="666666"/>
-                </a:solidFill>
-                <a:latin typeface="Courier"/>
-              </a:rPr>
-              <a:t>  [</a:t>
-            </a:r>
-            <a:r>
-              <a:rPr lang="en-US" sz="1800" dirty="0" err="1" smtClean="0">
-                <a:solidFill>
-                  <a:prstClr val="black"/>
-                </a:solidFill>
-                <a:latin typeface="Courier"/>
-              </a:rPr>
-              <a:t>mem</a:t>
-            </a:r>
-            <a:r>
-              <a:rPr lang="en-US" sz="1800" dirty="0" err="1" smtClean="0">
-                <a:solidFill>
-                  <a:srgbClr val="666666"/>
-                </a:solidFill>
-                <a:latin typeface="Courier"/>
-              </a:rPr>
-              <a:t>.</a:t>
-            </a:r>
-            <a:r>
-              <a:rPr lang="en-US" sz="1800" dirty="0" err="1" smtClean="0">
-                <a:solidFill>
-                  <a:prstClr val="black"/>
-                </a:solidFill>
-                <a:latin typeface="Courier"/>
-              </a:rPr>
-              <a:t>address</a:t>
-            </a:r>
-            <a:r>
-              <a:rPr lang="en-US" sz="1800" dirty="0" smtClean="0">
-                <a:solidFill>
-                  <a:prstClr val="black"/>
-                </a:solidFill>
-                <a:latin typeface="Courier"/>
-              </a:rPr>
-              <a:t>, </a:t>
-            </a:r>
-            <a:r>
-              <a:rPr lang="en-US" sz="1800" dirty="0" err="1" smtClean="0">
-                <a:solidFill>
-                  <a:prstClr val="black"/>
-                </a:solidFill>
-                <a:latin typeface="Courier"/>
-              </a:rPr>
-              <a:t>mes</a:t>
-            </a:r>
-            <a:r>
-              <a:rPr lang="en-US" sz="1800" dirty="0" err="1" smtClean="0">
-                <a:solidFill>
-                  <a:srgbClr val="666666"/>
-                </a:solidFill>
-                <a:latin typeface="Courier"/>
-              </a:rPr>
-              <a:t>.</a:t>
-            </a:r>
-            <a:r>
-              <a:rPr lang="en-US" sz="1800" dirty="0" err="1" smtClean="0">
-                <a:solidFill>
-                  <a:prstClr val="black"/>
-                </a:solidFill>
-                <a:latin typeface="Courier"/>
-              </a:rPr>
-              <a:t>id</a:t>
-            </a:r>
-            <a:r>
-              <a:rPr lang="en-US" sz="1800" dirty="0" smtClean="0">
-                <a:solidFill>
-                  <a:prstClr val="black"/>
-                </a:solidFill>
-                <a:latin typeface="Courier"/>
-              </a:rPr>
-              <a:t>, </a:t>
-            </a:r>
-            <a:r>
-              <a:rPr lang="en-US" sz="1800" dirty="0" err="1" smtClean="0">
-                <a:solidFill>
-                  <a:prstClr val="black"/>
-                </a:solidFill>
-                <a:latin typeface="Courier"/>
-              </a:rPr>
-              <a:t>mes</a:t>
-            </a:r>
-            <a:r>
-              <a:rPr lang="en-US" sz="1800" dirty="0" err="1" smtClean="0">
-                <a:solidFill>
-                  <a:srgbClr val="666666"/>
-                </a:solidFill>
-                <a:latin typeface="Courier"/>
-              </a:rPr>
-              <a:t>.</a:t>
-            </a:r>
-            <a:r>
-              <a:rPr lang="en-US" sz="1800" dirty="0" err="1" smtClean="0">
-                <a:solidFill>
-                  <a:prstClr val="black"/>
-                </a:solidFill>
-                <a:latin typeface="Courier"/>
-              </a:rPr>
-              <a:t>payload</a:t>
-            </a:r>
-            <a:r>
-              <a:rPr lang="en-US" sz="1800" dirty="0" smtClean="0">
-                <a:solidFill>
-                  <a:srgbClr val="666666"/>
-                </a:solidFill>
-                <a:latin typeface="Courier"/>
-              </a:rPr>
-              <a:t>]</a:t>
-            </a:r>
-            <a:endParaRPr lang="en-US" sz="1800" dirty="0" smtClean="0">
-              <a:solidFill>
-                <a:prstClr val="black"/>
-              </a:solidFill>
-              <a:latin typeface="Courier"/>
-            </a:endParaRPr>
-          </a:p>
-          <a:p>
-            <a:pPr marL="0" indent="0">
-              <a:buNone/>
-            </a:pPr>
-            <a:r>
-              <a:rPr lang="en-US" sz="1800" b="1" dirty="0" smtClean="0">
-                <a:solidFill>
-                  <a:srgbClr val="008000"/>
-                </a:solidFill>
-                <a:latin typeface="Courier-Bold"/>
-              </a:rPr>
-              <a:t>end</a:t>
-            </a:r>
-            <a:endParaRPr lang="en-US" sz="1800" dirty="0">
-              <a:solidFill>
-                <a:prstClr val="black"/>
-              </a:solidFill>
-              <a:latin typeface="Courier"/>
-            </a:endParaRPr>
-          </a:p>
-          <a:p>
-            <a:pPr marL="0" indent="0">
-              <a:buNone/>
-            </a:pPr>
-            <a:endParaRPr lang="en-US" dirty="0"/>
-          </a:p>
-        </p:txBody>
-      </p:sp>
-      <p:pic>
-        <p:nvPicPr>
-          <p:cNvPr id="4" name="Picture 3" descr="lhs.pdf"/>
-          <p:cNvPicPr>
-            <a:picLocks noChangeAspect="1"/>
-          </p:cNvPicPr>
-          <p:nvPr/>
-        </p:nvPicPr>
-        <p:blipFill>
-          <a:blip r:embed="rId3">
-            <a:extLst>
-              <a:ext uri="{28A0092B-C50C-407E-A947-70E740481C1C}">
-                <a14:useLocalDpi xmlns:a14="http://schemas.microsoft.com/office/drawing/2010/main" val="0"/>
-              </a:ext>
-            </a:extLst>
-          </a:blip>
-          <a:stretch>
-            <a:fillRect/>
-          </a:stretch>
-        </p:blipFill>
-        <p:spPr>
-          <a:xfrm>
-            <a:off x="246483" y="2857608"/>
-            <a:ext cx="2286000" cy="3784600"/>
-          </a:xfrm>
-          <a:prstGeom prst="rect">
-            <a:avLst/>
-          </a:prstGeom>
-        </p:spPr>
-      </p:pic>
-      <p:pic>
-        <p:nvPicPr>
-          <p:cNvPr id="5" name="Picture 4" descr="from.pdf"/>
-          <p:cNvPicPr>
-            <a:picLocks noChangeAspect="1"/>
-          </p:cNvPicPr>
-          <p:nvPr/>
-        </p:nvPicPr>
-        <p:blipFill>
-          <a:blip r:embed="rId4">
-            <a:extLst>
-              <a:ext uri="{28A0092B-C50C-407E-A947-70E740481C1C}">
-                <a14:useLocalDpi xmlns:a14="http://schemas.microsoft.com/office/drawing/2010/main" val="0"/>
-              </a:ext>
-            </a:extLst>
-          </a:blip>
-          <a:stretch>
-            <a:fillRect/>
-          </a:stretch>
-        </p:blipFill>
-        <p:spPr>
-          <a:xfrm>
-            <a:off x="4940300" y="2826356"/>
-            <a:ext cx="2209800" cy="2349500"/>
-          </a:xfrm>
-          <a:prstGeom prst="rect">
-            <a:avLst/>
-          </a:prstGeom>
-        </p:spPr>
-      </p:pic>
-      <p:pic>
-        <p:nvPicPr>
-          <p:cNvPr id="7" name="Picture 6" descr="expr.pdf"/>
-          <p:cNvPicPr>
-            <a:picLocks noChangeAspect="1"/>
-          </p:cNvPicPr>
-          <p:nvPr/>
-        </p:nvPicPr>
-        <p:blipFill>
-          <a:blip r:embed="rId5">
-            <a:extLst>
-              <a:ext uri="{28A0092B-C50C-407E-A947-70E740481C1C}">
-                <a14:useLocalDpi xmlns:a14="http://schemas.microsoft.com/office/drawing/2010/main" val="0"/>
-              </a:ext>
-            </a:extLst>
-          </a:blip>
-          <a:stretch>
-            <a:fillRect/>
-          </a:stretch>
-        </p:blipFill>
-        <p:spPr>
-          <a:xfrm>
-            <a:off x="7150100" y="2833106"/>
-            <a:ext cx="1993900" cy="2019300"/>
-          </a:xfrm>
-          <a:prstGeom prst="rect">
-            <a:avLst/>
-          </a:prstGeom>
-        </p:spPr>
-      </p:pic>
-      <p:pic>
-        <p:nvPicPr>
-          <p:cNvPr id="8" name="Picture 7" descr="accum.pdf"/>
-          <p:cNvPicPr>
-            <a:picLocks noChangeAspect="1"/>
-          </p:cNvPicPr>
-          <p:nvPr/>
-        </p:nvPicPr>
-        <p:blipFill>
-          <a:blip r:embed="rId6">
-            <a:extLst>
-              <a:ext uri="{28A0092B-C50C-407E-A947-70E740481C1C}">
-                <a14:useLocalDpi xmlns:a14="http://schemas.microsoft.com/office/drawing/2010/main" val="0"/>
-              </a:ext>
-            </a:extLst>
-          </a:blip>
-          <a:stretch>
-            <a:fillRect/>
-          </a:stretch>
-        </p:blipFill>
-        <p:spPr>
-          <a:xfrm>
-            <a:off x="2727168" y="2826356"/>
-            <a:ext cx="1993900" cy="3009900"/>
-          </a:xfrm>
-          <a:prstGeom prst="rect">
-            <a:avLst/>
-          </a:prstGeom>
-        </p:spPr>
-      </p:pic>
-      <p:sp>
-        <p:nvSpPr>
-          <p:cNvPr id="10" name="Rectangle 9"/>
-          <p:cNvSpPr/>
-          <p:nvPr/>
-        </p:nvSpPr>
-        <p:spPr>
-          <a:xfrm>
-            <a:off x="457200" y="1597737"/>
-            <a:ext cx="1431364" cy="369332"/>
-          </a:xfrm>
-          <a:prstGeom prst="rect">
-            <a:avLst/>
-          </a:prstGeom>
-        </p:spPr>
-        <p:txBody>
-          <a:bodyPr wrap="none">
-            <a:spAutoFit/>
-          </a:bodyPr>
-          <a:lstStyle/>
-          <a:p>
-            <a:r>
-              <a:rPr lang="en-US" dirty="0" smtClean="0">
-                <a:solidFill>
-                  <a:prstClr val="black"/>
-                </a:solidFill>
-                <a:latin typeface="Courier"/>
-              </a:rPr>
-              <a:t>multicast</a:t>
-            </a:r>
-            <a:endParaRPr lang="en-US" dirty="0"/>
-          </a:p>
-        </p:txBody>
-      </p:sp>
-      <p:sp>
-        <p:nvSpPr>
-          <p:cNvPr id="11" name="Rectangle 10"/>
-          <p:cNvSpPr/>
-          <p:nvPr/>
-        </p:nvSpPr>
-        <p:spPr>
-          <a:xfrm>
-            <a:off x="1883349" y="1597737"/>
-            <a:ext cx="461710" cy="369332"/>
-          </a:xfrm>
-          <a:prstGeom prst="rect">
-            <a:avLst/>
-          </a:prstGeom>
-        </p:spPr>
-        <p:txBody>
-          <a:bodyPr wrap="none">
-            <a:spAutoFit/>
-          </a:bodyPr>
-          <a:lstStyle/>
-          <a:p>
-            <a:r>
-              <a:rPr lang="en-US" dirty="0">
-                <a:solidFill>
-                  <a:srgbClr val="666666"/>
-                </a:solidFill>
-                <a:latin typeface="Courier"/>
-              </a:rPr>
-              <a:t>&lt;~</a:t>
-            </a:r>
-            <a:endParaRPr lang="en-US" dirty="0"/>
-          </a:p>
-        </p:txBody>
-      </p:sp>
-      <p:sp>
-        <p:nvSpPr>
-          <p:cNvPr id="12" name="Rectangle 11"/>
-          <p:cNvSpPr/>
-          <p:nvPr/>
-        </p:nvSpPr>
-        <p:spPr>
-          <a:xfrm>
-            <a:off x="2345059" y="1597737"/>
-            <a:ext cx="2816584" cy="369332"/>
-          </a:xfrm>
-          <a:prstGeom prst="rect">
-            <a:avLst/>
-          </a:prstGeom>
-        </p:spPr>
-        <p:txBody>
-          <a:bodyPr wrap="none">
-            <a:spAutoFit/>
-          </a:bodyPr>
-          <a:lstStyle/>
-          <a:p>
-            <a:r>
-              <a:rPr lang="en-US" dirty="0">
-                <a:solidFill>
-                  <a:prstClr val="black"/>
-                </a:solidFill>
-                <a:latin typeface="Courier"/>
-              </a:rPr>
-              <a:t>(message * members) </a:t>
-            </a:r>
-            <a:endParaRPr lang="en-US" dirty="0"/>
-          </a:p>
-        </p:txBody>
-      </p:sp>
-    </p:spTree>
-    <p:extLst>
-      <p:ext uri="{BB962C8B-B14F-4D97-AF65-F5344CB8AC3E}">
-        <p14:creationId xmlns:p14="http://schemas.microsoft.com/office/powerpoint/2010/main" val="3161549905"/>
+        <p14:creationId xmlns:p14="http://schemas.microsoft.com/office/powerpoint/2010/main" val="1981683072"/>
       </p:ext>
     </p:extLst>
   </p:cSld>
@@ -16564,632 +16629,6 @@
                                           </p:stCondLst>
                                         </p:cTn>
                                         <p:tgtEl>
-                                          <p:spTgt spid="4"/>
-                                        </p:tgtEl>
-                                        <p:attrNameLst>
-                                          <p:attrName>style.visibility</p:attrName>
-                                        </p:attrNameLst>
-                                      </p:cBhvr>
-                                      <p:to>
-                                        <p:strVal val="visible"/>
-                                      </p:to>
-                                    </p:set>
-                                    <p:animEffect transition="in" filter="dissolve">
-                                      <p:cBhvr>
-                                        <p:cTn id="7" dur="500"/>
-                                        <p:tgtEl>
-                                          <p:spTgt spid="4"/>
-                                        </p:tgtEl>
-                                      </p:cBhvr>
-                                    </p:animEffect>
-                                  </p:childTnLst>
-                                </p:cTn>
-                              </p:par>
-                            </p:childTnLst>
-                          </p:cTn>
-                        </p:par>
-                      </p:childTnLst>
-                    </p:cTn>
-                  </p:par>
-                  <p:par>
-                    <p:cTn id="8" fill="hold">
-                      <p:stCondLst>
-                        <p:cond delay="indefinite"/>
-                      </p:stCondLst>
-                      <p:childTnLst>
-                        <p:par>
-                          <p:cTn id="9" fill="hold">
-                            <p:stCondLst>
-                              <p:cond delay="0"/>
-                            </p:stCondLst>
-                            <p:childTnLst>
-                              <p:par>
-                                <p:cTn id="10" presetID="1" presetClass="emph" presetSubtype="2" fill="hold" nodeType="clickEffect">
-                                  <p:stCondLst>
-                                    <p:cond delay="0"/>
-                                  </p:stCondLst>
-                                  <p:childTnLst>
-                                    <p:animClr clrSpc="rgb" dir="cw">
-                                      <p:cBhvr>
-                                        <p:cTn id="11" dur="2000" fill="hold"/>
-                                        <p:tgtEl>
-                                          <p:spTgt spid="10"/>
-                                        </p:tgtEl>
-                                        <p:attrNameLst>
-                                          <p:attrName>fillcolor</p:attrName>
-                                        </p:attrNameLst>
-                                      </p:cBhvr>
-                                      <p:to>
-                                        <a:schemeClr val="accent2"/>
-                                      </p:to>
-                                    </p:animClr>
-                                    <p:set>
-                                      <p:cBhvr>
-                                        <p:cTn id="12" dur="2000" fill="hold"/>
-                                        <p:tgtEl>
-                                          <p:spTgt spid="10"/>
-                                        </p:tgtEl>
-                                        <p:attrNameLst>
-                                          <p:attrName>fill.type</p:attrName>
-                                        </p:attrNameLst>
-                                      </p:cBhvr>
-                                      <p:to>
-                                        <p:strVal val="solid"/>
-                                      </p:to>
-                                    </p:set>
-                                    <p:set>
-                                      <p:cBhvr>
-                                        <p:cTn id="13" dur="2000" fill="hold"/>
-                                        <p:tgtEl>
-                                          <p:spTgt spid="10"/>
-                                        </p:tgtEl>
-                                        <p:attrNameLst>
-                                          <p:attrName>fill.on</p:attrName>
-                                        </p:attrNameLst>
-                                      </p:cBhvr>
-                                      <p:to>
-                                        <p:strVal val="true"/>
-                                      </p:to>
-                                    </p:set>
-                                  </p:childTnLst>
-                                </p:cTn>
-                              </p:par>
-                            </p:childTnLst>
-                          </p:cTn>
-                        </p:par>
-                      </p:childTnLst>
-                    </p:cTn>
-                  </p:par>
-                  <p:par>
-                    <p:cTn id="14" fill="hold">
-                      <p:stCondLst>
-                        <p:cond delay="indefinite"/>
-                      </p:stCondLst>
-                      <p:childTnLst>
-                        <p:par>
-                          <p:cTn id="15" fill="hold">
-                            <p:stCondLst>
-                              <p:cond delay="0"/>
-                            </p:stCondLst>
-                            <p:childTnLst>
-                              <p:par>
-                                <p:cTn id="16" presetID="9" presetClass="entr" presetSubtype="0" fill="hold" nodeType="clickEffect">
-                                  <p:stCondLst>
-                                    <p:cond delay="0"/>
-                                  </p:stCondLst>
-                                  <p:childTnLst>
-                                    <p:set>
-                                      <p:cBhvr>
-                                        <p:cTn id="17" dur="1" fill="hold">
-                                          <p:stCondLst>
-                                            <p:cond delay="0"/>
-                                          </p:stCondLst>
-                                        </p:cTn>
-                                        <p:tgtEl>
-                                          <p:spTgt spid="5"/>
-                                        </p:tgtEl>
-                                        <p:attrNameLst>
-                                          <p:attrName>style.visibility</p:attrName>
-                                        </p:attrNameLst>
-                                      </p:cBhvr>
-                                      <p:to>
-                                        <p:strVal val="visible"/>
-                                      </p:to>
-                                    </p:set>
-                                    <p:animEffect transition="in" filter="dissolve">
-                                      <p:cBhvr>
-                                        <p:cTn id="18" dur="500"/>
-                                        <p:tgtEl>
-                                          <p:spTgt spid="5"/>
-                                        </p:tgtEl>
-                                      </p:cBhvr>
-                                    </p:animEffect>
-                                  </p:childTnLst>
-                                </p:cTn>
-                              </p:par>
-                            </p:childTnLst>
-                          </p:cTn>
-                        </p:par>
-                      </p:childTnLst>
-                    </p:cTn>
-                  </p:par>
-                  <p:par>
-                    <p:cTn id="19" fill="hold">
-                      <p:stCondLst>
-                        <p:cond delay="indefinite"/>
-                      </p:stCondLst>
-                      <p:childTnLst>
-                        <p:par>
-                          <p:cTn id="20" fill="hold">
-                            <p:stCondLst>
-                              <p:cond delay="0"/>
-                            </p:stCondLst>
-                            <p:childTnLst>
-                              <p:par>
-                                <p:cTn id="21" presetID="1" presetClass="emph" presetSubtype="2" fill="hold" nodeType="clickEffect">
-                                  <p:stCondLst>
-                                    <p:cond delay="0"/>
-                                  </p:stCondLst>
-                                  <p:childTnLst>
-                                    <p:animClr clrSpc="rgb" dir="cw">
-                                      <p:cBhvr>
-                                        <p:cTn id="22" dur="2000" fill="hold"/>
-                                        <p:tgtEl>
-                                          <p:spTgt spid="12"/>
-                                        </p:tgtEl>
-                                        <p:attrNameLst>
-                                          <p:attrName>fillcolor</p:attrName>
-                                        </p:attrNameLst>
-                                      </p:cBhvr>
-                                      <p:to>
-                                        <a:schemeClr val="accent2"/>
-                                      </p:to>
-                                    </p:animClr>
-                                    <p:set>
-                                      <p:cBhvr>
-                                        <p:cTn id="23" dur="2000" fill="hold"/>
-                                        <p:tgtEl>
-                                          <p:spTgt spid="12"/>
-                                        </p:tgtEl>
-                                        <p:attrNameLst>
-                                          <p:attrName>fill.type</p:attrName>
-                                        </p:attrNameLst>
-                                      </p:cBhvr>
-                                      <p:to>
-                                        <p:strVal val="solid"/>
-                                      </p:to>
-                                    </p:set>
-                                    <p:set>
-                                      <p:cBhvr>
-                                        <p:cTn id="24" dur="2000" fill="hold"/>
-                                        <p:tgtEl>
-                                          <p:spTgt spid="12"/>
-                                        </p:tgtEl>
-                                        <p:attrNameLst>
-                                          <p:attrName>fill.on</p:attrName>
-                                        </p:attrNameLst>
-                                      </p:cBhvr>
-                                      <p:to>
-                                        <p:strVal val="true"/>
-                                      </p:to>
-                                    </p:set>
-                                  </p:childTnLst>
-                                </p:cTn>
-                              </p:par>
-                            </p:childTnLst>
-                          </p:cTn>
-                        </p:par>
-                      </p:childTnLst>
-                    </p:cTn>
-                  </p:par>
-                  <p:par>
-                    <p:cTn id="25" fill="hold">
-                      <p:stCondLst>
-                        <p:cond delay="indefinite"/>
-                      </p:stCondLst>
-                      <p:childTnLst>
-                        <p:par>
-                          <p:cTn id="26" fill="hold">
-                            <p:stCondLst>
-                              <p:cond delay="0"/>
-                            </p:stCondLst>
-                            <p:childTnLst>
-                              <p:par>
-                                <p:cTn id="27" presetID="9" presetClass="entr" presetSubtype="0" fill="hold" nodeType="clickEffect">
-                                  <p:stCondLst>
-                                    <p:cond delay="0"/>
-                                  </p:stCondLst>
-                                  <p:childTnLst>
-                                    <p:set>
-                                      <p:cBhvr>
-                                        <p:cTn id="28" dur="1" fill="hold">
-                                          <p:stCondLst>
-                                            <p:cond delay="0"/>
-                                          </p:stCondLst>
-                                        </p:cTn>
-                                        <p:tgtEl>
-                                          <p:spTgt spid="7"/>
-                                        </p:tgtEl>
-                                        <p:attrNameLst>
-                                          <p:attrName>style.visibility</p:attrName>
-                                        </p:attrNameLst>
-                                      </p:cBhvr>
-                                      <p:to>
-                                        <p:strVal val="visible"/>
-                                      </p:to>
-                                    </p:set>
-                                    <p:animEffect transition="in" filter="dissolve">
-                                      <p:cBhvr>
-                                        <p:cTn id="29" dur="500"/>
-                                        <p:tgtEl>
-                                          <p:spTgt spid="7"/>
-                                        </p:tgtEl>
-                                      </p:cBhvr>
-                                    </p:animEffect>
-                                  </p:childTnLst>
-                                </p:cTn>
-                              </p:par>
-                            </p:childTnLst>
-                          </p:cTn>
-                        </p:par>
-                      </p:childTnLst>
-                    </p:cTn>
-                  </p:par>
-                  <p:par>
-                    <p:cTn id="30" fill="hold">
-                      <p:stCondLst>
-                        <p:cond delay="indefinite"/>
-                      </p:stCondLst>
-                      <p:childTnLst>
-                        <p:par>
-                          <p:cTn id="31" fill="hold">
-                            <p:stCondLst>
-                              <p:cond delay="0"/>
-                            </p:stCondLst>
-                            <p:childTnLst>
-                              <p:par>
-                                <p:cTn id="32" presetID="9" presetClass="entr" presetSubtype="0" fill="hold" nodeType="clickEffect">
-                                  <p:stCondLst>
-                                    <p:cond delay="0"/>
-                                  </p:stCondLst>
-                                  <p:childTnLst>
-                                    <p:set>
-                                      <p:cBhvr>
-                                        <p:cTn id="33" dur="1" fill="hold">
-                                          <p:stCondLst>
-                                            <p:cond delay="0"/>
-                                          </p:stCondLst>
-                                        </p:cTn>
-                                        <p:tgtEl>
-                                          <p:spTgt spid="8"/>
-                                        </p:tgtEl>
-                                        <p:attrNameLst>
-                                          <p:attrName>style.visibility</p:attrName>
-                                        </p:attrNameLst>
-                                      </p:cBhvr>
-                                      <p:to>
-                                        <p:strVal val="visible"/>
-                                      </p:to>
-                                    </p:set>
-                                    <p:animEffect transition="in" filter="dissolve">
-                                      <p:cBhvr>
-                                        <p:cTn id="34" dur="500"/>
-                                        <p:tgtEl>
-                                          <p:spTgt spid="8"/>
-                                        </p:tgtEl>
-                                      </p:cBhvr>
-                                    </p:animEffect>
-                                  </p:childTnLst>
-                                </p:cTn>
-                              </p:par>
-                            </p:childTnLst>
-                          </p:cTn>
-                        </p:par>
-                      </p:childTnLst>
-                    </p:cTn>
-                  </p:par>
-                  <p:par>
-                    <p:cTn id="35" fill="hold">
-                      <p:stCondLst>
-                        <p:cond delay="indefinite"/>
-                      </p:stCondLst>
-                      <p:childTnLst>
-                        <p:par>
-                          <p:cTn id="36" fill="hold">
-                            <p:stCondLst>
-                              <p:cond delay="0"/>
-                            </p:stCondLst>
-                            <p:childTnLst>
-                              <p:par>
-                                <p:cTn id="37" presetID="1" presetClass="emph" presetSubtype="2" fill="hold" nodeType="clickEffect">
-                                  <p:stCondLst>
-                                    <p:cond delay="0"/>
-                                  </p:stCondLst>
-                                  <p:childTnLst>
-                                    <p:animClr clrSpc="rgb" dir="cw">
-                                      <p:cBhvr>
-                                        <p:cTn id="38" dur="2000" fill="hold"/>
-                                        <p:tgtEl>
-                                          <p:spTgt spid="11"/>
-                                        </p:tgtEl>
-                                        <p:attrNameLst>
-                                          <p:attrName>fillcolor</p:attrName>
-                                        </p:attrNameLst>
-                                      </p:cBhvr>
-                                      <p:to>
-                                        <a:schemeClr val="accent2"/>
-                                      </p:to>
-                                    </p:animClr>
-                                    <p:set>
-                                      <p:cBhvr>
-                                        <p:cTn id="39" dur="2000" fill="hold"/>
-                                        <p:tgtEl>
-                                          <p:spTgt spid="11"/>
-                                        </p:tgtEl>
-                                        <p:attrNameLst>
-                                          <p:attrName>fill.type</p:attrName>
-                                        </p:attrNameLst>
-                                      </p:cBhvr>
-                                      <p:to>
-                                        <p:strVal val="solid"/>
-                                      </p:to>
-                                    </p:set>
-                                    <p:set>
-                                      <p:cBhvr>
-                                        <p:cTn id="40" dur="2000" fill="hold"/>
-                                        <p:tgtEl>
-                                          <p:spTgt spid="11"/>
-                                        </p:tgtEl>
-                                        <p:attrNameLst>
-                                          <p:attrName>fill.on</p:attrName>
-                                        </p:attrNameLst>
-                                      </p:cBhvr>
-                                      <p:to>
-                                        <p:strVal val="true"/>
-                                      </p:to>
-                                    </p:set>
-                                  </p:childTnLst>
-                                </p:cTn>
-                              </p:par>
-                            </p:childTnLst>
-                          </p:cTn>
-                        </p:par>
-                      </p:childTnLst>
-                    </p:cTn>
-                  </p:par>
-                </p:childTnLst>
-              </p:cTn>
-              <p:prevCondLst>
-                <p:cond evt="onPrev" delay="0">
-                  <p:tgtEl>
-                    <p:sldTgt/>
-                  </p:tgtEl>
-                </p:cond>
-              </p:prevCondLst>
-              <p:nextCondLst>
-                <p:cond evt="onNext" delay="0">
-                  <p:tgtEl>
-                    <p:sldTgt/>
-                  </p:tgtEl>
-                </p:cond>
-              </p:nextCondLst>
-            </p:seq>
-          </p:childTnLst>
-        </p:cTn>
-      </p:par>
-    </p:tnLst>
-  </p:timing>
-</p:sld>
-</file>
-
-<file path=ppt/slides/slide54.xml><?xml version="1.0" encoding="utf-8"?>
-<p:sld xmlns:a="http://schemas.openxmlformats.org/drawingml/2006/main" xmlns:r="http://schemas.openxmlformats.org/officeDocument/2006/relationships" xmlns:p="http://schemas.openxmlformats.org/presentationml/2006/main">
-  <p:cSld>
-    <p:spTree>
-      <p:nvGrpSpPr>
-        <p:cNvPr id="1" name=""/>
-        <p:cNvGrpSpPr/>
-        <p:nvPr/>
-      </p:nvGrpSpPr>
-      <p:grpSpPr>
-        <a:xfrm>
-          <a:off x="0" y="0"/>
-          <a:ext cx="0" cy="0"/>
-          <a:chOff x="0" y="0"/>
-          <a:chExt cx="0" cy="0"/>
-        </a:xfrm>
-      </p:grpSpPr>
-      <p:sp>
-        <p:nvSpPr>
-          <p:cNvPr id="2" name="Title 1"/>
-          <p:cNvSpPr>
-            <a:spLocks noGrp="1"/>
-          </p:cNvSpPr>
-          <p:nvPr>
-            <p:ph type="title"/>
-          </p:nvPr>
-        </p:nvSpPr>
-        <p:spPr/>
-        <p:txBody>
-          <a:bodyPr/>
-          <a:lstStyle/>
-          <a:p>
-            <a:r>
-              <a:rPr lang="en-US" dirty="0" smtClean="0"/>
-              <a:t>Operational model</a:t>
-            </a:r>
-            <a:endParaRPr lang="en-US" dirty="0"/>
-          </a:p>
-        </p:txBody>
-      </p:sp>
-      <p:pic>
-        <p:nvPicPr>
-          <p:cNvPr id="4" name="Picture 3" descr="op_model.pdf"/>
-          <p:cNvPicPr>
-            <a:picLocks noChangeAspect="1"/>
-          </p:cNvPicPr>
-          <p:nvPr/>
-        </p:nvPicPr>
-        <p:blipFill>
-          <a:blip r:embed="rId3">
-            <a:extLst>
-              <a:ext uri="{28A0092B-C50C-407E-A947-70E740481C1C}">
-                <a14:useLocalDpi xmlns:a14="http://schemas.microsoft.com/office/drawing/2010/main" val="0"/>
-              </a:ext>
-            </a:extLst>
-          </a:blip>
-          <a:stretch>
-            <a:fillRect/>
-          </a:stretch>
-        </p:blipFill>
-        <p:spPr>
-          <a:xfrm rot="16200000">
-            <a:off x="1634941" y="-297387"/>
-            <a:ext cx="5832869" cy="7548418"/>
-          </a:xfrm>
-          <a:prstGeom prst="rect">
-            <a:avLst/>
-          </a:prstGeom>
-        </p:spPr>
-      </p:pic>
-    </p:spTree>
-    <p:extLst>
-      <p:ext uri="{BB962C8B-B14F-4D97-AF65-F5344CB8AC3E}">
-        <p14:creationId xmlns:p14="http://schemas.microsoft.com/office/powerpoint/2010/main" val="3180189005"/>
-      </p:ext>
-    </p:extLst>
-  </p:cSld>
-  <p:clrMapOvr>
-    <a:masterClrMapping/>
-  </p:clrMapOvr>
-  <p:timing>
-    <p:tnLst>
-      <p:par>
-        <p:cTn xmlns:p14="http://schemas.microsoft.com/office/powerpoint/2010/main" id="1" dur="indefinite" restart="never" nodeType="tmRoot"/>
-      </p:par>
-    </p:tnLst>
-  </p:timing>
-</p:sld>
-</file>
-
-<file path=ppt/slides/slide55.xml><?xml version="1.0" encoding="utf-8"?>
-<p:sld xmlns:a="http://schemas.openxmlformats.org/drawingml/2006/main" xmlns:r="http://schemas.openxmlformats.org/officeDocument/2006/relationships" xmlns:p="http://schemas.openxmlformats.org/presentationml/2006/main">
-  <p:cSld>
-    <p:spTree>
-      <p:nvGrpSpPr>
-        <p:cNvPr id="1" name=""/>
-        <p:cNvGrpSpPr/>
-        <p:nvPr/>
-      </p:nvGrpSpPr>
-      <p:grpSpPr>
-        <a:xfrm>
-          <a:off x="0" y="0"/>
-          <a:ext cx="0" cy="0"/>
-          <a:chOff x="0" y="0"/>
-          <a:chExt cx="0" cy="0"/>
-        </a:xfrm>
-      </p:grpSpPr>
-      <p:sp>
-        <p:nvSpPr>
-          <p:cNvPr id="2" name="Title 1"/>
-          <p:cNvSpPr>
-            <a:spLocks noGrp="1"/>
-          </p:cNvSpPr>
-          <p:nvPr>
-            <p:ph type="title"/>
-          </p:nvPr>
-        </p:nvSpPr>
-        <p:spPr/>
-        <p:txBody>
-          <a:bodyPr/>
-          <a:lstStyle/>
-          <a:p>
-            <a:r>
-              <a:rPr lang="en-US" dirty="0"/>
-              <a:t>Asynchronous messaging</a:t>
-            </a:r>
-          </a:p>
-        </p:txBody>
-      </p:sp>
-      <p:sp>
-        <p:nvSpPr>
-          <p:cNvPr id="3" name="Content Placeholder 2"/>
-          <p:cNvSpPr>
-            <a:spLocks noGrp="1"/>
-          </p:cNvSpPr>
-          <p:nvPr>
-            <p:ph idx="1"/>
-          </p:nvPr>
-        </p:nvSpPr>
-        <p:spPr/>
-        <p:txBody>
-          <a:bodyPr/>
-          <a:lstStyle/>
-          <a:p>
-            <a:endParaRPr lang="en-US" dirty="0" smtClean="0"/>
-          </a:p>
-          <a:p>
-            <a:pPr marL="0" indent="0">
-              <a:buNone/>
-            </a:pPr>
-            <a:endParaRPr lang="en-US" dirty="0"/>
-          </a:p>
-          <a:p>
-            <a:pPr marL="0" indent="0">
-              <a:buNone/>
-            </a:pPr>
-            <a:r>
-              <a:rPr lang="en-US" dirty="0" smtClean="0"/>
-              <a:t>You never really know</a:t>
-            </a:r>
-            <a:endParaRPr lang="en-US" dirty="0"/>
-          </a:p>
-        </p:txBody>
-      </p:sp>
-    </p:spTree>
-    <p:extLst>
-      <p:ext uri="{BB962C8B-B14F-4D97-AF65-F5344CB8AC3E}">
-        <p14:creationId xmlns:p14="http://schemas.microsoft.com/office/powerpoint/2010/main" val="715055910"/>
-      </p:ext>
-    </p:extLst>
-  </p:cSld>
-  <p:clrMapOvr>
-    <a:masterClrMapping/>
-  </p:clrMapOvr>
-  <p:timing>
-    <p:tnLst>
-      <p:par>
-        <p:cTn xmlns:p14="http://schemas.microsoft.com/office/powerpoint/2010/main" id="1" dur="indefinite" restart="never" nodeType="tmRoot">
-          <p:childTnLst>
-            <p:seq concurrent="1" nextAc="seek">
-              <p:cTn id="2" dur="indefinite" nodeType="mainSeq">
-                <p:childTnLst>
-                  <p:par>
-                    <p:cTn id="3" fill="hold">
-                      <p:stCondLst>
-                        <p:cond delay="indefinite"/>
-                      </p:stCondLst>
-                      <p:childTnLst>
-                        <p:par>
-                          <p:cTn id="4" fill="hold">
-                            <p:stCondLst>
-                              <p:cond delay="0"/>
-                            </p:stCondLst>
-                            <p:childTnLst>
-                              <p:par>
-                                <p:cTn id="5" presetID="9" presetClass="entr" presetSubtype="0" fill="hold" nodeType="clickEffect">
-                                  <p:stCondLst>
-                                    <p:cond delay="0"/>
-                                  </p:stCondLst>
-                                  <p:childTnLst>
-                                    <p:set>
-                                      <p:cBhvr>
-                                        <p:cTn id="6" dur="1" fill="hold">
-                                          <p:stCondLst>
-                                            <p:cond delay="0"/>
-                                          </p:stCondLst>
-                                        </p:cTn>
-                                        <p:tgtEl>
                                           <p:spTgt spid="3">
                                             <p:txEl>
                                               <p:pRg st="2" end="2"/>
@@ -17250,1108 +16689,7 @@
 </p:sld>
 </file>
 
-<file path=ppt/slides/slide56.xml><?xml version="1.0" encoding="utf-8"?>
-<p:sld xmlns:a="http://schemas.openxmlformats.org/drawingml/2006/main" xmlns:r="http://schemas.openxmlformats.org/officeDocument/2006/relationships" xmlns:p="http://schemas.openxmlformats.org/presentationml/2006/main">
-  <p:cSld>
-    <p:spTree>
-      <p:nvGrpSpPr>
-        <p:cNvPr id="1" name=""/>
-        <p:cNvGrpSpPr/>
-        <p:nvPr/>
-      </p:nvGrpSpPr>
-      <p:grpSpPr>
-        <a:xfrm>
-          <a:off x="0" y="0"/>
-          <a:ext cx="0" cy="0"/>
-          <a:chOff x="0" y="0"/>
-          <a:chExt cx="0" cy="0"/>
-        </a:xfrm>
-      </p:grpSpPr>
-      <p:sp>
-        <p:nvSpPr>
-          <p:cNvPr id="2" name="Title 1"/>
-          <p:cNvSpPr>
-            <a:spLocks noGrp="1"/>
-          </p:cNvSpPr>
-          <p:nvPr>
-            <p:ph type="title"/>
-          </p:nvPr>
-        </p:nvSpPr>
-        <p:spPr/>
-        <p:txBody>
-          <a:bodyPr/>
-          <a:lstStyle/>
-          <a:p>
-            <a:r>
-              <a:rPr lang="en-US" dirty="0" smtClean="0"/>
-              <a:t>Asynchronous messaging</a:t>
-            </a:r>
-            <a:endParaRPr lang="en-US" dirty="0"/>
-          </a:p>
-        </p:txBody>
-      </p:sp>
-      <p:sp>
-        <p:nvSpPr>
-          <p:cNvPr id="4" name="Oval 3"/>
-          <p:cNvSpPr/>
-          <p:nvPr/>
-        </p:nvSpPr>
-        <p:spPr>
-          <a:xfrm>
-            <a:off x="865692" y="2570316"/>
-            <a:ext cx="2983610" cy="2922204"/>
-          </a:xfrm>
-          <a:prstGeom prst="ellipse">
-            <a:avLst/>
-          </a:prstGeom>
-          <a:noFill/>
-        </p:spPr>
-        <p:style>
-          <a:lnRef idx="1">
-            <a:schemeClr val="accent1"/>
-          </a:lnRef>
-          <a:fillRef idx="3">
-            <a:schemeClr val="accent1"/>
-          </a:fillRef>
-          <a:effectRef idx="2">
-            <a:schemeClr val="accent1"/>
-          </a:effectRef>
-          <a:fontRef idx="minor">
-            <a:schemeClr val="lt1"/>
-          </a:fontRef>
-        </p:style>
-        <p:txBody>
-          <a:bodyPr rtlCol="0" anchor="ctr"/>
-          <a:lstStyle/>
-          <a:p>
-            <a:pPr algn="ctr"/>
-            <a:endParaRPr lang="en-US" dirty="0"/>
-          </a:p>
-        </p:txBody>
-      </p:sp>
-      <p:sp>
-        <p:nvSpPr>
-          <p:cNvPr id="5" name="TextBox 4"/>
-          <p:cNvSpPr txBox="1"/>
-          <p:nvPr/>
-        </p:nvSpPr>
-        <p:spPr>
-          <a:xfrm>
-            <a:off x="1836068" y="3166996"/>
-            <a:ext cx="364202" cy="461665"/>
-          </a:xfrm>
-          <a:prstGeom prst="rect">
-            <a:avLst/>
-          </a:prstGeom>
-          <a:noFill/>
-        </p:spPr>
-        <p:txBody>
-          <a:bodyPr wrap="none" rtlCol="0">
-            <a:spAutoFit/>
-          </a:bodyPr>
-          <a:lstStyle/>
-          <a:p>
-            <a:r>
-              <a:rPr lang="en-US" sz="2400" dirty="0" smtClean="0"/>
-              <a:t>A</a:t>
-            </a:r>
-            <a:endParaRPr lang="en-US" sz="2400" dirty="0"/>
-          </a:p>
-        </p:txBody>
-      </p:sp>
-      <p:sp>
-        <p:nvSpPr>
-          <p:cNvPr id="6" name="TextBox 5"/>
-          <p:cNvSpPr txBox="1"/>
-          <p:nvPr/>
-        </p:nvSpPr>
-        <p:spPr>
-          <a:xfrm>
-            <a:off x="2618317" y="3166996"/>
-            <a:ext cx="352080" cy="461665"/>
-          </a:xfrm>
-          <a:prstGeom prst="rect">
-            <a:avLst/>
-          </a:prstGeom>
-          <a:noFill/>
-        </p:spPr>
-        <p:txBody>
-          <a:bodyPr wrap="none" rtlCol="0">
-            <a:spAutoFit/>
-          </a:bodyPr>
-          <a:lstStyle/>
-          <a:p>
-            <a:r>
-              <a:rPr lang="en-US" sz="2400" dirty="0" smtClean="0"/>
-              <a:t>B</a:t>
-            </a:r>
-            <a:endParaRPr lang="en-US" sz="2400" dirty="0"/>
-          </a:p>
-        </p:txBody>
-      </p:sp>
-      <p:sp>
-        <p:nvSpPr>
-          <p:cNvPr id="7" name="TextBox 6"/>
-          <p:cNvSpPr txBox="1"/>
-          <p:nvPr/>
-        </p:nvSpPr>
-        <p:spPr>
-          <a:xfrm>
-            <a:off x="1836067" y="3883810"/>
-            <a:ext cx="348773" cy="461665"/>
-          </a:xfrm>
-          <a:prstGeom prst="rect">
-            <a:avLst/>
-          </a:prstGeom>
-          <a:noFill/>
-        </p:spPr>
-        <p:txBody>
-          <a:bodyPr wrap="none" rtlCol="0">
-            <a:spAutoFit/>
-          </a:bodyPr>
-          <a:lstStyle/>
-          <a:p>
-            <a:r>
-              <a:rPr lang="en-US" sz="2400" dirty="0" smtClean="0"/>
-              <a:t>C</a:t>
-            </a:r>
-            <a:endParaRPr lang="en-US" sz="2400" dirty="0"/>
-          </a:p>
-        </p:txBody>
-      </p:sp>
-      <p:sp>
-        <p:nvSpPr>
-          <p:cNvPr id="10" name="Oval 9"/>
-          <p:cNvSpPr/>
-          <p:nvPr/>
-        </p:nvSpPr>
-        <p:spPr>
-          <a:xfrm>
-            <a:off x="5547059" y="2570316"/>
-            <a:ext cx="2983610" cy="2922204"/>
-          </a:xfrm>
-          <a:prstGeom prst="ellipse">
-            <a:avLst/>
-          </a:prstGeom>
-          <a:noFill/>
-        </p:spPr>
-        <p:style>
-          <a:lnRef idx="1">
-            <a:schemeClr val="accent1"/>
-          </a:lnRef>
-          <a:fillRef idx="3">
-            <a:schemeClr val="accent1"/>
-          </a:fillRef>
-          <a:effectRef idx="2">
-            <a:schemeClr val="accent1"/>
-          </a:effectRef>
-          <a:fontRef idx="minor">
-            <a:schemeClr val="lt1"/>
-          </a:fontRef>
-        </p:style>
-        <p:txBody>
-          <a:bodyPr rtlCol="0" anchor="ctr"/>
-          <a:lstStyle/>
-          <a:p>
-            <a:pPr algn="ctr"/>
-            <a:endParaRPr lang="en-US" dirty="0"/>
-          </a:p>
-        </p:txBody>
-      </p:sp>
-      <p:cxnSp>
-        <p:nvCxnSpPr>
-          <p:cNvPr id="14" name="Straight Arrow Connector 13"/>
-          <p:cNvCxnSpPr/>
-          <p:nvPr/>
-        </p:nvCxnSpPr>
-        <p:spPr>
-          <a:xfrm>
-            <a:off x="4033968" y="4218018"/>
-            <a:ext cx="1367131" cy="0"/>
-          </a:xfrm>
-          <a:prstGeom prst="straightConnector1">
-            <a:avLst/>
-          </a:prstGeom>
-          <a:ln>
-            <a:prstDash val="dash"/>
-            <a:tailEnd type="arrow"/>
-          </a:ln>
-        </p:spPr>
-        <p:style>
-          <a:lnRef idx="2">
-            <a:schemeClr val="accent1"/>
-          </a:lnRef>
-          <a:fillRef idx="0">
-            <a:schemeClr val="accent1"/>
-          </a:fillRef>
-          <a:effectRef idx="1">
-            <a:schemeClr val="accent1"/>
-          </a:effectRef>
-          <a:fontRef idx="minor">
-            <a:schemeClr val="tx1"/>
-          </a:fontRef>
-        </p:style>
-      </p:cxnSp>
-      <p:sp>
-        <p:nvSpPr>
-          <p:cNvPr id="15" name="TextBox 14"/>
-          <p:cNvSpPr txBox="1"/>
-          <p:nvPr/>
-        </p:nvSpPr>
-        <p:spPr>
-          <a:xfrm>
-            <a:off x="4346518" y="3802519"/>
-            <a:ext cx="781584" cy="461665"/>
-          </a:xfrm>
-          <a:prstGeom prst="rect">
-            <a:avLst/>
-          </a:prstGeom>
-          <a:noFill/>
-        </p:spPr>
-        <p:txBody>
-          <a:bodyPr wrap="none" rtlCol="0">
-            <a:spAutoFit/>
-          </a:bodyPr>
-          <a:lstStyle/>
-          <a:p>
-            <a:r>
-              <a:rPr lang="en-US" sz="2400" dirty="0" smtClean="0"/>
-              <a:t>send</a:t>
-            </a:r>
-            <a:endParaRPr lang="en-US" sz="2400" dirty="0"/>
-          </a:p>
-        </p:txBody>
-      </p:sp>
-      <p:sp>
-        <p:nvSpPr>
-          <p:cNvPr id="16" name="TextBox 15"/>
-          <p:cNvSpPr txBox="1"/>
-          <p:nvPr/>
-        </p:nvSpPr>
-        <p:spPr>
-          <a:xfrm>
-            <a:off x="6502135" y="3422145"/>
-            <a:ext cx="364202" cy="461665"/>
-          </a:xfrm>
-          <a:prstGeom prst="rect">
-            <a:avLst/>
-          </a:prstGeom>
-          <a:noFill/>
-        </p:spPr>
-        <p:txBody>
-          <a:bodyPr wrap="none" rtlCol="0">
-            <a:spAutoFit/>
-          </a:bodyPr>
-          <a:lstStyle/>
-          <a:p>
-            <a:r>
-              <a:rPr lang="en-US" sz="2400" dirty="0" smtClean="0"/>
-              <a:t>A</a:t>
-            </a:r>
-            <a:endParaRPr lang="en-US" sz="2400" dirty="0"/>
-          </a:p>
-        </p:txBody>
-      </p:sp>
-      <p:sp>
-        <p:nvSpPr>
-          <p:cNvPr id="17" name="TextBox 16"/>
-          <p:cNvSpPr txBox="1"/>
-          <p:nvPr/>
-        </p:nvSpPr>
-        <p:spPr>
-          <a:xfrm>
-            <a:off x="7284384" y="3422145"/>
-            <a:ext cx="352080" cy="461665"/>
-          </a:xfrm>
-          <a:prstGeom prst="rect">
-            <a:avLst/>
-          </a:prstGeom>
-          <a:noFill/>
-        </p:spPr>
-        <p:txBody>
-          <a:bodyPr wrap="none" rtlCol="0">
-            <a:spAutoFit/>
-          </a:bodyPr>
-          <a:lstStyle/>
-          <a:p>
-            <a:r>
-              <a:rPr lang="en-US" sz="2400" dirty="0" smtClean="0"/>
-              <a:t>B</a:t>
-            </a:r>
-            <a:endParaRPr lang="en-US" sz="2400" dirty="0"/>
-          </a:p>
-        </p:txBody>
-      </p:sp>
-      <p:sp>
-        <p:nvSpPr>
-          <p:cNvPr id="18" name="TextBox 17"/>
-          <p:cNvSpPr txBox="1"/>
-          <p:nvPr/>
-        </p:nvSpPr>
-        <p:spPr>
-          <a:xfrm>
-            <a:off x="6502134" y="4138959"/>
-            <a:ext cx="348773" cy="461665"/>
-          </a:xfrm>
-          <a:prstGeom prst="rect">
-            <a:avLst/>
-          </a:prstGeom>
-          <a:noFill/>
-        </p:spPr>
-        <p:txBody>
-          <a:bodyPr wrap="none" rtlCol="0">
-            <a:spAutoFit/>
-          </a:bodyPr>
-          <a:lstStyle/>
-          <a:p>
-            <a:r>
-              <a:rPr lang="en-US" sz="2400" dirty="0" smtClean="0"/>
-              <a:t>C</a:t>
-            </a:r>
-            <a:endParaRPr lang="en-US" sz="2400" dirty="0"/>
-          </a:p>
-        </p:txBody>
-      </p:sp>
-    </p:spTree>
-    <p:extLst>
-      <p:ext uri="{BB962C8B-B14F-4D97-AF65-F5344CB8AC3E}">
-        <p14:creationId xmlns:p14="http://schemas.microsoft.com/office/powerpoint/2010/main" val="2476261534"/>
-      </p:ext>
-    </p:extLst>
-  </p:cSld>
-  <p:clrMapOvr>
-    <a:masterClrMapping/>
-  </p:clrMapOvr>
-  <p:timing>
-    <p:tnLst>
-      <p:par>
-        <p:cTn xmlns:p14="http://schemas.microsoft.com/office/powerpoint/2010/main" id="1" dur="indefinite" restart="never" nodeType="tmRoot">
-          <p:childTnLst>
-            <p:seq concurrent="1" nextAc="seek">
-              <p:cTn id="2" dur="indefinite" nodeType="mainSeq">
-                <p:childTnLst>
-                  <p:par>
-                    <p:cTn id="3" fill="hold">
-                      <p:stCondLst>
-                        <p:cond delay="indefinite"/>
-                      </p:stCondLst>
-                      <p:childTnLst>
-                        <p:par>
-                          <p:cTn id="4" fill="hold">
-                            <p:stCondLst>
-                              <p:cond delay="0"/>
-                            </p:stCondLst>
-                            <p:childTnLst>
-                              <p:par>
-                                <p:cTn id="5" presetID="12" presetClass="entr" presetSubtype="4" fill="hold" grpId="0" nodeType="clickEffect">
-                                  <p:stCondLst>
-                                    <p:cond delay="0"/>
-                                  </p:stCondLst>
-                                  <p:childTnLst>
-                                    <p:set>
-                                      <p:cBhvr>
-                                        <p:cTn id="6" dur="1" fill="hold">
-                                          <p:stCondLst>
-                                            <p:cond delay="0"/>
-                                          </p:stCondLst>
-                                        </p:cTn>
-                                        <p:tgtEl>
-                                          <p:spTgt spid="5"/>
-                                        </p:tgtEl>
-                                        <p:attrNameLst>
-                                          <p:attrName>style.visibility</p:attrName>
-                                        </p:attrNameLst>
-                                      </p:cBhvr>
-                                      <p:to>
-                                        <p:strVal val="visible"/>
-                                      </p:to>
-                                    </p:set>
-                                    <p:anim calcmode="lin" valueType="num">
-                                      <p:cBhvr additive="base">
-                                        <p:cTn id="7" dur="500"/>
-                                        <p:tgtEl>
-                                          <p:spTgt spid="5"/>
-                                        </p:tgtEl>
-                                        <p:attrNameLst>
-                                          <p:attrName>ppt_y</p:attrName>
-                                        </p:attrNameLst>
-                                      </p:cBhvr>
-                                      <p:tavLst>
-                                        <p:tav tm="0">
-                                          <p:val>
-                                            <p:strVal val="#ppt_y+#ppt_h*1.125000"/>
-                                          </p:val>
-                                        </p:tav>
-                                        <p:tav tm="100000">
-                                          <p:val>
-                                            <p:strVal val="#ppt_y"/>
-                                          </p:val>
-                                        </p:tav>
-                                      </p:tavLst>
-                                    </p:anim>
-                                    <p:animEffect transition="in" filter="wipe(up)">
-                                      <p:cBhvr>
-                                        <p:cTn id="8" dur="500"/>
-                                        <p:tgtEl>
-                                          <p:spTgt spid="5"/>
-                                        </p:tgtEl>
-                                      </p:cBhvr>
-                                    </p:animEffect>
-                                  </p:childTnLst>
-                                </p:cTn>
-                              </p:par>
-                            </p:childTnLst>
-                          </p:cTn>
-                        </p:par>
-                      </p:childTnLst>
-                    </p:cTn>
-                  </p:par>
-                  <p:par>
-                    <p:cTn id="9" fill="hold">
-                      <p:stCondLst>
-                        <p:cond delay="indefinite"/>
-                      </p:stCondLst>
-                      <p:childTnLst>
-                        <p:par>
-                          <p:cTn id="10" fill="hold">
-                            <p:stCondLst>
-                              <p:cond delay="0"/>
-                            </p:stCondLst>
-                            <p:childTnLst>
-                              <p:par>
-                                <p:cTn id="11" presetID="12" presetClass="entr" presetSubtype="4" fill="hold" grpId="0" nodeType="clickEffect">
-                                  <p:stCondLst>
-                                    <p:cond delay="0"/>
-                                  </p:stCondLst>
-                                  <p:childTnLst>
-                                    <p:set>
-                                      <p:cBhvr>
-                                        <p:cTn id="12" dur="1" fill="hold">
-                                          <p:stCondLst>
-                                            <p:cond delay="0"/>
-                                          </p:stCondLst>
-                                        </p:cTn>
-                                        <p:tgtEl>
-                                          <p:spTgt spid="6"/>
-                                        </p:tgtEl>
-                                        <p:attrNameLst>
-                                          <p:attrName>style.visibility</p:attrName>
-                                        </p:attrNameLst>
-                                      </p:cBhvr>
-                                      <p:to>
-                                        <p:strVal val="visible"/>
-                                      </p:to>
-                                    </p:set>
-                                    <p:anim calcmode="lin" valueType="num">
-                                      <p:cBhvr additive="base">
-                                        <p:cTn id="13" dur="500"/>
-                                        <p:tgtEl>
-                                          <p:spTgt spid="6"/>
-                                        </p:tgtEl>
-                                        <p:attrNameLst>
-                                          <p:attrName>ppt_y</p:attrName>
-                                        </p:attrNameLst>
-                                      </p:cBhvr>
-                                      <p:tavLst>
-                                        <p:tav tm="0">
-                                          <p:val>
-                                            <p:strVal val="#ppt_y+#ppt_h*1.125000"/>
-                                          </p:val>
-                                        </p:tav>
-                                        <p:tav tm="100000">
-                                          <p:val>
-                                            <p:strVal val="#ppt_y"/>
-                                          </p:val>
-                                        </p:tav>
-                                      </p:tavLst>
-                                    </p:anim>
-                                    <p:animEffect transition="in" filter="wipe(up)">
-                                      <p:cBhvr>
-                                        <p:cTn id="14" dur="500"/>
-                                        <p:tgtEl>
-                                          <p:spTgt spid="6"/>
-                                        </p:tgtEl>
-                                      </p:cBhvr>
-                                    </p:animEffect>
-                                  </p:childTnLst>
-                                </p:cTn>
-                              </p:par>
-                            </p:childTnLst>
-                          </p:cTn>
-                        </p:par>
-                      </p:childTnLst>
-                    </p:cTn>
-                  </p:par>
-                  <p:par>
-                    <p:cTn id="15" fill="hold">
-                      <p:stCondLst>
-                        <p:cond delay="indefinite"/>
-                      </p:stCondLst>
-                      <p:childTnLst>
-                        <p:par>
-                          <p:cTn id="16" fill="hold">
-                            <p:stCondLst>
-                              <p:cond delay="0"/>
-                            </p:stCondLst>
-                            <p:childTnLst>
-                              <p:par>
-                                <p:cTn id="17" presetID="12" presetClass="entr" presetSubtype="4" fill="hold" grpId="0" nodeType="clickEffect">
-                                  <p:stCondLst>
-                                    <p:cond delay="0"/>
-                                  </p:stCondLst>
-                                  <p:childTnLst>
-                                    <p:set>
-                                      <p:cBhvr>
-                                        <p:cTn id="18" dur="1" fill="hold">
-                                          <p:stCondLst>
-                                            <p:cond delay="0"/>
-                                          </p:stCondLst>
-                                        </p:cTn>
-                                        <p:tgtEl>
-                                          <p:spTgt spid="7"/>
-                                        </p:tgtEl>
-                                        <p:attrNameLst>
-                                          <p:attrName>style.visibility</p:attrName>
-                                        </p:attrNameLst>
-                                      </p:cBhvr>
-                                      <p:to>
-                                        <p:strVal val="visible"/>
-                                      </p:to>
-                                    </p:set>
-                                    <p:anim calcmode="lin" valueType="num">
-                                      <p:cBhvr additive="base">
-                                        <p:cTn id="19" dur="500"/>
-                                        <p:tgtEl>
-                                          <p:spTgt spid="7"/>
-                                        </p:tgtEl>
-                                        <p:attrNameLst>
-                                          <p:attrName>ppt_y</p:attrName>
-                                        </p:attrNameLst>
-                                      </p:cBhvr>
-                                      <p:tavLst>
-                                        <p:tav tm="0">
-                                          <p:val>
-                                            <p:strVal val="#ppt_y+#ppt_h*1.125000"/>
-                                          </p:val>
-                                        </p:tav>
-                                        <p:tav tm="100000">
-                                          <p:val>
-                                            <p:strVal val="#ppt_y"/>
-                                          </p:val>
-                                        </p:tav>
-                                      </p:tavLst>
-                                    </p:anim>
-                                    <p:animEffect transition="in" filter="wipe(up)">
-                                      <p:cBhvr>
-                                        <p:cTn id="20" dur="500"/>
-                                        <p:tgtEl>
-                                          <p:spTgt spid="7"/>
-                                        </p:tgtEl>
-                                      </p:cBhvr>
-                                    </p:animEffect>
-                                  </p:childTnLst>
-                                </p:cTn>
-                              </p:par>
-                            </p:childTnLst>
-                          </p:cTn>
-                        </p:par>
-                      </p:childTnLst>
-                    </p:cTn>
-                  </p:par>
-                  <p:par>
-                    <p:cTn id="21" fill="hold">
-                      <p:stCondLst>
-                        <p:cond delay="indefinite"/>
-                      </p:stCondLst>
-                      <p:childTnLst>
-                        <p:par>
-                          <p:cTn id="22" fill="hold">
-                            <p:stCondLst>
-                              <p:cond delay="0"/>
-                            </p:stCondLst>
-                            <p:childTnLst>
-                              <p:par>
-                                <p:cTn id="23" presetID="2" presetClass="entr" presetSubtype="4" fill="hold" grpId="0" nodeType="clickEffect">
-                                  <p:stCondLst>
-                                    <p:cond delay="0"/>
-                                  </p:stCondLst>
-                                  <p:childTnLst>
-                                    <p:set>
-                                      <p:cBhvr>
-                                        <p:cTn id="24" dur="1" fill="hold">
-                                          <p:stCondLst>
-                                            <p:cond delay="0"/>
-                                          </p:stCondLst>
-                                        </p:cTn>
-                                        <p:tgtEl>
-                                          <p:spTgt spid="17"/>
-                                        </p:tgtEl>
-                                        <p:attrNameLst>
-                                          <p:attrName>style.visibility</p:attrName>
-                                        </p:attrNameLst>
-                                      </p:cBhvr>
-                                      <p:to>
-                                        <p:strVal val="visible"/>
-                                      </p:to>
-                                    </p:set>
-                                    <p:anim calcmode="lin" valueType="num">
-                                      <p:cBhvr additive="base">
-                                        <p:cTn id="25" dur="500" fill="hold"/>
-                                        <p:tgtEl>
-                                          <p:spTgt spid="17"/>
-                                        </p:tgtEl>
-                                        <p:attrNameLst>
-                                          <p:attrName>ppt_x</p:attrName>
-                                        </p:attrNameLst>
-                                      </p:cBhvr>
-                                      <p:tavLst>
-                                        <p:tav tm="0">
-                                          <p:val>
-                                            <p:strVal val="#ppt_x"/>
-                                          </p:val>
-                                        </p:tav>
-                                        <p:tav tm="100000">
-                                          <p:val>
-                                            <p:strVal val="#ppt_x"/>
-                                          </p:val>
-                                        </p:tav>
-                                      </p:tavLst>
-                                    </p:anim>
-                                    <p:anim calcmode="lin" valueType="num">
-                                      <p:cBhvr additive="base">
-                                        <p:cTn id="26" dur="500" fill="hold"/>
-                                        <p:tgtEl>
-                                          <p:spTgt spid="17"/>
-                                        </p:tgtEl>
-                                        <p:attrNameLst>
-                                          <p:attrName>ppt_y</p:attrName>
-                                        </p:attrNameLst>
-                                      </p:cBhvr>
-                                      <p:tavLst>
-                                        <p:tav tm="0">
-                                          <p:val>
-                                            <p:strVal val="1+#ppt_h/2"/>
-                                          </p:val>
-                                        </p:tav>
-                                        <p:tav tm="100000">
-                                          <p:val>
-                                            <p:strVal val="#ppt_y"/>
-                                          </p:val>
-                                        </p:tav>
-                                      </p:tavLst>
-                                    </p:anim>
-                                  </p:childTnLst>
-                                </p:cTn>
-                              </p:par>
-                            </p:childTnLst>
-                          </p:cTn>
-                        </p:par>
-                      </p:childTnLst>
-                    </p:cTn>
-                  </p:par>
-                  <p:par>
-                    <p:cTn id="27" fill="hold">
-                      <p:stCondLst>
-                        <p:cond delay="indefinite"/>
-                      </p:stCondLst>
-                      <p:childTnLst>
-                        <p:par>
-                          <p:cTn id="28" fill="hold">
-                            <p:stCondLst>
-                              <p:cond delay="0"/>
-                            </p:stCondLst>
-                            <p:childTnLst>
-                              <p:par>
-                                <p:cTn id="29" presetID="2" presetClass="entr" presetSubtype="4" fill="hold" grpId="0" nodeType="clickEffect">
-                                  <p:stCondLst>
-                                    <p:cond delay="0"/>
-                                  </p:stCondLst>
-                                  <p:childTnLst>
-                                    <p:set>
-                                      <p:cBhvr>
-                                        <p:cTn id="30" dur="1" fill="hold">
-                                          <p:stCondLst>
-                                            <p:cond delay="0"/>
-                                          </p:stCondLst>
-                                        </p:cTn>
-                                        <p:tgtEl>
-                                          <p:spTgt spid="18"/>
-                                        </p:tgtEl>
-                                        <p:attrNameLst>
-                                          <p:attrName>style.visibility</p:attrName>
-                                        </p:attrNameLst>
-                                      </p:cBhvr>
-                                      <p:to>
-                                        <p:strVal val="visible"/>
-                                      </p:to>
-                                    </p:set>
-                                    <p:anim calcmode="lin" valueType="num">
-                                      <p:cBhvr additive="base">
-                                        <p:cTn id="31" dur="500" fill="hold"/>
-                                        <p:tgtEl>
-                                          <p:spTgt spid="18"/>
-                                        </p:tgtEl>
-                                        <p:attrNameLst>
-                                          <p:attrName>ppt_x</p:attrName>
-                                        </p:attrNameLst>
-                                      </p:cBhvr>
-                                      <p:tavLst>
-                                        <p:tav tm="0">
-                                          <p:val>
-                                            <p:strVal val="#ppt_x"/>
-                                          </p:val>
-                                        </p:tav>
-                                        <p:tav tm="100000">
-                                          <p:val>
-                                            <p:strVal val="#ppt_x"/>
-                                          </p:val>
-                                        </p:tav>
-                                      </p:tavLst>
-                                    </p:anim>
-                                    <p:anim calcmode="lin" valueType="num">
-                                      <p:cBhvr additive="base">
-                                        <p:cTn id="32" dur="500" fill="hold"/>
-                                        <p:tgtEl>
-                                          <p:spTgt spid="18"/>
-                                        </p:tgtEl>
-                                        <p:attrNameLst>
-                                          <p:attrName>ppt_y</p:attrName>
-                                        </p:attrNameLst>
-                                      </p:cBhvr>
-                                      <p:tavLst>
-                                        <p:tav tm="0">
-                                          <p:val>
-                                            <p:strVal val="1+#ppt_h/2"/>
-                                          </p:val>
-                                        </p:tav>
-                                        <p:tav tm="100000">
-                                          <p:val>
-                                            <p:strVal val="#ppt_y"/>
-                                          </p:val>
-                                        </p:tav>
-                                      </p:tavLst>
-                                    </p:anim>
-                                  </p:childTnLst>
-                                </p:cTn>
-                              </p:par>
-                            </p:childTnLst>
-                          </p:cTn>
-                        </p:par>
-                      </p:childTnLst>
-                    </p:cTn>
-                  </p:par>
-                  <p:par>
-                    <p:cTn id="33" fill="hold">
-                      <p:stCondLst>
-                        <p:cond delay="indefinite"/>
-                      </p:stCondLst>
-                      <p:childTnLst>
-                        <p:par>
-                          <p:cTn id="34" fill="hold">
-                            <p:stCondLst>
-                              <p:cond delay="0"/>
-                            </p:stCondLst>
-                            <p:childTnLst>
-                              <p:par>
-                                <p:cTn id="35" presetID="2" presetClass="entr" presetSubtype="4" fill="hold" grpId="0" nodeType="clickEffect">
-                                  <p:stCondLst>
-                                    <p:cond delay="0"/>
-                                  </p:stCondLst>
-                                  <p:childTnLst>
-                                    <p:set>
-                                      <p:cBhvr>
-                                        <p:cTn id="36" dur="1" fill="hold">
-                                          <p:stCondLst>
-                                            <p:cond delay="0"/>
-                                          </p:stCondLst>
-                                        </p:cTn>
-                                        <p:tgtEl>
-                                          <p:spTgt spid="16"/>
-                                        </p:tgtEl>
-                                        <p:attrNameLst>
-                                          <p:attrName>style.visibility</p:attrName>
-                                        </p:attrNameLst>
-                                      </p:cBhvr>
-                                      <p:to>
-                                        <p:strVal val="visible"/>
-                                      </p:to>
-                                    </p:set>
-                                    <p:anim calcmode="lin" valueType="num">
-                                      <p:cBhvr additive="base">
-                                        <p:cTn id="37" dur="500" fill="hold"/>
-                                        <p:tgtEl>
-                                          <p:spTgt spid="16"/>
-                                        </p:tgtEl>
-                                        <p:attrNameLst>
-                                          <p:attrName>ppt_x</p:attrName>
-                                        </p:attrNameLst>
-                                      </p:cBhvr>
-                                      <p:tavLst>
-                                        <p:tav tm="0">
-                                          <p:val>
-                                            <p:strVal val="#ppt_x"/>
-                                          </p:val>
-                                        </p:tav>
-                                        <p:tav tm="100000">
-                                          <p:val>
-                                            <p:strVal val="#ppt_x"/>
-                                          </p:val>
-                                        </p:tav>
-                                      </p:tavLst>
-                                    </p:anim>
-                                    <p:anim calcmode="lin" valueType="num">
-                                      <p:cBhvr additive="base">
-                                        <p:cTn id="38" dur="500" fill="hold"/>
-                                        <p:tgtEl>
-                                          <p:spTgt spid="16"/>
-                                        </p:tgtEl>
-                                        <p:attrNameLst>
-                                          <p:attrName>ppt_y</p:attrName>
-                                        </p:attrNameLst>
-                                      </p:cBhvr>
-                                      <p:tavLst>
-                                        <p:tav tm="0">
-                                          <p:val>
-                                            <p:strVal val="1+#ppt_h/2"/>
-                                          </p:val>
-                                        </p:tav>
-                                        <p:tav tm="100000">
-                                          <p:val>
-                                            <p:strVal val="#ppt_y"/>
-                                          </p:val>
-                                        </p:tav>
-                                      </p:tavLst>
-                                    </p:anim>
-                                  </p:childTnLst>
-                                </p:cTn>
-                              </p:par>
-                            </p:childTnLst>
-                          </p:cTn>
-                        </p:par>
-                      </p:childTnLst>
-                    </p:cTn>
-                  </p:par>
-                </p:childTnLst>
-              </p:cTn>
-              <p:prevCondLst>
-                <p:cond evt="onPrev" delay="0">
-                  <p:tgtEl>
-                    <p:sldTgt/>
-                  </p:tgtEl>
-                </p:cond>
-              </p:prevCondLst>
-              <p:nextCondLst>
-                <p:cond evt="onNext" delay="0">
-                  <p:tgtEl>
-                    <p:sldTgt/>
-                  </p:tgtEl>
-                </p:cond>
-              </p:nextCondLst>
-            </p:seq>
-          </p:childTnLst>
-        </p:cTn>
-      </p:par>
-    </p:tnLst>
-    <p:bldLst>
-      <p:bldP spid="5" grpId="0"/>
-      <p:bldP spid="6" grpId="0"/>
-      <p:bldP spid="7" grpId="0"/>
-      <p:bldP spid="16" grpId="0"/>
-      <p:bldP spid="17" grpId="0"/>
-      <p:bldP spid="18" grpId="0"/>
-    </p:bldLst>
-  </p:timing>
-</p:sld>
-</file>
-
-<file path=ppt/slides/slide57.xml><?xml version="1.0" encoding="utf-8"?>
-<p:sld xmlns:a="http://schemas.openxmlformats.org/drawingml/2006/main" xmlns:r="http://schemas.openxmlformats.org/officeDocument/2006/relationships" xmlns:p="http://schemas.openxmlformats.org/presentationml/2006/main">
-  <p:cSld>
-    <p:spTree>
-      <p:nvGrpSpPr>
-        <p:cNvPr id="1" name=""/>
-        <p:cNvGrpSpPr/>
-        <p:nvPr/>
-      </p:nvGrpSpPr>
-      <p:grpSpPr>
-        <a:xfrm>
-          <a:off x="0" y="0"/>
-          <a:ext cx="0" cy="0"/>
-          <a:chOff x="0" y="0"/>
-          <a:chExt cx="0" cy="0"/>
-        </a:xfrm>
-      </p:grpSpPr>
-      <p:sp>
-        <p:nvSpPr>
-          <p:cNvPr id="2" name="Title 1"/>
-          <p:cNvSpPr>
-            <a:spLocks noGrp="1"/>
-          </p:cNvSpPr>
-          <p:nvPr>
-            <p:ph type="title"/>
-          </p:nvPr>
-        </p:nvSpPr>
-        <p:spPr/>
-        <p:txBody>
-          <a:bodyPr/>
-          <a:lstStyle/>
-          <a:p>
-            <a:r>
-              <a:rPr lang="en-US" dirty="0" smtClean="0"/>
-              <a:t>Monotonic Logic</a:t>
-            </a:r>
-            <a:endParaRPr lang="en-US" dirty="0"/>
-          </a:p>
-        </p:txBody>
-      </p:sp>
-      <p:sp>
-        <p:nvSpPr>
-          <p:cNvPr id="3" name="Content Placeholder 2"/>
-          <p:cNvSpPr>
-            <a:spLocks noGrp="1"/>
-          </p:cNvSpPr>
-          <p:nvPr>
-            <p:ph idx="1"/>
-          </p:nvPr>
-        </p:nvSpPr>
-        <p:spPr/>
-        <p:txBody>
-          <a:bodyPr/>
-          <a:lstStyle/>
-          <a:p>
-            <a:pPr marL="0" indent="0">
-              <a:buNone/>
-            </a:pPr>
-            <a:endParaRPr lang="en-US" dirty="0" smtClean="0"/>
-          </a:p>
-          <a:p>
-            <a:pPr marL="0" indent="0">
-              <a:buNone/>
-            </a:pPr>
-            <a:endParaRPr lang="en-US" dirty="0"/>
-          </a:p>
-          <a:p>
-            <a:pPr marL="0" indent="0">
-              <a:buNone/>
-            </a:pPr>
-            <a:r>
-              <a:rPr lang="en-US" dirty="0" smtClean="0"/>
-              <a:t>The more you know, the more you know.</a:t>
-            </a:r>
-          </a:p>
-          <a:p>
-            <a:pPr marL="0" indent="0">
-              <a:buNone/>
-            </a:pPr>
-            <a:endParaRPr lang="en-US" dirty="0" smtClean="0"/>
-          </a:p>
-        </p:txBody>
-      </p:sp>
-    </p:spTree>
-    <p:extLst>
-      <p:ext uri="{BB962C8B-B14F-4D97-AF65-F5344CB8AC3E}">
-        <p14:creationId xmlns:p14="http://schemas.microsoft.com/office/powerpoint/2010/main" val="3097055326"/>
-      </p:ext>
-    </p:extLst>
-  </p:cSld>
-  <p:clrMapOvr>
-    <a:masterClrMapping/>
-  </p:clrMapOvr>
-  <p:timing>
-    <p:tnLst>
-      <p:par>
-        <p:cTn xmlns:p14="http://schemas.microsoft.com/office/powerpoint/2010/main" id="1" dur="indefinite" restart="never" nodeType="tmRoot">
-          <p:childTnLst>
-            <p:seq concurrent="1" nextAc="seek">
-              <p:cTn id="2" dur="indefinite" nodeType="mainSeq">
-                <p:childTnLst>
-                  <p:par>
-                    <p:cTn id="3" fill="hold">
-                      <p:stCondLst>
-                        <p:cond delay="indefinite"/>
-                      </p:stCondLst>
-                      <p:childTnLst>
-                        <p:par>
-                          <p:cTn id="4" fill="hold">
-                            <p:stCondLst>
-                              <p:cond delay="0"/>
-                            </p:stCondLst>
-                            <p:childTnLst>
-                              <p:par>
-                                <p:cTn id="5" presetID="9" presetClass="entr" presetSubtype="0" fill="hold" nodeType="clickEffect">
-                                  <p:stCondLst>
-                                    <p:cond delay="0"/>
-                                  </p:stCondLst>
-                                  <p:childTnLst>
-                                    <p:set>
-                                      <p:cBhvr>
-                                        <p:cTn id="6" dur="1" fill="hold">
-                                          <p:stCondLst>
-                                            <p:cond delay="0"/>
-                                          </p:stCondLst>
-                                        </p:cTn>
-                                        <p:tgtEl>
-                                          <p:spTgt spid="3">
-                                            <p:txEl>
-                                              <p:pRg st="2" end="2"/>
-                                            </p:txEl>
-                                          </p:spTgt>
-                                        </p:tgtEl>
-                                        <p:attrNameLst>
-                                          <p:attrName>style.visibility</p:attrName>
-                                        </p:attrNameLst>
-                                      </p:cBhvr>
-                                      <p:to>
-                                        <p:strVal val="visible"/>
-                                      </p:to>
-                                    </p:set>
-                                    <p:animEffect transition="in" filter="dissolve">
-                                      <p:cBhvr>
-                                        <p:cTn id="7" dur="500"/>
-                                        <p:tgtEl>
-                                          <p:spTgt spid="3">
-                                            <p:txEl>
-                                              <p:pRg st="2" end="2"/>
-                                            </p:txEl>
-                                          </p:spTgt>
-                                        </p:tgtEl>
-                                      </p:cBhvr>
-                                    </p:animEffect>
-                                  </p:childTnLst>
-                                </p:cTn>
-                              </p:par>
-                            </p:childTnLst>
-                          </p:cTn>
-                        </p:par>
-                      </p:childTnLst>
-                    </p:cTn>
-                  </p:par>
-                </p:childTnLst>
-              </p:cTn>
-              <p:prevCondLst>
-                <p:cond evt="onPrev" delay="0">
-                  <p:tgtEl>
-                    <p:sldTgt/>
-                  </p:tgtEl>
-                </p:cond>
-              </p:prevCondLst>
-              <p:nextCondLst>
-                <p:cond evt="onNext" delay="0">
-                  <p:tgtEl>
-                    <p:sldTgt/>
-                  </p:tgtEl>
-                </p:cond>
-              </p:nextCondLst>
-            </p:seq>
-          </p:childTnLst>
-        </p:cTn>
-      </p:par>
-    </p:tnLst>
-  </p:timing>
-</p:sld>
-</file>
-
-<file path=ppt/slides/slide58.xml><?xml version="1.0" encoding="utf-8"?>
+<file path=ppt/slides/slide51.xml><?xml version="1.0" encoding="utf-8"?>
 <p:sld xmlns:a="http://schemas.openxmlformats.org/drawingml/2006/main" xmlns:r="http://schemas.openxmlformats.org/officeDocument/2006/relationships" xmlns:p="http://schemas.openxmlformats.org/presentationml/2006/main">
   <p:cSld>
     <p:spTree>
@@ -18781,7 +17119,7 @@
     </p:spTree>
     <p:extLst>
       <p:ext uri="{BB962C8B-B14F-4D97-AF65-F5344CB8AC3E}">
-        <p14:creationId xmlns:p14="http://schemas.microsoft.com/office/powerpoint/2010/main" val="1387789211"/>
+        <p14:creationId xmlns:p14="http://schemas.microsoft.com/office/powerpoint/2010/main" val="340979547"/>
       </p:ext>
     </p:extLst>
   </p:cSld>
@@ -19445,7 +17783,7 @@
 </p:sld>
 </file>
 
-<file path=ppt/slides/slide59.xml><?xml version="1.0" encoding="utf-8"?>
+<file path=ppt/slides/slide52.xml><?xml version="1.0" encoding="utf-8"?>
 <p:sld xmlns:a="http://schemas.openxmlformats.org/drawingml/2006/main" xmlns:r="http://schemas.openxmlformats.org/officeDocument/2006/relationships" xmlns:p="http://schemas.openxmlformats.org/presentationml/2006/main">
   <p:cSld>
     <p:spTree>
@@ -19822,7 +18160,7 @@
     </p:spTree>
     <p:extLst>
       <p:ext uri="{BB962C8B-B14F-4D97-AF65-F5344CB8AC3E}">
-        <p14:creationId xmlns:p14="http://schemas.microsoft.com/office/powerpoint/2010/main" val="579603384"/>
+        <p14:creationId xmlns:p14="http://schemas.microsoft.com/office/powerpoint/2010/main" val="2762093187"/>
       </p:ext>
     </p:extLst>
   </p:cSld>
@@ -20302,1062 +18640,7 @@
 </p:sld>
 </file>
 
-<file path=ppt/slides/slide6.xml><?xml version="1.0" encoding="utf-8"?>
-<p:sld xmlns:a="http://schemas.openxmlformats.org/drawingml/2006/main" xmlns:r="http://schemas.openxmlformats.org/officeDocument/2006/relationships" xmlns:p="http://schemas.openxmlformats.org/presentationml/2006/main">
-  <p:cSld>
-    <p:spTree>
-      <p:nvGrpSpPr>
-        <p:cNvPr id="1" name=""/>
-        <p:cNvGrpSpPr/>
-        <p:nvPr/>
-      </p:nvGrpSpPr>
-      <p:grpSpPr>
-        <a:xfrm>
-          <a:off x="0" y="0"/>
-          <a:ext cx="0" cy="0"/>
-          <a:chOff x="0" y="0"/>
-          <a:chExt cx="0" cy="0"/>
-        </a:xfrm>
-      </p:grpSpPr>
-      <p:pic>
-        <p:nvPicPr>
-          <p:cNvPr id="17" name="Picture 16" descr="images (10).jpeg"/>
-          <p:cNvPicPr>
-            <a:picLocks noChangeAspect="1"/>
-          </p:cNvPicPr>
-          <p:nvPr/>
-        </p:nvPicPr>
-        <p:blipFill>
-          <a:blip r:embed="rId2">
-            <a:extLst>
-              <a:ext uri="{28A0092B-C50C-407E-A947-70E740481C1C}">
-                <a14:useLocalDpi xmlns:a14="http://schemas.microsoft.com/office/drawing/2010/main" val="0"/>
-              </a:ext>
-            </a:extLst>
-          </a:blip>
-          <a:stretch>
-            <a:fillRect/>
-          </a:stretch>
-        </p:blipFill>
-        <p:spPr>
-          <a:xfrm>
-            <a:off x="6352727" y="1582236"/>
-            <a:ext cx="1463945" cy="1463945"/>
-          </a:xfrm>
-          <a:prstGeom prst="rect">
-            <a:avLst/>
-          </a:prstGeom>
-        </p:spPr>
-      </p:pic>
-      <p:pic>
-        <p:nvPicPr>
-          <p:cNvPr id="18" name="Picture 17" descr="images (10).jpeg"/>
-          <p:cNvPicPr>
-            <a:picLocks noChangeAspect="1"/>
-          </p:cNvPicPr>
-          <p:nvPr/>
-        </p:nvPicPr>
-        <p:blipFill>
-          <a:blip r:embed="rId2">
-            <a:extLst>
-              <a:ext uri="{28A0092B-C50C-407E-A947-70E740481C1C}">
-                <a14:useLocalDpi xmlns:a14="http://schemas.microsoft.com/office/drawing/2010/main" val="0"/>
-              </a:ext>
-            </a:extLst>
-          </a:blip>
-          <a:stretch>
-            <a:fillRect/>
-          </a:stretch>
-        </p:blipFill>
-        <p:spPr>
-          <a:xfrm>
-            <a:off x="704816" y="1686988"/>
-            <a:ext cx="1463945" cy="1463945"/>
-          </a:xfrm>
-          <a:prstGeom prst="rect">
-            <a:avLst/>
-          </a:prstGeom>
-        </p:spPr>
-      </p:pic>
-      <p:sp>
-        <p:nvSpPr>
-          <p:cNvPr id="2" name="Title 1"/>
-          <p:cNvSpPr>
-            <a:spLocks noGrp="1"/>
-          </p:cNvSpPr>
-          <p:nvPr>
-            <p:ph type="title"/>
-          </p:nvPr>
-        </p:nvSpPr>
-        <p:spPr/>
-        <p:txBody>
-          <a:bodyPr/>
-          <a:lstStyle/>
-          <a:p>
-            <a:r>
-              <a:rPr lang="en-US" dirty="0" smtClean="0"/>
-              <a:t>Why are distributed systems hard?</a:t>
-            </a:r>
-            <a:endParaRPr lang="en-US" dirty="0"/>
-          </a:p>
-        </p:txBody>
-      </p:sp>
-      <p:pic>
-        <p:nvPicPr>
-          <p:cNvPr id="4" name="Picture 3" descr="landscape-mountain-trees-clip-art_423631.jpg"/>
-          <p:cNvPicPr>
-            <a:picLocks noChangeAspect="1"/>
-          </p:cNvPicPr>
-          <p:nvPr/>
-        </p:nvPicPr>
-        <p:blipFill>
-          <a:blip r:embed="rId3">
-            <a:extLst>
-              <a:ext uri="{28A0092B-C50C-407E-A947-70E740481C1C}">
-                <a14:useLocalDpi xmlns:a14="http://schemas.microsoft.com/office/drawing/2010/main" val="0"/>
-              </a:ext>
-            </a:extLst>
-          </a:blip>
-          <a:stretch>
-            <a:fillRect/>
-          </a:stretch>
-        </p:blipFill>
-        <p:spPr>
-          <a:xfrm>
-            <a:off x="3397310" y="4569833"/>
-            <a:ext cx="1944737" cy="1180510"/>
-          </a:xfrm>
-          <a:prstGeom prst="rect">
-            <a:avLst/>
-          </a:prstGeom>
-        </p:spPr>
-      </p:pic>
-      <p:pic>
-        <p:nvPicPr>
-          <p:cNvPr id="12" name="Picture 11" descr="images (9).jpeg"/>
-          <p:cNvPicPr>
-            <a:picLocks noChangeAspect="1"/>
-          </p:cNvPicPr>
-          <p:nvPr/>
-        </p:nvPicPr>
-        <p:blipFill>
-          <a:blip r:embed="rId4">
-            <a:extLst>
-              <a:ext uri="{28A0092B-C50C-407E-A947-70E740481C1C}">
-                <a14:useLocalDpi xmlns:a14="http://schemas.microsoft.com/office/drawing/2010/main" val="0"/>
-              </a:ext>
-            </a:extLst>
-          </a:blip>
-          <a:stretch>
-            <a:fillRect/>
-          </a:stretch>
-        </p:blipFill>
-        <p:spPr>
-          <a:xfrm>
-            <a:off x="-402719" y="3046181"/>
-            <a:ext cx="4109170" cy="2856561"/>
-          </a:xfrm>
-          <a:prstGeom prst="rect">
-            <a:avLst/>
-          </a:prstGeom>
-        </p:spPr>
-      </p:pic>
-      <p:pic>
-        <p:nvPicPr>
-          <p:cNvPr id="13" name="Picture 12" descr="images (9).jpeg"/>
-          <p:cNvPicPr>
-            <a:picLocks noChangeAspect="1"/>
-          </p:cNvPicPr>
-          <p:nvPr/>
-        </p:nvPicPr>
-        <p:blipFill>
-          <a:blip r:embed="rId4">
-            <a:extLst>
-              <a:ext uri="{28A0092B-C50C-407E-A947-70E740481C1C}">
-                <a14:useLocalDpi xmlns:a14="http://schemas.microsoft.com/office/drawing/2010/main" val="0"/>
-              </a:ext>
-            </a:extLst>
-          </a:blip>
-          <a:stretch>
-            <a:fillRect/>
-          </a:stretch>
-        </p:blipFill>
-        <p:spPr>
-          <a:xfrm>
-            <a:off x="5209567" y="2893781"/>
-            <a:ext cx="4109170" cy="2856561"/>
-          </a:xfrm>
-          <a:prstGeom prst="rect">
-            <a:avLst/>
-          </a:prstGeom>
-        </p:spPr>
-      </p:pic>
-      <p:sp>
-        <p:nvSpPr>
-          <p:cNvPr id="3" name="TextBox 2"/>
-          <p:cNvSpPr txBox="1"/>
-          <p:nvPr/>
-        </p:nvSpPr>
-        <p:spPr>
-          <a:xfrm>
-            <a:off x="0" y="1799549"/>
-            <a:ext cx="1062460" cy="646331"/>
-          </a:xfrm>
-          <a:prstGeom prst="rect">
-            <a:avLst/>
-          </a:prstGeom>
-          <a:noFill/>
-        </p:spPr>
-        <p:txBody>
-          <a:bodyPr wrap="none" rtlCol="0">
-            <a:spAutoFit/>
-          </a:bodyPr>
-          <a:lstStyle/>
-          <a:p>
-            <a:r>
-              <a:rPr lang="en-US" dirty="0" smtClean="0"/>
-              <a:t>Wait for </a:t>
-            </a:r>
-          </a:p>
-          <a:p>
-            <a:r>
-              <a:rPr lang="en-US" dirty="0" smtClean="0"/>
-              <a:t>my signal</a:t>
-            </a:r>
-            <a:endParaRPr lang="en-US" dirty="0"/>
-          </a:p>
-        </p:txBody>
-      </p:sp>
-      <p:sp>
-        <p:nvSpPr>
-          <p:cNvPr id="11" name="TextBox 10"/>
-          <p:cNvSpPr txBox="1"/>
-          <p:nvPr/>
-        </p:nvSpPr>
-        <p:spPr>
-          <a:xfrm>
-            <a:off x="1821122" y="1984215"/>
-            <a:ext cx="1352015" cy="369332"/>
-          </a:xfrm>
-          <a:prstGeom prst="rect">
-            <a:avLst/>
-          </a:prstGeom>
-          <a:noFill/>
-        </p:spPr>
-        <p:txBody>
-          <a:bodyPr wrap="none" rtlCol="0">
-            <a:spAutoFit/>
-          </a:bodyPr>
-          <a:lstStyle/>
-          <a:p>
-            <a:r>
-              <a:rPr lang="en-US" dirty="0" smtClean="0"/>
-              <a:t>Then attack!</a:t>
-            </a:r>
-            <a:endParaRPr lang="en-US" dirty="0"/>
-          </a:p>
-        </p:txBody>
-      </p:sp>
-      <p:pic>
-        <p:nvPicPr>
-          <p:cNvPr id="14" name="Picture 13" descr="images (14).jpeg"/>
-          <p:cNvPicPr>
-            <a:picLocks noChangeAspect="1"/>
-          </p:cNvPicPr>
-          <p:nvPr/>
-        </p:nvPicPr>
-        <p:blipFill>
-          <a:blip r:embed="rId5">
-            <a:extLst>
-              <a:ext uri="{28A0092B-C50C-407E-A947-70E740481C1C}">
-                <a14:useLocalDpi xmlns:a14="http://schemas.microsoft.com/office/drawing/2010/main" val="0"/>
-              </a:ext>
-            </a:extLst>
-          </a:blip>
-          <a:stretch>
-            <a:fillRect/>
-          </a:stretch>
-        </p:blipFill>
-        <p:spPr>
-          <a:xfrm>
-            <a:off x="1796095" y="2375475"/>
-            <a:ext cx="612803" cy="1036611"/>
-          </a:xfrm>
-          <a:prstGeom prst="rect">
-            <a:avLst/>
-          </a:prstGeom>
-        </p:spPr>
-      </p:pic>
-      <p:pic>
-        <p:nvPicPr>
-          <p:cNvPr id="15" name="Picture 14" descr="images (14).jpeg"/>
-          <p:cNvPicPr>
-            <a:picLocks noChangeAspect="1"/>
-          </p:cNvPicPr>
-          <p:nvPr/>
-        </p:nvPicPr>
-        <p:blipFill>
-          <a:blip r:embed="rId5">
-            <a:extLst>
-              <a:ext uri="{28A0092B-C50C-407E-A947-70E740481C1C}">
-                <a14:useLocalDpi xmlns:a14="http://schemas.microsoft.com/office/drawing/2010/main" val="0"/>
-              </a:ext>
-            </a:extLst>
-          </a:blip>
-          <a:stretch>
-            <a:fillRect/>
-          </a:stretch>
-        </p:blipFill>
-        <p:spPr>
-          <a:xfrm>
-            <a:off x="389514" y="3046181"/>
-            <a:ext cx="612803" cy="1036611"/>
-          </a:xfrm>
-          <a:prstGeom prst="rect">
-            <a:avLst/>
-          </a:prstGeom>
-        </p:spPr>
-      </p:pic>
-      <p:pic>
-        <p:nvPicPr>
-          <p:cNvPr id="19" name="Picture 18" descr="images (14).jpeg"/>
-          <p:cNvPicPr>
-            <a:picLocks noChangeAspect="1"/>
-          </p:cNvPicPr>
-          <p:nvPr/>
-        </p:nvPicPr>
-        <p:blipFill>
-          <a:blip r:embed="rId5">
-            <a:extLst>
-              <a:ext uri="{28A0092B-C50C-407E-A947-70E740481C1C}">
-                <a14:useLocalDpi xmlns:a14="http://schemas.microsoft.com/office/drawing/2010/main" val="0"/>
-              </a:ext>
-            </a:extLst>
-          </a:blip>
-          <a:stretch>
-            <a:fillRect/>
-          </a:stretch>
-        </p:blipFill>
-        <p:spPr>
-          <a:xfrm>
-            <a:off x="4903165" y="4371950"/>
-            <a:ext cx="612803" cy="1036611"/>
-          </a:xfrm>
-          <a:prstGeom prst="rect">
-            <a:avLst/>
-          </a:prstGeom>
-        </p:spPr>
-      </p:pic>
-      <p:sp>
-        <p:nvSpPr>
-          <p:cNvPr id="5" name="TextBox 4"/>
-          <p:cNvSpPr txBox="1"/>
-          <p:nvPr/>
-        </p:nvSpPr>
-        <p:spPr>
-          <a:xfrm>
-            <a:off x="5209567" y="1799549"/>
-            <a:ext cx="1352015" cy="369332"/>
-          </a:xfrm>
-          <a:prstGeom prst="rect">
-            <a:avLst/>
-          </a:prstGeom>
-          <a:noFill/>
-        </p:spPr>
-        <p:txBody>
-          <a:bodyPr wrap="none" rtlCol="0">
-            <a:spAutoFit/>
-          </a:bodyPr>
-          <a:lstStyle/>
-          <a:p>
-            <a:r>
-              <a:rPr lang="en-US" dirty="0" smtClean="0"/>
-              <a:t>Then attack!</a:t>
-            </a:r>
-            <a:endParaRPr lang="en-US" dirty="0"/>
-          </a:p>
-        </p:txBody>
-      </p:sp>
-    </p:spTree>
-    <p:extLst>
-      <p:ext uri="{BB962C8B-B14F-4D97-AF65-F5344CB8AC3E}">
-        <p14:creationId xmlns:p14="http://schemas.microsoft.com/office/powerpoint/2010/main" val="171288366"/>
-      </p:ext>
-    </p:extLst>
-  </p:cSld>
-  <p:clrMapOvr>
-    <a:masterClrMapping/>
-  </p:clrMapOvr>
-  <p:timing>
-    <p:tnLst>
-      <p:par>
-        <p:cTn xmlns:p14="http://schemas.microsoft.com/office/powerpoint/2010/main" id="1" dur="indefinite" restart="never" nodeType="tmRoot">
-          <p:childTnLst>
-            <p:seq concurrent="1" nextAc="seek">
-              <p:cTn id="2" dur="indefinite" nodeType="mainSeq">
-                <p:childTnLst>
-                  <p:par>
-                    <p:cTn id="3" fill="hold">
-                      <p:stCondLst>
-                        <p:cond delay="indefinite"/>
-                      </p:stCondLst>
-                      <p:childTnLst>
-                        <p:par>
-                          <p:cTn id="4" fill="hold">
-                            <p:stCondLst>
-                              <p:cond delay="0"/>
-                            </p:stCondLst>
-                            <p:childTnLst>
-                              <p:par>
-                                <p:cTn id="5" presetID="9" presetClass="entr" presetSubtype="0" fill="hold" nodeType="clickEffect">
-                                  <p:stCondLst>
-                                    <p:cond delay="0"/>
-                                  </p:stCondLst>
-                                  <p:childTnLst>
-                                    <p:set>
-                                      <p:cBhvr>
-                                        <p:cTn id="6" dur="1" fill="hold">
-                                          <p:stCondLst>
-                                            <p:cond delay="0"/>
-                                          </p:stCondLst>
-                                        </p:cTn>
-                                        <p:tgtEl>
-                                          <p:spTgt spid="15"/>
-                                        </p:tgtEl>
-                                        <p:attrNameLst>
-                                          <p:attrName>style.visibility</p:attrName>
-                                        </p:attrNameLst>
-                                      </p:cBhvr>
-                                      <p:to>
-                                        <p:strVal val="visible"/>
-                                      </p:to>
-                                    </p:set>
-                                    <p:animEffect transition="in" filter="dissolve">
-                                      <p:cBhvr>
-                                        <p:cTn id="7" dur="500"/>
-                                        <p:tgtEl>
-                                          <p:spTgt spid="15"/>
-                                        </p:tgtEl>
-                                      </p:cBhvr>
-                                    </p:animEffect>
-                                  </p:childTnLst>
-                                </p:cTn>
-                              </p:par>
-                              <p:par>
-                                <p:cTn id="8" presetID="9" presetClass="entr" presetSubtype="0" fill="hold" nodeType="withEffect">
-                                  <p:stCondLst>
-                                    <p:cond delay="0"/>
-                                  </p:stCondLst>
-                                  <p:childTnLst>
-                                    <p:set>
-                                      <p:cBhvr>
-                                        <p:cTn id="9" dur="1" fill="hold">
-                                          <p:stCondLst>
-                                            <p:cond delay="0"/>
-                                          </p:stCondLst>
-                                        </p:cTn>
-                                        <p:tgtEl>
-                                          <p:spTgt spid="14"/>
-                                        </p:tgtEl>
-                                        <p:attrNameLst>
-                                          <p:attrName>style.visibility</p:attrName>
-                                        </p:attrNameLst>
-                                      </p:cBhvr>
-                                      <p:to>
-                                        <p:strVal val="visible"/>
-                                      </p:to>
-                                    </p:set>
-                                    <p:animEffect transition="in" filter="dissolve">
-                                      <p:cBhvr>
-                                        <p:cTn id="10" dur="500"/>
-                                        <p:tgtEl>
-                                          <p:spTgt spid="14"/>
-                                        </p:tgtEl>
-                                      </p:cBhvr>
-                                    </p:animEffect>
-                                  </p:childTnLst>
-                                </p:cTn>
-                              </p:par>
-                            </p:childTnLst>
-                          </p:cTn>
-                        </p:par>
-                      </p:childTnLst>
-                    </p:cTn>
-                  </p:par>
-                  <p:par>
-                    <p:cTn id="11" fill="hold">
-                      <p:stCondLst>
-                        <p:cond delay="indefinite"/>
-                      </p:stCondLst>
-                      <p:childTnLst>
-                        <p:par>
-                          <p:cTn id="12" fill="hold">
-                            <p:stCondLst>
-                              <p:cond delay="0"/>
-                            </p:stCondLst>
-                            <p:childTnLst>
-                              <p:par>
-                                <p:cTn id="13" presetID="9" presetClass="entr" presetSubtype="0" fill="hold" grpId="0" nodeType="clickEffect">
-                                  <p:stCondLst>
-                                    <p:cond delay="0"/>
-                                  </p:stCondLst>
-                                  <p:childTnLst>
-                                    <p:set>
-                                      <p:cBhvr>
-                                        <p:cTn id="14" dur="1" fill="hold">
-                                          <p:stCondLst>
-                                            <p:cond delay="0"/>
-                                          </p:stCondLst>
-                                        </p:cTn>
-                                        <p:tgtEl>
-                                          <p:spTgt spid="3"/>
-                                        </p:tgtEl>
-                                        <p:attrNameLst>
-                                          <p:attrName>style.visibility</p:attrName>
-                                        </p:attrNameLst>
-                                      </p:cBhvr>
-                                      <p:to>
-                                        <p:strVal val="visible"/>
-                                      </p:to>
-                                    </p:set>
-                                    <p:animEffect transition="in" filter="dissolve">
-                                      <p:cBhvr>
-                                        <p:cTn id="15" dur="500"/>
-                                        <p:tgtEl>
-                                          <p:spTgt spid="3"/>
-                                        </p:tgtEl>
-                                      </p:cBhvr>
-                                    </p:animEffect>
-                                  </p:childTnLst>
-                                </p:cTn>
-                              </p:par>
-                            </p:childTnLst>
-                          </p:cTn>
-                        </p:par>
-                      </p:childTnLst>
-                    </p:cTn>
-                  </p:par>
-                  <p:par>
-                    <p:cTn id="16" fill="hold">
-                      <p:stCondLst>
-                        <p:cond delay="indefinite"/>
-                      </p:stCondLst>
-                      <p:childTnLst>
-                        <p:par>
-                          <p:cTn id="17" fill="hold">
-                            <p:stCondLst>
-                              <p:cond delay="0"/>
-                            </p:stCondLst>
-                            <p:childTnLst>
-                              <p:par>
-                                <p:cTn id="18" presetID="0" presetClass="path" presetSubtype="0" accel="50000" decel="50000" fill="hold" nodeType="clickEffect">
-                                  <p:stCondLst>
-                                    <p:cond delay="0"/>
-                                  </p:stCondLst>
-                                  <p:childTnLst>
-                                    <p:animMotion origin="layout" path="M 4.08894E-6 -7.67237E-6 C 0.00052 -0.0051 -0.00035 -0.01088 0.00156 -0.01528 C 0.00243 -0.01782 0.00556 -0.01736 0.00729 -0.01898 C 0.01094 -0.02338 0.01077 -0.02985 0.01441 -0.03425 C 0.01476 -0.03633 0.01511 -0.03842 0.0158 -0.04003 C 0.0165 -0.04235 0.01806 -0.04374 0.01876 -0.04582 C 0.0224 -0.05947 0.02188 -0.07173 0.03022 -0.08191 C 0.03265 -0.09533 0.03995 -0.10852 0.04742 -0.11824 C 0.0495 -0.12125 0.05054 -0.12564 0.05315 -0.12773 C 0.05471 -0.12935 0.05697 -0.12911 0.05888 -0.12981 C 0.06618 -0.13652 0.07191 -0.14068 0.08025 -0.14508 C 0.08285 -0.14438 0.08945 -0.14369 0.09171 -0.13929 C 0.09362 -0.13559 0.09241 -0.12981 0.09466 -0.12587 C 0.09762 -0.11986 0.10752 -0.11245 0.10752 -0.11245 C 0.10908 -0.10922 0.11169 -0.10667 0.11325 -0.10297 C 0.11395 -0.10135 0.11342 -0.0988 0.11464 -0.09718 C 0.11568 -0.0958 0.11742 -0.09603 0.11898 -0.09533 C 0.12385 -0.08654 0.12854 -0.07798 0.13323 -0.06873 C 0.13514 -0.06502 0.13635 -0.0604 0.13896 -0.05716 C 0.14278 -0.05253 0.14712 -0.04744 0.15042 -0.04189 C 0.15424 -0.03541 0.15494 -0.02962 0.1605 -0.02476 C 0.16345 -0.01898 0.16675 -0.0088 0.17057 -0.00371 C 0.17353 0.00809 0.16936 -0.00348 0.1763 0.00393 C 0.1803 0.00832 0.17874 0.01665 0.18204 0.02105 C 0.18308 0.02244 0.18482 0.02221 0.18621 0.0229 C 0.18951 0.03655 0.18725 0.031 0.19211 0.04002 C 0.19333 0.04742 0.19298 0.05552 0.19923 0.04766 C 0.20149 0.04118 0.20566 0.03053 0.2107 0.02683 C 0.21382 0.02429 0.21747 0.02336 0.2206 0.02105 C 0.22199 0.01989 0.22338 0.01781 0.22477 0.01711 C 0.22737 0.01526 0.23363 0.01341 0.23363 0.01341 C 0.25013 0.01688 0.24943 0.01295 0.25638 0.02683 C 0.26072 0.04442 0.26454 0.06316 0.27497 0.07635 C 0.27809 0.08953 0.27566 0.08514 0.28087 0.09162 C 0.28261 0.09879 0.28539 0.10712 0.28938 0.11267 C 0.29129 0.11985 0.29512 0.12308 0.29807 0.12979 C 0.30536 0.14668 0.29651 0.12887 0.3038 0.14321 C 0.30658 0.15918 0.30241 0.14391 0.30953 0.15455 C 0.31283 0.15964 0.31422 0.16705 0.31804 0.1719 C 0.32256 0.17769 0.32881 0.18139 0.33246 0.18903 C 0.33854 0.20152 0.34497 0.22396 0.35678 0.22905 C 0.35713 0.2309 0.3573 0.23299 0.35817 0.23484 C 0.36147 0.24201 0.36112 0.23553 0.36112 0.24062 " pathEditMode="relative" ptsTypes="ffffffffffffffffffffffffffffffffffffffffffA">
-                                      <p:cBhvr>
-                                        <p:cTn id="19" dur="2000" fill="hold"/>
-                                        <p:tgtEl>
-                                          <p:spTgt spid="15"/>
-                                        </p:tgtEl>
-                                        <p:attrNameLst>
-                                          <p:attrName>ppt_x</p:attrName>
-                                          <p:attrName>ppt_y</p:attrName>
-                                        </p:attrNameLst>
-                                      </p:cBhvr>
-                                    </p:animMotion>
-                                  </p:childTnLst>
-                                </p:cTn>
-                              </p:par>
-                            </p:childTnLst>
-                          </p:cTn>
-                        </p:par>
-                      </p:childTnLst>
-                    </p:cTn>
-                  </p:par>
-                  <p:par>
-                    <p:cTn id="20" fill="hold">
-                      <p:stCondLst>
-                        <p:cond delay="indefinite"/>
-                      </p:stCondLst>
-                      <p:childTnLst>
-                        <p:par>
-                          <p:cTn id="21" fill="hold">
-                            <p:stCondLst>
-                              <p:cond delay="0"/>
-                            </p:stCondLst>
-                            <p:childTnLst>
-                              <p:par>
-                                <p:cTn id="22" presetID="9" presetClass="exit" presetSubtype="0" fill="hold" grpId="1" nodeType="clickEffect">
-                                  <p:stCondLst>
-                                    <p:cond delay="0"/>
-                                  </p:stCondLst>
-                                  <p:childTnLst>
-                                    <p:animEffect transition="out" filter="dissolve">
-                                      <p:cBhvr>
-                                        <p:cTn id="23" dur="500"/>
-                                        <p:tgtEl>
-                                          <p:spTgt spid="3"/>
-                                        </p:tgtEl>
-                                      </p:cBhvr>
-                                    </p:animEffect>
-                                    <p:set>
-                                      <p:cBhvr>
-                                        <p:cTn id="24" dur="1" fill="hold">
-                                          <p:stCondLst>
-                                            <p:cond delay="499"/>
-                                          </p:stCondLst>
-                                        </p:cTn>
-                                        <p:tgtEl>
-                                          <p:spTgt spid="3"/>
-                                        </p:tgtEl>
-                                        <p:attrNameLst>
-                                          <p:attrName>style.visibility</p:attrName>
-                                        </p:attrNameLst>
-                                      </p:cBhvr>
-                                      <p:to>
-                                        <p:strVal val="hidden"/>
-                                      </p:to>
-                                    </p:set>
-                                  </p:childTnLst>
-                                </p:cTn>
-                              </p:par>
-                            </p:childTnLst>
-                          </p:cTn>
-                        </p:par>
-                      </p:childTnLst>
-                    </p:cTn>
-                  </p:par>
-                  <p:par>
-                    <p:cTn id="25" fill="hold">
-                      <p:stCondLst>
-                        <p:cond delay="indefinite"/>
-                      </p:stCondLst>
-                      <p:childTnLst>
-                        <p:par>
-                          <p:cTn id="26" fill="hold">
-                            <p:stCondLst>
-                              <p:cond delay="0"/>
-                            </p:stCondLst>
-                            <p:childTnLst>
-                              <p:par>
-                                <p:cTn id="27" presetID="9" presetClass="exit" presetSubtype="0" fill="hold" nodeType="clickEffect">
-                                  <p:stCondLst>
-                                    <p:cond delay="0"/>
-                                  </p:stCondLst>
-                                  <p:childTnLst>
-                                    <p:animEffect transition="out" filter="dissolve">
-                                      <p:cBhvr>
-                                        <p:cTn id="28" dur="500"/>
-                                        <p:tgtEl>
-                                          <p:spTgt spid="15"/>
-                                        </p:tgtEl>
-                                      </p:cBhvr>
-                                    </p:animEffect>
-                                    <p:set>
-                                      <p:cBhvr>
-                                        <p:cTn id="29" dur="1" fill="hold">
-                                          <p:stCondLst>
-                                            <p:cond delay="499"/>
-                                          </p:stCondLst>
-                                        </p:cTn>
-                                        <p:tgtEl>
-                                          <p:spTgt spid="15"/>
-                                        </p:tgtEl>
-                                        <p:attrNameLst>
-                                          <p:attrName>style.visibility</p:attrName>
-                                        </p:attrNameLst>
-                                      </p:cBhvr>
-                                      <p:to>
-                                        <p:strVal val="hidden"/>
-                                      </p:to>
-                                    </p:set>
-                                  </p:childTnLst>
-                                </p:cTn>
-                              </p:par>
-                            </p:childTnLst>
-                          </p:cTn>
-                        </p:par>
-                      </p:childTnLst>
-                    </p:cTn>
-                  </p:par>
-                  <p:par>
-                    <p:cTn id="30" fill="hold">
-                      <p:stCondLst>
-                        <p:cond delay="indefinite"/>
-                      </p:stCondLst>
-                      <p:childTnLst>
-                        <p:par>
-                          <p:cTn id="31" fill="hold">
-                            <p:stCondLst>
-                              <p:cond delay="0"/>
-                            </p:stCondLst>
-                            <p:childTnLst>
-                              <p:par>
-                                <p:cTn id="32" presetID="9" presetClass="entr" presetSubtype="0" fill="hold" grpId="0" nodeType="clickEffect">
-                                  <p:stCondLst>
-                                    <p:cond delay="0"/>
-                                  </p:stCondLst>
-                                  <p:childTnLst>
-                                    <p:set>
-                                      <p:cBhvr>
-                                        <p:cTn id="33" dur="1" fill="hold">
-                                          <p:stCondLst>
-                                            <p:cond delay="0"/>
-                                          </p:stCondLst>
-                                        </p:cTn>
-                                        <p:tgtEl>
-                                          <p:spTgt spid="11"/>
-                                        </p:tgtEl>
-                                        <p:attrNameLst>
-                                          <p:attrName>style.visibility</p:attrName>
-                                        </p:attrNameLst>
-                                      </p:cBhvr>
-                                      <p:to>
-                                        <p:strVal val="visible"/>
-                                      </p:to>
-                                    </p:set>
-                                    <p:animEffect transition="in" filter="dissolve">
-                                      <p:cBhvr>
-                                        <p:cTn id="34" dur="500"/>
-                                        <p:tgtEl>
-                                          <p:spTgt spid="11"/>
-                                        </p:tgtEl>
-                                      </p:cBhvr>
-                                    </p:animEffect>
-                                  </p:childTnLst>
-                                </p:cTn>
-                              </p:par>
-                            </p:childTnLst>
-                          </p:cTn>
-                        </p:par>
-                      </p:childTnLst>
-                    </p:cTn>
-                  </p:par>
-                  <p:par>
-                    <p:cTn id="35" fill="hold">
-                      <p:stCondLst>
-                        <p:cond delay="indefinite"/>
-                      </p:stCondLst>
-                      <p:childTnLst>
-                        <p:par>
-                          <p:cTn id="36" fill="hold">
-                            <p:stCondLst>
-                              <p:cond delay="0"/>
-                            </p:stCondLst>
-                            <p:childTnLst>
-                              <p:par>
-                                <p:cTn id="37" presetID="0" presetClass="path" presetSubtype="0" accel="50000" decel="50000" fill="hold" nodeType="clickEffect">
-                                  <p:stCondLst>
-                                    <p:cond delay="0"/>
-                                  </p:stCondLst>
-                                  <p:childTnLst>
-                                    <p:animMotion origin="layout" path="M 2.72711E-7 8.91254E-6 C 0.00226 0.02476 0.00938 0.05901 0.02293 0.07821 C 0.02345 0.08006 0.02345 0.08237 0.02449 0.08399 C 0.02553 0.08561 0.02762 0.08561 0.02866 0.0877 C 0.03387 0.0988 0.03214 0.11037 0.04447 0.11639 C 0.04968 0.12286 0.04568 0.11893 0.05593 0.12402 C 0.05819 0.12518 0.06305 0.12772 0.06305 0.12772 C 0.06497 0.12703 0.06705 0.12726 0.06879 0.12587 C 0.07018 0.12448 0.07035 0.12171 0.07174 0.12009 C 0.07556 0.11477 0.08234 0.10898 0.08755 0.10667 C 0.09519 0.1106 0.1037 0.11662 0.11186 0.12009 C 0.11273 0.12125 0.11395 0.1224 0.11464 0.12402 C 0.11586 0.12749 0.11551 0.13235 0.1176 0.13536 C 0.12142 0.14091 0.11951 0.13767 0.12333 0.14485 C 0.12454 0.15364 0.12541 0.15942 0.13045 0.1659 C 0.13358 0.17909 0.13097 0.17469 0.13618 0.18117 C 0.13879 0.19205 0.14504 0.20292 0.14904 0.21356 C 0.15234 0.22236 0.15373 0.23323 0.15911 0.2404 C 0.16067 0.24711 0.16085 0.25243 0.16484 0.25752 C 0.1671 0.27025 0.17179 0.26932 0.17631 0.27858 C 0.1843 0.29547 0.19906 0.30334 0.20775 0.32046 C 0.21174 0.32833 0.21695 0.33457 0.22216 0.34151 C 0.22408 0.34406 0.22599 0.3466 0.2279 0.34915 C 0.22877 0.35031 0.23068 0.35308 0.23068 0.35308 " pathEditMode="relative" ptsTypes="fffffffffffffffffffffffA">
-                                      <p:cBhvr>
-                                        <p:cTn id="38" dur="2000" fill="hold"/>
-                                        <p:tgtEl>
-                                          <p:spTgt spid="14"/>
-                                        </p:tgtEl>
-                                        <p:attrNameLst>
-                                          <p:attrName>ppt_x</p:attrName>
-                                          <p:attrName>ppt_y</p:attrName>
-                                        </p:attrNameLst>
-                                      </p:cBhvr>
-                                    </p:animMotion>
-                                  </p:childTnLst>
-                                </p:cTn>
-                              </p:par>
-                            </p:childTnLst>
-                          </p:cTn>
-                        </p:par>
-                      </p:childTnLst>
-                    </p:cTn>
-                  </p:par>
-                  <p:par>
-                    <p:cTn id="39" fill="hold">
-                      <p:stCondLst>
-                        <p:cond delay="indefinite"/>
-                      </p:stCondLst>
-                      <p:childTnLst>
-                        <p:par>
-                          <p:cTn id="40" fill="hold">
-                            <p:stCondLst>
-                              <p:cond delay="0"/>
-                            </p:stCondLst>
-                            <p:childTnLst>
-                              <p:par>
-                                <p:cTn id="41" presetID="9" presetClass="exit" presetSubtype="0" fill="hold" nodeType="clickEffect">
-                                  <p:stCondLst>
-                                    <p:cond delay="0"/>
-                                  </p:stCondLst>
-                                  <p:childTnLst>
-                                    <p:animEffect transition="out" filter="dissolve">
-                                      <p:cBhvr>
-                                        <p:cTn id="42" dur="500"/>
-                                        <p:tgtEl>
-                                          <p:spTgt spid="14"/>
-                                        </p:tgtEl>
-                                      </p:cBhvr>
-                                    </p:animEffect>
-                                    <p:set>
-                                      <p:cBhvr>
-                                        <p:cTn id="43" dur="1" fill="hold">
-                                          <p:stCondLst>
-                                            <p:cond delay="499"/>
-                                          </p:stCondLst>
-                                        </p:cTn>
-                                        <p:tgtEl>
-                                          <p:spTgt spid="14"/>
-                                        </p:tgtEl>
-                                        <p:attrNameLst>
-                                          <p:attrName>style.visibility</p:attrName>
-                                        </p:attrNameLst>
-                                      </p:cBhvr>
-                                      <p:to>
-                                        <p:strVal val="hidden"/>
-                                      </p:to>
-                                    </p:set>
-                                  </p:childTnLst>
-                                </p:cTn>
-                              </p:par>
-                            </p:childTnLst>
-                          </p:cTn>
-                        </p:par>
-                      </p:childTnLst>
-                    </p:cTn>
-                  </p:par>
-                  <p:par>
-                    <p:cTn id="44" fill="hold">
-                      <p:stCondLst>
-                        <p:cond delay="indefinite"/>
-                      </p:stCondLst>
-                      <p:childTnLst>
-                        <p:par>
-                          <p:cTn id="45" fill="hold">
-                            <p:stCondLst>
-                              <p:cond delay="0"/>
-                            </p:stCondLst>
-                            <p:childTnLst>
-                              <p:par>
-                                <p:cTn id="46" presetID="9" presetClass="exit" presetSubtype="0" fill="hold" grpId="1" nodeType="clickEffect">
-                                  <p:stCondLst>
-                                    <p:cond delay="0"/>
-                                  </p:stCondLst>
-                                  <p:childTnLst>
-                                    <p:animEffect transition="out" filter="dissolve">
-                                      <p:cBhvr>
-                                        <p:cTn id="47" dur="500"/>
-                                        <p:tgtEl>
-                                          <p:spTgt spid="11"/>
-                                        </p:tgtEl>
-                                      </p:cBhvr>
-                                    </p:animEffect>
-                                    <p:set>
-                                      <p:cBhvr>
-                                        <p:cTn id="48" dur="1" fill="hold">
-                                          <p:stCondLst>
-                                            <p:cond delay="499"/>
-                                          </p:stCondLst>
-                                        </p:cTn>
-                                        <p:tgtEl>
-                                          <p:spTgt spid="11"/>
-                                        </p:tgtEl>
-                                        <p:attrNameLst>
-                                          <p:attrName>style.visibility</p:attrName>
-                                        </p:attrNameLst>
-                                      </p:cBhvr>
-                                      <p:to>
-                                        <p:strVal val="hidden"/>
-                                      </p:to>
-                                    </p:set>
-                                  </p:childTnLst>
-                                </p:cTn>
-                              </p:par>
-                            </p:childTnLst>
-                          </p:cTn>
-                        </p:par>
-                      </p:childTnLst>
-                    </p:cTn>
-                  </p:par>
-                  <p:par>
-                    <p:cTn id="49" fill="hold">
-                      <p:stCondLst>
-                        <p:cond delay="indefinite"/>
-                      </p:stCondLst>
-                      <p:childTnLst>
-                        <p:par>
-                          <p:cTn id="50" fill="hold">
-                            <p:stCondLst>
-                              <p:cond delay="0"/>
-                            </p:stCondLst>
-                            <p:childTnLst>
-                              <p:par>
-                                <p:cTn id="51" presetID="9" presetClass="entr" presetSubtype="0" fill="hold" nodeType="clickEffect">
-                                  <p:stCondLst>
-                                    <p:cond delay="0"/>
-                                  </p:stCondLst>
-                                  <p:childTnLst>
-                                    <p:set>
-                                      <p:cBhvr>
-                                        <p:cTn id="52" dur="1" fill="hold">
-                                          <p:stCondLst>
-                                            <p:cond delay="0"/>
-                                          </p:stCondLst>
-                                        </p:cTn>
-                                        <p:tgtEl>
-                                          <p:spTgt spid="19"/>
-                                        </p:tgtEl>
-                                        <p:attrNameLst>
-                                          <p:attrName>style.visibility</p:attrName>
-                                        </p:attrNameLst>
-                                      </p:cBhvr>
-                                      <p:to>
-                                        <p:strVal val="visible"/>
-                                      </p:to>
-                                    </p:set>
-                                    <p:animEffect transition="in" filter="dissolve">
-                                      <p:cBhvr>
-                                        <p:cTn id="53" dur="500"/>
-                                        <p:tgtEl>
-                                          <p:spTgt spid="19"/>
-                                        </p:tgtEl>
-                                      </p:cBhvr>
-                                    </p:animEffect>
-                                  </p:childTnLst>
-                                </p:cTn>
-                              </p:par>
-                            </p:childTnLst>
-                          </p:cTn>
-                        </p:par>
-                      </p:childTnLst>
-                    </p:cTn>
-                  </p:par>
-                  <p:par>
-                    <p:cTn id="54" fill="hold">
-                      <p:stCondLst>
-                        <p:cond delay="indefinite"/>
-                      </p:stCondLst>
-                      <p:childTnLst>
-                        <p:par>
-                          <p:cTn id="55" fill="hold">
-                            <p:stCondLst>
-                              <p:cond delay="0"/>
-                            </p:stCondLst>
-                            <p:childTnLst>
-                              <p:par>
-                                <p:cTn id="56" presetID="0" presetClass="path" presetSubtype="0" accel="50000" decel="50000" fill="hold" nodeType="clickEffect">
-                                  <p:stCondLst>
-                                    <p:cond delay="0"/>
-                                  </p:stCondLst>
-                                  <p:childTnLst>
-                                    <p:animMotion origin="layout" path="M -2.92687E-6 2.13327E-6 C 0.00104 -0.01805 0.00018 -0.03656 0.00434 -0.05345 C 0.00834 -0.07057 0.0139 -0.08908 0.02015 -0.10504 C 0.02189 -0.11545 0.02467 -0.12055 0.03005 -0.12795 C 0.03318 -0.13952 0.02901 -0.12887 0.03578 -0.13558 C 0.03839 -0.13836 0.0476 -0.14854 0.0502 -0.15271 C 0.05124 -0.15479 0.05732 -0.16705 0.05871 -0.16798 C 0.06253 -0.17122 0.06722 -0.17168 0.07157 -0.17376 C 0.07626 -0.17307 0.08112 -0.1733 0.08598 -0.17168 C 0.09154 -0.17006 0.0945 -0.16104 0.10023 -0.15849 C 0.10353 -0.14623 0.11048 -0.14993 0.11325 -0.16034 C 0.11621 -0.17237 0.11951 -0.1844 0.12177 -0.19644 C 0.12316 -0.20546 0.12333 -0.21495 0.12611 -0.22328 C 0.12663 -0.22559 0.12732 -0.2279 0.12889 -0.22906 C 0.13132 -0.23137 0.13757 -0.23276 0.13757 -0.23276 C 0.13983 -0.23623 0.14331 -0.2397 0.14331 -0.24433 " pathEditMode="relative" ptsTypes="fffffffffffffffA">
-                                      <p:cBhvr>
-                                        <p:cTn id="57" dur="2000" fill="hold"/>
-                                        <p:tgtEl>
-                                          <p:spTgt spid="19"/>
-                                        </p:tgtEl>
-                                        <p:attrNameLst>
-                                          <p:attrName>ppt_x</p:attrName>
-                                          <p:attrName>ppt_y</p:attrName>
-                                        </p:attrNameLst>
-                                      </p:cBhvr>
-                                    </p:animMotion>
-                                  </p:childTnLst>
-                                </p:cTn>
-                              </p:par>
-                            </p:childTnLst>
-                          </p:cTn>
-                        </p:par>
-                      </p:childTnLst>
-                    </p:cTn>
-                  </p:par>
-                  <p:par>
-                    <p:cTn id="58" fill="hold">
-                      <p:stCondLst>
-                        <p:cond delay="indefinite"/>
-                      </p:stCondLst>
-                      <p:childTnLst>
-                        <p:par>
-                          <p:cTn id="59" fill="hold">
-                            <p:stCondLst>
-                              <p:cond delay="0"/>
-                            </p:stCondLst>
-                            <p:childTnLst>
-                              <p:par>
-                                <p:cTn id="60" presetID="9" presetClass="entr" presetSubtype="0" fill="hold" grpId="0" nodeType="clickEffect">
-                                  <p:stCondLst>
-                                    <p:cond delay="0"/>
-                                  </p:stCondLst>
-                                  <p:childTnLst>
-                                    <p:set>
-                                      <p:cBhvr>
-                                        <p:cTn id="61" dur="1" fill="hold">
-                                          <p:stCondLst>
-                                            <p:cond delay="0"/>
-                                          </p:stCondLst>
-                                        </p:cTn>
-                                        <p:tgtEl>
-                                          <p:spTgt spid="5"/>
-                                        </p:tgtEl>
-                                        <p:attrNameLst>
-                                          <p:attrName>style.visibility</p:attrName>
-                                        </p:attrNameLst>
-                                      </p:cBhvr>
-                                      <p:to>
-                                        <p:strVal val="visible"/>
-                                      </p:to>
-                                    </p:set>
-                                    <p:animEffect transition="in" filter="dissolve">
-                                      <p:cBhvr>
-                                        <p:cTn id="62" dur="500"/>
-                                        <p:tgtEl>
-                                          <p:spTgt spid="5"/>
-                                        </p:tgtEl>
-                                      </p:cBhvr>
-                                    </p:animEffect>
-                                  </p:childTnLst>
-                                </p:cTn>
-                              </p:par>
-                            </p:childTnLst>
-                          </p:cTn>
-                        </p:par>
-                      </p:childTnLst>
-                    </p:cTn>
-                  </p:par>
-                </p:childTnLst>
-              </p:cTn>
-              <p:prevCondLst>
-                <p:cond evt="onPrev" delay="0">
-                  <p:tgtEl>
-                    <p:sldTgt/>
-                  </p:tgtEl>
-                </p:cond>
-              </p:prevCondLst>
-              <p:nextCondLst>
-                <p:cond evt="onNext" delay="0">
-                  <p:tgtEl>
-                    <p:sldTgt/>
-                  </p:tgtEl>
-                </p:cond>
-              </p:nextCondLst>
-            </p:seq>
-          </p:childTnLst>
-        </p:cTn>
-      </p:par>
-    </p:tnLst>
-    <p:bldLst>
-      <p:bldP spid="3" grpId="0"/>
-      <p:bldP spid="3" grpId="1"/>
-      <p:bldP spid="11" grpId="0"/>
-      <p:bldP spid="11" grpId="1"/>
-      <p:bldP spid="5" grpId="0"/>
-    </p:bldLst>
-  </p:timing>
-</p:sld>
-</file>
-
-<file path=ppt/slides/slide60.xml><?xml version="1.0" encoding="utf-8"?>
+<file path=ppt/slides/slide53.xml><?xml version="1.0" encoding="utf-8"?>
 <p:sld xmlns:a="http://schemas.openxmlformats.org/drawingml/2006/main" xmlns:r="http://schemas.openxmlformats.org/officeDocument/2006/relationships" xmlns:p="http://schemas.openxmlformats.org/presentationml/2006/main">
   <p:cSld>
     <p:spTree>
@@ -21876,7 +19159,7 @@
     </p:spTree>
     <p:extLst>
       <p:ext uri="{BB962C8B-B14F-4D97-AF65-F5344CB8AC3E}">
-        <p14:creationId xmlns:p14="http://schemas.microsoft.com/office/powerpoint/2010/main" val="997682455"/>
+        <p14:creationId xmlns:p14="http://schemas.microsoft.com/office/powerpoint/2010/main" val="3176183872"/>
       </p:ext>
     </p:extLst>
   </p:cSld>
@@ -22854,7 +20137,7 @@
 </p:sld>
 </file>
 
-<file path=ppt/slides/slide61.xml><?xml version="1.0" encoding="utf-8"?>
+<file path=ppt/slides/slide54.xml><?xml version="1.0" encoding="utf-8"?>
 <p:sld xmlns:a="http://schemas.openxmlformats.org/drawingml/2006/main" xmlns:r="http://schemas.openxmlformats.org/officeDocument/2006/relationships" xmlns:p="http://schemas.openxmlformats.org/presentationml/2006/main">
   <p:cSld>
     <p:spTree>
@@ -23251,7 +20534,7 @@
     </p:spTree>
     <p:extLst>
       <p:ext uri="{BB962C8B-B14F-4D97-AF65-F5344CB8AC3E}">
-        <p14:creationId xmlns:p14="http://schemas.microsoft.com/office/powerpoint/2010/main" val="3420916619"/>
+        <p14:creationId xmlns:p14="http://schemas.microsoft.com/office/powerpoint/2010/main" val="3223643220"/>
       </p:ext>
     </p:extLst>
   </p:cSld>
@@ -23915,7 +21198,7 @@
 </p:sld>
 </file>
 
-<file path=ppt/slides/slide62.xml><?xml version="1.0" encoding="utf-8"?>
+<file path=ppt/slides/slide55.xml><?xml version="1.0" encoding="utf-8"?>
 <p:sld xmlns:a="http://schemas.openxmlformats.org/drawingml/2006/main" xmlns:r="http://schemas.openxmlformats.org/officeDocument/2006/relationships" xmlns:p="http://schemas.openxmlformats.org/presentationml/2006/main">
   <p:cSld>
     <p:spTree>
@@ -24316,7 +21599,7 @@
     </p:spTree>
     <p:extLst>
       <p:ext uri="{BB962C8B-B14F-4D97-AF65-F5344CB8AC3E}">
-        <p14:creationId xmlns:p14="http://schemas.microsoft.com/office/powerpoint/2010/main" val="4265644546"/>
+        <p14:creationId xmlns:p14="http://schemas.microsoft.com/office/powerpoint/2010/main" val="142409055"/>
       </p:ext>
     </p:extLst>
   </p:cSld>
@@ -25418,7 +22701,7 @@
 </p:sld>
 </file>
 
-<file path=ppt/slides/slide63.xml><?xml version="1.0" encoding="utf-8"?>
+<file path=ppt/slides/slide56.xml><?xml version="1.0" encoding="utf-8"?>
 <p:sld xmlns:a="http://schemas.openxmlformats.org/drawingml/2006/main" xmlns:r="http://schemas.openxmlformats.org/officeDocument/2006/relationships" xmlns:p="http://schemas.openxmlformats.org/presentationml/2006/main">
   <p:cSld>
     <p:spTree>
@@ -25518,7 +22801,7 @@
     </p:spTree>
     <p:extLst>
       <p:ext uri="{BB962C8B-B14F-4D97-AF65-F5344CB8AC3E}">
-        <p14:creationId xmlns:p14="http://schemas.microsoft.com/office/powerpoint/2010/main" val="213414857"/>
+        <p14:creationId xmlns:p14="http://schemas.microsoft.com/office/powerpoint/2010/main" val="129798730"/>
       </p:ext>
     </p:extLst>
   </p:cSld>
@@ -25535,7 +22818,7 @@
 </p:sld>
 </file>
 
-<file path=ppt/slides/slide64.xml><?xml version="1.0" encoding="utf-8"?>
+<file path=ppt/slides/slide57.xml><?xml version="1.0" encoding="utf-8"?>
 <p:sld xmlns:a="http://schemas.openxmlformats.org/drawingml/2006/main" xmlns:r="http://schemas.openxmlformats.org/officeDocument/2006/relationships" xmlns:p="http://schemas.openxmlformats.org/presentationml/2006/main">
   <p:cSld>
     <p:spTree>
@@ -26378,7 +23661,7 @@
     </p:spTree>
     <p:extLst>
       <p:ext uri="{BB962C8B-B14F-4D97-AF65-F5344CB8AC3E}">
-        <p14:creationId xmlns:p14="http://schemas.microsoft.com/office/powerpoint/2010/main" val="2294031583"/>
+        <p14:creationId xmlns:p14="http://schemas.microsoft.com/office/powerpoint/2010/main" val="1197056205"/>
       </p:ext>
     </p:extLst>
   </p:cSld>
@@ -27718,7 +25001,7 @@
 </p:sld>
 </file>
 
-<file path=ppt/slides/slide65.xml><?xml version="1.0" encoding="utf-8"?>
+<file path=ppt/slides/slide58.xml><?xml version="1.0" encoding="utf-8"?>
 <p:sld xmlns:a="http://schemas.openxmlformats.org/drawingml/2006/main" xmlns:r="http://schemas.openxmlformats.org/officeDocument/2006/relationships" xmlns:p="http://schemas.openxmlformats.org/presentationml/2006/main">
   <p:cSld>
     <p:spTree>
@@ -28317,7 +25600,7 @@
     </p:spTree>
     <p:extLst>
       <p:ext uri="{BB962C8B-B14F-4D97-AF65-F5344CB8AC3E}">
-        <p14:creationId xmlns:p14="http://schemas.microsoft.com/office/powerpoint/2010/main" val="1786925944"/>
+        <p14:creationId xmlns:p14="http://schemas.microsoft.com/office/powerpoint/2010/main" val="1213663848"/>
       </p:ext>
     </p:extLst>
   </p:cSld>
@@ -29165,7 +26448,7 @@
 </p:sld>
 </file>
 
-<file path=ppt/slides/slide66.xml><?xml version="1.0" encoding="utf-8"?>
+<file path=ppt/slides/slide59.xml><?xml version="1.0" encoding="utf-8"?>
 <p:sld xmlns:a="http://schemas.openxmlformats.org/drawingml/2006/main" xmlns:r="http://schemas.openxmlformats.org/officeDocument/2006/relationships" xmlns:p="http://schemas.openxmlformats.org/presentationml/2006/main">
   <p:cSld>
     <p:spTree>
@@ -29593,7 +26876,7 @@
     </p:spTree>
     <p:extLst>
       <p:ext uri="{BB962C8B-B14F-4D97-AF65-F5344CB8AC3E}">
-        <p14:creationId xmlns:p14="http://schemas.microsoft.com/office/powerpoint/2010/main" val="3558819352"/>
+        <p14:creationId xmlns:p14="http://schemas.microsoft.com/office/powerpoint/2010/main" val="579211724"/>
       </p:ext>
     </p:extLst>
   </p:cSld>
@@ -30252,7 +27535,1062 @@
 </p:sld>
 </file>
 
-<file path=ppt/slides/slide67.xml><?xml version="1.0" encoding="utf-8"?>
+<file path=ppt/slides/slide6.xml><?xml version="1.0" encoding="utf-8"?>
+<p:sld xmlns:a="http://schemas.openxmlformats.org/drawingml/2006/main" xmlns:r="http://schemas.openxmlformats.org/officeDocument/2006/relationships" xmlns:p="http://schemas.openxmlformats.org/presentationml/2006/main">
+  <p:cSld>
+    <p:spTree>
+      <p:nvGrpSpPr>
+        <p:cNvPr id="1" name=""/>
+        <p:cNvGrpSpPr/>
+        <p:nvPr/>
+      </p:nvGrpSpPr>
+      <p:grpSpPr>
+        <a:xfrm>
+          <a:off x="0" y="0"/>
+          <a:ext cx="0" cy="0"/>
+          <a:chOff x="0" y="0"/>
+          <a:chExt cx="0" cy="0"/>
+        </a:xfrm>
+      </p:grpSpPr>
+      <p:pic>
+        <p:nvPicPr>
+          <p:cNvPr id="17" name="Picture 16" descr="images (10).jpeg"/>
+          <p:cNvPicPr>
+            <a:picLocks noChangeAspect="1"/>
+          </p:cNvPicPr>
+          <p:nvPr/>
+        </p:nvPicPr>
+        <p:blipFill>
+          <a:blip r:embed="rId2">
+            <a:extLst>
+              <a:ext uri="{28A0092B-C50C-407E-A947-70E740481C1C}">
+                <a14:useLocalDpi xmlns:a14="http://schemas.microsoft.com/office/drawing/2010/main" val="0"/>
+              </a:ext>
+            </a:extLst>
+          </a:blip>
+          <a:stretch>
+            <a:fillRect/>
+          </a:stretch>
+        </p:blipFill>
+        <p:spPr>
+          <a:xfrm>
+            <a:off x="6352727" y="1582236"/>
+            <a:ext cx="1463945" cy="1463945"/>
+          </a:xfrm>
+          <a:prstGeom prst="rect">
+            <a:avLst/>
+          </a:prstGeom>
+        </p:spPr>
+      </p:pic>
+      <p:pic>
+        <p:nvPicPr>
+          <p:cNvPr id="18" name="Picture 17" descr="images (10).jpeg"/>
+          <p:cNvPicPr>
+            <a:picLocks noChangeAspect="1"/>
+          </p:cNvPicPr>
+          <p:nvPr/>
+        </p:nvPicPr>
+        <p:blipFill>
+          <a:blip r:embed="rId2">
+            <a:extLst>
+              <a:ext uri="{28A0092B-C50C-407E-A947-70E740481C1C}">
+                <a14:useLocalDpi xmlns:a14="http://schemas.microsoft.com/office/drawing/2010/main" val="0"/>
+              </a:ext>
+            </a:extLst>
+          </a:blip>
+          <a:stretch>
+            <a:fillRect/>
+          </a:stretch>
+        </p:blipFill>
+        <p:spPr>
+          <a:xfrm>
+            <a:off x="704816" y="1686988"/>
+            <a:ext cx="1463945" cy="1463945"/>
+          </a:xfrm>
+          <a:prstGeom prst="rect">
+            <a:avLst/>
+          </a:prstGeom>
+        </p:spPr>
+      </p:pic>
+      <p:sp>
+        <p:nvSpPr>
+          <p:cNvPr id="2" name="Title 1"/>
+          <p:cNvSpPr>
+            <a:spLocks noGrp="1"/>
+          </p:cNvSpPr>
+          <p:nvPr>
+            <p:ph type="title"/>
+          </p:nvPr>
+        </p:nvSpPr>
+        <p:spPr/>
+        <p:txBody>
+          <a:bodyPr/>
+          <a:lstStyle/>
+          <a:p>
+            <a:r>
+              <a:rPr lang="en-US" dirty="0" smtClean="0"/>
+              <a:t>Why are distributed systems hard?</a:t>
+            </a:r>
+            <a:endParaRPr lang="en-US" dirty="0"/>
+          </a:p>
+        </p:txBody>
+      </p:sp>
+      <p:pic>
+        <p:nvPicPr>
+          <p:cNvPr id="4" name="Picture 3" descr="landscape-mountain-trees-clip-art_423631.jpg"/>
+          <p:cNvPicPr>
+            <a:picLocks noChangeAspect="1"/>
+          </p:cNvPicPr>
+          <p:nvPr/>
+        </p:nvPicPr>
+        <p:blipFill>
+          <a:blip r:embed="rId3">
+            <a:extLst>
+              <a:ext uri="{28A0092B-C50C-407E-A947-70E740481C1C}">
+                <a14:useLocalDpi xmlns:a14="http://schemas.microsoft.com/office/drawing/2010/main" val="0"/>
+              </a:ext>
+            </a:extLst>
+          </a:blip>
+          <a:stretch>
+            <a:fillRect/>
+          </a:stretch>
+        </p:blipFill>
+        <p:spPr>
+          <a:xfrm>
+            <a:off x="3397310" y="4569833"/>
+            <a:ext cx="1944737" cy="1180510"/>
+          </a:xfrm>
+          <a:prstGeom prst="rect">
+            <a:avLst/>
+          </a:prstGeom>
+        </p:spPr>
+      </p:pic>
+      <p:pic>
+        <p:nvPicPr>
+          <p:cNvPr id="12" name="Picture 11" descr="images (9).jpeg"/>
+          <p:cNvPicPr>
+            <a:picLocks noChangeAspect="1"/>
+          </p:cNvPicPr>
+          <p:nvPr/>
+        </p:nvPicPr>
+        <p:blipFill>
+          <a:blip r:embed="rId4">
+            <a:extLst>
+              <a:ext uri="{28A0092B-C50C-407E-A947-70E740481C1C}">
+                <a14:useLocalDpi xmlns:a14="http://schemas.microsoft.com/office/drawing/2010/main" val="0"/>
+              </a:ext>
+            </a:extLst>
+          </a:blip>
+          <a:stretch>
+            <a:fillRect/>
+          </a:stretch>
+        </p:blipFill>
+        <p:spPr>
+          <a:xfrm>
+            <a:off x="-402719" y="3046181"/>
+            <a:ext cx="4109170" cy="2856561"/>
+          </a:xfrm>
+          <a:prstGeom prst="rect">
+            <a:avLst/>
+          </a:prstGeom>
+        </p:spPr>
+      </p:pic>
+      <p:pic>
+        <p:nvPicPr>
+          <p:cNvPr id="13" name="Picture 12" descr="images (9).jpeg"/>
+          <p:cNvPicPr>
+            <a:picLocks noChangeAspect="1"/>
+          </p:cNvPicPr>
+          <p:nvPr/>
+        </p:nvPicPr>
+        <p:blipFill>
+          <a:blip r:embed="rId4">
+            <a:extLst>
+              <a:ext uri="{28A0092B-C50C-407E-A947-70E740481C1C}">
+                <a14:useLocalDpi xmlns:a14="http://schemas.microsoft.com/office/drawing/2010/main" val="0"/>
+              </a:ext>
+            </a:extLst>
+          </a:blip>
+          <a:stretch>
+            <a:fillRect/>
+          </a:stretch>
+        </p:blipFill>
+        <p:spPr>
+          <a:xfrm>
+            <a:off x="5209567" y="2893781"/>
+            <a:ext cx="4109170" cy="2856561"/>
+          </a:xfrm>
+          <a:prstGeom prst="rect">
+            <a:avLst/>
+          </a:prstGeom>
+        </p:spPr>
+      </p:pic>
+      <p:sp>
+        <p:nvSpPr>
+          <p:cNvPr id="3" name="TextBox 2"/>
+          <p:cNvSpPr txBox="1"/>
+          <p:nvPr/>
+        </p:nvSpPr>
+        <p:spPr>
+          <a:xfrm>
+            <a:off x="0" y="1799549"/>
+            <a:ext cx="1062460" cy="646331"/>
+          </a:xfrm>
+          <a:prstGeom prst="rect">
+            <a:avLst/>
+          </a:prstGeom>
+          <a:noFill/>
+        </p:spPr>
+        <p:txBody>
+          <a:bodyPr wrap="none" rtlCol="0">
+            <a:spAutoFit/>
+          </a:bodyPr>
+          <a:lstStyle/>
+          <a:p>
+            <a:r>
+              <a:rPr lang="en-US" dirty="0" smtClean="0"/>
+              <a:t>Wait for </a:t>
+            </a:r>
+          </a:p>
+          <a:p>
+            <a:r>
+              <a:rPr lang="en-US" dirty="0" smtClean="0"/>
+              <a:t>my signal</a:t>
+            </a:r>
+            <a:endParaRPr lang="en-US" dirty="0"/>
+          </a:p>
+        </p:txBody>
+      </p:sp>
+      <p:sp>
+        <p:nvSpPr>
+          <p:cNvPr id="11" name="TextBox 10"/>
+          <p:cNvSpPr txBox="1"/>
+          <p:nvPr/>
+        </p:nvSpPr>
+        <p:spPr>
+          <a:xfrm>
+            <a:off x="1821122" y="1984215"/>
+            <a:ext cx="1352015" cy="369332"/>
+          </a:xfrm>
+          <a:prstGeom prst="rect">
+            <a:avLst/>
+          </a:prstGeom>
+          <a:noFill/>
+        </p:spPr>
+        <p:txBody>
+          <a:bodyPr wrap="none" rtlCol="0">
+            <a:spAutoFit/>
+          </a:bodyPr>
+          <a:lstStyle/>
+          <a:p>
+            <a:r>
+              <a:rPr lang="en-US" dirty="0" smtClean="0"/>
+              <a:t>Then attack!</a:t>
+            </a:r>
+            <a:endParaRPr lang="en-US" dirty="0"/>
+          </a:p>
+        </p:txBody>
+      </p:sp>
+      <p:pic>
+        <p:nvPicPr>
+          <p:cNvPr id="14" name="Picture 13" descr="images (14).jpeg"/>
+          <p:cNvPicPr>
+            <a:picLocks noChangeAspect="1"/>
+          </p:cNvPicPr>
+          <p:nvPr/>
+        </p:nvPicPr>
+        <p:blipFill>
+          <a:blip r:embed="rId5">
+            <a:extLst>
+              <a:ext uri="{28A0092B-C50C-407E-A947-70E740481C1C}">
+                <a14:useLocalDpi xmlns:a14="http://schemas.microsoft.com/office/drawing/2010/main" val="0"/>
+              </a:ext>
+            </a:extLst>
+          </a:blip>
+          <a:stretch>
+            <a:fillRect/>
+          </a:stretch>
+        </p:blipFill>
+        <p:spPr>
+          <a:xfrm>
+            <a:off x="1796095" y="2375475"/>
+            <a:ext cx="612803" cy="1036611"/>
+          </a:xfrm>
+          <a:prstGeom prst="rect">
+            <a:avLst/>
+          </a:prstGeom>
+        </p:spPr>
+      </p:pic>
+      <p:pic>
+        <p:nvPicPr>
+          <p:cNvPr id="15" name="Picture 14" descr="images (14).jpeg"/>
+          <p:cNvPicPr>
+            <a:picLocks noChangeAspect="1"/>
+          </p:cNvPicPr>
+          <p:nvPr/>
+        </p:nvPicPr>
+        <p:blipFill>
+          <a:blip r:embed="rId5">
+            <a:extLst>
+              <a:ext uri="{28A0092B-C50C-407E-A947-70E740481C1C}">
+                <a14:useLocalDpi xmlns:a14="http://schemas.microsoft.com/office/drawing/2010/main" val="0"/>
+              </a:ext>
+            </a:extLst>
+          </a:blip>
+          <a:stretch>
+            <a:fillRect/>
+          </a:stretch>
+        </p:blipFill>
+        <p:spPr>
+          <a:xfrm>
+            <a:off x="389514" y="3046181"/>
+            <a:ext cx="612803" cy="1036611"/>
+          </a:xfrm>
+          <a:prstGeom prst="rect">
+            <a:avLst/>
+          </a:prstGeom>
+        </p:spPr>
+      </p:pic>
+      <p:pic>
+        <p:nvPicPr>
+          <p:cNvPr id="19" name="Picture 18" descr="images (14).jpeg"/>
+          <p:cNvPicPr>
+            <a:picLocks noChangeAspect="1"/>
+          </p:cNvPicPr>
+          <p:nvPr/>
+        </p:nvPicPr>
+        <p:blipFill>
+          <a:blip r:embed="rId5">
+            <a:extLst>
+              <a:ext uri="{28A0092B-C50C-407E-A947-70E740481C1C}">
+                <a14:useLocalDpi xmlns:a14="http://schemas.microsoft.com/office/drawing/2010/main" val="0"/>
+              </a:ext>
+            </a:extLst>
+          </a:blip>
+          <a:stretch>
+            <a:fillRect/>
+          </a:stretch>
+        </p:blipFill>
+        <p:spPr>
+          <a:xfrm>
+            <a:off x="4903165" y="4371950"/>
+            <a:ext cx="612803" cy="1036611"/>
+          </a:xfrm>
+          <a:prstGeom prst="rect">
+            <a:avLst/>
+          </a:prstGeom>
+        </p:spPr>
+      </p:pic>
+      <p:sp>
+        <p:nvSpPr>
+          <p:cNvPr id="5" name="TextBox 4"/>
+          <p:cNvSpPr txBox="1"/>
+          <p:nvPr/>
+        </p:nvSpPr>
+        <p:spPr>
+          <a:xfrm>
+            <a:off x="5209567" y="1799549"/>
+            <a:ext cx="1352015" cy="369332"/>
+          </a:xfrm>
+          <a:prstGeom prst="rect">
+            <a:avLst/>
+          </a:prstGeom>
+          <a:noFill/>
+        </p:spPr>
+        <p:txBody>
+          <a:bodyPr wrap="none" rtlCol="0">
+            <a:spAutoFit/>
+          </a:bodyPr>
+          <a:lstStyle/>
+          <a:p>
+            <a:r>
+              <a:rPr lang="en-US" dirty="0" smtClean="0"/>
+              <a:t>Then attack!</a:t>
+            </a:r>
+            <a:endParaRPr lang="en-US" dirty="0"/>
+          </a:p>
+        </p:txBody>
+      </p:sp>
+    </p:spTree>
+    <p:extLst>
+      <p:ext uri="{BB962C8B-B14F-4D97-AF65-F5344CB8AC3E}">
+        <p14:creationId xmlns:p14="http://schemas.microsoft.com/office/powerpoint/2010/main" val="171288366"/>
+      </p:ext>
+    </p:extLst>
+  </p:cSld>
+  <p:clrMapOvr>
+    <a:masterClrMapping/>
+  </p:clrMapOvr>
+  <p:timing>
+    <p:tnLst>
+      <p:par>
+        <p:cTn xmlns:p14="http://schemas.microsoft.com/office/powerpoint/2010/main" id="1" dur="indefinite" restart="never" nodeType="tmRoot">
+          <p:childTnLst>
+            <p:seq concurrent="1" nextAc="seek">
+              <p:cTn id="2" dur="indefinite" nodeType="mainSeq">
+                <p:childTnLst>
+                  <p:par>
+                    <p:cTn id="3" fill="hold">
+                      <p:stCondLst>
+                        <p:cond delay="indefinite"/>
+                      </p:stCondLst>
+                      <p:childTnLst>
+                        <p:par>
+                          <p:cTn id="4" fill="hold">
+                            <p:stCondLst>
+                              <p:cond delay="0"/>
+                            </p:stCondLst>
+                            <p:childTnLst>
+                              <p:par>
+                                <p:cTn id="5" presetID="9" presetClass="entr" presetSubtype="0" fill="hold" nodeType="clickEffect">
+                                  <p:stCondLst>
+                                    <p:cond delay="0"/>
+                                  </p:stCondLst>
+                                  <p:childTnLst>
+                                    <p:set>
+                                      <p:cBhvr>
+                                        <p:cTn id="6" dur="1" fill="hold">
+                                          <p:stCondLst>
+                                            <p:cond delay="0"/>
+                                          </p:stCondLst>
+                                        </p:cTn>
+                                        <p:tgtEl>
+                                          <p:spTgt spid="15"/>
+                                        </p:tgtEl>
+                                        <p:attrNameLst>
+                                          <p:attrName>style.visibility</p:attrName>
+                                        </p:attrNameLst>
+                                      </p:cBhvr>
+                                      <p:to>
+                                        <p:strVal val="visible"/>
+                                      </p:to>
+                                    </p:set>
+                                    <p:animEffect transition="in" filter="dissolve">
+                                      <p:cBhvr>
+                                        <p:cTn id="7" dur="500"/>
+                                        <p:tgtEl>
+                                          <p:spTgt spid="15"/>
+                                        </p:tgtEl>
+                                      </p:cBhvr>
+                                    </p:animEffect>
+                                  </p:childTnLst>
+                                </p:cTn>
+                              </p:par>
+                              <p:par>
+                                <p:cTn id="8" presetID="9" presetClass="entr" presetSubtype="0" fill="hold" nodeType="withEffect">
+                                  <p:stCondLst>
+                                    <p:cond delay="0"/>
+                                  </p:stCondLst>
+                                  <p:childTnLst>
+                                    <p:set>
+                                      <p:cBhvr>
+                                        <p:cTn id="9" dur="1" fill="hold">
+                                          <p:stCondLst>
+                                            <p:cond delay="0"/>
+                                          </p:stCondLst>
+                                        </p:cTn>
+                                        <p:tgtEl>
+                                          <p:spTgt spid="14"/>
+                                        </p:tgtEl>
+                                        <p:attrNameLst>
+                                          <p:attrName>style.visibility</p:attrName>
+                                        </p:attrNameLst>
+                                      </p:cBhvr>
+                                      <p:to>
+                                        <p:strVal val="visible"/>
+                                      </p:to>
+                                    </p:set>
+                                    <p:animEffect transition="in" filter="dissolve">
+                                      <p:cBhvr>
+                                        <p:cTn id="10" dur="500"/>
+                                        <p:tgtEl>
+                                          <p:spTgt spid="14"/>
+                                        </p:tgtEl>
+                                      </p:cBhvr>
+                                    </p:animEffect>
+                                  </p:childTnLst>
+                                </p:cTn>
+                              </p:par>
+                            </p:childTnLst>
+                          </p:cTn>
+                        </p:par>
+                      </p:childTnLst>
+                    </p:cTn>
+                  </p:par>
+                  <p:par>
+                    <p:cTn id="11" fill="hold">
+                      <p:stCondLst>
+                        <p:cond delay="indefinite"/>
+                      </p:stCondLst>
+                      <p:childTnLst>
+                        <p:par>
+                          <p:cTn id="12" fill="hold">
+                            <p:stCondLst>
+                              <p:cond delay="0"/>
+                            </p:stCondLst>
+                            <p:childTnLst>
+                              <p:par>
+                                <p:cTn id="13" presetID="9" presetClass="entr" presetSubtype="0" fill="hold" grpId="0" nodeType="clickEffect">
+                                  <p:stCondLst>
+                                    <p:cond delay="0"/>
+                                  </p:stCondLst>
+                                  <p:childTnLst>
+                                    <p:set>
+                                      <p:cBhvr>
+                                        <p:cTn id="14" dur="1" fill="hold">
+                                          <p:stCondLst>
+                                            <p:cond delay="0"/>
+                                          </p:stCondLst>
+                                        </p:cTn>
+                                        <p:tgtEl>
+                                          <p:spTgt spid="3"/>
+                                        </p:tgtEl>
+                                        <p:attrNameLst>
+                                          <p:attrName>style.visibility</p:attrName>
+                                        </p:attrNameLst>
+                                      </p:cBhvr>
+                                      <p:to>
+                                        <p:strVal val="visible"/>
+                                      </p:to>
+                                    </p:set>
+                                    <p:animEffect transition="in" filter="dissolve">
+                                      <p:cBhvr>
+                                        <p:cTn id="15" dur="500"/>
+                                        <p:tgtEl>
+                                          <p:spTgt spid="3"/>
+                                        </p:tgtEl>
+                                      </p:cBhvr>
+                                    </p:animEffect>
+                                  </p:childTnLst>
+                                </p:cTn>
+                              </p:par>
+                            </p:childTnLst>
+                          </p:cTn>
+                        </p:par>
+                      </p:childTnLst>
+                    </p:cTn>
+                  </p:par>
+                  <p:par>
+                    <p:cTn id="16" fill="hold">
+                      <p:stCondLst>
+                        <p:cond delay="indefinite"/>
+                      </p:stCondLst>
+                      <p:childTnLst>
+                        <p:par>
+                          <p:cTn id="17" fill="hold">
+                            <p:stCondLst>
+                              <p:cond delay="0"/>
+                            </p:stCondLst>
+                            <p:childTnLst>
+                              <p:par>
+                                <p:cTn id="18" presetID="0" presetClass="path" presetSubtype="0" accel="50000" decel="50000" fill="hold" nodeType="clickEffect">
+                                  <p:stCondLst>
+                                    <p:cond delay="0"/>
+                                  </p:stCondLst>
+                                  <p:childTnLst>
+                                    <p:animMotion origin="layout" path="M 4.08894E-6 -7.67237E-6 C 0.00052 -0.0051 -0.00035 -0.01088 0.00156 -0.01528 C 0.00243 -0.01782 0.00556 -0.01736 0.00729 -0.01898 C 0.01094 -0.02338 0.01077 -0.02985 0.01441 -0.03425 C 0.01476 -0.03633 0.01511 -0.03842 0.0158 -0.04003 C 0.0165 -0.04235 0.01806 -0.04374 0.01876 -0.04582 C 0.0224 -0.05947 0.02188 -0.07173 0.03022 -0.08191 C 0.03265 -0.09533 0.03995 -0.10852 0.04742 -0.11824 C 0.0495 -0.12125 0.05054 -0.12564 0.05315 -0.12773 C 0.05471 -0.12935 0.05697 -0.12911 0.05888 -0.12981 C 0.06618 -0.13652 0.07191 -0.14068 0.08025 -0.14508 C 0.08285 -0.14438 0.08945 -0.14369 0.09171 -0.13929 C 0.09362 -0.13559 0.09241 -0.12981 0.09466 -0.12587 C 0.09762 -0.11986 0.10752 -0.11245 0.10752 -0.11245 C 0.10908 -0.10922 0.11169 -0.10667 0.11325 -0.10297 C 0.11395 -0.10135 0.11342 -0.0988 0.11464 -0.09718 C 0.11568 -0.0958 0.11742 -0.09603 0.11898 -0.09533 C 0.12385 -0.08654 0.12854 -0.07798 0.13323 -0.06873 C 0.13514 -0.06502 0.13635 -0.0604 0.13896 -0.05716 C 0.14278 -0.05253 0.14712 -0.04744 0.15042 -0.04189 C 0.15424 -0.03541 0.15494 -0.02962 0.1605 -0.02476 C 0.16345 -0.01898 0.16675 -0.0088 0.17057 -0.00371 C 0.17353 0.00809 0.16936 -0.00348 0.1763 0.00393 C 0.1803 0.00832 0.17874 0.01665 0.18204 0.02105 C 0.18308 0.02244 0.18482 0.02221 0.18621 0.0229 C 0.18951 0.03655 0.18725 0.031 0.19211 0.04002 C 0.19333 0.04742 0.19298 0.05552 0.19923 0.04766 C 0.20149 0.04118 0.20566 0.03053 0.2107 0.02683 C 0.21382 0.02429 0.21747 0.02336 0.2206 0.02105 C 0.22199 0.01989 0.22338 0.01781 0.22477 0.01711 C 0.22737 0.01526 0.23363 0.01341 0.23363 0.01341 C 0.25013 0.01688 0.24943 0.01295 0.25638 0.02683 C 0.26072 0.04442 0.26454 0.06316 0.27497 0.07635 C 0.27809 0.08953 0.27566 0.08514 0.28087 0.09162 C 0.28261 0.09879 0.28539 0.10712 0.28938 0.11267 C 0.29129 0.11985 0.29512 0.12308 0.29807 0.12979 C 0.30536 0.14668 0.29651 0.12887 0.3038 0.14321 C 0.30658 0.15918 0.30241 0.14391 0.30953 0.15455 C 0.31283 0.15964 0.31422 0.16705 0.31804 0.1719 C 0.32256 0.17769 0.32881 0.18139 0.33246 0.18903 C 0.33854 0.20152 0.34497 0.22396 0.35678 0.22905 C 0.35713 0.2309 0.3573 0.23299 0.35817 0.23484 C 0.36147 0.24201 0.36112 0.23553 0.36112 0.24062 " pathEditMode="relative" ptsTypes="ffffffffffffffffffffffffffffffffffffffffffA">
+                                      <p:cBhvr>
+                                        <p:cTn id="19" dur="2000" fill="hold"/>
+                                        <p:tgtEl>
+                                          <p:spTgt spid="15"/>
+                                        </p:tgtEl>
+                                        <p:attrNameLst>
+                                          <p:attrName>ppt_x</p:attrName>
+                                          <p:attrName>ppt_y</p:attrName>
+                                        </p:attrNameLst>
+                                      </p:cBhvr>
+                                    </p:animMotion>
+                                  </p:childTnLst>
+                                </p:cTn>
+                              </p:par>
+                            </p:childTnLst>
+                          </p:cTn>
+                        </p:par>
+                      </p:childTnLst>
+                    </p:cTn>
+                  </p:par>
+                  <p:par>
+                    <p:cTn id="20" fill="hold">
+                      <p:stCondLst>
+                        <p:cond delay="indefinite"/>
+                      </p:stCondLst>
+                      <p:childTnLst>
+                        <p:par>
+                          <p:cTn id="21" fill="hold">
+                            <p:stCondLst>
+                              <p:cond delay="0"/>
+                            </p:stCondLst>
+                            <p:childTnLst>
+                              <p:par>
+                                <p:cTn id="22" presetID="9" presetClass="exit" presetSubtype="0" fill="hold" grpId="1" nodeType="clickEffect">
+                                  <p:stCondLst>
+                                    <p:cond delay="0"/>
+                                  </p:stCondLst>
+                                  <p:childTnLst>
+                                    <p:animEffect transition="out" filter="dissolve">
+                                      <p:cBhvr>
+                                        <p:cTn id="23" dur="500"/>
+                                        <p:tgtEl>
+                                          <p:spTgt spid="3"/>
+                                        </p:tgtEl>
+                                      </p:cBhvr>
+                                    </p:animEffect>
+                                    <p:set>
+                                      <p:cBhvr>
+                                        <p:cTn id="24" dur="1" fill="hold">
+                                          <p:stCondLst>
+                                            <p:cond delay="499"/>
+                                          </p:stCondLst>
+                                        </p:cTn>
+                                        <p:tgtEl>
+                                          <p:spTgt spid="3"/>
+                                        </p:tgtEl>
+                                        <p:attrNameLst>
+                                          <p:attrName>style.visibility</p:attrName>
+                                        </p:attrNameLst>
+                                      </p:cBhvr>
+                                      <p:to>
+                                        <p:strVal val="hidden"/>
+                                      </p:to>
+                                    </p:set>
+                                  </p:childTnLst>
+                                </p:cTn>
+                              </p:par>
+                            </p:childTnLst>
+                          </p:cTn>
+                        </p:par>
+                      </p:childTnLst>
+                    </p:cTn>
+                  </p:par>
+                  <p:par>
+                    <p:cTn id="25" fill="hold">
+                      <p:stCondLst>
+                        <p:cond delay="indefinite"/>
+                      </p:stCondLst>
+                      <p:childTnLst>
+                        <p:par>
+                          <p:cTn id="26" fill="hold">
+                            <p:stCondLst>
+                              <p:cond delay="0"/>
+                            </p:stCondLst>
+                            <p:childTnLst>
+                              <p:par>
+                                <p:cTn id="27" presetID="9" presetClass="exit" presetSubtype="0" fill="hold" nodeType="clickEffect">
+                                  <p:stCondLst>
+                                    <p:cond delay="0"/>
+                                  </p:stCondLst>
+                                  <p:childTnLst>
+                                    <p:animEffect transition="out" filter="dissolve">
+                                      <p:cBhvr>
+                                        <p:cTn id="28" dur="500"/>
+                                        <p:tgtEl>
+                                          <p:spTgt spid="15"/>
+                                        </p:tgtEl>
+                                      </p:cBhvr>
+                                    </p:animEffect>
+                                    <p:set>
+                                      <p:cBhvr>
+                                        <p:cTn id="29" dur="1" fill="hold">
+                                          <p:stCondLst>
+                                            <p:cond delay="499"/>
+                                          </p:stCondLst>
+                                        </p:cTn>
+                                        <p:tgtEl>
+                                          <p:spTgt spid="15"/>
+                                        </p:tgtEl>
+                                        <p:attrNameLst>
+                                          <p:attrName>style.visibility</p:attrName>
+                                        </p:attrNameLst>
+                                      </p:cBhvr>
+                                      <p:to>
+                                        <p:strVal val="hidden"/>
+                                      </p:to>
+                                    </p:set>
+                                  </p:childTnLst>
+                                </p:cTn>
+                              </p:par>
+                            </p:childTnLst>
+                          </p:cTn>
+                        </p:par>
+                      </p:childTnLst>
+                    </p:cTn>
+                  </p:par>
+                  <p:par>
+                    <p:cTn id="30" fill="hold">
+                      <p:stCondLst>
+                        <p:cond delay="indefinite"/>
+                      </p:stCondLst>
+                      <p:childTnLst>
+                        <p:par>
+                          <p:cTn id="31" fill="hold">
+                            <p:stCondLst>
+                              <p:cond delay="0"/>
+                            </p:stCondLst>
+                            <p:childTnLst>
+                              <p:par>
+                                <p:cTn id="32" presetID="9" presetClass="entr" presetSubtype="0" fill="hold" grpId="0" nodeType="clickEffect">
+                                  <p:stCondLst>
+                                    <p:cond delay="0"/>
+                                  </p:stCondLst>
+                                  <p:childTnLst>
+                                    <p:set>
+                                      <p:cBhvr>
+                                        <p:cTn id="33" dur="1" fill="hold">
+                                          <p:stCondLst>
+                                            <p:cond delay="0"/>
+                                          </p:stCondLst>
+                                        </p:cTn>
+                                        <p:tgtEl>
+                                          <p:spTgt spid="11"/>
+                                        </p:tgtEl>
+                                        <p:attrNameLst>
+                                          <p:attrName>style.visibility</p:attrName>
+                                        </p:attrNameLst>
+                                      </p:cBhvr>
+                                      <p:to>
+                                        <p:strVal val="visible"/>
+                                      </p:to>
+                                    </p:set>
+                                    <p:animEffect transition="in" filter="dissolve">
+                                      <p:cBhvr>
+                                        <p:cTn id="34" dur="500"/>
+                                        <p:tgtEl>
+                                          <p:spTgt spid="11"/>
+                                        </p:tgtEl>
+                                      </p:cBhvr>
+                                    </p:animEffect>
+                                  </p:childTnLst>
+                                </p:cTn>
+                              </p:par>
+                            </p:childTnLst>
+                          </p:cTn>
+                        </p:par>
+                      </p:childTnLst>
+                    </p:cTn>
+                  </p:par>
+                  <p:par>
+                    <p:cTn id="35" fill="hold">
+                      <p:stCondLst>
+                        <p:cond delay="indefinite"/>
+                      </p:stCondLst>
+                      <p:childTnLst>
+                        <p:par>
+                          <p:cTn id="36" fill="hold">
+                            <p:stCondLst>
+                              <p:cond delay="0"/>
+                            </p:stCondLst>
+                            <p:childTnLst>
+                              <p:par>
+                                <p:cTn id="37" presetID="0" presetClass="path" presetSubtype="0" accel="50000" decel="50000" fill="hold" nodeType="clickEffect">
+                                  <p:stCondLst>
+                                    <p:cond delay="0"/>
+                                  </p:stCondLst>
+                                  <p:childTnLst>
+                                    <p:animMotion origin="layout" path="M 2.72711E-7 8.91254E-6 C 0.00226 0.02476 0.00938 0.05901 0.02293 0.07821 C 0.02345 0.08006 0.02345 0.08237 0.02449 0.08399 C 0.02553 0.08561 0.02762 0.08561 0.02866 0.0877 C 0.03387 0.0988 0.03214 0.11037 0.04447 0.11639 C 0.04968 0.12286 0.04568 0.11893 0.05593 0.12402 C 0.05819 0.12518 0.06305 0.12772 0.06305 0.12772 C 0.06497 0.12703 0.06705 0.12726 0.06879 0.12587 C 0.07018 0.12448 0.07035 0.12171 0.07174 0.12009 C 0.07556 0.11477 0.08234 0.10898 0.08755 0.10667 C 0.09519 0.1106 0.1037 0.11662 0.11186 0.12009 C 0.11273 0.12125 0.11395 0.1224 0.11464 0.12402 C 0.11586 0.12749 0.11551 0.13235 0.1176 0.13536 C 0.12142 0.14091 0.11951 0.13767 0.12333 0.14485 C 0.12454 0.15364 0.12541 0.15942 0.13045 0.1659 C 0.13358 0.17909 0.13097 0.17469 0.13618 0.18117 C 0.13879 0.19205 0.14504 0.20292 0.14904 0.21356 C 0.15234 0.22236 0.15373 0.23323 0.15911 0.2404 C 0.16067 0.24711 0.16085 0.25243 0.16484 0.25752 C 0.1671 0.27025 0.17179 0.26932 0.17631 0.27858 C 0.1843 0.29547 0.19906 0.30334 0.20775 0.32046 C 0.21174 0.32833 0.21695 0.33457 0.22216 0.34151 C 0.22408 0.34406 0.22599 0.3466 0.2279 0.34915 C 0.22877 0.35031 0.23068 0.35308 0.23068 0.35308 " pathEditMode="relative" ptsTypes="fffffffffffffffffffffffA">
+                                      <p:cBhvr>
+                                        <p:cTn id="38" dur="2000" fill="hold"/>
+                                        <p:tgtEl>
+                                          <p:spTgt spid="14"/>
+                                        </p:tgtEl>
+                                        <p:attrNameLst>
+                                          <p:attrName>ppt_x</p:attrName>
+                                          <p:attrName>ppt_y</p:attrName>
+                                        </p:attrNameLst>
+                                      </p:cBhvr>
+                                    </p:animMotion>
+                                  </p:childTnLst>
+                                </p:cTn>
+                              </p:par>
+                            </p:childTnLst>
+                          </p:cTn>
+                        </p:par>
+                      </p:childTnLst>
+                    </p:cTn>
+                  </p:par>
+                  <p:par>
+                    <p:cTn id="39" fill="hold">
+                      <p:stCondLst>
+                        <p:cond delay="indefinite"/>
+                      </p:stCondLst>
+                      <p:childTnLst>
+                        <p:par>
+                          <p:cTn id="40" fill="hold">
+                            <p:stCondLst>
+                              <p:cond delay="0"/>
+                            </p:stCondLst>
+                            <p:childTnLst>
+                              <p:par>
+                                <p:cTn id="41" presetID="9" presetClass="exit" presetSubtype="0" fill="hold" nodeType="clickEffect">
+                                  <p:stCondLst>
+                                    <p:cond delay="0"/>
+                                  </p:stCondLst>
+                                  <p:childTnLst>
+                                    <p:animEffect transition="out" filter="dissolve">
+                                      <p:cBhvr>
+                                        <p:cTn id="42" dur="500"/>
+                                        <p:tgtEl>
+                                          <p:spTgt spid="14"/>
+                                        </p:tgtEl>
+                                      </p:cBhvr>
+                                    </p:animEffect>
+                                    <p:set>
+                                      <p:cBhvr>
+                                        <p:cTn id="43" dur="1" fill="hold">
+                                          <p:stCondLst>
+                                            <p:cond delay="499"/>
+                                          </p:stCondLst>
+                                        </p:cTn>
+                                        <p:tgtEl>
+                                          <p:spTgt spid="14"/>
+                                        </p:tgtEl>
+                                        <p:attrNameLst>
+                                          <p:attrName>style.visibility</p:attrName>
+                                        </p:attrNameLst>
+                                      </p:cBhvr>
+                                      <p:to>
+                                        <p:strVal val="hidden"/>
+                                      </p:to>
+                                    </p:set>
+                                  </p:childTnLst>
+                                </p:cTn>
+                              </p:par>
+                            </p:childTnLst>
+                          </p:cTn>
+                        </p:par>
+                      </p:childTnLst>
+                    </p:cTn>
+                  </p:par>
+                  <p:par>
+                    <p:cTn id="44" fill="hold">
+                      <p:stCondLst>
+                        <p:cond delay="indefinite"/>
+                      </p:stCondLst>
+                      <p:childTnLst>
+                        <p:par>
+                          <p:cTn id="45" fill="hold">
+                            <p:stCondLst>
+                              <p:cond delay="0"/>
+                            </p:stCondLst>
+                            <p:childTnLst>
+                              <p:par>
+                                <p:cTn id="46" presetID="9" presetClass="exit" presetSubtype="0" fill="hold" grpId="1" nodeType="clickEffect">
+                                  <p:stCondLst>
+                                    <p:cond delay="0"/>
+                                  </p:stCondLst>
+                                  <p:childTnLst>
+                                    <p:animEffect transition="out" filter="dissolve">
+                                      <p:cBhvr>
+                                        <p:cTn id="47" dur="500"/>
+                                        <p:tgtEl>
+                                          <p:spTgt spid="11"/>
+                                        </p:tgtEl>
+                                      </p:cBhvr>
+                                    </p:animEffect>
+                                    <p:set>
+                                      <p:cBhvr>
+                                        <p:cTn id="48" dur="1" fill="hold">
+                                          <p:stCondLst>
+                                            <p:cond delay="499"/>
+                                          </p:stCondLst>
+                                        </p:cTn>
+                                        <p:tgtEl>
+                                          <p:spTgt spid="11"/>
+                                        </p:tgtEl>
+                                        <p:attrNameLst>
+                                          <p:attrName>style.visibility</p:attrName>
+                                        </p:attrNameLst>
+                                      </p:cBhvr>
+                                      <p:to>
+                                        <p:strVal val="hidden"/>
+                                      </p:to>
+                                    </p:set>
+                                  </p:childTnLst>
+                                </p:cTn>
+                              </p:par>
+                            </p:childTnLst>
+                          </p:cTn>
+                        </p:par>
+                      </p:childTnLst>
+                    </p:cTn>
+                  </p:par>
+                  <p:par>
+                    <p:cTn id="49" fill="hold">
+                      <p:stCondLst>
+                        <p:cond delay="indefinite"/>
+                      </p:stCondLst>
+                      <p:childTnLst>
+                        <p:par>
+                          <p:cTn id="50" fill="hold">
+                            <p:stCondLst>
+                              <p:cond delay="0"/>
+                            </p:stCondLst>
+                            <p:childTnLst>
+                              <p:par>
+                                <p:cTn id="51" presetID="9" presetClass="entr" presetSubtype="0" fill="hold" nodeType="clickEffect">
+                                  <p:stCondLst>
+                                    <p:cond delay="0"/>
+                                  </p:stCondLst>
+                                  <p:childTnLst>
+                                    <p:set>
+                                      <p:cBhvr>
+                                        <p:cTn id="52" dur="1" fill="hold">
+                                          <p:stCondLst>
+                                            <p:cond delay="0"/>
+                                          </p:stCondLst>
+                                        </p:cTn>
+                                        <p:tgtEl>
+                                          <p:spTgt spid="19"/>
+                                        </p:tgtEl>
+                                        <p:attrNameLst>
+                                          <p:attrName>style.visibility</p:attrName>
+                                        </p:attrNameLst>
+                                      </p:cBhvr>
+                                      <p:to>
+                                        <p:strVal val="visible"/>
+                                      </p:to>
+                                    </p:set>
+                                    <p:animEffect transition="in" filter="dissolve">
+                                      <p:cBhvr>
+                                        <p:cTn id="53" dur="500"/>
+                                        <p:tgtEl>
+                                          <p:spTgt spid="19"/>
+                                        </p:tgtEl>
+                                      </p:cBhvr>
+                                    </p:animEffect>
+                                  </p:childTnLst>
+                                </p:cTn>
+                              </p:par>
+                            </p:childTnLst>
+                          </p:cTn>
+                        </p:par>
+                      </p:childTnLst>
+                    </p:cTn>
+                  </p:par>
+                  <p:par>
+                    <p:cTn id="54" fill="hold">
+                      <p:stCondLst>
+                        <p:cond delay="indefinite"/>
+                      </p:stCondLst>
+                      <p:childTnLst>
+                        <p:par>
+                          <p:cTn id="55" fill="hold">
+                            <p:stCondLst>
+                              <p:cond delay="0"/>
+                            </p:stCondLst>
+                            <p:childTnLst>
+                              <p:par>
+                                <p:cTn id="56" presetID="0" presetClass="path" presetSubtype="0" accel="50000" decel="50000" fill="hold" nodeType="clickEffect">
+                                  <p:stCondLst>
+                                    <p:cond delay="0"/>
+                                  </p:stCondLst>
+                                  <p:childTnLst>
+                                    <p:animMotion origin="layout" path="M -2.92687E-6 2.13327E-6 C 0.00104 -0.01805 0.00018 -0.03656 0.00434 -0.05345 C 0.00834 -0.07057 0.0139 -0.08908 0.02015 -0.10504 C 0.02189 -0.11545 0.02467 -0.12055 0.03005 -0.12795 C 0.03318 -0.13952 0.02901 -0.12887 0.03578 -0.13558 C 0.03839 -0.13836 0.0476 -0.14854 0.0502 -0.15271 C 0.05124 -0.15479 0.05732 -0.16705 0.05871 -0.16798 C 0.06253 -0.17122 0.06722 -0.17168 0.07157 -0.17376 C 0.07626 -0.17307 0.08112 -0.1733 0.08598 -0.17168 C 0.09154 -0.17006 0.0945 -0.16104 0.10023 -0.15849 C 0.10353 -0.14623 0.11048 -0.14993 0.11325 -0.16034 C 0.11621 -0.17237 0.11951 -0.1844 0.12177 -0.19644 C 0.12316 -0.20546 0.12333 -0.21495 0.12611 -0.22328 C 0.12663 -0.22559 0.12732 -0.2279 0.12889 -0.22906 C 0.13132 -0.23137 0.13757 -0.23276 0.13757 -0.23276 C 0.13983 -0.23623 0.14331 -0.2397 0.14331 -0.24433 " pathEditMode="relative" ptsTypes="fffffffffffffffA">
+                                      <p:cBhvr>
+                                        <p:cTn id="57" dur="2000" fill="hold"/>
+                                        <p:tgtEl>
+                                          <p:spTgt spid="19"/>
+                                        </p:tgtEl>
+                                        <p:attrNameLst>
+                                          <p:attrName>ppt_x</p:attrName>
+                                          <p:attrName>ppt_y</p:attrName>
+                                        </p:attrNameLst>
+                                      </p:cBhvr>
+                                    </p:animMotion>
+                                  </p:childTnLst>
+                                </p:cTn>
+                              </p:par>
+                            </p:childTnLst>
+                          </p:cTn>
+                        </p:par>
+                      </p:childTnLst>
+                    </p:cTn>
+                  </p:par>
+                  <p:par>
+                    <p:cTn id="58" fill="hold">
+                      <p:stCondLst>
+                        <p:cond delay="indefinite"/>
+                      </p:stCondLst>
+                      <p:childTnLst>
+                        <p:par>
+                          <p:cTn id="59" fill="hold">
+                            <p:stCondLst>
+                              <p:cond delay="0"/>
+                            </p:stCondLst>
+                            <p:childTnLst>
+                              <p:par>
+                                <p:cTn id="60" presetID="9" presetClass="entr" presetSubtype="0" fill="hold" grpId="0" nodeType="clickEffect">
+                                  <p:stCondLst>
+                                    <p:cond delay="0"/>
+                                  </p:stCondLst>
+                                  <p:childTnLst>
+                                    <p:set>
+                                      <p:cBhvr>
+                                        <p:cTn id="61" dur="1" fill="hold">
+                                          <p:stCondLst>
+                                            <p:cond delay="0"/>
+                                          </p:stCondLst>
+                                        </p:cTn>
+                                        <p:tgtEl>
+                                          <p:spTgt spid="5"/>
+                                        </p:tgtEl>
+                                        <p:attrNameLst>
+                                          <p:attrName>style.visibility</p:attrName>
+                                        </p:attrNameLst>
+                                      </p:cBhvr>
+                                      <p:to>
+                                        <p:strVal val="visible"/>
+                                      </p:to>
+                                    </p:set>
+                                    <p:animEffect transition="in" filter="dissolve">
+                                      <p:cBhvr>
+                                        <p:cTn id="62" dur="500"/>
+                                        <p:tgtEl>
+                                          <p:spTgt spid="5"/>
+                                        </p:tgtEl>
+                                      </p:cBhvr>
+                                    </p:animEffect>
+                                  </p:childTnLst>
+                                </p:cTn>
+                              </p:par>
+                            </p:childTnLst>
+                          </p:cTn>
+                        </p:par>
+                      </p:childTnLst>
+                    </p:cTn>
+                  </p:par>
+                </p:childTnLst>
+              </p:cTn>
+              <p:prevCondLst>
+                <p:cond evt="onPrev" delay="0">
+                  <p:tgtEl>
+                    <p:sldTgt/>
+                  </p:tgtEl>
+                </p:cond>
+              </p:prevCondLst>
+              <p:nextCondLst>
+                <p:cond evt="onNext" delay="0">
+                  <p:tgtEl>
+                    <p:sldTgt/>
+                  </p:tgtEl>
+                </p:cond>
+              </p:nextCondLst>
+            </p:seq>
+          </p:childTnLst>
+        </p:cTn>
+      </p:par>
+    </p:tnLst>
+    <p:bldLst>
+      <p:bldP spid="3" grpId="0"/>
+      <p:bldP spid="3" grpId="1"/>
+      <p:bldP spid="11" grpId="0"/>
+      <p:bldP spid="11" grpId="1"/>
+      <p:bldP spid="5" grpId="0"/>
+    </p:bldLst>
+  </p:timing>
+</p:sld>
+</file>
+
+<file path=ppt/slides/slide60.xml><?xml version="1.0" encoding="utf-8"?>
 <p:sld xmlns:a="http://schemas.openxmlformats.org/drawingml/2006/main" xmlns:r="http://schemas.openxmlformats.org/officeDocument/2006/relationships" xmlns:p="http://schemas.openxmlformats.org/presentationml/2006/main">
   <p:cSld>
     <p:spTree>
@@ -30715,7 +29053,7 @@
     </p:spTree>
     <p:extLst>
       <p:ext uri="{BB962C8B-B14F-4D97-AF65-F5344CB8AC3E}">
-        <p14:creationId xmlns:p14="http://schemas.microsoft.com/office/powerpoint/2010/main" val="1850839769"/>
+        <p14:creationId xmlns:p14="http://schemas.microsoft.com/office/powerpoint/2010/main" val="3153586729"/>
       </p:ext>
     </p:extLst>
   </p:cSld>
@@ -31161,7 +29499,7 @@
 </p:sld>
 </file>
 
-<file path=ppt/slides/slide68.xml><?xml version="1.0" encoding="utf-8"?>
+<file path=ppt/slides/slide61.xml><?xml version="1.0" encoding="utf-8"?>
 <p:sld xmlns:a="http://schemas.openxmlformats.org/drawingml/2006/main" xmlns:r="http://schemas.openxmlformats.org/officeDocument/2006/relationships" xmlns:p="http://schemas.openxmlformats.org/presentationml/2006/main">
   <p:cSld>
     <p:spTree>
@@ -31667,7 +30005,7 @@
     </p:spTree>
     <p:extLst>
       <p:ext uri="{BB962C8B-B14F-4D97-AF65-F5344CB8AC3E}">
-        <p14:creationId xmlns:p14="http://schemas.microsoft.com/office/powerpoint/2010/main" val="3796344495"/>
+        <p14:creationId xmlns:p14="http://schemas.microsoft.com/office/powerpoint/2010/main" val="2542457095"/>
       </p:ext>
     </p:extLst>
   </p:cSld>
@@ -32340,7 +30678,7 @@
 </p:sld>
 </file>
 
-<file path=ppt/slides/slide69.xml><?xml version="1.0" encoding="utf-8"?>
+<file path=ppt/slides/slide62.xml><?xml version="1.0" encoding="utf-8"?>
 <p:sld xmlns:a="http://schemas.openxmlformats.org/drawingml/2006/main" xmlns:r="http://schemas.openxmlformats.org/officeDocument/2006/relationships" xmlns:p="http://schemas.openxmlformats.org/presentationml/2006/main">
   <p:cSld>
     <p:spTree>
@@ -32945,7 +31283,7 @@
     </p:spTree>
     <p:extLst>
       <p:ext uri="{BB962C8B-B14F-4D97-AF65-F5344CB8AC3E}">
-        <p14:creationId xmlns:p14="http://schemas.microsoft.com/office/powerpoint/2010/main" val="2446607637"/>
+        <p14:creationId xmlns:p14="http://schemas.microsoft.com/office/powerpoint/2010/main" val="687816515"/>
       </p:ext>
     </p:extLst>
   </p:cSld>
@@ -33126,6 +31464,1680 @@
       <p:bldP spid="10" grpId="0"/>
       <p:bldP spid="31" grpId="0"/>
     </p:bldLst>
+  </p:timing>
+</p:sld>
+</file>
+
+<file path=ppt/slides/slide63.xml><?xml version="1.0" encoding="utf-8"?>
+<p:sld xmlns:a="http://schemas.openxmlformats.org/drawingml/2006/main" xmlns:r="http://schemas.openxmlformats.org/officeDocument/2006/relationships" xmlns:p="http://schemas.openxmlformats.org/presentationml/2006/main">
+  <p:cSld>
+    <p:spTree>
+      <p:nvGrpSpPr>
+        <p:cNvPr id="1" name=""/>
+        <p:cNvGrpSpPr/>
+        <p:nvPr/>
+      </p:nvGrpSpPr>
+      <p:grpSpPr>
+        <a:xfrm>
+          <a:off x="0" y="0"/>
+          <a:ext cx="0" cy="0"/>
+          <a:chOff x="0" y="0"/>
+          <a:chExt cx="0" cy="0"/>
+        </a:xfrm>
+      </p:grpSpPr>
+      <p:sp>
+        <p:nvSpPr>
+          <p:cNvPr id="2" name="Title 1"/>
+          <p:cNvSpPr>
+            <a:spLocks noGrp="1"/>
+          </p:cNvSpPr>
+          <p:nvPr>
+            <p:ph type="title"/>
+          </p:nvPr>
+        </p:nvSpPr>
+        <p:spPr/>
+        <p:txBody>
+          <a:bodyPr/>
+          <a:lstStyle/>
+          <a:p>
+            <a:r>
+              <a:rPr lang="en-US" dirty="0" smtClean="0"/>
+              <a:t>Disorderly programming</a:t>
+            </a:r>
+            <a:endParaRPr lang="en-US" dirty="0"/>
+          </a:p>
+        </p:txBody>
+      </p:sp>
+      <p:sp>
+        <p:nvSpPr>
+          <p:cNvPr id="3" name="Content Placeholder 2"/>
+          <p:cNvSpPr>
+            <a:spLocks noGrp="1"/>
+          </p:cNvSpPr>
+          <p:nvPr>
+            <p:ph idx="1"/>
+          </p:nvPr>
+        </p:nvSpPr>
+        <p:spPr/>
+        <p:txBody>
+          <a:bodyPr/>
+          <a:lstStyle/>
+          <a:p>
+            <a:pPr marL="0" indent="0">
+              <a:buNone/>
+            </a:pPr>
+            <a:r>
+              <a:rPr lang="en-US" dirty="0" smtClean="0"/>
+              <a:t>An aside about logic programming:</a:t>
+            </a:r>
+          </a:p>
+          <a:p>
+            <a:pPr marL="0" indent="0">
+              <a:buNone/>
+            </a:pPr>
+            <a:endParaRPr lang="en-US" dirty="0"/>
+          </a:p>
+          <a:p>
+            <a:pPr marL="0" indent="0">
+              <a:buNone/>
+            </a:pPr>
+            <a:r>
+              <a:rPr lang="en-US" dirty="0" smtClean="0"/>
+              <a:t>In (classical) logic, theories are </a:t>
+            </a:r>
+          </a:p>
+          <a:p>
+            <a:r>
+              <a:rPr lang="en-US" dirty="0" smtClean="0"/>
+              <a:t>Associative and commutative</a:t>
+            </a:r>
+          </a:p>
+          <a:p>
+            <a:pPr lvl="1"/>
+            <a:r>
+              <a:rPr lang="en-US" dirty="0" smtClean="0"/>
+              <a:t>Consequences are the same regardless of the order in which we make deductions</a:t>
+            </a:r>
+          </a:p>
+          <a:p>
+            <a:r>
+              <a:rPr lang="en-US" dirty="0" smtClean="0"/>
+              <a:t>Idempotent</a:t>
+            </a:r>
+          </a:p>
+          <a:p>
+            <a:pPr lvl="1"/>
+            <a:r>
+              <a:rPr lang="en-US" dirty="0" smtClean="0"/>
+              <a:t>Axioms can be reiterated freely</a:t>
+            </a:r>
+          </a:p>
+          <a:p>
+            <a:pPr marL="457200" lvl="1" indent="0">
+              <a:buNone/>
+            </a:pPr>
+            <a:endParaRPr lang="en-US" dirty="0" smtClean="0"/>
+          </a:p>
+          <a:p>
+            <a:pPr lvl="1"/>
+            <a:endParaRPr lang="en-US" dirty="0"/>
+          </a:p>
+        </p:txBody>
+      </p:sp>
+    </p:spTree>
+    <p:extLst>
+      <p:ext uri="{BB962C8B-B14F-4D97-AF65-F5344CB8AC3E}">
+        <p14:creationId xmlns:p14="http://schemas.microsoft.com/office/powerpoint/2010/main" val="3275455917"/>
+      </p:ext>
+    </p:extLst>
+  </p:cSld>
+  <p:clrMapOvr>
+    <a:masterClrMapping/>
+  </p:clrMapOvr>
+  <p:timing>
+    <p:tnLst>
+      <p:par>
+        <p:cTn xmlns:p14="http://schemas.microsoft.com/office/powerpoint/2010/main" id="1" dur="indefinite" restart="never" nodeType="tmRoot"/>
+      </p:par>
+    </p:tnLst>
+  </p:timing>
+</p:sld>
+</file>
+
+<file path=ppt/slides/slide64.xml><?xml version="1.0" encoding="utf-8"?>
+<p:sld xmlns:a="http://schemas.openxmlformats.org/drawingml/2006/main" xmlns:r="http://schemas.openxmlformats.org/officeDocument/2006/relationships" xmlns:p="http://schemas.openxmlformats.org/presentationml/2006/main">
+  <p:cSld>
+    <p:spTree>
+      <p:nvGrpSpPr>
+        <p:cNvPr id="1" name=""/>
+        <p:cNvGrpSpPr/>
+        <p:nvPr/>
+      </p:nvGrpSpPr>
+      <p:grpSpPr>
+        <a:xfrm>
+          <a:off x="0" y="0"/>
+          <a:ext cx="0" cy="0"/>
+          <a:chOff x="0" y="0"/>
+          <a:chExt cx="0" cy="0"/>
+        </a:xfrm>
+      </p:grpSpPr>
+      <p:sp>
+        <p:nvSpPr>
+          <p:cNvPr id="2" name="Title 1"/>
+          <p:cNvSpPr>
+            <a:spLocks noGrp="1"/>
+          </p:cNvSpPr>
+          <p:nvPr>
+            <p:ph type="title"/>
+          </p:nvPr>
+        </p:nvSpPr>
+        <p:spPr/>
+        <p:txBody>
+          <a:bodyPr/>
+          <a:lstStyle/>
+          <a:p>
+            <a:r>
+              <a:rPr lang="en-US" dirty="0" smtClean="0"/>
+              <a:t>Disorderly programming</a:t>
+            </a:r>
+            <a:endParaRPr lang="en-US" dirty="0"/>
+          </a:p>
+        </p:txBody>
+      </p:sp>
+      <p:sp>
+        <p:nvSpPr>
+          <p:cNvPr id="3" name="Content Placeholder 2"/>
+          <p:cNvSpPr>
+            <a:spLocks noGrp="1"/>
+          </p:cNvSpPr>
+          <p:nvPr>
+            <p:ph idx="1"/>
+          </p:nvPr>
+        </p:nvSpPr>
+        <p:spPr/>
+        <p:txBody>
+          <a:bodyPr>
+            <a:normAutofit lnSpcReduction="10000"/>
+          </a:bodyPr>
+          <a:lstStyle/>
+          <a:p>
+            <a:pPr marL="0" indent="0">
+              <a:buNone/>
+            </a:pPr>
+            <a:r>
+              <a:rPr lang="en-US" dirty="0"/>
+              <a:t>An aside about logic programming:</a:t>
+            </a:r>
+          </a:p>
+          <a:p>
+            <a:pPr marL="0" indent="0">
+              <a:buNone/>
+            </a:pPr>
+            <a:endParaRPr lang="en-US" dirty="0" smtClean="0"/>
+          </a:p>
+          <a:p>
+            <a:pPr marL="0" indent="0">
+              <a:buNone/>
+            </a:pPr>
+            <a:r>
+              <a:rPr lang="en-US" dirty="0" smtClean="0"/>
+              <a:t>In (classical) logic, theories are Associative, Commutative, and Idempotent </a:t>
+            </a:r>
+            <a:r>
+              <a:rPr lang="en-US" i="1" dirty="0" smtClean="0"/>
+              <a:t>because</a:t>
+            </a:r>
+            <a:endParaRPr lang="en-US" dirty="0"/>
+          </a:p>
+          <a:p>
+            <a:pPr marL="0" indent="0">
+              <a:buNone/>
+            </a:pPr>
+            <a:endParaRPr lang="en-US" dirty="0" smtClean="0"/>
+          </a:p>
+          <a:p>
+            <a:pPr marL="0" indent="0">
+              <a:buNone/>
+            </a:pPr>
+            <a:r>
+              <a:rPr lang="en-US" dirty="0" smtClean="0"/>
+              <a:t>Knowledge is </a:t>
+            </a:r>
+            <a:r>
+              <a:rPr lang="en-US" i="1" dirty="0" smtClean="0"/>
+              <a:t>monotonic:</a:t>
+            </a:r>
+          </a:p>
+          <a:p>
+            <a:pPr marL="0" indent="0">
+              <a:buNone/>
+            </a:pPr>
+            <a:endParaRPr lang="en-US" i="1" dirty="0"/>
+          </a:p>
+          <a:p>
+            <a:pPr marL="0" indent="0">
+              <a:buNone/>
+            </a:pPr>
+            <a:r>
+              <a:rPr lang="en-US" i="1" dirty="0" smtClean="0"/>
+              <a:t>The more you know, the more you know</a:t>
+            </a:r>
+          </a:p>
+        </p:txBody>
+      </p:sp>
+    </p:spTree>
+    <p:extLst>
+      <p:ext uri="{BB962C8B-B14F-4D97-AF65-F5344CB8AC3E}">
+        <p14:creationId xmlns:p14="http://schemas.microsoft.com/office/powerpoint/2010/main" val="23523355"/>
+      </p:ext>
+    </p:extLst>
+  </p:cSld>
+  <p:clrMapOvr>
+    <a:masterClrMapping/>
+  </p:clrMapOvr>
+  <p:timing>
+    <p:tnLst>
+      <p:par>
+        <p:cTn xmlns:p14="http://schemas.microsoft.com/office/powerpoint/2010/main" id="1" dur="indefinite" restart="never" nodeType="tmRoot"/>
+      </p:par>
+    </p:tnLst>
+  </p:timing>
+</p:sld>
+</file>
+
+<file path=ppt/slides/slide65.xml><?xml version="1.0" encoding="utf-8"?>
+<p:sld xmlns:a="http://schemas.openxmlformats.org/drawingml/2006/main" xmlns:r="http://schemas.openxmlformats.org/officeDocument/2006/relationships" xmlns:p="http://schemas.openxmlformats.org/presentationml/2006/main">
+  <p:cSld>
+    <p:spTree>
+      <p:nvGrpSpPr>
+        <p:cNvPr id="1" name=""/>
+        <p:cNvGrpSpPr/>
+        <p:nvPr/>
+      </p:nvGrpSpPr>
+      <p:grpSpPr>
+        <a:xfrm>
+          <a:off x="0" y="0"/>
+          <a:ext cx="0" cy="0"/>
+          <a:chOff x="0" y="0"/>
+          <a:chExt cx="0" cy="0"/>
+        </a:xfrm>
+      </p:grpSpPr>
+      <p:sp>
+        <p:nvSpPr>
+          <p:cNvPr id="2" name="Title 1"/>
+          <p:cNvSpPr>
+            <a:spLocks noGrp="1"/>
+          </p:cNvSpPr>
+          <p:nvPr>
+            <p:ph type="title"/>
+          </p:nvPr>
+        </p:nvSpPr>
+        <p:spPr/>
+        <p:txBody>
+          <a:bodyPr/>
+          <a:lstStyle/>
+          <a:p>
+            <a:r>
+              <a:rPr lang="en-US" dirty="0" smtClean="0"/>
+              <a:t>Disorderly programming</a:t>
+            </a:r>
+            <a:endParaRPr lang="en-US" dirty="0"/>
+          </a:p>
+        </p:txBody>
+      </p:sp>
+      <p:sp>
+        <p:nvSpPr>
+          <p:cNvPr id="3" name="Content Placeholder 2"/>
+          <p:cNvSpPr>
+            <a:spLocks noGrp="1"/>
+          </p:cNvSpPr>
+          <p:nvPr>
+            <p:ph idx="1"/>
+          </p:nvPr>
+        </p:nvSpPr>
+        <p:spPr/>
+        <p:txBody>
+          <a:bodyPr>
+            <a:normAutofit/>
+          </a:bodyPr>
+          <a:lstStyle/>
+          <a:p>
+            <a:pPr marL="0" indent="0">
+              <a:buNone/>
+            </a:pPr>
+            <a:r>
+              <a:rPr lang="en-US" dirty="0"/>
+              <a:t>An aside about logic programming:</a:t>
+            </a:r>
+          </a:p>
+          <a:p>
+            <a:pPr marL="0" indent="0">
+              <a:buNone/>
+            </a:pPr>
+            <a:endParaRPr lang="en-US" dirty="0" smtClean="0"/>
+          </a:p>
+          <a:p>
+            <a:pPr marL="0" indent="0">
+              <a:buNone/>
+            </a:pPr>
+            <a:r>
+              <a:rPr lang="en-US" dirty="0" smtClean="0"/>
+              <a:t>It is challenging to even </a:t>
+            </a:r>
+            <a:r>
+              <a:rPr lang="en-US" i="1" dirty="0" smtClean="0"/>
+              <a:t>talk</a:t>
+            </a:r>
+            <a:r>
+              <a:rPr lang="en-US" dirty="0" smtClean="0"/>
+              <a:t> about order in logic programming languages [</a:t>
+            </a:r>
+            <a:r>
+              <a:rPr lang="en-US" dirty="0" err="1" smtClean="0"/>
+              <a:t>dedalus</a:t>
+            </a:r>
+            <a:r>
+              <a:rPr lang="en-US" dirty="0" smtClean="0"/>
+              <a:t>].</a:t>
+            </a:r>
+          </a:p>
+          <a:p>
+            <a:pPr marL="0" indent="0">
+              <a:buNone/>
+            </a:pPr>
+            <a:endParaRPr lang="en-US" dirty="0"/>
+          </a:p>
+          <a:p>
+            <a:pPr marL="0" indent="0">
+              <a:buNone/>
+            </a:pPr>
+            <a:r>
+              <a:rPr lang="en-US" dirty="0" smtClean="0"/>
+              <a:t>Yet we can build … </a:t>
+            </a:r>
+            <a:endParaRPr lang="en-US" i="1" dirty="0" smtClean="0"/>
+          </a:p>
+        </p:txBody>
+      </p:sp>
+    </p:spTree>
+    <p:extLst>
+      <p:ext uri="{BB962C8B-B14F-4D97-AF65-F5344CB8AC3E}">
+        <p14:creationId xmlns:p14="http://schemas.microsoft.com/office/powerpoint/2010/main" val="1794628599"/>
+      </p:ext>
+    </p:extLst>
+  </p:cSld>
+  <p:clrMapOvr>
+    <a:masterClrMapping/>
+  </p:clrMapOvr>
+  <p:timing>
+    <p:tnLst>
+      <p:par>
+        <p:cTn xmlns:p14="http://schemas.microsoft.com/office/powerpoint/2010/main" id="1" dur="indefinite" restart="never" nodeType="tmRoot"/>
+      </p:par>
+    </p:tnLst>
+  </p:timing>
+</p:sld>
+</file>
+
+<file path=ppt/slides/slide66.xml><?xml version="1.0" encoding="utf-8"?>
+<p:sld xmlns:a="http://schemas.openxmlformats.org/drawingml/2006/main" xmlns:r="http://schemas.openxmlformats.org/officeDocument/2006/relationships" xmlns:p="http://schemas.openxmlformats.org/presentationml/2006/main">
+  <p:cSld>
+    <p:spTree>
+      <p:nvGrpSpPr>
+        <p:cNvPr id="1" name=""/>
+        <p:cNvGrpSpPr/>
+        <p:nvPr/>
+      </p:nvGrpSpPr>
+      <p:grpSpPr>
+        <a:xfrm>
+          <a:off x="0" y="0"/>
+          <a:ext cx="0" cy="0"/>
+          <a:chOff x="0" y="0"/>
+          <a:chExt cx="0" cy="0"/>
+        </a:xfrm>
+      </p:grpSpPr>
+      <p:sp>
+        <p:nvSpPr>
+          <p:cNvPr id="2" name="Title 1"/>
+          <p:cNvSpPr>
+            <a:spLocks noGrp="1"/>
+          </p:cNvSpPr>
+          <p:nvPr>
+            <p:ph type="title"/>
+          </p:nvPr>
+        </p:nvSpPr>
+        <p:spPr/>
+        <p:txBody>
+          <a:bodyPr/>
+          <a:lstStyle/>
+          <a:p>
+            <a:r>
+              <a:rPr lang="en-US" dirty="0" smtClean="0"/>
+              <a:t>Disorderly </a:t>
+            </a:r>
+            <a:r>
+              <a:rPr lang="en-US" dirty="0"/>
+              <a:t>p</a:t>
+            </a:r>
+            <a:r>
+              <a:rPr lang="en-US" dirty="0" smtClean="0"/>
+              <a:t>rogramming</a:t>
+            </a:r>
+            <a:endParaRPr lang="en-US" dirty="0"/>
+          </a:p>
+        </p:txBody>
+      </p:sp>
+      <p:sp>
+        <p:nvSpPr>
+          <p:cNvPr id="3" name="Content Placeholder 2"/>
+          <p:cNvSpPr>
+            <a:spLocks noGrp="1"/>
+          </p:cNvSpPr>
+          <p:nvPr>
+            <p:ph idx="1"/>
+          </p:nvPr>
+        </p:nvSpPr>
+        <p:spPr/>
+        <p:txBody>
+          <a:bodyPr/>
+          <a:lstStyle/>
+          <a:p>
+            <a:pPr marL="0" indent="0">
+              <a:buNone/>
+            </a:pPr>
+            <a:r>
+              <a:rPr lang="en-US" dirty="0" smtClean="0"/>
+              <a:t>Idea: embody the ACID 2.0  design patterns in how we structure distributed programs.</a:t>
+            </a:r>
+          </a:p>
+          <a:p>
+            <a:pPr marL="0" indent="0">
+              <a:buNone/>
+            </a:pPr>
+            <a:endParaRPr lang="en-US" dirty="0"/>
+          </a:p>
+          <a:p>
+            <a:pPr marL="0" indent="0">
+              <a:buNone/>
+            </a:pPr>
+            <a:r>
+              <a:rPr lang="en-US" dirty="0" smtClean="0"/>
+              <a:t>Disorderly data: unordered relations</a:t>
+            </a:r>
+          </a:p>
+          <a:p>
+            <a:pPr marL="0" indent="0">
+              <a:buNone/>
+            </a:pPr>
+            <a:r>
+              <a:rPr lang="en-US" dirty="0" smtClean="0"/>
+              <a:t>Disorderly code: specify how data changes over time</a:t>
+            </a:r>
+            <a:endParaRPr lang="en-US" dirty="0"/>
+          </a:p>
+        </p:txBody>
+      </p:sp>
+    </p:spTree>
+    <p:extLst>
+      <p:ext uri="{BB962C8B-B14F-4D97-AF65-F5344CB8AC3E}">
+        <p14:creationId xmlns:p14="http://schemas.microsoft.com/office/powerpoint/2010/main" val="4171936338"/>
+      </p:ext>
+    </p:extLst>
+  </p:cSld>
+  <p:clrMapOvr>
+    <a:masterClrMapping/>
+  </p:clrMapOvr>
+  <p:timing>
+    <p:tnLst>
+      <p:par>
+        <p:cTn xmlns:p14="http://schemas.microsoft.com/office/powerpoint/2010/main" id="1" dur="indefinite" restart="never" nodeType="tmRoot"/>
+      </p:par>
+    </p:tnLst>
+  </p:timing>
+</p:sld>
+</file>
+
+<file path=ppt/slides/slide67.xml><?xml version="1.0" encoding="utf-8"?>
+<p:sld xmlns:a="http://schemas.openxmlformats.org/drawingml/2006/main" xmlns:r="http://schemas.openxmlformats.org/officeDocument/2006/relationships" xmlns:p="http://schemas.openxmlformats.org/presentationml/2006/main">
+  <p:cSld>
+    <p:spTree>
+      <p:nvGrpSpPr>
+        <p:cNvPr id="1" name=""/>
+        <p:cNvGrpSpPr/>
+        <p:nvPr/>
+      </p:nvGrpSpPr>
+      <p:grpSpPr>
+        <a:xfrm>
+          <a:off x="0" y="0"/>
+          <a:ext cx="0" cy="0"/>
+          <a:chOff x="0" y="0"/>
+          <a:chExt cx="0" cy="0"/>
+        </a:xfrm>
+      </p:grpSpPr>
+      <p:sp>
+        <p:nvSpPr>
+          <p:cNvPr id="2" name="Title 1"/>
+          <p:cNvSpPr>
+            <a:spLocks noGrp="1"/>
+          </p:cNvSpPr>
+          <p:nvPr>
+            <p:ph type="title"/>
+          </p:nvPr>
+        </p:nvSpPr>
+        <p:spPr/>
+        <p:txBody>
+          <a:bodyPr/>
+          <a:lstStyle/>
+          <a:p>
+            <a:r>
+              <a:rPr lang="en-US" dirty="0" smtClean="0"/>
+              <a:t>Bloom</a:t>
+            </a:r>
+            <a:endParaRPr lang="en-US" dirty="0"/>
+          </a:p>
+        </p:txBody>
+      </p:sp>
+      <p:sp>
+        <p:nvSpPr>
+          <p:cNvPr id="3" name="Content Placeholder 2"/>
+          <p:cNvSpPr>
+            <a:spLocks noGrp="1"/>
+          </p:cNvSpPr>
+          <p:nvPr>
+            <p:ph idx="1"/>
+          </p:nvPr>
+        </p:nvSpPr>
+        <p:spPr/>
+        <p:txBody>
+          <a:bodyPr/>
+          <a:lstStyle/>
+          <a:p>
+            <a:endParaRPr lang="en-US" dirty="0"/>
+          </a:p>
+        </p:txBody>
+      </p:sp>
+    </p:spTree>
+    <p:extLst>
+      <p:ext uri="{BB962C8B-B14F-4D97-AF65-F5344CB8AC3E}">
+        <p14:creationId xmlns:p14="http://schemas.microsoft.com/office/powerpoint/2010/main" val="2873972462"/>
+      </p:ext>
+    </p:extLst>
+  </p:cSld>
+  <p:clrMapOvr>
+    <a:masterClrMapping/>
+  </p:clrMapOvr>
+  <p:timing>
+    <p:tnLst>
+      <p:par>
+        <p:cTn xmlns:p14="http://schemas.microsoft.com/office/powerpoint/2010/main" id="1" dur="indefinite" restart="never" nodeType="tmRoot"/>
+      </p:par>
+    </p:tnLst>
+  </p:timing>
+</p:sld>
+</file>
+
+<file path=ppt/slides/slide68.xml><?xml version="1.0" encoding="utf-8"?>
+<p:sld xmlns:a="http://schemas.openxmlformats.org/drawingml/2006/main" xmlns:r="http://schemas.openxmlformats.org/officeDocument/2006/relationships" xmlns:p="http://schemas.openxmlformats.org/presentationml/2006/main">
+  <p:cSld>
+    <p:spTree>
+      <p:nvGrpSpPr>
+        <p:cNvPr id="1" name=""/>
+        <p:cNvGrpSpPr/>
+        <p:nvPr/>
+      </p:nvGrpSpPr>
+      <p:grpSpPr>
+        <a:xfrm>
+          <a:off x="0" y="0"/>
+          <a:ext cx="0" cy="0"/>
+          <a:chOff x="0" y="0"/>
+          <a:chExt cx="0" cy="0"/>
+        </a:xfrm>
+      </p:grpSpPr>
+      <p:sp>
+        <p:nvSpPr>
+          <p:cNvPr id="2" name="Title 1"/>
+          <p:cNvSpPr>
+            <a:spLocks noGrp="1"/>
+          </p:cNvSpPr>
+          <p:nvPr>
+            <p:ph type="title"/>
+          </p:nvPr>
+        </p:nvSpPr>
+        <p:spPr/>
+        <p:txBody>
+          <a:bodyPr/>
+          <a:lstStyle/>
+          <a:p>
+            <a:r>
+              <a:rPr lang="en-US" dirty="0" smtClean="0"/>
+              <a:t>Bloom Rules</a:t>
+            </a:r>
+            <a:endParaRPr lang="en-US" dirty="0"/>
+          </a:p>
+        </p:txBody>
+      </p:sp>
+      <p:sp>
+        <p:nvSpPr>
+          <p:cNvPr id="3" name="Content Placeholder 2"/>
+          <p:cNvSpPr>
+            <a:spLocks noGrp="1"/>
+          </p:cNvSpPr>
+          <p:nvPr>
+            <p:ph idx="1"/>
+          </p:nvPr>
+        </p:nvSpPr>
+        <p:spPr>
+          <a:xfrm>
+            <a:off x="457200" y="1600200"/>
+            <a:ext cx="7269585" cy="1046613"/>
+          </a:xfrm>
+        </p:spPr>
+        <p:txBody>
+          <a:bodyPr/>
+          <a:lstStyle/>
+          <a:p>
+            <a:pPr marL="0" indent="0">
+              <a:buNone/>
+            </a:pPr>
+            <a:r>
+              <a:rPr lang="en-US" sz="1800" b="1" dirty="0" smtClean="0">
+                <a:solidFill>
+                  <a:srgbClr val="008000"/>
+                </a:solidFill>
+                <a:latin typeface="Courier-Bold"/>
+              </a:rPr>
+              <a:t>                                    do</a:t>
+            </a:r>
+            <a:r>
+              <a:rPr lang="en-US" sz="1800" dirty="0" smtClean="0">
+                <a:solidFill>
+                  <a:prstClr val="black"/>
+                </a:solidFill>
+                <a:latin typeface="Courier"/>
+              </a:rPr>
+              <a:t> </a:t>
+            </a:r>
+            <a:r>
+              <a:rPr lang="en-US" sz="1800" dirty="0" smtClean="0">
+                <a:solidFill>
+                  <a:srgbClr val="666666"/>
+                </a:solidFill>
+                <a:latin typeface="Courier"/>
+              </a:rPr>
+              <a:t>|</a:t>
+            </a:r>
+            <a:r>
+              <a:rPr lang="en-US" sz="1800" dirty="0" err="1" smtClean="0">
+                <a:solidFill>
+                  <a:prstClr val="black"/>
+                </a:solidFill>
+                <a:latin typeface="Courier"/>
+              </a:rPr>
+              <a:t>mes</a:t>
+            </a:r>
+            <a:r>
+              <a:rPr lang="en-US" sz="1800" dirty="0" smtClean="0">
+                <a:solidFill>
+                  <a:prstClr val="black"/>
+                </a:solidFill>
+                <a:latin typeface="Courier"/>
+              </a:rPr>
+              <a:t>, </a:t>
+            </a:r>
+            <a:r>
+              <a:rPr lang="en-US" sz="1800" dirty="0" err="1" smtClean="0">
+                <a:solidFill>
+                  <a:prstClr val="black"/>
+                </a:solidFill>
+                <a:latin typeface="Courier"/>
+              </a:rPr>
+              <a:t>mem</a:t>
+            </a:r>
+            <a:r>
+              <a:rPr lang="en-US" sz="1800" dirty="0" smtClean="0">
+                <a:solidFill>
+                  <a:srgbClr val="666666"/>
+                </a:solidFill>
+                <a:latin typeface="Courier"/>
+              </a:rPr>
+              <a:t>|</a:t>
+            </a:r>
+            <a:r>
+              <a:rPr lang="en-US" sz="1800" dirty="0" smtClean="0">
+                <a:solidFill>
+                  <a:prstClr val="black"/>
+                </a:solidFill>
+                <a:latin typeface="Courier"/>
+              </a:rPr>
+              <a:t> </a:t>
+            </a:r>
+          </a:p>
+          <a:p>
+            <a:pPr marL="0" indent="0">
+              <a:buNone/>
+            </a:pPr>
+            <a:r>
+              <a:rPr lang="en-US" sz="1800" dirty="0" smtClean="0">
+                <a:solidFill>
+                  <a:srgbClr val="666666"/>
+                </a:solidFill>
+                <a:latin typeface="Courier"/>
+              </a:rPr>
+              <a:t>  [</a:t>
+            </a:r>
+            <a:r>
+              <a:rPr lang="en-US" sz="1800" dirty="0" err="1" smtClean="0">
+                <a:solidFill>
+                  <a:prstClr val="black"/>
+                </a:solidFill>
+                <a:latin typeface="Courier"/>
+              </a:rPr>
+              <a:t>mem</a:t>
+            </a:r>
+            <a:r>
+              <a:rPr lang="en-US" sz="1800" dirty="0" err="1" smtClean="0">
+                <a:solidFill>
+                  <a:srgbClr val="666666"/>
+                </a:solidFill>
+                <a:latin typeface="Courier"/>
+              </a:rPr>
+              <a:t>.</a:t>
+            </a:r>
+            <a:r>
+              <a:rPr lang="en-US" sz="1800" dirty="0" err="1" smtClean="0">
+                <a:solidFill>
+                  <a:prstClr val="black"/>
+                </a:solidFill>
+                <a:latin typeface="Courier"/>
+              </a:rPr>
+              <a:t>address</a:t>
+            </a:r>
+            <a:r>
+              <a:rPr lang="en-US" sz="1800" dirty="0" smtClean="0">
+                <a:solidFill>
+                  <a:prstClr val="black"/>
+                </a:solidFill>
+                <a:latin typeface="Courier"/>
+              </a:rPr>
+              <a:t>, </a:t>
+            </a:r>
+            <a:r>
+              <a:rPr lang="en-US" sz="1800" dirty="0" err="1" smtClean="0">
+                <a:solidFill>
+                  <a:prstClr val="black"/>
+                </a:solidFill>
+                <a:latin typeface="Courier"/>
+              </a:rPr>
+              <a:t>mes</a:t>
+            </a:r>
+            <a:r>
+              <a:rPr lang="en-US" sz="1800" dirty="0" err="1" smtClean="0">
+                <a:solidFill>
+                  <a:srgbClr val="666666"/>
+                </a:solidFill>
+                <a:latin typeface="Courier"/>
+              </a:rPr>
+              <a:t>.</a:t>
+            </a:r>
+            <a:r>
+              <a:rPr lang="en-US" sz="1800" dirty="0" err="1" smtClean="0">
+                <a:solidFill>
+                  <a:prstClr val="black"/>
+                </a:solidFill>
+                <a:latin typeface="Courier"/>
+              </a:rPr>
+              <a:t>id</a:t>
+            </a:r>
+            <a:r>
+              <a:rPr lang="en-US" sz="1800" dirty="0" smtClean="0">
+                <a:solidFill>
+                  <a:prstClr val="black"/>
+                </a:solidFill>
+                <a:latin typeface="Courier"/>
+              </a:rPr>
+              <a:t>, </a:t>
+            </a:r>
+            <a:r>
+              <a:rPr lang="en-US" sz="1800" dirty="0" err="1" smtClean="0">
+                <a:solidFill>
+                  <a:prstClr val="black"/>
+                </a:solidFill>
+                <a:latin typeface="Courier"/>
+              </a:rPr>
+              <a:t>mes</a:t>
+            </a:r>
+            <a:r>
+              <a:rPr lang="en-US" sz="1800" dirty="0" err="1" smtClean="0">
+                <a:solidFill>
+                  <a:srgbClr val="666666"/>
+                </a:solidFill>
+                <a:latin typeface="Courier"/>
+              </a:rPr>
+              <a:t>.</a:t>
+            </a:r>
+            <a:r>
+              <a:rPr lang="en-US" sz="1800" dirty="0" err="1" smtClean="0">
+                <a:solidFill>
+                  <a:prstClr val="black"/>
+                </a:solidFill>
+                <a:latin typeface="Courier"/>
+              </a:rPr>
+              <a:t>payload</a:t>
+            </a:r>
+            <a:r>
+              <a:rPr lang="en-US" sz="1800" dirty="0" smtClean="0">
+                <a:solidFill>
+                  <a:srgbClr val="666666"/>
+                </a:solidFill>
+                <a:latin typeface="Courier"/>
+              </a:rPr>
+              <a:t>]</a:t>
+            </a:r>
+            <a:endParaRPr lang="en-US" sz="1800" dirty="0" smtClean="0">
+              <a:solidFill>
+                <a:prstClr val="black"/>
+              </a:solidFill>
+              <a:latin typeface="Courier"/>
+            </a:endParaRPr>
+          </a:p>
+          <a:p>
+            <a:pPr marL="0" indent="0">
+              <a:buNone/>
+            </a:pPr>
+            <a:r>
+              <a:rPr lang="en-US" sz="1800" b="1" dirty="0" smtClean="0">
+                <a:solidFill>
+                  <a:srgbClr val="008000"/>
+                </a:solidFill>
+                <a:latin typeface="Courier-Bold"/>
+              </a:rPr>
+              <a:t>end</a:t>
+            </a:r>
+            <a:endParaRPr lang="en-US" sz="1800" dirty="0">
+              <a:solidFill>
+                <a:prstClr val="black"/>
+              </a:solidFill>
+              <a:latin typeface="Courier"/>
+            </a:endParaRPr>
+          </a:p>
+          <a:p>
+            <a:pPr marL="0" indent="0">
+              <a:buNone/>
+            </a:pPr>
+            <a:endParaRPr lang="en-US" dirty="0"/>
+          </a:p>
+        </p:txBody>
+      </p:sp>
+      <p:pic>
+        <p:nvPicPr>
+          <p:cNvPr id="4" name="Picture 3" descr="lhs.pdf"/>
+          <p:cNvPicPr>
+            <a:picLocks noChangeAspect="1"/>
+          </p:cNvPicPr>
+          <p:nvPr/>
+        </p:nvPicPr>
+        <p:blipFill>
+          <a:blip r:embed="rId3">
+            <a:extLst>
+              <a:ext uri="{28A0092B-C50C-407E-A947-70E740481C1C}">
+                <a14:useLocalDpi xmlns:a14="http://schemas.microsoft.com/office/drawing/2010/main" val="0"/>
+              </a:ext>
+            </a:extLst>
+          </a:blip>
+          <a:stretch>
+            <a:fillRect/>
+          </a:stretch>
+        </p:blipFill>
+        <p:spPr>
+          <a:xfrm>
+            <a:off x="246483" y="2857608"/>
+            <a:ext cx="2286000" cy="3784600"/>
+          </a:xfrm>
+          <a:prstGeom prst="rect">
+            <a:avLst/>
+          </a:prstGeom>
+        </p:spPr>
+      </p:pic>
+      <p:pic>
+        <p:nvPicPr>
+          <p:cNvPr id="5" name="Picture 4" descr="from.pdf"/>
+          <p:cNvPicPr>
+            <a:picLocks noChangeAspect="1"/>
+          </p:cNvPicPr>
+          <p:nvPr/>
+        </p:nvPicPr>
+        <p:blipFill>
+          <a:blip r:embed="rId4">
+            <a:extLst>
+              <a:ext uri="{28A0092B-C50C-407E-A947-70E740481C1C}">
+                <a14:useLocalDpi xmlns:a14="http://schemas.microsoft.com/office/drawing/2010/main" val="0"/>
+              </a:ext>
+            </a:extLst>
+          </a:blip>
+          <a:stretch>
+            <a:fillRect/>
+          </a:stretch>
+        </p:blipFill>
+        <p:spPr>
+          <a:xfrm>
+            <a:off x="4940300" y="2826356"/>
+            <a:ext cx="2209800" cy="2349500"/>
+          </a:xfrm>
+          <a:prstGeom prst="rect">
+            <a:avLst/>
+          </a:prstGeom>
+        </p:spPr>
+      </p:pic>
+      <p:pic>
+        <p:nvPicPr>
+          <p:cNvPr id="7" name="Picture 6" descr="expr.pdf"/>
+          <p:cNvPicPr>
+            <a:picLocks noChangeAspect="1"/>
+          </p:cNvPicPr>
+          <p:nvPr/>
+        </p:nvPicPr>
+        <p:blipFill>
+          <a:blip r:embed="rId5">
+            <a:extLst>
+              <a:ext uri="{28A0092B-C50C-407E-A947-70E740481C1C}">
+                <a14:useLocalDpi xmlns:a14="http://schemas.microsoft.com/office/drawing/2010/main" val="0"/>
+              </a:ext>
+            </a:extLst>
+          </a:blip>
+          <a:stretch>
+            <a:fillRect/>
+          </a:stretch>
+        </p:blipFill>
+        <p:spPr>
+          <a:xfrm>
+            <a:off x="7150100" y="2833106"/>
+            <a:ext cx="1993900" cy="2019300"/>
+          </a:xfrm>
+          <a:prstGeom prst="rect">
+            <a:avLst/>
+          </a:prstGeom>
+        </p:spPr>
+      </p:pic>
+      <p:pic>
+        <p:nvPicPr>
+          <p:cNvPr id="8" name="Picture 7" descr="accum.pdf"/>
+          <p:cNvPicPr>
+            <a:picLocks noChangeAspect="1"/>
+          </p:cNvPicPr>
+          <p:nvPr/>
+        </p:nvPicPr>
+        <p:blipFill>
+          <a:blip r:embed="rId6">
+            <a:extLst>
+              <a:ext uri="{28A0092B-C50C-407E-A947-70E740481C1C}">
+                <a14:useLocalDpi xmlns:a14="http://schemas.microsoft.com/office/drawing/2010/main" val="0"/>
+              </a:ext>
+            </a:extLst>
+          </a:blip>
+          <a:stretch>
+            <a:fillRect/>
+          </a:stretch>
+        </p:blipFill>
+        <p:spPr>
+          <a:xfrm>
+            <a:off x="2727168" y="2826356"/>
+            <a:ext cx="1993900" cy="3009900"/>
+          </a:xfrm>
+          <a:prstGeom prst="rect">
+            <a:avLst/>
+          </a:prstGeom>
+        </p:spPr>
+      </p:pic>
+      <p:sp>
+        <p:nvSpPr>
+          <p:cNvPr id="10" name="Rectangle 9"/>
+          <p:cNvSpPr/>
+          <p:nvPr/>
+        </p:nvSpPr>
+        <p:spPr>
+          <a:xfrm>
+            <a:off x="457200" y="1597737"/>
+            <a:ext cx="1431364" cy="369332"/>
+          </a:xfrm>
+          <a:prstGeom prst="rect">
+            <a:avLst/>
+          </a:prstGeom>
+        </p:spPr>
+        <p:txBody>
+          <a:bodyPr wrap="none">
+            <a:spAutoFit/>
+          </a:bodyPr>
+          <a:lstStyle/>
+          <a:p>
+            <a:r>
+              <a:rPr lang="en-US" dirty="0" smtClean="0">
+                <a:solidFill>
+                  <a:prstClr val="black"/>
+                </a:solidFill>
+                <a:latin typeface="Courier"/>
+              </a:rPr>
+              <a:t>multicast</a:t>
+            </a:r>
+            <a:endParaRPr lang="en-US" dirty="0"/>
+          </a:p>
+        </p:txBody>
+      </p:sp>
+      <p:sp>
+        <p:nvSpPr>
+          <p:cNvPr id="11" name="Rectangle 10"/>
+          <p:cNvSpPr/>
+          <p:nvPr/>
+        </p:nvSpPr>
+        <p:spPr>
+          <a:xfrm>
+            <a:off x="1883349" y="1597737"/>
+            <a:ext cx="461710" cy="369332"/>
+          </a:xfrm>
+          <a:prstGeom prst="rect">
+            <a:avLst/>
+          </a:prstGeom>
+        </p:spPr>
+        <p:txBody>
+          <a:bodyPr wrap="none">
+            <a:spAutoFit/>
+          </a:bodyPr>
+          <a:lstStyle/>
+          <a:p>
+            <a:r>
+              <a:rPr lang="en-US" dirty="0">
+                <a:solidFill>
+                  <a:srgbClr val="666666"/>
+                </a:solidFill>
+                <a:latin typeface="Courier"/>
+              </a:rPr>
+              <a:t>&lt;~</a:t>
+            </a:r>
+            <a:endParaRPr lang="en-US" dirty="0"/>
+          </a:p>
+        </p:txBody>
+      </p:sp>
+      <p:sp>
+        <p:nvSpPr>
+          <p:cNvPr id="12" name="Rectangle 11"/>
+          <p:cNvSpPr/>
+          <p:nvPr/>
+        </p:nvSpPr>
+        <p:spPr>
+          <a:xfrm>
+            <a:off x="2345059" y="1597737"/>
+            <a:ext cx="2816584" cy="369332"/>
+          </a:xfrm>
+          <a:prstGeom prst="rect">
+            <a:avLst/>
+          </a:prstGeom>
+        </p:spPr>
+        <p:txBody>
+          <a:bodyPr wrap="none">
+            <a:spAutoFit/>
+          </a:bodyPr>
+          <a:lstStyle/>
+          <a:p>
+            <a:r>
+              <a:rPr lang="en-US" dirty="0">
+                <a:solidFill>
+                  <a:prstClr val="black"/>
+                </a:solidFill>
+                <a:latin typeface="Courier"/>
+              </a:rPr>
+              <a:t>(message * members) </a:t>
+            </a:r>
+            <a:endParaRPr lang="en-US" dirty="0"/>
+          </a:p>
+        </p:txBody>
+      </p:sp>
+    </p:spTree>
+    <p:extLst>
+      <p:ext uri="{BB962C8B-B14F-4D97-AF65-F5344CB8AC3E}">
+        <p14:creationId xmlns:p14="http://schemas.microsoft.com/office/powerpoint/2010/main" val="3161549905"/>
+      </p:ext>
+    </p:extLst>
+  </p:cSld>
+  <p:clrMapOvr>
+    <a:masterClrMapping/>
+  </p:clrMapOvr>
+  <p:timing>
+    <p:tnLst>
+      <p:par>
+        <p:cTn xmlns:p14="http://schemas.microsoft.com/office/powerpoint/2010/main" id="1" dur="indefinite" restart="never" nodeType="tmRoot">
+          <p:childTnLst>
+            <p:seq concurrent="1" nextAc="seek">
+              <p:cTn id="2" dur="indefinite" nodeType="mainSeq">
+                <p:childTnLst>
+                  <p:par>
+                    <p:cTn id="3" fill="hold">
+                      <p:stCondLst>
+                        <p:cond delay="indefinite"/>
+                      </p:stCondLst>
+                      <p:childTnLst>
+                        <p:par>
+                          <p:cTn id="4" fill="hold">
+                            <p:stCondLst>
+                              <p:cond delay="0"/>
+                            </p:stCondLst>
+                            <p:childTnLst>
+                              <p:par>
+                                <p:cTn id="5" presetID="9" presetClass="entr" presetSubtype="0" fill="hold" nodeType="clickEffect">
+                                  <p:stCondLst>
+                                    <p:cond delay="0"/>
+                                  </p:stCondLst>
+                                  <p:childTnLst>
+                                    <p:set>
+                                      <p:cBhvr>
+                                        <p:cTn id="6" dur="1" fill="hold">
+                                          <p:stCondLst>
+                                            <p:cond delay="0"/>
+                                          </p:stCondLst>
+                                        </p:cTn>
+                                        <p:tgtEl>
+                                          <p:spTgt spid="4"/>
+                                        </p:tgtEl>
+                                        <p:attrNameLst>
+                                          <p:attrName>style.visibility</p:attrName>
+                                        </p:attrNameLst>
+                                      </p:cBhvr>
+                                      <p:to>
+                                        <p:strVal val="visible"/>
+                                      </p:to>
+                                    </p:set>
+                                    <p:animEffect transition="in" filter="dissolve">
+                                      <p:cBhvr>
+                                        <p:cTn id="7" dur="500"/>
+                                        <p:tgtEl>
+                                          <p:spTgt spid="4"/>
+                                        </p:tgtEl>
+                                      </p:cBhvr>
+                                    </p:animEffect>
+                                  </p:childTnLst>
+                                </p:cTn>
+                              </p:par>
+                            </p:childTnLst>
+                          </p:cTn>
+                        </p:par>
+                      </p:childTnLst>
+                    </p:cTn>
+                  </p:par>
+                  <p:par>
+                    <p:cTn id="8" fill="hold">
+                      <p:stCondLst>
+                        <p:cond delay="indefinite"/>
+                      </p:stCondLst>
+                      <p:childTnLst>
+                        <p:par>
+                          <p:cTn id="9" fill="hold">
+                            <p:stCondLst>
+                              <p:cond delay="0"/>
+                            </p:stCondLst>
+                            <p:childTnLst>
+                              <p:par>
+                                <p:cTn id="10" presetID="1" presetClass="emph" presetSubtype="2" fill="hold" nodeType="clickEffect">
+                                  <p:stCondLst>
+                                    <p:cond delay="0"/>
+                                  </p:stCondLst>
+                                  <p:childTnLst>
+                                    <p:animClr clrSpc="rgb" dir="cw">
+                                      <p:cBhvr>
+                                        <p:cTn id="11" dur="2000" fill="hold"/>
+                                        <p:tgtEl>
+                                          <p:spTgt spid="10"/>
+                                        </p:tgtEl>
+                                        <p:attrNameLst>
+                                          <p:attrName>fillcolor</p:attrName>
+                                        </p:attrNameLst>
+                                      </p:cBhvr>
+                                      <p:to>
+                                        <a:schemeClr val="accent2"/>
+                                      </p:to>
+                                    </p:animClr>
+                                    <p:set>
+                                      <p:cBhvr>
+                                        <p:cTn id="12" dur="2000" fill="hold"/>
+                                        <p:tgtEl>
+                                          <p:spTgt spid="10"/>
+                                        </p:tgtEl>
+                                        <p:attrNameLst>
+                                          <p:attrName>fill.type</p:attrName>
+                                        </p:attrNameLst>
+                                      </p:cBhvr>
+                                      <p:to>
+                                        <p:strVal val="solid"/>
+                                      </p:to>
+                                    </p:set>
+                                    <p:set>
+                                      <p:cBhvr>
+                                        <p:cTn id="13" dur="2000" fill="hold"/>
+                                        <p:tgtEl>
+                                          <p:spTgt spid="10"/>
+                                        </p:tgtEl>
+                                        <p:attrNameLst>
+                                          <p:attrName>fill.on</p:attrName>
+                                        </p:attrNameLst>
+                                      </p:cBhvr>
+                                      <p:to>
+                                        <p:strVal val="true"/>
+                                      </p:to>
+                                    </p:set>
+                                  </p:childTnLst>
+                                </p:cTn>
+                              </p:par>
+                            </p:childTnLst>
+                          </p:cTn>
+                        </p:par>
+                      </p:childTnLst>
+                    </p:cTn>
+                  </p:par>
+                  <p:par>
+                    <p:cTn id="14" fill="hold">
+                      <p:stCondLst>
+                        <p:cond delay="indefinite"/>
+                      </p:stCondLst>
+                      <p:childTnLst>
+                        <p:par>
+                          <p:cTn id="15" fill="hold">
+                            <p:stCondLst>
+                              <p:cond delay="0"/>
+                            </p:stCondLst>
+                            <p:childTnLst>
+                              <p:par>
+                                <p:cTn id="16" presetID="9" presetClass="entr" presetSubtype="0" fill="hold" nodeType="clickEffect">
+                                  <p:stCondLst>
+                                    <p:cond delay="0"/>
+                                  </p:stCondLst>
+                                  <p:childTnLst>
+                                    <p:set>
+                                      <p:cBhvr>
+                                        <p:cTn id="17" dur="1" fill="hold">
+                                          <p:stCondLst>
+                                            <p:cond delay="0"/>
+                                          </p:stCondLst>
+                                        </p:cTn>
+                                        <p:tgtEl>
+                                          <p:spTgt spid="5"/>
+                                        </p:tgtEl>
+                                        <p:attrNameLst>
+                                          <p:attrName>style.visibility</p:attrName>
+                                        </p:attrNameLst>
+                                      </p:cBhvr>
+                                      <p:to>
+                                        <p:strVal val="visible"/>
+                                      </p:to>
+                                    </p:set>
+                                    <p:animEffect transition="in" filter="dissolve">
+                                      <p:cBhvr>
+                                        <p:cTn id="18" dur="500"/>
+                                        <p:tgtEl>
+                                          <p:spTgt spid="5"/>
+                                        </p:tgtEl>
+                                      </p:cBhvr>
+                                    </p:animEffect>
+                                  </p:childTnLst>
+                                </p:cTn>
+                              </p:par>
+                            </p:childTnLst>
+                          </p:cTn>
+                        </p:par>
+                      </p:childTnLst>
+                    </p:cTn>
+                  </p:par>
+                  <p:par>
+                    <p:cTn id="19" fill="hold">
+                      <p:stCondLst>
+                        <p:cond delay="indefinite"/>
+                      </p:stCondLst>
+                      <p:childTnLst>
+                        <p:par>
+                          <p:cTn id="20" fill="hold">
+                            <p:stCondLst>
+                              <p:cond delay="0"/>
+                            </p:stCondLst>
+                            <p:childTnLst>
+                              <p:par>
+                                <p:cTn id="21" presetID="1" presetClass="emph" presetSubtype="2" fill="hold" nodeType="clickEffect">
+                                  <p:stCondLst>
+                                    <p:cond delay="0"/>
+                                  </p:stCondLst>
+                                  <p:childTnLst>
+                                    <p:animClr clrSpc="rgb" dir="cw">
+                                      <p:cBhvr>
+                                        <p:cTn id="22" dur="2000" fill="hold"/>
+                                        <p:tgtEl>
+                                          <p:spTgt spid="12"/>
+                                        </p:tgtEl>
+                                        <p:attrNameLst>
+                                          <p:attrName>fillcolor</p:attrName>
+                                        </p:attrNameLst>
+                                      </p:cBhvr>
+                                      <p:to>
+                                        <a:schemeClr val="accent2"/>
+                                      </p:to>
+                                    </p:animClr>
+                                    <p:set>
+                                      <p:cBhvr>
+                                        <p:cTn id="23" dur="2000" fill="hold"/>
+                                        <p:tgtEl>
+                                          <p:spTgt spid="12"/>
+                                        </p:tgtEl>
+                                        <p:attrNameLst>
+                                          <p:attrName>fill.type</p:attrName>
+                                        </p:attrNameLst>
+                                      </p:cBhvr>
+                                      <p:to>
+                                        <p:strVal val="solid"/>
+                                      </p:to>
+                                    </p:set>
+                                    <p:set>
+                                      <p:cBhvr>
+                                        <p:cTn id="24" dur="2000" fill="hold"/>
+                                        <p:tgtEl>
+                                          <p:spTgt spid="12"/>
+                                        </p:tgtEl>
+                                        <p:attrNameLst>
+                                          <p:attrName>fill.on</p:attrName>
+                                        </p:attrNameLst>
+                                      </p:cBhvr>
+                                      <p:to>
+                                        <p:strVal val="true"/>
+                                      </p:to>
+                                    </p:set>
+                                  </p:childTnLst>
+                                </p:cTn>
+                              </p:par>
+                            </p:childTnLst>
+                          </p:cTn>
+                        </p:par>
+                      </p:childTnLst>
+                    </p:cTn>
+                  </p:par>
+                  <p:par>
+                    <p:cTn id="25" fill="hold">
+                      <p:stCondLst>
+                        <p:cond delay="indefinite"/>
+                      </p:stCondLst>
+                      <p:childTnLst>
+                        <p:par>
+                          <p:cTn id="26" fill="hold">
+                            <p:stCondLst>
+                              <p:cond delay="0"/>
+                            </p:stCondLst>
+                            <p:childTnLst>
+                              <p:par>
+                                <p:cTn id="27" presetID="9" presetClass="entr" presetSubtype="0" fill="hold" nodeType="clickEffect">
+                                  <p:stCondLst>
+                                    <p:cond delay="0"/>
+                                  </p:stCondLst>
+                                  <p:childTnLst>
+                                    <p:set>
+                                      <p:cBhvr>
+                                        <p:cTn id="28" dur="1" fill="hold">
+                                          <p:stCondLst>
+                                            <p:cond delay="0"/>
+                                          </p:stCondLst>
+                                        </p:cTn>
+                                        <p:tgtEl>
+                                          <p:spTgt spid="7"/>
+                                        </p:tgtEl>
+                                        <p:attrNameLst>
+                                          <p:attrName>style.visibility</p:attrName>
+                                        </p:attrNameLst>
+                                      </p:cBhvr>
+                                      <p:to>
+                                        <p:strVal val="visible"/>
+                                      </p:to>
+                                    </p:set>
+                                    <p:animEffect transition="in" filter="dissolve">
+                                      <p:cBhvr>
+                                        <p:cTn id="29" dur="500"/>
+                                        <p:tgtEl>
+                                          <p:spTgt spid="7"/>
+                                        </p:tgtEl>
+                                      </p:cBhvr>
+                                    </p:animEffect>
+                                  </p:childTnLst>
+                                </p:cTn>
+                              </p:par>
+                            </p:childTnLst>
+                          </p:cTn>
+                        </p:par>
+                      </p:childTnLst>
+                    </p:cTn>
+                  </p:par>
+                  <p:par>
+                    <p:cTn id="30" fill="hold">
+                      <p:stCondLst>
+                        <p:cond delay="indefinite"/>
+                      </p:stCondLst>
+                      <p:childTnLst>
+                        <p:par>
+                          <p:cTn id="31" fill="hold">
+                            <p:stCondLst>
+                              <p:cond delay="0"/>
+                            </p:stCondLst>
+                            <p:childTnLst>
+                              <p:par>
+                                <p:cTn id="32" presetID="9" presetClass="entr" presetSubtype="0" fill="hold" nodeType="clickEffect">
+                                  <p:stCondLst>
+                                    <p:cond delay="0"/>
+                                  </p:stCondLst>
+                                  <p:childTnLst>
+                                    <p:set>
+                                      <p:cBhvr>
+                                        <p:cTn id="33" dur="1" fill="hold">
+                                          <p:stCondLst>
+                                            <p:cond delay="0"/>
+                                          </p:stCondLst>
+                                        </p:cTn>
+                                        <p:tgtEl>
+                                          <p:spTgt spid="8"/>
+                                        </p:tgtEl>
+                                        <p:attrNameLst>
+                                          <p:attrName>style.visibility</p:attrName>
+                                        </p:attrNameLst>
+                                      </p:cBhvr>
+                                      <p:to>
+                                        <p:strVal val="visible"/>
+                                      </p:to>
+                                    </p:set>
+                                    <p:animEffect transition="in" filter="dissolve">
+                                      <p:cBhvr>
+                                        <p:cTn id="34" dur="500"/>
+                                        <p:tgtEl>
+                                          <p:spTgt spid="8"/>
+                                        </p:tgtEl>
+                                      </p:cBhvr>
+                                    </p:animEffect>
+                                  </p:childTnLst>
+                                </p:cTn>
+                              </p:par>
+                            </p:childTnLst>
+                          </p:cTn>
+                        </p:par>
+                      </p:childTnLst>
+                    </p:cTn>
+                  </p:par>
+                  <p:par>
+                    <p:cTn id="35" fill="hold">
+                      <p:stCondLst>
+                        <p:cond delay="indefinite"/>
+                      </p:stCondLst>
+                      <p:childTnLst>
+                        <p:par>
+                          <p:cTn id="36" fill="hold">
+                            <p:stCondLst>
+                              <p:cond delay="0"/>
+                            </p:stCondLst>
+                            <p:childTnLst>
+                              <p:par>
+                                <p:cTn id="37" presetID="1" presetClass="emph" presetSubtype="2" fill="hold" nodeType="clickEffect">
+                                  <p:stCondLst>
+                                    <p:cond delay="0"/>
+                                  </p:stCondLst>
+                                  <p:childTnLst>
+                                    <p:animClr clrSpc="rgb" dir="cw">
+                                      <p:cBhvr>
+                                        <p:cTn id="38" dur="2000" fill="hold"/>
+                                        <p:tgtEl>
+                                          <p:spTgt spid="11"/>
+                                        </p:tgtEl>
+                                        <p:attrNameLst>
+                                          <p:attrName>fillcolor</p:attrName>
+                                        </p:attrNameLst>
+                                      </p:cBhvr>
+                                      <p:to>
+                                        <a:schemeClr val="accent2"/>
+                                      </p:to>
+                                    </p:animClr>
+                                    <p:set>
+                                      <p:cBhvr>
+                                        <p:cTn id="39" dur="2000" fill="hold"/>
+                                        <p:tgtEl>
+                                          <p:spTgt spid="11"/>
+                                        </p:tgtEl>
+                                        <p:attrNameLst>
+                                          <p:attrName>fill.type</p:attrName>
+                                        </p:attrNameLst>
+                                      </p:cBhvr>
+                                      <p:to>
+                                        <p:strVal val="solid"/>
+                                      </p:to>
+                                    </p:set>
+                                    <p:set>
+                                      <p:cBhvr>
+                                        <p:cTn id="40" dur="2000" fill="hold"/>
+                                        <p:tgtEl>
+                                          <p:spTgt spid="11"/>
+                                        </p:tgtEl>
+                                        <p:attrNameLst>
+                                          <p:attrName>fill.on</p:attrName>
+                                        </p:attrNameLst>
+                                      </p:cBhvr>
+                                      <p:to>
+                                        <p:strVal val="true"/>
+                                      </p:to>
+                                    </p:set>
+                                  </p:childTnLst>
+                                </p:cTn>
+                              </p:par>
+                            </p:childTnLst>
+                          </p:cTn>
+                        </p:par>
+                      </p:childTnLst>
+                    </p:cTn>
+                  </p:par>
+                </p:childTnLst>
+              </p:cTn>
+              <p:prevCondLst>
+                <p:cond evt="onPrev" delay="0">
+                  <p:tgtEl>
+                    <p:sldTgt/>
+                  </p:tgtEl>
+                </p:cond>
+              </p:prevCondLst>
+              <p:nextCondLst>
+                <p:cond evt="onNext" delay="0">
+                  <p:tgtEl>
+                    <p:sldTgt/>
+                  </p:tgtEl>
+                </p:cond>
+              </p:nextCondLst>
+            </p:seq>
+          </p:childTnLst>
+        </p:cTn>
+      </p:par>
+    </p:tnLst>
+  </p:timing>
+</p:sld>
+</file>
+
+<file path=ppt/slides/slide69.xml><?xml version="1.0" encoding="utf-8"?>
+<p:sld xmlns:a="http://schemas.openxmlformats.org/drawingml/2006/main" xmlns:r="http://schemas.openxmlformats.org/officeDocument/2006/relationships" xmlns:p="http://schemas.openxmlformats.org/presentationml/2006/main">
+  <p:cSld>
+    <p:spTree>
+      <p:nvGrpSpPr>
+        <p:cNvPr id="1" name=""/>
+        <p:cNvGrpSpPr/>
+        <p:nvPr/>
+      </p:nvGrpSpPr>
+      <p:grpSpPr>
+        <a:xfrm>
+          <a:off x="0" y="0"/>
+          <a:ext cx="0" cy="0"/>
+          <a:chOff x="0" y="0"/>
+          <a:chExt cx="0" cy="0"/>
+        </a:xfrm>
+      </p:grpSpPr>
+      <p:sp>
+        <p:nvSpPr>
+          <p:cNvPr id="2" name="Title 1"/>
+          <p:cNvSpPr>
+            <a:spLocks noGrp="1"/>
+          </p:cNvSpPr>
+          <p:nvPr>
+            <p:ph type="title"/>
+          </p:nvPr>
+        </p:nvSpPr>
+        <p:spPr/>
+        <p:txBody>
+          <a:bodyPr/>
+          <a:lstStyle/>
+          <a:p>
+            <a:r>
+              <a:rPr lang="en-US" dirty="0" smtClean="0"/>
+              <a:t>Operational model</a:t>
+            </a:r>
+            <a:endParaRPr lang="en-US" dirty="0"/>
+          </a:p>
+        </p:txBody>
+      </p:sp>
+      <p:pic>
+        <p:nvPicPr>
+          <p:cNvPr id="4" name="Picture 3" descr="op_model.pdf"/>
+          <p:cNvPicPr>
+            <a:picLocks noChangeAspect="1"/>
+          </p:cNvPicPr>
+          <p:nvPr/>
+        </p:nvPicPr>
+        <p:blipFill>
+          <a:blip r:embed="rId3">
+            <a:extLst>
+              <a:ext uri="{28A0092B-C50C-407E-A947-70E740481C1C}">
+                <a14:useLocalDpi xmlns:a14="http://schemas.microsoft.com/office/drawing/2010/main" val="0"/>
+              </a:ext>
+            </a:extLst>
+          </a:blip>
+          <a:stretch>
+            <a:fillRect/>
+          </a:stretch>
+        </p:blipFill>
+        <p:spPr>
+          <a:xfrm rot="16200000">
+            <a:off x="1634941" y="-297387"/>
+            <a:ext cx="5832869" cy="7548418"/>
+          </a:xfrm>
+          <a:prstGeom prst="rect">
+            <a:avLst/>
+          </a:prstGeom>
+        </p:spPr>
+      </p:pic>
+    </p:spTree>
+    <p:extLst>
+      <p:ext uri="{BB962C8B-B14F-4D97-AF65-F5344CB8AC3E}">
+        <p14:creationId xmlns:p14="http://schemas.microsoft.com/office/powerpoint/2010/main" val="3180189005"/>
+      </p:ext>
+    </p:extLst>
+  </p:cSld>
+  <p:clrMapOvr>
+    <a:masterClrMapping/>
+  </p:clrMapOvr>
+  <p:timing>
+    <p:tnLst>
+      <p:par>
+        <p:cTn xmlns:p14="http://schemas.microsoft.com/office/powerpoint/2010/main" id="1" dur="indefinite" restart="never" nodeType="tmRoot"/>
+      </p:par>
+    </p:tnLst>
   </p:timing>
 </p:sld>
 </file>
